--- a/media/workshop.pptx
+++ b/media/workshop.pptx
@@ -5,10 +5,12 @@
     <p:sldMasterId id="2147483648" r:id="rId1"/>
   </p:sldMasterIdLst>
   <p:notesMasterIdLst>
-    <p:notesMasterId r:id="rId3"/>
+    <p:notesMasterId r:id="rId5"/>
   </p:notesMasterIdLst>
   <p:sldIdLst>
     <p:sldId id="256" r:id="rId2"/>
+    <p:sldId id="257" r:id="rId3"/>
+    <p:sldId id="258" r:id="rId4"/>
   </p:sldIdLst>
   <p:sldSz cx="12192000" cy="6858000"/>
   <p:notesSz cx="6858000" cy="9144000"/>
@@ -107,6 +109,11 @@
       </a:defRPr>
     </a:lvl9pPr>
   </p:defaultTextStyle>
+  <p:extLst>
+    <p:ext uri="{EFAFB233-063F-42B5-8137-9DF3F51BA10A}">
+      <p15:sldGuideLst xmlns:p15="http://schemas.microsoft.com/office/powerpoint/2012/main"/>
+    </p:ext>
+  </p:extLst>
 </p:presentation>
 </file>
 
@@ -192,7 +199,7 @@
           <a:p>
             <a:fld id="{A48A8C48-B3E7-451F-AD3C-7C38A874ED0C}" type="datetimeFigureOut">
               <a:rPr lang="en-GB" smtClean="0"/>
-              <a:t>13/07/2023</a:t>
+              <a:t>03/09/2024</a:t>
             </a:fld>
             <a:endParaRPr lang="en-GB"/>
           </a:p>
@@ -693,7 +700,7 @@
           <a:p>
             <a:fld id="{31EAB4FA-2558-41C8-8840-1B5E58534D56}" type="datetimeFigureOut">
               <a:rPr lang="en-GB" smtClean="0"/>
-              <a:t>13/07/2023</a:t>
+              <a:t>03/09/2024</a:t>
             </a:fld>
             <a:endParaRPr lang="en-GB"/>
           </a:p>
@@ -893,7 +900,7 @@
           <a:p>
             <a:fld id="{31EAB4FA-2558-41C8-8840-1B5E58534D56}" type="datetimeFigureOut">
               <a:rPr lang="en-GB" smtClean="0"/>
-              <a:t>13/07/2023</a:t>
+              <a:t>03/09/2024</a:t>
             </a:fld>
             <a:endParaRPr lang="en-GB"/>
           </a:p>
@@ -1103,7 +1110,7 @@
           <a:p>
             <a:fld id="{31EAB4FA-2558-41C8-8840-1B5E58534D56}" type="datetimeFigureOut">
               <a:rPr lang="en-GB" smtClean="0"/>
-              <a:t>13/07/2023</a:t>
+              <a:t>03/09/2024</a:t>
             </a:fld>
             <a:endParaRPr lang="en-GB"/>
           </a:p>
@@ -1303,7 +1310,7 @@
           <a:p>
             <a:fld id="{31EAB4FA-2558-41C8-8840-1B5E58534D56}" type="datetimeFigureOut">
               <a:rPr lang="en-GB" smtClean="0"/>
-              <a:t>13/07/2023</a:t>
+              <a:t>03/09/2024</a:t>
             </a:fld>
             <a:endParaRPr lang="en-GB"/>
           </a:p>
@@ -1579,7 +1586,7 @@
           <a:p>
             <a:fld id="{31EAB4FA-2558-41C8-8840-1B5E58534D56}" type="datetimeFigureOut">
               <a:rPr lang="en-GB" smtClean="0"/>
-              <a:t>13/07/2023</a:t>
+              <a:t>03/09/2024</a:t>
             </a:fld>
             <a:endParaRPr lang="en-GB"/>
           </a:p>
@@ -1847,7 +1854,7 @@
           <a:p>
             <a:fld id="{31EAB4FA-2558-41C8-8840-1B5E58534D56}" type="datetimeFigureOut">
               <a:rPr lang="en-GB" smtClean="0"/>
-              <a:t>13/07/2023</a:t>
+              <a:t>03/09/2024</a:t>
             </a:fld>
             <a:endParaRPr lang="en-GB"/>
           </a:p>
@@ -2262,7 +2269,7 @@
           <a:p>
             <a:fld id="{31EAB4FA-2558-41C8-8840-1B5E58534D56}" type="datetimeFigureOut">
               <a:rPr lang="en-GB" smtClean="0"/>
-              <a:t>13/07/2023</a:t>
+              <a:t>03/09/2024</a:t>
             </a:fld>
             <a:endParaRPr lang="en-GB"/>
           </a:p>
@@ -2404,7 +2411,7 @@
           <a:p>
             <a:fld id="{31EAB4FA-2558-41C8-8840-1B5E58534D56}" type="datetimeFigureOut">
               <a:rPr lang="en-GB" smtClean="0"/>
-              <a:t>13/07/2023</a:t>
+              <a:t>03/09/2024</a:t>
             </a:fld>
             <a:endParaRPr lang="en-GB"/>
           </a:p>
@@ -2517,7 +2524,7 @@
           <a:p>
             <a:fld id="{31EAB4FA-2558-41C8-8840-1B5E58534D56}" type="datetimeFigureOut">
               <a:rPr lang="en-GB" smtClean="0"/>
-              <a:t>13/07/2023</a:t>
+              <a:t>03/09/2024</a:t>
             </a:fld>
             <a:endParaRPr lang="en-GB"/>
           </a:p>
@@ -2830,7 +2837,7 @@
           <a:p>
             <a:fld id="{31EAB4FA-2558-41C8-8840-1B5E58534D56}" type="datetimeFigureOut">
               <a:rPr lang="en-GB" smtClean="0"/>
-              <a:t>13/07/2023</a:t>
+              <a:t>03/09/2024</a:t>
             </a:fld>
             <a:endParaRPr lang="en-GB"/>
           </a:p>
@@ -3119,7 +3126,7 @@
           <a:p>
             <a:fld id="{31EAB4FA-2558-41C8-8840-1B5E58534D56}" type="datetimeFigureOut">
               <a:rPr lang="en-GB" smtClean="0"/>
-              <a:t>13/07/2023</a:t>
+              <a:t>03/09/2024</a:t>
             </a:fld>
             <a:endParaRPr lang="en-GB"/>
           </a:p>
@@ -3362,7 +3369,7 @@
           <a:p>
             <a:fld id="{31EAB4FA-2558-41C8-8840-1B5E58534D56}" type="datetimeFigureOut">
               <a:rPr lang="en-GB" smtClean="0"/>
-              <a:t>13/07/2023</a:t>
+              <a:t>03/09/2024</a:t>
             </a:fld>
             <a:endParaRPr lang="en-GB"/>
           </a:p>
@@ -4331,6 +4338,923 @@
     <p:extLst>
       <p:ext uri="{BB962C8B-B14F-4D97-AF65-F5344CB8AC3E}">
         <p14:creationId xmlns:p14="http://schemas.microsoft.com/office/powerpoint/2010/main" val="2070259806"/>
+      </p:ext>
+    </p:extLst>
+  </p:cSld>
+  <p:clrMapOvr>
+    <a:masterClrMapping/>
+  </p:clrMapOvr>
+</p:sld>
+</file>
+
+<file path=ppt/slides/slide2.xml><?xml version="1.0" encoding="utf-8"?>
+<p:sld xmlns:a="http://schemas.openxmlformats.org/drawingml/2006/main" xmlns:r="http://schemas.openxmlformats.org/officeDocument/2006/relationships" xmlns:p="http://schemas.openxmlformats.org/presentationml/2006/main">
+  <p:cSld>
+    <p:spTree>
+      <p:nvGrpSpPr>
+        <p:cNvPr id="1" name=""/>
+        <p:cNvGrpSpPr/>
+        <p:nvPr/>
+      </p:nvGrpSpPr>
+      <p:grpSpPr>
+        <a:xfrm>
+          <a:off x="0" y="0"/>
+          <a:ext cx="0" cy="0"/>
+          <a:chOff x="0" y="0"/>
+          <a:chExt cx="0" cy="0"/>
+        </a:xfrm>
+      </p:grpSpPr>
+      <p:pic>
+        <p:nvPicPr>
+          <p:cNvPr id="5" name="Picture 4" descr="A black background with a black square&#10;&#10;Description automatically generated with medium confidence">
+            <a:extLst>
+              <a:ext uri="{FF2B5EF4-FFF2-40B4-BE49-F238E27FC236}">
+                <a16:creationId xmlns:a16="http://schemas.microsoft.com/office/drawing/2014/main" id="{00A5D914-6BF8-8717-E4E4-4A7E0C37FA83}"/>
+              </a:ext>
+            </a:extLst>
+          </p:cNvPr>
+          <p:cNvPicPr>
+            <a:picLocks noChangeAspect="1"/>
+          </p:cNvPicPr>
+          <p:nvPr/>
+        </p:nvPicPr>
+        <p:blipFill>
+          <a:blip r:embed="rId2">
+            <a:alphaModFix/>
+            <a:extLst>
+              <a:ext uri="{28A0092B-C50C-407E-A947-70E740481C1C}">
+                <a14:useLocalDpi xmlns:a14="http://schemas.microsoft.com/office/drawing/2010/main" val="0"/>
+              </a:ext>
+            </a:extLst>
+          </a:blip>
+          <a:stretch>
+            <a:fillRect/>
+          </a:stretch>
+        </p:blipFill>
+        <p:spPr>
+          <a:xfrm>
+            <a:off x="1197940" y="146779"/>
+            <a:ext cx="1269841" cy="1269841"/>
+          </a:xfrm>
+          <a:prstGeom prst="rect">
+            <a:avLst/>
+          </a:prstGeom>
+        </p:spPr>
+      </p:pic>
+      <p:pic>
+        <p:nvPicPr>
+          <p:cNvPr id="58" name="Picture 57" descr="A black background with a black square&#10;&#10;Description automatically generated with medium confidence">
+            <a:extLst>
+              <a:ext uri="{FF2B5EF4-FFF2-40B4-BE49-F238E27FC236}">
+                <a16:creationId xmlns:a16="http://schemas.microsoft.com/office/drawing/2014/main" id="{61B2DB07-2053-0FBC-DAB1-91074D5B036C}"/>
+              </a:ext>
+            </a:extLst>
+          </p:cNvPr>
+          <p:cNvPicPr>
+            <a:picLocks noChangeAspect="1"/>
+          </p:cNvPicPr>
+          <p:nvPr/>
+        </p:nvPicPr>
+        <p:blipFill>
+          <a:blip r:embed="rId3">
+            <a:extLst>
+              <a:ext uri="{28A0092B-C50C-407E-A947-70E740481C1C}">
+                <a14:useLocalDpi xmlns:a14="http://schemas.microsoft.com/office/drawing/2010/main" val="0"/>
+              </a:ext>
+            </a:extLst>
+          </a:blip>
+          <a:stretch>
+            <a:fillRect/>
+          </a:stretch>
+        </p:blipFill>
+        <p:spPr>
+          <a:xfrm>
+            <a:off x="5741549" y="346852"/>
+            <a:ext cx="1269089" cy="1269089"/>
+          </a:xfrm>
+          <a:prstGeom prst="rect">
+            <a:avLst/>
+          </a:prstGeom>
+        </p:spPr>
+      </p:pic>
+      <p:pic>
+        <p:nvPicPr>
+          <p:cNvPr id="59" name="Picture 58" descr="A black background with a black square&#10;&#10;Description automatically generated with medium confidence">
+            <a:extLst>
+              <a:ext uri="{FF2B5EF4-FFF2-40B4-BE49-F238E27FC236}">
+                <a16:creationId xmlns:a16="http://schemas.microsoft.com/office/drawing/2014/main" id="{0D4D445D-63D1-D8BB-B791-A9BE1F1A8FBB}"/>
+              </a:ext>
+            </a:extLst>
+          </p:cNvPr>
+          <p:cNvPicPr>
+            <a:picLocks noChangeAspect="1"/>
+          </p:cNvPicPr>
+          <p:nvPr/>
+        </p:nvPicPr>
+        <p:blipFill>
+          <a:blip r:embed="rId3">
+            <a:extLst>
+              <a:ext uri="{28A0092B-C50C-407E-A947-70E740481C1C}">
+                <a14:useLocalDpi xmlns:a14="http://schemas.microsoft.com/office/drawing/2010/main" val="0"/>
+              </a:ext>
+            </a:extLst>
+          </a:blip>
+          <a:stretch>
+            <a:fillRect/>
+          </a:stretch>
+        </p:blipFill>
+        <p:spPr>
+          <a:xfrm>
+            <a:off x="7013417" y="346852"/>
+            <a:ext cx="1269089" cy="1269089"/>
+          </a:xfrm>
+          <a:prstGeom prst="rect">
+            <a:avLst/>
+          </a:prstGeom>
+        </p:spPr>
+      </p:pic>
+      <p:sp>
+        <p:nvSpPr>
+          <p:cNvPr id="61" name="Isosceles Triangle 60">
+            <a:extLst>
+              <a:ext uri="{FF2B5EF4-FFF2-40B4-BE49-F238E27FC236}">
+                <a16:creationId xmlns:a16="http://schemas.microsoft.com/office/drawing/2014/main" id="{ECC8332E-9EB1-C3E8-EC1F-A5FE1F680489}"/>
+              </a:ext>
+            </a:extLst>
+          </p:cNvPr>
+          <p:cNvSpPr/>
+          <p:nvPr/>
+        </p:nvSpPr>
+        <p:spPr>
+          <a:xfrm rot="5400000">
+            <a:off x="7451057" y="824618"/>
+            <a:ext cx="393807" cy="313556"/>
+          </a:xfrm>
+          <a:prstGeom prst="triangle">
+            <a:avLst/>
+          </a:prstGeom>
+          <a:ln>
+            <a:noFill/>
+          </a:ln>
+        </p:spPr>
+        <p:style>
+          <a:lnRef idx="2">
+            <a:schemeClr val="accent1">
+              <a:shade val="15000"/>
+            </a:schemeClr>
+          </a:lnRef>
+          <a:fillRef idx="1">
+            <a:schemeClr val="accent1"/>
+          </a:fillRef>
+          <a:effectRef idx="0">
+            <a:schemeClr val="accent1"/>
+          </a:effectRef>
+          <a:fontRef idx="minor">
+            <a:schemeClr val="lt1"/>
+          </a:fontRef>
+        </p:style>
+        <p:txBody>
+          <a:bodyPr rtlCol="0" anchor="ctr"/>
+          <a:lstStyle/>
+          <a:p>
+            <a:pPr algn="ctr"/>
+            <a:endParaRPr lang="en-GB"/>
+          </a:p>
+        </p:txBody>
+      </p:sp>
+      <p:sp>
+        <p:nvSpPr>
+          <p:cNvPr id="62" name="Isosceles Triangle 61">
+            <a:extLst>
+              <a:ext uri="{FF2B5EF4-FFF2-40B4-BE49-F238E27FC236}">
+                <a16:creationId xmlns:a16="http://schemas.microsoft.com/office/drawing/2014/main" id="{DAD591F2-CCDA-E8C8-377C-3A003B761A6A}"/>
+              </a:ext>
+            </a:extLst>
+          </p:cNvPr>
+          <p:cNvSpPr/>
+          <p:nvPr/>
+        </p:nvSpPr>
+        <p:spPr>
+          <a:xfrm rot="16200000">
+            <a:off x="6176427" y="824618"/>
+            <a:ext cx="393807" cy="313556"/>
+          </a:xfrm>
+          <a:prstGeom prst="triangle">
+            <a:avLst/>
+          </a:prstGeom>
+          <a:ln>
+            <a:noFill/>
+          </a:ln>
+        </p:spPr>
+        <p:style>
+          <a:lnRef idx="2">
+            <a:schemeClr val="accent1">
+              <a:shade val="15000"/>
+            </a:schemeClr>
+          </a:lnRef>
+          <a:fillRef idx="1">
+            <a:schemeClr val="accent1"/>
+          </a:fillRef>
+          <a:effectRef idx="0">
+            <a:schemeClr val="accent1"/>
+          </a:effectRef>
+          <a:fontRef idx="minor">
+            <a:schemeClr val="lt1"/>
+          </a:fontRef>
+        </p:style>
+        <p:txBody>
+          <a:bodyPr rtlCol="0" anchor="ctr"/>
+          <a:lstStyle/>
+          <a:p>
+            <a:pPr algn="ctr"/>
+            <a:endParaRPr lang="en-GB"/>
+          </a:p>
+        </p:txBody>
+      </p:sp>
+      <p:pic>
+        <p:nvPicPr>
+          <p:cNvPr id="99" name="Picture 98" descr="A black background with a black square&#10;&#10;Description automatically generated with medium confidence">
+            <a:extLst>
+              <a:ext uri="{FF2B5EF4-FFF2-40B4-BE49-F238E27FC236}">
+                <a16:creationId xmlns:a16="http://schemas.microsoft.com/office/drawing/2014/main" id="{A017B10F-80B5-A9A8-4CDA-09CEB7C3EEEE}"/>
+              </a:ext>
+            </a:extLst>
+          </p:cNvPr>
+          <p:cNvPicPr>
+            <a:picLocks noChangeAspect="1"/>
+          </p:cNvPicPr>
+          <p:nvPr/>
+        </p:nvPicPr>
+        <p:blipFill>
+          <a:blip r:embed="rId3">
+            <a:extLst>
+              <a:ext uri="{28A0092B-C50C-407E-A947-70E740481C1C}">
+                <a14:useLocalDpi xmlns:a14="http://schemas.microsoft.com/office/drawing/2010/main" val="0"/>
+              </a:ext>
+            </a:extLst>
+          </a:blip>
+          <a:srcRect/>
+          <a:stretch>
+            <a:fillRect/>
+          </a:stretch>
+        </p:blipFill>
+        <p:spPr>
+          <a:xfrm>
+            <a:off x="6872762" y="3429001"/>
+            <a:ext cx="1269089" cy="1269089"/>
+          </a:xfrm>
+          <a:custGeom>
+            <a:avLst/>
+            <a:gdLst>
+              <a:gd name="connsiteX0" fmla="*/ 634544 w 1269089"/>
+              <a:gd name="connsiteY0" fmla="*/ 300031 h 1269089"/>
+              <a:gd name="connsiteX1" fmla="*/ 466936 w 1269089"/>
+              <a:gd name="connsiteY1" fmla="*/ 455395 h 1269089"/>
+              <a:gd name="connsiteX2" fmla="*/ 634544 w 1269089"/>
+              <a:gd name="connsiteY2" fmla="*/ 610759 h 1269089"/>
+              <a:gd name="connsiteX3" fmla="*/ 634544 w 1269089"/>
+              <a:gd name="connsiteY3" fmla="*/ 486034 h 1269089"/>
+              <a:gd name="connsiteX4" fmla="*/ 687582 w 1269089"/>
+              <a:gd name="connsiteY4" fmla="*/ 493596 h 1269089"/>
+              <a:gd name="connsiteX5" fmla="*/ 803741 w 1269089"/>
+              <a:gd name="connsiteY5" fmla="*/ 595965 h 1269089"/>
+              <a:gd name="connsiteX6" fmla="*/ 762627 w 1269089"/>
+              <a:gd name="connsiteY6" fmla="*/ 795145 h 1269089"/>
+              <a:gd name="connsiteX7" fmla="*/ 564102 w 1269089"/>
+              <a:gd name="connsiteY7" fmla="*/ 832393 h 1269089"/>
+              <a:gd name="connsiteX8" fmla="*/ 450887 w 1269089"/>
+              <a:gd name="connsiteY8" fmla="*/ 663878 h 1269089"/>
+              <a:gd name="connsiteX9" fmla="*/ 393411 w 1269089"/>
+              <a:gd name="connsiteY9" fmla="*/ 663199 h 1269089"/>
+              <a:gd name="connsiteX10" fmla="*/ 541685 w 1269089"/>
+              <a:gd name="connsiteY10" fmla="*/ 885326 h 1269089"/>
+              <a:gd name="connsiteX11" fmla="*/ 803114 w 1269089"/>
+              <a:gd name="connsiteY11" fmla="*/ 835955 h 1269089"/>
+              <a:gd name="connsiteX12" fmla="*/ 856847 w 1269089"/>
+              <a:gd name="connsiteY12" fmla="*/ 573969 h 1269089"/>
+              <a:gd name="connsiteX13" fmla="*/ 704276 w 1269089"/>
+              <a:gd name="connsiteY13" fmla="*/ 438592 h 1269089"/>
+              <a:gd name="connsiteX14" fmla="*/ 634544 w 1269089"/>
+              <a:gd name="connsiteY14" fmla="*/ 428590 h 1269089"/>
+              <a:gd name="connsiteX15" fmla="*/ 0 w 1269089"/>
+              <a:gd name="connsiteY15" fmla="*/ 0 h 1269089"/>
+              <a:gd name="connsiteX16" fmla="*/ 1269089 w 1269089"/>
+              <a:gd name="connsiteY16" fmla="*/ 0 h 1269089"/>
+              <a:gd name="connsiteX17" fmla="*/ 1269089 w 1269089"/>
+              <a:gd name="connsiteY17" fmla="*/ 1269089 h 1269089"/>
+              <a:gd name="connsiteX18" fmla="*/ 0 w 1269089"/>
+              <a:gd name="connsiteY18" fmla="*/ 1269089 h 1269089"/>
+            </a:gdLst>
+            <a:ahLst/>
+            <a:cxnLst>
+              <a:cxn ang="0">
+                <a:pos x="connsiteX0" y="connsiteY0"/>
+              </a:cxn>
+              <a:cxn ang="0">
+                <a:pos x="connsiteX1" y="connsiteY1"/>
+              </a:cxn>
+              <a:cxn ang="0">
+                <a:pos x="connsiteX2" y="connsiteY2"/>
+              </a:cxn>
+              <a:cxn ang="0">
+                <a:pos x="connsiteX3" y="connsiteY3"/>
+              </a:cxn>
+              <a:cxn ang="0">
+                <a:pos x="connsiteX4" y="connsiteY4"/>
+              </a:cxn>
+              <a:cxn ang="0">
+                <a:pos x="connsiteX5" y="connsiteY5"/>
+              </a:cxn>
+              <a:cxn ang="0">
+                <a:pos x="connsiteX6" y="connsiteY6"/>
+              </a:cxn>
+              <a:cxn ang="0">
+                <a:pos x="connsiteX7" y="connsiteY7"/>
+              </a:cxn>
+              <a:cxn ang="0">
+                <a:pos x="connsiteX8" y="connsiteY8"/>
+              </a:cxn>
+              <a:cxn ang="0">
+                <a:pos x="connsiteX9" y="connsiteY9"/>
+              </a:cxn>
+              <a:cxn ang="0">
+                <a:pos x="connsiteX10" y="connsiteY10"/>
+              </a:cxn>
+              <a:cxn ang="0">
+                <a:pos x="connsiteX11" y="connsiteY11"/>
+              </a:cxn>
+              <a:cxn ang="0">
+                <a:pos x="connsiteX12" y="connsiteY12"/>
+              </a:cxn>
+              <a:cxn ang="0">
+                <a:pos x="connsiteX13" y="connsiteY13"/>
+              </a:cxn>
+              <a:cxn ang="0">
+                <a:pos x="connsiteX14" y="connsiteY14"/>
+              </a:cxn>
+              <a:cxn ang="0">
+                <a:pos x="connsiteX15" y="connsiteY15"/>
+              </a:cxn>
+              <a:cxn ang="0">
+                <a:pos x="connsiteX16" y="connsiteY16"/>
+              </a:cxn>
+              <a:cxn ang="0">
+                <a:pos x="connsiteX17" y="connsiteY17"/>
+              </a:cxn>
+              <a:cxn ang="0">
+                <a:pos x="connsiteX18" y="connsiteY18"/>
+              </a:cxn>
+            </a:cxnLst>
+            <a:rect l="l" t="t" r="r" b="b"/>
+            <a:pathLst>
+              <a:path w="1269089" h="1269089">
+                <a:moveTo>
+                  <a:pt x="634544" y="300031"/>
+                </a:moveTo>
+                <a:lnTo>
+                  <a:pt x="466936" y="455395"/>
+                </a:lnTo>
+                <a:lnTo>
+                  <a:pt x="634544" y="610759"/>
+                </a:lnTo>
+                <a:lnTo>
+                  <a:pt x="634544" y="486034"/>
+                </a:lnTo>
+                <a:lnTo>
+                  <a:pt x="687582" y="493596"/>
+                </a:lnTo>
+                <a:cubicBezTo>
+                  <a:pt x="739030" y="508818"/>
+                  <a:pt x="782122" y="545773"/>
+                  <a:pt x="803741" y="595965"/>
+                </a:cubicBezTo>
+                <a:cubicBezTo>
+                  <a:pt x="833185" y="664325"/>
+                  <a:pt x="816863" y="743397"/>
+                  <a:pt x="762627" y="795145"/>
+                </a:cubicBezTo>
+                <a:cubicBezTo>
+                  <a:pt x="709995" y="845363"/>
+                  <a:pt x="631920" y="860012"/>
+                  <a:pt x="564102" y="832393"/>
+                </a:cubicBezTo>
+                <a:cubicBezTo>
+                  <a:pt x="494806" y="804172"/>
+                  <a:pt x="449982" y="737454"/>
+                  <a:pt x="450887" y="663878"/>
+                </a:cubicBezTo>
+                <a:lnTo>
+                  <a:pt x="393411" y="663199"/>
+                </a:lnTo>
+                <a:cubicBezTo>
+                  <a:pt x="392230" y="760107"/>
+                  <a:pt x="450906" y="848008"/>
+                  <a:pt x="541685" y="885326"/>
+                </a:cubicBezTo>
+                <a:cubicBezTo>
+                  <a:pt x="630989" y="922039"/>
+                  <a:pt x="733917" y="902600"/>
+                  <a:pt x="803114" y="835955"/>
+                </a:cubicBezTo>
+                <a:cubicBezTo>
+                  <a:pt x="873907" y="767772"/>
+                  <a:pt x="895214" y="663886"/>
+                  <a:pt x="856847" y="573969"/>
+                </a:cubicBezTo>
+                <a:cubicBezTo>
+                  <a:pt x="828532" y="507611"/>
+                  <a:pt x="771912" y="458728"/>
+                  <a:pt x="704276" y="438592"/>
+                </a:cubicBezTo>
+                <a:lnTo>
+                  <a:pt x="634544" y="428590"/>
+                </a:lnTo>
+                <a:close/>
+                <a:moveTo>
+                  <a:pt x="0" y="0"/>
+                </a:moveTo>
+                <a:lnTo>
+                  <a:pt x="1269089" y="0"/>
+                </a:lnTo>
+                <a:lnTo>
+                  <a:pt x="1269089" y="1269089"/>
+                </a:lnTo>
+                <a:lnTo>
+                  <a:pt x="0" y="1269089"/>
+                </a:lnTo>
+                <a:close/>
+              </a:path>
+            </a:pathLst>
+          </a:custGeom>
+        </p:spPr>
+      </p:pic>
+      <p:pic>
+        <p:nvPicPr>
+          <p:cNvPr id="72" name="Picture 71" descr="A black background with a black square&#10;&#10;Description automatically generated with medium confidence">
+            <a:extLst>
+              <a:ext uri="{FF2B5EF4-FFF2-40B4-BE49-F238E27FC236}">
+                <a16:creationId xmlns:a16="http://schemas.microsoft.com/office/drawing/2014/main" id="{BF90CBC3-2755-227E-9A69-347CE0C1EF75}"/>
+              </a:ext>
+            </a:extLst>
+          </p:cNvPr>
+          <p:cNvPicPr>
+            <a:picLocks noChangeAspect="1"/>
+          </p:cNvPicPr>
+          <p:nvPr/>
+        </p:nvPicPr>
+        <p:blipFill>
+          <a:blip r:embed="rId3">
+            <a:extLst>
+              <a:ext uri="{28A0092B-C50C-407E-A947-70E740481C1C}">
+                <a14:useLocalDpi xmlns:a14="http://schemas.microsoft.com/office/drawing/2010/main" val="0"/>
+              </a:ext>
+            </a:extLst>
+          </a:blip>
+          <a:srcRect/>
+          <a:stretch>
+            <a:fillRect/>
+          </a:stretch>
+        </p:blipFill>
+        <p:spPr>
+          <a:xfrm>
+            <a:off x="8141849" y="3429000"/>
+            <a:ext cx="1269089" cy="1269089"/>
+          </a:xfrm>
+          <a:custGeom>
+            <a:avLst/>
+            <a:gdLst>
+              <a:gd name="connsiteX0" fmla="*/ 788559 w 1269089"/>
+              <a:gd name="connsiteY0" fmla="*/ 437641 h 1269089"/>
+              <a:gd name="connsiteX1" fmla="*/ 475003 w 1269089"/>
+              <a:gd name="connsiteY1" fmla="*/ 634544 h 1269089"/>
+              <a:gd name="connsiteX2" fmla="*/ 788559 w 1269089"/>
+              <a:gd name="connsiteY2" fmla="*/ 831448 h 1269089"/>
+              <a:gd name="connsiteX3" fmla="*/ 0 w 1269089"/>
+              <a:gd name="connsiteY3" fmla="*/ 0 h 1269089"/>
+              <a:gd name="connsiteX4" fmla="*/ 1269089 w 1269089"/>
+              <a:gd name="connsiteY4" fmla="*/ 0 h 1269089"/>
+              <a:gd name="connsiteX5" fmla="*/ 1269089 w 1269089"/>
+              <a:gd name="connsiteY5" fmla="*/ 1269089 h 1269089"/>
+              <a:gd name="connsiteX6" fmla="*/ 0 w 1269089"/>
+              <a:gd name="connsiteY6" fmla="*/ 1269089 h 1269089"/>
+            </a:gdLst>
+            <a:ahLst/>
+            <a:cxnLst>
+              <a:cxn ang="0">
+                <a:pos x="connsiteX0" y="connsiteY0"/>
+              </a:cxn>
+              <a:cxn ang="0">
+                <a:pos x="connsiteX1" y="connsiteY1"/>
+              </a:cxn>
+              <a:cxn ang="0">
+                <a:pos x="connsiteX2" y="connsiteY2"/>
+              </a:cxn>
+              <a:cxn ang="0">
+                <a:pos x="connsiteX3" y="connsiteY3"/>
+              </a:cxn>
+              <a:cxn ang="0">
+                <a:pos x="connsiteX4" y="connsiteY4"/>
+              </a:cxn>
+              <a:cxn ang="0">
+                <a:pos x="connsiteX5" y="connsiteY5"/>
+              </a:cxn>
+              <a:cxn ang="0">
+                <a:pos x="connsiteX6" y="connsiteY6"/>
+              </a:cxn>
+            </a:cxnLst>
+            <a:rect l="l" t="t" r="r" b="b"/>
+            <a:pathLst>
+              <a:path w="1269089" h="1269089">
+                <a:moveTo>
+                  <a:pt x="788559" y="437641"/>
+                </a:moveTo>
+                <a:lnTo>
+                  <a:pt x="475003" y="634544"/>
+                </a:lnTo>
+                <a:lnTo>
+                  <a:pt x="788559" y="831448"/>
+                </a:lnTo>
+                <a:close/>
+                <a:moveTo>
+                  <a:pt x="0" y="0"/>
+                </a:moveTo>
+                <a:lnTo>
+                  <a:pt x="1269089" y="0"/>
+                </a:lnTo>
+                <a:lnTo>
+                  <a:pt x="1269089" y="1269089"/>
+                </a:lnTo>
+                <a:lnTo>
+                  <a:pt x="0" y="1269089"/>
+                </a:lnTo>
+                <a:close/>
+              </a:path>
+            </a:pathLst>
+          </a:custGeom>
+        </p:spPr>
+      </p:pic>
+      <p:pic>
+        <p:nvPicPr>
+          <p:cNvPr id="71" name="Picture 70" descr="A black background with a black square&#10;&#10;Description automatically generated with medium confidence">
+            <a:extLst>
+              <a:ext uri="{FF2B5EF4-FFF2-40B4-BE49-F238E27FC236}">
+                <a16:creationId xmlns:a16="http://schemas.microsoft.com/office/drawing/2014/main" id="{1D740949-BEB4-EB39-945F-5246E8E0429D}"/>
+              </a:ext>
+            </a:extLst>
+          </p:cNvPr>
+          <p:cNvPicPr>
+            <a:picLocks noChangeAspect="1"/>
+          </p:cNvPicPr>
+          <p:nvPr/>
+        </p:nvPicPr>
+        <p:blipFill>
+          <a:blip r:embed="rId3">
+            <a:extLst>
+              <a:ext uri="{28A0092B-C50C-407E-A947-70E740481C1C}">
+                <a14:useLocalDpi xmlns:a14="http://schemas.microsoft.com/office/drawing/2010/main" val="0"/>
+              </a:ext>
+            </a:extLst>
+          </a:blip>
+          <a:srcRect/>
+          <a:stretch>
+            <a:fillRect/>
+          </a:stretch>
+        </p:blipFill>
+        <p:spPr>
+          <a:xfrm>
+            <a:off x="9408191" y="3429000"/>
+            <a:ext cx="1269089" cy="1269089"/>
+          </a:xfrm>
+          <a:custGeom>
+            <a:avLst/>
+            <a:gdLst>
+              <a:gd name="connsiteX0" fmla="*/ 477765 w 1269089"/>
+              <a:gd name="connsiteY0" fmla="*/ 437641 h 1269089"/>
+              <a:gd name="connsiteX1" fmla="*/ 477765 w 1269089"/>
+              <a:gd name="connsiteY1" fmla="*/ 831448 h 1269089"/>
+              <a:gd name="connsiteX2" fmla="*/ 791321 w 1269089"/>
+              <a:gd name="connsiteY2" fmla="*/ 634545 h 1269089"/>
+              <a:gd name="connsiteX3" fmla="*/ 0 w 1269089"/>
+              <a:gd name="connsiteY3" fmla="*/ 0 h 1269089"/>
+              <a:gd name="connsiteX4" fmla="*/ 1269089 w 1269089"/>
+              <a:gd name="connsiteY4" fmla="*/ 0 h 1269089"/>
+              <a:gd name="connsiteX5" fmla="*/ 1269089 w 1269089"/>
+              <a:gd name="connsiteY5" fmla="*/ 1269089 h 1269089"/>
+              <a:gd name="connsiteX6" fmla="*/ 0 w 1269089"/>
+              <a:gd name="connsiteY6" fmla="*/ 1269089 h 1269089"/>
+            </a:gdLst>
+            <a:ahLst/>
+            <a:cxnLst>
+              <a:cxn ang="0">
+                <a:pos x="connsiteX0" y="connsiteY0"/>
+              </a:cxn>
+              <a:cxn ang="0">
+                <a:pos x="connsiteX1" y="connsiteY1"/>
+              </a:cxn>
+              <a:cxn ang="0">
+                <a:pos x="connsiteX2" y="connsiteY2"/>
+              </a:cxn>
+              <a:cxn ang="0">
+                <a:pos x="connsiteX3" y="connsiteY3"/>
+              </a:cxn>
+              <a:cxn ang="0">
+                <a:pos x="connsiteX4" y="connsiteY4"/>
+              </a:cxn>
+              <a:cxn ang="0">
+                <a:pos x="connsiteX5" y="connsiteY5"/>
+              </a:cxn>
+              <a:cxn ang="0">
+                <a:pos x="connsiteX6" y="connsiteY6"/>
+              </a:cxn>
+            </a:cxnLst>
+            <a:rect l="l" t="t" r="r" b="b"/>
+            <a:pathLst>
+              <a:path w="1269089" h="1269089">
+                <a:moveTo>
+                  <a:pt x="477765" y="437641"/>
+                </a:moveTo>
+                <a:lnTo>
+                  <a:pt x="477765" y="831448"/>
+                </a:lnTo>
+                <a:lnTo>
+                  <a:pt x="791321" y="634545"/>
+                </a:lnTo>
+                <a:close/>
+                <a:moveTo>
+                  <a:pt x="0" y="0"/>
+                </a:moveTo>
+                <a:lnTo>
+                  <a:pt x="1269089" y="0"/>
+                </a:lnTo>
+                <a:lnTo>
+                  <a:pt x="1269089" y="1269089"/>
+                </a:lnTo>
+                <a:lnTo>
+                  <a:pt x="0" y="1269089"/>
+                </a:lnTo>
+                <a:close/>
+              </a:path>
+            </a:pathLst>
+          </a:custGeom>
+        </p:spPr>
+      </p:pic>
+      <p:pic>
+        <p:nvPicPr>
+          <p:cNvPr id="94" name="Picture 93" descr="A black background with a black square&#10;&#10;Description automatically generated with medium confidence">
+            <a:extLst>
+              <a:ext uri="{FF2B5EF4-FFF2-40B4-BE49-F238E27FC236}">
+                <a16:creationId xmlns:a16="http://schemas.microsoft.com/office/drawing/2014/main" id="{92CE03DE-3816-B3DD-73F2-FFCC38A32414}"/>
+              </a:ext>
+            </a:extLst>
+          </p:cNvPr>
+          <p:cNvPicPr>
+            <a:picLocks noChangeAspect="1"/>
+          </p:cNvPicPr>
+          <p:nvPr/>
+        </p:nvPicPr>
+        <p:blipFill>
+          <a:blip r:embed="rId3">
+            <a:extLst>
+              <a:ext uri="{28A0092B-C50C-407E-A947-70E740481C1C}">
+                <a14:useLocalDpi xmlns:a14="http://schemas.microsoft.com/office/drawing/2010/main" val="0"/>
+              </a:ext>
+            </a:extLst>
+          </a:blip>
+          <a:stretch>
+            <a:fillRect/>
+          </a:stretch>
+        </p:blipFill>
+        <p:spPr>
+          <a:xfrm>
+            <a:off x="4469681" y="346852"/>
+            <a:ext cx="1269089" cy="1269089"/>
+          </a:xfrm>
+          <a:prstGeom prst="rect">
+            <a:avLst/>
+          </a:prstGeom>
+        </p:spPr>
+      </p:pic>
+      <p:grpSp>
+        <p:nvGrpSpPr>
+          <p:cNvPr id="95" name="Group 94">
+            <a:extLst>
+              <a:ext uri="{FF2B5EF4-FFF2-40B4-BE49-F238E27FC236}">
+                <a16:creationId xmlns:a16="http://schemas.microsoft.com/office/drawing/2014/main" id="{4A248C50-F0EE-DB21-81C6-67B48D07F885}"/>
+              </a:ext>
+            </a:extLst>
+          </p:cNvPr>
+          <p:cNvGrpSpPr/>
+          <p:nvPr/>
+        </p:nvGrpSpPr>
+        <p:grpSpPr>
+          <a:xfrm>
+            <a:off x="4863075" y="646883"/>
+            <a:ext cx="482300" cy="603615"/>
+            <a:chOff x="7266156" y="3729032"/>
+            <a:chExt cx="482300" cy="603615"/>
+          </a:xfrm>
+        </p:grpSpPr>
+        <p:sp>
+          <p:nvSpPr>
+            <p:cNvPr id="96" name="Block Arc 95">
+              <a:extLst>
+                <a:ext uri="{FF2B5EF4-FFF2-40B4-BE49-F238E27FC236}">
+                  <a16:creationId xmlns:a16="http://schemas.microsoft.com/office/drawing/2014/main" id="{D611FC4B-3A44-21BA-AFE4-F115E46A1714}"/>
+                </a:ext>
+              </a:extLst>
+            </p:cNvPr>
+            <p:cNvSpPr>
+              <a:spLocks noChangeAspect="1"/>
+            </p:cNvSpPr>
+            <p:nvPr/>
+          </p:nvSpPr>
+          <p:spPr>
+            <a:xfrm>
+              <a:off x="7266156" y="3857454"/>
+              <a:ext cx="482300" cy="475193"/>
+            </a:xfrm>
+            <a:prstGeom prst="blockArc">
+              <a:avLst>
+                <a:gd name="adj1" fmla="val 16186447"/>
+                <a:gd name="adj2" fmla="val 10840644"/>
+                <a:gd name="adj3" fmla="val 12096"/>
+              </a:avLst>
+            </a:prstGeom>
+            <a:ln>
+              <a:noFill/>
+            </a:ln>
+          </p:spPr>
+          <p:style>
+            <a:lnRef idx="2">
+              <a:schemeClr val="accent1">
+                <a:shade val="15000"/>
+              </a:schemeClr>
+            </a:lnRef>
+            <a:fillRef idx="1">
+              <a:schemeClr val="accent1"/>
+            </a:fillRef>
+            <a:effectRef idx="0">
+              <a:schemeClr val="accent1"/>
+            </a:effectRef>
+            <a:fontRef idx="minor">
+              <a:schemeClr val="lt1"/>
+            </a:fontRef>
+          </p:style>
+          <p:txBody>
+            <a:bodyPr rtlCol="0" anchor="ctr"/>
+            <a:lstStyle/>
+            <a:p>
+              <a:pPr algn="ctr"/>
+              <a:endParaRPr lang="en-GB">
+                <a:solidFill>
+                  <a:schemeClr val="tx1"/>
+                </a:solidFill>
+              </a:endParaRPr>
+            </a:p>
+          </p:txBody>
+        </p:sp>
+        <p:sp>
+          <p:nvSpPr>
+            <p:cNvPr id="97" name="Isosceles Triangle 96">
+              <a:extLst>
+                <a:ext uri="{FF2B5EF4-FFF2-40B4-BE49-F238E27FC236}">
+                  <a16:creationId xmlns:a16="http://schemas.microsoft.com/office/drawing/2014/main" id="{37B29F5E-9A5B-112E-9E45-031E23BDE968}"/>
+                </a:ext>
+              </a:extLst>
+            </p:cNvPr>
+            <p:cNvSpPr/>
+            <p:nvPr/>
+          </p:nvSpPr>
+          <p:spPr>
+            <a:xfrm rot="16200000">
+              <a:off x="7268138" y="3800592"/>
+              <a:ext cx="310728" cy="167608"/>
+            </a:xfrm>
+            <a:prstGeom prst="triangle">
+              <a:avLst/>
+            </a:prstGeom>
+            <a:ln>
+              <a:noFill/>
+            </a:ln>
+          </p:spPr>
+          <p:style>
+            <a:lnRef idx="2">
+              <a:schemeClr val="accent1">
+                <a:shade val="15000"/>
+              </a:schemeClr>
+            </a:lnRef>
+            <a:fillRef idx="1">
+              <a:schemeClr val="accent1"/>
+            </a:fillRef>
+            <a:effectRef idx="0">
+              <a:schemeClr val="accent1"/>
+            </a:effectRef>
+            <a:fontRef idx="minor">
+              <a:schemeClr val="lt1"/>
+            </a:fontRef>
+          </p:style>
+          <p:txBody>
+            <a:bodyPr rtlCol="0" anchor="ctr"/>
+            <a:lstStyle/>
+            <a:p>
+              <a:pPr algn="ctr"/>
+              <a:endParaRPr lang="en-GB" dirty="0"/>
+            </a:p>
+          </p:txBody>
+        </p:sp>
+      </p:grpSp>
+    </p:spTree>
+    <p:extLst>
+      <p:ext uri="{BB962C8B-B14F-4D97-AF65-F5344CB8AC3E}">
+        <p14:creationId xmlns:p14="http://schemas.microsoft.com/office/powerpoint/2010/main" val="865155700"/>
+      </p:ext>
+    </p:extLst>
+  </p:cSld>
+  <p:clrMapOvr>
+    <a:masterClrMapping/>
+  </p:clrMapOvr>
+</p:sld>
+</file>
+
+<file path=ppt/slides/slide3.xml><?xml version="1.0" encoding="utf-8"?>
+<p:sld xmlns:a="http://schemas.openxmlformats.org/drawingml/2006/main" xmlns:r="http://schemas.openxmlformats.org/officeDocument/2006/relationships" xmlns:p="http://schemas.openxmlformats.org/presentationml/2006/main">
+  <p:cSld>
+    <p:spTree>
+      <p:nvGrpSpPr>
+        <p:cNvPr id="1" name=""/>
+        <p:cNvGrpSpPr/>
+        <p:nvPr/>
+      </p:nvGrpSpPr>
+      <p:grpSpPr>
+        <a:xfrm>
+          <a:off x="0" y="0"/>
+          <a:ext cx="0" cy="0"/>
+          <a:chOff x="0" y="0"/>
+          <a:chExt cx="0" cy="0"/>
+        </a:xfrm>
+      </p:grpSpPr>
+      <p:pic>
+        <p:nvPicPr>
+          <p:cNvPr id="5" name="Picture 4">
+            <a:extLst>
+              <a:ext uri="{FF2B5EF4-FFF2-40B4-BE49-F238E27FC236}">
+                <a16:creationId xmlns:a16="http://schemas.microsoft.com/office/drawing/2014/main" id="{D455B664-9891-ECF1-2A5B-CE10EC4E87ED}"/>
+              </a:ext>
+            </a:extLst>
+          </p:cNvPr>
+          <p:cNvPicPr>
+            <a:picLocks noChangeAspect="1"/>
+          </p:cNvPicPr>
+          <p:nvPr/>
+        </p:nvPicPr>
+        <p:blipFill rotWithShape="1">
+          <a:blip r:embed="rId2"/>
+          <a:srcRect l="50606" t="4289" r="2061" b="3257"/>
+          <a:stretch/>
+        </p:blipFill>
+        <p:spPr>
+          <a:xfrm>
+            <a:off x="2443163" y="2312997"/>
+            <a:ext cx="2743200" cy="2743200"/>
+          </a:xfrm>
+          <a:prstGeom prst="rect">
+            <a:avLst/>
+          </a:prstGeom>
+        </p:spPr>
+      </p:pic>
+      <p:pic>
+        <p:nvPicPr>
+          <p:cNvPr id="7" name="Picture 6">
+            <a:extLst>
+              <a:ext uri="{FF2B5EF4-FFF2-40B4-BE49-F238E27FC236}">
+                <a16:creationId xmlns:a16="http://schemas.microsoft.com/office/drawing/2014/main" id="{59AFB623-65EA-1D19-964B-322F1AFCB91E}"/>
+              </a:ext>
+            </a:extLst>
+          </p:cNvPr>
+          <p:cNvPicPr>
+            <a:picLocks/>
+          </p:cNvPicPr>
+          <p:nvPr/>
+        </p:nvPicPr>
+        <p:blipFill rotWithShape="1">
+          <a:blip r:embed="rId2"/>
+          <a:srcRect l="2833" t="5301" r="50312" b="3086"/>
+          <a:stretch/>
+        </p:blipFill>
+        <p:spPr>
+          <a:xfrm>
+            <a:off x="6096000" y="2314576"/>
+            <a:ext cx="2743200" cy="2741621"/>
+          </a:xfrm>
+          <a:prstGeom prst="rect">
+            <a:avLst/>
+          </a:prstGeom>
+        </p:spPr>
+      </p:pic>
+    </p:spTree>
+    <p:extLst>
+      <p:ext uri="{BB962C8B-B14F-4D97-AF65-F5344CB8AC3E}">
+        <p14:creationId xmlns:p14="http://schemas.microsoft.com/office/powerpoint/2010/main" val="2294555966"/>
       </p:ext>
     </p:extLst>
   </p:cSld>

--- a/media/workshop.pptx
+++ b/media/workshop.pptx
@@ -5,12 +5,13 @@
     <p:sldMasterId id="2147483648" r:id="rId1"/>
   </p:sldMasterIdLst>
   <p:notesMasterIdLst>
-    <p:notesMasterId r:id="rId5"/>
+    <p:notesMasterId r:id="rId6"/>
   </p:notesMasterIdLst>
   <p:sldIdLst>
     <p:sldId id="256" r:id="rId2"/>
     <p:sldId id="257" r:id="rId3"/>
     <p:sldId id="258" r:id="rId4"/>
+    <p:sldId id="259" r:id="rId5"/>
   </p:sldIdLst>
   <p:sldSz cx="12192000" cy="6858000"/>
   <p:notesSz cx="6858000" cy="9144000"/>
@@ -199,7 +200,7 @@
           <a:p>
             <a:fld id="{A48A8C48-B3E7-451F-AD3C-7C38A874ED0C}" type="datetimeFigureOut">
               <a:rPr lang="en-GB" smtClean="0"/>
-              <a:t>03/09/2024</a:t>
+              <a:t>06/09/2024</a:t>
             </a:fld>
             <a:endParaRPr lang="en-GB"/>
           </a:p>
@@ -700,7 +701,7 @@
           <a:p>
             <a:fld id="{31EAB4FA-2558-41C8-8840-1B5E58534D56}" type="datetimeFigureOut">
               <a:rPr lang="en-GB" smtClean="0"/>
-              <a:t>03/09/2024</a:t>
+              <a:t>06/09/2024</a:t>
             </a:fld>
             <a:endParaRPr lang="en-GB"/>
           </a:p>
@@ -900,7 +901,7 @@
           <a:p>
             <a:fld id="{31EAB4FA-2558-41C8-8840-1B5E58534D56}" type="datetimeFigureOut">
               <a:rPr lang="en-GB" smtClean="0"/>
-              <a:t>03/09/2024</a:t>
+              <a:t>06/09/2024</a:t>
             </a:fld>
             <a:endParaRPr lang="en-GB"/>
           </a:p>
@@ -1110,7 +1111,7 @@
           <a:p>
             <a:fld id="{31EAB4FA-2558-41C8-8840-1B5E58534D56}" type="datetimeFigureOut">
               <a:rPr lang="en-GB" smtClean="0"/>
-              <a:t>03/09/2024</a:t>
+              <a:t>06/09/2024</a:t>
             </a:fld>
             <a:endParaRPr lang="en-GB"/>
           </a:p>
@@ -1310,7 +1311,7 @@
           <a:p>
             <a:fld id="{31EAB4FA-2558-41C8-8840-1B5E58534D56}" type="datetimeFigureOut">
               <a:rPr lang="en-GB" smtClean="0"/>
-              <a:t>03/09/2024</a:t>
+              <a:t>06/09/2024</a:t>
             </a:fld>
             <a:endParaRPr lang="en-GB"/>
           </a:p>
@@ -1586,7 +1587,7 @@
           <a:p>
             <a:fld id="{31EAB4FA-2558-41C8-8840-1B5E58534D56}" type="datetimeFigureOut">
               <a:rPr lang="en-GB" smtClean="0"/>
-              <a:t>03/09/2024</a:t>
+              <a:t>06/09/2024</a:t>
             </a:fld>
             <a:endParaRPr lang="en-GB"/>
           </a:p>
@@ -1854,7 +1855,7 @@
           <a:p>
             <a:fld id="{31EAB4FA-2558-41C8-8840-1B5E58534D56}" type="datetimeFigureOut">
               <a:rPr lang="en-GB" smtClean="0"/>
-              <a:t>03/09/2024</a:t>
+              <a:t>06/09/2024</a:t>
             </a:fld>
             <a:endParaRPr lang="en-GB"/>
           </a:p>
@@ -2269,7 +2270,7 @@
           <a:p>
             <a:fld id="{31EAB4FA-2558-41C8-8840-1B5E58534D56}" type="datetimeFigureOut">
               <a:rPr lang="en-GB" smtClean="0"/>
-              <a:t>03/09/2024</a:t>
+              <a:t>06/09/2024</a:t>
             </a:fld>
             <a:endParaRPr lang="en-GB"/>
           </a:p>
@@ -2411,7 +2412,7 @@
           <a:p>
             <a:fld id="{31EAB4FA-2558-41C8-8840-1B5E58534D56}" type="datetimeFigureOut">
               <a:rPr lang="en-GB" smtClean="0"/>
-              <a:t>03/09/2024</a:t>
+              <a:t>06/09/2024</a:t>
             </a:fld>
             <a:endParaRPr lang="en-GB"/>
           </a:p>
@@ -2524,7 +2525,7 @@
           <a:p>
             <a:fld id="{31EAB4FA-2558-41C8-8840-1B5E58534D56}" type="datetimeFigureOut">
               <a:rPr lang="en-GB" smtClean="0"/>
-              <a:t>03/09/2024</a:t>
+              <a:t>06/09/2024</a:t>
             </a:fld>
             <a:endParaRPr lang="en-GB"/>
           </a:p>
@@ -2837,7 +2838,7 @@
           <a:p>
             <a:fld id="{31EAB4FA-2558-41C8-8840-1B5E58534D56}" type="datetimeFigureOut">
               <a:rPr lang="en-GB" smtClean="0"/>
-              <a:t>03/09/2024</a:t>
+              <a:t>06/09/2024</a:t>
             </a:fld>
             <a:endParaRPr lang="en-GB"/>
           </a:p>
@@ -3126,7 +3127,7 @@
           <a:p>
             <a:fld id="{31EAB4FA-2558-41C8-8840-1B5E58534D56}" type="datetimeFigureOut">
               <a:rPr lang="en-GB" smtClean="0"/>
-              <a:t>03/09/2024</a:t>
+              <a:t>06/09/2024</a:t>
             </a:fld>
             <a:endParaRPr lang="en-GB"/>
           </a:p>
@@ -3369,7 +3370,7 @@
           <a:p>
             <a:fld id="{31EAB4FA-2558-41C8-8840-1B5E58534D56}" type="datetimeFigureOut">
               <a:rPr lang="en-GB" smtClean="0"/>
-              <a:t>03/09/2024</a:t>
+              <a:t>06/09/2024</a:t>
             </a:fld>
             <a:endParaRPr lang="en-GB"/>
           </a:p>
@@ -5255,6 +5256,71 @@
     <p:extLst>
       <p:ext uri="{BB962C8B-B14F-4D97-AF65-F5344CB8AC3E}">
         <p14:creationId xmlns:p14="http://schemas.microsoft.com/office/powerpoint/2010/main" val="2294555966"/>
+      </p:ext>
+    </p:extLst>
+  </p:cSld>
+  <p:clrMapOvr>
+    <a:masterClrMapping/>
+  </p:clrMapOvr>
+</p:sld>
+</file>
+
+<file path=ppt/slides/slide4.xml><?xml version="1.0" encoding="utf-8"?>
+<p:sld xmlns:a="http://schemas.openxmlformats.org/drawingml/2006/main" xmlns:r="http://schemas.openxmlformats.org/officeDocument/2006/relationships" xmlns:p="http://schemas.openxmlformats.org/presentationml/2006/main">
+  <p:cSld>
+    <p:spTree>
+      <p:nvGrpSpPr>
+        <p:cNvPr id="1" name=""/>
+        <p:cNvGrpSpPr/>
+        <p:nvPr/>
+      </p:nvGrpSpPr>
+      <p:grpSpPr>
+        <a:xfrm>
+          <a:off x="0" y="0"/>
+          <a:ext cx="0" cy="0"/>
+          <a:chOff x="0" y="0"/>
+          <a:chExt cx="0" cy="0"/>
+        </a:xfrm>
+      </p:grpSpPr>
+      <p:pic>
+        <p:nvPicPr>
+          <p:cNvPr id="5" name="Picture 4" descr="A black background with a black square&#10;&#10;Description automatically generated with medium confidence">
+            <a:extLst>
+              <a:ext uri="{FF2B5EF4-FFF2-40B4-BE49-F238E27FC236}">
+                <a16:creationId xmlns:a16="http://schemas.microsoft.com/office/drawing/2014/main" id="{A13BD3B4-6C9C-69BF-4E20-3AC29EED28C2}"/>
+              </a:ext>
+            </a:extLst>
+          </p:cNvPr>
+          <p:cNvPicPr>
+            <a:picLocks/>
+          </p:cNvPicPr>
+          <p:nvPr/>
+        </p:nvPicPr>
+        <p:blipFill>
+          <a:blip r:embed="rId2">
+            <a:extLst>
+              <a:ext uri="{28A0092B-C50C-407E-A947-70E740481C1C}">
+                <a14:useLocalDpi xmlns:a14="http://schemas.microsoft.com/office/drawing/2010/main" val="0"/>
+              </a:ext>
+            </a:extLst>
+          </a:blip>
+          <a:srcRect t="4975"/>
+          <a:stretch/>
+        </p:blipFill>
+        <p:spPr>
+          <a:xfrm>
+            <a:off x="1765079" y="1881554"/>
+            <a:ext cx="1269841" cy="1270800"/>
+          </a:xfrm>
+          <a:prstGeom prst="rect">
+            <a:avLst/>
+          </a:prstGeom>
+        </p:spPr>
+      </p:pic>
+    </p:spTree>
+    <p:extLst>
+      <p:ext uri="{BB962C8B-B14F-4D97-AF65-F5344CB8AC3E}">
+        <p14:creationId xmlns:p14="http://schemas.microsoft.com/office/powerpoint/2010/main" val="233316268"/>
       </p:ext>
     </p:extLst>
   </p:cSld>

--- a/media/workshop.pptx
+++ b/media/workshop.pptx
@@ -5,13 +5,20 @@
     <p:sldMasterId id="2147483648" r:id="rId1"/>
   </p:sldMasterIdLst>
   <p:notesMasterIdLst>
-    <p:notesMasterId r:id="rId6"/>
+    <p:notesMasterId r:id="rId13"/>
   </p:notesMasterIdLst>
   <p:sldIdLst>
     <p:sldId id="256" r:id="rId2"/>
     <p:sldId id="257" r:id="rId3"/>
     <p:sldId id="258" r:id="rId4"/>
     <p:sldId id="259" r:id="rId5"/>
+    <p:sldId id="260" r:id="rId6"/>
+    <p:sldId id="261" r:id="rId7"/>
+    <p:sldId id="262" r:id="rId8"/>
+    <p:sldId id="263" r:id="rId9"/>
+    <p:sldId id="264" r:id="rId10"/>
+    <p:sldId id="265" r:id="rId11"/>
+    <p:sldId id="266" r:id="rId12"/>
   </p:sldIdLst>
   <p:sldSz cx="12192000" cy="6858000"/>
   <p:notesSz cx="6858000" cy="9144000"/>
@@ -200,7 +207,7 @@
           <a:p>
             <a:fld id="{A48A8C48-B3E7-451F-AD3C-7C38A874ED0C}" type="datetimeFigureOut">
               <a:rPr lang="en-GB" smtClean="0"/>
-              <a:t>06/09/2024</a:t>
+              <a:t>25/09/2024</a:t>
             </a:fld>
             <a:endParaRPr lang="en-GB"/>
           </a:p>
@@ -701,7 +708,7 @@
           <a:p>
             <a:fld id="{31EAB4FA-2558-41C8-8840-1B5E58534D56}" type="datetimeFigureOut">
               <a:rPr lang="en-GB" smtClean="0"/>
-              <a:t>06/09/2024</a:t>
+              <a:t>25/09/2024</a:t>
             </a:fld>
             <a:endParaRPr lang="en-GB"/>
           </a:p>
@@ -901,7 +908,7 @@
           <a:p>
             <a:fld id="{31EAB4FA-2558-41C8-8840-1B5E58534D56}" type="datetimeFigureOut">
               <a:rPr lang="en-GB" smtClean="0"/>
-              <a:t>06/09/2024</a:t>
+              <a:t>25/09/2024</a:t>
             </a:fld>
             <a:endParaRPr lang="en-GB"/>
           </a:p>
@@ -1111,7 +1118,7 @@
           <a:p>
             <a:fld id="{31EAB4FA-2558-41C8-8840-1B5E58534D56}" type="datetimeFigureOut">
               <a:rPr lang="en-GB" smtClean="0"/>
-              <a:t>06/09/2024</a:t>
+              <a:t>25/09/2024</a:t>
             </a:fld>
             <a:endParaRPr lang="en-GB"/>
           </a:p>
@@ -1311,7 +1318,7 @@
           <a:p>
             <a:fld id="{31EAB4FA-2558-41C8-8840-1B5E58534D56}" type="datetimeFigureOut">
               <a:rPr lang="en-GB" smtClean="0"/>
-              <a:t>06/09/2024</a:t>
+              <a:t>25/09/2024</a:t>
             </a:fld>
             <a:endParaRPr lang="en-GB"/>
           </a:p>
@@ -1587,7 +1594,7 @@
           <a:p>
             <a:fld id="{31EAB4FA-2558-41C8-8840-1B5E58534D56}" type="datetimeFigureOut">
               <a:rPr lang="en-GB" smtClean="0"/>
-              <a:t>06/09/2024</a:t>
+              <a:t>25/09/2024</a:t>
             </a:fld>
             <a:endParaRPr lang="en-GB"/>
           </a:p>
@@ -1855,7 +1862,7 @@
           <a:p>
             <a:fld id="{31EAB4FA-2558-41C8-8840-1B5E58534D56}" type="datetimeFigureOut">
               <a:rPr lang="en-GB" smtClean="0"/>
-              <a:t>06/09/2024</a:t>
+              <a:t>25/09/2024</a:t>
             </a:fld>
             <a:endParaRPr lang="en-GB"/>
           </a:p>
@@ -2270,7 +2277,7 @@
           <a:p>
             <a:fld id="{31EAB4FA-2558-41C8-8840-1B5E58534D56}" type="datetimeFigureOut">
               <a:rPr lang="en-GB" smtClean="0"/>
-              <a:t>06/09/2024</a:t>
+              <a:t>25/09/2024</a:t>
             </a:fld>
             <a:endParaRPr lang="en-GB"/>
           </a:p>
@@ -2412,7 +2419,7 @@
           <a:p>
             <a:fld id="{31EAB4FA-2558-41C8-8840-1B5E58534D56}" type="datetimeFigureOut">
               <a:rPr lang="en-GB" smtClean="0"/>
-              <a:t>06/09/2024</a:t>
+              <a:t>25/09/2024</a:t>
             </a:fld>
             <a:endParaRPr lang="en-GB"/>
           </a:p>
@@ -2525,7 +2532,7 @@
           <a:p>
             <a:fld id="{31EAB4FA-2558-41C8-8840-1B5E58534D56}" type="datetimeFigureOut">
               <a:rPr lang="en-GB" smtClean="0"/>
-              <a:t>06/09/2024</a:t>
+              <a:t>25/09/2024</a:t>
             </a:fld>
             <a:endParaRPr lang="en-GB"/>
           </a:p>
@@ -2838,7 +2845,7 @@
           <a:p>
             <a:fld id="{31EAB4FA-2558-41C8-8840-1B5E58534D56}" type="datetimeFigureOut">
               <a:rPr lang="en-GB" smtClean="0"/>
-              <a:t>06/09/2024</a:t>
+              <a:t>25/09/2024</a:t>
             </a:fld>
             <a:endParaRPr lang="en-GB"/>
           </a:p>
@@ -3127,7 +3134,7 @@
           <a:p>
             <a:fld id="{31EAB4FA-2558-41C8-8840-1B5E58534D56}" type="datetimeFigureOut">
               <a:rPr lang="en-GB" smtClean="0"/>
-              <a:t>06/09/2024</a:t>
+              <a:t>25/09/2024</a:t>
             </a:fld>
             <a:endParaRPr lang="en-GB"/>
           </a:p>
@@ -3204,9 +3211,12 @@
 <p:sldMaster xmlns:a="http://schemas.openxmlformats.org/drawingml/2006/main" xmlns:r="http://schemas.openxmlformats.org/officeDocument/2006/relationships" xmlns:p="http://schemas.openxmlformats.org/presentationml/2006/main">
   <p:cSld>
     <p:bg>
-      <p:bgRef idx="1001">
-        <a:schemeClr val="bg1"/>
-      </p:bgRef>
+      <p:bgPr>
+        <a:solidFill>
+          <a:srgbClr val="D7D7D7"/>
+        </a:solidFill>
+        <a:effectLst/>
+      </p:bgPr>
     </p:bg>
     <p:spTree>
       <p:nvGrpSpPr>
@@ -3370,7 +3380,7 @@
           <a:p>
             <a:fld id="{31EAB4FA-2558-41C8-8840-1B5E58534D56}" type="datetimeFigureOut">
               <a:rPr lang="en-GB" smtClean="0"/>
-              <a:t>06/09/2024</a:t>
+              <a:t>25/09/2024</a:t>
             </a:fld>
             <a:endParaRPr lang="en-GB"/>
           </a:p>
@@ -4204,78 +4214,242 @@
           </a:ln>
         </p:spPr>
       </p:pic>
-      <p:sp>
-        <p:nvSpPr>
-          <p:cNvPr id="62" name="Rectangle 61">
-            <a:extLst>
-              <a:ext uri="{FF2B5EF4-FFF2-40B4-BE49-F238E27FC236}">
-                <a16:creationId xmlns:a16="http://schemas.microsoft.com/office/drawing/2014/main" id="{87E52569-CE72-2174-9645-D347027FE232}"/>
-              </a:ext>
-            </a:extLst>
-          </p:cNvPr>
-          <p:cNvSpPr>
-            <a:spLocks noChangeAspect="1"/>
-          </p:cNvSpPr>
+      <p:grpSp>
+        <p:nvGrpSpPr>
+          <p:cNvPr id="6" name="Group 5">
+            <a:extLst>
+              <a:ext uri="{FF2B5EF4-FFF2-40B4-BE49-F238E27FC236}">
+                <a16:creationId xmlns:a16="http://schemas.microsoft.com/office/drawing/2014/main" id="{FB2553A6-263B-0647-9E6D-AE4638DAF9FF}"/>
+              </a:ext>
+            </a:extLst>
+          </p:cNvPr>
+          <p:cNvGrpSpPr/>
           <p:nvPr/>
-        </p:nvSpPr>
+        </p:nvGrpSpPr>
+        <p:grpSpPr>
+          <a:xfrm>
+            <a:off x="8885032" y="3657226"/>
+            <a:ext cx="1905000" cy="1905000"/>
+            <a:chOff x="8885032" y="3657226"/>
+            <a:chExt cx="1905000" cy="1905000"/>
+          </a:xfrm>
+        </p:grpSpPr>
+        <p:sp>
+          <p:nvSpPr>
+            <p:cNvPr id="62" name="Rectangle 61">
+              <a:extLst>
+                <a:ext uri="{FF2B5EF4-FFF2-40B4-BE49-F238E27FC236}">
+                  <a16:creationId xmlns:a16="http://schemas.microsoft.com/office/drawing/2014/main" id="{87E52569-CE72-2174-9645-D347027FE232}"/>
+                </a:ext>
+              </a:extLst>
+            </p:cNvPr>
+            <p:cNvSpPr>
+              <a:spLocks noChangeAspect="1"/>
+            </p:cNvSpPr>
+            <p:nvPr/>
+          </p:nvSpPr>
+          <p:spPr>
+            <a:xfrm>
+              <a:off x="8885032" y="3657226"/>
+              <a:ext cx="1905000" cy="1905000"/>
+            </a:xfrm>
+            <a:prstGeom prst="rect">
+              <a:avLst/>
+            </a:prstGeom>
+            <a:solidFill>
+              <a:srgbClr val="DDDDDD">
+                <a:alpha val="20000"/>
+              </a:srgbClr>
+            </a:solidFill>
+          </p:spPr>
+          <p:style>
+            <a:lnRef idx="2">
+              <a:schemeClr val="accent1">
+                <a:shade val="50000"/>
+              </a:schemeClr>
+            </a:lnRef>
+            <a:fillRef idx="1">
+              <a:schemeClr val="accent1"/>
+            </a:fillRef>
+            <a:effectRef idx="0">
+              <a:schemeClr val="accent1"/>
+            </a:effectRef>
+            <a:fontRef idx="minor">
+              <a:schemeClr val="lt1"/>
+            </a:fontRef>
+          </p:style>
+          <p:txBody>
+            <a:bodyPr rtlCol="0" anchor="ctr"/>
+            <a:lstStyle/>
+            <a:p>
+              <a:pPr algn="ctr"/>
+              <a:endParaRPr lang="en-GB"/>
+            </a:p>
+          </p:txBody>
+        </p:sp>
+        <p:cxnSp>
+          <p:nvCxnSpPr>
+            <p:cNvPr id="64" name="Straight Connector 63">
+              <a:extLst>
+                <a:ext uri="{FF2B5EF4-FFF2-40B4-BE49-F238E27FC236}">
+                  <a16:creationId xmlns:a16="http://schemas.microsoft.com/office/drawing/2014/main" id="{EE99E88E-BCE6-08BC-9464-B1141D8277A2}"/>
+                </a:ext>
+              </a:extLst>
+            </p:cNvPr>
+            <p:cNvCxnSpPr>
+              <a:stCxn id="62" idx="1"/>
+              <a:endCxn id="62" idx="3"/>
+            </p:cNvCxnSpPr>
+            <p:nvPr/>
+          </p:nvCxnSpPr>
+          <p:spPr>
+            <a:xfrm>
+              <a:off x="8885032" y="4609726"/>
+              <a:ext cx="1905000" cy="0"/>
+            </a:xfrm>
+            <a:prstGeom prst="line">
+              <a:avLst/>
+            </a:prstGeom>
+          </p:spPr>
+          <p:style>
+            <a:lnRef idx="1">
+              <a:schemeClr val="accent1"/>
+            </a:lnRef>
+            <a:fillRef idx="0">
+              <a:schemeClr val="accent1"/>
+            </a:fillRef>
+            <a:effectRef idx="0">
+              <a:schemeClr val="accent1"/>
+            </a:effectRef>
+            <a:fontRef idx="minor">
+              <a:schemeClr val="tx1"/>
+            </a:fontRef>
+          </p:style>
+        </p:cxnSp>
+        <p:cxnSp>
+          <p:nvCxnSpPr>
+            <p:cNvPr id="68" name="Straight Connector 67">
+              <a:extLst>
+                <a:ext uri="{FF2B5EF4-FFF2-40B4-BE49-F238E27FC236}">
+                  <a16:creationId xmlns:a16="http://schemas.microsoft.com/office/drawing/2014/main" id="{E301BD9D-8B0E-0EBE-347A-72FD46FAB8AA}"/>
+                </a:ext>
+              </a:extLst>
+            </p:cNvPr>
+            <p:cNvCxnSpPr>
+              <a:stCxn id="62" idx="0"/>
+              <a:endCxn id="62" idx="2"/>
+            </p:cNvCxnSpPr>
+            <p:nvPr/>
+          </p:nvCxnSpPr>
+          <p:spPr>
+            <a:xfrm>
+              <a:off x="9837532" y="3657226"/>
+              <a:ext cx="0" cy="1905000"/>
+            </a:xfrm>
+            <a:prstGeom prst="line">
+              <a:avLst/>
+            </a:prstGeom>
+          </p:spPr>
+          <p:style>
+            <a:lnRef idx="1">
+              <a:schemeClr val="accent1"/>
+            </a:lnRef>
+            <a:fillRef idx="0">
+              <a:schemeClr val="accent1"/>
+            </a:fillRef>
+            <a:effectRef idx="0">
+              <a:schemeClr val="accent1"/>
+            </a:effectRef>
+            <a:fontRef idx="minor">
+              <a:schemeClr val="tx1"/>
+            </a:fontRef>
+          </p:style>
+        </p:cxnSp>
+      </p:grpSp>
+    </p:spTree>
+    <p:extLst>
+      <p:ext uri="{BB962C8B-B14F-4D97-AF65-F5344CB8AC3E}">
+        <p14:creationId xmlns:p14="http://schemas.microsoft.com/office/powerpoint/2010/main" val="2070259806"/>
+      </p:ext>
+    </p:extLst>
+  </p:cSld>
+  <p:clrMapOvr>
+    <a:masterClrMapping/>
+  </p:clrMapOvr>
+</p:sld>
+</file>
+
+<file path=ppt/slides/slide10.xml><?xml version="1.0" encoding="utf-8"?>
+<p:sld xmlns:a="http://schemas.openxmlformats.org/drawingml/2006/main" xmlns:r="http://schemas.openxmlformats.org/officeDocument/2006/relationships" xmlns:p="http://schemas.openxmlformats.org/presentationml/2006/main">
+  <p:cSld>
+    <p:spTree>
+      <p:nvGrpSpPr>
+        <p:cNvPr id="1" name=""/>
+        <p:cNvGrpSpPr/>
+        <p:nvPr/>
+      </p:nvGrpSpPr>
+      <p:grpSpPr>
+        <a:xfrm>
+          <a:off x="0" y="0"/>
+          <a:ext cx="0" cy="0"/>
+          <a:chOff x="0" y="0"/>
+          <a:chExt cx="0" cy="0"/>
+        </a:xfrm>
+      </p:grpSpPr>
+      <p:pic>
+        <p:nvPicPr>
+          <p:cNvPr id="6" name="Picture 5" descr="A black background with a black square&#10;&#10;Description automatically generated with medium confidence">
+            <a:extLst>
+              <a:ext uri="{FF2B5EF4-FFF2-40B4-BE49-F238E27FC236}">
+                <a16:creationId xmlns:a16="http://schemas.microsoft.com/office/drawing/2014/main" id="{C2A15875-6A4C-C55F-15C2-989D6725E8B1}"/>
+              </a:ext>
+            </a:extLst>
+          </p:cNvPr>
+          <p:cNvPicPr>
+            <a:picLocks noChangeAspect="1"/>
+          </p:cNvPicPr>
+          <p:nvPr/>
+        </p:nvPicPr>
+        <p:blipFill>
+          <a:blip r:embed="rId2">
+            <a:extLst>
+              <a:ext uri="{28A0092B-C50C-407E-A947-70E740481C1C}">
+                <a14:useLocalDpi xmlns:a14="http://schemas.microsoft.com/office/drawing/2010/main" val="0"/>
+              </a:ext>
+            </a:extLst>
+          </a:blip>
+          <a:srcRect t="28811" b="29026"/>
+          <a:stretch/>
+        </p:blipFill>
         <p:spPr>
           <a:xfrm>
-            <a:off x="10427192" y="2228848"/>
-            <a:ext cx="1905000" cy="1905000"/>
+            <a:off x="223157" y="207164"/>
+            <a:ext cx="4800600" cy="2024071"/>
           </a:xfrm>
           <a:prstGeom prst="rect">
             <a:avLst/>
           </a:prstGeom>
-          <a:solidFill>
-            <a:srgbClr val="DDDDDD">
-              <a:alpha val="20000"/>
-            </a:srgbClr>
-          </a:solidFill>
         </p:spPr>
-        <p:style>
-          <a:lnRef idx="2">
-            <a:schemeClr val="accent1">
-              <a:shade val="50000"/>
-            </a:schemeClr>
-          </a:lnRef>
-          <a:fillRef idx="1">
-            <a:schemeClr val="accent1"/>
-          </a:fillRef>
-          <a:effectRef idx="0">
-            <a:schemeClr val="accent1"/>
-          </a:effectRef>
-          <a:fontRef idx="minor">
-            <a:schemeClr val="lt1"/>
-          </a:fontRef>
-        </p:style>
-        <p:txBody>
-          <a:bodyPr rtlCol="0" anchor="ctr"/>
-          <a:lstStyle/>
-          <a:p>
-            <a:pPr algn="ctr"/>
-            <a:endParaRPr lang="en-GB"/>
-          </a:p>
-        </p:txBody>
-      </p:sp>
+      </p:pic>
       <p:cxnSp>
         <p:nvCxnSpPr>
-          <p:cNvPr id="64" name="Straight Connector 63">
-            <a:extLst>
-              <a:ext uri="{FF2B5EF4-FFF2-40B4-BE49-F238E27FC236}">
-                <a16:creationId xmlns:a16="http://schemas.microsoft.com/office/drawing/2014/main" id="{EE99E88E-BCE6-08BC-9464-B1141D8277A2}"/>
+          <p:cNvPr id="9" name="Straight Connector 8">
+            <a:extLst>
+              <a:ext uri="{FF2B5EF4-FFF2-40B4-BE49-F238E27FC236}">
+                <a16:creationId xmlns:a16="http://schemas.microsoft.com/office/drawing/2014/main" id="{DFC4C2D5-3F98-BCAA-538A-81450FA5C562}"/>
               </a:ext>
             </a:extLst>
           </p:cNvPr>
           <p:cNvCxnSpPr>
-            <a:stCxn id="62" idx="1"/>
-            <a:endCxn id="62" idx="3"/>
+            <a:cxnSpLocks/>
+            <a:endCxn id="6" idx="3"/>
           </p:cNvCxnSpPr>
           <p:nvPr/>
         </p:nvCxnSpPr>
         <p:spPr>
-          <a:xfrm>
-            <a:off x="10427192" y="3181348"/>
-            <a:ext cx="1905000" cy="0"/>
+          <a:xfrm flipV="1">
+            <a:off x="4721338" y="1219200"/>
+            <a:ext cx="302419" cy="5154"/>
           </a:xfrm>
           <a:prstGeom prst="line">
             <a:avLst/>
@@ -4298,23 +4472,23 @@
       </p:cxnSp>
       <p:cxnSp>
         <p:nvCxnSpPr>
-          <p:cNvPr id="68" name="Straight Connector 67">
-            <a:extLst>
-              <a:ext uri="{FF2B5EF4-FFF2-40B4-BE49-F238E27FC236}">
-                <a16:creationId xmlns:a16="http://schemas.microsoft.com/office/drawing/2014/main" id="{E301BD9D-8B0E-0EBE-347A-72FD46FAB8AA}"/>
+          <p:cNvPr id="15" name="Straight Connector 14">
+            <a:extLst>
+              <a:ext uri="{FF2B5EF4-FFF2-40B4-BE49-F238E27FC236}">
+                <a16:creationId xmlns:a16="http://schemas.microsoft.com/office/drawing/2014/main" id="{1A397F5B-8A5B-80A2-49BA-7ABB5EBBDA95}"/>
               </a:ext>
             </a:extLst>
           </p:cNvPr>
           <p:cNvCxnSpPr>
-            <a:stCxn id="62" idx="0"/>
-            <a:endCxn id="62" idx="2"/>
+            <a:cxnSpLocks/>
+            <a:stCxn id="6" idx="1"/>
           </p:cNvCxnSpPr>
           <p:nvPr/>
         </p:nvCxnSpPr>
         <p:spPr>
           <a:xfrm>
-            <a:off x="11379692" y="2228848"/>
-            <a:ext cx="0" cy="1905000"/>
+            <a:off x="223157" y="1219200"/>
+            <a:ext cx="295275" cy="5154"/>
           </a:xfrm>
           <a:prstGeom prst="line">
             <a:avLst/>
@@ -4335,10 +4509,2264 @@
           </a:fontRef>
         </p:style>
       </p:cxnSp>
+      <p:cxnSp>
+        <p:nvCxnSpPr>
+          <p:cNvPr id="21" name="Straight Connector 20">
+            <a:extLst>
+              <a:ext uri="{FF2B5EF4-FFF2-40B4-BE49-F238E27FC236}">
+                <a16:creationId xmlns:a16="http://schemas.microsoft.com/office/drawing/2014/main" id="{D0F19FDC-E375-4E7B-4665-4837CA2B0C72}"/>
+              </a:ext>
+            </a:extLst>
+          </p:cNvPr>
+          <p:cNvCxnSpPr>
+            <a:cxnSpLocks/>
+          </p:cNvCxnSpPr>
+          <p:nvPr/>
+        </p:nvCxnSpPr>
+        <p:spPr>
+          <a:xfrm>
+            <a:off x="3700974" y="207165"/>
+            <a:ext cx="0" cy="2024070"/>
+          </a:xfrm>
+          <a:prstGeom prst="line">
+            <a:avLst/>
+          </a:prstGeom>
+        </p:spPr>
+        <p:style>
+          <a:lnRef idx="1">
+            <a:schemeClr val="accent1"/>
+          </a:lnRef>
+          <a:fillRef idx="0">
+            <a:schemeClr val="accent1"/>
+          </a:fillRef>
+          <a:effectRef idx="0">
+            <a:schemeClr val="accent1"/>
+          </a:effectRef>
+          <a:fontRef idx="minor">
+            <a:schemeClr val="tx1"/>
+          </a:fontRef>
+        </p:style>
+      </p:cxnSp>
+      <p:grpSp>
+        <p:nvGrpSpPr>
+          <p:cNvPr id="48" name="Group 47">
+            <a:extLst>
+              <a:ext uri="{FF2B5EF4-FFF2-40B4-BE49-F238E27FC236}">
+                <a16:creationId xmlns:a16="http://schemas.microsoft.com/office/drawing/2014/main" id="{FFB5BB98-1767-7459-4CB7-757D8D9D66C1}"/>
+              </a:ext>
+            </a:extLst>
+          </p:cNvPr>
+          <p:cNvGrpSpPr/>
+          <p:nvPr/>
+        </p:nvGrpSpPr>
+        <p:grpSpPr>
+          <a:xfrm>
+            <a:off x="9096532" y="2421894"/>
+            <a:ext cx="1269841" cy="1269841"/>
+            <a:chOff x="6200932" y="3579017"/>
+            <a:chExt cx="1269841" cy="1269841"/>
+          </a:xfrm>
+        </p:grpSpPr>
+        <p:pic>
+          <p:nvPicPr>
+            <p:cNvPr id="25" name="Picture 24" descr="A black background with a black square&#10;&#10;Description automatically generated with medium confidence">
+              <a:extLst>
+                <a:ext uri="{FF2B5EF4-FFF2-40B4-BE49-F238E27FC236}">
+                  <a16:creationId xmlns:a16="http://schemas.microsoft.com/office/drawing/2014/main" id="{F5B841A7-7415-A5B8-14EA-EBABF4310A39}"/>
+                </a:ext>
+              </a:extLst>
+            </p:cNvPr>
+            <p:cNvPicPr>
+              <a:picLocks noChangeAspect="1"/>
+            </p:cNvPicPr>
+            <p:nvPr/>
+          </p:nvPicPr>
+          <p:blipFill>
+            <a:blip r:embed="rId3">
+              <a:extLst>
+                <a:ext uri="{28A0092B-C50C-407E-A947-70E740481C1C}">
+                  <a14:useLocalDpi xmlns:a14="http://schemas.microsoft.com/office/drawing/2010/main" val="0"/>
+                </a:ext>
+              </a:extLst>
+            </a:blip>
+            <a:stretch>
+              <a:fillRect/>
+            </a:stretch>
+          </p:blipFill>
+          <p:spPr>
+            <a:xfrm>
+              <a:off x="6200932" y="3579017"/>
+              <a:ext cx="1269841" cy="1269841"/>
+            </a:xfrm>
+            <a:prstGeom prst="rect">
+              <a:avLst/>
+            </a:prstGeom>
+          </p:spPr>
+        </p:pic>
+        <p:pic>
+          <p:nvPicPr>
+            <p:cNvPr id="32" name="Picture 31" descr="A black background with a black square&#10;&#10;Description automatically generated with medium confidence">
+              <a:extLst>
+                <a:ext uri="{FF2B5EF4-FFF2-40B4-BE49-F238E27FC236}">
+                  <a16:creationId xmlns:a16="http://schemas.microsoft.com/office/drawing/2014/main" id="{9B78CFCD-DB0B-483B-FF57-B4579419F7DD}"/>
+                </a:ext>
+              </a:extLst>
+            </p:cNvPr>
+            <p:cNvPicPr>
+              <a:picLocks noChangeAspect="1"/>
+            </p:cNvPicPr>
+            <p:nvPr/>
+          </p:nvPicPr>
+          <p:blipFill>
+            <a:blip r:embed="rId4">
+              <a:extLst>
+                <a:ext uri="{28A0092B-C50C-407E-A947-70E740481C1C}">
+                  <a14:useLocalDpi xmlns:a14="http://schemas.microsoft.com/office/drawing/2010/main" val="0"/>
+                </a:ext>
+              </a:extLst>
+            </a:blip>
+            <a:srcRect l="30247" t="32748" r="30248" b="27747"/>
+            <a:stretch>
+              <a:fillRect/>
+            </a:stretch>
+          </p:blipFill>
+          <p:spPr>
+            <a:xfrm>
+              <a:off x="6634835" y="4020540"/>
+              <a:ext cx="402033" cy="402033"/>
+            </a:xfrm>
+            <a:custGeom>
+              <a:avLst/>
+              <a:gdLst>
+                <a:gd name="connsiteX0" fmla="*/ 250825 w 501650"/>
+                <a:gd name="connsiteY0" fmla="*/ 0 h 501650"/>
+                <a:gd name="connsiteX1" fmla="*/ 501650 w 501650"/>
+                <a:gd name="connsiteY1" fmla="*/ 250825 h 501650"/>
+                <a:gd name="connsiteX2" fmla="*/ 250825 w 501650"/>
+                <a:gd name="connsiteY2" fmla="*/ 501650 h 501650"/>
+                <a:gd name="connsiteX3" fmla="*/ 0 w 501650"/>
+                <a:gd name="connsiteY3" fmla="*/ 250825 h 501650"/>
+                <a:gd name="connsiteX4" fmla="*/ 250825 w 501650"/>
+                <a:gd name="connsiteY4" fmla="*/ 0 h 501650"/>
+              </a:gdLst>
+              <a:ahLst/>
+              <a:cxnLst>
+                <a:cxn ang="0">
+                  <a:pos x="connsiteX0" y="connsiteY0"/>
+                </a:cxn>
+                <a:cxn ang="0">
+                  <a:pos x="connsiteX1" y="connsiteY1"/>
+                </a:cxn>
+                <a:cxn ang="0">
+                  <a:pos x="connsiteX2" y="connsiteY2"/>
+                </a:cxn>
+                <a:cxn ang="0">
+                  <a:pos x="connsiteX3" y="connsiteY3"/>
+                </a:cxn>
+                <a:cxn ang="0">
+                  <a:pos x="connsiteX4" y="connsiteY4"/>
+                </a:cxn>
+              </a:cxnLst>
+              <a:rect l="l" t="t" r="r" b="b"/>
+              <a:pathLst>
+                <a:path w="501650" h="501650">
+                  <a:moveTo>
+                    <a:pt x="250825" y="0"/>
+                  </a:moveTo>
+                  <a:cubicBezTo>
+                    <a:pt x="389352" y="0"/>
+                    <a:pt x="501650" y="112298"/>
+                    <a:pt x="501650" y="250825"/>
+                  </a:cubicBezTo>
+                  <a:cubicBezTo>
+                    <a:pt x="501650" y="389352"/>
+                    <a:pt x="389352" y="501650"/>
+                    <a:pt x="250825" y="501650"/>
+                  </a:cubicBezTo>
+                  <a:cubicBezTo>
+                    <a:pt x="112298" y="501650"/>
+                    <a:pt x="0" y="389352"/>
+                    <a:pt x="0" y="250825"/>
+                  </a:cubicBezTo>
+                  <a:cubicBezTo>
+                    <a:pt x="0" y="112298"/>
+                    <a:pt x="112298" y="0"/>
+                    <a:pt x="250825" y="0"/>
+                  </a:cubicBezTo>
+                  <a:close/>
+                </a:path>
+              </a:pathLst>
+            </a:custGeom>
+          </p:spPr>
+        </p:pic>
+      </p:grpSp>
     </p:spTree>
     <p:extLst>
       <p:ext uri="{BB962C8B-B14F-4D97-AF65-F5344CB8AC3E}">
-        <p14:creationId xmlns:p14="http://schemas.microsoft.com/office/powerpoint/2010/main" val="2070259806"/>
+        <p14:creationId xmlns:p14="http://schemas.microsoft.com/office/powerpoint/2010/main" val="1530452114"/>
+      </p:ext>
+    </p:extLst>
+  </p:cSld>
+  <p:clrMapOvr>
+    <a:masterClrMapping/>
+  </p:clrMapOvr>
+</p:sld>
+</file>
+
+<file path=ppt/slides/slide11.xml><?xml version="1.0" encoding="utf-8"?>
+<p:sld xmlns:a="http://schemas.openxmlformats.org/drawingml/2006/main" xmlns:r="http://schemas.openxmlformats.org/officeDocument/2006/relationships" xmlns:p="http://schemas.openxmlformats.org/presentationml/2006/main">
+  <p:cSld>
+    <p:spTree>
+      <p:nvGrpSpPr>
+        <p:cNvPr id="1" name=""/>
+        <p:cNvGrpSpPr/>
+        <p:nvPr/>
+      </p:nvGrpSpPr>
+      <p:grpSpPr>
+        <a:xfrm>
+          <a:off x="0" y="0"/>
+          <a:ext cx="0" cy="0"/>
+          <a:chOff x="0" y="0"/>
+          <a:chExt cx="0" cy="0"/>
+        </a:xfrm>
+      </p:grpSpPr>
+      <p:grpSp>
+        <p:nvGrpSpPr>
+          <p:cNvPr id="87" name="Group 86">
+            <a:extLst>
+              <a:ext uri="{FF2B5EF4-FFF2-40B4-BE49-F238E27FC236}">
+                <a16:creationId xmlns:a16="http://schemas.microsoft.com/office/drawing/2014/main" id="{C0700CAA-4D49-6F06-CD13-3D38D812539D}"/>
+              </a:ext>
+            </a:extLst>
+          </p:cNvPr>
+          <p:cNvGrpSpPr/>
+          <p:nvPr/>
+        </p:nvGrpSpPr>
+        <p:grpSpPr>
+          <a:xfrm>
+            <a:off x="-164459" y="1736844"/>
+            <a:ext cx="1819236" cy="2688569"/>
+            <a:chOff x="1775904" y="3071735"/>
+            <a:chExt cx="1819236" cy="2688569"/>
+          </a:xfrm>
+        </p:grpSpPr>
+        <p:sp>
+          <p:nvSpPr>
+            <p:cNvPr id="70" name="Rectangle 69">
+              <a:extLst>
+                <a:ext uri="{FF2B5EF4-FFF2-40B4-BE49-F238E27FC236}">
+                  <a16:creationId xmlns:a16="http://schemas.microsoft.com/office/drawing/2014/main" id="{61D79FFD-8740-D6B3-35C6-A9EFC4D03B20}"/>
+                </a:ext>
+              </a:extLst>
+            </p:cNvPr>
+            <p:cNvSpPr/>
+            <p:nvPr/>
+          </p:nvSpPr>
+          <p:spPr>
+            <a:xfrm>
+              <a:off x="1775905" y="3071735"/>
+              <a:ext cx="1819235" cy="2688569"/>
+            </a:xfrm>
+            <a:prstGeom prst="rect">
+              <a:avLst/>
+            </a:prstGeom>
+            <a:solidFill>
+              <a:schemeClr val="tx1">
+                <a:alpha val="0"/>
+              </a:schemeClr>
+            </a:solidFill>
+            <a:ln w="3175">
+              <a:noFill/>
+            </a:ln>
+          </p:spPr>
+          <p:style>
+            <a:lnRef idx="2">
+              <a:schemeClr val="accent1">
+                <a:shade val="15000"/>
+              </a:schemeClr>
+            </a:lnRef>
+            <a:fillRef idx="1">
+              <a:schemeClr val="accent1"/>
+            </a:fillRef>
+            <a:effectRef idx="0">
+              <a:schemeClr val="accent1"/>
+            </a:effectRef>
+            <a:fontRef idx="minor">
+              <a:schemeClr val="lt1"/>
+            </a:fontRef>
+          </p:style>
+          <p:txBody>
+            <a:bodyPr rtlCol="0" anchor="ctr"/>
+            <a:lstStyle/>
+            <a:p>
+              <a:pPr algn="ctr"/>
+              <a:endParaRPr lang="en-GB" dirty="0"/>
+            </a:p>
+          </p:txBody>
+        </p:sp>
+        <p:pic>
+          <p:nvPicPr>
+            <p:cNvPr id="81" name="Picture 80">
+              <a:extLst>
+                <a:ext uri="{FF2B5EF4-FFF2-40B4-BE49-F238E27FC236}">
+                  <a16:creationId xmlns:a16="http://schemas.microsoft.com/office/drawing/2014/main" id="{3107C822-F0AE-9D49-1AB4-A5EE9DF507E4}"/>
+                </a:ext>
+              </a:extLst>
+            </p:cNvPr>
+            <p:cNvPicPr>
+              <a:picLocks noChangeAspect="1"/>
+            </p:cNvPicPr>
+            <p:nvPr/>
+          </p:nvPicPr>
+          <p:blipFill>
+            <a:blip r:embed="rId2"/>
+            <a:srcRect/>
+            <a:stretch>
+              <a:fillRect/>
+            </a:stretch>
+          </p:blipFill>
+          <p:spPr>
+            <a:xfrm>
+              <a:off x="1775904" y="3596844"/>
+              <a:ext cx="1104268" cy="1634168"/>
+            </a:xfrm>
+            <a:custGeom>
+              <a:avLst/>
+              <a:gdLst>
+                <a:gd name="connsiteX0" fmla="*/ 476120 w 1104268"/>
+                <a:gd name="connsiteY0" fmla="*/ 612730 h 1634168"/>
+                <a:gd name="connsiteX1" fmla="*/ 476120 w 1104268"/>
+                <a:gd name="connsiteY1" fmla="*/ 1008277 h 1634168"/>
+                <a:gd name="connsiteX2" fmla="*/ 634612 w 1104268"/>
+                <a:gd name="connsiteY2" fmla="*/ 1008277 h 1634168"/>
+                <a:gd name="connsiteX3" fmla="*/ 634612 w 1104268"/>
+                <a:gd name="connsiteY3" fmla="*/ 612730 h 1634168"/>
+                <a:gd name="connsiteX4" fmla="*/ 0 w 1104268"/>
+                <a:gd name="connsiteY4" fmla="*/ 0 h 1634168"/>
+                <a:gd name="connsiteX5" fmla="*/ 1104268 w 1104268"/>
+                <a:gd name="connsiteY5" fmla="*/ 0 h 1634168"/>
+                <a:gd name="connsiteX6" fmla="*/ 1104268 w 1104268"/>
+                <a:gd name="connsiteY6" fmla="*/ 1634168 h 1634168"/>
+                <a:gd name="connsiteX7" fmla="*/ 0 w 1104268"/>
+                <a:gd name="connsiteY7" fmla="*/ 1634168 h 1634168"/>
+              </a:gdLst>
+              <a:ahLst/>
+              <a:cxnLst>
+                <a:cxn ang="0">
+                  <a:pos x="connsiteX0" y="connsiteY0"/>
+                </a:cxn>
+                <a:cxn ang="0">
+                  <a:pos x="connsiteX1" y="connsiteY1"/>
+                </a:cxn>
+                <a:cxn ang="0">
+                  <a:pos x="connsiteX2" y="connsiteY2"/>
+                </a:cxn>
+                <a:cxn ang="0">
+                  <a:pos x="connsiteX3" y="connsiteY3"/>
+                </a:cxn>
+                <a:cxn ang="0">
+                  <a:pos x="connsiteX4" y="connsiteY4"/>
+                </a:cxn>
+                <a:cxn ang="0">
+                  <a:pos x="connsiteX5" y="connsiteY5"/>
+                </a:cxn>
+                <a:cxn ang="0">
+                  <a:pos x="connsiteX6" y="connsiteY6"/>
+                </a:cxn>
+                <a:cxn ang="0">
+                  <a:pos x="connsiteX7" y="connsiteY7"/>
+                </a:cxn>
+              </a:cxnLst>
+              <a:rect l="l" t="t" r="r" b="b"/>
+              <a:pathLst>
+                <a:path w="1104268" h="1634168">
+                  <a:moveTo>
+                    <a:pt x="476120" y="612730"/>
+                  </a:moveTo>
+                  <a:lnTo>
+                    <a:pt x="476120" y="1008277"/>
+                  </a:lnTo>
+                  <a:lnTo>
+                    <a:pt x="634612" y="1008277"/>
+                  </a:lnTo>
+                  <a:lnTo>
+                    <a:pt x="634612" y="612730"/>
+                  </a:lnTo>
+                  <a:close/>
+                  <a:moveTo>
+                    <a:pt x="0" y="0"/>
+                  </a:moveTo>
+                  <a:lnTo>
+                    <a:pt x="1104268" y="0"/>
+                  </a:lnTo>
+                  <a:lnTo>
+                    <a:pt x="1104268" y="1634168"/>
+                  </a:lnTo>
+                  <a:lnTo>
+                    <a:pt x="0" y="1634168"/>
+                  </a:lnTo>
+                  <a:close/>
+                </a:path>
+              </a:pathLst>
+            </a:custGeom>
+            <a:ln>
+              <a:noFill/>
+            </a:ln>
+          </p:spPr>
+        </p:pic>
+        <p:sp>
+          <p:nvSpPr>
+            <p:cNvPr id="77" name="Freeform: Shape 76">
+              <a:extLst>
+                <a:ext uri="{FF2B5EF4-FFF2-40B4-BE49-F238E27FC236}">
+                  <a16:creationId xmlns:a16="http://schemas.microsoft.com/office/drawing/2014/main" id="{BC508BD9-3F87-9E03-4095-17CA004893E6}"/>
+                </a:ext>
+              </a:extLst>
+            </p:cNvPr>
+            <p:cNvSpPr/>
+            <p:nvPr/>
+          </p:nvSpPr>
+          <p:spPr>
+            <a:xfrm>
+              <a:off x="2160343" y="3840188"/>
+              <a:ext cx="335390" cy="1147480"/>
+            </a:xfrm>
+            <a:custGeom>
+              <a:avLst/>
+              <a:gdLst>
+                <a:gd name="connsiteX0" fmla="*/ 0 w 335390"/>
+                <a:gd name="connsiteY0" fmla="*/ 0 h 1147480"/>
+                <a:gd name="connsiteX1" fmla="*/ 335390 w 335390"/>
+                <a:gd name="connsiteY1" fmla="*/ 0 h 1147480"/>
+                <a:gd name="connsiteX2" fmla="*/ 335390 w 335390"/>
+                <a:gd name="connsiteY2" fmla="*/ 1147480 h 1147480"/>
+                <a:gd name="connsiteX3" fmla="*/ 0 w 335390"/>
+                <a:gd name="connsiteY3" fmla="*/ 1147480 h 1147480"/>
+                <a:gd name="connsiteX4" fmla="*/ 0 w 335390"/>
+                <a:gd name="connsiteY4" fmla="*/ 0 h 1147480"/>
+                <a:gd name="connsiteX5" fmla="*/ 122432 w 335390"/>
+                <a:gd name="connsiteY5" fmla="*/ 422815 h 1147480"/>
+                <a:gd name="connsiteX6" fmla="*/ 122432 w 335390"/>
+                <a:gd name="connsiteY6" fmla="*/ 724666 h 1147480"/>
+                <a:gd name="connsiteX7" fmla="*/ 223287 w 335390"/>
+                <a:gd name="connsiteY7" fmla="*/ 724666 h 1147480"/>
+                <a:gd name="connsiteX8" fmla="*/ 223287 w 335390"/>
+                <a:gd name="connsiteY8" fmla="*/ 422815 h 1147480"/>
+                <a:gd name="connsiteX9" fmla="*/ 122432 w 335390"/>
+                <a:gd name="connsiteY9" fmla="*/ 422815 h 1147480"/>
+              </a:gdLst>
+              <a:ahLst/>
+              <a:cxnLst>
+                <a:cxn ang="0">
+                  <a:pos x="connsiteX0" y="connsiteY0"/>
+                </a:cxn>
+                <a:cxn ang="0">
+                  <a:pos x="connsiteX1" y="connsiteY1"/>
+                </a:cxn>
+                <a:cxn ang="0">
+                  <a:pos x="connsiteX2" y="connsiteY2"/>
+                </a:cxn>
+                <a:cxn ang="0">
+                  <a:pos x="connsiteX3" y="connsiteY3"/>
+                </a:cxn>
+                <a:cxn ang="0">
+                  <a:pos x="connsiteX4" y="connsiteY4"/>
+                </a:cxn>
+                <a:cxn ang="0">
+                  <a:pos x="connsiteX5" y="connsiteY5"/>
+                </a:cxn>
+                <a:cxn ang="0">
+                  <a:pos x="connsiteX6" y="connsiteY6"/>
+                </a:cxn>
+                <a:cxn ang="0">
+                  <a:pos x="connsiteX7" y="connsiteY7"/>
+                </a:cxn>
+                <a:cxn ang="0">
+                  <a:pos x="connsiteX8" y="connsiteY8"/>
+                </a:cxn>
+                <a:cxn ang="0">
+                  <a:pos x="connsiteX9" y="connsiteY9"/>
+                </a:cxn>
+              </a:cxnLst>
+              <a:rect l="l" t="t" r="r" b="b"/>
+              <a:pathLst>
+                <a:path w="335390" h="1147480">
+                  <a:moveTo>
+                    <a:pt x="0" y="0"/>
+                  </a:moveTo>
+                  <a:lnTo>
+                    <a:pt x="335390" y="0"/>
+                  </a:lnTo>
+                  <a:lnTo>
+                    <a:pt x="335390" y="1147480"/>
+                  </a:lnTo>
+                  <a:lnTo>
+                    <a:pt x="0" y="1147480"/>
+                  </a:lnTo>
+                  <a:lnTo>
+                    <a:pt x="0" y="0"/>
+                  </a:lnTo>
+                  <a:close/>
+                  <a:moveTo>
+                    <a:pt x="122432" y="422815"/>
+                  </a:moveTo>
+                  <a:lnTo>
+                    <a:pt x="122432" y="724666"/>
+                  </a:lnTo>
+                  <a:lnTo>
+                    <a:pt x="223287" y="724666"/>
+                  </a:lnTo>
+                  <a:lnTo>
+                    <a:pt x="223287" y="422815"/>
+                  </a:lnTo>
+                  <a:lnTo>
+                    <a:pt x="122432" y="422815"/>
+                  </a:lnTo>
+                  <a:close/>
+                </a:path>
+              </a:pathLst>
+            </a:custGeom>
+            <a:solidFill>
+              <a:schemeClr val="tx1"/>
+            </a:solidFill>
+            <a:ln>
+              <a:noFill/>
+            </a:ln>
+          </p:spPr>
+          <p:style>
+            <a:lnRef idx="2">
+              <a:schemeClr val="accent1">
+                <a:shade val="15000"/>
+              </a:schemeClr>
+            </a:lnRef>
+            <a:fillRef idx="1">
+              <a:schemeClr val="accent1"/>
+            </a:fillRef>
+            <a:effectRef idx="0">
+              <a:schemeClr val="accent1"/>
+            </a:effectRef>
+            <a:fontRef idx="minor">
+              <a:schemeClr val="lt1"/>
+            </a:fontRef>
+          </p:style>
+          <p:txBody>
+            <a:bodyPr wrap="square" rtlCol="0" anchor="ctr">
+              <a:noAutofit/>
+            </a:bodyPr>
+            <a:lstStyle/>
+            <a:p>
+              <a:pPr algn="ctr"/>
+              <a:endParaRPr lang="en-GB"/>
+            </a:p>
+          </p:txBody>
+        </p:sp>
+      </p:grpSp>
+      <p:pic>
+        <p:nvPicPr>
+          <p:cNvPr id="27" name="Picture 26">
+            <a:extLst>
+              <a:ext uri="{FF2B5EF4-FFF2-40B4-BE49-F238E27FC236}">
+                <a16:creationId xmlns:a16="http://schemas.microsoft.com/office/drawing/2014/main" id="{1868011C-6603-3053-511C-F01F94B8E3C8}"/>
+              </a:ext>
+            </a:extLst>
+          </p:cNvPr>
+          <p:cNvPicPr>
+            <a:picLocks noChangeAspect="1"/>
+          </p:cNvPicPr>
+          <p:nvPr/>
+        </p:nvPicPr>
+        <p:blipFill>
+          <a:blip r:embed="rId3">
+            <a:extLst>
+              <a:ext uri="{28A0092B-C50C-407E-A947-70E740481C1C}">
+                <a14:useLocalDpi xmlns:a14="http://schemas.microsoft.com/office/drawing/2010/main" val="0"/>
+              </a:ext>
+            </a:extLst>
+          </a:blip>
+          <a:stretch>
+            <a:fillRect/>
+          </a:stretch>
+        </p:blipFill>
+        <p:spPr>
+          <a:xfrm>
+            <a:off x="-863488" y="-585455"/>
+            <a:ext cx="1819235" cy="2692800"/>
+          </a:xfrm>
+          <a:prstGeom prst="rect">
+            <a:avLst/>
+          </a:prstGeom>
+        </p:spPr>
+      </p:pic>
+      <p:pic>
+        <p:nvPicPr>
+          <p:cNvPr id="50" name="Picture 49">
+            <a:extLst>
+              <a:ext uri="{FF2B5EF4-FFF2-40B4-BE49-F238E27FC236}">
+                <a16:creationId xmlns:a16="http://schemas.microsoft.com/office/drawing/2014/main" id="{CA760A2C-CA09-8B20-9D5B-E2231CF66F2B}"/>
+              </a:ext>
+            </a:extLst>
+          </p:cNvPr>
+          <p:cNvPicPr>
+            <a:picLocks noChangeAspect="1"/>
+          </p:cNvPicPr>
+          <p:nvPr/>
+        </p:nvPicPr>
+        <p:blipFill>
+          <a:blip r:embed="rId4">
+            <a:duotone>
+              <a:prstClr val="black"/>
+              <a:schemeClr val="accent3">
+                <a:tint val="45000"/>
+                <a:satMod val="400000"/>
+              </a:schemeClr>
+            </a:duotone>
+            <a:extLst>
+              <a:ext uri="{BEBA8EAE-BF5A-486C-A8C5-ECC9F3942E4B}">
+                <a14:imgProps xmlns:a14="http://schemas.microsoft.com/office/drawing/2010/main">
+                  <a14:imgLayer r:embed="rId5">
+                    <a14:imgEffect>
+                      <a14:sharpenSoften amount="50000"/>
+                    </a14:imgEffect>
+                    <a14:imgEffect>
+                      <a14:brightnessContrast bright="-50000" contrast="50000"/>
+                    </a14:imgEffect>
+                  </a14:imgLayer>
+                </a14:imgProps>
+              </a:ext>
+            </a:extLst>
+          </a:blip>
+          <a:srcRect l="8716" t="35765" r="37863" b="38302"/>
+          <a:stretch/>
+        </p:blipFill>
+        <p:spPr>
+          <a:xfrm rot="16200000">
+            <a:off x="2947284" y="224685"/>
+            <a:ext cx="2035152" cy="657436"/>
+          </a:xfrm>
+          <a:prstGeom prst="rect">
+            <a:avLst/>
+          </a:prstGeom>
+        </p:spPr>
+      </p:pic>
+      <p:pic>
+        <p:nvPicPr>
+          <p:cNvPr id="66" name="Picture 65" descr="A black background with a black square&#10;&#10;Description automatically generated with medium confidence">
+            <a:extLst>
+              <a:ext uri="{FF2B5EF4-FFF2-40B4-BE49-F238E27FC236}">
+                <a16:creationId xmlns:a16="http://schemas.microsoft.com/office/drawing/2014/main" id="{EE39A843-B31E-C431-FB86-C1E1D6AFCE08}"/>
+              </a:ext>
+            </a:extLst>
+          </p:cNvPr>
+          <p:cNvPicPr>
+            <a:picLocks noChangeAspect="1"/>
+          </p:cNvPicPr>
+          <p:nvPr/>
+        </p:nvPicPr>
+        <p:blipFill>
+          <a:blip r:embed="rId6">
+            <a:extLst>
+              <a:ext uri="{28A0092B-C50C-407E-A947-70E740481C1C}">
+                <a14:useLocalDpi xmlns:a14="http://schemas.microsoft.com/office/drawing/2010/main" val="0"/>
+              </a:ext>
+            </a:extLst>
+          </a:blip>
+          <a:srcRect l="26651" t="18181" r="26737" b="74883"/>
+          <a:stretch/>
+        </p:blipFill>
+        <p:spPr>
+          <a:xfrm rot="10800000" flipH="1">
+            <a:off x="2973103" y="1678214"/>
+            <a:ext cx="792164" cy="186744"/>
+          </a:xfrm>
+          <a:prstGeom prst="rect">
+            <a:avLst/>
+          </a:prstGeom>
+          <a:ln>
+            <a:noFill/>
+          </a:ln>
+        </p:spPr>
+      </p:pic>
+      <p:pic>
+        <p:nvPicPr>
+          <p:cNvPr id="67" name="Picture 66" descr="A black background with a black square&#10;&#10;Description automatically generated with medium confidence">
+            <a:extLst>
+              <a:ext uri="{FF2B5EF4-FFF2-40B4-BE49-F238E27FC236}">
+                <a16:creationId xmlns:a16="http://schemas.microsoft.com/office/drawing/2014/main" id="{3BFF1FDD-403D-DA44-D73B-E5485D16CF9C}"/>
+              </a:ext>
+            </a:extLst>
+          </p:cNvPr>
+          <p:cNvPicPr>
+            <a:picLocks noChangeAspect="1"/>
+          </p:cNvPicPr>
+          <p:nvPr/>
+        </p:nvPicPr>
+        <p:blipFill>
+          <a:blip r:embed="rId6">
+            <a:extLst>
+              <a:ext uri="{28A0092B-C50C-407E-A947-70E740481C1C}">
+                <a14:useLocalDpi xmlns:a14="http://schemas.microsoft.com/office/drawing/2010/main" val="0"/>
+              </a:ext>
+            </a:extLst>
+          </a:blip>
+          <a:srcRect l="14187" t="50121" r="14349" b="43926"/>
+          <a:stretch/>
+        </p:blipFill>
+        <p:spPr>
+          <a:xfrm rot="16200000">
+            <a:off x="1930932" y="636044"/>
+            <a:ext cx="1924050" cy="160290"/>
+          </a:xfrm>
+          <a:prstGeom prst="rect">
+            <a:avLst/>
+          </a:prstGeom>
+          <a:ln>
+            <a:noFill/>
+          </a:ln>
+        </p:spPr>
+      </p:pic>
+      <p:pic>
+        <p:nvPicPr>
+          <p:cNvPr id="69" name="Picture 68">
+            <a:extLst>
+              <a:ext uri="{FF2B5EF4-FFF2-40B4-BE49-F238E27FC236}">
+                <a16:creationId xmlns:a16="http://schemas.microsoft.com/office/drawing/2014/main" id="{2FDC522E-D35A-22E5-4C0D-5E5D479634EA}"/>
+              </a:ext>
+            </a:extLst>
+          </p:cNvPr>
+          <p:cNvPicPr>
+            <a:picLocks noChangeAspect="1"/>
+          </p:cNvPicPr>
+          <p:nvPr/>
+        </p:nvPicPr>
+        <p:blipFill>
+          <a:blip r:embed="rId7"/>
+          <a:stretch>
+            <a:fillRect/>
+          </a:stretch>
+        </p:blipFill>
+        <p:spPr>
+          <a:xfrm>
+            <a:off x="151524" y="-552327"/>
+            <a:ext cx="2694666" cy="2688569"/>
+          </a:xfrm>
+          <a:prstGeom prst="rect">
+            <a:avLst/>
+          </a:prstGeom>
+        </p:spPr>
+      </p:pic>
+      <p:grpSp>
+        <p:nvGrpSpPr>
+          <p:cNvPr id="86" name="Group 85">
+            <a:extLst>
+              <a:ext uri="{FF2B5EF4-FFF2-40B4-BE49-F238E27FC236}">
+                <a16:creationId xmlns:a16="http://schemas.microsoft.com/office/drawing/2014/main" id="{6C6447BE-C199-D24A-2E12-095511AEDB08}"/>
+              </a:ext>
+            </a:extLst>
+          </p:cNvPr>
+          <p:cNvGrpSpPr/>
+          <p:nvPr/>
+        </p:nvGrpSpPr>
+        <p:grpSpPr>
+          <a:xfrm>
+            <a:off x="329079" y="1519124"/>
+            <a:ext cx="2692318" cy="2692318"/>
+            <a:chOff x="4749841" y="3179080"/>
+            <a:chExt cx="2692318" cy="2692318"/>
+          </a:xfrm>
+        </p:grpSpPr>
+        <p:pic>
+          <p:nvPicPr>
+            <p:cNvPr id="84" name="Picture 83" descr="A black background with a black square&#10;&#10;Description automatically generated with medium confidence">
+              <a:extLst>
+                <a:ext uri="{FF2B5EF4-FFF2-40B4-BE49-F238E27FC236}">
+                  <a16:creationId xmlns:a16="http://schemas.microsoft.com/office/drawing/2014/main" id="{6C819D83-2031-3C3C-0886-FE8111EB1366}"/>
+                </a:ext>
+              </a:extLst>
+            </p:cNvPr>
+            <p:cNvPicPr>
+              <a:picLocks noChangeAspect="1"/>
+            </p:cNvPicPr>
+            <p:nvPr/>
+          </p:nvPicPr>
+          <p:blipFill>
+            <a:blip r:embed="rId6">
+              <a:extLst>
+                <a:ext uri="{28A0092B-C50C-407E-A947-70E740481C1C}">
+                  <a14:useLocalDpi xmlns:a14="http://schemas.microsoft.com/office/drawing/2010/main" val="0"/>
+                </a:ext>
+              </a:extLst>
+            </a:blip>
+            <a:srcRect/>
+            <a:stretch>
+              <a:fillRect/>
+            </a:stretch>
+          </p:blipFill>
+          <p:spPr>
+            <a:xfrm rot="16200000">
+              <a:off x="4749841" y="3179080"/>
+              <a:ext cx="2692318" cy="2692318"/>
+            </a:xfrm>
+            <a:custGeom>
+              <a:avLst/>
+              <a:gdLst>
+                <a:gd name="connsiteX0" fmla="*/ 1648649 w 2692318"/>
+                <a:gd name="connsiteY0" fmla="*/ 1644609 h 2692318"/>
+                <a:gd name="connsiteX1" fmla="*/ 1045399 w 2692318"/>
+                <a:gd name="connsiteY1" fmla="*/ 1644609 h 2692318"/>
+                <a:gd name="connsiteX2" fmla="*/ 1045399 w 2692318"/>
+                <a:gd name="connsiteY2" fmla="*/ 1898609 h 2692318"/>
+                <a:gd name="connsiteX3" fmla="*/ 1648649 w 2692318"/>
+                <a:gd name="connsiteY3" fmla="*/ 1898609 h 2692318"/>
+                <a:gd name="connsiteX4" fmla="*/ 2692318 w 2692318"/>
+                <a:gd name="connsiteY4" fmla="*/ 0 h 2692318"/>
+                <a:gd name="connsiteX5" fmla="*/ 2692318 w 2692318"/>
+                <a:gd name="connsiteY5" fmla="*/ 2692318 h 2692318"/>
+                <a:gd name="connsiteX6" fmla="*/ 0 w 2692318"/>
+                <a:gd name="connsiteY6" fmla="*/ 2692318 h 2692318"/>
+                <a:gd name="connsiteX7" fmla="*/ 0 w 2692318"/>
+                <a:gd name="connsiteY7" fmla="*/ 0 h 2692318"/>
+              </a:gdLst>
+              <a:ahLst/>
+              <a:cxnLst>
+                <a:cxn ang="0">
+                  <a:pos x="connsiteX0" y="connsiteY0"/>
+                </a:cxn>
+                <a:cxn ang="0">
+                  <a:pos x="connsiteX1" y="connsiteY1"/>
+                </a:cxn>
+                <a:cxn ang="0">
+                  <a:pos x="connsiteX2" y="connsiteY2"/>
+                </a:cxn>
+                <a:cxn ang="0">
+                  <a:pos x="connsiteX3" y="connsiteY3"/>
+                </a:cxn>
+                <a:cxn ang="0">
+                  <a:pos x="connsiteX4" y="connsiteY4"/>
+                </a:cxn>
+                <a:cxn ang="0">
+                  <a:pos x="connsiteX5" y="connsiteY5"/>
+                </a:cxn>
+                <a:cxn ang="0">
+                  <a:pos x="connsiteX6" y="connsiteY6"/>
+                </a:cxn>
+                <a:cxn ang="0">
+                  <a:pos x="connsiteX7" y="connsiteY7"/>
+                </a:cxn>
+              </a:cxnLst>
+              <a:rect l="l" t="t" r="r" b="b"/>
+              <a:pathLst>
+                <a:path w="2692318" h="2692318">
+                  <a:moveTo>
+                    <a:pt x="1648649" y="1644609"/>
+                  </a:moveTo>
+                  <a:lnTo>
+                    <a:pt x="1045399" y="1644609"/>
+                  </a:lnTo>
+                  <a:lnTo>
+                    <a:pt x="1045399" y="1898609"/>
+                  </a:lnTo>
+                  <a:lnTo>
+                    <a:pt x="1648649" y="1898609"/>
+                  </a:lnTo>
+                  <a:close/>
+                  <a:moveTo>
+                    <a:pt x="2692318" y="0"/>
+                  </a:moveTo>
+                  <a:lnTo>
+                    <a:pt x="2692318" y="2692318"/>
+                  </a:lnTo>
+                  <a:lnTo>
+                    <a:pt x="0" y="2692318"/>
+                  </a:lnTo>
+                  <a:lnTo>
+                    <a:pt x="0" y="0"/>
+                  </a:lnTo>
+                  <a:close/>
+                </a:path>
+              </a:pathLst>
+            </a:custGeom>
+            <a:ln>
+              <a:noFill/>
+            </a:ln>
+          </p:spPr>
+        </p:pic>
+        <p:sp>
+          <p:nvSpPr>
+            <p:cNvPr id="82" name="Freeform: Shape 81">
+              <a:extLst>
+                <a:ext uri="{FF2B5EF4-FFF2-40B4-BE49-F238E27FC236}">
+                  <a16:creationId xmlns:a16="http://schemas.microsoft.com/office/drawing/2014/main" id="{CB2DADD0-E578-AE25-32FB-FF277160EFBE}"/>
+                </a:ext>
+              </a:extLst>
+            </p:cNvPr>
+            <p:cNvSpPr/>
+            <p:nvPr/>
+          </p:nvSpPr>
+          <p:spPr>
+            <a:xfrm>
+              <a:off x="6235281" y="3572200"/>
+              <a:ext cx="554324" cy="1906078"/>
+            </a:xfrm>
+            <a:custGeom>
+              <a:avLst/>
+              <a:gdLst>
+                <a:gd name="connsiteX0" fmla="*/ 0 w 335390"/>
+                <a:gd name="connsiteY0" fmla="*/ 0 h 1147480"/>
+                <a:gd name="connsiteX1" fmla="*/ 335390 w 335390"/>
+                <a:gd name="connsiteY1" fmla="*/ 0 h 1147480"/>
+                <a:gd name="connsiteX2" fmla="*/ 335390 w 335390"/>
+                <a:gd name="connsiteY2" fmla="*/ 1147480 h 1147480"/>
+                <a:gd name="connsiteX3" fmla="*/ 0 w 335390"/>
+                <a:gd name="connsiteY3" fmla="*/ 1147480 h 1147480"/>
+                <a:gd name="connsiteX4" fmla="*/ 0 w 335390"/>
+                <a:gd name="connsiteY4" fmla="*/ 0 h 1147480"/>
+                <a:gd name="connsiteX5" fmla="*/ 122432 w 335390"/>
+                <a:gd name="connsiteY5" fmla="*/ 422815 h 1147480"/>
+                <a:gd name="connsiteX6" fmla="*/ 122432 w 335390"/>
+                <a:gd name="connsiteY6" fmla="*/ 724666 h 1147480"/>
+                <a:gd name="connsiteX7" fmla="*/ 223287 w 335390"/>
+                <a:gd name="connsiteY7" fmla="*/ 724666 h 1147480"/>
+                <a:gd name="connsiteX8" fmla="*/ 223287 w 335390"/>
+                <a:gd name="connsiteY8" fmla="*/ 422815 h 1147480"/>
+                <a:gd name="connsiteX9" fmla="*/ 122432 w 335390"/>
+                <a:gd name="connsiteY9" fmla="*/ 422815 h 1147480"/>
+              </a:gdLst>
+              <a:ahLst/>
+              <a:cxnLst>
+                <a:cxn ang="0">
+                  <a:pos x="connsiteX0" y="connsiteY0"/>
+                </a:cxn>
+                <a:cxn ang="0">
+                  <a:pos x="connsiteX1" y="connsiteY1"/>
+                </a:cxn>
+                <a:cxn ang="0">
+                  <a:pos x="connsiteX2" y="connsiteY2"/>
+                </a:cxn>
+                <a:cxn ang="0">
+                  <a:pos x="connsiteX3" y="connsiteY3"/>
+                </a:cxn>
+                <a:cxn ang="0">
+                  <a:pos x="connsiteX4" y="connsiteY4"/>
+                </a:cxn>
+                <a:cxn ang="0">
+                  <a:pos x="connsiteX5" y="connsiteY5"/>
+                </a:cxn>
+                <a:cxn ang="0">
+                  <a:pos x="connsiteX6" y="connsiteY6"/>
+                </a:cxn>
+                <a:cxn ang="0">
+                  <a:pos x="connsiteX7" y="connsiteY7"/>
+                </a:cxn>
+                <a:cxn ang="0">
+                  <a:pos x="connsiteX8" y="connsiteY8"/>
+                </a:cxn>
+                <a:cxn ang="0">
+                  <a:pos x="connsiteX9" y="connsiteY9"/>
+                </a:cxn>
+              </a:cxnLst>
+              <a:rect l="l" t="t" r="r" b="b"/>
+              <a:pathLst>
+                <a:path w="335390" h="1147480">
+                  <a:moveTo>
+                    <a:pt x="0" y="0"/>
+                  </a:moveTo>
+                  <a:lnTo>
+                    <a:pt x="335390" y="0"/>
+                  </a:lnTo>
+                  <a:lnTo>
+                    <a:pt x="335390" y="1147480"/>
+                  </a:lnTo>
+                  <a:lnTo>
+                    <a:pt x="0" y="1147480"/>
+                  </a:lnTo>
+                  <a:lnTo>
+                    <a:pt x="0" y="0"/>
+                  </a:lnTo>
+                  <a:close/>
+                  <a:moveTo>
+                    <a:pt x="122432" y="422815"/>
+                  </a:moveTo>
+                  <a:lnTo>
+                    <a:pt x="122432" y="724666"/>
+                  </a:lnTo>
+                  <a:lnTo>
+                    <a:pt x="223287" y="724666"/>
+                  </a:lnTo>
+                  <a:lnTo>
+                    <a:pt x="223287" y="422815"/>
+                  </a:lnTo>
+                  <a:lnTo>
+                    <a:pt x="122432" y="422815"/>
+                  </a:lnTo>
+                  <a:close/>
+                </a:path>
+              </a:pathLst>
+            </a:custGeom>
+            <a:solidFill>
+              <a:schemeClr val="tx1"/>
+            </a:solidFill>
+            <a:ln>
+              <a:noFill/>
+            </a:ln>
+          </p:spPr>
+          <p:style>
+            <a:lnRef idx="2">
+              <a:schemeClr val="accent1">
+                <a:shade val="15000"/>
+              </a:schemeClr>
+            </a:lnRef>
+            <a:fillRef idx="1">
+              <a:schemeClr val="accent1"/>
+            </a:fillRef>
+            <a:effectRef idx="0">
+              <a:schemeClr val="accent1"/>
+            </a:effectRef>
+            <a:fontRef idx="minor">
+              <a:schemeClr val="lt1"/>
+            </a:fontRef>
+          </p:style>
+          <p:txBody>
+            <a:bodyPr wrap="square" rtlCol="0" anchor="ctr">
+              <a:noAutofit/>
+            </a:bodyPr>
+            <a:lstStyle/>
+            <a:p>
+              <a:pPr algn="ctr"/>
+              <a:endParaRPr lang="en-GB"/>
+            </a:p>
+          </p:txBody>
+        </p:sp>
+      </p:grpSp>
+      <p:pic>
+        <p:nvPicPr>
+          <p:cNvPr id="104" name="Picture 103" descr="A black background with a black square&#10;&#10;Description automatically generated with medium confidence">
+            <a:extLst>
+              <a:ext uri="{FF2B5EF4-FFF2-40B4-BE49-F238E27FC236}">
+                <a16:creationId xmlns:a16="http://schemas.microsoft.com/office/drawing/2014/main" id="{0DFD8CF7-8A0C-EE43-6905-8B260E07E27A}"/>
+              </a:ext>
+            </a:extLst>
+          </p:cNvPr>
+          <p:cNvPicPr>
+            <a:picLocks noChangeAspect="1"/>
+          </p:cNvPicPr>
+          <p:nvPr/>
+        </p:nvPicPr>
+        <p:blipFill>
+          <a:blip r:embed="rId8">
+            <a:extLst>
+              <a:ext uri="{28A0092B-C50C-407E-A947-70E740481C1C}">
+                <a14:useLocalDpi xmlns:a14="http://schemas.microsoft.com/office/drawing/2010/main" val="0"/>
+              </a:ext>
+            </a:extLst>
+          </a:blip>
+          <a:stretch>
+            <a:fillRect/>
+          </a:stretch>
+        </p:blipFill>
+        <p:spPr>
+          <a:xfrm>
+            <a:off x="10926386" y="4557"/>
+            <a:ext cx="1269841" cy="1269841"/>
+          </a:xfrm>
+          <a:prstGeom prst="rect">
+            <a:avLst/>
+          </a:prstGeom>
+        </p:spPr>
+      </p:pic>
+      <p:grpSp>
+        <p:nvGrpSpPr>
+          <p:cNvPr id="126" name="Group 125">
+            <a:extLst>
+              <a:ext uri="{FF2B5EF4-FFF2-40B4-BE49-F238E27FC236}">
+                <a16:creationId xmlns:a16="http://schemas.microsoft.com/office/drawing/2014/main" id="{0ACD93B9-9FFA-9823-C350-720D67642F63}"/>
+              </a:ext>
+            </a:extLst>
+          </p:cNvPr>
+          <p:cNvGrpSpPr/>
+          <p:nvPr/>
+        </p:nvGrpSpPr>
+        <p:grpSpPr>
+          <a:xfrm>
+            <a:off x="12625090" y="-2916713"/>
+            <a:ext cx="3470116" cy="3470116"/>
+            <a:chOff x="4826159" y="1923967"/>
+            <a:chExt cx="3470116" cy="3470116"/>
+          </a:xfrm>
+        </p:grpSpPr>
+        <p:pic>
+          <p:nvPicPr>
+            <p:cNvPr id="124" name="Picture 123" descr="A black background with a black square&#10;&#10;Description automatically generated with medium confidence">
+              <a:extLst>
+                <a:ext uri="{FF2B5EF4-FFF2-40B4-BE49-F238E27FC236}">
+                  <a16:creationId xmlns:a16="http://schemas.microsoft.com/office/drawing/2014/main" id="{4C1020A4-5460-2095-E429-C2E798089D5B}"/>
+                </a:ext>
+              </a:extLst>
+            </p:cNvPr>
+            <p:cNvPicPr>
+              <a:picLocks noChangeAspect="1"/>
+            </p:cNvPicPr>
+            <p:nvPr/>
+          </p:nvPicPr>
+          <p:blipFill>
+            <a:blip r:embed="rId8">
+              <a:extLst>
+                <a:ext uri="{28A0092B-C50C-407E-A947-70E740481C1C}">
+                  <a14:useLocalDpi xmlns:a14="http://schemas.microsoft.com/office/drawing/2010/main" val="0"/>
+                </a:ext>
+              </a:extLst>
+            </a:blip>
+            <a:srcRect l="5398" t="3303" r="50000" b="49035"/>
+            <a:stretch>
+              <a:fillRect/>
+            </a:stretch>
+          </p:blipFill>
+          <p:spPr>
+            <a:xfrm>
+              <a:off x="5013481" y="2048097"/>
+              <a:ext cx="1547734" cy="1653935"/>
+            </a:xfrm>
+            <a:custGeom>
+              <a:avLst/>
+              <a:gdLst>
+                <a:gd name="connsiteX0" fmla="*/ 0 w 1547734"/>
+                <a:gd name="connsiteY0" fmla="*/ 0 h 1653935"/>
+                <a:gd name="connsiteX1" fmla="*/ 1547734 w 1547734"/>
+                <a:gd name="connsiteY1" fmla="*/ 0 h 1653935"/>
+                <a:gd name="connsiteX2" fmla="*/ 1547734 w 1547734"/>
+                <a:gd name="connsiteY2" fmla="*/ 1653935 h 1653935"/>
+                <a:gd name="connsiteX3" fmla="*/ 0 w 1547734"/>
+                <a:gd name="connsiteY3" fmla="*/ 1653935 h 1653935"/>
+                <a:gd name="connsiteX4" fmla="*/ 0 w 1547734"/>
+                <a:gd name="connsiteY4" fmla="*/ 0 h 1653935"/>
+              </a:gdLst>
+              <a:ahLst/>
+              <a:cxnLst>
+                <a:cxn ang="0">
+                  <a:pos x="connsiteX0" y="connsiteY0"/>
+                </a:cxn>
+                <a:cxn ang="0">
+                  <a:pos x="connsiteX1" y="connsiteY1"/>
+                </a:cxn>
+                <a:cxn ang="0">
+                  <a:pos x="connsiteX2" y="connsiteY2"/>
+                </a:cxn>
+                <a:cxn ang="0">
+                  <a:pos x="connsiteX3" y="connsiteY3"/>
+                </a:cxn>
+                <a:cxn ang="0">
+                  <a:pos x="connsiteX4" y="connsiteY4"/>
+                </a:cxn>
+              </a:cxnLst>
+              <a:rect l="l" t="t" r="r" b="b"/>
+              <a:pathLst>
+                <a:path w="1547734" h="1653935">
+                  <a:moveTo>
+                    <a:pt x="0" y="0"/>
+                  </a:moveTo>
+                  <a:lnTo>
+                    <a:pt x="1547734" y="0"/>
+                  </a:lnTo>
+                  <a:lnTo>
+                    <a:pt x="1547734" y="1653935"/>
+                  </a:lnTo>
+                  <a:lnTo>
+                    <a:pt x="0" y="1653935"/>
+                  </a:lnTo>
+                  <a:lnTo>
+                    <a:pt x="0" y="0"/>
+                  </a:lnTo>
+                  <a:close/>
+                </a:path>
+              </a:pathLst>
+            </a:custGeom>
+          </p:spPr>
+        </p:pic>
+        <p:pic>
+          <p:nvPicPr>
+            <p:cNvPr id="122" name="Picture 121" descr="A black background with a black square&#10;&#10;Description automatically generated with medium confidence">
+              <a:extLst>
+                <a:ext uri="{FF2B5EF4-FFF2-40B4-BE49-F238E27FC236}">
+                  <a16:creationId xmlns:a16="http://schemas.microsoft.com/office/drawing/2014/main" id="{2B872D51-91EA-2AEF-8B7D-26FD07EFFB9E}"/>
+                </a:ext>
+              </a:extLst>
+            </p:cNvPr>
+            <p:cNvPicPr>
+              <a:picLocks noChangeAspect="1"/>
+            </p:cNvPicPr>
+            <p:nvPr/>
+          </p:nvPicPr>
+          <p:blipFill>
+            <a:blip r:embed="rId8">
+              <a:extLst>
+                <a:ext uri="{28A0092B-C50C-407E-A947-70E740481C1C}">
+                  <a14:useLocalDpi xmlns:a14="http://schemas.microsoft.com/office/drawing/2010/main" val="0"/>
+                </a:ext>
+              </a:extLst>
+            </a:blip>
+            <a:srcRect/>
+            <a:stretch>
+              <a:fillRect/>
+            </a:stretch>
+          </p:blipFill>
+          <p:spPr>
+            <a:xfrm>
+              <a:off x="4826159" y="1923967"/>
+              <a:ext cx="3470116" cy="3470116"/>
+            </a:xfrm>
+            <a:custGeom>
+              <a:avLst/>
+              <a:gdLst>
+                <a:gd name="connsiteX0" fmla="*/ 0 w 3470116"/>
+                <a:gd name="connsiteY0" fmla="*/ 0 h 3470116"/>
+                <a:gd name="connsiteX1" fmla="*/ 3470116 w 3470116"/>
+                <a:gd name="connsiteY1" fmla="*/ 0 h 3470116"/>
+                <a:gd name="connsiteX2" fmla="*/ 3470116 w 3470116"/>
+                <a:gd name="connsiteY2" fmla="*/ 3470116 h 3470116"/>
+                <a:gd name="connsiteX3" fmla="*/ 0 w 3470116"/>
+                <a:gd name="connsiteY3" fmla="*/ 3470116 h 3470116"/>
+                <a:gd name="connsiteX4" fmla="*/ 0 w 3470116"/>
+                <a:gd name="connsiteY4" fmla="*/ 0 h 3470116"/>
+                <a:gd name="connsiteX5" fmla="*/ 187322 w 3470116"/>
+                <a:gd name="connsiteY5" fmla="*/ 114604 h 3470116"/>
+                <a:gd name="connsiteX6" fmla="*/ 187322 w 3470116"/>
+                <a:gd name="connsiteY6" fmla="*/ 1768539 h 3470116"/>
+                <a:gd name="connsiteX7" fmla="*/ 1735056 w 3470116"/>
+                <a:gd name="connsiteY7" fmla="*/ 1768539 h 3470116"/>
+                <a:gd name="connsiteX8" fmla="*/ 1735056 w 3470116"/>
+                <a:gd name="connsiteY8" fmla="*/ 114604 h 3470116"/>
+                <a:gd name="connsiteX9" fmla="*/ 187322 w 3470116"/>
+                <a:gd name="connsiteY9" fmla="*/ 114604 h 3470116"/>
+                <a:gd name="connsiteX10" fmla="*/ 1735057 w 3470116"/>
+                <a:gd name="connsiteY10" fmla="*/ 114604 h 3470116"/>
+                <a:gd name="connsiteX11" fmla="*/ 1735057 w 3470116"/>
+                <a:gd name="connsiteY11" fmla="*/ 1768539 h 3470116"/>
+                <a:gd name="connsiteX12" fmla="*/ 3282791 w 3470116"/>
+                <a:gd name="connsiteY12" fmla="*/ 1768539 h 3470116"/>
+                <a:gd name="connsiteX13" fmla="*/ 3282791 w 3470116"/>
+                <a:gd name="connsiteY13" fmla="*/ 114604 h 3470116"/>
+                <a:gd name="connsiteX14" fmla="*/ 1735057 w 3470116"/>
+                <a:gd name="connsiteY14" fmla="*/ 114604 h 3470116"/>
+              </a:gdLst>
+              <a:ahLst/>
+              <a:cxnLst>
+                <a:cxn ang="0">
+                  <a:pos x="connsiteX0" y="connsiteY0"/>
+                </a:cxn>
+                <a:cxn ang="0">
+                  <a:pos x="connsiteX1" y="connsiteY1"/>
+                </a:cxn>
+                <a:cxn ang="0">
+                  <a:pos x="connsiteX2" y="connsiteY2"/>
+                </a:cxn>
+                <a:cxn ang="0">
+                  <a:pos x="connsiteX3" y="connsiteY3"/>
+                </a:cxn>
+                <a:cxn ang="0">
+                  <a:pos x="connsiteX4" y="connsiteY4"/>
+                </a:cxn>
+                <a:cxn ang="0">
+                  <a:pos x="connsiteX5" y="connsiteY5"/>
+                </a:cxn>
+                <a:cxn ang="0">
+                  <a:pos x="connsiteX6" y="connsiteY6"/>
+                </a:cxn>
+                <a:cxn ang="0">
+                  <a:pos x="connsiteX7" y="connsiteY7"/>
+                </a:cxn>
+                <a:cxn ang="0">
+                  <a:pos x="connsiteX8" y="connsiteY8"/>
+                </a:cxn>
+                <a:cxn ang="0">
+                  <a:pos x="connsiteX9" y="connsiteY9"/>
+                </a:cxn>
+                <a:cxn ang="0">
+                  <a:pos x="connsiteX10" y="connsiteY10"/>
+                </a:cxn>
+                <a:cxn ang="0">
+                  <a:pos x="connsiteX11" y="connsiteY11"/>
+                </a:cxn>
+                <a:cxn ang="0">
+                  <a:pos x="connsiteX12" y="connsiteY12"/>
+                </a:cxn>
+                <a:cxn ang="0">
+                  <a:pos x="connsiteX13" y="connsiteY13"/>
+                </a:cxn>
+                <a:cxn ang="0">
+                  <a:pos x="connsiteX14" y="connsiteY14"/>
+                </a:cxn>
+              </a:cxnLst>
+              <a:rect l="l" t="t" r="r" b="b"/>
+              <a:pathLst>
+                <a:path w="3470116" h="3470116">
+                  <a:moveTo>
+                    <a:pt x="0" y="0"/>
+                  </a:moveTo>
+                  <a:lnTo>
+                    <a:pt x="3470116" y="0"/>
+                  </a:lnTo>
+                  <a:lnTo>
+                    <a:pt x="3470116" y="3470116"/>
+                  </a:lnTo>
+                  <a:lnTo>
+                    <a:pt x="0" y="3470116"/>
+                  </a:lnTo>
+                  <a:lnTo>
+                    <a:pt x="0" y="0"/>
+                  </a:lnTo>
+                  <a:close/>
+                  <a:moveTo>
+                    <a:pt x="187322" y="114604"/>
+                  </a:moveTo>
+                  <a:lnTo>
+                    <a:pt x="187322" y="1768539"/>
+                  </a:lnTo>
+                  <a:lnTo>
+                    <a:pt x="1735056" y="1768539"/>
+                  </a:lnTo>
+                  <a:lnTo>
+                    <a:pt x="1735056" y="114604"/>
+                  </a:lnTo>
+                  <a:lnTo>
+                    <a:pt x="187322" y="114604"/>
+                  </a:lnTo>
+                  <a:close/>
+                  <a:moveTo>
+                    <a:pt x="1735057" y="114604"/>
+                  </a:moveTo>
+                  <a:lnTo>
+                    <a:pt x="1735057" y="1768539"/>
+                  </a:lnTo>
+                  <a:lnTo>
+                    <a:pt x="3282791" y="1768539"/>
+                  </a:lnTo>
+                  <a:lnTo>
+                    <a:pt x="3282791" y="114604"/>
+                  </a:lnTo>
+                  <a:lnTo>
+                    <a:pt x="1735057" y="114604"/>
+                  </a:lnTo>
+                  <a:close/>
+                </a:path>
+              </a:pathLst>
+            </a:custGeom>
+          </p:spPr>
+        </p:pic>
+        <p:pic>
+          <p:nvPicPr>
+            <p:cNvPr id="125" name="Picture 124" descr="A black background with a black square&#10;&#10;Description automatically generated with medium confidence">
+              <a:extLst>
+                <a:ext uri="{FF2B5EF4-FFF2-40B4-BE49-F238E27FC236}">
+                  <a16:creationId xmlns:a16="http://schemas.microsoft.com/office/drawing/2014/main" id="{3F7A2A10-5A81-A256-1446-13E0BF36FED2}"/>
+                </a:ext>
+              </a:extLst>
+            </p:cNvPr>
+            <p:cNvPicPr>
+              <a:picLocks noChangeAspect="1"/>
+            </p:cNvPicPr>
+            <p:nvPr/>
+          </p:nvPicPr>
+          <p:blipFill>
+            <a:blip r:embed="rId8">
+              <a:extLst>
+                <a:ext uri="{28A0092B-C50C-407E-A947-70E740481C1C}">
+                  <a14:useLocalDpi xmlns:a14="http://schemas.microsoft.com/office/drawing/2010/main" val="0"/>
+                </a:ext>
+              </a:extLst>
+            </a:blip>
+            <a:srcRect l="5398" t="3303" r="50000" b="49035"/>
+            <a:stretch>
+              <a:fillRect/>
+            </a:stretch>
+          </p:blipFill>
+          <p:spPr>
+            <a:xfrm flipH="1">
+              <a:off x="6560681" y="2048097"/>
+              <a:ext cx="1547734" cy="1653935"/>
+            </a:xfrm>
+            <a:custGeom>
+              <a:avLst/>
+              <a:gdLst>
+                <a:gd name="connsiteX0" fmla="*/ 0 w 1547734"/>
+                <a:gd name="connsiteY0" fmla="*/ 0 h 1653935"/>
+                <a:gd name="connsiteX1" fmla="*/ 1547734 w 1547734"/>
+                <a:gd name="connsiteY1" fmla="*/ 0 h 1653935"/>
+                <a:gd name="connsiteX2" fmla="*/ 1547734 w 1547734"/>
+                <a:gd name="connsiteY2" fmla="*/ 1653935 h 1653935"/>
+                <a:gd name="connsiteX3" fmla="*/ 0 w 1547734"/>
+                <a:gd name="connsiteY3" fmla="*/ 1653935 h 1653935"/>
+                <a:gd name="connsiteX4" fmla="*/ 0 w 1547734"/>
+                <a:gd name="connsiteY4" fmla="*/ 0 h 1653935"/>
+              </a:gdLst>
+              <a:ahLst/>
+              <a:cxnLst>
+                <a:cxn ang="0">
+                  <a:pos x="connsiteX0" y="connsiteY0"/>
+                </a:cxn>
+                <a:cxn ang="0">
+                  <a:pos x="connsiteX1" y="connsiteY1"/>
+                </a:cxn>
+                <a:cxn ang="0">
+                  <a:pos x="connsiteX2" y="connsiteY2"/>
+                </a:cxn>
+                <a:cxn ang="0">
+                  <a:pos x="connsiteX3" y="connsiteY3"/>
+                </a:cxn>
+                <a:cxn ang="0">
+                  <a:pos x="connsiteX4" y="connsiteY4"/>
+                </a:cxn>
+              </a:cxnLst>
+              <a:rect l="l" t="t" r="r" b="b"/>
+              <a:pathLst>
+                <a:path w="1547734" h="1653935">
+                  <a:moveTo>
+                    <a:pt x="0" y="0"/>
+                  </a:moveTo>
+                  <a:lnTo>
+                    <a:pt x="1547734" y="0"/>
+                  </a:lnTo>
+                  <a:lnTo>
+                    <a:pt x="1547734" y="1653935"/>
+                  </a:lnTo>
+                  <a:lnTo>
+                    <a:pt x="0" y="1653935"/>
+                  </a:lnTo>
+                  <a:lnTo>
+                    <a:pt x="0" y="0"/>
+                  </a:lnTo>
+                  <a:close/>
+                </a:path>
+              </a:pathLst>
+            </a:custGeom>
+          </p:spPr>
+        </p:pic>
+      </p:grpSp>
+      <p:grpSp>
+        <p:nvGrpSpPr>
+          <p:cNvPr id="148" name="Group 147">
+            <a:extLst>
+              <a:ext uri="{FF2B5EF4-FFF2-40B4-BE49-F238E27FC236}">
+                <a16:creationId xmlns:a16="http://schemas.microsoft.com/office/drawing/2014/main" id="{DBD596CB-F4BE-D2D9-4C78-498DDB92F6F5}"/>
+              </a:ext>
+            </a:extLst>
+          </p:cNvPr>
+          <p:cNvGrpSpPr/>
+          <p:nvPr/>
+        </p:nvGrpSpPr>
+        <p:grpSpPr>
+          <a:xfrm>
+            <a:off x="5568833" y="-585455"/>
+            <a:ext cx="3318049" cy="3315402"/>
+            <a:chOff x="4513403" y="3095820"/>
+            <a:chExt cx="3318049" cy="3315402"/>
+          </a:xfrm>
+        </p:grpSpPr>
+        <p:sp>
+          <p:nvSpPr>
+            <p:cNvPr id="130" name="Rectangle 129">
+              <a:extLst>
+                <a:ext uri="{FF2B5EF4-FFF2-40B4-BE49-F238E27FC236}">
+                  <a16:creationId xmlns:a16="http://schemas.microsoft.com/office/drawing/2014/main" id="{F668BD63-A844-D19F-2AC5-2C2D9C2C54B4}"/>
+                </a:ext>
+              </a:extLst>
+            </p:cNvPr>
+            <p:cNvSpPr/>
+            <p:nvPr/>
+          </p:nvSpPr>
+          <p:spPr>
+            <a:xfrm>
+              <a:off x="4513403" y="3095820"/>
+              <a:ext cx="3318049" cy="3315402"/>
+            </a:xfrm>
+            <a:prstGeom prst="rect">
+              <a:avLst/>
+            </a:prstGeom>
+            <a:solidFill>
+              <a:schemeClr val="accent1">
+                <a:alpha val="0"/>
+              </a:schemeClr>
+            </a:solidFill>
+            <a:ln>
+              <a:noFill/>
+            </a:ln>
+          </p:spPr>
+          <p:style>
+            <a:lnRef idx="2">
+              <a:schemeClr val="accent1">
+                <a:shade val="15000"/>
+              </a:schemeClr>
+            </a:lnRef>
+            <a:fillRef idx="1">
+              <a:schemeClr val="accent1"/>
+            </a:fillRef>
+            <a:effectRef idx="0">
+              <a:schemeClr val="accent1"/>
+            </a:effectRef>
+            <a:fontRef idx="minor">
+              <a:schemeClr val="lt1"/>
+            </a:fontRef>
+          </p:style>
+          <p:txBody>
+            <a:bodyPr rtlCol="0" anchor="ctr"/>
+            <a:lstStyle/>
+            <a:p>
+              <a:pPr algn="ctr"/>
+              <a:endParaRPr lang="en-GB" dirty="0"/>
+            </a:p>
+          </p:txBody>
+        </p:sp>
+        <p:grpSp>
+          <p:nvGrpSpPr>
+            <p:cNvPr id="147" name="Group 146">
+              <a:extLst>
+                <a:ext uri="{FF2B5EF4-FFF2-40B4-BE49-F238E27FC236}">
+                  <a16:creationId xmlns:a16="http://schemas.microsoft.com/office/drawing/2014/main" id="{E95F2CDA-DEF8-764E-C776-14C3B7F260A2}"/>
+                </a:ext>
+              </a:extLst>
+            </p:cNvPr>
+            <p:cNvGrpSpPr/>
+            <p:nvPr/>
+          </p:nvGrpSpPr>
+          <p:grpSpPr>
+            <a:xfrm>
+              <a:off x="5369291" y="3095820"/>
+              <a:ext cx="1606271" cy="3315401"/>
+              <a:chOff x="5369291" y="3095820"/>
+              <a:chExt cx="1606271" cy="3315401"/>
+            </a:xfrm>
+          </p:grpSpPr>
+          <p:sp>
+            <p:nvSpPr>
+              <p:cNvPr id="141" name="Freeform: Shape 140">
+                <a:extLst>
+                  <a:ext uri="{FF2B5EF4-FFF2-40B4-BE49-F238E27FC236}">
+                    <a16:creationId xmlns:a16="http://schemas.microsoft.com/office/drawing/2014/main" id="{0F360030-776F-D5DB-A0DD-B7A4368E12AB}"/>
+                  </a:ext>
+                </a:extLst>
+              </p:cNvPr>
+              <p:cNvSpPr/>
+              <p:nvPr/>
+            </p:nvSpPr>
+            <p:spPr>
+              <a:xfrm>
+                <a:off x="5467448" y="3541464"/>
+                <a:ext cx="785813" cy="2424112"/>
+              </a:xfrm>
+              <a:custGeom>
+                <a:avLst/>
+                <a:gdLst>
+                  <a:gd name="connsiteX0" fmla="*/ 0 w 785813"/>
+                  <a:gd name="connsiteY0" fmla="*/ 0 h 2424112"/>
+                  <a:gd name="connsiteX1" fmla="*/ 785813 w 785813"/>
+                  <a:gd name="connsiteY1" fmla="*/ 0 h 2424112"/>
+                  <a:gd name="connsiteX2" fmla="*/ 785813 w 785813"/>
+                  <a:gd name="connsiteY2" fmla="*/ 2424112 h 2424112"/>
+                  <a:gd name="connsiteX3" fmla="*/ 0 w 785813"/>
+                  <a:gd name="connsiteY3" fmla="*/ 2424112 h 2424112"/>
+                  <a:gd name="connsiteX4" fmla="*/ 0 w 785813"/>
+                  <a:gd name="connsiteY4" fmla="*/ 1606729 h 2424112"/>
+                  <a:gd name="connsiteX5" fmla="*/ 36299 w 785813"/>
+                  <a:gd name="connsiteY5" fmla="*/ 1603013 h 2424112"/>
+                  <a:gd name="connsiteX6" fmla="*/ 350021 w 785813"/>
+                  <a:gd name="connsiteY6" fmla="*/ 1212056 h 2424112"/>
+                  <a:gd name="connsiteX7" fmla="*/ 36299 w 785813"/>
+                  <a:gd name="connsiteY7" fmla="*/ 821100 h 2424112"/>
+                  <a:gd name="connsiteX8" fmla="*/ 0 w 785813"/>
+                  <a:gd name="connsiteY8" fmla="*/ 817383 h 2424112"/>
+                </a:gdLst>
+                <a:ahLst/>
+                <a:cxnLst>
+                  <a:cxn ang="0">
+                    <a:pos x="connsiteX0" y="connsiteY0"/>
+                  </a:cxn>
+                  <a:cxn ang="0">
+                    <a:pos x="connsiteX1" y="connsiteY1"/>
+                  </a:cxn>
+                  <a:cxn ang="0">
+                    <a:pos x="connsiteX2" y="connsiteY2"/>
+                  </a:cxn>
+                  <a:cxn ang="0">
+                    <a:pos x="connsiteX3" y="connsiteY3"/>
+                  </a:cxn>
+                  <a:cxn ang="0">
+                    <a:pos x="connsiteX4" y="connsiteY4"/>
+                  </a:cxn>
+                  <a:cxn ang="0">
+                    <a:pos x="connsiteX5" y="connsiteY5"/>
+                  </a:cxn>
+                  <a:cxn ang="0">
+                    <a:pos x="connsiteX6" y="connsiteY6"/>
+                  </a:cxn>
+                  <a:cxn ang="0">
+                    <a:pos x="connsiteX7" y="connsiteY7"/>
+                  </a:cxn>
+                  <a:cxn ang="0">
+                    <a:pos x="connsiteX8" y="connsiteY8"/>
+                  </a:cxn>
+                </a:cxnLst>
+                <a:rect l="l" t="t" r="r" b="b"/>
+                <a:pathLst>
+                  <a:path w="785813" h="2424112">
+                    <a:moveTo>
+                      <a:pt x="0" y="0"/>
+                    </a:moveTo>
+                    <a:lnTo>
+                      <a:pt x="785813" y="0"/>
+                    </a:lnTo>
+                    <a:lnTo>
+                      <a:pt x="785813" y="2424112"/>
+                    </a:lnTo>
+                    <a:lnTo>
+                      <a:pt x="0" y="2424112"/>
+                    </a:lnTo>
+                    <a:lnTo>
+                      <a:pt x="0" y="1606729"/>
+                    </a:lnTo>
+                    <a:lnTo>
+                      <a:pt x="36299" y="1603013"/>
+                    </a:lnTo>
+                    <a:cubicBezTo>
+                      <a:pt x="215340" y="1565801"/>
+                      <a:pt x="350021" y="1404904"/>
+                      <a:pt x="350021" y="1212056"/>
+                    </a:cubicBezTo>
+                    <a:cubicBezTo>
+                      <a:pt x="350021" y="1019209"/>
+                      <a:pt x="215340" y="858311"/>
+                      <a:pt x="36299" y="821100"/>
+                    </a:cubicBezTo>
+                    <a:lnTo>
+                      <a:pt x="0" y="817383"/>
+                    </a:lnTo>
+                    <a:close/>
+                  </a:path>
+                </a:pathLst>
+              </a:custGeom>
+              <a:solidFill>
+                <a:srgbClr val="1C1A1A"/>
+              </a:solidFill>
+              <a:ln>
+                <a:noFill/>
+              </a:ln>
+            </p:spPr>
+            <p:style>
+              <a:lnRef idx="2">
+                <a:schemeClr val="accent1">
+                  <a:shade val="15000"/>
+                </a:schemeClr>
+              </a:lnRef>
+              <a:fillRef idx="1">
+                <a:schemeClr val="accent1"/>
+              </a:fillRef>
+              <a:effectRef idx="0">
+                <a:schemeClr val="accent1"/>
+              </a:effectRef>
+              <a:fontRef idx="minor">
+                <a:schemeClr val="lt1"/>
+              </a:fontRef>
+            </p:style>
+            <p:txBody>
+              <a:bodyPr wrap="square" rtlCol="0" anchor="ctr">
+                <a:noAutofit/>
+              </a:bodyPr>
+              <a:lstStyle/>
+              <a:p>
+                <a:pPr algn="ctr"/>
+                <a:endParaRPr lang="en-GB"/>
+              </a:p>
+            </p:txBody>
+          </p:sp>
+          <p:pic>
+            <p:nvPicPr>
+              <p:cNvPr id="128" name="Picture 127" descr="A black background with a black square&#10;&#10;Description automatically generated with medium confidence">
+                <a:extLst>
+                  <a:ext uri="{FF2B5EF4-FFF2-40B4-BE49-F238E27FC236}">
+                    <a16:creationId xmlns:a16="http://schemas.microsoft.com/office/drawing/2014/main" id="{AF5941D2-4F06-3507-BDA8-2CA81ED9101B}"/>
+                  </a:ext>
+                </a:extLst>
+              </p:cNvPr>
+              <p:cNvPicPr>
+                <a:picLocks noChangeAspect="1"/>
+              </p:cNvPicPr>
+              <p:nvPr/>
+            </p:nvPicPr>
+            <p:blipFill>
+              <a:blip r:embed="rId9">
+                <a:extLst>
+                  <a:ext uri="{28A0092B-C50C-407E-A947-70E740481C1C}">
+                    <a14:useLocalDpi xmlns:a14="http://schemas.microsoft.com/office/drawing/2010/main" val="0"/>
+                  </a:ext>
+                </a:extLst>
+              </a:blip>
+              <a:srcRect t="51590"/>
+              <a:stretch/>
+            </p:blipFill>
+            <p:spPr>
+              <a:xfrm rot="16200000">
+                <a:off x="4514726" y="3950385"/>
+                <a:ext cx="3315401" cy="1606271"/>
+              </a:xfrm>
+              <a:prstGeom prst="rect">
+                <a:avLst/>
+              </a:prstGeom>
+            </p:spPr>
+          </p:pic>
+        </p:grpSp>
+      </p:grpSp>
+      <p:grpSp>
+        <p:nvGrpSpPr>
+          <p:cNvPr id="175" name="Group 174">
+            <a:extLst>
+              <a:ext uri="{FF2B5EF4-FFF2-40B4-BE49-F238E27FC236}">
+                <a16:creationId xmlns:a16="http://schemas.microsoft.com/office/drawing/2014/main" id="{0E0C544C-0D49-F3E2-A07B-78B381EE9DFC}"/>
+              </a:ext>
+            </a:extLst>
+          </p:cNvPr>
+          <p:cNvGrpSpPr/>
+          <p:nvPr/>
+        </p:nvGrpSpPr>
+        <p:grpSpPr>
+          <a:xfrm>
+            <a:off x="7437936" y="2665316"/>
+            <a:ext cx="3318049" cy="3315403"/>
+            <a:chOff x="7308691" y="2505296"/>
+            <a:chExt cx="3318049" cy="3315403"/>
+          </a:xfrm>
+        </p:grpSpPr>
+        <p:grpSp>
+          <p:nvGrpSpPr>
+            <p:cNvPr id="164" name="Group 163">
+              <a:extLst>
+                <a:ext uri="{FF2B5EF4-FFF2-40B4-BE49-F238E27FC236}">
+                  <a16:creationId xmlns:a16="http://schemas.microsoft.com/office/drawing/2014/main" id="{17ADF896-8FC1-EC47-3A14-881A20505DBA}"/>
+                </a:ext>
+              </a:extLst>
+            </p:cNvPr>
+            <p:cNvGrpSpPr/>
+            <p:nvPr/>
+          </p:nvGrpSpPr>
+          <p:grpSpPr>
+            <a:xfrm>
+              <a:off x="7308691" y="2505297"/>
+              <a:ext cx="3318049" cy="3315402"/>
+              <a:chOff x="7308691" y="2505297"/>
+              <a:chExt cx="3318049" cy="3315402"/>
+            </a:xfrm>
+          </p:grpSpPr>
+          <p:sp>
+            <p:nvSpPr>
+              <p:cNvPr id="131" name="Rectangle 130">
+                <a:extLst>
+                  <a:ext uri="{FF2B5EF4-FFF2-40B4-BE49-F238E27FC236}">
+                    <a16:creationId xmlns:a16="http://schemas.microsoft.com/office/drawing/2014/main" id="{6189E785-CECE-EFCC-5C33-6FBE685E7FCB}"/>
+                  </a:ext>
+                </a:extLst>
+              </p:cNvPr>
+              <p:cNvSpPr/>
+              <p:nvPr/>
+            </p:nvSpPr>
+            <p:spPr>
+              <a:xfrm>
+                <a:off x="7308691" y="2505297"/>
+                <a:ext cx="3318049" cy="3315402"/>
+              </a:xfrm>
+              <a:prstGeom prst="rect">
+                <a:avLst/>
+              </a:prstGeom>
+              <a:solidFill>
+                <a:schemeClr val="accent1">
+                  <a:alpha val="0"/>
+                </a:schemeClr>
+              </a:solidFill>
+              <a:ln>
+                <a:noFill/>
+              </a:ln>
+            </p:spPr>
+            <p:style>
+              <a:lnRef idx="2">
+                <a:schemeClr val="accent1">
+                  <a:shade val="15000"/>
+                </a:schemeClr>
+              </a:lnRef>
+              <a:fillRef idx="1">
+                <a:schemeClr val="accent1"/>
+              </a:fillRef>
+              <a:effectRef idx="0">
+                <a:schemeClr val="accent1"/>
+              </a:effectRef>
+              <a:fontRef idx="minor">
+                <a:schemeClr val="lt1"/>
+              </a:fontRef>
+            </p:style>
+            <p:txBody>
+              <a:bodyPr rtlCol="0" anchor="ctr"/>
+              <a:lstStyle/>
+              <a:p>
+                <a:pPr algn="ctr"/>
+                <a:endParaRPr lang="en-GB"/>
+              </a:p>
+            </p:txBody>
+          </p:sp>
+          <p:grpSp>
+            <p:nvGrpSpPr>
+              <p:cNvPr id="162" name="Group 161">
+                <a:extLst>
+                  <a:ext uri="{FF2B5EF4-FFF2-40B4-BE49-F238E27FC236}">
+                    <a16:creationId xmlns:a16="http://schemas.microsoft.com/office/drawing/2014/main" id="{083D0CC7-EC9F-16DE-06E6-CEEAF1FFC70F}"/>
+                  </a:ext>
+                </a:extLst>
+              </p:cNvPr>
+              <p:cNvGrpSpPr/>
+              <p:nvPr/>
+            </p:nvGrpSpPr>
+            <p:grpSpPr>
+              <a:xfrm>
+                <a:off x="8413650" y="2950940"/>
+                <a:ext cx="2016817" cy="2424113"/>
+                <a:chOff x="8413650" y="2950940"/>
+                <a:chExt cx="2016817" cy="2424113"/>
+              </a:xfrm>
+            </p:grpSpPr>
+            <p:sp>
+              <p:nvSpPr>
+                <p:cNvPr id="160" name="Rectangle: Top Corners Snipped 159">
+                  <a:extLst>
+                    <a:ext uri="{FF2B5EF4-FFF2-40B4-BE49-F238E27FC236}">
+                      <a16:creationId xmlns:a16="http://schemas.microsoft.com/office/drawing/2014/main" id="{72F73C18-2480-9621-7F1F-BAA98681B944}"/>
+                    </a:ext>
+                  </a:extLst>
+                </p:cNvPr>
+                <p:cNvSpPr/>
+                <p:nvPr/>
+              </p:nvSpPr>
+              <p:spPr>
+                <a:xfrm rot="16200000">
+                  <a:off x="8040116" y="3324474"/>
+                  <a:ext cx="2424111" cy="1677043"/>
+                </a:xfrm>
+                <a:prstGeom prst="snip2SameRect">
+                  <a:avLst>
+                    <a:gd name="adj1" fmla="val 2705"/>
+                    <a:gd name="adj2" fmla="val 0"/>
+                  </a:avLst>
+                </a:prstGeom>
+                <a:solidFill>
+                  <a:srgbClr val="3D3737"/>
+                </a:solidFill>
+                <a:ln>
+                  <a:noFill/>
+                </a:ln>
+              </p:spPr>
+              <p:style>
+                <a:lnRef idx="2">
+                  <a:schemeClr val="accent1">
+                    <a:shade val="15000"/>
+                  </a:schemeClr>
+                </a:lnRef>
+                <a:fillRef idx="1">
+                  <a:schemeClr val="accent1"/>
+                </a:fillRef>
+                <a:effectRef idx="0">
+                  <a:schemeClr val="accent1"/>
+                </a:effectRef>
+                <a:fontRef idx="minor">
+                  <a:schemeClr val="lt1"/>
+                </a:fontRef>
+              </p:style>
+              <p:txBody>
+                <a:bodyPr rtlCol="0" anchor="ctr"/>
+                <a:lstStyle/>
+                <a:p>
+                  <a:pPr algn="ctr"/>
+                  <a:endParaRPr lang="en-GB" dirty="0"/>
+                </a:p>
+              </p:txBody>
+            </p:sp>
+            <p:sp>
+              <p:nvSpPr>
+                <p:cNvPr id="142" name="Freeform: Shape 141">
+                  <a:extLst>
+                    <a:ext uri="{FF2B5EF4-FFF2-40B4-BE49-F238E27FC236}">
+                      <a16:creationId xmlns:a16="http://schemas.microsoft.com/office/drawing/2014/main" id="{810C1E07-41BA-4BE7-A9B7-716409E5E94B}"/>
+                    </a:ext>
+                  </a:extLst>
+                </p:cNvPr>
+                <p:cNvSpPr/>
+                <p:nvPr/>
+              </p:nvSpPr>
+              <p:spPr>
+                <a:xfrm>
+                  <a:off x="9644654" y="2950941"/>
+                  <a:ext cx="785813" cy="2424112"/>
+                </a:xfrm>
+                <a:custGeom>
+                  <a:avLst/>
+                  <a:gdLst>
+                    <a:gd name="connsiteX0" fmla="*/ 0 w 785813"/>
+                    <a:gd name="connsiteY0" fmla="*/ 0 h 2424112"/>
+                    <a:gd name="connsiteX1" fmla="*/ 785813 w 785813"/>
+                    <a:gd name="connsiteY1" fmla="*/ 0 h 2424112"/>
+                    <a:gd name="connsiteX2" fmla="*/ 785813 w 785813"/>
+                    <a:gd name="connsiteY2" fmla="*/ 2424112 h 2424112"/>
+                    <a:gd name="connsiteX3" fmla="*/ 0 w 785813"/>
+                    <a:gd name="connsiteY3" fmla="*/ 2424112 h 2424112"/>
+                    <a:gd name="connsiteX4" fmla="*/ 0 w 785813"/>
+                    <a:gd name="connsiteY4" fmla="*/ 1606729 h 2424112"/>
+                    <a:gd name="connsiteX5" fmla="*/ 36299 w 785813"/>
+                    <a:gd name="connsiteY5" fmla="*/ 1603013 h 2424112"/>
+                    <a:gd name="connsiteX6" fmla="*/ 350021 w 785813"/>
+                    <a:gd name="connsiteY6" fmla="*/ 1212056 h 2424112"/>
+                    <a:gd name="connsiteX7" fmla="*/ 36299 w 785813"/>
+                    <a:gd name="connsiteY7" fmla="*/ 821100 h 2424112"/>
+                    <a:gd name="connsiteX8" fmla="*/ 0 w 785813"/>
+                    <a:gd name="connsiteY8" fmla="*/ 817383 h 2424112"/>
+                  </a:gdLst>
+                  <a:ahLst/>
+                  <a:cxnLst>
+                    <a:cxn ang="0">
+                      <a:pos x="connsiteX0" y="connsiteY0"/>
+                    </a:cxn>
+                    <a:cxn ang="0">
+                      <a:pos x="connsiteX1" y="connsiteY1"/>
+                    </a:cxn>
+                    <a:cxn ang="0">
+                      <a:pos x="connsiteX2" y="connsiteY2"/>
+                    </a:cxn>
+                    <a:cxn ang="0">
+                      <a:pos x="connsiteX3" y="connsiteY3"/>
+                    </a:cxn>
+                    <a:cxn ang="0">
+                      <a:pos x="connsiteX4" y="connsiteY4"/>
+                    </a:cxn>
+                    <a:cxn ang="0">
+                      <a:pos x="connsiteX5" y="connsiteY5"/>
+                    </a:cxn>
+                    <a:cxn ang="0">
+                      <a:pos x="connsiteX6" y="connsiteY6"/>
+                    </a:cxn>
+                    <a:cxn ang="0">
+                      <a:pos x="connsiteX7" y="connsiteY7"/>
+                    </a:cxn>
+                    <a:cxn ang="0">
+                      <a:pos x="connsiteX8" y="connsiteY8"/>
+                    </a:cxn>
+                  </a:cxnLst>
+                  <a:rect l="l" t="t" r="r" b="b"/>
+                  <a:pathLst>
+                    <a:path w="785813" h="2424112">
+                      <a:moveTo>
+                        <a:pt x="0" y="0"/>
+                      </a:moveTo>
+                      <a:lnTo>
+                        <a:pt x="785813" y="0"/>
+                      </a:lnTo>
+                      <a:lnTo>
+                        <a:pt x="785813" y="2424112"/>
+                      </a:lnTo>
+                      <a:lnTo>
+                        <a:pt x="0" y="2424112"/>
+                      </a:lnTo>
+                      <a:lnTo>
+                        <a:pt x="0" y="1606729"/>
+                      </a:lnTo>
+                      <a:lnTo>
+                        <a:pt x="36299" y="1603013"/>
+                      </a:lnTo>
+                      <a:cubicBezTo>
+                        <a:pt x="215340" y="1565801"/>
+                        <a:pt x="350021" y="1404904"/>
+                        <a:pt x="350021" y="1212056"/>
+                      </a:cubicBezTo>
+                      <a:cubicBezTo>
+                        <a:pt x="350021" y="1019209"/>
+                        <a:pt x="215340" y="858311"/>
+                        <a:pt x="36299" y="821100"/>
+                      </a:cubicBezTo>
+                      <a:lnTo>
+                        <a:pt x="0" y="817383"/>
+                      </a:lnTo>
+                      <a:close/>
+                    </a:path>
+                  </a:pathLst>
+                </a:custGeom>
+                <a:solidFill>
+                  <a:srgbClr val="1C1A1A"/>
+                </a:solidFill>
+                <a:ln>
+                  <a:noFill/>
+                </a:ln>
+              </p:spPr>
+              <p:style>
+                <a:lnRef idx="2">
+                  <a:schemeClr val="accent1">
+                    <a:shade val="15000"/>
+                  </a:schemeClr>
+                </a:lnRef>
+                <a:fillRef idx="1">
+                  <a:schemeClr val="accent1"/>
+                </a:fillRef>
+                <a:effectRef idx="0">
+                  <a:schemeClr val="accent1"/>
+                </a:effectRef>
+                <a:fontRef idx="minor">
+                  <a:schemeClr val="lt1"/>
+                </a:fontRef>
+              </p:style>
+              <p:txBody>
+                <a:bodyPr wrap="square" rtlCol="0" anchor="ctr">
+                  <a:noAutofit/>
+                </a:bodyPr>
+                <a:lstStyle/>
+                <a:p>
+                  <a:pPr algn="ctr"/>
+                  <a:endParaRPr lang="en-GB"/>
+                </a:p>
+              </p:txBody>
+            </p:sp>
+          </p:grpSp>
+        </p:grpSp>
+        <p:grpSp>
+          <p:nvGrpSpPr>
+            <p:cNvPr id="174" name="Group 173">
+              <a:extLst>
+                <a:ext uri="{FF2B5EF4-FFF2-40B4-BE49-F238E27FC236}">
+                  <a16:creationId xmlns:a16="http://schemas.microsoft.com/office/drawing/2014/main" id="{BFB5D310-25FF-A1F1-D58F-7C35A2E91F41}"/>
+                </a:ext>
+              </a:extLst>
+            </p:cNvPr>
+            <p:cNvGrpSpPr/>
+            <p:nvPr/>
+          </p:nvGrpSpPr>
+          <p:grpSpPr>
+            <a:xfrm>
+              <a:off x="8456647" y="2505296"/>
+              <a:ext cx="2170093" cy="3315401"/>
+              <a:chOff x="4152486" y="3542598"/>
+              <a:chExt cx="2170093" cy="3315401"/>
+            </a:xfrm>
+          </p:grpSpPr>
+          <p:pic>
+            <p:nvPicPr>
+              <p:cNvPr id="149" name="Picture 148" descr="A black background with a black square&#10;&#10;Description automatically generated with medium confidence">
+                <a:extLst>
+                  <a:ext uri="{FF2B5EF4-FFF2-40B4-BE49-F238E27FC236}">
+                    <a16:creationId xmlns:a16="http://schemas.microsoft.com/office/drawing/2014/main" id="{AB8313DA-06AA-DE87-2C70-76B1444C6F0E}"/>
+                  </a:ext>
+                </a:extLst>
+              </p:cNvPr>
+              <p:cNvPicPr>
+                <a:picLocks noChangeAspect="1"/>
+              </p:cNvPicPr>
+              <p:nvPr/>
+            </p:nvPicPr>
+            <p:blipFill>
+              <a:blip r:embed="rId9">
+                <a:extLst>
+                  <a:ext uri="{28A0092B-C50C-407E-A947-70E740481C1C}">
+                    <a14:useLocalDpi xmlns:a14="http://schemas.microsoft.com/office/drawing/2010/main" val="0"/>
+                  </a:ext>
+                </a:extLst>
+              </a:blip>
+              <a:srcRect t="51571" b="15631"/>
+              <a:stretch/>
+            </p:blipFill>
+            <p:spPr>
+              <a:xfrm rot="16200000">
+                <a:off x="4120750" y="4656171"/>
+                <a:ext cx="3315401" cy="1088256"/>
+              </a:xfrm>
+              <a:prstGeom prst="rect">
+                <a:avLst/>
+              </a:prstGeom>
+            </p:spPr>
+          </p:pic>
+          <p:grpSp>
+            <p:nvGrpSpPr>
+              <p:cNvPr id="170" name="Group 169">
+                <a:extLst>
+                  <a:ext uri="{FF2B5EF4-FFF2-40B4-BE49-F238E27FC236}">
+                    <a16:creationId xmlns:a16="http://schemas.microsoft.com/office/drawing/2014/main" id="{629CF4C5-01D9-1E28-C89A-859CAB98EAD0}"/>
+                  </a:ext>
+                </a:extLst>
+              </p:cNvPr>
+              <p:cNvGrpSpPr/>
+              <p:nvPr/>
+            </p:nvGrpSpPr>
+            <p:grpSpPr>
+              <a:xfrm>
+                <a:off x="4152486" y="3763371"/>
+                <a:ext cx="1081836" cy="432014"/>
+                <a:chOff x="3902702" y="3154911"/>
+                <a:chExt cx="1081836" cy="432014"/>
+              </a:xfrm>
+            </p:grpSpPr>
+            <p:pic>
+              <p:nvPicPr>
+                <p:cNvPr id="150" name="Picture 149" descr="A black background with a black square&#10;&#10;Description automatically generated with medium confidence">
+                  <a:extLst>
+                    <a:ext uri="{FF2B5EF4-FFF2-40B4-BE49-F238E27FC236}">
+                      <a16:creationId xmlns:a16="http://schemas.microsoft.com/office/drawing/2014/main" id="{2EA82687-0033-8B49-4497-0830E537D663}"/>
+                    </a:ext>
+                  </a:extLst>
+                </p:cNvPr>
+                <p:cNvPicPr>
+                  <a:picLocks noChangeAspect="1"/>
+                </p:cNvPicPr>
+                <p:nvPr/>
+              </p:nvPicPr>
+              <p:blipFill>
+                <a:blip r:embed="rId9">
+                  <a:extLst>
+                    <a:ext uri="{28A0092B-C50C-407E-A947-70E740481C1C}">
+                      <a14:useLocalDpi xmlns:a14="http://schemas.microsoft.com/office/drawing/2010/main" val="0"/>
+                    </a:ext>
+                  </a:extLst>
+                </a:blip>
+                <a:srcRect l="77071" t="34286" r="10001" b="49264"/>
+                <a:stretch/>
+              </p:blipFill>
+              <p:spPr>
+                <a:xfrm rot="17340000">
+                  <a:off x="4497320" y="3099708"/>
+                  <a:ext cx="428625" cy="545810"/>
+                </a:xfrm>
+                <a:prstGeom prst="rect">
+                  <a:avLst/>
+                </a:prstGeom>
+              </p:spPr>
+            </p:pic>
+            <p:pic>
+              <p:nvPicPr>
+                <p:cNvPr id="169" name="Picture 168" descr="A black background with a black square&#10;&#10;Description automatically generated with medium confidence">
+                  <a:extLst>
+                    <a:ext uri="{FF2B5EF4-FFF2-40B4-BE49-F238E27FC236}">
+                      <a16:creationId xmlns:a16="http://schemas.microsoft.com/office/drawing/2014/main" id="{AE8F881A-F8C9-E2D6-6618-492CAE0D6AC4}"/>
+                    </a:ext>
+                  </a:extLst>
+                </p:cNvPr>
+                <p:cNvPicPr>
+                  <a:picLocks noChangeAspect="1"/>
+                </p:cNvPicPr>
+                <p:nvPr/>
+              </p:nvPicPr>
+              <p:blipFill>
+                <a:blip r:embed="rId9">
+                  <a:extLst>
+                    <a:ext uri="{28A0092B-C50C-407E-A947-70E740481C1C}">
+                      <a14:useLocalDpi xmlns:a14="http://schemas.microsoft.com/office/drawing/2010/main" val="0"/>
+                    </a:ext>
+                  </a:extLst>
+                </a:blip>
+                <a:srcRect l="77071" t="34286" r="10001" b="49264"/>
+                <a:stretch/>
+              </p:blipFill>
+              <p:spPr>
+                <a:xfrm rot="17340000">
+                  <a:off x="3961294" y="3096319"/>
+                  <a:ext cx="428625" cy="545810"/>
+                </a:xfrm>
+                <a:prstGeom prst="rect">
+                  <a:avLst/>
+                </a:prstGeom>
+              </p:spPr>
+            </p:pic>
+          </p:grpSp>
+          <p:grpSp>
+            <p:nvGrpSpPr>
+              <p:cNvPr id="171" name="Group 170">
+                <a:extLst>
+                  <a:ext uri="{FF2B5EF4-FFF2-40B4-BE49-F238E27FC236}">
+                    <a16:creationId xmlns:a16="http://schemas.microsoft.com/office/drawing/2014/main" id="{46C593C1-F6D3-E04E-942A-59C720C13902}"/>
+                  </a:ext>
+                </a:extLst>
+              </p:cNvPr>
+              <p:cNvGrpSpPr/>
+              <p:nvPr/>
+            </p:nvGrpSpPr>
+            <p:grpSpPr>
+              <a:xfrm flipV="1">
+                <a:off x="4164391" y="6211675"/>
+                <a:ext cx="1081836" cy="432014"/>
+                <a:chOff x="3902702" y="3154911"/>
+                <a:chExt cx="1081836" cy="432014"/>
+              </a:xfrm>
+            </p:grpSpPr>
+            <p:pic>
+              <p:nvPicPr>
+                <p:cNvPr id="172" name="Picture 171" descr="A black background with a black square&#10;&#10;Description automatically generated with medium confidence">
+                  <a:extLst>
+                    <a:ext uri="{FF2B5EF4-FFF2-40B4-BE49-F238E27FC236}">
+                      <a16:creationId xmlns:a16="http://schemas.microsoft.com/office/drawing/2014/main" id="{59865BE9-9778-8C61-2AF9-6E548CC17F22}"/>
+                    </a:ext>
+                  </a:extLst>
+                </p:cNvPr>
+                <p:cNvPicPr>
+                  <a:picLocks noChangeAspect="1"/>
+                </p:cNvPicPr>
+                <p:nvPr/>
+              </p:nvPicPr>
+              <p:blipFill>
+                <a:blip r:embed="rId9">
+                  <a:extLst>
+                    <a:ext uri="{28A0092B-C50C-407E-A947-70E740481C1C}">
+                      <a14:useLocalDpi xmlns:a14="http://schemas.microsoft.com/office/drawing/2010/main" val="0"/>
+                    </a:ext>
+                  </a:extLst>
+                </a:blip>
+                <a:srcRect l="77071" t="34286" r="10001" b="49264"/>
+                <a:stretch/>
+              </p:blipFill>
+              <p:spPr>
+                <a:xfrm rot="17340000">
+                  <a:off x="4497320" y="3099708"/>
+                  <a:ext cx="428625" cy="545810"/>
+                </a:xfrm>
+                <a:prstGeom prst="rect">
+                  <a:avLst/>
+                </a:prstGeom>
+              </p:spPr>
+            </p:pic>
+            <p:pic>
+              <p:nvPicPr>
+                <p:cNvPr id="173" name="Picture 172" descr="A black background with a black square&#10;&#10;Description automatically generated with medium confidence">
+                  <a:extLst>
+                    <a:ext uri="{FF2B5EF4-FFF2-40B4-BE49-F238E27FC236}">
+                      <a16:creationId xmlns:a16="http://schemas.microsoft.com/office/drawing/2014/main" id="{80A0F19F-9CA8-ADAF-6B17-D93B411EDBA7}"/>
+                    </a:ext>
+                  </a:extLst>
+                </p:cNvPr>
+                <p:cNvPicPr>
+                  <a:picLocks noChangeAspect="1"/>
+                </p:cNvPicPr>
+                <p:nvPr/>
+              </p:nvPicPr>
+              <p:blipFill>
+                <a:blip r:embed="rId9">
+                  <a:extLst>
+                    <a:ext uri="{28A0092B-C50C-407E-A947-70E740481C1C}">
+                      <a14:useLocalDpi xmlns:a14="http://schemas.microsoft.com/office/drawing/2010/main" val="0"/>
+                    </a:ext>
+                  </a:extLst>
+                </a:blip>
+                <a:srcRect l="77071" t="34286" r="10001" b="49264"/>
+                <a:stretch/>
+              </p:blipFill>
+              <p:spPr>
+                <a:xfrm rot="17340000">
+                  <a:off x="3961294" y="3096319"/>
+                  <a:ext cx="428625" cy="545810"/>
+                </a:xfrm>
+                <a:prstGeom prst="rect">
+                  <a:avLst/>
+                </a:prstGeom>
+              </p:spPr>
+            </p:pic>
+          </p:grpSp>
+        </p:grpSp>
+      </p:grpSp>
+    </p:spTree>
+    <p:extLst>
+      <p:ext uri="{BB962C8B-B14F-4D97-AF65-F5344CB8AC3E}">
+        <p14:creationId xmlns:p14="http://schemas.microsoft.com/office/powerpoint/2010/main" val="3529718841"/>
       </p:ext>
     </p:extLst>
   </p:cSld>
@@ -5284,15 +7712,15 @@
       </p:grpSpPr>
       <p:pic>
         <p:nvPicPr>
-          <p:cNvPr id="5" name="Picture 4" descr="A black background with a black square&#10;&#10;Description automatically generated with medium confidence">
-            <a:extLst>
-              <a:ext uri="{FF2B5EF4-FFF2-40B4-BE49-F238E27FC236}">
-                <a16:creationId xmlns:a16="http://schemas.microsoft.com/office/drawing/2014/main" id="{A13BD3B4-6C9C-69BF-4E20-3AC29EED28C2}"/>
+          <p:cNvPr id="46" name="Picture 45" descr="A black background with a black square&#10;&#10;Description automatically generated with medium confidence">
+            <a:extLst>
+              <a:ext uri="{FF2B5EF4-FFF2-40B4-BE49-F238E27FC236}">
+                <a16:creationId xmlns:a16="http://schemas.microsoft.com/office/drawing/2014/main" id="{0D798720-A7D2-B203-10CE-EB213D440497}"/>
               </a:ext>
             </a:extLst>
           </p:cNvPr>
           <p:cNvPicPr>
-            <a:picLocks/>
+            <a:picLocks noChangeAspect="1"/>
           </p:cNvPicPr>
           <p:nvPr/>
         </p:nvPicPr>
@@ -5304,13 +7732,3922 @@
               </a:ext>
             </a:extLst>
           </a:blip>
-          <a:srcRect t="4975"/>
+          <a:stretch>
+            <a:fillRect/>
+          </a:stretch>
+        </p:blipFill>
+        <p:spPr>
+          <a:xfrm>
+            <a:off x="3872925" y="669503"/>
+            <a:ext cx="4381200" cy="4381200"/>
+          </a:xfrm>
+          <a:prstGeom prst="rect">
+            <a:avLst/>
+          </a:prstGeom>
+        </p:spPr>
+      </p:pic>
+      <p:grpSp>
+        <p:nvGrpSpPr>
+          <p:cNvPr id="59" name="Group 58">
+            <a:extLst>
+              <a:ext uri="{FF2B5EF4-FFF2-40B4-BE49-F238E27FC236}">
+                <a16:creationId xmlns:a16="http://schemas.microsoft.com/office/drawing/2014/main" id="{19BBF545-1CC5-F1A4-8520-F72B3A590A36}"/>
+              </a:ext>
+            </a:extLst>
+          </p:cNvPr>
+          <p:cNvGrpSpPr/>
+          <p:nvPr/>
+        </p:nvGrpSpPr>
+        <p:grpSpPr>
+          <a:xfrm>
+            <a:off x="6821224" y="1162421"/>
+            <a:ext cx="4381200" cy="4381200"/>
+            <a:chOff x="5303534" y="3118088"/>
+            <a:chExt cx="4381200" cy="4381200"/>
+          </a:xfrm>
+        </p:grpSpPr>
+        <p:pic>
+          <p:nvPicPr>
+            <p:cNvPr id="33" name="Picture 32" descr="A black background with a black square&#10;&#10;Description automatically generated with medium confidence">
+              <a:extLst>
+                <a:ext uri="{FF2B5EF4-FFF2-40B4-BE49-F238E27FC236}">
+                  <a16:creationId xmlns:a16="http://schemas.microsoft.com/office/drawing/2014/main" id="{6BC0BBEB-FE37-1198-4C82-1F74795DF24A}"/>
+                </a:ext>
+              </a:extLst>
+            </p:cNvPr>
+            <p:cNvPicPr>
+              <a:picLocks noChangeAspect="1"/>
+            </p:cNvPicPr>
+            <p:nvPr/>
+          </p:nvPicPr>
+          <p:blipFill>
+            <a:blip r:embed="rId3">
+              <a:extLst>
+                <a:ext uri="{28A0092B-C50C-407E-A947-70E740481C1C}">
+                  <a14:useLocalDpi xmlns:a14="http://schemas.microsoft.com/office/drawing/2010/main" val="0"/>
+                </a:ext>
+              </a:extLst>
+            </a:blip>
+            <a:srcRect l="39179" t="35144" r="23155" b="36189"/>
+            <a:stretch>
+              <a:fillRect/>
+            </a:stretch>
+          </p:blipFill>
+          <p:spPr>
+            <a:xfrm rot="3764228">
+              <a:off x="7009510" y="5076056"/>
+              <a:ext cx="1650255" cy="1255972"/>
+            </a:xfrm>
+            <a:custGeom>
+              <a:avLst/>
+              <a:gdLst>
+                <a:gd name="connsiteX0" fmla="*/ 1159103 w 1650255"/>
+                <a:gd name="connsiteY0" fmla="*/ 0 h 1255972"/>
+                <a:gd name="connsiteX1" fmla="*/ 1650255 w 1650255"/>
+                <a:gd name="connsiteY1" fmla="*/ 151093 h 1255972"/>
+                <a:gd name="connsiteX2" fmla="*/ 1499161 w 1650255"/>
+                <a:gd name="connsiteY2" fmla="*/ 642244 h 1255972"/>
+                <a:gd name="connsiteX3" fmla="*/ 340058 w 1650255"/>
+                <a:gd name="connsiteY3" fmla="*/ 1255972 h 1255972"/>
+                <a:gd name="connsiteX4" fmla="*/ 0 w 1650255"/>
+                <a:gd name="connsiteY4" fmla="*/ 613727 h 1255972"/>
+                <a:gd name="connsiteX5" fmla="*/ 1159103 w 1650255"/>
+                <a:gd name="connsiteY5" fmla="*/ 0 h 1255972"/>
+              </a:gdLst>
+              <a:ahLst/>
+              <a:cxnLst>
+                <a:cxn ang="0">
+                  <a:pos x="connsiteX0" y="connsiteY0"/>
+                </a:cxn>
+                <a:cxn ang="0">
+                  <a:pos x="connsiteX1" y="connsiteY1"/>
+                </a:cxn>
+                <a:cxn ang="0">
+                  <a:pos x="connsiteX2" y="connsiteY2"/>
+                </a:cxn>
+                <a:cxn ang="0">
+                  <a:pos x="connsiteX3" y="connsiteY3"/>
+                </a:cxn>
+                <a:cxn ang="0">
+                  <a:pos x="connsiteX4" y="connsiteY4"/>
+                </a:cxn>
+                <a:cxn ang="0">
+                  <a:pos x="connsiteX5" y="connsiteY5"/>
+                </a:cxn>
+              </a:cxnLst>
+              <a:rect l="l" t="t" r="r" b="b"/>
+              <a:pathLst>
+                <a:path w="1650255" h="1255972">
+                  <a:moveTo>
+                    <a:pt x="1159103" y="0"/>
+                  </a:moveTo>
+                  <a:lnTo>
+                    <a:pt x="1650255" y="151093"/>
+                  </a:lnTo>
+                  <a:lnTo>
+                    <a:pt x="1499161" y="642244"/>
+                  </a:lnTo>
+                  <a:lnTo>
+                    <a:pt x="340058" y="1255972"/>
+                  </a:lnTo>
+                  <a:lnTo>
+                    <a:pt x="0" y="613727"/>
+                  </a:lnTo>
+                  <a:lnTo>
+                    <a:pt x="1159103" y="0"/>
+                  </a:lnTo>
+                  <a:close/>
+                </a:path>
+              </a:pathLst>
+            </a:custGeom>
+            <a:noFill/>
+          </p:spPr>
+        </p:pic>
+        <p:grpSp>
+          <p:nvGrpSpPr>
+            <p:cNvPr id="38" name="Group 37">
+              <a:extLst>
+                <a:ext uri="{FF2B5EF4-FFF2-40B4-BE49-F238E27FC236}">
+                  <a16:creationId xmlns:a16="http://schemas.microsoft.com/office/drawing/2014/main" id="{BC39B0D3-91FC-D7D9-FA05-0AC945B11302}"/>
+                </a:ext>
+              </a:extLst>
+            </p:cNvPr>
+            <p:cNvGrpSpPr/>
+            <p:nvPr/>
+          </p:nvGrpSpPr>
+          <p:grpSpPr>
+            <a:xfrm>
+              <a:off x="5303534" y="3118088"/>
+              <a:ext cx="4381200" cy="4381200"/>
+              <a:chOff x="3872925" y="669503"/>
+              <a:chExt cx="4381200" cy="4381200"/>
+            </a:xfrm>
+          </p:grpSpPr>
+          <p:pic>
+            <p:nvPicPr>
+              <p:cNvPr id="19" name="Picture 18" descr="A black background with a black square&#10;&#10;Description automatically generated with medium confidence">
+                <a:extLst>
+                  <a:ext uri="{FF2B5EF4-FFF2-40B4-BE49-F238E27FC236}">
+                    <a16:creationId xmlns:a16="http://schemas.microsoft.com/office/drawing/2014/main" id="{7F376474-57A7-9FCF-B178-357AACCC42BA}"/>
+                  </a:ext>
+                </a:extLst>
+              </p:cNvPr>
+              <p:cNvPicPr>
+                <a:picLocks noChangeAspect="1"/>
+              </p:cNvPicPr>
+              <p:nvPr/>
+            </p:nvPicPr>
+            <p:blipFill>
+              <a:blip r:embed="rId4">
+                <a:extLst>
+                  <a:ext uri="{28A0092B-C50C-407E-A947-70E740481C1C}">
+                    <a14:useLocalDpi xmlns:a14="http://schemas.microsoft.com/office/drawing/2010/main" val="0"/>
+                  </a:ext>
+                </a:extLst>
+              </a:blip>
+              <a:srcRect l="44752" t="26622" r="44931" b="63581"/>
+              <a:stretch/>
+            </p:blipFill>
+            <p:spPr>
+              <a:xfrm>
+                <a:off x="6823908" y="2243814"/>
+                <a:ext cx="451842" cy="451842"/>
+              </a:xfrm>
+              <a:custGeom>
+                <a:avLst/>
+                <a:gdLst>
+                  <a:gd name="connsiteX0" fmla="*/ 0 w 451842"/>
+                  <a:gd name="connsiteY0" fmla="*/ 0 h 451842"/>
+                  <a:gd name="connsiteX1" fmla="*/ 451842 w 451842"/>
+                  <a:gd name="connsiteY1" fmla="*/ 0 h 451842"/>
+                  <a:gd name="connsiteX2" fmla="*/ 451842 w 451842"/>
+                  <a:gd name="connsiteY2" fmla="*/ 451842 h 451842"/>
+                  <a:gd name="connsiteX3" fmla="*/ 0 w 451842"/>
+                  <a:gd name="connsiteY3" fmla="*/ 451842 h 451842"/>
+                  <a:gd name="connsiteX4" fmla="*/ 0 w 451842"/>
+                  <a:gd name="connsiteY4" fmla="*/ 0 h 451842"/>
+                </a:gdLst>
+                <a:ahLst/>
+                <a:cxnLst>
+                  <a:cxn ang="0">
+                    <a:pos x="connsiteX0" y="connsiteY0"/>
+                  </a:cxn>
+                  <a:cxn ang="0">
+                    <a:pos x="connsiteX1" y="connsiteY1"/>
+                  </a:cxn>
+                  <a:cxn ang="0">
+                    <a:pos x="connsiteX2" y="connsiteY2"/>
+                  </a:cxn>
+                  <a:cxn ang="0">
+                    <a:pos x="connsiteX3" y="connsiteY3"/>
+                  </a:cxn>
+                  <a:cxn ang="0">
+                    <a:pos x="connsiteX4" y="connsiteY4"/>
+                  </a:cxn>
+                </a:cxnLst>
+                <a:rect l="l" t="t" r="r" b="b"/>
+                <a:pathLst>
+                  <a:path w="451842" h="451842">
+                    <a:moveTo>
+                      <a:pt x="0" y="0"/>
+                    </a:moveTo>
+                    <a:lnTo>
+                      <a:pt x="451842" y="0"/>
+                    </a:lnTo>
+                    <a:lnTo>
+                      <a:pt x="451842" y="451842"/>
+                    </a:lnTo>
+                    <a:lnTo>
+                      <a:pt x="0" y="451842"/>
+                    </a:lnTo>
+                    <a:lnTo>
+                      <a:pt x="0" y="0"/>
+                    </a:lnTo>
+                    <a:close/>
+                  </a:path>
+                </a:pathLst>
+              </a:custGeom>
+            </p:spPr>
+          </p:pic>
+          <p:pic>
+            <p:nvPicPr>
+              <p:cNvPr id="32" name="Picture 31" descr="A black background with a black square&#10;&#10;Description automatically generated with medium confidence">
+                <a:extLst>
+                  <a:ext uri="{FF2B5EF4-FFF2-40B4-BE49-F238E27FC236}">
+                    <a16:creationId xmlns:a16="http://schemas.microsoft.com/office/drawing/2014/main" id="{5CA2ED8E-37B9-5362-FD05-131D5F72F297}"/>
+                  </a:ext>
+                </a:extLst>
+              </p:cNvPr>
+              <p:cNvPicPr>
+                <a:picLocks noChangeAspect="1"/>
+              </p:cNvPicPr>
+              <p:nvPr/>
+            </p:nvPicPr>
+            <p:blipFill>
+              <a:blip r:embed="rId2">
+                <a:extLst>
+                  <a:ext uri="{28A0092B-C50C-407E-A947-70E740481C1C}">
+                    <a14:useLocalDpi xmlns:a14="http://schemas.microsoft.com/office/drawing/2010/main" val="0"/>
+                  </a:ext>
+                </a:extLst>
+              </a:blip>
+              <a:srcRect/>
+              <a:stretch>
+                <a:fillRect/>
+              </a:stretch>
+            </p:blipFill>
+            <p:spPr>
+              <a:xfrm>
+                <a:off x="3872925" y="669503"/>
+                <a:ext cx="4381200" cy="4381200"/>
+              </a:xfrm>
+              <a:custGeom>
+                <a:avLst/>
+                <a:gdLst>
+                  <a:gd name="connsiteX0" fmla="*/ 0 w 4381200"/>
+                  <a:gd name="connsiteY0" fmla="*/ 0 h 4381200"/>
+                  <a:gd name="connsiteX1" fmla="*/ 4381200 w 4381200"/>
+                  <a:gd name="connsiteY1" fmla="*/ 0 h 4381200"/>
+                  <a:gd name="connsiteX2" fmla="*/ 4381200 w 4381200"/>
+                  <a:gd name="connsiteY2" fmla="*/ 4381200 h 4381200"/>
+                  <a:gd name="connsiteX3" fmla="*/ 0 w 4381200"/>
+                  <a:gd name="connsiteY3" fmla="*/ 4381200 h 4381200"/>
+                  <a:gd name="connsiteX4" fmla="*/ 0 w 4381200"/>
+                  <a:gd name="connsiteY4" fmla="*/ 0 h 4381200"/>
+                  <a:gd name="connsiteX5" fmla="*/ 2875596 w 4381200"/>
+                  <a:gd name="connsiteY5" fmla="*/ 1539710 h 4381200"/>
+                  <a:gd name="connsiteX6" fmla="*/ 1716493 w 4381200"/>
+                  <a:gd name="connsiteY6" fmla="*/ 2153437 h 4381200"/>
+                  <a:gd name="connsiteX7" fmla="*/ 2056551 w 4381200"/>
+                  <a:gd name="connsiteY7" fmla="*/ 2795682 h 4381200"/>
+                  <a:gd name="connsiteX8" fmla="*/ 3215654 w 4381200"/>
+                  <a:gd name="connsiteY8" fmla="*/ 2181954 h 4381200"/>
+                  <a:gd name="connsiteX9" fmla="*/ 3366748 w 4381200"/>
+                  <a:gd name="connsiteY9" fmla="*/ 1690803 h 4381200"/>
+                  <a:gd name="connsiteX10" fmla="*/ 2875596 w 4381200"/>
+                  <a:gd name="connsiteY10" fmla="*/ 1539710 h 4381200"/>
+                </a:gdLst>
+                <a:ahLst/>
+                <a:cxnLst>
+                  <a:cxn ang="0">
+                    <a:pos x="connsiteX0" y="connsiteY0"/>
+                  </a:cxn>
+                  <a:cxn ang="0">
+                    <a:pos x="connsiteX1" y="connsiteY1"/>
+                  </a:cxn>
+                  <a:cxn ang="0">
+                    <a:pos x="connsiteX2" y="connsiteY2"/>
+                  </a:cxn>
+                  <a:cxn ang="0">
+                    <a:pos x="connsiteX3" y="connsiteY3"/>
+                  </a:cxn>
+                  <a:cxn ang="0">
+                    <a:pos x="connsiteX4" y="connsiteY4"/>
+                  </a:cxn>
+                  <a:cxn ang="0">
+                    <a:pos x="connsiteX5" y="connsiteY5"/>
+                  </a:cxn>
+                  <a:cxn ang="0">
+                    <a:pos x="connsiteX6" y="connsiteY6"/>
+                  </a:cxn>
+                  <a:cxn ang="0">
+                    <a:pos x="connsiteX7" y="connsiteY7"/>
+                  </a:cxn>
+                  <a:cxn ang="0">
+                    <a:pos x="connsiteX8" y="connsiteY8"/>
+                  </a:cxn>
+                  <a:cxn ang="0">
+                    <a:pos x="connsiteX9" y="connsiteY9"/>
+                  </a:cxn>
+                  <a:cxn ang="0">
+                    <a:pos x="connsiteX10" y="connsiteY10"/>
+                  </a:cxn>
+                </a:cxnLst>
+                <a:rect l="l" t="t" r="r" b="b"/>
+                <a:pathLst>
+                  <a:path w="4381200" h="4381200">
+                    <a:moveTo>
+                      <a:pt x="0" y="0"/>
+                    </a:moveTo>
+                    <a:lnTo>
+                      <a:pt x="4381200" y="0"/>
+                    </a:lnTo>
+                    <a:lnTo>
+                      <a:pt x="4381200" y="4381200"/>
+                    </a:lnTo>
+                    <a:lnTo>
+                      <a:pt x="0" y="4381200"/>
+                    </a:lnTo>
+                    <a:lnTo>
+                      <a:pt x="0" y="0"/>
+                    </a:lnTo>
+                    <a:close/>
+                    <a:moveTo>
+                      <a:pt x="2875596" y="1539710"/>
+                    </a:moveTo>
+                    <a:lnTo>
+                      <a:pt x="1716493" y="2153437"/>
+                    </a:lnTo>
+                    <a:lnTo>
+                      <a:pt x="2056551" y="2795682"/>
+                    </a:lnTo>
+                    <a:lnTo>
+                      <a:pt x="3215654" y="2181954"/>
+                    </a:lnTo>
+                    <a:lnTo>
+                      <a:pt x="3366748" y="1690803"/>
+                    </a:lnTo>
+                    <a:lnTo>
+                      <a:pt x="2875596" y="1539710"/>
+                    </a:lnTo>
+                    <a:close/>
+                  </a:path>
+                </a:pathLst>
+              </a:custGeom>
+              <a:noFill/>
+            </p:spPr>
+          </p:pic>
+        </p:grpSp>
+      </p:grpSp>
+      <p:cxnSp>
+        <p:nvCxnSpPr>
+          <p:cNvPr id="50" name="Straight Connector 49">
+            <a:extLst>
+              <a:ext uri="{FF2B5EF4-FFF2-40B4-BE49-F238E27FC236}">
+                <a16:creationId xmlns:a16="http://schemas.microsoft.com/office/drawing/2014/main" id="{E07F3313-7801-31A7-EB2A-A57DD9C81EB5}"/>
+              </a:ext>
+            </a:extLst>
+          </p:cNvPr>
+          <p:cNvCxnSpPr>
+            <a:cxnSpLocks/>
+          </p:cNvCxnSpPr>
+          <p:nvPr/>
+        </p:nvCxnSpPr>
+        <p:spPr>
+          <a:xfrm flipH="1" flipV="1">
+            <a:off x="4819829" y="3025211"/>
+            <a:ext cx="2455921" cy="8546"/>
+          </a:xfrm>
+          <a:prstGeom prst="line">
+            <a:avLst/>
+          </a:prstGeom>
+        </p:spPr>
+        <p:style>
+          <a:lnRef idx="1">
+            <a:schemeClr val="accent1"/>
+          </a:lnRef>
+          <a:fillRef idx="0">
+            <a:schemeClr val="accent1"/>
+          </a:fillRef>
+          <a:effectRef idx="0">
+            <a:schemeClr val="accent1"/>
+          </a:effectRef>
+          <a:fontRef idx="minor">
+            <a:schemeClr val="tx1"/>
+          </a:fontRef>
+        </p:style>
+      </p:cxnSp>
+      <p:cxnSp>
+        <p:nvCxnSpPr>
+          <p:cNvPr id="61" name="Straight Connector 60">
+            <a:extLst>
+              <a:ext uri="{FF2B5EF4-FFF2-40B4-BE49-F238E27FC236}">
+                <a16:creationId xmlns:a16="http://schemas.microsoft.com/office/drawing/2014/main" id="{38C50961-6B4C-AF37-810D-8D0B429A2055}"/>
+              </a:ext>
+            </a:extLst>
+          </p:cNvPr>
+          <p:cNvCxnSpPr>
+            <a:cxnSpLocks/>
+          </p:cNvCxnSpPr>
+          <p:nvPr/>
+        </p:nvCxnSpPr>
+        <p:spPr>
+          <a:xfrm flipV="1">
+            <a:off x="6063525" y="1685644"/>
+            <a:ext cx="0" cy="2527433"/>
+          </a:xfrm>
+          <a:prstGeom prst="line">
+            <a:avLst/>
+          </a:prstGeom>
+        </p:spPr>
+        <p:style>
+          <a:lnRef idx="1">
+            <a:schemeClr val="accent1"/>
+          </a:lnRef>
+          <a:fillRef idx="0">
+            <a:schemeClr val="accent1"/>
+          </a:fillRef>
+          <a:effectRef idx="0">
+            <a:schemeClr val="accent1"/>
+          </a:effectRef>
+          <a:fontRef idx="minor">
+            <a:schemeClr val="tx1"/>
+          </a:fontRef>
+        </p:style>
+      </p:cxnSp>
+    </p:spTree>
+    <p:extLst>
+      <p:ext uri="{BB962C8B-B14F-4D97-AF65-F5344CB8AC3E}">
+        <p14:creationId xmlns:p14="http://schemas.microsoft.com/office/powerpoint/2010/main" val="233316268"/>
+      </p:ext>
+    </p:extLst>
+  </p:cSld>
+  <p:clrMapOvr>
+    <a:masterClrMapping/>
+  </p:clrMapOvr>
+</p:sld>
+</file>
+
+<file path=ppt/slides/slide5.xml><?xml version="1.0" encoding="utf-8"?>
+<p:sld xmlns:a="http://schemas.openxmlformats.org/drawingml/2006/main" xmlns:r="http://schemas.openxmlformats.org/officeDocument/2006/relationships" xmlns:p="http://schemas.openxmlformats.org/presentationml/2006/main">
+  <p:cSld>
+    <p:spTree>
+      <p:nvGrpSpPr>
+        <p:cNvPr id="1" name=""/>
+        <p:cNvGrpSpPr/>
+        <p:nvPr/>
+      </p:nvGrpSpPr>
+      <p:grpSpPr>
+        <a:xfrm>
+          <a:off x="0" y="0"/>
+          <a:ext cx="0" cy="0"/>
+          <a:chOff x="0" y="0"/>
+          <a:chExt cx="0" cy="0"/>
+        </a:xfrm>
+      </p:grpSpPr>
+      <p:grpSp>
+        <p:nvGrpSpPr>
+          <p:cNvPr id="2" name="Group 1">
+            <a:extLst>
+              <a:ext uri="{FF2B5EF4-FFF2-40B4-BE49-F238E27FC236}">
+                <a16:creationId xmlns:a16="http://schemas.microsoft.com/office/drawing/2014/main" id="{D3EF86F0-83EE-4464-AF9A-81591E5A2537}"/>
+              </a:ext>
+            </a:extLst>
+          </p:cNvPr>
+          <p:cNvGrpSpPr/>
+          <p:nvPr/>
+        </p:nvGrpSpPr>
+        <p:grpSpPr>
+          <a:xfrm>
+            <a:off x="-1399383" y="2746092"/>
+            <a:ext cx="2797983" cy="2797983"/>
+            <a:chOff x="1059653" y="1559660"/>
+            <a:chExt cx="2797983" cy="2797983"/>
+          </a:xfrm>
+        </p:grpSpPr>
+        <p:pic>
+          <p:nvPicPr>
+            <p:cNvPr id="16" name="Picture 15" descr="A black background with a black square&#10;&#10;Description automatically generated with medium confidence">
+              <a:extLst>
+                <a:ext uri="{FF2B5EF4-FFF2-40B4-BE49-F238E27FC236}">
+                  <a16:creationId xmlns:a16="http://schemas.microsoft.com/office/drawing/2014/main" id="{03499836-68CC-198E-5696-22FF44E37AD7}"/>
+                </a:ext>
+              </a:extLst>
+            </p:cNvPr>
+            <p:cNvPicPr>
+              <a:picLocks noChangeAspect="1"/>
+            </p:cNvPicPr>
+            <p:nvPr/>
+          </p:nvPicPr>
+          <p:blipFill>
+            <a:blip r:embed="rId2">
+              <a:extLst>
+                <a:ext uri="{28A0092B-C50C-407E-A947-70E740481C1C}">
+                  <a14:useLocalDpi xmlns:a14="http://schemas.microsoft.com/office/drawing/2010/main" val="0"/>
+                </a:ext>
+              </a:extLst>
+            </a:blip>
+            <a:srcRect/>
+            <a:stretch>
+              <a:fillRect/>
+            </a:stretch>
+          </p:blipFill>
+          <p:spPr>
+            <a:xfrm>
+              <a:off x="1059653" y="1559660"/>
+              <a:ext cx="2797983" cy="2797983"/>
+            </a:xfrm>
+            <a:custGeom>
+              <a:avLst/>
+              <a:gdLst>
+                <a:gd name="connsiteX0" fmla="*/ 0 w 2797983"/>
+                <a:gd name="connsiteY0" fmla="*/ 0 h 2797983"/>
+                <a:gd name="connsiteX1" fmla="*/ 2797983 w 2797983"/>
+                <a:gd name="connsiteY1" fmla="*/ 0 h 2797983"/>
+                <a:gd name="connsiteX2" fmla="*/ 2797983 w 2797983"/>
+                <a:gd name="connsiteY2" fmla="*/ 2797983 h 2797983"/>
+                <a:gd name="connsiteX3" fmla="*/ 0 w 2797983"/>
+                <a:gd name="connsiteY3" fmla="*/ 2797983 h 2797983"/>
+                <a:gd name="connsiteX4" fmla="*/ 0 w 2797983"/>
+                <a:gd name="connsiteY4" fmla="*/ 0 h 2797983"/>
+                <a:gd name="connsiteX5" fmla="*/ 641748 w 2797983"/>
+                <a:gd name="connsiteY5" fmla="*/ 636774 h 2797983"/>
+                <a:gd name="connsiteX6" fmla="*/ 466543 w 2797983"/>
+                <a:gd name="connsiteY6" fmla="*/ 812051 h 2797983"/>
+                <a:gd name="connsiteX7" fmla="*/ 2156232 w 2797983"/>
+                <a:gd name="connsiteY7" fmla="*/ 2501054 h 2797983"/>
+                <a:gd name="connsiteX8" fmla="*/ 2331437 w 2797983"/>
+                <a:gd name="connsiteY8" fmla="*/ 2325778 h 2797983"/>
+                <a:gd name="connsiteX9" fmla="*/ 641748 w 2797983"/>
+                <a:gd name="connsiteY9" fmla="*/ 636774 h 2797983"/>
+              </a:gdLst>
+              <a:ahLst/>
+              <a:cxnLst>
+                <a:cxn ang="0">
+                  <a:pos x="connsiteX0" y="connsiteY0"/>
+                </a:cxn>
+                <a:cxn ang="0">
+                  <a:pos x="connsiteX1" y="connsiteY1"/>
+                </a:cxn>
+                <a:cxn ang="0">
+                  <a:pos x="connsiteX2" y="connsiteY2"/>
+                </a:cxn>
+                <a:cxn ang="0">
+                  <a:pos x="connsiteX3" y="connsiteY3"/>
+                </a:cxn>
+                <a:cxn ang="0">
+                  <a:pos x="connsiteX4" y="connsiteY4"/>
+                </a:cxn>
+                <a:cxn ang="0">
+                  <a:pos x="connsiteX5" y="connsiteY5"/>
+                </a:cxn>
+                <a:cxn ang="0">
+                  <a:pos x="connsiteX6" y="connsiteY6"/>
+                </a:cxn>
+                <a:cxn ang="0">
+                  <a:pos x="connsiteX7" y="connsiteY7"/>
+                </a:cxn>
+                <a:cxn ang="0">
+                  <a:pos x="connsiteX8" y="connsiteY8"/>
+                </a:cxn>
+                <a:cxn ang="0">
+                  <a:pos x="connsiteX9" y="connsiteY9"/>
+                </a:cxn>
+              </a:cxnLst>
+              <a:rect l="l" t="t" r="r" b="b"/>
+              <a:pathLst>
+                <a:path w="2797983" h="2797983">
+                  <a:moveTo>
+                    <a:pt x="0" y="0"/>
+                  </a:moveTo>
+                  <a:lnTo>
+                    <a:pt x="2797983" y="0"/>
+                  </a:lnTo>
+                  <a:lnTo>
+                    <a:pt x="2797983" y="2797983"/>
+                  </a:lnTo>
+                  <a:lnTo>
+                    <a:pt x="0" y="2797983"/>
+                  </a:lnTo>
+                  <a:lnTo>
+                    <a:pt x="0" y="0"/>
+                  </a:lnTo>
+                  <a:close/>
+                  <a:moveTo>
+                    <a:pt x="641748" y="636774"/>
+                  </a:moveTo>
+                  <a:lnTo>
+                    <a:pt x="466543" y="812051"/>
+                  </a:lnTo>
+                  <a:lnTo>
+                    <a:pt x="2156232" y="2501054"/>
+                  </a:lnTo>
+                  <a:lnTo>
+                    <a:pt x="2331437" y="2325778"/>
+                  </a:lnTo>
+                  <a:lnTo>
+                    <a:pt x="641748" y="636774"/>
+                  </a:lnTo>
+                  <a:close/>
+                </a:path>
+              </a:pathLst>
+            </a:custGeom>
+          </p:spPr>
+        </p:pic>
+        <p:sp>
+          <p:nvSpPr>
+            <p:cNvPr id="18" name="Rectangle 17">
+              <a:extLst>
+                <a:ext uri="{FF2B5EF4-FFF2-40B4-BE49-F238E27FC236}">
+                  <a16:creationId xmlns:a16="http://schemas.microsoft.com/office/drawing/2014/main" id="{D282ECC4-502E-0E61-A122-13E21CA5686C}"/>
+                </a:ext>
+              </a:extLst>
+            </p:cNvPr>
+            <p:cNvSpPr/>
+            <p:nvPr/>
+          </p:nvSpPr>
+          <p:spPr>
+            <a:xfrm rot="2699303">
+              <a:off x="1264097" y="3004661"/>
+              <a:ext cx="2389096" cy="247828"/>
+            </a:xfrm>
+            <a:prstGeom prst="rect">
+              <a:avLst/>
+            </a:prstGeom>
+            <a:noFill/>
+            <a:ln w="101600">
+              <a:solidFill>
+                <a:schemeClr val="tx1"/>
+              </a:solidFill>
+            </a:ln>
+          </p:spPr>
+          <p:style>
+            <a:lnRef idx="2">
+              <a:schemeClr val="accent1">
+                <a:shade val="15000"/>
+              </a:schemeClr>
+            </a:lnRef>
+            <a:fillRef idx="1">
+              <a:schemeClr val="accent1"/>
+            </a:fillRef>
+            <a:effectRef idx="0">
+              <a:schemeClr val="accent1"/>
+            </a:effectRef>
+            <a:fontRef idx="minor">
+              <a:schemeClr val="lt1"/>
+            </a:fontRef>
+          </p:style>
+          <p:txBody>
+            <a:bodyPr rtlCol="0" anchor="ctr"/>
+            <a:lstStyle/>
+            <a:p>
+              <a:pPr algn="ctr"/>
+              <a:endParaRPr lang="en-GB"/>
+            </a:p>
+          </p:txBody>
+        </p:sp>
+      </p:grpSp>
+      <p:grpSp>
+        <p:nvGrpSpPr>
+          <p:cNvPr id="23" name="Group 22">
+            <a:extLst>
+              <a:ext uri="{FF2B5EF4-FFF2-40B4-BE49-F238E27FC236}">
+                <a16:creationId xmlns:a16="http://schemas.microsoft.com/office/drawing/2014/main" id="{E73A1FA2-2AE0-9186-0904-9A7D59703C4B}"/>
+              </a:ext>
+            </a:extLst>
+          </p:cNvPr>
+          <p:cNvGrpSpPr/>
+          <p:nvPr/>
+        </p:nvGrpSpPr>
+        <p:grpSpPr>
+          <a:xfrm>
+            <a:off x="-1398600" y="-687101"/>
+            <a:ext cx="2797200" cy="2797200"/>
+            <a:chOff x="5349982" y="1560443"/>
+            <a:chExt cx="2797200" cy="2797200"/>
+          </a:xfrm>
+        </p:grpSpPr>
+        <p:pic>
+          <p:nvPicPr>
+            <p:cNvPr id="20" name="Picture 19" descr="A black background with a black square&#10;&#10;Description automatically generated with medium confidence">
+              <a:extLst>
+                <a:ext uri="{FF2B5EF4-FFF2-40B4-BE49-F238E27FC236}">
+                  <a16:creationId xmlns:a16="http://schemas.microsoft.com/office/drawing/2014/main" id="{15B01031-8304-7F7F-EC0A-625DFC2884AD}"/>
+                </a:ext>
+              </a:extLst>
+            </p:cNvPr>
+            <p:cNvPicPr>
+              <a:picLocks noChangeAspect="1"/>
+            </p:cNvPicPr>
+            <p:nvPr/>
+          </p:nvPicPr>
+          <p:blipFill>
+            <a:blip r:embed="rId3">
+              <a:extLst>
+                <a:ext uri="{28A0092B-C50C-407E-A947-70E740481C1C}">
+                  <a14:useLocalDpi xmlns:a14="http://schemas.microsoft.com/office/drawing/2010/main" val="0"/>
+                </a:ext>
+              </a:extLst>
+            </a:blip>
+            <a:srcRect/>
+            <a:stretch>
+              <a:fillRect/>
+            </a:stretch>
+          </p:blipFill>
+          <p:spPr>
+            <a:xfrm>
+              <a:off x="5349982" y="1560443"/>
+              <a:ext cx="2797200" cy="2797200"/>
+            </a:xfrm>
+            <a:custGeom>
+              <a:avLst/>
+              <a:gdLst>
+                <a:gd name="connsiteX0" fmla="*/ 0 w 2797200"/>
+                <a:gd name="connsiteY0" fmla="*/ 0 h 2797200"/>
+                <a:gd name="connsiteX1" fmla="*/ 2797200 w 2797200"/>
+                <a:gd name="connsiteY1" fmla="*/ 0 h 2797200"/>
+                <a:gd name="connsiteX2" fmla="*/ 2797200 w 2797200"/>
+                <a:gd name="connsiteY2" fmla="*/ 2797200 h 2797200"/>
+                <a:gd name="connsiteX3" fmla="*/ 0 w 2797200"/>
+                <a:gd name="connsiteY3" fmla="*/ 2797200 h 2797200"/>
+                <a:gd name="connsiteX4" fmla="*/ 0 w 2797200"/>
+                <a:gd name="connsiteY4" fmla="*/ 0 h 2797200"/>
+                <a:gd name="connsiteX5" fmla="*/ 641359 w 2797200"/>
+                <a:gd name="connsiteY5" fmla="*/ 635992 h 2797200"/>
+                <a:gd name="connsiteX6" fmla="*/ 466153 w 2797200"/>
+                <a:gd name="connsiteY6" fmla="*/ 811269 h 2797200"/>
+                <a:gd name="connsiteX7" fmla="*/ 2155842 w 2797200"/>
+                <a:gd name="connsiteY7" fmla="*/ 2500272 h 2797200"/>
+                <a:gd name="connsiteX8" fmla="*/ 2331047 w 2797200"/>
+                <a:gd name="connsiteY8" fmla="*/ 2324996 h 2797200"/>
+                <a:gd name="connsiteX9" fmla="*/ 641359 w 2797200"/>
+                <a:gd name="connsiteY9" fmla="*/ 635992 h 2797200"/>
+              </a:gdLst>
+              <a:ahLst/>
+              <a:cxnLst>
+                <a:cxn ang="0">
+                  <a:pos x="connsiteX0" y="connsiteY0"/>
+                </a:cxn>
+                <a:cxn ang="0">
+                  <a:pos x="connsiteX1" y="connsiteY1"/>
+                </a:cxn>
+                <a:cxn ang="0">
+                  <a:pos x="connsiteX2" y="connsiteY2"/>
+                </a:cxn>
+                <a:cxn ang="0">
+                  <a:pos x="connsiteX3" y="connsiteY3"/>
+                </a:cxn>
+                <a:cxn ang="0">
+                  <a:pos x="connsiteX4" y="connsiteY4"/>
+                </a:cxn>
+                <a:cxn ang="0">
+                  <a:pos x="connsiteX5" y="connsiteY5"/>
+                </a:cxn>
+                <a:cxn ang="0">
+                  <a:pos x="connsiteX6" y="connsiteY6"/>
+                </a:cxn>
+                <a:cxn ang="0">
+                  <a:pos x="connsiteX7" y="connsiteY7"/>
+                </a:cxn>
+                <a:cxn ang="0">
+                  <a:pos x="connsiteX8" y="connsiteY8"/>
+                </a:cxn>
+                <a:cxn ang="0">
+                  <a:pos x="connsiteX9" y="connsiteY9"/>
+                </a:cxn>
+              </a:cxnLst>
+              <a:rect l="l" t="t" r="r" b="b"/>
+              <a:pathLst>
+                <a:path w="2797200" h="2797200">
+                  <a:moveTo>
+                    <a:pt x="0" y="0"/>
+                  </a:moveTo>
+                  <a:lnTo>
+                    <a:pt x="2797200" y="0"/>
+                  </a:lnTo>
+                  <a:lnTo>
+                    <a:pt x="2797200" y="2797200"/>
+                  </a:lnTo>
+                  <a:lnTo>
+                    <a:pt x="0" y="2797200"/>
+                  </a:lnTo>
+                  <a:lnTo>
+                    <a:pt x="0" y="0"/>
+                  </a:lnTo>
+                  <a:close/>
+                  <a:moveTo>
+                    <a:pt x="641359" y="635992"/>
+                  </a:moveTo>
+                  <a:lnTo>
+                    <a:pt x="466153" y="811269"/>
+                  </a:lnTo>
+                  <a:lnTo>
+                    <a:pt x="2155842" y="2500272"/>
+                  </a:lnTo>
+                  <a:lnTo>
+                    <a:pt x="2331047" y="2324996"/>
+                  </a:lnTo>
+                  <a:lnTo>
+                    <a:pt x="641359" y="635992"/>
+                  </a:lnTo>
+                  <a:close/>
+                </a:path>
+              </a:pathLst>
+            </a:custGeom>
+          </p:spPr>
+        </p:pic>
+        <p:sp>
+          <p:nvSpPr>
+            <p:cNvPr id="22" name="Rectangle 21">
+              <a:extLst>
+                <a:ext uri="{FF2B5EF4-FFF2-40B4-BE49-F238E27FC236}">
+                  <a16:creationId xmlns:a16="http://schemas.microsoft.com/office/drawing/2014/main" id="{61D4239B-8DF2-421E-C444-A40650C69784}"/>
+                </a:ext>
+              </a:extLst>
+            </p:cNvPr>
+            <p:cNvSpPr/>
+            <p:nvPr/>
+          </p:nvSpPr>
+          <p:spPr>
+            <a:xfrm rot="2699303">
+              <a:off x="5554034" y="3004662"/>
+              <a:ext cx="2389096" cy="247828"/>
+            </a:xfrm>
+            <a:prstGeom prst="rect">
+              <a:avLst/>
+            </a:prstGeom>
+            <a:noFill/>
+            <a:ln w="101600">
+              <a:solidFill>
+                <a:schemeClr val="tx1"/>
+              </a:solidFill>
+            </a:ln>
+          </p:spPr>
+          <p:style>
+            <a:lnRef idx="2">
+              <a:schemeClr val="accent1">
+                <a:shade val="15000"/>
+              </a:schemeClr>
+            </a:lnRef>
+            <a:fillRef idx="1">
+              <a:schemeClr val="accent1"/>
+            </a:fillRef>
+            <a:effectRef idx="0">
+              <a:schemeClr val="accent1"/>
+            </a:effectRef>
+            <a:fontRef idx="minor">
+              <a:schemeClr val="lt1"/>
+            </a:fontRef>
+          </p:style>
+          <p:txBody>
+            <a:bodyPr rtlCol="0" anchor="ctr"/>
+            <a:lstStyle/>
+            <a:p>
+              <a:pPr algn="ctr"/>
+              <a:endParaRPr lang="en-GB"/>
+            </a:p>
+          </p:txBody>
+        </p:sp>
+      </p:grpSp>
+      <p:sp>
+        <p:nvSpPr>
+          <p:cNvPr id="10" name="Rectangle 9">
+            <a:extLst>
+              <a:ext uri="{FF2B5EF4-FFF2-40B4-BE49-F238E27FC236}">
+                <a16:creationId xmlns:a16="http://schemas.microsoft.com/office/drawing/2014/main" id="{49DF5033-716A-92EF-FFE4-D66B349037DB}"/>
+              </a:ext>
+            </a:extLst>
+          </p:cNvPr>
+          <p:cNvSpPr/>
+          <p:nvPr/>
+        </p:nvSpPr>
+        <p:spPr>
+          <a:xfrm>
+            <a:off x="288930" y="3168983"/>
+            <a:ext cx="2797983" cy="2797983"/>
+          </a:xfrm>
+          <a:prstGeom prst="rect">
+            <a:avLst/>
+          </a:prstGeom>
+          <a:solidFill>
+            <a:srgbClr val="000000">
+              <a:alpha val="0"/>
+            </a:srgbClr>
+          </a:solidFill>
+          <a:ln>
+            <a:solidFill>
+              <a:schemeClr val="tx1"/>
+            </a:solidFill>
+          </a:ln>
+        </p:spPr>
+        <p:style>
+          <a:lnRef idx="2">
+            <a:schemeClr val="accent1">
+              <a:shade val="15000"/>
+            </a:schemeClr>
+          </a:lnRef>
+          <a:fillRef idx="1">
+            <a:schemeClr val="accent1"/>
+          </a:fillRef>
+          <a:effectRef idx="0">
+            <a:schemeClr val="accent1"/>
+          </a:effectRef>
+          <a:fontRef idx="minor">
+            <a:schemeClr val="lt1"/>
+          </a:fontRef>
+        </p:style>
+        <p:txBody>
+          <a:bodyPr rtlCol="0" anchor="ctr"/>
+          <a:lstStyle/>
+          <a:p>
+            <a:pPr algn="ctr"/>
+            <a:endParaRPr lang="en-GB"/>
+          </a:p>
+        </p:txBody>
+      </p:sp>
+      <p:grpSp>
+        <p:nvGrpSpPr>
+          <p:cNvPr id="43" name="Group 42">
+            <a:extLst>
+              <a:ext uri="{FF2B5EF4-FFF2-40B4-BE49-F238E27FC236}">
+                <a16:creationId xmlns:a16="http://schemas.microsoft.com/office/drawing/2014/main" id="{9BEFD44F-D9FC-C6E0-1EB4-7890BEAA9491}"/>
+              </a:ext>
+            </a:extLst>
+          </p:cNvPr>
+          <p:cNvGrpSpPr/>
+          <p:nvPr/>
+        </p:nvGrpSpPr>
+        <p:grpSpPr>
+          <a:xfrm>
+            <a:off x="6422099" y="657631"/>
+            <a:ext cx="1813304" cy="1813304"/>
+            <a:chOff x="5415013" y="658727"/>
+            <a:chExt cx="1813304" cy="1813304"/>
+          </a:xfrm>
+        </p:grpSpPr>
+        <p:pic>
+          <p:nvPicPr>
+            <p:cNvPr id="40" name="Picture 39" descr="A black background with a black square&#10;&#10;Description automatically generated with medium confidence">
+              <a:extLst>
+                <a:ext uri="{FF2B5EF4-FFF2-40B4-BE49-F238E27FC236}">
+                  <a16:creationId xmlns:a16="http://schemas.microsoft.com/office/drawing/2014/main" id="{9F4C2744-A64D-136C-D192-B280ED2367AD}"/>
+                </a:ext>
+              </a:extLst>
+            </p:cNvPr>
+            <p:cNvPicPr>
+              <a:picLocks noChangeAspect="1"/>
+            </p:cNvPicPr>
+            <p:nvPr/>
+          </p:nvPicPr>
+          <p:blipFill>
+            <a:blip r:embed="rId4">
+              <a:extLst>
+                <a:ext uri="{28A0092B-C50C-407E-A947-70E740481C1C}">
+                  <a14:useLocalDpi xmlns:a14="http://schemas.microsoft.com/office/drawing/2010/main" val="0"/>
+                </a:ext>
+              </a:extLst>
+            </a:blip>
+            <a:stretch>
+              <a:fillRect/>
+            </a:stretch>
+          </p:blipFill>
+          <p:spPr>
+            <a:xfrm>
+              <a:off x="5415013" y="658727"/>
+              <a:ext cx="1813304" cy="1813304"/>
+            </a:xfrm>
+            <a:prstGeom prst="rect">
+              <a:avLst/>
+            </a:prstGeom>
+          </p:spPr>
+        </p:pic>
+        <p:pic>
+          <p:nvPicPr>
+            <p:cNvPr id="42" name="Picture 4" descr="2001 A Space Odyssey png images | PNGWing">
+              <a:extLst>
+                <a:ext uri="{FF2B5EF4-FFF2-40B4-BE49-F238E27FC236}">
+                  <a16:creationId xmlns:a16="http://schemas.microsoft.com/office/drawing/2014/main" id="{8FEE0BFE-377E-935D-855C-3B04C611D423}"/>
+                </a:ext>
+              </a:extLst>
+            </p:cNvPr>
+            <p:cNvPicPr>
+              <a:picLocks noChangeAspect="1" noChangeArrowheads="1"/>
+            </p:cNvPicPr>
+            <p:nvPr/>
+          </p:nvPicPr>
+          <p:blipFill>
+            <a:blip r:embed="rId5">
+              <a:extLst>
+                <a:ext uri="{BEBA8EAE-BF5A-486C-A8C5-ECC9F3942E4B}">
+                  <a14:imgProps xmlns:a14="http://schemas.microsoft.com/office/drawing/2010/main">
+                    <a14:imgLayer r:embed="rId6">
+                      <a14:imgEffect>
+                        <a14:backgroundRemoval t="10000" b="90000" l="10000" r="90000">
+                          <a14:foregroundMark x1="41667" y1="13611" x2="41667" y2="13611"/>
+                          <a14:foregroundMark x1="45556" y1="12222" x2="49167" y2="12222"/>
+                          <a14:foregroundMark x1="51944" y1="12222" x2="51944" y2="12222"/>
+                          <a14:foregroundMark x1="55000" y1="12500" x2="56944" y2="12778"/>
+                          <a14:foregroundMark x1="59722" y1="12778" x2="62222" y2="13056"/>
+                          <a14:foregroundMark x1="62500" y1="13056" x2="63889" y2="14167"/>
+                          <a14:foregroundMark x1="64444" y1="14444" x2="65278" y2="15278"/>
+                          <a14:foregroundMark x1="68611" y1="17222" x2="70833" y2="18611"/>
+                          <a14:foregroundMark x1="72778" y1="19444" x2="74167" y2="20556"/>
+                          <a14:foregroundMark x1="74444" y1="20833" x2="74444" y2="20833"/>
+                          <a14:foregroundMark x1="75833" y1="21667" x2="76944" y2="22778"/>
+                          <a14:foregroundMark x1="80556" y1="26389" x2="81111" y2="27222"/>
+                          <a14:foregroundMark x1="81389" y1="27222" x2="81944" y2="28889"/>
+                          <a14:foregroundMark x1="82778" y1="30278" x2="83611" y2="32778"/>
+                          <a14:foregroundMark x1="85000" y1="35278" x2="85556" y2="37222"/>
+                          <a14:foregroundMark x1="86389" y1="38611" x2="86667" y2="40000"/>
+                          <a14:foregroundMark x1="87500" y1="41667" x2="87778" y2="45278"/>
+                          <a14:foregroundMark x1="87778" y1="46389" x2="88056" y2="51111"/>
+                          <a14:foregroundMark x1="88056" y1="53611" x2="87778" y2="56667"/>
+                          <a14:foregroundMark x1="87222" y1="59167" x2="87222" y2="59167"/>
+                          <a14:foregroundMark x1="86389" y1="62778" x2="86111" y2="64722"/>
+                          <a14:foregroundMark x1="85833" y1="66667" x2="84722" y2="69444"/>
+                          <a14:foregroundMark x1="83611" y1="70278" x2="81389" y2="73611"/>
+                          <a14:foregroundMark x1="77222" y1="77222" x2="77222" y2="77222"/>
+                          <a14:foregroundMark x1="75278" y1="78056" x2="73611" y2="80278"/>
+                          <a14:foregroundMark x1="71944" y1="82222" x2="70278" y2="83056"/>
+                          <a14:foregroundMark x1="69167" y1="83056" x2="66111" y2="83611"/>
+                          <a14:foregroundMark x1="63333" y1="83611" x2="61389" y2="84444"/>
+                          <a14:foregroundMark x1="60556" y1="84444" x2="58889" y2="85278"/>
+                          <a14:foregroundMark x1="52500" y1="88611" x2="52500" y2="88611"/>
+                          <a14:foregroundMark x1="51389" y1="88889" x2="51389" y2="88889"/>
+                        </a14:backgroundRemoval>
+                      </a14:imgEffect>
+                      <a14:imgEffect>
+                        <a14:saturation sat="66000"/>
+                      </a14:imgEffect>
+                    </a14:imgLayer>
+                  </a14:imgProps>
+                </a:ext>
+                <a:ext uri="{28A0092B-C50C-407E-A947-70E740481C1C}">
+                  <a14:useLocalDpi xmlns:a14="http://schemas.microsoft.com/office/drawing/2010/main" val="0"/>
+                </a:ext>
+              </a:extLst>
+            </a:blip>
+            <a:srcRect/>
+            <a:stretch>
+              <a:fillRect/>
+            </a:stretch>
+          </p:blipFill>
+          <p:spPr bwMode="auto">
+            <a:xfrm>
+              <a:off x="6015662" y="1287675"/>
+              <a:ext cx="612000" cy="612000"/>
+            </a:xfrm>
+            <a:prstGeom prst="rect">
+              <a:avLst/>
+            </a:prstGeom>
+            <a:noFill/>
+            <a:extLst>
+              <a:ext uri="{909E8E84-426E-40DD-AFC4-6F175D3DCCD1}">
+                <a14:hiddenFill xmlns:a14="http://schemas.microsoft.com/office/drawing/2010/main">
+                  <a:solidFill>
+                    <a:srgbClr val="FFFFFF"/>
+                  </a:solidFill>
+                </a14:hiddenFill>
+              </a:ext>
+            </a:extLst>
+          </p:spPr>
+        </p:pic>
+      </p:grpSp>
+      <p:grpSp>
+        <p:nvGrpSpPr>
+          <p:cNvPr id="5" name="Group 4">
+            <a:extLst>
+              <a:ext uri="{FF2B5EF4-FFF2-40B4-BE49-F238E27FC236}">
+                <a16:creationId xmlns:a16="http://schemas.microsoft.com/office/drawing/2014/main" id="{F360DF98-63B2-AFAC-0087-CF98FCD1276C}"/>
+              </a:ext>
+            </a:extLst>
+          </p:cNvPr>
+          <p:cNvGrpSpPr/>
+          <p:nvPr/>
+        </p:nvGrpSpPr>
+        <p:grpSpPr>
+          <a:xfrm>
+            <a:off x="4292226" y="657631"/>
+            <a:ext cx="1814400" cy="1814400"/>
+            <a:chOff x="4292226" y="657631"/>
+            <a:chExt cx="1814400" cy="1814400"/>
+          </a:xfrm>
+        </p:grpSpPr>
+        <p:pic>
+          <p:nvPicPr>
+            <p:cNvPr id="38" name="Picture 37" descr="A black background with a black square&#10;&#10;Description automatically generated with medium confidence">
+              <a:extLst>
+                <a:ext uri="{FF2B5EF4-FFF2-40B4-BE49-F238E27FC236}">
+                  <a16:creationId xmlns:a16="http://schemas.microsoft.com/office/drawing/2014/main" id="{C0528A17-3201-99F5-54DB-E8BD727588E3}"/>
+                </a:ext>
+              </a:extLst>
+            </p:cNvPr>
+            <p:cNvPicPr>
+              <a:picLocks noChangeAspect="1"/>
+            </p:cNvPicPr>
+            <p:nvPr/>
+          </p:nvPicPr>
+          <p:blipFill>
+            <a:blip r:embed="rId7">
+              <a:extLst>
+                <a:ext uri="{28A0092B-C50C-407E-A947-70E740481C1C}">
+                  <a14:useLocalDpi xmlns:a14="http://schemas.microsoft.com/office/drawing/2010/main" val="0"/>
+                </a:ext>
+              </a:extLst>
+            </a:blip>
+            <a:stretch>
+              <a:fillRect/>
+            </a:stretch>
+          </p:blipFill>
+          <p:spPr>
+            <a:xfrm>
+              <a:off x="4292226" y="657631"/>
+              <a:ext cx="1814400" cy="1814400"/>
+            </a:xfrm>
+            <a:prstGeom prst="rect">
+              <a:avLst/>
+            </a:prstGeom>
+          </p:spPr>
+        </p:pic>
+        <p:pic>
+          <p:nvPicPr>
+            <p:cNvPr id="4" name="Picture 4" descr="2001 A Space Odyssey png images | PNGWing">
+              <a:extLst>
+                <a:ext uri="{FF2B5EF4-FFF2-40B4-BE49-F238E27FC236}">
+                  <a16:creationId xmlns:a16="http://schemas.microsoft.com/office/drawing/2014/main" id="{C48F2395-4051-9902-5951-DCA4EF0EB583}"/>
+                </a:ext>
+              </a:extLst>
+            </p:cNvPr>
+            <p:cNvPicPr>
+              <a:picLocks noChangeAspect="1" noChangeArrowheads="1"/>
+            </p:cNvPicPr>
+            <p:nvPr/>
+          </p:nvPicPr>
+          <p:blipFill>
+            <a:blip r:embed="rId5">
+              <a:extLst>
+                <a:ext uri="{BEBA8EAE-BF5A-486C-A8C5-ECC9F3942E4B}">
+                  <a14:imgProps xmlns:a14="http://schemas.microsoft.com/office/drawing/2010/main">
+                    <a14:imgLayer r:embed="rId6">
+                      <a14:imgEffect>
+                        <a14:backgroundRemoval t="10000" b="90000" l="10000" r="90000">
+                          <a14:foregroundMark x1="41667" y1="13611" x2="41667" y2="13611"/>
+                          <a14:foregroundMark x1="45556" y1="12222" x2="49167" y2="12222"/>
+                          <a14:foregroundMark x1="51944" y1="12222" x2="51944" y2="12222"/>
+                          <a14:foregroundMark x1="55000" y1="12500" x2="56944" y2="12778"/>
+                          <a14:foregroundMark x1="59722" y1="12778" x2="62222" y2="13056"/>
+                          <a14:foregroundMark x1="62500" y1="13056" x2="63889" y2="14167"/>
+                          <a14:foregroundMark x1="64444" y1="14444" x2="65278" y2="15278"/>
+                          <a14:foregroundMark x1="68611" y1="17222" x2="70833" y2="18611"/>
+                          <a14:foregroundMark x1="72778" y1="19444" x2="74167" y2="20556"/>
+                          <a14:foregroundMark x1="74444" y1="20833" x2="74444" y2="20833"/>
+                          <a14:foregroundMark x1="75833" y1="21667" x2="76944" y2="22778"/>
+                          <a14:foregroundMark x1="80556" y1="26389" x2="81111" y2="27222"/>
+                          <a14:foregroundMark x1="81389" y1="27222" x2="81944" y2="28889"/>
+                          <a14:foregroundMark x1="82778" y1="30278" x2="83611" y2="32778"/>
+                          <a14:foregroundMark x1="85000" y1="35278" x2="85556" y2="37222"/>
+                          <a14:foregroundMark x1="86389" y1="38611" x2="86667" y2="40000"/>
+                          <a14:foregroundMark x1="87500" y1="41667" x2="87778" y2="45278"/>
+                          <a14:foregroundMark x1="87778" y1="46389" x2="88056" y2="51111"/>
+                          <a14:foregroundMark x1="88056" y1="53611" x2="87778" y2="56667"/>
+                          <a14:foregroundMark x1="87222" y1="59167" x2="87222" y2="59167"/>
+                          <a14:foregroundMark x1="86389" y1="62778" x2="86111" y2="64722"/>
+                          <a14:foregroundMark x1="85833" y1="66667" x2="84722" y2="69444"/>
+                          <a14:foregroundMark x1="83611" y1="70278" x2="81389" y2="73611"/>
+                          <a14:foregroundMark x1="77222" y1="77222" x2="77222" y2="77222"/>
+                          <a14:foregroundMark x1="75278" y1="78056" x2="73611" y2="80278"/>
+                          <a14:foregroundMark x1="71944" y1="82222" x2="70278" y2="83056"/>
+                          <a14:foregroundMark x1="69167" y1="83056" x2="66111" y2="83611"/>
+                          <a14:foregroundMark x1="63333" y1="83611" x2="61389" y2="84444"/>
+                          <a14:foregroundMark x1="60556" y1="84444" x2="58889" y2="85278"/>
+                          <a14:foregroundMark x1="52500" y1="88611" x2="52500" y2="88611"/>
+                          <a14:foregroundMark x1="51389" y1="88889" x2="51389" y2="88889"/>
+                        </a14:backgroundRemoval>
+                      </a14:imgEffect>
+                      <a14:imgEffect>
+                        <a14:saturation sat="66000"/>
+                      </a14:imgEffect>
+                    </a14:imgLayer>
+                  </a14:imgProps>
+                </a:ext>
+                <a:ext uri="{28A0092B-C50C-407E-A947-70E740481C1C}">
+                  <a14:useLocalDpi xmlns:a14="http://schemas.microsoft.com/office/drawing/2010/main" val="0"/>
+                </a:ext>
+              </a:extLst>
+            </a:blip>
+            <a:srcRect/>
+            <a:stretch>
+              <a:fillRect/>
+            </a:stretch>
+          </p:blipFill>
+          <p:spPr bwMode="auto">
+            <a:xfrm>
+              <a:off x="4893426" y="1286579"/>
+              <a:ext cx="612000" cy="612000"/>
+            </a:xfrm>
+            <a:prstGeom prst="rect">
+              <a:avLst/>
+            </a:prstGeom>
+            <a:noFill/>
+            <a:extLst>
+              <a:ext uri="{909E8E84-426E-40DD-AFC4-6F175D3DCCD1}">
+                <a14:hiddenFill xmlns:a14="http://schemas.microsoft.com/office/drawing/2010/main">
+                  <a:solidFill>
+                    <a:srgbClr val="FFFFFF"/>
+                  </a:solidFill>
+                </a14:hiddenFill>
+              </a:ext>
+            </a:extLst>
+          </p:spPr>
+        </p:pic>
+      </p:grpSp>
+    </p:spTree>
+    <p:extLst>
+      <p:ext uri="{BB962C8B-B14F-4D97-AF65-F5344CB8AC3E}">
+        <p14:creationId xmlns:p14="http://schemas.microsoft.com/office/powerpoint/2010/main" val="745811597"/>
+      </p:ext>
+    </p:extLst>
+  </p:cSld>
+  <p:clrMapOvr>
+    <a:masterClrMapping/>
+  </p:clrMapOvr>
+</p:sld>
+</file>
+
+<file path=ppt/slides/slide6.xml><?xml version="1.0" encoding="utf-8"?>
+<p:sld xmlns:a="http://schemas.openxmlformats.org/drawingml/2006/main" xmlns:r="http://schemas.openxmlformats.org/officeDocument/2006/relationships" xmlns:p="http://schemas.openxmlformats.org/presentationml/2006/main">
+  <p:cSld>
+    <p:spTree>
+      <p:nvGrpSpPr>
+        <p:cNvPr id="1" name=""/>
+        <p:cNvGrpSpPr/>
+        <p:nvPr/>
+      </p:nvGrpSpPr>
+      <p:grpSpPr>
+        <a:xfrm>
+          <a:off x="0" y="0"/>
+          <a:ext cx="0" cy="0"/>
+          <a:chOff x="0" y="0"/>
+          <a:chExt cx="0" cy="0"/>
+        </a:xfrm>
+      </p:grpSpPr>
+      <p:pic>
+        <p:nvPicPr>
+          <p:cNvPr id="48" name="Picture 47" descr="A black background with a black square&#10;&#10;Description automatically generated with medium confidence">
+            <a:extLst>
+              <a:ext uri="{FF2B5EF4-FFF2-40B4-BE49-F238E27FC236}">
+                <a16:creationId xmlns:a16="http://schemas.microsoft.com/office/drawing/2014/main" id="{6ECDC650-B64B-E876-3309-AAA4E60466A6}"/>
+              </a:ext>
+            </a:extLst>
+          </p:cNvPr>
+          <p:cNvPicPr>
+            <a:picLocks noChangeAspect="1"/>
+          </p:cNvPicPr>
+          <p:nvPr/>
+        </p:nvPicPr>
+        <p:blipFill>
+          <a:blip r:embed="rId2">
+            <a:extLst>
+              <a:ext uri="{28A0092B-C50C-407E-A947-70E740481C1C}">
+                <a14:useLocalDpi xmlns:a14="http://schemas.microsoft.com/office/drawing/2010/main" val="0"/>
+              </a:ext>
+            </a:extLst>
+          </a:blip>
+          <a:stretch>
+            <a:fillRect/>
+          </a:stretch>
+        </p:blipFill>
+        <p:spPr>
+          <a:xfrm>
+            <a:off x="-3365555" y="275848"/>
+            <a:ext cx="6941410" cy="6941410"/>
+          </a:xfrm>
+          <a:prstGeom prst="rect">
+            <a:avLst/>
+          </a:prstGeom>
+        </p:spPr>
+      </p:pic>
+      <p:pic>
+        <p:nvPicPr>
+          <p:cNvPr id="40" name="Picture 39" descr="A black background with a black square&#10;&#10;Description automatically generated with medium confidence">
+            <a:extLst>
+              <a:ext uri="{FF2B5EF4-FFF2-40B4-BE49-F238E27FC236}">
+                <a16:creationId xmlns:a16="http://schemas.microsoft.com/office/drawing/2014/main" id="{E00BC2D6-0FB5-45E4-E941-17F4C0C7E6E6}"/>
+              </a:ext>
+            </a:extLst>
+          </p:cNvPr>
+          <p:cNvPicPr>
+            <a:picLocks noChangeAspect="1"/>
+          </p:cNvPicPr>
+          <p:nvPr/>
+        </p:nvPicPr>
+        <p:blipFill>
+          <a:blip r:embed="rId3">
+            <a:extLst>
+              <a:ext uri="{28A0092B-C50C-407E-A947-70E740481C1C}">
+                <a14:useLocalDpi xmlns:a14="http://schemas.microsoft.com/office/drawing/2010/main" val="0"/>
+              </a:ext>
+            </a:extLst>
+          </a:blip>
+          <a:srcRect l="49618" t="-1" r="24791" b="74431"/>
           <a:stretch/>
         </p:blipFill>
         <p:spPr>
           <a:xfrm>
-            <a:off x="1765079" y="1881554"/>
-            <a:ext cx="1269841" cy="1270800"/>
+            <a:off x="449522" y="-360182"/>
+            <a:ext cx="1273175" cy="1272059"/>
+          </a:xfrm>
+          <a:prstGeom prst="rect">
+            <a:avLst/>
+          </a:prstGeom>
+        </p:spPr>
+      </p:pic>
+      <p:cxnSp>
+        <p:nvCxnSpPr>
+          <p:cNvPr id="16" name="Straight Connector 15">
+            <a:extLst>
+              <a:ext uri="{FF2B5EF4-FFF2-40B4-BE49-F238E27FC236}">
+                <a16:creationId xmlns:a16="http://schemas.microsoft.com/office/drawing/2014/main" id="{E38A33FD-BE4F-7231-8752-36C4F6AD9098}"/>
+              </a:ext>
+            </a:extLst>
+          </p:cNvPr>
+          <p:cNvCxnSpPr>
+            <a:cxnSpLocks/>
+            <a:stCxn id="48" idx="2"/>
+            <a:endCxn id="48" idx="0"/>
+          </p:cNvCxnSpPr>
+          <p:nvPr/>
+        </p:nvCxnSpPr>
+        <p:spPr>
+          <a:xfrm flipV="1">
+            <a:off x="105150" y="275848"/>
+            <a:ext cx="0" cy="6941410"/>
+          </a:xfrm>
+          <a:prstGeom prst="line">
+            <a:avLst/>
+          </a:prstGeom>
+        </p:spPr>
+        <p:style>
+          <a:lnRef idx="1">
+            <a:schemeClr val="accent1"/>
+          </a:lnRef>
+          <a:fillRef idx="0">
+            <a:schemeClr val="accent1"/>
+          </a:fillRef>
+          <a:effectRef idx="0">
+            <a:schemeClr val="accent1"/>
+          </a:effectRef>
+          <a:fontRef idx="minor">
+            <a:schemeClr val="tx1"/>
+          </a:fontRef>
+        </p:style>
+      </p:cxnSp>
+      <p:grpSp>
+        <p:nvGrpSpPr>
+          <p:cNvPr id="201" name="Group 200">
+            <a:extLst>
+              <a:ext uri="{FF2B5EF4-FFF2-40B4-BE49-F238E27FC236}">
+                <a16:creationId xmlns:a16="http://schemas.microsoft.com/office/drawing/2014/main" id="{94956C26-D0A1-B537-D798-0B42BF938A1D}"/>
+              </a:ext>
+            </a:extLst>
+          </p:cNvPr>
+          <p:cNvGrpSpPr/>
+          <p:nvPr/>
+        </p:nvGrpSpPr>
+        <p:grpSpPr>
+          <a:xfrm>
+            <a:off x="-318458" y="5697876"/>
+            <a:ext cx="1576698" cy="1578650"/>
+            <a:chOff x="7278943" y="2327464"/>
+            <a:chExt cx="1576698" cy="1578650"/>
+          </a:xfrm>
+        </p:grpSpPr>
+        <p:sp>
+          <p:nvSpPr>
+            <p:cNvPr id="153" name="Rectangle 152">
+              <a:extLst>
+                <a:ext uri="{FF2B5EF4-FFF2-40B4-BE49-F238E27FC236}">
+                  <a16:creationId xmlns:a16="http://schemas.microsoft.com/office/drawing/2014/main" id="{0484503B-3C14-0CA6-B200-80E62A3D0841}"/>
+                </a:ext>
+              </a:extLst>
+            </p:cNvPr>
+            <p:cNvSpPr/>
+            <p:nvPr/>
+          </p:nvSpPr>
+          <p:spPr>
+            <a:xfrm>
+              <a:off x="7278944" y="2329416"/>
+              <a:ext cx="525566" cy="525566"/>
+            </a:xfrm>
+            <a:prstGeom prst="rect">
+              <a:avLst/>
+            </a:prstGeom>
+            <a:solidFill>
+              <a:schemeClr val="tx1"/>
+            </a:solidFill>
+            <a:ln>
+              <a:noFill/>
+            </a:ln>
+          </p:spPr>
+          <p:style>
+            <a:lnRef idx="2">
+              <a:schemeClr val="accent1">
+                <a:shade val="15000"/>
+              </a:schemeClr>
+            </a:lnRef>
+            <a:fillRef idx="1">
+              <a:schemeClr val="accent1"/>
+            </a:fillRef>
+            <a:effectRef idx="0">
+              <a:schemeClr val="accent1"/>
+            </a:effectRef>
+            <a:fontRef idx="minor">
+              <a:schemeClr val="lt1"/>
+            </a:fontRef>
+          </p:style>
+          <p:txBody>
+            <a:bodyPr rtlCol="0" anchor="ctr"/>
+            <a:lstStyle/>
+            <a:p>
+              <a:pPr algn="ctr"/>
+              <a:endParaRPr lang="en-GB"/>
+            </a:p>
+          </p:txBody>
+        </p:sp>
+        <p:sp>
+          <p:nvSpPr>
+            <p:cNvPr id="174" name="Rectangle 173">
+              <a:extLst>
+                <a:ext uri="{FF2B5EF4-FFF2-40B4-BE49-F238E27FC236}">
+                  <a16:creationId xmlns:a16="http://schemas.microsoft.com/office/drawing/2014/main" id="{5469454F-4E2A-94FB-C590-AAC48BA45E66}"/>
+                </a:ext>
+              </a:extLst>
+            </p:cNvPr>
+            <p:cNvSpPr/>
+            <p:nvPr/>
+          </p:nvSpPr>
+          <p:spPr>
+            <a:xfrm>
+              <a:off x="7804509" y="2854982"/>
+              <a:ext cx="525566" cy="525566"/>
+            </a:xfrm>
+            <a:prstGeom prst="rect">
+              <a:avLst/>
+            </a:prstGeom>
+            <a:solidFill>
+              <a:srgbClr val="A5732D"/>
+            </a:solidFill>
+            <a:ln>
+              <a:noFill/>
+            </a:ln>
+          </p:spPr>
+          <p:style>
+            <a:lnRef idx="2">
+              <a:schemeClr val="accent1">
+                <a:shade val="15000"/>
+              </a:schemeClr>
+            </a:lnRef>
+            <a:fillRef idx="1">
+              <a:schemeClr val="accent1"/>
+            </a:fillRef>
+            <a:effectRef idx="0">
+              <a:schemeClr val="accent1"/>
+            </a:effectRef>
+            <a:fontRef idx="minor">
+              <a:schemeClr val="lt1"/>
+            </a:fontRef>
+          </p:style>
+          <p:txBody>
+            <a:bodyPr rtlCol="0" anchor="ctr"/>
+            <a:lstStyle/>
+            <a:p>
+              <a:pPr algn="ctr"/>
+              <a:endParaRPr lang="en-GB"/>
+            </a:p>
+          </p:txBody>
+        </p:sp>
+        <p:sp>
+          <p:nvSpPr>
+            <p:cNvPr id="180" name="Rectangle 179">
+              <a:extLst>
+                <a:ext uri="{FF2B5EF4-FFF2-40B4-BE49-F238E27FC236}">
+                  <a16:creationId xmlns:a16="http://schemas.microsoft.com/office/drawing/2014/main" id="{AB51D52C-FC93-EFEC-BF75-199E3DBD9F1E}"/>
+                </a:ext>
+              </a:extLst>
+            </p:cNvPr>
+            <p:cNvSpPr/>
+            <p:nvPr/>
+          </p:nvSpPr>
+          <p:spPr>
+            <a:xfrm>
+              <a:off x="7278943" y="3380548"/>
+              <a:ext cx="525566" cy="525566"/>
+            </a:xfrm>
+            <a:prstGeom prst="rect">
+              <a:avLst/>
+            </a:prstGeom>
+            <a:solidFill>
+              <a:schemeClr val="tx1"/>
+            </a:solidFill>
+            <a:ln>
+              <a:noFill/>
+            </a:ln>
+          </p:spPr>
+          <p:style>
+            <a:lnRef idx="2">
+              <a:schemeClr val="accent1">
+                <a:shade val="15000"/>
+              </a:schemeClr>
+            </a:lnRef>
+            <a:fillRef idx="1">
+              <a:schemeClr val="accent1"/>
+            </a:fillRef>
+            <a:effectRef idx="0">
+              <a:schemeClr val="accent1"/>
+            </a:effectRef>
+            <a:fontRef idx="minor">
+              <a:schemeClr val="lt1"/>
+            </a:fontRef>
+          </p:style>
+          <p:txBody>
+            <a:bodyPr rtlCol="0" anchor="ctr"/>
+            <a:lstStyle/>
+            <a:p>
+              <a:pPr algn="ctr"/>
+              <a:endParaRPr lang="en-GB"/>
+            </a:p>
+          </p:txBody>
+        </p:sp>
+        <p:sp>
+          <p:nvSpPr>
+            <p:cNvPr id="181" name="Rectangle 180">
+              <a:extLst>
+                <a:ext uri="{FF2B5EF4-FFF2-40B4-BE49-F238E27FC236}">
+                  <a16:creationId xmlns:a16="http://schemas.microsoft.com/office/drawing/2014/main" id="{FD45CF7F-F2AF-7BA6-E88D-06A0050A7369}"/>
+                </a:ext>
+              </a:extLst>
+            </p:cNvPr>
+            <p:cNvSpPr/>
+            <p:nvPr/>
+          </p:nvSpPr>
+          <p:spPr>
+            <a:xfrm>
+              <a:off x="8330075" y="3380548"/>
+              <a:ext cx="525566" cy="525566"/>
+            </a:xfrm>
+            <a:prstGeom prst="rect">
+              <a:avLst/>
+            </a:prstGeom>
+            <a:solidFill>
+              <a:schemeClr val="tx1"/>
+            </a:solidFill>
+            <a:ln>
+              <a:noFill/>
+            </a:ln>
+          </p:spPr>
+          <p:style>
+            <a:lnRef idx="2">
+              <a:schemeClr val="accent1">
+                <a:shade val="15000"/>
+              </a:schemeClr>
+            </a:lnRef>
+            <a:fillRef idx="1">
+              <a:schemeClr val="accent1"/>
+            </a:fillRef>
+            <a:effectRef idx="0">
+              <a:schemeClr val="accent1"/>
+            </a:effectRef>
+            <a:fontRef idx="minor">
+              <a:schemeClr val="lt1"/>
+            </a:fontRef>
+          </p:style>
+          <p:txBody>
+            <a:bodyPr rtlCol="0" anchor="ctr"/>
+            <a:lstStyle/>
+            <a:p>
+              <a:pPr algn="ctr"/>
+              <a:endParaRPr lang="en-GB"/>
+            </a:p>
+          </p:txBody>
+        </p:sp>
+        <p:sp>
+          <p:nvSpPr>
+            <p:cNvPr id="194" name="Rectangle 193">
+              <a:extLst>
+                <a:ext uri="{FF2B5EF4-FFF2-40B4-BE49-F238E27FC236}">
+                  <a16:creationId xmlns:a16="http://schemas.microsoft.com/office/drawing/2014/main" id="{938C790E-4E75-0516-7A89-FB8626479CE8}"/>
+                </a:ext>
+              </a:extLst>
+            </p:cNvPr>
+            <p:cNvSpPr/>
+            <p:nvPr/>
+          </p:nvSpPr>
+          <p:spPr>
+            <a:xfrm>
+              <a:off x="8330075" y="2327464"/>
+              <a:ext cx="525566" cy="525566"/>
+            </a:xfrm>
+            <a:prstGeom prst="rect">
+              <a:avLst/>
+            </a:prstGeom>
+            <a:solidFill>
+              <a:schemeClr val="tx1"/>
+            </a:solidFill>
+            <a:ln>
+              <a:noFill/>
+            </a:ln>
+          </p:spPr>
+          <p:style>
+            <a:lnRef idx="2">
+              <a:schemeClr val="accent1">
+                <a:shade val="15000"/>
+              </a:schemeClr>
+            </a:lnRef>
+            <a:fillRef idx="1">
+              <a:schemeClr val="accent1"/>
+            </a:fillRef>
+            <a:effectRef idx="0">
+              <a:schemeClr val="accent1"/>
+            </a:effectRef>
+            <a:fontRef idx="minor">
+              <a:schemeClr val="lt1"/>
+            </a:fontRef>
+          </p:style>
+          <p:txBody>
+            <a:bodyPr rtlCol="0" anchor="ctr"/>
+            <a:lstStyle/>
+            <a:p>
+              <a:pPr algn="ctr"/>
+              <a:endParaRPr lang="en-GB"/>
+            </a:p>
+          </p:txBody>
+        </p:sp>
+        <p:sp>
+          <p:nvSpPr>
+            <p:cNvPr id="200" name="Rectangle 199">
+              <a:extLst>
+                <a:ext uri="{FF2B5EF4-FFF2-40B4-BE49-F238E27FC236}">
+                  <a16:creationId xmlns:a16="http://schemas.microsoft.com/office/drawing/2014/main" id="{C2B4D73B-771C-8563-3AE8-FDDC066F000B}"/>
+                </a:ext>
+              </a:extLst>
+            </p:cNvPr>
+            <p:cNvSpPr/>
+            <p:nvPr/>
+          </p:nvSpPr>
+          <p:spPr>
+            <a:xfrm>
+              <a:off x="7804509" y="3380548"/>
+              <a:ext cx="525566" cy="525566"/>
+            </a:xfrm>
+            <a:prstGeom prst="rect">
+              <a:avLst/>
+            </a:prstGeom>
+            <a:solidFill>
+              <a:srgbClr val="C8A04B"/>
+            </a:solidFill>
+            <a:ln>
+              <a:noFill/>
+            </a:ln>
+          </p:spPr>
+          <p:style>
+            <a:lnRef idx="2">
+              <a:schemeClr val="accent1">
+                <a:shade val="15000"/>
+              </a:schemeClr>
+            </a:lnRef>
+            <a:fillRef idx="1">
+              <a:schemeClr val="accent1"/>
+            </a:fillRef>
+            <a:effectRef idx="0">
+              <a:schemeClr val="accent1"/>
+            </a:effectRef>
+            <a:fontRef idx="minor">
+              <a:schemeClr val="lt1"/>
+            </a:fontRef>
+          </p:style>
+          <p:txBody>
+            <a:bodyPr rtlCol="0" anchor="ctr"/>
+            <a:lstStyle/>
+            <a:p>
+              <a:pPr algn="ctr"/>
+              <a:endParaRPr lang="en-GB"/>
+            </a:p>
+          </p:txBody>
+        </p:sp>
+      </p:grpSp>
+      <p:grpSp>
+        <p:nvGrpSpPr>
+          <p:cNvPr id="220" name="Group 219">
+            <a:extLst>
+              <a:ext uri="{FF2B5EF4-FFF2-40B4-BE49-F238E27FC236}">
+                <a16:creationId xmlns:a16="http://schemas.microsoft.com/office/drawing/2014/main" id="{326C7D72-6577-184E-6BA5-B84792C78D14}"/>
+              </a:ext>
+            </a:extLst>
+          </p:cNvPr>
+          <p:cNvGrpSpPr/>
+          <p:nvPr/>
+        </p:nvGrpSpPr>
+        <p:grpSpPr>
+          <a:xfrm>
+            <a:off x="5647225" y="4849705"/>
+            <a:ext cx="1576699" cy="1569858"/>
+            <a:chOff x="4538566" y="2212198"/>
+            <a:chExt cx="1576699" cy="1569858"/>
+          </a:xfrm>
+        </p:grpSpPr>
+        <p:grpSp>
+          <p:nvGrpSpPr>
+            <p:cNvPr id="218" name="Group 217">
+              <a:extLst>
+                <a:ext uri="{FF2B5EF4-FFF2-40B4-BE49-F238E27FC236}">
+                  <a16:creationId xmlns:a16="http://schemas.microsoft.com/office/drawing/2014/main" id="{A2A4D9DF-9304-1A22-28CC-783BDB4977D4}"/>
+                </a:ext>
+              </a:extLst>
+            </p:cNvPr>
+            <p:cNvGrpSpPr/>
+            <p:nvPr/>
+          </p:nvGrpSpPr>
+          <p:grpSpPr>
+            <a:xfrm>
+              <a:off x="4538566" y="2212198"/>
+              <a:ext cx="1576699" cy="1569858"/>
+              <a:chOff x="4492457" y="2062729"/>
+              <a:chExt cx="1576699" cy="1569858"/>
+            </a:xfrm>
+          </p:grpSpPr>
+          <p:sp>
+            <p:nvSpPr>
+              <p:cNvPr id="203" name="Rectangle 202">
+                <a:extLst>
+                  <a:ext uri="{FF2B5EF4-FFF2-40B4-BE49-F238E27FC236}">
+                    <a16:creationId xmlns:a16="http://schemas.microsoft.com/office/drawing/2014/main" id="{F2267F46-9E23-2C65-F046-E4738CDDAF18}"/>
+                  </a:ext>
+                </a:extLst>
+              </p:cNvPr>
+              <p:cNvSpPr/>
+              <p:nvPr/>
+            </p:nvSpPr>
+            <p:spPr>
+              <a:xfrm>
+                <a:off x="5543590" y="2581455"/>
+                <a:ext cx="525566" cy="525566"/>
+              </a:xfrm>
+              <a:prstGeom prst="rect">
+                <a:avLst/>
+              </a:prstGeom>
+              <a:solidFill>
+                <a:schemeClr val="tx1"/>
+              </a:solidFill>
+              <a:ln>
+                <a:noFill/>
+              </a:ln>
+            </p:spPr>
+            <p:style>
+              <a:lnRef idx="2">
+                <a:schemeClr val="accent1">
+                  <a:shade val="15000"/>
+                </a:schemeClr>
+              </a:lnRef>
+              <a:fillRef idx="1">
+                <a:schemeClr val="accent1"/>
+              </a:fillRef>
+              <a:effectRef idx="0">
+                <a:schemeClr val="accent1"/>
+              </a:effectRef>
+              <a:fontRef idx="minor">
+                <a:schemeClr val="lt1"/>
+              </a:fontRef>
+            </p:style>
+            <p:txBody>
+              <a:bodyPr rtlCol="0" anchor="ctr"/>
+              <a:lstStyle/>
+              <a:p>
+                <a:pPr algn="ctr"/>
+                <a:endParaRPr lang="en-GB"/>
+              </a:p>
+            </p:txBody>
+          </p:sp>
+          <p:sp>
+            <p:nvSpPr>
+              <p:cNvPr id="204" name="Rectangle 203">
+                <a:extLst>
+                  <a:ext uri="{FF2B5EF4-FFF2-40B4-BE49-F238E27FC236}">
+                    <a16:creationId xmlns:a16="http://schemas.microsoft.com/office/drawing/2014/main" id="{D494A915-DCE5-74ED-6E89-3AF2E08C487B}"/>
+                  </a:ext>
+                </a:extLst>
+              </p:cNvPr>
+              <p:cNvSpPr/>
+              <p:nvPr/>
+            </p:nvSpPr>
+            <p:spPr>
+              <a:xfrm>
+                <a:off x="4492457" y="2581455"/>
+                <a:ext cx="525566" cy="525566"/>
+              </a:xfrm>
+              <a:prstGeom prst="rect">
+                <a:avLst/>
+              </a:prstGeom>
+              <a:solidFill>
+                <a:schemeClr val="tx1"/>
+              </a:solidFill>
+              <a:ln>
+                <a:noFill/>
+              </a:ln>
+            </p:spPr>
+            <p:style>
+              <a:lnRef idx="2">
+                <a:schemeClr val="accent1">
+                  <a:shade val="15000"/>
+                </a:schemeClr>
+              </a:lnRef>
+              <a:fillRef idx="1">
+                <a:schemeClr val="accent1"/>
+              </a:fillRef>
+              <a:effectRef idx="0">
+                <a:schemeClr val="accent1"/>
+              </a:effectRef>
+              <a:fontRef idx="minor">
+                <a:schemeClr val="lt1"/>
+              </a:fontRef>
+            </p:style>
+            <p:txBody>
+              <a:bodyPr rtlCol="0" anchor="ctr"/>
+              <a:lstStyle/>
+              <a:p>
+                <a:pPr algn="ctr"/>
+                <a:endParaRPr lang="en-GB"/>
+              </a:p>
+            </p:txBody>
+          </p:sp>
+          <p:sp>
+            <p:nvSpPr>
+              <p:cNvPr id="206" name="Rectangle 205">
+                <a:extLst>
+                  <a:ext uri="{FF2B5EF4-FFF2-40B4-BE49-F238E27FC236}">
+                    <a16:creationId xmlns:a16="http://schemas.microsoft.com/office/drawing/2014/main" id="{45C0BECD-D1B1-3955-C997-CD0B29BA5ABF}"/>
+                  </a:ext>
+                </a:extLst>
+              </p:cNvPr>
+              <p:cNvSpPr/>
+              <p:nvPr/>
+            </p:nvSpPr>
+            <p:spPr>
+              <a:xfrm>
+                <a:off x="5018023" y="3107021"/>
+                <a:ext cx="525566" cy="525566"/>
+              </a:xfrm>
+              <a:prstGeom prst="rect">
+                <a:avLst/>
+              </a:prstGeom>
+              <a:solidFill>
+                <a:srgbClr val="A5732D"/>
+              </a:solidFill>
+              <a:ln>
+                <a:noFill/>
+              </a:ln>
+            </p:spPr>
+            <p:style>
+              <a:lnRef idx="2">
+                <a:schemeClr val="accent1">
+                  <a:shade val="15000"/>
+                </a:schemeClr>
+              </a:lnRef>
+              <a:fillRef idx="1">
+                <a:schemeClr val="accent1"/>
+              </a:fillRef>
+              <a:effectRef idx="0">
+                <a:schemeClr val="accent1"/>
+              </a:effectRef>
+              <a:fontRef idx="minor">
+                <a:schemeClr val="lt1"/>
+              </a:fontRef>
+            </p:style>
+            <p:txBody>
+              <a:bodyPr rtlCol="0" anchor="ctr"/>
+              <a:lstStyle/>
+              <a:p>
+                <a:pPr algn="ctr"/>
+                <a:endParaRPr lang="en-GB"/>
+              </a:p>
+            </p:txBody>
+          </p:sp>
+          <p:sp>
+            <p:nvSpPr>
+              <p:cNvPr id="207" name="Rectangle 206">
+                <a:extLst>
+                  <a:ext uri="{FF2B5EF4-FFF2-40B4-BE49-F238E27FC236}">
+                    <a16:creationId xmlns:a16="http://schemas.microsoft.com/office/drawing/2014/main" id="{CB07F286-27E4-85AF-EC81-E4E126418EEE}"/>
+                  </a:ext>
+                </a:extLst>
+              </p:cNvPr>
+              <p:cNvSpPr/>
+              <p:nvPr/>
+            </p:nvSpPr>
+            <p:spPr>
+              <a:xfrm>
+                <a:off x="5018023" y="2062729"/>
+                <a:ext cx="525566" cy="525566"/>
+              </a:xfrm>
+              <a:prstGeom prst="rect">
+                <a:avLst/>
+              </a:prstGeom>
+              <a:solidFill>
+                <a:schemeClr val="tx1"/>
+              </a:solidFill>
+              <a:ln>
+                <a:noFill/>
+              </a:ln>
+            </p:spPr>
+            <p:style>
+              <a:lnRef idx="2">
+                <a:schemeClr val="accent1">
+                  <a:shade val="15000"/>
+                </a:schemeClr>
+              </a:lnRef>
+              <a:fillRef idx="1">
+                <a:schemeClr val="accent1"/>
+              </a:fillRef>
+              <a:effectRef idx="0">
+                <a:schemeClr val="accent1"/>
+              </a:effectRef>
+              <a:fontRef idx="minor">
+                <a:schemeClr val="lt1"/>
+              </a:fontRef>
+            </p:style>
+            <p:txBody>
+              <a:bodyPr rtlCol="0" anchor="ctr"/>
+              <a:lstStyle/>
+              <a:p>
+                <a:pPr algn="ctr"/>
+                <a:endParaRPr lang="en-GB"/>
+              </a:p>
+            </p:txBody>
+          </p:sp>
+        </p:grpSp>
+        <p:sp>
+          <p:nvSpPr>
+            <p:cNvPr id="219" name="Rectangle 218">
+              <a:extLst>
+                <a:ext uri="{FF2B5EF4-FFF2-40B4-BE49-F238E27FC236}">
+                  <a16:creationId xmlns:a16="http://schemas.microsoft.com/office/drawing/2014/main" id="{87024F67-1A61-8EC6-A8FA-8802C299F94E}"/>
+                </a:ext>
+              </a:extLst>
+            </p:cNvPr>
+            <p:cNvSpPr/>
+            <p:nvPr/>
+          </p:nvSpPr>
+          <p:spPr>
+            <a:xfrm>
+              <a:off x="5064132" y="2730924"/>
+              <a:ext cx="525566" cy="525566"/>
+            </a:xfrm>
+            <a:prstGeom prst="rect">
+              <a:avLst/>
+            </a:prstGeom>
+            <a:solidFill>
+              <a:srgbClr val="C8A04B"/>
+            </a:solidFill>
+            <a:ln>
+              <a:noFill/>
+            </a:ln>
+          </p:spPr>
+          <p:style>
+            <a:lnRef idx="2">
+              <a:schemeClr val="accent1">
+                <a:shade val="15000"/>
+              </a:schemeClr>
+            </a:lnRef>
+            <a:fillRef idx="1">
+              <a:schemeClr val="accent1"/>
+            </a:fillRef>
+            <a:effectRef idx="0">
+              <a:schemeClr val="accent1"/>
+            </a:effectRef>
+            <a:fontRef idx="minor">
+              <a:schemeClr val="lt1"/>
+            </a:fontRef>
+          </p:style>
+          <p:txBody>
+            <a:bodyPr rtlCol="0" anchor="ctr"/>
+            <a:lstStyle/>
+            <a:p>
+              <a:pPr algn="ctr"/>
+              <a:endParaRPr lang="en-GB" dirty="0"/>
+            </a:p>
+          </p:txBody>
+        </p:sp>
+      </p:grpSp>
+      <p:cxnSp>
+        <p:nvCxnSpPr>
+          <p:cNvPr id="230" name="Straight Connector 229">
+            <a:extLst>
+              <a:ext uri="{FF2B5EF4-FFF2-40B4-BE49-F238E27FC236}">
+                <a16:creationId xmlns:a16="http://schemas.microsoft.com/office/drawing/2014/main" id="{DE345E3E-7528-73B7-B833-0098CC86E63C}"/>
+              </a:ext>
+            </a:extLst>
+          </p:cNvPr>
+          <p:cNvCxnSpPr>
+            <a:cxnSpLocks/>
+          </p:cNvCxnSpPr>
+          <p:nvPr/>
+        </p:nvCxnSpPr>
+        <p:spPr>
+          <a:xfrm flipH="1">
+            <a:off x="2754758" y="1247965"/>
+            <a:ext cx="1251755" cy="0"/>
+          </a:xfrm>
+          <a:prstGeom prst="line">
+            <a:avLst/>
+          </a:prstGeom>
+        </p:spPr>
+        <p:style>
+          <a:lnRef idx="1">
+            <a:schemeClr val="accent1"/>
+          </a:lnRef>
+          <a:fillRef idx="0">
+            <a:schemeClr val="accent1"/>
+          </a:fillRef>
+          <a:effectRef idx="0">
+            <a:schemeClr val="accent1"/>
+          </a:effectRef>
+          <a:fontRef idx="minor">
+            <a:schemeClr val="tx1"/>
+          </a:fontRef>
+        </p:style>
+      </p:cxnSp>
+      <p:grpSp>
+        <p:nvGrpSpPr>
+          <p:cNvPr id="268" name="Group 267">
+            <a:extLst>
+              <a:ext uri="{FF2B5EF4-FFF2-40B4-BE49-F238E27FC236}">
+                <a16:creationId xmlns:a16="http://schemas.microsoft.com/office/drawing/2014/main" id="{83282DB0-343C-D299-A2E9-C48A2FC2E7B6}"/>
+              </a:ext>
+            </a:extLst>
+          </p:cNvPr>
+          <p:cNvGrpSpPr/>
+          <p:nvPr/>
+        </p:nvGrpSpPr>
+        <p:grpSpPr>
+          <a:xfrm>
+            <a:off x="5427498" y="796311"/>
+            <a:ext cx="2713339" cy="2711797"/>
+            <a:chOff x="5427498" y="796311"/>
+            <a:chExt cx="2713339" cy="2711797"/>
+          </a:xfrm>
+        </p:grpSpPr>
+        <p:sp>
+          <p:nvSpPr>
+            <p:cNvPr id="163" name="Rectangle 162">
+              <a:extLst>
+                <a:ext uri="{FF2B5EF4-FFF2-40B4-BE49-F238E27FC236}">
+                  <a16:creationId xmlns:a16="http://schemas.microsoft.com/office/drawing/2014/main" id="{411F5DD3-C35A-71DD-55DE-7FD93E66D217}"/>
+                </a:ext>
+              </a:extLst>
+            </p:cNvPr>
+            <p:cNvSpPr>
+              <a:spLocks noChangeAspect="1"/>
+            </p:cNvSpPr>
+            <p:nvPr/>
+          </p:nvSpPr>
+          <p:spPr>
+            <a:xfrm>
+              <a:off x="5427498" y="796311"/>
+              <a:ext cx="2713339" cy="2711797"/>
+            </a:xfrm>
+            <a:prstGeom prst="rect">
+              <a:avLst/>
+            </a:prstGeom>
+            <a:solidFill>
+              <a:srgbClr val="00B050">
+                <a:alpha val="0"/>
+              </a:srgbClr>
+            </a:solidFill>
+            <a:ln>
+              <a:noFill/>
+            </a:ln>
+          </p:spPr>
+          <p:style>
+            <a:lnRef idx="2">
+              <a:schemeClr val="accent1">
+                <a:shade val="15000"/>
+              </a:schemeClr>
+            </a:lnRef>
+            <a:fillRef idx="1">
+              <a:schemeClr val="accent1"/>
+            </a:fillRef>
+            <a:effectRef idx="0">
+              <a:schemeClr val="accent1"/>
+            </a:effectRef>
+            <a:fontRef idx="minor">
+              <a:schemeClr val="lt1"/>
+            </a:fontRef>
+          </p:style>
+          <p:txBody>
+            <a:bodyPr rtlCol="0" anchor="ctr"/>
+            <a:lstStyle/>
+            <a:p>
+              <a:pPr algn="ctr"/>
+              <a:endParaRPr lang="en-GB"/>
+            </a:p>
+          </p:txBody>
+        </p:sp>
+        <p:grpSp>
+          <p:nvGrpSpPr>
+            <p:cNvPr id="267" name="Group 266">
+              <a:extLst>
+                <a:ext uri="{FF2B5EF4-FFF2-40B4-BE49-F238E27FC236}">
+                  <a16:creationId xmlns:a16="http://schemas.microsoft.com/office/drawing/2014/main" id="{A97AB320-333E-8501-2B8F-3EC49E613146}"/>
+                </a:ext>
+              </a:extLst>
+            </p:cNvPr>
+            <p:cNvGrpSpPr/>
+            <p:nvPr/>
+          </p:nvGrpSpPr>
+          <p:grpSpPr>
+            <a:xfrm>
+              <a:off x="5996601" y="1363111"/>
+              <a:ext cx="1575132" cy="1578196"/>
+              <a:chOff x="5731468" y="1626643"/>
+              <a:chExt cx="1575132" cy="1578196"/>
+            </a:xfrm>
+          </p:grpSpPr>
+          <p:sp>
+            <p:nvSpPr>
+              <p:cNvPr id="214" name="Rectangle 213">
+                <a:extLst>
+                  <a:ext uri="{FF2B5EF4-FFF2-40B4-BE49-F238E27FC236}">
+                    <a16:creationId xmlns:a16="http://schemas.microsoft.com/office/drawing/2014/main" id="{57E1D151-7430-4980-8472-B93B3582A35D}"/>
+                  </a:ext>
+                </a:extLst>
+              </p:cNvPr>
+              <p:cNvSpPr/>
+              <p:nvPr/>
+            </p:nvSpPr>
+            <p:spPr>
+              <a:xfrm>
+                <a:off x="6781034" y="1626643"/>
+                <a:ext cx="525566" cy="525566"/>
+              </a:xfrm>
+              <a:prstGeom prst="rect">
+                <a:avLst/>
+              </a:prstGeom>
+              <a:solidFill>
+                <a:schemeClr val="tx1"/>
+              </a:solidFill>
+              <a:ln>
+                <a:noFill/>
+              </a:ln>
+            </p:spPr>
+            <p:style>
+              <a:lnRef idx="2">
+                <a:schemeClr val="accent1">
+                  <a:shade val="15000"/>
+                </a:schemeClr>
+              </a:lnRef>
+              <a:fillRef idx="1">
+                <a:schemeClr val="accent1"/>
+              </a:fillRef>
+              <a:effectRef idx="0">
+                <a:schemeClr val="accent1"/>
+              </a:effectRef>
+              <a:fontRef idx="minor">
+                <a:schemeClr val="lt1"/>
+              </a:fontRef>
+            </p:style>
+            <p:txBody>
+              <a:bodyPr rtlCol="0" anchor="ctr"/>
+              <a:lstStyle/>
+              <a:p>
+                <a:pPr algn="ctr"/>
+                <a:endParaRPr lang="en-GB"/>
+              </a:p>
+            </p:txBody>
+          </p:sp>
+          <p:sp>
+            <p:nvSpPr>
+              <p:cNvPr id="215" name="Rectangle 214">
+                <a:extLst>
+                  <a:ext uri="{FF2B5EF4-FFF2-40B4-BE49-F238E27FC236}">
+                    <a16:creationId xmlns:a16="http://schemas.microsoft.com/office/drawing/2014/main" id="{31980976-4AA6-4264-ECD8-A11A9D452FF2}"/>
+                  </a:ext>
+                </a:extLst>
+              </p:cNvPr>
+              <p:cNvSpPr/>
+              <p:nvPr/>
+            </p:nvSpPr>
+            <p:spPr>
+              <a:xfrm>
+                <a:off x="5731468" y="1626643"/>
+                <a:ext cx="525566" cy="525566"/>
+              </a:xfrm>
+              <a:prstGeom prst="rect">
+                <a:avLst/>
+              </a:prstGeom>
+              <a:solidFill>
+                <a:schemeClr val="tx1"/>
+              </a:solidFill>
+              <a:ln>
+                <a:noFill/>
+              </a:ln>
+            </p:spPr>
+            <p:style>
+              <a:lnRef idx="2">
+                <a:schemeClr val="accent1">
+                  <a:shade val="15000"/>
+                </a:schemeClr>
+              </a:lnRef>
+              <a:fillRef idx="1">
+                <a:schemeClr val="accent1"/>
+              </a:fillRef>
+              <a:effectRef idx="0">
+                <a:schemeClr val="accent1"/>
+              </a:effectRef>
+              <a:fontRef idx="minor">
+                <a:schemeClr val="lt1"/>
+              </a:fontRef>
+            </p:style>
+            <p:txBody>
+              <a:bodyPr rtlCol="0" anchor="ctr"/>
+              <a:lstStyle/>
+              <a:p>
+                <a:pPr algn="ctr"/>
+                <a:endParaRPr lang="en-GB"/>
+              </a:p>
+            </p:txBody>
+          </p:sp>
+          <p:sp>
+            <p:nvSpPr>
+              <p:cNvPr id="251" name="Rectangle 250">
+                <a:extLst>
+                  <a:ext uri="{FF2B5EF4-FFF2-40B4-BE49-F238E27FC236}">
+                    <a16:creationId xmlns:a16="http://schemas.microsoft.com/office/drawing/2014/main" id="{DF8C714E-7A2C-2953-85B7-C6C20EF9BFDB}"/>
+                  </a:ext>
+                </a:extLst>
+              </p:cNvPr>
+              <p:cNvSpPr/>
+              <p:nvPr/>
+            </p:nvSpPr>
+            <p:spPr>
+              <a:xfrm>
+                <a:off x="6781034" y="2679273"/>
+                <a:ext cx="525566" cy="525566"/>
+              </a:xfrm>
+              <a:prstGeom prst="rect">
+                <a:avLst/>
+              </a:prstGeom>
+              <a:solidFill>
+                <a:schemeClr val="tx1"/>
+              </a:solidFill>
+              <a:ln>
+                <a:noFill/>
+              </a:ln>
+            </p:spPr>
+            <p:style>
+              <a:lnRef idx="2">
+                <a:schemeClr val="accent1">
+                  <a:shade val="15000"/>
+                </a:schemeClr>
+              </a:lnRef>
+              <a:fillRef idx="1">
+                <a:schemeClr val="accent1"/>
+              </a:fillRef>
+              <a:effectRef idx="0">
+                <a:schemeClr val="accent1"/>
+              </a:effectRef>
+              <a:fontRef idx="minor">
+                <a:schemeClr val="lt1"/>
+              </a:fontRef>
+            </p:style>
+            <p:txBody>
+              <a:bodyPr rtlCol="0" anchor="ctr"/>
+              <a:lstStyle/>
+              <a:p>
+                <a:pPr algn="ctr"/>
+                <a:endParaRPr lang="en-GB"/>
+              </a:p>
+            </p:txBody>
+          </p:sp>
+          <p:sp>
+            <p:nvSpPr>
+              <p:cNvPr id="252" name="Rectangle 251">
+                <a:extLst>
+                  <a:ext uri="{FF2B5EF4-FFF2-40B4-BE49-F238E27FC236}">
+                    <a16:creationId xmlns:a16="http://schemas.microsoft.com/office/drawing/2014/main" id="{F349DC31-9620-6310-23C6-97E59823B2E3}"/>
+                  </a:ext>
+                </a:extLst>
+              </p:cNvPr>
+              <p:cNvSpPr/>
+              <p:nvPr/>
+            </p:nvSpPr>
+            <p:spPr>
+              <a:xfrm>
+                <a:off x="5731468" y="2679273"/>
+                <a:ext cx="525566" cy="525566"/>
+              </a:xfrm>
+              <a:prstGeom prst="rect">
+                <a:avLst/>
+              </a:prstGeom>
+              <a:solidFill>
+                <a:srgbClr val="A5732D"/>
+              </a:solidFill>
+              <a:ln>
+                <a:noFill/>
+              </a:ln>
+            </p:spPr>
+            <p:style>
+              <a:lnRef idx="2">
+                <a:schemeClr val="accent1">
+                  <a:shade val="15000"/>
+                </a:schemeClr>
+              </a:lnRef>
+              <a:fillRef idx="1">
+                <a:schemeClr val="accent1"/>
+              </a:fillRef>
+              <a:effectRef idx="0">
+                <a:schemeClr val="accent1"/>
+              </a:effectRef>
+              <a:fontRef idx="minor">
+                <a:schemeClr val="lt1"/>
+              </a:fontRef>
+            </p:style>
+            <p:txBody>
+              <a:bodyPr rtlCol="0" anchor="ctr"/>
+              <a:lstStyle/>
+              <a:p>
+                <a:pPr algn="ctr"/>
+                <a:endParaRPr lang="en-GB"/>
+              </a:p>
+            </p:txBody>
+          </p:sp>
+          <p:sp>
+            <p:nvSpPr>
+              <p:cNvPr id="260" name="Rectangle 259">
+                <a:extLst>
+                  <a:ext uri="{FF2B5EF4-FFF2-40B4-BE49-F238E27FC236}">
+                    <a16:creationId xmlns:a16="http://schemas.microsoft.com/office/drawing/2014/main" id="{82D80D55-3AC2-64FC-3CA4-1C5C3484FA52}"/>
+                  </a:ext>
+                </a:extLst>
+              </p:cNvPr>
+              <p:cNvSpPr/>
+              <p:nvPr/>
+            </p:nvSpPr>
+            <p:spPr>
+              <a:xfrm>
+                <a:off x="6258992" y="2153707"/>
+                <a:ext cx="525566" cy="525566"/>
+              </a:xfrm>
+              <a:prstGeom prst="rect">
+                <a:avLst/>
+              </a:prstGeom>
+              <a:solidFill>
+                <a:srgbClr val="A5732D"/>
+              </a:solidFill>
+              <a:ln>
+                <a:noFill/>
+              </a:ln>
+            </p:spPr>
+            <p:style>
+              <a:lnRef idx="2">
+                <a:schemeClr val="accent1">
+                  <a:shade val="15000"/>
+                </a:schemeClr>
+              </a:lnRef>
+              <a:fillRef idx="1">
+                <a:schemeClr val="accent1"/>
+              </a:fillRef>
+              <a:effectRef idx="0">
+                <a:schemeClr val="accent1"/>
+              </a:effectRef>
+              <a:fontRef idx="minor">
+                <a:schemeClr val="lt1"/>
+              </a:fontRef>
+            </p:style>
+            <p:txBody>
+              <a:bodyPr rtlCol="0" anchor="ctr"/>
+              <a:lstStyle/>
+              <a:p>
+                <a:pPr algn="ctr"/>
+                <a:endParaRPr lang="en-GB"/>
+              </a:p>
+            </p:txBody>
+          </p:sp>
+        </p:grpSp>
+      </p:grpSp>
+    </p:spTree>
+    <p:extLst>
+      <p:ext uri="{BB962C8B-B14F-4D97-AF65-F5344CB8AC3E}">
+        <p14:creationId xmlns:p14="http://schemas.microsoft.com/office/powerpoint/2010/main" val="3209806948"/>
+      </p:ext>
+    </p:extLst>
+  </p:cSld>
+  <p:clrMapOvr>
+    <a:masterClrMapping/>
+  </p:clrMapOvr>
+</p:sld>
+</file>
+
+<file path=ppt/slides/slide7.xml><?xml version="1.0" encoding="utf-8"?>
+<p:sld xmlns:a="http://schemas.openxmlformats.org/drawingml/2006/main" xmlns:r="http://schemas.openxmlformats.org/officeDocument/2006/relationships" xmlns:p="http://schemas.openxmlformats.org/presentationml/2006/main">
+  <p:cSld>
+    <p:spTree>
+      <p:nvGrpSpPr>
+        <p:cNvPr id="1" name=""/>
+        <p:cNvGrpSpPr/>
+        <p:nvPr/>
+      </p:nvGrpSpPr>
+      <p:grpSpPr>
+        <a:xfrm>
+          <a:off x="0" y="0"/>
+          <a:ext cx="0" cy="0"/>
+          <a:chOff x="0" y="0"/>
+          <a:chExt cx="0" cy="0"/>
+        </a:xfrm>
+      </p:grpSpPr>
+      <p:pic>
+        <p:nvPicPr>
+          <p:cNvPr id="5" name="Picture 4" descr="A black background with a black square&#10;&#10;Description automatically generated with medium confidence">
+            <a:extLst>
+              <a:ext uri="{FF2B5EF4-FFF2-40B4-BE49-F238E27FC236}">
+                <a16:creationId xmlns:a16="http://schemas.microsoft.com/office/drawing/2014/main" id="{07721EF9-B2D6-D5D3-1DB2-B112C414FEC2}"/>
+              </a:ext>
+            </a:extLst>
+          </p:cNvPr>
+          <p:cNvPicPr>
+            <a:picLocks noChangeAspect="1"/>
+          </p:cNvPicPr>
+          <p:nvPr/>
+        </p:nvPicPr>
+        <p:blipFill>
+          <a:blip r:embed="rId2">
+            <a:extLst>
+              <a:ext uri="{28A0092B-C50C-407E-A947-70E740481C1C}">
+                <a14:useLocalDpi xmlns:a14="http://schemas.microsoft.com/office/drawing/2010/main" val="0"/>
+              </a:ext>
+            </a:extLst>
+          </a:blip>
+          <a:stretch>
+            <a:fillRect/>
+          </a:stretch>
+        </p:blipFill>
+        <p:spPr>
+          <a:xfrm>
+            <a:off x="3488679" y="982064"/>
+            <a:ext cx="1219048" cy="1219048"/>
+          </a:xfrm>
+          <a:prstGeom prst="rect">
+            <a:avLst/>
+          </a:prstGeom>
+          <a:ln w="3175">
+            <a:noFill/>
+          </a:ln>
+        </p:spPr>
+      </p:pic>
+      <p:sp>
+        <p:nvSpPr>
+          <p:cNvPr id="43" name="Rectangle 42">
+            <a:extLst>
+              <a:ext uri="{FF2B5EF4-FFF2-40B4-BE49-F238E27FC236}">
+                <a16:creationId xmlns:a16="http://schemas.microsoft.com/office/drawing/2014/main" id="{5F9299A8-F1D6-6872-D836-0ACFECB6524D}"/>
+              </a:ext>
+            </a:extLst>
+          </p:cNvPr>
+          <p:cNvSpPr/>
+          <p:nvPr/>
+        </p:nvSpPr>
+        <p:spPr>
+          <a:xfrm>
+            <a:off x="3488679" y="982065"/>
+            <a:ext cx="1219047" cy="1219047"/>
+          </a:xfrm>
+          <a:prstGeom prst="rect">
+            <a:avLst/>
+          </a:prstGeom>
+          <a:solidFill>
+            <a:schemeClr val="tx1">
+              <a:alpha val="0"/>
+            </a:schemeClr>
+          </a:solidFill>
+          <a:ln w="3175">
+            <a:solidFill>
+              <a:schemeClr val="tx1"/>
+            </a:solidFill>
+          </a:ln>
+        </p:spPr>
+        <p:style>
+          <a:lnRef idx="2">
+            <a:schemeClr val="accent1">
+              <a:shade val="15000"/>
+            </a:schemeClr>
+          </a:lnRef>
+          <a:fillRef idx="1">
+            <a:schemeClr val="accent1"/>
+          </a:fillRef>
+          <a:effectRef idx="0">
+            <a:schemeClr val="accent1"/>
+          </a:effectRef>
+          <a:fontRef idx="minor">
+            <a:schemeClr val="lt1"/>
+          </a:fontRef>
+        </p:style>
+        <p:txBody>
+          <a:bodyPr rtlCol="0" anchor="ctr"/>
+          <a:lstStyle/>
+          <a:p>
+            <a:pPr algn="ctr"/>
+            <a:endParaRPr lang="en-GB"/>
+          </a:p>
+        </p:txBody>
+      </p:sp>
+      <p:grpSp>
+        <p:nvGrpSpPr>
+          <p:cNvPr id="18" name="Group 17">
+            <a:extLst>
+              <a:ext uri="{FF2B5EF4-FFF2-40B4-BE49-F238E27FC236}">
+                <a16:creationId xmlns:a16="http://schemas.microsoft.com/office/drawing/2014/main" id="{3C511A61-1F9D-0CA5-4FCB-A54D1D2B0CEF}"/>
+              </a:ext>
+            </a:extLst>
+          </p:cNvPr>
+          <p:cNvGrpSpPr/>
+          <p:nvPr/>
+        </p:nvGrpSpPr>
+        <p:grpSpPr>
+          <a:xfrm>
+            <a:off x="5368278" y="982064"/>
+            <a:ext cx="1219048" cy="1219048"/>
+            <a:chOff x="3488678" y="2563213"/>
+            <a:chExt cx="1219048" cy="1219048"/>
+          </a:xfrm>
+        </p:grpSpPr>
+        <p:pic>
+          <p:nvPicPr>
+            <p:cNvPr id="6" name="Picture 5" descr="A black background with a black square&#10;&#10;Description automatically generated with medium confidence">
+              <a:extLst>
+                <a:ext uri="{FF2B5EF4-FFF2-40B4-BE49-F238E27FC236}">
+                  <a16:creationId xmlns:a16="http://schemas.microsoft.com/office/drawing/2014/main" id="{63EAA8DC-54AF-29B2-FC86-02CE8E2F52FE}"/>
+                </a:ext>
+              </a:extLst>
+            </p:cNvPr>
+            <p:cNvPicPr>
+              <a:picLocks noChangeAspect="1"/>
+            </p:cNvPicPr>
+            <p:nvPr/>
+          </p:nvPicPr>
+          <p:blipFill>
+            <a:blip r:embed="rId2">
+              <a:extLst>
+                <a:ext uri="{28A0092B-C50C-407E-A947-70E740481C1C}">
+                  <a14:useLocalDpi xmlns:a14="http://schemas.microsoft.com/office/drawing/2010/main" val="0"/>
+                </a:ext>
+              </a:extLst>
+            </a:blip>
+            <a:srcRect/>
+            <a:stretch>
+              <a:fillRect/>
+            </a:stretch>
+          </p:blipFill>
+          <p:spPr>
+            <a:xfrm>
+              <a:off x="3488678" y="2563213"/>
+              <a:ext cx="1219048" cy="1219048"/>
+            </a:xfrm>
+            <a:custGeom>
+              <a:avLst/>
+              <a:gdLst>
+                <a:gd name="connsiteX0" fmla="*/ 614777 w 1219048"/>
+                <a:gd name="connsiteY0" fmla="*/ 252857 h 1219048"/>
+                <a:gd name="connsiteX1" fmla="*/ 614777 w 1219048"/>
+                <a:gd name="connsiteY1" fmla="*/ 612662 h 1219048"/>
+                <a:gd name="connsiteX2" fmla="*/ 1062452 w 1219048"/>
+                <a:gd name="connsiteY2" fmla="*/ 612662 h 1219048"/>
+                <a:gd name="connsiteX3" fmla="*/ 1062452 w 1219048"/>
+                <a:gd name="connsiteY3" fmla="*/ 252857 h 1219048"/>
+                <a:gd name="connsiteX4" fmla="*/ 0 w 1219048"/>
+                <a:gd name="connsiteY4" fmla="*/ 0 h 1219048"/>
+                <a:gd name="connsiteX5" fmla="*/ 1219048 w 1219048"/>
+                <a:gd name="connsiteY5" fmla="*/ 0 h 1219048"/>
+                <a:gd name="connsiteX6" fmla="*/ 1219048 w 1219048"/>
+                <a:gd name="connsiteY6" fmla="*/ 1219048 h 1219048"/>
+                <a:gd name="connsiteX7" fmla="*/ 0 w 1219048"/>
+                <a:gd name="connsiteY7" fmla="*/ 1219048 h 1219048"/>
+              </a:gdLst>
+              <a:ahLst/>
+              <a:cxnLst>
+                <a:cxn ang="0">
+                  <a:pos x="connsiteX0" y="connsiteY0"/>
+                </a:cxn>
+                <a:cxn ang="0">
+                  <a:pos x="connsiteX1" y="connsiteY1"/>
+                </a:cxn>
+                <a:cxn ang="0">
+                  <a:pos x="connsiteX2" y="connsiteY2"/>
+                </a:cxn>
+                <a:cxn ang="0">
+                  <a:pos x="connsiteX3" y="connsiteY3"/>
+                </a:cxn>
+                <a:cxn ang="0">
+                  <a:pos x="connsiteX4" y="connsiteY4"/>
+                </a:cxn>
+                <a:cxn ang="0">
+                  <a:pos x="connsiteX5" y="connsiteY5"/>
+                </a:cxn>
+                <a:cxn ang="0">
+                  <a:pos x="connsiteX6" y="connsiteY6"/>
+                </a:cxn>
+                <a:cxn ang="0">
+                  <a:pos x="connsiteX7" y="connsiteY7"/>
+                </a:cxn>
+              </a:cxnLst>
+              <a:rect l="l" t="t" r="r" b="b"/>
+              <a:pathLst>
+                <a:path w="1219048" h="1219048">
+                  <a:moveTo>
+                    <a:pt x="614777" y="252857"/>
+                  </a:moveTo>
+                  <a:lnTo>
+                    <a:pt x="614777" y="612662"/>
+                  </a:lnTo>
+                  <a:lnTo>
+                    <a:pt x="1062452" y="612662"/>
+                  </a:lnTo>
+                  <a:lnTo>
+                    <a:pt x="1062452" y="252857"/>
+                  </a:lnTo>
+                  <a:close/>
+                  <a:moveTo>
+                    <a:pt x="0" y="0"/>
+                  </a:moveTo>
+                  <a:lnTo>
+                    <a:pt x="1219048" y="0"/>
+                  </a:lnTo>
+                  <a:lnTo>
+                    <a:pt x="1219048" y="1219048"/>
+                  </a:lnTo>
+                  <a:lnTo>
+                    <a:pt x="0" y="1219048"/>
+                  </a:lnTo>
+                  <a:close/>
+                </a:path>
+              </a:pathLst>
+            </a:custGeom>
+            <a:ln w="3175">
+              <a:noFill/>
+            </a:ln>
+          </p:spPr>
+        </p:pic>
+        <p:pic>
+          <p:nvPicPr>
+            <p:cNvPr id="3" name="Picture 2" descr="A black background with a black square&#10;&#10;Description automatically generated with medium confidence">
+              <a:extLst>
+                <a:ext uri="{FF2B5EF4-FFF2-40B4-BE49-F238E27FC236}">
+                  <a16:creationId xmlns:a16="http://schemas.microsoft.com/office/drawing/2014/main" id="{41DE05DB-44D3-274F-26B5-53D7FBA09254}"/>
+                </a:ext>
+              </a:extLst>
+            </p:cNvPr>
+            <p:cNvPicPr>
+              <a:picLocks noChangeAspect="1"/>
+            </p:cNvPicPr>
+            <p:nvPr/>
+          </p:nvPicPr>
+          <p:blipFill>
+            <a:blip r:embed="rId3">
+              <a:extLst>
+                <a:ext uri="{28A0092B-C50C-407E-A947-70E740481C1C}">
+                  <a14:useLocalDpi xmlns:a14="http://schemas.microsoft.com/office/drawing/2010/main" val="0"/>
+                </a:ext>
+              </a:extLst>
+            </a:blip>
+            <a:srcRect l="21871" t="-1" r="22164" b="42942"/>
+            <a:stretch/>
+          </p:blipFill>
+          <p:spPr>
+            <a:xfrm>
+              <a:off x="4060102" y="2647814"/>
+              <a:ext cx="518248" cy="597687"/>
+            </a:xfrm>
+            <a:prstGeom prst="rect">
+              <a:avLst/>
+            </a:prstGeom>
+          </p:spPr>
+        </p:pic>
+      </p:grpSp>
+      <p:pic>
+        <p:nvPicPr>
+          <p:cNvPr id="16" name="Picture 15" descr="A black background with a black square&#10;&#10;Description automatically generated with medium confidence">
+            <a:extLst>
+              <a:ext uri="{FF2B5EF4-FFF2-40B4-BE49-F238E27FC236}">
+                <a16:creationId xmlns:a16="http://schemas.microsoft.com/office/drawing/2014/main" id="{D8C77222-0084-34FD-A672-A8870A8F5871}"/>
+              </a:ext>
+            </a:extLst>
+          </p:cNvPr>
+          <p:cNvPicPr>
+            <a:picLocks noChangeAspect="1"/>
+          </p:cNvPicPr>
+          <p:nvPr/>
+        </p:nvPicPr>
+        <p:blipFill>
+          <a:blip r:embed="rId4">
+            <a:extLst>
+              <a:ext uri="{28A0092B-C50C-407E-A947-70E740481C1C}">
+                <a14:useLocalDpi xmlns:a14="http://schemas.microsoft.com/office/drawing/2010/main" val="0"/>
+              </a:ext>
+            </a:extLst>
+          </a:blip>
+          <a:srcRect l="33686" t="29058" r="34060" b="29057"/>
+          <a:stretch/>
+        </p:blipFill>
+        <p:spPr>
+          <a:xfrm rot="5400000">
+            <a:off x="1385033" y="3089238"/>
+            <a:ext cx="233225" cy="302864"/>
+          </a:xfrm>
+          <a:custGeom>
+            <a:avLst/>
+            <a:gdLst>
+              <a:gd name="connsiteX0" fmla="*/ 0 w 409575"/>
+              <a:gd name="connsiteY0" fmla="*/ 0 h 531871"/>
+              <a:gd name="connsiteX1" fmla="*/ 409575 w 409575"/>
+              <a:gd name="connsiteY1" fmla="*/ 0 h 531871"/>
+              <a:gd name="connsiteX2" fmla="*/ 409575 w 409575"/>
+              <a:gd name="connsiteY2" fmla="*/ 411212 h 531871"/>
+              <a:gd name="connsiteX3" fmla="*/ 335757 w 409575"/>
+              <a:gd name="connsiteY3" fmla="*/ 411212 h 531871"/>
+              <a:gd name="connsiteX4" fmla="*/ 335757 w 409575"/>
+              <a:gd name="connsiteY4" fmla="*/ 531871 h 531871"/>
+              <a:gd name="connsiteX5" fmla="*/ 0 w 409575"/>
+              <a:gd name="connsiteY5" fmla="*/ 531871 h 531871"/>
+            </a:gdLst>
+            <a:ahLst/>
+            <a:cxnLst>
+              <a:cxn ang="0">
+                <a:pos x="connsiteX0" y="connsiteY0"/>
+              </a:cxn>
+              <a:cxn ang="0">
+                <a:pos x="connsiteX1" y="connsiteY1"/>
+              </a:cxn>
+              <a:cxn ang="0">
+                <a:pos x="connsiteX2" y="connsiteY2"/>
+              </a:cxn>
+              <a:cxn ang="0">
+                <a:pos x="connsiteX3" y="connsiteY3"/>
+              </a:cxn>
+              <a:cxn ang="0">
+                <a:pos x="connsiteX4" y="connsiteY4"/>
+              </a:cxn>
+              <a:cxn ang="0">
+                <a:pos x="connsiteX5" y="connsiteY5"/>
+              </a:cxn>
+            </a:cxnLst>
+            <a:rect l="l" t="t" r="r" b="b"/>
+            <a:pathLst>
+              <a:path w="409575" h="531871">
+                <a:moveTo>
+                  <a:pt x="0" y="0"/>
+                </a:moveTo>
+                <a:lnTo>
+                  <a:pt x="409575" y="0"/>
+                </a:lnTo>
+                <a:lnTo>
+                  <a:pt x="409575" y="411212"/>
+                </a:lnTo>
+                <a:lnTo>
+                  <a:pt x="335757" y="411212"/>
+                </a:lnTo>
+                <a:lnTo>
+                  <a:pt x="335757" y="531871"/>
+                </a:lnTo>
+                <a:lnTo>
+                  <a:pt x="0" y="531871"/>
+                </a:lnTo>
+                <a:close/>
+              </a:path>
+            </a:pathLst>
+          </a:custGeom>
+        </p:spPr>
+      </p:pic>
+      <p:pic>
+        <p:nvPicPr>
+          <p:cNvPr id="24" name="Picture 23" descr="A black background with a black square&#10;&#10;Description automatically generated with medium confidence">
+            <a:extLst>
+              <a:ext uri="{FF2B5EF4-FFF2-40B4-BE49-F238E27FC236}">
+                <a16:creationId xmlns:a16="http://schemas.microsoft.com/office/drawing/2014/main" id="{6A7736FD-99AA-975F-F284-E3234C5757E4}"/>
+              </a:ext>
+            </a:extLst>
+          </p:cNvPr>
+          <p:cNvPicPr>
+            <a:picLocks noChangeAspect="1"/>
+          </p:cNvPicPr>
+          <p:nvPr/>
+        </p:nvPicPr>
+        <p:blipFill>
+          <a:blip r:embed="rId5">
+            <a:extLst>
+              <a:ext uri="{28A0092B-C50C-407E-A947-70E740481C1C}">
+                <a14:useLocalDpi xmlns:a14="http://schemas.microsoft.com/office/drawing/2010/main" val="0"/>
+              </a:ext>
+            </a:extLst>
+          </a:blip>
+          <a:stretch>
+            <a:fillRect/>
+          </a:stretch>
+        </p:blipFill>
+        <p:spPr>
+          <a:xfrm>
+            <a:off x="3488679" y="2631064"/>
+            <a:ext cx="1219212" cy="1219212"/>
+          </a:xfrm>
+          <a:prstGeom prst="rect">
+            <a:avLst/>
+          </a:prstGeom>
+        </p:spPr>
+      </p:pic>
+      <p:sp>
+        <p:nvSpPr>
+          <p:cNvPr id="53" name="Rectangle 52">
+            <a:extLst>
+              <a:ext uri="{FF2B5EF4-FFF2-40B4-BE49-F238E27FC236}">
+                <a16:creationId xmlns:a16="http://schemas.microsoft.com/office/drawing/2014/main" id="{7E6F96BA-D601-1A3E-CAE7-5909CA88919B}"/>
+              </a:ext>
+            </a:extLst>
+          </p:cNvPr>
+          <p:cNvSpPr/>
+          <p:nvPr/>
+        </p:nvSpPr>
+        <p:spPr>
+          <a:xfrm>
+            <a:off x="729655" y="981737"/>
+            <a:ext cx="1219047" cy="1219047"/>
+          </a:xfrm>
+          <a:prstGeom prst="rect">
+            <a:avLst/>
+          </a:prstGeom>
+          <a:solidFill>
+            <a:schemeClr val="tx1">
+              <a:alpha val="0"/>
+            </a:schemeClr>
+          </a:solidFill>
+          <a:ln w="3175">
+            <a:noFill/>
+          </a:ln>
+        </p:spPr>
+        <p:style>
+          <a:lnRef idx="2">
+            <a:schemeClr val="accent1">
+              <a:shade val="15000"/>
+            </a:schemeClr>
+          </a:lnRef>
+          <a:fillRef idx="1">
+            <a:schemeClr val="accent1"/>
+          </a:fillRef>
+          <a:effectRef idx="0">
+            <a:schemeClr val="accent1"/>
+          </a:effectRef>
+          <a:fontRef idx="minor">
+            <a:schemeClr val="lt1"/>
+          </a:fontRef>
+        </p:style>
+        <p:txBody>
+          <a:bodyPr rtlCol="0" anchor="ctr"/>
+          <a:lstStyle/>
+          <a:p>
+            <a:pPr algn="ctr"/>
+            <a:endParaRPr lang="en-GB"/>
+          </a:p>
+        </p:txBody>
+      </p:sp>
+      <p:pic>
+        <p:nvPicPr>
+          <p:cNvPr id="62" name="Picture 61" descr="A black background with a black square&#10;&#10;Description automatically generated with medium confidence">
+            <a:extLst>
+              <a:ext uri="{FF2B5EF4-FFF2-40B4-BE49-F238E27FC236}">
+                <a16:creationId xmlns:a16="http://schemas.microsoft.com/office/drawing/2014/main" id="{83AE3038-2151-6725-0BA8-789BA2A87605}"/>
+              </a:ext>
+            </a:extLst>
+          </p:cNvPr>
+          <p:cNvPicPr>
+            <a:picLocks noChangeAspect="1"/>
+          </p:cNvPicPr>
+          <p:nvPr/>
+        </p:nvPicPr>
+        <p:blipFill>
+          <a:blip r:embed="rId6">
+            <a:extLst>
+              <a:ext uri="{28A0092B-C50C-407E-A947-70E740481C1C}">
+                <a14:useLocalDpi xmlns:a14="http://schemas.microsoft.com/office/drawing/2010/main" val="0"/>
+              </a:ext>
+            </a:extLst>
+          </a:blip>
+          <a:srcRect l="13283" r="49999"/>
+          <a:stretch/>
+        </p:blipFill>
+        <p:spPr>
+          <a:xfrm>
+            <a:off x="2760855" y="2631064"/>
+            <a:ext cx="447675" cy="1219212"/>
+          </a:xfrm>
+          <a:prstGeom prst="rect">
+            <a:avLst/>
+          </a:prstGeom>
+        </p:spPr>
+      </p:pic>
+      <p:pic>
+        <p:nvPicPr>
+          <p:cNvPr id="64" name="Picture 63" descr="A black background with a black square&#10;&#10;Description automatically generated with medium confidence">
+            <a:extLst>
+              <a:ext uri="{FF2B5EF4-FFF2-40B4-BE49-F238E27FC236}">
+                <a16:creationId xmlns:a16="http://schemas.microsoft.com/office/drawing/2014/main" id="{131CAD74-2620-9A35-40D6-1095E8409162}"/>
+              </a:ext>
+            </a:extLst>
+          </p:cNvPr>
+          <p:cNvPicPr>
+            <a:picLocks noChangeAspect="1"/>
+          </p:cNvPicPr>
+          <p:nvPr/>
+        </p:nvPicPr>
+        <p:blipFill>
+          <a:blip r:embed="rId7">
+            <a:extLst>
+              <a:ext uri="{28A0092B-C50C-407E-A947-70E740481C1C}">
+                <a14:useLocalDpi xmlns:a14="http://schemas.microsoft.com/office/drawing/2010/main" val="0"/>
+              </a:ext>
+            </a:extLst>
+          </a:blip>
+          <a:srcRect l="23298" r="23633" b="71190"/>
+          <a:stretch/>
+        </p:blipFill>
+        <p:spPr>
+          <a:xfrm>
+            <a:off x="2306559" y="4068099"/>
+            <a:ext cx="309856" cy="203385"/>
+          </a:xfrm>
+          <a:prstGeom prst="rect">
+            <a:avLst/>
+          </a:prstGeom>
+        </p:spPr>
+      </p:pic>
+      <p:grpSp>
+        <p:nvGrpSpPr>
+          <p:cNvPr id="27" name="Group 26">
+            <a:extLst>
+              <a:ext uri="{FF2B5EF4-FFF2-40B4-BE49-F238E27FC236}">
+                <a16:creationId xmlns:a16="http://schemas.microsoft.com/office/drawing/2014/main" id="{5BA47E03-B68E-E0F2-9775-1FF21EDCC5BD}"/>
+              </a:ext>
+            </a:extLst>
+          </p:cNvPr>
+          <p:cNvGrpSpPr/>
+          <p:nvPr/>
+        </p:nvGrpSpPr>
+        <p:grpSpPr>
+          <a:xfrm>
+            <a:off x="2109167" y="969862"/>
+            <a:ext cx="1219047" cy="1227758"/>
+            <a:chOff x="2109167" y="969862"/>
+            <a:chExt cx="1219047" cy="1227758"/>
+          </a:xfrm>
+        </p:grpSpPr>
+        <p:sp>
+          <p:nvSpPr>
+            <p:cNvPr id="12" name="Rectangle 11">
+              <a:extLst>
+                <a:ext uri="{FF2B5EF4-FFF2-40B4-BE49-F238E27FC236}">
+                  <a16:creationId xmlns:a16="http://schemas.microsoft.com/office/drawing/2014/main" id="{2974C779-53B5-79BB-25D4-7C3D7365F449}"/>
+                </a:ext>
+              </a:extLst>
+            </p:cNvPr>
+            <p:cNvSpPr/>
+            <p:nvPr/>
+          </p:nvSpPr>
+          <p:spPr>
+            <a:xfrm>
+              <a:off x="2109167" y="978408"/>
+              <a:ext cx="1219047" cy="1219047"/>
+            </a:xfrm>
+            <a:prstGeom prst="rect">
+              <a:avLst/>
+            </a:prstGeom>
+            <a:solidFill>
+              <a:schemeClr val="tx1">
+                <a:alpha val="0"/>
+              </a:schemeClr>
+            </a:solidFill>
+            <a:ln w="3175">
+              <a:noFill/>
+            </a:ln>
+          </p:spPr>
+          <p:style>
+            <a:lnRef idx="2">
+              <a:schemeClr val="accent1">
+                <a:shade val="15000"/>
+              </a:schemeClr>
+            </a:lnRef>
+            <a:fillRef idx="1">
+              <a:schemeClr val="accent1"/>
+            </a:fillRef>
+            <a:effectRef idx="0">
+              <a:schemeClr val="accent1"/>
+            </a:effectRef>
+            <a:fontRef idx="minor">
+              <a:schemeClr val="lt1"/>
+            </a:fontRef>
+          </p:style>
+          <p:txBody>
+            <a:bodyPr rtlCol="0" anchor="ctr"/>
+            <a:lstStyle/>
+            <a:p>
+              <a:pPr algn="ctr"/>
+              <a:endParaRPr lang="en-GB"/>
+            </a:p>
+          </p:txBody>
+        </p:sp>
+        <p:pic>
+          <p:nvPicPr>
+            <p:cNvPr id="60" name="Picture 59" descr="A black background with a black square&#10;&#10;Description automatically generated with medium confidence">
+              <a:extLst>
+                <a:ext uri="{FF2B5EF4-FFF2-40B4-BE49-F238E27FC236}">
+                  <a16:creationId xmlns:a16="http://schemas.microsoft.com/office/drawing/2014/main" id="{6E2CA2AA-BF18-4DFA-48CC-D60249802582}"/>
+                </a:ext>
+              </a:extLst>
+            </p:cNvPr>
+            <p:cNvPicPr>
+              <a:picLocks noChangeAspect="1"/>
+            </p:cNvPicPr>
+            <p:nvPr/>
+          </p:nvPicPr>
+          <p:blipFill>
+            <a:blip r:embed="rId6">
+              <a:extLst>
+                <a:ext uri="{28A0092B-C50C-407E-A947-70E740481C1C}">
+                  <a14:useLocalDpi xmlns:a14="http://schemas.microsoft.com/office/drawing/2010/main" val="0"/>
+                </a:ext>
+              </a:extLst>
+            </a:blip>
+            <a:srcRect l="50001" r="13280"/>
+            <a:stretch/>
+          </p:blipFill>
+          <p:spPr>
+            <a:xfrm>
+              <a:off x="2191246" y="969862"/>
+              <a:ext cx="447675" cy="1219212"/>
+            </a:xfrm>
+            <a:prstGeom prst="rect">
+              <a:avLst/>
+            </a:prstGeom>
+          </p:spPr>
+        </p:pic>
+        <p:grpSp>
+          <p:nvGrpSpPr>
+            <p:cNvPr id="8" name="Group 7">
+              <a:extLst>
+                <a:ext uri="{FF2B5EF4-FFF2-40B4-BE49-F238E27FC236}">
+                  <a16:creationId xmlns:a16="http://schemas.microsoft.com/office/drawing/2014/main" id="{99662436-8E33-EDDE-3FBD-F07D54794D9D}"/>
+                </a:ext>
+              </a:extLst>
+            </p:cNvPr>
+            <p:cNvGrpSpPr/>
+            <p:nvPr/>
+          </p:nvGrpSpPr>
+          <p:grpSpPr>
+            <a:xfrm>
+              <a:off x="2798459" y="978408"/>
+              <a:ext cx="447675" cy="1219212"/>
+              <a:chOff x="4098130" y="3839519"/>
+              <a:chExt cx="447675" cy="1219212"/>
+            </a:xfrm>
+          </p:grpSpPr>
+          <p:grpSp>
+            <p:nvGrpSpPr>
+              <p:cNvPr id="4" name="Group 3">
+                <a:extLst>
+                  <a:ext uri="{FF2B5EF4-FFF2-40B4-BE49-F238E27FC236}">
+                    <a16:creationId xmlns:a16="http://schemas.microsoft.com/office/drawing/2014/main" id="{19F6828C-34C7-2967-97A6-ED1D941ED4D0}"/>
+                  </a:ext>
+                </a:extLst>
+              </p:cNvPr>
+              <p:cNvGrpSpPr/>
+              <p:nvPr/>
+            </p:nvGrpSpPr>
+            <p:grpSpPr>
+              <a:xfrm>
+                <a:off x="4098130" y="3839519"/>
+                <a:ext cx="447675" cy="1219212"/>
+                <a:chOff x="4098130" y="3839519"/>
+                <a:chExt cx="447675" cy="1219212"/>
+              </a:xfrm>
+            </p:grpSpPr>
+            <p:pic>
+              <p:nvPicPr>
+                <p:cNvPr id="65" name="Picture 64" descr="A black background with a black square&#10;&#10;Description automatically generated with medium confidence">
+                  <a:extLst>
+                    <a:ext uri="{FF2B5EF4-FFF2-40B4-BE49-F238E27FC236}">
+                      <a16:creationId xmlns:a16="http://schemas.microsoft.com/office/drawing/2014/main" id="{4F4011F2-06AF-290B-E4B9-BD70DA36857D}"/>
+                    </a:ext>
+                  </a:extLst>
+                </p:cNvPr>
+                <p:cNvPicPr>
+                  <a:picLocks noChangeAspect="1"/>
+                </p:cNvPicPr>
+                <p:nvPr/>
+              </p:nvPicPr>
+              <p:blipFill>
+                <a:blip r:embed="rId8">
+                  <a:extLst>
+                    <a:ext uri="{28A0092B-C50C-407E-A947-70E740481C1C}">
+                      <a14:useLocalDpi xmlns:a14="http://schemas.microsoft.com/office/drawing/2010/main" val="0"/>
+                    </a:ext>
+                  </a:extLst>
+                </a:blip>
+                <a:srcRect l="26110" r="26260" b="81985"/>
+                <a:stretch/>
+              </p:blipFill>
+              <p:spPr>
+                <a:xfrm>
+                  <a:off x="4180778" y="4046626"/>
+                  <a:ext cx="276028" cy="104400"/>
+                </a:xfrm>
+                <a:prstGeom prst="rect">
+                  <a:avLst/>
+                </a:prstGeom>
+              </p:spPr>
+            </p:pic>
+            <p:pic>
+              <p:nvPicPr>
+                <p:cNvPr id="2" name="Picture 1" descr="A black background with a black square&#10;&#10;Description automatically generated with medium confidence">
+                  <a:extLst>
+                    <a:ext uri="{FF2B5EF4-FFF2-40B4-BE49-F238E27FC236}">
+                      <a16:creationId xmlns:a16="http://schemas.microsoft.com/office/drawing/2014/main" id="{05F92913-7DDB-FB57-470F-355A7A4AC031}"/>
+                    </a:ext>
+                  </a:extLst>
+                </p:cNvPr>
+                <p:cNvPicPr>
+                  <a:picLocks noChangeAspect="1"/>
+                </p:cNvPicPr>
+                <p:nvPr/>
+              </p:nvPicPr>
+              <p:blipFill>
+                <a:blip r:embed="rId6">
+                  <a:extLst>
+                    <a:ext uri="{28A0092B-C50C-407E-A947-70E740481C1C}">
+                      <a14:useLocalDpi xmlns:a14="http://schemas.microsoft.com/office/drawing/2010/main" val="0"/>
+                    </a:ext>
+                  </a:extLst>
+                </a:blip>
+                <a:srcRect l="13283" r="49999"/>
+                <a:stretch/>
+              </p:blipFill>
+              <p:spPr>
+                <a:xfrm>
+                  <a:off x="4098130" y="3839519"/>
+                  <a:ext cx="447675" cy="1219212"/>
+                </a:xfrm>
+                <a:custGeom>
+                  <a:avLst/>
+                  <a:gdLst>
+                    <a:gd name="connsiteX0" fmla="*/ 130623 w 447675"/>
+                    <a:gd name="connsiteY0" fmla="*/ 146425 h 1219212"/>
+                    <a:gd name="connsiteX1" fmla="*/ 130623 w 447675"/>
+                    <a:gd name="connsiteY1" fmla="*/ 219052 h 1219212"/>
+                    <a:gd name="connsiteX2" fmla="*/ 203251 w 447675"/>
+                    <a:gd name="connsiteY2" fmla="*/ 291680 h 1219212"/>
+                    <a:gd name="connsiteX3" fmla="*/ 244424 w 447675"/>
+                    <a:gd name="connsiteY3" fmla="*/ 291681 h 1219212"/>
+                    <a:gd name="connsiteX4" fmla="*/ 317052 w 447675"/>
+                    <a:gd name="connsiteY4" fmla="*/ 219053 h 1219212"/>
+                    <a:gd name="connsiteX5" fmla="*/ 317052 w 447675"/>
+                    <a:gd name="connsiteY5" fmla="*/ 146425 h 1219212"/>
+                    <a:gd name="connsiteX6" fmla="*/ 0 w 447675"/>
+                    <a:gd name="connsiteY6" fmla="*/ 0 h 1219212"/>
+                    <a:gd name="connsiteX7" fmla="*/ 447675 w 447675"/>
+                    <a:gd name="connsiteY7" fmla="*/ 0 h 1219212"/>
+                    <a:gd name="connsiteX8" fmla="*/ 447675 w 447675"/>
+                    <a:gd name="connsiteY8" fmla="*/ 1219212 h 1219212"/>
+                    <a:gd name="connsiteX9" fmla="*/ 0 w 447675"/>
+                    <a:gd name="connsiteY9" fmla="*/ 1219212 h 1219212"/>
+                  </a:gdLst>
+                  <a:ahLst/>
+                  <a:cxnLst>
+                    <a:cxn ang="0">
+                      <a:pos x="connsiteX0" y="connsiteY0"/>
+                    </a:cxn>
+                    <a:cxn ang="0">
+                      <a:pos x="connsiteX1" y="connsiteY1"/>
+                    </a:cxn>
+                    <a:cxn ang="0">
+                      <a:pos x="connsiteX2" y="connsiteY2"/>
+                    </a:cxn>
+                    <a:cxn ang="0">
+                      <a:pos x="connsiteX3" y="connsiteY3"/>
+                    </a:cxn>
+                    <a:cxn ang="0">
+                      <a:pos x="connsiteX4" y="connsiteY4"/>
+                    </a:cxn>
+                    <a:cxn ang="0">
+                      <a:pos x="connsiteX5" y="connsiteY5"/>
+                    </a:cxn>
+                    <a:cxn ang="0">
+                      <a:pos x="connsiteX6" y="connsiteY6"/>
+                    </a:cxn>
+                    <a:cxn ang="0">
+                      <a:pos x="connsiteX7" y="connsiteY7"/>
+                    </a:cxn>
+                    <a:cxn ang="0">
+                      <a:pos x="connsiteX8" y="connsiteY8"/>
+                    </a:cxn>
+                    <a:cxn ang="0">
+                      <a:pos x="connsiteX9" y="connsiteY9"/>
+                    </a:cxn>
+                  </a:cxnLst>
+                  <a:rect l="l" t="t" r="r" b="b"/>
+                  <a:pathLst>
+                    <a:path w="447675" h="1219212">
+                      <a:moveTo>
+                        <a:pt x="130623" y="146425"/>
+                      </a:moveTo>
+                      <a:lnTo>
+                        <a:pt x="130623" y="219052"/>
+                      </a:lnTo>
+                      <a:cubicBezTo>
+                        <a:pt x="130623" y="259163"/>
+                        <a:pt x="163140" y="291680"/>
+                        <a:pt x="203251" y="291680"/>
+                      </a:cubicBezTo>
+                      <a:lnTo>
+                        <a:pt x="244424" y="291681"/>
+                      </a:lnTo>
+                      <a:cubicBezTo>
+                        <a:pt x="284535" y="291681"/>
+                        <a:pt x="317052" y="259164"/>
+                        <a:pt x="317052" y="219053"/>
+                      </a:cubicBezTo>
+                      <a:lnTo>
+                        <a:pt x="317052" y="146425"/>
+                      </a:lnTo>
+                      <a:close/>
+                      <a:moveTo>
+                        <a:pt x="0" y="0"/>
+                      </a:moveTo>
+                      <a:lnTo>
+                        <a:pt x="447675" y="0"/>
+                      </a:lnTo>
+                      <a:lnTo>
+                        <a:pt x="447675" y="1219212"/>
+                      </a:lnTo>
+                      <a:lnTo>
+                        <a:pt x="0" y="1219212"/>
+                      </a:lnTo>
+                      <a:close/>
+                    </a:path>
+                  </a:pathLst>
+                </a:custGeom>
+              </p:spPr>
+            </p:pic>
+          </p:grpSp>
+          <p:pic>
+            <p:nvPicPr>
+              <p:cNvPr id="38" name="Picture 37" descr="A black background with a black square&#10;&#10;Description automatically generated with medium confidence">
+                <a:extLst>
+                  <a:ext uri="{FF2B5EF4-FFF2-40B4-BE49-F238E27FC236}">
+                    <a16:creationId xmlns:a16="http://schemas.microsoft.com/office/drawing/2014/main" id="{46452006-F62F-0285-46BB-00CB39C5D62C}"/>
+                  </a:ext>
+                </a:extLst>
+              </p:cNvPr>
+              <p:cNvPicPr>
+                <a:picLocks noChangeAspect="1"/>
+              </p:cNvPicPr>
+              <p:nvPr/>
+            </p:nvPicPr>
+            <p:blipFill>
+              <a:blip r:embed="rId7">
+                <a:extLst>
+                  <a:ext uri="{28A0092B-C50C-407E-A947-70E740481C1C}">
+                    <a14:useLocalDpi xmlns:a14="http://schemas.microsoft.com/office/drawing/2010/main" val="0"/>
+                  </a:ext>
+                </a:extLst>
+              </a:blip>
+              <a:srcRect l="23742" t="-513" r="23784" b="71703"/>
+              <a:stretch/>
+            </p:blipFill>
+            <p:spPr>
+              <a:xfrm>
+                <a:off x="4168117" y="3954939"/>
+                <a:ext cx="307684" cy="168932"/>
+              </a:xfrm>
+              <a:prstGeom prst="rect">
+                <a:avLst/>
+              </a:prstGeom>
+            </p:spPr>
+          </p:pic>
+        </p:grpSp>
+        <p:pic>
+          <p:nvPicPr>
+            <p:cNvPr id="10" name="Picture 9" descr="A black background with a black square&#10;&#10;Description automatically generated with medium confidence">
+              <a:extLst>
+                <a:ext uri="{FF2B5EF4-FFF2-40B4-BE49-F238E27FC236}">
+                  <a16:creationId xmlns:a16="http://schemas.microsoft.com/office/drawing/2014/main" id="{C5AE389E-7A46-3AB4-3610-28CF78FEDFE5}"/>
+                </a:ext>
+              </a:extLst>
+            </p:cNvPr>
+            <p:cNvPicPr>
+              <a:picLocks noChangeAspect="1"/>
+            </p:cNvPicPr>
+            <p:nvPr/>
+          </p:nvPicPr>
+          <p:blipFill>
+            <a:blip r:embed="rId4">
+              <a:extLst>
+                <a:ext uri="{28A0092B-C50C-407E-A947-70E740481C1C}">
+                  <a14:useLocalDpi xmlns:a14="http://schemas.microsoft.com/office/drawing/2010/main" val="0"/>
+                </a:ext>
+              </a:extLst>
+            </a:blip>
+            <a:srcRect l="33686" t="29058" r="34060" b="29057"/>
+            <a:stretch/>
+          </p:blipFill>
+          <p:spPr>
+            <a:xfrm rot="5400000">
+              <a:off x="2627747" y="1370042"/>
+              <a:ext cx="189585" cy="246194"/>
+            </a:xfrm>
+            <a:custGeom>
+              <a:avLst/>
+              <a:gdLst>
+                <a:gd name="connsiteX0" fmla="*/ 0 w 409575"/>
+                <a:gd name="connsiteY0" fmla="*/ 0 h 531871"/>
+                <a:gd name="connsiteX1" fmla="*/ 409575 w 409575"/>
+                <a:gd name="connsiteY1" fmla="*/ 0 h 531871"/>
+                <a:gd name="connsiteX2" fmla="*/ 409575 w 409575"/>
+                <a:gd name="connsiteY2" fmla="*/ 411212 h 531871"/>
+                <a:gd name="connsiteX3" fmla="*/ 335757 w 409575"/>
+                <a:gd name="connsiteY3" fmla="*/ 411212 h 531871"/>
+                <a:gd name="connsiteX4" fmla="*/ 335757 w 409575"/>
+                <a:gd name="connsiteY4" fmla="*/ 531871 h 531871"/>
+                <a:gd name="connsiteX5" fmla="*/ 0 w 409575"/>
+                <a:gd name="connsiteY5" fmla="*/ 531871 h 531871"/>
+              </a:gdLst>
+              <a:ahLst/>
+              <a:cxnLst>
+                <a:cxn ang="0">
+                  <a:pos x="connsiteX0" y="connsiteY0"/>
+                </a:cxn>
+                <a:cxn ang="0">
+                  <a:pos x="connsiteX1" y="connsiteY1"/>
+                </a:cxn>
+                <a:cxn ang="0">
+                  <a:pos x="connsiteX2" y="connsiteY2"/>
+                </a:cxn>
+                <a:cxn ang="0">
+                  <a:pos x="connsiteX3" y="connsiteY3"/>
+                </a:cxn>
+                <a:cxn ang="0">
+                  <a:pos x="connsiteX4" y="connsiteY4"/>
+                </a:cxn>
+                <a:cxn ang="0">
+                  <a:pos x="connsiteX5" y="connsiteY5"/>
+                </a:cxn>
+              </a:cxnLst>
+              <a:rect l="l" t="t" r="r" b="b"/>
+              <a:pathLst>
+                <a:path w="409575" h="531871">
+                  <a:moveTo>
+                    <a:pt x="0" y="0"/>
+                  </a:moveTo>
+                  <a:lnTo>
+                    <a:pt x="409575" y="0"/>
+                  </a:lnTo>
+                  <a:lnTo>
+                    <a:pt x="409575" y="411212"/>
+                  </a:lnTo>
+                  <a:lnTo>
+                    <a:pt x="335757" y="411212"/>
+                  </a:lnTo>
+                  <a:lnTo>
+                    <a:pt x="335757" y="531871"/>
+                  </a:lnTo>
+                  <a:lnTo>
+                    <a:pt x="0" y="531871"/>
+                  </a:lnTo>
+                  <a:close/>
+                </a:path>
+              </a:pathLst>
+            </a:custGeom>
+          </p:spPr>
+        </p:pic>
+      </p:grpSp>
+      <p:pic>
+        <p:nvPicPr>
+          <p:cNvPr id="11" name="Picture 10" descr="A black background with a black square&#10;&#10;Description automatically generated with medium confidence">
+            <a:extLst>
+              <a:ext uri="{FF2B5EF4-FFF2-40B4-BE49-F238E27FC236}">
+                <a16:creationId xmlns:a16="http://schemas.microsoft.com/office/drawing/2014/main" id="{2A1C36F2-9F55-4FC7-B331-1C3250411297}"/>
+              </a:ext>
+            </a:extLst>
+          </p:cNvPr>
+          <p:cNvPicPr>
+            <a:picLocks noChangeAspect="1"/>
+          </p:cNvPicPr>
+          <p:nvPr/>
+        </p:nvPicPr>
+        <p:blipFill>
+          <a:blip r:embed="rId9">
+            <a:extLst>
+              <a:ext uri="{28A0092B-C50C-407E-A947-70E740481C1C}">
+                <a14:useLocalDpi xmlns:a14="http://schemas.microsoft.com/office/drawing/2010/main" val="0"/>
+              </a:ext>
+            </a:extLst>
+          </a:blip>
+          <a:stretch>
+            <a:fillRect/>
+          </a:stretch>
+        </p:blipFill>
+        <p:spPr>
+          <a:xfrm>
+            <a:off x="7839904" y="3507283"/>
+            <a:ext cx="1220400" cy="1220400"/>
+          </a:xfrm>
+          <a:prstGeom prst="rect">
+            <a:avLst/>
+          </a:prstGeom>
+        </p:spPr>
+      </p:pic>
+      <p:pic>
+        <p:nvPicPr>
+          <p:cNvPr id="20" name="Picture 19" descr="A black background with a black square&#10;&#10;Description automatically generated with medium confidence">
+            <a:extLst>
+              <a:ext uri="{FF2B5EF4-FFF2-40B4-BE49-F238E27FC236}">
+                <a16:creationId xmlns:a16="http://schemas.microsoft.com/office/drawing/2014/main" id="{D4E4C8A5-FCB4-0436-FA14-9905C15EB6C0}"/>
+              </a:ext>
+            </a:extLst>
+          </p:cNvPr>
+          <p:cNvPicPr>
+            <a:picLocks noChangeAspect="1"/>
+          </p:cNvPicPr>
+          <p:nvPr/>
+        </p:nvPicPr>
+        <p:blipFill>
+          <a:blip r:embed="rId10">
+            <a:extLst>
+              <a:ext uri="{28A0092B-C50C-407E-A947-70E740481C1C}">
+                <a14:useLocalDpi xmlns:a14="http://schemas.microsoft.com/office/drawing/2010/main" val="0"/>
+              </a:ext>
+            </a:extLst>
+          </a:blip>
+          <a:stretch>
+            <a:fillRect/>
+          </a:stretch>
+        </p:blipFill>
+        <p:spPr>
+          <a:xfrm>
+            <a:off x="7783502" y="4727683"/>
+            <a:ext cx="1220400" cy="1220400"/>
+          </a:xfrm>
+          <a:prstGeom prst="rect">
+            <a:avLst/>
+          </a:prstGeom>
+        </p:spPr>
+      </p:pic>
+      <p:pic>
+        <p:nvPicPr>
+          <p:cNvPr id="17" name="Picture 16" descr="A black background with a black square&#10;&#10;Description automatically generated with medium confidence">
+            <a:extLst>
+              <a:ext uri="{FF2B5EF4-FFF2-40B4-BE49-F238E27FC236}">
+                <a16:creationId xmlns:a16="http://schemas.microsoft.com/office/drawing/2014/main" id="{78C76E55-9902-926B-0C37-02E4456B30A3}"/>
+              </a:ext>
+            </a:extLst>
+          </p:cNvPr>
+          <p:cNvPicPr>
+            <a:picLocks noChangeAspect="1"/>
+          </p:cNvPicPr>
+          <p:nvPr/>
+        </p:nvPicPr>
+        <p:blipFill>
+          <a:blip r:embed="rId11">
+            <a:extLst>
+              <a:ext uri="{28A0092B-C50C-407E-A947-70E740481C1C}">
+                <a14:useLocalDpi xmlns:a14="http://schemas.microsoft.com/office/drawing/2010/main" val="0"/>
+              </a:ext>
+            </a:extLst>
+          </a:blip>
+          <a:stretch>
+            <a:fillRect/>
+          </a:stretch>
+        </p:blipFill>
+        <p:spPr>
+          <a:xfrm>
+            <a:off x="6587326" y="3661284"/>
+            <a:ext cx="1220400" cy="1220400"/>
+          </a:xfrm>
+          <a:prstGeom prst="rect">
+            <a:avLst/>
+          </a:prstGeom>
+        </p:spPr>
+      </p:pic>
+      <p:pic>
+        <p:nvPicPr>
+          <p:cNvPr id="9" name="Picture 8" descr="A black background with a black square&#10;&#10;Description automatically generated with medium confidence">
+            <a:extLst>
+              <a:ext uri="{FF2B5EF4-FFF2-40B4-BE49-F238E27FC236}">
+                <a16:creationId xmlns:a16="http://schemas.microsoft.com/office/drawing/2014/main" id="{ACF06B34-ECA5-6440-1D34-EBC0C635BCA2}"/>
+              </a:ext>
+            </a:extLst>
+          </p:cNvPr>
+          <p:cNvPicPr>
+            <a:picLocks noChangeAspect="1"/>
+          </p:cNvPicPr>
+          <p:nvPr/>
+        </p:nvPicPr>
+        <p:blipFill>
+          <a:blip r:embed="rId12">
+            <a:extLst>
+              <a:ext uri="{28A0092B-C50C-407E-A947-70E740481C1C}">
+                <a14:useLocalDpi xmlns:a14="http://schemas.microsoft.com/office/drawing/2010/main" val="0"/>
+              </a:ext>
+            </a:extLst>
+          </a:blip>
+          <a:stretch>
+            <a:fillRect/>
+          </a:stretch>
+        </p:blipFill>
+        <p:spPr>
+          <a:xfrm>
+            <a:off x="6575214" y="4855687"/>
+            <a:ext cx="1220400" cy="1220400"/>
+          </a:xfrm>
+          <a:prstGeom prst="rect">
+            <a:avLst/>
+          </a:prstGeom>
+        </p:spPr>
+      </p:pic>
+      <p:grpSp>
+        <p:nvGrpSpPr>
+          <p:cNvPr id="21" name="Group 20">
+            <a:extLst>
+              <a:ext uri="{FF2B5EF4-FFF2-40B4-BE49-F238E27FC236}">
+                <a16:creationId xmlns:a16="http://schemas.microsoft.com/office/drawing/2014/main" id="{8698AF60-574B-609C-92D3-954871209121}"/>
+              </a:ext>
+            </a:extLst>
+          </p:cNvPr>
+          <p:cNvGrpSpPr/>
+          <p:nvPr/>
+        </p:nvGrpSpPr>
+        <p:grpSpPr>
+          <a:xfrm>
+            <a:off x="4659841" y="4594775"/>
+            <a:ext cx="1220400" cy="1220400"/>
+            <a:chOff x="4659841" y="4594775"/>
+            <a:chExt cx="1220400" cy="1220400"/>
+          </a:xfrm>
+        </p:grpSpPr>
+        <p:pic>
+          <p:nvPicPr>
+            <p:cNvPr id="15" name="Picture 14" descr="A black background with a black square&#10;&#10;Description automatically generated with medium confidence">
+              <a:extLst>
+                <a:ext uri="{FF2B5EF4-FFF2-40B4-BE49-F238E27FC236}">
+                  <a16:creationId xmlns:a16="http://schemas.microsoft.com/office/drawing/2014/main" id="{A40B56C6-0BC5-967A-D73D-E7728312AF7F}"/>
+                </a:ext>
+              </a:extLst>
+            </p:cNvPr>
+            <p:cNvPicPr>
+              <a:picLocks noChangeAspect="1"/>
+            </p:cNvPicPr>
+            <p:nvPr/>
+          </p:nvPicPr>
+          <p:blipFill>
+            <a:blip r:embed="rId4">
+              <a:extLst>
+                <a:ext uri="{28A0092B-C50C-407E-A947-70E740481C1C}">
+                  <a14:useLocalDpi xmlns:a14="http://schemas.microsoft.com/office/drawing/2010/main" val="0"/>
+                </a:ext>
+              </a:extLst>
+            </a:blip>
+            <a:srcRect l="33686" t="29058" r="34060" b="29057"/>
+            <a:stretch/>
+          </p:blipFill>
+          <p:spPr>
+            <a:xfrm>
+              <a:off x="4791661" y="4656167"/>
+              <a:ext cx="266224" cy="345717"/>
+            </a:xfrm>
+            <a:custGeom>
+              <a:avLst/>
+              <a:gdLst>
+                <a:gd name="connsiteX0" fmla="*/ 0 w 409575"/>
+                <a:gd name="connsiteY0" fmla="*/ 0 h 531871"/>
+                <a:gd name="connsiteX1" fmla="*/ 409575 w 409575"/>
+                <a:gd name="connsiteY1" fmla="*/ 0 h 531871"/>
+                <a:gd name="connsiteX2" fmla="*/ 409575 w 409575"/>
+                <a:gd name="connsiteY2" fmla="*/ 411212 h 531871"/>
+                <a:gd name="connsiteX3" fmla="*/ 335757 w 409575"/>
+                <a:gd name="connsiteY3" fmla="*/ 411212 h 531871"/>
+                <a:gd name="connsiteX4" fmla="*/ 335757 w 409575"/>
+                <a:gd name="connsiteY4" fmla="*/ 531871 h 531871"/>
+                <a:gd name="connsiteX5" fmla="*/ 0 w 409575"/>
+                <a:gd name="connsiteY5" fmla="*/ 531871 h 531871"/>
+              </a:gdLst>
+              <a:ahLst/>
+              <a:cxnLst>
+                <a:cxn ang="0">
+                  <a:pos x="connsiteX0" y="connsiteY0"/>
+                </a:cxn>
+                <a:cxn ang="0">
+                  <a:pos x="connsiteX1" y="connsiteY1"/>
+                </a:cxn>
+                <a:cxn ang="0">
+                  <a:pos x="connsiteX2" y="connsiteY2"/>
+                </a:cxn>
+                <a:cxn ang="0">
+                  <a:pos x="connsiteX3" y="connsiteY3"/>
+                </a:cxn>
+                <a:cxn ang="0">
+                  <a:pos x="connsiteX4" y="connsiteY4"/>
+                </a:cxn>
+                <a:cxn ang="0">
+                  <a:pos x="connsiteX5" y="connsiteY5"/>
+                </a:cxn>
+              </a:cxnLst>
+              <a:rect l="l" t="t" r="r" b="b"/>
+              <a:pathLst>
+                <a:path w="409575" h="531871">
+                  <a:moveTo>
+                    <a:pt x="0" y="0"/>
+                  </a:moveTo>
+                  <a:lnTo>
+                    <a:pt x="409575" y="0"/>
+                  </a:lnTo>
+                  <a:lnTo>
+                    <a:pt x="409575" y="411212"/>
+                  </a:lnTo>
+                  <a:lnTo>
+                    <a:pt x="335757" y="411212"/>
+                  </a:lnTo>
+                  <a:lnTo>
+                    <a:pt x="335757" y="531871"/>
+                  </a:lnTo>
+                  <a:lnTo>
+                    <a:pt x="0" y="531871"/>
+                  </a:lnTo>
+                  <a:close/>
+                </a:path>
+              </a:pathLst>
+            </a:custGeom>
+          </p:spPr>
+        </p:pic>
+        <p:pic>
+          <p:nvPicPr>
+            <p:cNvPr id="29" name="Picture 28">
+              <a:extLst>
+                <a:ext uri="{FF2B5EF4-FFF2-40B4-BE49-F238E27FC236}">
+                  <a16:creationId xmlns:a16="http://schemas.microsoft.com/office/drawing/2014/main" id="{80599DC2-112F-F605-BFF7-7D9628F04C96}"/>
+                </a:ext>
+              </a:extLst>
+            </p:cNvPr>
+            <p:cNvPicPr>
+              <a:picLocks noChangeAspect="1"/>
+            </p:cNvPicPr>
+            <p:nvPr/>
+          </p:nvPicPr>
+          <p:blipFill>
+            <a:blip r:embed="rId13">
+              <a:extLst>
+                <a:ext uri="{28A0092B-C50C-407E-A947-70E740481C1C}">
+                  <a14:useLocalDpi xmlns:a14="http://schemas.microsoft.com/office/drawing/2010/main" val="0"/>
+                </a:ext>
+              </a:extLst>
+            </a:blip>
+            <a:stretch>
+              <a:fillRect/>
+            </a:stretch>
+          </p:blipFill>
+          <p:spPr>
+            <a:xfrm>
+              <a:off x="4659841" y="4594775"/>
+              <a:ext cx="1220400" cy="1220400"/>
+            </a:xfrm>
+            <a:prstGeom prst="rect">
+              <a:avLst/>
+            </a:prstGeom>
+          </p:spPr>
+        </p:pic>
+        <p:grpSp>
+          <p:nvGrpSpPr>
+            <p:cNvPr id="42" name="Group 41">
+              <a:extLst>
+                <a:ext uri="{FF2B5EF4-FFF2-40B4-BE49-F238E27FC236}">
+                  <a16:creationId xmlns:a16="http://schemas.microsoft.com/office/drawing/2014/main" id="{71123A12-4979-EA19-6863-5EF0EA7D5068}"/>
+                </a:ext>
+              </a:extLst>
+            </p:cNvPr>
+            <p:cNvGrpSpPr/>
+            <p:nvPr/>
+          </p:nvGrpSpPr>
+          <p:grpSpPr>
+            <a:xfrm>
+              <a:off x="5480953" y="4802025"/>
+              <a:ext cx="196726" cy="54000"/>
+              <a:chOff x="5602892" y="4567273"/>
+              <a:chExt cx="196726" cy="54000"/>
+            </a:xfrm>
+          </p:grpSpPr>
+          <p:sp>
+            <p:nvSpPr>
+              <p:cNvPr id="39" name="Oval 38">
+                <a:extLst>
+                  <a:ext uri="{FF2B5EF4-FFF2-40B4-BE49-F238E27FC236}">
+                    <a16:creationId xmlns:a16="http://schemas.microsoft.com/office/drawing/2014/main" id="{E3ED1D4E-E2C6-6847-D749-D25EED86BCF8}"/>
+                  </a:ext>
+                </a:extLst>
+              </p:cNvPr>
+              <p:cNvSpPr>
+                <a:spLocks noChangeAspect="1"/>
+              </p:cNvSpPr>
+              <p:nvPr/>
+            </p:nvSpPr>
+            <p:spPr>
+              <a:xfrm>
+                <a:off x="5602892" y="4567273"/>
+                <a:ext cx="54000" cy="54000"/>
+              </a:xfrm>
+              <a:prstGeom prst="ellipse">
+                <a:avLst/>
+              </a:prstGeom>
+              <a:solidFill>
+                <a:schemeClr val="tx1"/>
+              </a:solidFill>
+              <a:ln>
+                <a:noFill/>
+              </a:ln>
+            </p:spPr>
+            <p:style>
+              <a:lnRef idx="2">
+                <a:schemeClr val="accent1">
+                  <a:shade val="15000"/>
+                </a:schemeClr>
+              </a:lnRef>
+              <a:fillRef idx="1">
+                <a:schemeClr val="accent1"/>
+              </a:fillRef>
+              <a:effectRef idx="0">
+                <a:schemeClr val="accent1"/>
+              </a:effectRef>
+              <a:fontRef idx="minor">
+                <a:schemeClr val="lt1"/>
+              </a:fontRef>
+            </p:style>
+            <p:txBody>
+              <a:bodyPr rtlCol="0" anchor="ctr"/>
+              <a:lstStyle/>
+              <a:p>
+                <a:pPr algn="ctr"/>
+                <a:endParaRPr lang="en-GB"/>
+              </a:p>
+            </p:txBody>
+          </p:sp>
+          <p:sp>
+            <p:nvSpPr>
+              <p:cNvPr id="40" name="Oval 39">
+                <a:extLst>
+                  <a:ext uri="{FF2B5EF4-FFF2-40B4-BE49-F238E27FC236}">
+                    <a16:creationId xmlns:a16="http://schemas.microsoft.com/office/drawing/2014/main" id="{66EBA9D0-86D9-AFFB-74A3-8758B211B8F3}"/>
+                  </a:ext>
+                </a:extLst>
+              </p:cNvPr>
+              <p:cNvSpPr>
+                <a:spLocks noChangeAspect="1"/>
+              </p:cNvSpPr>
+              <p:nvPr/>
+            </p:nvSpPr>
+            <p:spPr>
+              <a:xfrm>
+                <a:off x="5674255" y="4567273"/>
+                <a:ext cx="54000" cy="54000"/>
+              </a:xfrm>
+              <a:prstGeom prst="ellipse">
+                <a:avLst/>
+              </a:prstGeom>
+              <a:solidFill>
+                <a:schemeClr val="tx1"/>
+              </a:solidFill>
+              <a:ln>
+                <a:noFill/>
+              </a:ln>
+            </p:spPr>
+            <p:style>
+              <a:lnRef idx="2">
+                <a:schemeClr val="accent1">
+                  <a:shade val="15000"/>
+                </a:schemeClr>
+              </a:lnRef>
+              <a:fillRef idx="1">
+                <a:schemeClr val="accent1"/>
+              </a:fillRef>
+              <a:effectRef idx="0">
+                <a:schemeClr val="accent1"/>
+              </a:effectRef>
+              <a:fontRef idx="minor">
+                <a:schemeClr val="lt1"/>
+              </a:fontRef>
+            </p:style>
+            <p:txBody>
+              <a:bodyPr rtlCol="0" anchor="ctr"/>
+              <a:lstStyle/>
+              <a:p>
+                <a:pPr algn="ctr"/>
+                <a:endParaRPr lang="en-GB"/>
+              </a:p>
+            </p:txBody>
+          </p:sp>
+          <p:sp>
+            <p:nvSpPr>
+              <p:cNvPr id="41" name="Oval 40">
+                <a:extLst>
+                  <a:ext uri="{FF2B5EF4-FFF2-40B4-BE49-F238E27FC236}">
+                    <a16:creationId xmlns:a16="http://schemas.microsoft.com/office/drawing/2014/main" id="{D33CA1A5-0487-F498-23BC-B222DF013F2F}"/>
+                  </a:ext>
+                </a:extLst>
+              </p:cNvPr>
+              <p:cNvSpPr>
+                <a:spLocks noChangeAspect="1"/>
+              </p:cNvSpPr>
+              <p:nvPr/>
+            </p:nvSpPr>
+            <p:spPr>
+              <a:xfrm>
+                <a:off x="5745618" y="4567273"/>
+                <a:ext cx="54000" cy="54000"/>
+              </a:xfrm>
+              <a:prstGeom prst="ellipse">
+                <a:avLst/>
+              </a:prstGeom>
+              <a:solidFill>
+                <a:schemeClr val="tx1"/>
+              </a:solidFill>
+              <a:ln>
+                <a:noFill/>
+              </a:ln>
+            </p:spPr>
+            <p:style>
+              <a:lnRef idx="2">
+                <a:schemeClr val="accent1">
+                  <a:shade val="15000"/>
+                </a:schemeClr>
+              </a:lnRef>
+              <a:fillRef idx="1">
+                <a:schemeClr val="accent1"/>
+              </a:fillRef>
+              <a:effectRef idx="0">
+                <a:schemeClr val="accent1"/>
+              </a:effectRef>
+              <a:fontRef idx="minor">
+                <a:schemeClr val="lt1"/>
+              </a:fontRef>
+            </p:style>
+            <p:txBody>
+              <a:bodyPr rtlCol="0" anchor="ctr"/>
+              <a:lstStyle/>
+              <a:p>
+                <a:pPr algn="ctr"/>
+                <a:endParaRPr lang="en-GB"/>
+              </a:p>
+            </p:txBody>
+          </p:sp>
+        </p:grpSp>
+      </p:grpSp>
+      <p:pic>
+        <p:nvPicPr>
+          <p:cNvPr id="26" name="Picture 25" descr="A black background with a black square&#10;&#10;Description automatically generated with medium confidence">
+            <a:extLst>
+              <a:ext uri="{FF2B5EF4-FFF2-40B4-BE49-F238E27FC236}">
+                <a16:creationId xmlns:a16="http://schemas.microsoft.com/office/drawing/2014/main" id="{ED86CAA9-F7E2-28F7-2B72-05884EE27C74}"/>
+              </a:ext>
+            </a:extLst>
+          </p:cNvPr>
+          <p:cNvPicPr>
+            <a:picLocks noChangeAspect="1"/>
+          </p:cNvPicPr>
+          <p:nvPr/>
+        </p:nvPicPr>
+        <p:blipFill>
+          <a:blip r:embed="rId6">
+            <a:extLst>
+              <a:ext uri="{28A0092B-C50C-407E-A947-70E740481C1C}">
+                <a14:useLocalDpi xmlns:a14="http://schemas.microsoft.com/office/drawing/2010/main" val="0"/>
+              </a:ext>
+            </a:extLst>
+          </a:blip>
+          <a:srcRect l="50001" r="13280"/>
+          <a:stretch/>
+        </p:blipFill>
+        <p:spPr>
+          <a:xfrm>
+            <a:off x="3628106" y="4392278"/>
+            <a:ext cx="447675" cy="1219212"/>
           </a:xfrm>
           <a:prstGeom prst="rect">
             <a:avLst/>
@@ -5320,7 +11657,2285 @@
     </p:spTree>
     <p:extLst>
       <p:ext uri="{BB962C8B-B14F-4D97-AF65-F5344CB8AC3E}">
-        <p14:creationId xmlns:p14="http://schemas.microsoft.com/office/powerpoint/2010/main" val="233316268"/>
+        <p14:creationId xmlns:p14="http://schemas.microsoft.com/office/powerpoint/2010/main" val="1469133422"/>
+      </p:ext>
+    </p:extLst>
+  </p:cSld>
+  <p:clrMapOvr>
+    <a:masterClrMapping/>
+  </p:clrMapOvr>
+</p:sld>
+</file>
+
+<file path=ppt/slides/slide8.xml><?xml version="1.0" encoding="utf-8"?>
+<p:sld xmlns:a="http://schemas.openxmlformats.org/drawingml/2006/main" xmlns:r="http://schemas.openxmlformats.org/officeDocument/2006/relationships" xmlns:p="http://schemas.openxmlformats.org/presentationml/2006/main">
+  <p:cSld>
+    <p:spTree>
+      <p:nvGrpSpPr>
+        <p:cNvPr id="1" name=""/>
+        <p:cNvGrpSpPr/>
+        <p:nvPr/>
+      </p:nvGrpSpPr>
+      <p:grpSpPr>
+        <a:xfrm>
+          <a:off x="0" y="0"/>
+          <a:ext cx="0" cy="0"/>
+          <a:chOff x="0" y="0"/>
+          <a:chExt cx="0" cy="0"/>
+        </a:xfrm>
+      </p:grpSpPr>
+      <p:pic>
+        <p:nvPicPr>
+          <p:cNvPr id="9" name="Picture 8" descr="A black background with a black square&#10;&#10;Description automatically generated with medium confidence">
+            <a:extLst>
+              <a:ext uri="{FF2B5EF4-FFF2-40B4-BE49-F238E27FC236}">
+                <a16:creationId xmlns:a16="http://schemas.microsoft.com/office/drawing/2014/main" id="{CD6AAA6D-1AEC-01FA-8E97-8439AB3A8B66}"/>
+              </a:ext>
+            </a:extLst>
+          </p:cNvPr>
+          <p:cNvPicPr>
+            <a:picLocks noChangeAspect="1"/>
+          </p:cNvPicPr>
+          <p:nvPr/>
+        </p:nvPicPr>
+        <p:blipFill>
+          <a:blip r:embed="rId2">
+            <a:extLst>
+              <a:ext uri="{28A0092B-C50C-407E-A947-70E740481C1C}">
+                <a14:useLocalDpi xmlns:a14="http://schemas.microsoft.com/office/drawing/2010/main" val="0"/>
+              </a:ext>
+            </a:extLst>
+          </a:blip>
+          <a:stretch>
+            <a:fillRect/>
+          </a:stretch>
+        </p:blipFill>
+        <p:spPr>
+          <a:xfrm>
+            <a:off x="489192" y="1397802"/>
+            <a:ext cx="2546330" cy="2546330"/>
+          </a:xfrm>
+          <a:prstGeom prst="rect">
+            <a:avLst/>
+          </a:prstGeom>
+        </p:spPr>
+      </p:pic>
+      <p:grpSp>
+        <p:nvGrpSpPr>
+          <p:cNvPr id="11" name="Group 10">
+            <a:extLst>
+              <a:ext uri="{FF2B5EF4-FFF2-40B4-BE49-F238E27FC236}">
+                <a16:creationId xmlns:a16="http://schemas.microsoft.com/office/drawing/2014/main" id="{8272CB64-436E-121B-42DB-716AC3E424AB}"/>
+              </a:ext>
+            </a:extLst>
+          </p:cNvPr>
+          <p:cNvGrpSpPr/>
+          <p:nvPr/>
+        </p:nvGrpSpPr>
+        <p:grpSpPr>
+          <a:xfrm>
+            <a:off x="3904564" y="3501991"/>
+            <a:ext cx="2546330" cy="2546330"/>
+            <a:chOff x="6067516" y="1246076"/>
+            <a:chExt cx="2546330" cy="2546330"/>
+          </a:xfrm>
+        </p:grpSpPr>
+        <p:pic>
+          <p:nvPicPr>
+            <p:cNvPr id="12" name="Picture 11" descr="A black background with a black square&#10;&#10;Description automatically generated with medium confidence">
+              <a:extLst>
+                <a:ext uri="{FF2B5EF4-FFF2-40B4-BE49-F238E27FC236}">
+                  <a16:creationId xmlns:a16="http://schemas.microsoft.com/office/drawing/2014/main" id="{A849F07F-F108-191C-205D-8B94FC0CAEDD}"/>
+                </a:ext>
+              </a:extLst>
+            </p:cNvPr>
+            <p:cNvPicPr>
+              <a:picLocks noChangeAspect="1"/>
+            </p:cNvPicPr>
+            <p:nvPr/>
+          </p:nvPicPr>
+          <p:blipFill>
+            <a:blip r:embed="rId2">
+              <a:extLst>
+                <a:ext uri="{28A0092B-C50C-407E-A947-70E740481C1C}">
+                  <a14:useLocalDpi xmlns:a14="http://schemas.microsoft.com/office/drawing/2010/main" val="0"/>
+                </a:ext>
+              </a:extLst>
+            </a:blip>
+            <a:srcRect/>
+            <a:stretch>
+              <a:fillRect/>
+            </a:stretch>
+          </p:blipFill>
+          <p:spPr>
+            <a:xfrm>
+              <a:off x="6067516" y="1246076"/>
+              <a:ext cx="2546330" cy="2546330"/>
+            </a:xfrm>
+            <a:custGeom>
+              <a:avLst/>
+              <a:gdLst>
+                <a:gd name="connsiteX0" fmla="*/ 743168 w 2546330"/>
+                <a:gd name="connsiteY0" fmla="*/ 760972 h 2546330"/>
+                <a:gd name="connsiteX1" fmla="*/ 743168 w 2546330"/>
+                <a:gd name="connsiteY1" fmla="*/ 1743738 h 2546330"/>
+                <a:gd name="connsiteX2" fmla="*/ 2477965 w 2546330"/>
+                <a:gd name="connsiteY2" fmla="*/ 1743738 h 2546330"/>
+                <a:gd name="connsiteX3" fmla="*/ 2477965 w 2546330"/>
+                <a:gd name="connsiteY3" fmla="*/ 760972 h 2546330"/>
+                <a:gd name="connsiteX4" fmla="*/ 0 w 2546330"/>
+                <a:gd name="connsiteY4" fmla="*/ 0 h 2546330"/>
+                <a:gd name="connsiteX5" fmla="*/ 2546330 w 2546330"/>
+                <a:gd name="connsiteY5" fmla="*/ 0 h 2546330"/>
+                <a:gd name="connsiteX6" fmla="*/ 2546330 w 2546330"/>
+                <a:gd name="connsiteY6" fmla="*/ 2546330 h 2546330"/>
+                <a:gd name="connsiteX7" fmla="*/ 0 w 2546330"/>
+                <a:gd name="connsiteY7" fmla="*/ 2546330 h 2546330"/>
+              </a:gdLst>
+              <a:ahLst/>
+              <a:cxnLst>
+                <a:cxn ang="0">
+                  <a:pos x="connsiteX0" y="connsiteY0"/>
+                </a:cxn>
+                <a:cxn ang="0">
+                  <a:pos x="connsiteX1" y="connsiteY1"/>
+                </a:cxn>
+                <a:cxn ang="0">
+                  <a:pos x="connsiteX2" y="connsiteY2"/>
+                </a:cxn>
+                <a:cxn ang="0">
+                  <a:pos x="connsiteX3" y="connsiteY3"/>
+                </a:cxn>
+                <a:cxn ang="0">
+                  <a:pos x="connsiteX4" y="connsiteY4"/>
+                </a:cxn>
+                <a:cxn ang="0">
+                  <a:pos x="connsiteX5" y="connsiteY5"/>
+                </a:cxn>
+                <a:cxn ang="0">
+                  <a:pos x="connsiteX6" y="connsiteY6"/>
+                </a:cxn>
+                <a:cxn ang="0">
+                  <a:pos x="connsiteX7" y="connsiteY7"/>
+                </a:cxn>
+              </a:cxnLst>
+              <a:rect l="l" t="t" r="r" b="b"/>
+              <a:pathLst>
+                <a:path w="2546330" h="2546330">
+                  <a:moveTo>
+                    <a:pt x="743168" y="760972"/>
+                  </a:moveTo>
+                  <a:lnTo>
+                    <a:pt x="743168" y="1743738"/>
+                  </a:lnTo>
+                  <a:lnTo>
+                    <a:pt x="2477965" y="1743738"/>
+                  </a:lnTo>
+                  <a:lnTo>
+                    <a:pt x="2477965" y="760972"/>
+                  </a:lnTo>
+                  <a:close/>
+                  <a:moveTo>
+                    <a:pt x="0" y="0"/>
+                  </a:moveTo>
+                  <a:lnTo>
+                    <a:pt x="2546330" y="0"/>
+                  </a:lnTo>
+                  <a:lnTo>
+                    <a:pt x="2546330" y="2546330"/>
+                  </a:lnTo>
+                  <a:lnTo>
+                    <a:pt x="0" y="2546330"/>
+                  </a:lnTo>
+                  <a:close/>
+                </a:path>
+              </a:pathLst>
+            </a:custGeom>
+          </p:spPr>
+        </p:pic>
+        <p:pic>
+          <p:nvPicPr>
+            <p:cNvPr id="13" name="Picture 12" descr="A black background with a black square&#10;&#10;Description automatically generated with medium confidence">
+              <a:extLst>
+                <a:ext uri="{FF2B5EF4-FFF2-40B4-BE49-F238E27FC236}">
+                  <a16:creationId xmlns:a16="http://schemas.microsoft.com/office/drawing/2014/main" id="{0D0EEDAF-3E70-B9DE-23E6-C52C02D1AB88}"/>
+                </a:ext>
+              </a:extLst>
+            </p:cNvPr>
+            <p:cNvPicPr>
+              <a:picLocks noChangeAspect="1"/>
+            </p:cNvPicPr>
+            <p:nvPr/>
+          </p:nvPicPr>
+          <p:blipFill>
+            <a:blip r:embed="rId3">
+              <a:extLst>
+                <a:ext uri="{28A0092B-C50C-407E-A947-70E740481C1C}">
+                  <a14:useLocalDpi xmlns:a14="http://schemas.microsoft.com/office/drawing/2010/main" val="0"/>
+                </a:ext>
+              </a:extLst>
+            </a:blip>
+            <a:srcRect l="33686" t="29058" r="34060" b="29057"/>
+            <a:stretch/>
+          </p:blipFill>
+          <p:spPr>
+            <a:xfrm rot="5400000">
+              <a:off x="7034738" y="1903544"/>
+              <a:ext cx="937253" cy="1217109"/>
+            </a:xfrm>
+            <a:custGeom>
+              <a:avLst/>
+              <a:gdLst>
+                <a:gd name="connsiteX0" fmla="*/ 0 w 409575"/>
+                <a:gd name="connsiteY0" fmla="*/ 0 h 531871"/>
+                <a:gd name="connsiteX1" fmla="*/ 409575 w 409575"/>
+                <a:gd name="connsiteY1" fmla="*/ 0 h 531871"/>
+                <a:gd name="connsiteX2" fmla="*/ 409575 w 409575"/>
+                <a:gd name="connsiteY2" fmla="*/ 411212 h 531871"/>
+                <a:gd name="connsiteX3" fmla="*/ 335757 w 409575"/>
+                <a:gd name="connsiteY3" fmla="*/ 411212 h 531871"/>
+                <a:gd name="connsiteX4" fmla="*/ 335757 w 409575"/>
+                <a:gd name="connsiteY4" fmla="*/ 531871 h 531871"/>
+                <a:gd name="connsiteX5" fmla="*/ 0 w 409575"/>
+                <a:gd name="connsiteY5" fmla="*/ 531871 h 531871"/>
+              </a:gdLst>
+              <a:ahLst/>
+              <a:cxnLst>
+                <a:cxn ang="0">
+                  <a:pos x="connsiteX0" y="connsiteY0"/>
+                </a:cxn>
+                <a:cxn ang="0">
+                  <a:pos x="connsiteX1" y="connsiteY1"/>
+                </a:cxn>
+                <a:cxn ang="0">
+                  <a:pos x="connsiteX2" y="connsiteY2"/>
+                </a:cxn>
+                <a:cxn ang="0">
+                  <a:pos x="connsiteX3" y="connsiteY3"/>
+                </a:cxn>
+                <a:cxn ang="0">
+                  <a:pos x="connsiteX4" y="connsiteY4"/>
+                </a:cxn>
+                <a:cxn ang="0">
+                  <a:pos x="connsiteX5" y="connsiteY5"/>
+                </a:cxn>
+              </a:cxnLst>
+              <a:rect l="l" t="t" r="r" b="b"/>
+              <a:pathLst>
+                <a:path w="409575" h="531871">
+                  <a:moveTo>
+                    <a:pt x="0" y="0"/>
+                  </a:moveTo>
+                  <a:lnTo>
+                    <a:pt x="409575" y="0"/>
+                  </a:lnTo>
+                  <a:lnTo>
+                    <a:pt x="409575" y="411212"/>
+                  </a:lnTo>
+                  <a:lnTo>
+                    <a:pt x="335757" y="411212"/>
+                  </a:lnTo>
+                  <a:lnTo>
+                    <a:pt x="335757" y="531871"/>
+                  </a:lnTo>
+                  <a:lnTo>
+                    <a:pt x="0" y="531871"/>
+                  </a:lnTo>
+                  <a:close/>
+                </a:path>
+              </a:pathLst>
+            </a:custGeom>
+          </p:spPr>
+        </p:pic>
+      </p:grpSp>
+      <p:grpSp>
+        <p:nvGrpSpPr>
+          <p:cNvPr id="20" name="Group 19">
+            <a:extLst>
+              <a:ext uri="{FF2B5EF4-FFF2-40B4-BE49-F238E27FC236}">
+                <a16:creationId xmlns:a16="http://schemas.microsoft.com/office/drawing/2014/main" id="{3D2D76CD-EB5A-A244-4439-BC951E319D71}"/>
+              </a:ext>
+            </a:extLst>
+          </p:cNvPr>
+          <p:cNvGrpSpPr/>
+          <p:nvPr/>
+        </p:nvGrpSpPr>
+        <p:grpSpPr>
+          <a:xfrm>
+            <a:off x="3904564" y="362551"/>
+            <a:ext cx="2546330" cy="2546330"/>
+            <a:chOff x="6067516" y="1246076"/>
+            <a:chExt cx="2546330" cy="2546330"/>
+          </a:xfrm>
+        </p:grpSpPr>
+        <p:pic>
+          <p:nvPicPr>
+            <p:cNvPr id="21" name="Picture 20" descr="A black background with a black square&#10;&#10;Description automatically generated with medium confidence">
+              <a:extLst>
+                <a:ext uri="{FF2B5EF4-FFF2-40B4-BE49-F238E27FC236}">
+                  <a16:creationId xmlns:a16="http://schemas.microsoft.com/office/drawing/2014/main" id="{0E1DE10A-720E-BDF8-155D-AEE322EAD3EF}"/>
+                </a:ext>
+              </a:extLst>
+            </p:cNvPr>
+            <p:cNvPicPr>
+              <a:picLocks noChangeAspect="1"/>
+            </p:cNvPicPr>
+            <p:nvPr/>
+          </p:nvPicPr>
+          <p:blipFill>
+            <a:blip r:embed="rId2">
+              <a:extLst>
+                <a:ext uri="{28A0092B-C50C-407E-A947-70E740481C1C}">
+                  <a14:useLocalDpi xmlns:a14="http://schemas.microsoft.com/office/drawing/2010/main" val="0"/>
+                </a:ext>
+              </a:extLst>
+            </a:blip>
+            <a:srcRect/>
+            <a:stretch>
+              <a:fillRect/>
+            </a:stretch>
+          </p:blipFill>
+          <p:spPr>
+            <a:xfrm>
+              <a:off x="6067516" y="1246076"/>
+              <a:ext cx="2546330" cy="2546330"/>
+            </a:xfrm>
+            <a:custGeom>
+              <a:avLst/>
+              <a:gdLst>
+                <a:gd name="connsiteX0" fmla="*/ 743168 w 2546330"/>
+                <a:gd name="connsiteY0" fmla="*/ 760972 h 2546330"/>
+                <a:gd name="connsiteX1" fmla="*/ 743168 w 2546330"/>
+                <a:gd name="connsiteY1" fmla="*/ 1743738 h 2546330"/>
+                <a:gd name="connsiteX2" fmla="*/ 2477965 w 2546330"/>
+                <a:gd name="connsiteY2" fmla="*/ 1743738 h 2546330"/>
+                <a:gd name="connsiteX3" fmla="*/ 2477965 w 2546330"/>
+                <a:gd name="connsiteY3" fmla="*/ 760972 h 2546330"/>
+                <a:gd name="connsiteX4" fmla="*/ 0 w 2546330"/>
+                <a:gd name="connsiteY4" fmla="*/ 0 h 2546330"/>
+                <a:gd name="connsiteX5" fmla="*/ 2546330 w 2546330"/>
+                <a:gd name="connsiteY5" fmla="*/ 0 h 2546330"/>
+                <a:gd name="connsiteX6" fmla="*/ 2546330 w 2546330"/>
+                <a:gd name="connsiteY6" fmla="*/ 2546330 h 2546330"/>
+                <a:gd name="connsiteX7" fmla="*/ 0 w 2546330"/>
+                <a:gd name="connsiteY7" fmla="*/ 2546330 h 2546330"/>
+              </a:gdLst>
+              <a:ahLst/>
+              <a:cxnLst>
+                <a:cxn ang="0">
+                  <a:pos x="connsiteX0" y="connsiteY0"/>
+                </a:cxn>
+                <a:cxn ang="0">
+                  <a:pos x="connsiteX1" y="connsiteY1"/>
+                </a:cxn>
+                <a:cxn ang="0">
+                  <a:pos x="connsiteX2" y="connsiteY2"/>
+                </a:cxn>
+                <a:cxn ang="0">
+                  <a:pos x="connsiteX3" y="connsiteY3"/>
+                </a:cxn>
+                <a:cxn ang="0">
+                  <a:pos x="connsiteX4" y="connsiteY4"/>
+                </a:cxn>
+                <a:cxn ang="0">
+                  <a:pos x="connsiteX5" y="connsiteY5"/>
+                </a:cxn>
+                <a:cxn ang="0">
+                  <a:pos x="connsiteX6" y="connsiteY6"/>
+                </a:cxn>
+                <a:cxn ang="0">
+                  <a:pos x="connsiteX7" y="connsiteY7"/>
+                </a:cxn>
+              </a:cxnLst>
+              <a:rect l="l" t="t" r="r" b="b"/>
+              <a:pathLst>
+                <a:path w="2546330" h="2546330">
+                  <a:moveTo>
+                    <a:pt x="743168" y="760972"/>
+                  </a:moveTo>
+                  <a:lnTo>
+                    <a:pt x="743168" y="1743738"/>
+                  </a:lnTo>
+                  <a:lnTo>
+                    <a:pt x="2477965" y="1743738"/>
+                  </a:lnTo>
+                  <a:lnTo>
+                    <a:pt x="2477965" y="760972"/>
+                  </a:lnTo>
+                  <a:close/>
+                  <a:moveTo>
+                    <a:pt x="0" y="0"/>
+                  </a:moveTo>
+                  <a:lnTo>
+                    <a:pt x="2546330" y="0"/>
+                  </a:lnTo>
+                  <a:lnTo>
+                    <a:pt x="2546330" y="2546330"/>
+                  </a:lnTo>
+                  <a:lnTo>
+                    <a:pt x="0" y="2546330"/>
+                  </a:lnTo>
+                  <a:close/>
+                </a:path>
+              </a:pathLst>
+            </a:custGeom>
+          </p:spPr>
+        </p:pic>
+        <p:pic>
+          <p:nvPicPr>
+            <p:cNvPr id="22" name="Picture 21" descr="A black background with a black square&#10;&#10;Description automatically generated with medium confidence">
+              <a:extLst>
+                <a:ext uri="{FF2B5EF4-FFF2-40B4-BE49-F238E27FC236}">
+                  <a16:creationId xmlns:a16="http://schemas.microsoft.com/office/drawing/2014/main" id="{7A1DA75D-BBD4-8C8A-3DA4-EB8896B0FE15}"/>
+                </a:ext>
+              </a:extLst>
+            </p:cNvPr>
+            <p:cNvPicPr>
+              <a:picLocks noChangeAspect="1"/>
+            </p:cNvPicPr>
+            <p:nvPr/>
+          </p:nvPicPr>
+          <p:blipFill>
+            <a:blip r:embed="rId3">
+              <a:extLst>
+                <a:ext uri="{28A0092B-C50C-407E-A947-70E740481C1C}">
+                  <a14:useLocalDpi xmlns:a14="http://schemas.microsoft.com/office/drawing/2010/main" val="0"/>
+                </a:ext>
+              </a:extLst>
+            </a:blip>
+            <a:srcRect l="33686" t="29058" r="34060" b="29057"/>
+            <a:stretch/>
+          </p:blipFill>
+          <p:spPr>
+            <a:xfrm rot="16200000">
+              <a:off x="7218100" y="1929735"/>
+              <a:ext cx="937253" cy="1217109"/>
+            </a:xfrm>
+            <a:custGeom>
+              <a:avLst/>
+              <a:gdLst>
+                <a:gd name="connsiteX0" fmla="*/ 0 w 409575"/>
+                <a:gd name="connsiteY0" fmla="*/ 0 h 531871"/>
+                <a:gd name="connsiteX1" fmla="*/ 409575 w 409575"/>
+                <a:gd name="connsiteY1" fmla="*/ 0 h 531871"/>
+                <a:gd name="connsiteX2" fmla="*/ 409575 w 409575"/>
+                <a:gd name="connsiteY2" fmla="*/ 411212 h 531871"/>
+                <a:gd name="connsiteX3" fmla="*/ 335757 w 409575"/>
+                <a:gd name="connsiteY3" fmla="*/ 411212 h 531871"/>
+                <a:gd name="connsiteX4" fmla="*/ 335757 w 409575"/>
+                <a:gd name="connsiteY4" fmla="*/ 531871 h 531871"/>
+                <a:gd name="connsiteX5" fmla="*/ 0 w 409575"/>
+                <a:gd name="connsiteY5" fmla="*/ 531871 h 531871"/>
+              </a:gdLst>
+              <a:ahLst/>
+              <a:cxnLst>
+                <a:cxn ang="0">
+                  <a:pos x="connsiteX0" y="connsiteY0"/>
+                </a:cxn>
+                <a:cxn ang="0">
+                  <a:pos x="connsiteX1" y="connsiteY1"/>
+                </a:cxn>
+                <a:cxn ang="0">
+                  <a:pos x="connsiteX2" y="connsiteY2"/>
+                </a:cxn>
+                <a:cxn ang="0">
+                  <a:pos x="connsiteX3" y="connsiteY3"/>
+                </a:cxn>
+                <a:cxn ang="0">
+                  <a:pos x="connsiteX4" y="connsiteY4"/>
+                </a:cxn>
+                <a:cxn ang="0">
+                  <a:pos x="connsiteX5" y="connsiteY5"/>
+                </a:cxn>
+              </a:cxnLst>
+              <a:rect l="l" t="t" r="r" b="b"/>
+              <a:pathLst>
+                <a:path w="409575" h="531871">
+                  <a:moveTo>
+                    <a:pt x="0" y="0"/>
+                  </a:moveTo>
+                  <a:lnTo>
+                    <a:pt x="409575" y="0"/>
+                  </a:lnTo>
+                  <a:lnTo>
+                    <a:pt x="409575" y="411212"/>
+                  </a:lnTo>
+                  <a:lnTo>
+                    <a:pt x="335757" y="411212"/>
+                  </a:lnTo>
+                  <a:lnTo>
+                    <a:pt x="335757" y="531871"/>
+                  </a:lnTo>
+                  <a:lnTo>
+                    <a:pt x="0" y="531871"/>
+                  </a:lnTo>
+                  <a:close/>
+                </a:path>
+              </a:pathLst>
+            </a:custGeom>
+          </p:spPr>
+        </p:pic>
+      </p:grpSp>
+      <p:cxnSp>
+        <p:nvCxnSpPr>
+          <p:cNvPr id="3" name="Straight Connector 2">
+            <a:extLst>
+              <a:ext uri="{FF2B5EF4-FFF2-40B4-BE49-F238E27FC236}">
+                <a16:creationId xmlns:a16="http://schemas.microsoft.com/office/drawing/2014/main" id="{A1ACD192-CD7A-6553-7702-857FF4618C7C}"/>
+              </a:ext>
+            </a:extLst>
+          </p:cNvPr>
+          <p:cNvCxnSpPr>
+            <a:cxnSpLocks/>
+          </p:cNvCxnSpPr>
+          <p:nvPr/>
+        </p:nvCxnSpPr>
+        <p:spPr>
+          <a:xfrm>
+            <a:off x="5432856" y="4187843"/>
+            <a:ext cx="0" cy="1178719"/>
+          </a:xfrm>
+          <a:prstGeom prst="line">
+            <a:avLst/>
+          </a:prstGeom>
+        </p:spPr>
+        <p:style>
+          <a:lnRef idx="1">
+            <a:schemeClr val="accent1"/>
+          </a:lnRef>
+          <a:fillRef idx="0">
+            <a:schemeClr val="accent1"/>
+          </a:fillRef>
+          <a:effectRef idx="0">
+            <a:schemeClr val="accent1"/>
+          </a:effectRef>
+          <a:fontRef idx="minor">
+            <a:schemeClr val="tx1"/>
+          </a:fontRef>
+        </p:style>
+      </p:cxnSp>
+      <p:cxnSp>
+        <p:nvCxnSpPr>
+          <p:cNvPr id="7" name="Straight Connector 6">
+            <a:extLst>
+              <a:ext uri="{FF2B5EF4-FFF2-40B4-BE49-F238E27FC236}">
+                <a16:creationId xmlns:a16="http://schemas.microsoft.com/office/drawing/2014/main" id="{CFE5901E-D2A2-72A2-F17C-B7064452A4EF}"/>
+              </a:ext>
+            </a:extLst>
+          </p:cNvPr>
+          <p:cNvCxnSpPr/>
+          <p:nvPr/>
+        </p:nvCxnSpPr>
+        <p:spPr>
+          <a:xfrm flipV="1">
+            <a:off x="5457048" y="4187843"/>
+            <a:ext cx="0" cy="164306"/>
+          </a:xfrm>
+          <a:prstGeom prst="line">
+            <a:avLst/>
+          </a:prstGeom>
+        </p:spPr>
+        <p:style>
+          <a:lnRef idx="1">
+            <a:schemeClr val="accent1"/>
+          </a:lnRef>
+          <a:fillRef idx="0">
+            <a:schemeClr val="accent1"/>
+          </a:fillRef>
+          <a:effectRef idx="0">
+            <a:schemeClr val="accent1"/>
+          </a:effectRef>
+          <a:fontRef idx="minor">
+            <a:schemeClr val="tx1"/>
+          </a:fontRef>
+        </p:style>
+      </p:cxnSp>
+      <p:cxnSp>
+        <p:nvCxnSpPr>
+          <p:cNvPr id="8" name="Straight Connector 7">
+            <a:extLst>
+              <a:ext uri="{FF2B5EF4-FFF2-40B4-BE49-F238E27FC236}">
+                <a16:creationId xmlns:a16="http://schemas.microsoft.com/office/drawing/2014/main" id="{014AD73B-D48C-CC0A-30A3-D121FF99EAD1}"/>
+              </a:ext>
+            </a:extLst>
+          </p:cNvPr>
+          <p:cNvCxnSpPr/>
+          <p:nvPr/>
+        </p:nvCxnSpPr>
+        <p:spPr>
+          <a:xfrm flipV="1">
+            <a:off x="5457048" y="5202256"/>
+            <a:ext cx="0" cy="164306"/>
+          </a:xfrm>
+          <a:prstGeom prst="line">
+            <a:avLst/>
+          </a:prstGeom>
+        </p:spPr>
+        <p:style>
+          <a:lnRef idx="1">
+            <a:schemeClr val="accent1"/>
+          </a:lnRef>
+          <a:fillRef idx="0">
+            <a:schemeClr val="accent1"/>
+          </a:fillRef>
+          <a:effectRef idx="0">
+            <a:schemeClr val="accent1"/>
+          </a:effectRef>
+          <a:fontRef idx="minor">
+            <a:schemeClr val="tx1"/>
+          </a:fontRef>
+        </p:style>
+      </p:cxnSp>
+      <p:cxnSp>
+        <p:nvCxnSpPr>
+          <p:cNvPr id="10" name="Straight Connector 9">
+            <a:extLst>
+              <a:ext uri="{FF2B5EF4-FFF2-40B4-BE49-F238E27FC236}">
+                <a16:creationId xmlns:a16="http://schemas.microsoft.com/office/drawing/2014/main" id="{A9D043E9-2D11-F554-DC9A-159E7C0704E2}"/>
+              </a:ext>
+            </a:extLst>
+          </p:cNvPr>
+          <p:cNvCxnSpPr>
+            <a:cxnSpLocks/>
+          </p:cNvCxnSpPr>
+          <p:nvPr/>
+        </p:nvCxnSpPr>
+        <p:spPr>
+          <a:xfrm>
+            <a:off x="5432856" y="1046974"/>
+            <a:ext cx="0" cy="1178719"/>
+          </a:xfrm>
+          <a:prstGeom prst="line">
+            <a:avLst/>
+          </a:prstGeom>
+        </p:spPr>
+        <p:style>
+          <a:lnRef idx="1">
+            <a:schemeClr val="accent1"/>
+          </a:lnRef>
+          <a:fillRef idx="0">
+            <a:schemeClr val="accent1"/>
+          </a:fillRef>
+          <a:effectRef idx="0">
+            <a:schemeClr val="accent1"/>
+          </a:effectRef>
+          <a:fontRef idx="minor">
+            <a:schemeClr val="tx1"/>
+          </a:fontRef>
+        </p:style>
+      </p:cxnSp>
+      <p:cxnSp>
+        <p:nvCxnSpPr>
+          <p:cNvPr id="14" name="Straight Connector 13">
+            <a:extLst>
+              <a:ext uri="{FF2B5EF4-FFF2-40B4-BE49-F238E27FC236}">
+                <a16:creationId xmlns:a16="http://schemas.microsoft.com/office/drawing/2014/main" id="{50546511-D4BD-563D-61FF-C94B0579BF4F}"/>
+              </a:ext>
+            </a:extLst>
+          </p:cNvPr>
+          <p:cNvCxnSpPr/>
+          <p:nvPr/>
+        </p:nvCxnSpPr>
+        <p:spPr>
+          <a:xfrm flipV="1">
+            <a:off x="5457048" y="1046974"/>
+            <a:ext cx="0" cy="164306"/>
+          </a:xfrm>
+          <a:prstGeom prst="line">
+            <a:avLst/>
+          </a:prstGeom>
+        </p:spPr>
+        <p:style>
+          <a:lnRef idx="1">
+            <a:schemeClr val="accent1"/>
+          </a:lnRef>
+          <a:fillRef idx="0">
+            <a:schemeClr val="accent1"/>
+          </a:fillRef>
+          <a:effectRef idx="0">
+            <a:schemeClr val="accent1"/>
+          </a:effectRef>
+          <a:fontRef idx="minor">
+            <a:schemeClr val="tx1"/>
+          </a:fontRef>
+        </p:style>
+      </p:cxnSp>
+      <p:cxnSp>
+        <p:nvCxnSpPr>
+          <p:cNvPr id="15" name="Straight Connector 14">
+            <a:extLst>
+              <a:ext uri="{FF2B5EF4-FFF2-40B4-BE49-F238E27FC236}">
+                <a16:creationId xmlns:a16="http://schemas.microsoft.com/office/drawing/2014/main" id="{963A9D78-4EB7-7F15-E4A5-F6CCC53FC0ED}"/>
+              </a:ext>
+            </a:extLst>
+          </p:cNvPr>
+          <p:cNvCxnSpPr/>
+          <p:nvPr/>
+        </p:nvCxnSpPr>
+        <p:spPr>
+          <a:xfrm flipV="1">
+            <a:off x="5457048" y="2061387"/>
+            <a:ext cx="0" cy="164306"/>
+          </a:xfrm>
+          <a:prstGeom prst="line">
+            <a:avLst/>
+          </a:prstGeom>
+        </p:spPr>
+        <p:style>
+          <a:lnRef idx="1">
+            <a:schemeClr val="accent1"/>
+          </a:lnRef>
+          <a:fillRef idx="0">
+            <a:schemeClr val="accent1"/>
+          </a:fillRef>
+          <a:effectRef idx="0">
+            <a:schemeClr val="accent1"/>
+          </a:effectRef>
+          <a:fontRef idx="minor">
+            <a:schemeClr val="tx1"/>
+          </a:fontRef>
+        </p:style>
+      </p:cxnSp>
+      <p:pic>
+        <p:nvPicPr>
+          <p:cNvPr id="2" name="Picture 1" descr="A black background with a black square&#10;&#10;Description automatically generated with medium confidence">
+            <a:extLst>
+              <a:ext uri="{FF2B5EF4-FFF2-40B4-BE49-F238E27FC236}">
+                <a16:creationId xmlns:a16="http://schemas.microsoft.com/office/drawing/2014/main" id="{02846239-263F-9382-53F1-3BE68FF4714E}"/>
+              </a:ext>
+            </a:extLst>
+          </p:cNvPr>
+          <p:cNvPicPr>
+            <a:picLocks noChangeAspect="1"/>
+          </p:cNvPicPr>
+          <p:nvPr/>
+        </p:nvPicPr>
+        <p:blipFill>
+          <a:blip r:embed="rId4">
+            <a:extLst>
+              <a:ext uri="{28A0092B-C50C-407E-A947-70E740481C1C}">
+                <a14:useLocalDpi xmlns:a14="http://schemas.microsoft.com/office/drawing/2010/main" val="0"/>
+              </a:ext>
+            </a:extLst>
+          </a:blip>
+          <a:stretch>
+            <a:fillRect/>
+          </a:stretch>
+        </p:blipFill>
+        <p:spPr>
+          <a:xfrm>
+            <a:off x="9249027" y="1085664"/>
+            <a:ext cx="1269841" cy="1269841"/>
+          </a:xfrm>
+          <a:prstGeom prst="rect">
+            <a:avLst/>
+          </a:prstGeom>
+        </p:spPr>
+      </p:pic>
+      <p:grpSp>
+        <p:nvGrpSpPr>
+          <p:cNvPr id="17" name="Group 16">
+            <a:extLst>
+              <a:ext uri="{FF2B5EF4-FFF2-40B4-BE49-F238E27FC236}">
+                <a16:creationId xmlns:a16="http://schemas.microsoft.com/office/drawing/2014/main" id="{A4A1B35A-F163-3C5C-70AF-0142C3A37E0A}"/>
+              </a:ext>
+            </a:extLst>
+          </p:cNvPr>
+          <p:cNvGrpSpPr/>
+          <p:nvPr/>
+        </p:nvGrpSpPr>
+        <p:grpSpPr>
+          <a:xfrm>
+            <a:off x="7979186" y="1085664"/>
+            <a:ext cx="1269841" cy="1269841"/>
+            <a:chOff x="4623495" y="2496403"/>
+            <a:chExt cx="1269841" cy="1269841"/>
+          </a:xfrm>
+        </p:grpSpPr>
+        <p:pic>
+          <p:nvPicPr>
+            <p:cNvPr id="5" name="Picture 4" descr="A black background with a black square&#10;&#10;Description automatically generated with medium confidence">
+              <a:extLst>
+                <a:ext uri="{FF2B5EF4-FFF2-40B4-BE49-F238E27FC236}">
+                  <a16:creationId xmlns:a16="http://schemas.microsoft.com/office/drawing/2014/main" id="{2D85374F-F509-DC79-9CBF-864253B5C48A}"/>
+                </a:ext>
+              </a:extLst>
+            </p:cNvPr>
+            <p:cNvPicPr>
+              <a:picLocks noChangeAspect="1"/>
+            </p:cNvPicPr>
+            <p:nvPr/>
+          </p:nvPicPr>
+          <p:blipFill>
+            <a:blip r:embed="rId5">
+              <a:extLst>
+                <a:ext uri="{28A0092B-C50C-407E-A947-70E740481C1C}">
+                  <a14:useLocalDpi xmlns:a14="http://schemas.microsoft.com/office/drawing/2010/main" val="0"/>
+                </a:ext>
+              </a:extLst>
+            </a:blip>
+            <a:stretch>
+              <a:fillRect/>
+            </a:stretch>
+          </p:blipFill>
+          <p:spPr>
+            <a:xfrm>
+              <a:off x="4623495" y="2496403"/>
+              <a:ext cx="1269841" cy="1269841"/>
+            </a:xfrm>
+            <a:prstGeom prst="rect">
+              <a:avLst/>
+            </a:prstGeom>
+          </p:spPr>
+        </p:pic>
+        <p:sp>
+          <p:nvSpPr>
+            <p:cNvPr id="4" name="Circle: Hollow 3">
+              <a:extLst>
+                <a:ext uri="{FF2B5EF4-FFF2-40B4-BE49-F238E27FC236}">
+                  <a16:creationId xmlns:a16="http://schemas.microsoft.com/office/drawing/2014/main" id="{6A2BAEB4-B573-CEF6-5B22-302BB5123653}"/>
+                </a:ext>
+              </a:extLst>
+            </p:cNvPr>
+            <p:cNvSpPr>
+              <a:spLocks noChangeAspect="1"/>
+            </p:cNvSpPr>
+            <p:nvPr/>
+          </p:nvSpPr>
+          <p:spPr>
+            <a:xfrm>
+              <a:off x="5300525" y="2950613"/>
+              <a:ext cx="450000" cy="450000"/>
+            </a:xfrm>
+            <a:prstGeom prst="donut">
+              <a:avLst>
+                <a:gd name="adj" fmla="val 26134"/>
+              </a:avLst>
+            </a:prstGeom>
+            <a:solidFill>
+              <a:schemeClr val="tx1"/>
+            </a:solidFill>
+            <a:ln>
+              <a:noFill/>
+            </a:ln>
+          </p:spPr>
+          <p:style>
+            <a:lnRef idx="2">
+              <a:schemeClr val="accent1">
+                <a:shade val="15000"/>
+              </a:schemeClr>
+            </a:lnRef>
+            <a:fillRef idx="1">
+              <a:schemeClr val="accent1"/>
+            </a:fillRef>
+            <a:effectRef idx="0">
+              <a:schemeClr val="accent1"/>
+            </a:effectRef>
+            <a:fontRef idx="minor">
+              <a:schemeClr val="lt1"/>
+            </a:fontRef>
+          </p:style>
+          <p:txBody>
+            <a:bodyPr rtlCol="0" anchor="ctr"/>
+            <a:lstStyle/>
+            <a:p>
+              <a:pPr algn="ctr"/>
+              <a:endParaRPr lang="en-GB"/>
+            </a:p>
+          </p:txBody>
+        </p:sp>
+        <p:sp>
+          <p:nvSpPr>
+            <p:cNvPr id="6" name="Circle: Hollow 5">
+              <a:extLst>
+                <a:ext uri="{FF2B5EF4-FFF2-40B4-BE49-F238E27FC236}">
+                  <a16:creationId xmlns:a16="http://schemas.microsoft.com/office/drawing/2014/main" id="{DEDDE9E2-14AB-E8B3-52EB-ED221AE7A793}"/>
+                </a:ext>
+              </a:extLst>
+            </p:cNvPr>
+            <p:cNvSpPr>
+              <a:spLocks noChangeAspect="1"/>
+            </p:cNvSpPr>
+            <p:nvPr/>
+          </p:nvSpPr>
+          <p:spPr>
+            <a:xfrm>
+              <a:off x="4760087" y="2950613"/>
+              <a:ext cx="450000" cy="450000"/>
+            </a:xfrm>
+            <a:prstGeom prst="donut">
+              <a:avLst>
+                <a:gd name="adj" fmla="val 26134"/>
+              </a:avLst>
+            </a:prstGeom>
+            <a:solidFill>
+              <a:schemeClr val="tx1"/>
+            </a:solidFill>
+            <a:ln>
+              <a:noFill/>
+            </a:ln>
+          </p:spPr>
+          <p:style>
+            <a:lnRef idx="2">
+              <a:schemeClr val="accent1">
+                <a:shade val="15000"/>
+              </a:schemeClr>
+            </a:lnRef>
+            <a:fillRef idx="1">
+              <a:schemeClr val="accent1"/>
+            </a:fillRef>
+            <a:effectRef idx="0">
+              <a:schemeClr val="accent1"/>
+            </a:effectRef>
+            <a:fontRef idx="minor">
+              <a:schemeClr val="lt1"/>
+            </a:fontRef>
+          </p:style>
+          <p:txBody>
+            <a:bodyPr rtlCol="0" anchor="ctr"/>
+            <a:lstStyle/>
+            <a:p>
+              <a:pPr algn="ctr"/>
+              <a:endParaRPr lang="en-GB"/>
+            </a:p>
+          </p:txBody>
+        </p:sp>
+      </p:grpSp>
+      <p:grpSp>
+        <p:nvGrpSpPr>
+          <p:cNvPr id="16" name="Group 15">
+            <a:extLst>
+              <a:ext uri="{FF2B5EF4-FFF2-40B4-BE49-F238E27FC236}">
+                <a16:creationId xmlns:a16="http://schemas.microsoft.com/office/drawing/2014/main" id="{99AA29F6-68BB-6AFC-6D02-7FE610A5408A}"/>
+              </a:ext>
+            </a:extLst>
+          </p:cNvPr>
+          <p:cNvGrpSpPr/>
+          <p:nvPr/>
+        </p:nvGrpSpPr>
+        <p:grpSpPr>
+          <a:xfrm>
+            <a:off x="9106216" y="3966799"/>
+            <a:ext cx="1269841" cy="1269841"/>
+            <a:chOff x="5513981" y="3055174"/>
+            <a:chExt cx="1269841" cy="1269841"/>
+          </a:xfrm>
+        </p:grpSpPr>
+        <p:pic>
+          <p:nvPicPr>
+            <p:cNvPr id="18" name="Picture 17" descr="A black background with a black square&#10;&#10;Description automatically generated with medium confidence">
+              <a:extLst>
+                <a:ext uri="{FF2B5EF4-FFF2-40B4-BE49-F238E27FC236}">
+                  <a16:creationId xmlns:a16="http://schemas.microsoft.com/office/drawing/2014/main" id="{9FEC5E42-71F3-3807-929D-A30BEE3B40DD}"/>
+                </a:ext>
+              </a:extLst>
+            </p:cNvPr>
+            <p:cNvPicPr>
+              <a:picLocks noChangeAspect="1"/>
+            </p:cNvPicPr>
+            <p:nvPr/>
+          </p:nvPicPr>
+          <p:blipFill>
+            <a:blip r:embed="rId6">
+              <a:extLst>
+                <a:ext uri="{28A0092B-C50C-407E-A947-70E740481C1C}">
+                  <a14:useLocalDpi xmlns:a14="http://schemas.microsoft.com/office/drawing/2010/main" val="0"/>
+                </a:ext>
+              </a:extLst>
+            </a:blip>
+            <a:stretch>
+              <a:fillRect/>
+            </a:stretch>
+          </p:blipFill>
+          <p:spPr>
+            <a:xfrm>
+              <a:off x="5513981" y="3055174"/>
+              <a:ext cx="1269841" cy="1269841"/>
+            </a:xfrm>
+            <a:prstGeom prst="rect">
+              <a:avLst/>
+            </a:prstGeom>
+          </p:spPr>
+        </p:pic>
+        <p:pic>
+          <p:nvPicPr>
+            <p:cNvPr id="19" name="Picture 18" descr="A black background with a black square&#10;&#10;Description automatically generated with medium confidence">
+              <a:extLst>
+                <a:ext uri="{FF2B5EF4-FFF2-40B4-BE49-F238E27FC236}">
+                  <a16:creationId xmlns:a16="http://schemas.microsoft.com/office/drawing/2014/main" id="{953958FC-5069-F732-5F6A-22B560BEE643}"/>
+                </a:ext>
+              </a:extLst>
+            </p:cNvPr>
+            <p:cNvPicPr>
+              <a:picLocks noChangeAspect="1"/>
+            </p:cNvPicPr>
+            <p:nvPr/>
+          </p:nvPicPr>
+          <p:blipFill>
+            <a:blip r:embed="rId7">
+              <a:extLst>
+                <a:ext uri="{28A0092B-C50C-407E-A947-70E740481C1C}">
+                  <a14:useLocalDpi xmlns:a14="http://schemas.microsoft.com/office/drawing/2010/main" val="0"/>
+                </a:ext>
+              </a:extLst>
+            </a:blip>
+            <a:srcRect l="74525" t="8436" r="12348" b="43745"/>
+            <a:stretch/>
+          </p:blipFill>
+          <p:spPr>
+            <a:xfrm>
+              <a:off x="6617134" y="3386484"/>
+              <a:ext cx="166688" cy="607219"/>
+            </a:xfrm>
+            <a:prstGeom prst="rect">
+              <a:avLst/>
+            </a:prstGeom>
+          </p:spPr>
+        </p:pic>
+      </p:grpSp>
+    </p:spTree>
+    <p:extLst>
+      <p:ext uri="{BB962C8B-B14F-4D97-AF65-F5344CB8AC3E}">
+        <p14:creationId xmlns:p14="http://schemas.microsoft.com/office/powerpoint/2010/main" val="2682275222"/>
+      </p:ext>
+    </p:extLst>
+  </p:cSld>
+  <p:clrMapOvr>
+    <a:masterClrMapping/>
+  </p:clrMapOvr>
+</p:sld>
+</file>
+
+<file path=ppt/slides/slide9.xml><?xml version="1.0" encoding="utf-8"?>
+<p:sld xmlns:a="http://schemas.openxmlformats.org/drawingml/2006/main" xmlns:r="http://schemas.openxmlformats.org/officeDocument/2006/relationships" xmlns:p="http://schemas.openxmlformats.org/presentationml/2006/main">
+  <p:cSld>
+    <p:spTree>
+      <p:nvGrpSpPr>
+        <p:cNvPr id="1" name=""/>
+        <p:cNvGrpSpPr/>
+        <p:nvPr/>
+      </p:nvGrpSpPr>
+      <p:grpSpPr>
+        <a:xfrm>
+          <a:off x="0" y="0"/>
+          <a:ext cx="0" cy="0"/>
+          <a:chOff x="0" y="0"/>
+          <a:chExt cx="0" cy="0"/>
+        </a:xfrm>
+      </p:grpSpPr>
+      <p:pic>
+        <p:nvPicPr>
+          <p:cNvPr id="21" name="Picture 20" descr="A black background with a black square&#10;&#10;Description automatically generated with medium confidence">
+            <a:extLst>
+              <a:ext uri="{FF2B5EF4-FFF2-40B4-BE49-F238E27FC236}">
+                <a16:creationId xmlns:a16="http://schemas.microsoft.com/office/drawing/2014/main" id="{6CB6684B-F8D9-4B39-7684-3BB2E7B44C05}"/>
+              </a:ext>
+            </a:extLst>
+          </p:cNvPr>
+          <p:cNvPicPr>
+            <a:picLocks noChangeAspect="1"/>
+          </p:cNvPicPr>
+          <p:nvPr/>
+        </p:nvPicPr>
+        <p:blipFill>
+          <a:blip r:embed="rId2">
+            <a:extLst>
+              <a:ext uri="{28A0092B-C50C-407E-A947-70E740481C1C}">
+                <a14:useLocalDpi xmlns:a14="http://schemas.microsoft.com/office/drawing/2010/main" val="0"/>
+              </a:ext>
+            </a:extLst>
+          </a:blip>
+          <a:stretch>
+            <a:fillRect/>
+          </a:stretch>
+        </p:blipFill>
+        <p:spPr>
+          <a:xfrm>
+            <a:off x="6346" y="0"/>
+            <a:ext cx="3835320" cy="3835320"/>
+          </a:xfrm>
+          <a:prstGeom prst="rect">
+            <a:avLst/>
+          </a:prstGeom>
+          <a:ln>
+            <a:solidFill>
+              <a:schemeClr val="tx1"/>
+            </a:solidFill>
+          </a:ln>
+        </p:spPr>
+      </p:pic>
+      <p:grpSp>
+        <p:nvGrpSpPr>
+          <p:cNvPr id="68" name="Group 67">
+            <a:extLst>
+              <a:ext uri="{FF2B5EF4-FFF2-40B4-BE49-F238E27FC236}">
+                <a16:creationId xmlns:a16="http://schemas.microsoft.com/office/drawing/2014/main" id="{9DFD1BF8-69B1-A660-3AA0-C4E28356C88D}"/>
+              </a:ext>
+            </a:extLst>
+          </p:cNvPr>
+          <p:cNvGrpSpPr/>
+          <p:nvPr/>
+        </p:nvGrpSpPr>
+        <p:grpSpPr>
+          <a:xfrm>
+            <a:off x="3979224" y="473974"/>
+            <a:ext cx="3361346" cy="3361346"/>
+            <a:chOff x="4007088" y="2154647"/>
+            <a:chExt cx="3361346" cy="3361346"/>
+          </a:xfrm>
+        </p:grpSpPr>
+        <p:pic>
+          <p:nvPicPr>
+            <p:cNvPr id="22" name="Picture 21" descr="A black background with a black square&#10;&#10;Description automatically generated with medium confidence">
+              <a:extLst>
+                <a:ext uri="{FF2B5EF4-FFF2-40B4-BE49-F238E27FC236}">
+                  <a16:creationId xmlns:a16="http://schemas.microsoft.com/office/drawing/2014/main" id="{BB358FC4-3345-F9DA-2037-89A1C64C9292}"/>
+                </a:ext>
+              </a:extLst>
+            </p:cNvPr>
+            <p:cNvPicPr>
+              <a:picLocks noChangeAspect="1"/>
+            </p:cNvPicPr>
+            <p:nvPr/>
+          </p:nvPicPr>
+          <p:blipFill>
+            <a:blip r:embed="rId2">
+              <a:extLst>
+                <a:ext uri="{28A0092B-C50C-407E-A947-70E740481C1C}">
+                  <a14:useLocalDpi xmlns:a14="http://schemas.microsoft.com/office/drawing/2010/main" val="0"/>
+                </a:ext>
+              </a:extLst>
+            </a:blip>
+            <a:srcRect/>
+            <a:stretch>
+              <a:fillRect/>
+            </a:stretch>
+          </p:blipFill>
+          <p:spPr>
+            <a:xfrm>
+              <a:off x="4007088" y="2154647"/>
+              <a:ext cx="3361346" cy="3361346"/>
+            </a:xfrm>
+            <a:custGeom>
+              <a:avLst/>
+              <a:gdLst>
+                <a:gd name="connsiteX0" fmla="*/ 1706919 w 3835320"/>
+                <a:gd name="connsiteY0" fmla="*/ 2426542 h 3835320"/>
+                <a:gd name="connsiteX1" fmla="*/ 1706919 w 3835320"/>
+                <a:gd name="connsiteY1" fmla="*/ 2914698 h 3835320"/>
+                <a:gd name="connsiteX2" fmla="*/ 2128401 w 3835320"/>
+                <a:gd name="connsiteY2" fmla="*/ 2914698 h 3835320"/>
+                <a:gd name="connsiteX3" fmla="*/ 2128401 w 3835320"/>
+                <a:gd name="connsiteY3" fmla="*/ 2426542 h 3835320"/>
+                <a:gd name="connsiteX4" fmla="*/ 0 w 3835320"/>
+                <a:gd name="connsiteY4" fmla="*/ 0 h 3835320"/>
+                <a:gd name="connsiteX5" fmla="*/ 3835320 w 3835320"/>
+                <a:gd name="connsiteY5" fmla="*/ 0 h 3835320"/>
+                <a:gd name="connsiteX6" fmla="*/ 3835320 w 3835320"/>
+                <a:gd name="connsiteY6" fmla="*/ 3835320 h 3835320"/>
+                <a:gd name="connsiteX7" fmla="*/ 0 w 3835320"/>
+                <a:gd name="connsiteY7" fmla="*/ 3835320 h 3835320"/>
+              </a:gdLst>
+              <a:ahLst/>
+              <a:cxnLst>
+                <a:cxn ang="0">
+                  <a:pos x="connsiteX0" y="connsiteY0"/>
+                </a:cxn>
+                <a:cxn ang="0">
+                  <a:pos x="connsiteX1" y="connsiteY1"/>
+                </a:cxn>
+                <a:cxn ang="0">
+                  <a:pos x="connsiteX2" y="connsiteY2"/>
+                </a:cxn>
+                <a:cxn ang="0">
+                  <a:pos x="connsiteX3" y="connsiteY3"/>
+                </a:cxn>
+                <a:cxn ang="0">
+                  <a:pos x="connsiteX4" y="connsiteY4"/>
+                </a:cxn>
+                <a:cxn ang="0">
+                  <a:pos x="connsiteX5" y="connsiteY5"/>
+                </a:cxn>
+                <a:cxn ang="0">
+                  <a:pos x="connsiteX6" y="connsiteY6"/>
+                </a:cxn>
+                <a:cxn ang="0">
+                  <a:pos x="connsiteX7" y="connsiteY7"/>
+                </a:cxn>
+              </a:cxnLst>
+              <a:rect l="l" t="t" r="r" b="b"/>
+              <a:pathLst>
+                <a:path w="3835320" h="3835320">
+                  <a:moveTo>
+                    <a:pt x="1706919" y="2426542"/>
+                  </a:moveTo>
+                  <a:lnTo>
+                    <a:pt x="1706919" y="2914698"/>
+                  </a:lnTo>
+                  <a:lnTo>
+                    <a:pt x="2128401" y="2914698"/>
+                  </a:lnTo>
+                  <a:lnTo>
+                    <a:pt x="2128401" y="2426542"/>
+                  </a:lnTo>
+                  <a:close/>
+                  <a:moveTo>
+                    <a:pt x="0" y="0"/>
+                  </a:moveTo>
+                  <a:lnTo>
+                    <a:pt x="3835320" y="0"/>
+                  </a:lnTo>
+                  <a:lnTo>
+                    <a:pt x="3835320" y="3835320"/>
+                  </a:lnTo>
+                  <a:lnTo>
+                    <a:pt x="0" y="3835320"/>
+                  </a:lnTo>
+                  <a:close/>
+                </a:path>
+              </a:pathLst>
+            </a:custGeom>
+          </p:spPr>
+        </p:pic>
+        <p:pic>
+          <p:nvPicPr>
+            <p:cNvPr id="27" name="Picture 26" descr="A black background with a black square&#10;&#10;Description automatically generated with medium confidence">
+              <a:extLst>
+                <a:ext uri="{FF2B5EF4-FFF2-40B4-BE49-F238E27FC236}">
+                  <a16:creationId xmlns:a16="http://schemas.microsoft.com/office/drawing/2014/main" id="{1E8E8AF5-351E-A217-6770-09CDCB771330}"/>
+                </a:ext>
+              </a:extLst>
+            </p:cNvPr>
+            <p:cNvPicPr>
+              <a:picLocks noChangeAspect="1"/>
+            </p:cNvPicPr>
+            <p:nvPr/>
+          </p:nvPicPr>
+          <p:blipFill>
+            <a:blip r:embed="rId3">
+              <a:extLst>
+                <a:ext uri="{28A0092B-C50C-407E-A947-70E740481C1C}">
+                  <a14:useLocalDpi xmlns:a14="http://schemas.microsoft.com/office/drawing/2010/main" val="0"/>
+                </a:ext>
+              </a:extLst>
+            </a:blip>
+            <a:srcRect/>
+            <a:stretch>
+              <a:fillRect/>
+            </a:stretch>
+          </p:blipFill>
+          <p:spPr>
+            <a:xfrm rot="5400000">
+              <a:off x="5556523" y="4206527"/>
+              <a:ext cx="567495" cy="567495"/>
+            </a:xfrm>
+            <a:custGeom>
+              <a:avLst/>
+              <a:gdLst>
+                <a:gd name="connsiteX0" fmla="*/ 0 w 567495"/>
+                <a:gd name="connsiteY0" fmla="*/ 11156 h 567495"/>
+                <a:gd name="connsiteX1" fmla="*/ 0 w 567495"/>
+                <a:gd name="connsiteY1" fmla="*/ 0 h 567495"/>
+                <a:gd name="connsiteX2" fmla="*/ 10849 w 567495"/>
+                <a:gd name="connsiteY2" fmla="*/ 0 h 567495"/>
+                <a:gd name="connsiteX3" fmla="*/ 0 w 567495"/>
+                <a:gd name="connsiteY3" fmla="*/ 567495 h 567495"/>
+                <a:gd name="connsiteX4" fmla="*/ 0 w 567495"/>
+                <a:gd name="connsiteY4" fmla="*/ 207287 h 567495"/>
+                <a:gd name="connsiteX5" fmla="*/ 78630 w 567495"/>
+                <a:gd name="connsiteY5" fmla="*/ 283749 h 567495"/>
+                <a:gd name="connsiteX6" fmla="*/ 283746 w 567495"/>
+                <a:gd name="connsiteY6" fmla="*/ 72819 h 567495"/>
+                <a:gd name="connsiteX7" fmla="*/ 208864 w 567495"/>
+                <a:gd name="connsiteY7" fmla="*/ 0 h 567495"/>
+                <a:gd name="connsiteX8" fmla="*/ 567495 w 567495"/>
+                <a:gd name="connsiteY8" fmla="*/ 0 h 567495"/>
+                <a:gd name="connsiteX9" fmla="*/ 567495 w 567495"/>
+                <a:gd name="connsiteY9" fmla="*/ 567495 h 567495"/>
+              </a:gdLst>
+              <a:ahLst/>
+              <a:cxnLst>
+                <a:cxn ang="0">
+                  <a:pos x="connsiteX0" y="connsiteY0"/>
+                </a:cxn>
+                <a:cxn ang="0">
+                  <a:pos x="connsiteX1" y="connsiteY1"/>
+                </a:cxn>
+                <a:cxn ang="0">
+                  <a:pos x="connsiteX2" y="connsiteY2"/>
+                </a:cxn>
+                <a:cxn ang="0">
+                  <a:pos x="connsiteX3" y="connsiteY3"/>
+                </a:cxn>
+                <a:cxn ang="0">
+                  <a:pos x="connsiteX4" y="connsiteY4"/>
+                </a:cxn>
+                <a:cxn ang="0">
+                  <a:pos x="connsiteX5" y="connsiteY5"/>
+                </a:cxn>
+                <a:cxn ang="0">
+                  <a:pos x="connsiteX6" y="connsiteY6"/>
+                </a:cxn>
+                <a:cxn ang="0">
+                  <a:pos x="connsiteX7" y="connsiteY7"/>
+                </a:cxn>
+                <a:cxn ang="0">
+                  <a:pos x="connsiteX8" y="connsiteY8"/>
+                </a:cxn>
+                <a:cxn ang="0">
+                  <a:pos x="connsiteX9" y="connsiteY9"/>
+                </a:cxn>
+              </a:cxnLst>
+              <a:rect l="l" t="t" r="r" b="b"/>
+              <a:pathLst>
+                <a:path w="567495" h="567495">
+                  <a:moveTo>
+                    <a:pt x="0" y="11156"/>
+                  </a:moveTo>
+                  <a:lnTo>
+                    <a:pt x="0" y="0"/>
+                  </a:lnTo>
+                  <a:lnTo>
+                    <a:pt x="10849" y="0"/>
+                  </a:lnTo>
+                  <a:close/>
+                  <a:moveTo>
+                    <a:pt x="0" y="567495"/>
+                  </a:moveTo>
+                  <a:lnTo>
+                    <a:pt x="0" y="207287"/>
+                  </a:lnTo>
+                  <a:lnTo>
+                    <a:pt x="78630" y="283749"/>
+                  </a:lnTo>
+                  <a:lnTo>
+                    <a:pt x="283746" y="72819"/>
+                  </a:lnTo>
+                  <a:lnTo>
+                    <a:pt x="208864" y="0"/>
+                  </a:lnTo>
+                  <a:lnTo>
+                    <a:pt x="567495" y="0"/>
+                  </a:lnTo>
+                  <a:lnTo>
+                    <a:pt x="567495" y="567495"/>
+                  </a:lnTo>
+                  <a:close/>
+                </a:path>
+              </a:pathLst>
+            </a:custGeom>
+          </p:spPr>
+        </p:pic>
+        <p:sp>
+          <p:nvSpPr>
+            <p:cNvPr id="24" name="Rectangle: Rounded Corners 23">
+              <a:extLst>
+                <a:ext uri="{FF2B5EF4-FFF2-40B4-BE49-F238E27FC236}">
+                  <a16:creationId xmlns:a16="http://schemas.microsoft.com/office/drawing/2014/main" id="{7EFA1A0D-A83F-6C7D-DB26-CF6B165392BF}"/>
+                </a:ext>
+              </a:extLst>
+            </p:cNvPr>
+            <p:cNvSpPr/>
+            <p:nvPr/>
+          </p:nvSpPr>
+          <p:spPr>
+            <a:xfrm>
+              <a:off x="5872009" y="4183125"/>
+              <a:ext cx="57727" cy="144000"/>
+            </a:xfrm>
+            <a:prstGeom prst="roundRect">
+              <a:avLst>
+                <a:gd name="adj" fmla="val 50000"/>
+              </a:avLst>
+            </a:prstGeom>
+            <a:solidFill>
+              <a:schemeClr val="tx1"/>
+            </a:solidFill>
+            <a:ln w="3175">
+              <a:noFill/>
+            </a:ln>
+          </p:spPr>
+          <p:style>
+            <a:lnRef idx="2">
+              <a:schemeClr val="accent1">
+                <a:shade val="15000"/>
+              </a:schemeClr>
+            </a:lnRef>
+            <a:fillRef idx="1">
+              <a:schemeClr val="accent1"/>
+            </a:fillRef>
+            <a:effectRef idx="0">
+              <a:schemeClr val="accent1"/>
+            </a:effectRef>
+            <a:fontRef idx="minor">
+              <a:schemeClr val="lt1"/>
+            </a:fontRef>
+          </p:style>
+          <p:txBody>
+            <a:bodyPr rtlCol="0" anchor="ctr"/>
+            <a:lstStyle/>
+            <a:p>
+              <a:pPr algn="ctr"/>
+              <a:endParaRPr lang="en-GB"/>
+            </a:p>
+          </p:txBody>
+        </p:sp>
+        <p:sp>
+          <p:nvSpPr>
+            <p:cNvPr id="30" name="Rectangle: Rounded Corners 29">
+              <a:extLst>
+                <a:ext uri="{FF2B5EF4-FFF2-40B4-BE49-F238E27FC236}">
+                  <a16:creationId xmlns:a16="http://schemas.microsoft.com/office/drawing/2014/main" id="{089080B0-9E04-A871-7011-DC7B449D5614}"/>
+                </a:ext>
+              </a:extLst>
+            </p:cNvPr>
+            <p:cNvSpPr/>
+            <p:nvPr/>
+          </p:nvSpPr>
+          <p:spPr>
+            <a:xfrm rot="1200000">
+              <a:off x="5971445" y="4154790"/>
+              <a:ext cx="57727" cy="198000"/>
+            </a:xfrm>
+            <a:prstGeom prst="roundRect">
+              <a:avLst>
+                <a:gd name="adj" fmla="val 50000"/>
+              </a:avLst>
+            </a:prstGeom>
+            <a:solidFill>
+              <a:schemeClr val="tx1"/>
+            </a:solidFill>
+            <a:ln w="3175">
+              <a:noFill/>
+            </a:ln>
+          </p:spPr>
+          <p:style>
+            <a:lnRef idx="2">
+              <a:schemeClr val="accent1">
+                <a:shade val="15000"/>
+              </a:schemeClr>
+            </a:lnRef>
+            <a:fillRef idx="1">
+              <a:schemeClr val="accent1"/>
+            </a:fillRef>
+            <a:effectRef idx="0">
+              <a:schemeClr val="accent1"/>
+            </a:effectRef>
+            <a:fontRef idx="minor">
+              <a:schemeClr val="lt1"/>
+            </a:fontRef>
+          </p:style>
+          <p:txBody>
+            <a:bodyPr rtlCol="0" anchor="ctr"/>
+            <a:lstStyle/>
+            <a:p>
+              <a:pPr algn="ctr"/>
+              <a:endParaRPr lang="en-GB"/>
+            </a:p>
+          </p:txBody>
+        </p:sp>
+        <p:sp>
+          <p:nvSpPr>
+            <p:cNvPr id="31" name="Rectangle: Rounded Corners 30">
+              <a:extLst>
+                <a:ext uri="{FF2B5EF4-FFF2-40B4-BE49-F238E27FC236}">
+                  <a16:creationId xmlns:a16="http://schemas.microsoft.com/office/drawing/2014/main" id="{442028C4-C71C-6091-6EEA-C999A9DE50D0}"/>
+                </a:ext>
+              </a:extLst>
+            </p:cNvPr>
+            <p:cNvSpPr/>
+            <p:nvPr/>
+          </p:nvSpPr>
+          <p:spPr>
+            <a:xfrm rot="13200000">
+              <a:off x="6058209" y="4198579"/>
+              <a:ext cx="57727" cy="198000"/>
+            </a:xfrm>
+            <a:prstGeom prst="roundRect">
+              <a:avLst>
+                <a:gd name="adj" fmla="val 50000"/>
+              </a:avLst>
+            </a:prstGeom>
+            <a:solidFill>
+              <a:schemeClr val="tx1"/>
+            </a:solidFill>
+            <a:ln w="3175">
+              <a:noFill/>
+            </a:ln>
+          </p:spPr>
+          <p:style>
+            <a:lnRef idx="2">
+              <a:schemeClr val="accent1">
+                <a:shade val="15000"/>
+              </a:schemeClr>
+            </a:lnRef>
+            <a:fillRef idx="1">
+              <a:schemeClr val="accent1"/>
+            </a:fillRef>
+            <a:effectRef idx="0">
+              <a:schemeClr val="accent1"/>
+            </a:effectRef>
+            <a:fontRef idx="minor">
+              <a:schemeClr val="lt1"/>
+            </a:fontRef>
+          </p:style>
+          <p:txBody>
+            <a:bodyPr rtlCol="0" anchor="ctr"/>
+            <a:lstStyle/>
+            <a:p>
+              <a:pPr algn="ctr"/>
+              <a:endParaRPr lang="en-GB"/>
+            </a:p>
+          </p:txBody>
+        </p:sp>
+        <p:sp>
+          <p:nvSpPr>
+            <p:cNvPr id="32" name="Rectangle: Rounded Corners 31">
+              <a:extLst>
+                <a:ext uri="{FF2B5EF4-FFF2-40B4-BE49-F238E27FC236}">
+                  <a16:creationId xmlns:a16="http://schemas.microsoft.com/office/drawing/2014/main" id="{7AF749E9-F81A-380A-1CCC-74F364AA8DCB}"/>
+                </a:ext>
+              </a:extLst>
+            </p:cNvPr>
+            <p:cNvSpPr/>
+            <p:nvPr/>
+          </p:nvSpPr>
+          <p:spPr>
+            <a:xfrm rot="3600000">
+              <a:off x="6124018" y="4273665"/>
+              <a:ext cx="57727" cy="198000"/>
+            </a:xfrm>
+            <a:prstGeom prst="roundRect">
+              <a:avLst>
+                <a:gd name="adj" fmla="val 50000"/>
+              </a:avLst>
+            </a:prstGeom>
+            <a:solidFill>
+              <a:schemeClr val="tx1"/>
+            </a:solidFill>
+            <a:ln w="3175">
+              <a:noFill/>
+            </a:ln>
+          </p:spPr>
+          <p:style>
+            <a:lnRef idx="2">
+              <a:schemeClr val="accent1">
+                <a:shade val="15000"/>
+              </a:schemeClr>
+            </a:lnRef>
+            <a:fillRef idx="1">
+              <a:schemeClr val="accent1"/>
+            </a:fillRef>
+            <a:effectRef idx="0">
+              <a:schemeClr val="accent1"/>
+            </a:effectRef>
+            <a:fontRef idx="minor">
+              <a:schemeClr val="lt1"/>
+            </a:fontRef>
+          </p:style>
+          <p:txBody>
+            <a:bodyPr rtlCol="0" anchor="ctr"/>
+            <a:lstStyle/>
+            <a:p>
+              <a:pPr algn="ctr"/>
+              <a:endParaRPr lang="en-GB"/>
+            </a:p>
+          </p:txBody>
+        </p:sp>
+        <p:sp>
+          <p:nvSpPr>
+            <p:cNvPr id="33" name="Rectangle: Rounded Corners 32">
+              <a:extLst>
+                <a:ext uri="{FF2B5EF4-FFF2-40B4-BE49-F238E27FC236}">
+                  <a16:creationId xmlns:a16="http://schemas.microsoft.com/office/drawing/2014/main" id="{8E59EA9F-9104-EA10-41E2-2065EB39BEF8}"/>
+                </a:ext>
+              </a:extLst>
+            </p:cNvPr>
+            <p:cNvSpPr/>
+            <p:nvPr/>
+          </p:nvSpPr>
+          <p:spPr>
+            <a:xfrm rot="4800000">
+              <a:off x="6129400" y="4399340"/>
+              <a:ext cx="57727" cy="144000"/>
+            </a:xfrm>
+            <a:prstGeom prst="roundRect">
+              <a:avLst>
+                <a:gd name="adj" fmla="val 50000"/>
+              </a:avLst>
+            </a:prstGeom>
+            <a:solidFill>
+              <a:schemeClr val="tx1"/>
+            </a:solidFill>
+            <a:ln w="3175">
+              <a:noFill/>
+            </a:ln>
+          </p:spPr>
+          <p:style>
+            <a:lnRef idx="2">
+              <a:schemeClr val="accent1">
+                <a:shade val="15000"/>
+              </a:schemeClr>
+            </a:lnRef>
+            <a:fillRef idx="1">
+              <a:schemeClr val="accent1"/>
+            </a:fillRef>
+            <a:effectRef idx="0">
+              <a:schemeClr val="accent1"/>
+            </a:effectRef>
+            <a:fontRef idx="minor">
+              <a:schemeClr val="lt1"/>
+            </a:fontRef>
+          </p:style>
+          <p:txBody>
+            <a:bodyPr rtlCol="0" anchor="ctr"/>
+            <a:lstStyle/>
+            <a:p>
+              <a:pPr algn="ctr"/>
+              <a:endParaRPr lang="en-GB"/>
+            </a:p>
+          </p:txBody>
+        </p:sp>
+      </p:grpSp>
+      <p:pic>
+        <p:nvPicPr>
+          <p:cNvPr id="70" name="Picture 69" descr="A black background with a black square&#10;&#10;Description automatically generated with medium confidence">
+            <a:extLst>
+              <a:ext uri="{FF2B5EF4-FFF2-40B4-BE49-F238E27FC236}">
+                <a16:creationId xmlns:a16="http://schemas.microsoft.com/office/drawing/2014/main" id="{B43D6187-C371-E11D-04E6-0D5FF615DAA0}"/>
+              </a:ext>
+            </a:extLst>
+          </p:cNvPr>
+          <p:cNvPicPr>
+            <a:picLocks noChangeAspect="1"/>
+          </p:cNvPicPr>
+          <p:nvPr/>
+        </p:nvPicPr>
+        <p:blipFill>
+          <a:blip r:embed="rId3">
+            <a:extLst>
+              <a:ext uri="{28A0092B-C50C-407E-A947-70E740481C1C}">
+                <a14:useLocalDpi xmlns:a14="http://schemas.microsoft.com/office/drawing/2010/main" val="0"/>
+              </a:ext>
+            </a:extLst>
+          </a:blip>
+          <a:stretch>
+            <a:fillRect/>
+          </a:stretch>
+        </p:blipFill>
+        <p:spPr>
+          <a:xfrm>
+            <a:off x="1177926" y="4241959"/>
+            <a:ext cx="1269841" cy="1269841"/>
+          </a:xfrm>
+          <a:prstGeom prst="rect">
+            <a:avLst/>
+          </a:prstGeom>
+        </p:spPr>
+      </p:pic>
+      <p:grpSp>
+        <p:nvGrpSpPr>
+          <p:cNvPr id="99" name="Group 98">
+            <a:extLst>
+              <a:ext uri="{FF2B5EF4-FFF2-40B4-BE49-F238E27FC236}">
+                <a16:creationId xmlns:a16="http://schemas.microsoft.com/office/drawing/2014/main" id="{DA49E121-E5E7-69D9-ED26-1731AD396196}"/>
+              </a:ext>
+            </a:extLst>
+          </p:cNvPr>
+          <p:cNvGrpSpPr/>
+          <p:nvPr/>
+        </p:nvGrpSpPr>
+        <p:grpSpPr>
+          <a:xfrm>
+            <a:off x="3847986" y="3556197"/>
+            <a:ext cx="3361346" cy="3361346"/>
+            <a:chOff x="3324312" y="171484"/>
+            <a:chExt cx="3361346" cy="3361346"/>
+          </a:xfrm>
+        </p:grpSpPr>
+        <p:pic>
+          <p:nvPicPr>
+            <p:cNvPr id="98" name="Picture 97" descr="A black background with a black square&#10;&#10;Description automatically generated with medium confidence">
+              <a:extLst>
+                <a:ext uri="{FF2B5EF4-FFF2-40B4-BE49-F238E27FC236}">
+                  <a16:creationId xmlns:a16="http://schemas.microsoft.com/office/drawing/2014/main" id="{133F96D6-9F06-0CC4-0310-38507D139EA2}"/>
+                </a:ext>
+              </a:extLst>
+            </p:cNvPr>
+            <p:cNvPicPr>
+              <a:picLocks noChangeAspect="1"/>
+            </p:cNvPicPr>
+            <p:nvPr/>
+          </p:nvPicPr>
+          <p:blipFill>
+            <a:blip r:embed="rId2">
+              <a:extLst>
+                <a:ext uri="{28A0092B-C50C-407E-A947-70E740481C1C}">
+                  <a14:useLocalDpi xmlns:a14="http://schemas.microsoft.com/office/drawing/2010/main" val="0"/>
+                </a:ext>
+              </a:extLst>
+            </a:blip>
+            <a:srcRect/>
+            <a:stretch>
+              <a:fillRect/>
+            </a:stretch>
+          </p:blipFill>
+          <p:spPr>
+            <a:xfrm>
+              <a:off x="3324312" y="171484"/>
+              <a:ext cx="3361346" cy="3361346"/>
+            </a:xfrm>
+            <a:custGeom>
+              <a:avLst/>
+              <a:gdLst>
+                <a:gd name="connsiteX0" fmla="*/ 1861145 w 3361346"/>
+                <a:gd name="connsiteY0" fmla="*/ 2043720 h 3361346"/>
+                <a:gd name="connsiteX1" fmla="*/ 1835672 w 3361346"/>
+                <a:gd name="connsiteY1" fmla="*/ 2126667 h 3361346"/>
+                <a:gd name="connsiteX2" fmla="*/ 1495976 w 3361346"/>
+                <a:gd name="connsiteY2" fmla="*/ 2126667 h 3361346"/>
+                <a:gd name="connsiteX3" fmla="*/ 1495976 w 3361346"/>
+                <a:gd name="connsiteY3" fmla="*/ 2343134 h 3361346"/>
+                <a:gd name="connsiteX4" fmla="*/ 1390947 w 3361346"/>
+                <a:gd name="connsiteY4" fmla="*/ 2326193 h 3361346"/>
+                <a:gd name="connsiteX5" fmla="*/ 1495976 w 3361346"/>
+                <a:gd name="connsiteY5" fmla="*/ 2402570 h 3361346"/>
+                <a:gd name="connsiteX6" fmla="*/ 1495976 w 3361346"/>
+                <a:gd name="connsiteY6" fmla="*/ 2554496 h 3361346"/>
+                <a:gd name="connsiteX7" fmla="*/ 1658506 w 3361346"/>
+                <a:gd name="connsiteY7" fmla="*/ 2554496 h 3361346"/>
+                <a:gd name="connsiteX8" fmla="*/ 1485044 w 3361346"/>
+                <a:gd name="connsiteY8" fmla="*/ 2643245 h 3361346"/>
+                <a:gd name="connsiteX9" fmla="*/ 1697024 w 3361346"/>
+                <a:gd name="connsiteY9" fmla="*/ 2715729 h 3361346"/>
+                <a:gd name="connsiteX10" fmla="*/ 1446727 w 3361346"/>
+                <a:gd name="connsiteY10" fmla="*/ 3037869 h 3361346"/>
+                <a:gd name="connsiteX11" fmla="*/ 1754052 w 3361346"/>
+                <a:gd name="connsiteY11" fmla="*/ 2855262 h 3361346"/>
+                <a:gd name="connsiteX12" fmla="*/ 1785640 w 3361346"/>
+                <a:gd name="connsiteY12" fmla="*/ 3089241 h 3361346"/>
+                <a:gd name="connsiteX13" fmla="*/ 1973851 w 3361346"/>
+                <a:gd name="connsiteY13" fmla="*/ 2921768 h 3361346"/>
+                <a:gd name="connsiteX14" fmla="*/ 2108217 w 3361346"/>
+                <a:gd name="connsiteY14" fmla="*/ 3113825 h 3361346"/>
+                <a:gd name="connsiteX15" fmla="*/ 2099733 w 3361346"/>
+                <a:gd name="connsiteY15" fmla="*/ 2836925 h 3361346"/>
+                <a:gd name="connsiteX16" fmla="*/ 2293764 w 3361346"/>
+                <a:gd name="connsiteY16" fmla="*/ 2900929 h 3361346"/>
+                <a:gd name="connsiteX17" fmla="*/ 2200666 w 3361346"/>
+                <a:gd name="connsiteY17" fmla="*/ 2744519 h 3361346"/>
+                <a:gd name="connsiteX18" fmla="*/ 2526345 w 3361346"/>
+                <a:gd name="connsiteY18" fmla="*/ 2737714 h 3361346"/>
+                <a:gd name="connsiteX19" fmla="*/ 2176885 w 3361346"/>
+                <a:gd name="connsiteY19" fmla="*/ 2601627 h 3361346"/>
+                <a:gd name="connsiteX20" fmla="*/ 2448777 w 3361346"/>
+                <a:gd name="connsiteY20" fmla="*/ 2492533 h 3361346"/>
+                <a:gd name="connsiteX21" fmla="*/ 2167862 w 3361346"/>
+                <a:gd name="connsiteY21" fmla="*/ 2426681 h 3361346"/>
+                <a:gd name="connsiteX22" fmla="*/ 2383774 w 3361346"/>
+                <a:gd name="connsiteY22" fmla="*/ 2241786 h 3361346"/>
+                <a:gd name="connsiteX23" fmla="*/ 2099716 w 3361346"/>
+                <a:gd name="connsiteY23" fmla="*/ 2279481 h 3361346"/>
+                <a:gd name="connsiteX24" fmla="*/ 2141339 w 3361346"/>
+                <a:gd name="connsiteY24" fmla="*/ 2045824 h 3361346"/>
+                <a:gd name="connsiteX25" fmla="*/ 1970425 w 3361346"/>
+                <a:gd name="connsiteY25" fmla="*/ 2228500 h 3361346"/>
+                <a:gd name="connsiteX26" fmla="*/ 0 w 3361346"/>
+                <a:gd name="connsiteY26" fmla="*/ 0 h 3361346"/>
+                <a:gd name="connsiteX27" fmla="*/ 3361346 w 3361346"/>
+                <a:gd name="connsiteY27" fmla="*/ 0 h 3361346"/>
+                <a:gd name="connsiteX28" fmla="*/ 3361346 w 3361346"/>
+                <a:gd name="connsiteY28" fmla="*/ 3361346 h 3361346"/>
+                <a:gd name="connsiteX29" fmla="*/ 0 w 3361346"/>
+                <a:gd name="connsiteY29" fmla="*/ 3361346 h 3361346"/>
+              </a:gdLst>
+              <a:ahLst/>
+              <a:cxnLst>
+                <a:cxn ang="0">
+                  <a:pos x="connsiteX0" y="connsiteY0"/>
+                </a:cxn>
+                <a:cxn ang="0">
+                  <a:pos x="connsiteX1" y="connsiteY1"/>
+                </a:cxn>
+                <a:cxn ang="0">
+                  <a:pos x="connsiteX2" y="connsiteY2"/>
+                </a:cxn>
+                <a:cxn ang="0">
+                  <a:pos x="connsiteX3" y="connsiteY3"/>
+                </a:cxn>
+                <a:cxn ang="0">
+                  <a:pos x="connsiteX4" y="connsiteY4"/>
+                </a:cxn>
+                <a:cxn ang="0">
+                  <a:pos x="connsiteX5" y="connsiteY5"/>
+                </a:cxn>
+                <a:cxn ang="0">
+                  <a:pos x="connsiteX6" y="connsiteY6"/>
+                </a:cxn>
+                <a:cxn ang="0">
+                  <a:pos x="connsiteX7" y="connsiteY7"/>
+                </a:cxn>
+                <a:cxn ang="0">
+                  <a:pos x="connsiteX8" y="connsiteY8"/>
+                </a:cxn>
+                <a:cxn ang="0">
+                  <a:pos x="connsiteX9" y="connsiteY9"/>
+                </a:cxn>
+                <a:cxn ang="0">
+                  <a:pos x="connsiteX10" y="connsiteY10"/>
+                </a:cxn>
+                <a:cxn ang="0">
+                  <a:pos x="connsiteX11" y="connsiteY11"/>
+                </a:cxn>
+                <a:cxn ang="0">
+                  <a:pos x="connsiteX12" y="connsiteY12"/>
+                </a:cxn>
+                <a:cxn ang="0">
+                  <a:pos x="connsiteX13" y="connsiteY13"/>
+                </a:cxn>
+                <a:cxn ang="0">
+                  <a:pos x="connsiteX14" y="connsiteY14"/>
+                </a:cxn>
+                <a:cxn ang="0">
+                  <a:pos x="connsiteX15" y="connsiteY15"/>
+                </a:cxn>
+                <a:cxn ang="0">
+                  <a:pos x="connsiteX16" y="connsiteY16"/>
+                </a:cxn>
+                <a:cxn ang="0">
+                  <a:pos x="connsiteX17" y="connsiteY17"/>
+                </a:cxn>
+                <a:cxn ang="0">
+                  <a:pos x="connsiteX18" y="connsiteY18"/>
+                </a:cxn>
+                <a:cxn ang="0">
+                  <a:pos x="connsiteX19" y="connsiteY19"/>
+                </a:cxn>
+                <a:cxn ang="0">
+                  <a:pos x="connsiteX20" y="connsiteY20"/>
+                </a:cxn>
+                <a:cxn ang="0">
+                  <a:pos x="connsiteX21" y="connsiteY21"/>
+                </a:cxn>
+                <a:cxn ang="0">
+                  <a:pos x="connsiteX22" y="connsiteY22"/>
+                </a:cxn>
+                <a:cxn ang="0">
+                  <a:pos x="connsiteX23" y="connsiteY23"/>
+                </a:cxn>
+                <a:cxn ang="0">
+                  <a:pos x="connsiteX24" y="connsiteY24"/>
+                </a:cxn>
+                <a:cxn ang="0">
+                  <a:pos x="connsiteX25" y="connsiteY25"/>
+                </a:cxn>
+                <a:cxn ang="0">
+                  <a:pos x="connsiteX26" y="connsiteY26"/>
+                </a:cxn>
+                <a:cxn ang="0">
+                  <a:pos x="connsiteX27" y="connsiteY27"/>
+                </a:cxn>
+                <a:cxn ang="0">
+                  <a:pos x="connsiteX28" y="connsiteY28"/>
+                </a:cxn>
+                <a:cxn ang="0">
+                  <a:pos x="connsiteX29" y="connsiteY29"/>
+                </a:cxn>
+              </a:cxnLst>
+              <a:rect l="l" t="t" r="r" b="b"/>
+              <a:pathLst>
+                <a:path w="3361346" h="3361346">
+                  <a:moveTo>
+                    <a:pt x="1861145" y="2043720"/>
+                  </a:moveTo>
+                  <a:lnTo>
+                    <a:pt x="1835672" y="2126667"/>
+                  </a:lnTo>
+                  <a:lnTo>
+                    <a:pt x="1495976" y="2126667"/>
+                  </a:lnTo>
+                  <a:lnTo>
+                    <a:pt x="1495976" y="2343134"/>
+                  </a:lnTo>
+                  <a:lnTo>
+                    <a:pt x="1390947" y="2326193"/>
+                  </a:lnTo>
+                  <a:lnTo>
+                    <a:pt x="1495976" y="2402570"/>
+                  </a:lnTo>
+                  <a:lnTo>
+                    <a:pt x="1495976" y="2554496"/>
+                  </a:lnTo>
+                  <a:lnTo>
+                    <a:pt x="1658506" y="2554496"/>
+                  </a:lnTo>
+                  <a:lnTo>
+                    <a:pt x="1485044" y="2643245"/>
+                  </a:lnTo>
+                  <a:lnTo>
+                    <a:pt x="1697024" y="2715729"/>
+                  </a:lnTo>
+                  <a:lnTo>
+                    <a:pt x="1446727" y="3037869"/>
+                  </a:lnTo>
+                  <a:lnTo>
+                    <a:pt x="1754052" y="2855262"/>
+                  </a:lnTo>
+                  <a:lnTo>
+                    <a:pt x="1785640" y="3089241"/>
+                  </a:lnTo>
+                  <a:lnTo>
+                    <a:pt x="1973851" y="2921768"/>
+                  </a:lnTo>
+                  <a:lnTo>
+                    <a:pt x="2108217" y="3113825"/>
+                  </a:lnTo>
+                  <a:lnTo>
+                    <a:pt x="2099733" y="2836925"/>
+                  </a:lnTo>
+                  <a:lnTo>
+                    <a:pt x="2293764" y="2900929"/>
+                  </a:lnTo>
+                  <a:lnTo>
+                    <a:pt x="2200666" y="2744519"/>
+                  </a:lnTo>
+                  <a:cubicBezTo>
+                    <a:pt x="2309227" y="2742234"/>
+                    <a:pt x="2417784" y="2739999"/>
+                    <a:pt x="2526345" y="2737714"/>
+                  </a:cubicBezTo>
+                  <a:lnTo>
+                    <a:pt x="2176885" y="2601627"/>
+                  </a:lnTo>
+                  <a:lnTo>
+                    <a:pt x="2448777" y="2492533"/>
+                  </a:lnTo>
+                  <a:lnTo>
+                    <a:pt x="2167862" y="2426681"/>
+                  </a:lnTo>
+                  <a:lnTo>
+                    <a:pt x="2383774" y="2241786"/>
+                  </a:lnTo>
+                  <a:lnTo>
+                    <a:pt x="2099716" y="2279481"/>
+                  </a:lnTo>
+                  <a:lnTo>
+                    <a:pt x="2141339" y="2045824"/>
+                  </a:lnTo>
+                  <a:lnTo>
+                    <a:pt x="1970425" y="2228500"/>
+                  </a:lnTo>
+                  <a:close/>
+                  <a:moveTo>
+                    <a:pt x="0" y="0"/>
+                  </a:moveTo>
+                  <a:lnTo>
+                    <a:pt x="3361346" y="0"/>
+                  </a:lnTo>
+                  <a:lnTo>
+                    <a:pt x="3361346" y="3361346"/>
+                  </a:lnTo>
+                  <a:lnTo>
+                    <a:pt x="0" y="3361346"/>
+                  </a:lnTo>
+                  <a:close/>
+                </a:path>
+              </a:pathLst>
+            </a:custGeom>
+          </p:spPr>
+        </p:pic>
+        <p:pic>
+          <p:nvPicPr>
+            <p:cNvPr id="91" name="Picture 90" descr="A black background with a black square&#10;&#10;Description automatically generated with medium confidence">
+              <a:extLst>
+                <a:ext uri="{FF2B5EF4-FFF2-40B4-BE49-F238E27FC236}">
+                  <a16:creationId xmlns:a16="http://schemas.microsoft.com/office/drawing/2014/main" id="{D6FB5250-C1F4-BF22-81D4-D1445D7F68AC}"/>
+                </a:ext>
+              </a:extLst>
+            </p:cNvPr>
+            <p:cNvPicPr>
+              <a:picLocks noChangeAspect="1"/>
+            </p:cNvPicPr>
+            <p:nvPr/>
+          </p:nvPicPr>
+          <p:blipFill>
+            <a:blip r:embed="rId3">
+              <a:extLst>
+                <a:ext uri="{28A0092B-C50C-407E-A947-70E740481C1C}">
+                  <a14:useLocalDpi xmlns:a14="http://schemas.microsoft.com/office/drawing/2010/main" val="0"/>
+                </a:ext>
+              </a:extLst>
+            </a:blip>
+            <a:srcRect/>
+            <a:stretch>
+              <a:fillRect/>
+            </a:stretch>
+          </p:blipFill>
+          <p:spPr>
+            <a:xfrm rot="5400000">
+              <a:off x="5034328" y="2472423"/>
+              <a:ext cx="486361" cy="486361"/>
+            </a:xfrm>
+            <a:custGeom>
+              <a:avLst/>
+              <a:gdLst>
+                <a:gd name="connsiteX0" fmla="*/ 0 w 567495"/>
+                <a:gd name="connsiteY0" fmla="*/ 11156 h 567495"/>
+                <a:gd name="connsiteX1" fmla="*/ 0 w 567495"/>
+                <a:gd name="connsiteY1" fmla="*/ 0 h 567495"/>
+                <a:gd name="connsiteX2" fmla="*/ 10849 w 567495"/>
+                <a:gd name="connsiteY2" fmla="*/ 0 h 567495"/>
+                <a:gd name="connsiteX3" fmla="*/ 0 w 567495"/>
+                <a:gd name="connsiteY3" fmla="*/ 567495 h 567495"/>
+                <a:gd name="connsiteX4" fmla="*/ 0 w 567495"/>
+                <a:gd name="connsiteY4" fmla="*/ 207287 h 567495"/>
+                <a:gd name="connsiteX5" fmla="*/ 78630 w 567495"/>
+                <a:gd name="connsiteY5" fmla="*/ 283749 h 567495"/>
+                <a:gd name="connsiteX6" fmla="*/ 283746 w 567495"/>
+                <a:gd name="connsiteY6" fmla="*/ 72819 h 567495"/>
+                <a:gd name="connsiteX7" fmla="*/ 208864 w 567495"/>
+                <a:gd name="connsiteY7" fmla="*/ 0 h 567495"/>
+                <a:gd name="connsiteX8" fmla="*/ 567495 w 567495"/>
+                <a:gd name="connsiteY8" fmla="*/ 0 h 567495"/>
+                <a:gd name="connsiteX9" fmla="*/ 567495 w 567495"/>
+                <a:gd name="connsiteY9" fmla="*/ 567495 h 567495"/>
+              </a:gdLst>
+              <a:ahLst/>
+              <a:cxnLst>
+                <a:cxn ang="0">
+                  <a:pos x="connsiteX0" y="connsiteY0"/>
+                </a:cxn>
+                <a:cxn ang="0">
+                  <a:pos x="connsiteX1" y="connsiteY1"/>
+                </a:cxn>
+                <a:cxn ang="0">
+                  <a:pos x="connsiteX2" y="connsiteY2"/>
+                </a:cxn>
+                <a:cxn ang="0">
+                  <a:pos x="connsiteX3" y="connsiteY3"/>
+                </a:cxn>
+                <a:cxn ang="0">
+                  <a:pos x="connsiteX4" y="connsiteY4"/>
+                </a:cxn>
+                <a:cxn ang="0">
+                  <a:pos x="connsiteX5" y="connsiteY5"/>
+                </a:cxn>
+                <a:cxn ang="0">
+                  <a:pos x="connsiteX6" y="connsiteY6"/>
+                </a:cxn>
+                <a:cxn ang="0">
+                  <a:pos x="connsiteX7" y="connsiteY7"/>
+                </a:cxn>
+                <a:cxn ang="0">
+                  <a:pos x="connsiteX8" y="connsiteY8"/>
+                </a:cxn>
+                <a:cxn ang="0">
+                  <a:pos x="connsiteX9" y="connsiteY9"/>
+                </a:cxn>
+              </a:cxnLst>
+              <a:rect l="l" t="t" r="r" b="b"/>
+              <a:pathLst>
+                <a:path w="567495" h="567495">
+                  <a:moveTo>
+                    <a:pt x="0" y="11156"/>
+                  </a:moveTo>
+                  <a:lnTo>
+                    <a:pt x="0" y="0"/>
+                  </a:lnTo>
+                  <a:lnTo>
+                    <a:pt x="10849" y="0"/>
+                  </a:lnTo>
+                  <a:close/>
+                  <a:moveTo>
+                    <a:pt x="0" y="567495"/>
+                  </a:moveTo>
+                  <a:lnTo>
+                    <a:pt x="0" y="207287"/>
+                  </a:lnTo>
+                  <a:lnTo>
+                    <a:pt x="78630" y="283749"/>
+                  </a:lnTo>
+                  <a:lnTo>
+                    <a:pt x="283746" y="72819"/>
+                  </a:lnTo>
+                  <a:lnTo>
+                    <a:pt x="208864" y="0"/>
+                  </a:lnTo>
+                  <a:lnTo>
+                    <a:pt x="567495" y="0"/>
+                  </a:lnTo>
+                  <a:lnTo>
+                    <a:pt x="567495" y="567495"/>
+                  </a:lnTo>
+                  <a:close/>
+                </a:path>
+              </a:pathLst>
+            </a:custGeom>
+          </p:spPr>
+        </p:pic>
+        <p:sp>
+          <p:nvSpPr>
+            <p:cNvPr id="86" name="Explosion: 8 Points 85">
+              <a:extLst>
+                <a:ext uri="{FF2B5EF4-FFF2-40B4-BE49-F238E27FC236}">
+                  <a16:creationId xmlns:a16="http://schemas.microsoft.com/office/drawing/2014/main" id="{9CA68E3F-6AFF-1FBF-0D3D-0FC6F4FD9F86}"/>
+                </a:ext>
+              </a:extLst>
+            </p:cNvPr>
+            <p:cNvSpPr/>
+            <p:nvPr/>
+          </p:nvSpPr>
+          <p:spPr>
+            <a:xfrm rot="16532748">
+              <a:off x="4752652" y="2172342"/>
+              <a:ext cx="1072909" cy="1169854"/>
+            </a:xfrm>
+            <a:prstGeom prst="irregularSeal1">
+              <a:avLst/>
+            </a:prstGeom>
+            <a:noFill/>
+            <a:ln w="57150" cap="rnd">
+              <a:solidFill>
+                <a:schemeClr val="tx1"/>
+              </a:solidFill>
+              <a:prstDash val="lgDash"/>
+              <a:round/>
+            </a:ln>
+          </p:spPr>
+          <p:style>
+            <a:lnRef idx="2">
+              <a:schemeClr val="accent1">
+                <a:shade val="15000"/>
+              </a:schemeClr>
+            </a:lnRef>
+            <a:fillRef idx="1">
+              <a:schemeClr val="accent1"/>
+            </a:fillRef>
+            <a:effectRef idx="0">
+              <a:schemeClr val="accent1"/>
+            </a:effectRef>
+            <a:fontRef idx="minor">
+              <a:schemeClr val="lt1"/>
+            </a:fontRef>
+          </p:style>
+          <p:txBody>
+            <a:bodyPr rtlCol="0" anchor="ctr"/>
+            <a:lstStyle/>
+            <a:p>
+              <a:pPr algn="ctr"/>
+              <a:endParaRPr lang="en-GB" dirty="0"/>
+            </a:p>
+          </p:txBody>
+        </p:sp>
+      </p:grpSp>
+      <p:pic>
+        <p:nvPicPr>
+          <p:cNvPr id="1026" name="Picture 2" descr="Drill Sergeant Stock Illustrations, Cliparts and Royalty Free Drill Sergeant  Vectors">
+            <a:extLst>
+              <a:ext uri="{FF2B5EF4-FFF2-40B4-BE49-F238E27FC236}">
+                <a16:creationId xmlns:a16="http://schemas.microsoft.com/office/drawing/2014/main" id="{3CE4E6C8-491F-0648-8ACD-99603505B54A}"/>
+              </a:ext>
+            </a:extLst>
+          </p:cNvPr>
+          <p:cNvPicPr>
+            <a:picLocks noChangeAspect="1" noChangeArrowheads="1"/>
+          </p:cNvPicPr>
+          <p:nvPr/>
+        </p:nvPicPr>
+        <p:blipFill>
+          <a:blip r:embed="rId4">
+            <a:extLst>
+              <a:ext uri="{28A0092B-C50C-407E-A947-70E740481C1C}">
+                <a14:useLocalDpi xmlns:a14="http://schemas.microsoft.com/office/drawing/2010/main" val="0"/>
+              </a:ext>
+            </a:extLst>
+          </a:blip>
+          <a:srcRect/>
+          <a:stretch>
+            <a:fillRect/>
+          </a:stretch>
+        </p:blipFill>
+        <p:spPr bwMode="auto">
+          <a:xfrm>
+            <a:off x="13338174" y="1993333"/>
+            <a:ext cx="3943350" cy="4286250"/>
+          </a:xfrm>
+          <a:prstGeom prst="rect">
+            <a:avLst/>
+          </a:prstGeom>
+          <a:noFill/>
+          <a:extLst>
+            <a:ext uri="{909E8E84-426E-40DD-AFC4-6F175D3DCCD1}">
+              <a14:hiddenFill xmlns:a14="http://schemas.microsoft.com/office/drawing/2010/main">
+                <a:solidFill>
+                  <a:srgbClr val="FFFFFF"/>
+                </a:solidFill>
+              </a14:hiddenFill>
+            </a:ext>
+          </a:extLst>
+        </p:spPr>
+      </p:pic>
+      <p:pic>
+        <p:nvPicPr>
+          <p:cNvPr id="2" name="Picture 2" descr="Drill Sergeant Stock Illustrations, Cliparts and Royalty Free Drill Sergeant  Vectors">
+            <a:extLst>
+              <a:ext uri="{FF2B5EF4-FFF2-40B4-BE49-F238E27FC236}">
+                <a16:creationId xmlns:a16="http://schemas.microsoft.com/office/drawing/2014/main" id="{E7DF7FB4-98F4-F518-9588-AD1708C076B4}"/>
+              </a:ext>
+            </a:extLst>
+          </p:cNvPr>
+          <p:cNvPicPr>
+            <a:picLocks noChangeAspect="1" noChangeArrowheads="1"/>
+          </p:cNvPicPr>
+          <p:nvPr/>
+        </p:nvPicPr>
+        <p:blipFill>
+          <a:blip r:embed="rId4">
+            <a:clrChange>
+              <a:clrFrom>
+                <a:srgbClr val="FFFFFF"/>
+              </a:clrFrom>
+              <a:clrTo>
+                <a:srgbClr val="FFFFFF">
+                  <a:alpha val="0"/>
+                </a:srgbClr>
+              </a:clrTo>
+            </a:clrChange>
+            <a:extLst>
+              <a:ext uri="{28A0092B-C50C-407E-A947-70E740481C1C}">
+                <a14:useLocalDpi xmlns:a14="http://schemas.microsoft.com/office/drawing/2010/main" val="0"/>
+              </a:ext>
+            </a:extLst>
+          </a:blip>
+          <a:srcRect/>
+          <a:stretch>
+            <a:fillRect/>
+          </a:stretch>
+        </p:blipFill>
+        <p:spPr bwMode="auto">
+          <a:xfrm>
+            <a:off x="8715867" y="-2062524"/>
+            <a:ext cx="3943350" cy="4286250"/>
+          </a:xfrm>
+          <a:prstGeom prst="rect">
+            <a:avLst/>
+          </a:prstGeom>
+          <a:noFill/>
+          <a:extLst>
+            <a:ext uri="{909E8E84-426E-40DD-AFC4-6F175D3DCCD1}">
+              <a14:hiddenFill xmlns:a14="http://schemas.microsoft.com/office/drawing/2010/main">
+                <a:solidFill>
+                  <a:srgbClr val="FFFFFF"/>
+                </a:solidFill>
+              </a14:hiddenFill>
+            </a:ext>
+          </a:extLst>
+        </p:spPr>
+      </p:pic>
+    </p:spTree>
+    <p:extLst>
+      <p:ext uri="{BB962C8B-B14F-4D97-AF65-F5344CB8AC3E}">
+        <p14:creationId xmlns:p14="http://schemas.microsoft.com/office/powerpoint/2010/main" val="1170797550"/>
       </p:ext>
     </p:extLst>
   </p:cSld>

--- a/media/workshop.pptx
+++ b/media/workshop.pptx
@@ -209,7 +209,7 @@
           <a:p>
             <a:fld id="{A48A8C48-B3E7-451F-AD3C-7C38A874ED0C}" type="datetimeFigureOut">
               <a:rPr lang="en-GB" smtClean="0"/>
-              <a:t>29/09/2024</a:t>
+              <a:t>01/10/2024</a:t>
             </a:fld>
             <a:endParaRPr lang="en-GB"/>
           </a:p>
@@ -710,7 +710,7 @@
           <a:p>
             <a:fld id="{31EAB4FA-2558-41C8-8840-1B5E58534D56}" type="datetimeFigureOut">
               <a:rPr lang="en-GB" smtClean="0"/>
-              <a:t>29/09/2024</a:t>
+              <a:t>01/10/2024</a:t>
             </a:fld>
             <a:endParaRPr lang="en-GB"/>
           </a:p>
@@ -910,7 +910,7 @@
           <a:p>
             <a:fld id="{31EAB4FA-2558-41C8-8840-1B5E58534D56}" type="datetimeFigureOut">
               <a:rPr lang="en-GB" smtClean="0"/>
-              <a:t>29/09/2024</a:t>
+              <a:t>01/10/2024</a:t>
             </a:fld>
             <a:endParaRPr lang="en-GB"/>
           </a:p>
@@ -1120,7 +1120,7 @@
           <a:p>
             <a:fld id="{31EAB4FA-2558-41C8-8840-1B5E58534D56}" type="datetimeFigureOut">
               <a:rPr lang="en-GB" smtClean="0"/>
-              <a:t>29/09/2024</a:t>
+              <a:t>01/10/2024</a:t>
             </a:fld>
             <a:endParaRPr lang="en-GB"/>
           </a:p>
@@ -1320,7 +1320,7 @@
           <a:p>
             <a:fld id="{31EAB4FA-2558-41C8-8840-1B5E58534D56}" type="datetimeFigureOut">
               <a:rPr lang="en-GB" smtClean="0"/>
-              <a:t>29/09/2024</a:t>
+              <a:t>01/10/2024</a:t>
             </a:fld>
             <a:endParaRPr lang="en-GB"/>
           </a:p>
@@ -1596,7 +1596,7 @@
           <a:p>
             <a:fld id="{31EAB4FA-2558-41C8-8840-1B5E58534D56}" type="datetimeFigureOut">
               <a:rPr lang="en-GB" smtClean="0"/>
-              <a:t>29/09/2024</a:t>
+              <a:t>01/10/2024</a:t>
             </a:fld>
             <a:endParaRPr lang="en-GB"/>
           </a:p>
@@ -1864,7 +1864,7 @@
           <a:p>
             <a:fld id="{31EAB4FA-2558-41C8-8840-1B5E58534D56}" type="datetimeFigureOut">
               <a:rPr lang="en-GB" smtClean="0"/>
-              <a:t>29/09/2024</a:t>
+              <a:t>01/10/2024</a:t>
             </a:fld>
             <a:endParaRPr lang="en-GB"/>
           </a:p>
@@ -2279,7 +2279,7 @@
           <a:p>
             <a:fld id="{31EAB4FA-2558-41C8-8840-1B5E58534D56}" type="datetimeFigureOut">
               <a:rPr lang="en-GB" smtClean="0"/>
-              <a:t>29/09/2024</a:t>
+              <a:t>01/10/2024</a:t>
             </a:fld>
             <a:endParaRPr lang="en-GB"/>
           </a:p>
@@ -2421,7 +2421,7 @@
           <a:p>
             <a:fld id="{31EAB4FA-2558-41C8-8840-1B5E58534D56}" type="datetimeFigureOut">
               <a:rPr lang="en-GB" smtClean="0"/>
-              <a:t>29/09/2024</a:t>
+              <a:t>01/10/2024</a:t>
             </a:fld>
             <a:endParaRPr lang="en-GB"/>
           </a:p>
@@ -2534,7 +2534,7 @@
           <a:p>
             <a:fld id="{31EAB4FA-2558-41C8-8840-1B5E58534D56}" type="datetimeFigureOut">
               <a:rPr lang="en-GB" smtClean="0"/>
-              <a:t>29/09/2024</a:t>
+              <a:t>01/10/2024</a:t>
             </a:fld>
             <a:endParaRPr lang="en-GB"/>
           </a:p>
@@ -2847,7 +2847,7 @@
           <a:p>
             <a:fld id="{31EAB4FA-2558-41C8-8840-1B5E58534D56}" type="datetimeFigureOut">
               <a:rPr lang="en-GB" smtClean="0"/>
-              <a:t>29/09/2024</a:t>
+              <a:t>01/10/2024</a:t>
             </a:fld>
             <a:endParaRPr lang="en-GB"/>
           </a:p>
@@ -3136,7 +3136,7 @@
           <a:p>
             <a:fld id="{31EAB4FA-2558-41C8-8840-1B5E58534D56}" type="datetimeFigureOut">
               <a:rPr lang="en-GB" smtClean="0"/>
-              <a:t>29/09/2024</a:t>
+              <a:t>01/10/2024</a:t>
             </a:fld>
             <a:endParaRPr lang="en-GB"/>
           </a:p>
@@ -3382,7 +3382,7 @@
           <a:p>
             <a:fld id="{31EAB4FA-2558-41C8-8840-1B5E58534D56}" type="datetimeFigureOut">
               <a:rPr lang="en-GB" smtClean="0"/>
-              <a:t>29/09/2024</a:t>
+              <a:t>01/10/2024</a:t>
             </a:fld>
             <a:endParaRPr lang="en-GB"/>
           </a:p>
@@ -8352,7 +8352,7 @@
         </p:blipFill>
         <p:spPr>
           <a:xfrm>
-            <a:off x="6233778" y="0"/>
+            <a:off x="4756768" y="366946"/>
             <a:ext cx="2128079" cy="2128079"/>
           </a:xfrm>
           <a:prstGeom prst="rect">
@@ -13754,10 +13754,10 @@
       </p:pic>
       <p:grpSp>
         <p:nvGrpSpPr>
-          <p:cNvPr id="21" name="Group 20">
-            <a:extLst>
-              <a:ext uri="{FF2B5EF4-FFF2-40B4-BE49-F238E27FC236}">
-                <a16:creationId xmlns:a16="http://schemas.microsoft.com/office/drawing/2014/main" id="{8698AF60-574B-609C-92D3-954871209121}"/>
+          <p:cNvPr id="7" name="Group 6">
+            <a:extLst>
+              <a:ext uri="{FF2B5EF4-FFF2-40B4-BE49-F238E27FC236}">
+                <a16:creationId xmlns:a16="http://schemas.microsoft.com/office/drawing/2014/main" id="{B5C86663-EF4E-4D81-8DF0-D7999C3313E5}"/>
               </a:ext>
             </a:extLst>
           </p:cNvPr>
@@ -13766,106 +13766,12 @@
         </p:nvGrpSpPr>
         <p:grpSpPr>
           <a:xfrm>
-            <a:off x="4659841" y="4594775"/>
+            <a:off x="8393702" y="1199708"/>
             <a:ext cx="1220400" cy="1220400"/>
-            <a:chOff x="4659841" y="4594775"/>
+            <a:chOff x="8173141" y="1066665"/>
             <a:chExt cx="1220400" cy="1220400"/>
           </a:xfrm>
         </p:grpSpPr>
-        <p:pic>
-          <p:nvPicPr>
-            <p:cNvPr id="15" name="Picture 14" descr="A black background with a black square&#10;&#10;Description automatically generated with medium confidence">
-              <a:extLst>
-                <a:ext uri="{FF2B5EF4-FFF2-40B4-BE49-F238E27FC236}">
-                  <a16:creationId xmlns:a16="http://schemas.microsoft.com/office/drawing/2014/main" id="{A40B56C6-0BC5-967A-D73D-E7728312AF7F}"/>
-                </a:ext>
-              </a:extLst>
-            </p:cNvPr>
-            <p:cNvPicPr>
-              <a:picLocks noChangeAspect="1"/>
-            </p:cNvPicPr>
-            <p:nvPr/>
-          </p:nvPicPr>
-          <p:blipFill>
-            <a:blip r:embed="rId4">
-              <a:extLst>
-                <a:ext uri="{28A0092B-C50C-407E-A947-70E740481C1C}">
-                  <a14:useLocalDpi xmlns:a14="http://schemas.microsoft.com/office/drawing/2010/main" val="0"/>
-                </a:ext>
-              </a:extLst>
-            </a:blip>
-            <a:srcRect l="33686" t="29058" r="34060" b="29057"/>
-            <a:stretch/>
-          </p:blipFill>
-          <p:spPr>
-            <a:xfrm>
-              <a:off x="4791661" y="4656167"/>
-              <a:ext cx="266224" cy="345717"/>
-            </a:xfrm>
-            <a:custGeom>
-              <a:avLst/>
-              <a:gdLst>
-                <a:gd name="connsiteX0" fmla="*/ 0 w 409575"/>
-                <a:gd name="connsiteY0" fmla="*/ 0 h 531871"/>
-                <a:gd name="connsiteX1" fmla="*/ 409575 w 409575"/>
-                <a:gd name="connsiteY1" fmla="*/ 0 h 531871"/>
-                <a:gd name="connsiteX2" fmla="*/ 409575 w 409575"/>
-                <a:gd name="connsiteY2" fmla="*/ 411212 h 531871"/>
-                <a:gd name="connsiteX3" fmla="*/ 335757 w 409575"/>
-                <a:gd name="connsiteY3" fmla="*/ 411212 h 531871"/>
-                <a:gd name="connsiteX4" fmla="*/ 335757 w 409575"/>
-                <a:gd name="connsiteY4" fmla="*/ 531871 h 531871"/>
-                <a:gd name="connsiteX5" fmla="*/ 0 w 409575"/>
-                <a:gd name="connsiteY5" fmla="*/ 531871 h 531871"/>
-              </a:gdLst>
-              <a:ahLst/>
-              <a:cxnLst>
-                <a:cxn ang="0">
-                  <a:pos x="connsiteX0" y="connsiteY0"/>
-                </a:cxn>
-                <a:cxn ang="0">
-                  <a:pos x="connsiteX1" y="connsiteY1"/>
-                </a:cxn>
-                <a:cxn ang="0">
-                  <a:pos x="connsiteX2" y="connsiteY2"/>
-                </a:cxn>
-                <a:cxn ang="0">
-                  <a:pos x="connsiteX3" y="connsiteY3"/>
-                </a:cxn>
-                <a:cxn ang="0">
-                  <a:pos x="connsiteX4" y="connsiteY4"/>
-                </a:cxn>
-                <a:cxn ang="0">
-                  <a:pos x="connsiteX5" y="connsiteY5"/>
-                </a:cxn>
-              </a:cxnLst>
-              <a:rect l="l" t="t" r="r" b="b"/>
-              <a:pathLst>
-                <a:path w="409575" h="531871">
-                  <a:moveTo>
-                    <a:pt x="0" y="0"/>
-                  </a:moveTo>
-                  <a:lnTo>
-                    <a:pt x="409575" y="0"/>
-                  </a:lnTo>
-                  <a:lnTo>
-                    <a:pt x="409575" y="411212"/>
-                  </a:lnTo>
-                  <a:lnTo>
-                    <a:pt x="335757" y="411212"/>
-                  </a:lnTo>
-                  <a:lnTo>
-                    <a:pt x="335757" y="531871"/>
-                  </a:lnTo>
-                  <a:lnTo>
-                    <a:pt x="0" y="531871"/>
-                  </a:lnTo>
-                  <a:close/>
-                </a:path>
-              </a:pathLst>
-            </a:custGeom>
-          </p:spPr>
-        </p:pic>
         <p:pic>
           <p:nvPicPr>
             <p:cNvPr id="29" name="Picture 28">
@@ -13894,7 +13800,7 @@
           </p:blipFill>
           <p:spPr>
             <a:xfrm>
-              <a:off x="4659841" y="4594775"/>
+              <a:off x="8173141" y="1066665"/>
               <a:ext cx="1220400" cy="1220400"/>
             </a:xfrm>
             <a:prstGeom prst="rect">
@@ -13916,7 +13822,7 @@
           </p:nvGrpSpPr>
           <p:grpSpPr>
             <a:xfrm>
-              <a:off x="5480953" y="4802025"/>
+              <a:off x="8339710" y="1273915"/>
               <a:ext cx="196726" cy="54000"/>
               <a:chOff x="5602892" y="4567273"/>
               <a:chExt cx="196726" cy="54000"/>

--- a/media/workshop.pptx
+++ b/media/workshop.pptx
@@ -5,7 +5,7 @@
     <p:sldMasterId id="2147483648" r:id="rId1"/>
   </p:sldMasterIdLst>
   <p:notesMasterIdLst>
-    <p:notesMasterId r:id="rId15"/>
+    <p:notesMasterId r:id="rId16"/>
   </p:notesMasterIdLst>
   <p:sldIdLst>
     <p:sldId id="256" r:id="rId2"/>
@@ -21,6 +21,7 @@
     <p:sldId id="266" r:id="rId12"/>
     <p:sldId id="267" r:id="rId13"/>
     <p:sldId id="268" r:id="rId14"/>
+    <p:sldId id="269" r:id="rId15"/>
   </p:sldIdLst>
   <p:sldSz cx="12192000" cy="6858000"/>
   <p:notesSz cx="6858000" cy="9144000"/>
@@ -209,7 +210,7 @@
           <a:p>
             <a:fld id="{A48A8C48-B3E7-451F-AD3C-7C38A874ED0C}" type="datetimeFigureOut">
               <a:rPr lang="en-GB" smtClean="0"/>
-              <a:t>04/10/2024</a:t>
+              <a:t>15/10/2024</a:t>
             </a:fld>
             <a:endParaRPr lang="en-GB"/>
           </a:p>
@@ -710,7 +711,7 @@
           <a:p>
             <a:fld id="{31EAB4FA-2558-41C8-8840-1B5E58534D56}" type="datetimeFigureOut">
               <a:rPr lang="en-GB" smtClean="0"/>
-              <a:t>04/10/2024</a:t>
+              <a:t>15/10/2024</a:t>
             </a:fld>
             <a:endParaRPr lang="en-GB"/>
           </a:p>
@@ -910,7 +911,7 @@
           <a:p>
             <a:fld id="{31EAB4FA-2558-41C8-8840-1B5E58534D56}" type="datetimeFigureOut">
               <a:rPr lang="en-GB" smtClean="0"/>
-              <a:t>04/10/2024</a:t>
+              <a:t>15/10/2024</a:t>
             </a:fld>
             <a:endParaRPr lang="en-GB"/>
           </a:p>
@@ -1120,7 +1121,7 @@
           <a:p>
             <a:fld id="{31EAB4FA-2558-41C8-8840-1B5E58534D56}" type="datetimeFigureOut">
               <a:rPr lang="en-GB" smtClean="0"/>
-              <a:t>04/10/2024</a:t>
+              <a:t>15/10/2024</a:t>
             </a:fld>
             <a:endParaRPr lang="en-GB"/>
           </a:p>
@@ -1320,7 +1321,7 @@
           <a:p>
             <a:fld id="{31EAB4FA-2558-41C8-8840-1B5E58534D56}" type="datetimeFigureOut">
               <a:rPr lang="en-GB" smtClean="0"/>
-              <a:t>04/10/2024</a:t>
+              <a:t>15/10/2024</a:t>
             </a:fld>
             <a:endParaRPr lang="en-GB"/>
           </a:p>
@@ -1596,7 +1597,7 @@
           <a:p>
             <a:fld id="{31EAB4FA-2558-41C8-8840-1B5E58534D56}" type="datetimeFigureOut">
               <a:rPr lang="en-GB" smtClean="0"/>
-              <a:t>04/10/2024</a:t>
+              <a:t>15/10/2024</a:t>
             </a:fld>
             <a:endParaRPr lang="en-GB"/>
           </a:p>
@@ -1864,7 +1865,7 @@
           <a:p>
             <a:fld id="{31EAB4FA-2558-41C8-8840-1B5E58534D56}" type="datetimeFigureOut">
               <a:rPr lang="en-GB" smtClean="0"/>
-              <a:t>04/10/2024</a:t>
+              <a:t>15/10/2024</a:t>
             </a:fld>
             <a:endParaRPr lang="en-GB"/>
           </a:p>
@@ -2279,7 +2280,7 @@
           <a:p>
             <a:fld id="{31EAB4FA-2558-41C8-8840-1B5E58534D56}" type="datetimeFigureOut">
               <a:rPr lang="en-GB" smtClean="0"/>
-              <a:t>04/10/2024</a:t>
+              <a:t>15/10/2024</a:t>
             </a:fld>
             <a:endParaRPr lang="en-GB"/>
           </a:p>
@@ -2421,7 +2422,7 @@
           <a:p>
             <a:fld id="{31EAB4FA-2558-41C8-8840-1B5E58534D56}" type="datetimeFigureOut">
               <a:rPr lang="en-GB" smtClean="0"/>
-              <a:t>04/10/2024</a:t>
+              <a:t>15/10/2024</a:t>
             </a:fld>
             <a:endParaRPr lang="en-GB"/>
           </a:p>
@@ -2534,7 +2535,7 @@
           <a:p>
             <a:fld id="{31EAB4FA-2558-41C8-8840-1B5E58534D56}" type="datetimeFigureOut">
               <a:rPr lang="en-GB" smtClean="0"/>
-              <a:t>04/10/2024</a:t>
+              <a:t>15/10/2024</a:t>
             </a:fld>
             <a:endParaRPr lang="en-GB"/>
           </a:p>
@@ -2847,7 +2848,7 @@
           <a:p>
             <a:fld id="{31EAB4FA-2558-41C8-8840-1B5E58534D56}" type="datetimeFigureOut">
               <a:rPr lang="en-GB" smtClean="0"/>
-              <a:t>04/10/2024</a:t>
+              <a:t>15/10/2024</a:t>
             </a:fld>
             <a:endParaRPr lang="en-GB"/>
           </a:p>
@@ -3136,7 +3137,7 @@
           <a:p>
             <a:fld id="{31EAB4FA-2558-41C8-8840-1B5E58534D56}" type="datetimeFigureOut">
               <a:rPr lang="en-GB" smtClean="0"/>
-              <a:t>04/10/2024</a:t>
+              <a:t>15/10/2024</a:t>
             </a:fld>
             <a:endParaRPr lang="en-GB"/>
           </a:p>
@@ -3382,7 +3383,7 @@
           <a:p>
             <a:fld id="{31EAB4FA-2558-41C8-8840-1B5E58534D56}" type="datetimeFigureOut">
               <a:rPr lang="en-GB" smtClean="0"/>
-              <a:t>04/10/2024</a:t>
+              <a:t>15/10/2024</a:t>
             </a:fld>
             <a:endParaRPr lang="en-GB"/>
           </a:p>
@@ -9243,6 +9244,286 @@
 </p:sld>
 </file>
 
+<file path=ppt/slides/slide14.xml><?xml version="1.0" encoding="utf-8"?>
+<p:sld xmlns:a="http://schemas.openxmlformats.org/drawingml/2006/main" xmlns:r="http://schemas.openxmlformats.org/officeDocument/2006/relationships" xmlns:p="http://schemas.openxmlformats.org/presentationml/2006/main">
+  <p:cSld>
+    <p:spTree>
+      <p:nvGrpSpPr>
+        <p:cNvPr id="1" name=""/>
+        <p:cNvGrpSpPr/>
+        <p:nvPr/>
+      </p:nvGrpSpPr>
+      <p:grpSpPr>
+        <a:xfrm>
+          <a:off x="0" y="0"/>
+          <a:ext cx="0" cy="0"/>
+          <a:chOff x="0" y="0"/>
+          <a:chExt cx="0" cy="0"/>
+        </a:xfrm>
+      </p:grpSpPr>
+      <p:pic>
+        <p:nvPicPr>
+          <p:cNvPr id="15" name="Picture 14">
+            <a:extLst>
+              <a:ext uri="{FF2B5EF4-FFF2-40B4-BE49-F238E27FC236}">
+                <a16:creationId xmlns:a16="http://schemas.microsoft.com/office/drawing/2014/main" id="{69DE1CFE-6191-0AFC-7AD3-3FC398F59A00}"/>
+              </a:ext>
+            </a:extLst>
+          </p:cNvPr>
+          <p:cNvPicPr>
+            <a:picLocks noChangeAspect="1"/>
+          </p:cNvPicPr>
+          <p:nvPr/>
+        </p:nvPicPr>
+        <p:blipFill>
+          <a:blip r:embed="rId2">
+            <a:extLst>
+              <a:ext uri="{28A0092B-C50C-407E-A947-70E740481C1C}">
+                <a14:useLocalDpi xmlns:a14="http://schemas.microsoft.com/office/drawing/2010/main" val="0"/>
+              </a:ext>
+            </a:extLst>
+          </a:blip>
+          <a:srcRect/>
+          <a:stretch>
+            <a:fillRect/>
+          </a:stretch>
+        </p:blipFill>
+        <p:spPr>
+          <a:xfrm>
+            <a:off x="1206115" y="818644"/>
+            <a:ext cx="1269841" cy="1269841"/>
+          </a:xfrm>
+          <a:custGeom>
+            <a:avLst/>
+            <a:gdLst>
+              <a:gd name="connsiteX0" fmla="*/ 992939 w 1269841"/>
+              <a:gd name="connsiteY0" fmla="*/ 527797 h 1269841"/>
+              <a:gd name="connsiteX1" fmla="*/ 1002786 w 1269841"/>
+              <a:gd name="connsiteY1" fmla="*/ 545939 h 1269841"/>
+              <a:gd name="connsiteX2" fmla="*/ 1020750 w 1269841"/>
+              <a:gd name="connsiteY2" fmla="*/ 634920 h 1269841"/>
+              <a:gd name="connsiteX3" fmla="*/ 1002786 w 1269841"/>
+              <a:gd name="connsiteY3" fmla="*/ 723901 h 1269841"/>
+              <a:gd name="connsiteX4" fmla="*/ 992370 w 1269841"/>
+              <a:gd name="connsiteY4" fmla="*/ 743091 h 1269841"/>
+              <a:gd name="connsiteX5" fmla="*/ 1003602 w 1269841"/>
+              <a:gd name="connsiteY5" fmla="*/ 703789 h 1269841"/>
+              <a:gd name="connsiteX6" fmla="*/ 1005028 w 1269841"/>
+              <a:gd name="connsiteY6" fmla="*/ 574071 h 1269841"/>
+              <a:gd name="connsiteX7" fmla="*/ 792150 w 1269841"/>
+              <a:gd name="connsiteY7" fmla="*/ 177720 h 1269841"/>
+              <a:gd name="connsiteX8" fmla="*/ 792150 w 1269841"/>
+              <a:gd name="connsiteY8" fmla="*/ 339168 h 1269841"/>
+              <a:gd name="connsiteX9" fmla="*/ 769289 w 1269841"/>
+              <a:gd name="connsiteY9" fmla="*/ 335024 h 1269841"/>
+              <a:gd name="connsiteX10" fmla="*/ 769289 w 1269841"/>
+              <a:gd name="connsiteY10" fmla="*/ 493588 h 1269841"/>
+              <a:gd name="connsiteX11" fmla="*/ 847383 w 1269841"/>
+              <a:gd name="connsiteY11" fmla="*/ 590903 h 1269841"/>
+              <a:gd name="connsiteX12" fmla="*/ 846809 w 1269841"/>
+              <a:gd name="connsiteY12" fmla="*/ 681840 h 1269841"/>
+              <a:gd name="connsiteX13" fmla="*/ 764909 w 1269841"/>
+              <a:gd name="connsiteY13" fmla="*/ 776051 h 1269841"/>
+              <a:gd name="connsiteX14" fmla="*/ 759988 w 1269841"/>
+              <a:gd name="connsiteY14" fmla="*/ 934595 h 1269841"/>
+              <a:gd name="connsiteX15" fmla="*/ 792150 w 1269841"/>
+              <a:gd name="connsiteY15" fmla="*/ 930279 h 1269841"/>
+              <a:gd name="connsiteX16" fmla="*/ 792150 w 1269841"/>
+              <a:gd name="connsiteY16" fmla="*/ 1092120 h 1269841"/>
+              <a:gd name="connsiteX17" fmla="*/ 1249350 w 1269841"/>
+              <a:gd name="connsiteY17" fmla="*/ 634920 h 1269841"/>
+              <a:gd name="connsiteX18" fmla="*/ 792150 w 1269841"/>
+              <a:gd name="connsiteY18" fmla="*/ 177720 h 1269841"/>
+              <a:gd name="connsiteX19" fmla="*/ 0 w 1269841"/>
+              <a:gd name="connsiteY19" fmla="*/ 0 h 1269841"/>
+              <a:gd name="connsiteX20" fmla="*/ 1269841 w 1269841"/>
+              <a:gd name="connsiteY20" fmla="*/ 0 h 1269841"/>
+              <a:gd name="connsiteX21" fmla="*/ 1269841 w 1269841"/>
+              <a:gd name="connsiteY21" fmla="*/ 1269841 h 1269841"/>
+              <a:gd name="connsiteX22" fmla="*/ 0 w 1269841"/>
+              <a:gd name="connsiteY22" fmla="*/ 1269841 h 1269841"/>
+            </a:gdLst>
+            <a:ahLst/>
+            <a:cxnLst>
+              <a:cxn ang="0">
+                <a:pos x="connsiteX0" y="connsiteY0"/>
+              </a:cxn>
+              <a:cxn ang="0">
+                <a:pos x="connsiteX1" y="connsiteY1"/>
+              </a:cxn>
+              <a:cxn ang="0">
+                <a:pos x="connsiteX2" y="connsiteY2"/>
+              </a:cxn>
+              <a:cxn ang="0">
+                <a:pos x="connsiteX3" y="connsiteY3"/>
+              </a:cxn>
+              <a:cxn ang="0">
+                <a:pos x="connsiteX4" y="connsiteY4"/>
+              </a:cxn>
+              <a:cxn ang="0">
+                <a:pos x="connsiteX5" y="connsiteY5"/>
+              </a:cxn>
+              <a:cxn ang="0">
+                <a:pos x="connsiteX6" y="connsiteY6"/>
+              </a:cxn>
+              <a:cxn ang="0">
+                <a:pos x="connsiteX7" y="connsiteY7"/>
+              </a:cxn>
+              <a:cxn ang="0">
+                <a:pos x="connsiteX8" y="connsiteY8"/>
+              </a:cxn>
+              <a:cxn ang="0">
+                <a:pos x="connsiteX9" y="connsiteY9"/>
+              </a:cxn>
+              <a:cxn ang="0">
+                <a:pos x="connsiteX10" y="connsiteY10"/>
+              </a:cxn>
+              <a:cxn ang="0">
+                <a:pos x="connsiteX11" y="connsiteY11"/>
+              </a:cxn>
+              <a:cxn ang="0">
+                <a:pos x="connsiteX12" y="connsiteY12"/>
+              </a:cxn>
+              <a:cxn ang="0">
+                <a:pos x="connsiteX13" y="connsiteY13"/>
+              </a:cxn>
+              <a:cxn ang="0">
+                <a:pos x="connsiteX14" y="connsiteY14"/>
+              </a:cxn>
+              <a:cxn ang="0">
+                <a:pos x="connsiteX15" y="connsiteY15"/>
+              </a:cxn>
+              <a:cxn ang="0">
+                <a:pos x="connsiteX16" y="connsiteY16"/>
+              </a:cxn>
+              <a:cxn ang="0">
+                <a:pos x="connsiteX17" y="connsiteY17"/>
+              </a:cxn>
+              <a:cxn ang="0">
+                <a:pos x="connsiteX18" y="connsiteY18"/>
+              </a:cxn>
+              <a:cxn ang="0">
+                <a:pos x="connsiteX19" y="connsiteY19"/>
+              </a:cxn>
+              <a:cxn ang="0">
+                <a:pos x="connsiteX20" y="connsiteY20"/>
+              </a:cxn>
+              <a:cxn ang="0">
+                <a:pos x="connsiteX21" y="connsiteY21"/>
+              </a:cxn>
+              <a:cxn ang="0">
+                <a:pos x="connsiteX22" y="connsiteY22"/>
+              </a:cxn>
+            </a:cxnLst>
+            <a:rect l="l" t="t" r="r" b="b"/>
+            <a:pathLst>
+              <a:path w="1269841" h="1269841">
+                <a:moveTo>
+                  <a:pt x="992939" y="527797"/>
+                </a:moveTo>
+                <a:lnTo>
+                  <a:pt x="1002786" y="545939"/>
+                </a:lnTo>
+                <a:cubicBezTo>
+                  <a:pt x="1014353" y="573288"/>
+                  <a:pt x="1020750" y="603357"/>
+                  <a:pt x="1020750" y="634920"/>
+                </a:cubicBezTo>
+                <a:cubicBezTo>
+                  <a:pt x="1020750" y="666483"/>
+                  <a:pt x="1014353" y="696552"/>
+                  <a:pt x="1002786" y="723901"/>
+                </a:cubicBezTo>
+                <a:lnTo>
+                  <a:pt x="992370" y="743091"/>
+                </a:lnTo>
+                <a:lnTo>
+                  <a:pt x="1003602" y="703789"/>
+                </a:lnTo>
+                <a:cubicBezTo>
+                  <a:pt x="1011667" y="661206"/>
+                  <a:pt x="1012154" y="616913"/>
+                  <a:pt x="1005028" y="574071"/>
+                </a:cubicBezTo>
+                <a:close/>
+                <a:moveTo>
+                  <a:pt x="792150" y="177720"/>
+                </a:moveTo>
+                <a:lnTo>
+                  <a:pt x="792150" y="339168"/>
+                </a:lnTo>
+                <a:lnTo>
+                  <a:pt x="769289" y="335024"/>
+                </a:lnTo>
+                <a:lnTo>
+                  <a:pt x="769289" y="493588"/>
+                </a:lnTo>
+                <a:cubicBezTo>
+                  <a:pt x="804815" y="493588"/>
+                  <a:pt x="836319" y="532846"/>
+                  <a:pt x="847383" y="590903"/>
+                </a:cubicBezTo>
+                <a:cubicBezTo>
+                  <a:pt x="853022" y="620496"/>
+                  <a:pt x="852821" y="652464"/>
+                  <a:pt x="846809" y="681840"/>
+                </a:cubicBezTo>
+                <a:cubicBezTo>
+                  <a:pt x="834696" y="741028"/>
+                  <a:pt x="801343" y="779395"/>
+                  <a:pt x="764909" y="776051"/>
+                </a:cubicBezTo>
+                <a:lnTo>
+                  <a:pt x="759988" y="934595"/>
+                </a:lnTo>
+                <a:lnTo>
+                  <a:pt x="792150" y="930279"/>
+                </a:lnTo>
+                <a:lnTo>
+                  <a:pt x="792150" y="1092120"/>
+                </a:lnTo>
+                <a:cubicBezTo>
+                  <a:pt x="1044655" y="1092120"/>
+                  <a:pt x="1249350" y="887425"/>
+                  <a:pt x="1249350" y="634920"/>
+                </a:cubicBezTo>
+                <a:cubicBezTo>
+                  <a:pt x="1249350" y="382415"/>
+                  <a:pt x="1044655" y="177720"/>
+                  <a:pt x="792150" y="177720"/>
+                </a:cubicBezTo>
+                <a:close/>
+                <a:moveTo>
+                  <a:pt x="0" y="0"/>
+                </a:moveTo>
+                <a:lnTo>
+                  <a:pt x="1269841" y="0"/>
+                </a:lnTo>
+                <a:lnTo>
+                  <a:pt x="1269841" y="1269841"/>
+                </a:lnTo>
+                <a:lnTo>
+                  <a:pt x="0" y="1269841"/>
+                </a:lnTo>
+                <a:close/>
+              </a:path>
+            </a:pathLst>
+          </a:custGeom>
+        </p:spPr>
+      </p:pic>
+    </p:spTree>
+    <p:extLst>
+      <p:ext uri="{BB962C8B-B14F-4D97-AF65-F5344CB8AC3E}">
+        <p14:creationId xmlns:p14="http://schemas.microsoft.com/office/powerpoint/2010/main" val="2567487118"/>
+      </p:ext>
+    </p:extLst>
+  </p:cSld>
+  <p:clrMapOvr>
+    <a:masterClrMapping/>
+  </p:clrMapOvr>
+</p:sld>
+</file>
+
 <file path=ppt/slides/slide2.xml><?xml version="1.0" encoding="utf-8"?>
 <p:sld xmlns:a="http://schemas.openxmlformats.org/drawingml/2006/main" xmlns:r="http://schemas.openxmlformats.org/officeDocument/2006/relationships" xmlns:p="http://schemas.openxmlformats.org/presentationml/2006/main">
   <p:cSld>
@@ -9262,6 +9543,58 @@
       </p:grpSpPr>
       <p:pic>
         <p:nvPicPr>
+          <p:cNvPr id="82" name="Picture 81" descr="A black and brown squares&#10;&#10;Description automatically generated">
+            <a:extLst>
+              <a:ext uri="{FF2B5EF4-FFF2-40B4-BE49-F238E27FC236}">
+                <a16:creationId xmlns:a16="http://schemas.microsoft.com/office/drawing/2014/main" id="{3DAD1444-32A5-F9D1-C0AB-ECC6BAC2C045}"/>
+              </a:ext>
+            </a:extLst>
+          </p:cNvPr>
+          <p:cNvPicPr>
+            <a:picLocks/>
+          </p:cNvPicPr>
+          <p:nvPr/>
+        </p:nvPicPr>
+        <p:blipFill>
+          <a:blip r:embed="rId2">
+            <a:duotone>
+              <a:schemeClr val="accent4">
+                <a:shade val="45000"/>
+                <a:satMod val="135000"/>
+              </a:schemeClr>
+              <a:prstClr val="white"/>
+            </a:duotone>
+            <a:extLst>
+              <a:ext uri="{BEBA8EAE-BF5A-486C-A8C5-ECC9F3942E4B}">
+                <a14:imgProps xmlns:a14="http://schemas.microsoft.com/office/drawing/2010/main">
+                  <a14:imgLayer r:embed="rId3">
+                    <a14:imgEffect>
+                      <a14:artisticGlowEdges/>
+                    </a14:imgEffect>
+                  </a14:imgLayer>
+                </a14:imgProps>
+              </a:ext>
+              <a:ext uri="{28A0092B-C50C-407E-A947-70E740481C1C}">
+                <a14:useLocalDpi xmlns:a14="http://schemas.microsoft.com/office/drawing/2010/main" val="0"/>
+              </a:ext>
+            </a:extLst>
+          </a:blip>
+          <a:stretch>
+            <a:fillRect/>
+          </a:stretch>
+        </p:blipFill>
+        <p:spPr>
+          <a:xfrm>
+            <a:off x="834600" y="-1583949"/>
+            <a:ext cx="1560457" cy="1556445"/>
+          </a:xfrm>
+          <a:prstGeom prst="rect">
+            <a:avLst/>
+          </a:prstGeom>
+        </p:spPr>
+      </p:pic>
+      <p:pic>
+        <p:nvPicPr>
           <p:cNvPr id="5" name="Picture 4" descr="A black background with a black square&#10;&#10;Description automatically generated with medium confidence">
             <a:extLst>
               <a:ext uri="{FF2B5EF4-FFF2-40B4-BE49-F238E27FC236}">
@@ -9275,7 +9608,7 @@
           <p:nvPr/>
         </p:nvPicPr>
         <p:blipFill>
-          <a:blip r:embed="rId2">
+          <a:blip r:embed="rId4">
             <a:alphaModFix/>
             <a:extLst>
               <a:ext uri="{28A0092B-C50C-407E-A947-70E740481C1C}">
@@ -9289,8 +9622,8 @@
         </p:blipFill>
         <p:spPr>
           <a:xfrm>
-            <a:off x="1197940" y="146779"/>
-            <a:ext cx="1269841" cy="1269841"/>
+            <a:off x="5671617" y="501951"/>
+            <a:ext cx="2491200" cy="2491200"/>
           </a:xfrm>
           <a:prstGeom prst="rect">
             <a:avLst/>
@@ -9312,7 +9645,7 @@
           <p:nvPr/>
         </p:nvPicPr>
         <p:blipFill>
-          <a:blip r:embed="rId3">
+          <a:blip r:embed="rId5">
             <a:extLst>
               <a:ext uri="{28A0092B-C50C-407E-A947-70E740481C1C}">
                 <a14:useLocalDpi xmlns:a14="http://schemas.microsoft.com/office/drawing/2010/main" val="0"/>
@@ -9325,7 +9658,7 @@
         </p:blipFill>
         <p:spPr>
           <a:xfrm>
-            <a:off x="5741549" y="346852"/>
+            <a:off x="9405412" y="177675"/>
             <a:ext cx="1269089" cy="1269089"/>
           </a:xfrm>
           <a:prstGeom prst="rect">
@@ -9348,7 +9681,7 @@
           <p:nvPr/>
         </p:nvPicPr>
         <p:blipFill>
-          <a:blip r:embed="rId3">
+          <a:blip r:embed="rId5">
             <a:extLst>
               <a:ext uri="{28A0092B-C50C-407E-A947-70E740481C1C}">
                 <a14:useLocalDpi xmlns:a14="http://schemas.microsoft.com/office/drawing/2010/main" val="0"/>
@@ -9361,7 +9694,7 @@
         </p:blipFill>
         <p:spPr>
           <a:xfrm>
-            <a:off x="7013417" y="346852"/>
+            <a:off x="10677280" y="177675"/>
             <a:ext cx="1269089" cy="1269089"/>
           </a:xfrm>
           <a:prstGeom prst="rect">
@@ -9383,7 +9716,7 @@
         </p:nvSpPr>
         <p:spPr>
           <a:xfrm rot="5400000">
-            <a:off x="7451057" y="824618"/>
+            <a:off x="11114920" y="655441"/>
             <a:ext cx="393807" cy="313556"/>
           </a:xfrm>
           <a:prstGeom prst="triangle">
@@ -9432,7 +9765,7 @@
         </p:nvSpPr>
         <p:spPr>
           <a:xfrm rot="16200000">
-            <a:off x="6176427" y="824618"/>
+            <a:off x="9840290" y="655441"/>
             <a:ext cx="393807" cy="313556"/>
           </a:xfrm>
           <a:prstGeom prst="triangle">
@@ -9482,7 +9815,7 @@
           <p:nvPr/>
         </p:nvPicPr>
         <p:blipFill>
-          <a:blip r:embed="rId3">
+          <a:blip r:embed="rId5">
             <a:extLst>
               <a:ext uri="{28A0092B-C50C-407E-A947-70E740481C1C}">
                 <a14:useLocalDpi xmlns:a14="http://schemas.microsoft.com/office/drawing/2010/main" val="0"/>
@@ -9496,7 +9829,7 @@
         </p:blipFill>
         <p:spPr>
           <a:xfrm>
-            <a:off x="6872762" y="3429001"/>
+            <a:off x="8139072" y="1875218"/>
             <a:ext cx="1269089" cy="1269089"/>
           </a:xfrm>
           <a:custGeom>
@@ -9699,7 +10032,7 @@
           <p:nvPr/>
         </p:nvPicPr>
         <p:blipFill>
-          <a:blip r:embed="rId3">
+          <a:blip r:embed="rId5">
             <a:extLst>
               <a:ext uri="{28A0092B-C50C-407E-A947-70E740481C1C}">
                 <a14:useLocalDpi xmlns:a14="http://schemas.microsoft.com/office/drawing/2010/main" val="0"/>
@@ -9713,7 +10046,7 @@
         </p:blipFill>
         <p:spPr>
           <a:xfrm>
-            <a:off x="8141849" y="3429000"/>
+            <a:off x="9408159" y="1875217"/>
             <a:ext cx="1269089" cy="1269089"/>
           </a:xfrm>
           <a:custGeom>
@@ -9804,7 +10137,7 @@
           <p:nvPr/>
         </p:nvPicPr>
         <p:blipFill>
-          <a:blip r:embed="rId3">
+          <a:blip r:embed="rId5">
             <a:extLst>
               <a:ext uri="{28A0092B-C50C-407E-A947-70E740481C1C}">
                 <a14:useLocalDpi xmlns:a14="http://schemas.microsoft.com/office/drawing/2010/main" val="0"/>
@@ -9818,7 +10151,7 @@
         </p:blipFill>
         <p:spPr>
           <a:xfrm>
-            <a:off x="9408191" y="3429000"/>
+            <a:off x="10674501" y="1875217"/>
             <a:ext cx="1269089" cy="1269089"/>
           </a:xfrm>
           <a:custGeom>
@@ -9909,7 +10242,7 @@
           <p:nvPr/>
         </p:nvPicPr>
         <p:blipFill>
-          <a:blip r:embed="rId3">
+          <a:blip r:embed="rId5">
             <a:extLst>
               <a:ext uri="{28A0092B-C50C-407E-A947-70E740481C1C}">
                 <a14:useLocalDpi xmlns:a14="http://schemas.microsoft.com/office/drawing/2010/main" val="0"/>
@@ -9922,7 +10255,7 @@
         </p:blipFill>
         <p:spPr>
           <a:xfrm>
-            <a:off x="4469681" y="346852"/>
+            <a:off x="8133544" y="177675"/>
             <a:ext cx="1269089" cy="1269089"/>
           </a:xfrm>
           <a:prstGeom prst="rect">
@@ -9944,7 +10277,7 @@
         </p:nvGrpSpPr>
         <p:grpSpPr>
           <a:xfrm>
-            <a:off x="4863075" y="646883"/>
+            <a:off x="8526938" y="477706"/>
             <a:ext cx="482300" cy="603615"/>
             <a:chOff x="7266156" y="3729032"/>
             <a:chExt cx="482300" cy="603615"/>
@@ -10058,6 +10391,1822 @@
             </a:p>
           </p:txBody>
         </p:sp>
+      </p:grpSp>
+      <p:grpSp>
+        <p:nvGrpSpPr>
+          <p:cNvPr id="112" name="Group 111">
+            <a:extLst>
+              <a:ext uri="{FF2B5EF4-FFF2-40B4-BE49-F238E27FC236}">
+                <a16:creationId xmlns:a16="http://schemas.microsoft.com/office/drawing/2014/main" id="{540A3F24-AE7E-86E8-D246-BE804DEC410E}"/>
+              </a:ext>
+            </a:extLst>
+          </p:cNvPr>
+          <p:cNvGrpSpPr/>
+          <p:nvPr/>
+        </p:nvGrpSpPr>
+        <p:grpSpPr>
+          <a:xfrm>
+            <a:off x="3132435" y="-202865"/>
+            <a:ext cx="2609697" cy="2609697"/>
+            <a:chOff x="4051694" y="3190875"/>
+            <a:chExt cx="2609697" cy="2609697"/>
+          </a:xfrm>
+        </p:grpSpPr>
+        <p:pic>
+          <p:nvPicPr>
+            <p:cNvPr id="111" name="Picture 110" descr="A black background with a black square&#10;&#10;Description automatically generated with medium confidence">
+              <a:extLst>
+                <a:ext uri="{FF2B5EF4-FFF2-40B4-BE49-F238E27FC236}">
+                  <a16:creationId xmlns:a16="http://schemas.microsoft.com/office/drawing/2014/main" id="{7892A335-095D-BC35-A0BF-840C01D94377}"/>
+                </a:ext>
+              </a:extLst>
+            </p:cNvPr>
+            <p:cNvPicPr>
+              <a:picLocks noChangeAspect="1"/>
+            </p:cNvPicPr>
+            <p:nvPr/>
+          </p:nvPicPr>
+          <p:blipFill>
+            <a:blip r:embed="rId6">
+              <a:extLst>
+                <a:ext uri="{28A0092B-C50C-407E-A947-70E740481C1C}">
+                  <a14:useLocalDpi xmlns:a14="http://schemas.microsoft.com/office/drawing/2010/main" val="0"/>
+                </a:ext>
+              </a:extLst>
+            </a:blip>
+            <a:srcRect/>
+            <a:stretch>
+              <a:fillRect/>
+            </a:stretch>
+          </p:blipFill>
+          <p:spPr>
+            <a:xfrm>
+              <a:off x="4051694" y="3190875"/>
+              <a:ext cx="2609697" cy="2609697"/>
+            </a:xfrm>
+            <a:custGeom>
+              <a:avLst/>
+              <a:gdLst>
+                <a:gd name="connsiteX0" fmla="*/ 833173 w 2609697"/>
+                <a:gd name="connsiteY0" fmla="*/ 1274893 h 2609697"/>
+                <a:gd name="connsiteX1" fmla="*/ 223580 w 2609697"/>
+                <a:gd name="connsiteY1" fmla="*/ 1884486 h 2609697"/>
+                <a:gd name="connsiteX2" fmla="*/ 322017 w 2609697"/>
+                <a:gd name="connsiteY2" fmla="*/ 2287719 h 2609697"/>
+                <a:gd name="connsiteX3" fmla="*/ 725250 w 2609697"/>
+                <a:gd name="connsiteY3" fmla="*/ 2386155 h 2609697"/>
+                <a:gd name="connsiteX4" fmla="*/ 1334843 w 2609697"/>
+                <a:gd name="connsiteY4" fmla="*/ 1776563 h 2609697"/>
+                <a:gd name="connsiteX5" fmla="*/ 1726341 w 2609697"/>
+                <a:gd name="connsiteY5" fmla="*/ 380010 h 2609697"/>
+                <a:gd name="connsiteX6" fmla="*/ 840395 w 2609697"/>
+                <a:gd name="connsiteY6" fmla="*/ 1265957 h 2609697"/>
+                <a:gd name="connsiteX7" fmla="*/ 1342064 w 2609697"/>
+                <a:gd name="connsiteY7" fmla="*/ 1767626 h 2609697"/>
+                <a:gd name="connsiteX8" fmla="*/ 2228011 w 2609697"/>
+                <a:gd name="connsiteY8" fmla="*/ 881679 h 2609697"/>
+                <a:gd name="connsiteX9" fmla="*/ 2198663 w 2609697"/>
+                <a:gd name="connsiteY9" fmla="*/ 409358 h 2609697"/>
+                <a:gd name="connsiteX10" fmla="*/ 0 w 2609697"/>
+                <a:gd name="connsiteY10" fmla="*/ 0 h 2609697"/>
+                <a:gd name="connsiteX11" fmla="*/ 2609697 w 2609697"/>
+                <a:gd name="connsiteY11" fmla="*/ 0 h 2609697"/>
+                <a:gd name="connsiteX12" fmla="*/ 2609697 w 2609697"/>
+                <a:gd name="connsiteY12" fmla="*/ 2609697 h 2609697"/>
+                <a:gd name="connsiteX13" fmla="*/ 0 w 2609697"/>
+                <a:gd name="connsiteY13" fmla="*/ 2609697 h 2609697"/>
+              </a:gdLst>
+              <a:ahLst/>
+              <a:cxnLst>
+                <a:cxn ang="0">
+                  <a:pos x="connsiteX0" y="connsiteY0"/>
+                </a:cxn>
+                <a:cxn ang="0">
+                  <a:pos x="connsiteX1" y="connsiteY1"/>
+                </a:cxn>
+                <a:cxn ang="0">
+                  <a:pos x="connsiteX2" y="connsiteY2"/>
+                </a:cxn>
+                <a:cxn ang="0">
+                  <a:pos x="connsiteX3" y="connsiteY3"/>
+                </a:cxn>
+                <a:cxn ang="0">
+                  <a:pos x="connsiteX4" y="connsiteY4"/>
+                </a:cxn>
+                <a:cxn ang="0">
+                  <a:pos x="connsiteX5" y="connsiteY5"/>
+                </a:cxn>
+                <a:cxn ang="0">
+                  <a:pos x="connsiteX6" y="connsiteY6"/>
+                </a:cxn>
+                <a:cxn ang="0">
+                  <a:pos x="connsiteX7" y="connsiteY7"/>
+                </a:cxn>
+                <a:cxn ang="0">
+                  <a:pos x="connsiteX8" y="connsiteY8"/>
+                </a:cxn>
+                <a:cxn ang="0">
+                  <a:pos x="connsiteX9" y="connsiteY9"/>
+                </a:cxn>
+                <a:cxn ang="0">
+                  <a:pos x="connsiteX10" y="connsiteY10"/>
+                </a:cxn>
+                <a:cxn ang="0">
+                  <a:pos x="connsiteX11" y="connsiteY11"/>
+                </a:cxn>
+                <a:cxn ang="0">
+                  <a:pos x="connsiteX12" y="connsiteY12"/>
+                </a:cxn>
+                <a:cxn ang="0">
+                  <a:pos x="connsiteX13" y="connsiteY13"/>
+                </a:cxn>
+              </a:cxnLst>
+              <a:rect l="l" t="t" r="r" b="b"/>
+              <a:pathLst>
+                <a:path w="2609697" h="2609697">
+                  <a:moveTo>
+                    <a:pt x="833173" y="1274893"/>
+                  </a:moveTo>
+                  <a:lnTo>
+                    <a:pt x="223580" y="1884486"/>
+                  </a:lnTo>
+                  <a:lnTo>
+                    <a:pt x="322017" y="2287719"/>
+                  </a:lnTo>
+                  <a:lnTo>
+                    <a:pt x="725250" y="2386155"/>
+                  </a:lnTo>
+                  <a:lnTo>
+                    <a:pt x="1334843" y="1776563"/>
+                  </a:lnTo>
+                  <a:close/>
+                  <a:moveTo>
+                    <a:pt x="1726341" y="380010"/>
+                  </a:moveTo>
+                  <a:lnTo>
+                    <a:pt x="840395" y="1265957"/>
+                  </a:lnTo>
+                  <a:lnTo>
+                    <a:pt x="1342064" y="1767626"/>
+                  </a:lnTo>
+                  <a:lnTo>
+                    <a:pt x="2228011" y="881679"/>
+                  </a:lnTo>
+                  <a:lnTo>
+                    <a:pt x="2198663" y="409358"/>
+                  </a:lnTo>
+                  <a:close/>
+                  <a:moveTo>
+                    <a:pt x="0" y="0"/>
+                  </a:moveTo>
+                  <a:lnTo>
+                    <a:pt x="2609697" y="0"/>
+                  </a:lnTo>
+                  <a:lnTo>
+                    <a:pt x="2609697" y="2609697"/>
+                  </a:lnTo>
+                  <a:lnTo>
+                    <a:pt x="0" y="2609697"/>
+                  </a:lnTo>
+                  <a:close/>
+                </a:path>
+              </a:pathLst>
+            </a:custGeom>
+          </p:spPr>
+        </p:pic>
+        <p:pic>
+          <p:nvPicPr>
+            <p:cNvPr id="103" name="Picture 102" descr="A black background with a black square&#10;&#10;Description automatically generated with medium confidence">
+              <a:extLst>
+                <a:ext uri="{FF2B5EF4-FFF2-40B4-BE49-F238E27FC236}">
+                  <a16:creationId xmlns:a16="http://schemas.microsoft.com/office/drawing/2014/main" id="{2743044F-3DF0-4978-DF5F-913C31EADDE4}"/>
+                </a:ext>
+              </a:extLst>
+            </p:cNvPr>
+            <p:cNvPicPr>
+              <a:picLocks noChangeAspect="1"/>
+            </p:cNvPicPr>
+            <p:nvPr/>
+          </p:nvPicPr>
+          <p:blipFill>
+            <a:blip r:embed="rId7">
+              <a:extLst>
+                <a:ext uri="{28A0092B-C50C-407E-A947-70E740481C1C}">
+                  <a14:useLocalDpi xmlns:a14="http://schemas.microsoft.com/office/drawing/2010/main" val="0"/>
+                </a:ext>
+              </a:extLst>
+            </a:blip>
+            <a:stretch>
+              <a:fillRect/>
+            </a:stretch>
+          </p:blipFill>
+          <p:spPr>
+            <a:xfrm>
+              <a:off x="4051694" y="4408596"/>
+              <a:ext cx="1391976" cy="1391976"/>
+            </a:xfrm>
+            <a:prstGeom prst="rect">
+              <a:avLst/>
+            </a:prstGeom>
+          </p:spPr>
+        </p:pic>
+        <p:pic>
+          <p:nvPicPr>
+            <p:cNvPr id="110" name="Picture 109" descr="A black background with a black square&#10;&#10;Description automatically generated with medium confidence">
+              <a:extLst>
+                <a:ext uri="{FF2B5EF4-FFF2-40B4-BE49-F238E27FC236}">
+                  <a16:creationId xmlns:a16="http://schemas.microsoft.com/office/drawing/2014/main" id="{3A9DD78B-5879-DD88-1A2D-CBAA06CE8541}"/>
+                </a:ext>
+              </a:extLst>
+            </p:cNvPr>
+            <p:cNvPicPr>
+              <a:picLocks noChangeAspect="1"/>
+            </p:cNvPicPr>
+            <p:nvPr/>
+          </p:nvPicPr>
+          <p:blipFill>
+            <a:blip r:embed="rId6">
+              <a:duotone>
+                <a:schemeClr val="accent4">
+                  <a:shade val="45000"/>
+                  <a:satMod val="135000"/>
+                </a:schemeClr>
+                <a:prstClr val="white"/>
+              </a:duotone>
+              <a:alphaModFix/>
+              <a:extLst>
+                <a:ext uri="{28A0092B-C50C-407E-A947-70E740481C1C}">
+                  <a14:useLocalDpi xmlns:a14="http://schemas.microsoft.com/office/drawing/2010/main" val="0"/>
+                </a:ext>
+              </a:extLst>
+            </a:blip>
+            <a:srcRect l="32385" t="14744" r="14443" b="32084"/>
+            <a:stretch>
+              <a:fillRect/>
+            </a:stretch>
+          </p:blipFill>
+          <p:spPr>
+            <a:xfrm>
+              <a:off x="4867154" y="3526754"/>
+              <a:ext cx="1458000" cy="1458000"/>
+            </a:xfrm>
+            <a:custGeom>
+              <a:avLst/>
+              <a:gdLst>
+                <a:gd name="connsiteX0" fmla="*/ 885946 w 1387616"/>
+                <a:gd name="connsiteY0" fmla="*/ 0 h 1387616"/>
+                <a:gd name="connsiteX1" fmla="*/ 1358268 w 1387616"/>
+                <a:gd name="connsiteY1" fmla="*/ 29348 h 1387616"/>
+                <a:gd name="connsiteX2" fmla="*/ 1387616 w 1387616"/>
+                <a:gd name="connsiteY2" fmla="*/ 501670 h 1387616"/>
+                <a:gd name="connsiteX3" fmla="*/ 501669 w 1387616"/>
+                <a:gd name="connsiteY3" fmla="*/ 1387616 h 1387616"/>
+                <a:gd name="connsiteX4" fmla="*/ 0 w 1387616"/>
+                <a:gd name="connsiteY4" fmla="*/ 885947 h 1387616"/>
+              </a:gdLst>
+              <a:ahLst/>
+              <a:cxnLst>
+                <a:cxn ang="0">
+                  <a:pos x="connsiteX0" y="connsiteY0"/>
+                </a:cxn>
+                <a:cxn ang="0">
+                  <a:pos x="connsiteX1" y="connsiteY1"/>
+                </a:cxn>
+                <a:cxn ang="0">
+                  <a:pos x="connsiteX2" y="connsiteY2"/>
+                </a:cxn>
+                <a:cxn ang="0">
+                  <a:pos x="connsiteX3" y="connsiteY3"/>
+                </a:cxn>
+                <a:cxn ang="0">
+                  <a:pos x="connsiteX4" y="connsiteY4"/>
+                </a:cxn>
+              </a:cxnLst>
+              <a:rect l="l" t="t" r="r" b="b"/>
+              <a:pathLst>
+                <a:path w="1387616" h="1387616">
+                  <a:moveTo>
+                    <a:pt x="885946" y="0"/>
+                  </a:moveTo>
+                  <a:lnTo>
+                    <a:pt x="1358268" y="29348"/>
+                  </a:lnTo>
+                  <a:lnTo>
+                    <a:pt x="1387616" y="501670"/>
+                  </a:lnTo>
+                  <a:lnTo>
+                    <a:pt x="501669" y="1387616"/>
+                  </a:lnTo>
+                  <a:lnTo>
+                    <a:pt x="0" y="885947"/>
+                  </a:lnTo>
+                  <a:close/>
+                </a:path>
+              </a:pathLst>
+            </a:custGeom>
+          </p:spPr>
+        </p:pic>
+      </p:grpSp>
+      <p:grpSp>
+        <p:nvGrpSpPr>
+          <p:cNvPr id="148" name="Group 147">
+            <a:extLst>
+              <a:ext uri="{FF2B5EF4-FFF2-40B4-BE49-F238E27FC236}">
+                <a16:creationId xmlns:a16="http://schemas.microsoft.com/office/drawing/2014/main" id="{F95B84C1-5748-AD5C-0744-D7CAE8EA2D44}"/>
+              </a:ext>
+            </a:extLst>
+          </p:cNvPr>
+          <p:cNvGrpSpPr/>
+          <p:nvPr/>
+        </p:nvGrpSpPr>
+        <p:grpSpPr>
+          <a:xfrm>
+            <a:off x="125924" y="-202865"/>
+            <a:ext cx="2777656" cy="2781667"/>
+            <a:chOff x="125924" y="-202865"/>
+            <a:chExt cx="2777656" cy="2781667"/>
+          </a:xfrm>
+        </p:grpSpPr>
+        <p:grpSp>
+          <p:nvGrpSpPr>
+            <p:cNvPr id="147" name="Group 146">
+              <a:extLst>
+                <a:ext uri="{FF2B5EF4-FFF2-40B4-BE49-F238E27FC236}">
+                  <a16:creationId xmlns:a16="http://schemas.microsoft.com/office/drawing/2014/main" id="{0D596B8B-6A3F-986D-E7A4-192BFD8DED22}"/>
+                </a:ext>
+              </a:extLst>
+            </p:cNvPr>
+            <p:cNvGrpSpPr/>
+            <p:nvPr/>
+          </p:nvGrpSpPr>
+          <p:grpSpPr>
+            <a:xfrm>
+              <a:off x="125924" y="302717"/>
+              <a:ext cx="2269133" cy="2276085"/>
+              <a:chOff x="125924" y="302717"/>
+              <a:chExt cx="2269133" cy="2276085"/>
+            </a:xfrm>
+          </p:grpSpPr>
+          <p:grpSp>
+            <p:nvGrpSpPr>
+              <p:cNvPr id="145" name="Group 144">
+                <a:extLst>
+                  <a:ext uri="{FF2B5EF4-FFF2-40B4-BE49-F238E27FC236}">
+                    <a16:creationId xmlns:a16="http://schemas.microsoft.com/office/drawing/2014/main" id="{7F045C83-A6EF-AF7A-0DAC-A52BFFA02076}"/>
+                  </a:ext>
+                </a:extLst>
+              </p:cNvPr>
+              <p:cNvGrpSpPr>
+                <a:grpSpLocks noChangeAspect="1"/>
+              </p:cNvGrpSpPr>
+              <p:nvPr/>
+            </p:nvGrpSpPr>
+            <p:grpSpPr>
+              <a:xfrm>
+                <a:off x="1520257" y="302717"/>
+                <a:ext cx="874800" cy="874800"/>
+                <a:chOff x="1513907" y="293192"/>
+                <a:chExt cx="880624" cy="889372"/>
+              </a:xfrm>
+            </p:grpSpPr>
+            <p:sp>
+              <p:nvSpPr>
+                <p:cNvPr id="116" name="Rectangle 115">
+                  <a:extLst>
+                    <a:ext uri="{FF2B5EF4-FFF2-40B4-BE49-F238E27FC236}">
+                      <a16:creationId xmlns:a16="http://schemas.microsoft.com/office/drawing/2014/main" id="{BE210FEA-8DFD-C29C-0897-A8B9C6486C20}"/>
+                    </a:ext>
+                  </a:extLst>
+                </p:cNvPr>
+                <p:cNvSpPr>
+                  <a:spLocks noChangeAspect="1"/>
+                </p:cNvSpPr>
+                <p:nvPr/>
+              </p:nvSpPr>
+              <p:spPr>
+                <a:xfrm>
+                  <a:off x="2173386" y="293192"/>
+                  <a:ext cx="221145" cy="222304"/>
+                </a:xfrm>
+                <a:prstGeom prst="rect">
+                  <a:avLst/>
+                </a:prstGeom>
+                <a:solidFill>
+                  <a:srgbClr val="D39603"/>
+                </a:solidFill>
+                <a:ln>
+                  <a:noFill/>
+                </a:ln>
+              </p:spPr>
+              <p:style>
+                <a:lnRef idx="2">
+                  <a:schemeClr val="accent1">
+                    <a:shade val="15000"/>
+                  </a:schemeClr>
+                </a:lnRef>
+                <a:fillRef idx="1">
+                  <a:schemeClr val="accent1"/>
+                </a:fillRef>
+                <a:effectRef idx="0">
+                  <a:schemeClr val="accent1"/>
+                </a:effectRef>
+                <a:fontRef idx="minor">
+                  <a:schemeClr val="lt1"/>
+                </a:fontRef>
+              </p:style>
+              <p:txBody>
+                <a:bodyPr rtlCol="0" anchor="ctr"/>
+                <a:lstStyle/>
+                <a:p>
+                  <a:pPr algn="ctr"/>
+                  <a:endParaRPr lang="en-GB" dirty="0"/>
+                </a:p>
+              </p:txBody>
+            </p:sp>
+            <p:grpSp>
+              <p:nvGrpSpPr>
+                <p:cNvPr id="125" name="Group 124">
+                  <a:extLst>
+                    <a:ext uri="{FF2B5EF4-FFF2-40B4-BE49-F238E27FC236}">
+                      <a16:creationId xmlns:a16="http://schemas.microsoft.com/office/drawing/2014/main" id="{D0FE8A1E-F816-7E3B-2474-900B94D64ED4}"/>
+                    </a:ext>
+                  </a:extLst>
+                </p:cNvPr>
+                <p:cNvGrpSpPr/>
+                <p:nvPr/>
+              </p:nvGrpSpPr>
+              <p:grpSpPr>
+                <a:xfrm>
+                  <a:off x="1513907" y="293350"/>
+                  <a:ext cx="880624" cy="889214"/>
+                  <a:chOff x="1512409" y="288124"/>
+                  <a:chExt cx="895100" cy="899120"/>
+                </a:xfrm>
+                <a:solidFill>
+                  <a:srgbClr val="D39603"/>
+                </a:solidFill>
+              </p:grpSpPr>
+              <p:sp>
+                <p:nvSpPr>
+                  <p:cNvPr id="113" name="Rectangle 112">
+                    <a:extLst>
+                      <a:ext uri="{FF2B5EF4-FFF2-40B4-BE49-F238E27FC236}">
+                        <a16:creationId xmlns:a16="http://schemas.microsoft.com/office/drawing/2014/main" id="{4E9CC605-097F-2C6B-1D99-A7A78FDEABFB}"/>
+                      </a:ext>
+                    </a:extLst>
+                  </p:cNvPr>
+                  <p:cNvSpPr>
+                    <a:spLocks noChangeAspect="1"/>
+                  </p:cNvSpPr>
+                  <p:nvPr/>
+                </p:nvSpPr>
+                <p:spPr>
+                  <a:xfrm>
+                    <a:off x="2182729" y="737684"/>
+                    <a:ext cx="224780" cy="224780"/>
+                  </a:xfrm>
+                  <a:prstGeom prst="rect">
+                    <a:avLst/>
+                  </a:prstGeom>
+                  <a:grpFill/>
+                  <a:ln>
+                    <a:noFill/>
+                  </a:ln>
+                </p:spPr>
+                <p:style>
+                  <a:lnRef idx="2">
+                    <a:schemeClr val="accent1">
+                      <a:shade val="15000"/>
+                    </a:schemeClr>
+                  </a:lnRef>
+                  <a:fillRef idx="1">
+                    <a:schemeClr val="accent1"/>
+                  </a:fillRef>
+                  <a:effectRef idx="0">
+                    <a:schemeClr val="accent1"/>
+                  </a:effectRef>
+                  <a:fontRef idx="minor">
+                    <a:schemeClr val="lt1"/>
+                  </a:fontRef>
+                </p:style>
+                <p:txBody>
+                  <a:bodyPr rtlCol="0" anchor="ctr"/>
+                  <a:lstStyle/>
+                  <a:p>
+                    <a:pPr algn="ctr"/>
+                    <a:endParaRPr lang="en-GB" dirty="0"/>
+                  </a:p>
+                </p:txBody>
+              </p:sp>
+              <p:sp>
+                <p:nvSpPr>
+                  <p:cNvPr id="115" name="Rectangle 114">
+                    <a:extLst>
+                      <a:ext uri="{FF2B5EF4-FFF2-40B4-BE49-F238E27FC236}">
+                        <a16:creationId xmlns:a16="http://schemas.microsoft.com/office/drawing/2014/main" id="{4C1FCF62-B04C-4240-B2B9-DE27CEF1E41D}"/>
+                      </a:ext>
+                    </a:extLst>
+                  </p:cNvPr>
+                  <p:cNvSpPr>
+                    <a:spLocks noChangeAspect="1"/>
+                  </p:cNvSpPr>
+                  <p:nvPr/>
+                </p:nvSpPr>
+                <p:spPr>
+                  <a:xfrm>
+                    <a:off x="1956364" y="512904"/>
+                    <a:ext cx="224780" cy="224780"/>
+                  </a:xfrm>
+                  <a:prstGeom prst="rect">
+                    <a:avLst/>
+                  </a:prstGeom>
+                  <a:grpFill/>
+                  <a:ln>
+                    <a:noFill/>
+                  </a:ln>
+                </p:spPr>
+                <p:style>
+                  <a:lnRef idx="2">
+                    <a:schemeClr val="accent1">
+                      <a:shade val="15000"/>
+                    </a:schemeClr>
+                  </a:lnRef>
+                  <a:fillRef idx="1">
+                    <a:schemeClr val="accent1"/>
+                  </a:fillRef>
+                  <a:effectRef idx="0">
+                    <a:schemeClr val="accent1"/>
+                  </a:effectRef>
+                  <a:fontRef idx="minor">
+                    <a:schemeClr val="lt1"/>
+                  </a:fontRef>
+                </p:style>
+                <p:txBody>
+                  <a:bodyPr rtlCol="0" anchor="ctr"/>
+                  <a:lstStyle/>
+                  <a:p>
+                    <a:pPr algn="ctr"/>
+                    <a:endParaRPr lang="en-GB" dirty="0"/>
+                  </a:p>
+                </p:txBody>
+              </p:sp>
+              <p:sp>
+                <p:nvSpPr>
+                  <p:cNvPr id="117" name="Rectangle 116">
+                    <a:extLst>
+                      <a:ext uri="{FF2B5EF4-FFF2-40B4-BE49-F238E27FC236}">
+                        <a16:creationId xmlns:a16="http://schemas.microsoft.com/office/drawing/2014/main" id="{9D5C064B-B396-429B-2C52-A8050348CBF0}"/>
+                      </a:ext>
+                    </a:extLst>
+                  </p:cNvPr>
+                  <p:cNvSpPr>
+                    <a:spLocks noChangeAspect="1"/>
+                  </p:cNvSpPr>
+                  <p:nvPr/>
+                </p:nvSpPr>
+                <p:spPr>
+                  <a:xfrm>
+                    <a:off x="1733849" y="288124"/>
+                    <a:ext cx="224780" cy="224780"/>
+                  </a:xfrm>
+                  <a:prstGeom prst="rect">
+                    <a:avLst/>
+                  </a:prstGeom>
+                  <a:grpFill/>
+                  <a:ln>
+                    <a:noFill/>
+                  </a:ln>
+                </p:spPr>
+                <p:style>
+                  <a:lnRef idx="2">
+                    <a:schemeClr val="accent1">
+                      <a:shade val="15000"/>
+                    </a:schemeClr>
+                  </a:lnRef>
+                  <a:fillRef idx="1">
+                    <a:schemeClr val="accent1"/>
+                  </a:fillRef>
+                  <a:effectRef idx="0">
+                    <a:schemeClr val="accent1"/>
+                  </a:effectRef>
+                  <a:fontRef idx="minor">
+                    <a:schemeClr val="lt1"/>
+                  </a:fontRef>
+                </p:style>
+                <p:txBody>
+                  <a:bodyPr rtlCol="0" anchor="ctr"/>
+                  <a:lstStyle/>
+                  <a:p>
+                    <a:pPr algn="ctr"/>
+                    <a:endParaRPr lang="en-GB" dirty="0"/>
+                  </a:p>
+                </p:txBody>
+              </p:sp>
+              <p:sp>
+                <p:nvSpPr>
+                  <p:cNvPr id="122" name="Rectangle 121">
+                    <a:extLst>
+                      <a:ext uri="{FF2B5EF4-FFF2-40B4-BE49-F238E27FC236}">
+                        <a16:creationId xmlns:a16="http://schemas.microsoft.com/office/drawing/2014/main" id="{B1EEA9DE-226D-0FAD-A036-FE138B2ACF24}"/>
+                      </a:ext>
+                    </a:extLst>
+                  </p:cNvPr>
+                  <p:cNvSpPr>
+                    <a:spLocks noChangeAspect="1"/>
+                  </p:cNvSpPr>
+                  <p:nvPr/>
+                </p:nvSpPr>
+                <p:spPr>
+                  <a:xfrm>
+                    <a:off x="1961289" y="962464"/>
+                    <a:ext cx="224780" cy="224780"/>
+                  </a:xfrm>
+                  <a:prstGeom prst="rect">
+                    <a:avLst/>
+                  </a:prstGeom>
+                  <a:grpFill/>
+                  <a:ln>
+                    <a:noFill/>
+                  </a:ln>
+                </p:spPr>
+                <p:style>
+                  <a:lnRef idx="2">
+                    <a:schemeClr val="accent1">
+                      <a:shade val="15000"/>
+                    </a:schemeClr>
+                  </a:lnRef>
+                  <a:fillRef idx="1">
+                    <a:schemeClr val="accent1"/>
+                  </a:fillRef>
+                  <a:effectRef idx="0">
+                    <a:schemeClr val="accent1"/>
+                  </a:effectRef>
+                  <a:fontRef idx="minor">
+                    <a:schemeClr val="lt1"/>
+                  </a:fontRef>
+                </p:style>
+                <p:txBody>
+                  <a:bodyPr rtlCol="0" anchor="ctr"/>
+                  <a:lstStyle/>
+                  <a:p>
+                    <a:pPr algn="ctr"/>
+                    <a:endParaRPr lang="en-GB" dirty="0"/>
+                  </a:p>
+                </p:txBody>
+              </p:sp>
+              <p:sp>
+                <p:nvSpPr>
+                  <p:cNvPr id="123" name="Rectangle 122">
+                    <a:extLst>
+                      <a:ext uri="{FF2B5EF4-FFF2-40B4-BE49-F238E27FC236}">
+                        <a16:creationId xmlns:a16="http://schemas.microsoft.com/office/drawing/2014/main" id="{B8D761C7-1A3F-7CF3-CFAE-FD49BB36D635}"/>
+                      </a:ext>
+                    </a:extLst>
+                  </p:cNvPr>
+                  <p:cNvSpPr>
+                    <a:spLocks noChangeAspect="1"/>
+                  </p:cNvSpPr>
+                  <p:nvPr/>
+                </p:nvSpPr>
+                <p:spPr>
+                  <a:xfrm>
+                    <a:off x="1734924" y="737684"/>
+                    <a:ext cx="224780" cy="224780"/>
+                  </a:xfrm>
+                  <a:prstGeom prst="rect">
+                    <a:avLst/>
+                  </a:prstGeom>
+                  <a:grpFill/>
+                  <a:ln>
+                    <a:noFill/>
+                  </a:ln>
+                </p:spPr>
+                <p:style>
+                  <a:lnRef idx="2">
+                    <a:schemeClr val="accent1">
+                      <a:shade val="15000"/>
+                    </a:schemeClr>
+                  </a:lnRef>
+                  <a:fillRef idx="1">
+                    <a:schemeClr val="accent1"/>
+                  </a:fillRef>
+                  <a:effectRef idx="0">
+                    <a:schemeClr val="accent1"/>
+                  </a:effectRef>
+                  <a:fontRef idx="minor">
+                    <a:schemeClr val="lt1"/>
+                  </a:fontRef>
+                </p:style>
+                <p:txBody>
+                  <a:bodyPr rtlCol="0" anchor="ctr"/>
+                  <a:lstStyle/>
+                  <a:p>
+                    <a:pPr algn="ctr"/>
+                    <a:endParaRPr lang="en-GB" dirty="0"/>
+                  </a:p>
+                </p:txBody>
+              </p:sp>
+              <p:sp>
+                <p:nvSpPr>
+                  <p:cNvPr id="124" name="Rectangle 123">
+                    <a:extLst>
+                      <a:ext uri="{FF2B5EF4-FFF2-40B4-BE49-F238E27FC236}">
+                        <a16:creationId xmlns:a16="http://schemas.microsoft.com/office/drawing/2014/main" id="{155B5671-C827-F9E5-F30C-69835FEE8094}"/>
+                      </a:ext>
+                    </a:extLst>
+                  </p:cNvPr>
+                  <p:cNvSpPr>
+                    <a:spLocks noChangeAspect="1"/>
+                  </p:cNvSpPr>
+                  <p:nvPr/>
+                </p:nvSpPr>
+                <p:spPr>
+                  <a:xfrm>
+                    <a:off x="1512409" y="512904"/>
+                    <a:ext cx="224780" cy="224780"/>
+                  </a:xfrm>
+                  <a:prstGeom prst="rect">
+                    <a:avLst/>
+                  </a:prstGeom>
+                  <a:grpFill/>
+                  <a:ln>
+                    <a:noFill/>
+                  </a:ln>
+                </p:spPr>
+                <p:style>
+                  <a:lnRef idx="2">
+                    <a:schemeClr val="accent1">
+                      <a:shade val="15000"/>
+                    </a:schemeClr>
+                  </a:lnRef>
+                  <a:fillRef idx="1">
+                    <a:schemeClr val="accent1"/>
+                  </a:fillRef>
+                  <a:effectRef idx="0">
+                    <a:schemeClr val="accent1"/>
+                  </a:effectRef>
+                  <a:fontRef idx="minor">
+                    <a:schemeClr val="lt1"/>
+                  </a:fontRef>
+                </p:style>
+                <p:txBody>
+                  <a:bodyPr rtlCol="0" anchor="ctr"/>
+                  <a:lstStyle/>
+                  <a:p>
+                    <a:pPr algn="ctr"/>
+                    <a:endParaRPr lang="en-GB" dirty="0"/>
+                  </a:p>
+                </p:txBody>
+              </p:sp>
+            </p:grpSp>
+          </p:grpSp>
+          <p:grpSp>
+            <p:nvGrpSpPr>
+              <p:cNvPr id="146" name="Group 145">
+                <a:extLst>
+                  <a:ext uri="{FF2B5EF4-FFF2-40B4-BE49-F238E27FC236}">
+                    <a16:creationId xmlns:a16="http://schemas.microsoft.com/office/drawing/2014/main" id="{D1488C60-E6C8-AA57-5394-3C36F48E0162}"/>
+                  </a:ext>
+                </a:extLst>
+              </p:cNvPr>
+              <p:cNvGrpSpPr/>
+              <p:nvPr/>
+            </p:nvGrpSpPr>
+            <p:grpSpPr>
+              <a:xfrm>
+                <a:off x="858919" y="744535"/>
+                <a:ext cx="1095994" cy="1098828"/>
+                <a:chOff x="846219" y="741360"/>
+                <a:chExt cx="1095994" cy="1098828"/>
+              </a:xfrm>
+            </p:grpSpPr>
+            <p:grpSp>
+              <p:nvGrpSpPr>
+                <p:cNvPr id="126" name="Group 125">
+                  <a:extLst>
+                    <a:ext uri="{FF2B5EF4-FFF2-40B4-BE49-F238E27FC236}">
+                      <a16:creationId xmlns:a16="http://schemas.microsoft.com/office/drawing/2014/main" id="{A9DA8524-ABD2-A56A-18DB-23BC07C5AD5C}"/>
+                    </a:ext>
+                  </a:extLst>
+                </p:cNvPr>
+                <p:cNvGrpSpPr>
+                  <a:grpSpLocks noChangeAspect="1"/>
+                </p:cNvGrpSpPr>
+                <p:nvPr/>
+              </p:nvGrpSpPr>
+              <p:grpSpPr>
+                <a:xfrm>
+                  <a:off x="1067413" y="741360"/>
+                  <a:ext cx="874800" cy="874800"/>
+                  <a:chOff x="1512409" y="288124"/>
+                  <a:chExt cx="895100" cy="899120"/>
+                </a:xfrm>
+                <a:solidFill>
+                  <a:srgbClr val="D39603"/>
+                </a:solidFill>
+              </p:grpSpPr>
+              <p:sp>
+                <p:nvSpPr>
+                  <p:cNvPr id="127" name="Rectangle 126">
+                    <a:extLst>
+                      <a:ext uri="{FF2B5EF4-FFF2-40B4-BE49-F238E27FC236}">
+                        <a16:creationId xmlns:a16="http://schemas.microsoft.com/office/drawing/2014/main" id="{1687D181-A7EF-28BB-55DA-7C9454E29D91}"/>
+                      </a:ext>
+                    </a:extLst>
+                  </p:cNvPr>
+                  <p:cNvSpPr>
+                    <a:spLocks noChangeAspect="1"/>
+                  </p:cNvSpPr>
+                  <p:nvPr/>
+                </p:nvSpPr>
+                <p:spPr>
+                  <a:xfrm>
+                    <a:off x="2182729" y="737684"/>
+                    <a:ext cx="224780" cy="224780"/>
+                  </a:xfrm>
+                  <a:prstGeom prst="rect">
+                    <a:avLst/>
+                  </a:prstGeom>
+                  <a:grpFill/>
+                  <a:ln>
+                    <a:noFill/>
+                  </a:ln>
+                </p:spPr>
+                <p:style>
+                  <a:lnRef idx="2">
+                    <a:schemeClr val="accent1">
+                      <a:shade val="15000"/>
+                    </a:schemeClr>
+                  </a:lnRef>
+                  <a:fillRef idx="1">
+                    <a:schemeClr val="accent1"/>
+                  </a:fillRef>
+                  <a:effectRef idx="0">
+                    <a:schemeClr val="accent1"/>
+                  </a:effectRef>
+                  <a:fontRef idx="minor">
+                    <a:schemeClr val="lt1"/>
+                  </a:fontRef>
+                </p:style>
+                <p:txBody>
+                  <a:bodyPr rtlCol="0" anchor="ctr"/>
+                  <a:lstStyle/>
+                  <a:p>
+                    <a:pPr algn="ctr"/>
+                    <a:endParaRPr lang="en-GB" dirty="0"/>
+                  </a:p>
+                </p:txBody>
+              </p:sp>
+              <p:sp>
+                <p:nvSpPr>
+                  <p:cNvPr id="128" name="Rectangle 127">
+                    <a:extLst>
+                      <a:ext uri="{FF2B5EF4-FFF2-40B4-BE49-F238E27FC236}">
+                        <a16:creationId xmlns:a16="http://schemas.microsoft.com/office/drawing/2014/main" id="{FB74C51C-7DEB-AFE9-9B6E-3F2E7CF7D517}"/>
+                      </a:ext>
+                    </a:extLst>
+                  </p:cNvPr>
+                  <p:cNvSpPr>
+                    <a:spLocks noChangeAspect="1"/>
+                  </p:cNvSpPr>
+                  <p:nvPr/>
+                </p:nvSpPr>
+                <p:spPr>
+                  <a:xfrm>
+                    <a:off x="1956364" y="512904"/>
+                    <a:ext cx="224780" cy="224780"/>
+                  </a:xfrm>
+                  <a:prstGeom prst="rect">
+                    <a:avLst/>
+                  </a:prstGeom>
+                  <a:grpFill/>
+                  <a:ln>
+                    <a:noFill/>
+                  </a:ln>
+                </p:spPr>
+                <p:style>
+                  <a:lnRef idx="2">
+                    <a:schemeClr val="accent1">
+                      <a:shade val="15000"/>
+                    </a:schemeClr>
+                  </a:lnRef>
+                  <a:fillRef idx="1">
+                    <a:schemeClr val="accent1"/>
+                  </a:fillRef>
+                  <a:effectRef idx="0">
+                    <a:schemeClr val="accent1"/>
+                  </a:effectRef>
+                  <a:fontRef idx="minor">
+                    <a:schemeClr val="lt1"/>
+                  </a:fontRef>
+                </p:style>
+                <p:txBody>
+                  <a:bodyPr rtlCol="0" anchor="ctr"/>
+                  <a:lstStyle/>
+                  <a:p>
+                    <a:pPr algn="ctr"/>
+                    <a:endParaRPr lang="en-GB" dirty="0"/>
+                  </a:p>
+                </p:txBody>
+              </p:sp>
+              <p:sp>
+                <p:nvSpPr>
+                  <p:cNvPr id="129" name="Rectangle 128">
+                    <a:extLst>
+                      <a:ext uri="{FF2B5EF4-FFF2-40B4-BE49-F238E27FC236}">
+                        <a16:creationId xmlns:a16="http://schemas.microsoft.com/office/drawing/2014/main" id="{9CB88386-1385-E73F-FEAE-FF9BE2FAF191}"/>
+                      </a:ext>
+                    </a:extLst>
+                  </p:cNvPr>
+                  <p:cNvSpPr>
+                    <a:spLocks noChangeAspect="1"/>
+                  </p:cNvSpPr>
+                  <p:nvPr/>
+                </p:nvSpPr>
+                <p:spPr>
+                  <a:xfrm>
+                    <a:off x="1733849" y="288124"/>
+                    <a:ext cx="224780" cy="224780"/>
+                  </a:xfrm>
+                  <a:prstGeom prst="rect">
+                    <a:avLst/>
+                  </a:prstGeom>
+                  <a:grpFill/>
+                  <a:ln>
+                    <a:noFill/>
+                  </a:ln>
+                </p:spPr>
+                <p:style>
+                  <a:lnRef idx="2">
+                    <a:schemeClr val="accent1">
+                      <a:shade val="15000"/>
+                    </a:schemeClr>
+                  </a:lnRef>
+                  <a:fillRef idx="1">
+                    <a:schemeClr val="accent1"/>
+                  </a:fillRef>
+                  <a:effectRef idx="0">
+                    <a:schemeClr val="accent1"/>
+                  </a:effectRef>
+                  <a:fontRef idx="minor">
+                    <a:schemeClr val="lt1"/>
+                  </a:fontRef>
+                </p:style>
+                <p:txBody>
+                  <a:bodyPr rtlCol="0" anchor="ctr"/>
+                  <a:lstStyle/>
+                  <a:p>
+                    <a:pPr algn="ctr"/>
+                    <a:endParaRPr lang="en-GB" dirty="0"/>
+                  </a:p>
+                </p:txBody>
+              </p:sp>
+              <p:sp>
+                <p:nvSpPr>
+                  <p:cNvPr id="130" name="Rectangle 129">
+                    <a:extLst>
+                      <a:ext uri="{FF2B5EF4-FFF2-40B4-BE49-F238E27FC236}">
+                        <a16:creationId xmlns:a16="http://schemas.microsoft.com/office/drawing/2014/main" id="{609DEF8A-48BF-1590-6922-06586ECD3F48}"/>
+                      </a:ext>
+                    </a:extLst>
+                  </p:cNvPr>
+                  <p:cNvSpPr>
+                    <a:spLocks noChangeAspect="1"/>
+                  </p:cNvSpPr>
+                  <p:nvPr/>
+                </p:nvSpPr>
+                <p:spPr>
+                  <a:xfrm>
+                    <a:off x="1961289" y="962464"/>
+                    <a:ext cx="224780" cy="224780"/>
+                  </a:xfrm>
+                  <a:prstGeom prst="rect">
+                    <a:avLst/>
+                  </a:prstGeom>
+                  <a:grpFill/>
+                  <a:ln>
+                    <a:noFill/>
+                  </a:ln>
+                </p:spPr>
+                <p:style>
+                  <a:lnRef idx="2">
+                    <a:schemeClr val="accent1">
+                      <a:shade val="15000"/>
+                    </a:schemeClr>
+                  </a:lnRef>
+                  <a:fillRef idx="1">
+                    <a:schemeClr val="accent1"/>
+                  </a:fillRef>
+                  <a:effectRef idx="0">
+                    <a:schemeClr val="accent1"/>
+                  </a:effectRef>
+                  <a:fontRef idx="minor">
+                    <a:schemeClr val="lt1"/>
+                  </a:fontRef>
+                </p:style>
+                <p:txBody>
+                  <a:bodyPr rtlCol="0" anchor="ctr"/>
+                  <a:lstStyle/>
+                  <a:p>
+                    <a:pPr algn="ctr"/>
+                    <a:endParaRPr lang="en-GB" dirty="0"/>
+                  </a:p>
+                </p:txBody>
+              </p:sp>
+              <p:sp>
+                <p:nvSpPr>
+                  <p:cNvPr id="131" name="Rectangle 130">
+                    <a:extLst>
+                      <a:ext uri="{FF2B5EF4-FFF2-40B4-BE49-F238E27FC236}">
+                        <a16:creationId xmlns:a16="http://schemas.microsoft.com/office/drawing/2014/main" id="{009210BB-A2C4-4262-D7F6-155E8AB38708}"/>
+                      </a:ext>
+                    </a:extLst>
+                  </p:cNvPr>
+                  <p:cNvSpPr>
+                    <a:spLocks noChangeAspect="1"/>
+                  </p:cNvSpPr>
+                  <p:nvPr/>
+                </p:nvSpPr>
+                <p:spPr>
+                  <a:xfrm>
+                    <a:off x="1734924" y="737684"/>
+                    <a:ext cx="224780" cy="224780"/>
+                  </a:xfrm>
+                  <a:prstGeom prst="rect">
+                    <a:avLst/>
+                  </a:prstGeom>
+                  <a:grpFill/>
+                  <a:ln>
+                    <a:noFill/>
+                  </a:ln>
+                </p:spPr>
+                <p:style>
+                  <a:lnRef idx="2">
+                    <a:schemeClr val="accent1">
+                      <a:shade val="15000"/>
+                    </a:schemeClr>
+                  </a:lnRef>
+                  <a:fillRef idx="1">
+                    <a:schemeClr val="accent1"/>
+                  </a:fillRef>
+                  <a:effectRef idx="0">
+                    <a:schemeClr val="accent1"/>
+                  </a:effectRef>
+                  <a:fontRef idx="minor">
+                    <a:schemeClr val="lt1"/>
+                  </a:fontRef>
+                </p:style>
+                <p:txBody>
+                  <a:bodyPr rtlCol="0" anchor="ctr"/>
+                  <a:lstStyle/>
+                  <a:p>
+                    <a:pPr algn="ctr"/>
+                    <a:endParaRPr lang="en-GB" dirty="0"/>
+                  </a:p>
+                </p:txBody>
+              </p:sp>
+              <p:sp>
+                <p:nvSpPr>
+                  <p:cNvPr id="132" name="Rectangle 131">
+                    <a:extLst>
+                      <a:ext uri="{FF2B5EF4-FFF2-40B4-BE49-F238E27FC236}">
+                        <a16:creationId xmlns:a16="http://schemas.microsoft.com/office/drawing/2014/main" id="{71BE132F-496D-5466-3645-02CE64819EEE}"/>
+                      </a:ext>
+                    </a:extLst>
+                  </p:cNvPr>
+                  <p:cNvSpPr>
+                    <a:spLocks noChangeAspect="1"/>
+                  </p:cNvSpPr>
+                  <p:nvPr/>
+                </p:nvSpPr>
+                <p:spPr>
+                  <a:xfrm>
+                    <a:off x="1512409" y="512904"/>
+                    <a:ext cx="224780" cy="224780"/>
+                  </a:xfrm>
+                  <a:prstGeom prst="rect">
+                    <a:avLst/>
+                  </a:prstGeom>
+                  <a:grpFill/>
+                  <a:ln>
+                    <a:noFill/>
+                  </a:ln>
+                </p:spPr>
+                <p:style>
+                  <a:lnRef idx="2">
+                    <a:schemeClr val="accent1">
+                      <a:shade val="15000"/>
+                    </a:schemeClr>
+                  </a:lnRef>
+                  <a:fillRef idx="1">
+                    <a:schemeClr val="accent1"/>
+                  </a:fillRef>
+                  <a:effectRef idx="0">
+                    <a:schemeClr val="accent1"/>
+                  </a:effectRef>
+                  <a:fontRef idx="minor">
+                    <a:schemeClr val="lt1"/>
+                  </a:fontRef>
+                </p:style>
+                <p:txBody>
+                  <a:bodyPr rtlCol="0" anchor="ctr"/>
+                  <a:lstStyle/>
+                  <a:p>
+                    <a:pPr algn="ctr"/>
+                    <a:endParaRPr lang="en-GB" dirty="0"/>
+                  </a:p>
+                </p:txBody>
+              </p:sp>
+            </p:grpSp>
+            <p:grpSp>
+              <p:nvGrpSpPr>
+                <p:cNvPr id="143" name="Group 142">
+                  <a:extLst>
+                    <a:ext uri="{FF2B5EF4-FFF2-40B4-BE49-F238E27FC236}">
+                      <a16:creationId xmlns:a16="http://schemas.microsoft.com/office/drawing/2014/main" id="{E15BACE6-5525-5F8F-552E-543C830649B7}"/>
+                    </a:ext>
+                  </a:extLst>
+                </p:cNvPr>
+                <p:cNvGrpSpPr/>
+                <p:nvPr/>
+              </p:nvGrpSpPr>
+              <p:grpSpPr>
+                <a:xfrm>
+                  <a:off x="846219" y="1173277"/>
+                  <a:ext cx="662765" cy="666911"/>
+                  <a:chOff x="1886249" y="440524"/>
+                  <a:chExt cx="673660" cy="674340"/>
+                </a:xfrm>
+                <a:solidFill>
+                  <a:srgbClr val="D39603"/>
+                </a:solidFill>
+              </p:grpSpPr>
+              <p:sp>
+                <p:nvSpPr>
+                  <p:cNvPr id="140" name="Rectangle 139">
+                    <a:extLst>
+                      <a:ext uri="{FF2B5EF4-FFF2-40B4-BE49-F238E27FC236}">
+                        <a16:creationId xmlns:a16="http://schemas.microsoft.com/office/drawing/2014/main" id="{6378BA66-48F7-22DE-79B7-36F8DFEFBDBD}"/>
+                      </a:ext>
+                    </a:extLst>
+                  </p:cNvPr>
+                  <p:cNvSpPr>
+                    <a:spLocks noChangeAspect="1"/>
+                  </p:cNvSpPr>
+                  <p:nvPr/>
+                </p:nvSpPr>
+                <p:spPr>
+                  <a:xfrm>
+                    <a:off x="2335129" y="890084"/>
+                    <a:ext cx="224780" cy="224780"/>
+                  </a:xfrm>
+                  <a:prstGeom prst="rect">
+                    <a:avLst/>
+                  </a:prstGeom>
+                  <a:grpFill/>
+                  <a:ln>
+                    <a:noFill/>
+                  </a:ln>
+                </p:spPr>
+                <p:style>
+                  <a:lnRef idx="2">
+                    <a:schemeClr val="accent1">
+                      <a:shade val="15000"/>
+                    </a:schemeClr>
+                  </a:lnRef>
+                  <a:fillRef idx="1">
+                    <a:schemeClr val="accent1"/>
+                  </a:fillRef>
+                  <a:effectRef idx="0">
+                    <a:schemeClr val="accent1"/>
+                  </a:effectRef>
+                  <a:fontRef idx="minor">
+                    <a:schemeClr val="lt1"/>
+                  </a:fontRef>
+                </p:style>
+                <p:txBody>
+                  <a:bodyPr rtlCol="0" anchor="ctr"/>
+                  <a:lstStyle/>
+                  <a:p>
+                    <a:pPr algn="ctr"/>
+                    <a:endParaRPr lang="en-GB" dirty="0"/>
+                  </a:p>
+                </p:txBody>
+              </p:sp>
+              <p:sp>
+                <p:nvSpPr>
+                  <p:cNvPr id="141" name="Rectangle 140">
+                    <a:extLst>
+                      <a:ext uri="{FF2B5EF4-FFF2-40B4-BE49-F238E27FC236}">
+                        <a16:creationId xmlns:a16="http://schemas.microsoft.com/office/drawing/2014/main" id="{73B05770-06A2-E6F0-AF59-F6FC7A19B0A1}"/>
+                      </a:ext>
+                    </a:extLst>
+                  </p:cNvPr>
+                  <p:cNvSpPr>
+                    <a:spLocks noChangeAspect="1"/>
+                  </p:cNvSpPr>
+                  <p:nvPr/>
+                </p:nvSpPr>
+                <p:spPr>
+                  <a:xfrm>
+                    <a:off x="2108764" y="665304"/>
+                    <a:ext cx="224780" cy="224780"/>
+                  </a:xfrm>
+                  <a:prstGeom prst="rect">
+                    <a:avLst/>
+                  </a:prstGeom>
+                  <a:grpFill/>
+                  <a:ln>
+                    <a:noFill/>
+                  </a:ln>
+                </p:spPr>
+                <p:style>
+                  <a:lnRef idx="2">
+                    <a:schemeClr val="accent1">
+                      <a:shade val="15000"/>
+                    </a:schemeClr>
+                  </a:lnRef>
+                  <a:fillRef idx="1">
+                    <a:schemeClr val="accent1"/>
+                  </a:fillRef>
+                  <a:effectRef idx="0">
+                    <a:schemeClr val="accent1"/>
+                  </a:effectRef>
+                  <a:fontRef idx="minor">
+                    <a:schemeClr val="lt1"/>
+                  </a:fontRef>
+                </p:style>
+                <p:txBody>
+                  <a:bodyPr rtlCol="0" anchor="ctr"/>
+                  <a:lstStyle/>
+                  <a:p>
+                    <a:pPr algn="ctr"/>
+                    <a:endParaRPr lang="en-GB" dirty="0"/>
+                  </a:p>
+                </p:txBody>
+              </p:sp>
+              <p:sp>
+                <p:nvSpPr>
+                  <p:cNvPr id="142" name="Rectangle 141">
+                    <a:extLst>
+                      <a:ext uri="{FF2B5EF4-FFF2-40B4-BE49-F238E27FC236}">
+                        <a16:creationId xmlns:a16="http://schemas.microsoft.com/office/drawing/2014/main" id="{2FE01590-6407-2F5E-2D76-CFE67423CFE0}"/>
+                      </a:ext>
+                    </a:extLst>
+                  </p:cNvPr>
+                  <p:cNvSpPr>
+                    <a:spLocks noChangeAspect="1"/>
+                  </p:cNvSpPr>
+                  <p:nvPr/>
+                </p:nvSpPr>
+                <p:spPr>
+                  <a:xfrm>
+                    <a:off x="1886249" y="440524"/>
+                    <a:ext cx="224780" cy="224780"/>
+                  </a:xfrm>
+                  <a:prstGeom prst="rect">
+                    <a:avLst/>
+                  </a:prstGeom>
+                  <a:grpFill/>
+                  <a:ln>
+                    <a:noFill/>
+                  </a:ln>
+                </p:spPr>
+                <p:style>
+                  <a:lnRef idx="2">
+                    <a:schemeClr val="accent1">
+                      <a:shade val="15000"/>
+                    </a:schemeClr>
+                  </a:lnRef>
+                  <a:fillRef idx="1">
+                    <a:schemeClr val="accent1"/>
+                  </a:fillRef>
+                  <a:effectRef idx="0">
+                    <a:schemeClr val="accent1"/>
+                  </a:effectRef>
+                  <a:fontRef idx="minor">
+                    <a:schemeClr val="lt1"/>
+                  </a:fontRef>
+                </p:style>
+                <p:txBody>
+                  <a:bodyPr rtlCol="0" anchor="ctr"/>
+                  <a:lstStyle/>
+                  <a:p>
+                    <a:pPr algn="ctr"/>
+                    <a:endParaRPr lang="en-GB" dirty="0"/>
+                  </a:p>
+                </p:txBody>
+              </p:sp>
+            </p:grpSp>
+          </p:grpSp>
+          <p:pic>
+            <p:nvPicPr>
+              <p:cNvPr id="35" name="Picture 34" descr="A black background with a black square&#10;&#10;Description automatically generated with medium confidence">
+                <a:extLst>
+                  <a:ext uri="{FF2B5EF4-FFF2-40B4-BE49-F238E27FC236}">
+                    <a16:creationId xmlns:a16="http://schemas.microsoft.com/office/drawing/2014/main" id="{851547CB-C306-049E-29DF-8F488DD24392}"/>
+                  </a:ext>
+                </a:extLst>
+              </p:cNvPr>
+              <p:cNvPicPr>
+                <a:picLocks noChangeAspect="1"/>
+              </p:cNvPicPr>
+              <p:nvPr/>
+            </p:nvPicPr>
+            <p:blipFill>
+              <a:blip r:embed="rId7">
+                <a:extLst>
+                  <a:ext uri="{28A0092B-C50C-407E-A947-70E740481C1C}">
+                    <a14:useLocalDpi xmlns:a14="http://schemas.microsoft.com/office/drawing/2010/main" val="0"/>
+                  </a:ext>
+                </a:extLst>
+              </a:blip>
+              <a:stretch>
+                <a:fillRect/>
+              </a:stretch>
+            </p:blipFill>
+            <p:spPr>
+              <a:xfrm>
+                <a:off x="125924" y="1186826"/>
+                <a:ext cx="1391976" cy="1391976"/>
+              </a:xfrm>
+              <a:prstGeom prst="rect">
+                <a:avLst/>
+              </a:prstGeom>
+            </p:spPr>
+          </p:pic>
+        </p:grpSp>
+        <p:pic>
+          <p:nvPicPr>
+            <p:cNvPr id="45" name="Picture 44" descr="A black background with a black square&#10;&#10;Description automatically generated with medium confidence">
+              <a:extLst>
+                <a:ext uri="{FF2B5EF4-FFF2-40B4-BE49-F238E27FC236}">
+                  <a16:creationId xmlns:a16="http://schemas.microsoft.com/office/drawing/2014/main" id="{CF72700A-21C1-5D1D-20A1-0A2C8E8A5E10}"/>
+                </a:ext>
+              </a:extLst>
+            </p:cNvPr>
+            <p:cNvPicPr>
+              <a:picLocks noChangeAspect="1"/>
+            </p:cNvPicPr>
+            <p:nvPr/>
+          </p:nvPicPr>
+          <p:blipFill>
+            <a:blip r:embed="rId8">
+              <a:extLst>
+                <a:ext uri="{BEBA8EAE-BF5A-486C-A8C5-ECC9F3942E4B}">
+                  <a14:imgProps xmlns:a14="http://schemas.microsoft.com/office/drawing/2010/main">
+                    <a14:imgLayer r:embed="rId9">
+                      <a14:imgEffect>
+                        <a14:artisticMarker/>
+                      </a14:imgEffect>
+                      <a14:imgEffect>
+                        <a14:brightnessContrast bright="-40000" contrast="-40000"/>
+                      </a14:imgEffect>
+                    </a14:imgLayer>
+                  </a14:imgProps>
+                </a:ext>
+                <a:ext uri="{28A0092B-C50C-407E-A947-70E740481C1C}">
+                  <a14:useLocalDpi xmlns:a14="http://schemas.microsoft.com/office/drawing/2010/main" val="0"/>
+                </a:ext>
+              </a:extLst>
+            </a:blip>
+            <a:srcRect/>
+            <a:stretch>
+              <a:fillRect/>
+            </a:stretch>
+          </p:blipFill>
+          <p:spPr>
+            <a:xfrm>
+              <a:off x="125924" y="-202865"/>
+              <a:ext cx="2777656" cy="2777657"/>
+            </a:xfrm>
+            <a:custGeom>
+              <a:avLst/>
+              <a:gdLst>
+                <a:gd name="connsiteX0" fmla="*/ 714955 w 2492750"/>
+                <a:gd name="connsiteY0" fmla="*/ 1320422 h 2492750"/>
+                <a:gd name="connsiteX1" fmla="*/ 440282 w 2492750"/>
+                <a:gd name="connsiteY1" fmla="*/ 1595095 h 2492750"/>
+                <a:gd name="connsiteX2" fmla="*/ 440282 w 2492750"/>
+                <a:gd name="connsiteY2" fmla="*/ 2054131 h 2492750"/>
+                <a:gd name="connsiteX3" fmla="*/ 899318 w 2492750"/>
+                <a:gd name="connsiteY3" fmla="*/ 2054131 h 2492750"/>
+                <a:gd name="connsiteX4" fmla="*/ 1173991 w 2492750"/>
+                <a:gd name="connsiteY4" fmla="*/ 1779459 h 2492750"/>
+                <a:gd name="connsiteX5" fmla="*/ 1671235 w 2492750"/>
+                <a:gd name="connsiteY5" fmla="*/ 367948 h 2492750"/>
+                <a:gd name="connsiteX6" fmla="*/ 752036 w 2492750"/>
+                <a:gd name="connsiteY6" fmla="*/ 1287147 h 2492750"/>
+                <a:gd name="connsiteX7" fmla="*/ 1211072 w 2492750"/>
+                <a:gd name="connsiteY7" fmla="*/ 1746183 h 2492750"/>
+                <a:gd name="connsiteX8" fmla="*/ 2130271 w 2492750"/>
+                <a:gd name="connsiteY8" fmla="*/ 826984 h 2492750"/>
+                <a:gd name="connsiteX9" fmla="*/ 2130271 w 2492750"/>
+                <a:gd name="connsiteY9" fmla="*/ 367949 h 2492750"/>
+                <a:gd name="connsiteX10" fmla="*/ 0 w 2492750"/>
+                <a:gd name="connsiteY10" fmla="*/ 0 h 2492750"/>
+                <a:gd name="connsiteX11" fmla="*/ 2492750 w 2492750"/>
+                <a:gd name="connsiteY11" fmla="*/ 0 h 2492750"/>
+                <a:gd name="connsiteX12" fmla="*/ 2492750 w 2492750"/>
+                <a:gd name="connsiteY12" fmla="*/ 2492750 h 2492750"/>
+                <a:gd name="connsiteX13" fmla="*/ 0 w 2492750"/>
+                <a:gd name="connsiteY13" fmla="*/ 2492750 h 2492750"/>
+              </a:gdLst>
+              <a:ahLst/>
+              <a:cxnLst>
+                <a:cxn ang="0">
+                  <a:pos x="connsiteX0" y="connsiteY0"/>
+                </a:cxn>
+                <a:cxn ang="0">
+                  <a:pos x="connsiteX1" y="connsiteY1"/>
+                </a:cxn>
+                <a:cxn ang="0">
+                  <a:pos x="connsiteX2" y="connsiteY2"/>
+                </a:cxn>
+                <a:cxn ang="0">
+                  <a:pos x="connsiteX3" y="connsiteY3"/>
+                </a:cxn>
+                <a:cxn ang="0">
+                  <a:pos x="connsiteX4" y="connsiteY4"/>
+                </a:cxn>
+                <a:cxn ang="0">
+                  <a:pos x="connsiteX5" y="connsiteY5"/>
+                </a:cxn>
+                <a:cxn ang="0">
+                  <a:pos x="connsiteX6" y="connsiteY6"/>
+                </a:cxn>
+                <a:cxn ang="0">
+                  <a:pos x="connsiteX7" y="connsiteY7"/>
+                </a:cxn>
+                <a:cxn ang="0">
+                  <a:pos x="connsiteX8" y="connsiteY8"/>
+                </a:cxn>
+                <a:cxn ang="0">
+                  <a:pos x="connsiteX9" y="connsiteY9"/>
+                </a:cxn>
+                <a:cxn ang="0">
+                  <a:pos x="connsiteX10" y="connsiteY10"/>
+                </a:cxn>
+                <a:cxn ang="0">
+                  <a:pos x="connsiteX11" y="connsiteY11"/>
+                </a:cxn>
+                <a:cxn ang="0">
+                  <a:pos x="connsiteX12" y="connsiteY12"/>
+                </a:cxn>
+                <a:cxn ang="0">
+                  <a:pos x="connsiteX13" y="connsiteY13"/>
+                </a:cxn>
+              </a:cxnLst>
+              <a:rect l="l" t="t" r="r" b="b"/>
+              <a:pathLst>
+                <a:path w="2492750" h="2492750">
+                  <a:moveTo>
+                    <a:pt x="714955" y="1320422"/>
+                  </a:moveTo>
+                  <a:lnTo>
+                    <a:pt x="440282" y="1595095"/>
+                  </a:lnTo>
+                  <a:lnTo>
+                    <a:pt x="440282" y="2054131"/>
+                  </a:lnTo>
+                  <a:lnTo>
+                    <a:pt x="899318" y="2054131"/>
+                  </a:lnTo>
+                  <a:lnTo>
+                    <a:pt x="1173991" y="1779459"/>
+                  </a:lnTo>
+                  <a:close/>
+                  <a:moveTo>
+                    <a:pt x="1671235" y="367948"/>
+                  </a:moveTo>
+                  <a:lnTo>
+                    <a:pt x="752036" y="1287147"/>
+                  </a:lnTo>
+                  <a:lnTo>
+                    <a:pt x="1211072" y="1746183"/>
+                  </a:lnTo>
+                  <a:lnTo>
+                    <a:pt x="2130271" y="826984"/>
+                  </a:lnTo>
+                  <a:lnTo>
+                    <a:pt x="2130271" y="367949"/>
+                  </a:lnTo>
+                  <a:close/>
+                  <a:moveTo>
+                    <a:pt x="0" y="0"/>
+                  </a:moveTo>
+                  <a:lnTo>
+                    <a:pt x="2492750" y="0"/>
+                  </a:lnTo>
+                  <a:lnTo>
+                    <a:pt x="2492750" y="2492750"/>
+                  </a:lnTo>
+                  <a:lnTo>
+                    <a:pt x="0" y="2492750"/>
+                  </a:lnTo>
+                  <a:close/>
+                </a:path>
+              </a:pathLst>
+            </a:custGeom>
+          </p:spPr>
+        </p:pic>
+      </p:grpSp>
+      <p:pic>
+        <p:nvPicPr>
+          <p:cNvPr id="6" name="Picture 5" descr="A black background with a black square&#10;&#10;Description automatically generated with medium confidence">
+            <a:extLst>
+              <a:ext uri="{FF2B5EF4-FFF2-40B4-BE49-F238E27FC236}">
+                <a16:creationId xmlns:a16="http://schemas.microsoft.com/office/drawing/2014/main" id="{883AFFE7-0297-6C9A-E31C-86EC369B77B6}"/>
+              </a:ext>
+            </a:extLst>
+          </p:cNvPr>
+          <p:cNvPicPr>
+            <a:picLocks noChangeAspect="1"/>
+          </p:cNvPicPr>
+          <p:nvPr/>
+        </p:nvPicPr>
+        <p:blipFill>
+          <a:blip r:embed="rId10">
+            <a:extLst>
+              <a:ext uri="{28A0092B-C50C-407E-A947-70E740481C1C}">
+                <a14:useLocalDpi xmlns:a14="http://schemas.microsoft.com/office/drawing/2010/main" val="0"/>
+              </a:ext>
+            </a:extLst>
+          </a:blip>
+          <a:srcRect/>
+          <a:stretch>
+            <a:fillRect/>
+          </a:stretch>
+        </p:blipFill>
+        <p:spPr>
+          <a:xfrm>
+            <a:off x="675157" y="3955874"/>
+            <a:ext cx="2777656" cy="2777657"/>
+          </a:xfrm>
+          <a:custGeom>
+            <a:avLst/>
+            <a:gdLst>
+              <a:gd name="connsiteX0" fmla="*/ 419770 w 2777656"/>
+              <a:gd name="connsiteY0" fmla="*/ 404553 h 2777657"/>
+              <a:gd name="connsiteX1" fmla="*/ 419770 w 2777656"/>
+              <a:gd name="connsiteY1" fmla="*/ 2373105 h 2777657"/>
+              <a:gd name="connsiteX2" fmla="*/ 1405920 w 2777656"/>
+              <a:gd name="connsiteY2" fmla="*/ 2373105 h 2777657"/>
+              <a:gd name="connsiteX3" fmla="*/ 1405920 w 2777656"/>
+              <a:gd name="connsiteY3" fmla="*/ 404553 h 2777657"/>
+              <a:gd name="connsiteX4" fmla="*/ 0 w 2777656"/>
+              <a:gd name="connsiteY4" fmla="*/ 0 h 2777657"/>
+              <a:gd name="connsiteX5" fmla="*/ 2777656 w 2777656"/>
+              <a:gd name="connsiteY5" fmla="*/ 0 h 2777657"/>
+              <a:gd name="connsiteX6" fmla="*/ 2777656 w 2777656"/>
+              <a:gd name="connsiteY6" fmla="*/ 2777657 h 2777657"/>
+              <a:gd name="connsiteX7" fmla="*/ 0 w 2777656"/>
+              <a:gd name="connsiteY7" fmla="*/ 2777657 h 2777657"/>
+            </a:gdLst>
+            <a:ahLst/>
+            <a:cxnLst>
+              <a:cxn ang="0">
+                <a:pos x="connsiteX0" y="connsiteY0"/>
+              </a:cxn>
+              <a:cxn ang="0">
+                <a:pos x="connsiteX1" y="connsiteY1"/>
+              </a:cxn>
+              <a:cxn ang="0">
+                <a:pos x="connsiteX2" y="connsiteY2"/>
+              </a:cxn>
+              <a:cxn ang="0">
+                <a:pos x="connsiteX3" y="connsiteY3"/>
+              </a:cxn>
+              <a:cxn ang="0">
+                <a:pos x="connsiteX4" y="connsiteY4"/>
+              </a:cxn>
+              <a:cxn ang="0">
+                <a:pos x="connsiteX5" y="connsiteY5"/>
+              </a:cxn>
+              <a:cxn ang="0">
+                <a:pos x="connsiteX6" y="connsiteY6"/>
+              </a:cxn>
+              <a:cxn ang="0">
+                <a:pos x="connsiteX7" y="connsiteY7"/>
+              </a:cxn>
+            </a:cxnLst>
+            <a:rect l="l" t="t" r="r" b="b"/>
+            <a:pathLst>
+              <a:path w="2777656" h="2777657">
+                <a:moveTo>
+                  <a:pt x="419770" y="404553"/>
+                </a:moveTo>
+                <a:lnTo>
+                  <a:pt x="419770" y="2373105"/>
+                </a:lnTo>
+                <a:lnTo>
+                  <a:pt x="1405920" y="2373105"/>
+                </a:lnTo>
+                <a:lnTo>
+                  <a:pt x="1405920" y="404553"/>
+                </a:lnTo>
+                <a:close/>
+                <a:moveTo>
+                  <a:pt x="0" y="0"/>
+                </a:moveTo>
+                <a:lnTo>
+                  <a:pt x="2777656" y="0"/>
+                </a:lnTo>
+                <a:lnTo>
+                  <a:pt x="2777656" y="2777657"/>
+                </a:lnTo>
+                <a:lnTo>
+                  <a:pt x="0" y="2777657"/>
+                </a:lnTo>
+                <a:close/>
+              </a:path>
+            </a:pathLst>
+          </a:custGeom>
+        </p:spPr>
+      </p:pic>
+      <p:pic>
+        <p:nvPicPr>
+          <p:cNvPr id="3" name="Picture 2" descr="A black background with a black square&#10;&#10;Description automatically generated with medium confidence">
+            <a:extLst>
+              <a:ext uri="{FF2B5EF4-FFF2-40B4-BE49-F238E27FC236}">
+                <a16:creationId xmlns:a16="http://schemas.microsoft.com/office/drawing/2014/main" id="{90897572-6C27-DB92-EEE1-3DAF8AA541A4}"/>
+              </a:ext>
+            </a:extLst>
+          </p:cNvPr>
+          <p:cNvPicPr>
+            <a:picLocks noChangeAspect="1"/>
+          </p:cNvPicPr>
+          <p:nvPr/>
+        </p:nvPicPr>
+        <p:blipFill>
+          <a:blip r:embed="rId7">
+            <a:extLst>
+              <a:ext uri="{28A0092B-C50C-407E-A947-70E740481C1C}">
+                <a14:useLocalDpi xmlns:a14="http://schemas.microsoft.com/office/drawing/2010/main" val="0"/>
+              </a:ext>
+            </a:extLst>
+          </a:blip>
+          <a:stretch>
+            <a:fillRect/>
+          </a:stretch>
+        </p:blipFill>
+        <p:spPr>
+          <a:xfrm rot="18900000">
+            <a:off x="879671" y="4514031"/>
+            <a:ext cx="1391976" cy="1391976"/>
+          </a:xfrm>
+          <a:prstGeom prst="rect">
+            <a:avLst/>
+          </a:prstGeom>
+        </p:spPr>
+      </p:pic>
+      <p:grpSp>
+        <p:nvGrpSpPr>
+          <p:cNvPr id="16" name="Group 15">
+            <a:extLst>
+              <a:ext uri="{FF2B5EF4-FFF2-40B4-BE49-F238E27FC236}">
+                <a16:creationId xmlns:a16="http://schemas.microsoft.com/office/drawing/2014/main" id="{83CA14BC-87D0-B69B-4F1E-5C110B6F0E63}"/>
+              </a:ext>
+            </a:extLst>
+          </p:cNvPr>
+          <p:cNvGrpSpPr/>
+          <p:nvPr/>
+        </p:nvGrpSpPr>
+        <p:grpSpPr>
+          <a:xfrm>
+            <a:off x="4265436" y="3343562"/>
+            <a:ext cx="2780571" cy="2780571"/>
+            <a:chOff x="4265436" y="3343562"/>
+            <a:chExt cx="2780571" cy="2780571"/>
+          </a:xfrm>
+        </p:grpSpPr>
+        <p:sp>
+          <p:nvSpPr>
+            <p:cNvPr id="15" name="Rectangle 14">
+              <a:extLst>
+                <a:ext uri="{FF2B5EF4-FFF2-40B4-BE49-F238E27FC236}">
+                  <a16:creationId xmlns:a16="http://schemas.microsoft.com/office/drawing/2014/main" id="{D7ED50D8-4E98-5C7F-810B-6530845D5173}"/>
+                </a:ext>
+              </a:extLst>
+            </p:cNvPr>
+            <p:cNvSpPr>
+              <a:spLocks noChangeAspect="1"/>
+            </p:cNvSpPr>
+            <p:nvPr/>
+          </p:nvSpPr>
+          <p:spPr>
+            <a:xfrm>
+              <a:off x="4265436" y="3343562"/>
+              <a:ext cx="2780571" cy="2780571"/>
+            </a:xfrm>
+            <a:prstGeom prst="rect">
+              <a:avLst/>
+            </a:prstGeom>
+            <a:solidFill>
+              <a:schemeClr val="accent1">
+                <a:alpha val="0"/>
+              </a:schemeClr>
+            </a:solidFill>
+            <a:ln>
+              <a:noFill/>
+            </a:ln>
+          </p:spPr>
+          <p:style>
+            <a:lnRef idx="2">
+              <a:schemeClr val="accent1">
+                <a:shade val="15000"/>
+              </a:schemeClr>
+            </a:lnRef>
+            <a:fillRef idx="1">
+              <a:schemeClr val="accent1"/>
+            </a:fillRef>
+            <a:effectRef idx="0">
+              <a:schemeClr val="accent1"/>
+            </a:effectRef>
+            <a:fontRef idx="minor">
+              <a:schemeClr val="lt1"/>
+            </a:fontRef>
+          </p:style>
+          <p:txBody>
+            <a:bodyPr rtlCol="0" anchor="ctr"/>
+            <a:lstStyle/>
+            <a:p>
+              <a:pPr algn="ctr"/>
+              <a:endParaRPr lang="en-GB" dirty="0"/>
+            </a:p>
+          </p:txBody>
+        </p:sp>
+        <p:pic>
+          <p:nvPicPr>
+            <p:cNvPr id="13" name="Picture 12" descr="A black background with a black square&#10;&#10;Description automatically generated with medium confidence">
+              <a:extLst>
+                <a:ext uri="{FF2B5EF4-FFF2-40B4-BE49-F238E27FC236}">
+                  <a16:creationId xmlns:a16="http://schemas.microsoft.com/office/drawing/2014/main" id="{D8BF8F0F-C39A-2787-35B2-5E412837222C}"/>
+                </a:ext>
+              </a:extLst>
+            </p:cNvPr>
+            <p:cNvPicPr>
+              <a:picLocks noChangeAspect="1"/>
+            </p:cNvPicPr>
+            <p:nvPr/>
+          </p:nvPicPr>
+          <p:blipFill>
+            <a:blip r:embed="rId6">
+              <a:extLst>
+                <a:ext uri="{28A0092B-C50C-407E-A947-70E740481C1C}">
+                  <a14:useLocalDpi xmlns:a14="http://schemas.microsoft.com/office/drawing/2010/main" val="0"/>
+                </a:ext>
+              </a:extLst>
+            </a:blip>
+            <a:srcRect l="49896"/>
+            <a:stretch/>
+          </p:blipFill>
+          <p:spPr>
+            <a:xfrm>
+              <a:off x="5655722" y="3429000"/>
+              <a:ext cx="1307559" cy="2609697"/>
+            </a:xfrm>
+            <a:prstGeom prst="rect">
+              <a:avLst/>
+            </a:prstGeom>
+          </p:spPr>
+        </p:pic>
+        <p:pic>
+          <p:nvPicPr>
+            <p:cNvPr id="14" name="Picture 13" descr="A black background with a black square&#10;&#10;Description automatically generated with medium confidence">
+              <a:extLst>
+                <a:ext uri="{FF2B5EF4-FFF2-40B4-BE49-F238E27FC236}">
+                  <a16:creationId xmlns:a16="http://schemas.microsoft.com/office/drawing/2014/main" id="{37DC3D23-1655-D5DB-6DB2-8A19BE2431DE}"/>
+                </a:ext>
+              </a:extLst>
+            </p:cNvPr>
+            <p:cNvPicPr>
+              <a:picLocks noChangeAspect="1"/>
+            </p:cNvPicPr>
+            <p:nvPr/>
+          </p:nvPicPr>
+          <p:blipFill>
+            <a:blip r:embed="rId7">
+              <a:extLst>
+                <a:ext uri="{28A0092B-C50C-407E-A947-70E740481C1C}">
+                  <a14:useLocalDpi xmlns:a14="http://schemas.microsoft.com/office/drawing/2010/main" val="0"/>
+                </a:ext>
+              </a:extLst>
+            </a:blip>
+            <a:stretch>
+              <a:fillRect/>
+            </a:stretch>
+          </p:blipFill>
+          <p:spPr>
+            <a:xfrm rot="18900000">
+              <a:off x="4590611" y="3956677"/>
+              <a:ext cx="1391976" cy="1391976"/>
+            </a:xfrm>
+            <a:prstGeom prst="rect">
+              <a:avLst/>
+            </a:prstGeom>
+          </p:spPr>
+        </p:pic>
       </p:grpSp>
     </p:spTree>
     <p:extLst>
@@ -13744,7 +15893,7 @@
         </p:blipFill>
         <p:spPr>
           <a:xfrm>
-            <a:off x="6575214" y="4855687"/>
+            <a:off x="6364819" y="4727683"/>
             <a:ext cx="1220400" cy="1220400"/>
           </a:xfrm>
           <a:prstGeom prst="rect">
@@ -13754,10 +15903,10 @@
       </p:pic>
       <p:grpSp>
         <p:nvGrpSpPr>
-          <p:cNvPr id="7" name="Group 6">
+          <p:cNvPr id="23" name="Group 22">
             <a:extLst>
               <a:ext uri="{FF2B5EF4-FFF2-40B4-BE49-F238E27FC236}">
-                <a16:creationId xmlns:a16="http://schemas.microsoft.com/office/drawing/2014/main" id="{B5C86663-EF4E-4D81-8DF0-D7999C3313E5}"/>
+                <a16:creationId xmlns:a16="http://schemas.microsoft.com/office/drawing/2014/main" id="{55FD2E42-742B-8DF8-71A8-DA44B7E5869F}"/>
               </a:ext>
             </a:extLst>
           </p:cNvPr>
@@ -13767,47 +15916,177 @@
         <p:grpSpPr>
           <a:xfrm>
             <a:off x="8393702" y="1199708"/>
-            <a:ext cx="1220400" cy="1220400"/>
-            <a:chOff x="8173141" y="1066665"/>
-            <a:chExt cx="1220400" cy="1220400"/>
+            <a:ext cx="1220400" cy="1219047"/>
+            <a:chOff x="8393702" y="1199708"/>
+            <a:chExt cx="1220400" cy="1219047"/>
           </a:xfrm>
         </p:grpSpPr>
-        <p:pic>
-          <p:nvPicPr>
-            <p:cNvPr id="29" name="Picture 28">
+        <p:grpSp>
+          <p:nvGrpSpPr>
+            <p:cNvPr id="22" name="Group 21">
               <a:extLst>
                 <a:ext uri="{FF2B5EF4-FFF2-40B4-BE49-F238E27FC236}">
-                  <a16:creationId xmlns:a16="http://schemas.microsoft.com/office/drawing/2014/main" id="{80599DC2-112F-F605-BFF7-7D9628F04C96}"/>
+                  <a16:creationId xmlns:a16="http://schemas.microsoft.com/office/drawing/2014/main" id="{B00F71AD-E1E2-41F5-CDAE-68EB8E3E4229}"/>
                 </a:ext>
               </a:extLst>
             </p:cNvPr>
-            <p:cNvPicPr>
-              <a:picLocks noChangeAspect="1"/>
-            </p:cNvPicPr>
+            <p:cNvGrpSpPr/>
             <p:nvPr/>
-          </p:nvPicPr>
-          <p:blipFill>
-            <a:blip r:embed="rId13">
-              <a:extLst>
-                <a:ext uri="{28A0092B-C50C-407E-A947-70E740481C1C}">
-                  <a14:useLocalDpi xmlns:a14="http://schemas.microsoft.com/office/drawing/2010/main" val="0"/>
-                </a:ext>
-              </a:extLst>
-            </a:blip>
-            <a:stretch>
-              <a:fillRect/>
-            </a:stretch>
-          </p:blipFill>
-          <p:spPr>
+          </p:nvGrpSpPr>
+          <p:grpSpPr>
             <a:xfrm>
-              <a:off x="8173141" y="1066665"/>
-              <a:ext cx="1220400" cy="1220400"/>
+              <a:off x="8393702" y="1199708"/>
+              <a:ext cx="1220400" cy="1219047"/>
+              <a:chOff x="7779693" y="4729036"/>
+              <a:chExt cx="1220400" cy="1219047"/>
             </a:xfrm>
-            <a:prstGeom prst="rect">
-              <a:avLst/>
-            </a:prstGeom>
-          </p:spPr>
-        </p:pic>
+          </p:grpSpPr>
+          <p:grpSp>
+            <p:nvGrpSpPr>
+              <p:cNvPr id="21" name="Group 20">
+                <a:extLst>
+                  <a:ext uri="{FF2B5EF4-FFF2-40B4-BE49-F238E27FC236}">
+                    <a16:creationId xmlns:a16="http://schemas.microsoft.com/office/drawing/2014/main" id="{1E8A0E23-4CEB-04D1-234E-1321459CA789}"/>
+                  </a:ext>
+                </a:extLst>
+              </p:cNvPr>
+              <p:cNvGrpSpPr/>
+              <p:nvPr/>
+            </p:nvGrpSpPr>
+            <p:grpSpPr>
+              <a:xfrm>
+                <a:off x="7779693" y="4791477"/>
+                <a:ext cx="1220400" cy="1156606"/>
+                <a:chOff x="9692205" y="3611677"/>
+                <a:chExt cx="1220400" cy="1156606"/>
+              </a:xfrm>
+            </p:grpSpPr>
+            <p:pic>
+              <p:nvPicPr>
+                <p:cNvPr id="13" name="Picture 12" descr="A black background with a black square&#10;&#10;Description automatically generated with medium confidence">
+                  <a:extLst>
+                    <a:ext uri="{FF2B5EF4-FFF2-40B4-BE49-F238E27FC236}">
+                      <a16:creationId xmlns:a16="http://schemas.microsoft.com/office/drawing/2014/main" id="{48D7EE08-4884-871D-7861-820D94B1B870}"/>
+                    </a:ext>
+                  </a:extLst>
+                </p:cNvPr>
+                <p:cNvPicPr>
+                  <a:picLocks noChangeAspect="1"/>
+                </p:cNvPicPr>
+                <p:nvPr/>
+              </p:nvPicPr>
+              <p:blipFill>
+                <a:blip r:embed="rId12">
+                  <a:extLst>
+                    <a:ext uri="{28A0092B-C50C-407E-A947-70E740481C1C}">
+                      <a14:useLocalDpi xmlns:a14="http://schemas.microsoft.com/office/drawing/2010/main" val="0"/>
+                    </a:ext>
+                  </a:extLst>
+                </a:blip>
+                <a:srcRect t="53087"/>
+                <a:stretch/>
+              </p:blipFill>
+              <p:spPr>
+                <a:xfrm>
+                  <a:off x="9692205" y="4195762"/>
+                  <a:ext cx="1220400" cy="572521"/>
+                </a:xfrm>
+                <a:prstGeom prst="rect">
+                  <a:avLst/>
+                </a:prstGeom>
+              </p:spPr>
+            </p:pic>
+            <p:pic>
+              <p:nvPicPr>
+                <p:cNvPr id="14" name="Picture 13" descr="A black background with a black square&#10;&#10;Description automatically generated with medium confidence">
+                  <a:extLst>
+                    <a:ext uri="{FF2B5EF4-FFF2-40B4-BE49-F238E27FC236}">
+                      <a16:creationId xmlns:a16="http://schemas.microsoft.com/office/drawing/2014/main" id="{1C522FB9-DC36-D41A-17A0-117FA2B9B8BB}"/>
+                    </a:ext>
+                  </a:extLst>
+                </p:cNvPr>
+                <p:cNvPicPr>
+                  <a:picLocks noChangeAspect="1"/>
+                </p:cNvPicPr>
+                <p:nvPr/>
+              </p:nvPicPr>
+              <p:blipFill>
+                <a:blip r:embed="rId3">
+                  <a:extLst>
+                    <a:ext uri="{28A0092B-C50C-407E-A947-70E740481C1C}">
+                      <a14:useLocalDpi xmlns:a14="http://schemas.microsoft.com/office/drawing/2010/main" val="0"/>
+                    </a:ext>
+                  </a:extLst>
+                </a:blip>
+                <a:srcRect l="21871" t="-1" r="22164" b="43028"/>
+                <a:stretch/>
+              </p:blipFill>
+              <p:spPr>
+                <a:xfrm>
+                  <a:off x="10043281" y="3611677"/>
+                  <a:ext cx="518248" cy="596785"/>
+                </a:xfrm>
+                <a:prstGeom prst="rect">
+                  <a:avLst/>
+                </a:prstGeom>
+              </p:spPr>
+            </p:pic>
+          </p:grpSp>
+          <p:sp>
+            <p:nvSpPr>
+              <p:cNvPr id="19" name="Rectangle 18">
+                <a:extLst>
+                  <a:ext uri="{FF2B5EF4-FFF2-40B4-BE49-F238E27FC236}">
+                    <a16:creationId xmlns:a16="http://schemas.microsoft.com/office/drawing/2014/main" id="{6925D560-ADC0-6896-0FA8-83FA9C76D5EA}"/>
+                  </a:ext>
+                </a:extLst>
+              </p:cNvPr>
+              <p:cNvSpPr/>
+              <p:nvPr/>
+            </p:nvSpPr>
+            <p:spPr>
+              <a:xfrm>
+                <a:off x="7781046" y="4729036"/>
+                <a:ext cx="1219047" cy="1219047"/>
+              </a:xfrm>
+              <a:prstGeom prst="rect">
+                <a:avLst/>
+              </a:prstGeom>
+              <a:solidFill>
+                <a:schemeClr val="tx1">
+                  <a:alpha val="0"/>
+                </a:schemeClr>
+              </a:solidFill>
+              <a:ln w="3175">
+                <a:noFill/>
+              </a:ln>
+            </p:spPr>
+            <p:style>
+              <a:lnRef idx="2">
+                <a:schemeClr val="accent1">
+                  <a:shade val="15000"/>
+                </a:schemeClr>
+              </a:lnRef>
+              <a:fillRef idx="1">
+                <a:schemeClr val="accent1"/>
+              </a:fillRef>
+              <a:effectRef idx="0">
+                <a:schemeClr val="accent1"/>
+              </a:effectRef>
+              <a:fontRef idx="minor">
+                <a:schemeClr val="lt1"/>
+              </a:fontRef>
+            </p:style>
+            <p:txBody>
+              <a:bodyPr rtlCol="0" anchor="ctr"/>
+              <a:lstStyle/>
+              <a:p>
+                <a:pPr algn="ctr"/>
+                <a:endParaRPr lang="en-GB"/>
+              </a:p>
+            </p:txBody>
+          </p:sp>
+        </p:grpSp>
         <p:grpSp>
           <p:nvGrpSpPr>
             <p:cNvPr id="42" name="Group 41">
@@ -13822,7 +16101,7 @@
           </p:nvGrpSpPr>
           <p:grpSpPr>
             <a:xfrm>
-              <a:off x="8339710" y="1273915"/>
+              <a:off x="8560271" y="1406958"/>
               <a:ext cx="196726" cy="54000"/>
               <a:chOff x="5602892" y="4567273"/>
               <a:chExt cx="196726" cy="54000"/>

--- a/media/workshop.pptx
+++ b/media/workshop.pptx
@@ -5,7 +5,7 @@
     <p:sldMasterId id="2147483648" r:id="rId1"/>
   </p:sldMasterIdLst>
   <p:notesMasterIdLst>
-    <p:notesMasterId r:id="rId16"/>
+    <p:notesMasterId r:id="rId18"/>
   </p:notesMasterIdLst>
   <p:sldIdLst>
     <p:sldId id="256" r:id="rId2"/>
@@ -22,6 +22,8 @@
     <p:sldId id="267" r:id="rId13"/>
     <p:sldId id="268" r:id="rId14"/>
     <p:sldId id="269" r:id="rId15"/>
+    <p:sldId id="270" r:id="rId16"/>
+    <p:sldId id="271" r:id="rId17"/>
   </p:sldIdLst>
   <p:sldSz cx="12192000" cy="6858000"/>
   <p:notesSz cx="6858000" cy="9144000"/>
@@ -210,7 +212,7 @@
           <a:p>
             <a:fld id="{A48A8C48-B3E7-451F-AD3C-7C38A874ED0C}" type="datetimeFigureOut">
               <a:rPr lang="en-GB" smtClean="0"/>
-              <a:t>15/10/2024</a:t>
+              <a:t>13/03/2025</a:t>
             </a:fld>
             <a:endParaRPr lang="en-GB"/>
           </a:p>
@@ -562,6 +564,90 @@
 </p:notes>
 </file>
 
+<file path=ppt/notesSlides/notesSlide2.xml><?xml version="1.0" encoding="utf-8"?>
+<p:notes xmlns:a="http://schemas.openxmlformats.org/drawingml/2006/main" xmlns:r="http://schemas.openxmlformats.org/officeDocument/2006/relationships" xmlns:p="http://schemas.openxmlformats.org/presentationml/2006/main">
+  <p:cSld>
+    <p:spTree>
+      <p:nvGrpSpPr>
+        <p:cNvPr id="1" name=""/>
+        <p:cNvGrpSpPr/>
+        <p:nvPr/>
+      </p:nvGrpSpPr>
+      <p:grpSpPr>
+        <a:xfrm>
+          <a:off x="0" y="0"/>
+          <a:ext cx="0" cy="0"/>
+          <a:chOff x="0" y="0"/>
+          <a:chExt cx="0" cy="0"/>
+        </a:xfrm>
+      </p:grpSpPr>
+      <p:sp>
+        <p:nvSpPr>
+          <p:cNvPr id="2" name="Slide Image Placeholder 1"/>
+          <p:cNvSpPr>
+            <a:spLocks noGrp="1" noRot="1" noChangeAspect="1"/>
+          </p:cNvSpPr>
+          <p:nvPr>
+            <p:ph type="sldImg"/>
+          </p:nvPr>
+        </p:nvSpPr>
+        <p:spPr/>
+      </p:sp>
+      <p:sp>
+        <p:nvSpPr>
+          <p:cNvPr id="3" name="Notes Placeholder 2"/>
+          <p:cNvSpPr>
+            <a:spLocks noGrp="1"/>
+          </p:cNvSpPr>
+          <p:nvPr>
+            <p:ph type="body" idx="1"/>
+          </p:nvPr>
+        </p:nvSpPr>
+        <p:spPr/>
+        <p:txBody>
+          <a:bodyPr/>
+          <a:lstStyle/>
+          <a:p>
+            <a:endParaRPr lang="en-GB" dirty="0"/>
+          </a:p>
+        </p:txBody>
+      </p:sp>
+      <p:sp>
+        <p:nvSpPr>
+          <p:cNvPr id="4" name="Slide Number Placeholder 3"/>
+          <p:cNvSpPr>
+            <a:spLocks noGrp="1"/>
+          </p:cNvSpPr>
+          <p:nvPr>
+            <p:ph type="sldNum" sz="quarter" idx="5"/>
+          </p:nvPr>
+        </p:nvSpPr>
+        <p:spPr/>
+        <p:txBody>
+          <a:bodyPr/>
+          <a:lstStyle/>
+          <a:p>
+            <a:fld id="{EEA46A52-4E41-4052-9CA6-FFE0C167C3DB}" type="slidenum">
+              <a:rPr lang="en-GB" smtClean="0"/>
+              <a:t>2</a:t>
+            </a:fld>
+            <a:endParaRPr lang="en-GB"/>
+          </a:p>
+        </p:txBody>
+      </p:sp>
+    </p:spTree>
+    <p:extLst>
+      <p:ext uri="{BB962C8B-B14F-4D97-AF65-F5344CB8AC3E}">
+        <p14:creationId xmlns:p14="http://schemas.microsoft.com/office/powerpoint/2010/main" val="2784481119"/>
+      </p:ext>
+    </p:extLst>
+  </p:cSld>
+  <p:clrMapOvr>
+    <a:masterClrMapping/>
+  </p:clrMapOvr>
+</p:notes>
+</file>
+
 <file path=ppt/slideLayouts/slideLayout1.xml><?xml version="1.0" encoding="utf-8"?>
 <p:sldLayout xmlns:a="http://schemas.openxmlformats.org/drawingml/2006/main" xmlns:r="http://schemas.openxmlformats.org/officeDocument/2006/relationships" xmlns:p="http://schemas.openxmlformats.org/presentationml/2006/main" type="title" preserve="1">
   <p:cSld name="Title Slide">
@@ -711,7 +797,7 @@
           <a:p>
             <a:fld id="{31EAB4FA-2558-41C8-8840-1B5E58534D56}" type="datetimeFigureOut">
               <a:rPr lang="en-GB" smtClean="0"/>
-              <a:t>15/10/2024</a:t>
+              <a:t>13/03/2025</a:t>
             </a:fld>
             <a:endParaRPr lang="en-GB"/>
           </a:p>
@@ -911,7 +997,7 @@
           <a:p>
             <a:fld id="{31EAB4FA-2558-41C8-8840-1B5E58534D56}" type="datetimeFigureOut">
               <a:rPr lang="en-GB" smtClean="0"/>
-              <a:t>15/10/2024</a:t>
+              <a:t>13/03/2025</a:t>
             </a:fld>
             <a:endParaRPr lang="en-GB"/>
           </a:p>
@@ -1121,7 +1207,7 @@
           <a:p>
             <a:fld id="{31EAB4FA-2558-41C8-8840-1B5E58534D56}" type="datetimeFigureOut">
               <a:rPr lang="en-GB" smtClean="0"/>
-              <a:t>15/10/2024</a:t>
+              <a:t>13/03/2025</a:t>
             </a:fld>
             <a:endParaRPr lang="en-GB"/>
           </a:p>
@@ -1321,7 +1407,7 @@
           <a:p>
             <a:fld id="{31EAB4FA-2558-41C8-8840-1B5E58534D56}" type="datetimeFigureOut">
               <a:rPr lang="en-GB" smtClean="0"/>
-              <a:t>15/10/2024</a:t>
+              <a:t>13/03/2025</a:t>
             </a:fld>
             <a:endParaRPr lang="en-GB"/>
           </a:p>
@@ -1597,7 +1683,7 @@
           <a:p>
             <a:fld id="{31EAB4FA-2558-41C8-8840-1B5E58534D56}" type="datetimeFigureOut">
               <a:rPr lang="en-GB" smtClean="0"/>
-              <a:t>15/10/2024</a:t>
+              <a:t>13/03/2025</a:t>
             </a:fld>
             <a:endParaRPr lang="en-GB"/>
           </a:p>
@@ -1865,7 +1951,7 @@
           <a:p>
             <a:fld id="{31EAB4FA-2558-41C8-8840-1B5E58534D56}" type="datetimeFigureOut">
               <a:rPr lang="en-GB" smtClean="0"/>
-              <a:t>15/10/2024</a:t>
+              <a:t>13/03/2025</a:t>
             </a:fld>
             <a:endParaRPr lang="en-GB"/>
           </a:p>
@@ -2280,7 +2366,7 @@
           <a:p>
             <a:fld id="{31EAB4FA-2558-41C8-8840-1B5E58534D56}" type="datetimeFigureOut">
               <a:rPr lang="en-GB" smtClean="0"/>
-              <a:t>15/10/2024</a:t>
+              <a:t>13/03/2025</a:t>
             </a:fld>
             <a:endParaRPr lang="en-GB"/>
           </a:p>
@@ -2422,7 +2508,7 @@
           <a:p>
             <a:fld id="{31EAB4FA-2558-41C8-8840-1B5E58534D56}" type="datetimeFigureOut">
               <a:rPr lang="en-GB" smtClean="0"/>
-              <a:t>15/10/2024</a:t>
+              <a:t>13/03/2025</a:t>
             </a:fld>
             <a:endParaRPr lang="en-GB"/>
           </a:p>
@@ -2535,7 +2621,7 @@
           <a:p>
             <a:fld id="{31EAB4FA-2558-41C8-8840-1B5E58534D56}" type="datetimeFigureOut">
               <a:rPr lang="en-GB" smtClean="0"/>
-              <a:t>15/10/2024</a:t>
+              <a:t>13/03/2025</a:t>
             </a:fld>
             <a:endParaRPr lang="en-GB"/>
           </a:p>
@@ -2848,7 +2934,7 @@
           <a:p>
             <a:fld id="{31EAB4FA-2558-41C8-8840-1B5E58534D56}" type="datetimeFigureOut">
               <a:rPr lang="en-GB" smtClean="0"/>
-              <a:t>15/10/2024</a:t>
+              <a:t>13/03/2025</a:t>
             </a:fld>
             <a:endParaRPr lang="en-GB"/>
           </a:p>
@@ -3137,7 +3223,7 @@
           <a:p>
             <a:fld id="{31EAB4FA-2558-41C8-8840-1B5E58534D56}" type="datetimeFigureOut">
               <a:rPr lang="en-GB" smtClean="0"/>
-              <a:t>15/10/2024</a:t>
+              <a:t>13/03/2025</a:t>
             </a:fld>
             <a:endParaRPr lang="en-GB"/>
           </a:p>
@@ -3383,7 +3469,7 @@
           <a:p>
             <a:fld id="{31EAB4FA-2558-41C8-8840-1B5E58534D56}" type="datetimeFigureOut">
               <a:rPr lang="en-GB" smtClean="0"/>
-              <a:t>15/10/2024</a:t>
+              <a:t>13/03/2025</a:t>
             </a:fld>
             <a:endParaRPr lang="en-GB"/>
           </a:p>
@@ -5699,44 +5785,6 @@
       </p:pic>
       <p:pic>
         <p:nvPicPr>
-          <p:cNvPr id="66" name="Picture 65" descr="A black background with a black square&#10;&#10;Description automatically generated with medium confidence">
-            <a:extLst>
-              <a:ext uri="{FF2B5EF4-FFF2-40B4-BE49-F238E27FC236}">
-                <a16:creationId xmlns:a16="http://schemas.microsoft.com/office/drawing/2014/main" id="{EE39A843-B31E-C431-FB86-C1E1D6AFCE08}"/>
-              </a:ext>
-            </a:extLst>
-          </p:cNvPr>
-          <p:cNvPicPr>
-            <a:picLocks noChangeAspect="1"/>
-          </p:cNvPicPr>
-          <p:nvPr/>
-        </p:nvPicPr>
-        <p:blipFill>
-          <a:blip r:embed="rId6">
-            <a:extLst>
-              <a:ext uri="{28A0092B-C50C-407E-A947-70E740481C1C}">
-                <a14:useLocalDpi xmlns:a14="http://schemas.microsoft.com/office/drawing/2010/main" val="0"/>
-              </a:ext>
-            </a:extLst>
-          </a:blip>
-          <a:srcRect l="26651" t="18181" r="26737" b="74883"/>
-          <a:stretch/>
-        </p:blipFill>
-        <p:spPr>
-          <a:xfrm rot="10800000" flipH="1">
-            <a:off x="2973103" y="1678214"/>
-            <a:ext cx="792164" cy="186744"/>
-          </a:xfrm>
-          <a:prstGeom prst="rect">
-            <a:avLst/>
-          </a:prstGeom>
-          <a:ln>
-            <a:noFill/>
-          </a:ln>
-        </p:spPr>
-      </p:pic>
-      <p:pic>
-        <p:nvPicPr>
           <p:cNvPr id="67" name="Picture 66" descr="A black background with a black square&#10;&#10;Description automatically generated with medium confidence">
             <a:extLst>
               <a:ext uri="{FF2B5EF4-FFF2-40B4-BE49-F238E27FC236}">
@@ -6489,12 +6537,50 @@
           </p:spPr>
         </p:pic>
       </p:grpSp>
+      <p:pic>
+        <p:nvPicPr>
+          <p:cNvPr id="66" name="Picture 65" descr="A black background with a black square&#10;&#10;Description automatically generated with medium confidence">
+            <a:extLst>
+              <a:ext uri="{FF2B5EF4-FFF2-40B4-BE49-F238E27FC236}">
+                <a16:creationId xmlns:a16="http://schemas.microsoft.com/office/drawing/2014/main" id="{EE39A843-B31E-C431-FB86-C1E1D6AFCE08}"/>
+              </a:ext>
+            </a:extLst>
+          </p:cNvPr>
+          <p:cNvPicPr>
+            <a:picLocks noChangeAspect="1"/>
+          </p:cNvPicPr>
+          <p:nvPr/>
+        </p:nvPicPr>
+        <p:blipFill>
+          <a:blip r:embed="rId6">
+            <a:extLst>
+              <a:ext uri="{28A0092B-C50C-407E-A947-70E740481C1C}">
+                <a14:useLocalDpi xmlns:a14="http://schemas.microsoft.com/office/drawing/2010/main" val="0"/>
+              </a:ext>
+            </a:extLst>
+          </a:blip>
+          <a:srcRect l="26651" t="18181" r="26737" b="74883"/>
+          <a:stretch/>
+        </p:blipFill>
+        <p:spPr>
+          <a:xfrm rot="10800000" flipH="1">
+            <a:off x="2973103" y="1678214"/>
+            <a:ext cx="792164" cy="186744"/>
+          </a:xfrm>
+          <a:prstGeom prst="rect">
+            <a:avLst/>
+          </a:prstGeom>
+          <a:ln>
+            <a:noFill/>
+          </a:ln>
+        </p:spPr>
+      </p:pic>
       <p:grpSp>
         <p:nvGrpSpPr>
-          <p:cNvPr id="148" name="Group 147">
+          <p:cNvPr id="4" name="Group 3">
             <a:extLst>
               <a:ext uri="{FF2B5EF4-FFF2-40B4-BE49-F238E27FC236}">
-                <a16:creationId xmlns:a16="http://schemas.microsoft.com/office/drawing/2014/main" id="{DBD596CB-F4BE-D2D9-4C78-498DDB92F6F5}"/>
+                <a16:creationId xmlns:a16="http://schemas.microsoft.com/office/drawing/2014/main" id="{83A46D7D-FEC3-3C46-44C8-5FD694A65462}"/>
               </a:ext>
             </a:extLst>
           </p:cNvPr>
@@ -6503,18 +6589,18 @@
         </p:nvGrpSpPr>
         <p:grpSpPr>
           <a:xfrm>
-            <a:off x="5568833" y="-585455"/>
+            <a:off x="4018723" y="2665314"/>
             <a:ext cx="3318049" cy="3315402"/>
-            <a:chOff x="4513403" y="3095820"/>
+            <a:chOff x="4018723" y="2665314"/>
             <a:chExt cx="3318049" cy="3315402"/>
           </a:xfrm>
         </p:grpSpPr>
         <p:sp>
           <p:nvSpPr>
-            <p:cNvPr id="130" name="Rectangle 129">
+            <p:cNvPr id="2" name="Rectangle: Top Corners Snipped 1">
               <a:extLst>
                 <a:ext uri="{FF2B5EF4-FFF2-40B4-BE49-F238E27FC236}">
-                  <a16:creationId xmlns:a16="http://schemas.microsoft.com/office/drawing/2014/main" id="{F668BD63-A844-D19F-2AC5-2C2D9C2C54B4}"/>
+                  <a16:creationId xmlns:a16="http://schemas.microsoft.com/office/drawing/2014/main" id="{F991DEAF-7D61-FBD8-A31C-89F576044DEA}"/>
                 </a:ext>
               </a:extLst>
             </p:cNvPr>
@@ -6522,17 +6608,18 @@
             <p:nvPr/>
           </p:nvSpPr>
           <p:spPr>
-            <a:xfrm>
-              <a:off x="4513403" y="3095820"/>
-              <a:ext cx="3318049" cy="3315402"/>
+            <a:xfrm rot="16200000">
+              <a:off x="4055200" y="3924489"/>
+              <a:ext cx="2424111" cy="785813"/>
             </a:xfrm>
-            <a:prstGeom prst="rect">
-              <a:avLst/>
+            <a:prstGeom prst="snip2SameRect">
+              <a:avLst>
+                <a:gd name="adj1" fmla="val 2705"/>
+                <a:gd name="adj2" fmla="val 0"/>
+              </a:avLst>
             </a:prstGeom>
             <a:solidFill>
-              <a:schemeClr val="accent1">
-                <a:alpha val="0"/>
-              </a:schemeClr>
+              <a:srgbClr val="3D3737"/>
             </a:solidFill>
             <a:ln>
               <a:noFill/>
@@ -6565,10 +6652,10 @@
         </p:sp>
         <p:grpSp>
           <p:nvGrpSpPr>
-            <p:cNvPr id="147" name="Group 146">
+            <p:cNvPr id="148" name="Group 147">
               <a:extLst>
                 <a:ext uri="{FF2B5EF4-FFF2-40B4-BE49-F238E27FC236}">
-                  <a16:creationId xmlns:a16="http://schemas.microsoft.com/office/drawing/2014/main" id="{E95F2CDA-DEF8-764E-C776-14C3B7F260A2}"/>
+                  <a16:creationId xmlns:a16="http://schemas.microsoft.com/office/drawing/2014/main" id="{DBD596CB-F4BE-D2D9-4C78-498DDB92F6F5}"/>
                 </a:ext>
               </a:extLst>
             </p:cNvPr>
@@ -6577,18 +6664,18 @@
           </p:nvGrpSpPr>
           <p:grpSpPr>
             <a:xfrm>
-              <a:off x="5369291" y="3095820"/>
-              <a:ext cx="1606271" cy="3315401"/>
-              <a:chOff x="5369291" y="3095820"/>
-              <a:chExt cx="1606271" cy="3315401"/>
+              <a:off x="4018723" y="2665314"/>
+              <a:ext cx="3318049" cy="3315402"/>
+              <a:chOff x="4513403" y="3095820"/>
+              <a:chExt cx="3318049" cy="3315402"/>
             </a:xfrm>
           </p:grpSpPr>
           <p:sp>
             <p:nvSpPr>
-              <p:cNvPr id="141" name="Freeform: Shape 140">
+              <p:cNvPr id="130" name="Rectangle 129">
                 <a:extLst>
                   <a:ext uri="{FF2B5EF4-FFF2-40B4-BE49-F238E27FC236}">
-                    <a16:creationId xmlns:a16="http://schemas.microsoft.com/office/drawing/2014/main" id="{0F360030-776F-D5DB-A0DD-B7A4368E12AB}"/>
+                    <a16:creationId xmlns:a16="http://schemas.microsoft.com/office/drawing/2014/main" id="{F668BD63-A844-D19F-2AC5-2C2D9C2C54B4}"/>
                   </a:ext>
                 </a:extLst>
               </p:cNvPr>
@@ -6597,101 +6684,16 @@
             </p:nvSpPr>
             <p:spPr>
               <a:xfrm>
-                <a:off x="5467448" y="3541464"/>
-                <a:ext cx="785813" cy="2424112"/>
+                <a:off x="4513403" y="3095820"/>
+                <a:ext cx="3318049" cy="3315402"/>
               </a:xfrm>
-              <a:custGeom>
+              <a:prstGeom prst="rect">
                 <a:avLst/>
-                <a:gdLst>
-                  <a:gd name="connsiteX0" fmla="*/ 0 w 785813"/>
-                  <a:gd name="connsiteY0" fmla="*/ 0 h 2424112"/>
-                  <a:gd name="connsiteX1" fmla="*/ 785813 w 785813"/>
-                  <a:gd name="connsiteY1" fmla="*/ 0 h 2424112"/>
-                  <a:gd name="connsiteX2" fmla="*/ 785813 w 785813"/>
-                  <a:gd name="connsiteY2" fmla="*/ 2424112 h 2424112"/>
-                  <a:gd name="connsiteX3" fmla="*/ 0 w 785813"/>
-                  <a:gd name="connsiteY3" fmla="*/ 2424112 h 2424112"/>
-                  <a:gd name="connsiteX4" fmla="*/ 0 w 785813"/>
-                  <a:gd name="connsiteY4" fmla="*/ 1606729 h 2424112"/>
-                  <a:gd name="connsiteX5" fmla="*/ 36299 w 785813"/>
-                  <a:gd name="connsiteY5" fmla="*/ 1603013 h 2424112"/>
-                  <a:gd name="connsiteX6" fmla="*/ 350021 w 785813"/>
-                  <a:gd name="connsiteY6" fmla="*/ 1212056 h 2424112"/>
-                  <a:gd name="connsiteX7" fmla="*/ 36299 w 785813"/>
-                  <a:gd name="connsiteY7" fmla="*/ 821100 h 2424112"/>
-                  <a:gd name="connsiteX8" fmla="*/ 0 w 785813"/>
-                  <a:gd name="connsiteY8" fmla="*/ 817383 h 2424112"/>
-                </a:gdLst>
-                <a:ahLst/>
-                <a:cxnLst>
-                  <a:cxn ang="0">
-                    <a:pos x="connsiteX0" y="connsiteY0"/>
-                  </a:cxn>
-                  <a:cxn ang="0">
-                    <a:pos x="connsiteX1" y="connsiteY1"/>
-                  </a:cxn>
-                  <a:cxn ang="0">
-                    <a:pos x="connsiteX2" y="connsiteY2"/>
-                  </a:cxn>
-                  <a:cxn ang="0">
-                    <a:pos x="connsiteX3" y="connsiteY3"/>
-                  </a:cxn>
-                  <a:cxn ang="0">
-                    <a:pos x="connsiteX4" y="connsiteY4"/>
-                  </a:cxn>
-                  <a:cxn ang="0">
-                    <a:pos x="connsiteX5" y="connsiteY5"/>
-                  </a:cxn>
-                  <a:cxn ang="0">
-                    <a:pos x="connsiteX6" y="connsiteY6"/>
-                  </a:cxn>
-                  <a:cxn ang="0">
-                    <a:pos x="connsiteX7" y="connsiteY7"/>
-                  </a:cxn>
-                  <a:cxn ang="0">
-                    <a:pos x="connsiteX8" y="connsiteY8"/>
-                  </a:cxn>
-                </a:cxnLst>
-                <a:rect l="l" t="t" r="r" b="b"/>
-                <a:pathLst>
-                  <a:path w="785813" h="2424112">
-                    <a:moveTo>
-                      <a:pt x="0" y="0"/>
-                    </a:moveTo>
-                    <a:lnTo>
-                      <a:pt x="785813" y="0"/>
-                    </a:lnTo>
-                    <a:lnTo>
-                      <a:pt x="785813" y="2424112"/>
-                    </a:lnTo>
-                    <a:lnTo>
-                      <a:pt x="0" y="2424112"/>
-                    </a:lnTo>
-                    <a:lnTo>
-                      <a:pt x="0" y="1606729"/>
-                    </a:lnTo>
-                    <a:lnTo>
-                      <a:pt x="36299" y="1603013"/>
-                    </a:lnTo>
-                    <a:cubicBezTo>
-                      <a:pt x="215340" y="1565801"/>
-                      <a:pt x="350021" y="1404904"/>
-                      <a:pt x="350021" y="1212056"/>
-                    </a:cubicBezTo>
-                    <a:cubicBezTo>
-                      <a:pt x="350021" y="1019209"/>
-                      <a:pt x="215340" y="858311"/>
-                      <a:pt x="36299" y="821100"/>
-                    </a:cubicBezTo>
-                    <a:lnTo>
-                      <a:pt x="0" y="817383"/>
-                    </a:lnTo>
-                    <a:close/>
-                  </a:path>
-                </a:pathLst>
-              </a:custGeom>
+              </a:prstGeom>
               <a:solidFill>
-                <a:srgbClr val="1C1A1A"/>
+                <a:schemeClr val="accent1">
+                  <a:alpha val="0"/>
+                </a:schemeClr>
               </a:solidFill>
               <a:ln>
                 <a:noFill/>
@@ -6714,51 +6716,211 @@
               </a:fontRef>
             </p:style>
             <p:txBody>
-              <a:bodyPr wrap="square" rtlCol="0" anchor="ctr">
-                <a:noAutofit/>
-              </a:bodyPr>
+              <a:bodyPr rtlCol="0" anchor="ctr"/>
               <a:lstStyle/>
               <a:p>
                 <a:pPr algn="ctr"/>
-                <a:endParaRPr lang="en-GB"/>
+                <a:endParaRPr lang="en-GB" dirty="0"/>
               </a:p>
             </p:txBody>
           </p:sp>
-          <p:pic>
-            <p:nvPicPr>
-              <p:cNvPr id="128" name="Picture 127" descr="A black background with a black square&#10;&#10;Description automatically generated with medium confidence">
+          <p:grpSp>
+            <p:nvGrpSpPr>
+              <p:cNvPr id="147" name="Group 146">
                 <a:extLst>
                   <a:ext uri="{FF2B5EF4-FFF2-40B4-BE49-F238E27FC236}">
-                    <a16:creationId xmlns:a16="http://schemas.microsoft.com/office/drawing/2014/main" id="{AF5941D2-4F06-3507-BDA8-2CA81ED9101B}"/>
+                    <a16:creationId xmlns:a16="http://schemas.microsoft.com/office/drawing/2014/main" id="{E95F2CDA-DEF8-764E-C776-14C3B7F260A2}"/>
                   </a:ext>
                 </a:extLst>
               </p:cNvPr>
-              <p:cNvPicPr>
-                <a:picLocks noChangeAspect="1"/>
-              </p:cNvPicPr>
+              <p:cNvGrpSpPr/>
               <p:nvPr/>
-            </p:nvPicPr>
-            <p:blipFill>
-              <a:blip r:embed="rId9">
-                <a:extLst>
-                  <a:ext uri="{28A0092B-C50C-407E-A947-70E740481C1C}">
-                    <a14:useLocalDpi xmlns:a14="http://schemas.microsoft.com/office/drawing/2010/main" val="0"/>
-                  </a:ext>
-                </a:extLst>
-              </a:blip>
-              <a:srcRect t="51590"/>
-              <a:stretch/>
-            </p:blipFill>
-            <p:spPr>
-              <a:xfrm rot="16200000">
-                <a:off x="4514726" y="3950385"/>
-                <a:ext cx="3315401" cy="1606271"/>
+            </p:nvGrpSpPr>
+            <p:grpSpPr>
+              <a:xfrm>
+                <a:off x="5369291" y="3095820"/>
+                <a:ext cx="1606271" cy="3315401"/>
+                <a:chOff x="5369291" y="3095820"/>
+                <a:chExt cx="1606271" cy="3315401"/>
               </a:xfrm>
-              <a:prstGeom prst="rect">
-                <a:avLst/>
-              </a:prstGeom>
-            </p:spPr>
-          </p:pic>
+            </p:grpSpPr>
+            <p:sp>
+              <p:nvSpPr>
+                <p:cNvPr id="141" name="Freeform: Shape 140">
+                  <a:extLst>
+                    <a:ext uri="{FF2B5EF4-FFF2-40B4-BE49-F238E27FC236}">
+                      <a16:creationId xmlns:a16="http://schemas.microsoft.com/office/drawing/2014/main" id="{0F360030-776F-D5DB-A0DD-B7A4368E12AB}"/>
+                    </a:ext>
+                  </a:extLst>
+                </p:cNvPr>
+                <p:cNvSpPr/>
+                <p:nvPr/>
+              </p:nvSpPr>
+              <p:spPr>
+                <a:xfrm>
+                  <a:off x="5467448" y="3541464"/>
+                  <a:ext cx="785813" cy="2424112"/>
+                </a:xfrm>
+                <a:custGeom>
+                  <a:avLst/>
+                  <a:gdLst>
+                    <a:gd name="connsiteX0" fmla="*/ 0 w 785813"/>
+                    <a:gd name="connsiteY0" fmla="*/ 0 h 2424112"/>
+                    <a:gd name="connsiteX1" fmla="*/ 785813 w 785813"/>
+                    <a:gd name="connsiteY1" fmla="*/ 0 h 2424112"/>
+                    <a:gd name="connsiteX2" fmla="*/ 785813 w 785813"/>
+                    <a:gd name="connsiteY2" fmla="*/ 2424112 h 2424112"/>
+                    <a:gd name="connsiteX3" fmla="*/ 0 w 785813"/>
+                    <a:gd name="connsiteY3" fmla="*/ 2424112 h 2424112"/>
+                    <a:gd name="connsiteX4" fmla="*/ 0 w 785813"/>
+                    <a:gd name="connsiteY4" fmla="*/ 1606729 h 2424112"/>
+                    <a:gd name="connsiteX5" fmla="*/ 36299 w 785813"/>
+                    <a:gd name="connsiteY5" fmla="*/ 1603013 h 2424112"/>
+                    <a:gd name="connsiteX6" fmla="*/ 350021 w 785813"/>
+                    <a:gd name="connsiteY6" fmla="*/ 1212056 h 2424112"/>
+                    <a:gd name="connsiteX7" fmla="*/ 36299 w 785813"/>
+                    <a:gd name="connsiteY7" fmla="*/ 821100 h 2424112"/>
+                    <a:gd name="connsiteX8" fmla="*/ 0 w 785813"/>
+                    <a:gd name="connsiteY8" fmla="*/ 817383 h 2424112"/>
+                  </a:gdLst>
+                  <a:ahLst/>
+                  <a:cxnLst>
+                    <a:cxn ang="0">
+                      <a:pos x="connsiteX0" y="connsiteY0"/>
+                    </a:cxn>
+                    <a:cxn ang="0">
+                      <a:pos x="connsiteX1" y="connsiteY1"/>
+                    </a:cxn>
+                    <a:cxn ang="0">
+                      <a:pos x="connsiteX2" y="connsiteY2"/>
+                    </a:cxn>
+                    <a:cxn ang="0">
+                      <a:pos x="connsiteX3" y="connsiteY3"/>
+                    </a:cxn>
+                    <a:cxn ang="0">
+                      <a:pos x="connsiteX4" y="connsiteY4"/>
+                    </a:cxn>
+                    <a:cxn ang="0">
+                      <a:pos x="connsiteX5" y="connsiteY5"/>
+                    </a:cxn>
+                    <a:cxn ang="0">
+                      <a:pos x="connsiteX6" y="connsiteY6"/>
+                    </a:cxn>
+                    <a:cxn ang="0">
+                      <a:pos x="connsiteX7" y="connsiteY7"/>
+                    </a:cxn>
+                    <a:cxn ang="0">
+                      <a:pos x="connsiteX8" y="connsiteY8"/>
+                    </a:cxn>
+                  </a:cxnLst>
+                  <a:rect l="l" t="t" r="r" b="b"/>
+                  <a:pathLst>
+                    <a:path w="785813" h="2424112">
+                      <a:moveTo>
+                        <a:pt x="0" y="0"/>
+                      </a:moveTo>
+                      <a:lnTo>
+                        <a:pt x="785813" y="0"/>
+                      </a:lnTo>
+                      <a:lnTo>
+                        <a:pt x="785813" y="2424112"/>
+                      </a:lnTo>
+                      <a:lnTo>
+                        <a:pt x="0" y="2424112"/>
+                      </a:lnTo>
+                      <a:lnTo>
+                        <a:pt x="0" y="1606729"/>
+                      </a:lnTo>
+                      <a:lnTo>
+                        <a:pt x="36299" y="1603013"/>
+                      </a:lnTo>
+                      <a:cubicBezTo>
+                        <a:pt x="215340" y="1565801"/>
+                        <a:pt x="350021" y="1404904"/>
+                        <a:pt x="350021" y="1212056"/>
+                      </a:cubicBezTo>
+                      <a:cubicBezTo>
+                        <a:pt x="350021" y="1019209"/>
+                        <a:pt x="215340" y="858311"/>
+                        <a:pt x="36299" y="821100"/>
+                      </a:cubicBezTo>
+                      <a:lnTo>
+                        <a:pt x="0" y="817383"/>
+                      </a:lnTo>
+                      <a:close/>
+                    </a:path>
+                  </a:pathLst>
+                </a:custGeom>
+                <a:solidFill>
+                  <a:srgbClr val="1C1A1A"/>
+                </a:solidFill>
+                <a:ln>
+                  <a:noFill/>
+                </a:ln>
+              </p:spPr>
+              <p:style>
+                <a:lnRef idx="2">
+                  <a:schemeClr val="accent1">
+                    <a:shade val="15000"/>
+                  </a:schemeClr>
+                </a:lnRef>
+                <a:fillRef idx="1">
+                  <a:schemeClr val="accent1"/>
+                </a:fillRef>
+                <a:effectRef idx="0">
+                  <a:schemeClr val="accent1"/>
+                </a:effectRef>
+                <a:fontRef idx="minor">
+                  <a:schemeClr val="lt1"/>
+                </a:fontRef>
+              </p:style>
+              <p:txBody>
+                <a:bodyPr wrap="square" rtlCol="0" anchor="ctr">
+                  <a:noAutofit/>
+                </a:bodyPr>
+                <a:lstStyle/>
+                <a:p>
+                  <a:pPr algn="ctr"/>
+                  <a:endParaRPr lang="en-GB"/>
+                </a:p>
+              </p:txBody>
+            </p:sp>
+            <p:pic>
+              <p:nvPicPr>
+                <p:cNvPr id="128" name="Picture 127" descr="A black background with a black square&#10;&#10;Description automatically generated with medium confidence">
+                  <a:extLst>
+                    <a:ext uri="{FF2B5EF4-FFF2-40B4-BE49-F238E27FC236}">
+                      <a16:creationId xmlns:a16="http://schemas.microsoft.com/office/drawing/2014/main" id="{AF5941D2-4F06-3507-BDA8-2CA81ED9101B}"/>
+                    </a:ext>
+                  </a:extLst>
+                </p:cNvPr>
+                <p:cNvPicPr>
+                  <a:picLocks noChangeAspect="1"/>
+                </p:cNvPicPr>
+                <p:nvPr/>
+              </p:nvPicPr>
+              <p:blipFill>
+                <a:blip r:embed="rId9">
+                  <a:extLst>
+                    <a:ext uri="{28A0092B-C50C-407E-A947-70E740481C1C}">
+                      <a14:useLocalDpi xmlns:a14="http://schemas.microsoft.com/office/drawing/2010/main" val="0"/>
+                    </a:ext>
+                  </a:extLst>
+                </a:blip>
+                <a:srcRect t="51590"/>
+                <a:stretch/>
+              </p:blipFill>
+              <p:spPr>
+                <a:xfrm rot="16200000">
+                  <a:off x="4514726" y="3950385"/>
+                  <a:ext cx="3315401" cy="1606271"/>
+                </a:xfrm>
+                <a:prstGeom prst="rect">
+                  <a:avLst/>
+                </a:prstGeom>
+              </p:spPr>
+            </p:pic>
+          </p:grpSp>
         </p:grpSp>
       </p:grpSp>
       <p:grpSp>
@@ -7546,60 +7708,6 @@
             <a:chExt cx="4241007" cy="4229576"/>
           </a:xfrm>
         </p:grpSpPr>
-        <p:sp>
-          <p:nvSpPr>
-            <p:cNvPr id="2" name="Rectangle 1">
-              <a:extLst>
-                <a:ext uri="{FF2B5EF4-FFF2-40B4-BE49-F238E27FC236}">
-                  <a16:creationId xmlns:a16="http://schemas.microsoft.com/office/drawing/2014/main" id="{D8F92CE4-C7AD-8BAF-EAC6-5B20A4CDB6DC}"/>
-                </a:ext>
-              </a:extLst>
-            </p:cNvPr>
-            <p:cNvSpPr/>
-            <p:nvPr/>
-          </p:nvSpPr>
-          <p:spPr>
-            <a:xfrm>
-              <a:off x="1284436" y="2043112"/>
-              <a:ext cx="4225051" cy="4229576"/>
-            </a:xfrm>
-            <a:prstGeom prst="rect">
-              <a:avLst/>
-            </a:prstGeom>
-            <a:solidFill>
-              <a:srgbClr val="4472C4">
-                <a:alpha val="0"/>
-              </a:srgbClr>
-            </a:solidFill>
-            <a:ln>
-              <a:noFill/>
-            </a:ln>
-          </p:spPr>
-          <p:style>
-            <a:lnRef idx="2">
-              <a:schemeClr val="accent1">
-                <a:shade val="15000"/>
-              </a:schemeClr>
-            </a:lnRef>
-            <a:fillRef idx="1">
-              <a:schemeClr val="accent1"/>
-            </a:fillRef>
-            <a:effectRef idx="0">
-              <a:schemeClr val="accent1"/>
-            </a:effectRef>
-            <a:fontRef idx="minor">
-              <a:schemeClr val="lt1"/>
-            </a:fontRef>
-          </p:style>
-          <p:txBody>
-            <a:bodyPr rtlCol="0" anchor="ctr"/>
-            <a:lstStyle/>
-            <a:p>
-              <a:pPr algn="ctr"/>
-              <a:endParaRPr lang="en-GB"/>
-            </a:p>
-          </p:txBody>
-        </p:sp>
         <p:grpSp>
           <p:nvGrpSpPr>
             <p:cNvPr id="8" name="Group 7">
@@ -7726,6 +7834,60 @@
             </p:spPr>
           </p:pic>
         </p:grpSp>
+        <p:sp>
+          <p:nvSpPr>
+            <p:cNvPr id="2" name="Rectangle 1">
+              <a:extLst>
+                <a:ext uri="{FF2B5EF4-FFF2-40B4-BE49-F238E27FC236}">
+                  <a16:creationId xmlns:a16="http://schemas.microsoft.com/office/drawing/2014/main" id="{D8F92CE4-C7AD-8BAF-EAC6-5B20A4CDB6DC}"/>
+                </a:ext>
+              </a:extLst>
+            </p:cNvPr>
+            <p:cNvSpPr/>
+            <p:nvPr/>
+          </p:nvSpPr>
+          <p:spPr>
+            <a:xfrm>
+              <a:off x="1284436" y="2043112"/>
+              <a:ext cx="4225051" cy="4229576"/>
+            </a:xfrm>
+            <a:prstGeom prst="rect">
+              <a:avLst/>
+            </a:prstGeom>
+            <a:solidFill>
+              <a:srgbClr val="4472C4">
+                <a:alpha val="0"/>
+              </a:srgbClr>
+            </a:solidFill>
+            <a:ln>
+              <a:noFill/>
+            </a:ln>
+          </p:spPr>
+          <p:style>
+            <a:lnRef idx="2">
+              <a:schemeClr val="accent1">
+                <a:shade val="15000"/>
+              </a:schemeClr>
+            </a:lnRef>
+            <a:fillRef idx="1">
+              <a:schemeClr val="accent1"/>
+            </a:fillRef>
+            <a:effectRef idx="0">
+              <a:schemeClr val="accent1"/>
+            </a:effectRef>
+            <a:fontRef idx="minor">
+              <a:schemeClr val="lt1"/>
+            </a:fontRef>
+          </p:style>
+          <p:txBody>
+            <a:bodyPr rtlCol="0" anchor="ctr"/>
+            <a:lstStyle/>
+            <a:p>
+              <a:pPr algn="ctr"/>
+              <a:endParaRPr lang="en-GB" dirty="0"/>
+            </a:p>
+          </p:txBody>
+        </p:sp>
       </p:grpSp>
       <p:pic>
         <p:nvPicPr>
@@ -9263,6 +9425,84 @@
       </p:grpSpPr>
       <p:pic>
         <p:nvPicPr>
+          <p:cNvPr id="4" name="Picture 2" descr="Premium Vector | Pixel mouse hand cursor icon vector illustration">
+            <a:extLst>
+              <a:ext uri="{FF2B5EF4-FFF2-40B4-BE49-F238E27FC236}">
+                <a16:creationId xmlns:a16="http://schemas.microsoft.com/office/drawing/2014/main" id="{5C95287D-74BF-8560-13F7-C178F3992F56}"/>
+              </a:ext>
+            </a:extLst>
+          </p:cNvPr>
+          <p:cNvPicPr>
+            <a:picLocks noChangeAspect="1" noChangeArrowheads="1"/>
+          </p:cNvPicPr>
+          <p:nvPr/>
+        </p:nvPicPr>
+        <p:blipFill rotWithShape="1">
+          <a:blip r:embed="rId2">
+            <a:extLst>
+              <a:ext uri="{BEBA8EAE-BF5A-486C-A8C5-ECC9F3942E4B}">
+                <a14:imgProps xmlns:a14="http://schemas.microsoft.com/office/drawing/2010/main">
+                  <a14:imgLayer r:embed="rId3">
+                    <a14:imgEffect>
+                      <a14:backgroundRemoval t="10000" b="90000" l="10000" r="90000">
+                        <a14:foregroundMark x1="17732" y1="60224" x2="17732" y2="60224"/>
+                        <a14:foregroundMark x1="20447" y1="53834" x2="20447" y2="53834"/>
+                        <a14:foregroundMark x1="33546" y1="53674" x2="33546" y2="53674"/>
+                        <a14:foregroundMark x1="35783" y1="87061" x2="35783" y2="87061"/>
+                        <a14:foregroundMark x1="17732" y1="84026" x2="17732" y2="84026"/>
+                        <a14:foregroundMark x1="16454" y1="79393" x2="16454" y2="79393"/>
+                        <a14:foregroundMark x1="15016" y1="76358" x2="15016" y2="76358"/>
+                        <a14:foregroundMark x1="13099" y1="74441" x2="13099" y2="74441"/>
+                        <a14:foregroundMark x1="11182" y1="71885" x2="11182" y2="71885"/>
+                        <a14:backgroundMark x1="65495" y1="29712" x2="77796" y2="21086"/>
+                        <a14:backgroundMark x1="77796" y1="21086" x2="89297" y2="27316"/>
+                        <a14:backgroundMark x1="89297" y1="27316" x2="85463" y2="31789"/>
+                        <a14:backgroundMark x1="85623" y1="20607" x2="79233" y2="48243"/>
+                        <a14:backgroundMark x1="79233" y1="48243" x2="79233" y2="48243"/>
+                        <a14:backgroundMark x1="80032" y1="41374" x2="88019" y2="36102"/>
+                        <a14:backgroundMark x1="84984" y1="37061" x2="85144" y2="21885"/>
+                        <a14:backgroundMark x1="85144" y1="21885" x2="86102" y2="21246"/>
+                        <a14:backgroundMark x1="63099" y1="28754" x2="70288" y2="47764"/>
+                        <a14:backgroundMark x1="70288" y1="47764" x2="71086" y2="48882"/>
+                        <a14:backgroundMark x1="68690" y1="37380" x2="65655" y2="27476"/>
+                        <a14:backgroundMark x1="65655" y1="27476" x2="68211" y2="20128"/>
+                        <a14:backgroundMark x1="65016" y1="24601" x2="63578" y2="24920"/>
+                        <a14:backgroundMark x1="73003" y1="19489" x2="72045" y2="18850"/>
+                      </a14:backgroundRemoval>
+                    </a14:imgEffect>
+                  </a14:imgLayer>
+                </a14:imgProps>
+              </a:ext>
+              <a:ext uri="{28A0092B-C50C-407E-A947-70E740481C1C}">
+                <a14:useLocalDpi xmlns:a14="http://schemas.microsoft.com/office/drawing/2010/main" val="0"/>
+              </a:ext>
+            </a:extLst>
+          </a:blip>
+          <a:srcRect l="9210" t="47926" r="58915" b="8080"/>
+          <a:stretch/>
+        </p:blipFill>
+        <p:spPr bwMode="auto">
+          <a:xfrm>
+            <a:off x="2922587" y="1056238"/>
+            <a:ext cx="1900569" cy="2623230"/>
+          </a:xfrm>
+          <a:prstGeom prst="rect">
+            <a:avLst/>
+          </a:prstGeom>
+          <a:noFill/>
+          <a:extLst>
+            <a:ext uri="{909E8E84-426E-40DD-AFC4-6F175D3DCCD1}">
+              <a14:hiddenFill xmlns:a14="http://schemas.microsoft.com/office/drawing/2010/main">
+                <a:solidFill>
+                  <a:srgbClr val="FFFFFF"/>
+                </a:solidFill>
+              </a14:hiddenFill>
+            </a:ext>
+          </a:extLst>
+        </p:spPr>
+      </p:pic>
+      <p:pic>
+        <p:nvPicPr>
           <p:cNvPr id="15" name="Picture 14">
             <a:extLst>
               <a:ext uri="{FF2B5EF4-FFF2-40B4-BE49-F238E27FC236}">
@@ -9276,7 +9516,7 @@
           <p:nvPr/>
         </p:nvPicPr>
         <p:blipFill>
-          <a:blip r:embed="rId2">
+          <a:blip r:embed="rId4">
             <a:extLst>
               <a:ext uri="{28A0092B-C50C-407E-A947-70E740481C1C}">
                 <a14:useLocalDpi xmlns:a14="http://schemas.microsoft.com/office/drawing/2010/main" val="0"/>
@@ -9511,10 +9751,4908 @@
           </a:custGeom>
         </p:spPr>
       </p:pic>
+      <p:grpSp>
+        <p:nvGrpSpPr>
+          <p:cNvPr id="3" name="Group 2">
+            <a:extLst>
+              <a:ext uri="{FF2B5EF4-FFF2-40B4-BE49-F238E27FC236}">
+                <a16:creationId xmlns:a16="http://schemas.microsoft.com/office/drawing/2014/main" id="{272BC1DA-1580-ECE5-A446-580EEFCFDB8C}"/>
+              </a:ext>
+            </a:extLst>
+          </p:cNvPr>
+          <p:cNvGrpSpPr/>
+          <p:nvPr/>
+        </p:nvGrpSpPr>
+        <p:grpSpPr>
+          <a:xfrm>
+            <a:off x="7603518" y="292217"/>
+            <a:ext cx="4225051" cy="4229576"/>
+            <a:chOff x="4875227" y="1314212"/>
+            <a:chExt cx="4225051" cy="4229576"/>
+          </a:xfrm>
+        </p:grpSpPr>
+        <p:sp>
+          <p:nvSpPr>
+            <p:cNvPr id="2" name="Rectangle 1">
+              <a:extLst>
+                <a:ext uri="{FF2B5EF4-FFF2-40B4-BE49-F238E27FC236}">
+                  <a16:creationId xmlns:a16="http://schemas.microsoft.com/office/drawing/2014/main" id="{C1B009DE-7806-53DF-9A81-DEDAE71CDF2E}"/>
+                </a:ext>
+              </a:extLst>
+            </p:cNvPr>
+            <p:cNvSpPr/>
+            <p:nvPr/>
+          </p:nvSpPr>
+          <p:spPr>
+            <a:xfrm>
+              <a:off x="4875227" y="1314212"/>
+              <a:ext cx="4225051" cy="4229576"/>
+            </a:xfrm>
+            <a:prstGeom prst="rect">
+              <a:avLst/>
+            </a:prstGeom>
+            <a:solidFill>
+              <a:srgbClr val="4472C4">
+                <a:alpha val="0"/>
+              </a:srgbClr>
+            </a:solidFill>
+            <a:ln>
+              <a:noFill/>
+            </a:ln>
+          </p:spPr>
+          <p:style>
+            <a:lnRef idx="2">
+              <a:schemeClr val="accent1">
+                <a:shade val="15000"/>
+              </a:schemeClr>
+            </a:lnRef>
+            <a:fillRef idx="1">
+              <a:schemeClr val="accent1"/>
+            </a:fillRef>
+            <a:effectRef idx="0">
+              <a:schemeClr val="accent1"/>
+            </a:effectRef>
+            <a:fontRef idx="minor">
+              <a:schemeClr val="lt1"/>
+            </a:fontRef>
+          </p:style>
+          <p:txBody>
+            <a:bodyPr rtlCol="0" anchor="ctr"/>
+            <a:lstStyle/>
+            <a:p>
+              <a:pPr algn="ctr"/>
+              <a:endParaRPr lang="en-GB"/>
+            </a:p>
+          </p:txBody>
+        </p:sp>
+        <p:grpSp>
+          <p:nvGrpSpPr>
+            <p:cNvPr id="16" name="Group 15">
+              <a:extLst>
+                <a:ext uri="{FF2B5EF4-FFF2-40B4-BE49-F238E27FC236}">
+                  <a16:creationId xmlns:a16="http://schemas.microsoft.com/office/drawing/2014/main" id="{99AA29F6-68BB-6AFC-6D02-7FE610A5408A}"/>
+                </a:ext>
+              </a:extLst>
+            </p:cNvPr>
+            <p:cNvGrpSpPr>
+              <a:grpSpLocks noChangeAspect="1"/>
+            </p:cNvGrpSpPr>
+            <p:nvPr/>
+          </p:nvGrpSpPr>
+          <p:grpSpPr>
+            <a:xfrm>
+              <a:off x="5374411" y="1499649"/>
+              <a:ext cx="3226680" cy="3858698"/>
+              <a:chOff x="5721969" y="3055173"/>
+              <a:chExt cx="1061853" cy="1269841"/>
+            </a:xfrm>
+          </p:grpSpPr>
+          <p:pic>
+            <p:nvPicPr>
+              <p:cNvPr id="18" name="Picture 17" descr="A black background with a black square&#10;&#10;Description automatically generated with medium confidence">
+                <a:extLst>
+                  <a:ext uri="{FF2B5EF4-FFF2-40B4-BE49-F238E27FC236}">
+                    <a16:creationId xmlns:a16="http://schemas.microsoft.com/office/drawing/2014/main" id="{9FEC5E42-71F3-3807-929D-A30BEE3B40DD}"/>
+                  </a:ext>
+                </a:extLst>
+              </p:cNvPr>
+              <p:cNvPicPr>
+                <a:picLocks noChangeAspect="1"/>
+              </p:cNvPicPr>
+              <p:nvPr/>
+            </p:nvPicPr>
+            <p:blipFill>
+              <a:blip r:embed="rId5">
+                <a:extLst>
+                  <a:ext uri="{28A0092B-C50C-407E-A947-70E740481C1C}">
+                    <a14:useLocalDpi xmlns:a14="http://schemas.microsoft.com/office/drawing/2010/main" val="0"/>
+                  </a:ext>
+                </a:extLst>
+              </a:blip>
+              <a:srcRect l="16379"/>
+              <a:stretch/>
+            </p:blipFill>
+            <p:spPr>
+              <a:xfrm>
+                <a:off x="5721969" y="3055173"/>
+                <a:ext cx="1061853" cy="1269841"/>
+              </a:xfrm>
+              <a:prstGeom prst="rect">
+                <a:avLst/>
+              </a:prstGeom>
+            </p:spPr>
+          </p:pic>
+          <p:pic>
+            <p:nvPicPr>
+              <p:cNvPr id="19" name="Picture 18" descr="A black background with a black square&#10;&#10;Description automatically generated with medium confidence">
+                <a:extLst>
+                  <a:ext uri="{FF2B5EF4-FFF2-40B4-BE49-F238E27FC236}">
+                    <a16:creationId xmlns:a16="http://schemas.microsoft.com/office/drawing/2014/main" id="{953958FC-5069-F732-5F6A-22B560BEE643}"/>
+                  </a:ext>
+                </a:extLst>
+              </p:cNvPr>
+              <p:cNvPicPr>
+                <a:picLocks noChangeAspect="1"/>
+              </p:cNvPicPr>
+              <p:nvPr/>
+            </p:nvPicPr>
+            <p:blipFill>
+              <a:blip r:embed="rId6">
+                <a:extLst>
+                  <a:ext uri="{28A0092B-C50C-407E-A947-70E740481C1C}">
+                    <a14:useLocalDpi xmlns:a14="http://schemas.microsoft.com/office/drawing/2010/main" val="0"/>
+                  </a:ext>
+                </a:extLst>
+              </a:blip>
+              <a:srcRect l="74525" t="8436" r="12348" b="43745"/>
+              <a:stretch/>
+            </p:blipFill>
+            <p:spPr>
+              <a:xfrm>
+                <a:off x="6617134" y="3386484"/>
+                <a:ext cx="166688" cy="607219"/>
+              </a:xfrm>
+              <a:prstGeom prst="rect">
+                <a:avLst/>
+              </a:prstGeom>
+            </p:spPr>
+          </p:pic>
+        </p:grpSp>
+      </p:grpSp>
+      <p:pic>
+        <p:nvPicPr>
+          <p:cNvPr id="1026" name="Picture 2" descr="Premium Vector | Pixel mouse hand cursor icon vector illustration">
+            <a:extLst>
+              <a:ext uri="{FF2B5EF4-FFF2-40B4-BE49-F238E27FC236}">
+                <a16:creationId xmlns:a16="http://schemas.microsoft.com/office/drawing/2014/main" id="{9019C5ED-06E1-60C3-0AD5-BA6A7AC00DCD}"/>
+              </a:ext>
+            </a:extLst>
+          </p:cNvPr>
+          <p:cNvPicPr>
+            <a:picLocks noChangeAspect="1" noChangeArrowheads="1"/>
+          </p:cNvPicPr>
+          <p:nvPr/>
+        </p:nvPicPr>
+        <p:blipFill rotWithShape="1">
+          <a:blip r:embed="rId7">
+            <a:extLst>
+              <a:ext uri="{BEBA8EAE-BF5A-486C-A8C5-ECC9F3942E4B}">
+                <a14:imgProps xmlns:a14="http://schemas.microsoft.com/office/drawing/2010/main">
+                  <a14:imgLayer r:embed="rId3">
+                    <a14:imgEffect>
+                      <a14:backgroundRemoval t="10000" b="90000" l="10000" r="90000">
+                        <a14:foregroundMark x1="65655" y1="34984" x2="65655" y2="34984"/>
+                      </a14:backgroundRemoval>
+                    </a14:imgEffect>
+                  </a14:imgLayer>
+                </a14:imgProps>
+              </a:ext>
+              <a:ext uri="{28A0092B-C50C-407E-A947-70E740481C1C}">
+                <a14:useLocalDpi xmlns:a14="http://schemas.microsoft.com/office/drawing/2010/main" val="0"/>
+              </a:ext>
+            </a:extLst>
+          </a:blip>
+          <a:srcRect l="59887" t="14921" r="9811" b="54937"/>
+          <a:stretch/>
+        </p:blipFill>
+        <p:spPr bwMode="auto">
+          <a:xfrm>
+            <a:off x="4823156" y="1882246"/>
+            <a:ext cx="1806776" cy="1797222"/>
+          </a:xfrm>
+          <a:prstGeom prst="rect">
+            <a:avLst/>
+          </a:prstGeom>
+          <a:noFill/>
+          <a:extLst>
+            <a:ext uri="{909E8E84-426E-40DD-AFC4-6F175D3DCCD1}">
+              <a14:hiddenFill xmlns:a14="http://schemas.microsoft.com/office/drawing/2010/main">
+                <a:solidFill>
+                  <a:srgbClr val="FFFFFF"/>
+                </a:solidFill>
+              </a14:hiddenFill>
+            </a:ext>
+          </a:extLst>
+        </p:spPr>
+      </p:pic>
+      <p:grpSp>
+        <p:nvGrpSpPr>
+          <p:cNvPr id="17" name="Group 16">
+            <a:extLst>
+              <a:ext uri="{FF2B5EF4-FFF2-40B4-BE49-F238E27FC236}">
+                <a16:creationId xmlns:a16="http://schemas.microsoft.com/office/drawing/2014/main" id="{2B5F262F-6A1F-2E03-39CA-CD14CB7717B1}"/>
+              </a:ext>
+            </a:extLst>
+          </p:cNvPr>
+          <p:cNvGrpSpPr/>
+          <p:nvPr/>
+        </p:nvGrpSpPr>
+        <p:grpSpPr>
+          <a:xfrm>
+            <a:off x="9016087" y="3803842"/>
+            <a:ext cx="1806776" cy="1806776"/>
+            <a:chOff x="2781707" y="4457595"/>
+            <a:chExt cx="1806776" cy="1806776"/>
+          </a:xfrm>
+        </p:grpSpPr>
+        <p:sp>
+          <p:nvSpPr>
+            <p:cNvPr id="11" name="Rectangle 10">
+              <a:extLst>
+                <a:ext uri="{FF2B5EF4-FFF2-40B4-BE49-F238E27FC236}">
+                  <a16:creationId xmlns:a16="http://schemas.microsoft.com/office/drawing/2014/main" id="{1353A37F-6615-CDBB-300D-4880D066BFA7}"/>
+                </a:ext>
+              </a:extLst>
+            </p:cNvPr>
+            <p:cNvSpPr/>
+            <p:nvPr/>
+          </p:nvSpPr>
+          <p:spPr>
+            <a:xfrm rot="1821094">
+              <a:off x="3449963" y="4908742"/>
+              <a:ext cx="272267" cy="644447"/>
+            </a:xfrm>
+            <a:prstGeom prst="rect">
+              <a:avLst/>
+            </a:prstGeom>
+            <a:solidFill>
+              <a:schemeClr val="bg1"/>
+            </a:solidFill>
+            <a:ln>
+              <a:noFill/>
+            </a:ln>
+          </p:spPr>
+          <p:style>
+            <a:lnRef idx="2">
+              <a:schemeClr val="accent1">
+                <a:shade val="15000"/>
+              </a:schemeClr>
+            </a:lnRef>
+            <a:fillRef idx="1">
+              <a:schemeClr val="accent1"/>
+            </a:fillRef>
+            <a:effectRef idx="0">
+              <a:schemeClr val="accent1"/>
+            </a:effectRef>
+            <a:fontRef idx="minor">
+              <a:schemeClr val="lt1"/>
+            </a:fontRef>
+          </p:style>
+          <p:txBody>
+            <a:bodyPr rtlCol="0" anchor="ctr"/>
+            <a:lstStyle/>
+            <a:p>
+              <a:pPr algn="ctr"/>
+              <a:endParaRPr lang="en-GB"/>
+            </a:p>
+          </p:txBody>
+        </p:sp>
+        <p:sp>
+          <p:nvSpPr>
+            <p:cNvPr id="12" name="Rectangle 11">
+              <a:extLst>
+                <a:ext uri="{FF2B5EF4-FFF2-40B4-BE49-F238E27FC236}">
+                  <a16:creationId xmlns:a16="http://schemas.microsoft.com/office/drawing/2014/main" id="{6761ACAE-2387-9ACF-CA94-678A8A710450}"/>
+                </a:ext>
+              </a:extLst>
+            </p:cNvPr>
+            <p:cNvSpPr/>
+            <p:nvPr/>
+          </p:nvSpPr>
+          <p:spPr>
+            <a:xfrm rot="1821094">
+              <a:off x="3866195" y="5055308"/>
+              <a:ext cx="280396" cy="650973"/>
+            </a:xfrm>
+            <a:prstGeom prst="rect">
+              <a:avLst/>
+            </a:prstGeom>
+            <a:solidFill>
+              <a:schemeClr val="bg1"/>
+            </a:solidFill>
+            <a:ln>
+              <a:noFill/>
+            </a:ln>
+          </p:spPr>
+          <p:style>
+            <a:lnRef idx="2">
+              <a:schemeClr val="accent1">
+                <a:shade val="15000"/>
+              </a:schemeClr>
+            </a:lnRef>
+            <a:fillRef idx="1">
+              <a:schemeClr val="accent1"/>
+            </a:fillRef>
+            <a:effectRef idx="0">
+              <a:schemeClr val="accent1"/>
+            </a:effectRef>
+            <a:fontRef idx="minor">
+              <a:schemeClr val="lt1"/>
+            </a:fontRef>
+          </p:style>
+          <p:txBody>
+            <a:bodyPr rtlCol="0" anchor="ctr"/>
+            <a:lstStyle/>
+            <a:p>
+              <a:pPr algn="ctr"/>
+              <a:endParaRPr lang="en-GB"/>
+            </a:p>
+          </p:txBody>
+        </p:sp>
+        <p:sp>
+          <p:nvSpPr>
+            <p:cNvPr id="13" name="Rectangle 12">
+              <a:extLst>
+                <a:ext uri="{FF2B5EF4-FFF2-40B4-BE49-F238E27FC236}">
+                  <a16:creationId xmlns:a16="http://schemas.microsoft.com/office/drawing/2014/main" id="{EF4D77D7-748C-B304-0FB5-BF02B4F67FE6}"/>
+                </a:ext>
+              </a:extLst>
+            </p:cNvPr>
+            <p:cNvSpPr/>
+            <p:nvPr/>
+          </p:nvSpPr>
+          <p:spPr>
+            <a:xfrm rot="1821094">
+              <a:off x="3670922" y="5098711"/>
+              <a:ext cx="280396" cy="399863"/>
+            </a:xfrm>
+            <a:prstGeom prst="rect">
+              <a:avLst/>
+            </a:prstGeom>
+            <a:solidFill>
+              <a:schemeClr val="bg1"/>
+            </a:solidFill>
+            <a:ln>
+              <a:noFill/>
+            </a:ln>
+          </p:spPr>
+          <p:style>
+            <a:lnRef idx="2">
+              <a:schemeClr val="accent1">
+                <a:shade val="15000"/>
+              </a:schemeClr>
+            </a:lnRef>
+            <a:fillRef idx="1">
+              <a:schemeClr val="accent1"/>
+            </a:fillRef>
+            <a:effectRef idx="0">
+              <a:schemeClr val="accent1"/>
+            </a:effectRef>
+            <a:fontRef idx="minor">
+              <a:schemeClr val="lt1"/>
+            </a:fontRef>
+          </p:style>
+          <p:txBody>
+            <a:bodyPr rtlCol="0" anchor="ctr"/>
+            <a:lstStyle/>
+            <a:p>
+              <a:pPr algn="ctr"/>
+              <a:endParaRPr lang="en-GB"/>
+            </a:p>
+          </p:txBody>
+        </p:sp>
+        <p:sp>
+          <p:nvSpPr>
+            <p:cNvPr id="14" name="Rectangle 13">
+              <a:extLst>
+                <a:ext uri="{FF2B5EF4-FFF2-40B4-BE49-F238E27FC236}">
+                  <a16:creationId xmlns:a16="http://schemas.microsoft.com/office/drawing/2014/main" id="{A955EF06-534A-AB52-089F-54FFD5D3CEF1}"/>
+                </a:ext>
+              </a:extLst>
+            </p:cNvPr>
+            <p:cNvSpPr/>
+            <p:nvPr/>
+          </p:nvSpPr>
+          <p:spPr>
+            <a:xfrm rot="1821094">
+              <a:off x="4058506" y="5280127"/>
+              <a:ext cx="280396" cy="399863"/>
+            </a:xfrm>
+            <a:prstGeom prst="rect">
+              <a:avLst/>
+            </a:prstGeom>
+            <a:solidFill>
+              <a:schemeClr val="bg1"/>
+            </a:solidFill>
+            <a:ln>
+              <a:noFill/>
+            </a:ln>
+          </p:spPr>
+          <p:style>
+            <a:lnRef idx="2">
+              <a:schemeClr val="accent1">
+                <a:shade val="15000"/>
+              </a:schemeClr>
+            </a:lnRef>
+            <a:fillRef idx="1">
+              <a:schemeClr val="accent1"/>
+            </a:fillRef>
+            <a:effectRef idx="0">
+              <a:schemeClr val="accent1"/>
+            </a:effectRef>
+            <a:fontRef idx="minor">
+              <a:schemeClr val="lt1"/>
+            </a:fontRef>
+          </p:style>
+          <p:txBody>
+            <a:bodyPr rtlCol="0" anchor="ctr"/>
+            <a:lstStyle/>
+            <a:p>
+              <a:pPr algn="ctr"/>
+              <a:endParaRPr lang="en-GB"/>
+            </a:p>
+          </p:txBody>
+        </p:sp>
+        <p:pic>
+          <p:nvPicPr>
+            <p:cNvPr id="10" name="Picture 9" descr="A black and white checkered flags&#10;&#10;Description automatically generated">
+              <a:extLst>
+                <a:ext uri="{FF2B5EF4-FFF2-40B4-BE49-F238E27FC236}">
+                  <a16:creationId xmlns:a16="http://schemas.microsoft.com/office/drawing/2014/main" id="{BAA6CDB0-1A8B-3EE2-5156-ADB0DA7AAAF9}"/>
+                </a:ext>
+              </a:extLst>
+            </p:cNvPr>
+            <p:cNvPicPr>
+              <a:picLocks noChangeAspect="1"/>
+            </p:cNvPicPr>
+            <p:nvPr/>
+          </p:nvPicPr>
+          <p:blipFill rotWithShape="1">
+            <a:blip r:embed="rId8">
+              <a:clrChange>
+                <a:clrFrom>
+                  <a:srgbClr val="FFFFFF"/>
+                </a:clrFrom>
+                <a:clrTo>
+                  <a:srgbClr val="FFFFFF">
+                    <a:alpha val="0"/>
+                  </a:srgbClr>
+                </a:clrTo>
+              </a:clrChange>
+              <a:extLst>
+                <a:ext uri="{BEBA8EAE-BF5A-486C-A8C5-ECC9F3942E4B}">
+                  <a14:imgProps xmlns:a14="http://schemas.microsoft.com/office/drawing/2010/main">
+                    <a14:imgLayer r:embed="rId9">
+                      <a14:imgEffect>
+                        <a14:backgroundRemoval t="19336" b="65723" l="41895" r="93262">
+                          <a14:foregroundMark x1="59082" y1="34570" x2="59082" y2="34570"/>
+                          <a14:foregroundMark x1="41895" y1="64063" x2="41895" y2="64063"/>
+                          <a14:foregroundMark x1="93262" y1="39941" x2="93262" y2="39941"/>
+                        </a14:backgroundRemoval>
+                      </a14:imgEffect>
+                    </a14:imgLayer>
+                  </a14:imgProps>
+                </a:ext>
+                <a:ext uri="{28A0092B-C50C-407E-A947-70E740481C1C}">
+                  <a14:useLocalDpi xmlns:a14="http://schemas.microsoft.com/office/drawing/2010/main" val="0"/>
+                </a:ext>
+              </a:extLst>
+            </a:blip>
+            <a:srcRect l="39946" t="13632" r="2166" b="28480"/>
+            <a:stretch/>
+          </p:blipFill>
+          <p:spPr>
+            <a:xfrm>
+              <a:off x="2781707" y="4457595"/>
+              <a:ext cx="1806776" cy="1806776"/>
+            </a:xfrm>
+            <a:custGeom>
+              <a:avLst/>
+              <a:gdLst>
+                <a:gd name="connsiteX0" fmla="*/ 0 w 1806776"/>
+                <a:gd name="connsiteY0" fmla="*/ 0 h 1806776"/>
+                <a:gd name="connsiteX1" fmla="*/ 1806776 w 1806776"/>
+                <a:gd name="connsiteY1" fmla="*/ 0 h 1806776"/>
+                <a:gd name="connsiteX2" fmla="*/ 1806776 w 1806776"/>
+                <a:gd name="connsiteY2" fmla="*/ 1806776 h 1806776"/>
+                <a:gd name="connsiteX3" fmla="*/ 8551 w 1806776"/>
+                <a:gd name="connsiteY3" fmla="*/ 1806776 h 1806776"/>
+                <a:gd name="connsiteX4" fmla="*/ 249338 w 1806776"/>
+                <a:gd name="connsiteY4" fmla="*/ 1391523 h 1806776"/>
+                <a:gd name="connsiteX5" fmla="*/ 240142 w 1806776"/>
+                <a:gd name="connsiteY5" fmla="*/ 1386190 h 1806776"/>
+                <a:gd name="connsiteX6" fmla="*/ 234325 w 1806776"/>
+                <a:gd name="connsiteY6" fmla="*/ 1394770 h 1806776"/>
+                <a:gd name="connsiteX7" fmla="*/ 198079 w 1806776"/>
+                <a:gd name="connsiteY7" fmla="*/ 1409701 h 1806776"/>
+                <a:gd name="connsiteX8" fmla="*/ 146820 w 1806776"/>
+                <a:gd name="connsiteY8" fmla="*/ 1358722 h 1806776"/>
+                <a:gd name="connsiteX9" fmla="*/ 150848 w 1806776"/>
+                <a:gd name="connsiteY9" fmla="*/ 1338879 h 1806776"/>
+                <a:gd name="connsiteX10" fmla="*/ 153021 w 1806776"/>
+                <a:gd name="connsiteY10" fmla="*/ 1335673 h 1806776"/>
+                <a:gd name="connsiteX11" fmla="*/ 139473 w 1806776"/>
+                <a:gd name="connsiteY11" fmla="*/ 1327816 h 1806776"/>
+                <a:gd name="connsiteX12" fmla="*/ 0 w 1806776"/>
+                <a:gd name="connsiteY12" fmla="*/ 1568346 h 1806776"/>
+              </a:gdLst>
+              <a:ahLst/>
+              <a:cxnLst>
+                <a:cxn ang="0">
+                  <a:pos x="connsiteX0" y="connsiteY0"/>
+                </a:cxn>
+                <a:cxn ang="0">
+                  <a:pos x="connsiteX1" y="connsiteY1"/>
+                </a:cxn>
+                <a:cxn ang="0">
+                  <a:pos x="connsiteX2" y="connsiteY2"/>
+                </a:cxn>
+                <a:cxn ang="0">
+                  <a:pos x="connsiteX3" y="connsiteY3"/>
+                </a:cxn>
+                <a:cxn ang="0">
+                  <a:pos x="connsiteX4" y="connsiteY4"/>
+                </a:cxn>
+                <a:cxn ang="0">
+                  <a:pos x="connsiteX5" y="connsiteY5"/>
+                </a:cxn>
+                <a:cxn ang="0">
+                  <a:pos x="connsiteX6" y="connsiteY6"/>
+                </a:cxn>
+                <a:cxn ang="0">
+                  <a:pos x="connsiteX7" y="connsiteY7"/>
+                </a:cxn>
+                <a:cxn ang="0">
+                  <a:pos x="connsiteX8" y="connsiteY8"/>
+                </a:cxn>
+                <a:cxn ang="0">
+                  <a:pos x="connsiteX9" y="connsiteY9"/>
+                </a:cxn>
+                <a:cxn ang="0">
+                  <a:pos x="connsiteX10" y="connsiteY10"/>
+                </a:cxn>
+                <a:cxn ang="0">
+                  <a:pos x="connsiteX11" y="connsiteY11"/>
+                </a:cxn>
+                <a:cxn ang="0">
+                  <a:pos x="connsiteX12" y="connsiteY12"/>
+                </a:cxn>
+              </a:cxnLst>
+              <a:rect l="l" t="t" r="r" b="b"/>
+              <a:pathLst>
+                <a:path w="1806776" h="1806776">
+                  <a:moveTo>
+                    <a:pt x="0" y="0"/>
+                  </a:moveTo>
+                  <a:lnTo>
+                    <a:pt x="1806776" y="0"/>
+                  </a:lnTo>
+                  <a:lnTo>
+                    <a:pt x="1806776" y="1806776"/>
+                  </a:lnTo>
+                  <a:lnTo>
+                    <a:pt x="8551" y="1806776"/>
+                  </a:lnTo>
+                  <a:lnTo>
+                    <a:pt x="249338" y="1391523"/>
+                  </a:lnTo>
+                  <a:lnTo>
+                    <a:pt x="240142" y="1386190"/>
+                  </a:lnTo>
+                  <a:lnTo>
+                    <a:pt x="234325" y="1394770"/>
+                  </a:lnTo>
+                  <a:cubicBezTo>
+                    <a:pt x="225049" y="1403995"/>
+                    <a:pt x="212234" y="1409701"/>
+                    <a:pt x="198079" y="1409701"/>
+                  </a:cubicBezTo>
+                  <a:cubicBezTo>
+                    <a:pt x="169769" y="1409702"/>
+                    <a:pt x="146820" y="1386877"/>
+                    <a:pt x="146820" y="1358722"/>
+                  </a:cubicBezTo>
+                  <a:cubicBezTo>
+                    <a:pt x="146820" y="1351684"/>
+                    <a:pt x="148255" y="1344978"/>
+                    <a:pt x="150848" y="1338879"/>
+                  </a:cubicBezTo>
+                  <a:lnTo>
+                    <a:pt x="153021" y="1335673"/>
+                  </a:lnTo>
+                  <a:lnTo>
+                    <a:pt x="139473" y="1327816"/>
+                  </a:lnTo>
+                  <a:lnTo>
+                    <a:pt x="0" y="1568346"/>
+                  </a:lnTo>
+                  <a:close/>
+                </a:path>
+              </a:pathLst>
+            </a:custGeom>
+          </p:spPr>
+        </p:pic>
+      </p:grpSp>
     </p:spTree>
     <p:extLst>
       <p:ext uri="{BB962C8B-B14F-4D97-AF65-F5344CB8AC3E}">
         <p14:creationId xmlns:p14="http://schemas.microsoft.com/office/powerpoint/2010/main" val="2567487118"/>
+      </p:ext>
+    </p:extLst>
+  </p:cSld>
+  <p:clrMapOvr>
+    <a:masterClrMapping/>
+  </p:clrMapOvr>
+</p:sld>
+</file>
+
+<file path=ppt/slides/slide15.xml><?xml version="1.0" encoding="utf-8"?>
+<p:sld xmlns:a="http://schemas.openxmlformats.org/drawingml/2006/main" xmlns:r="http://schemas.openxmlformats.org/officeDocument/2006/relationships" xmlns:p="http://schemas.openxmlformats.org/presentationml/2006/main">
+  <p:cSld>
+    <p:spTree>
+      <p:nvGrpSpPr>
+        <p:cNvPr id="1" name=""/>
+        <p:cNvGrpSpPr/>
+        <p:nvPr/>
+      </p:nvGrpSpPr>
+      <p:grpSpPr>
+        <a:xfrm>
+          <a:off x="0" y="0"/>
+          <a:ext cx="0" cy="0"/>
+          <a:chOff x="0" y="0"/>
+          <a:chExt cx="0" cy="0"/>
+        </a:xfrm>
+      </p:grpSpPr>
+      <p:grpSp>
+        <p:nvGrpSpPr>
+          <p:cNvPr id="54" name="Group 53">
+            <a:extLst>
+              <a:ext uri="{FF2B5EF4-FFF2-40B4-BE49-F238E27FC236}">
+                <a16:creationId xmlns:a16="http://schemas.microsoft.com/office/drawing/2014/main" id="{C87232B0-07F2-16EA-6073-B2B913F567BF}"/>
+              </a:ext>
+            </a:extLst>
+          </p:cNvPr>
+          <p:cNvGrpSpPr/>
+          <p:nvPr/>
+        </p:nvGrpSpPr>
+        <p:grpSpPr>
+          <a:xfrm>
+            <a:off x="6749098" y="-332221"/>
+            <a:ext cx="4225051" cy="4229576"/>
+            <a:chOff x="4748848" y="-11189"/>
+            <a:chExt cx="4225051" cy="4229576"/>
+          </a:xfrm>
+        </p:grpSpPr>
+        <p:sp>
+          <p:nvSpPr>
+            <p:cNvPr id="49" name="Rectangle 48">
+              <a:extLst>
+                <a:ext uri="{FF2B5EF4-FFF2-40B4-BE49-F238E27FC236}">
+                  <a16:creationId xmlns:a16="http://schemas.microsoft.com/office/drawing/2014/main" id="{67D67998-A82B-36C8-C8AA-78A502F8A01E}"/>
+                </a:ext>
+              </a:extLst>
+            </p:cNvPr>
+            <p:cNvSpPr/>
+            <p:nvPr/>
+          </p:nvSpPr>
+          <p:spPr>
+            <a:xfrm>
+              <a:off x="4748848" y="-11189"/>
+              <a:ext cx="4225051" cy="4229576"/>
+            </a:xfrm>
+            <a:prstGeom prst="rect">
+              <a:avLst/>
+            </a:prstGeom>
+            <a:solidFill>
+              <a:srgbClr val="4472C4">
+                <a:alpha val="0"/>
+              </a:srgbClr>
+            </a:solidFill>
+            <a:ln>
+              <a:noFill/>
+            </a:ln>
+          </p:spPr>
+          <p:style>
+            <a:lnRef idx="2">
+              <a:schemeClr val="accent1">
+                <a:shade val="15000"/>
+              </a:schemeClr>
+            </a:lnRef>
+            <a:fillRef idx="1">
+              <a:schemeClr val="accent1"/>
+            </a:fillRef>
+            <a:effectRef idx="0">
+              <a:schemeClr val="accent1"/>
+            </a:effectRef>
+            <a:fontRef idx="minor">
+              <a:schemeClr val="lt1"/>
+            </a:fontRef>
+          </p:style>
+          <p:txBody>
+            <a:bodyPr rtlCol="0" anchor="ctr"/>
+            <a:lstStyle/>
+            <a:p>
+              <a:pPr algn="ctr"/>
+              <a:endParaRPr lang="en-GB"/>
+            </a:p>
+          </p:txBody>
+        </p:sp>
+        <p:pic>
+          <p:nvPicPr>
+            <p:cNvPr id="53" name="Picture 52" descr="A black background with a black square&#10;&#10;Description automatically generated with medium confidence">
+              <a:extLst>
+                <a:ext uri="{FF2B5EF4-FFF2-40B4-BE49-F238E27FC236}">
+                  <a16:creationId xmlns:a16="http://schemas.microsoft.com/office/drawing/2014/main" id="{F0D8DD55-4FDC-7750-82FD-745E41F25371}"/>
+                </a:ext>
+              </a:extLst>
+            </p:cNvPr>
+            <p:cNvPicPr>
+              <a:picLocks noChangeAspect="1"/>
+            </p:cNvPicPr>
+            <p:nvPr/>
+          </p:nvPicPr>
+          <p:blipFill>
+            <a:blip r:embed="rId2">
+              <a:extLst>
+                <a:ext uri="{28A0092B-C50C-407E-A947-70E740481C1C}">
+                  <a14:useLocalDpi xmlns:a14="http://schemas.microsoft.com/office/drawing/2010/main" val="0"/>
+                </a:ext>
+              </a:extLst>
+            </a:blip>
+            <a:srcRect l="23979" t="15279" r="24167" b="29443"/>
+            <a:stretch/>
+          </p:blipFill>
+          <p:spPr>
+            <a:xfrm rot="17244073" flipH="1">
+              <a:off x="5414558" y="721843"/>
+              <a:ext cx="2330998" cy="2441998"/>
+            </a:xfrm>
+            <a:custGeom>
+              <a:avLst/>
+              <a:gdLst>
+                <a:gd name="connsiteX0" fmla="*/ 1512000 w 1512000"/>
+                <a:gd name="connsiteY0" fmla="*/ 0 h 1584000"/>
+                <a:gd name="connsiteX1" fmla="*/ 911848 w 1512000"/>
+                <a:gd name="connsiteY1" fmla="*/ 0 h 1584000"/>
+                <a:gd name="connsiteX2" fmla="*/ 1040561 w 1512000"/>
+                <a:gd name="connsiteY2" fmla="*/ 251335 h 1584000"/>
+                <a:gd name="connsiteX3" fmla="*/ 0 w 1512000"/>
+                <a:gd name="connsiteY3" fmla="*/ 784228 h 1584000"/>
+                <a:gd name="connsiteX4" fmla="*/ 0 w 1512000"/>
+                <a:gd name="connsiteY4" fmla="*/ 1584000 h 1584000"/>
+                <a:gd name="connsiteX5" fmla="*/ 1512000 w 1512000"/>
+                <a:gd name="connsiteY5" fmla="*/ 1584000 h 1584000"/>
+              </a:gdLst>
+              <a:ahLst/>
+              <a:cxnLst>
+                <a:cxn ang="0">
+                  <a:pos x="connsiteX0" y="connsiteY0"/>
+                </a:cxn>
+                <a:cxn ang="0">
+                  <a:pos x="connsiteX1" y="connsiteY1"/>
+                </a:cxn>
+                <a:cxn ang="0">
+                  <a:pos x="connsiteX2" y="connsiteY2"/>
+                </a:cxn>
+                <a:cxn ang="0">
+                  <a:pos x="connsiteX3" y="connsiteY3"/>
+                </a:cxn>
+                <a:cxn ang="0">
+                  <a:pos x="connsiteX4" y="connsiteY4"/>
+                </a:cxn>
+                <a:cxn ang="0">
+                  <a:pos x="connsiteX5" y="connsiteY5"/>
+                </a:cxn>
+              </a:cxnLst>
+              <a:rect l="l" t="t" r="r" b="b"/>
+              <a:pathLst>
+                <a:path w="1512000" h="1584000">
+                  <a:moveTo>
+                    <a:pt x="1512000" y="0"/>
+                  </a:moveTo>
+                  <a:lnTo>
+                    <a:pt x="911848" y="0"/>
+                  </a:lnTo>
+                  <a:lnTo>
+                    <a:pt x="1040561" y="251335"/>
+                  </a:lnTo>
+                  <a:lnTo>
+                    <a:pt x="0" y="784228"/>
+                  </a:lnTo>
+                  <a:lnTo>
+                    <a:pt x="0" y="1584000"/>
+                  </a:lnTo>
+                  <a:lnTo>
+                    <a:pt x="1512000" y="1584000"/>
+                  </a:lnTo>
+                  <a:close/>
+                </a:path>
+              </a:pathLst>
+            </a:custGeom>
+          </p:spPr>
+        </p:pic>
+      </p:grpSp>
+      <p:grpSp>
+        <p:nvGrpSpPr>
+          <p:cNvPr id="5" name="Group 4">
+            <a:extLst>
+              <a:ext uri="{FF2B5EF4-FFF2-40B4-BE49-F238E27FC236}">
+                <a16:creationId xmlns:a16="http://schemas.microsoft.com/office/drawing/2014/main" id="{ECB52FDB-F5B3-51B4-7C65-27E26C549270}"/>
+              </a:ext>
+            </a:extLst>
+          </p:cNvPr>
+          <p:cNvGrpSpPr/>
+          <p:nvPr/>
+        </p:nvGrpSpPr>
+        <p:grpSpPr>
+          <a:xfrm>
+            <a:off x="714384" y="1636930"/>
+            <a:ext cx="4516013" cy="4520850"/>
+            <a:chOff x="714384" y="1636930"/>
+            <a:chExt cx="4516013" cy="4520850"/>
+          </a:xfrm>
+        </p:grpSpPr>
+        <p:pic>
+          <p:nvPicPr>
+            <p:cNvPr id="45" name="Picture 44" descr="A black background with a black square&#10;&#10;Description automatically generated with medium confidence">
+              <a:extLst>
+                <a:ext uri="{FF2B5EF4-FFF2-40B4-BE49-F238E27FC236}">
+                  <a16:creationId xmlns:a16="http://schemas.microsoft.com/office/drawing/2014/main" id="{86FFA6F1-C6F7-03E5-D9C9-27F5F22AE623}"/>
+                </a:ext>
+              </a:extLst>
+            </p:cNvPr>
+            <p:cNvPicPr>
+              <a:picLocks noChangeAspect="1"/>
+            </p:cNvPicPr>
+            <p:nvPr/>
+          </p:nvPicPr>
+          <p:blipFill>
+            <a:blip r:embed="rId3">
+              <a:extLst>
+                <a:ext uri="{28A0092B-C50C-407E-A947-70E740481C1C}">
+                  <a14:useLocalDpi xmlns:a14="http://schemas.microsoft.com/office/drawing/2010/main" val="0"/>
+                </a:ext>
+              </a:extLst>
+            </a:blip>
+            <a:srcRect/>
+            <a:stretch>
+              <a:fillRect/>
+            </a:stretch>
+          </p:blipFill>
+          <p:spPr>
+            <a:xfrm>
+              <a:off x="2434035" y="2513720"/>
+              <a:ext cx="2294347" cy="2990384"/>
+            </a:xfrm>
+            <a:custGeom>
+              <a:avLst/>
+              <a:gdLst>
+                <a:gd name="connsiteX0" fmla="*/ 282947 w 1233067"/>
+                <a:gd name="connsiteY0" fmla="*/ 745628 h 1607143"/>
+                <a:gd name="connsiteX1" fmla="*/ 282947 w 1233067"/>
+                <a:gd name="connsiteY1" fmla="*/ 871628 h 1607143"/>
+                <a:gd name="connsiteX2" fmla="*/ 736248 w 1233067"/>
+                <a:gd name="connsiteY2" fmla="*/ 871628 h 1607143"/>
+                <a:gd name="connsiteX3" fmla="*/ 736248 w 1233067"/>
+                <a:gd name="connsiteY3" fmla="*/ 745628 h 1607143"/>
+                <a:gd name="connsiteX4" fmla="*/ 282947 w 1233067"/>
+                <a:gd name="connsiteY4" fmla="*/ 547146 h 1607143"/>
+                <a:gd name="connsiteX5" fmla="*/ 282947 w 1233067"/>
+                <a:gd name="connsiteY5" fmla="*/ 673146 h 1607143"/>
+                <a:gd name="connsiteX6" fmla="*/ 950118 w 1233067"/>
+                <a:gd name="connsiteY6" fmla="*/ 673146 h 1607143"/>
+                <a:gd name="connsiteX7" fmla="*/ 950118 w 1233067"/>
+                <a:gd name="connsiteY7" fmla="*/ 547146 h 1607143"/>
+                <a:gd name="connsiteX8" fmla="*/ 432571 w 1233067"/>
+                <a:gd name="connsiteY8" fmla="*/ 210573 h 1607143"/>
+                <a:gd name="connsiteX9" fmla="*/ 432571 w 1233067"/>
+                <a:gd name="connsiteY9" fmla="*/ 336573 h 1607143"/>
+                <a:gd name="connsiteX10" fmla="*/ 800493 w 1233067"/>
+                <a:gd name="connsiteY10" fmla="*/ 336573 h 1607143"/>
+                <a:gd name="connsiteX11" fmla="*/ 800493 w 1233067"/>
+                <a:gd name="connsiteY11" fmla="*/ 210573 h 1607143"/>
+                <a:gd name="connsiteX12" fmla="*/ 0 w 1233067"/>
+                <a:gd name="connsiteY12" fmla="*/ 0 h 1607143"/>
+                <a:gd name="connsiteX13" fmla="*/ 1233067 w 1233067"/>
+                <a:gd name="connsiteY13" fmla="*/ 0 h 1607143"/>
+                <a:gd name="connsiteX14" fmla="*/ 1233067 w 1233067"/>
+                <a:gd name="connsiteY14" fmla="*/ 1607143 h 1607143"/>
+                <a:gd name="connsiteX15" fmla="*/ 0 w 1233067"/>
+                <a:gd name="connsiteY15" fmla="*/ 1607143 h 1607143"/>
+              </a:gdLst>
+              <a:ahLst/>
+              <a:cxnLst>
+                <a:cxn ang="0">
+                  <a:pos x="connsiteX0" y="connsiteY0"/>
+                </a:cxn>
+                <a:cxn ang="0">
+                  <a:pos x="connsiteX1" y="connsiteY1"/>
+                </a:cxn>
+                <a:cxn ang="0">
+                  <a:pos x="connsiteX2" y="connsiteY2"/>
+                </a:cxn>
+                <a:cxn ang="0">
+                  <a:pos x="connsiteX3" y="connsiteY3"/>
+                </a:cxn>
+                <a:cxn ang="0">
+                  <a:pos x="connsiteX4" y="connsiteY4"/>
+                </a:cxn>
+                <a:cxn ang="0">
+                  <a:pos x="connsiteX5" y="connsiteY5"/>
+                </a:cxn>
+                <a:cxn ang="0">
+                  <a:pos x="connsiteX6" y="connsiteY6"/>
+                </a:cxn>
+                <a:cxn ang="0">
+                  <a:pos x="connsiteX7" y="connsiteY7"/>
+                </a:cxn>
+                <a:cxn ang="0">
+                  <a:pos x="connsiteX8" y="connsiteY8"/>
+                </a:cxn>
+                <a:cxn ang="0">
+                  <a:pos x="connsiteX9" y="connsiteY9"/>
+                </a:cxn>
+                <a:cxn ang="0">
+                  <a:pos x="connsiteX10" y="connsiteY10"/>
+                </a:cxn>
+                <a:cxn ang="0">
+                  <a:pos x="connsiteX11" y="connsiteY11"/>
+                </a:cxn>
+                <a:cxn ang="0">
+                  <a:pos x="connsiteX12" y="connsiteY12"/>
+                </a:cxn>
+                <a:cxn ang="0">
+                  <a:pos x="connsiteX13" y="connsiteY13"/>
+                </a:cxn>
+                <a:cxn ang="0">
+                  <a:pos x="connsiteX14" y="connsiteY14"/>
+                </a:cxn>
+                <a:cxn ang="0">
+                  <a:pos x="connsiteX15" y="connsiteY15"/>
+                </a:cxn>
+              </a:cxnLst>
+              <a:rect l="l" t="t" r="r" b="b"/>
+              <a:pathLst>
+                <a:path w="1233067" h="1607143">
+                  <a:moveTo>
+                    <a:pt x="282947" y="745628"/>
+                  </a:moveTo>
+                  <a:lnTo>
+                    <a:pt x="282947" y="871628"/>
+                  </a:lnTo>
+                  <a:lnTo>
+                    <a:pt x="736248" y="871628"/>
+                  </a:lnTo>
+                  <a:lnTo>
+                    <a:pt x="736248" y="745628"/>
+                  </a:lnTo>
+                  <a:close/>
+                  <a:moveTo>
+                    <a:pt x="282947" y="547146"/>
+                  </a:moveTo>
+                  <a:lnTo>
+                    <a:pt x="282947" y="673146"/>
+                  </a:lnTo>
+                  <a:lnTo>
+                    <a:pt x="950118" y="673146"/>
+                  </a:lnTo>
+                  <a:lnTo>
+                    <a:pt x="950118" y="547146"/>
+                  </a:lnTo>
+                  <a:close/>
+                  <a:moveTo>
+                    <a:pt x="432571" y="210573"/>
+                  </a:moveTo>
+                  <a:lnTo>
+                    <a:pt x="432571" y="336573"/>
+                  </a:lnTo>
+                  <a:lnTo>
+                    <a:pt x="800493" y="336573"/>
+                  </a:lnTo>
+                  <a:lnTo>
+                    <a:pt x="800493" y="210573"/>
+                  </a:lnTo>
+                  <a:close/>
+                  <a:moveTo>
+                    <a:pt x="0" y="0"/>
+                  </a:moveTo>
+                  <a:lnTo>
+                    <a:pt x="1233067" y="0"/>
+                  </a:lnTo>
+                  <a:lnTo>
+                    <a:pt x="1233067" y="1607143"/>
+                  </a:lnTo>
+                  <a:lnTo>
+                    <a:pt x="0" y="1607143"/>
+                  </a:lnTo>
+                  <a:close/>
+                </a:path>
+              </a:pathLst>
+            </a:custGeom>
+          </p:spPr>
+        </p:pic>
+        <p:sp>
+          <p:nvSpPr>
+            <p:cNvPr id="8" name="Rectangle 7">
+              <a:extLst>
+                <a:ext uri="{FF2B5EF4-FFF2-40B4-BE49-F238E27FC236}">
+                  <a16:creationId xmlns:a16="http://schemas.microsoft.com/office/drawing/2014/main" id="{B07C503F-34BB-D79A-0510-3F6052B755BE}"/>
+                </a:ext>
+              </a:extLst>
+            </p:cNvPr>
+            <p:cNvSpPr>
+              <a:spLocks noChangeAspect="1"/>
+            </p:cNvSpPr>
+            <p:nvPr/>
+          </p:nvSpPr>
+          <p:spPr>
+            <a:xfrm>
+              <a:off x="714384" y="1636930"/>
+              <a:ext cx="4516013" cy="4520850"/>
+            </a:xfrm>
+            <a:prstGeom prst="rect">
+              <a:avLst/>
+            </a:prstGeom>
+            <a:solidFill>
+              <a:srgbClr val="4472C4">
+                <a:alpha val="0"/>
+              </a:srgbClr>
+            </a:solidFill>
+            <a:ln>
+              <a:noFill/>
+            </a:ln>
+          </p:spPr>
+          <p:style>
+            <a:lnRef idx="2">
+              <a:schemeClr val="accent1">
+                <a:shade val="15000"/>
+              </a:schemeClr>
+            </a:lnRef>
+            <a:fillRef idx="1">
+              <a:schemeClr val="accent1"/>
+            </a:fillRef>
+            <a:effectRef idx="0">
+              <a:schemeClr val="accent1"/>
+            </a:effectRef>
+            <a:fontRef idx="minor">
+              <a:schemeClr val="lt1"/>
+            </a:fontRef>
+          </p:style>
+          <p:txBody>
+            <a:bodyPr rtlCol="0" anchor="ctr"/>
+            <a:lstStyle/>
+            <a:p>
+              <a:pPr algn="ctr"/>
+              <a:endParaRPr lang="en-GB"/>
+            </a:p>
+          </p:txBody>
+        </p:sp>
+        <p:pic>
+          <p:nvPicPr>
+            <p:cNvPr id="7" name="Picture 6" descr="A black background with a black square&#10;&#10;Description automatically generated with medium confidence">
+              <a:extLst>
+                <a:ext uri="{FF2B5EF4-FFF2-40B4-BE49-F238E27FC236}">
+                  <a16:creationId xmlns:a16="http://schemas.microsoft.com/office/drawing/2014/main" id="{7D869B18-4EBC-22E0-9834-E06313E3A0EE}"/>
+                </a:ext>
+              </a:extLst>
+            </p:cNvPr>
+            <p:cNvPicPr>
+              <a:picLocks noChangeAspect="1"/>
+            </p:cNvPicPr>
+            <p:nvPr/>
+          </p:nvPicPr>
+          <p:blipFill>
+            <a:blip r:embed="rId2">
+              <a:extLst>
+                <a:ext uri="{28A0092B-C50C-407E-A947-70E740481C1C}">
+                  <a14:useLocalDpi xmlns:a14="http://schemas.microsoft.com/office/drawing/2010/main" val="0"/>
+                </a:ext>
+              </a:extLst>
+            </a:blip>
+            <a:srcRect l="23979" t="15279" r="24167" b="29443"/>
+            <a:stretch/>
+          </p:blipFill>
+          <p:spPr>
+            <a:xfrm flipH="1">
+              <a:off x="1008784" y="3242470"/>
+              <a:ext cx="1250235" cy="1309770"/>
+            </a:xfrm>
+            <a:prstGeom prst="rect">
+              <a:avLst/>
+            </a:prstGeom>
+          </p:spPr>
+        </p:pic>
+      </p:grpSp>
+      <p:grpSp>
+        <p:nvGrpSpPr>
+          <p:cNvPr id="2" name="Group 1">
+            <a:extLst>
+              <a:ext uri="{FF2B5EF4-FFF2-40B4-BE49-F238E27FC236}">
+                <a16:creationId xmlns:a16="http://schemas.microsoft.com/office/drawing/2014/main" id="{D732FAEF-2A35-6C2B-96B4-C7D5BB913C08}"/>
+              </a:ext>
+            </a:extLst>
+          </p:cNvPr>
+          <p:cNvGrpSpPr>
+            <a:grpSpLocks noChangeAspect="1"/>
+          </p:cNvGrpSpPr>
+          <p:nvPr/>
+        </p:nvGrpSpPr>
+        <p:grpSpPr>
+          <a:xfrm>
+            <a:off x="6567276" y="2610645"/>
+            <a:ext cx="2294347" cy="3213499"/>
+            <a:chOff x="3080590" y="2725617"/>
+            <a:chExt cx="1726501" cy="2418165"/>
+          </a:xfrm>
+        </p:grpSpPr>
+        <p:pic>
+          <p:nvPicPr>
+            <p:cNvPr id="62" name="Picture 61" descr="A black background with a black square&#10;&#10;Description automatically generated with medium confidence">
+              <a:extLst>
+                <a:ext uri="{FF2B5EF4-FFF2-40B4-BE49-F238E27FC236}">
+                  <a16:creationId xmlns:a16="http://schemas.microsoft.com/office/drawing/2014/main" id="{EAB49C52-45CF-D4A6-33DF-15CE931E068A}"/>
+                </a:ext>
+              </a:extLst>
+            </p:cNvPr>
+            <p:cNvPicPr>
+              <a:picLocks noChangeAspect="1"/>
+            </p:cNvPicPr>
+            <p:nvPr/>
+          </p:nvPicPr>
+          <p:blipFill>
+            <a:blip r:embed="rId4">
+              <a:extLst>
+                <a:ext uri="{28A0092B-C50C-407E-A947-70E740481C1C}">
+                  <a14:useLocalDpi xmlns:a14="http://schemas.microsoft.com/office/drawing/2010/main" val="0"/>
+                </a:ext>
+              </a:extLst>
+            </a:blip>
+            <a:srcRect l="11774" r="11453"/>
+            <a:stretch/>
+          </p:blipFill>
+          <p:spPr>
+            <a:xfrm>
+              <a:off x="3080590" y="2894946"/>
+              <a:ext cx="1726501" cy="2248836"/>
+            </a:xfrm>
+            <a:custGeom>
+              <a:avLst/>
+              <a:gdLst>
+                <a:gd name="connsiteX0" fmla="*/ 460602 w 1726501"/>
+                <a:gd name="connsiteY0" fmla="*/ 176020 h 2248836"/>
+                <a:gd name="connsiteX1" fmla="*/ 460602 w 1726501"/>
+                <a:gd name="connsiteY1" fmla="*/ 1791353 h 2248836"/>
+                <a:gd name="connsiteX2" fmla="*/ 1539035 w 1726501"/>
+                <a:gd name="connsiteY2" fmla="*/ 1791353 h 2248836"/>
+                <a:gd name="connsiteX3" fmla="*/ 1539035 w 1726501"/>
+                <a:gd name="connsiteY3" fmla="*/ 176020 h 2248836"/>
+                <a:gd name="connsiteX4" fmla="*/ 0 w 1726501"/>
+                <a:gd name="connsiteY4" fmla="*/ 0 h 2248836"/>
+                <a:gd name="connsiteX5" fmla="*/ 1726501 w 1726501"/>
+                <a:gd name="connsiteY5" fmla="*/ 0 h 2248836"/>
+                <a:gd name="connsiteX6" fmla="*/ 1726501 w 1726501"/>
+                <a:gd name="connsiteY6" fmla="*/ 2248836 h 2248836"/>
+                <a:gd name="connsiteX7" fmla="*/ 0 w 1726501"/>
+                <a:gd name="connsiteY7" fmla="*/ 2248836 h 2248836"/>
+              </a:gdLst>
+              <a:ahLst/>
+              <a:cxnLst>
+                <a:cxn ang="0">
+                  <a:pos x="connsiteX0" y="connsiteY0"/>
+                </a:cxn>
+                <a:cxn ang="0">
+                  <a:pos x="connsiteX1" y="connsiteY1"/>
+                </a:cxn>
+                <a:cxn ang="0">
+                  <a:pos x="connsiteX2" y="connsiteY2"/>
+                </a:cxn>
+                <a:cxn ang="0">
+                  <a:pos x="connsiteX3" y="connsiteY3"/>
+                </a:cxn>
+                <a:cxn ang="0">
+                  <a:pos x="connsiteX4" y="connsiteY4"/>
+                </a:cxn>
+                <a:cxn ang="0">
+                  <a:pos x="connsiteX5" y="connsiteY5"/>
+                </a:cxn>
+                <a:cxn ang="0">
+                  <a:pos x="connsiteX6" y="connsiteY6"/>
+                </a:cxn>
+                <a:cxn ang="0">
+                  <a:pos x="connsiteX7" y="connsiteY7"/>
+                </a:cxn>
+              </a:cxnLst>
+              <a:rect l="l" t="t" r="r" b="b"/>
+              <a:pathLst>
+                <a:path w="1726501" h="2248836">
+                  <a:moveTo>
+                    <a:pt x="460602" y="176020"/>
+                  </a:moveTo>
+                  <a:lnTo>
+                    <a:pt x="460602" y="1791353"/>
+                  </a:lnTo>
+                  <a:lnTo>
+                    <a:pt x="1539035" y="1791353"/>
+                  </a:lnTo>
+                  <a:lnTo>
+                    <a:pt x="1539035" y="176020"/>
+                  </a:lnTo>
+                  <a:close/>
+                  <a:moveTo>
+                    <a:pt x="0" y="0"/>
+                  </a:moveTo>
+                  <a:lnTo>
+                    <a:pt x="1726501" y="0"/>
+                  </a:lnTo>
+                  <a:lnTo>
+                    <a:pt x="1726501" y="2248836"/>
+                  </a:lnTo>
+                  <a:lnTo>
+                    <a:pt x="0" y="2248836"/>
+                  </a:lnTo>
+                  <a:close/>
+                </a:path>
+              </a:pathLst>
+            </a:custGeom>
+          </p:spPr>
+        </p:pic>
+        <p:pic>
+          <p:nvPicPr>
+            <p:cNvPr id="60" name="Picture 59" descr="A black background with a black square&#10;&#10;Description automatically generated with medium confidence">
+              <a:extLst>
+                <a:ext uri="{FF2B5EF4-FFF2-40B4-BE49-F238E27FC236}">
+                  <a16:creationId xmlns:a16="http://schemas.microsoft.com/office/drawing/2014/main" id="{7D8374A4-8067-F670-A4B3-20F2A8818A92}"/>
+                </a:ext>
+              </a:extLst>
+            </p:cNvPr>
+            <p:cNvPicPr>
+              <a:picLocks noChangeAspect="1"/>
+            </p:cNvPicPr>
+            <p:nvPr/>
+          </p:nvPicPr>
+          <p:blipFill>
+            <a:blip r:embed="rId5">
+              <a:extLst>
+                <a:ext uri="{28A0092B-C50C-407E-A947-70E740481C1C}">
+                  <a14:useLocalDpi xmlns:a14="http://schemas.microsoft.com/office/drawing/2010/main" val="0"/>
+                </a:ext>
+              </a:extLst>
+            </a:blip>
+            <a:srcRect l="50001" r="13280"/>
+            <a:stretch/>
+          </p:blipFill>
+          <p:spPr>
+            <a:xfrm>
+              <a:off x="3674864" y="2725617"/>
+              <a:ext cx="716732" cy="1951971"/>
+            </a:xfrm>
+            <a:prstGeom prst="rect">
+              <a:avLst/>
+            </a:prstGeom>
+          </p:spPr>
+        </p:pic>
+      </p:grpSp>
+    </p:spTree>
+    <p:extLst>
+      <p:ext uri="{BB962C8B-B14F-4D97-AF65-F5344CB8AC3E}">
+        <p14:creationId xmlns:p14="http://schemas.microsoft.com/office/powerpoint/2010/main" val="1661140672"/>
+      </p:ext>
+    </p:extLst>
+  </p:cSld>
+  <p:clrMapOvr>
+    <a:masterClrMapping/>
+  </p:clrMapOvr>
+</p:sld>
+</file>
+
+<file path=ppt/slides/slide16.xml><?xml version="1.0" encoding="utf-8"?>
+<p:sld xmlns:a="http://schemas.openxmlformats.org/drawingml/2006/main" xmlns:r="http://schemas.openxmlformats.org/officeDocument/2006/relationships" xmlns:p="http://schemas.openxmlformats.org/presentationml/2006/main">
+  <p:cSld>
+    <p:spTree>
+      <p:nvGrpSpPr>
+        <p:cNvPr id="1" name=""/>
+        <p:cNvGrpSpPr/>
+        <p:nvPr/>
+      </p:nvGrpSpPr>
+      <p:grpSpPr>
+        <a:xfrm>
+          <a:off x="0" y="0"/>
+          <a:ext cx="0" cy="0"/>
+          <a:chOff x="0" y="0"/>
+          <a:chExt cx="0" cy="0"/>
+        </a:xfrm>
+      </p:grpSpPr>
+      <p:grpSp>
+        <p:nvGrpSpPr>
+          <p:cNvPr id="29" name="Group 28">
+            <a:extLst>
+              <a:ext uri="{FF2B5EF4-FFF2-40B4-BE49-F238E27FC236}">
+                <a16:creationId xmlns:a16="http://schemas.microsoft.com/office/drawing/2014/main" id="{AA4186F8-F973-D6FC-13A6-052EB3150E64}"/>
+              </a:ext>
+            </a:extLst>
+          </p:cNvPr>
+          <p:cNvGrpSpPr/>
+          <p:nvPr/>
+        </p:nvGrpSpPr>
+        <p:grpSpPr>
+          <a:xfrm>
+            <a:off x="2089692" y="1685505"/>
+            <a:ext cx="1269841" cy="1269841"/>
+            <a:chOff x="2089692" y="1685505"/>
+            <a:chExt cx="1269841" cy="1269841"/>
+          </a:xfrm>
+        </p:grpSpPr>
+        <p:sp>
+          <p:nvSpPr>
+            <p:cNvPr id="8" name="Freeform: Shape 7">
+              <a:extLst>
+                <a:ext uri="{FF2B5EF4-FFF2-40B4-BE49-F238E27FC236}">
+                  <a16:creationId xmlns:a16="http://schemas.microsoft.com/office/drawing/2014/main" id="{FF6D0802-1886-ECAF-1988-7CA6691DAD14}"/>
+                </a:ext>
+              </a:extLst>
+            </p:cNvPr>
+            <p:cNvSpPr/>
+            <p:nvPr/>
+          </p:nvSpPr>
+          <p:spPr>
+            <a:xfrm rot="10800000">
+              <a:off x="2233855" y="1838903"/>
+              <a:ext cx="938114" cy="950620"/>
+            </a:xfrm>
+            <a:custGeom>
+              <a:avLst/>
+              <a:gdLst>
+                <a:gd name="connsiteX0" fmla="*/ 472281 w 938114"/>
+                <a:gd name="connsiteY0" fmla="*/ 950620 h 950620"/>
+                <a:gd name="connsiteX1" fmla="*/ 318955 w 938114"/>
+                <a:gd name="connsiteY1" fmla="*/ 950620 h 950620"/>
+                <a:gd name="connsiteX2" fmla="*/ 318955 w 938114"/>
+                <a:gd name="connsiteY2" fmla="*/ 914394 h 950620"/>
+                <a:gd name="connsiteX3" fmla="*/ 167481 w 938114"/>
+                <a:gd name="connsiteY3" fmla="*/ 914394 h 950620"/>
+                <a:gd name="connsiteX4" fmla="*/ 167481 w 938114"/>
+                <a:gd name="connsiteY4" fmla="*/ 800791 h 950620"/>
+                <a:gd name="connsiteX5" fmla="*/ 0 w 938114"/>
+                <a:gd name="connsiteY5" fmla="*/ 800791 h 950620"/>
+                <a:gd name="connsiteX6" fmla="*/ 0 w 938114"/>
+                <a:gd name="connsiteY6" fmla="*/ 179544 h 950620"/>
+                <a:gd name="connsiteX7" fmla="*/ 21430 w 938114"/>
+                <a:gd name="connsiteY7" fmla="*/ 179544 h 950620"/>
+                <a:gd name="connsiteX8" fmla="*/ 21430 w 938114"/>
+                <a:gd name="connsiteY8" fmla="*/ 104957 h 950620"/>
+                <a:gd name="connsiteX9" fmla="*/ 126387 w 938114"/>
+                <a:gd name="connsiteY9" fmla="*/ 0 h 950620"/>
+                <a:gd name="connsiteX10" fmla="*/ 657836 w 938114"/>
+                <a:gd name="connsiteY10" fmla="*/ 0 h 950620"/>
+                <a:gd name="connsiteX11" fmla="*/ 762792 w 938114"/>
+                <a:gd name="connsiteY11" fmla="*/ 104957 h 950620"/>
+                <a:gd name="connsiteX12" fmla="*/ 762792 w 938114"/>
+                <a:gd name="connsiteY12" fmla="*/ 179546 h 950620"/>
+                <a:gd name="connsiteX13" fmla="*/ 828913 w 938114"/>
+                <a:gd name="connsiteY13" fmla="*/ 179546 h 950620"/>
+                <a:gd name="connsiteX14" fmla="*/ 828913 w 938114"/>
+                <a:gd name="connsiteY14" fmla="*/ 209907 h 950620"/>
+                <a:gd name="connsiteX15" fmla="*/ 865469 w 938114"/>
+                <a:gd name="connsiteY15" fmla="*/ 209907 h 950620"/>
+                <a:gd name="connsiteX16" fmla="*/ 865469 w 938114"/>
+                <a:gd name="connsiteY16" fmla="*/ 242648 h 950620"/>
+                <a:gd name="connsiteX17" fmla="*/ 902026 w 938114"/>
+                <a:gd name="connsiteY17" fmla="*/ 242648 h 950620"/>
+                <a:gd name="connsiteX18" fmla="*/ 902026 w 938114"/>
+                <a:gd name="connsiteY18" fmla="*/ 279557 h 950620"/>
+                <a:gd name="connsiteX19" fmla="*/ 938114 w 938114"/>
+                <a:gd name="connsiteY19" fmla="*/ 279557 h 950620"/>
+                <a:gd name="connsiteX20" fmla="*/ 938114 w 938114"/>
+                <a:gd name="connsiteY20" fmla="*/ 379569 h 950620"/>
+                <a:gd name="connsiteX21" fmla="*/ 741363 w 938114"/>
+                <a:gd name="connsiteY21" fmla="*/ 379569 h 950620"/>
+                <a:gd name="connsiteX22" fmla="*/ 741363 w 938114"/>
+                <a:gd name="connsiteY22" fmla="*/ 316467 h 950620"/>
+                <a:gd name="connsiteX23" fmla="*/ 641349 w 938114"/>
+                <a:gd name="connsiteY23" fmla="*/ 316467 h 950620"/>
+                <a:gd name="connsiteX24" fmla="*/ 641349 w 938114"/>
+                <a:gd name="connsiteY24" fmla="*/ 800791 h 950620"/>
+                <a:gd name="connsiteX25" fmla="*/ 636571 w 938114"/>
+                <a:gd name="connsiteY25" fmla="*/ 800791 h 950620"/>
+                <a:gd name="connsiteX26" fmla="*/ 636571 w 938114"/>
+                <a:gd name="connsiteY26" fmla="*/ 914394 h 950620"/>
+                <a:gd name="connsiteX27" fmla="*/ 472281 w 938114"/>
+                <a:gd name="connsiteY27" fmla="*/ 914394 h 950620"/>
+              </a:gdLst>
+              <a:ahLst/>
+              <a:cxnLst>
+                <a:cxn ang="0">
+                  <a:pos x="connsiteX0" y="connsiteY0"/>
+                </a:cxn>
+                <a:cxn ang="0">
+                  <a:pos x="connsiteX1" y="connsiteY1"/>
+                </a:cxn>
+                <a:cxn ang="0">
+                  <a:pos x="connsiteX2" y="connsiteY2"/>
+                </a:cxn>
+                <a:cxn ang="0">
+                  <a:pos x="connsiteX3" y="connsiteY3"/>
+                </a:cxn>
+                <a:cxn ang="0">
+                  <a:pos x="connsiteX4" y="connsiteY4"/>
+                </a:cxn>
+                <a:cxn ang="0">
+                  <a:pos x="connsiteX5" y="connsiteY5"/>
+                </a:cxn>
+                <a:cxn ang="0">
+                  <a:pos x="connsiteX6" y="connsiteY6"/>
+                </a:cxn>
+                <a:cxn ang="0">
+                  <a:pos x="connsiteX7" y="connsiteY7"/>
+                </a:cxn>
+                <a:cxn ang="0">
+                  <a:pos x="connsiteX8" y="connsiteY8"/>
+                </a:cxn>
+                <a:cxn ang="0">
+                  <a:pos x="connsiteX9" y="connsiteY9"/>
+                </a:cxn>
+                <a:cxn ang="0">
+                  <a:pos x="connsiteX10" y="connsiteY10"/>
+                </a:cxn>
+                <a:cxn ang="0">
+                  <a:pos x="connsiteX11" y="connsiteY11"/>
+                </a:cxn>
+                <a:cxn ang="0">
+                  <a:pos x="connsiteX12" y="connsiteY12"/>
+                </a:cxn>
+                <a:cxn ang="0">
+                  <a:pos x="connsiteX13" y="connsiteY13"/>
+                </a:cxn>
+                <a:cxn ang="0">
+                  <a:pos x="connsiteX14" y="connsiteY14"/>
+                </a:cxn>
+                <a:cxn ang="0">
+                  <a:pos x="connsiteX15" y="connsiteY15"/>
+                </a:cxn>
+                <a:cxn ang="0">
+                  <a:pos x="connsiteX16" y="connsiteY16"/>
+                </a:cxn>
+                <a:cxn ang="0">
+                  <a:pos x="connsiteX17" y="connsiteY17"/>
+                </a:cxn>
+                <a:cxn ang="0">
+                  <a:pos x="connsiteX18" y="connsiteY18"/>
+                </a:cxn>
+                <a:cxn ang="0">
+                  <a:pos x="connsiteX19" y="connsiteY19"/>
+                </a:cxn>
+                <a:cxn ang="0">
+                  <a:pos x="connsiteX20" y="connsiteY20"/>
+                </a:cxn>
+                <a:cxn ang="0">
+                  <a:pos x="connsiteX21" y="connsiteY21"/>
+                </a:cxn>
+                <a:cxn ang="0">
+                  <a:pos x="connsiteX22" y="connsiteY22"/>
+                </a:cxn>
+                <a:cxn ang="0">
+                  <a:pos x="connsiteX23" y="connsiteY23"/>
+                </a:cxn>
+                <a:cxn ang="0">
+                  <a:pos x="connsiteX24" y="connsiteY24"/>
+                </a:cxn>
+                <a:cxn ang="0">
+                  <a:pos x="connsiteX25" y="connsiteY25"/>
+                </a:cxn>
+                <a:cxn ang="0">
+                  <a:pos x="connsiteX26" y="connsiteY26"/>
+                </a:cxn>
+                <a:cxn ang="0">
+                  <a:pos x="connsiteX27" y="connsiteY27"/>
+                </a:cxn>
+              </a:cxnLst>
+              <a:rect l="l" t="t" r="r" b="b"/>
+              <a:pathLst>
+                <a:path w="938114" h="950620">
+                  <a:moveTo>
+                    <a:pt x="472281" y="950620"/>
+                  </a:moveTo>
+                  <a:lnTo>
+                    <a:pt x="318955" y="950620"/>
+                  </a:lnTo>
+                  <a:lnTo>
+                    <a:pt x="318955" y="914394"/>
+                  </a:lnTo>
+                  <a:lnTo>
+                    <a:pt x="167481" y="914394"/>
+                  </a:lnTo>
+                  <a:lnTo>
+                    <a:pt x="167481" y="800791"/>
+                  </a:lnTo>
+                  <a:lnTo>
+                    <a:pt x="0" y="800791"/>
+                  </a:lnTo>
+                  <a:lnTo>
+                    <a:pt x="0" y="179544"/>
+                  </a:lnTo>
+                  <a:lnTo>
+                    <a:pt x="21430" y="179544"/>
+                  </a:lnTo>
+                  <a:lnTo>
+                    <a:pt x="21430" y="104957"/>
+                  </a:lnTo>
+                  <a:lnTo>
+                    <a:pt x="126387" y="0"/>
+                  </a:lnTo>
+                  <a:lnTo>
+                    <a:pt x="657836" y="0"/>
+                  </a:lnTo>
+                  <a:lnTo>
+                    <a:pt x="762792" y="104957"/>
+                  </a:lnTo>
+                  <a:lnTo>
+                    <a:pt x="762792" y="179546"/>
+                  </a:lnTo>
+                  <a:lnTo>
+                    <a:pt x="828913" y="179546"/>
+                  </a:lnTo>
+                  <a:lnTo>
+                    <a:pt x="828913" y="209907"/>
+                  </a:lnTo>
+                  <a:lnTo>
+                    <a:pt x="865469" y="209907"/>
+                  </a:lnTo>
+                  <a:lnTo>
+                    <a:pt x="865469" y="242648"/>
+                  </a:lnTo>
+                  <a:lnTo>
+                    <a:pt x="902026" y="242648"/>
+                  </a:lnTo>
+                  <a:lnTo>
+                    <a:pt x="902026" y="279557"/>
+                  </a:lnTo>
+                  <a:lnTo>
+                    <a:pt x="938114" y="279557"/>
+                  </a:lnTo>
+                  <a:lnTo>
+                    <a:pt x="938114" y="379569"/>
+                  </a:lnTo>
+                  <a:lnTo>
+                    <a:pt x="741363" y="379569"/>
+                  </a:lnTo>
+                  <a:lnTo>
+                    <a:pt x="741363" y="316467"/>
+                  </a:lnTo>
+                  <a:lnTo>
+                    <a:pt x="641349" y="316467"/>
+                  </a:lnTo>
+                  <a:lnTo>
+                    <a:pt x="641349" y="800791"/>
+                  </a:lnTo>
+                  <a:lnTo>
+                    <a:pt x="636571" y="800791"/>
+                  </a:lnTo>
+                  <a:lnTo>
+                    <a:pt x="636571" y="914394"/>
+                  </a:lnTo>
+                  <a:lnTo>
+                    <a:pt x="472281" y="914394"/>
+                  </a:lnTo>
+                  <a:close/>
+                </a:path>
+              </a:pathLst>
+            </a:custGeom>
+            <a:solidFill>
+              <a:schemeClr val="tx1">
+                <a:lumMod val="50000"/>
+                <a:lumOff val="50000"/>
+              </a:schemeClr>
+            </a:solidFill>
+            <a:ln>
+              <a:noFill/>
+            </a:ln>
+          </p:spPr>
+          <p:style>
+            <a:lnRef idx="2">
+              <a:schemeClr val="accent1">
+                <a:shade val="15000"/>
+              </a:schemeClr>
+            </a:lnRef>
+            <a:fillRef idx="1">
+              <a:schemeClr val="accent1"/>
+            </a:fillRef>
+            <a:effectRef idx="0">
+              <a:schemeClr val="accent1"/>
+            </a:effectRef>
+            <a:fontRef idx="minor">
+              <a:schemeClr val="lt1"/>
+            </a:fontRef>
+          </p:style>
+          <p:txBody>
+            <a:bodyPr wrap="square" rtlCol="0" anchor="ctr">
+              <a:noAutofit/>
+            </a:bodyPr>
+            <a:lstStyle/>
+            <a:p>
+              <a:pPr algn="ctr"/>
+              <a:endParaRPr lang="en-GB"/>
+            </a:p>
+          </p:txBody>
+        </p:sp>
+        <p:pic>
+          <p:nvPicPr>
+            <p:cNvPr id="9" name="Picture 8" descr="A black background with a black square&#10;&#10;AI-generated content may be incorrect.">
+              <a:extLst>
+                <a:ext uri="{FF2B5EF4-FFF2-40B4-BE49-F238E27FC236}">
+                  <a16:creationId xmlns:a16="http://schemas.microsoft.com/office/drawing/2014/main" id="{65970544-AB0D-C61C-81DE-48B04584B1EE}"/>
+                </a:ext>
+              </a:extLst>
+            </p:cNvPr>
+            <p:cNvPicPr>
+              <a:picLocks noChangeAspect="1"/>
+            </p:cNvPicPr>
+            <p:nvPr/>
+          </p:nvPicPr>
+          <p:blipFill>
+            <a:blip r:embed="rId2">
+              <a:extLst>
+                <a:ext uri="{28A0092B-C50C-407E-A947-70E740481C1C}">
+                  <a14:useLocalDpi xmlns:a14="http://schemas.microsoft.com/office/drawing/2010/main" val="0"/>
+                </a:ext>
+              </a:extLst>
+            </a:blip>
+            <a:stretch>
+              <a:fillRect/>
+            </a:stretch>
+          </p:blipFill>
+          <p:spPr>
+            <a:xfrm>
+              <a:off x="2089692" y="1685505"/>
+              <a:ext cx="1269841" cy="1269841"/>
+            </a:xfrm>
+            <a:prstGeom prst="rect">
+              <a:avLst/>
+            </a:prstGeom>
+          </p:spPr>
+        </p:pic>
+      </p:grpSp>
+      <p:grpSp>
+        <p:nvGrpSpPr>
+          <p:cNvPr id="10" name="Group 9">
+            <a:extLst>
+              <a:ext uri="{FF2B5EF4-FFF2-40B4-BE49-F238E27FC236}">
+                <a16:creationId xmlns:a16="http://schemas.microsoft.com/office/drawing/2014/main" id="{F8D99A20-C40D-E6CF-B150-8077BE45F228}"/>
+              </a:ext>
+            </a:extLst>
+          </p:cNvPr>
+          <p:cNvGrpSpPr/>
+          <p:nvPr/>
+        </p:nvGrpSpPr>
+        <p:grpSpPr>
+          <a:xfrm>
+            <a:off x="2089693" y="-57991"/>
+            <a:ext cx="1269840" cy="1269840"/>
+            <a:chOff x="6258250" y="808049"/>
+            <a:chExt cx="1269840" cy="1269840"/>
+          </a:xfrm>
+        </p:grpSpPr>
+        <p:sp>
+          <p:nvSpPr>
+            <p:cNvPr id="16" name="Freeform: Shape 15">
+              <a:extLst>
+                <a:ext uri="{FF2B5EF4-FFF2-40B4-BE49-F238E27FC236}">
+                  <a16:creationId xmlns:a16="http://schemas.microsoft.com/office/drawing/2014/main" id="{796486B7-92D7-9F25-AEA0-01F9B30A134B}"/>
+                </a:ext>
+              </a:extLst>
+            </p:cNvPr>
+            <p:cNvSpPr/>
+            <p:nvPr/>
+          </p:nvSpPr>
+          <p:spPr>
+            <a:xfrm rot="10800000">
+              <a:off x="6536621" y="1301154"/>
+              <a:ext cx="712816" cy="610912"/>
+            </a:xfrm>
+            <a:custGeom>
+              <a:avLst/>
+              <a:gdLst>
+                <a:gd name="connsiteX0" fmla="*/ 599034 w 712816"/>
+                <a:gd name="connsiteY0" fmla="*/ 610912 h 610912"/>
+                <a:gd name="connsiteX1" fmla="*/ 153225 w 712816"/>
+                <a:gd name="connsiteY1" fmla="*/ 610912 h 610912"/>
+                <a:gd name="connsiteX2" fmla="*/ 153225 w 712816"/>
+                <a:gd name="connsiteY2" fmla="*/ 572450 h 610912"/>
+                <a:gd name="connsiteX3" fmla="*/ 0 w 712816"/>
+                <a:gd name="connsiteY3" fmla="*/ 572450 h 610912"/>
+                <a:gd name="connsiteX4" fmla="*/ 0 w 712816"/>
+                <a:gd name="connsiteY4" fmla="*/ 81912 h 610912"/>
+                <a:gd name="connsiteX5" fmla="*/ 56894 w 712816"/>
+                <a:gd name="connsiteY5" fmla="*/ 81912 h 610912"/>
+                <a:gd name="connsiteX6" fmla="*/ 138806 w 712816"/>
+                <a:gd name="connsiteY6" fmla="*/ 0 h 610912"/>
+                <a:gd name="connsiteX7" fmla="*/ 543684 w 712816"/>
+                <a:gd name="connsiteY7" fmla="*/ 0 h 610912"/>
+                <a:gd name="connsiteX8" fmla="*/ 625596 w 712816"/>
+                <a:gd name="connsiteY8" fmla="*/ 81913 h 610912"/>
+                <a:gd name="connsiteX9" fmla="*/ 639226 w 712816"/>
+                <a:gd name="connsiteY9" fmla="*/ 81913 h 610912"/>
+                <a:gd name="connsiteX10" fmla="*/ 712816 w 712816"/>
+                <a:gd name="connsiteY10" fmla="*/ 155503 h 610912"/>
+                <a:gd name="connsiteX11" fmla="*/ 712816 w 712816"/>
+                <a:gd name="connsiteY11" fmla="*/ 303598 h 610912"/>
+                <a:gd name="connsiteX12" fmla="*/ 639226 w 712816"/>
+                <a:gd name="connsiteY12" fmla="*/ 377188 h 610912"/>
+                <a:gd name="connsiteX13" fmla="*/ 599034 w 712816"/>
+                <a:gd name="connsiteY13" fmla="*/ 377188 h 610912"/>
+                <a:gd name="connsiteX14" fmla="*/ 599034 w 712816"/>
+                <a:gd name="connsiteY14" fmla="*/ 543875 h 610912"/>
+                <a:gd name="connsiteX15" fmla="*/ 599034 w 712816"/>
+                <a:gd name="connsiteY15" fmla="*/ 572450 h 610912"/>
+              </a:gdLst>
+              <a:ahLst/>
+              <a:cxnLst>
+                <a:cxn ang="0">
+                  <a:pos x="connsiteX0" y="connsiteY0"/>
+                </a:cxn>
+                <a:cxn ang="0">
+                  <a:pos x="connsiteX1" y="connsiteY1"/>
+                </a:cxn>
+                <a:cxn ang="0">
+                  <a:pos x="connsiteX2" y="connsiteY2"/>
+                </a:cxn>
+                <a:cxn ang="0">
+                  <a:pos x="connsiteX3" y="connsiteY3"/>
+                </a:cxn>
+                <a:cxn ang="0">
+                  <a:pos x="connsiteX4" y="connsiteY4"/>
+                </a:cxn>
+                <a:cxn ang="0">
+                  <a:pos x="connsiteX5" y="connsiteY5"/>
+                </a:cxn>
+                <a:cxn ang="0">
+                  <a:pos x="connsiteX6" y="connsiteY6"/>
+                </a:cxn>
+                <a:cxn ang="0">
+                  <a:pos x="connsiteX7" y="connsiteY7"/>
+                </a:cxn>
+                <a:cxn ang="0">
+                  <a:pos x="connsiteX8" y="connsiteY8"/>
+                </a:cxn>
+                <a:cxn ang="0">
+                  <a:pos x="connsiteX9" y="connsiteY9"/>
+                </a:cxn>
+                <a:cxn ang="0">
+                  <a:pos x="connsiteX10" y="connsiteY10"/>
+                </a:cxn>
+                <a:cxn ang="0">
+                  <a:pos x="connsiteX11" y="connsiteY11"/>
+                </a:cxn>
+                <a:cxn ang="0">
+                  <a:pos x="connsiteX12" y="connsiteY12"/>
+                </a:cxn>
+                <a:cxn ang="0">
+                  <a:pos x="connsiteX13" y="connsiteY13"/>
+                </a:cxn>
+                <a:cxn ang="0">
+                  <a:pos x="connsiteX14" y="connsiteY14"/>
+                </a:cxn>
+                <a:cxn ang="0">
+                  <a:pos x="connsiteX15" y="connsiteY15"/>
+                </a:cxn>
+              </a:cxnLst>
+              <a:rect l="l" t="t" r="r" b="b"/>
+              <a:pathLst>
+                <a:path w="712816" h="610912">
+                  <a:moveTo>
+                    <a:pt x="599034" y="610912"/>
+                  </a:moveTo>
+                  <a:lnTo>
+                    <a:pt x="153225" y="610912"/>
+                  </a:lnTo>
+                  <a:lnTo>
+                    <a:pt x="153225" y="572450"/>
+                  </a:lnTo>
+                  <a:lnTo>
+                    <a:pt x="0" y="572450"/>
+                  </a:lnTo>
+                  <a:lnTo>
+                    <a:pt x="0" y="81912"/>
+                  </a:lnTo>
+                  <a:lnTo>
+                    <a:pt x="56894" y="81912"/>
+                  </a:lnTo>
+                  <a:lnTo>
+                    <a:pt x="138806" y="0"/>
+                  </a:lnTo>
+                  <a:lnTo>
+                    <a:pt x="543684" y="0"/>
+                  </a:lnTo>
+                  <a:lnTo>
+                    <a:pt x="625596" y="81913"/>
+                  </a:lnTo>
+                  <a:lnTo>
+                    <a:pt x="639226" y="81913"/>
+                  </a:lnTo>
+                  <a:lnTo>
+                    <a:pt x="712816" y="155503"/>
+                  </a:lnTo>
+                  <a:lnTo>
+                    <a:pt x="712816" y="303598"/>
+                  </a:lnTo>
+                  <a:lnTo>
+                    <a:pt x="639226" y="377188"/>
+                  </a:lnTo>
+                  <a:lnTo>
+                    <a:pt x="599034" y="377188"/>
+                  </a:lnTo>
+                  <a:lnTo>
+                    <a:pt x="599034" y="543875"/>
+                  </a:lnTo>
+                  <a:lnTo>
+                    <a:pt x="599034" y="572450"/>
+                  </a:lnTo>
+                  <a:close/>
+                </a:path>
+              </a:pathLst>
+            </a:custGeom>
+            <a:solidFill>
+              <a:schemeClr val="tx1">
+                <a:lumMod val="50000"/>
+                <a:lumOff val="50000"/>
+              </a:schemeClr>
+            </a:solidFill>
+            <a:ln>
+              <a:noFill/>
+            </a:ln>
+          </p:spPr>
+          <p:style>
+            <a:lnRef idx="2">
+              <a:schemeClr val="accent1">
+                <a:shade val="15000"/>
+              </a:schemeClr>
+            </a:lnRef>
+            <a:fillRef idx="1">
+              <a:schemeClr val="accent1"/>
+            </a:fillRef>
+            <a:effectRef idx="0">
+              <a:schemeClr val="accent1"/>
+            </a:effectRef>
+            <a:fontRef idx="minor">
+              <a:schemeClr val="lt1"/>
+            </a:fontRef>
+          </p:style>
+          <p:txBody>
+            <a:bodyPr wrap="square" rtlCol="0" anchor="ctr">
+              <a:noAutofit/>
+            </a:bodyPr>
+            <a:lstStyle/>
+            <a:p>
+              <a:pPr algn="ctr"/>
+              <a:endParaRPr lang="en-GB"/>
+            </a:p>
+          </p:txBody>
+        </p:sp>
+        <p:grpSp>
+          <p:nvGrpSpPr>
+            <p:cNvPr id="17" name="Group 16">
+              <a:extLst>
+                <a:ext uri="{FF2B5EF4-FFF2-40B4-BE49-F238E27FC236}">
+                  <a16:creationId xmlns:a16="http://schemas.microsoft.com/office/drawing/2014/main" id="{07520284-AC60-C384-E2FE-EAE7FE4E4858}"/>
+                </a:ext>
+              </a:extLst>
+            </p:cNvPr>
+            <p:cNvGrpSpPr/>
+            <p:nvPr/>
+          </p:nvGrpSpPr>
+          <p:grpSpPr>
+            <a:xfrm>
+              <a:off x="6258250" y="808049"/>
+              <a:ext cx="1269840" cy="1269840"/>
+              <a:chOff x="1841035" y="4423814"/>
+              <a:chExt cx="1269840" cy="1269840"/>
+            </a:xfrm>
+          </p:grpSpPr>
+          <p:sp>
+            <p:nvSpPr>
+              <p:cNvPr id="18" name="Rectangle 17">
+                <a:extLst>
+                  <a:ext uri="{FF2B5EF4-FFF2-40B4-BE49-F238E27FC236}">
+                    <a16:creationId xmlns:a16="http://schemas.microsoft.com/office/drawing/2014/main" id="{249FE62A-B275-A60C-4FEA-A7F5F39FE8B5}"/>
+                  </a:ext>
+                </a:extLst>
+              </p:cNvPr>
+              <p:cNvSpPr/>
+              <p:nvPr/>
+            </p:nvSpPr>
+            <p:spPr>
+              <a:xfrm>
+                <a:off x="1841035" y="4423814"/>
+                <a:ext cx="1269840" cy="1269840"/>
+              </a:xfrm>
+              <a:prstGeom prst="rect">
+                <a:avLst/>
+              </a:prstGeom>
+              <a:solidFill>
+                <a:srgbClr val="4472C4">
+                  <a:alpha val="0"/>
+                </a:srgbClr>
+              </a:solidFill>
+              <a:ln>
+                <a:noFill/>
+              </a:ln>
+            </p:spPr>
+            <p:style>
+              <a:lnRef idx="2">
+                <a:schemeClr val="accent1">
+                  <a:shade val="15000"/>
+                </a:schemeClr>
+              </a:lnRef>
+              <a:fillRef idx="1">
+                <a:schemeClr val="accent1"/>
+              </a:fillRef>
+              <a:effectRef idx="0">
+                <a:schemeClr val="accent1"/>
+              </a:effectRef>
+              <a:fontRef idx="minor">
+                <a:schemeClr val="lt1"/>
+              </a:fontRef>
+            </p:style>
+            <p:txBody>
+              <a:bodyPr rtlCol="0" anchor="ctr"/>
+              <a:lstStyle/>
+              <a:p>
+                <a:pPr algn="ctr"/>
+                <a:endParaRPr lang="en-GB" dirty="0"/>
+              </a:p>
+            </p:txBody>
+          </p:sp>
+          <p:pic>
+            <p:nvPicPr>
+              <p:cNvPr id="19" name="Picture 18" descr="A black background with a black square&#10;&#10;AI-generated content may be incorrect.">
+                <a:extLst>
+                  <a:ext uri="{FF2B5EF4-FFF2-40B4-BE49-F238E27FC236}">
+                    <a16:creationId xmlns:a16="http://schemas.microsoft.com/office/drawing/2014/main" id="{9DA13E59-F500-B8E7-9BBC-9424416F2F9E}"/>
+                  </a:ext>
+                </a:extLst>
+              </p:cNvPr>
+              <p:cNvPicPr>
+                <a:picLocks noChangeAspect="1"/>
+              </p:cNvPicPr>
+              <p:nvPr/>
+            </p:nvPicPr>
+            <p:blipFill>
+              <a:blip r:embed="rId3">
+                <a:extLst>
+                  <a:ext uri="{28A0092B-C50C-407E-A947-70E740481C1C}">
+                    <a14:useLocalDpi xmlns:a14="http://schemas.microsoft.com/office/drawing/2010/main" val="0"/>
+                  </a:ext>
+                </a:extLst>
+              </a:blip>
+              <a:srcRect t="-1" b="1605"/>
+              <a:stretch/>
+            </p:blipFill>
+            <p:spPr>
+              <a:xfrm>
+                <a:off x="1882763" y="4672011"/>
+                <a:ext cx="1186384" cy="1021643"/>
+              </a:xfrm>
+              <a:prstGeom prst="rect">
+                <a:avLst/>
+              </a:prstGeom>
+            </p:spPr>
+          </p:pic>
+        </p:grpSp>
+      </p:grpSp>
+      <p:grpSp>
+        <p:nvGrpSpPr>
+          <p:cNvPr id="4" name="Group 3">
+            <a:extLst>
+              <a:ext uri="{FF2B5EF4-FFF2-40B4-BE49-F238E27FC236}">
+                <a16:creationId xmlns:a16="http://schemas.microsoft.com/office/drawing/2014/main" id="{7C330340-48E3-F8D7-244F-78F8FFB0F59F}"/>
+              </a:ext>
+            </a:extLst>
+          </p:cNvPr>
+          <p:cNvGrpSpPr/>
+          <p:nvPr/>
+        </p:nvGrpSpPr>
+        <p:grpSpPr>
+          <a:xfrm>
+            <a:off x="776861" y="1685504"/>
+            <a:ext cx="1269841" cy="1269841"/>
+            <a:chOff x="527479" y="4423813"/>
+            <a:chExt cx="1269841" cy="1269841"/>
+          </a:xfrm>
+        </p:grpSpPr>
+        <p:sp>
+          <p:nvSpPr>
+            <p:cNvPr id="5" name="Freeform: Shape 4">
+              <a:extLst>
+                <a:ext uri="{FF2B5EF4-FFF2-40B4-BE49-F238E27FC236}">
+                  <a16:creationId xmlns:a16="http://schemas.microsoft.com/office/drawing/2014/main" id="{99C608FE-2CE8-0A33-92A5-DC2172EEBE8D}"/>
+                </a:ext>
+              </a:extLst>
+            </p:cNvPr>
+            <p:cNvSpPr/>
+            <p:nvPr/>
+          </p:nvSpPr>
+          <p:spPr>
+            <a:xfrm rot="10800000">
+              <a:off x="671642" y="4577211"/>
+              <a:ext cx="938114" cy="950620"/>
+            </a:xfrm>
+            <a:custGeom>
+              <a:avLst/>
+              <a:gdLst>
+                <a:gd name="connsiteX0" fmla="*/ 472281 w 938114"/>
+                <a:gd name="connsiteY0" fmla="*/ 950620 h 950620"/>
+                <a:gd name="connsiteX1" fmla="*/ 318955 w 938114"/>
+                <a:gd name="connsiteY1" fmla="*/ 950620 h 950620"/>
+                <a:gd name="connsiteX2" fmla="*/ 318955 w 938114"/>
+                <a:gd name="connsiteY2" fmla="*/ 914394 h 950620"/>
+                <a:gd name="connsiteX3" fmla="*/ 167481 w 938114"/>
+                <a:gd name="connsiteY3" fmla="*/ 914394 h 950620"/>
+                <a:gd name="connsiteX4" fmla="*/ 167481 w 938114"/>
+                <a:gd name="connsiteY4" fmla="*/ 800791 h 950620"/>
+                <a:gd name="connsiteX5" fmla="*/ 0 w 938114"/>
+                <a:gd name="connsiteY5" fmla="*/ 800791 h 950620"/>
+                <a:gd name="connsiteX6" fmla="*/ 0 w 938114"/>
+                <a:gd name="connsiteY6" fmla="*/ 179544 h 950620"/>
+                <a:gd name="connsiteX7" fmla="*/ 21430 w 938114"/>
+                <a:gd name="connsiteY7" fmla="*/ 179544 h 950620"/>
+                <a:gd name="connsiteX8" fmla="*/ 21430 w 938114"/>
+                <a:gd name="connsiteY8" fmla="*/ 104957 h 950620"/>
+                <a:gd name="connsiteX9" fmla="*/ 126387 w 938114"/>
+                <a:gd name="connsiteY9" fmla="*/ 0 h 950620"/>
+                <a:gd name="connsiteX10" fmla="*/ 657836 w 938114"/>
+                <a:gd name="connsiteY10" fmla="*/ 0 h 950620"/>
+                <a:gd name="connsiteX11" fmla="*/ 762792 w 938114"/>
+                <a:gd name="connsiteY11" fmla="*/ 104957 h 950620"/>
+                <a:gd name="connsiteX12" fmla="*/ 762792 w 938114"/>
+                <a:gd name="connsiteY12" fmla="*/ 179546 h 950620"/>
+                <a:gd name="connsiteX13" fmla="*/ 828913 w 938114"/>
+                <a:gd name="connsiteY13" fmla="*/ 179546 h 950620"/>
+                <a:gd name="connsiteX14" fmla="*/ 828913 w 938114"/>
+                <a:gd name="connsiteY14" fmla="*/ 209907 h 950620"/>
+                <a:gd name="connsiteX15" fmla="*/ 865469 w 938114"/>
+                <a:gd name="connsiteY15" fmla="*/ 209907 h 950620"/>
+                <a:gd name="connsiteX16" fmla="*/ 865469 w 938114"/>
+                <a:gd name="connsiteY16" fmla="*/ 242648 h 950620"/>
+                <a:gd name="connsiteX17" fmla="*/ 902026 w 938114"/>
+                <a:gd name="connsiteY17" fmla="*/ 242648 h 950620"/>
+                <a:gd name="connsiteX18" fmla="*/ 902026 w 938114"/>
+                <a:gd name="connsiteY18" fmla="*/ 279557 h 950620"/>
+                <a:gd name="connsiteX19" fmla="*/ 938114 w 938114"/>
+                <a:gd name="connsiteY19" fmla="*/ 279557 h 950620"/>
+                <a:gd name="connsiteX20" fmla="*/ 938114 w 938114"/>
+                <a:gd name="connsiteY20" fmla="*/ 379569 h 950620"/>
+                <a:gd name="connsiteX21" fmla="*/ 741363 w 938114"/>
+                <a:gd name="connsiteY21" fmla="*/ 379569 h 950620"/>
+                <a:gd name="connsiteX22" fmla="*/ 741363 w 938114"/>
+                <a:gd name="connsiteY22" fmla="*/ 316467 h 950620"/>
+                <a:gd name="connsiteX23" fmla="*/ 641349 w 938114"/>
+                <a:gd name="connsiteY23" fmla="*/ 316467 h 950620"/>
+                <a:gd name="connsiteX24" fmla="*/ 641349 w 938114"/>
+                <a:gd name="connsiteY24" fmla="*/ 800791 h 950620"/>
+                <a:gd name="connsiteX25" fmla="*/ 636571 w 938114"/>
+                <a:gd name="connsiteY25" fmla="*/ 800791 h 950620"/>
+                <a:gd name="connsiteX26" fmla="*/ 636571 w 938114"/>
+                <a:gd name="connsiteY26" fmla="*/ 914394 h 950620"/>
+                <a:gd name="connsiteX27" fmla="*/ 472281 w 938114"/>
+                <a:gd name="connsiteY27" fmla="*/ 914394 h 950620"/>
+              </a:gdLst>
+              <a:ahLst/>
+              <a:cxnLst>
+                <a:cxn ang="0">
+                  <a:pos x="connsiteX0" y="connsiteY0"/>
+                </a:cxn>
+                <a:cxn ang="0">
+                  <a:pos x="connsiteX1" y="connsiteY1"/>
+                </a:cxn>
+                <a:cxn ang="0">
+                  <a:pos x="connsiteX2" y="connsiteY2"/>
+                </a:cxn>
+                <a:cxn ang="0">
+                  <a:pos x="connsiteX3" y="connsiteY3"/>
+                </a:cxn>
+                <a:cxn ang="0">
+                  <a:pos x="connsiteX4" y="connsiteY4"/>
+                </a:cxn>
+                <a:cxn ang="0">
+                  <a:pos x="connsiteX5" y="connsiteY5"/>
+                </a:cxn>
+                <a:cxn ang="0">
+                  <a:pos x="connsiteX6" y="connsiteY6"/>
+                </a:cxn>
+                <a:cxn ang="0">
+                  <a:pos x="connsiteX7" y="connsiteY7"/>
+                </a:cxn>
+                <a:cxn ang="0">
+                  <a:pos x="connsiteX8" y="connsiteY8"/>
+                </a:cxn>
+                <a:cxn ang="0">
+                  <a:pos x="connsiteX9" y="connsiteY9"/>
+                </a:cxn>
+                <a:cxn ang="0">
+                  <a:pos x="connsiteX10" y="connsiteY10"/>
+                </a:cxn>
+                <a:cxn ang="0">
+                  <a:pos x="connsiteX11" y="connsiteY11"/>
+                </a:cxn>
+                <a:cxn ang="0">
+                  <a:pos x="connsiteX12" y="connsiteY12"/>
+                </a:cxn>
+                <a:cxn ang="0">
+                  <a:pos x="connsiteX13" y="connsiteY13"/>
+                </a:cxn>
+                <a:cxn ang="0">
+                  <a:pos x="connsiteX14" y="connsiteY14"/>
+                </a:cxn>
+                <a:cxn ang="0">
+                  <a:pos x="connsiteX15" y="connsiteY15"/>
+                </a:cxn>
+                <a:cxn ang="0">
+                  <a:pos x="connsiteX16" y="connsiteY16"/>
+                </a:cxn>
+                <a:cxn ang="0">
+                  <a:pos x="connsiteX17" y="connsiteY17"/>
+                </a:cxn>
+                <a:cxn ang="0">
+                  <a:pos x="connsiteX18" y="connsiteY18"/>
+                </a:cxn>
+                <a:cxn ang="0">
+                  <a:pos x="connsiteX19" y="connsiteY19"/>
+                </a:cxn>
+                <a:cxn ang="0">
+                  <a:pos x="connsiteX20" y="connsiteY20"/>
+                </a:cxn>
+                <a:cxn ang="0">
+                  <a:pos x="connsiteX21" y="connsiteY21"/>
+                </a:cxn>
+                <a:cxn ang="0">
+                  <a:pos x="connsiteX22" y="connsiteY22"/>
+                </a:cxn>
+                <a:cxn ang="0">
+                  <a:pos x="connsiteX23" y="connsiteY23"/>
+                </a:cxn>
+                <a:cxn ang="0">
+                  <a:pos x="connsiteX24" y="connsiteY24"/>
+                </a:cxn>
+                <a:cxn ang="0">
+                  <a:pos x="connsiteX25" y="connsiteY25"/>
+                </a:cxn>
+                <a:cxn ang="0">
+                  <a:pos x="connsiteX26" y="connsiteY26"/>
+                </a:cxn>
+                <a:cxn ang="0">
+                  <a:pos x="connsiteX27" y="connsiteY27"/>
+                </a:cxn>
+              </a:cxnLst>
+              <a:rect l="l" t="t" r="r" b="b"/>
+              <a:pathLst>
+                <a:path w="938114" h="950620">
+                  <a:moveTo>
+                    <a:pt x="472281" y="950620"/>
+                  </a:moveTo>
+                  <a:lnTo>
+                    <a:pt x="318955" y="950620"/>
+                  </a:lnTo>
+                  <a:lnTo>
+                    <a:pt x="318955" y="914394"/>
+                  </a:lnTo>
+                  <a:lnTo>
+                    <a:pt x="167481" y="914394"/>
+                  </a:lnTo>
+                  <a:lnTo>
+                    <a:pt x="167481" y="800791"/>
+                  </a:lnTo>
+                  <a:lnTo>
+                    <a:pt x="0" y="800791"/>
+                  </a:lnTo>
+                  <a:lnTo>
+                    <a:pt x="0" y="179544"/>
+                  </a:lnTo>
+                  <a:lnTo>
+                    <a:pt x="21430" y="179544"/>
+                  </a:lnTo>
+                  <a:lnTo>
+                    <a:pt x="21430" y="104957"/>
+                  </a:lnTo>
+                  <a:lnTo>
+                    <a:pt x="126387" y="0"/>
+                  </a:lnTo>
+                  <a:lnTo>
+                    <a:pt x="657836" y="0"/>
+                  </a:lnTo>
+                  <a:lnTo>
+                    <a:pt x="762792" y="104957"/>
+                  </a:lnTo>
+                  <a:lnTo>
+                    <a:pt x="762792" y="179546"/>
+                  </a:lnTo>
+                  <a:lnTo>
+                    <a:pt x="828913" y="179546"/>
+                  </a:lnTo>
+                  <a:lnTo>
+                    <a:pt x="828913" y="209907"/>
+                  </a:lnTo>
+                  <a:lnTo>
+                    <a:pt x="865469" y="209907"/>
+                  </a:lnTo>
+                  <a:lnTo>
+                    <a:pt x="865469" y="242648"/>
+                  </a:lnTo>
+                  <a:lnTo>
+                    <a:pt x="902026" y="242648"/>
+                  </a:lnTo>
+                  <a:lnTo>
+                    <a:pt x="902026" y="279557"/>
+                  </a:lnTo>
+                  <a:lnTo>
+                    <a:pt x="938114" y="279557"/>
+                  </a:lnTo>
+                  <a:lnTo>
+                    <a:pt x="938114" y="379569"/>
+                  </a:lnTo>
+                  <a:lnTo>
+                    <a:pt x="741363" y="379569"/>
+                  </a:lnTo>
+                  <a:lnTo>
+                    <a:pt x="741363" y="316467"/>
+                  </a:lnTo>
+                  <a:lnTo>
+                    <a:pt x="641349" y="316467"/>
+                  </a:lnTo>
+                  <a:lnTo>
+                    <a:pt x="641349" y="800791"/>
+                  </a:lnTo>
+                  <a:lnTo>
+                    <a:pt x="636571" y="800791"/>
+                  </a:lnTo>
+                  <a:lnTo>
+                    <a:pt x="636571" y="914394"/>
+                  </a:lnTo>
+                  <a:lnTo>
+                    <a:pt x="472281" y="914394"/>
+                  </a:lnTo>
+                  <a:close/>
+                </a:path>
+              </a:pathLst>
+            </a:custGeom>
+            <a:solidFill>
+              <a:schemeClr val="bg1"/>
+            </a:solidFill>
+            <a:ln>
+              <a:noFill/>
+            </a:ln>
+          </p:spPr>
+          <p:style>
+            <a:lnRef idx="2">
+              <a:schemeClr val="accent1">
+                <a:shade val="15000"/>
+              </a:schemeClr>
+            </a:lnRef>
+            <a:fillRef idx="1">
+              <a:schemeClr val="accent1"/>
+            </a:fillRef>
+            <a:effectRef idx="0">
+              <a:schemeClr val="accent1"/>
+            </a:effectRef>
+            <a:fontRef idx="minor">
+              <a:schemeClr val="lt1"/>
+            </a:fontRef>
+          </p:style>
+          <p:txBody>
+            <a:bodyPr wrap="square" rtlCol="0" anchor="ctr">
+              <a:noAutofit/>
+            </a:bodyPr>
+            <a:lstStyle/>
+            <a:p>
+              <a:pPr algn="ctr"/>
+              <a:endParaRPr lang="en-GB"/>
+            </a:p>
+          </p:txBody>
+        </p:sp>
+        <p:pic>
+          <p:nvPicPr>
+            <p:cNvPr id="6" name="Picture 5" descr="A black background with a black square&#10;&#10;AI-generated content may be incorrect.">
+              <a:extLst>
+                <a:ext uri="{FF2B5EF4-FFF2-40B4-BE49-F238E27FC236}">
+                  <a16:creationId xmlns:a16="http://schemas.microsoft.com/office/drawing/2014/main" id="{33E4B12A-369A-CA98-5623-E34593CCD336}"/>
+                </a:ext>
+              </a:extLst>
+            </p:cNvPr>
+            <p:cNvPicPr>
+              <a:picLocks noChangeAspect="1"/>
+            </p:cNvPicPr>
+            <p:nvPr/>
+          </p:nvPicPr>
+          <p:blipFill>
+            <a:blip r:embed="rId2">
+              <a:extLst>
+                <a:ext uri="{28A0092B-C50C-407E-A947-70E740481C1C}">
+                  <a14:useLocalDpi xmlns:a14="http://schemas.microsoft.com/office/drawing/2010/main" val="0"/>
+                </a:ext>
+              </a:extLst>
+            </a:blip>
+            <a:stretch>
+              <a:fillRect/>
+            </a:stretch>
+          </p:blipFill>
+          <p:spPr>
+            <a:xfrm>
+              <a:off x="527479" y="4423813"/>
+              <a:ext cx="1269841" cy="1269841"/>
+            </a:xfrm>
+            <a:prstGeom prst="rect">
+              <a:avLst/>
+            </a:prstGeom>
+          </p:spPr>
+        </p:pic>
+      </p:grpSp>
+      <p:grpSp>
+        <p:nvGrpSpPr>
+          <p:cNvPr id="24" name="Group 23">
+            <a:extLst>
+              <a:ext uri="{FF2B5EF4-FFF2-40B4-BE49-F238E27FC236}">
+                <a16:creationId xmlns:a16="http://schemas.microsoft.com/office/drawing/2014/main" id="{ADC8901B-43B1-03CB-EAB5-93B21677A359}"/>
+              </a:ext>
+            </a:extLst>
+          </p:cNvPr>
+          <p:cNvGrpSpPr/>
+          <p:nvPr/>
+        </p:nvGrpSpPr>
+        <p:grpSpPr>
+          <a:xfrm>
+            <a:off x="776862" y="-57991"/>
+            <a:ext cx="1269840" cy="1269840"/>
+            <a:chOff x="3110151" y="4423814"/>
+            <a:chExt cx="1269840" cy="1269840"/>
+          </a:xfrm>
+        </p:grpSpPr>
+        <p:sp>
+          <p:nvSpPr>
+            <p:cNvPr id="11" name="Freeform: Shape 10">
+              <a:extLst>
+                <a:ext uri="{FF2B5EF4-FFF2-40B4-BE49-F238E27FC236}">
+                  <a16:creationId xmlns:a16="http://schemas.microsoft.com/office/drawing/2014/main" id="{01DA2821-1570-DA7D-B253-B3871A275D6A}"/>
+                </a:ext>
+              </a:extLst>
+            </p:cNvPr>
+            <p:cNvSpPr/>
+            <p:nvPr/>
+          </p:nvSpPr>
+          <p:spPr>
+            <a:xfrm rot="10800000">
+              <a:off x="3388522" y="4916919"/>
+              <a:ext cx="712816" cy="610912"/>
+            </a:xfrm>
+            <a:custGeom>
+              <a:avLst/>
+              <a:gdLst>
+                <a:gd name="connsiteX0" fmla="*/ 599034 w 712816"/>
+                <a:gd name="connsiteY0" fmla="*/ 610912 h 610912"/>
+                <a:gd name="connsiteX1" fmla="*/ 153225 w 712816"/>
+                <a:gd name="connsiteY1" fmla="*/ 610912 h 610912"/>
+                <a:gd name="connsiteX2" fmla="*/ 153225 w 712816"/>
+                <a:gd name="connsiteY2" fmla="*/ 572450 h 610912"/>
+                <a:gd name="connsiteX3" fmla="*/ 0 w 712816"/>
+                <a:gd name="connsiteY3" fmla="*/ 572450 h 610912"/>
+                <a:gd name="connsiteX4" fmla="*/ 0 w 712816"/>
+                <a:gd name="connsiteY4" fmla="*/ 81912 h 610912"/>
+                <a:gd name="connsiteX5" fmla="*/ 56894 w 712816"/>
+                <a:gd name="connsiteY5" fmla="*/ 81912 h 610912"/>
+                <a:gd name="connsiteX6" fmla="*/ 138806 w 712816"/>
+                <a:gd name="connsiteY6" fmla="*/ 0 h 610912"/>
+                <a:gd name="connsiteX7" fmla="*/ 543684 w 712816"/>
+                <a:gd name="connsiteY7" fmla="*/ 0 h 610912"/>
+                <a:gd name="connsiteX8" fmla="*/ 625596 w 712816"/>
+                <a:gd name="connsiteY8" fmla="*/ 81913 h 610912"/>
+                <a:gd name="connsiteX9" fmla="*/ 639226 w 712816"/>
+                <a:gd name="connsiteY9" fmla="*/ 81913 h 610912"/>
+                <a:gd name="connsiteX10" fmla="*/ 712816 w 712816"/>
+                <a:gd name="connsiteY10" fmla="*/ 155503 h 610912"/>
+                <a:gd name="connsiteX11" fmla="*/ 712816 w 712816"/>
+                <a:gd name="connsiteY11" fmla="*/ 303598 h 610912"/>
+                <a:gd name="connsiteX12" fmla="*/ 639226 w 712816"/>
+                <a:gd name="connsiteY12" fmla="*/ 377188 h 610912"/>
+                <a:gd name="connsiteX13" fmla="*/ 599034 w 712816"/>
+                <a:gd name="connsiteY13" fmla="*/ 377188 h 610912"/>
+                <a:gd name="connsiteX14" fmla="*/ 599034 w 712816"/>
+                <a:gd name="connsiteY14" fmla="*/ 543875 h 610912"/>
+                <a:gd name="connsiteX15" fmla="*/ 599034 w 712816"/>
+                <a:gd name="connsiteY15" fmla="*/ 572450 h 610912"/>
+              </a:gdLst>
+              <a:ahLst/>
+              <a:cxnLst>
+                <a:cxn ang="0">
+                  <a:pos x="connsiteX0" y="connsiteY0"/>
+                </a:cxn>
+                <a:cxn ang="0">
+                  <a:pos x="connsiteX1" y="connsiteY1"/>
+                </a:cxn>
+                <a:cxn ang="0">
+                  <a:pos x="connsiteX2" y="connsiteY2"/>
+                </a:cxn>
+                <a:cxn ang="0">
+                  <a:pos x="connsiteX3" y="connsiteY3"/>
+                </a:cxn>
+                <a:cxn ang="0">
+                  <a:pos x="connsiteX4" y="connsiteY4"/>
+                </a:cxn>
+                <a:cxn ang="0">
+                  <a:pos x="connsiteX5" y="connsiteY5"/>
+                </a:cxn>
+                <a:cxn ang="0">
+                  <a:pos x="connsiteX6" y="connsiteY6"/>
+                </a:cxn>
+                <a:cxn ang="0">
+                  <a:pos x="connsiteX7" y="connsiteY7"/>
+                </a:cxn>
+                <a:cxn ang="0">
+                  <a:pos x="connsiteX8" y="connsiteY8"/>
+                </a:cxn>
+                <a:cxn ang="0">
+                  <a:pos x="connsiteX9" y="connsiteY9"/>
+                </a:cxn>
+                <a:cxn ang="0">
+                  <a:pos x="connsiteX10" y="connsiteY10"/>
+                </a:cxn>
+                <a:cxn ang="0">
+                  <a:pos x="connsiteX11" y="connsiteY11"/>
+                </a:cxn>
+                <a:cxn ang="0">
+                  <a:pos x="connsiteX12" y="connsiteY12"/>
+                </a:cxn>
+                <a:cxn ang="0">
+                  <a:pos x="connsiteX13" y="connsiteY13"/>
+                </a:cxn>
+                <a:cxn ang="0">
+                  <a:pos x="connsiteX14" y="connsiteY14"/>
+                </a:cxn>
+                <a:cxn ang="0">
+                  <a:pos x="connsiteX15" y="connsiteY15"/>
+                </a:cxn>
+              </a:cxnLst>
+              <a:rect l="l" t="t" r="r" b="b"/>
+              <a:pathLst>
+                <a:path w="712816" h="610912">
+                  <a:moveTo>
+                    <a:pt x="599034" y="610912"/>
+                  </a:moveTo>
+                  <a:lnTo>
+                    <a:pt x="153225" y="610912"/>
+                  </a:lnTo>
+                  <a:lnTo>
+                    <a:pt x="153225" y="572450"/>
+                  </a:lnTo>
+                  <a:lnTo>
+                    <a:pt x="0" y="572450"/>
+                  </a:lnTo>
+                  <a:lnTo>
+                    <a:pt x="0" y="81912"/>
+                  </a:lnTo>
+                  <a:lnTo>
+                    <a:pt x="56894" y="81912"/>
+                  </a:lnTo>
+                  <a:lnTo>
+                    <a:pt x="138806" y="0"/>
+                  </a:lnTo>
+                  <a:lnTo>
+                    <a:pt x="543684" y="0"/>
+                  </a:lnTo>
+                  <a:lnTo>
+                    <a:pt x="625596" y="81913"/>
+                  </a:lnTo>
+                  <a:lnTo>
+                    <a:pt x="639226" y="81913"/>
+                  </a:lnTo>
+                  <a:lnTo>
+                    <a:pt x="712816" y="155503"/>
+                  </a:lnTo>
+                  <a:lnTo>
+                    <a:pt x="712816" y="303598"/>
+                  </a:lnTo>
+                  <a:lnTo>
+                    <a:pt x="639226" y="377188"/>
+                  </a:lnTo>
+                  <a:lnTo>
+                    <a:pt x="599034" y="377188"/>
+                  </a:lnTo>
+                  <a:lnTo>
+                    <a:pt x="599034" y="543875"/>
+                  </a:lnTo>
+                  <a:lnTo>
+                    <a:pt x="599034" y="572450"/>
+                  </a:lnTo>
+                  <a:close/>
+                </a:path>
+              </a:pathLst>
+            </a:custGeom>
+            <a:solidFill>
+              <a:schemeClr val="bg1"/>
+            </a:solidFill>
+            <a:ln>
+              <a:noFill/>
+            </a:ln>
+          </p:spPr>
+          <p:style>
+            <a:lnRef idx="2">
+              <a:schemeClr val="accent1">
+                <a:shade val="15000"/>
+              </a:schemeClr>
+            </a:lnRef>
+            <a:fillRef idx="1">
+              <a:schemeClr val="accent1"/>
+            </a:fillRef>
+            <a:effectRef idx="0">
+              <a:schemeClr val="accent1"/>
+            </a:effectRef>
+            <a:fontRef idx="minor">
+              <a:schemeClr val="lt1"/>
+            </a:fontRef>
+          </p:style>
+          <p:txBody>
+            <a:bodyPr wrap="square" rtlCol="0" anchor="ctr">
+              <a:noAutofit/>
+            </a:bodyPr>
+            <a:lstStyle/>
+            <a:p>
+              <a:pPr algn="ctr"/>
+              <a:endParaRPr lang="en-GB"/>
+            </a:p>
+          </p:txBody>
+        </p:sp>
+        <p:grpSp>
+          <p:nvGrpSpPr>
+            <p:cNvPr id="12" name="Group 11">
+              <a:extLst>
+                <a:ext uri="{FF2B5EF4-FFF2-40B4-BE49-F238E27FC236}">
+                  <a16:creationId xmlns:a16="http://schemas.microsoft.com/office/drawing/2014/main" id="{BFE1CFB1-33CE-A30B-2933-B49305C892DB}"/>
+                </a:ext>
+              </a:extLst>
+            </p:cNvPr>
+            <p:cNvGrpSpPr/>
+            <p:nvPr/>
+          </p:nvGrpSpPr>
+          <p:grpSpPr>
+            <a:xfrm>
+              <a:off x="3110151" y="4423814"/>
+              <a:ext cx="1269840" cy="1269840"/>
+              <a:chOff x="1841035" y="4423814"/>
+              <a:chExt cx="1269840" cy="1269840"/>
+            </a:xfrm>
+          </p:grpSpPr>
+          <p:sp>
+            <p:nvSpPr>
+              <p:cNvPr id="13" name="Rectangle 12">
+                <a:extLst>
+                  <a:ext uri="{FF2B5EF4-FFF2-40B4-BE49-F238E27FC236}">
+                    <a16:creationId xmlns:a16="http://schemas.microsoft.com/office/drawing/2014/main" id="{782E3C27-9005-682F-95FE-095869341C3F}"/>
+                  </a:ext>
+                </a:extLst>
+              </p:cNvPr>
+              <p:cNvSpPr/>
+              <p:nvPr/>
+            </p:nvSpPr>
+            <p:spPr>
+              <a:xfrm>
+                <a:off x="1841035" y="4423814"/>
+                <a:ext cx="1269840" cy="1269840"/>
+              </a:xfrm>
+              <a:prstGeom prst="rect">
+                <a:avLst/>
+              </a:prstGeom>
+              <a:solidFill>
+                <a:srgbClr val="4472C4">
+                  <a:alpha val="0"/>
+                </a:srgbClr>
+              </a:solidFill>
+              <a:ln>
+                <a:noFill/>
+              </a:ln>
+            </p:spPr>
+            <p:style>
+              <a:lnRef idx="2">
+                <a:schemeClr val="accent1">
+                  <a:shade val="15000"/>
+                </a:schemeClr>
+              </a:lnRef>
+              <a:fillRef idx="1">
+                <a:schemeClr val="accent1"/>
+              </a:fillRef>
+              <a:effectRef idx="0">
+                <a:schemeClr val="accent1"/>
+              </a:effectRef>
+              <a:fontRef idx="minor">
+                <a:schemeClr val="lt1"/>
+              </a:fontRef>
+            </p:style>
+            <p:txBody>
+              <a:bodyPr rtlCol="0" anchor="ctr"/>
+              <a:lstStyle/>
+              <a:p>
+                <a:pPr algn="ctr"/>
+                <a:endParaRPr lang="en-GB"/>
+              </a:p>
+            </p:txBody>
+          </p:sp>
+          <p:pic>
+            <p:nvPicPr>
+              <p:cNvPr id="14" name="Picture 13" descr="A black background with a black square&#10;&#10;AI-generated content may be incorrect.">
+                <a:extLst>
+                  <a:ext uri="{FF2B5EF4-FFF2-40B4-BE49-F238E27FC236}">
+                    <a16:creationId xmlns:a16="http://schemas.microsoft.com/office/drawing/2014/main" id="{3BFB24EC-1DE5-1EAE-6090-E87167CBB45A}"/>
+                  </a:ext>
+                </a:extLst>
+              </p:cNvPr>
+              <p:cNvPicPr>
+                <a:picLocks noChangeAspect="1"/>
+              </p:cNvPicPr>
+              <p:nvPr/>
+            </p:nvPicPr>
+            <p:blipFill>
+              <a:blip r:embed="rId3">
+                <a:extLst>
+                  <a:ext uri="{28A0092B-C50C-407E-A947-70E740481C1C}">
+                    <a14:useLocalDpi xmlns:a14="http://schemas.microsoft.com/office/drawing/2010/main" val="0"/>
+                  </a:ext>
+                </a:extLst>
+              </a:blip>
+              <a:srcRect t="-1" b="1605"/>
+              <a:stretch/>
+            </p:blipFill>
+            <p:spPr>
+              <a:xfrm>
+                <a:off x="1882763" y="4672011"/>
+                <a:ext cx="1186384" cy="1021643"/>
+              </a:xfrm>
+              <a:prstGeom prst="rect">
+                <a:avLst/>
+              </a:prstGeom>
+            </p:spPr>
+          </p:pic>
+        </p:grpSp>
+      </p:grpSp>
+      <p:pic>
+        <p:nvPicPr>
+          <p:cNvPr id="20" name="Picture 19" descr="A black background with a black square&#10;&#10;AI-generated content may be incorrect.">
+            <a:extLst>
+              <a:ext uri="{FF2B5EF4-FFF2-40B4-BE49-F238E27FC236}">
+                <a16:creationId xmlns:a16="http://schemas.microsoft.com/office/drawing/2014/main" id="{F0174C09-2CB7-E4E3-2D8F-D923D8AE6D17}"/>
+              </a:ext>
+            </a:extLst>
+          </p:cNvPr>
+          <p:cNvPicPr>
+            <a:picLocks noChangeAspect="1"/>
+          </p:cNvPicPr>
+          <p:nvPr/>
+        </p:nvPicPr>
+        <p:blipFill>
+          <a:blip r:embed="rId2">
+            <a:extLst>
+              <a:ext uri="{28A0092B-C50C-407E-A947-70E740481C1C}">
+                <a14:useLocalDpi xmlns:a14="http://schemas.microsoft.com/office/drawing/2010/main" val="0"/>
+              </a:ext>
+            </a:extLst>
+          </a:blip>
+          <a:stretch>
+            <a:fillRect/>
+          </a:stretch>
+        </p:blipFill>
+        <p:spPr>
+          <a:xfrm>
+            <a:off x="9250650" y="415663"/>
+            <a:ext cx="1269841" cy="1269841"/>
+          </a:xfrm>
+          <a:prstGeom prst="rect">
+            <a:avLst/>
+          </a:prstGeom>
+        </p:spPr>
+      </p:pic>
+      <p:grpSp>
+        <p:nvGrpSpPr>
+          <p:cNvPr id="21" name="Group 20">
+            <a:extLst>
+              <a:ext uri="{FF2B5EF4-FFF2-40B4-BE49-F238E27FC236}">
+                <a16:creationId xmlns:a16="http://schemas.microsoft.com/office/drawing/2014/main" id="{28F69553-EDAC-7AE6-2E74-A9947ACEEBB3}"/>
+              </a:ext>
+            </a:extLst>
+          </p:cNvPr>
+          <p:cNvGrpSpPr/>
+          <p:nvPr/>
+        </p:nvGrpSpPr>
+        <p:grpSpPr>
+          <a:xfrm>
+            <a:off x="10423418" y="415757"/>
+            <a:ext cx="1269840" cy="1269840"/>
+            <a:chOff x="5187258" y="5013720"/>
+            <a:chExt cx="1269840" cy="1269840"/>
+          </a:xfrm>
+        </p:grpSpPr>
+        <p:sp>
+          <p:nvSpPr>
+            <p:cNvPr id="22" name="Rectangle 21">
+              <a:extLst>
+                <a:ext uri="{FF2B5EF4-FFF2-40B4-BE49-F238E27FC236}">
+                  <a16:creationId xmlns:a16="http://schemas.microsoft.com/office/drawing/2014/main" id="{5A2280F2-8488-46E6-04BD-9D5B6948F586}"/>
+                </a:ext>
+              </a:extLst>
+            </p:cNvPr>
+            <p:cNvSpPr/>
+            <p:nvPr/>
+          </p:nvSpPr>
+          <p:spPr>
+            <a:xfrm>
+              <a:off x="5187258" y="5013720"/>
+              <a:ext cx="1269840" cy="1269840"/>
+            </a:xfrm>
+            <a:prstGeom prst="rect">
+              <a:avLst/>
+            </a:prstGeom>
+            <a:solidFill>
+              <a:srgbClr val="4472C4">
+                <a:alpha val="0"/>
+              </a:srgbClr>
+            </a:solidFill>
+            <a:ln>
+              <a:noFill/>
+            </a:ln>
+          </p:spPr>
+          <p:style>
+            <a:lnRef idx="2">
+              <a:schemeClr val="accent1">
+                <a:shade val="15000"/>
+              </a:schemeClr>
+            </a:lnRef>
+            <a:fillRef idx="1">
+              <a:schemeClr val="accent1"/>
+            </a:fillRef>
+            <a:effectRef idx="0">
+              <a:schemeClr val="accent1"/>
+            </a:effectRef>
+            <a:fontRef idx="minor">
+              <a:schemeClr val="lt1"/>
+            </a:fontRef>
+          </p:style>
+          <p:txBody>
+            <a:bodyPr rtlCol="0" anchor="ctr"/>
+            <a:lstStyle/>
+            <a:p>
+              <a:pPr algn="ctr"/>
+              <a:endParaRPr lang="en-GB"/>
+            </a:p>
+          </p:txBody>
+        </p:sp>
+        <p:pic>
+          <p:nvPicPr>
+            <p:cNvPr id="23" name="Picture 22" descr="A black background with a black square&#10;&#10;AI-generated content may be incorrect.">
+              <a:extLst>
+                <a:ext uri="{FF2B5EF4-FFF2-40B4-BE49-F238E27FC236}">
+                  <a16:creationId xmlns:a16="http://schemas.microsoft.com/office/drawing/2014/main" id="{997D7011-8916-4BE6-4439-DA734A65DC8E}"/>
+                </a:ext>
+              </a:extLst>
+            </p:cNvPr>
+            <p:cNvPicPr>
+              <a:picLocks noChangeAspect="1"/>
+            </p:cNvPicPr>
+            <p:nvPr/>
+          </p:nvPicPr>
+          <p:blipFill>
+            <a:blip r:embed="rId3">
+              <a:extLst>
+                <a:ext uri="{28A0092B-C50C-407E-A947-70E740481C1C}">
+                  <a14:useLocalDpi xmlns:a14="http://schemas.microsoft.com/office/drawing/2010/main" val="0"/>
+                </a:ext>
+              </a:extLst>
+            </a:blip>
+            <a:srcRect t="-1" b="1605"/>
+            <a:stretch/>
+          </p:blipFill>
+          <p:spPr>
+            <a:xfrm>
+              <a:off x="5228986" y="5261917"/>
+              <a:ext cx="1186384" cy="1021643"/>
+            </a:xfrm>
+            <a:prstGeom prst="rect">
+              <a:avLst/>
+            </a:prstGeom>
+          </p:spPr>
+        </p:pic>
+      </p:grpSp>
+      <p:grpSp>
+        <p:nvGrpSpPr>
+          <p:cNvPr id="25" name="Group 24">
+            <a:extLst>
+              <a:ext uri="{FF2B5EF4-FFF2-40B4-BE49-F238E27FC236}">
+                <a16:creationId xmlns:a16="http://schemas.microsoft.com/office/drawing/2014/main" id="{43AD0820-F486-07D3-FBD1-DBBA1232EEEC}"/>
+              </a:ext>
+            </a:extLst>
+          </p:cNvPr>
+          <p:cNvGrpSpPr/>
+          <p:nvPr/>
+        </p:nvGrpSpPr>
+        <p:grpSpPr>
+          <a:xfrm>
+            <a:off x="1170297" y="4825544"/>
+            <a:ext cx="914400" cy="914400"/>
+            <a:chOff x="3628545" y="4572001"/>
+            <a:chExt cx="914400" cy="914400"/>
+          </a:xfrm>
+        </p:grpSpPr>
+        <p:sp>
+          <p:nvSpPr>
+            <p:cNvPr id="3" name="Oval 2">
+              <a:extLst>
+                <a:ext uri="{FF2B5EF4-FFF2-40B4-BE49-F238E27FC236}">
+                  <a16:creationId xmlns:a16="http://schemas.microsoft.com/office/drawing/2014/main" id="{7CDB07D1-4EA2-B406-11F1-7285675B5F84}"/>
+                </a:ext>
+              </a:extLst>
+            </p:cNvPr>
+            <p:cNvSpPr/>
+            <p:nvPr/>
+          </p:nvSpPr>
+          <p:spPr>
+            <a:xfrm>
+              <a:off x="3628545" y="4572001"/>
+              <a:ext cx="914400" cy="914400"/>
+            </a:xfrm>
+            <a:prstGeom prst="ellipse">
+              <a:avLst/>
+            </a:prstGeom>
+            <a:solidFill>
+              <a:schemeClr val="tx1">
+                <a:lumMod val="65000"/>
+                <a:lumOff val="35000"/>
+              </a:schemeClr>
+            </a:solidFill>
+            <a:ln>
+              <a:noFill/>
+            </a:ln>
+          </p:spPr>
+          <p:style>
+            <a:lnRef idx="2">
+              <a:schemeClr val="accent1">
+                <a:shade val="15000"/>
+              </a:schemeClr>
+            </a:lnRef>
+            <a:fillRef idx="1">
+              <a:schemeClr val="accent1"/>
+            </a:fillRef>
+            <a:effectRef idx="0">
+              <a:schemeClr val="accent1"/>
+            </a:effectRef>
+            <a:fontRef idx="minor">
+              <a:schemeClr val="lt1"/>
+            </a:fontRef>
+          </p:style>
+          <p:txBody>
+            <a:bodyPr rtlCol="0" anchor="ctr"/>
+            <a:lstStyle/>
+            <a:p>
+              <a:pPr algn="ctr"/>
+              <a:endParaRPr lang="en-GB"/>
+            </a:p>
+          </p:txBody>
+        </p:sp>
+        <p:sp>
+          <p:nvSpPr>
+            <p:cNvPr id="2" name="&quot;Not Allowed&quot; Symbol 1">
+              <a:extLst>
+                <a:ext uri="{FF2B5EF4-FFF2-40B4-BE49-F238E27FC236}">
+                  <a16:creationId xmlns:a16="http://schemas.microsoft.com/office/drawing/2014/main" id="{C1288A3D-FFC6-3BEB-F0FE-E02B0F6E062B}"/>
+                </a:ext>
+              </a:extLst>
+            </p:cNvPr>
+            <p:cNvSpPr/>
+            <p:nvPr/>
+          </p:nvSpPr>
+          <p:spPr>
+            <a:xfrm>
+              <a:off x="3628545" y="4572001"/>
+              <a:ext cx="914400" cy="914400"/>
+            </a:xfrm>
+            <a:prstGeom prst="noSmoking">
+              <a:avLst>
+                <a:gd name="adj" fmla="val 14350"/>
+              </a:avLst>
+            </a:prstGeom>
+            <a:solidFill>
+              <a:srgbClr val="920000"/>
+            </a:solidFill>
+            <a:ln>
+              <a:noFill/>
+            </a:ln>
+          </p:spPr>
+          <p:style>
+            <a:lnRef idx="2">
+              <a:schemeClr val="accent1">
+                <a:shade val="15000"/>
+              </a:schemeClr>
+            </a:lnRef>
+            <a:fillRef idx="1">
+              <a:schemeClr val="accent1"/>
+            </a:fillRef>
+            <a:effectRef idx="0">
+              <a:schemeClr val="accent1"/>
+            </a:effectRef>
+            <a:fontRef idx="minor">
+              <a:schemeClr val="lt1"/>
+            </a:fontRef>
+          </p:style>
+          <p:txBody>
+            <a:bodyPr rtlCol="0" anchor="ctr"/>
+            <a:lstStyle/>
+            <a:p>
+              <a:pPr algn="ctr"/>
+              <a:endParaRPr lang="en-GB">
+                <a:solidFill>
+                  <a:schemeClr val="tx1"/>
+                </a:solidFill>
+              </a:endParaRPr>
+            </a:p>
+          </p:txBody>
+        </p:sp>
+      </p:grpSp>
+      <p:grpSp>
+        <p:nvGrpSpPr>
+          <p:cNvPr id="26" name="Group 25">
+            <a:extLst>
+              <a:ext uri="{FF2B5EF4-FFF2-40B4-BE49-F238E27FC236}">
+                <a16:creationId xmlns:a16="http://schemas.microsoft.com/office/drawing/2014/main" id="{B3C02320-9C55-95BC-989B-ECF900346C38}"/>
+              </a:ext>
+            </a:extLst>
+          </p:cNvPr>
+          <p:cNvGrpSpPr/>
+          <p:nvPr/>
+        </p:nvGrpSpPr>
+        <p:grpSpPr>
+          <a:xfrm>
+            <a:off x="2208372" y="4825544"/>
+            <a:ext cx="914400" cy="914400"/>
+            <a:chOff x="3628545" y="4572001"/>
+            <a:chExt cx="914400" cy="914400"/>
+          </a:xfrm>
+        </p:grpSpPr>
+        <p:sp>
+          <p:nvSpPr>
+            <p:cNvPr id="27" name="Oval 26">
+              <a:extLst>
+                <a:ext uri="{FF2B5EF4-FFF2-40B4-BE49-F238E27FC236}">
+                  <a16:creationId xmlns:a16="http://schemas.microsoft.com/office/drawing/2014/main" id="{AB514A35-CC58-FADD-380F-09577B645FEA}"/>
+                </a:ext>
+              </a:extLst>
+            </p:cNvPr>
+            <p:cNvSpPr/>
+            <p:nvPr/>
+          </p:nvSpPr>
+          <p:spPr>
+            <a:xfrm>
+              <a:off x="3628545" y="4572001"/>
+              <a:ext cx="914400" cy="914400"/>
+            </a:xfrm>
+            <a:prstGeom prst="ellipse">
+              <a:avLst/>
+            </a:prstGeom>
+            <a:solidFill>
+              <a:schemeClr val="bg1"/>
+            </a:solidFill>
+            <a:ln>
+              <a:noFill/>
+            </a:ln>
+          </p:spPr>
+          <p:style>
+            <a:lnRef idx="2">
+              <a:schemeClr val="accent1">
+                <a:shade val="15000"/>
+              </a:schemeClr>
+            </a:lnRef>
+            <a:fillRef idx="1">
+              <a:schemeClr val="accent1"/>
+            </a:fillRef>
+            <a:effectRef idx="0">
+              <a:schemeClr val="accent1"/>
+            </a:effectRef>
+            <a:fontRef idx="minor">
+              <a:schemeClr val="lt1"/>
+            </a:fontRef>
+          </p:style>
+          <p:txBody>
+            <a:bodyPr rtlCol="0" anchor="ctr"/>
+            <a:lstStyle/>
+            <a:p>
+              <a:pPr algn="ctr"/>
+              <a:endParaRPr lang="en-GB"/>
+            </a:p>
+          </p:txBody>
+        </p:sp>
+        <p:sp>
+          <p:nvSpPr>
+            <p:cNvPr id="28" name="&quot;Not Allowed&quot; Symbol 27">
+              <a:extLst>
+                <a:ext uri="{FF2B5EF4-FFF2-40B4-BE49-F238E27FC236}">
+                  <a16:creationId xmlns:a16="http://schemas.microsoft.com/office/drawing/2014/main" id="{EA19846F-62F6-6C29-5852-5A95EDD13815}"/>
+                </a:ext>
+              </a:extLst>
+            </p:cNvPr>
+            <p:cNvSpPr/>
+            <p:nvPr/>
+          </p:nvSpPr>
+          <p:spPr>
+            <a:xfrm>
+              <a:off x="3628545" y="4572001"/>
+              <a:ext cx="914400" cy="914400"/>
+            </a:xfrm>
+            <a:prstGeom prst="noSmoking">
+              <a:avLst>
+                <a:gd name="adj" fmla="val 14350"/>
+              </a:avLst>
+            </a:prstGeom>
+            <a:solidFill>
+              <a:srgbClr val="920000"/>
+            </a:solidFill>
+            <a:ln>
+              <a:noFill/>
+            </a:ln>
+          </p:spPr>
+          <p:style>
+            <a:lnRef idx="2">
+              <a:schemeClr val="accent1">
+                <a:shade val="15000"/>
+              </a:schemeClr>
+            </a:lnRef>
+            <a:fillRef idx="1">
+              <a:schemeClr val="accent1"/>
+            </a:fillRef>
+            <a:effectRef idx="0">
+              <a:schemeClr val="accent1"/>
+            </a:effectRef>
+            <a:fontRef idx="minor">
+              <a:schemeClr val="lt1"/>
+            </a:fontRef>
+          </p:style>
+          <p:txBody>
+            <a:bodyPr rtlCol="0" anchor="ctr"/>
+            <a:lstStyle/>
+            <a:p>
+              <a:pPr algn="ctr"/>
+              <a:endParaRPr lang="en-GB">
+                <a:solidFill>
+                  <a:schemeClr val="tx1"/>
+                </a:solidFill>
+              </a:endParaRPr>
+            </a:p>
+          </p:txBody>
+        </p:sp>
+      </p:grpSp>
+      <p:pic>
+        <p:nvPicPr>
+          <p:cNvPr id="31" name="Picture 30" descr="A black background with a black square&#10;&#10;AI-generated content may be incorrect.">
+            <a:extLst>
+              <a:ext uri="{FF2B5EF4-FFF2-40B4-BE49-F238E27FC236}">
+                <a16:creationId xmlns:a16="http://schemas.microsoft.com/office/drawing/2014/main" id="{F1817755-8A96-69C7-4E22-3F78158B4518}"/>
+              </a:ext>
+            </a:extLst>
+          </p:cNvPr>
+          <p:cNvPicPr>
+            <a:picLocks noChangeAspect="1"/>
+          </p:cNvPicPr>
+          <p:nvPr/>
+        </p:nvPicPr>
+        <p:blipFill>
+          <a:blip r:embed="rId4">
+            <a:extLst>
+              <a:ext uri="{28A0092B-C50C-407E-A947-70E740481C1C}">
+                <a14:useLocalDpi xmlns:a14="http://schemas.microsoft.com/office/drawing/2010/main" val="0"/>
+              </a:ext>
+            </a:extLst>
+          </a:blip>
+          <a:stretch>
+            <a:fillRect/>
+          </a:stretch>
+        </p:blipFill>
+        <p:spPr>
+          <a:xfrm>
+            <a:off x="8022538" y="415663"/>
+            <a:ext cx="1269841" cy="1269841"/>
+          </a:xfrm>
+          <a:prstGeom prst="rect">
+            <a:avLst/>
+          </a:prstGeom>
+        </p:spPr>
+      </p:pic>
+      <p:grpSp>
+        <p:nvGrpSpPr>
+          <p:cNvPr id="46" name="Group 45">
+            <a:extLst>
+              <a:ext uri="{FF2B5EF4-FFF2-40B4-BE49-F238E27FC236}">
+                <a16:creationId xmlns:a16="http://schemas.microsoft.com/office/drawing/2014/main" id="{67BEABAE-8891-4791-988B-C822FD4FD8BF}"/>
+              </a:ext>
+            </a:extLst>
+          </p:cNvPr>
+          <p:cNvGrpSpPr/>
+          <p:nvPr/>
+        </p:nvGrpSpPr>
+        <p:grpSpPr>
+          <a:xfrm>
+            <a:off x="755159" y="3255524"/>
+            <a:ext cx="1269841" cy="1269841"/>
+            <a:chOff x="755159" y="3255524"/>
+            <a:chExt cx="1269841" cy="1269841"/>
+          </a:xfrm>
+        </p:grpSpPr>
+        <p:sp>
+          <p:nvSpPr>
+            <p:cNvPr id="45" name="Freeform: Shape 44">
+              <a:extLst>
+                <a:ext uri="{FF2B5EF4-FFF2-40B4-BE49-F238E27FC236}">
+                  <a16:creationId xmlns:a16="http://schemas.microsoft.com/office/drawing/2014/main" id="{3CF27AEB-9BA2-B4BE-9650-0CE2D1B61FDC}"/>
+                </a:ext>
+              </a:extLst>
+            </p:cNvPr>
+            <p:cNvSpPr/>
+            <p:nvPr/>
+          </p:nvSpPr>
+          <p:spPr>
+            <a:xfrm>
+              <a:off x="937823" y="3388992"/>
+              <a:ext cx="892144" cy="978221"/>
+            </a:xfrm>
+            <a:custGeom>
+              <a:avLst/>
+              <a:gdLst>
+                <a:gd name="connsiteX0" fmla="*/ 309951 w 892144"/>
+                <a:gd name="connsiteY0" fmla="*/ 0 h 978221"/>
+                <a:gd name="connsiteX1" fmla="*/ 457589 w 892144"/>
+                <a:gd name="connsiteY1" fmla="*/ 0 h 978221"/>
+                <a:gd name="connsiteX2" fmla="*/ 457589 w 892144"/>
+                <a:gd name="connsiteY2" fmla="*/ 340047 h 978221"/>
+                <a:gd name="connsiteX3" fmla="*/ 619515 w 892144"/>
+                <a:gd name="connsiteY3" fmla="*/ 340047 h 978221"/>
+                <a:gd name="connsiteX4" fmla="*/ 619515 w 892144"/>
+                <a:gd name="connsiteY4" fmla="*/ 352572 h 978221"/>
+                <a:gd name="connsiteX5" fmla="*/ 749968 w 892144"/>
+                <a:gd name="connsiteY5" fmla="*/ 352572 h 978221"/>
+                <a:gd name="connsiteX6" fmla="*/ 892144 w 892144"/>
+                <a:gd name="connsiteY6" fmla="*/ 494748 h 978221"/>
+                <a:gd name="connsiteX7" fmla="*/ 892144 w 892144"/>
+                <a:gd name="connsiteY7" fmla="*/ 831284 h 978221"/>
+                <a:gd name="connsiteX8" fmla="*/ 749968 w 892144"/>
+                <a:gd name="connsiteY8" fmla="*/ 973460 h 978221"/>
+                <a:gd name="connsiteX9" fmla="*/ 619515 w 892144"/>
+                <a:gd name="connsiteY9" fmla="*/ 973460 h 978221"/>
+                <a:gd name="connsiteX10" fmla="*/ 619515 w 892144"/>
+                <a:gd name="connsiteY10" fmla="*/ 978221 h 978221"/>
+                <a:gd name="connsiteX11" fmla="*/ 335163 w 892144"/>
+                <a:gd name="connsiteY11" fmla="*/ 978221 h 978221"/>
+                <a:gd name="connsiteX12" fmla="*/ 335163 w 892144"/>
+                <a:gd name="connsiteY12" fmla="*/ 961267 h 978221"/>
+                <a:gd name="connsiteX13" fmla="*/ 0 w 892144"/>
+                <a:gd name="connsiteY13" fmla="*/ 644663 h 978221"/>
+                <a:gd name="connsiteX14" fmla="*/ 98180 w 892144"/>
+                <a:gd name="connsiteY14" fmla="*/ 540727 h 978221"/>
+                <a:gd name="connsiteX15" fmla="*/ 217102 w 892144"/>
+                <a:gd name="connsiteY15" fmla="*/ 653063 h 978221"/>
+                <a:gd name="connsiteX16" fmla="*/ 217102 w 892144"/>
+                <a:gd name="connsiteY16" fmla="*/ 640922 h 978221"/>
+                <a:gd name="connsiteX17" fmla="*/ 335163 w 892144"/>
+                <a:gd name="connsiteY17" fmla="*/ 640922 h 978221"/>
+                <a:gd name="connsiteX18" fmla="*/ 335163 w 892144"/>
+                <a:gd name="connsiteY18" fmla="*/ 382907 h 978221"/>
+                <a:gd name="connsiteX19" fmla="*/ 309951 w 892144"/>
+                <a:gd name="connsiteY19" fmla="*/ 382907 h 978221"/>
+              </a:gdLst>
+              <a:ahLst/>
+              <a:cxnLst>
+                <a:cxn ang="0">
+                  <a:pos x="connsiteX0" y="connsiteY0"/>
+                </a:cxn>
+                <a:cxn ang="0">
+                  <a:pos x="connsiteX1" y="connsiteY1"/>
+                </a:cxn>
+                <a:cxn ang="0">
+                  <a:pos x="connsiteX2" y="connsiteY2"/>
+                </a:cxn>
+                <a:cxn ang="0">
+                  <a:pos x="connsiteX3" y="connsiteY3"/>
+                </a:cxn>
+                <a:cxn ang="0">
+                  <a:pos x="connsiteX4" y="connsiteY4"/>
+                </a:cxn>
+                <a:cxn ang="0">
+                  <a:pos x="connsiteX5" y="connsiteY5"/>
+                </a:cxn>
+                <a:cxn ang="0">
+                  <a:pos x="connsiteX6" y="connsiteY6"/>
+                </a:cxn>
+                <a:cxn ang="0">
+                  <a:pos x="connsiteX7" y="connsiteY7"/>
+                </a:cxn>
+                <a:cxn ang="0">
+                  <a:pos x="connsiteX8" y="connsiteY8"/>
+                </a:cxn>
+                <a:cxn ang="0">
+                  <a:pos x="connsiteX9" y="connsiteY9"/>
+                </a:cxn>
+                <a:cxn ang="0">
+                  <a:pos x="connsiteX10" y="connsiteY10"/>
+                </a:cxn>
+                <a:cxn ang="0">
+                  <a:pos x="connsiteX11" y="connsiteY11"/>
+                </a:cxn>
+                <a:cxn ang="0">
+                  <a:pos x="connsiteX12" y="connsiteY12"/>
+                </a:cxn>
+                <a:cxn ang="0">
+                  <a:pos x="connsiteX13" y="connsiteY13"/>
+                </a:cxn>
+                <a:cxn ang="0">
+                  <a:pos x="connsiteX14" y="connsiteY14"/>
+                </a:cxn>
+                <a:cxn ang="0">
+                  <a:pos x="connsiteX15" y="connsiteY15"/>
+                </a:cxn>
+                <a:cxn ang="0">
+                  <a:pos x="connsiteX16" y="connsiteY16"/>
+                </a:cxn>
+                <a:cxn ang="0">
+                  <a:pos x="connsiteX17" y="connsiteY17"/>
+                </a:cxn>
+                <a:cxn ang="0">
+                  <a:pos x="connsiteX18" y="connsiteY18"/>
+                </a:cxn>
+                <a:cxn ang="0">
+                  <a:pos x="connsiteX19" y="connsiteY19"/>
+                </a:cxn>
+              </a:cxnLst>
+              <a:rect l="l" t="t" r="r" b="b"/>
+              <a:pathLst>
+                <a:path w="892144" h="978221">
+                  <a:moveTo>
+                    <a:pt x="309951" y="0"/>
+                  </a:moveTo>
+                  <a:lnTo>
+                    <a:pt x="457589" y="0"/>
+                  </a:lnTo>
+                  <a:lnTo>
+                    <a:pt x="457589" y="340047"/>
+                  </a:lnTo>
+                  <a:lnTo>
+                    <a:pt x="619515" y="340047"/>
+                  </a:lnTo>
+                  <a:lnTo>
+                    <a:pt x="619515" y="352572"/>
+                  </a:lnTo>
+                  <a:lnTo>
+                    <a:pt x="749968" y="352572"/>
+                  </a:lnTo>
+                  <a:lnTo>
+                    <a:pt x="892144" y="494748"/>
+                  </a:lnTo>
+                  <a:lnTo>
+                    <a:pt x="892144" y="831284"/>
+                  </a:lnTo>
+                  <a:lnTo>
+                    <a:pt x="749968" y="973460"/>
+                  </a:lnTo>
+                  <a:lnTo>
+                    <a:pt x="619515" y="973460"/>
+                  </a:lnTo>
+                  <a:lnTo>
+                    <a:pt x="619515" y="978221"/>
+                  </a:lnTo>
+                  <a:lnTo>
+                    <a:pt x="335163" y="978221"/>
+                  </a:lnTo>
+                  <a:lnTo>
+                    <a:pt x="335163" y="961267"/>
+                  </a:lnTo>
+                  <a:lnTo>
+                    <a:pt x="0" y="644663"/>
+                  </a:lnTo>
+                  <a:lnTo>
+                    <a:pt x="98180" y="540727"/>
+                  </a:lnTo>
+                  <a:lnTo>
+                    <a:pt x="217102" y="653063"/>
+                  </a:lnTo>
+                  <a:lnTo>
+                    <a:pt x="217102" y="640922"/>
+                  </a:lnTo>
+                  <a:lnTo>
+                    <a:pt x="335163" y="640922"/>
+                  </a:lnTo>
+                  <a:lnTo>
+                    <a:pt x="335163" y="382907"/>
+                  </a:lnTo>
+                  <a:lnTo>
+                    <a:pt x="309951" y="382907"/>
+                  </a:lnTo>
+                  <a:close/>
+                </a:path>
+              </a:pathLst>
+            </a:custGeom>
+            <a:solidFill>
+              <a:schemeClr val="bg1"/>
+            </a:solidFill>
+            <a:ln>
+              <a:noFill/>
+            </a:ln>
+          </p:spPr>
+          <p:style>
+            <a:lnRef idx="2">
+              <a:schemeClr val="accent1">
+                <a:shade val="15000"/>
+              </a:schemeClr>
+            </a:lnRef>
+            <a:fillRef idx="1">
+              <a:schemeClr val="accent1"/>
+            </a:fillRef>
+            <a:effectRef idx="0">
+              <a:schemeClr val="accent1"/>
+            </a:effectRef>
+            <a:fontRef idx="minor">
+              <a:schemeClr val="lt1"/>
+            </a:fontRef>
+          </p:style>
+          <p:txBody>
+            <a:bodyPr wrap="square" rtlCol="0" anchor="ctr">
+              <a:noAutofit/>
+            </a:bodyPr>
+            <a:lstStyle/>
+            <a:p>
+              <a:pPr algn="ctr"/>
+              <a:endParaRPr lang="en-GB"/>
+            </a:p>
+          </p:txBody>
+        </p:sp>
+        <p:pic>
+          <p:nvPicPr>
+            <p:cNvPr id="33" name="Picture 32" descr="A black background with a black square&#10;&#10;AI-generated content may be incorrect.">
+              <a:extLst>
+                <a:ext uri="{FF2B5EF4-FFF2-40B4-BE49-F238E27FC236}">
+                  <a16:creationId xmlns:a16="http://schemas.microsoft.com/office/drawing/2014/main" id="{2EB8B8BC-0960-FAA8-79EF-587C7E6308BE}"/>
+                </a:ext>
+              </a:extLst>
+            </p:cNvPr>
+            <p:cNvPicPr>
+              <a:picLocks noChangeAspect="1"/>
+            </p:cNvPicPr>
+            <p:nvPr/>
+          </p:nvPicPr>
+          <p:blipFill>
+            <a:blip r:embed="rId4">
+              <a:extLst>
+                <a:ext uri="{28A0092B-C50C-407E-A947-70E740481C1C}">
+                  <a14:useLocalDpi xmlns:a14="http://schemas.microsoft.com/office/drawing/2010/main" val="0"/>
+                </a:ext>
+              </a:extLst>
+            </a:blip>
+            <a:stretch>
+              <a:fillRect/>
+            </a:stretch>
+          </p:blipFill>
+          <p:spPr>
+            <a:xfrm>
+              <a:off x="755159" y="3255524"/>
+              <a:ext cx="1269841" cy="1269841"/>
+            </a:xfrm>
+            <a:prstGeom prst="rect">
+              <a:avLst/>
+            </a:prstGeom>
+          </p:spPr>
+        </p:pic>
+      </p:grpSp>
+      <p:sp>
+        <p:nvSpPr>
+          <p:cNvPr id="49" name="Freeform: Shape 48">
+            <a:extLst>
+              <a:ext uri="{FF2B5EF4-FFF2-40B4-BE49-F238E27FC236}">
+                <a16:creationId xmlns:a16="http://schemas.microsoft.com/office/drawing/2014/main" id="{7C76E480-4FEF-34E1-0E13-A1D1B799BE44}"/>
+              </a:ext>
+            </a:extLst>
+          </p:cNvPr>
+          <p:cNvSpPr/>
+          <p:nvPr/>
+        </p:nvSpPr>
+        <p:spPr>
+          <a:xfrm>
+            <a:off x="2230628" y="3376649"/>
+            <a:ext cx="892144" cy="978221"/>
+          </a:xfrm>
+          <a:custGeom>
+            <a:avLst/>
+            <a:gdLst>
+              <a:gd name="connsiteX0" fmla="*/ 309951 w 892144"/>
+              <a:gd name="connsiteY0" fmla="*/ 0 h 978221"/>
+              <a:gd name="connsiteX1" fmla="*/ 457589 w 892144"/>
+              <a:gd name="connsiteY1" fmla="*/ 0 h 978221"/>
+              <a:gd name="connsiteX2" fmla="*/ 457589 w 892144"/>
+              <a:gd name="connsiteY2" fmla="*/ 340047 h 978221"/>
+              <a:gd name="connsiteX3" fmla="*/ 619515 w 892144"/>
+              <a:gd name="connsiteY3" fmla="*/ 340047 h 978221"/>
+              <a:gd name="connsiteX4" fmla="*/ 619515 w 892144"/>
+              <a:gd name="connsiteY4" fmla="*/ 352572 h 978221"/>
+              <a:gd name="connsiteX5" fmla="*/ 749968 w 892144"/>
+              <a:gd name="connsiteY5" fmla="*/ 352572 h 978221"/>
+              <a:gd name="connsiteX6" fmla="*/ 892144 w 892144"/>
+              <a:gd name="connsiteY6" fmla="*/ 494748 h 978221"/>
+              <a:gd name="connsiteX7" fmla="*/ 892144 w 892144"/>
+              <a:gd name="connsiteY7" fmla="*/ 831284 h 978221"/>
+              <a:gd name="connsiteX8" fmla="*/ 749968 w 892144"/>
+              <a:gd name="connsiteY8" fmla="*/ 973460 h 978221"/>
+              <a:gd name="connsiteX9" fmla="*/ 619515 w 892144"/>
+              <a:gd name="connsiteY9" fmla="*/ 973460 h 978221"/>
+              <a:gd name="connsiteX10" fmla="*/ 619515 w 892144"/>
+              <a:gd name="connsiteY10" fmla="*/ 978221 h 978221"/>
+              <a:gd name="connsiteX11" fmla="*/ 335163 w 892144"/>
+              <a:gd name="connsiteY11" fmla="*/ 978221 h 978221"/>
+              <a:gd name="connsiteX12" fmla="*/ 335163 w 892144"/>
+              <a:gd name="connsiteY12" fmla="*/ 961267 h 978221"/>
+              <a:gd name="connsiteX13" fmla="*/ 0 w 892144"/>
+              <a:gd name="connsiteY13" fmla="*/ 644663 h 978221"/>
+              <a:gd name="connsiteX14" fmla="*/ 98180 w 892144"/>
+              <a:gd name="connsiteY14" fmla="*/ 540727 h 978221"/>
+              <a:gd name="connsiteX15" fmla="*/ 217102 w 892144"/>
+              <a:gd name="connsiteY15" fmla="*/ 653063 h 978221"/>
+              <a:gd name="connsiteX16" fmla="*/ 217102 w 892144"/>
+              <a:gd name="connsiteY16" fmla="*/ 640922 h 978221"/>
+              <a:gd name="connsiteX17" fmla="*/ 335163 w 892144"/>
+              <a:gd name="connsiteY17" fmla="*/ 640922 h 978221"/>
+              <a:gd name="connsiteX18" fmla="*/ 335163 w 892144"/>
+              <a:gd name="connsiteY18" fmla="*/ 382907 h 978221"/>
+              <a:gd name="connsiteX19" fmla="*/ 309951 w 892144"/>
+              <a:gd name="connsiteY19" fmla="*/ 382907 h 978221"/>
+            </a:gdLst>
+            <a:ahLst/>
+            <a:cxnLst>
+              <a:cxn ang="0">
+                <a:pos x="connsiteX0" y="connsiteY0"/>
+              </a:cxn>
+              <a:cxn ang="0">
+                <a:pos x="connsiteX1" y="connsiteY1"/>
+              </a:cxn>
+              <a:cxn ang="0">
+                <a:pos x="connsiteX2" y="connsiteY2"/>
+              </a:cxn>
+              <a:cxn ang="0">
+                <a:pos x="connsiteX3" y="connsiteY3"/>
+              </a:cxn>
+              <a:cxn ang="0">
+                <a:pos x="connsiteX4" y="connsiteY4"/>
+              </a:cxn>
+              <a:cxn ang="0">
+                <a:pos x="connsiteX5" y="connsiteY5"/>
+              </a:cxn>
+              <a:cxn ang="0">
+                <a:pos x="connsiteX6" y="connsiteY6"/>
+              </a:cxn>
+              <a:cxn ang="0">
+                <a:pos x="connsiteX7" y="connsiteY7"/>
+              </a:cxn>
+              <a:cxn ang="0">
+                <a:pos x="connsiteX8" y="connsiteY8"/>
+              </a:cxn>
+              <a:cxn ang="0">
+                <a:pos x="connsiteX9" y="connsiteY9"/>
+              </a:cxn>
+              <a:cxn ang="0">
+                <a:pos x="connsiteX10" y="connsiteY10"/>
+              </a:cxn>
+              <a:cxn ang="0">
+                <a:pos x="connsiteX11" y="connsiteY11"/>
+              </a:cxn>
+              <a:cxn ang="0">
+                <a:pos x="connsiteX12" y="connsiteY12"/>
+              </a:cxn>
+              <a:cxn ang="0">
+                <a:pos x="connsiteX13" y="connsiteY13"/>
+              </a:cxn>
+              <a:cxn ang="0">
+                <a:pos x="connsiteX14" y="connsiteY14"/>
+              </a:cxn>
+              <a:cxn ang="0">
+                <a:pos x="connsiteX15" y="connsiteY15"/>
+              </a:cxn>
+              <a:cxn ang="0">
+                <a:pos x="connsiteX16" y="connsiteY16"/>
+              </a:cxn>
+              <a:cxn ang="0">
+                <a:pos x="connsiteX17" y="connsiteY17"/>
+              </a:cxn>
+              <a:cxn ang="0">
+                <a:pos x="connsiteX18" y="connsiteY18"/>
+              </a:cxn>
+              <a:cxn ang="0">
+                <a:pos x="connsiteX19" y="connsiteY19"/>
+              </a:cxn>
+            </a:cxnLst>
+            <a:rect l="l" t="t" r="r" b="b"/>
+            <a:pathLst>
+              <a:path w="892144" h="978221">
+                <a:moveTo>
+                  <a:pt x="309951" y="0"/>
+                </a:moveTo>
+                <a:lnTo>
+                  <a:pt x="457589" y="0"/>
+                </a:lnTo>
+                <a:lnTo>
+                  <a:pt x="457589" y="340047"/>
+                </a:lnTo>
+                <a:lnTo>
+                  <a:pt x="619515" y="340047"/>
+                </a:lnTo>
+                <a:lnTo>
+                  <a:pt x="619515" y="352572"/>
+                </a:lnTo>
+                <a:lnTo>
+                  <a:pt x="749968" y="352572"/>
+                </a:lnTo>
+                <a:lnTo>
+                  <a:pt x="892144" y="494748"/>
+                </a:lnTo>
+                <a:lnTo>
+                  <a:pt x="892144" y="831284"/>
+                </a:lnTo>
+                <a:lnTo>
+                  <a:pt x="749968" y="973460"/>
+                </a:lnTo>
+                <a:lnTo>
+                  <a:pt x="619515" y="973460"/>
+                </a:lnTo>
+                <a:lnTo>
+                  <a:pt x="619515" y="978221"/>
+                </a:lnTo>
+                <a:lnTo>
+                  <a:pt x="335163" y="978221"/>
+                </a:lnTo>
+                <a:lnTo>
+                  <a:pt x="335163" y="961267"/>
+                </a:lnTo>
+                <a:lnTo>
+                  <a:pt x="0" y="644663"/>
+                </a:lnTo>
+                <a:lnTo>
+                  <a:pt x="98180" y="540727"/>
+                </a:lnTo>
+                <a:lnTo>
+                  <a:pt x="217102" y="653063"/>
+                </a:lnTo>
+                <a:lnTo>
+                  <a:pt x="217102" y="640922"/>
+                </a:lnTo>
+                <a:lnTo>
+                  <a:pt x="335163" y="640922"/>
+                </a:lnTo>
+                <a:lnTo>
+                  <a:pt x="335163" y="382907"/>
+                </a:lnTo>
+                <a:lnTo>
+                  <a:pt x="309951" y="382907"/>
+                </a:lnTo>
+                <a:close/>
+              </a:path>
+            </a:pathLst>
+          </a:custGeom>
+          <a:solidFill>
+            <a:schemeClr val="tx1">
+              <a:lumMod val="50000"/>
+              <a:lumOff val="50000"/>
+            </a:schemeClr>
+          </a:solidFill>
+          <a:ln>
+            <a:noFill/>
+          </a:ln>
+        </p:spPr>
+        <p:style>
+          <a:lnRef idx="2">
+            <a:schemeClr val="accent1">
+              <a:shade val="15000"/>
+            </a:schemeClr>
+          </a:lnRef>
+          <a:fillRef idx="1">
+            <a:schemeClr val="accent1"/>
+          </a:fillRef>
+          <a:effectRef idx="0">
+            <a:schemeClr val="accent1"/>
+          </a:effectRef>
+          <a:fontRef idx="minor">
+            <a:schemeClr val="lt1"/>
+          </a:fontRef>
+        </p:style>
+        <p:txBody>
+          <a:bodyPr wrap="square" rtlCol="0" anchor="ctr">
+            <a:noAutofit/>
+          </a:bodyPr>
+          <a:lstStyle/>
+          <a:p>
+            <a:pPr algn="ctr"/>
+            <a:endParaRPr lang="en-GB" dirty="0"/>
+          </a:p>
+        </p:txBody>
+      </p:sp>
+      <p:pic>
+        <p:nvPicPr>
+          <p:cNvPr id="48" name="Picture 47" descr="A black background with a black square&#10;&#10;AI-generated content may be incorrect.">
+            <a:extLst>
+              <a:ext uri="{FF2B5EF4-FFF2-40B4-BE49-F238E27FC236}">
+                <a16:creationId xmlns:a16="http://schemas.microsoft.com/office/drawing/2014/main" id="{89486995-0043-E60A-A70E-D8F1A02A522E}"/>
+              </a:ext>
+            </a:extLst>
+          </p:cNvPr>
+          <p:cNvPicPr>
+            <a:picLocks noChangeAspect="1"/>
+          </p:cNvPicPr>
+          <p:nvPr/>
+        </p:nvPicPr>
+        <p:blipFill rotWithShape="1">
+          <a:blip r:embed="rId4">
+            <a:extLst>
+              <a:ext uri="{28A0092B-C50C-407E-A947-70E740481C1C}">
+                <a14:useLocalDpi xmlns:a14="http://schemas.microsoft.com/office/drawing/2010/main" val="0"/>
+              </a:ext>
+            </a:extLst>
+          </a:blip>
+          <a:srcRect l="9744"/>
+          <a:stretch/>
+        </p:blipFill>
+        <p:spPr>
+          <a:xfrm>
+            <a:off x="2171700" y="3243181"/>
+            <a:ext cx="1146105" cy="1269841"/>
+          </a:xfrm>
+          <a:prstGeom prst="rect">
+            <a:avLst/>
+          </a:prstGeom>
+        </p:spPr>
+      </p:pic>
+      <p:pic>
+        <p:nvPicPr>
+          <p:cNvPr id="51" name="Picture 50" descr="A black background with a black square&#10;&#10;AI-generated content may be incorrect.">
+            <a:extLst>
+              <a:ext uri="{FF2B5EF4-FFF2-40B4-BE49-F238E27FC236}">
+                <a16:creationId xmlns:a16="http://schemas.microsoft.com/office/drawing/2014/main" id="{D2D6BED3-809A-7910-198B-5A1B716E67D2}"/>
+              </a:ext>
+            </a:extLst>
+          </p:cNvPr>
+          <p:cNvPicPr>
+            <a:picLocks noChangeAspect="1"/>
+          </p:cNvPicPr>
+          <p:nvPr/>
+        </p:nvPicPr>
+        <p:blipFill>
+          <a:blip r:embed="rId5">
+            <a:extLst>
+              <a:ext uri="{28A0092B-C50C-407E-A947-70E740481C1C}">
+                <a14:useLocalDpi xmlns:a14="http://schemas.microsoft.com/office/drawing/2010/main" val="0"/>
+              </a:ext>
+            </a:extLst>
+          </a:blip>
+          <a:stretch>
+            <a:fillRect/>
+          </a:stretch>
+        </p:blipFill>
+        <p:spPr>
+          <a:xfrm rot="16200000" flipH="1">
+            <a:off x="6826515" y="539854"/>
+            <a:ext cx="1269841" cy="1269841"/>
+          </a:xfrm>
+          <a:prstGeom prst="rect">
+            <a:avLst/>
+          </a:prstGeom>
+        </p:spPr>
+      </p:pic>
+      <p:grpSp>
+        <p:nvGrpSpPr>
+          <p:cNvPr id="106" name="Group 105">
+            <a:extLst>
+              <a:ext uri="{FF2B5EF4-FFF2-40B4-BE49-F238E27FC236}">
+                <a16:creationId xmlns:a16="http://schemas.microsoft.com/office/drawing/2014/main" id="{0C55754D-A0BA-DFBC-4BB9-9FD1222A4157}"/>
+              </a:ext>
+            </a:extLst>
+          </p:cNvPr>
+          <p:cNvGrpSpPr/>
+          <p:nvPr/>
+        </p:nvGrpSpPr>
+        <p:grpSpPr>
+          <a:xfrm>
+            <a:off x="6364435" y="2698620"/>
+            <a:ext cx="1269841" cy="1111256"/>
+            <a:chOff x="6364435" y="2698620"/>
+            <a:chExt cx="1269841" cy="1111256"/>
+          </a:xfrm>
+        </p:grpSpPr>
+        <p:sp>
+          <p:nvSpPr>
+            <p:cNvPr id="90" name="Freeform: Shape 89">
+              <a:extLst>
+                <a:ext uri="{FF2B5EF4-FFF2-40B4-BE49-F238E27FC236}">
+                  <a16:creationId xmlns:a16="http://schemas.microsoft.com/office/drawing/2014/main" id="{EC4822E8-BCCA-8988-0576-2EF3B20229A9}"/>
+                </a:ext>
+              </a:extLst>
+            </p:cNvPr>
+            <p:cNvSpPr/>
+            <p:nvPr/>
+          </p:nvSpPr>
+          <p:spPr>
+            <a:xfrm rot="20697523">
+              <a:off x="6415663" y="2868068"/>
+              <a:ext cx="1085707" cy="709560"/>
+            </a:xfrm>
+            <a:custGeom>
+              <a:avLst/>
+              <a:gdLst>
+                <a:gd name="connsiteX0" fmla="*/ 1085707 w 1085707"/>
+                <a:gd name="connsiteY0" fmla="*/ 1522 h 703382"/>
+                <a:gd name="connsiteX1" fmla="*/ 1085707 w 1085707"/>
+                <a:gd name="connsiteY1" fmla="*/ 233559 h 703382"/>
+                <a:gd name="connsiteX2" fmla="*/ 1084733 w 1085707"/>
+                <a:gd name="connsiteY2" fmla="*/ 233559 h 703382"/>
+                <a:gd name="connsiteX3" fmla="*/ 1084429 w 1085707"/>
+                <a:gd name="connsiteY3" fmla="*/ 350240 h 703382"/>
+                <a:gd name="connsiteX4" fmla="*/ 916260 w 1085707"/>
+                <a:gd name="connsiteY4" fmla="*/ 349802 h 703382"/>
+                <a:gd name="connsiteX5" fmla="*/ 916259 w 1085707"/>
+                <a:gd name="connsiteY5" fmla="*/ 456025 h 703382"/>
+                <a:gd name="connsiteX6" fmla="*/ 868184 w 1085707"/>
+                <a:gd name="connsiteY6" fmla="*/ 456025 h 703382"/>
+                <a:gd name="connsiteX7" fmla="*/ 868184 w 1085707"/>
+                <a:gd name="connsiteY7" fmla="*/ 511982 h 703382"/>
+                <a:gd name="connsiteX8" fmla="*/ 783655 w 1085707"/>
+                <a:gd name="connsiteY8" fmla="*/ 511982 h 703382"/>
+                <a:gd name="connsiteX9" fmla="*/ 783655 w 1085707"/>
+                <a:gd name="connsiteY9" fmla="*/ 568426 h 703382"/>
+                <a:gd name="connsiteX10" fmla="*/ 698055 w 1085707"/>
+                <a:gd name="connsiteY10" fmla="*/ 568426 h 703382"/>
+                <a:gd name="connsiteX11" fmla="*/ 698055 w 1085707"/>
+                <a:gd name="connsiteY11" fmla="*/ 602140 h 703382"/>
+                <a:gd name="connsiteX12" fmla="*/ 516288 w 1085707"/>
+                <a:gd name="connsiteY12" fmla="*/ 602140 h 703382"/>
+                <a:gd name="connsiteX13" fmla="*/ 516288 w 1085707"/>
+                <a:gd name="connsiteY13" fmla="*/ 658889 h 703382"/>
+                <a:gd name="connsiteX14" fmla="*/ 448191 w 1085707"/>
+                <a:gd name="connsiteY14" fmla="*/ 658889 h 703382"/>
+                <a:gd name="connsiteX15" fmla="*/ 448191 w 1085707"/>
+                <a:gd name="connsiteY15" fmla="*/ 703382 h 703382"/>
+                <a:gd name="connsiteX16" fmla="*/ 321212 w 1085707"/>
+                <a:gd name="connsiteY16" fmla="*/ 703382 h 703382"/>
+                <a:gd name="connsiteX17" fmla="*/ 321212 w 1085707"/>
+                <a:gd name="connsiteY17" fmla="*/ 623625 h 703382"/>
+                <a:gd name="connsiteX18" fmla="*/ 321281 w 1085707"/>
+                <a:gd name="connsiteY18" fmla="*/ 623625 h 703382"/>
+                <a:gd name="connsiteX19" fmla="*/ 321281 w 1085707"/>
+                <a:gd name="connsiteY19" fmla="*/ 579132 h 703382"/>
+                <a:gd name="connsiteX20" fmla="*/ 357890 w 1085707"/>
+                <a:gd name="connsiteY20" fmla="*/ 579132 h 703382"/>
+                <a:gd name="connsiteX21" fmla="*/ 357889 w 1085707"/>
+                <a:gd name="connsiteY21" fmla="*/ 522383 h 703382"/>
+                <a:gd name="connsiteX22" fmla="*/ 426575 w 1085707"/>
+                <a:gd name="connsiteY22" fmla="*/ 522383 h 703382"/>
+                <a:gd name="connsiteX23" fmla="*/ 426575 w 1085707"/>
+                <a:gd name="connsiteY23" fmla="*/ 488669 h 703382"/>
+                <a:gd name="connsiteX24" fmla="*/ 511104 w 1085707"/>
+                <a:gd name="connsiteY24" fmla="*/ 488669 h 703382"/>
+                <a:gd name="connsiteX25" fmla="*/ 511104 w 1085707"/>
+                <a:gd name="connsiteY25" fmla="*/ 432225 h 703382"/>
+                <a:gd name="connsiteX26" fmla="*/ 550677 w 1085707"/>
+                <a:gd name="connsiteY26" fmla="*/ 432225 h 703382"/>
+                <a:gd name="connsiteX27" fmla="*/ 550677 w 1085707"/>
+                <a:gd name="connsiteY27" fmla="*/ 338966 h 703382"/>
+                <a:gd name="connsiteX28" fmla="*/ 477099 w 1085707"/>
+                <a:gd name="connsiteY28" fmla="*/ 265002 h 703382"/>
+                <a:gd name="connsiteX29" fmla="*/ 477181 w 1085707"/>
+                <a:gd name="connsiteY29" fmla="*/ 233559 h 703382"/>
+                <a:gd name="connsiteX30" fmla="*/ 364498 w 1085707"/>
+                <a:gd name="connsiteY30" fmla="*/ 233559 h 703382"/>
+                <a:gd name="connsiteX31" fmla="*/ 211854 w 1085707"/>
+                <a:gd name="connsiteY31" fmla="*/ 421260 h 703382"/>
+                <a:gd name="connsiteX32" fmla="*/ 141047 w 1085707"/>
+                <a:gd name="connsiteY32" fmla="*/ 684756 h 703382"/>
+                <a:gd name="connsiteX33" fmla="*/ 0 w 1085707"/>
+                <a:gd name="connsiteY33" fmla="*/ 646854 h 703382"/>
+                <a:gd name="connsiteX34" fmla="*/ 73913 w 1085707"/>
+                <a:gd name="connsiteY34" fmla="*/ 371797 h 703382"/>
+                <a:gd name="connsiteX35" fmla="*/ 60860 w 1085707"/>
+                <a:gd name="connsiteY35" fmla="*/ 361181 h 703382"/>
+                <a:gd name="connsiteX36" fmla="*/ 344332 w 1085707"/>
+                <a:gd name="connsiteY36" fmla="*/ 12605 h 703382"/>
+                <a:gd name="connsiteX37" fmla="*/ 344332 w 1085707"/>
+                <a:gd name="connsiteY37" fmla="*/ 1522 h 703382"/>
+                <a:gd name="connsiteX38" fmla="*/ 353346 w 1085707"/>
+                <a:gd name="connsiteY38" fmla="*/ 1522 h 703382"/>
+                <a:gd name="connsiteX39" fmla="*/ 354584 w 1085707"/>
+                <a:gd name="connsiteY39" fmla="*/ 0 h 703382"/>
+                <a:gd name="connsiteX40" fmla="*/ 356456 w 1085707"/>
+                <a:gd name="connsiteY40" fmla="*/ 1522 h 703382"/>
+              </a:gdLst>
+              <a:ahLst/>
+              <a:cxnLst>
+                <a:cxn ang="0">
+                  <a:pos x="connsiteX0" y="connsiteY0"/>
+                </a:cxn>
+                <a:cxn ang="0">
+                  <a:pos x="connsiteX1" y="connsiteY1"/>
+                </a:cxn>
+                <a:cxn ang="0">
+                  <a:pos x="connsiteX2" y="connsiteY2"/>
+                </a:cxn>
+                <a:cxn ang="0">
+                  <a:pos x="connsiteX3" y="connsiteY3"/>
+                </a:cxn>
+                <a:cxn ang="0">
+                  <a:pos x="connsiteX4" y="connsiteY4"/>
+                </a:cxn>
+                <a:cxn ang="0">
+                  <a:pos x="connsiteX5" y="connsiteY5"/>
+                </a:cxn>
+                <a:cxn ang="0">
+                  <a:pos x="connsiteX6" y="connsiteY6"/>
+                </a:cxn>
+                <a:cxn ang="0">
+                  <a:pos x="connsiteX7" y="connsiteY7"/>
+                </a:cxn>
+                <a:cxn ang="0">
+                  <a:pos x="connsiteX8" y="connsiteY8"/>
+                </a:cxn>
+                <a:cxn ang="0">
+                  <a:pos x="connsiteX9" y="connsiteY9"/>
+                </a:cxn>
+                <a:cxn ang="0">
+                  <a:pos x="connsiteX10" y="connsiteY10"/>
+                </a:cxn>
+                <a:cxn ang="0">
+                  <a:pos x="connsiteX11" y="connsiteY11"/>
+                </a:cxn>
+                <a:cxn ang="0">
+                  <a:pos x="connsiteX12" y="connsiteY12"/>
+                </a:cxn>
+                <a:cxn ang="0">
+                  <a:pos x="connsiteX13" y="connsiteY13"/>
+                </a:cxn>
+                <a:cxn ang="0">
+                  <a:pos x="connsiteX14" y="connsiteY14"/>
+                </a:cxn>
+                <a:cxn ang="0">
+                  <a:pos x="connsiteX15" y="connsiteY15"/>
+                </a:cxn>
+                <a:cxn ang="0">
+                  <a:pos x="connsiteX16" y="connsiteY16"/>
+                </a:cxn>
+                <a:cxn ang="0">
+                  <a:pos x="connsiteX17" y="connsiteY17"/>
+                </a:cxn>
+                <a:cxn ang="0">
+                  <a:pos x="connsiteX18" y="connsiteY18"/>
+                </a:cxn>
+                <a:cxn ang="0">
+                  <a:pos x="connsiteX19" y="connsiteY19"/>
+                </a:cxn>
+                <a:cxn ang="0">
+                  <a:pos x="connsiteX20" y="connsiteY20"/>
+                </a:cxn>
+                <a:cxn ang="0">
+                  <a:pos x="connsiteX21" y="connsiteY21"/>
+                </a:cxn>
+                <a:cxn ang="0">
+                  <a:pos x="connsiteX22" y="connsiteY22"/>
+                </a:cxn>
+                <a:cxn ang="0">
+                  <a:pos x="connsiteX23" y="connsiteY23"/>
+                </a:cxn>
+                <a:cxn ang="0">
+                  <a:pos x="connsiteX24" y="connsiteY24"/>
+                </a:cxn>
+                <a:cxn ang="0">
+                  <a:pos x="connsiteX25" y="connsiteY25"/>
+                </a:cxn>
+                <a:cxn ang="0">
+                  <a:pos x="connsiteX26" y="connsiteY26"/>
+                </a:cxn>
+                <a:cxn ang="0">
+                  <a:pos x="connsiteX27" y="connsiteY27"/>
+                </a:cxn>
+                <a:cxn ang="0">
+                  <a:pos x="connsiteX28" y="connsiteY28"/>
+                </a:cxn>
+                <a:cxn ang="0">
+                  <a:pos x="connsiteX29" y="connsiteY29"/>
+                </a:cxn>
+                <a:cxn ang="0">
+                  <a:pos x="connsiteX30" y="connsiteY30"/>
+                </a:cxn>
+                <a:cxn ang="0">
+                  <a:pos x="connsiteX31" y="connsiteY31"/>
+                </a:cxn>
+                <a:cxn ang="0">
+                  <a:pos x="connsiteX32" y="connsiteY32"/>
+                </a:cxn>
+                <a:cxn ang="0">
+                  <a:pos x="connsiteX33" y="connsiteY33"/>
+                </a:cxn>
+                <a:cxn ang="0">
+                  <a:pos x="connsiteX34" y="connsiteY34"/>
+                </a:cxn>
+                <a:cxn ang="0">
+                  <a:pos x="connsiteX35" y="connsiteY35"/>
+                </a:cxn>
+                <a:cxn ang="0">
+                  <a:pos x="connsiteX36" y="connsiteY36"/>
+                </a:cxn>
+                <a:cxn ang="0">
+                  <a:pos x="connsiteX37" y="connsiteY37"/>
+                </a:cxn>
+                <a:cxn ang="0">
+                  <a:pos x="connsiteX38" y="connsiteY38"/>
+                </a:cxn>
+                <a:cxn ang="0">
+                  <a:pos x="connsiteX39" y="connsiteY39"/>
+                </a:cxn>
+                <a:cxn ang="0">
+                  <a:pos x="connsiteX40" y="connsiteY40"/>
+                </a:cxn>
+              </a:cxnLst>
+              <a:rect l="l" t="t" r="r" b="b"/>
+              <a:pathLst>
+                <a:path w="1085707" h="703382">
+                  <a:moveTo>
+                    <a:pt x="1085707" y="1522"/>
+                  </a:moveTo>
+                  <a:lnTo>
+                    <a:pt x="1085707" y="233559"/>
+                  </a:lnTo>
+                  <a:lnTo>
+                    <a:pt x="1084733" y="233559"/>
+                  </a:lnTo>
+                  <a:lnTo>
+                    <a:pt x="1084429" y="350240"/>
+                  </a:lnTo>
+                  <a:lnTo>
+                    <a:pt x="916260" y="349802"/>
+                  </a:lnTo>
+                  <a:lnTo>
+                    <a:pt x="916259" y="456025"/>
+                  </a:lnTo>
+                  <a:lnTo>
+                    <a:pt x="868184" y="456025"/>
+                  </a:lnTo>
+                  <a:lnTo>
+                    <a:pt x="868184" y="511982"/>
+                  </a:lnTo>
+                  <a:lnTo>
+                    <a:pt x="783655" y="511982"/>
+                  </a:lnTo>
+                  <a:lnTo>
+                    <a:pt x="783655" y="568426"/>
+                  </a:lnTo>
+                  <a:lnTo>
+                    <a:pt x="698055" y="568426"/>
+                  </a:lnTo>
+                  <a:lnTo>
+                    <a:pt x="698055" y="602140"/>
+                  </a:lnTo>
+                  <a:lnTo>
+                    <a:pt x="516288" y="602140"/>
+                  </a:lnTo>
+                  <a:lnTo>
+                    <a:pt x="516288" y="658889"/>
+                  </a:lnTo>
+                  <a:lnTo>
+                    <a:pt x="448191" y="658889"/>
+                  </a:lnTo>
+                  <a:lnTo>
+                    <a:pt x="448191" y="703382"/>
+                  </a:lnTo>
+                  <a:lnTo>
+                    <a:pt x="321212" y="703382"/>
+                  </a:lnTo>
+                  <a:lnTo>
+                    <a:pt x="321212" y="623625"/>
+                  </a:lnTo>
+                  <a:lnTo>
+                    <a:pt x="321281" y="623625"/>
+                  </a:lnTo>
+                  <a:lnTo>
+                    <a:pt x="321281" y="579132"/>
+                  </a:lnTo>
+                  <a:lnTo>
+                    <a:pt x="357890" y="579132"/>
+                  </a:lnTo>
+                  <a:lnTo>
+                    <a:pt x="357889" y="522383"/>
+                  </a:lnTo>
+                  <a:lnTo>
+                    <a:pt x="426575" y="522383"/>
+                  </a:lnTo>
+                  <a:lnTo>
+                    <a:pt x="426575" y="488669"/>
+                  </a:lnTo>
+                  <a:lnTo>
+                    <a:pt x="511104" y="488669"/>
+                  </a:lnTo>
+                  <a:lnTo>
+                    <a:pt x="511104" y="432225"/>
+                  </a:lnTo>
+                  <a:lnTo>
+                    <a:pt x="550677" y="432225"/>
+                  </a:lnTo>
+                  <a:lnTo>
+                    <a:pt x="550677" y="338966"/>
+                  </a:lnTo>
+                  <a:lnTo>
+                    <a:pt x="477099" y="265002"/>
+                  </a:lnTo>
+                  <a:lnTo>
+                    <a:pt x="477181" y="233559"/>
+                  </a:lnTo>
+                  <a:lnTo>
+                    <a:pt x="364498" y="233559"/>
+                  </a:lnTo>
+                  <a:lnTo>
+                    <a:pt x="211854" y="421260"/>
+                  </a:lnTo>
+                  <a:lnTo>
+                    <a:pt x="141047" y="684756"/>
+                  </a:lnTo>
+                  <a:lnTo>
+                    <a:pt x="0" y="646854"/>
+                  </a:lnTo>
+                  <a:lnTo>
+                    <a:pt x="73913" y="371797"/>
+                  </a:lnTo>
+                  <a:lnTo>
+                    <a:pt x="60860" y="361181"/>
+                  </a:lnTo>
+                  <a:lnTo>
+                    <a:pt x="344332" y="12605"/>
+                  </a:lnTo>
+                  <a:lnTo>
+                    <a:pt x="344332" y="1522"/>
+                  </a:lnTo>
+                  <a:lnTo>
+                    <a:pt x="353346" y="1522"/>
+                  </a:lnTo>
+                  <a:lnTo>
+                    <a:pt x="354584" y="0"/>
+                  </a:lnTo>
+                  <a:lnTo>
+                    <a:pt x="356456" y="1522"/>
+                  </a:lnTo>
+                  <a:close/>
+                </a:path>
+              </a:pathLst>
+            </a:custGeom>
+            <a:solidFill>
+              <a:schemeClr val="tx1">
+                <a:lumMod val="50000"/>
+                <a:lumOff val="50000"/>
+              </a:schemeClr>
+            </a:solidFill>
+            <a:ln>
+              <a:noFill/>
+            </a:ln>
+          </p:spPr>
+          <p:style>
+            <a:lnRef idx="2">
+              <a:schemeClr val="accent1">
+                <a:shade val="15000"/>
+              </a:schemeClr>
+            </a:lnRef>
+            <a:fillRef idx="1">
+              <a:schemeClr val="accent1"/>
+            </a:fillRef>
+            <a:effectRef idx="0">
+              <a:schemeClr val="accent1"/>
+            </a:effectRef>
+            <a:fontRef idx="minor">
+              <a:schemeClr val="lt1"/>
+            </a:fontRef>
+          </p:style>
+          <p:txBody>
+            <a:bodyPr wrap="square" rtlCol="0" anchor="ctr">
+              <a:noAutofit/>
+            </a:bodyPr>
+            <a:lstStyle/>
+            <a:p>
+              <a:pPr algn="ctr"/>
+              <a:endParaRPr lang="en-GB"/>
+            </a:p>
+          </p:txBody>
+        </p:sp>
+        <p:grpSp>
+          <p:nvGrpSpPr>
+            <p:cNvPr id="99" name="Group 98">
+              <a:extLst>
+                <a:ext uri="{FF2B5EF4-FFF2-40B4-BE49-F238E27FC236}">
+                  <a16:creationId xmlns:a16="http://schemas.microsoft.com/office/drawing/2014/main" id="{0AC09807-7D0A-4BE2-7D01-40D86731C67C}"/>
+                </a:ext>
+              </a:extLst>
+            </p:cNvPr>
+            <p:cNvGrpSpPr/>
+            <p:nvPr/>
+          </p:nvGrpSpPr>
+          <p:grpSpPr>
+            <a:xfrm>
+              <a:off x="6364435" y="2698620"/>
+              <a:ext cx="1269841" cy="1111256"/>
+              <a:chOff x="6364435" y="2698620"/>
+              <a:chExt cx="1269841" cy="1111256"/>
+            </a:xfrm>
+          </p:grpSpPr>
+          <p:pic>
+            <p:nvPicPr>
+              <p:cNvPr id="93" name="Picture 92" descr="A black background with a black square&#10;&#10;AI-generated content may be incorrect.">
+                <a:extLst>
+                  <a:ext uri="{FF2B5EF4-FFF2-40B4-BE49-F238E27FC236}">
+                    <a16:creationId xmlns:a16="http://schemas.microsoft.com/office/drawing/2014/main" id="{FACF28CC-4D6C-50B3-9746-643D9B96B1C8}"/>
+                  </a:ext>
+                </a:extLst>
+              </p:cNvPr>
+              <p:cNvPicPr>
+                <a:picLocks noChangeAspect="1"/>
+              </p:cNvPicPr>
+              <p:nvPr/>
+            </p:nvPicPr>
+            <p:blipFill>
+              <a:blip r:embed="rId5">
+                <a:extLst>
+                  <a:ext uri="{28A0092B-C50C-407E-A947-70E740481C1C}">
+                    <a14:useLocalDpi xmlns:a14="http://schemas.microsoft.com/office/drawing/2010/main" val="0"/>
+                  </a:ext>
+                </a:extLst>
+              </a:blip>
+              <a:srcRect l="21551"/>
+              <a:stretch/>
+            </p:blipFill>
+            <p:spPr>
+              <a:xfrm rot="16200000" flipH="1">
+                <a:off x="6501269" y="2676869"/>
+                <a:ext cx="996173" cy="1269841"/>
+              </a:xfrm>
+              <a:prstGeom prst="rect">
+                <a:avLst/>
+              </a:prstGeom>
+            </p:spPr>
+          </p:pic>
+          <p:grpSp>
+            <p:nvGrpSpPr>
+              <p:cNvPr id="96" name="Group 95">
+                <a:extLst>
+                  <a:ext uri="{FF2B5EF4-FFF2-40B4-BE49-F238E27FC236}">
+                    <a16:creationId xmlns:a16="http://schemas.microsoft.com/office/drawing/2014/main" id="{C146B09B-7235-FC19-DC84-31D866A904D5}"/>
+                  </a:ext>
+                </a:extLst>
+              </p:cNvPr>
+              <p:cNvGrpSpPr/>
+              <p:nvPr/>
+            </p:nvGrpSpPr>
+            <p:grpSpPr>
+              <a:xfrm>
+                <a:off x="7265201" y="2703017"/>
+                <a:ext cx="330658" cy="431994"/>
+                <a:chOff x="6340581" y="2572446"/>
+                <a:chExt cx="330658" cy="431994"/>
+              </a:xfrm>
+            </p:grpSpPr>
+            <p:pic>
+              <p:nvPicPr>
+                <p:cNvPr id="97" name="Picture 96" descr="A black background with a black square&#10;&#10;AI-generated content may be incorrect.">
+                  <a:extLst>
+                    <a:ext uri="{FF2B5EF4-FFF2-40B4-BE49-F238E27FC236}">
+                      <a16:creationId xmlns:a16="http://schemas.microsoft.com/office/drawing/2014/main" id="{00D5D805-6328-3241-1850-EC6683EA38C0}"/>
+                    </a:ext>
+                  </a:extLst>
+                </p:cNvPr>
+                <p:cNvPicPr>
+                  <a:picLocks noChangeAspect="1"/>
+                </p:cNvPicPr>
+                <p:nvPr/>
+              </p:nvPicPr>
+              <p:blipFill>
+                <a:blip r:embed="rId5">
+                  <a:extLst>
+                    <a:ext uri="{28A0092B-C50C-407E-A947-70E740481C1C}">
+                      <a14:useLocalDpi xmlns:a14="http://schemas.microsoft.com/office/drawing/2010/main" val="0"/>
+                    </a:ext>
+                  </a:extLst>
+                </a:blip>
+                <a:srcRect l="10182" t="73782" r="68815" b="9209"/>
+                <a:stretch/>
+              </p:blipFill>
+              <p:spPr>
+                <a:xfrm rot="10800000" flipV="1">
+                  <a:off x="6340581" y="2788443"/>
+                  <a:ext cx="266701" cy="215997"/>
+                </a:xfrm>
+                <a:prstGeom prst="rect">
+                  <a:avLst/>
+                </a:prstGeom>
+              </p:spPr>
+            </p:pic>
+            <p:pic>
+              <p:nvPicPr>
+                <p:cNvPr id="98" name="Picture 97" descr="A black background with a black square&#10;&#10;AI-generated content may be incorrect.">
+                  <a:extLst>
+                    <a:ext uri="{FF2B5EF4-FFF2-40B4-BE49-F238E27FC236}">
+                      <a16:creationId xmlns:a16="http://schemas.microsoft.com/office/drawing/2014/main" id="{C97F7222-1B0B-2754-F4B2-F7FD72A45FEC}"/>
+                    </a:ext>
+                  </a:extLst>
+                </p:cNvPr>
+                <p:cNvPicPr>
+                  <a:picLocks noChangeAspect="1"/>
+                </p:cNvPicPr>
+                <p:nvPr/>
+              </p:nvPicPr>
+              <p:blipFill>
+                <a:blip r:embed="rId5">
+                  <a:extLst>
+                    <a:ext uri="{28A0092B-C50C-407E-A947-70E740481C1C}">
+                      <a14:useLocalDpi xmlns:a14="http://schemas.microsoft.com/office/drawing/2010/main" val="0"/>
+                    </a:ext>
+                  </a:extLst>
+                </a:blip>
+                <a:srcRect l="10182" t="73782" r="68815" b="9209"/>
+                <a:stretch/>
+              </p:blipFill>
+              <p:spPr>
+                <a:xfrm rot="10800000" flipH="1">
+                  <a:off x="6404538" y="2572446"/>
+                  <a:ext cx="266701" cy="215997"/>
+                </a:xfrm>
+                <a:prstGeom prst="rect">
+                  <a:avLst/>
+                </a:prstGeom>
+              </p:spPr>
+            </p:pic>
+          </p:grpSp>
+          <p:pic>
+            <p:nvPicPr>
+              <p:cNvPr id="94" name="Picture 93" descr="A black background with a black square&#10;&#10;AI-generated content may be incorrect.">
+                <a:extLst>
+                  <a:ext uri="{FF2B5EF4-FFF2-40B4-BE49-F238E27FC236}">
+                    <a16:creationId xmlns:a16="http://schemas.microsoft.com/office/drawing/2014/main" id="{065CFBD8-D547-B525-52F9-7474A80D467F}"/>
+                  </a:ext>
+                </a:extLst>
+              </p:cNvPr>
+              <p:cNvPicPr>
+                <a:picLocks noChangeAspect="1"/>
+              </p:cNvPicPr>
+              <p:nvPr/>
+            </p:nvPicPr>
+            <p:blipFill>
+              <a:blip r:embed="rId5">
+                <a:extLst>
+                  <a:ext uri="{28A0092B-C50C-407E-A947-70E740481C1C}">
+                    <a14:useLocalDpi xmlns:a14="http://schemas.microsoft.com/office/drawing/2010/main" val="0"/>
+                  </a:ext>
+                </a:extLst>
+              </a:blip>
+              <a:srcRect l="10200" t="49411" r="76847"/>
+              <a:stretch/>
+            </p:blipFill>
+            <p:spPr>
+              <a:xfrm rot="16200000" flipH="1">
+                <a:off x="7134804" y="2459657"/>
+                <a:ext cx="164481" cy="642408"/>
+              </a:xfrm>
+              <a:prstGeom prst="rect">
+                <a:avLst/>
+              </a:prstGeom>
+            </p:spPr>
+          </p:pic>
+        </p:grpSp>
+      </p:grpSp>
+      <p:grpSp>
+        <p:nvGrpSpPr>
+          <p:cNvPr id="107" name="Group 106">
+            <a:extLst>
+              <a:ext uri="{FF2B5EF4-FFF2-40B4-BE49-F238E27FC236}">
+                <a16:creationId xmlns:a16="http://schemas.microsoft.com/office/drawing/2014/main" id="{03EA1908-AEE7-E2A5-0110-B5032228B154}"/>
+              </a:ext>
+            </a:extLst>
+          </p:cNvPr>
+          <p:cNvGrpSpPr>
+            <a:grpSpLocks/>
+          </p:cNvGrpSpPr>
+          <p:nvPr/>
+        </p:nvGrpSpPr>
+        <p:grpSpPr>
+          <a:xfrm>
+            <a:off x="5012916" y="2811015"/>
+            <a:ext cx="1269841" cy="1111992"/>
+            <a:chOff x="6364435" y="2698620"/>
+            <a:chExt cx="1269841" cy="1111992"/>
+          </a:xfrm>
+        </p:grpSpPr>
+        <p:sp>
+          <p:nvSpPr>
+            <p:cNvPr id="108" name="Freeform: Shape 107">
+              <a:extLst>
+                <a:ext uri="{FF2B5EF4-FFF2-40B4-BE49-F238E27FC236}">
+                  <a16:creationId xmlns:a16="http://schemas.microsoft.com/office/drawing/2014/main" id="{5EA310D7-FB59-856A-D1CD-D15D2810928C}"/>
+                </a:ext>
+              </a:extLst>
+            </p:cNvPr>
+            <p:cNvSpPr>
+              <a:spLocks/>
+            </p:cNvSpPr>
+            <p:nvPr/>
+          </p:nvSpPr>
+          <p:spPr>
+            <a:xfrm rot="20697523">
+              <a:off x="6415663" y="2868068"/>
+              <a:ext cx="1085707" cy="709560"/>
+            </a:xfrm>
+            <a:custGeom>
+              <a:avLst/>
+              <a:gdLst>
+                <a:gd name="connsiteX0" fmla="*/ 1085707 w 1085707"/>
+                <a:gd name="connsiteY0" fmla="*/ 1522 h 703382"/>
+                <a:gd name="connsiteX1" fmla="*/ 1085707 w 1085707"/>
+                <a:gd name="connsiteY1" fmla="*/ 233559 h 703382"/>
+                <a:gd name="connsiteX2" fmla="*/ 1084733 w 1085707"/>
+                <a:gd name="connsiteY2" fmla="*/ 233559 h 703382"/>
+                <a:gd name="connsiteX3" fmla="*/ 1084429 w 1085707"/>
+                <a:gd name="connsiteY3" fmla="*/ 350240 h 703382"/>
+                <a:gd name="connsiteX4" fmla="*/ 916260 w 1085707"/>
+                <a:gd name="connsiteY4" fmla="*/ 349802 h 703382"/>
+                <a:gd name="connsiteX5" fmla="*/ 916259 w 1085707"/>
+                <a:gd name="connsiteY5" fmla="*/ 456025 h 703382"/>
+                <a:gd name="connsiteX6" fmla="*/ 868184 w 1085707"/>
+                <a:gd name="connsiteY6" fmla="*/ 456025 h 703382"/>
+                <a:gd name="connsiteX7" fmla="*/ 868184 w 1085707"/>
+                <a:gd name="connsiteY7" fmla="*/ 511982 h 703382"/>
+                <a:gd name="connsiteX8" fmla="*/ 783655 w 1085707"/>
+                <a:gd name="connsiteY8" fmla="*/ 511982 h 703382"/>
+                <a:gd name="connsiteX9" fmla="*/ 783655 w 1085707"/>
+                <a:gd name="connsiteY9" fmla="*/ 568426 h 703382"/>
+                <a:gd name="connsiteX10" fmla="*/ 698055 w 1085707"/>
+                <a:gd name="connsiteY10" fmla="*/ 568426 h 703382"/>
+                <a:gd name="connsiteX11" fmla="*/ 698055 w 1085707"/>
+                <a:gd name="connsiteY11" fmla="*/ 602140 h 703382"/>
+                <a:gd name="connsiteX12" fmla="*/ 516288 w 1085707"/>
+                <a:gd name="connsiteY12" fmla="*/ 602140 h 703382"/>
+                <a:gd name="connsiteX13" fmla="*/ 516288 w 1085707"/>
+                <a:gd name="connsiteY13" fmla="*/ 658889 h 703382"/>
+                <a:gd name="connsiteX14" fmla="*/ 448191 w 1085707"/>
+                <a:gd name="connsiteY14" fmla="*/ 658889 h 703382"/>
+                <a:gd name="connsiteX15" fmla="*/ 448191 w 1085707"/>
+                <a:gd name="connsiteY15" fmla="*/ 703382 h 703382"/>
+                <a:gd name="connsiteX16" fmla="*/ 321212 w 1085707"/>
+                <a:gd name="connsiteY16" fmla="*/ 703382 h 703382"/>
+                <a:gd name="connsiteX17" fmla="*/ 321212 w 1085707"/>
+                <a:gd name="connsiteY17" fmla="*/ 623625 h 703382"/>
+                <a:gd name="connsiteX18" fmla="*/ 321281 w 1085707"/>
+                <a:gd name="connsiteY18" fmla="*/ 623625 h 703382"/>
+                <a:gd name="connsiteX19" fmla="*/ 321281 w 1085707"/>
+                <a:gd name="connsiteY19" fmla="*/ 579132 h 703382"/>
+                <a:gd name="connsiteX20" fmla="*/ 357890 w 1085707"/>
+                <a:gd name="connsiteY20" fmla="*/ 579132 h 703382"/>
+                <a:gd name="connsiteX21" fmla="*/ 357889 w 1085707"/>
+                <a:gd name="connsiteY21" fmla="*/ 522383 h 703382"/>
+                <a:gd name="connsiteX22" fmla="*/ 426575 w 1085707"/>
+                <a:gd name="connsiteY22" fmla="*/ 522383 h 703382"/>
+                <a:gd name="connsiteX23" fmla="*/ 426575 w 1085707"/>
+                <a:gd name="connsiteY23" fmla="*/ 488669 h 703382"/>
+                <a:gd name="connsiteX24" fmla="*/ 511104 w 1085707"/>
+                <a:gd name="connsiteY24" fmla="*/ 488669 h 703382"/>
+                <a:gd name="connsiteX25" fmla="*/ 511104 w 1085707"/>
+                <a:gd name="connsiteY25" fmla="*/ 432225 h 703382"/>
+                <a:gd name="connsiteX26" fmla="*/ 550677 w 1085707"/>
+                <a:gd name="connsiteY26" fmla="*/ 432225 h 703382"/>
+                <a:gd name="connsiteX27" fmla="*/ 550677 w 1085707"/>
+                <a:gd name="connsiteY27" fmla="*/ 338966 h 703382"/>
+                <a:gd name="connsiteX28" fmla="*/ 477099 w 1085707"/>
+                <a:gd name="connsiteY28" fmla="*/ 265002 h 703382"/>
+                <a:gd name="connsiteX29" fmla="*/ 477181 w 1085707"/>
+                <a:gd name="connsiteY29" fmla="*/ 233559 h 703382"/>
+                <a:gd name="connsiteX30" fmla="*/ 364498 w 1085707"/>
+                <a:gd name="connsiteY30" fmla="*/ 233559 h 703382"/>
+                <a:gd name="connsiteX31" fmla="*/ 211854 w 1085707"/>
+                <a:gd name="connsiteY31" fmla="*/ 421260 h 703382"/>
+                <a:gd name="connsiteX32" fmla="*/ 141047 w 1085707"/>
+                <a:gd name="connsiteY32" fmla="*/ 684756 h 703382"/>
+                <a:gd name="connsiteX33" fmla="*/ 0 w 1085707"/>
+                <a:gd name="connsiteY33" fmla="*/ 646854 h 703382"/>
+                <a:gd name="connsiteX34" fmla="*/ 73913 w 1085707"/>
+                <a:gd name="connsiteY34" fmla="*/ 371797 h 703382"/>
+                <a:gd name="connsiteX35" fmla="*/ 60860 w 1085707"/>
+                <a:gd name="connsiteY35" fmla="*/ 361181 h 703382"/>
+                <a:gd name="connsiteX36" fmla="*/ 344332 w 1085707"/>
+                <a:gd name="connsiteY36" fmla="*/ 12605 h 703382"/>
+                <a:gd name="connsiteX37" fmla="*/ 344332 w 1085707"/>
+                <a:gd name="connsiteY37" fmla="*/ 1522 h 703382"/>
+                <a:gd name="connsiteX38" fmla="*/ 353346 w 1085707"/>
+                <a:gd name="connsiteY38" fmla="*/ 1522 h 703382"/>
+                <a:gd name="connsiteX39" fmla="*/ 354584 w 1085707"/>
+                <a:gd name="connsiteY39" fmla="*/ 0 h 703382"/>
+                <a:gd name="connsiteX40" fmla="*/ 356456 w 1085707"/>
+                <a:gd name="connsiteY40" fmla="*/ 1522 h 703382"/>
+              </a:gdLst>
+              <a:ahLst/>
+              <a:cxnLst>
+                <a:cxn ang="0">
+                  <a:pos x="connsiteX0" y="connsiteY0"/>
+                </a:cxn>
+                <a:cxn ang="0">
+                  <a:pos x="connsiteX1" y="connsiteY1"/>
+                </a:cxn>
+                <a:cxn ang="0">
+                  <a:pos x="connsiteX2" y="connsiteY2"/>
+                </a:cxn>
+                <a:cxn ang="0">
+                  <a:pos x="connsiteX3" y="connsiteY3"/>
+                </a:cxn>
+                <a:cxn ang="0">
+                  <a:pos x="connsiteX4" y="connsiteY4"/>
+                </a:cxn>
+                <a:cxn ang="0">
+                  <a:pos x="connsiteX5" y="connsiteY5"/>
+                </a:cxn>
+                <a:cxn ang="0">
+                  <a:pos x="connsiteX6" y="connsiteY6"/>
+                </a:cxn>
+                <a:cxn ang="0">
+                  <a:pos x="connsiteX7" y="connsiteY7"/>
+                </a:cxn>
+                <a:cxn ang="0">
+                  <a:pos x="connsiteX8" y="connsiteY8"/>
+                </a:cxn>
+                <a:cxn ang="0">
+                  <a:pos x="connsiteX9" y="connsiteY9"/>
+                </a:cxn>
+                <a:cxn ang="0">
+                  <a:pos x="connsiteX10" y="connsiteY10"/>
+                </a:cxn>
+                <a:cxn ang="0">
+                  <a:pos x="connsiteX11" y="connsiteY11"/>
+                </a:cxn>
+                <a:cxn ang="0">
+                  <a:pos x="connsiteX12" y="connsiteY12"/>
+                </a:cxn>
+                <a:cxn ang="0">
+                  <a:pos x="connsiteX13" y="connsiteY13"/>
+                </a:cxn>
+                <a:cxn ang="0">
+                  <a:pos x="connsiteX14" y="connsiteY14"/>
+                </a:cxn>
+                <a:cxn ang="0">
+                  <a:pos x="connsiteX15" y="connsiteY15"/>
+                </a:cxn>
+                <a:cxn ang="0">
+                  <a:pos x="connsiteX16" y="connsiteY16"/>
+                </a:cxn>
+                <a:cxn ang="0">
+                  <a:pos x="connsiteX17" y="connsiteY17"/>
+                </a:cxn>
+                <a:cxn ang="0">
+                  <a:pos x="connsiteX18" y="connsiteY18"/>
+                </a:cxn>
+                <a:cxn ang="0">
+                  <a:pos x="connsiteX19" y="connsiteY19"/>
+                </a:cxn>
+                <a:cxn ang="0">
+                  <a:pos x="connsiteX20" y="connsiteY20"/>
+                </a:cxn>
+                <a:cxn ang="0">
+                  <a:pos x="connsiteX21" y="connsiteY21"/>
+                </a:cxn>
+                <a:cxn ang="0">
+                  <a:pos x="connsiteX22" y="connsiteY22"/>
+                </a:cxn>
+                <a:cxn ang="0">
+                  <a:pos x="connsiteX23" y="connsiteY23"/>
+                </a:cxn>
+                <a:cxn ang="0">
+                  <a:pos x="connsiteX24" y="connsiteY24"/>
+                </a:cxn>
+                <a:cxn ang="0">
+                  <a:pos x="connsiteX25" y="connsiteY25"/>
+                </a:cxn>
+                <a:cxn ang="0">
+                  <a:pos x="connsiteX26" y="connsiteY26"/>
+                </a:cxn>
+                <a:cxn ang="0">
+                  <a:pos x="connsiteX27" y="connsiteY27"/>
+                </a:cxn>
+                <a:cxn ang="0">
+                  <a:pos x="connsiteX28" y="connsiteY28"/>
+                </a:cxn>
+                <a:cxn ang="0">
+                  <a:pos x="connsiteX29" y="connsiteY29"/>
+                </a:cxn>
+                <a:cxn ang="0">
+                  <a:pos x="connsiteX30" y="connsiteY30"/>
+                </a:cxn>
+                <a:cxn ang="0">
+                  <a:pos x="connsiteX31" y="connsiteY31"/>
+                </a:cxn>
+                <a:cxn ang="0">
+                  <a:pos x="connsiteX32" y="connsiteY32"/>
+                </a:cxn>
+                <a:cxn ang="0">
+                  <a:pos x="connsiteX33" y="connsiteY33"/>
+                </a:cxn>
+                <a:cxn ang="0">
+                  <a:pos x="connsiteX34" y="connsiteY34"/>
+                </a:cxn>
+                <a:cxn ang="0">
+                  <a:pos x="connsiteX35" y="connsiteY35"/>
+                </a:cxn>
+                <a:cxn ang="0">
+                  <a:pos x="connsiteX36" y="connsiteY36"/>
+                </a:cxn>
+                <a:cxn ang="0">
+                  <a:pos x="connsiteX37" y="connsiteY37"/>
+                </a:cxn>
+                <a:cxn ang="0">
+                  <a:pos x="connsiteX38" y="connsiteY38"/>
+                </a:cxn>
+                <a:cxn ang="0">
+                  <a:pos x="connsiteX39" y="connsiteY39"/>
+                </a:cxn>
+                <a:cxn ang="0">
+                  <a:pos x="connsiteX40" y="connsiteY40"/>
+                </a:cxn>
+              </a:cxnLst>
+              <a:rect l="l" t="t" r="r" b="b"/>
+              <a:pathLst>
+                <a:path w="1085707" h="703382">
+                  <a:moveTo>
+                    <a:pt x="1085707" y="1522"/>
+                  </a:moveTo>
+                  <a:lnTo>
+                    <a:pt x="1085707" y="233559"/>
+                  </a:lnTo>
+                  <a:lnTo>
+                    <a:pt x="1084733" y="233559"/>
+                  </a:lnTo>
+                  <a:lnTo>
+                    <a:pt x="1084429" y="350240"/>
+                  </a:lnTo>
+                  <a:lnTo>
+                    <a:pt x="916260" y="349802"/>
+                  </a:lnTo>
+                  <a:lnTo>
+                    <a:pt x="916259" y="456025"/>
+                  </a:lnTo>
+                  <a:lnTo>
+                    <a:pt x="868184" y="456025"/>
+                  </a:lnTo>
+                  <a:lnTo>
+                    <a:pt x="868184" y="511982"/>
+                  </a:lnTo>
+                  <a:lnTo>
+                    <a:pt x="783655" y="511982"/>
+                  </a:lnTo>
+                  <a:lnTo>
+                    <a:pt x="783655" y="568426"/>
+                  </a:lnTo>
+                  <a:lnTo>
+                    <a:pt x="698055" y="568426"/>
+                  </a:lnTo>
+                  <a:lnTo>
+                    <a:pt x="698055" y="602140"/>
+                  </a:lnTo>
+                  <a:lnTo>
+                    <a:pt x="516288" y="602140"/>
+                  </a:lnTo>
+                  <a:lnTo>
+                    <a:pt x="516288" y="658889"/>
+                  </a:lnTo>
+                  <a:lnTo>
+                    <a:pt x="448191" y="658889"/>
+                  </a:lnTo>
+                  <a:lnTo>
+                    <a:pt x="448191" y="703382"/>
+                  </a:lnTo>
+                  <a:lnTo>
+                    <a:pt x="321212" y="703382"/>
+                  </a:lnTo>
+                  <a:lnTo>
+                    <a:pt x="321212" y="623625"/>
+                  </a:lnTo>
+                  <a:lnTo>
+                    <a:pt x="321281" y="623625"/>
+                  </a:lnTo>
+                  <a:lnTo>
+                    <a:pt x="321281" y="579132"/>
+                  </a:lnTo>
+                  <a:lnTo>
+                    <a:pt x="357890" y="579132"/>
+                  </a:lnTo>
+                  <a:lnTo>
+                    <a:pt x="357889" y="522383"/>
+                  </a:lnTo>
+                  <a:lnTo>
+                    <a:pt x="426575" y="522383"/>
+                  </a:lnTo>
+                  <a:lnTo>
+                    <a:pt x="426575" y="488669"/>
+                  </a:lnTo>
+                  <a:lnTo>
+                    <a:pt x="511104" y="488669"/>
+                  </a:lnTo>
+                  <a:lnTo>
+                    <a:pt x="511104" y="432225"/>
+                  </a:lnTo>
+                  <a:lnTo>
+                    <a:pt x="550677" y="432225"/>
+                  </a:lnTo>
+                  <a:lnTo>
+                    <a:pt x="550677" y="338966"/>
+                  </a:lnTo>
+                  <a:lnTo>
+                    <a:pt x="477099" y="265002"/>
+                  </a:lnTo>
+                  <a:lnTo>
+                    <a:pt x="477181" y="233559"/>
+                  </a:lnTo>
+                  <a:lnTo>
+                    <a:pt x="364498" y="233559"/>
+                  </a:lnTo>
+                  <a:lnTo>
+                    <a:pt x="211854" y="421260"/>
+                  </a:lnTo>
+                  <a:lnTo>
+                    <a:pt x="141047" y="684756"/>
+                  </a:lnTo>
+                  <a:lnTo>
+                    <a:pt x="0" y="646854"/>
+                  </a:lnTo>
+                  <a:lnTo>
+                    <a:pt x="73913" y="371797"/>
+                  </a:lnTo>
+                  <a:lnTo>
+                    <a:pt x="60860" y="361181"/>
+                  </a:lnTo>
+                  <a:lnTo>
+                    <a:pt x="344332" y="12605"/>
+                  </a:lnTo>
+                  <a:lnTo>
+                    <a:pt x="344332" y="1522"/>
+                  </a:lnTo>
+                  <a:lnTo>
+                    <a:pt x="353346" y="1522"/>
+                  </a:lnTo>
+                  <a:lnTo>
+                    <a:pt x="354584" y="0"/>
+                  </a:lnTo>
+                  <a:lnTo>
+                    <a:pt x="356456" y="1522"/>
+                  </a:lnTo>
+                  <a:close/>
+                </a:path>
+              </a:pathLst>
+            </a:custGeom>
+            <a:solidFill>
+              <a:schemeClr val="bg1"/>
+            </a:solidFill>
+            <a:ln>
+              <a:noFill/>
+            </a:ln>
+          </p:spPr>
+          <p:style>
+            <a:lnRef idx="2">
+              <a:schemeClr val="accent1">
+                <a:shade val="15000"/>
+              </a:schemeClr>
+            </a:lnRef>
+            <a:fillRef idx="1">
+              <a:schemeClr val="accent1"/>
+            </a:fillRef>
+            <a:effectRef idx="0">
+              <a:schemeClr val="accent1"/>
+            </a:effectRef>
+            <a:fontRef idx="minor">
+              <a:schemeClr val="lt1"/>
+            </a:fontRef>
+          </p:style>
+          <p:txBody>
+            <a:bodyPr wrap="square" rtlCol="0" anchor="ctr">
+              <a:noAutofit/>
+            </a:bodyPr>
+            <a:lstStyle/>
+            <a:p>
+              <a:pPr algn="ctr"/>
+              <a:endParaRPr lang="en-GB"/>
+            </a:p>
+          </p:txBody>
+        </p:sp>
+        <p:grpSp>
+          <p:nvGrpSpPr>
+            <p:cNvPr id="109" name="Group 108">
+              <a:extLst>
+                <a:ext uri="{FF2B5EF4-FFF2-40B4-BE49-F238E27FC236}">
+                  <a16:creationId xmlns:a16="http://schemas.microsoft.com/office/drawing/2014/main" id="{0636BE5E-3484-2E71-0041-3FD2108E815A}"/>
+                </a:ext>
+              </a:extLst>
+            </p:cNvPr>
+            <p:cNvGrpSpPr>
+              <a:grpSpLocks/>
+            </p:cNvGrpSpPr>
+            <p:nvPr/>
+          </p:nvGrpSpPr>
+          <p:grpSpPr>
+            <a:xfrm>
+              <a:off x="6364435" y="2698620"/>
+              <a:ext cx="1269841" cy="1111992"/>
+              <a:chOff x="6364435" y="2698620"/>
+              <a:chExt cx="1269841" cy="1111992"/>
+            </a:xfrm>
+          </p:grpSpPr>
+          <p:pic>
+            <p:nvPicPr>
+              <p:cNvPr id="110" name="Picture 109" descr="A black background with a black square&#10;&#10;AI-generated content may be incorrect.">
+                <a:extLst>
+                  <a:ext uri="{FF2B5EF4-FFF2-40B4-BE49-F238E27FC236}">
+                    <a16:creationId xmlns:a16="http://schemas.microsoft.com/office/drawing/2014/main" id="{90402DAD-92BB-BB3D-CE7C-8323DBFB6C62}"/>
+                  </a:ext>
+                </a:extLst>
+              </p:cNvPr>
+              <p:cNvPicPr>
+                <a:picLocks noChangeAspect="1"/>
+              </p:cNvPicPr>
+              <p:nvPr/>
+            </p:nvPicPr>
+            <p:blipFill>
+              <a:blip r:embed="rId5">
+                <a:extLst>
+                  <a:ext uri="{28A0092B-C50C-407E-A947-70E740481C1C}">
+                    <a14:useLocalDpi xmlns:a14="http://schemas.microsoft.com/office/drawing/2010/main" val="0"/>
+                  </a:ext>
+                </a:extLst>
+              </a:blip>
+              <a:srcRect l="21551"/>
+              <a:stretch/>
+            </p:blipFill>
+            <p:spPr>
+              <a:xfrm rot="16200000" flipH="1">
+                <a:off x="6501269" y="2677605"/>
+                <a:ext cx="996173" cy="1269841"/>
+              </a:xfrm>
+              <a:prstGeom prst="rect">
+                <a:avLst/>
+              </a:prstGeom>
+            </p:spPr>
+          </p:pic>
+          <p:grpSp>
+            <p:nvGrpSpPr>
+              <p:cNvPr id="111" name="Group 110">
+                <a:extLst>
+                  <a:ext uri="{FF2B5EF4-FFF2-40B4-BE49-F238E27FC236}">
+                    <a16:creationId xmlns:a16="http://schemas.microsoft.com/office/drawing/2014/main" id="{5ECCAE78-31B4-6B41-369E-A37E0B25F534}"/>
+                  </a:ext>
+                </a:extLst>
+              </p:cNvPr>
+              <p:cNvGrpSpPr>
+                <a:grpSpLocks/>
+              </p:cNvGrpSpPr>
+              <p:nvPr/>
+            </p:nvGrpSpPr>
+            <p:grpSpPr>
+              <a:xfrm>
+                <a:off x="7265201" y="2703017"/>
+                <a:ext cx="330658" cy="431994"/>
+                <a:chOff x="6340581" y="2572446"/>
+                <a:chExt cx="330658" cy="431994"/>
+              </a:xfrm>
+            </p:grpSpPr>
+            <p:pic>
+              <p:nvPicPr>
+                <p:cNvPr id="113" name="Picture 112" descr="A black background with a black square&#10;&#10;AI-generated content may be incorrect.">
+                  <a:extLst>
+                    <a:ext uri="{FF2B5EF4-FFF2-40B4-BE49-F238E27FC236}">
+                      <a16:creationId xmlns:a16="http://schemas.microsoft.com/office/drawing/2014/main" id="{F757AAD2-48A9-4CC3-A98F-63B9A20C01A1}"/>
+                    </a:ext>
+                  </a:extLst>
+                </p:cNvPr>
+                <p:cNvPicPr>
+                  <a:picLocks noChangeAspect="1"/>
+                </p:cNvPicPr>
+                <p:nvPr/>
+              </p:nvPicPr>
+              <p:blipFill>
+                <a:blip r:embed="rId5">
+                  <a:extLst>
+                    <a:ext uri="{28A0092B-C50C-407E-A947-70E740481C1C}">
+                      <a14:useLocalDpi xmlns:a14="http://schemas.microsoft.com/office/drawing/2010/main" val="0"/>
+                    </a:ext>
+                  </a:extLst>
+                </a:blip>
+                <a:srcRect l="10182" t="73782" r="68815" b="9209"/>
+                <a:stretch/>
+              </p:blipFill>
+              <p:spPr>
+                <a:xfrm rot="10800000" flipV="1">
+                  <a:off x="6340581" y="2788443"/>
+                  <a:ext cx="266701" cy="215997"/>
+                </a:xfrm>
+                <a:prstGeom prst="rect">
+                  <a:avLst/>
+                </a:prstGeom>
+              </p:spPr>
+            </p:pic>
+            <p:pic>
+              <p:nvPicPr>
+                <p:cNvPr id="114" name="Picture 113" descr="A black background with a black square&#10;&#10;AI-generated content may be incorrect.">
+                  <a:extLst>
+                    <a:ext uri="{FF2B5EF4-FFF2-40B4-BE49-F238E27FC236}">
+                      <a16:creationId xmlns:a16="http://schemas.microsoft.com/office/drawing/2014/main" id="{3DC5B88B-52B9-A435-F0FE-BAB56AD1302D}"/>
+                    </a:ext>
+                  </a:extLst>
+                </p:cNvPr>
+                <p:cNvPicPr>
+                  <a:picLocks noChangeAspect="1"/>
+                </p:cNvPicPr>
+                <p:nvPr/>
+              </p:nvPicPr>
+              <p:blipFill>
+                <a:blip r:embed="rId5">
+                  <a:extLst>
+                    <a:ext uri="{28A0092B-C50C-407E-A947-70E740481C1C}">
+                      <a14:useLocalDpi xmlns:a14="http://schemas.microsoft.com/office/drawing/2010/main" val="0"/>
+                    </a:ext>
+                  </a:extLst>
+                </a:blip>
+                <a:srcRect l="10182" t="73782" r="68815" b="9209"/>
+                <a:stretch/>
+              </p:blipFill>
+              <p:spPr>
+                <a:xfrm rot="10800000" flipH="1">
+                  <a:off x="6404538" y="2572446"/>
+                  <a:ext cx="266701" cy="215997"/>
+                </a:xfrm>
+                <a:prstGeom prst="rect">
+                  <a:avLst/>
+                </a:prstGeom>
+              </p:spPr>
+            </p:pic>
+          </p:grpSp>
+          <p:pic>
+            <p:nvPicPr>
+              <p:cNvPr id="112" name="Picture 111" descr="A black background with a black square&#10;&#10;AI-generated content may be incorrect.">
+                <a:extLst>
+                  <a:ext uri="{FF2B5EF4-FFF2-40B4-BE49-F238E27FC236}">
+                    <a16:creationId xmlns:a16="http://schemas.microsoft.com/office/drawing/2014/main" id="{E830D50D-D3EA-6912-90BB-0FC1C2A6C627}"/>
+                  </a:ext>
+                </a:extLst>
+              </p:cNvPr>
+              <p:cNvPicPr>
+                <a:picLocks noChangeAspect="1"/>
+              </p:cNvPicPr>
+              <p:nvPr/>
+            </p:nvPicPr>
+            <p:blipFill>
+              <a:blip r:embed="rId5">
+                <a:extLst>
+                  <a:ext uri="{28A0092B-C50C-407E-A947-70E740481C1C}">
+                    <a14:useLocalDpi xmlns:a14="http://schemas.microsoft.com/office/drawing/2010/main" val="0"/>
+                  </a:ext>
+                </a:extLst>
+              </a:blip>
+              <a:srcRect l="10200" t="49411" r="76847"/>
+              <a:stretch/>
+            </p:blipFill>
+            <p:spPr>
+              <a:xfrm rot="16200000" flipH="1">
+                <a:off x="7134804" y="2459657"/>
+                <a:ext cx="164481" cy="642408"/>
+              </a:xfrm>
+              <a:prstGeom prst="rect">
+                <a:avLst/>
+              </a:prstGeom>
+            </p:spPr>
+          </p:pic>
+        </p:grpSp>
+      </p:grpSp>
+    </p:spTree>
+    <p:extLst>
+      <p:ext uri="{BB962C8B-B14F-4D97-AF65-F5344CB8AC3E}">
+        <p14:creationId xmlns:p14="http://schemas.microsoft.com/office/powerpoint/2010/main" val="1814489813"/>
       </p:ext>
     </p:extLst>
   </p:cSld>
@@ -9556,7 +14694,7 @@
           <p:nvPr/>
         </p:nvPicPr>
         <p:blipFill>
-          <a:blip r:embed="rId2">
+          <a:blip r:embed="rId3">
             <a:duotone>
               <a:schemeClr val="accent4">
                 <a:shade val="45000"/>
@@ -9567,7 +14705,7 @@
             <a:extLst>
               <a:ext uri="{BEBA8EAE-BF5A-486C-A8C5-ECC9F3942E4B}">
                 <a14:imgProps xmlns:a14="http://schemas.microsoft.com/office/drawing/2010/main">
-                  <a14:imgLayer r:embed="rId3">
+                  <a14:imgLayer r:embed="rId4">
                     <a14:imgEffect>
                       <a14:artisticGlowEdges/>
                     </a14:imgEffect>
@@ -9608,7 +14746,7 @@
           <p:nvPr/>
         </p:nvPicPr>
         <p:blipFill>
-          <a:blip r:embed="rId4">
+          <a:blip r:embed="rId5">
             <a:alphaModFix/>
             <a:extLst>
               <a:ext uri="{28A0092B-C50C-407E-A947-70E740481C1C}">
@@ -9645,7 +14783,7 @@
           <p:nvPr/>
         </p:nvPicPr>
         <p:blipFill>
-          <a:blip r:embed="rId5">
+          <a:blip r:embed="rId6">
             <a:extLst>
               <a:ext uri="{28A0092B-C50C-407E-A947-70E740481C1C}">
                 <a14:useLocalDpi xmlns:a14="http://schemas.microsoft.com/office/drawing/2010/main" val="0"/>
@@ -9681,7 +14819,7 @@
           <p:nvPr/>
         </p:nvPicPr>
         <p:blipFill>
-          <a:blip r:embed="rId5">
+          <a:blip r:embed="rId6">
             <a:extLst>
               <a:ext uri="{28A0092B-C50C-407E-A947-70E740481C1C}">
                 <a14:useLocalDpi xmlns:a14="http://schemas.microsoft.com/office/drawing/2010/main" val="0"/>
@@ -9815,7 +14953,7 @@
           <p:nvPr/>
         </p:nvPicPr>
         <p:blipFill>
-          <a:blip r:embed="rId5">
+          <a:blip r:embed="rId6">
             <a:extLst>
               <a:ext uri="{28A0092B-C50C-407E-A947-70E740481C1C}">
                 <a14:useLocalDpi xmlns:a14="http://schemas.microsoft.com/office/drawing/2010/main" val="0"/>
@@ -10032,7 +15170,7 @@
           <p:nvPr/>
         </p:nvPicPr>
         <p:blipFill>
-          <a:blip r:embed="rId5">
+          <a:blip r:embed="rId6">
             <a:extLst>
               <a:ext uri="{28A0092B-C50C-407E-A947-70E740481C1C}">
                 <a14:useLocalDpi xmlns:a14="http://schemas.microsoft.com/office/drawing/2010/main" val="0"/>
@@ -10137,7 +15275,7 @@
           <p:nvPr/>
         </p:nvPicPr>
         <p:blipFill>
-          <a:blip r:embed="rId5">
+          <a:blip r:embed="rId6">
             <a:extLst>
               <a:ext uri="{28A0092B-C50C-407E-A947-70E740481C1C}">
                 <a14:useLocalDpi xmlns:a14="http://schemas.microsoft.com/office/drawing/2010/main" val="0"/>
@@ -10242,7 +15380,7 @@
           <p:nvPr/>
         </p:nvPicPr>
         <p:blipFill>
-          <a:blip r:embed="rId5">
+          <a:blip r:embed="rId6">
             <a:extLst>
               <a:ext uri="{28A0092B-C50C-407E-A947-70E740481C1C}">
                 <a14:useLocalDpi xmlns:a14="http://schemas.microsoft.com/office/drawing/2010/main" val="0"/>
@@ -10427,7 +15565,7 @@
             <p:nvPr/>
           </p:nvPicPr>
           <p:blipFill>
-            <a:blip r:embed="rId6">
+            <a:blip r:embed="rId7">
               <a:extLst>
                 <a:ext uri="{28A0092B-C50C-407E-A947-70E740481C1C}">
                   <a14:useLocalDpi xmlns:a14="http://schemas.microsoft.com/office/drawing/2010/main" val="0"/>
@@ -10589,7 +15727,7 @@
             <p:nvPr/>
           </p:nvPicPr>
           <p:blipFill>
-            <a:blip r:embed="rId7">
+            <a:blip r:embed="rId8">
               <a:extLst>
                 <a:ext uri="{28A0092B-C50C-407E-A947-70E740481C1C}">
                   <a14:useLocalDpi xmlns:a14="http://schemas.microsoft.com/office/drawing/2010/main" val="0"/>
@@ -10625,7 +15763,7 @@
             <p:nvPr/>
           </p:nvPicPr>
           <p:blipFill>
-            <a:blip r:embed="rId6">
+            <a:blip r:embed="rId7">
               <a:duotone>
                 <a:schemeClr val="accent4">
                   <a:shade val="45000"/>
@@ -11714,7 +16852,7 @@
               <p:nvPr/>
             </p:nvPicPr>
             <p:blipFill>
-              <a:blip r:embed="rId7">
+              <a:blip r:embed="rId8">
                 <a:extLst>
                   <a:ext uri="{28A0092B-C50C-407E-A947-70E740481C1C}">
                     <a14:useLocalDpi xmlns:a14="http://schemas.microsoft.com/office/drawing/2010/main" val="0"/>
@@ -11751,11 +16889,11 @@
             <p:nvPr/>
           </p:nvPicPr>
           <p:blipFill>
-            <a:blip r:embed="rId8">
+            <a:blip r:embed="rId9">
               <a:extLst>
                 <a:ext uri="{BEBA8EAE-BF5A-486C-A8C5-ECC9F3942E4B}">
                   <a14:imgProps xmlns:a14="http://schemas.microsoft.com/office/drawing/2010/main">
-                    <a14:imgLayer r:embed="rId9">
+                    <a14:imgLayer r:embed="rId10">
                       <a14:imgEffect>
                         <a14:artisticMarker/>
                       </a14:imgEffect>
@@ -11926,7 +17064,7 @@
           <p:nvPr/>
         </p:nvPicPr>
         <p:blipFill>
-          <a:blip r:embed="rId10">
+          <a:blip r:embed="rId11">
             <a:extLst>
               <a:ext uri="{28A0092B-C50C-407E-A947-70E740481C1C}">
                 <a14:useLocalDpi xmlns:a14="http://schemas.microsoft.com/office/drawing/2010/main" val="0"/>
@@ -12039,7 +17177,7 @@
           <p:nvPr/>
         </p:nvPicPr>
         <p:blipFill>
-          <a:blip r:embed="rId7">
+          <a:blip r:embed="rId8">
             <a:extLst>
               <a:ext uri="{28A0092B-C50C-407E-A947-70E740481C1C}">
                 <a14:useLocalDpi xmlns:a14="http://schemas.microsoft.com/office/drawing/2010/main" val="0"/>
@@ -12151,7 +17289,7 @@
             <p:nvPr/>
           </p:nvPicPr>
           <p:blipFill>
-            <a:blip r:embed="rId6">
+            <a:blip r:embed="rId7">
               <a:extLst>
                 <a:ext uri="{28A0092B-C50C-407E-A947-70E740481C1C}">
                   <a14:useLocalDpi xmlns:a14="http://schemas.microsoft.com/office/drawing/2010/main" val="0"/>
@@ -12186,7 +17324,7 @@
             <p:nvPr/>
           </p:nvPicPr>
           <p:blipFill>
-            <a:blip r:embed="rId7">
+            <a:blip r:embed="rId8">
               <a:extLst>
                 <a:ext uri="{28A0092B-C50C-407E-A947-70E740481C1C}">
                   <a14:useLocalDpi xmlns:a14="http://schemas.microsoft.com/office/drawing/2010/main" val="0"/>
@@ -12207,6 +17345,616 @@
             </a:prstGeom>
           </p:spPr>
         </p:pic>
+      </p:grpSp>
+      <p:grpSp>
+        <p:nvGrpSpPr>
+          <p:cNvPr id="54" name="Group 53">
+            <a:extLst>
+              <a:ext uri="{FF2B5EF4-FFF2-40B4-BE49-F238E27FC236}">
+                <a16:creationId xmlns:a16="http://schemas.microsoft.com/office/drawing/2014/main" id="{A37ED82B-52A4-2A13-FEF9-7573A99F8516}"/>
+              </a:ext>
+            </a:extLst>
+          </p:cNvPr>
+          <p:cNvGrpSpPr/>
+          <p:nvPr/>
+        </p:nvGrpSpPr>
+        <p:grpSpPr>
+          <a:xfrm>
+            <a:off x="6945397" y="3837260"/>
+            <a:ext cx="2128079" cy="2128079"/>
+            <a:chOff x="6945397" y="3837260"/>
+            <a:chExt cx="2128079" cy="2128079"/>
+          </a:xfrm>
+        </p:grpSpPr>
+        <p:sp>
+          <p:nvSpPr>
+            <p:cNvPr id="32" name="Rectangle 31">
+              <a:extLst>
+                <a:ext uri="{FF2B5EF4-FFF2-40B4-BE49-F238E27FC236}">
+                  <a16:creationId xmlns:a16="http://schemas.microsoft.com/office/drawing/2014/main" id="{FDA378C3-25D4-9FFE-B3BA-EE04428CE3AE}"/>
+                </a:ext>
+              </a:extLst>
+            </p:cNvPr>
+            <p:cNvSpPr/>
+            <p:nvPr/>
+          </p:nvSpPr>
+          <p:spPr>
+            <a:xfrm>
+              <a:off x="6945397" y="3837260"/>
+              <a:ext cx="2128079" cy="2128079"/>
+            </a:xfrm>
+            <a:prstGeom prst="rect">
+              <a:avLst/>
+            </a:prstGeom>
+            <a:solidFill>
+              <a:srgbClr val="4472C4">
+                <a:alpha val="0"/>
+              </a:srgbClr>
+            </a:solidFill>
+            <a:ln>
+              <a:noFill/>
+            </a:ln>
+          </p:spPr>
+          <p:style>
+            <a:lnRef idx="2">
+              <a:schemeClr val="accent1">
+                <a:shade val="15000"/>
+              </a:schemeClr>
+            </a:lnRef>
+            <a:fillRef idx="1">
+              <a:schemeClr val="accent1"/>
+            </a:fillRef>
+            <a:effectRef idx="0">
+              <a:schemeClr val="accent1"/>
+            </a:effectRef>
+            <a:fontRef idx="minor">
+              <a:schemeClr val="lt1"/>
+            </a:fontRef>
+          </p:style>
+          <p:txBody>
+            <a:bodyPr rtlCol="0" anchor="ctr"/>
+            <a:lstStyle/>
+            <a:p>
+              <a:pPr algn="ctr"/>
+              <a:endParaRPr lang="en-GB"/>
+            </a:p>
+          </p:txBody>
+        </p:sp>
+        <p:grpSp>
+          <p:nvGrpSpPr>
+            <p:cNvPr id="27" name="Group 26">
+              <a:extLst>
+                <a:ext uri="{FF2B5EF4-FFF2-40B4-BE49-F238E27FC236}">
+                  <a16:creationId xmlns:a16="http://schemas.microsoft.com/office/drawing/2014/main" id="{63869DBB-221D-F6BD-F8D5-C50A072BDC42}"/>
+                </a:ext>
+              </a:extLst>
+            </p:cNvPr>
+            <p:cNvGrpSpPr/>
+            <p:nvPr/>
+          </p:nvGrpSpPr>
+          <p:grpSpPr>
+            <a:xfrm>
+              <a:off x="7307804" y="3921603"/>
+              <a:ext cx="1396186" cy="1747375"/>
+              <a:chOff x="7266156" y="3729032"/>
+              <a:chExt cx="482300" cy="603615"/>
+            </a:xfrm>
+            <a:solidFill>
+              <a:srgbClr val="A2A1A1"/>
+            </a:solidFill>
+          </p:grpSpPr>
+          <p:sp>
+            <p:nvSpPr>
+              <p:cNvPr id="29" name="Block Arc 28">
+                <a:extLst>
+                  <a:ext uri="{FF2B5EF4-FFF2-40B4-BE49-F238E27FC236}">
+                    <a16:creationId xmlns:a16="http://schemas.microsoft.com/office/drawing/2014/main" id="{14474B35-E04A-670E-D00E-DE5F87392400}"/>
+                  </a:ext>
+                </a:extLst>
+              </p:cNvPr>
+              <p:cNvSpPr>
+                <a:spLocks noChangeAspect="1"/>
+              </p:cNvSpPr>
+              <p:nvPr/>
+            </p:nvSpPr>
+            <p:spPr>
+              <a:xfrm>
+                <a:off x="7266156" y="3857454"/>
+                <a:ext cx="482300" cy="475193"/>
+              </a:xfrm>
+              <a:prstGeom prst="blockArc">
+                <a:avLst>
+                  <a:gd name="adj1" fmla="val 16186447"/>
+                  <a:gd name="adj2" fmla="val 10840644"/>
+                  <a:gd name="adj3" fmla="val 12096"/>
+                </a:avLst>
+              </a:prstGeom>
+              <a:solidFill>
+                <a:srgbClr val="858585"/>
+              </a:solidFill>
+              <a:ln>
+                <a:noFill/>
+              </a:ln>
+            </p:spPr>
+            <p:style>
+              <a:lnRef idx="2">
+                <a:schemeClr val="accent1">
+                  <a:shade val="15000"/>
+                </a:schemeClr>
+              </a:lnRef>
+              <a:fillRef idx="1">
+                <a:schemeClr val="accent1"/>
+              </a:fillRef>
+              <a:effectRef idx="0">
+                <a:schemeClr val="accent1"/>
+              </a:effectRef>
+              <a:fontRef idx="minor">
+                <a:schemeClr val="lt1"/>
+              </a:fontRef>
+            </p:style>
+            <p:txBody>
+              <a:bodyPr rtlCol="0" anchor="ctr"/>
+              <a:lstStyle/>
+              <a:p>
+                <a:pPr algn="ctr"/>
+                <a:endParaRPr lang="en-GB">
+                  <a:solidFill>
+                    <a:schemeClr val="tx1"/>
+                  </a:solidFill>
+                </a:endParaRPr>
+              </a:p>
+            </p:txBody>
+          </p:sp>
+          <p:sp>
+            <p:nvSpPr>
+              <p:cNvPr id="30" name="Isosceles Triangle 29">
+                <a:extLst>
+                  <a:ext uri="{FF2B5EF4-FFF2-40B4-BE49-F238E27FC236}">
+                    <a16:creationId xmlns:a16="http://schemas.microsoft.com/office/drawing/2014/main" id="{1DEBB995-CF6E-F5DA-6E45-B94BBECF1437}"/>
+                  </a:ext>
+                </a:extLst>
+              </p:cNvPr>
+              <p:cNvSpPr/>
+              <p:nvPr/>
+            </p:nvSpPr>
+            <p:spPr>
+              <a:xfrm rot="16200000">
+                <a:off x="7268138" y="3800592"/>
+                <a:ext cx="310728" cy="167608"/>
+              </a:xfrm>
+              <a:prstGeom prst="triangle">
+                <a:avLst/>
+              </a:prstGeom>
+              <a:solidFill>
+                <a:srgbClr val="858585"/>
+              </a:solidFill>
+              <a:ln>
+                <a:noFill/>
+              </a:ln>
+            </p:spPr>
+            <p:style>
+              <a:lnRef idx="2">
+                <a:schemeClr val="accent1">
+                  <a:shade val="15000"/>
+                </a:schemeClr>
+              </a:lnRef>
+              <a:fillRef idx="1">
+                <a:schemeClr val="accent1"/>
+              </a:fillRef>
+              <a:effectRef idx="0">
+                <a:schemeClr val="accent1"/>
+              </a:effectRef>
+              <a:fontRef idx="minor">
+                <a:schemeClr val="lt1"/>
+              </a:fontRef>
+            </p:style>
+            <p:txBody>
+              <a:bodyPr rtlCol="0" anchor="ctr"/>
+              <a:lstStyle/>
+              <a:p>
+                <a:pPr algn="ctr"/>
+                <a:endParaRPr lang="en-GB" dirty="0"/>
+              </a:p>
+            </p:txBody>
+          </p:sp>
+        </p:grpSp>
+        <p:sp>
+          <p:nvSpPr>
+            <p:cNvPr id="28" name="Freeform: Shape 27">
+              <a:extLst>
+                <a:ext uri="{FF2B5EF4-FFF2-40B4-BE49-F238E27FC236}">
+                  <a16:creationId xmlns:a16="http://schemas.microsoft.com/office/drawing/2014/main" id="{CDEBDB7A-2AE8-4547-7AD7-E83A53724669}"/>
+                </a:ext>
+              </a:extLst>
+            </p:cNvPr>
+            <p:cNvSpPr/>
+            <p:nvPr/>
+          </p:nvSpPr>
+          <p:spPr>
+            <a:xfrm rot="5400000" flipH="1">
+              <a:off x="7920217" y="4759969"/>
+              <a:ext cx="276603" cy="521160"/>
+            </a:xfrm>
+            <a:custGeom>
+              <a:avLst/>
+              <a:gdLst>
+                <a:gd name="connsiteX0" fmla="*/ 95550 w 95550"/>
+                <a:gd name="connsiteY0" fmla="*/ 0 h 180030"/>
+                <a:gd name="connsiteX1" fmla="*/ 58615 w 95550"/>
+                <a:gd name="connsiteY1" fmla="*/ 0 h 180030"/>
+                <a:gd name="connsiteX2" fmla="*/ 58615 w 95550"/>
+                <a:gd name="connsiteY2" fmla="*/ 108375 h 180030"/>
+                <a:gd name="connsiteX3" fmla="*/ 0 w 95550"/>
+                <a:gd name="connsiteY3" fmla="*/ 149889 h 180030"/>
+                <a:gd name="connsiteX4" fmla="*/ 21348 w 95550"/>
+                <a:gd name="connsiteY4" fmla="*/ 180030 h 180030"/>
+                <a:gd name="connsiteX5" fmla="*/ 94793 w 95550"/>
+                <a:gd name="connsiteY5" fmla="*/ 128012 h 180030"/>
+                <a:gd name="connsiteX6" fmla="*/ 93368 w 95550"/>
+                <a:gd name="connsiteY6" fmla="*/ 126000 h 180030"/>
+                <a:gd name="connsiteX7" fmla="*/ 95550 w 95550"/>
+                <a:gd name="connsiteY7" fmla="*/ 126000 h 180030"/>
+              </a:gdLst>
+              <a:ahLst/>
+              <a:cxnLst>
+                <a:cxn ang="0">
+                  <a:pos x="connsiteX0" y="connsiteY0"/>
+                </a:cxn>
+                <a:cxn ang="0">
+                  <a:pos x="connsiteX1" y="connsiteY1"/>
+                </a:cxn>
+                <a:cxn ang="0">
+                  <a:pos x="connsiteX2" y="connsiteY2"/>
+                </a:cxn>
+                <a:cxn ang="0">
+                  <a:pos x="connsiteX3" y="connsiteY3"/>
+                </a:cxn>
+                <a:cxn ang="0">
+                  <a:pos x="connsiteX4" y="connsiteY4"/>
+                </a:cxn>
+                <a:cxn ang="0">
+                  <a:pos x="connsiteX5" y="connsiteY5"/>
+                </a:cxn>
+                <a:cxn ang="0">
+                  <a:pos x="connsiteX6" y="connsiteY6"/>
+                </a:cxn>
+                <a:cxn ang="0">
+                  <a:pos x="connsiteX7" y="connsiteY7"/>
+                </a:cxn>
+              </a:cxnLst>
+              <a:rect l="l" t="t" r="r" b="b"/>
+              <a:pathLst>
+                <a:path w="95550" h="180030">
+                  <a:moveTo>
+                    <a:pt x="95550" y="0"/>
+                  </a:moveTo>
+                  <a:lnTo>
+                    <a:pt x="58615" y="0"/>
+                  </a:lnTo>
+                  <a:lnTo>
+                    <a:pt x="58615" y="108375"/>
+                  </a:lnTo>
+                  <a:lnTo>
+                    <a:pt x="0" y="149889"/>
+                  </a:lnTo>
+                  <a:lnTo>
+                    <a:pt x="21348" y="180030"/>
+                  </a:lnTo>
+                  <a:lnTo>
+                    <a:pt x="94793" y="128012"/>
+                  </a:lnTo>
+                  <a:lnTo>
+                    <a:pt x="93368" y="126000"/>
+                  </a:lnTo>
+                  <a:lnTo>
+                    <a:pt x="95550" y="126000"/>
+                  </a:lnTo>
+                  <a:close/>
+                </a:path>
+              </a:pathLst>
+            </a:custGeom>
+            <a:solidFill>
+              <a:srgbClr val="858585"/>
+            </a:solidFill>
+            <a:ln>
+              <a:noFill/>
+            </a:ln>
+          </p:spPr>
+          <p:style>
+            <a:lnRef idx="2">
+              <a:schemeClr val="accent1">
+                <a:shade val="15000"/>
+              </a:schemeClr>
+            </a:lnRef>
+            <a:fillRef idx="1">
+              <a:schemeClr val="accent1"/>
+            </a:fillRef>
+            <a:effectRef idx="0">
+              <a:schemeClr val="accent1"/>
+            </a:effectRef>
+            <a:fontRef idx="minor">
+              <a:schemeClr val="lt1"/>
+            </a:fontRef>
+          </p:style>
+          <p:txBody>
+            <a:bodyPr wrap="square" rtlCol="0" anchor="ctr">
+              <a:noAutofit/>
+            </a:bodyPr>
+            <a:lstStyle/>
+            <a:p>
+              <a:pPr algn="ctr"/>
+              <a:endParaRPr lang="en-GB"/>
+            </a:p>
+          </p:txBody>
+        </p:sp>
+      </p:grpSp>
+      <p:grpSp>
+        <p:nvGrpSpPr>
+          <p:cNvPr id="52" name="Group 51">
+            <a:extLst>
+              <a:ext uri="{FF2B5EF4-FFF2-40B4-BE49-F238E27FC236}">
+                <a16:creationId xmlns:a16="http://schemas.microsoft.com/office/drawing/2014/main" id="{E9600363-A7E3-30D5-970C-40585EED6DBF}"/>
+              </a:ext>
+            </a:extLst>
+          </p:cNvPr>
+          <p:cNvGrpSpPr/>
+          <p:nvPr/>
+        </p:nvGrpSpPr>
+        <p:grpSpPr>
+          <a:xfrm>
+            <a:off x="8816375" y="3837260"/>
+            <a:ext cx="2128079" cy="2128079"/>
+            <a:chOff x="9073476" y="3837259"/>
+            <a:chExt cx="2128079" cy="2128079"/>
+          </a:xfrm>
+        </p:grpSpPr>
+        <p:sp>
+          <p:nvSpPr>
+            <p:cNvPr id="51" name="Rectangle 50">
+              <a:extLst>
+                <a:ext uri="{FF2B5EF4-FFF2-40B4-BE49-F238E27FC236}">
+                  <a16:creationId xmlns:a16="http://schemas.microsoft.com/office/drawing/2014/main" id="{8E528562-0667-5449-BCAD-E22106956CC6}"/>
+                </a:ext>
+              </a:extLst>
+            </p:cNvPr>
+            <p:cNvSpPr/>
+            <p:nvPr/>
+          </p:nvSpPr>
+          <p:spPr>
+            <a:xfrm>
+              <a:off x="9073476" y="3837259"/>
+              <a:ext cx="2128079" cy="2128079"/>
+            </a:xfrm>
+            <a:prstGeom prst="rect">
+              <a:avLst/>
+            </a:prstGeom>
+            <a:solidFill>
+              <a:srgbClr val="4472C4">
+                <a:alpha val="0"/>
+              </a:srgbClr>
+            </a:solidFill>
+            <a:ln>
+              <a:noFill/>
+            </a:ln>
+          </p:spPr>
+          <p:style>
+            <a:lnRef idx="2">
+              <a:schemeClr val="accent1">
+                <a:shade val="15000"/>
+              </a:schemeClr>
+            </a:lnRef>
+            <a:fillRef idx="1">
+              <a:schemeClr val="accent1"/>
+            </a:fillRef>
+            <a:effectRef idx="0">
+              <a:schemeClr val="accent1"/>
+            </a:effectRef>
+            <a:fontRef idx="minor">
+              <a:schemeClr val="lt1"/>
+            </a:fontRef>
+          </p:style>
+          <p:txBody>
+            <a:bodyPr rtlCol="0" anchor="ctr"/>
+            <a:lstStyle/>
+            <a:p>
+              <a:pPr algn="ctr"/>
+              <a:endParaRPr lang="en-GB"/>
+            </a:p>
+          </p:txBody>
+        </p:sp>
+        <p:grpSp>
+          <p:nvGrpSpPr>
+            <p:cNvPr id="44" name="Group 43">
+              <a:extLst>
+                <a:ext uri="{FF2B5EF4-FFF2-40B4-BE49-F238E27FC236}">
+                  <a16:creationId xmlns:a16="http://schemas.microsoft.com/office/drawing/2014/main" id="{12C470B1-8ED8-8B04-7B19-806D0FD8D4C4}"/>
+                </a:ext>
+              </a:extLst>
+            </p:cNvPr>
+            <p:cNvGrpSpPr>
+              <a:grpSpLocks noChangeAspect="1"/>
+            </p:cNvGrpSpPr>
+            <p:nvPr/>
+          </p:nvGrpSpPr>
+          <p:grpSpPr>
+            <a:xfrm>
+              <a:off x="9153351" y="3979747"/>
+              <a:ext cx="1968328" cy="1843101"/>
+              <a:chOff x="9556258" y="3346176"/>
+              <a:chExt cx="688657" cy="644844"/>
+            </a:xfrm>
+          </p:grpSpPr>
+          <p:pic>
+            <p:nvPicPr>
+              <p:cNvPr id="42" name="Picture 41" descr="A black background with a black square&#10;&#10;Description automatically generated with medium confidence">
+                <a:extLst>
+                  <a:ext uri="{FF2B5EF4-FFF2-40B4-BE49-F238E27FC236}">
+                    <a16:creationId xmlns:a16="http://schemas.microsoft.com/office/drawing/2014/main" id="{4E1C54EE-02C4-5272-6570-A99FB69A3DB8}"/>
+                  </a:ext>
+                </a:extLst>
+              </p:cNvPr>
+              <p:cNvPicPr>
+                <a:picLocks noChangeAspect="1"/>
+              </p:cNvPicPr>
+              <p:nvPr/>
+            </p:nvPicPr>
+            <p:blipFill>
+              <a:blip r:embed="rId12">
+                <a:duotone>
+                  <a:schemeClr val="bg2">
+                    <a:shade val="45000"/>
+                    <a:satMod val="135000"/>
+                  </a:schemeClr>
+                  <a:prstClr val="white"/>
+                </a:duotone>
+                <a:extLst>
+                  <a:ext uri="{28A0092B-C50C-407E-A947-70E740481C1C}">
+                    <a14:useLocalDpi xmlns:a14="http://schemas.microsoft.com/office/drawing/2010/main" val="0"/>
+                  </a:ext>
+                </a:extLst>
+              </a:blip>
+              <a:srcRect/>
+              <a:stretch>
+                <a:fillRect/>
+              </a:stretch>
+            </p:blipFill>
+            <p:spPr>
+              <a:xfrm flipH="1">
+                <a:off x="9556258" y="3346176"/>
+                <a:ext cx="644844" cy="644844"/>
+              </a:xfrm>
+              <a:custGeom>
+                <a:avLst/>
+                <a:gdLst>
+                  <a:gd name="connsiteX0" fmla="*/ 118140 w 747640"/>
+                  <a:gd name="connsiteY0" fmla="*/ 48994 h 747640"/>
+                  <a:gd name="connsiteX1" fmla="*/ 326220 w 747640"/>
+                  <a:gd name="connsiteY1" fmla="*/ 249369 h 747640"/>
+                  <a:gd name="connsiteX2" fmla="*/ 208081 w 747640"/>
+                  <a:gd name="connsiteY2" fmla="*/ 372051 h 747640"/>
+                  <a:gd name="connsiteX3" fmla="*/ 1 w 747640"/>
+                  <a:gd name="connsiteY3" fmla="*/ 171676 h 747640"/>
+                  <a:gd name="connsiteX4" fmla="*/ 747640 w 747640"/>
+                  <a:gd name="connsiteY4" fmla="*/ 0 h 747640"/>
+                  <a:gd name="connsiteX5" fmla="*/ 0 w 747640"/>
+                  <a:gd name="connsiteY5" fmla="*/ 0 h 747640"/>
+                  <a:gd name="connsiteX6" fmla="*/ 0 w 747640"/>
+                  <a:gd name="connsiteY6" fmla="*/ 747640 h 747640"/>
+                  <a:gd name="connsiteX7" fmla="*/ 747640 w 747640"/>
+                  <a:gd name="connsiteY7" fmla="*/ 747640 h 747640"/>
+                </a:gdLst>
+                <a:ahLst/>
+                <a:cxnLst>
+                  <a:cxn ang="0">
+                    <a:pos x="connsiteX0" y="connsiteY0"/>
+                  </a:cxn>
+                  <a:cxn ang="0">
+                    <a:pos x="connsiteX1" y="connsiteY1"/>
+                  </a:cxn>
+                  <a:cxn ang="0">
+                    <a:pos x="connsiteX2" y="connsiteY2"/>
+                  </a:cxn>
+                  <a:cxn ang="0">
+                    <a:pos x="connsiteX3" y="connsiteY3"/>
+                  </a:cxn>
+                  <a:cxn ang="0">
+                    <a:pos x="connsiteX4" y="connsiteY4"/>
+                  </a:cxn>
+                  <a:cxn ang="0">
+                    <a:pos x="connsiteX5" y="connsiteY5"/>
+                  </a:cxn>
+                  <a:cxn ang="0">
+                    <a:pos x="connsiteX6" y="connsiteY6"/>
+                  </a:cxn>
+                  <a:cxn ang="0">
+                    <a:pos x="connsiteX7" y="connsiteY7"/>
+                  </a:cxn>
+                </a:cxnLst>
+                <a:rect l="l" t="t" r="r" b="b"/>
+                <a:pathLst>
+                  <a:path w="747640" h="747640">
+                    <a:moveTo>
+                      <a:pt x="118140" y="48994"/>
+                    </a:moveTo>
+                    <a:lnTo>
+                      <a:pt x="326220" y="249369"/>
+                    </a:lnTo>
+                    <a:lnTo>
+                      <a:pt x="208081" y="372051"/>
+                    </a:lnTo>
+                    <a:lnTo>
+                      <a:pt x="1" y="171676"/>
+                    </a:lnTo>
+                    <a:close/>
+                    <a:moveTo>
+                      <a:pt x="747640" y="0"/>
+                    </a:moveTo>
+                    <a:lnTo>
+                      <a:pt x="0" y="0"/>
+                    </a:lnTo>
+                    <a:lnTo>
+                      <a:pt x="0" y="747640"/>
+                    </a:lnTo>
+                    <a:lnTo>
+                      <a:pt x="747640" y="747640"/>
+                    </a:lnTo>
+                    <a:close/>
+                  </a:path>
+                </a:pathLst>
+              </a:custGeom>
+              <a:ln>
+                <a:noFill/>
+              </a:ln>
+            </p:spPr>
+          </p:pic>
+          <p:pic>
+            <p:nvPicPr>
+              <p:cNvPr id="36" name="Picture 35" descr="A black background with a black square&#10;&#10;Description automatically generated with medium confidence">
+                <a:extLst>
+                  <a:ext uri="{FF2B5EF4-FFF2-40B4-BE49-F238E27FC236}">
+                    <a16:creationId xmlns:a16="http://schemas.microsoft.com/office/drawing/2014/main" id="{CF02F757-39B9-184E-BF22-20CF521598A3}"/>
+                  </a:ext>
+                </a:extLst>
+              </p:cNvPr>
+              <p:cNvPicPr>
+                <a:picLocks noChangeAspect="1"/>
+              </p:cNvPicPr>
+              <p:nvPr/>
+            </p:nvPicPr>
+            <p:blipFill>
+              <a:blip r:embed="rId13">
+                <a:alphaModFix/>
+                <a:duotone>
+                  <a:schemeClr val="accent3">
+                    <a:shade val="45000"/>
+                    <a:satMod val="135000"/>
+                  </a:schemeClr>
+                  <a:prstClr val="white"/>
+                </a:duotone>
+                <a:extLst>
+                  <a:ext uri="{28A0092B-C50C-407E-A947-70E740481C1C}">
+                    <a14:useLocalDpi xmlns:a14="http://schemas.microsoft.com/office/drawing/2010/main" val="0"/>
+                  </a:ext>
+                </a:extLst>
+              </a:blip>
+              <a:stretch>
+                <a:fillRect/>
+              </a:stretch>
+            </p:blipFill>
+            <p:spPr>
+              <a:xfrm>
+                <a:off x="9920320" y="3346176"/>
+                <a:ext cx="324595" cy="324595"/>
+              </a:xfrm>
+              <a:prstGeom prst="rect">
+                <a:avLst/>
+              </a:prstGeom>
+              <a:ln>
+                <a:noFill/>
+              </a:ln>
+            </p:spPr>
+          </p:pic>
+        </p:grpSp>
       </p:grpSp>
     </p:spTree>
     <p:extLst>
@@ -14789,45 +20537,6 @@
           <a:chExt cx="0" cy="0"/>
         </a:xfrm>
       </p:grpSpPr>
-      <p:pic>
-        <p:nvPicPr>
-          <p:cNvPr id="5" name="Picture 4" descr="A black background with a black square&#10;&#10;Description automatically generated with medium confidence">
-            <a:extLst>
-              <a:ext uri="{FF2B5EF4-FFF2-40B4-BE49-F238E27FC236}">
-                <a16:creationId xmlns:a16="http://schemas.microsoft.com/office/drawing/2014/main" id="{07721EF9-B2D6-D5D3-1DB2-B112C414FEC2}"/>
-              </a:ext>
-            </a:extLst>
-          </p:cNvPr>
-          <p:cNvPicPr>
-            <a:picLocks noChangeAspect="1"/>
-          </p:cNvPicPr>
-          <p:nvPr/>
-        </p:nvPicPr>
-        <p:blipFill>
-          <a:blip r:embed="rId2">
-            <a:extLst>
-              <a:ext uri="{28A0092B-C50C-407E-A947-70E740481C1C}">
-                <a14:useLocalDpi xmlns:a14="http://schemas.microsoft.com/office/drawing/2010/main" val="0"/>
-              </a:ext>
-            </a:extLst>
-          </a:blip>
-          <a:stretch>
-            <a:fillRect/>
-          </a:stretch>
-        </p:blipFill>
-        <p:spPr>
-          <a:xfrm>
-            <a:off x="3488679" y="982064"/>
-            <a:ext cx="1219048" cy="1219048"/>
-          </a:xfrm>
-          <a:prstGeom prst="rect">
-            <a:avLst/>
-          </a:prstGeom>
-          <a:ln w="3175">
-            <a:noFill/>
-          </a:ln>
-        </p:spPr>
-      </p:pic>
       <p:sp>
         <p:nvSpPr>
           <p:cNvPr id="43" name="Rectangle 42">
@@ -14884,6 +20593,45 @@
           </a:p>
         </p:txBody>
       </p:sp>
+      <p:pic>
+        <p:nvPicPr>
+          <p:cNvPr id="5" name="Picture 4" descr="A black background with a black square&#10;&#10;Description automatically generated with medium confidence">
+            <a:extLst>
+              <a:ext uri="{FF2B5EF4-FFF2-40B4-BE49-F238E27FC236}">
+                <a16:creationId xmlns:a16="http://schemas.microsoft.com/office/drawing/2014/main" id="{07721EF9-B2D6-D5D3-1DB2-B112C414FEC2}"/>
+              </a:ext>
+            </a:extLst>
+          </p:cNvPr>
+          <p:cNvPicPr>
+            <a:picLocks noChangeAspect="1"/>
+          </p:cNvPicPr>
+          <p:nvPr/>
+        </p:nvPicPr>
+        <p:blipFill>
+          <a:blip r:embed="rId2">
+            <a:extLst>
+              <a:ext uri="{28A0092B-C50C-407E-A947-70E740481C1C}">
+                <a14:useLocalDpi xmlns:a14="http://schemas.microsoft.com/office/drawing/2010/main" val="0"/>
+              </a:ext>
+            </a:extLst>
+          </a:blip>
+          <a:stretch>
+            <a:fillRect/>
+          </a:stretch>
+        </p:blipFill>
+        <p:spPr>
+          <a:xfrm>
+            <a:off x="3488679" y="982064"/>
+            <a:ext cx="1219048" cy="1219048"/>
+          </a:xfrm>
+          <a:prstGeom prst="rect">
+            <a:avLst/>
+          </a:prstGeom>
+          <a:ln w="3175">
+            <a:noFill/>
+          </a:ln>
+        </p:spPr>
+      </p:pic>
       <p:grpSp>
         <p:nvGrpSpPr>
           <p:cNvPr id="18" name="Group 17">
@@ -15903,10 +21651,10 @@
       </p:pic>
       <p:grpSp>
         <p:nvGrpSpPr>
-          <p:cNvPr id="23" name="Group 22">
+          <p:cNvPr id="93" name="Group 92">
             <a:extLst>
               <a:ext uri="{FF2B5EF4-FFF2-40B4-BE49-F238E27FC236}">
-                <a16:creationId xmlns:a16="http://schemas.microsoft.com/office/drawing/2014/main" id="{55FD2E42-742B-8DF8-71A8-DA44B7E5869F}"/>
+                <a16:creationId xmlns:a16="http://schemas.microsoft.com/office/drawing/2014/main" id="{8F08C68D-ABEA-B788-11BD-F4045568D735}"/>
               </a:ext>
             </a:extLst>
           </p:cNvPr>
@@ -15915,18 +21663,72 @@
         </p:nvGrpSpPr>
         <p:grpSpPr>
           <a:xfrm>
-            <a:off x="8393702" y="1199708"/>
+            <a:off x="7725468" y="1054828"/>
             <a:ext cx="1220400" cy="1219047"/>
-            <a:chOff x="8393702" y="1199708"/>
+            <a:chOff x="7725468" y="1054828"/>
             <a:chExt cx="1220400" cy="1219047"/>
           </a:xfrm>
         </p:grpSpPr>
+        <p:sp>
+          <p:nvSpPr>
+            <p:cNvPr id="19" name="Rectangle 18">
+              <a:extLst>
+                <a:ext uri="{FF2B5EF4-FFF2-40B4-BE49-F238E27FC236}">
+                  <a16:creationId xmlns:a16="http://schemas.microsoft.com/office/drawing/2014/main" id="{6925D560-ADC0-6896-0FA8-83FA9C76D5EA}"/>
+                </a:ext>
+              </a:extLst>
+            </p:cNvPr>
+            <p:cNvSpPr/>
+            <p:nvPr/>
+          </p:nvSpPr>
+          <p:spPr>
+            <a:xfrm>
+              <a:off x="7726821" y="1054828"/>
+              <a:ext cx="1219047" cy="1219047"/>
+            </a:xfrm>
+            <a:prstGeom prst="rect">
+              <a:avLst/>
+            </a:prstGeom>
+            <a:solidFill>
+              <a:schemeClr val="tx1">
+                <a:alpha val="0"/>
+              </a:schemeClr>
+            </a:solidFill>
+            <a:ln w="3175">
+              <a:noFill/>
+            </a:ln>
+          </p:spPr>
+          <p:style>
+            <a:lnRef idx="2">
+              <a:schemeClr val="accent1">
+                <a:shade val="15000"/>
+              </a:schemeClr>
+            </a:lnRef>
+            <a:fillRef idx="1">
+              <a:schemeClr val="accent1"/>
+            </a:fillRef>
+            <a:effectRef idx="0">
+              <a:schemeClr val="accent1"/>
+            </a:effectRef>
+            <a:fontRef idx="minor">
+              <a:schemeClr val="lt1"/>
+            </a:fontRef>
+          </p:style>
+          <p:txBody>
+            <a:bodyPr rtlCol="0" anchor="ctr"/>
+            <a:lstStyle/>
+            <a:p>
+              <a:pPr algn="ctr"/>
+              <a:endParaRPr lang="en-GB" dirty="0"/>
+            </a:p>
+          </p:txBody>
+        </p:sp>
         <p:grpSp>
           <p:nvGrpSpPr>
-            <p:cNvPr id="22" name="Group 21">
+            <p:cNvPr id="21" name="Group 20">
               <a:extLst>
                 <a:ext uri="{FF2B5EF4-FFF2-40B4-BE49-F238E27FC236}">
-                  <a16:creationId xmlns:a16="http://schemas.microsoft.com/office/drawing/2014/main" id="{B00F71AD-E1E2-41F5-CDAE-68EB8E3E4229}"/>
+                  <a16:creationId xmlns:a16="http://schemas.microsoft.com/office/drawing/2014/main" id="{1E8A0E23-4CEB-04D1-234E-1321459CA789}"/>
                 </a:ext>
               </a:extLst>
             </p:cNvPr>
@@ -15935,157 +21737,82 @@
           </p:nvGrpSpPr>
           <p:grpSpPr>
             <a:xfrm>
-              <a:off x="8393702" y="1199708"/>
-              <a:ext cx="1220400" cy="1219047"/>
-              <a:chOff x="7779693" y="4729036"/>
-              <a:chExt cx="1220400" cy="1219047"/>
+              <a:off x="7725468" y="1117269"/>
+              <a:ext cx="1220400" cy="1156606"/>
+              <a:chOff x="9692205" y="3611677"/>
+              <a:chExt cx="1220400" cy="1156606"/>
             </a:xfrm>
           </p:grpSpPr>
-          <p:grpSp>
-            <p:nvGrpSpPr>
-              <p:cNvPr id="21" name="Group 20">
+          <p:pic>
+            <p:nvPicPr>
+              <p:cNvPr id="13" name="Picture 12" descr="A black background with a black square&#10;&#10;Description automatically generated with medium confidence">
                 <a:extLst>
                   <a:ext uri="{FF2B5EF4-FFF2-40B4-BE49-F238E27FC236}">
-                    <a16:creationId xmlns:a16="http://schemas.microsoft.com/office/drawing/2014/main" id="{1E8A0E23-4CEB-04D1-234E-1321459CA789}"/>
+                    <a16:creationId xmlns:a16="http://schemas.microsoft.com/office/drawing/2014/main" id="{48D7EE08-4884-871D-7861-820D94B1B870}"/>
                   </a:ext>
                 </a:extLst>
               </p:cNvPr>
-              <p:cNvGrpSpPr/>
+              <p:cNvPicPr>
+                <a:picLocks noChangeAspect="1"/>
+              </p:cNvPicPr>
               <p:nvPr/>
-            </p:nvGrpSpPr>
-            <p:grpSpPr>
-              <a:xfrm>
-                <a:off x="7779693" y="4791477"/>
-                <a:ext cx="1220400" cy="1156606"/>
-                <a:chOff x="9692205" y="3611677"/>
-                <a:chExt cx="1220400" cy="1156606"/>
-              </a:xfrm>
-            </p:grpSpPr>
-            <p:pic>
-              <p:nvPicPr>
-                <p:cNvPr id="13" name="Picture 12" descr="A black background with a black square&#10;&#10;Description automatically generated with medium confidence">
-                  <a:extLst>
-                    <a:ext uri="{FF2B5EF4-FFF2-40B4-BE49-F238E27FC236}">
-                      <a16:creationId xmlns:a16="http://schemas.microsoft.com/office/drawing/2014/main" id="{48D7EE08-4884-871D-7861-820D94B1B870}"/>
-                    </a:ext>
-                  </a:extLst>
-                </p:cNvPr>
-                <p:cNvPicPr>
-                  <a:picLocks noChangeAspect="1"/>
-                </p:cNvPicPr>
-                <p:nvPr/>
-              </p:nvPicPr>
-              <p:blipFill>
-                <a:blip r:embed="rId12">
-                  <a:extLst>
-                    <a:ext uri="{28A0092B-C50C-407E-A947-70E740481C1C}">
-                      <a14:useLocalDpi xmlns:a14="http://schemas.microsoft.com/office/drawing/2010/main" val="0"/>
-                    </a:ext>
-                  </a:extLst>
-                </a:blip>
-                <a:srcRect t="53087"/>
-                <a:stretch/>
-              </p:blipFill>
-              <p:spPr>
-                <a:xfrm>
-                  <a:off x="9692205" y="4195762"/>
-                  <a:ext cx="1220400" cy="572521"/>
-                </a:xfrm>
-                <a:prstGeom prst="rect">
-                  <a:avLst/>
-                </a:prstGeom>
-              </p:spPr>
-            </p:pic>
-            <p:pic>
-              <p:nvPicPr>
-                <p:cNvPr id="14" name="Picture 13" descr="A black background with a black square&#10;&#10;Description automatically generated with medium confidence">
-                  <a:extLst>
-                    <a:ext uri="{FF2B5EF4-FFF2-40B4-BE49-F238E27FC236}">
-                      <a16:creationId xmlns:a16="http://schemas.microsoft.com/office/drawing/2014/main" id="{1C522FB9-DC36-D41A-17A0-117FA2B9B8BB}"/>
-                    </a:ext>
-                  </a:extLst>
-                </p:cNvPr>
-                <p:cNvPicPr>
-                  <a:picLocks noChangeAspect="1"/>
-                </p:cNvPicPr>
-                <p:nvPr/>
-              </p:nvPicPr>
-              <p:blipFill>
-                <a:blip r:embed="rId3">
-                  <a:extLst>
-                    <a:ext uri="{28A0092B-C50C-407E-A947-70E740481C1C}">
-                      <a14:useLocalDpi xmlns:a14="http://schemas.microsoft.com/office/drawing/2010/main" val="0"/>
-                    </a:ext>
-                  </a:extLst>
-                </a:blip>
-                <a:srcRect l="21871" t="-1" r="22164" b="43028"/>
-                <a:stretch/>
-              </p:blipFill>
-              <p:spPr>
-                <a:xfrm>
-                  <a:off x="10043281" y="3611677"/>
-                  <a:ext cx="518248" cy="596785"/>
-                </a:xfrm>
-                <a:prstGeom prst="rect">
-                  <a:avLst/>
-                </a:prstGeom>
-              </p:spPr>
-            </p:pic>
-          </p:grpSp>
-          <p:sp>
-            <p:nvSpPr>
-              <p:cNvPr id="19" name="Rectangle 18">
+            </p:nvPicPr>
+            <p:blipFill>
+              <a:blip r:embed="rId12">
                 <a:extLst>
-                  <a:ext uri="{FF2B5EF4-FFF2-40B4-BE49-F238E27FC236}">
-                    <a16:creationId xmlns:a16="http://schemas.microsoft.com/office/drawing/2014/main" id="{6925D560-ADC0-6896-0FA8-83FA9C76D5EA}"/>
+                  <a:ext uri="{28A0092B-C50C-407E-A947-70E740481C1C}">
+                    <a14:useLocalDpi xmlns:a14="http://schemas.microsoft.com/office/drawing/2010/main" val="0"/>
                   </a:ext>
                 </a:extLst>
-              </p:cNvPr>
-              <p:cNvSpPr/>
-              <p:nvPr/>
-            </p:nvSpPr>
+              </a:blip>
+              <a:srcRect t="53087"/>
+              <a:stretch/>
+            </p:blipFill>
             <p:spPr>
               <a:xfrm>
-                <a:off x="7781046" y="4729036"/>
-                <a:ext cx="1219047" cy="1219047"/>
+                <a:off x="9692205" y="4195762"/>
+                <a:ext cx="1220400" cy="572521"/>
               </a:xfrm>
               <a:prstGeom prst="rect">
                 <a:avLst/>
               </a:prstGeom>
-              <a:solidFill>
-                <a:schemeClr val="tx1">
-                  <a:alpha val="0"/>
-                </a:schemeClr>
-              </a:solidFill>
-              <a:ln w="3175">
-                <a:noFill/>
-              </a:ln>
             </p:spPr>
-            <p:style>
-              <a:lnRef idx="2">
-                <a:schemeClr val="accent1">
-                  <a:shade val="15000"/>
-                </a:schemeClr>
-              </a:lnRef>
-              <a:fillRef idx="1">
-                <a:schemeClr val="accent1"/>
-              </a:fillRef>
-              <a:effectRef idx="0">
-                <a:schemeClr val="accent1"/>
-              </a:effectRef>
-              <a:fontRef idx="minor">
-                <a:schemeClr val="lt1"/>
-              </a:fontRef>
-            </p:style>
-            <p:txBody>
-              <a:bodyPr rtlCol="0" anchor="ctr"/>
-              <a:lstStyle/>
-              <a:p>
-                <a:pPr algn="ctr"/>
-                <a:endParaRPr lang="en-GB"/>
-              </a:p>
-            </p:txBody>
-          </p:sp>
+          </p:pic>
+          <p:pic>
+            <p:nvPicPr>
+              <p:cNvPr id="14" name="Picture 13" descr="A black background with a black square&#10;&#10;Description automatically generated with medium confidence">
+                <a:extLst>
+                  <a:ext uri="{FF2B5EF4-FFF2-40B4-BE49-F238E27FC236}">
+                    <a16:creationId xmlns:a16="http://schemas.microsoft.com/office/drawing/2014/main" id="{1C522FB9-DC36-D41A-17A0-117FA2B9B8BB}"/>
+                  </a:ext>
+                </a:extLst>
+              </p:cNvPr>
+              <p:cNvPicPr>
+                <a:picLocks noChangeAspect="1"/>
+              </p:cNvPicPr>
+              <p:nvPr/>
+            </p:nvPicPr>
+            <p:blipFill>
+              <a:blip r:embed="rId3">
+                <a:extLst>
+                  <a:ext uri="{28A0092B-C50C-407E-A947-70E740481C1C}">
+                    <a14:useLocalDpi xmlns:a14="http://schemas.microsoft.com/office/drawing/2010/main" val="0"/>
+                  </a:ext>
+                </a:extLst>
+              </a:blip>
+              <a:srcRect l="21871" t="-1" r="22164" b="43028"/>
+              <a:stretch/>
+            </p:blipFill>
+            <p:spPr>
+              <a:xfrm>
+                <a:off x="10043281" y="3611677"/>
+                <a:ext cx="518248" cy="596785"/>
+              </a:xfrm>
+              <a:prstGeom prst="rect">
+                <a:avLst/>
+              </a:prstGeom>
+            </p:spPr>
+          </p:pic>
         </p:grpSp>
         <p:grpSp>
           <p:nvGrpSpPr>
@@ -16101,7 +21828,7 @@
           </p:nvGrpSpPr>
           <p:grpSpPr>
             <a:xfrm>
-              <a:off x="8560271" y="1406958"/>
+              <a:off x="7892037" y="1262078"/>
               <a:ext cx="196726" cy="54000"/>
               <a:chOff x="5602892" y="4567273"/>
               <a:chExt cx="196726" cy="54000"/>
@@ -16306,6 +22033,135 @@
           </a:prstGeom>
         </p:spPr>
       </p:pic>
+      <p:pic>
+        <p:nvPicPr>
+          <p:cNvPr id="72" name="Picture 71" descr="A black background with a black square&#10;&#10;Description automatically generated with medium confidence">
+            <a:extLst>
+              <a:ext uri="{FF2B5EF4-FFF2-40B4-BE49-F238E27FC236}">
+                <a16:creationId xmlns:a16="http://schemas.microsoft.com/office/drawing/2014/main" id="{68523FDF-607F-A6AE-AE02-AA2411C5C65C}"/>
+              </a:ext>
+            </a:extLst>
+          </p:cNvPr>
+          <p:cNvPicPr>
+            <a:picLocks noChangeAspect="1"/>
+          </p:cNvPicPr>
+          <p:nvPr/>
+        </p:nvPicPr>
+        <p:blipFill>
+          <a:blip r:embed="rId4">
+            <a:extLst>
+              <a:ext uri="{28A0092B-C50C-407E-A947-70E740481C1C}">
+                <a14:useLocalDpi xmlns:a14="http://schemas.microsoft.com/office/drawing/2010/main" val="0"/>
+              </a:ext>
+            </a:extLst>
+          </a:blip>
+          <a:srcRect l="33686" t="29058" r="34060" b="29057"/>
+          <a:stretch/>
+        </p:blipFill>
+        <p:spPr>
+          <a:xfrm>
+            <a:off x="7990400" y="467946"/>
+            <a:ext cx="233225" cy="302864"/>
+          </a:xfrm>
+          <a:custGeom>
+            <a:avLst/>
+            <a:gdLst>
+              <a:gd name="connsiteX0" fmla="*/ 0 w 409575"/>
+              <a:gd name="connsiteY0" fmla="*/ 0 h 531871"/>
+              <a:gd name="connsiteX1" fmla="*/ 409575 w 409575"/>
+              <a:gd name="connsiteY1" fmla="*/ 0 h 531871"/>
+              <a:gd name="connsiteX2" fmla="*/ 409575 w 409575"/>
+              <a:gd name="connsiteY2" fmla="*/ 411212 h 531871"/>
+              <a:gd name="connsiteX3" fmla="*/ 335757 w 409575"/>
+              <a:gd name="connsiteY3" fmla="*/ 411212 h 531871"/>
+              <a:gd name="connsiteX4" fmla="*/ 335757 w 409575"/>
+              <a:gd name="connsiteY4" fmla="*/ 531871 h 531871"/>
+              <a:gd name="connsiteX5" fmla="*/ 0 w 409575"/>
+              <a:gd name="connsiteY5" fmla="*/ 531871 h 531871"/>
+            </a:gdLst>
+            <a:ahLst/>
+            <a:cxnLst>
+              <a:cxn ang="0">
+                <a:pos x="connsiteX0" y="connsiteY0"/>
+              </a:cxn>
+              <a:cxn ang="0">
+                <a:pos x="connsiteX1" y="connsiteY1"/>
+              </a:cxn>
+              <a:cxn ang="0">
+                <a:pos x="connsiteX2" y="connsiteY2"/>
+              </a:cxn>
+              <a:cxn ang="0">
+                <a:pos x="connsiteX3" y="connsiteY3"/>
+              </a:cxn>
+              <a:cxn ang="0">
+                <a:pos x="connsiteX4" y="connsiteY4"/>
+              </a:cxn>
+              <a:cxn ang="0">
+                <a:pos x="connsiteX5" y="connsiteY5"/>
+              </a:cxn>
+            </a:cxnLst>
+            <a:rect l="l" t="t" r="r" b="b"/>
+            <a:pathLst>
+              <a:path w="409575" h="531871">
+                <a:moveTo>
+                  <a:pt x="0" y="0"/>
+                </a:moveTo>
+                <a:lnTo>
+                  <a:pt x="409575" y="0"/>
+                </a:lnTo>
+                <a:lnTo>
+                  <a:pt x="409575" y="411212"/>
+                </a:lnTo>
+                <a:lnTo>
+                  <a:pt x="335757" y="411212"/>
+                </a:lnTo>
+                <a:lnTo>
+                  <a:pt x="335757" y="531871"/>
+                </a:lnTo>
+                <a:lnTo>
+                  <a:pt x="0" y="531871"/>
+                </a:lnTo>
+                <a:close/>
+              </a:path>
+            </a:pathLst>
+          </a:custGeom>
+        </p:spPr>
+      </p:pic>
+      <p:pic>
+        <p:nvPicPr>
+          <p:cNvPr id="82" name="Picture 81" descr="A black background with a black square&#10;&#10;AI-generated content may be incorrect.">
+            <a:extLst>
+              <a:ext uri="{FF2B5EF4-FFF2-40B4-BE49-F238E27FC236}">
+                <a16:creationId xmlns:a16="http://schemas.microsoft.com/office/drawing/2014/main" id="{16341BFF-8A96-33F5-D1EC-7C279661B0A4}"/>
+              </a:ext>
+            </a:extLst>
+          </p:cNvPr>
+          <p:cNvPicPr>
+            <a:picLocks noChangeAspect="1"/>
+          </p:cNvPicPr>
+          <p:nvPr/>
+        </p:nvPicPr>
+        <p:blipFill>
+          <a:blip r:embed="rId13">
+            <a:extLst>
+              <a:ext uri="{28A0092B-C50C-407E-A947-70E740481C1C}">
+                <a14:useLocalDpi xmlns:a14="http://schemas.microsoft.com/office/drawing/2010/main" val="0"/>
+              </a:ext>
+            </a:extLst>
+          </a:blip>
+          <a:srcRect l="30574" t="21139" r="35684" b="37701"/>
+          <a:stretch/>
+        </p:blipFill>
+        <p:spPr>
+          <a:xfrm>
+            <a:off x="8393702" y="467946"/>
+            <a:ext cx="241222" cy="352425"/>
+          </a:xfrm>
+          <a:prstGeom prst="rect">
+            <a:avLst/>
+          </a:prstGeom>
+        </p:spPr>
+      </p:pic>
     </p:spTree>
     <p:extLst>
       <p:ext uri="{BB962C8B-B14F-4D97-AF65-F5344CB8AC3E}">
@@ -17048,98 +22904,6 @@
           </a:fontRef>
         </p:style>
       </p:cxnSp>
-      <p:grpSp>
-        <p:nvGrpSpPr>
-          <p:cNvPr id="16" name="Group 15">
-            <a:extLst>
-              <a:ext uri="{FF2B5EF4-FFF2-40B4-BE49-F238E27FC236}">
-                <a16:creationId xmlns:a16="http://schemas.microsoft.com/office/drawing/2014/main" id="{99AA29F6-68BB-6AFC-6D02-7FE610A5408A}"/>
-              </a:ext>
-            </a:extLst>
-          </p:cNvPr>
-          <p:cNvGrpSpPr/>
-          <p:nvPr/>
-        </p:nvGrpSpPr>
-        <p:grpSpPr>
-          <a:xfrm>
-            <a:off x="9106216" y="3966799"/>
-            <a:ext cx="1269841" cy="1269841"/>
-            <a:chOff x="5513981" y="3055174"/>
-            <a:chExt cx="1269841" cy="1269841"/>
-          </a:xfrm>
-        </p:grpSpPr>
-        <p:pic>
-          <p:nvPicPr>
-            <p:cNvPr id="18" name="Picture 17" descr="A black background with a black square&#10;&#10;Description automatically generated with medium confidence">
-              <a:extLst>
-                <a:ext uri="{FF2B5EF4-FFF2-40B4-BE49-F238E27FC236}">
-                  <a16:creationId xmlns:a16="http://schemas.microsoft.com/office/drawing/2014/main" id="{9FEC5E42-71F3-3807-929D-A30BEE3B40DD}"/>
-                </a:ext>
-              </a:extLst>
-            </p:cNvPr>
-            <p:cNvPicPr>
-              <a:picLocks noChangeAspect="1"/>
-            </p:cNvPicPr>
-            <p:nvPr/>
-          </p:nvPicPr>
-          <p:blipFill>
-            <a:blip r:embed="rId4">
-              <a:extLst>
-                <a:ext uri="{28A0092B-C50C-407E-A947-70E740481C1C}">
-                  <a14:useLocalDpi xmlns:a14="http://schemas.microsoft.com/office/drawing/2010/main" val="0"/>
-                </a:ext>
-              </a:extLst>
-            </a:blip>
-            <a:stretch>
-              <a:fillRect/>
-            </a:stretch>
-          </p:blipFill>
-          <p:spPr>
-            <a:xfrm>
-              <a:off x="5513981" y="3055174"/>
-              <a:ext cx="1269841" cy="1269841"/>
-            </a:xfrm>
-            <a:prstGeom prst="rect">
-              <a:avLst/>
-            </a:prstGeom>
-          </p:spPr>
-        </p:pic>
-        <p:pic>
-          <p:nvPicPr>
-            <p:cNvPr id="19" name="Picture 18" descr="A black background with a black square&#10;&#10;Description automatically generated with medium confidence">
-              <a:extLst>
-                <a:ext uri="{FF2B5EF4-FFF2-40B4-BE49-F238E27FC236}">
-                  <a16:creationId xmlns:a16="http://schemas.microsoft.com/office/drawing/2014/main" id="{953958FC-5069-F732-5F6A-22B560BEE643}"/>
-                </a:ext>
-              </a:extLst>
-            </p:cNvPr>
-            <p:cNvPicPr>
-              <a:picLocks noChangeAspect="1"/>
-            </p:cNvPicPr>
-            <p:nvPr/>
-          </p:nvPicPr>
-          <p:blipFill>
-            <a:blip r:embed="rId5">
-              <a:extLst>
-                <a:ext uri="{28A0092B-C50C-407E-A947-70E740481C1C}">
-                  <a14:useLocalDpi xmlns:a14="http://schemas.microsoft.com/office/drawing/2010/main" val="0"/>
-                </a:ext>
-              </a:extLst>
-            </a:blip>
-            <a:srcRect l="74525" t="8436" r="12348" b="43745"/>
-            <a:stretch/>
-          </p:blipFill>
-          <p:spPr>
-            <a:xfrm>
-              <a:off x="6617134" y="3386484"/>
-              <a:ext cx="166688" cy="607219"/>
-            </a:xfrm>
-            <a:prstGeom prst="rect">
-              <a:avLst/>
-            </a:prstGeom>
-          </p:spPr>
-        </p:pic>
-      </p:grpSp>
     </p:spTree>
     <p:extLst>
       <p:ext uri="{BB962C8B-B14F-4D97-AF65-F5344CB8AC3E}">

--- a/media/workshop.pptx
+++ b/media/workshop.pptx
@@ -5,7 +5,7 @@
     <p:sldMasterId id="2147483648" r:id="rId1"/>
   </p:sldMasterIdLst>
   <p:notesMasterIdLst>
-    <p:notesMasterId r:id="rId18"/>
+    <p:notesMasterId r:id="rId19"/>
   </p:notesMasterIdLst>
   <p:sldIdLst>
     <p:sldId id="256" r:id="rId2"/>
@@ -24,6 +24,7 @@
     <p:sldId id="269" r:id="rId15"/>
     <p:sldId id="270" r:id="rId16"/>
     <p:sldId id="271" r:id="rId17"/>
+    <p:sldId id="272" r:id="rId18"/>
   </p:sldIdLst>
   <p:sldSz cx="12192000" cy="6858000"/>
   <p:notesSz cx="6858000" cy="9144000"/>
@@ -130,6 +131,168 @@
 </p:presentation>
 </file>
 
+<file path=ppt/ink/ink1.xml><?xml version="1.0" encoding="utf-8"?>
+<inkml:ink xmlns:inkml="http://www.w3.org/2003/InkML">
+  <inkml:definitions>
+    <inkml:context xml:id="ctx0">
+      <inkml:inkSource xml:id="inkSrc0">
+        <inkml:traceFormat>
+          <inkml:channel name="X" type="integer" min="-2.14748E9" max="2.14748E9" units="cm"/>
+          <inkml:channel name="Y" type="integer" min="-2.14748E9" max="2.14748E9" units="cm"/>
+          <inkml:channel name="F" type="integer" max="32767" units="dev"/>
+        </inkml:traceFormat>
+        <inkml:channelProperties>
+          <inkml:channelProperty channel="X" name="resolution" value="1000" units="1/cm"/>
+          <inkml:channelProperty channel="Y" name="resolution" value="1000" units="1/cm"/>
+          <inkml:channelProperty channel="F" name="resolution" value="0" units="1/dev"/>
+        </inkml:channelProperties>
+      </inkml:inkSource>
+      <inkml:timestamp xml:id="ts0" timeString="2025-05-06T19:29:12.952"/>
+    </inkml:context>
+    <inkml:brush xml:id="br0">
+      <inkml:brushProperty name="width" value="0.1" units="cm"/>
+      <inkml:brushProperty name="height" value="0.1" units="cm"/>
+    </inkml:brush>
+  </inkml:definitions>
+  <inkml:trace contextRef="#ctx0" brushRef="#br0">0 0 24575,'0'0'-8191</inkml:trace>
+</inkml:ink>
+</file>
+
+<file path=ppt/ink/ink2.xml><?xml version="1.0" encoding="utf-8"?>
+<inkml:ink xmlns:inkml="http://www.w3.org/2003/InkML">
+  <inkml:definitions>
+    <inkml:context xml:id="ctx0">
+      <inkml:inkSource xml:id="inkSrc0">
+        <inkml:traceFormat>
+          <inkml:channel name="X" type="integer" min="-2.14748E9" max="2.14748E9" units="cm"/>
+          <inkml:channel name="Y" type="integer" min="-2.14748E9" max="2.14748E9" units="cm"/>
+          <inkml:channel name="F" type="integer" max="32767" units="dev"/>
+        </inkml:traceFormat>
+        <inkml:channelProperties>
+          <inkml:channelProperty channel="X" name="resolution" value="1000" units="1/cm"/>
+          <inkml:channelProperty channel="Y" name="resolution" value="1000" units="1/cm"/>
+          <inkml:channelProperty channel="F" name="resolution" value="0" units="1/dev"/>
+        </inkml:channelProperties>
+      </inkml:inkSource>
+      <inkml:timestamp xml:id="ts0" timeString="2025-05-06T19:29:17.147"/>
+    </inkml:context>
+    <inkml:brush xml:id="br0">
+      <inkml:brushProperty name="width" value="0.1" units="cm"/>
+      <inkml:brushProperty name="height" value="0.1" units="cm"/>
+    </inkml:brush>
+  </inkml:definitions>
+  <inkml:trace contextRef="#ctx0" brushRef="#br0">1 0 24575,'0'0'-8191</inkml:trace>
+</inkml:ink>
+</file>
+
+<file path=ppt/ink/ink3.xml><?xml version="1.0" encoding="utf-8"?>
+<inkml:ink xmlns:inkml="http://www.w3.org/2003/InkML">
+  <inkml:definitions>
+    <inkml:context xml:id="ctx0">
+      <inkml:inkSource xml:id="inkSrc0">
+        <inkml:traceFormat>
+          <inkml:channel name="X" type="integer" min="-2.14748E9" max="2.14748E9" units="cm"/>
+          <inkml:channel name="Y" type="integer" min="-2.14748E9" max="2.14748E9" units="cm"/>
+          <inkml:channel name="F" type="integer" max="32767" units="dev"/>
+        </inkml:traceFormat>
+        <inkml:channelProperties>
+          <inkml:channelProperty channel="X" name="resolution" value="1000" units="1/cm"/>
+          <inkml:channelProperty channel="Y" name="resolution" value="1000" units="1/cm"/>
+          <inkml:channelProperty channel="F" name="resolution" value="0" units="1/dev"/>
+        </inkml:channelProperties>
+      </inkml:inkSource>
+      <inkml:timestamp xml:id="ts0" timeString="2025-05-06T19:29:23.483"/>
+    </inkml:context>
+    <inkml:brush xml:id="br0">
+      <inkml:brushProperty name="width" value="0.035" units="cm"/>
+      <inkml:brushProperty name="height" value="0.035" units="cm"/>
+    </inkml:brush>
+  </inkml:definitions>
+  <inkml:trace contextRef="#ctx0" brushRef="#br0">0 1 24575,'0'0'-8191</inkml:trace>
+</inkml:ink>
+</file>
+
+<file path=ppt/ink/ink4.xml><?xml version="1.0" encoding="utf-8"?>
+<inkml:ink xmlns:inkml="http://www.w3.org/2003/InkML">
+  <inkml:definitions>
+    <inkml:context xml:id="ctx0">
+      <inkml:inkSource xml:id="inkSrc0">
+        <inkml:traceFormat>
+          <inkml:channel name="X" type="integer" min="-2.14748E9" max="2.14748E9" units="cm"/>
+          <inkml:channel name="Y" type="integer" min="-2.14748E9" max="2.14748E9" units="cm"/>
+          <inkml:channel name="F" type="integer" max="32767" units="dev"/>
+        </inkml:traceFormat>
+        <inkml:channelProperties>
+          <inkml:channelProperty channel="X" name="resolution" value="1000" units="1/cm"/>
+          <inkml:channelProperty channel="Y" name="resolution" value="1000" units="1/cm"/>
+          <inkml:channelProperty channel="F" name="resolution" value="0" units="1/dev"/>
+        </inkml:channelProperties>
+      </inkml:inkSource>
+      <inkml:timestamp xml:id="ts0" timeString="2025-05-06T19:29:39.087"/>
+    </inkml:context>
+    <inkml:brush xml:id="br0">
+      <inkml:brushProperty name="width" value="0.1" units="cm"/>
+      <inkml:brushProperty name="height" value="0.1" units="cm"/>
+    </inkml:brush>
+  </inkml:definitions>
+  <inkml:trace contextRef="#ctx0" brushRef="#br0">16 0 24575,'203'9'0,"-201"-9"0,0 1 0,0-1 0,0 1 0,0-1 0,0 1 0,0-1 0,0 1 0,0 0 0,0 0 0,0 0 0,-1 0 0,1 1 0,0-1 0,-1 0 0,1 1 0,-1-1 0,1 1 0,-1-1 0,0 1 0,0 0 0,1 0 0,-1 0 0,0-1 0,-1 1 0,1 0 0,0 0 0,-1 0 0,1 0 0,-1 0 0,1 0 0,-1 0 0,0 1 0,0-1 0,0 0 0,0 0 0,0 0 0,0 0 0,-1 3 0,0-4 0,0 0 0,0 0 0,0 0 0,0 0 0,0 0 0,0-1 0,0 1 0,0 0 0,0 0 0,0-1 0,-1 1 0,1-1 0,0 1 0,0-1 0,-1 1 0,1-1 0,0 0 0,0 0 0,-1 1 0,1-1 0,0 0 0,-1 0 0,0-1 0,-42 0 0,31 0 0,-38-5 0,42 4 0,0 0 0,0 1 0,0 0 0,0 0 0,0 1 0,-1 1 0,1-1 0,-16 4 0,22 0 0,0-1 0,1 1 0,-1-1 0,1 1 0,0 0 0,0 0 0,0 0 0,1 0 0,-1 0 0,1 0 0,0 0 0,0 1 0,1-1 0,-1 0 0,1 1 0,0-1 0,0 0 0,0 1 0,1-1 0,1 6 0,-1-9 0,1 0 0,-1 0 0,0 0 0,1 0 0,-1 0 0,1 0 0,0-1 0,-1 1 0,1-1 0,0 1 0,-1-1 0,1 0 0,0 1 0,-1-1 0,1 0 0,0 0 0,-1 0 0,1-1 0,3 0 0,40-11 0,-12 4 0,-20 7-195,0 1 0,0 0 0,0 1 0,-1 1 0,1 0 0,17 6 0</inkml:trace>
+</inkml:ink>
+</file>
+
+<file path=ppt/ink/ink5.xml><?xml version="1.0" encoding="utf-8"?>
+<inkml:ink xmlns:inkml="http://www.w3.org/2003/InkML">
+  <inkml:definitions>
+    <inkml:context xml:id="ctx0">
+      <inkml:inkSource xml:id="inkSrc0">
+        <inkml:traceFormat>
+          <inkml:channel name="X" type="integer" min="-2.14748E9" max="2.14748E9" units="cm"/>
+          <inkml:channel name="Y" type="integer" min="-2.14748E9" max="2.14748E9" units="cm"/>
+          <inkml:channel name="F" type="integer" max="32767" units="dev"/>
+        </inkml:traceFormat>
+        <inkml:channelProperties>
+          <inkml:channelProperty channel="X" name="resolution" value="1000" units="1/cm"/>
+          <inkml:channelProperty channel="Y" name="resolution" value="1000" units="1/cm"/>
+          <inkml:channelProperty channel="F" name="resolution" value="0" units="1/dev"/>
+        </inkml:channelProperties>
+      </inkml:inkSource>
+      <inkml:timestamp xml:id="ts0" timeString="2025-05-06T19:29:46.786"/>
+    </inkml:context>
+    <inkml:brush xml:id="br0">
+      <inkml:brushProperty name="width" value="0.1" units="cm"/>
+      <inkml:brushProperty name="height" value="0.1" units="cm"/>
+    </inkml:brush>
+  </inkml:definitions>
+  <inkml:trace contextRef="#ctx0" brushRef="#br0">190 46 24575,'0'6'0,"0"-1"0,0 1 0,0-1 0,0 0 0,-1 1 0,0-1 0,0 0 0,-1 0 0,1 1 0,-1-1 0,0 0 0,-1-1 0,1 1 0,-1 0 0,-4 5 0,-3 19 0,9-26 0,0 0 0,1 0 0,-1 0 0,0 0 0,0 0 0,-1-1 0,1 1 0,0 0 0,-3 2 0,3-4 0,0-1 0,0 1 0,0 0 0,0-1 0,0 1 0,0-1 0,-1 0 0,1 1 0,0-1 0,0 0 0,0 0 0,0 1 0,-1-1 0,1 0 0,0 0 0,0-1 0,0 1 0,0 0 0,-1 0 0,1 0 0,0-1 0,0 1 0,0-1 0,0 1 0,0-1 0,0 1 0,0-1 0,0 0 0,-1 0 0,0 0 0,0-1 0,0 1 0,0 0 0,1-1 0,-1 1 0,1-1 0,-1 0 0,1 1 0,0-1 0,0 0 0,0 0 0,0 0 0,0 0 0,0 0 0,0 0 0,0 0 0,1 0 0,-1 0 0,1 0 0,0 0 0,0-1 0,-1-2 0,7-56 0,-2 21 0,4 17 0,-2 2 0,-11 18 0,-10 10 0,9-2 0,-1 0 0,1 0 0,1 1 0,-10 10 0,-16 16 0,29-30 7,0 0 0,1 0-1,-1 0 1,1 0 0,0 1-1,0-1 1,0 0-1,0 1 1,0-1 0,0 1-1,0-1 1,1 1 0,-1-1-1,1 1 1,0-1 0,0 1-1,0 4 1,0-5-58,0-1 0,0 1-1,0 0 1,0-1 0,0 1 0,1 0 0,-1-1-1,0 1 1,1-1 0,-1 1 0,1-1 0,0 1-1,0-1 1,-1 1 0,1-1 0,0 0-1,0 1 1,0-1 0,0 0 0,1 0 0,-1 0-1,0 0 1,0 0 0,1 0 0,-1 0 0,0 0-1,1 0 1,1 0 0</inkml:trace>
+</inkml:ink>
+</file>
+
+<file path=ppt/ink/ink6.xml><?xml version="1.0" encoding="utf-8"?>
+<inkml:ink xmlns:inkml="http://www.w3.org/2003/InkML">
+  <inkml:definitions>
+    <inkml:context xml:id="ctx0">
+      <inkml:inkSource xml:id="inkSrc0">
+        <inkml:traceFormat>
+          <inkml:channel name="X" type="integer" min="-2.14748E9" max="2.14748E9" units="cm"/>
+          <inkml:channel name="Y" type="integer" min="-2.14748E9" max="2.14748E9" units="cm"/>
+          <inkml:channel name="F" type="integer" max="32767" units="dev"/>
+        </inkml:traceFormat>
+        <inkml:channelProperties>
+          <inkml:channelProperty channel="X" name="resolution" value="1000" units="1/cm"/>
+          <inkml:channelProperty channel="Y" name="resolution" value="1000" units="1/cm"/>
+          <inkml:channelProperty channel="F" name="resolution" value="0" units="1/dev"/>
+        </inkml:channelProperties>
+      </inkml:inkSource>
+      <inkml:timestamp xml:id="ts0" timeString="2025-05-06T19:29:57.793"/>
+    </inkml:context>
+    <inkml:brush xml:id="br0">
+      <inkml:brushProperty name="width" value="0.1" units="cm"/>
+      <inkml:brushProperty name="height" value="0.1" units="cm"/>
+    </inkml:brush>
+  </inkml:definitions>
+  <inkml:trace contextRef="#ctx0" brushRef="#br0">1 134 24575,'10'2'0,"0"-1"0,0 1 0,0 0 0,-1 1 0,1 0 0,-1 1 0,12 6 0,-8-4 0,1-1 0,0 0 0,17 4 0,-30-8 0,0-1 0,1 0 0,-1 1 0,0-1 0,1 0 0,-1 0 0,0 0 0,1 0 0,-1 0 0,0 0 0,1 0 0,-1 0 0,0-1 0,1 1 0,-1 0 0,0-1 0,1 1 0,-1-1 0,0 0 0,0 1 0,0-1 0,0 0 0,0 1 0,0-1 0,0 0 0,0 0 0,0 0 0,0 0 0,0 0 0,0 0 0,-1-1 0,1 1 0,0 0 0,-1 0 0,1 0 0,-1-1 0,1 1 0,-1 0 0,0-1 0,1 1 0,-1 0 0,0-1 0,0 1 0,0 0 0,0-3 0,-1 2 0,1-1 0,0 1 0,-1-1 0,1 1 0,-1-1 0,0 1 0,0 0 0,0-1 0,0 1 0,0 0 0,0 0 0,-1 0 0,1 0 0,-1 0 0,0 0 0,1 0 0,-1 0 0,0 1 0,0-1 0,0 1 0,0-1 0,0 1 0,0 0 0,-1 0 0,-2-1 0,-38-12 0,18 6 0,-45-8 0,69 16 0,0 0 0,0-1 0,0 1 0,0 0 0,0 0 0,0-1 0,0 1 0,1-1 0,-1 1 0,0 0 0,0-1 0,0 0 0,1 1 0,-1-1 0,0 1 0,1-1 0,-1 0 0,0 0 0,1 1 0,-1-1 0,1 0 0,-1 0 0,1 0 0,0 1 0,-1-1 0,1 0 0,0 0 0,-1 0 0,1 0 0,0 0 0,0 0 0,0 0 0,0 0 0,0 0 0,0 0 0,0 0 0,0 0 0,0 1 0,1-1 0,-1 0 0,0 0 0,1-1 0,-1 0 0,1 0 0,0 1 0,-1-1 0,1 0 0,0 1 0,0-1 0,0 0 0,0 1 0,0-1 0,1 1 0,-1 0 0,0-1 0,1 1 0,-1 0 0,1 0 0,-1 0 0,1 0 0,-1 0 0,1 0 0,0 0 0,2-1 0,5 1 0,0 1 0,0-1 0,-1 2 0,1-1 0,0 1 0,0 0 0,-1 1 0,1 0 0,15 5 0,18 5 0,3-7-1365</inkml:trace>
+</inkml:ink>
+</file>
+
 <file path=ppt/notesMasters/notesMaster1.xml><?xml version="1.0" encoding="utf-8"?>
 <p:notesMaster xmlns:a="http://schemas.openxmlformats.org/drawingml/2006/main" xmlns:r="http://schemas.openxmlformats.org/officeDocument/2006/relationships" xmlns:p="http://schemas.openxmlformats.org/presentationml/2006/main">
   <p:cSld>
@@ -212,7 +375,7 @@
           <a:p>
             <a:fld id="{A48A8C48-B3E7-451F-AD3C-7C38A874ED0C}" type="datetimeFigureOut">
               <a:rPr lang="en-GB" smtClean="0"/>
-              <a:t>13/03/2025</a:t>
+              <a:t>17/01/2026</a:t>
             </a:fld>
             <a:endParaRPr lang="en-GB"/>
           </a:p>
@@ -797,7 +960,7 @@
           <a:p>
             <a:fld id="{31EAB4FA-2558-41C8-8840-1B5E58534D56}" type="datetimeFigureOut">
               <a:rPr lang="en-GB" smtClean="0"/>
-              <a:t>13/03/2025</a:t>
+              <a:t>17/01/2026</a:t>
             </a:fld>
             <a:endParaRPr lang="en-GB"/>
           </a:p>
@@ -997,7 +1160,7 @@
           <a:p>
             <a:fld id="{31EAB4FA-2558-41C8-8840-1B5E58534D56}" type="datetimeFigureOut">
               <a:rPr lang="en-GB" smtClean="0"/>
-              <a:t>13/03/2025</a:t>
+              <a:t>17/01/2026</a:t>
             </a:fld>
             <a:endParaRPr lang="en-GB"/>
           </a:p>
@@ -1207,7 +1370,7 @@
           <a:p>
             <a:fld id="{31EAB4FA-2558-41C8-8840-1B5E58534D56}" type="datetimeFigureOut">
               <a:rPr lang="en-GB" smtClean="0"/>
-              <a:t>13/03/2025</a:t>
+              <a:t>17/01/2026</a:t>
             </a:fld>
             <a:endParaRPr lang="en-GB"/>
           </a:p>
@@ -1407,7 +1570,7 @@
           <a:p>
             <a:fld id="{31EAB4FA-2558-41C8-8840-1B5E58534D56}" type="datetimeFigureOut">
               <a:rPr lang="en-GB" smtClean="0"/>
-              <a:t>13/03/2025</a:t>
+              <a:t>17/01/2026</a:t>
             </a:fld>
             <a:endParaRPr lang="en-GB"/>
           </a:p>
@@ -1683,7 +1846,7 @@
           <a:p>
             <a:fld id="{31EAB4FA-2558-41C8-8840-1B5E58534D56}" type="datetimeFigureOut">
               <a:rPr lang="en-GB" smtClean="0"/>
-              <a:t>13/03/2025</a:t>
+              <a:t>17/01/2026</a:t>
             </a:fld>
             <a:endParaRPr lang="en-GB"/>
           </a:p>
@@ -1951,7 +2114,7 @@
           <a:p>
             <a:fld id="{31EAB4FA-2558-41C8-8840-1B5E58534D56}" type="datetimeFigureOut">
               <a:rPr lang="en-GB" smtClean="0"/>
-              <a:t>13/03/2025</a:t>
+              <a:t>17/01/2026</a:t>
             </a:fld>
             <a:endParaRPr lang="en-GB"/>
           </a:p>
@@ -2366,7 +2529,7 @@
           <a:p>
             <a:fld id="{31EAB4FA-2558-41C8-8840-1B5E58534D56}" type="datetimeFigureOut">
               <a:rPr lang="en-GB" smtClean="0"/>
-              <a:t>13/03/2025</a:t>
+              <a:t>17/01/2026</a:t>
             </a:fld>
             <a:endParaRPr lang="en-GB"/>
           </a:p>
@@ -2508,7 +2671,7 @@
           <a:p>
             <a:fld id="{31EAB4FA-2558-41C8-8840-1B5E58534D56}" type="datetimeFigureOut">
               <a:rPr lang="en-GB" smtClean="0"/>
-              <a:t>13/03/2025</a:t>
+              <a:t>17/01/2026</a:t>
             </a:fld>
             <a:endParaRPr lang="en-GB"/>
           </a:p>
@@ -2621,7 +2784,7 @@
           <a:p>
             <a:fld id="{31EAB4FA-2558-41C8-8840-1B5E58534D56}" type="datetimeFigureOut">
               <a:rPr lang="en-GB" smtClean="0"/>
-              <a:t>13/03/2025</a:t>
+              <a:t>17/01/2026</a:t>
             </a:fld>
             <a:endParaRPr lang="en-GB"/>
           </a:p>
@@ -2934,7 +3097,7 @@
           <a:p>
             <a:fld id="{31EAB4FA-2558-41C8-8840-1B5E58534D56}" type="datetimeFigureOut">
               <a:rPr lang="en-GB" smtClean="0"/>
-              <a:t>13/03/2025</a:t>
+              <a:t>17/01/2026</a:t>
             </a:fld>
             <a:endParaRPr lang="en-GB"/>
           </a:p>
@@ -3223,7 +3386,7 @@
           <a:p>
             <a:fld id="{31EAB4FA-2558-41C8-8840-1B5E58534D56}" type="datetimeFigureOut">
               <a:rPr lang="en-GB" smtClean="0"/>
-              <a:t>13/03/2025</a:t>
+              <a:t>17/01/2026</a:t>
             </a:fld>
             <a:endParaRPr lang="en-GB"/>
           </a:p>
@@ -3469,7 +3632,7 @@
           <a:p>
             <a:fld id="{31EAB4FA-2558-41C8-8840-1B5E58534D56}" type="datetimeFigureOut">
               <a:rPr lang="en-GB" smtClean="0"/>
-              <a:t>13/03/2025</a:t>
+              <a:t>17/01/2026</a:t>
             </a:fld>
             <a:endParaRPr lang="en-GB"/>
           </a:p>
@@ -9425,84 +9588,6 @@
       </p:grpSpPr>
       <p:pic>
         <p:nvPicPr>
-          <p:cNvPr id="4" name="Picture 2" descr="Premium Vector | Pixel mouse hand cursor icon vector illustration">
-            <a:extLst>
-              <a:ext uri="{FF2B5EF4-FFF2-40B4-BE49-F238E27FC236}">
-                <a16:creationId xmlns:a16="http://schemas.microsoft.com/office/drawing/2014/main" id="{5C95287D-74BF-8560-13F7-C178F3992F56}"/>
-              </a:ext>
-            </a:extLst>
-          </p:cNvPr>
-          <p:cNvPicPr>
-            <a:picLocks noChangeAspect="1" noChangeArrowheads="1"/>
-          </p:cNvPicPr>
-          <p:nvPr/>
-        </p:nvPicPr>
-        <p:blipFill rotWithShape="1">
-          <a:blip r:embed="rId2">
-            <a:extLst>
-              <a:ext uri="{BEBA8EAE-BF5A-486C-A8C5-ECC9F3942E4B}">
-                <a14:imgProps xmlns:a14="http://schemas.microsoft.com/office/drawing/2010/main">
-                  <a14:imgLayer r:embed="rId3">
-                    <a14:imgEffect>
-                      <a14:backgroundRemoval t="10000" b="90000" l="10000" r="90000">
-                        <a14:foregroundMark x1="17732" y1="60224" x2="17732" y2="60224"/>
-                        <a14:foregroundMark x1="20447" y1="53834" x2="20447" y2="53834"/>
-                        <a14:foregroundMark x1="33546" y1="53674" x2="33546" y2="53674"/>
-                        <a14:foregroundMark x1="35783" y1="87061" x2="35783" y2="87061"/>
-                        <a14:foregroundMark x1="17732" y1="84026" x2="17732" y2="84026"/>
-                        <a14:foregroundMark x1="16454" y1="79393" x2="16454" y2="79393"/>
-                        <a14:foregroundMark x1="15016" y1="76358" x2="15016" y2="76358"/>
-                        <a14:foregroundMark x1="13099" y1="74441" x2="13099" y2="74441"/>
-                        <a14:foregroundMark x1="11182" y1="71885" x2="11182" y2="71885"/>
-                        <a14:backgroundMark x1="65495" y1="29712" x2="77796" y2="21086"/>
-                        <a14:backgroundMark x1="77796" y1="21086" x2="89297" y2="27316"/>
-                        <a14:backgroundMark x1="89297" y1="27316" x2="85463" y2="31789"/>
-                        <a14:backgroundMark x1="85623" y1="20607" x2="79233" y2="48243"/>
-                        <a14:backgroundMark x1="79233" y1="48243" x2="79233" y2="48243"/>
-                        <a14:backgroundMark x1="80032" y1="41374" x2="88019" y2="36102"/>
-                        <a14:backgroundMark x1="84984" y1="37061" x2="85144" y2="21885"/>
-                        <a14:backgroundMark x1="85144" y1="21885" x2="86102" y2="21246"/>
-                        <a14:backgroundMark x1="63099" y1="28754" x2="70288" y2="47764"/>
-                        <a14:backgroundMark x1="70288" y1="47764" x2="71086" y2="48882"/>
-                        <a14:backgroundMark x1="68690" y1="37380" x2="65655" y2="27476"/>
-                        <a14:backgroundMark x1="65655" y1="27476" x2="68211" y2="20128"/>
-                        <a14:backgroundMark x1="65016" y1="24601" x2="63578" y2="24920"/>
-                        <a14:backgroundMark x1="73003" y1="19489" x2="72045" y2="18850"/>
-                      </a14:backgroundRemoval>
-                    </a14:imgEffect>
-                  </a14:imgLayer>
-                </a14:imgProps>
-              </a:ext>
-              <a:ext uri="{28A0092B-C50C-407E-A947-70E740481C1C}">
-                <a14:useLocalDpi xmlns:a14="http://schemas.microsoft.com/office/drawing/2010/main" val="0"/>
-              </a:ext>
-            </a:extLst>
-          </a:blip>
-          <a:srcRect l="9210" t="47926" r="58915" b="8080"/>
-          <a:stretch/>
-        </p:blipFill>
-        <p:spPr bwMode="auto">
-          <a:xfrm>
-            <a:off x="2922587" y="1056238"/>
-            <a:ext cx="1900569" cy="2623230"/>
-          </a:xfrm>
-          <a:prstGeom prst="rect">
-            <a:avLst/>
-          </a:prstGeom>
-          <a:noFill/>
-          <a:extLst>
-            <a:ext uri="{909E8E84-426E-40DD-AFC4-6F175D3DCCD1}">
-              <a14:hiddenFill xmlns:a14="http://schemas.microsoft.com/office/drawing/2010/main">
-                <a:solidFill>
-                  <a:srgbClr val="FFFFFF"/>
-                </a:solidFill>
-              </a14:hiddenFill>
-            </a:ext>
-          </a:extLst>
-        </p:spPr>
-      </p:pic>
-      <p:pic>
-        <p:nvPicPr>
           <p:cNvPr id="15" name="Picture 14">
             <a:extLst>
               <a:ext uri="{FF2B5EF4-FFF2-40B4-BE49-F238E27FC236}">
@@ -9516,7 +9601,7 @@
           <p:nvPr/>
         </p:nvPicPr>
         <p:blipFill>
-          <a:blip r:embed="rId4">
+          <a:blip r:embed="rId2">
             <a:extLst>
               <a:ext uri="{28A0092B-C50C-407E-A947-70E740481C1C}">
                 <a14:useLocalDpi xmlns:a14="http://schemas.microsoft.com/office/drawing/2010/main" val="0"/>
@@ -9862,7 +9947,7 @@
               <p:nvPr/>
             </p:nvPicPr>
             <p:blipFill>
-              <a:blip r:embed="rId5">
+              <a:blip r:embed="rId3">
                 <a:extLst>
                   <a:ext uri="{28A0092B-C50C-407E-A947-70E740481C1C}">
                     <a14:useLocalDpi xmlns:a14="http://schemas.microsoft.com/office/drawing/2010/main" val="0"/>
@@ -9897,7 +9982,7 @@
               <p:nvPr/>
             </p:nvPicPr>
             <p:blipFill>
-              <a:blip r:embed="rId6">
+              <a:blip r:embed="rId4">
                 <a:extLst>
                   <a:ext uri="{28A0092B-C50C-407E-A947-70E740481C1C}">
                     <a14:useLocalDpi xmlns:a14="http://schemas.microsoft.com/office/drawing/2010/main" val="0"/>
@@ -9919,62 +10004,6 @@
           </p:pic>
         </p:grpSp>
       </p:grpSp>
-      <p:pic>
-        <p:nvPicPr>
-          <p:cNvPr id="1026" name="Picture 2" descr="Premium Vector | Pixel mouse hand cursor icon vector illustration">
-            <a:extLst>
-              <a:ext uri="{FF2B5EF4-FFF2-40B4-BE49-F238E27FC236}">
-                <a16:creationId xmlns:a16="http://schemas.microsoft.com/office/drawing/2014/main" id="{9019C5ED-06E1-60C3-0AD5-BA6A7AC00DCD}"/>
-              </a:ext>
-            </a:extLst>
-          </p:cNvPr>
-          <p:cNvPicPr>
-            <a:picLocks noChangeAspect="1" noChangeArrowheads="1"/>
-          </p:cNvPicPr>
-          <p:nvPr/>
-        </p:nvPicPr>
-        <p:blipFill rotWithShape="1">
-          <a:blip r:embed="rId7">
-            <a:extLst>
-              <a:ext uri="{BEBA8EAE-BF5A-486C-A8C5-ECC9F3942E4B}">
-                <a14:imgProps xmlns:a14="http://schemas.microsoft.com/office/drawing/2010/main">
-                  <a14:imgLayer r:embed="rId3">
-                    <a14:imgEffect>
-                      <a14:backgroundRemoval t="10000" b="90000" l="10000" r="90000">
-                        <a14:foregroundMark x1="65655" y1="34984" x2="65655" y2="34984"/>
-                      </a14:backgroundRemoval>
-                    </a14:imgEffect>
-                  </a14:imgLayer>
-                </a14:imgProps>
-              </a:ext>
-              <a:ext uri="{28A0092B-C50C-407E-A947-70E740481C1C}">
-                <a14:useLocalDpi xmlns:a14="http://schemas.microsoft.com/office/drawing/2010/main" val="0"/>
-              </a:ext>
-            </a:extLst>
-          </a:blip>
-          <a:srcRect l="59887" t="14921" r="9811" b="54937"/>
-          <a:stretch/>
-        </p:blipFill>
-        <p:spPr bwMode="auto">
-          <a:xfrm>
-            <a:off x="4823156" y="1882246"/>
-            <a:ext cx="1806776" cy="1797222"/>
-          </a:xfrm>
-          <a:prstGeom prst="rect">
-            <a:avLst/>
-          </a:prstGeom>
-          <a:noFill/>
-          <a:extLst>
-            <a:ext uri="{909E8E84-426E-40DD-AFC4-6F175D3DCCD1}">
-              <a14:hiddenFill xmlns:a14="http://schemas.microsoft.com/office/drawing/2010/main">
-                <a:solidFill>
-                  <a:srgbClr val="FFFFFF"/>
-                </a:solidFill>
-              </a14:hiddenFill>
-            </a:ext>
-          </a:extLst>
-        </p:spPr>
-      </p:pic>
       <p:grpSp>
         <p:nvGrpSpPr>
           <p:cNvPr id="17" name="Group 16">
@@ -10218,7 +10247,7 @@
             <p:nvPr/>
           </p:nvPicPr>
           <p:blipFill rotWithShape="1">
-            <a:blip r:embed="rId8">
+            <a:blip r:embed="rId5">
               <a:clrChange>
                 <a:clrFrom>
                   <a:srgbClr val="FFFFFF"/>
@@ -10232,7 +10261,7 @@
               <a:extLst>
                 <a:ext uri="{BEBA8EAE-BF5A-486C-A8C5-ECC9F3942E4B}">
                   <a14:imgProps xmlns:a14="http://schemas.microsoft.com/office/drawing/2010/main">
-                    <a14:imgLayer r:embed="rId9">
+                    <a14:imgLayer r:embed="rId6">
                       <a14:imgEffect>
                         <a14:backgroundRemoval t="19336" b="65723" l="41895" r="93262">
                           <a14:foregroundMark x1="59082" y1="34570" x2="59082" y2="34570"/>
@@ -11072,6 +11101,97 @@
           <a:chExt cx="0" cy="0"/>
         </a:xfrm>
       </p:grpSpPr>
+      <p:pic>
+        <p:nvPicPr>
+          <p:cNvPr id="38" name="Picture 4" descr="Windows Mouse Cursor: Over 3,504 Royalty-Free Licensable Stock  Illustrations &amp; Drawings | Shutterstock">
+            <a:extLst>
+              <a:ext uri="{FF2B5EF4-FFF2-40B4-BE49-F238E27FC236}">
+                <a16:creationId xmlns:a16="http://schemas.microsoft.com/office/drawing/2014/main" id="{5F9BE82A-D869-E0B3-2E96-CE28CE983186}"/>
+              </a:ext>
+            </a:extLst>
+          </p:cNvPr>
+          <p:cNvPicPr>
+            <a:picLocks noChangeAspect="1" noChangeArrowheads="1"/>
+          </p:cNvPicPr>
+          <p:nvPr/>
+        </p:nvPicPr>
+        <p:blipFill rotWithShape="1">
+          <a:blip r:embed="rId2">
+            <a:clrChange>
+              <a:clrFrom>
+                <a:srgbClr val="FFFFFF"/>
+              </a:clrFrom>
+              <a:clrTo>
+                <a:srgbClr val="FFFFFF">
+                  <a:alpha val="0"/>
+                </a:srgbClr>
+              </a:clrTo>
+            </a:clrChange>
+            <a:extLst>
+              <a:ext uri="{BEBA8EAE-BF5A-486C-A8C5-ECC9F3942E4B}">
+                <a14:imgProps xmlns:a14="http://schemas.microsoft.com/office/drawing/2010/main">
+                  <a14:imgLayer r:embed="rId3">
+                    <a14:imgEffect>
+                      <a14:backgroundRemoval t="23929" b="69643" l="76788" r="88999">
+                        <a14:foregroundMark x1="79428" y1="26429" x2="79428" y2="26429"/>
+                        <a14:foregroundMark x1="79428" y1="23929" x2="79428" y2="23929"/>
+                        <a14:foregroundMark x1="79648" y1="67857" x2="79648" y2="67857"/>
+                        <a14:foregroundMark x1="79318" y1="69643" x2="79318" y2="69643"/>
+                        <a14:foregroundMark x1="81738" y1="43214" x2="81738" y2="43214"/>
+                        <a14:foregroundMark x1="81408" y1="45714" x2="84598" y2="50714"/>
+                        <a14:foregroundMark x1="88229" y1="56071" x2="88229" y2="56071"/>
+                        <a14:foregroundMark x1="88999" y1="54286" x2="88999" y2="54286"/>
+                        <a14:foregroundMark x1="82838" y1="55714" x2="82618" y2="58571"/>
+                        <a14:foregroundMark x1="82508" y1="57857" x2="83168" y2="57857"/>
+                        <a14:foregroundMark x1="82948" y1="57143" x2="82398" y2="57857"/>
+                        <a14:foregroundMark x1="82508" y1="58214" x2="82838" y2="58214"/>
+                        <a14:foregroundMark x1="86579" y1="52143" x2="86799" y2="48571"/>
+                        <a14:foregroundMark x1="87239" y1="51071" x2="86359" y2="46786"/>
+                        <a14:foregroundMark x1="86799" y1="47857" x2="86799" y2="47857"/>
+                        <a14:foregroundMark x1="86799" y1="47857" x2="86799" y2="47857"/>
+                        <a14:foregroundMark x1="86579" y1="47857" x2="86579" y2="47857"/>
+                        <a14:foregroundMark x1="86689" y1="47857" x2="86689" y2="47857"/>
+                        <a14:foregroundMark x1="86689" y1="47857" x2="86689" y2="47857"/>
+                        <a14:foregroundMark x1="86799" y1="47857" x2="86469" y2="47857"/>
+                        <a14:foregroundMark x1="86359" y1="47143" x2="86359" y2="47143"/>
+                        <a14:foregroundMark x1="86579" y1="48571" x2="86799" y2="48571"/>
+                        <a14:foregroundMark x1="86799" y1="48571" x2="86689" y2="47857"/>
+                        <a14:foregroundMark x1="86579" y1="47500" x2="86579" y2="47500"/>
+                      </a14:backgroundRemoval>
+                    </a14:imgEffect>
+                  </a14:imgLayer>
+                </a14:imgProps>
+              </a:ext>
+              <a:ext uri="{28A0092B-C50C-407E-A947-70E740481C1C}">
+                <a14:useLocalDpi xmlns:a14="http://schemas.microsoft.com/office/drawing/2010/main" val="0"/>
+              </a:ext>
+            </a:extLst>
+          </a:blip>
+          <a:srcRect l="75460" t="21315" r="10245" b="27265"/>
+          <a:stretch>
+            <a:fillRect/>
+          </a:stretch>
+        </p:blipFill>
+        <p:spPr bwMode="auto">
+          <a:xfrm>
+            <a:off x="4630326" y="4892629"/>
+            <a:ext cx="171937" cy="190500"/>
+          </a:xfrm>
+          <a:prstGeom prst="rect">
+            <a:avLst/>
+          </a:prstGeom>
+          <a:noFill/>
+          <a:extLst>
+            <a:ext uri="{909E8E84-426E-40DD-AFC4-6F175D3DCCD1}">
+              <a14:hiddenFill xmlns:a14="http://schemas.microsoft.com/office/drawing/2010/main">
+                <a:solidFill>
+                  <a:srgbClr val="FFFFFF"/>
+                </a:solidFill>
+              </a14:hiddenFill>
+            </a:ext>
+          </a:extLst>
+        </p:spPr>
+      </p:pic>
       <p:grpSp>
         <p:nvGrpSpPr>
           <p:cNvPr id="29" name="Group 28">
@@ -11399,7 +11519,7 @@
             <p:nvPr/>
           </p:nvPicPr>
           <p:blipFill>
-            <a:blip r:embed="rId2">
+            <a:blip r:embed="rId4">
               <a:extLst>
                 <a:ext uri="{28A0092B-C50C-407E-A947-70E740481C1C}">
                   <a14:useLocalDpi xmlns:a14="http://schemas.microsoft.com/office/drawing/2010/main" val="0"/>
@@ -11726,7 +11846,7 @@
               <p:nvPr/>
             </p:nvPicPr>
             <p:blipFill>
-              <a:blip r:embed="rId3">
+              <a:blip r:embed="rId5">
                 <a:extLst>
                   <a:ext uri="{28A0092B-C50C-407E-A947-70E740481C1C}">
                     <a14:useLocalDpi xmlns:a14="http://schemas.microsoft.com/office/drawing/2010/main" val="0"/>
@@ -12072,7 +12192,7 @@
             <p:nvPr/>
           </p:nvPicPr>
           <p:blipFill>
-            <a:blip r:embed="rId2">
+            <a:blip r:embed="rId4">
               <a:extLst>
                 <a:ext uri="{28A0092B-C50C-407E-A947-70E740481C1C}">
                   <a14:useLocalDpi xmlns:a14="http://schemas.microsoft.com/office/drawing/2010/main" val="0"/>
@@ -12396,7 +12516,7 @@
               <p:nvPr/>
             </p:nvPicPr>
             <p:blipFill>
-              <a:blip r:embed="rId3">
+              <a:blip r:embed="rId5">
                 <a:extLst>
                   <a:ext uri="{28A0092B-C50C-407E-A947-70E740481C1C}">
                     <a14:useLocalDpi xmlns:a14="http://schemas.microsoft.com/office/drawing/2010/main" val="0"/>
@@ -12433,7 +12553,7 @@
           <p:nvPr/>
         </p:nvPicPr>
         <p:blipFill>
-          <a:blip r:embed="rId2">
+          <a:blip r:embed="rId4">
             <a:extLst>
               <a:ext uri="{28A0092B-C50C-407E-A947-70E740481C1C}">
                 <a14:useLocalDpi xmlns:a14="http://schemas.microsoft.com/office/drawing/2010/main" val="0"/>
@@ -12543,7 +12663,7 @@
             <p:nvPr/>
           </p:nvPicPr>
           <p:blipFill>
-            <a:blip r:embed="rId3">
+            <a:blip r:embed="rId5">
               <a:extLst>
                 <a:ext uri="{28A0092B-C50C-407E-A947-70E740481C1C}">
                   <a14:useLocalDpi xmlns:a14="http://schemas.microsoft.com/office/drawing/2010/main" val="0"/>
@@ -12578,7 +12698,7 @@
         </p:nvGrpSpPr>
         <p:grpSpPr>
           <a:xfrm>
-            <a:off x="1170297" y="4825544"/>
+            <a:off x="944738" y="4797379"/>
             <a:ext cx="914400" cy="914400"/>
             <a:chOff x="3628545" y="4572001"/>
             <a:chExt cx="914400" cy="914400"/>
@@ -12844,7 +12964,7 @@
           <p:nvPr/>
         </p:nvPicPr>
         <p:blipFill>
-          <a:blip r:embed="rId4">
+          <a:blip r:embed="rId6">
             <a:extLst>
               <a:ext uri="{28A0092B-C50C-407E-A947-70E740481C1C}">
                 <a14:useLocalDpi xmlns:a14="http://schemas.microsoft.com/office/drawing/2010/main" val="0"/>
@@ -13125,7 +13245,7 @@
             <p:nvPr/>
           </p:nvPicPr>
           <p:blipFill>
-            <a:blip r:embed="rId4">
+            <a:blip r:embed="rId6">
               <a:extLst>
                 <a:ext uri="{28A0092B-C50C-407E-A947-70E740481C1C}">
                   <a14:useLocalDpi xmlns:a14="http://schemas.microsoft.com/office/drawing/2010/main" val="0"/>
@@ -13147,269 +13267,290 @@
           </p:spPr>
         </p:pic>
       </p:grpSp>
-      <p:sp>
-        <p:nvSpPr>
-          <p:cNvPr id="49" name="Freeform: Shape 48">
+      <p:grpSp>
+        <p:nvGrpSpPr>
+          <p:cNvPr id="37" name="Group 36">
             <a:extLst>
               <a:ext uri="{FF2B5EF4-FFF2-40B4-BE49-F238E27FC236}">
-                <a16:creationId xmlns:a16="http://schemas.microsoft.com/office/drawing/2014/main" id="{7C76E480-4FEF-34E1-0E13-A1D1B799BE44}"/>
+                <a16:creationId xmlns:a16="http://schemas.microsoft.com/office/drawing/2014/main" id="{19B52AD3-5663-83C4-9793-A02CBB32CD90}"/>
               </a:ext>
             </a:extLst>
           </p:cNvPr>
-          <p:cNvSpPr/>
+          <p:cNvGrpSpPr/>
           <p:nvPr/>
-        </p:nvSpPr>
-        <p:spPr>
-          <a:xfrm>
-            <a:off x="2230628" y="3376649"/>
-            <a:ext cx="892144" cy="978221"/>
-          </a:xfrm>
-          <a:custGeom>
-            <a:avLst/>
-            <a:gdLst>
-              <a:gd name="connsiteX0" fmla="*/ 309951 w 892144"/>
-              <a:gd name="connsiteY0" fmla="*/ 0 h 978221"/>
-              <a:gd name="connsiteX1" fmla="*/ 457589 w 892144"/>
-              <a:gd name="connsiteY1" fmla="*/ 0 h 978221"/>
-              <a:gd name="connsiteX2" fmla="*/ 457589 w 892144"/>
-              <a:gd name="connsiteY2" fmla="*/ 340047 h 978221"/>
-              <a:gd name="connsiteX3" fmla="*/ 619515 w 892144"/>
-              <a:gd name="connsiteY3" fmla="*/ 340047 h 978221"/>
-              <a:gd name="connsiteX4" fmla="*/ 619515 w 892144"/>
-              <a:gd name="connsiteY4" fmla="*/ 352572 h 978221"/>
-              <a:gd name="connsiteX5" fmla="*/ 749968 w 892144"/>
-              <a:gd name="connsiteY5" fmla="*/ 352572 h 978221"/>
-              <a:gd name="connsiteX6" fmla="*/ 892144 w 892144"/>
-              <a:gd name="connsiteY6" fmla="*/ 494748 h 978221"/>
-              <a:gd name="connsiteX7" fmla="*/ 892144 w 892144"/>
-              <a:gd name="connsiteY7" fmla="*/ 831284 h 978221"/>
-              <a:gd name="connsiteX8" fmla="*/ 749968 w 892144"/>
-              <a:gd name="connsiteY8" fmla="*/ 973460 h 978221"/>
-              <a:gd name="connsiteX9" fmla="*/ 619515 w 892144"/>
-              <a:gd name="connsiteY9" fmla="*/ 973460 h 978221"/>
-              <a:gd name="connsiteX10" fmla="*/ 619515 w 892144"/>
-              <a:gd name="connsiteY10" fmla="*/ 978221 h 978221"/>
-              <a:gd name="connsiteX11" fmla="*/ 335163 w 892144"/>
-              <a:gd name="connsiteY11" fmla="*/ 978221 h 978221"/>
-              <a:gd name="connsiteX12" fmla="*/ 335163 w 892144"/>
-              <a:gd name="connsiteY12" fmla="*/ 961267 h 978221"/>
-              <a:gd name="connsiteX13" fmla="*/ 0 w 892144"/>
-              <a:gd name="connsiteY13" fmla="*/ 644663 h 978221"/>
-              <a:gd name="connsiteX14" fmla="*/ 98180 w 892144"/>
-              <a:gd name="connsiteY14" fmla="*/ 540727 h 978221"/>
-              <a:gd name="connsiteX15" fmla="*/ 217102 w 892144"/>
-              <a:gd name="connsiteY15" fmla="*/ 653063 h 978221"/>
-              <a:gd name="connsiteX16" fmla="*/ 217102 w 892144"/>
-              <a:gd name="connsiteY16" fmla="*/ 640922 h 978221"/>
-              <a:gd name="connsiteX17" fmla="*/ 335163 w 892144"/>
-              <a:gd name="connsiteY17" fmla="*/ 640922 h 978221"/>
-              <a:gd name="connsiteX18" fmla="*/ 335163 w 892144"/>
-              <a:gd name="connsiteY18" fmla="*/ 382907 h 978221"/>
-              <a:gd name="connsiteX19" fmla="*/ 309951 w 892144"/>
-              <a:gd name="connsiteY19" fmla="*/ 382907 h 978221"/>
-            </a:gdLst>
-            <a:ahLst/>
-            <a:cxnLst>
-              <a:cxn ang="0">
-                <a:pos x="connsiteX0" y="connsiteY0"/>
-              </a:cxn>
-              <a:cxn ang="0">
-                <a:pos x="connsiteX1" y="connsiteY1"/>
-              </a:cxn>
-              <a:cxn ang="0">
-                <a:pos x="connsiteX2" y="connsiteY2"/>
-              </a:cxn>
-              <a:cxn ang="0">
-                <a:pos x="connsiteX3" y="connsiteY3"/>
-              </a:cxn>
-              <a:cxn ang="0">
-                <a:pos x="connsiteX4" y="connsiteY4"/>
-              </a:cxn>
-              <a:cxn ang="0">
-                <a:pos x="connsiteX5" y="connsiteY5"/>
-              </a:cxn>
-              <a:cxn ang="0">
-                <a:pos x="connsiteX6" y="connsiteY6"/>
-              </a:cxn>
-              <a:cxn ang="0">
-                <a:pos x="connsiteX7" y="connsiteY7"/>
-              </a:cxn>
-              <a:cxn ang="0">
-                <a:pos x="connsiteX8" y="connsiteY8"/>
-              </a:cxn>
-              <a:cxn ang="0">
-                <a:pos x="connsiteX9" y="connsiteY9"/>
-              </a:cxn>
-              <a:cxn ang="0">
-                <a:pos x="connsiteX10" y="connsiteY10"/>
-              </a:cxn>
-              <a:cxn ang="0">
-                <a:pos x="connsiteX11" y="connsiteY11"/>
-              </a:cxn>
-              <a:cxn ang="0">
-                <a:pos x="connsiteX12" y="connsiteY12"/>
-              </a:cxn>
-              <a:cxn ang="0">
-                <a:pos x="connsiteX13" y="connsiteY13"/>
-              </a:cxn>
-              <a:cxn ang="0">
-                <a:pos x="connsiteX14" y="connsiteY14"/>
-              </a:cxn>
-              <a:cxn ang="0">
-                <a:pos x="connsiteX15" y="connsiteY15"/>
-              </a:cxn>
-              <a:cxn ang="0">
-                <a:pos x="connsiteX16" y="connsiteY16"/>
-              </a:cxn>
-              <a:cxn ang="0">
-                <a:pos x="connsiteX17" y="connsiteY17"/>
-              </a:cxn>
-              <a:cxn ang="0">
-                <a:pos x="connsiteX18" y="connsiteY18"/>
-              </a:cxn>
-              <a:cxn ang="0">
-                <a:pos x="connsiteX19" y="connsiteY19"/>
-              </a:cxn>
-            </a:cxnLst>
-            <a:rect l="l" t="t" r="r" b="b"/>
-            <a:pathLst>
-              <a:path w="892144" h="978221">
-                <a:moveTo>
-                  <a:pt x="309951" y="0"/>
-                </a:moveTo>
-                <a:lnTo>
-                  <a:pt x="457589" y="0"/>
-                </a:lnTo>
-                <a:lnTo>
-                  <a:pt x="457589" y="340047"/>
-                </a:lnTo>
-                <a:lnTo>
-                  <a:pt x="619515" y="340047"/>
-                </a:lnTo>
-                <a:lnTo>
-                  <a:pt x="619515" y="352572"/>
-                </a:lnTo>
-                <a:lnTo>
-                  <a:pt x="749968" y="352572"/>
-                </a:lnTo>
-                <a:lnTo>
-                  <a:pt x="892144" y="494748"/>
-                </a:lnTo>
-                <a:lnTo>
-                  <a:pt x="892144" y="831284"/>
-                </a:lnTo>
-                <a:lnTo>
-                  <a:pt x="749968" y="973460"/>
-                </a:lnTo>
-                <a:lnTo>
-                  <a:pt x="619515" y="973460"/>
-                </a:lnTo>
-                <a:lnTo>
-                  <a:pt x="619515" y="978221"/>
-                </a:lnTo>
-                <a:lnTo>
-                  <a:pt x="335163" y="978221"/>
-                </a:lnTo>
-                <a:lnTo>
-                  <a:pt x="335163" y="961267"/>
-                </a:lnTo>
-                <a:lnTo>
-                  <a:pt x="0" y="644663"/>
-                </a:lnTo>
-                <a:lnTo>
-                  <a:pt x="98180" y="540727"/>
-                </a:lnTo>
-                <a:lnTo>
-                  <a:pt x="217102" y="653063"/>
-                </a:lnTo>
-                <a:lnTo>
-                  <a:pt x="217102" y="640922"/>
-                </a:lnTo>
-                <a:lnTo>
-                  <a:pt x="335163" y="640922"/>
-                </a:lnTo>
-                <a:lnTo>
-                  <a:pt x="335163" y="382907"/>
-                </a:lnTo>
-                <a:lnTo>
-                  <a:pt x="309951" y="382907"/>
-                </a:lnTo>
-                <a:close/>
-              </a:path>
-            </a:pathLst>
-          </a:custGeom>
-          <a:solidFill>
-            <a:schemeClr val="tx1">
-              <a:lumMod val="50000"/>
-              <a:lumOff val="50000"/>
-            </a:schemeClr>
-          </a:solidFill>
-          <a:ln>
-            <a:noFill/>
-          </a:ln>
-        </p:spPr>
-        <p:style>
-          <a:lnRef idx="2">
-            <a:schemeClr val="accent1">
-              <a:shade val="15000"/>
-            </a:schemeClr>
-          </a:lnRef>
-          <a:fillRef idx="1">
-            <a:schemeClr val="accent1"/>
-          </a:fillRef>
-          <a:effectRef idx="0">
-            <a:schemeClr val="accent1"/>
-          </a:effectRef>
-          <a:fontRef idx="minor">
-            <a:schemeClr val="lt1"/>
-          </a:fontRef>
-        </p:style>
-        <p:txBody>
-          <a:bodyPr wrap="square" rtlCol="0" anchor="ctr">
-            <a:noAutofit/>
-          </a:bodyPr>
-          <a:lstStyle/>
-          <a:p>
-            <a:pPr algn="ctr"/>
-            <a:endParaRPr lang="en-GB" dirty="0"/>
-          </a:p>
-        </p:txBody>
-      </p:sp>
-      <p:pic>
-        <p:nvPicPr>
-          <p:cNvPr id="48" name="Picture 47" descr="A black background with a black square&#10;&#10;AI-generated content may be incorrect.">
-            <a:extLst>
-              <a:ext uri="{FF2B5EF4-FFF2-40B4-BE49-F238E27FC236}">
-                <a16:creationId xmlns:a16="http://schemas.microsoft.com/office/drawing/2014/main" id="{89486995-0043-E60A-A70E-D8F1A02A522E}"/>
-              </a:ext>
-            </a:extLst>
-          </p:cNvPr>
-          <p:cNvPicPr>
-            <a:picLocks noChangeAspect="1"/>
-          </p:cNvPicPr>
-          <p:nvPr/>
-        </p:nvPicPr>
-        <p:blipFill rotWithShape="1">
-          <a:blip r:embed="rId4">
-            <a:extLst>
-              <a:ext uri="{28A0092B-C50C-407E-A947-70E740481C1C}">
-                <a14:useLocalDpi xmlns:a14="http://schemas.microsoft.com/office/drawing/2010/main" val="0"/>
-              </a:ext>
-            </a:extLst>
-          </a:blip>
-          <a:srcRect l="9744"/>
-          <a:stretch/>
-        </p:blipFill>
-        <p:spPr>
+        </p:nvGrpSpPr>
+        <p:grpSpPr>
           <a:xfrm>
             <a:off x="2171700" y="3243181"/>
             <a:ext cx="1146105" cy="1269841"/>
+            <a:chOff x="2171700" y="3243181"/>
+            <a:chExt cx="1146105" cy="1269841"/>
           </a:xfrm>
-          <a:prstGeom prst="rect">
-            <a:avLst/>
-          </a:prstGeom>
-        </p:spPr>
-      </p:pic>
+        </p:grpSpPr>
+        <p:sp>
+          <p:nvSpPr>
+            <p:cNvPr id="49" name="Freeform: Shape 48">
+              <a:extLst>
+                <a:ext uri="{FF2B5EF4-FFF2-40B4-BE49-F238E27FC236}">
+                  <a16:creationId xmlns:a16="http://schemas.microsoft.com/office/drawing/2014/main" id="{7C76E480-4FEF-34E1-0E13-A1D1B799BE44}"/>
+                </a:ext>
+              </a:extLst>
+            </p:cNvPr>
+            <p:cNvSpPr/>
+            <p:nvPr/>
+          </p:nvSpPr>
+          <p:spPr>
+            <a:xfrm>
+              <a:off x="2230628" y="3376649"/>
+              <a:ext cx="892144" cy="978221"/>
+            </a:xfrm>
+            <a:custGeom>
+              <a:avLst/>
+              <a:gdLst>
+                <a:gd name="connsiteX0" fmla="*/ 309951 w 892144"/>
+                <a:gd name="connsiteY0" fmla="*/ 0 h 978221"/>
+                <a:gd name="connsiteX1" fmla="*/ 457589 w 892144"/>
+                <a:gd name="connsiteY1" fmla="*/ 0 h 978221"/>
+                <a:gd name="connsiteX2" fmla="*/ 457589 w 892144"/>
+                <a:gd name="connsiteY2" fmla="*/ 340047 h 978221"/>
+                <a:gd name="connsiteX3" fmla="*/ 619515 w 892144"/>
+                <a:gd name="connsiteY3" fmla="*/ 340047 h 978221"/>
+                <a:gd name="connsiteX4" fmla="*/ 619515 w 892144"/>
+                <a:gd name="connsiteY4" fmla="*/ 352572 h 978221"/>
+                <a:gd name="connsiteX5" fmla="*/ 749968 w 892144"/>
+                <a:gd name="connsiteY5" fmla="*/ 352572 h 978221"/>
+                <a:gd name="connsiteX6" fmla="*/ 892144 w 892144"/>
+                <a:gd name="connsiteY6" fmla="*/ 494748 h 978221"/>
+                <a:gd name="connsiteX7" fmla="*/ 892144 w 892144"/>
+                <a:gd name="connsiteY7" fmla="*/ 831284 h 978221"/>
+                <a:gd name="connsiteX8" fmla="*/ 749968 w 892144"/>
+                <a:gd name="connsiteY8" fmla="*/ 973460 h 978221"/>
+                <a:gd name="connsiteX9" fmla="*/ 619515 w 892144"/>
+                <a:gd name="connsiteY9" fmla="*/ 973460 h 978221"/>
+                <a:gd name="connsiteX10" fmla="*/ 619515 w 892144"/>
+                <a:gd name="connsiteY10" fmla="*/ 978221 h 978221"/>
+                <a:gd name="connsiteX11" fmla="*/ 335163 w 892144"/>
+                <a:gd name="connsiteY11" fmla="*/ 978221 h 978221"/>
+                <a:gd name="connsiteX12" fmla="*/ 335163 w 892144"/>
+                <a:gd name="connsiteY12" fmla="*/ 961267 h 978221"/>
+                <a:gd name="connsiteX13" fmla="*/ 0 w 892144"/>
+                <a:gd name="connsiteY13" fmla="*/ 644663 h 978221"/>
+                <a:gd name="connsiteX14" fmla="*/ 98180 w 892144"/>
+                <a:gd name="connsiteY14" fmla="*/ 540727 h 978221"/>
+                <a:gd name="connsiteX15" fmla="*/ 217102 w 892144"/>
+                <a:gd name="connsiteY15" fmla="*/ 653063 h 978221"/>
+                <a:gd name="connsiteX16" fmla="*/ 217102 w 892144"/>
+                <a:gd name="connsiteY16" fmla="*/ 640922 h 978221"/>
+                <a:gd name="connsiteX17" fmla="*/ 335163 w 892144"/>
+                <a:gd name="connsiteY17" fmla="*/ 640922 h 978221"/>
+                <a:gd name="connsiteX18" fmla="*/ 335163 w 892144"/>
+                <a:gd name="connsiteY18" fmla="*/ 382907 h 978221"/>
+                <a:gd name="connsiteX19" fmla="*/ 309951 w 892144"/>
+                <a:gd name="connsiteY19" fmla="*/ 382907 h 978221"/>
+              </a:gdLst>
+              <a:ahLst/>
+              <a:cxnLst>
+                <a:cxn ang="0">
+                  <a:pos x="connsiteX0" y="connsiteY0"/>
+                </a:cxn>
+                <a:cxn ang="0">
+                  <a:pos x="connsiteX1" y="connsiteY1"/>
+                </a:cxn>
+                <a:cxn ang="0">
+                  <a:pos x="connsiteX2" y="connsiteY2"/>
+                </a:cxn>
+                <a:cxn ang="0">
+                  <a:pos x="connsiteX3" y="connsiteY3"/>
+                </a:cxn>
+                <a:cxn ang="0">
+                  <a:pos x="connsiteX4" y="connsiteY4"/>
+                </a:cxn>
+                <a:cxn ang="0">
+                  <a:pos x="connsiteX5" y="connsiteY5"/>
+                </a:cxn>
+                <a:cxn ang="0">
+                  <a:pos x="connsiteX6" y="connsiteY6"/>
+                </a:cxn>
+                <a:cxn ang="0">
+                  <a:pos x="connsiteX7" y="connsiteY7"/>
+                </a:cxn>
+                <a:cxn ang="0">
+                  <a:pos x="connsiteX8" y="connsiteY8"/>
+                </a:cxn>
+                <a:cxn ang="0">
+                  <a:pos x="connsiteX9" y="connsiteY9"/>
+                </a:cxn>
+                <a:cxn ang="0">
+                  <a:pos x="connsiteX10" y="connsiteY10"/>
+                </a:cxn>
+                <a:cxn ang="0">
+                  <a:pos x="connsiteX11" y="connsiteY11"/>
+                </a:cxn>
+                <a:cxn ang="0">
+                  <a:pos x="connsiteX12" y="connsiteY12"/>
+                </a:cxn>
+                <a:cxn ang="0">
+                  <a:pos x="connsiteX13" y="connsiteY13"/>
+                </a:cxn>
+                <a:cxn ang="0">
+                  <a:pos x="connsiteX14" y="connsiteY14"/>
+                </a:cxn>
+                <a:cxn ang="0">
+                  <a:pos x="connsiteX15" y="connsiteY15"/>
+                </a:cxn>
+                <a:cxn ang="0">
+                  <a:pos x="connsiteX16" y="connsiteY16"/>
+                </a:cxn>
+                <a:cxn ang="0">
+                  <a:pos x="connsiteX17" y="connsiteY17"/>
+                </a:cxn>
+                <a:cxn ang="0">
+                  <a:pos x="connsiteX18" y="connsiteY18"/>
+                </a:cxn>
+                <a:cxn ang="0">
+                  <a:pos x="connsiteX19" y="connsiteY19"/>
+                </a:cxn>
+              </a:cxnLst>
+              <a:rect l="l" t="t" r="r" b="b"/>
+              <a:pathLst>
+                <a:path w="892144" h="978221">
+                  <a:moveTo>
+                    <a:pt x="309951" y="0"/>
+                  </a:moveTo>
+                  <a:lnTo>
+                    <a:pt x="457589" y="0"/>
+                  </a:lnTo>
+                  <a:lnTo>
+                    <a:pt x="457589" y="340047"/>
+                  </a:lnTo>
+                  <a:lnTo>
+                    <a:pt x="619515" y="340047"/>
+                  </a:lnTo>
+                  <a:lnTo>
+                    <a:pt x="619515" y="352572"/>
+                  </a:lnTo>
+                  <a:lnTo>
+                    <a:pt x="749968" y="352572"/>
+                  </a:lnTo>
+                  <a:lnTo>
+                    <a:pt x="892144" y="494748"/>
+                  </a:lnTo>
+                  <a:lnTo>
+                    <a:pt x="892144" y="831284"/>
+                  </a:lnTo>
+                  <a:lnTo>
+                    <a:pt x="749968" y="973460"/>
+                  </a:lnTo>
+                  <a:lnTo>
+                    <a:pt x="619515" y="973460"/>
+                  </a:lnTo>
+                  <a:lnTo>
+                    <a:pt x="619515" y="978221"/>
+                  </a:lnTo>
+                  <a:lnTo>
+                    <a:pt x="335163" y="978221"/>
+                  </a:lnTo>
+                  <a:lnTo>
+                    <a:pt x="335163" y="961267"/>
+                  </a:lnTo>
+                  <a:lnTo>
+                    <a:pt x="0" y="644663"/>
+                  </a:lnTo>
+                  <a:lnTo>
+                    <a:pt x="98180" y="540727"/>
+                  </a:lnTo>
+                  <a:lnTo>
+                    <a:pt x="217102" y="653063"/>
+                  </a:lnTo>
+                  <a:lnTo>
+                    <a:pt x="217102" y="640922"/>
+                  </a:lnTo>
+                  <a:lnTo>
+                    <a:pt x="335163" y="640922"/>
+                  </a:lnTo>
+                  <a:lnTo>
+                    <a:pt x="335163" y="382907"/>
+                  </a:lnTo>
+                  <a:lnTo>
+                    <a:pt x="309951" y="382907"/>
+                  </a:lnTo>
+                  <a:close/>
+                </a:path>
+              </a:pathLst>
+            </a:custGeom>
+            <a:solidFill>
+              <a:schemeClr val="tx1">
+                <a:lumMod val="50000"/>
+                <a:lumOff val="50000"/>
+              </a:schemeClr>
+            </a:solidFill>
+            <a:ln>
+              <a:noFill/>
+            </a:ln>
+          </p:spPr>
+          <p:style>
+            <a:lnRef idx="2">
+              <a:schemeClr val="accent1">
+                <a:shade val="15000"/>
+              </a:schemeClr>
+            </a:lnRef>
+            <a:fillRef idx="1">
+              <a:schemeClr val="accent1"/>
+            </a:fillRef>
+            <a:effectRef idx="0">
+              <a:schemeClr val="accent1"/>
+            </a:effectRef>
+            <a:fontRef idx="minor">
+              <a:schemeClr val="lt1"/>
+            </a:fontRef>
+          </p:style>
+          <p:txBody>
+            <a:bodyPr wrap="square" rtlCol="0" anchor="ctr">
+              <a:noAutofit/>
+            </a:bodyPr>
+            <a:lstStyle/>
+            <a:p>
+              <a:pPr algn="ctr"/>
+              <a:endParaRPr lang="en-GB" dirty="0"/>
+            </a:p>
+          </p:txBody>
+        </p:sp>
+        <p:pic>
+          <p:nvPicPr>
+            <p:cNvPr id="48" name="Picture 47" descr="A black background with a black square&#10;&#10;AI-generated content may be incorrect.">
+              <a:extLst>
+                <a:ext uri="{FF2B5EF4-FFF2-40B4-BE49-F238E27FC236}">
+                  <a16:creationId xmlns:a16="http://schemas.microsoft.com/office/drawing/2014/main" id="{89486995-0043-E60A-A70E-D8F1A02A522E}"/>
+                </a:ext>
+              </a:extLst>
+            </p:cNvPr>
+            <p:cNvPicPr>
+              <a:picLocks noChangeAspect="1"/>
+            </p:cNvPicPr>
+            <p:nvPr/>
+          </p:nvPicPr>
+          <p:blipFill rotWithShape="1">
+            <a:blip r:embed="rId6">
+              <a:extLst>
+                <a:ext uri="{28A0092B-C50C-407E-A947-70E740481C1C}">
+                  <a14:useLocalDpi xmlns:a14="http://schemas.microsoft.com/office/drawing/2010/main" val="0"/>
+                </a:ext>
+              </a:extLst>
+            </a:blip>
+            <a:srcRect l="9744"/>
+            <a:stretch/>
+          </p:blipFill>
+          <p:spPr>
+            <a:xfrm>
+              <a:off x="2171700" y="3243181"/>
+              <a:ext cx="1146105" cy="1269841"/>
+            </a:xfrm>
+            <a:prstGeom prst="rect">
+              <a:avLst/>
+            </a:prstGeom>
+          </p:spPr>
+        </p:pic>
+      </p:grpSp>
       <p:pic>
         <p:nvPicPr>
           <p:cNvPr id="51" name="Picture 50" descr="A black background with a black square&#10;&#10;AI-generated content may be incorrect.">
@@ -13425,7 +13566,7 @@
           <p:nvPr/>
         </p:nvPicPr>
         <p:blipFill>
-          <a:blip r:embed="rId5">
+          <a:blip r:embed="rId7">
             <a:extLst>
               <a:ext uri="{28A0092B-C50C-407E-A947-70E740481C1C}">
                 <a14:useLocalDpi xmlns:a14="http://schemas.microsoft.com/office/drawing/2010/main" val="0"/>
@@ -13897,7 +14038,7 @@
               <p:nvPr/>
             </p:nvPicPr>
             <p:blipFill>
-              <a:blip r:embed="rId5">
+              <a:blip r:embed="rId7">
                 <a:extLst>
                   <a:ext uri="{28A0092B-C50C-407E-A947-70E740481C1C}">
                     <a14:useLocalDpi xmlns:a14="http://schemas.microsoft.com/office/drawing/2010/main" val="0"/>
@@ -13952,7 +14093,7 @@
                 <p:nvPr/>
               </p:nvPicPr>
               <p:blipFill>
-                <a:blip r:embed="rId5">
+                <a:blip r:embed="rId7">
                   <a:extLst>
                     <a:ext uri="{28A0092B-C50C-407E-A947-70E740481C1C}">
                       <a14:useLocalDpi xmlns:a14="http://schemas.microsoft.com/office/drawing/2010/main" val="0"/>
@@ -13987,7 +14128,7 @@
                 <p:nvPr/>
               </p:nvPicPr>
               <p:blipFill>
-                <a:blip r:embed="rId5">
+                <a:blip r:embed="rId7">
                   <a:extLst>
                     <a:ext uri="{28A0092B-C50C-407E-A947-70E740481C1C}">
                       <a14:useLocalDpi xmlns:a14="http://schemas.microsoft.com/office/drawing/2010/main" val="0"/>
@@ -14023,7 +14164,7 @@
               <p:nvPr/>
             </p:nvPicPr>
             <p:blipFill>
-              <a:blip r:embed="rId5">
+              <a:blip r:embed="rId7">
                 <a:extLst>
                   <a:ext uri="{28A0092B-C50C-407E-A947-70E740481C1C}">
                     <a14:useLocalDpi xmlns:a14="http://schemas.microsoft.com/office/drawing/2010/main" val="0"/>
@@ -14499,7 +14640,7 @@
               <p:nvPr/>
             </p:nvPicPr>
             <p:blipFill>
-              <a:blip r:embed="rId5">
+              <a:blip r:embed="rId7">
                 <a:extLst>
                   <a:ext uri="{28A0092B-C50C-407E-A947-70E740481C1C}">
                     <a14:useLocalDpi xmlns:a14="http://schemas.microsoft.com/office/drawing/2010/main" val="0"/>
@@ -14556,7 +14697,7 @@
                 <p:nvPr/>
               </p:nvPicPr>
               <p:blipFill>
-                <a:blip r:embed="rId5">
+                <a:blip r:embed="rId7">
                   <a:extLst>
                     <a:ext uri="{28A0092B-C50C-407E-A947-70E740481C1C}">
                       <a14:useLocalDpi xmlns:a14="http://schemas.microsoft.com/office/drawing/2010/main" val="0"/>
@@ -14591,7 +14732,7 @@
                 <p:nvPr/>
               </p:nvPicPr>
               <p:blipFill>
-                <a:blip r:embed="rId5">
+                <a:blip r:embed="rId7">
                   <a:extLst>
                     <a:ext uri="{28A0092B-C50C-407E-A947-70E740481C1C}">
                       <a14:useLocalDpi xmlns:a14="http://schemas.microsoft.com/office/drawing/2010/main" val="0"/>
@@ -14627,7 +14768,7 @@
               <p:nvPr/>
             </p:nvPicPr>
             <p:blipFill>
-              <a:blip r:embed="rId5">
+              <a:blip r:embed="rId7">
                 <a:extLst>
                   <a:ext uri="{28A0092B-C50C-407E-A947-70E740481C1C}">
                     <a14:useLocalDpi xmlns:a14="http://schemas.microsoft.com/office/drawing/2010/main" val="0"/>
@@ -14649,10 +14790,207 @@
           </p:pic>
         </p:grpSp>
       </p:grpSp>
+      <p:pic>
+        <p:nvPicPr>
+          <p:cNvPr id="1028" name="Picture 4" descr="Windows Mouse Cursor: Over 3,504 Royalty-Free Licensable Stock  Illustrations &amp; Drawings | Shutterstock">
+            <a:extLst>
+              <a:ext uri="{FF2B5EF4-FFF2-40B4-BE49-F238E27FC236}">
+                <a16:creationId xmlns:a16="http://schemas.microsoft.com/office/drawing/2014/main" id="{9EDAEB63-1A67-6B7A-FCF8-DD8016B02ABE}"/>
+              </a:ext>
+            </a:extLst>
+          </p:cNvPr>
+          <p:cNvPicPr>
+            <a:picLocks noChangeAspect="1" noChangeArrowheads="1"/>
+          </p:cNvPicPr>
+          <p:nvPr/>
+        </p:nvPicPr>
+        <p:blipFill rotWithShape="1">
+          <a:blip r:embed="rId8">
+            <a:clrChange>
+              <a:clrFrom>
+                <a:srgbClr val="FFFFFF"/>
+              </a:clrFrom>
+              <a:clrTo>
+                <a:srgbClr val="FFFFFF">
+                  <a:alpha val="0"/>
+                </a:srgbClr>
+              </a:clrTo>
+            </a:clrChange>
+            <a:extLst>
+              <a:ext uri="{28A0092B-C50C-407E-A947-70E740481C1C}">
+                <a14:useLocalDpi xmlns:a14="http://schemas.microsoft.com/office/drawing/2010/main" val="0"/>
+              </a:ext>
+            </a:extLst>
+          </a:blip>
+          <a:srcRect l="54242" t="20520" r="31463" b="28060"/>
+          <a:stretch>
+            <a:fillRect/>
+          </a:stretch>
+        </p:blipFill>
+        <p:spPr bwMode="auto">
+          <a:xfrm>
+            <a:off x="5115323" y="4892629"/>
+            <a:ext cx="171938" cy="190500"/>
+          </a:xfrm>
+          <a:prstGeom prst="rect">
+            <a:avLst/>
+          </a:prstGeom>
+          <a:noFill/>
+          <a:extLst>
+            <a:ext uri="{909E8E84-426E-40DD-AFC4-6F175D3DCCD1}">
+              <a14:hiddenFill xmlns:a14="http://schemas.microsoft.com/office/drawing/2010/main">
+                <a:solidFill>
+                  <a:srgbClr val="FFFFFF"/>
+                </a:solidFill>
+              </a14:hiddenFill>
+            </a:ext>
+          </a:extLst>
+        </p:spPr>
+      </p:pic>
+      <p:sp>
+        <p:nvSpPr>
+          <p:cNvPr id="7" name="Rectangle 6">
+            <a:extLst>
+              <a:ext uri="{FF2B5EF4-FFF2-40B4-BE49-F238E27FC236}">
+                <a16:creationId xmlns:a16="http://schemas.microsoft.com/office/drawing/2014/main" id="{55685CC3-ED4A-2F3D-5730-49C67145A6C8}"/>
+              </a:ext>
+            </a:extLst>
+          </p:cNvPr>
+          <p:cNvSpPr>
+            <a:spLocks noChangeAspect="1"/>
+          </p:cNvSpPr>
+          <p:nvPr/>
+        </p:nvSpPr>
+        <p:spPr>
+          <a:xfrm>
+            <a:off x="6692148" y="4797379"/>
+            <a:ext cx="1146105" cy="1269840"/>
+          </a:xfrm>
+          <a:prstGeom prst="rect">
+            <a:avLst/>
+          </a:prstGeom>
+          <a:solidFill>
+            <a:srgbClr val="000000">
+              <a:alpha val="47059"/>
+            </a:srgbClr>
+          </a:solidFill>
+          <a:ln>
+            <a:noFill/>
+          </a:ln>
+        </p:spPr>
+        <p:style>
+          <a:lnRef idx="2">
+            <a:schemeClr val="accent1">
+              <a:shade val="15000"/>
+            </a:schemeClr>
+          </a:lnRef>
+          <a:fillRef idx="1">
+            <a:schemeClr val="accent1"/>
+          </a:fillRef>
+          <a:effectRef idx="0">
+            <a:schemeClr val="accent1"/>
+          </a:effectRef>
+          <a:fontRef idx="minor">
+            <a:schemeClr val="lt1"/>
+          </a:fontRef>
+        </p:style>
+        <p:txBody>
+          <a:bodyPr rtlCol="0" anchor="ctr"/>
+          <a:lstStyle/>
+          <a:p>
+            <a:pPr algn="ctr"/>
+            <a:endParaRPr lang="en-GB" dirty="0"/>
+          </a:p>
+        </p:txBody>
+      </p:sp>
+      <p:sp>
+        <p:nvSpPr>
+          <p:cNvPr id="34" name="Rectangle 33">
+            <a:extLst>
+              <a:ext uri="{FF2B5EF4-FFF2-40B4-BE49-F238E27FC236}">
+                <a16:creationId xmlns:a16="http://schemas.microsoft.com/office/drawing/2014/main" id="{C928D708-7623-DB31-4AF6-8F920479F94C}"/>
+              </a:ext>
+            </a:extLst>
+          </p:cNvPr>
+          <p:cNvSpPr>
+            <a:spLocks noChangeAspect="1"/>
+          </p:cNvSpPr>
+          <p:nvPr/>
+        </p:nvSpPr>
+        <p:spPr>
+          <a:xfrm>
+            <a:off x="8475880" y="3596560"/>
+            <a:ext cx="1189975" cy="1702359"/>
+          </a:xfrm>
+          <a:prstGeom prst="rect">
+            <a:avLst/>
+          </a:prstGeom>
+          <a:solidFill>
+            <a:schemeClr val="tx1"/>
+          </a:solidFill>
+          <a:ln>
+            <a:noFill/>
+          </a:ln>
+        </p:spPr>
+        <p:style>
+          <a:lnRef idx="2">
+            <a:schemeClr val="accent1">
+              <a:shade val="15000"/>
+            </a:schemeClr>
+          </a:lnRef>
+          <a:fillRef idx="1">
+            <a:schemeClr val="accent1"/>
+          </a:fillRef>
+          <a:effectRef idx="0">
+            <a:schemeClr val="accent1"/>
+          </a:effectRef>
+          <a:fontRef idx="minor">
+            <a:schemeClr val="lt1"/>
+          </a:fontRef>
+        </p:style>
+        <p:txBody>
+          <a:bodyPr rtlCol="0" anchor="ctr"/>
+          <a:lstStyle/>
+          <a:p>
+            <a:pPr algn="ctr"/>
+            <a:endParaRPr lang="en-GB" dirty="0"/>
+          </a:p>
+        </p:txBody>
+      </p:sp>
     </p:spTree>
     <p:extLst>
       <p:ext uri="{BB962C8B-B14F-4D97-AF65-F5344CB8AC3E}">
         <p14:creationId xmlns:p14="http://schemas.microsoft.com/office/powerpoint/2010/main" val="1814489813"/>
+      </p:ext>
+    </p:extLst>
+  </p:cSld>
+  <p:clrMapOvr>
+    <a:masterClrMapping/>
+  </p:clrMapOvr>
+</p:sld>
+</file>
+
+<file path=ppt/slides/slide17.xml><?xml version="1.0" encoding="utf-8"?>
+<p:sld xmlns:a="http://schemas.openxmlformats.org/drawingml/2006/main" xmlns:r="http://schemas.openxmlformats.org/officeDocument/2006/relationships" xmlns:p="http://schemas.openxmlformats.org/presentationml/2006/main">
+  <p:cSld>
+    <p:spTree>
+      <p:nvGrpSpPr>
+        <p:cNvPr id="1" name=""/>
+        <p:cNvGrpSpPr/>
+        <p:nvPr/>
+      </p:nvGrpSpPr>
+      <p:grpSpPr>
+        <a:xfrm>
+          <a:off x="0" y="0"/>
+          <a:ext cx="0" cy="0"/>
+          <a:chOff x="0" y="0"/>
+          <a:chExt cx="0" cy="0"/>
+        </a:xfrm>
+      </p:grpSpPr>
+    </p:spTree>
+    <p:extLst>
+      <p:ext uri="{BB962C8B-B14F-4D97-AF65-F5344CB8AC3E}">
+        <p14:creationId xmlns:p14="http://schemas.microsoft.com/office/powerpoint/2010/main" val="1572189348"/>
       </p:ext>
     </p:extLst>
   </p:cSld>
@@ -17212,7 +17550,7 @@
         </p:nvGrpSpPr>
         <p:grpSpPr>
           <a:xfrm>
-            <a:off x="4265436" y="3343562"/>
+            <a:off x="2370762" y="2144917"/>
             <a:ext cx="2780571" cy="2780571"/>
             <a:chOff x="4265436" y="3343562"/>
             <a:chExt cx="2780571" cy="2780571"/>
@@ -17348,10 +17686,10 @@
       </p:grpSp>
       <p:grpSp>
         <p:nvGrpSpPr>
-          <p:cNvPr id="54" name="Group 53">
+          <p:cNvPr id="52" name="Group 51">
             <a:extLst>
               <a:ext uri="{FF2B5EF4-FFF2-40B4-BE49-F238E27FC236}">
-                <a16:creationId xmlns:a16="http://schemas.microsoft.com/office/drawing/2014/main" id="{A37ED82B-52A4-2A13-FEF9-7573A99F8516}"/>
+                <a16:creationId xmlns:a16="http://schemas.microsoft.com/office/drawing/2014/main" id="{E9600363-A7E3-30D5-970C-40585EED6DBF}"/>
               </a:ext>
             </a:extLst>
           </p:cNvPr>
@@ -17360,349 +17698,7 @@
         </p:nvGrpSpPr>
         <p:grpSpPr>
           <a:xfrm>
-            <a:off x="6945397" y="3837260"/>
-            <a:ext cx="2128079" cy="2128079"/>
-            <a:chOff x="6945397" y="3837260"/>
-            <a:chExt cx="2128079" cy="2128079"/>
-          </a:xfrm>
-        </p:grpSpPr>
-        <p:sp>
-          <p:nvSpPr>
-            <p:cNvPr id="32" name="Rectangle 31">
-              <a:extLst>
-                <a:ext uri="{FF2B5EF4-FFF2-40B4-BE49-F238E27FC236}">
-                  <a16:creationId xmlns:a16="http://schemas.microsoft.com/office/drawing/2014/main" id="{FDA378C3-25D4-9FFE-B3BA-EE04428CE3AE}"/>
-                </a:ext>
-              </a:extLst>
-            </p:cNvPr>
-            <p:cNvSpPr/>
-            <p:nvPr/>
-          </p:nvSpPr>
-          <p:spPr>
-            <a:xfrm>
-              <a:off x="6945397" y="3837260"/>
-              <a:ext cx="2128079" cy="2128079"/>
-            </a:xfrm>
-            <a:prstGeom prst="rect">
-              <a:avLst/>
-            </a:prstGeom>
-            <a:solidFill>
-              <a:srgbClr val="4472C4">
-                <a:alpha val="0"/>
-              </a:srgbClr>
-            </a:solidFill>
-            <a:ln>
-              <a:noFill/>
-            </a:ln>
-          </p:spPr>
-          <p:style>
-            <a:lnRef idx="2">
-              <a:schemeClr val="accent1">
-                <a:shade val="15000"/>
-              </a:schemeClr>
-            </a:lnRef>
-            <a:fillRef idx="1">
-              <a:schemeClr val="accent1"/>
-            </a:fillRef>
-            <a:effectRef idx="0">
-              <a:schemeClr val="accent1"/>
-            </a:effectRef>
-            <a:fontRef idx="minor">
-              <a:schemeClr val="lt1"/>
-            </a:fontRef>
-          </p:style>
-          <p:txBody>
-            <a:bodyPr rtlCol="0" anchor="ctr"/>
-            <a:lstStyle/>
-            <a:p>
-              <a:pPr algn="ctr"/>
-              <a:endParaRPr lang="en-GB"/>
-            </a:p>
-          </p:txBody>
-        </p:sp>
-        <p:grpSp>
-          <p:nvGrpSpPr>
-            <p:cNvPr id="27" name="Group 26">
-              <a:extLst>
-                <a:ext uri="{FF2B5EF4-FFF2-40B4-BE49-F238E27FC236}">
-                  <a16:creationId xmlns:a16="http://schemas.microsoft.com/office/drawing/2014/main" id="{63869DBB-221D-F6BD-F8D5-C50A072BDC42}"/>
-                </a:ext>
-              </a:extLst>
-            </p:cNvPr>
-            <p:cNvGrpSpPr/>
-            <p:nvPr/>
-          </p:nvGrpSpPr>
-          <p:grpSpPr>
-            <a:xfrm>
-              <a:off x="7307804" y="3921603"/>
-              <a:ext cx="1396186" cy="1747375"/>
-              <a:chOff x="7266156" y="3729032"/>
-              <a:chExt cx="482300" cy="603615"/>
-            </a:xfrm>
-            <a:solidFill>
-              <a:srgbClr val="A2A1A1"/>
-            </a:solidFill>
-          </p:grpSpPr>
-          <p:sp>
-            <p:nvSpPr>
-              <p:cNvPr id="29" name="Block Arc 28">
-                <a:extLst>
-                  <a:ext uri="{FF2B5EF4-FFF2-40B4-BE49-F238E27FC236}">
-                    <a16:creationId xmlns:a16="http://schemas.microsoft.com/office/drawing/2014/main" id="{14474B35-E04A-670E-D00E-DE5F87392400}"/>
-                  </a:ext>
-                </a:extLst>
-              </p:cNvPr>
-              <p:cNvSpPr>
-                <a:spLocks noChangeAspect="1"/>
-              </p:cNvSpPr>
-              <p:nvPr/>
-            </p:nvSpPr>
-            <p:spPr>
-              <a:xfrm>
-                <a:off x="7266156" y="3857454"/>
-                <a:ext cx="482300" cy="475193"/>
-              </a:xfrm>
-              <a:prstGeom prst="blockArc">
-                <a:avLst>
-                  <a:gd name="adj1" fmla="val 16186447"/>
-                  <a:gd name="adj2" fmla="val 10840644"/>
-                  <a:gd name="adj3" fmla="val 12096"/>
-                </a:avLst>
-              </a:prstGeom>
-              <a:solidFill>
-                <a:srgbClr val="858585"/>
-              </a:solidFill>
-              <a:ln>
-                <a:noFill/>
-              </a:ln>
-            </p:spPr>
-            <p:style>
-              <a:lnRef idx="2">
-                <a:schemeClr val="accent1">
-                  <a:shade val="15000"/>
-                </a:schemeClr>
-              </a:lnRef>
-              <a:fillRef idx="1">
-                <a:schemeClr val="accent1"/>
-              </a:fillRef>
-              <a:effectRef idx="0">
-                <a:schemeClr val="accent1"/>
-              </a:effectRef>
-              <a:fontRef idx="minor">
-                <a:schemeClr val="lt1"/>
-              </a:fontRef>
-            </p:style>
-            <p:txBody>
-              <a:bodyPr rtlCol="0" anchor="ctr"/>
-              <a:lstStyle/>
-              <a:p>
-                <a:pPr algn="ctr"/>
-                <a:endParaRPr lang="en-GB">
-                  <a:solidFill>
-                    <a:schemeClr val="tx1"/>
-                  </a:solidFill>
-                </a:endParaRPr>
-              </a:p>
-            </p:txBody>
-          </p:sp>
-          <p:sp>
-            <p:nvSpPr>
-              <p:cNvPr id="30" name="Isosceles Triangle 29">
-                <a:extLst>
-                  <a:ext uri="{FF2B5EF4-FFF2-40B4-BE49-F238E27FC236}">
-                    <a16:creationId xmlns:a16="http://schemas.microsoft.com/office/drawing/2014/main" id="{1DEBB995-CF6E-F5DA-6E45-B94BBECF1437}"/>
-                  </a:ext>
-                </a:extLst>
-              </p:cNvPr>
-              <p:cNvSpPr/>
-              <p:nvPr/>
-            </p:nvSpPr>
-            <p:spPr>
-              <a:xfrm rot="16200000">
-                <a:off x="7268138" y="3800592"/>
-                <a:ext cx="310728" cy="167608"/>
-              </a:xfrm>
-              <a:prstGeom prst="triangle">
-                <a:avLst/>
-              </a:prstGeom>
-              <a:solidFill>
-                <a:srgbClr val="858585"/>
-              </a:solidFill>
-              <a:ln>
-                <a:noFill/>
-              </a:ln>
-            </p:spPr>
-            <p:style>
-              <a:lnRef idx="2">
-                <a:schemeClr val="accent1">
-                  <a:shade val="15000"/>
-                </a:schemeClr>
-              </a:lnRef>
-              <a:fillRef idx="1">
-                <a:schemeClr val="accent1"/>
-              </a:fillRef>
-              <a:effectRef idx="0">
-                <a:schemeClr val="accent1"/>
-              </a:effectRef>
-              <a:fontRef idx="minor">
-                <a:schemeClr val="lt1"/>
-              </a:fontRef>
-            </p:style>
-            <p:txBody>
-              <a:bodyPr rtlCol="0" anchor="ctr"/>
-              <a:lstStyle/>
-              <a:p>
-                <a:pPr algn="ctr"/>
-                <a:endParaRPr lang="en-GB" dirty="0"/>
-              </a:p>
-            </p:txBody>
-          </p:sp>
-        </p:grpSp>
-        <p:sp>
-          <p:nvSpPr>
-            <p:cNvPr id="28" name="Freeform: Shape 27">
-              <a:extLst>
-                <a:ext uri="{FF2B5EF4-FFF2-40B4-BE49-F238E27FC236}">
-                  <a16:creationId xmlns:a16="http://schemas.microsoft.com/office/drawing/2014/main" id="{CDEBDB7A-2AE8-4547-7AD7-E83A53724669}"/>
-                </a:ext>
-              </a:extLst>
-            </p:cNvPr>
-            <p:cNvSpPr/>
-            <p:nvPr/>
-          </p:nvSpPr>
-          <p:spPr>
-            <a:xfrm rot="5400000" flipH="1">
-              <a:off x="7920217" y="4759969"/>
-              <a:ext cx="276603" cy="521160"/>
-            </a:xfrm>
-            <a:custGeom>
-              <a:avLst/>
-              <a:gdLst>
-                <a:gd name="connsiteX0" fmla="*/ 95550 w 95550"/>
-                <a:gd name="connsiteY0" fmla="*/ 0 h 180030"/>
-                <a:gd name="connsiteX1" fmla="*/ 58615 w 95550"/>
-                <a:gd name="connsiteY1" fmla="*/ 0 h 180030"/>
-                <a:gd name="connsiteX2" fmla="*/ 58615 w 95550"/>
-                <a:gd name="connsiteY2" fmla="*/ 108375 h 180030"/>
-                <a:gd name="connsiteX3" fmla="*/ 0 w 95550"/>
-                <a:gd name="connsiteY3" fmla="*/ 149889 h 180030"/>
-                <a:gd name="connsiteX4" fmla="*/ 21348 w 95550"/>
-                <a:gd name="connsiteY4" fmla="*/ 180030 h 180030"/>
-                <a:gd name="connsiteX5" fmla="*/ 94793 w 95550"/>
-                <a:gd name="connsiteY5" fmla="*/ 128012 h 180030"/>
-                <a:gd name="connsiteX6" fmla="*/ 93368 w 95550"/>
-                <a:gd name="connsiteY6" fmla="*/ 126000 h 180030"/>
-                <a:gd name="connsiteX7" fmla="*/ 95550 w 95550"/>
-                <a:gd name="connsiteY7" fmla="*/ 126000 h 180030"/>
-              </a:gdLst>
-              <a:ahLst/>
-              <a:cxnLst>
-                <a:cxn ang="0">
-                  <a:pos x="connsiteX0" y="connsiteY0"/>
-                </a:cxn>
-                <a:cxn ang="0">
-                  <a:pos x="connsiteX1" y="connsiteY1"/>
-                </a:cxn>
-                <a:cxn ang="0">
-                  <a:pos x="connsiteX2" y="connsiteY2"/>
-                </a:cxn>
-                <a:cxn ang="0">
-                  <a:pos x="connsiteX3" y="connsiteY3"/>
-                </a:cxn>
-                <a:cxn ang="0">
-                  <a:pos x="connsiteX4" y="connsiteY4"/>
-                </a:cxn>
-                <a:cxn ang="0">
-                  <a:pos x="connsiteX5" y="connsiteY5"/>
-                </a:cxn>
-                <a:cxn ang="0">
-                  <a:pos x="connsiteX6" y="connsiteY6"/>
-                </a:cxn>
-                <a:cxn ang="0">
-                  <a:pos x="connsiteX7" y="connsiteY7"/>
-                </a:cxn>
-              </a:cxnLst>
-              <a:rect l="l" t="t" r="r" b="b"/>
-              <a:pathLst>
-                <a:path w="95550" h="180030">
-                  <a:moveTo>
-                    <a:pt x="95550" y="0"/>
-                  </a:moveTo>
-                  <a:lnTo>
-                    <a:pt x="58615" y="0"/>
-                  </a:lnTo>
-                  <a:lnTo>
-                    <a:pt x="58615" y="108375"/>
-                  </a:lnTo>
-                  <a:lnTo>
-                    <a:pt x="0" y="149889"/>
-                  </a:lnTo>
-                  <a:lnTo>
-                    <a:pt x="21348" y="180030"/>
-                  </a:lnTo>
-                  <a:lnTo>
-                    <a:pt x="94793" y="128012"/>
-                  </a:lnTo>
-                  <a:lnTo>
-                    <a:pt x="93368" y="126000"/>
-                  </a:lnTo>
-                  <a:lnTo>
-                    <a:pt x="95550" y="126000"/>
-                  </a:lnTo>
-                  <a:close/>
-                </a:path>
-              </a:pathLst>
-            </a:custGeom>
-            <a:solidFill>
-              <a:srgbClr val="858585"/>
-            </a:solidFill>
-            <a:ln>
-              <a:noFill/>
-            </a:ln>
-          </p:spPr>
-          <p:style>
-            <a:lnRef idx="2">
-              <a:schemeClr val="accent1">
-                <a:shade val="15000"/>
-              </a:schemeClr>
-            </a:lnRef>
-            <a:fillRef idx="1">
-              <a:schemeClr val="accent1"/>
-            </a:fillRef>
-            <a:effectRef idx="0">
-              <a:schemeClr val="accent1"/>
-            </a:effectRef>
-            <a:fontRef idx="minor">
-              <a:schemeClr val="lt1"/>
-            </a:fontRef>
-          </p:style>
-          <p:txBody>
-            <a:bodyPr wrap="square" rtlCol="0" anchor="ctr">
-              <a:noAutofit/>
-            </a:bodyPr>
-            <a:lstStyle/>
-            <a:p>
-              <a:pPr algn="ctr"/>
-              <a:endParaRPr lang="en-GB"/>
-            </a:p>
-          </p:txBody>
-        </p:sp>
-      </p:grpSp>
-      <p:grpSp>
-        <p:nvGrpSpPr>
-          <p:cNvPr id="52" name="Group 51">
-            <a:extLst>
-              <a:ext uri="{FF2B5EF4-FFF2-40B4-BE49-F238E27FC236}">
-                <a16:creationId xmlns:a16="http://schemas.microsoft.com/office/drawing/2014/main" id="{E9600363-A7E3-30D5-970C-40585EED6DBF}"/>
-              </a:ext>
-            </a:extLst>
-          </p:cNvPr>
-          <p:cNvGrpSpPr/>
-          <p:nvPr/>
-        </p:nvGrpSpPr>
-        <p:grpSpPr>
-          <a:xfrm>
-            <a:off x="8816375" y="3837260"/>
+            <a:off x="8973153" y="4176515"/>
             <a:ext cx="2128079" cy="2128079"/>
             <a:chOff x="9073476" y="3837259"/>
             <a:chExt cx="2128079" cy="2128079"/>
@@ -17925,7 +17921,7 @@
               <a:blip r:embed="rId13">
                 <a:alphaModFix/>
                 <a:duotone>
-                  <a:schemeClr val="accent3">
+                  <a:schemeClr val="bg2">
                     <a:shade val="45000"/>
                     <a:satMod val="135000"/>
                   </a:schemeClr>
@@ -17952,6 +17948,355 @@
               <a:ln>
                 <a:noFill/>
               </a:ln>
+            </p:spPr>
+          </p:pic>
+        </p:grpSp>
+      </p:grpSp>
+      <p:grpSp>
+        <p:nvGrpSpPr>
+          <p:cNvPr id="31" name="Group 30">
+            <a:extLst>
+              <a:ext uri="{FF2B5EF4-FFF2-40B4-BE49-F238E27FC236}">
+                <a16:creationId xmlns:a16="http://schemas.microsoft.com/office/drawing/2014/main" id="{F5266052-3907-CE50-8BA5-9DBC3FB1C680}"/>
+              </a:ext>
+            </a:extLst>
+          </p:cNvPr>
+          <p:cNvGrpSpPr/>
+          <p:nvPr/>
+        </p:nvGrpSpPr>
+        <p:grpSpPr>
+          <a:xfrm>
+            <a:off x="6768171" y="4145979"/>
+            <a:ext cx="2128079" cy="2128079"/>
+            <a:chOff x="6768171" y="4145979"/>
+            <a:chExt cx="2128079" cy="2128079"/>
+          </a:xfrm>
+        </p:grpSpPr>
+        <p:sp>
+          <p:nvSpPr>
+            <p:cNvPr id="32" name="Rectangle 31">
+              <a:extLst>
+                <a:ext uri="{FF2B5EF4-FFF2-40B4-BE49-F238E27FC236}">
+                  <a16:creationId xmlns:a16="http://schemas.microsoft.com/office/drawing/2014/main" id="{FDA378C3-25D4-9FFE-B3BA-EE04428CE3AE}"/>
+                </a:ext>
+              </a:extLst>
+            </p:cNvPr>
+            <p:cNvSpPr/>
+            <p:nvPr/>
+          </p:nvSpPr>
+          <p:spPr>
+            <a:xfrm>
+              <a:off x="6768171" y="4145979"/>
+              <a:ext cx="2128079" cy="2128079"/>
+            </a:xfrm>
+            <a:prstGeom prst="rect">
+              <a:avLst/>
+            </a:prstGeom>
+            <a:solidFill>
+              <a:srgbClr val="4472C4">
+                <a:alpha val="0"/>
+              </a:srgbClr>
+            </a:solidFill>
+            <a:ln>
+              <a:noFill/>
+            </a:ln>
+          </p:spPr>
+          <p:style>
+            <a:lnRef idx="2">
+              <a:schemeClr val="accent1">
+                <a:shade val="15000"/>
+              </a:schemeClr>
+            </a:lnRef>
+            <a:fillRef idx="1">
+              <a:schemeClr val="accent1"/>
+            </a:fillRef>
+            <a:effectRef idx="0">
+              <a:schemeClr val="accent1"/>
+            </a:effectRef>
+            <a:fontRef idx="minor">
+              <a:schemeClr val="lt1"/>
+            </a:fontRef>
+          </p:style>
+          <p:txBody>
+            <a:bodyPr rtlCol="0" anchor="ctr"/>
+            <a:lstStyle/>
+            <a:p>
+              <a:pPr algn="ctr"/>
+              <a:endParaRPr lang="en-GB"/>
+            </a:p>
+          </p:txBody>
+        </p:sp>
+        <p:grpSp>
+          <p:nvGrpSpPr>
+            <p:cNvPr id="26" name="Group 25">
+              <a:extLst>
+                <a:ext uri="{FF2B5EF4-FFF2-40B4-BE49-F238E27FC236}">
+                  <a16:creationId xmlns:a16="http://schemas.microsoft.com/office/drawing/2014/main" id="{471D1D64-41E1-D67C-C972-207938DABAD6}"/>
+                </a:ext>
+              </a:extLst>
+            </p:cNvPr>
+            <p:cNvGrpSpPr/>
+            <p:nvPr/>
+          </p:nvGrpSpPr>
+          <p:grpSpPr>
+            <a:xfrm>
+              <a:off x="6915751" y="4290395"/>
+              <a:ext cx="1843101" cy="1843101"/>
+              <a:chOff x="6915751" y="4290395"/>
+              <a:chExt cx="1843101" cy="1843101"/>
+            </a:xfrm>
+          </p:grpSpPr>
+          <p:sp>
+            <p:nvSpPr>
+              <p:cNvPr id="30" name="Isosceles Triangle 29">
+                <a:extLst>
+                  <a:ext uri="{FF2B5EF4-FFF2-40B4-BE49-F238E27FC236}">
+                    <a16:creationId xmlns:a16="http://schemas.microsoft.com/office/drawing/2014/main" id="{1DEBB995-CF6E-F5DA-6E45-B94BBECF1437}"/>
+                  </a:ext>
+                </a:extLst>
+              </p:cNvPr>
+              <p:cNvSpPr>
+                <a:spLocks noChangeAspect="1"/>
+              </p:cNvSpPr>
+              <p:nvPr/>
+            </p:nvSpPr>
+            <p:spPr>
+              <a:xfrm rot="16200000" flipV="1">
+                <a:off x="7771104" y="4443153"/>
+                <a:ext cx="594000" cy="486000"/>
+              </a:xfrm>
+              <a:prstGeom prst="triangle">
+                <a:avLst/>
+              </a:prstGeom>
+              <a:solidFill>
+                <a:srgbClr val="A2A1A1">
+                  <a:alpha val="69804"/>
+                </a:srgbClr>
+              </a:solidFill>
+              <a:ln>
+                <a:noFill/>
+              </a:ln>
+            </p:spPr>
+            <p:style>
+              <a:lnRef idx="2">
+                <a:schemeClr val="accent1">
+                  <a:shade val="15000"/>
+                </a:schemeClr>
+              </a:lnRef>
+              <a:fillRef idx="1">
+                <a:schemeClr val="accent1"/>
+              </a:fillRef>
+              <a:effectRef idx="0">
+                <a:schemeClr val="accent1"/>
+              </a:effectRef>
+              <a:fontRef idx="minor">
+                <a:schemeClr val="lt1"/>
+              </a:fontRef>
+            </p:style>
+            <p:txBody>
+              <a:bodyPr rtlCol="0" anchor="ctr"/>
+              <a:lstStyle/>
+              <a:p>
+                <a:pPr algn="ctr"/>
+                <a:endParaRPr lang="en-GB" dirty="0"/>
+              </a:p>
+            </p:txBody>
+          </p:sp>
+          <p:pic>
+            <p:nvPicPr>
+              <p:cNvPr id="4" name="Picture 3" descr="A black background with a black square&#10;&#10;Description automatically generated with medium confidence">
+                <a:extLst>
+                  <a:ext uri="{FF2B5EF4-FFF2-40B4-BE49-F238E27FC236}">
+                    <a16:creationId xmlns:a16="http://schemas.microsoft.com/office/drawing/2014/main" id="{4AB7DADE-16AD-3543-C55B-3724DCC781AF}"/>
+                  </a:ext>
+                </a:extLst>
+              </p:cNvPr>
+              <p:cNvPicPr>
+                <a:picLocks noChangeAspect="1"/>
+              </p:cNvPicPr>
+              <p:nvPr/>
+            </p:nvPicPr>
+            <p:blipFill>
+              <a:blip r:embed="rId12">
+                <a:duotone>
+                  <a:schemeClr val="bg2">
+                    <a:shade val="45000"/>
+                    <a:satMod val="135000"/>
+                  </a:schemeClr>
+                  <a:prstClr val="white"/>
+                </a:duotone>
+                <a:alphaModFix amt="70000"/>
+                <a:extLst>
+                  <a:ext uri="{28A0092B-C50C-407E-A947-70E740481C1C}">
+                    <a14:useLocalDpi xmlns:a14="http://schemas.microsoft.com/office/drawing/2010/main" val="0"/>
+                  </a:ext>
+                </a:extLst>
+              </a:blip>
+              <a:srcRect l="40593" t="30988" r="39884" b="36192"/>
+              <a:stretch>
+                <a:fillRect/>
+              </a:stretch>
+            </p:blipFill>
+            <p:spPr>
+              <a:xfrm rot="13514538" flipH="1">
+                <a:off x="7614375" y="5041317"/>
+                <a:ext cx="359808" cy="604918"/>
+              </a:xfrm>
+              <a:prstGeom prst="rect">
+                <a:avLst/>
+              </a:prstGeom>
+            </p:spPr>
+          </p:pic>
+          <p:pic>
+            <p:nvPicPr>
+              <p:cNvPr id="19" name="Picture 18" descr="A black background with a black square&#10;&#10;Description automatically generated with medium confidence">
+                <a:extLst>
+                  <a:ext uri="{FF2B5EF4-FFF2-40B4-BE49-F238E27FC236}">
+                    <a16:creationId xmlns:a16="http://schemas.microsoft.com/office/drawing/2014/main" id="{317DF9DC-AD91-EAD1-8F85-14FD76EE10F4}"/>
+                  </a:ext>
+                </a:extLst>
+              </p:cNvPr>
+              <p:cNvPicPr>
+                <a:picLocks noChangeAspect="1"/>
+              </p:cNvPicPr>
+              <p:nvPr/>
+            </p:nvPicPr>
+            <p:blipFill>
+              <a:blip r:embed="rId12">
+                <a:duotone>
+                  <a:schemeClr val="bg2">
+                    <a:shade val="45000"/>
+                    <a:satMod val="135000"/>
+                  </a:schemeClr>
+                  <a:prstClr val="white"/>
+                </a:duotone>
+                <a:alphaModFix amt="70000"/>
+                <a:extLst>
+                  <a:ext uri="{28A0092B-C50C-407E-A947-70E740481C1C}">
+                    <a14:useLocalDpi xmlns:a14="http://schemas.microsoft.com/office/drawing/2010/main" val="0"/>
+                  </a:ext>
+                </a:extLst>
+              </a:blip>
+              <a:srcRect/>
+              <a:stretch>
+                <a:fillRect/>
+              </a:stretch>
+            </p:blipFill>
+            <p:spPr>
+              <a:xfrm flipH="1">
+                <a:off x="6915751" y="4290395"/>
+                <a:ext cx="1843101" cy="1843101"/>
+              </a:xfrm>
+              <a:custGeom>
+                <a:avLst/>
+                <a:gdLst>
+                  <a:gd name="csX0" fmla="*/ 1843101 w 1843101"/>
+                  <a:gd name="csY0" fmla="*/ 0 h 1843101"/>
+                  <a:gd name="csX1" fmla="*/ 1244188 w 1843101"/>
+                  <a:gd name="csY1" fmla="*/ 0 h 1843101"/>
+                  <a:gd name="csX2" fmla="*/ 1244188 w 1843101"/>
+                  <a:gd name="csY2" fmla="*/ 256909 h 1843101"/>
+                  <a:gd name="csX3" fmla="*/ 935856 w 1843101"/>
+                  <a:gd name="csY3" fmla="*/ 256909 h 1843101"/>
+                  <a:gd name="csX4" fmla="*/ 935856 w 1843101"/>
+                  <a:gd name="csY4" fmla="*/ 588442 h 1843101"/>
+                  <a:gd name="csX5" fmla="*/ 1116462 w 1843101"/>
+                  <a:gd name="csY5" fmla="*/ 588442 h 1843101"/>
+                  <a:gd name="csX6" fmla="*/ 1116462 w 1843101"/>
+                  <a:gd name="csY6" fmla="*/ 1170184 h 1843101"/>
+                  <a:gd name="csX7" fmla="*/ 562280 w 1843101"/>
+                  <a:gd name="csY7" fmla="*/ 1170184 h 1843101"/>
+                  <a:gd name="csX8" fmla="*/ 562280 w 1843101"/>
+                  <a:gd name="csY8" fmla="*/ 1029255 h 1843101"/>
+                  <a:gd name="csX9" fmla="*/ 0 w 1843101"/>
+                  <a:gd name="csY9" fmla="*/ 1029255 h 1843101"/>
+                  <a:gd name="csX10" fmla="*/ 0 w 1843101"/>
+                  <a:gd name="csY10" fmla="*/ 1843101 h 1843101"/>
+                  <a:gd name="csX11" fmla="*/ 1843101 w 1843101"/>
+                  <a:gd name="csY11" fmla="*/ 1843101 h 1843101"/>
+                </a:gdLst>
+                <a:ahLst/>
+                <a:cxnLst>
+                  <a:cxn ang="0">
+                    <a:pos x="csX0" y="csY0"/>
+                  </a:cxn>
+                  <a:cxn ang="0">
+                    <a:pos x="csX1" y="csY1"/>
+                  </a:cxn>
+                  <a:cxn ang="0">
+                    <a:pos x="csX2" y="csY2"/>
+                  </a:cxn>
+                  <a:cxn ang="0">
+                    <a:pos x="csX3" y="csY3"/>
+                  </a:cxn>
+                  <a:cxn ang="0">
+                    <a:pos x="csX4" y="csY4"/>
+                  </a:cxn>
+                  <a:cxn ang="0">
+                    <a:pos x="csX5" y="csY5"/>
+                  </a:cxn>
+                  <a:cxn ang="0">
+                    <a:pos x="csX6" y="csY6"/>
+                  </a:cxn>
+                  <a:cxn ang="0">
+                    <a:pos x="csX7" y="csY7"/>
+                  </a:cxn>
+                  <a:cxn ang="0">
+                    <a:pos x="csX8" y="csY8"/>
+                  </a:cxn>
+                  <a:cxn ang="0">
+                    <a:pos x="csX9" y="csY9"/>
+                  </a:cxn>
+                  <a:cxn ang="0">
+                    <a:pos x="csX10" y="csY10"/>
+                  </a:cxn>
+                  <a:cxn ang="0">
+                    <a:pos x="csX11" y="csY11"/>
+                  </a:cxn>
+                </a:cxnLst>
+                <a:rect l="l" t="t" r="r" b="b"/>
+                <a:pathLst>
+                  <a:path w="1843101" h="1843101">
+                    <a:moveTo>
+                      <a:pt x="1843101" y="0"/>
+                    </a:moveTo>
+                    <a:lnTo>
+                      <a:pt x="1244188" y="0"/>
+                    </a:lnTo>
+                    <a:lnTo>
+                      <a:pt x="1244188" y="256909"/>
+                    </a:lnTo>
+                    <a:lnTo>
+                      <a:pt x="935856" y="256909"/>
+                    </a:lnTo>
+                    <a:lnTo>
+                      <a:pt x="935856" y="588442"/>
+                    </a:lnTo>
+                    <a:lnTo>
+                      <a:pt x="1116462" y="588442"/>
+                    </a:lnTo>
+                    <a:lnTo>
+                      <a:pt x="1116462" y="1170184"/>
+                    </a:lnTo>
+                    <a:lnTo>
+                      <a:pt x="562280" y="1170184"/>
+                    </a:lnTo>
+                    <a:lnTo>
+                      <a:pt x="562280" y="1029255"/>
+                    </a:lnTo>
+                    <a:lnTo>
+                      <a:pt x="0" y="1029255"/>
+                    </a:lnTo>
+                    <a:lnTo>
+                      <a:pt x="0" y="1843101"/>
+                    </a:lnTo>
+                    <a:lnTo>
+                      <a:pt x="1843101" y="1843101"/>
+                    </a:lnTo>
+                    <a:close/>
+                  </a:path>
+                </a:pathLst>
+              </a:custGeom>
             </p:spPr>
           </p:pic>
         </p:grpSp>
@@ -18102,7 +18447,7 @@
         </p:blipFill>
         <p:spPr>
           <a:xfrm>
-            <a:off x="3872925" y="669503"/>
+            <a:off x="5208239" y="727560"/>
             <a:ext cx="4381200" cy="4381200"/>
           </a:xfrm>
           <a:prstGeom prst="rect">
@@ -18124,7 +18469,7 @@
         </p:nvGrpSpPr>
         <p:grpSpPr>
           <a:xfrm>
-            <a:off x="6821224" y="1162421"/>
+            <a:off x="8156538" y="1220478"/>
             <a:ext cx="4381200" cy="4381200"/>
             <a:chOff x="5303534" y="3118088"/>
             <a:chExt cx="4381200" cy="4381200"/>
@@ -18489,7 +18834,7 @@
         </p:nvCxnSpPr>
         <p:spPr>
           <a:xfrm flipH="1" flipV="1">
-            <a:off x="4819829" y="3025211"/>
+            <a:off x="6155143" y="3083268"/>
             <a:ext cx="2455921" cy="8546"/>
           </a:xfrm>
           <a:prstGeom prst="line">
@@ -18527,8 +18872,720 @@
         </p:nvCxnSpPr>
         <p:spPr>
           <a:xfrm flipV="1">
-            <a:off x="6063525" y="1685644"/>
+            <a:off x="7398839" y="1743701"/>
             <a:ext cx="0" cy="2527433"/>
+          </a:xfrm>
+          <a:prstGeom prst="line">
+            <a:avLst/>
+          </a:prstGeom>
+        </p:spPr>
+        <p:style>
+          <a:lnRef idx="1">
+            <a:schemeClr val="accent1"/>
+          </a:lnRef>
+          <a:fillRef idx="0">
+            <a:schemeClr val="accent1"/>
+          </a:fillRef>
+          <a:effectRef idx="0">
+            <a:schemeClr val="accent1"/>
+          </a:effectRef>
+          <a:fontRef idx="minor">
+            <a:schemeClr val="tx1"/>
+          </a:fontRef>
+        </p:style>
+      </p:cxnSp>
+      <p:pic>
+        <p:nvPicPr>
+          <p:cNvPr id="2" name="Picture 1" descr="A black background with a black square&#10;&#10;Description automatically generated with medium confidence">
+            <a:extLst>
+              <a:ext uri="{FF2B5EF4-FFF2-40B4-BE49-F238E27FC236}">
+                <a16:creationId xmlns:a16="http://schemas.microsoft.com/office/drawing/2014/main" id="{CD6AAA6D-1AEC-01FA-8E97-8439AB3A8B66}"/>
+              </a:ext>
+            </a:extLst>
+          </p:cNvPr>
+          <p:cNvPicPr>
+            <a:picLocks noChangeAspect="1"/>
+          </p:cNvPicPr>
+          <p:nvPr/>
+        </p:nvPicPr>
+        <p:blipFill>
+          <a:blip r:embed="rId5">
+            <a:extLst>
+              <a:ext uri="{28A0092B-C50C-407E-A947-70E740481C1C}">
+                <a14:useLocalDpi xmlns:a14="http://schemas.microsoft.com/office/drawing/2010/main" val="0"/>
+              </a:ext>
+            </a:extLst>
+          </a:blip>
+          <a:stretch>
+            <a:fillRect/>
+          </a:stretch>
+        </p:blipFill>
+        <p:spPr>
+          <a:xfrm>
+            <a:off x="-50075" y="1512135"/>
+            <a:ext cx="2546330" cy="2546330"/>
+          </a:xfrm>
+          <a:prstGeom prst="rect">
+            <a:avLst/>
+          </a:prstGeom>
+        </p:spPr>
+      </p:pic>
+      <p:grpSp>
+        <p:nvGrpSpPr>
+          <p:cNvPr id="4" name="Group 3">
+            <a:extLst>
+              <a:ext uri="{FF2B5EF4-FFF2-40B4-BE49-F238E27FC236}">
+                <a16:creationId xmlns:a16="http://schemas.microsoft.com/office/drawing/2014/main" id="{8272CB64-436E-121B-42DB-716AC3E424AB}"/>
+              </a:ext>
+            </a:extLst>
+          </p:cNvPr>
+          <p:cNvGrpSpPr/>
+          <p:nvPr/>
+        </p:nvGrpSpPr>
+        <p:grpSpPr>
+          <a:xfrm>
+            <a:off x="3365297" y="3616324"/>
+            <a:ext cx="2546330" cy="2546330"/>
+            <a:chOff x="6067516" y="1246076"/>
+            <a:chExt cx="2546330" cy="2546330"/>
+          </a:xfrm>
+        </p:grpSpPr>
+        <p:pic>
+          <p:nvPicPr>
+            <p:cNvPr id="5" name="Picture 4" descr="A black background with a black square&#10;&#10;Description automatically generated with medium confidence">
+              <a:extLst>
+                <a:ext uri="{FF2B5EF4-FFF2-40B4-BE49-F238E27FC236}">
+                  <a16:creationId xmlns:a16="http://schemas.microsoft.com/office/drawing/2014/main" id="{A849F07F-F108-191C-205D-8B94FC0CAEDD}"/>
+                </a:ext>
+              </a:extLst>
+            </p:cNvPr>
+            <p:cNvPicPr>
+              <a:picLocks noChangeAspect="1"/>
+            </p:cNvPicPr>
+            <p:nvPr/>
+          </p:nvPicPr>
+          <p:blipFill>
+            <a:blip r:embed="rId5">
+              <a:extLst>
+                <a:ext uri="{28A0092B-C50C-407E-A947-70E740481C1C}">
+                  <a14:useLocalDpi xmlns:a14="http://schemas.microsoft.com/office/drawing/2010/main" val="0"/>
+                </a:ext>
+              </a:extLst>
+            </a:blip>
+            <a:srcRect/>
+            <a:stretch>
+              <a:fillRect/>
+            </a:stretch>
+          </p:blipFill>
+          <p:spPr>
+            <a:xfrm>
+              <a:off x="6067516" y="1246076"/>
+              <a:ext cx="2546330" cy="2546330"/>
+            </a:xfrm>
+            <a:custGeom>
+              <a:avLst/>
+              <a:gdLst>
+                <a:gd name="connsiteX0" fmla="*/ 743168 w 2546330"/>
+                <a:gd name="connsiteY0" fmla="*/ 760972 h 2546330"/>
+                <a:gd name="connsiteX1" fmla="*/ 743168 w 2546330"/>
+                <a:gd name="connsiteY1" fmla="*/ 1743738 h 2546330"/>
+                <a:gd name="connsiteX2" fmla="*/ 2477965 w 2546330"/>
+                <a:gd name="connsiteY2" fmla="*/ 1743738 h 2546330"/>
+                <a:gd name="connsiteX3" fmla="*/ 2477965 w 2546330"/>
+                <a:gd name="connsiteY3" fmla="*/ 760972 h 2546330"/>
+                <a:gd name="connsiteX4" fmla="*/ 0 w 2546330"/>
+                <a:gd name="connsiteY4" fmla="*/ 0 h 2546330"/>
+                <a:gd name="connsiteX5" fmla="*/ 2546330 w 2546330"/>
+                <a:gd name="connsiteY5" fmla="*/ 0 h 2546330"/>
+                <a:gd name="connsiteX6" fmla="*/ 2546330 w 2546330"/>
+                <a:gd name="connsiteY6" fmla="*/ 2546330 h 2546330"/>
+                <a:gd name="connsiteX7" fmla="*/ 0 w 2546330"/>
+                <a:gd name="connsiteY7" fmla="*/ 2546330 h 2546330"/>
+              </a:gdLst>
+              <a:ahLst/>
+              <a:cxnLst>
+                <a:cxn ang="0">
+                  <a:pos x="connsiteX0" y="connsiteY0"/>
+                </a:cxn>
+                <a:cxn ang="0">
+                  <a:pos x="connsiteX1" y="connsiteY1"/>
+                </a:cxn>
+                <a:cxn ang="0">
+                  <a:pos x="connsiteX2" y="connsiteY2"/>
+                </a:cxn>
+                <a:cxn ang="0">
+                  <a:pos x="connsiteX3" y="connsiteY3"/>
+                </a:cxn>
+                <a:cxn ang="0">
+                  <a:pos x="connsiteX4" y="connsiteY4"/>
+                </a:cxn>
+                <a:cxn ang="0">
+                  <a:pos x="connsiteX5" y="connsiteY5"/>
+                </a:cxn>
+                <a:cxn ang="0">
+                  <a:pos x="connsiteX6" y="connsiteY6"/>
+                </a:cxn>
+                <a:cxn ang="0">
+                  <a:pos x="connsiteX7" y="connsiteY7"/>
+                </a:cxn>
+              </a:cxnLst>
+              <a:rect l="l" t="t" r="r" b="b"/>
+              <a:pathLst>
+                <a:path w="2546330" h="2546330">
+                  <a:moveTo>
+                    <a:pt x="743168" y="760972"/>
+                  </a:moveTo>
+                  <a:lnTo>
+                    <a:pt x="743168" y="1743738"/>
+                  </a:lnTo>
+                  <a:lnTo>
+                    <a:pt x="2477965" y="1743738"/>
+                  </a:lnTo>
+                  <a:lnTo>
+                    <a:pt x="2477965" y="760972"/>
+                  </a:lnTo>
+                  <a:close/>
+                  <a:moveTo>
+                    <a:pt x="0" y="0"/>
+                  </a:moveTo>
+                  <a:lnTo>
+                    <a:pt x="2546330" y="0"/>
+                  </a:lnTo>
+                  <a:lnTo>
+                    <a:pt x="2546330" y="2546330"/>
+                  </a:lnTo>
+                  <a:lnTo>
+                    <a:pt x="0" y="2546330"/>
+                  </a:lnTo>
+                  <a:close/>
+                </a:path>
+              </a:pathLst>
+            </a:custGeom>
+          </p:spPr>
+        </p:pic>
+        <p:pic>
+          <p:nvPicPr>
+            <p:cNvPr id="6" name="Picture 5" descr="A black background with a black square&#10;&#10;Description automatically generated with medium confidence">
+              <a:extLst>
+                <a:ext uri="{FF2B5EF4-FFF2-40B4-BE49-F238E27FC236}">
+                  <a16:creationId xmlns:a16="http://schemas.microsoft.com/office/drawing/2014/main" id="{0D0EEDAF-3E70-B9DE-23E6-C52C02D1AB88}"/>
+                </a:ext>
+              </a:extLst>
+            </p:cNvPr>
+            <p:cNvPicPr>
+              <a:picLocks noChangeAspect="1"/>
+            </p:cNvPicPr>
+            <p:nvPr/>
+          </p:nvPicPr>
+          <p:blipFill>
+            <a:blip r:embed="rId6">
+              <a:extLst>
+                <a:ext uri="{28A0092B-C50C-407E-A947-70E740481C1C}">
+                  <a14:useLocalDpi xmlns:a14="http://schemas.microsoft.com/office/drawing/2010/main" val="0"/>
+                </a:ext>
+              </a:extLst>
+            </a:blip>
+            <a:srcRect l="33686" t="29058" r="34060" b="29057"/>
+            <a:stretch/>
+          </p:blipFill>
+          <p:spPr>
+            <a:xfrm rot="5400000">
+              <a:off x="7034738" y="1903544"/>
+              <a:ext cx="937253" cy="1217109"/>
+            </a:xfrm>
+            <a:custGeom>
+              <a:avLst/>
+              <a:gdLst>
+                <a:gd name="connsiteX0" fmla="*/ 0 w 409575"/>
+                <a:gd name="connsiteY0" fmla="*/ 0 h 531871"/>
+                <a:gd name="connsiteX1" fmla="*/ 409575 w 409575"/>
+                <a:gd name="connsiteY1" fmla="*/ 0 h 531871"/>
+                <a:gd name="connsiteX2" fmla="*/ 409575 w 409575"/>
+                <a:gd name="connsiteY2" fmla="*/ 411212 h 531871"/>
+                <a:gd name="connsiteX3" fmla="*/ 335757 w 409575"/>
+                <a:gd name="connsiteY3" fmla="*/ 411212 h 531871"/>
+                <a:gd name="connsiteX4" fmla="*/ 335757 w 409575"/>
+                <a:gd name="connsiteY4" fmla="*/ 531871 h 531871"/>
+                <a:gd name="connsiteX5" fmla="*/ 0 w 409575"/>
+                <a:gd name="connsiteY5" fmla="*/ 531871 h 531871"/>
+              </a:gdLst>
+              <a:ahLst/>
+              <a:cxnLst>
+                <a:cxn ang="0">
+                  <a:pos x="connsiteX0" y="connsiteY0"/>
+                </a:cxn>
+                <a:cxn ang="0">
+                  <a:pos x="connsiteX1" y="connsiteY1"/>
+                </a:cxn>
+                <a:cxn ang="0">
+                  <a:pos x="connsiteX2" y="connsiteY2"/>
+                </a:cxn>
+                <a:cxn ang="0">
+                  <a:pos x="connsiteX3" y="connsiteY3"/>
+                </a:cxn>
+                <a:cxn ang="0">
+                  <a:pos x="connsiteX4" y="connsiteY4"/>
+                </a:cxn>
+                <a:cxn ang="0">
+                  <a:pos x="connsiteX5" y="connsiteY5"/>
+                </a:cxn>
+              </a:cxnLst>
+              <a:rect l="l" t="t" r="r" b="b"/>
+              <a:pathLst>
+                <a:path w="409575" h="531871">
+                  <a:moveTo>
+                    <a:pt x="0" y="0"/>
+                  </a:moveTo>
+                  <a:lnTo>
+                    <a:pt x="409575" y="0"/>
+                  </a:lnTo>
+                  <a:lnTo>
+                    <a:pt x="409575" y="411212"/>
+                  </a:lnTo>
+                  <a:lnTo>
+                    <a:pt x="335757" y="411212"/>
+                  </a:lnTo>
+                  <a:lnTo>
+                    <a:pt x="335757" y="531871"/>
+                  </a:lnTo>
+                  <a:lnTo>
+                    <a:pt x="0" y="531871"/>
+                  </a:lnTo>
+                  <a:close/>
+                </a:path>
+              </a:pathLst>
+            </a:custGeom>
+          </p:spPr>
+        </p:pic>
+      </p:grpSp>
+      <p:grpSp>
+        <p:nvGrpSpPr>
+          <p:cNvPr id="16" name="Group 15">
+            <a:extLst>
+              <a:ext uri="{FF2B5EF4-FFF2-40B4-BE49-F238E27FC236}">
+                <a16:creationId xmlns:a16="http://schemas.microsoft.com/office/drawing/2014/main" id="{3D2D76CD-EB5A-A244-4439-BC951E319D71}"/>
+              </a:ext>
+            </a:extLst>
+          </p:cNvPr>
+          <p:cNvGrpSpPr/>
+          <p:nvPr/>
+        </p:nvGrpSpPr>
+        <p:grpSpPr>
+          <a:xfrm>
+            <a:off x="3365297" y="476884"/>
+            <a:ext cx="2546330" cy="2546330"/>
+            <a:chOff x="6067516" y="1246076"/>
+            <a:chExt cx="2546330" cy="2546330"/>
+          </a:xfrm>
+        </p:grpSpPr>
+        <p:pic>
+          <p:nvPicPr>
+            <p:cNvPr id="17" name="Picture 16" descr="A black background with a black square&#10;&#10;Description automatically generated with medium confidence">
+              <a:extLst>
+                <a:ext uri="{FF2B5EF4-FFF2-40B4-BE49-F238E27FC236}">
+                  <a16:creationId xmlns:a16="http://schemas.microsoft.com/office/drawing/2014/main" id="{0E1DE10A-720E-BDF8-155D-AEE322EAD3EF}"/>
+                </a:ext>
+              </a:extLst>
+            </p:cNvPr>
+            <p:cNvPicPr>
+              <a:picLocks noChangeAspect="1"/>
+            </p:cNvPicPr>
+            <p:nvPr/>
+          </p:nvPicPr>
+          <p:blipFill>
+            <a:blip r:embed="rId5">
+              <a:extLst>
+                <a:ext uri="{28A0092B-C50C-407E-A947-70E740481C1C}">
+                  <a14:useLocalDpi xmlns:a14="http://schemas.microsoft.com/office/drawing/2010/main" val="0"/>
+                </a:ext>
+              </a:extLst>
+            </a:blip>
+            <a:srcRect/>
+            <a:stretch>
+              <a:fillRect/>
+            </a:stretch>
+          </p:blipFill>
+          <p:spPr>
+            <a:xfrm>
+              <a:off x="6067516" y="1246076"/>
+              <a:ext cx="2546330" cy="2546330"/>
+            </a:xfrm>
+            <a:custGeom>
+              <a:avLst/>
+              <a:gdLst>
+                <a:gd name="connsiteX0" fmla="*/ 743168 w 2546330"/>
+                <a:gd name="connsiteY0" fmla="*/ 760972 h 2546330"/>
+                <a:gd name="connsiteX1" fmla="*/ 743168 w 2546330"/>
+                <a:gd name="connsiteY1" fmla="*/ 1743738 h 2546330"/>
+                <a:gd name="connsiteX2" fmla="*/ 2477965 w 2546330"/>
+                <a:gd name="connsiteY2" fmla="*/ 1743738 h 2546330"/>
+                <a:gd name="connsiteX3" fmla="*/ 2477965 w 2546330"/>
+                <a:gd name="connsiteY3" fmla="*/ 760972 h 2546330"/>
+                <a:gd name="connsiteX4" fmla="*/ 0 w 2546330"/>
+                <a:gd name="connsiteY4" fmla="*/ 0 h 2546330"/>
+                <a:gd name="connsiteX5" fmla="*/ 2546330 w 2546330"/>
+                <a:gd name="connsiteY5" fmla="*/ 0 h 2546330"/>
+                <a:gd name="connsiteX6" fmla="*/ 2546330 w 2546330"/>
+                <a:gd name="connsiteY6" fmla="*/ 2546330 h 2546330"/>
+                <a:gd name="connsiteX7" fmla="*/ 0 w 2546330"/>
+                <a:gd name="connsiteY7" fmla="*/ 2546330 h 2546330"/>
+              </a:gdLst>
+              <a:ahLst/>
+              <a:cxnLst>
+                <a:cxn ang="0">
+                  <a:pos x="connsiteX0" y="connsiteY0"/>
+                </a:cxn>
+                <a:cxn ang="0">
+                  <a:pos x="connsiteX1" y="connsiteY1"/>
+                </a:cxn>
+                <a:cxn ang="0">
+                  <a:pos x="connsiteX2" y="connsiteY2"/>
+                </a:cxn>
+                <a:cxn ang="0">
+                  <a:pos x="connsiteX3" y="connsiteY3"/>
+                </a:cxn>
+                <a:cxn ang="0">
+                  <a:pos x="connsiteX4" y="connsiteY4"/>
+                </a:cxn>
+                <a:cxn ang="0">
+                  <a:pos x="connsiteX5" y="connsiteY5"/>
+                </a:cxn>
+                <a:cxn ang="0">
+                  <a:pos x="connsiteX6" y="connsiteY6"/>
+                </a:cxn>
+                <a:cxn ang="0">
+                  <a:pos x="connsiteX7" y="connsiteY7"/>
+                </a:cxn>
+              </a:cxnLst>
+              <a:rect l="l" t="t" r="r" b="b"/>
+              <a:pathLst>
+                <a:path w="2546330" h="2546330">
+                  <a:moveTo>
+                    <a:pt x="743168" y="760972"/>
+                  </a:moveTo>
+                  <a:lnTo>
+                    <a:pt x="743168" y="1743738"/>
+                  </a:lnTo>
+                  <a:lnTo>
+                    <a:pt x="2477965" y="1743738"/>
+                  </a:lnTo>
+                  <a:lnTo>
+                    <a:pt x="2477965" y="760972"/>
+                  </a:lnTo>
+                  <a:close/>
+                  <a:moveTo>
+                    <a:pt x="0" y="0"/>
+                  </a:moveTo>
+                  <a:lnTo>
+                    <a:pt x="2546330" y="0"/>
+                  </a:lnTo>
+                  <a:lnTo>
+                    <a:pt x="2546330" y="2546330"/>
+                  </a:lnTo>
+                  <a:lnTo>
+                    <a:pt x="0" y="2546330"/>
+                  </a:lnTo>
+                  <a:close/>
+                </a:path>
+              </a:pathLst>
+            </a:custGeom>
+          </p:spPr>
+        </p:pic>
+        <p:pic>
+          <p:nvPicPr>
+            <p:cNvPr id="18" name="Picture 17" descr="A black background with a black square&#10;&#10;Description automatically generated with medium confidence">
+              <a:extLst>
+                <a:ext uri="{FF2B5EF4-FFF2-40B4-BE49-F238E27FC236}">
+                  <a16:creationId xmlns:a16="http://schemas.microsoft.com/office/drawing/2014/main" id="{7A1DA75D-BBD4-8C8A-3DA4-EB8896B0FE15}"/>
+                </a:ext>
+              </a:extLst>
+            </p:cNvPr>
+            <p:cNvPicPr>
+              <a:picLocks noChangeAspect="1"/>
+            </p:cNvPicPr>
+            <p:nvPr/>
+          </p:nvPicPr>
+          <p:blipFill>
+            <a:blip r:embed="rId6">
+              <a:extLst>
+                <a:ext uri="{28A0092B-C50C-407E-A947-70E740481C1C}">
+                  <a14:useLocalDpi xmlns:a14="http://schemas.microsoft.com/office/drawing/2010/main" val="0"/>
+                </a:ext>
+              </a:extLst>
+            </a:blip>
+            <a:srcRect l="33686" t="29058" r="34060" b="29057"/>
+            <a:stretch/>
+          </p:blipFill>
+          <p:spPr>
+            <a:xfrm rot="16200000">
+              <a:off x="7218100" y="1929735"/>
+              <a:ext cx="937253" cy="1217109"/>
+            </a:xfrm>
+            <a:custGeom>
+              <a:avLst/>
+              <a:gdLst>
+                <a:gd name="connsiteX0" fmla="*/ 0 w 409575"/>
+                <a:gd name="connsiteY0" fmla="*/ 0 h 531871"/>
+                <a:gd name="connsiteX1" fmla="*/ 409575 w 409575"/>
+                <a:gd name="connsiteY1" fmla="*/ 0 h 531871"/>
+                <a:gd name="connsiteX2" fmla="*/ 409575 w 409575"/>
+                <a:gd name="connsiteY2" fmla="*/ 411212 h 531871"/>
+                <a:gd name="connsiteX3" fmla="*/ 335757 w 409575"/>
+                <a:gd name="connsiteY3" fmla="*/ 411212 h 531871"/>
+                <a:gd name="connsiteX4" fmla="*/ 335757 w 409575"/>
+                <a:gd name="connsiteY4" fmla="*/ 531871 h 531871"/>
+                <a:gd name="connsiteX5" fmla="*/ 0 w 409575"/>
+                <a:gd name="connsiteY5" fmla="*/ 531871 h 531871"/>
+              </a:gdLst>
+              <a:ahLst/>
+              <a:cxnLst>
+                <a:cxn ang="0">
+                  <a:pos x="connsiteX0" y="connsiteY0"/>
+                </a:cxn>
+                <a:cxn ang="0">
+                  <a:pos x="connsiteX1" y="connsiteY1"/>
+                </a:cxn>
+                <a:cxn ang="0">
+                  <a:pos x="connsiteX2" y="connsiteY2"/>
+                </a:cxn>
+                <a:cxn ang="0">
+                  <a:pos x="connsiteX3" y="connsiteY3"/>
+                </a:cxn>
+                <a:cxn ang="0">
+                  <a:pos x="connsiteX4" y="connsiteY4"/>
+                </a:cxn>
+                <a:cxn ang="0">
+                  <a:pos x="connsiteX5" y="connsiteY5"/>
+                </a:cxn>
+              </a:cxnLst>
+              <a:rect l="l" t="t" r="r" b="b"/>
+              <a:pathLst>
+                <a:path w="409575" h="531871">
+                  <a:moveTo>
+                    <a:pt x="0" y="0"/>
+                  </a:moveTo>
+                  <a:lnTo>
+                    <a:pt x="409575" y="0"/>
+                  </a:lnTo>
+                  <a:lnTo>
+                    <a:pt x="409575" y="411212"/>
+                  </a:lnTo>
+                  <a:lnTo>
+                    <a:pt x="335757" y="411212"/>
+                  </a:lnTo>
+                  <a:lnTo>
+                    <a:pt x="335757" y="531871"/>
+                  </a:lnTo>
+                  <a:lnTo>
+                    <a:pt x="0" y="531871"/>
+                  </a:lnTo>
+                  <a:close/>
+                </a:path>
+              </a:pathLst>
+            </a:custGeom>
+          </p:spPr>
+        </p:pic>
+      </p:grpSp>
+      <p:cxnSp>
+        <p:nvCxnSpPr>
+          <p:cNvPr id="23" name="Straight Connector 22">
+            <a:extLst>
+              <a:ext uri="{FF2B5EF4-FFF2-40B4-BE49-F238E27FC236}">
+                <a16:creationId xmlns:a16="http://schemas.microsoft.com/office/drawing/2014/main" id="{A1ACD192-CD7A-6553-7702-857FF4618C7C}"/>
+              </a:ext>
+            </a:extLst>
+          </p:cNvPr>
+          <p:cNvCxnSpPr>
+            <a:cxnSpLocks/>
+          </p:cNvCxnSpPr>
+          <p:nvPr/>
+        </p:nvCxnSpPr>
+        <p:spPr>
+          <a:xfrm>
+            <a:off x="4893589" y="4302176"/>
+            <a:ext cx="0" cy="1178719"/>
+          </a:xfrm>
+          <a:prstGeom prst="line">
+            <a:avLst/>
+          </a:prstGeom>
+        </p:spPr>
+        <p:style>
+          <a:lnRef idx="1">
+            <a:schemeClr val="accent1"/>
+          </a:lnRef>
+          <a:fillRef idx="0">
+            <a:schemeClr val="accent1"/>
+          </a:fillRef>
+          <a:effectRef idx="0">
+            <a:schemeClr val="accent1"/>
+          </a:effectRef>
+          <a:fontRef idx="minor">
+            <a:schemeClr val="tx1"/>
+          </a:fontRef>
+        </p:style>
+      </p:cxnSp>
+      <p:cxnSp>
+        <p:nvCxnSpPr>
+          <p:cNvPr id="24" name="Straight Connector 23">
+            <a:extLst>
+              <a:ext uri="{FF2B5EF4-FFF2-40B4-BE49-F238E27FC236}">
+                <a16:creationId xmlns:a16="http://schemas.microsoft.com/office/drawing/2014/main" id="{CFE5901E-D2A2-72A2-F17C-B7064452A4EF}"/>
+              </a:ext>
+            </a:extLst>
+          </p:cNvPr>
+          <p:cNvCxnSpPr/>
+          <p:nvPr/>
+        </p:nvCxnSpPr>
+        <p:spPr>
+          <a:xfrm flipV="1">
+            <a:off x="4917781" y="4302176"/>
+            <a:ext cx="0" cy="164306"/>
+          </a:xfrm>
+          <a:prstGeom prst="line">
+            <a:avLst/>
+          </a:prstGeom>
+        </p:spPr>
+        <p:style>
+          <a:lnRef idx="1">
+            <a:schemeClr val="accent1"/>
+          </a:lnRef>
+          <a:fillRef idx="0">
+            <a:schemeClr val="accent1"/>
+          </a:fillRef>
+          <a:effectRef idx="0">
+            <a:schemeClr val="accent1"/>
+          </a:effectRef>
+          <a:fontRef idx="minor">
+            <a:schemeClr val="tx1"/>
+          </a:fontRef>
+        </p:style>
+      </p:cxnSp>
+      <p:cxnSp>
+        <p:nvCxnSpPr>
+          <p:cNvPr id="25" name="Straight Connector 24">
+            <a:extLst>
+              <a:ext uri="{FF2B5EF4-FFF2-40B4-BE49-F238E27FC236}">
+                <a16:creationId xmlns:a16="http://schemas.microsoft.com/office/drawing/2014/main" id="{014AD73B-D48C-CC0A-30A3-D121FF99EAD1}"/>
+              </a:ext>
+            </a:extLst>
+          </p:cNvPr>
+          <p:cNvCxnSpPr/>
+          <p:nvPr/>
+        </p:nvCxnSpPr>
+        <p:spPr>
+          <a:xfrm flipV="1">
+            <a:off x="4917781" y="5316589"/>
+            <a:ext cx="0" cy="164306"/>
+          </a:xfrm>
+          <a:prstGeom prst="line">
+            <a:avLst/>
+          </a:prstGeom>
+        </p:spPr>
+        <p:style>
+          <a:lnRef idx="1">
+            <a:schemeClr val="accent1"/>
+          </a:lnRef>
+          <a:fillRef idx="0">
+            <a:schemeClr val="accent1"/>
+          </a:fillRef>
+          <a:effectRef idx="0">
+            <a:schemeClr val="accent1"/>
+          </a:effectRef>
+          <a:fontRef idx="minor">
+            <a:schemeClr val="tx1"/>
+          </a:fontRef>
+        </p:style>
+      </p:cxnSp>
+      <p:cxnSp>
+        <p:nvCxnSpPr>
+          <p:cNvPr id="26" name="Straight Connector 25">
+            <a:extLst>
+              <a:ext uri="{FF2B5EF4-FFF2-40B4-BE49-F238E27FC236}">
+                <a16:creationId xmlns:a16="http://schemas.microsoft.com/office/drawing/2014/main" id="{A9D043E9-2D11-F554-DC9A-159E7C0704E2}"/>
+              </a:ext>
+            </a:extLst>
+          </p:cNvPr>
+          <p:cNvCxnSpPr>
+            <a:cxnSpLocks/>
+          </p:cNvCxnSpPr>
+          <p:nvPr/>
+        </p:nvCxnSpPr>
+        <p:spPr>
+          <a:xfrm>
+            <a:off x="4893589" y="1161307"/>
+            <a:ext cx="0" cy="1178719"/>
+          </a:xfrm>
+          <a:prstGeom prst="line">
+            <a:avLst/>
+          </a:prstGeom>
+        </p:spPr>
+        <p:style>
+          <a:lnRef idx="1">
+            <a:schemeClr val="accent1"/>
+          </a:lnRef>
+          <a:fillRef idx="0">
+            <a:schemeClr val="accent1"/>
+          </a:fillRef>
+          <a:effectRef idx="0">
+            <a:schemeClr val="accent1"/>
+          </a:effectRef>
+          <a:fontRef idx="minor">
+            <a:schemeClr val="tx1"/>
+          </a:fontRef>
+        </p:style>
+      </p:cxnSp>
+      <p:cxnSp>
+        <p:nvCxnSpPr>
+          <p:cNvPr id="27" name="Straight Connector 26">
+            <a:extLst>
+              <a:ext uri="{FF2B5EF4-FFF2-40B4-BE49-F238E27FC236}">
+                <a16:creationId xmlns:a16="http://schemas.microsoft.com/office/drawing/2014/main" id="{50546511-D4BD-563D-61FF-C94B0579BF4F}"/>
+              </a:ext>
+            </a:extLst>
+          </p:cNvPr>
+          <p:cNvCxnSpPr/>
+          <p:nvPr/>
+        </p:nvCxnSpPr>
+        <p:spPr>
+          <a:xfrm flipV="1">
+            <a:off x="4917781" y="1161307"/>
+            <a:ext cx="0" cy="164306"/>
+          </a:xfrm>
+          <a:prstGeom prst="line">
+            <a:avLst/>
+          </a:prstGeom>
+        </p:spPr>
+        <p:style>
+          <a:lnRef idx="1">
+            <a:schemeClr val="accent1"/>
+          </a:lnRef>
+          <a:fillRef idx="0">
+            <a:schemeClr val="accent1"/>
+          </a:fillRef>
+          <a:effectRef idx="0">
+            <a:schemeClr val="accent1"/>
+          </a:effectRef>
+          <a:fontRef idx="minor">
+            <a:schemeClr val="tx1"/>
+          </a:fontRef>
+        </p:style>
+      </p:cxnSp>
+      <p:cxnSp>
+        <p:nvCxnSpPr>
+          <p:cNvPr id="28" name="Straight Connector 27">
+            <a:extLst>
+              <a:ext uri="{FF2B5EF4-FFF2-40B4-BE49-F238E27FC236}">
+                <a16:creationId xmlns:a16="http://schemas.microsoft.com/office/drawing/2014/main" id="{963A9D78-4EB7-7F15-E4A5-F6CCC53FC0ED}"/>
+              </a:ext>
+            </a:extLst>
+          </p:cNvPr>
+          <p:cNvCxnSpPr/>
+          <p:nvPr/>
+        </p:nvCxnSpPr>
+        <p:spPr>
+          <a:xfrm flipV="1">
+            <a:off x="4917781" y="2175720"/>
+            <a:ext cx="0" cy="164306"/>
           </a:xfrm>
           <a:prstGeom prst="line">
             <a:avLst/>
@@ -22192,12 +23249,544 @@
           <a:chExt cx="0" cy="0"/>
         </a:xfrm>
       </p:grpSpPr>
+      <p:grpSp>
+        <p:nvGrpSpPr>
+          <p:cNvPr id="53" name="Group 52">
+            <a:extLst>
+              <a:ext uri="{FF2B5EF4-FFF2-40B4-BE49-F238E27FC236}">
+                <a16:creationId xmlns:a16="http://schemas.microsoft.com/office/drawing/2014/main" id="{51659CF1-CEE7-3076-364A-AEE5BB0A2D8B}"/>
+              </a:ext>
+            </a:extLst>
+          </p:cNvPr>
+          <p:cNvGrpSpPr/>
+          <p:nvPr/>
+        </p:nvGrpSpPr>
+        <p:grpSpPr>
+          <a:xfrm>
+            <a:off x="-4955413" y="-1465686"/>
+            <a:ext cx="5216400" cy="5217556"/>
+            <a:chOff x="3256974" y="820222"/>
+            <a:chExt cx="5216400" cy="5217556"/>
+          </a:xfrm>
+        </p:grpSpPr>
+        <p:pic>
+          <p:nvPicPr>
+            <p:cNvPr id="19" name="Picture 18" descr="A cartoon of a chess piece&#10;&#10;AI-generated content may be incorrect.">
+              <a:extLst>
+                <a:ext uri="{FF2B5EF4-FFF2-40B4-BE49-F238E27FC236}">
+                  <a16:creationId xmlns:a16="http://schemas.microsoft.com/office/drawing/2014/main" id="{67B44DB9-AB62-1051-9379-573FB3E88A04}"/>
+                </a:ext>
+              </a:extLst>
+            </p:cNvPr>
+            <p:cNvPicPr>
+              <a:picLocks/>
+            </p:cNvPicPr>
+            <p:nvPr/>
+          </p:nvPicPr>
+          <p:blipFill rotWithShape="1">
+            <a:blip r:embed="rId2">
+              <a:clrChange>
+                <a:clrFrom>
+                  <a:srgbClr val="FFFFFF"/>
+                </a:clrFrom>
+                <a:clrTo>
+                  <a:srgbClr val="FFFFFF">
+                    <a:alpha val="0"/>
+                  </a:srgbClr>
+                </a:clrTo>
+              </a:clrChange>
+              <a:extLst>
+                <a:ext uri="{BEBA8EAE-BF5A-486C-A8C5-ECC9F3942E4B}">
+                  <a14:imgProps xmlns:a14="http://schemas.microsoft.com/office/drawing/2010/main">
+                    <a14:imgLayer r:embed="rId3">
+                      <a14:imgEffect>
+                        <a14:backgroundRemoval t="10000" b="90000" l="10000" r="90000">
+                          <a14:foregroundMark x1="51709" y1="18115" x2="51709" y2="18115"/>
+                          <a14:foregroundMark x1="54736" y1="36377" x2="54736" y2="36377"/>
+                          <a14:foregroundMark x1="43555" y1="36670" x2="43555" y2="36670"/>
+                          <a14:foregroundMark x1="47461" y1="36035" x2="47461" y2="36035"/>
+                          <a14:foregroundMark x1="49951" y1="36182" x2="49951" y2="36182"/>
+                          <a14:foregroundMark x1="56445" y1="56396" x2="56445" y2="56396"/>
+                          <a14:foregroundMark x1="47607" y1="72754" x2="47607" y2="72754"/>
+                          <a14:foregroundMark x1="38379" y1="75098" x2="38379" y2="75098"/>
+                          <a14:foregroundMark x1="33740" y1="82959" x2="33740" y2="82959"/>
+                          <a14:foregroundMark x1="39111" y1="24951" x2="39111" y2="24951"/>
+                          <a14:foregroundMark x1="40771" y1="25244" x2="40771" y2="25244"/>
+                          <a14:foregroundMark x1="43896" y1="26270" x2="43896" y2="26270"/>
+                          <a14:foregroundMark x1="41992" y1="25537" x2="41992" y2="25537"/>
+                          <a14:foregroundMark x1="37061" y1="25684" x2="37061" y2="25684"/>
+                          <a14:foregroundMark x1="35645" y1="26465" x2="35645" y2="26465"/>
+                          <a14:foregroundMark x1="36182" y1="25928" x2="36182" y2="25928"/>
+                          <a14:foregroundMark x1="41357" y1="25391" x2="41357" y2="25391"/>
+                          <a14:foregroundMark x1="39648" y1="24512" x2="39648" y2="24512"/>
+                          <a14:foregroundMark x1="47461" y1="50244" x2="47461" y2="50244"/>
+                          <a14:foregroundMark x1="50195" y1="20557" x2="50195" y2="20557"/>
+                          <a14:foregroundMark x1="52783" y1="15869" x2="52783" y2="15869"/>
+                          <a14:foregroundMark x1="53223" y1="15918" x2="53223" y2="15918"/>
+                          <a14:foregroundMark x1="53125" y1="16162" x2="53125" y2="16162"/>
+                          <a14:foregroundMark x1="57422" y1="11670" x2="57422" y2="11670"/>
+                          <a14:foregroundMark x1="57080" y1="13086" x2="57080" y2="13086"/>
+                          <a14:foregroundMark x1="57715" y1="13965" x2="57715" y2="13965"/>
+                          <a14:foregroundMark x1="56104" y1="11426" x2="56104" y2="11426"/>
+                          <a14:foregroundMark x1="52051" y1="16748" x2="52051" y2="16748"/>
+                          <a14:foregroundMark x1="51563" y1="15479" x2="51563" y2="15479"/>
+                          <a14:foregroundMark x1="43799" y1="44189" x2="43799" y2="44189"/>
+                          <a14:foregroundMark x1="43896" y1="38281" x2="43896" y2="38281"/>
+                          <a14:foregroundMark x1="43994" y1="38281" x2="43994" y2="38281"/>
+                          <a14:foregroundMark x1="40137" y1="25049" x2="40137" y2="25049"/>
+                          <a14:foregroundMark x1="42480" y1="25635" x2="43018" y2="25879"/>
+                          <a14:foregroundMark x1="44092" y1="26270" x2="44092" y2="26270"/>
+                          <a14:foregroundMark x1="43750" y1="26270" x2="43750" y2="26270"/>
+                          <a14:foregroundMark x1="43848" y1="26221" x2="43848" y2="26221"/>
+                          <a14:foregroundMark x1="43848" y1="26318" x2="43848" y2="26318"/>
+                          <a14:foregroundMark x1="40137" y1="25146" x2="40137" y2="25146"/>
+                          <a14:foregroundMark x1="40088" y1="25098" x2="40088" y2="25098"/>
+                          <a14:foregroundMark x1="40088" y1="25049" x2="40088" y2="25049"/>
+                          <a14:foregroundMark x1="40137" y1="25049" x2="40234" y2="25049"/>
+                          <a14:foregroundMark x1="40430" y1="25879" x2="40430" y2="25879"/>
+                          <a14:foregroundMark x1="40186" y1="25781" x2="40186" y2="25781"/>
+                          <a14:foregroundMark x1="40186" y1="25830" x2="40332" y2="25781"/>
+                          <a14:foregroundMark x1="37891" y1="25195" x2="37891" y2="25195"/>
+                          <a14:foregroundMark x1="40723" y1="24463" x2="40723" y2="24463"/>
+                          <a14:foregroundMark x1="43750" y1="26318" x2="43750" y2="26318"/>
+                          <a14:foregroundMark x1="43896" y1="26318" x2="43896" y2="26318"/>
+                          <a14:foregroundMark x1="43799" y1="26270" x2="43799" y2="26270"/>
+                          <a14:foregroundMark x1="43799" y1="26270" x2="43799" y2="26270"/>
+                          <a14:foregroundMark x1="43799" y1="26172" x2="43896" y2="26318"/>
+                          <a14:foregroundMark x1="49023" y1="44434" x2="49023" y2="44434"/>
+                          <a14:foregroundMark x1="48975" y1="44434" x2="48975" y2="44434"/>
+                          <a14:foregroundMark x1="49072" y1="44482" x2="49072" y2="44482"/>
+                          <a14:foregroundMark x1="49072" y1="44531" x2="49072" y2="44531"/>
+                          <a14:foregroundMark x1="45752" y1="45117" x2="45752" y2="45117"/>
+                          <a14:foregroundMark x1="44336" y1="62842" x2="44336" y2="62842"/>
+                          <a14:foregroundMark x1="44580" y1="61816" x2="44580" y2="61816"/>
+                          <a14:foregroundMark x1="40186" y1="23975" x2="40186" y2="23975"/>
+                          <a14:backgroundMark x1="46191" y1="47266" x2="46484" y2="46729"/>
+                          <a14:backgroundMark x1="47412" y1="45557" x2="47412" y2="45557"/>
+                          <a14:backgroundMark x1="47070" y1="45459" x2="47070" y2="45459"/>
+                          <a14:backgroundMark x1="47314" y1="44092" x2="47314" y2="44092"/>
+                          <a14:backgroundMark x1="44434" y1="44385" x2="44434" y2="44385"/>
+                          <a14:backgroundMark x1="43359" y1="44922" x2="43359" y2="44922"/>
+                          <a14:backgroundMark x1="40479" y1="48438" x2="40479" y2="48438"/>
+                          <a14:backgroundMark x1="40625" y1="47461" x2="40625" y2="47461"/>
+                          <a14:backgroundMark x1="40820" y1="50000" x2="40820" y2="50000"/>
+                          <a14:backgroundMark x1="42432" y1="52002" x2="42432" y2="52002"/>
+                          <a14:backgroundMark x1="41748" y1="53223" x2="41748" y2="53223"/>
+                          <a14:backgroundMark x1="44482" y1="52490" x2="44482" y2="52490"/>
+                          <a14:backgroundMark x1="45410" y1="52490" x2="45410" y2="52490"/>
+                          <a14:backgroundMark x1="45361" y1="50928" x2="45361" y2="50928"/>
+                          <a14:backgroundMark x1="47168" y1="51074" x2="47168" y2="51074"/>
+                          <a14:backgroundMark x1="38281" y1="25830" x2="38281" y2="25830"/>
+                          <a14:backgroundMark x1="36768" y1="26416" x2="36768" y2="26416"/>
+                          <a14:backgroundMark x1="35742" y1="27051" x2="35742" y2="27051"/>
+                          <a14:backgroundMark x1="37402" y1="26123" x2="37402" y2="26123"/>
+                          <a14:backgroundMark x1="41162" y1="25732" x2="41162" y2="25732"/>
+                          <a14:backgroundMark x1="41260" y1="24854" x2="41260" y2="24854"/>
+                          <a14:backgroundMark x1="49756" y1="44287" x2="49756" y2="44287"/>
+                          <a14:backgroundMark x1="54492" y1="38672" x2="54492" y2="38672"/>
+                          <a14:backgroundMark x1="55322" y1="41699" x2="55566" y2="41943"/>
+                          <a14:backgroundMark x1="53418" y1="40869" x2="53711" y2="40869"/>
+                          <a14:backgroundMark x1="53613" y1="38232" x2="53613" y2="38232"/>
+                          <a14:backgroundMark x1="53711" y1="39063" x2="53711" y2="39063"/>
+                          <a14:backgroundMark x1="54248" y1="38623" x2="54248" y2="38623"/>
+                          <a14:backgroundMark x1="48438" y1="16992" x2="48438" y2="16992"/>
+                          <a14:backgroundMark x1="48096" y1="18213" x2="48096" y2="18213"/>
+                          <a14:backgroundMark x1="49658" y1="18604" x2="49658" y2="18604"/>
+                          <a14:backgroundMark x1="49121" y1="19678" x2="49121" y2="19678"/>
+                          <a14:backgroundMark x1="50781" y1="19971" x2="50781" y2="19971"/>
+                          <a14:backgroundMark x1="50684" y1="21094" x2="50684" y2="21094"/>
+                          <a14:backgroundMark x1="49658" y1="21436" x2="49658" y2="21436"/>
+                          <a14:backgroundMark x1="47998" y1="21045" x2="47998" y2="21045"/>
+                          <a14:backgroundMark x1="47656" y1="22168" x2="47656" y2="22168"/>
+                          <a14:backgroundMark x1="50537" y1="22754" x2="50537" y2="22754"/>
+                          <a14:backgroundMark x1="49365" y1="19727" x2="49365" y2="19727"/>
+                          <a14:backgroundMark x1="52832" y1="16455" x2="52832" y2="16455"/>
+                          <a14:backgroundMark x1="53125" y1="15869" x2="53125" y2="15869"/>
+                          <a14:backgroundMark x1="52930" y1="16162" x2="52930" y2="16162"/>
+                          <a14:backgroundMark x1="56592" y1="12305" x2="56592" y2="12305"/>
+                          <a14:backgroundMark x1="58301" y1="14160" x2="58301" y2="14160"/>
+                          <a14:backgroundMark x1="57910" y1="13672" x2="57910" y2="13672"/>
+                          <a14:backgroundMark x1="57764" y1="13525" x2="57764" y2="13525"/>
+                          <a14:backgroundMark x1="55811" y1="12158" x2="55811" y2="12158"/>
+                          <a14:backgroundMark x1="51904" y1="16211" x2="51904" y2="16211"/>
+                          <a14:backgroundMark x1="50977" y1="16016" x2="50977" y2="16016"/>
+                          <a14:backgroundMark x1="54150" y1="39160" x2="56055" y2="39551"/>
+                          <a14:backgroundMark x1="53418" y1="38574" x2="53809" y2="38818"/>
+                          <a14:backgroundMark x1="44531" y1="38672" x2="42871" y2="39502"/>
+                          <a14:backgroundMark x1="44531" y1="38623" x2="44531" y2="38623"/>
+                          <a14:backgroundMark x1="44434" y1="38525" x2="44434" y2="38525"/>
+                          <a14:backgroundMark x1="44043" y1="38477" x2="43945" y2="38428"/>
+                          <a14:backgroundMark x1="62695" y1="29395" x2="62695" y2="29395"/>
+                          <a14:backgroundMark x1="43066" y1="26270" x2="43066" y2="26270"/>
+                          <a14:backgroundMark x1="38867" y1="25586" x2="38867" y2="25586"/>
+                          <a14:backgroundMark x1="40186" y1="25635" x2="40186" y2="25635"/>
+                          <a14:backgroundMark x1="40625" y1="24951" x2="40625" y2="24951"/>
+                          <a14:backgroundMark x1="40283" y1="24902" x2="40283" y2="24902"/>
+                          <a14:backgroundMark x1="40088" y1="24951" x2="40088" y2="24951"/>
+                          <a14:backgroundMark x1="40430" y1="25635" x2="40430" y2="25635"/>
+                          <a14:backgroundMark x1="43701" y1="26514" x2="43701" y2="26514"/>
+                          <a14:backgroundMark x1="43750" y1="26514" x2="43750" y2="26514"/>
+                          <a14:backgroundMark x1="43701" y1="26367" x2="43701" y2="26367"/>
+                          <a14:backgroundMark x1="43799" y1="26465" x2="43799" y2="26465"/>
+                          <a14:backgroundMark x1="48535" y1="44531" x2="48535" y2="44531"/>
+                          <a14:backgroundMark x1="48730" y1="44434" x2="48730" y2="44434"/>
+                          <a14:backgroundMark x1="48779" y1="44482" x2="48779" y2="44482"/>
+                          <a14:backgroundMark x1="45752" y1="61230" x2="45313" y2="61719"/>
+                          <a14:backgroundMark x1="48730" y1="44727" x2="48730" y2="44727"/>
+                          <a14:backgroundMark x1="48682" y1="44629" x2="48682" y2="44629"/>
+                          <a14:backgroundMark x1="40039" y1="23730" x2="40039" y2="23730"/>
+                          <a14:backgroundMark x1="39990" y1="23779" x2="39990" y2="23779"/>
+                          <a14:backgroundMark x1="39893" y1="22656" x2="39746" y2="23633"/>
+                          <a14:backgroundMark x1="39990" y1="23828" x2="39990" y2="23828"/>
+                          <a14:backgroundMark x1="40381" y1="24951" x2="40381" y2="24951"/>
+                          <a14:backgroundMark x1="40137" y1="23828" x2="40137" y2="23828"/>
+                          <a14:backgroundMark x1="39990" y1="23828" x2="39990" y2="23828"/>
+                          <a14:backgroundMark x1="40088" y1="23828" x2="40088" y2="23730"/>
+                          <a14:backgroundMark x1="48779" y1="44482" x2="48779" y2="44482"/>
+                          <a14:backgroundMark x1="48779" y1="44531" x2="48779" y2="44531"/>
+                          <a14:backgroundMark x1="48779" y1="44629" x2="48779" y2="44629"/>
+                          <a14:backgroundMark x1="48682" y1="44873" x2="48682" y2="44629"/>
+                          <a14:backgroundMark x1="48682" y1="44922" x2="48682" y2="44922"/>
+                          <a14:backgroundMark x1="48730" y1="45020" x2="48730" y2="45020"/>
+                          <a14:backgroundMark x1="48682" y1="45020" x2="48682" y2="45020"/>
+                          <a14:backgroundMark x1="48633" y1="45117" x2="48633" y2="45117"/>
+                          <a14:backgroundMark x1="48730" y1="45020" x2="48730" y2="45020"/>
+                        </a14:backgroundRemoval>
+                      </a14:imgEffect>
+                    </a14:imgLayer>
+                  </a14:imgProps>
+                </a:ext>
+                <a:ext uri="{28A0092B-C50C-407E-A947-70E740481C1C}">
+                  <a14:useLocalDpi xmlns:a14="http://schemas.microsoft.com/office/drawing/2010/main" val="0"/>
+                </a:ext>
+              </a:extLst>
+            </a:blip>
+            <a:srcRect l="11770" t="10499" r="13077" b="13421"/>
+            <a:stretch/>
+          </p:blipFill>
+          <p:spPr>
+            <a:xfrm>
+              <a:off x="3256974" y="820222"/>
+              <a:ext cx="5216400" cy="5217556"/>
+            </a:xfrm>
+            <a:prstGeom prst="rect">
+              <a:avLst/>
+            </a:prstGeom>
+          </p:spPr>
+        </p:pic>
+        <mc:AlternateContent xmlns:mc="http://schemas.openxmlformats.org/markup-compatibility/2006" xmlns:p14="http://schemas.microsoft.com/office/powerpoint/2010/main">
+          <mc:Choice Requires="p14">
+            <p:contentPart p14:bwMode="auto" r:id="rId4">
+              <p14:nvContentPartPr>
+                <p14:cNvPr id="43" name="Ink 42">
+                  <a:extLst>
+                    <a:ext uri="{FF2B5EF4-FFF2-40B4-BE49-F238E27FC236}">
+                      <a16:creationId xmlns:a16="http://schemas.microsoft.com/office/drawing/2014/main" id="{A257B534-0158-16DB-D7CA-C62BE9CA22F3}"/>
+                    </a:ext>
+                  </a:extLst>
+                </p14:cNvPr>
+                <p14:cNvContentPartPr/>
+                <p14:nvPr/>
+              </p14:nvContentPartPr>
+              <p14:xfrm>
+                <a:off x="5933885" y="1161905"/>
+                <a:ext cx="360" cy="360"/>
+              </p14:xfrm>
+            </p:contentPart>
+          </mc:Choice>
+          <mc:Fallback xmlns="">
+            <p:pic>
+              <p:nvPicPr>
+                <p:cNvPr id="43" name="Ink 42">
+                  <a:extLst>
+                    <a:ext uri="{FF2B5EF4-FFF2-40B4-BE49-F238E27FC236}">
+                      <a16:creationId xmlns:a16="http://schemas.microsoft.com/office/drawing/2014/main" id="{A257B534-0158-16DB-D7CA-C62BE9CA22F3}"/>
+                    </a:ext>
+                  </a:extLst>
+                </p:cNvPr>
+                <p:cNvPicPr/>
+                <p:nvPr/>
+              </p:nvPicPr>
+              <p:blipFill>
+                <a:blip r:embed="rId5"/>
+                <a:stretch>
+                  <a:fillRect/>
+                </a:stretch>
+              </p:blipFill>
+              <p:spPr>
+                <a:xfrm>
+                  <a:off x="5915885" y="1143905"/>
+                  <a:ext cx="36000" cy="36000"/>
+                </a:xfrm>
+                <a:prstGeom prst="rect">
+                  <a:avLst/>
+                </a:prstGeom>
+              </p:spPr>
+            </p:pic>
+          </mc:Fallback>
+        </mc:AlternateContent>
+        <mc:AlternateContent xmlns:mc="http://schemas.openxmlformats.org/markup-compatibility/2006" xmlns:p14="http://schemas.microsoft.com/office/powerpoint/2010/main">
+          <mc:Choice Requires="p14">
+            <p:contentPart p14:bwMode="auto" r:id="rId6">
+              <p14:nvContentPartPr>
+                <p14:cNvPr id="44" name="Ink 43">
+                  <a:extLst>
+                    <a:ext uri="{FF2B5EF4-FFF2-40B4-BE49-F238E27FC236}">
+                      <a16:creationId xmlns:a16="http://schemas.microsoft.com/office/drawing/2014/main" id="{BE54B6CE-5E26-3789-6DAA-DC68D4E3F7E7}"/>
+                    </a:ext>
+                  </a:extLst>
+                </p14:cNvPr>
+                <p14:cNvContentPartPr/>
+                <p14:nvPr/>
+              </p14:nvContentPartPr>
+              <p14:xfrm>
+                <a:off x="6140165" y="1212665"/>
+                <a:ext cx="360" cy="360"/>
+              </p14:xfrm>
+            </p:contentPart>
+          </mc:Choice>
+          <mc:Fallback xmlns="">
+            <p:pic>
+              <p:nvPicPr>
+                <p:cNvPr id="44" name="Ink 43">
+                  <a:extLst>
+                    <a:ext uri="{FF2B5EF4-FFF2-40B4-BE49-F238E27FC236}">
+                      <a16:creationId xmlns:a16="http://schemas.microsoft.com/office/drawing/2014/main" id="{BE54B6CE-5E26-3789-6DAA-DC68D4E3F7E7}"/>
+                    </a:ext>
+                  </a:extLst>
+                </p:cNvPr>
+                <p:cNvPicPr/>
+                <p:nvPr/>
+              </p:nvPicPr>
+              <p:blipFill>
+                <a:blip r:embed="rId5"/>
+                <a:stretch>
+                  <a:fillRect/>
+                </a:stretch>
+              </p:blipFill>
+              <p:spPr>
+                <a:xfrm>
+                  <a:off x="6122525" y="1194665"/>
+                  <a:ext cx="36000" cy="36000"/>
+                </a:xfrm>
+                <a:prstGeom prst="rect">
+                  <a:avLst/>
+                </a:prstGeom>
+              </p:spPr>
+            </p:pic>
+          </mc:Fallback>
+        </mc:AlternateContent>
+        <mc:AlternateContent xmlns:mc="http://schemas.openxmlformats.org/markup-compatibility/2006" xmlns:p14="http://schemas.microsoft.com/office/powerpoint/2010/main">
+          <mc:Choice Requires="p14">
+            <p:contentPart p14:bwMode="auto" r:id="rId7">
+              <p14:nvContentPartPr>
+                <p14:cNvPr id="45" name="Ink 44">
+                  <a:extLst>
+                    <a:ext uri="{FF2B5EF4-FFF2-40B4-BE49-F238E27FC236}">
+                      <a16:creationId xmlns:a16="http://schemas.microsoft.com/office/drawing/2014/main" id="{EC6869C1-E19F-9D67-1362-95CC7CBEDED3}"/>
+                    </a:ext>
+                  </a:extLst>
+                </p14:cNvPr>
+                <p14:cNvContentPartPr/>
+                <p14:nvPr/>
+              </p14:nvContentPartPr>
+              <p14:xfrm>
+                <a:off x="6010205" y="1222025"/>
+                <a:ext cx="360" cy="360"/>
+              </p14:xfrm>
+            </p:contentPart>
+          </mc:Choice>
+          <mc:Fallback xmlns="">
+            <p:pic>
+              <p:nvPicPr>
+                <p:cNvPr id="45" name="Ink 44">
+                  <a:extLst>
+                    <a:ext uri="{FF2B5EF4-FFF2-40B4-BE49-F238E27FC236}">
+                      <a16:creationId xmlns:a16="http://schemas.microsoft.com/office/drawing/2014/main" id="{EC6869C1-E19F-9D67-1362-95CC7CBEDED3}"/>
+                    </a:ext>
+                  </a:extLst>
+                </p:cNvPr>
+                <p:cNvPicPr/>
+                <p:nvPr/>
+              </p:nvPicPr>
+              <p:blipFill>
+                <a:blip r:embed="rId8"/>
+                <a:stretch>
+                  <a:fillRect/>
+                </a:stretch>
+              </p:blipFill>
+              <p:spPr>
+                <a:xfrm>
+                  <a:off x="6004085" y="1215905"/>
+                  <a:ext cx="12600" cy="12600"/>
+                </a:xfrm>
+                <a:prstGeom prst="rect">
+                  <a:avLst/>
+                </a:prstGeom>
+              </p:spPr>
+            </p:pic>
+          </mc:Fallback>
+        </mc:AlternateContent>
+        <mc:AlternateContent xmlns:mc="http://schemas.openxmlformats.org/markup-compatibility/2006" xmlns:p14="http://schemas.microsoft.com/office/powerpoint/2010/main">
+          <mc:Choice Requires="p14">
+            <p:contentPart p14:bwMode="auto" r:id="rId9">
+              <p14:nvContentPartPr>
+                <p14:cNvPr id="48" name="Ink 47">
+                  <a:extLst>
+                    <a:ext uri="{FF2B5EF4-FFF2-40B4-BE49-F238E27FC236}">
+                      <a16:creationId xmlns:a16="http://schemas.microsoft.com/office/drawing/2014/main" id="{7FD8B3E1-07D7-4617-1530-7FA45D0527E7}"/>
+                    </a:ext>
+                  </a:extLst>
+                </p14:cNvPr>
+                <p14:cNvContentPartPr/>
+                <p14:nvPr/>
+              </p14:nvContentPartPr>
+              <p14:xfrm>
+                <a:off x="5858285" y="1320665"/>
+                <a:ext cx="94680" cy="62640"/>
+              </p14:xfrm>
+            </p:contentPart>
+          </mc:Choice>
+          <mc:Fallback xmlns="">
+            <p:pic>
+              <p:nvPicPr>
+                <p:cNvPr id="48" name="Ink 47">
+                  <a:extLst>
+                    <a:ext uri="{FF2B5EF4-FFF2-40B4-BE49-F238E27FC236}">
+                      <a16:creationId xmlns:a16="http://schemas.microsoft.com/office/drawing/2014/main" id="{7FD8B3E1-07D7-4617-1530-7FA45D0527E7}"/>
+                    </a:ext>
+                  </a:extLst>
+                </p:cNvPr>
+                <p:cNvPicPr/>
+                <p:nvPr/>
+              </p:nvPicPr>
+              <p:blipFill>
+                <a:blip r:embed="rId10"/>
+                <a:stretch>
+                  <a:fillRect/>
+                </a:stretch>
+              </p:blipFill>
+              <p:spPr>
+                <a:xfrm>
+                  <a:off x="5840645" y="1302665"/>
+                  <a:ext cx="130320" cy="98280"/>
+                </a:xfrm>
+                <a:prstGeom prst="rect">
+                  <a:avLst/>
+                </a:prstGeom>
+              </p:spPr>
+            </p:pic>
+          </mc:Fallback>
+        </mc:AlternateContent>
+        <mc:AlternateContent xmlns:mc="http://schemas.openxmlformats.org/markup-compatibility/2006" xmlns:p14="http://schemas.microsoft.com/office/powerpoint/2010/main">
+          <mc:Choice Requires="p14">
+            <p:contentPart p14:bwMode="auto" r:id="rId11">
+              <p14:nvContentPartPr>
+                <p14:cNvPr id="50" name="Ink 49">
+                  <a:extLst>
+                    <a:ext uri="{FF2B5EF4-FFF2-40B4-BE49-F238E27FC236}">
+                      <a16:creationId xmlns:a16="http://schemas.microsoft.com/office/drawing/2014/main" id="{F5E73B2E-0B87-FFA7-2273-F59202B73EFC}"/>
+                    </a:ext>
+                  </a:extLst>
+                </p14:cNvPr>
+                <p14:cNvContentPartPr/>
+                <p14:nvPr/>
+              </p14:nvContentPartPr>
+              <p14:xfrm>
+                <a:off x="5719685" y="1491305"/>
+                <a:ext cx="68760" cy="72000"/>
+              </p14:xfrm>
+            </p:contentPart>
+          </mc:Choice>
+          <mc:Fallback xmlns="">
+            <p:pic>
+              <p:nvPicPr>
+                <p:cNvPr id="50" name="Ink 49">
+                  <a:extLst>
+                    <a:ext uri="{FF2B5EF4-FFF2-40B4-BE49-F238E27FC236}">
+                      <a16:creationId xmlns:a16="http://schemas.microsoft.com/office/drawing/2014/main" id="{F5E73B2E-0B87-FFA7-2273-F59202B73EFC}"/>
+                    </a:ext>
+                  </a:extLst>
+                </p:cNvPr>
+                <p:cNvPicPr/>
+                <p:nvPr/>
+              </p:nvPicPr>
+              <p:blipFill>
+                <a:blip r:embed="rId12"/>
+                <a:stretch>
+                  <a:fillRect/>
+                </a:stretch>
+              </p:blipFill>
+              <p:spPr>
+                <a:xfrm>
+                  <a:off x="5702045" y="1473305"/>
+                  <a:ext cx="104400" cy="107640"/>
+                </a:xfrm>
+                <a:prstGeom prst="rect">
+                  <a:avLst/>
+                </a:prstGeom>
+              </p:spPr>
+            </p:pic>
+          </mc:Fallback>
+        </mc:AlternateContent>
+        <mc:AlternateContent xmlns:mc="http://schemas.openxmlformats.org/markup-compatibility/2006" xmlns:p14="http://schemas.microsoft.com/office/powerpoint/2010/main">
+          <mc:Choice Requires="p14">
+            <p:contentPart p14:bwMode="auto" r:id="rId13">
+              <p14:nvContentPartPr>
+                <p14:cNvPr id="52" name="Ink 51">
+                  <a:extLst>
+                    <a:ext uri="{FF2B5EF4-FFF2-40B4-BE49-F238E27FC236}">
+                      <a16:creationId xmlns:a16="http://schemas.microsoft.com/office/drawing/2014/main" id="{0A3B0297-0506-7107-1594-BC451C36AAF9}"/>
+                    </a:ext>
+                  </a:extLst>
+                </p14:cNvPr>
+                <p14:cNvContentPartPr/>
+                <p14:nvPr/>
+              </p14:nvContentPartPr>
+              <p14:xfrm>
+                <a:off x="5927405" y="1529465"/>
+                <a:ext cx="82080" cy="68040"/>
+              </p14:xfrm>
+            </p:contentPart>
+          </mc:Choice>
+          <mc:Fallback xmlns="">
+            <p:pic>
+              <p:nvPicPr>
+                <p:cNvPr id="52" name="Ink 51">
+                  <a:extLst>
+                    <a:ext uri="{FF2B5EF4-FFF2-40B4-BE49-F238E27FC236}">
+                      <a16:creationId xmlns:a16="http://schemas.microsoft.com/office/drawing/2014/main" id="{0A3B0297-0506-7107-1594-BC451C36AAF9}"/>
+                    </a:ext>
+                  </a:extLst>
+                </p:cNvPr>
+                <p:cNvPicPr/>
+                <p:nvPr/>
+              </p:nvPicPr>
+              <p:blipFill>
+                <a:blip r:embed="rId14"/>
+                <a:stretch>
+                  <a:fillRect/>
+                </a:stretch>
+              </p:blipFill>
+              <p:spPr>
+                <a:xfrm>
+                  <a:off x="5909765" y="1511465"/>
+                  <a:ext cx="117720" cy="103680"/>
+                </a:xfrm>
+                <a:prstGeom prst="rect">
+                  <a:avLst/>
+                </a:prstGeom>
+              </p:spPr>
+            </p:pic>
+          </mc:Fallback>
+        </mc:AlternateContent>
+      </p:grpSp>
       <p:pic>
         <p:nvPicPr>
-          <p:cNvPr id="9" name="Picture 8" descr="A black background with a black square&#10;&#10;Description automatically generated with medium confidence">
+          <p:cNvPr id="2" name="Picture 1" descr="A cartoon of a chess piece&#10;&#10;AI-generated content may be incorrect.">
             <a:extLst>
               <a:ext uri="{FF2B5EF4-FFF2-40B4-BE49-F238E27FC236}">
-                <a16:creationId xmlns:a16="http://schemas.microsoft.com/office/drawing/2014/main" id="{CD6AAA6D-1AEC-01FA-8E97-8439AB3A8B66}"/>
+                <a16:creationId xmlns:a16="http://schemas.microsoft.com/office/drawing/2014/main" id="{5931C979-63AE-898D-1830-D23C101312BD}"/>
               </a:ext>
             </a:extLst>
           </p:cNvPr>
@@ -22206,22 +23795,34 @@
           </p:cNvPicPr>
           <p:nvPr/>
         </p:nvPicPr>
-        <p:blipFill>
-          <a:blip r:embed="rId2">
-            <a:extLst>
+        <p:blipFill rotWithShape="1">
+          <a:blip r:embed="rId15">
+            <a:extLst>
+              <a:ext uri="{BEBA8EAE-BF5A-486C-A8C5-ECC9F3942E4B}">
+                <a14:imgProps xmlns:a14="http://schemas.microsoft.com/office/drawing/2010/main">
+                  <a14:imgLayer r:embed="rId16">
+                    <a14:imgEffect>
+                      <a14:backgroundRemoval t="1389" b="89815" l="9983" r="89931">
+                        <a14:foregroundMark x1="31076" y1="9877" x2="31076" y2="9877"/>
+                        <a14:foregroundMark x1="32292" y1="6790" x2="32292" y2="6790"/>
+                        <a14:foregroundMark x1="29340" y1="1389" x2="29340" y2="1389"/>
+                      </a14:backgroundRemoval>
+                    </a14:imgEffect>
+                  </a14:imgLayer>
+                </a14:imgProps>
+              </a:ext>
               <a:ext uri="{28A0092B-C50C-407E-A947-70E740481C1C}">
                 <a14:useLocalDpi xmlns:a14="http://schemas.microsoft.com/office/drawing/2010/main" val="0"/>
               </a:ext>
             </a:extLst>
           </a:blip>
-          <a:stretch>
-            <a:fillRect/>
-          </a:stretch>
+          <a:srcRect l="12295" t="586" r="60395" b="11102"/>
+          <a:stretch/>
         </p:blipFill>
         <p:spPr>
           <a:xfrm>
-            <a:off x="489192" y="1397802"/>
-            <a:ext cx="2546330" cy="2546330"/>
+            <a:off x="-4740511" y="3910270"/>
+            <a:ext cx="2537609" cy="4686039"/>
           </a:xfrm>
           <a:prstGeom prst="rect">
             <a:avLst/>
@@ -22230,10 +23831,10 @@
       </p:pic>
       <p:grpSp>
         <p:nvGrpSpPr>
-          <p:cNvPr id="11" name="Group 10">
+          <p:cNvPr id="9" name="Group 8">
             <a:extLst>
               <a:ext uri="{FF2B5EF4-FFF2-40B4-BE49-F238E27FC236}">
-                <a16:creationId xmlns:a16="http://schemas.microsoft.com/office/drawing/2014/main" id="{8272CB64-436E-121B-42DB-716AC3E424AB}"/>
+                <a16:creationId xmlns:a16="http://schemas.microsoft.com/office/drawing/2014/main" id="{C60644DB-326D-8A40-F0F0-4D8007006ED3}"/>
               </a:ext>
             </a:extLst>
           </p:cNvPr>
@@ -22242,18 +23843,382 @@
         </p:nvGrpSpPr>
         <p:grpSpPr>
           <a:xfrm>
-            <a:off x="3904564" y="3501991"/>
-            <a:ext cx="2546330" cy="2546330"/>
-            <a:chOff x="6067516" y="1246076"/>
-            <a:chExt cx="2546330" cy="2546330"/>
+            <a:off x="-2245244" y="4119820"/>
+            <a:ext cx="2687317" cy="4476489"/>
+            <a:chOff x="888473" y="823483"/>
+            <a:chExt cx="2687317" cy="4476489"/>
           </a:xfrm>
         </p:grpSpPr>
         <p:pic>
           <p:nvPicPr>
-            <p:cNvPr id="12" name="Picture 11" descr="A black background with a black square&#10;&#10;Description automatically generated with medium confidence">
+            <p:cNvPr id="11" name="Picture 10" descr="A cartoon of a chess piece&#10;&#10;AI-generated content may be incorrect.">
               <a:extLst>
                 <a:ext uri="{FF2B5EF4-FFF2-40B4-BE49-F238E27FC236}">
-                  <a16:creationId xmlns:a16="http://schemas.microsoft.com/office/drawing/2014/main" id="{A849F07F-F108-191C-205D-8B94FC0CAEDD}"/>
+                  <a16:creationId xmlns:a16="http://schemas.microsoft.com/office/drawing/2014/main" id="{1F29F9EE-9725-4700-7511-95FB4D1FBAC9}"/>
+                </a:ext>
+              </a:extLst>
+            </p:cNvPr>
+            <p:cNvPicPr>
+              <a:picLocks noChangeAspect="1"/>
+            </p:cNvPicPr>
+            <p:nvPr/>
+          </p:nvPicPr>
+          <p:blipFill rotWithShape="1">
+            <a:blip r:embed="rId17">
+              <a:extLst>
+                <a:ext uri="{BEBA8EAE-BF5A-486C-A8C5-ECC9F3942E4B}">
+                  <a14:imgProps xmlns:a14="http://schemas.microsoft.com/office/drawing/2010/main">
+                    <a14:imgLayer r:embed="rId16">
+                      <a14:imgEffect>
+                        <a14:backgroundRemoval t="1389" b="89815" l="9983" r="89931">
+                          <a14:foregroundMark x1="29340" y1="1389" x2="29340" y2="1389"/>
+                          <a14:backgroundMark x1="21441" y1="9414" x2="31076" y2="10957"/>
+                          <a14:backgroundMark x1="31076" y1="10957" x2="31250" y2="11265"/>
+                          <a14:backgroundMark x1="31337" y1="12037" x2="33247" y2="12963"/>
+                          <a14:backgroundMark x1="31858" y1="6636" x2="29861" y2="2160"/>
+                          <a14:backgroundMark x1="28646" y1="2469" x2="25434" y2="3704"/>
+                          <a14:backgroundMark x1="29253" y1="2623" x2="32378" y2="4475"/>
+                          <a14:backgroundMark x1="29253" y1="3086" x2="30642" y2="2469"/>
+                          <a14:backgroundMark x1="27865" y1="20370" x2="27865" y2="20370"/>
+                          <a14:backgroundMark x1="34201" y1="20370" x2="34201" y2="20370"/>
+                          <a14:backgroundMark x1="34983" y1="20833" x2="34983" y2="20833"/>
+                          <a14:backgroundMark x1="33333" y1="19753" x2="33333" y2="19753"/>
+                          <a14:backgroundMark x1="32726" y1="20679" x2="32726" y2="20679"/>
+                          <a14:backgroundMark x1="21267" y1="15895" x2="21615" y2="16049"/>
+                          <a14:backgroundMark x1="23351" y1="15895" x2="19531" y2="16049"/>
+                          <a14:backgroundMark x1="32118" y1="6636" x2="32986" y2="7099"/>
+                          <a14:backgroundMark x1="18837" y1="16512" x2="15365" y2="20833"/>
+                        </a14:backgroundRemoval>
+                      </a14:imgEffect>
+                    </a14:imgLayer>
+                  </a14:imgProps>
+                </a:ext>
+                <a:ext uri="{28A0092B-C50C-407E-A947-70E740481C1C}">
+                  <a14:useLocalDpi xmlns:a14="http://schemas.microsoft.com/office/drawing/2010/main" val="0"/>
+                </a:ext>
+              </a:extLst>
+            </a:blip>
+            <a:srcRect l="12295" t="4535" r="60395" b="11102"/>
+            <a:stretch/>
+          </p:blipFill>
+          <p:spPr>
+            <a:xfrm>
+              <a:off x="1038181" y="823483"/>
+              <a:ext cx="2537609" cy="4476489"/>
+            </a:xfrm>
+            <a:prstGeom prst="rect">
+              <a:avLst/>
+            </a:prstGeom>
+          </p:spPr>
+        </p:pic>
+        <p:pic>
+          <p:nvPicPr>
+            <p:cNvPr id="15" name="Picture 14" descr="A cartoon of a chess piece&#10;&#10;AI-generated content may be incorrect.">
+              <a:extLst>
+                <a:ext uri="{FF2B5EF4-FFF2-40B4-BE49-F238E27FC236}">
+                  <a16:creationId xmlns:a16="http://schemas.microsoft.com/office/drawing/2014/main" id="{AFB1107D-5549-7004-D52B-F46A18A0A3D9}"/>
+                </a:ext>
+              </a:extLst>
+            </p:cNvPr>
+            <p:cNvPicPr>
+              <a:picLocks noChangeAspect="1"/>
+            </p:cNvPicPr>
+            <p:nvPr/>
+          </p:nvPicPr>
+          <p:blipFill rotWithShape="1">
+            <a:blip r:embed="rId18">
+              <a:extLst>
+                <a:ext uri="{BEBA8EAE-BF5A-486C-A8C5-ECC9F3942E4B}">
+                  <a14:imgProps xmlns:a14="http://schemas.microsoft.com/office/drawing/2010/main">
+                    <a14:imgLayer r:embed="rId16">
+                      <a14:imgEffect>
+                        <a14:backgroundRemoval t="1389" b="89815" l="9983" r="89931">
+                          <a14:foregroundMark x1="31076" y1="9877" x2="31076" y2="9877"/>
+                          <a14:foregroundMark x1="32292" y1="6790" x2="32292" y2="6790"/>
+                          <a14:foregroundMark x1="29340" y1="1389" x2="29340" y2="1389"/>
+                          <a14:backgroundMark x1="22830" y1="25926" x2="24132" y2="35802"/>
+                          <a14:backgroundMark x1="24132" y1="35802" x2="22135" y2="81327"/>
+                          <a14:backgroundMark x1="21267" y1="44753" x2="19184" y2="45525"/>
+                          <a14:backgroundMark x1="19878" y1="45370" x2="18490" y2="43673"/>
+                          <a14:backgroundMark x1="19184" y1="45988" x2="25174" y2="52469"/>
+                          <a14:backgroundMark x1="21267" y1="48920" x2="22569" y2="51080"/>
+                          <a14:backgroundMark x1="21094" y1="49074" x2="20833" y2="56019"/>
+                          <a14:backgroundMark x1="24653" y1="41975" x2="21007" y2="37191"/>
+                          <a14:backgroundMark x1="19010" y1="31327" x2="17795" y2="28086"/>
+                          <a14:backgroundMark x1="18056" y1="25154" x2="18056" y2="24691"/>
+                          <a14:backgroundMark x1="18576" y1="23457" x2="18576" y2="23457"/>
+                          <a14:backgroundMark x1="18490" y1="22840" x2="18490" y2="22840"/>
+                          <a14:backgroundMark x1="19358" y1="22531" x2="19358" y2="22531"/>
+                          <a14:backgroundMark x1="19010" y1="23302" x2="19010" y2="23302"/>
+                          <a14:backgroundMark x1="18576" y1="22840" x2="18576" y2="22840"/>
+                          <a14:backgroundMark x1="33941" y1="24383" x2="33941" y2="24383"/>
+                          <a14:backgroundMark x1="33073" y1="22685" x2="33073" y2="22685"/>
+                          <a14:backgroundMark x1="33160" y1="21914" x2="33160" y2="21914"/>
+                          <a14:backgroundMark x1="32986" y1="21914" x2="32986" y2="21914"/>
+                          <a14:backgroundMark x1="18663" y1="22531" x2="18663" y2="22531"/>
+                          <a14:backgroundMark x1="19010" y1="22531" x2="19010" y2="22531"/>
+                          <a14:backgroundMark x1="19010" y1="22377" x2="19010" y2="22377"/>
+                          <a14:backgroundMark x1="19097" y1="22068" x2="19097" y2="22068"/>
+                          <a14:backgroundMark x1="18229" y1="22994" x2="18316" y2="23302"/>
+                        </a14:backgroundRemoval>
+                      </a14:imgEffect>
+                    </a14:imgLayer>
+                  </a14:imgProps>
+                </a:ext>
+                <a:ext uri="{28A0092B-C50C-407E-A947-70E740481C1C}">
+                  <a14:useLocalDpi xmlns:a14="http://schemas.microsoft.com/office/drawing/2010/main" val="0"/>
+                </a:ext>
+              </a:extLst>
+            </a:blip>
+            <a:srcRect l="12295" t="586" r="60395" b="73719"/>
+            <a:stretch/>
+          </p:blipFill>
+          <p:spPr>
+            <a:xfrm rot="21264244">
+              <a:off x="888473" y="845642"/>
+              <a:ext cx="2537609" cy="1363457"/>
+            </a:xfrm>
+            <a:prstGeom prst="rect">
+              <a:avLst/>
+            </a:prstGeom>
+          </p:spPr>
+        </p:pic>
+      </p:grpSp>
+      <p:grpSp>
+        <p:nvGrpSpPr>
+          <p:cNvPr id="16" name="Group 15">
+            <a:extLst>
+              <a:ext uri="{FF2B5EF4-FFF2-40B4-BE49-F238E27FC236}">
+                <a16:creationId xmlns:a16="http://schemas.microsoft.com/office/drawing/2014/main" id="{843D8366-EF50-A6BD-6332-B1151D0D8C57}"/>
+              </a:ext>
+            </a:extLst>
+          </p:cNvPr>
+          <p:cNvGrpSpPr/>
+          <p:nvPr/>
+        </p:nvGrpSpPr>
+        <p:grpSpPr>
+          <a:xfrm>
+            <a:off x="818655" y="1097218"/>
+            <a:ext cx="2598320" cy="4476489"/>
+            <a:chOff x="977470" y="823483"/>
+            <a:chExt cx="2598320" cy="4476489"/>
+          </a:xfrm>
+        </p:grpSpPr>
+        <p:pic>
+          <p:nvPicPr>
+            <p:cNvPr id="17" name="Picture 16" descr="A cartoon of a chess piece&#10;&#10;AI-generated content may be incorrect.">
+              <a:extLst>
+                <a:ext uri="{FF2B5EF4-FFF2-40B4-BE49-F238E27FC236}">
+                  <a16:creationId xmlns:a16="http://schemas.microsoft.com/office/drawing/2014/main" id="{6E52EFFC-25A0-9888-0D1C-BD3B6A09778E}"/>
+                </a:ext>
+              </a:extLst>
+            </p:cNvPr>
+            <p:cNvPicPr>
+              <a:picLocks noChangeAspect="1"/>
+            </p:cNvPicPr>
+            <p:nvPr/>
+          </p:nvPicPr>
+          <p:blipFill rotWithShape="1">
+            <a:blip r:embed="rId17">
+              <a:extLst>
+                <a:ext uri="{BEBA8EAE-BF5A-486C-A8C5-ECC9F3942E4B}">
+                  <a14:imgProps xmlns:a14="http://schemas.microsoft.com/office/drawing/2010/main">
+                    <a14:imgLayer r:embed="rId16">
+                      <a14:imgEffect>
+                        <a14:backgroundRemoval t="1389" b="89815" l="9983" r="89931">
+                          <a14:foregroundMark x1="29340" y1="1389" x2="29340" y2="1389"/>
+                          <a14:backgroundMark x1="21441" y1="9414" x2="31076" y2="10957"/>
+                          <a14:backgroundMark x1="31076" y1="10957" x2="31250" y2="11265"/>
+                          <a14:backgroundMark x1="31337" y1="12037" x2="33247" y2="12963"/>
+                          <a14:backgroundMark x1="31858" y1="6636" x2="29861" y2="2160"/>
+                          <a14:backgroundMark x1="28646" y1="2469" x2="25434" y2="3704"/>
+                          <a14:backgroundMark x1="29253" y1="2623" x2="32378" y2="4475"/>
+                          <a14:backgroundMark x1="29253" y1="3086" x2="30642" y2="2469"/>
+                          <a14:backgroundMark x1="27865" y1="20370" x2="27865" y2="20370"/>
+                          <a14:backgroundMark x1="34201" y1="20370" x2="34201" y2="20370"/>
+                          <a14:backgroundMark x1="34983" y1="20833" x2="34983" y2="20833"/>
+                          <a14:backgroundMark x1="33333" y1="19753" x2="33333" y2="19753"/>
+                          <a14:backgroundMark x1="32726" y1="20679" x2="32726" y2="20679"/>
+                          <a14:backgroundMark x1="21267" y1="15895" x2="21615" y2="16049"/>
+                          <a14:backgroundMark x1="23351" y1="15895" x2="19531" y2="16049"/>
+                          <a14:backgroundMark x1="32118" y1="6636" x2="32986" y2="7099"/>
+                          <a14:backgroundMark x1="18837" y1="16512" x2="15365" y2="20833"/>
+                        </a14:backgroundRemoval>
+                      </a14:imgEffect>
+                    </a14:imgLayer>
+                  </a14:imgProps>
+                </a:ext>
+                <a:ext uri="{28A0092B-C50C-407E-A947-70E740481C1C}">
+                  <a14:useLocalDpi xmlns:a14="http://schemas.microsoft.com/office/drawing/2010/main" val="0"/>
+                </a:ext>
+              </a:extLst>
+            </a:blip>
+            <a:srcRect l="12295" t="4535" r="60395" b="11102"/>
+            <a:stretch/>
+          </p:blipFill>
+          <p:spPr>
+            <a:xfrm>
+              <a:off x="1038181" y="823483"/>
+              <a:ext cx="2537609" cy="4476489"/>
+            </a:xfrm>
+            <a:prstGeom prst="rect">
+              <a:avLst/>
+            </a:prstGeom>
+          </p:spPr>
+        </p:pic>
+        <p:pic>
+          <p:nvPicPr>
+            <p:cNvPr id="18" name="Picture 17" descr="A cartoon of a chess piece&#10;&#10;AI-generated content may be incorrect.">
+              <a:extLst>
+                <a:ext uri="{FF2B5EF4-FFF2-40B4-BE49-F238E27FC236}">
+                  <a16:creationId xmlns:a16="http://schemas.microsoft.com/office/drawing/2014/main" id="{9B0B2AFD-D43F-F7EF-0CAF-0CD0C03BF7AD}"/>
+                </a:ext>
+              </a:extLst>
+            </p:cNvPr>
+            <p:cNvPicPr>
+              <a:picLocks noChangeAspect="1"/>
+            </p:cNvPicPr>
+            <p:nvPr/>
+          </p:nvPicPr>
+          <p:blipFill rotWithShape="1">
+            <a:blip r:embed="rId18">
+              <a:extLst>
+                <a:ext uri="{BEBA8EAE-BF5A-486C-A8C5-ECC9F3942E4B}">
+                  <a14:imgProps xmlns:a14="http://schemas.microsoft.com/office/drawing/2010/main">
+                    <a14:imgLayer r:embed="rId16">
+                      <a14:imgEffect>
+                        <a14:backgroundRemoval t="1389" b="89815" l="9983" r="89931">
+                          <a14:foregroundMark x1="31076" y1="9877" x2="31076" y2="9877"/>
+                          <a14:foregroundMark x1="32292" y1="6790" x2="32292" y2="6790"/>
+                          <a14:foregroundMark x1="29340" y1="1389" x2="29340" y2="1389"/>
+                          <a14:backgroundMark x1="22830" y1="25926" x2="24132" y2="35802"/>
+                          <a14:backgroundMark x1="24132" y1="35802" x2="22135" y2="81327"/>
+                          <a14:backgroundMark x1="21267" y1="44753" x2="19184" y2="45525"/>
+                          <a14:backgroundMark x1="19878" y1="45370" x2="18490" y2="43673"/>
+                          <a14:backgroundMark x1="19184" y1="45988" x2="25174" y2="52469"/>
+                          <a14:backgroundMark x1="21267" y1="48920" x2="22569" y2="51080"/>
+                          <a14:backgroundMark x1="21094" y1="49074" x2="20833" y2="56019"/>
+                          <a14:backgroundMark x1="24653" y1="41975" x2="21007" y2="37191"/>
+                          <a14:backgroundMark x1="19010" y1="31327" x2="17795" y2="28086"/>
+                          <a14:backgroundMark x1="18056" y1="25154" x2="18056" y2="24691"/>
+                          <a14:backgroundMark x1="18576" y1="23457" x2="18576" y2="23457"/>
+                          <a14:backgroundMark x1="18490" y1="22840" x2="18490" y2="22840"/>
+                          <a14:backgroundMark x1="19358" y1="22531" x2="19358" y2="22531"/>
+                          <a14:backgroundMark x1="19010" y1="23302" x2="19010" y2="23302"/>
+                          <a14:backgroundMark x1="18576" y1="22840" x2="18576" y2="22840"/>
+                          <a14:backgroundMark x1="33941" y1="24383" x2="33941" y2="24383"/>
+                          <a14:backgroundMark x1="33073" y1="22685" x2="33073" y2="22685"/>
+                          <a14:backgroundMark x1="33160" y1="21914" x2="33160" y2="21914"/>
+                          <a14:backgroundMark x1="32986" y1="21914" x2="32986" y2="21914"/>
+                          <a14:backgroundMark x1="18663" y1="22531" x2="18663" y2="22531"/>
+                          <a14:backgroundMark x1="19010" y1="22531" x2="19010" y2="22531"/>
+                          <a14:backgroundMark x1="19010" y1="22377" x2="19010" y2="22377"/>
+                          <a14:backgroundMark x1="19097" y1="22068" x2="19097" y2="22068"/>
+                          <a14:backgroundMark x1="18229" y1="22994" x2="18316" y2="23302"/>
+                        </a14:backgroundRemoval>
+                      </a14:imgEffect>
+                    </a14:imgLayer>
+                  </a14:imgProps>
+                </a:ext>
+                <a:ext uri="{28A0092B-C50C-407E-A947-70E740481C1C}">
+                  <a14:useLocalDpi xmlns:a14="http://schemas.microsoft.com/office/drawing/2010/main" val="0"/>
+                </a:ext>
+              </a:extLst>
+            </a:blip>
+            <a:srcRect l="12295" t="586" r="60395" b="73719"/>
+            <a:stretch/>
+          </p:blipFill>
+          <p:spPr>
+            <a:xfrm rot="21264244">
+              <a:off x="977470" y="1005554"/>
+              <a:ext cx="2379337" cy="1099072"/>
+            </a:xfrm>
+            <a:prstGeom prst="rect">
+              <a:avLst/>
+            </a:prstGeom>
+          </p:spPr>
+        </p:pic>
+      </p:grpSp>
+      <p:grpSp>
+        <p:nvGrpSpPr>
+          <p:cNvPr id="29" name="Group 28">
+            <a:extLst>
+              <a:ext uri="{FF2B5EF4-FFF2-40B4-BE49-F238E27FC236}">
+                <a16:creationId xmlns:a16="http://schemas.microsoft.com/office/drawing/2014/main" id="{DC9E6453-FF4D-F86F-F651-789EBB4B918C}"/>
+              </a:ext>
+            </a:extLst>
+          </p:cNvPr>
+          <p:cNvGrpSpPr/>
+          <p:nvPr/>
+        </p:nvGrpSpPr>
+        <p:grpSpPr>
+          <a:xfrm>
+            <a:off x="3654647" y="991601"/>
+            <a:ext cx="4968173" cy="4837813"/>
+            <a:chOff x="3654647" y="991601"/>
+            <a:chExt cx="4968173" cy="4837813"/>
+          </a:xfrm>
+        </p:grpSpPr>
+        <p:sp>
+          <p:nvSpPr>
+            <p:cNvPr id="4" name="Oval 3">
+              <a:extLst>
+                <a:ext uri="{FF2B5EF4-FFF2-40B4-BE49-F238E27FC236}">
+                  <a16:creationId xmlns:a16="http://schemas.microsoft.com/office/drawing/2014/main" id="{A927C4D4-25EC-DF4A-28BD-73DA7DA5FE72}"/>
+                </a:ext>
+              </a:extLst>
+            </p:cNvPr>
+            <p:cNvSpPr>
+              <a:spLocks noChangeAspect="1"/>
+            </p:cNvSpPr>
+            <p:nvPr/>
+          </p:nvSpPr>
+          <p:spPr>
+            <a:xfrm>
+              <a:off x="4056556" y="1618269"/>
+              <a:ext cx="4211143" cy="4211145"/>
+            </a:xfrm>
+            <a:prstGeom prst="ellipse">
+              <a:avLst/>
+            </a:prstGeom>
+            <a:solidFill>
+              <a:srgbClr val="F7F4FA"/>
+            </a:solidFill>
+            <a:ln>
+              <a:noFill/>
+            </a:ln>
+          </p:spPr>
+          <p:style>
+            <a:lnRef idx="2">
+              <a:schemeClr val="accent1">
+                <a:shade val="15000"/>
+              </a:schemeClr>
+            </a:lnRef>
+            <a:fillRef idx="1">
+              <a:schemeClr val="accent1"/>
+            </a:fillRef>
+            <a:effectRef idx="0">
+              <a:schemeClr val="accent1"/>
+            </a:effectRef>
+            <a:fontRef idx="minor">
+              <a:schemeClr val="lt1"/>
+            </a:fontRef>
+          </p:style>
+          <p:txBody>
+            <a:bodyPr rtlCol="0" anchor="ctr"/>
+            <a:lstStyle/>
+            <a:p>
+              <a:pPr algn="ctr"/>
+              <a:endParaRPr lang="en-GB"/>
+            </a:p>
+          </p:txBody>
+        </p:sp>
+        <p:pic>
+          <p:nvPicPr>
+            <p:cNvPr id="28" name="Picture 27">
+              <a:extLst>
+                <a:ext uri="{FF2B5EF4-FFF2-40B4-BE49-F238E27FC236}">
+                  <a16:creationId xmlns:a16="http://schemas.microsoft.com/office/drawing/2014/main" id="{4FC9E7AA-38A0-39AA-BEDE-3816CDD47631}"/>
                 </a:ext>
               </a:extLst>
             </p:cNvPr>
@@ -22263,647 +24228,83 @@
             <p:nvPr/>
           </p:nvPicPr>
           <p:blipFill>
-            <a:blip r:embed="rId2">
+            <a:blip r:embed="rId19">
               <a:extLst>
                 <a:ext uri="{28A0092B-C50C-407E-A947-70E740481C1C}">
                   <a14:useLocalDpi xmlns:a14="http://schemas.microsoft.com/office/drawing/2010/main" val="0"/>
                 </a:ext>
               </a:extLst>
             </a:blip>
-            <a:srcRect/>
-            <a:stretch>
-              <a:fillRect/>
-            </a:stretch>
+            <a:srcRect l="3288" t="2950" r="-994" b="40973"/>
+            <a:stretch/>
           </p:blipFill>
           <p:spPr>
-            <a:xfrm>
-              <a:off x="6067516" y="1246076"/>
-              <a:ext cx="2546330" cy="2546330"/>
+            <a:xfrm rot="20904095">
+              <a:off x="3654647" y="991601"/>
+              <a:ext cx="4968173" cy="4811382"/>
             </a:xfrm>
-            <a:custGeom>
+            <a:prstGeom prst="ellipse">
               <a:avLst/>
-              <a:gdLst>
-                <a:gd name="connsiteX0" fmla="*/ 743168 w 2546330"/>
-                <a:gd name="connsiteY0" fmla="*/ 760972 h 2546330"/>
-                <a:gd name="connsiteX1" fmla="*/ 743168 w 2546330"/>
-                <a:gd name="connsiteY1" fmla="*/ 1743738 h 2546330"/>
-                <a:gd name="connsiteX2" fmla="*/ 2477965 w 2546330"/>
-                <a:gd name="connsiteY2" fmla="*/ 1743738 h 2546330"/>
-                <a:gd name="connsiteX3" fmla="*/ 2477965 w 2546330"/>
-                <a:gd name="connsiteY3" fmla="*/ 760972 h 2546330"/>
-                <a:gd name="connsiteX4" fmla="*/ 0 w 2546330"/>
-                <a:gd name="connsiteY4" fmla="*/ 0 h 2546330"/>
-                <a:gd name="connsiteX5" fmla="*/ 2546330 w 2546330"/>
-                <a:gd name="connsiteY5" fmla="*/ 0 h 2546330"/>
-                <a:gd name="connsiteX6" fmla="*/ 2546330 w 2546330"/>
-                <a:gd name="connsiteY6" fmla="*/ 2546330 h 2546330"/>
-                <a:gd name="connsiteX7" fmla="*/ 0 w 2546330"/>
-                <a:gd name="connsiteY7" fmla="*/ 2546330 h 2546330"/>
-              </a:gdLst>
-              <a:ahLst/>
-              <a:cxnLst>
-                <a:cxn ang="0">
-                  <a:pos x="connsiteX0" y="connsiteY0"/>
-                </a:cxn>
-                <a:cxn ang="0">
-                  <a:pos x="connsiteX1" y="connsiteY1"/>
-                </a:cxn>
-                <a:cxn ang="0">
-                  <a:pos x="connsiteX2" y="connsiteY2"/>
-                </a:cxn>
-                <a:cxn ang="0">
-                  <a:pos x="connsiteX3" y="connsiteY3"/>
-                </a:cxn>
-                <a:cxn ang="0">
-                  <a:pos x="connsiteX4" y="connsiteY4"/>
-                </a:cxn>
-                <a:cxn ang="0">
-                  <a:pos x="connsiteX5" y="connsiteY5"/>
-                </a:cxn>
-                <a:cxn ang="0">
-                  <a:pos x="connsiteX6" y="connsiteY6"/>
-                </a:cxn>
-                <a:cxn ang="0">
-                  <a:pos x="connsiteX7" y="connsiteY7"/>
-                </a:cxn>
-              </a:cxnLst>
-              <a:rect l="l" t="t" r="r" b="b"/>
-              <a:pathLst>
-                <a:path w="2546330" h="2546330">
-                  <a:moveTo>
-                    <a:pt x="743168" y="760972"/>
-                  </a:moveTo>
-                  <a:lnTo>
-                    <a:pt x="743168" y="1743738"/>
-                  </a:lnTo>
-                  <a:lnTo>
-                    <a:pt x="2477965" y="1743738"/>
-                  </a:lnTo>
-                  <a:lnTo>
-                    <a:pt x="2477965" y="760972"/>
-                  </a:lnTo>
-                  <a:close/>
-                  <a:moveTo>
-                    <a:pt x="0" y="0"/>
-                  </a:moveTo>
-                  <a:lnTo>
-                    <a:pt x="2546330" y="0"/>
-                  </a:lnTo>
-                  <a:lnTo>
-                    <a:pt x="2546330" y="2546330"/>
-                  </a:lnTo>
-                  <a:lnTo>
-                    <a:pt x="0" y="2546330"/>
-                  </a:lnTo>
-                  <a:close/>
-                </a:path>
-              </a:pathLst>
-            </a:custGeom>
+            </a:prstGeom>
           </p:spPr>
         </p:pic>
-        <p:pic>
-          <p:nvPicPr>
-            <p:cNvPr id="13" name="Picture 12" descr="A black background with a black square&#10;&#10;Description automatically generated with medium confidence">
+        <p:sp>
+          <p:nvSpPr>
+            <p:cNvPr id="13" name="Rectangle 12">
               <a:extLst>
                 <a:ext uri="{FF2B5EF4-FFF2-40B4-BE49-F238E27FC236}">
-                  <a16:creationId xmlns:a16="http://schemas.microsoft.com/office/drawing/2014/main" id="{0D0EEDAF-3E70-B9DE-23E6-C52C02D1AB88}"/>
+                  <a16:creationId xmlns:a16="http://schemas.microsoft.com/office/drawing/2014/main" id="{3C25BC99-B5A5-4904-967D-8C2A5F3EB544}"/>
                 </a:ext>
               </a:extLst>
             </p:cNvPr>
-            <p:cNvPicPr>
-              <a:picLocks noChangeAspect="1"/>
-            </p:cNvPicPr>
+            <p:cNvSpPr>
+              <a:spLocks noChangeAspect="1"/>
+            </p:cNvSpPr>
             <p:nvPr/>
-          </p:nvPicPr>
-          <p:blipFill>
-            <a:blip r:embed="rId3">
-              <a:extLst>
-                <a:ext uri="{28A0092B-C50C-407E-A947-70E740481C1C}">
-                  <a14:useLocalDpi xmlns:a14="http://schemas.microsoft.com/office/drawing/2010/main" val="0"/>
-                </a:ext>
-              </a:extLst>
-            </a:blip>
-            <a:srcRect l="33686" t="29058" r="34060" b="29057"/>
-            <a:stretch/>
-          </p:blipFill>
-          <p:spPr>
-            <a:xfrm rot="5400000">
-              <a:off x="7034738" y="1903544"/>
-              <a:ext cx="937253" cy="1217109"/>
-            </a:xfrm>
-            <a:custGeom>
-              <a:avLst/>
-              <a:gdLst>
-                <a:gd name="connsiteX0" fmla="*/ 0 w 409575"/>
-                <a:gd name="connsiteY0" fmla="*/ 0 h 531871"/>
-                <a:gd name="connsiteX1" fmla="*/ 409575 w 409575"/>
-                <a:gd name="connsiteY1" fmla="*/ 0 h 531871"/>
-                <a:gd name="connsiteX2" fmla="*/ 409575 w 409575"/>
-                <a:gd name="connsiteY2" fmla="*/ 411212 h 531871"/>
-                <a:gd name="connsiteX3" fmla="*/ 335757 w 409575"/>
-                <a:gd name="connsiteY3" fmla="*/ 411212 h 531871"/>
-                <a:gd name="connsiteX4" fmla="*/ 335757 w 409575"/>
-                <a:gd name="connsiteY4" fmla="*/ 531871 h 531871"/>
-                <a:gd name="connsiteX5" fmla="*/ 0 w 409575"/>
-                <a:gd name="connsiteY5" fmla="*/ 531871 h 531871"/>
-              </a:gdLst>
-              <a:ahLst/>
-              <a:cxnLst>
-                <a:cxn ang="0">
-                  <a:pos x="connsiteX0" y="connsiteY0"/>
-                </a:cxn>
-                <a:cxn ang="0">
-                  <a:pos x="connsiteX1" y="connsiteY1"/>
-                </a:cxn>
-                <a:cxn ang="0">
-                  <a:pos x="connsiteX2" y="connsiteY2"/>
-                </a:cxn>
-                <a:cxn ang="0">
-                  <a:pos x="connsiteX3" y="connsiteY3"/>
-                </a:cxn>
-                <a:cxn ang="0">
-                  <a:pos x="connsiteX4" y="connsiteY4"/>
-                </a:cxn>
-                <a:cxn ang="0">
-                  <a:pos x="connsiteX5" y="connsiteY5"/>
-                </a:cxn>
-              </a:cxnLst>
-              <a:rect l="l" t="t" r="r" b="b"/>
-              <a:pathLst>
-                <a:path w="409575" h="531871">
-                  <a:moveTo>
-                    <a:pt x="0" y="0"/>
-                  </a:moveTo>
-                  <a:lnTo>
-                    <a:pt x="409575" y="0"/>
-                  </a:lnTo>
-                  <a:lnTo>
-                    <a:pt x="409575" y="411212"/>
-                  </a:lnTo>
-                  <a:lnTo>
-                    <a:pt x="335757" y="411212"/>
-                  </a:lnTo>
-                  <a:lnTo>
-                    <a:pt x="335757" y="531871"/>
-                  </a:lnTo>
-                  <a:lnTo>
-                    <a:pt x="0" y="531871"/>
-                  </a:lnTo>
-                  <a:close/>
-                </a:path>
-              </a:pathLst>
-            </a:custGeom>
-          </p:spPr>
-        </p:pic>
-      </p:grpSp>
-      <p:grpSp>
-        <p:nvGrpSpPr>
-          <p:cNvPr id="20" name="Group 19">
-            <a:extLst>
-              <a:ext uri="{FF2B5EF4-FFF2-40B4-BE49-F238E27FC236}">
-                <a16:creationId xmlns:a16="http://schemas.microsoft.com/office/drawing/2014/main" id="{3D2D76CD-EB5A-A244-4439-BC951E319D71}"/>
-              </a:ext>
-            </a:extLst>
-          </p:cNvPr>
-          <p:cNvGrpSpPr/>
-          <p:nvPr/>
-        </p:nvGrpSpPr>
-        <p:grpSpPr>
-          <a:xfrm>
-            <a:off x="3904564" y="362551"/>
-            <a:ext cx="2546330" cy="2546330"/>
-            <a:chOff x="6067516" y="1246076"/>
-            <a:chExt cx="2546330" cy="2546330"/>
-          </a:xfrm>
-        </p:grpSpPr>
-        <p:pic>
-          <p:nvPicPr>
-            <p:cNvPr id="21" name="Picture 20" descr="A black background with a black square&#10;&#10;Description automatically generated with medium confidence">
-              <a:extLst>
-                <a:ext uri="{FF2B5EF4-FFF2-40B4-BE49-F238E27FC236}">
-                  <a16:creationId xmlns:a16="http://schemas.microsoft.com/office/drawing/2014/main" id="{0E1DE10A-720E-BDF8-155D-AEE322EAD3EF}"/>
-                </a:ext>
-              </a:extLst>
-            </p:cNvPr>
-            <p:cNvPicPr>
-              <a:picLocks noChangeAspect="1"/>
-            </p:cNvPicPr>
-            <p:nvPr/>
-          </p:nvPicPr>
-          <p:blipFill>
-            <a:blip r:embed="rId2">
-              <a:extLst>
-                <a:ext uri="{28A0092B-C50C-407E-A947-70E740481C1C}">
-                  <a14:useLocalDpi xmlns:a14="http://schemas.microsoft.com/office/drawing/2010/main" val="0"/>
-                </a:ext>
-              </a:extLst>
-            </a:blip>
-            <a:srcRect/>
-            <a:stretch>
-              <a:fillRect/>
-            </a:stretch>
-          </p:blipFill>
+          </p:nvSpPr>
           <p:spPr>
             <a:xfrm>
-              <a:off x="6067516" y="1246076"/>
-              <a:ext cx="2546330" cy="2546330"/>
+              <a:off x="3720912" y="1047750"/>
+              <a:ext cx="4762500" cy="4762500"/>
             </a:xfrm>
-            <a:custGeom>
+            <a:prstGeom prst="rect">
               <a:avLst/>
-              <a:gdLst>
-                <a:gd name="connsiteX0" fmla="*/ 743168 w 2546330"/>
-                <a:gd name="connsiteY0" fmla="*/ 760972 h 2546330"/>
-                <a:gd name="connsiteX1" fmla="*/ 743168 w 2546330"/>
-                <a:gd name="connsiteY1" fmla="*/ 1743738 h 2546330"/>
-                <a:gd name="connsiteX2" fmla="*/ 2477965 w 2546330"/>
-                <a:gd name="connsiteY2" fmla="*/ 1743738 h 2546330"/>
-                <a:gd name="connsiteX3" fmla="*/ 2477965 w 2546330"/>
-                <a:gd name="connsiteY3" fmla="*/ 760972 h 2546330"/>
-                <a:gd name="connsiteX4" fmla="*/ 0 w 2546330"/>
-                <a:gd name="connsiteY4" fmla="*/ 0 h 2546330"/>
-                <a:gd name="connsiteX5" fmla="*/ 2546330 w 2546330"/>
-                <a:gd name="connsiteY5" fmla="*/ 0 h 2546330"/>
-                <a:gd name="connsiteX6" fmla="*/ 2546330 w 2546330"/>
-                <a:gd name="connsiteY6" fmla="*/ 2546330 h 2546330"/>
-                <a:gd name="connsiteX7" fmla="*/ 0 w 2546330"/>
-                <a:gd name="connsiteY7" fmla="*/ 2546330 h 2546330"/>
-              </a:gdLst>
-              <a:ahLst/>
-              <a:cxnLst>
-                <a:cxn ang="0">
-                  <a:pos x="connsiteX0" y="connsiteY0"/>
-                </a:cxn>
-                <a:cxn ang="0">
-                  <a:pos x="connsiteX1" y="connsiteY1"/>
-                </a:cxn>
-                <a:cxn ang="0">
-                  <a:pos x="connsiteX2" y="connsiteY2"/>
-                </a:cxn>
-                <a:cxn ang="0">
-                  <a:pos x="connsiteX3" y="connsiteY3"/>
-                </a:cxn>
-                <a:cxn ang="0">
-                  <a:pos x="connsiteX4" y="connsiteY4"/>
-                </a:cxn>
-                <a:cxn ang="0">
-                  <a:pos x="connsiteX5" y="connsiteY5"/>
-                </a:cxn>
-                <a:cxn ang="0">
-                  <a:pos x="connsiteX6" y="connsiteY6"/>
-                </a:cxn>
-                <a:cxn ang="0">
-                  <a:pos x="connsiteX7" y="connsiteY7"/>
-                </a:cxn>
-              </a:cxnLst>
-              <a:rect l="l" t="t" r="r" b="b"/>
-              <a:pathLst>
-                <a:path w="2546330" h="2546330">
-                  <a:moveTo>
-                    <a:pt x="743168" y="760972"/>
-                  </a:moveTo>
-                  <a:lnTo>
-                    <a:pt x="743168" y="1743738"/>
-                  </a:lnTo>
-                  <a:lnTo>
-                    <a:pt x="2477965" y="1743738"/>
-                  </a:lnTo>
-                  <a:lnTo>
-                    <a:pt x="2477965" y="760972"/>
-                  </a:lnTo>
-                  <a:close/>
-                  <a:moveTo>
-                    <a:pt x="0" y="0"/>
-                  </a:moveTo>
-                  <a:lnTo>
-                    <a:pt x="2546330" y="0"/>
-                  </a:lnTo>
-                  <a:lnTo>
-                    <a:pt x="2546330" y="2546330"/>
-                  </a:lnTo>
-                  <a:lnTo>
-                    <a:pt x="0" y="2546330"/>
-                  </a:lnTo>
-                  <a:close/>
-                </a:path>
-              </a:pathLst>
-            </a:custGeom>
+            </a:prstGeom>
+            <a:solidFill>
+              <a:schemeClr val="tx1">
+                <a:alpha val="0"/>
+              </a:schemeClr>
+            </a:solidFill>
+            <a:ln>
+              <a:noFill/>
+            </a:ln>
           </p:spPr>
-        </p:pic>
-        <p:pic>
-          <p:nvPicPr>
-            <p:cNvPr id="22" name="Picture 21" descr="A black background with a black square&#10;&#10;Description automatically generated with medium confidence">
-              <a:extLst>
-                <a:ext uri="{FF2B5EF4-FFF2-40B4-BE49-F238E27FC236}">
-                  <a16:creationId xmlns:a16="http://schemas.microsoft.com/office/drawing/2014/main" id="{7A1DA75D-BBD4-8C8A-3DA4-EB8896B0FE15}"/>
-                </a:ext>
-              </a:extLst>
-            </p:cNvPr>
-            <p:cNvPicPr>
-              <a:picLocks noChangeAspect="1"/>
-            </p:cNvPicPr>
-            <p:nvPr/>
-          </p:nvPicPr>
-          <p:blipFill>
-            <a:blip r:embed="rId3">
-              <a:extLst>
-                <a:ext uri="{28A0092B-C50C-407E-A947-70E740481C1C}">
-                  <a14:useLocalDpi xmlns:a14="http://schemas.microsoft.com/office/drawing/2010/main" val="0"/>
-                </a:ext>
-              </a:extLst>
-            </a:blip>
-            <a:srcRect l="33686" t="29058" r="34060" b="29057"/>
-            <a:stretch/>
-          </p:blipFill>
-          <p:spPr>
-            <a:xfrm rot="16200000">
-              <a:off x="7218100" y="1929735"/>
-              <a:ext cx="937253" cy="1217109"/>
-            </a:xfrm>
-            <a:custGeom>
-              <a:avLst/>
-              <a:gdLst>
-                <a:gd name="connsiteX0" fmla="*/ 0 w 409575"/>
-                <a:gd name="connsiteY0" fmla="*/ 0 h 531871"/>
-                <a:gd name="connsiteX1" fmla="*/ 409575 w 409575"/>
-                <a:gd name="connsiteY1" fmla="*/ 0 h 531871"/>
-                <a:gd name="connsiteX2" fmla="*/ 409575 w 409575"/>
-                <a:gd name="connsiteY2" fmla="*/ 411212 h 531871"/>
-                <a:gd name="connsiteX3" fmla="*/ 335757 w 409575"/>
-                <a:gd name="connsiteY3" fmla="*/ 411212 h 531871"/>
-                <a:gd name="connsiteX4" fmla="*/ 335757 w 409575"/>
-                <a:gd name="connsiteY4" fmla="*/ 531871 h 531871"/>
-                <a:gd name="connsiteX5" fmla="*/ 0 w 409575"/>
-                <a:gd name="connsiteY5" fmla="*/ 531871 h 531871"/>
-              </a:gdLst>
-              <a:ahLst/>
-              <a:cxnLst>
-                <a:cxn ang="0">
-                  <a:pos x="connsiteX0" y="connsiteY0"/>
-                </a:cxn>
-                <a:cxn ang="0">
-                  <a:pos x="connsiteX1" y="connsiteY1"/>
-                </a:cxn>
-                <a:cxn ang="0">
-                  <a:pos x="connsiteX2" y="connsiteY2"/>
-                </a:cxn>
-                <a:cxn ang="0">
-                  <a:pos x="connsiteX3" y="connsiteY3"/>
-                </a:cxn>
-                <a:cxn ang="0">
-                  <a:pos x="connsiteX4" y="connsiteY4"/>
-                </a:cxn>
-                <a:cxn ang="0">
-                  <a:pos x="connsiteX5" y="connsiteY5"/>
-                </a:cxn>
-              </a:cxnLst>
-              <a:rect l="l" t="t" r="r" b="b"/>
-              <a:pathLst>
-                <a:path w="409575" h="531871">
-                  <a:moveTo>
-                    <a:pt x="0" y="0"/>
-                  </a:moveTo>
-                  <a:lnTo>
-                    <a:pt x="409575" y="0"/>
-                  </a:lnTo>
-                  <a:lnTo>
-                    <a:pt x="409575" y="411212"/>
-                  </a:lnTo>
-                  <a:lnTo>
-                    <a:pt x="335757" y="411212"/>
-                  </a:lnTo>
-                  <a:lnTo>
-                    <a:pt x="335757" y="531871"/>
-                  </a:lnTo>
-                  <a:lnTo>
-                    <a:pt x="0" y="531871"/>
-                  </a:lnTo>
-                  <a:close/>
-                </a:path>
-              </a:pathLst>
-            </a:custGeom>
-          </p:spPr>
-        </p:pic>
+          <p:style>
+            <a:lnRef idx="2">
+              <a:schemeClr val="accent1">
+                <a:shade val="15000"/>
+              </a:schemeClr>
+            </a:lnRef>
+            <a:fillRef idx="1">
+              <a:schemeClr val="accent1"/>
+            </a:fillRef>
+            <a:effectRef idx="0">
+              <a:schemeClr val="accent1"/>
+            </a:effectRef>
+            <a:fontRef idx="minor">
+              <a:schemeClr val="lt1"/>
+            </a:fontRef>
+          </p:style>
+          <p:txBody>
+            <a:bodyPr rtlCol="0" anchor="ctr"/>
+            <a:lstStyle/>
+            <a:p>
+              <a:pPr algn="ctr"/>
+              <a:endParaRPr lang="en-GB" dirty="0"/>
+            </a:p>
+          </p:txBody>
+        </p:sp>
       </p:grpSp>
-      <p:cxnSp>
-        <p:nvCxnSpPr>
-          <p:cNvPr id="3" name="Straight Connector 2">
-            <a:extLst>
-              <a:ext uri="{FF2B5EF4-FFF2-40B4-BE49-F238E27FC236}">
-                <a16:creationId xmlns:a16="http://schemas.microsoft.com/office/drawing/2014/main" id="{A1ACD192-CD7A-6553-7702-857FF4618C7C}"/>
-              </a:ext>
-            </a:extLst>
-          </p:cNvPr>
-          <p:cNvCxnSpPr>
-            <a:cxnSpLocks/>
-          </p:cNvCxnSpPr>
-          <p:nvPr/>
-        </p:nvCxnSpPr>
-        <p:spPr>
-          <a:xfrm>
-            <a:off x="5432856" y="4187843"/>
-            <a:ext cx="0" cy="1178719"/>
-          </a:xfrm>
-          <a:prstGeom prst="line">
-            <a:avLst/>
-          </a:prstGeom>
-        </p:spPr>
-        <p:style>
-          <a:lnRef idx="1">
-            <a:schemeClr val="accent1"/>
-          </a:lnRef>
-          <a:fillRef idx="0">
-            <a:schemeClr val="accent1"/>
-          </a:fillRef>
-          <a:effectRef idx="0">
-            <a:schemeClr val="accent1"/>
-          </a:effectRef>
-          <a:fontRef idx="minor">
-            <a:schemeClr val="tx1"/>
-          </a:fontRef>
-        </p:style>
-      </p:cxnSp>
-      <p:cxnSp>
-        <p:nvCxnSpPr>
-          <p:cNvPr id="7" name="Straight Connector 6">
-            <a:extLst>
-              <a:ext uri="{FF2B5EF4-FFF2-40B4-BE49-F238E27FC236}">
-                <a16:creationId xmlns:a16="http://schemas.microsoft.com/office/drawing/2014/main" id="{CFE5901E-D2A2-72A2-F17C-B7064452A4EF}"/>
-              </a:ext>
-            </a:extLst>
-          </p:cNvPr>
-          <p:cNvCxnSpPr/>
-          <p:nvPr/>
-        </p:nvCxnSpPr>
-        <p:spPr>
-          <a:xfrm flipV="1">
-            <a:off x="5457048" y="4187843"/>
-            <a:ext cx="0" cy="164306"/>
-          </a:xfrm>
-          <a:prstGeom prst="line">
-            <a:avLst/>
-          </a:prstGeom>
-        </p:spPr>
-        <p:style>
-          <a:lnRef idx="1">
-            <a:schemeClr val="accent1"/>
-          </a:lnRef>
-          <a:fillRef idx="0">
-            <a:schemeClr val="accent1"/>
-          </a:fillRef>
-          <a:effectRef idx="0">
-            <a:schemeClr val="accent1"/>
-          </a:effectRef>
-          <a:fontRef idx="minor">
-            <a:schemeClr val="tx1"/>
-          </a:fontRef>
-        </p:style>
-      </p:cxnSp>
-      <p:cxnSp>
-        <p:nvCxnSpPr>
-          <p:cNvPr id="8" name="Straight Connector 7">
-            <a:extLst>
-              <a:ext uri="{FF2B5EF4-FFF2-40B4-BE49-F238E27FC236}">
-                <a16:creationId xmlns:a16="http://schemas.microsoft.com/office/drawing/2014/main" id="{014AD73B-D48C-CC0A-30A3-D121FF99EAD1}"/>
-              </a:ext>
-            </a:extLst>
-          </p:cNvPr>
-          <p:cNvCxnSpPr/>
-          <p:nvPr/>
-        </p:nvCxnSpPr>
-        <p:spPr>
-          <a:xfrm flipV="1">
-            <a:off x="5457048" y="5202256"/>
-            <a:ext cx="0" cy="164306"/>
-          </a:xfrm>
-          <a:prstGeom prst="line">
-            <a:avLst/>
-          </a:prstGeom>
-        </p:spPr>
-        <p:style>
-          <a:lnRef idx="1">
-            <a:schemeClr val="accent1"/>
-          </a:lnRef>
-          <a:fillRef idx="0">
-            <a:schemeClr val="accent1"/>
-          </a:fillRef>
-          <a:effectRef idx="0">
-            <a:schemeClr val="accent1"/>
-          </a:effectRef>
-          <a:fontRef idx="minor">
-            <a:schemeClr val="tx1"/>
-          </a:fontRef>
-        </p:style>
-      </p:cxnSp>
-      <p:cxnSp>
-        <p:nvCxnSpPr>
-          <p:cNvPr id="10" name="Straight Connector 9">
-            <a:extLst>
-              <a:ext uri="{FF2B5EF4-FFF2-40B4-BE49-F238E27FC236}">
-                <a16:creationId xmlns:a16="http://schemas.microsoft.com/office/drawing/2014/main" id="{A9D043E9-2D11-F554-DC9A-159E7C0704E2}"/>
-              </a:ext>
-            </a:extLst>
-          </p:cNvPr>
-          <p:cNvCxnSpPr>
-            <a:cxnSpLocks/>
-          </p:cNvCxnSpPr>
-          <p:nvPr/>
-        </p:nvCxnSpPr>
-        <p:spPr>
-          <a:xfrm>
-            <a:off x="5432856" y="1046974"/>
-            <a:ext cx="0" cy="1178719"/>
-          </a:xfrm>
-          <a:prstGeom prst="line">
-            <a:avLst/>
-          </a:prstGeom>
-        </p:spPr>
-        <p:style>
-          <a:lnRef idx="1">
-            <a:schemeClr val="accent1"/>
-          </a:lnRef>
-          <a:fillRef idx="0">
-            <a:schemeClr val="accent1"/>
-          </a:fillRef>
-          <a:effectRef idx="0">
-            <a:schemeClr val="accent1"/>
-          </a:effectRef>
-          <a:fontRef idx="minor">
-            <a:schemeClr val="tx1"/>
-          </a:fontRef>
-        </p:style>
-      </p:cxnSp>
-      <p:cxnSp>
-        <p:nvCxnSpPr>
-          <p:cNvPr id="14" name="Straight Connector 13">
-            <a:extLst>
-              <a:ext uri="{FF2B5EF4-FFF2-40B4-BE49-F238E27FC236}">
-                <a16:creationId xmlns:a16="http://schemas.microsoft.com/office/drawing/2014/main" id="{50546511-D4BD-563D-61FF-C94B0579BF4F}"/>
-              </a:ext>
-            </a:extLst>
-          </p:cNvPr>
-          <p:cNvCxnSpPr/>
-          <p:nvPr/>
-        </p:nvCxnSpPr>
-        <p:spPr>
-          <a:xfrm flipV="1">
-            <a:off x="5457048" y="1046974"/>
-            <a:ext cx="0" cy="164306"/>
-          </a:xfrm>
-          <a:prstGeom prst="line">
-            <a:avLst/>
-          </a:prstGeom>
-        </p:spPr>
-        <p:style>
-          <a:lnRef idx="1">
-            <a:schemeClr val="accent1"/>
-          </a:lnRef>
-          <a:fillRef idx="0">
-            <a:schemeClr val="accent1"/>
-          </a:fillRef>
-          <a:effectRef idx="0">
-            <a:schemeClr val="accent1"/>
-          </a:effectRef>
-          <a:fontRef idx="minor">
-            <a:schemeClr val="tx1"/>
-          </a:fontRef>
-        </p:style>
-      </p:cxnSp>
-      <p:cxnSp>
-        <p:nvCxnSpPr>
-          <p:cNvPr id="15" name="Straight Connector 14">
-            <a:extLst>
-              <a:ext uri="{FF2B5EF4-FFF2-40B4-BE49-F238E27FC236}">
-                <a16:creationId xmlns:a16="http://schemas.microsoft.com/office/drawing/2014/main" id="{963A9D78-4EB7-7F15-E4A5-F6CCC53FC0ED}"/>
-              </a:ext>
-            </a:extLst>
-          </p:cNvPr>
-          <p:cNvCxnSpPr/>
-          <p:nvPr/>
-        </p:nvCxnSpPr>
-        <p:spPr>
-          <a:xfrm flipV="1">
-            <a:off x="5457048" y="2061387"/>
-            <a:ext cx="0" cy="164306"/>
-          </a:xfrm>
-          <a:prstGeom prst="line">
-            <a:avLst/>
-          </a:prstGeom>
-        </p:spPr>
-        <p:style>
-          <a:lnRef idx="1">
-            <a:schemeClr val="accent1"/>
-          </a:lnRef>
-          <a:fillRef idx="0">
-            <a:schemeClr val="accent1"/>
-          </a:fillRef>
-          <a:effectRef idx="0">
-            <a:schemeClr val="accent1"/>
-          </a:effectRef>
-          <a:fontRef idx="minor">
-            <a:schemeClr val="tx1"/>
-          </a:fontRef>
-        </p:style>
-      </p:cxnSp>
     </p:spTree>
     <p:extLst>
       <p:ext uri="{BB962C8B-B14F-4D97-AF65-F5344CB8AC3E}">

--- a/media/workshop.pptx
+++ b/media/workshop.pptx
@@ -7667,391 +7667,6 @@
           <a:chExt cx="0" cy="0"/>
         </a:xfrm>
       </p:grpSpPr>
-      <p:sp>
-        <p:nvSpPr>
-          <p:cNvPr id="9" name="Rectangle 8">
-            <a:extLst>
-              <a:ext uri="{FF2B5EF4-FFF2-40B4-BE49-F238E27FC236}">
-                <a16:creationId xmlns:a16="http://schemas.microsoft.com/office/drawing/2014/main" id="{6809A07A-D820-B880-DED7-CA4D4B7242FE}"/>
-              </a:ext>
-            </a:extLst>
-          </p:cNvPr>
-          <p:cNvSpPr/>
-          <p:nvPr/>
-        </p:nvSpPr>
-        <p:spPr>
-          <a:xfrm>
-            <a:off x="5925900" y="2043112"/>
-            <a:ext cx="4225051" cy="4229576"/>
-          </a:xfrm>
-          <a:prstGeom prst="rect">
-            <a:avLst/>
-          </a:prstGeom>
-          <a:solidFill>
-            <a:srgbClr val="4472C4">
-              <a:alpha val="0"/>
-            </a:srgbClr>
-          </a:solidFill>
-          <a:ln>
-            <a:solidFill>
-              <a:schemeClr val="accent1"/>
-            </a:solidFill>
-          </a:ln>
-        </p:spPr>
-        <p:style>
-          <a:lnRef idx="2">
-            <a:schemeClr val="accent1">
-              <a:shade val="15000"/>
-            </a:schemeClr>
-          </a:lnRef>
-          <a:fillRef idx="1">
-            <a:schemeClr val="accent1"/>
-          </a:fillRef>
-          <a:effectRef idx="0">
-            <a:schemeClr val="accent1"/>
-          </a:effectRef>
-          <a:fontRef idx="minor">
-            <a:schemeClr val="lt1"/>
-          </a:fontRef>
-        </p:style>
-        <p:txBody>
-          <a:bodyPr rtlCol="0" anchor="ctr"/>
-          <a:lstStyle/>
-          <a:p>
-            <a:pPr algn="ctr"/>
-            <a:endParaRPr lang="en-GB"/>
-          </a:p>
-        </p:txBody>
-      </p:sp>
-      <p:grpSp>
-        <p:nvGrpSpPr>
-          <p:cNvPr id="14" name="Group 13">
-            <a:extLst>
-              <a:ext uri="{FF2B5EF4-FFF2-40B4-BE49-F238E27FC236}">
-                <a16:creationId xmlns:a16="http://schemas.microsoft.com/office/drawing/2014/main" id="{08AD9212-A1F4-FB7D-E0F0-25F1C33BD083}"/>
-              </a:ext>
-            </a:extLst>
-          </p:cNvPr>
-          <p:cNvGrpSpPr>
-            <a:grpSpLocks noChangeAspect="1"/>
-          </p:cNvGrpSpPr>
-          <p:nvPr/>
-        </p:nvGrpSpPr>
-        <p:grpSpPr>
-          <a:xfrm>
-            <a:off x="5918025" y="2117423"/>
-            <a:ext cx="4240800" cy="4073399"/>
-            <a:chOff x="690800" y="714375"/>
-            <a:chExt cx="4234816" cy="4067651"/>
-          </a:xfrm>
-        </p:grpSpPr>
-        <p:pic>
-          <p:nvPicPr>
-            <p:cNvPr id="4" name="Picture 3" descr="A black background with a black square&#10;&#10;Description automatically generated with medium confidence">
-              <a:extLst>
-                <a:ext uri="{FF2B5EF4-FFF2-40B4-BE49-F238E27FC236}">
-                  <a16:creationId xmlns:a16="http://schemas.microsoft.com/office/drawing/2014/main" id="{A5D7D8B0-2C2B-E1C3-1F2D-6C86605BCBC0}"/>
-                </a:ext>
-              </a:extLst>
-            </p:cNvPr>
-            <p:cNvPicPr>
-              <a:picLocks noChangeAspect="1"/>
-            </p:cNvPicPr>
-            <p:nvPr/>
-          </p:nvPicPr>
-          <p:blipFill>
-            <a:blip r:embed="rId2">
-              <a:extLst>
-                <a:ext uri="{28A0092B-C50C-407E-A947-70E740481C1C}">
-                  <a14:useLocalDpi xmlns:a14="http://schemas.microsoft.com/office/drawing/2010/main" val="0"/>
-                </a:ext>
-              </a:extLst>
-            </a:blip>
-            <a:srcRect r="50163" b="72751"/>
-            <a:stretch/>
-          </p:blipFill>
-          <p:spPr>
-            <a:xfrm>
-              <a:off x="700325" y="714375"/>
-              <a:ext cx="2107883" cy="1152524"/>
-            </a:xfrm>
-            <a:prstGeom prst="rect">
-              <a:avLst/>
-            </a:prstGeom>
-          </p:spPr>
-        </p:pic>
-        <p:pic>
-          <p:nvPicPr>
-            <p:cNvPr id="12" name="Picture 11" descr="A black background with a black square&#10;&#10;Description automatically generated with medium confidence">
-              <a:extLst>
-                <a:ext uri="{FF2B5EF4-FFF2-40B4-BE49-F238E27FC236}">
-                  <a16:creationId xmlns:a16="http://schemas.microsoft.com/office/drawing/2014/main" id="{DE774470-CF4F-D902-4851-2F0AA3846086}"/>
-                </a:ext>
-              </a:extLst>
-            </p:cNvPr>
-            <p:cNvPicPr>
-              <a:picLocks noChangeAspect="1"/>
-            </p:cNvPicPr>
-            <p:nvPr/>
-          </p:nvPicPr>
-          <p:blipFill>
-            <a:blip r:embed="rId2">
-              <a:extLst>
-                <a:ext uri="{28A0092B-C50C-407E-A947-70E740481C1C}">
-                  <a14:useLocalDpi xmlns:a14="http://schemas.microsoft.com/office/drawing/2010/main" val="0"/>
-                </a:ext>
-              </a:extLst>
-            </a:blip>
-            <a:srcRect t="27249"/>
-            <a:stretch/>
-          </p:blipFill>
-          <p:spPr>
-            <a:xfrm>
-              <a:off x="690800" y="1704974"/>
-              <a:ext cx="4229576" cy="3077052"/>
-            </a:xfrm>
-            <a:prstGeom prst="rect">
-              <a:avLst/>
-            </a:prstGeom>
-          </p:spPr>
-        </p:pic>
-        <p:pic>
-          <p:nvPicPr>
-            <p:cNvPr id="13" name="Picture 12" descr="A black background with a black square&#10;&#10;Description automatically generated with medium confidence">
-              <a:extLst>
-                <a:ext uri="{FF2B5EF4-FFF2-40B4-BE49-F238E27FC236}">
-                  <a16:creationId xmlns:a16="http://schemas.microsoft.com/office/drawing/2014/main" id="{741702BA-755C-F670-0E09-A3A028844E0F}"/>
-                </a:ext>
-              </a:extLst>
-            </p:cNvPr>
-            <p:cNvPicPr>
-              <a:picLocks noChangeAspect="1"/>
-            </p:cNvPicPr>
-            <p:nvPr/>
-          </p:nvPicPr>
-          <p:blipFill>
-            <a:blip r:embed="rId2">
-              <a:extLst>
-                <a:ext uri="{28A0092B-C50C-407E-A947-70E740481C1C}">
-                  <a14:useLocalDpi xmlns:a14="http://schemas.microsoft.com/office/drawing/2010/main" val="0"/>
-                </a:ext>
-              </a:extLst>
-            </a:blip>
-            <a:srcRect l="50163" b="72751"/>
-            <a:stretch/>
-          </p:blipFill>
-          <p:spPr>
-            <a:xfrm>
-              <a:off x="2817733" y="714375"/>
-              <a:ext cx="2107883" cy="1152524"/>
-            </a:xfrm>
-            <a:prstGeom prst="rect">
-              <a:avLst/>
-            </a:prstGeom>
-          </p:spPr>
-        </p:pic>
-      </p:grpSp>
-      <p:grpSp>
-        <p:nvGrpSpPr>
-          <p:cNvPr id="10" name="Group 9">
-            <a:extLst>
-              <a:ext uri="{FF2B5EF4-FFF2-40B4-BE49-F238E27FC236}">
-                <a16:creationId xmlns:a16="http://schemas.microsoft.com/office/drawing/2014/main" id="{90A69104-420F-9C46-CF25-3F52F76DDE72}"/>
-              </a:ext>
-            </a:extLst>
-          </p:cNvPr>
-          <p:cNvGrpSpPr/>
-          <p:nvPr/>
-        </p:nvGrpSpPr>
-        <p:grpSpPr>
-          <a:xfrm>
-            <a:off x="1276457" y="2043112"/>
-            <a:ext cx="4241007" cy="4229576"/>
-            <a:chOff x="1276457" y="2043112"/>
-            <a:chExt cx="4241007" cy="4229576"/>
-          </a:xfrm>
-        </p:grpSpPr>
-        <p:grpSp>
-          <p:nvGrpSpPr>
-            <p:cNvPr id="8" name="Group 7">
-              <a:extLst>
-                <a:ext uri="{FF2B5EF4-FFF2-40B4-BE49-F238E27FC236}">
-                  <a16:creationId xmlns:a16="http://schemas.microsoft.com/office/drawing/2014/main" id="{609CFC0A-2D3E-8CA9-7F63-151983042D4B}"/>
-                </a:ext>
-              </a:extLst>
-            </p:cNvPr>
-            <p:cNvGrpSpPr/>
-            <p:nvPr/>
-          </p:nvGrpSpPr>
-          <p:grpSpPr>
-            <a:xfrm>
-              <a:off x="1276457" y="2117423"/>
-              <a:ext cx="4241007" cy="4077176"/>
-              <a:chOff x="563244" y="519112"/>
-              <a:chExt cx="4241007" cy="4077176"/>
-            </a:xfrm>
-          </p:grpSpPr>
-          <p:pic>
-            <p:nvPicPr>
-              <p:cNvPr id="6" name="Picture 5" descr="A black background with a black square&#10;&#10;Description automatically generated with medium confidence">
-                <a:extLst>
-                  <a:ext uri="{FF2B5EF4-FFF2-40B4-BE49-F238E27FC236}">
-                    <a16:creationId xmlns:a16="http://schemas.microsoft.com/office/drawing/2014/main" id="{7088E6FD-37D2-0567-B4CB-6F1F460B281C}"/>
-                  </a:ext>
-                </a:extLst>
-              </p:cNvPr>
-              <p:cNvPicPr>
-                <a:picLocks noChangeAspect="1"/>
-              </p:cNvPicPr>
-              <p:nvPr/>
-            </p:nvPicPr>
-            <p:blipFill>
-              <a:blip r:embed="rId3">
-                <a:extLst>
-                  <a:ext uri="{28A0092B-C50C-407E-A947-70E740481C1C}">
-                    <a14:useLocalDpi xmlns:a14="http://schemas.microsoft.com/office/drawing/2010/main" val="0"/>
-                  </a:ext>
-                </a:extLst>
-              </a:blip>
-              <a:srcRect r="49893" b="72751"/>
-              <a:stretch/>
-            </p:blipFill>
-            <p:spPr>
-              <a:xfrm>
-                <a:off x="563244" y="519112"/>
-                <a:ext cx="2119312" cy="1152525"/>
-              </a:xfrm>
-              <a:prstGeom prst="rect">
-                <a:avLst/>
-              </a:prstGeom>
-            </p:spPr>
-          </p:pic>
-          <p:pic>
-            <p:nvPicPr>
-              <p:cNvPr id="5" name="Picture 4" descr="A black background with a black square&#10;&#10;Description automatically generated with medium confidence">
-                <a:extLst>
-                  <a:ext uri="{FF2B5EF4-FFF2-40B4-BE49-F238E27FC236}">
-                    <a16:creationId xmlns:a16="http://schemas.microsoft.com/office/drawing/2014/main" id="{C7B99209-2ADB-36C1-5584-12D0F0207A4F}"/>
-                  </a:ext>
-                </a:extLst>
-              </p:cNvPr>
-              <p:cNvPicPr>
-                <a:picLocks noChangeAspect="1"/>
-              </p:cNvPicPr>
-              <p:nvPr/>
-            </p:nvPicPr>
-            <p:blipFill>
-              <a:blip r:embed="rId3">
-                <a:extLst>
-                  <a:ext uri="{28A0092B-C50C-407E-A947-70E740481C1C}">
-                    <a14:useLocalDpi xmlns:a14="http://schemas.microsoft.com/office/drawing/2010/main" val="0"/>
-                  </a:ext>
-                </a:extLst>
-              </a:blip>
-              <a:srcRect t="27249"/>
-              <a:stretch/>
-            </p:blipFill>
-            <p:spPr>
-              <a:xfrm>
-                <a:off x="574675" y="1519237"/>
-                <a:ext cx="4229576" cy="3077051"/>
-              </a:xfrm>
-              <a:prstGeom prst="rect">
-                <a:avLst/>
-              </a:prstGeom>
-            </p:spPr>
-          </p:pic>
-          <p:pic>
-            <p:nvPicPr>
-              <p:cNvPr id="7" name="Picture 6" descr="A black background with a black square&#10;&#10;Description automatically generated with medium confidence">
-                <a:extLst>
-                  <a:ext uri="{FF2B5EF4-FFF2-40B4-BE49-F238E27FC236}">
-                    <a16:creationId xmlns:a16="http://schemas.microsoft.com/office/drawing/2014/main" id="{F19AB945-9578-49A6-FD91-ED2A5AB2D64D}"/>
-                  </a:ext>
-                </a:extLst>
-              </p:cNvPr>
-              <p:cNvPicPr>
-                <a:picLocks noChangeAspect="1"/>
-              </p:cNvPicPr>
-              <p:nvPr/>
-            </p:nvPicPr>
-            <p:blipFill>
-              <a:blip r:embed="rId3">
-                <a:extLst>
-                  <a:ext uri="{28A0092B-C50C-407E-A947-70E740481C1C}">
-                    <a14:useLocalDpi xmlns:a14="http://schemas.microsoft.com/office/drawing/2010/main" val="0"/>
-                  </a:ext>
-                </a:extLst>
-              </a:blip>
-              <a:srcRect l="49892" r="1" b="72751"/>
-              <a:stretch/>
-            </p:blipFill>
-            <p:spPr>
-              <a:xfrm>
-                <a:off x="2684939" y="519112"/>
-                <a:ext cx="2119312" cy="1152525"/>
-              </a:xfrm>
-              <a:prstGeom prst="rect">
-                <a:avLst/>
-              </a:prstGeom>
-            </p:spPr>
-          </p:pic>
-        </p:grpSp>
-        <p:sp>
-          <p:nvSpPr>
-            <p:cNvPr id="2" name="Rectangle 1">
-              <a:extLst>
-                <a:ext uri="{FF2B5EF4-FFF2-40B4-BE49-F238E27FC236}">
-                  <a16:creationId xmlns:a16="http://schemas.microsoft.com/office/drawing/2014/main" id="{D8F92CE4-C7AD-8BAF-EAC6-5B20A4CDB6DC}"/>
-                </a:ext>
-              </a:extLst>
-            </p:cNvPr>
-            <p:cNvSpPr/>
-            <p:nvPr/>
-          </p:nvSpPr>
-          <p:spPr>
-            <a:xfrm>
-              <a:off x="1284436" y="2043112"/>
-              <a:ext cx="4225051" cy="4229576"/>
-            </a:xfrm>
-            <a:prstGeom prst="rect">
-              <a:avLst/>
-            </a:prstGeom>
-            <a:solidFill>
-              <a:srgbClr val="4472C4">
-                <a:alpha val="0"/>
-              </a:srgbClr>
-            </a:solidFill>
-            <a:ln>
-              <a:noFill/>
-            </a:ln>
-          </p:spPr>
-          <p:style>
-            <a:lnRef idx="2">
-              <a:schemeClr val="accent1">
-                <a:shade val="15000"/>
-              </a:schemeClr>
-            </a:lnRef>
-            <a:fillRef idx="1">
-              <a:schemeClr val="accent1"/>
-            </a:fillRef>
-            <a:effectRef idx="0">
-              <a:schemeClr val="accent1"/>
-            </a:effectRef>
-            <a:fontRef idx="minor">
-              <a:schemeClr val="lt1"/>
-            </a:fontRef>
-          </p:style>
-          <p:txBody>
-            <a:bodyPr rtlCol="0" anchor="ctr"/>
-            <a:lstStyle/>
-            <a:p>
-              <a:pPr algn="ctr"/>
-              <a:endParaRPr lang="en-GB" dirty="0"/>
-            </a:p>
-          </p:txBody>
-        </p:sp>
-      </p:grpSp>
       <p:pic>
         <p:nvPicPr>
           <p:cNvPr id="21" name="Picture 20" descr="A black background with a black square&#10;&#10;Description automatically generated with medium confidence">
@@ -8067,7 +7682,7 @@
           <p:nvPr/>
         </p:nvPicPr>
         <p:blipFill>
-          <a:blip r:embed="rId3">
+          <a:blip r:embed="rId2">
             <a:extLst>
               <a:ext uri="{28A0092B-C50C-407E-A947-70E740481C1C}">
                 <a14:useLocalDpi xmlns:a14="http://schemas.microsoft.com/office/drawing/2010/main" val="0"/>
@@ -8080,7 +7695,7 @@
         </p:blipFill>
         <p:spPr>
           <a:xfrm>
-            <a:off x="6787305" y="590074"/>
+            <a:off x="1946317" y="253912"/>
             <a:ext cx="1269841" cy="1269841"/>
           </a:xfrm>
           <a:prstGeom prst="rect">
@@ -8102,7 +7717,7 @@
         </p:nvGrpSpPr>
         <p:grpSpPr>
           <a:xfrm>
-            <a:off x="5517464" y="590074"/>
+            <a:off x="676476" y="253912"/>
             <a:ext cx="1269841" cy="1269841"/>
             <a:chOff x="4623495" y="2496403"/>
             <a:chExt cx="1269841" cy="1269841"/>
@@ -8123,7 +7738,7 @@
             <p:nvPr/>
           </p:nvPicPr>
           <p:blipFill>
-            <a:blip r:embed="rId4">
+            <a:blip r:embed="rId3">
               <a:extLst>
                 <a:ext uri="{28A0092B-C50C-407E-A947-70E740481C1C}">
                   <a14:useLocalDpi xmlns:a14="http://schemas.microsoft.com/office/drawing/2010/main" val="0"/>
@@ -8256,6 +7871,296 @@
             </a:p>
           </p:txBody>
         </p:sp>
+      </p:grpSp>
+      <p:grpSp>
+        <p:nvGrpSpPr>
+          <p:cNvPr id="42" name="Group 41">
+            <a:extLst>
+              <a:ext uri="{FF2B5EF4-FFF2-40B4-BE49-F238E27FC236}">
+                <a16:creationId xmlns:a16="http://schemas.microsoft.com/office/drawing/2014/main" id="{0F5E3E3E-B355-54F9-CCE4-C23F34E0EE84}"/>
+              </a:ext>
+            </a:extLst>
+          </p:cNvPr>
+          <p:cNvGrpSpPr/>
+          <p:nvPr/>
+        </p:nvGrpSpPr>
+        <p:grpSpPr>
+          <a:xfrm>
+            <a:off x="221516" y="2322512"/>
+            <a:ext cx="4229576" cy="4229576"/>
+            <a:chOff x="221516" y="2322512"/>
+            <a:chExt cx="4229576" cy="4229576"/>
+          </a:xfrm>
+        </p:grpSpPr>
+        <p:sp>
+          <p:nvSpPr>
+            <p:cNvPr id="9" name="Rectangle 8">
+              <a:extLst>
+                <a:ext uri="{FF2B5EF4-FFF2-40B4-BE49-F238E27FC236}">
+                  <a16:creationId xmlns:a16="http://schemas.microsoft.com/office/drawing/2014/main" id="{6809A07A-D820-B880-DED7-CA4D4B7242FE}"/>
+                </a:ext>
+              </a:extLst>
+            </p:cNvPr>
+            <p:cNvSpPr/>
+            <p:nvPr/>
+          </p:nvSpPr>
+          <p:spPr>
+            <a:xfrm>
+              <a:off x="221516" y="2322512"/>
+              <a:ext cx="4225051" cy="4229576"/>
+            </a:xfrm>
+            <a:prstGeom prst="rect">
+              <a:avLst/>
+            </a:prstGeom>
+            <a:noFill/>
+            <a:ln>
+              <a:noFill/>
+            </a:ln>
+          </p:spPr>
+          <p:style>
+            <a:lnRef idx="2">
+              <a:schemeClr val="accent1">
+                <a:shade val="15000"/>
+              </a:schemeClr>
+            </a:lnRef>
+            <a:fillRef idx="1">
+              <a:schemeClr val="accent1"/>
+            </a:fillRef>
+            <a:effectRef idx="0">
+              <a:schemeClr val="accent1"/>
+            </a:effectRef>
+            <a:fontRef idx="minor">
+              <a:schemeClr val="lt1"/>
+            </a:fontRef>
+          </p:style>
+          <p:txBody>
+            <a:bodyPr rtlCol="0" anchor="ctr"/>
+            <a:lstStyle/>
+            <a:p>
+              <a:pPr algn="ctr"/>
+              <a:endParaRPr lang="en-GB"/>
+            </a:p>
+          </p:txBody>
+        </p:sp>
+        <p:pic>
+          <p:nvPicPr>
+            <p:cNvPr id="37" name="Picture 36">
+              <a:extLst>
+                <a:ext uri="{FF2B5EF4-FFF2-40B4-BE49-F238E27FC236}">
+                  <a16:creationId xmlns:a16="http://schemas.microsoft.com/office/drawing/2014/main" id="{9EE4B836-C68E-8CF3-E46A-3429C28F6767}"/>
+                </a:ext>
+              </a:extLst>
+            </p:cNvPr>
+            <p:cNvPicPr>
+              <a:picLocks noChangeAspect="1"/>
+            </p:cNvPicPr>
+            <p:nvPr/>
+          </p:nvPicPr>
+          <p:blipFill>
+            <a:blip r:embed="rId4">
+              <a:extLst>
+                <a:ext uri="{28A0092B-C50C-407E-A947-70E740481C1C}">
+                  <a14:useLocalDpi xmlns:a14="http://schemas.microsoft.com/office/drawing/2010/main" val="0"/>
+                </a:ext>
+              </a:extLst>
+            </a:blip>
+            <a:srcRect t="26161"/>
+            <a:stretch>
+              <a:fillRect/>
+            </a:stretch>
+          </p:blipFill>
+          <p:spPr>
+            <a:xfrm>
+              <a:off x="221516" y="3429000"/>
+              <a:ext cx="4229576" cy="3123088"/>
+            </a:xfrm>
+            <a:prstGeom prst="rect">
+              <a:avLst/>
+            </a:prstGeom>
+          </p:spPr>
+        </p:pic>
+        <p:pic>
+          <p:nvPicPr>
+            <p:cNvPr id="40" name="Picture 39">
+              <a:extLst>
+                <a:ext uri="{FF2B5EF4-FFF2-40B4-BE49-F238E27FC236}">
+                  <a16:creationId xmlns:a16="http://schemas.microsoft.com/office/drawing/2014/main" id="{1FB5F885-37F3-4413-9227-97C132C4E7C6}"/>
+                </a:ext>
+              </a:extLst>
+            </p:cNvPr>
+            <p:cNvPicPr>
+              <a:picLocks noChangeAspect="1"/>
+            </p:cNvPicPr>
+            <p:nvPr/>
+          </p:nvPicPr>
+          <p:blipFill>
+            <a:blip r:embed="rId4">
+              <a:extLst>
+                <a:ext uri="{28A0092B-C50C-407E-A947-70E740481C1C}">
+                  <a14:useLocalDpi xmlns:a14="http://schemas.microsoft.com/office/drawing/2010/main" val="0"/>
+                </a:ext>
+              </a:extLst>
+            </a:blip>
+            <a:srcRect b="73839"/>
+            <a:stretch>
+              <a:fillRect/>
+            </a:stretch>
+          </p:blipFill>
+          <p:spPr>
+            <a:xfrm>
+              <a:off x="221516" y="2493962"/>
+              <a:ext cx="4229576" cy="1106488"/>
+            </a:xfrm>
+            <a:prstGeom prst="rect">
+              <a:avLst/>
+            </a:prstGeom>
+          </p:spPr>
+        </p:pic>
+      </p:grpSp>
+      <p:grpSp>
+        <p:nvGrpSpPr>
+          <p:cNvPr id="43" name="Group 42">
+            <a:extLst>
+              <a:ext uri="{FF2B5EF4-FFF2-40B4-BE49-F238E27FC236}">
+                <a16:creationId xmlns:a16="http://schemas.microsoft.com/office/drawing/2014/main" id="{35B5F530-A078-99EE-E3FD-CB47B5600236}"/>
+              </a:ext>
+            </a:extLst>
+          </p:cNvPr>
+          <p:cNvGrpSpPr/>
+          <p:nvPr/>
+        </p:nvGrpSpPr>
+        <p:grpSpPr>
+          <a:xfrm>
+            <a:off x="4948623" y="2322512"/>
+            <a:ext cx="4234101" cy="4229576"/>
+            <a:chOff x="4948623" y="2322512"/>
+            <a:chExt cx="4234101" cy="4229576"/>
+          </a:xfrm>
+        </p:grpSpPr>
+        <p:sp>
+          <p:nvSpPr>
+            <p:cNvPr id="30" name="Rectangle 29">
+              <a:extLst>
+                <a:ext uri="{FF2B5EF4-FFF2-40B4-BE49-F238E27FC236}">
+                  <a16:creationId xmlns:a16="http://schemas.microsoft.com/office/drawing/2014/main" id="{1F951131-5771-7009-259A-8454E7A839DD}"/>
+                </a:ext>
+              </a:extLst>
+            </p:cNvPr>
+            <p:cNvSpPr/>
+            <p:nvPr/>
+          </p:nvSpPr>
+          <p:spPr>
+            <a:xfrm>
+              <a:off x="4957673" y="2322512"/>
+              <a:ext cx="4225051" cy="4229576"/>
+            </a:xfrm>
+            <a:prstGeom prst="rect">
+              <a:avLst/>
+            </a:prstGeom>
+            <a:noFill/>
+            <a:ln>
+              <a:noFill/>
+            </a:ln>
+          </p:spPr>
+          <p:style>
+            <a:lnRef idx="2">
+              <a:schemeClr val="accent1">
+                <a:shade val="15000"/>
+              </a:schemeClr>
+            </a:lnRef>
+            <a:fillRef idx="1">
+              <a:schemeClr val="accent1"/>
+            </a:fillRef>
+            <a:effectRef idx="0">
+              <a:schemeClr val="accent1"/>
+            </a:effectRef>
+            <a:fontRef idx="minor">
+              <a:schemeClr val="lt1"/>
+            </a:fontRef>
+          </p:style>
+          <p:txBody>
+            <a:bodyPr rtlCol="0" anchor="ctr"/>
+            <a:lstStyle/>
+            <a:p>
+              <a:pPr algn="ctr"/>
+              <a:endParaRPr lang="en-GB"/>
+            </a:p>
+          </p:txBody>
+        </p:sp>
+        <p:pic>
+          <p:nvPicPr>
+            <p:cNvPr id="35" name="Picture 34" descr="A black background with a black square&#10;&#10;Description automatically generated with medium confidence">
+              <a:extLst>
+                <a:ext uri="{FF2B5EF4-FFF2-40B4-BE49-F238E27FC236}">
+                  <a16:creationId xmlns:a16="http://schemas.microsoft.com/office/drawing/2014/main" id="{E98F17A1-FE7C-DDB2-00A6-907A41F85B14}"/>
+                </a:ext>
+              </a:extLst>
+            </p:cNvPr>
+            <p:cNvPicPr>
+              <a:picLocks noChangeAspect="1"/>
+            </p:cNvPicPr>
+            <p:nvPr/>
+          </p:nvPicPr>
+          <p:blipFill>
+            <a:blip r:embed="rId2">
+              <a:extLst>
+                <a:ext uri="{28A0092B-C50C-407E-A947-70E740481C1C}">
+                  <a14:useLocalDpi xmlns:a14="http://schemas.microsoft.com/office/drawing/2010/main" val="0"/>
+                </a:ext>
+              </a:extLst>
+            </a:blip>
+            <a:srcRect t="26161"/>
+            <a:stretch>
+              <a:fillRect/>
+            </a:stretch>
+          </p:blipFill>
+          <p:spPr>
+            <a:xfrm>
+              <a:off x="4953148" y="3428998"/>
+              <a:ext cx="4229576" cy="3123089"/>
+            </a:xfrm>
+            <a:prstGeom prst="rect">
+              <a:avLst/>
+            </a:prstGeom>
+          </p:spPr>
+        </p:pic>
+        <p:pic>
+          <p:nvPicPr>
+            <p:cNvPr id="41" name="Picture 40" descr="A black background with a black square&#10;&#10;Description automatically generated with medium confidence">
+              <a:extLst>
+                <a:ext uri="{FF2B5EF4-FFF2-40B4-BE49-F238E27FC236}">
+                  <a16:creationId xmlns:a16="http://schemas.microsoft.com/office/drawing/2014/main" id="{FF476C0D-7208-0EE2-69B5-4A85759A11E7}"/>
+                </a:ext>
+              </a:extLst>
+            </p:cNvPr>
+            <p:cNvPicPr>
+              <a:picLocks noChangeAspect="1"/>
+            </p:cNvPicPr>
+            <p:nvPr/>
+          </p:nvPicPr>
+          <p:blipFill>
+            <a:blip r:embed="rId2">
+              <a:extLst>
+                <a:ext uri="{28A0092B-C50C-407E-A947-70E740481C1C}">
+                  <a14:useLocalDpi xmlns:a14="http://schemas.microsoft.com/office/drawing/2010/main" val="0"/>
+                </a:ext>
+              </a:extLst>
+            </a:blip>
+            <a:srcRect b="73839"/>
+            <a:stretch>
+              <a:fillRect/>
+            </a:stretch>
+          </p:blipFill>
+          <p:spPr>
+            <a:xfrm>
+              <a:off x="4948623" y="2493962"/>
+              <a:ext cx="4229576" cy="1106488"/>
+            </a:xfrm>
+            <a:prstGeom prst="rect">
+              <a:avLst/>
+            </a:prstGeom>
+          </p:spPr>
+        </p:pic>
       </p:grpSp>
     </p:spTree>
     <p:extLst>

--- a/media/workshop.pptx
+++ b/media/workshop.pptx
@@ -11006,6 +11006,1880 @@
           <a:chExt cx="0" cy="0"/>
         </a:xfrm>
       </p:grpSpPr>
+      <p:grpSp>
+        <p:nvGrpSpPr>
+          <p:cNvPr id="1066" name="Group 1065">
+            <a:extLst>
+              <a:ext uri="{FF2B5EF4-FFF2-40B4-BE49-F238E27FC236}">
+                <a16:creationId xmlns:a16="http://schemas.microsoft.com/office/drawing/2014/main" id="{C78862DE-1A46-4B2C-2337-93A7038B9346}"/>
+              </a:ext>
+            </a:extLst>
+          </p:cNvPr>
+          <p:cNvGrpSpPr/>
+          <p:nvPr/>
+        </p:nvGrpSpPr>
+        <p:grpSpPr>
+          <a:xfrm>
+            <a:off x="3818841" y="3344561"/>
+            <a:ext cx="1234884" cy="1124657"/>
+            <a:chOff x="3818841" y="3344561"/>
+            <a:chExt cx="1234884" cy="1124657"/>
+          </a:xfrm>
+        </p:grpSpPr>
+        <p:sp>
+          <p:nvSpPr>
+            <p:cNvPr id="73" name="Freeform: Shape 72">
+              <a:extLst>
+                <a:ext uri="{FF2B5EF4-FFF2-40B4-BE49-F238E27FC236}">
+                  <a16:creationId xmlns:a16="http://schemas.microsoft.com/office/drawing/2014/main" id="{17775036-6CDC-54C1-BB59-04E371AA915A}"/>
+                </a:ext>
+              </a:extLst>
+            </p:cNvPr>
+            <p:cNvSpPr>
+              <a:spLocks/>
+            </p:cNvSpPr>
+            <p:nvPr/>
+          </p:nvSpPr>
+          <p:spPr>
+            <a:xfrm rot="20697523">
+              <a:off x="3943648" y="3505098"/>
+              <a:ext cx="982597" cy="709560"/>
+            </a:xfrm>
+            <a:custGeom>
+              <a:avLst/>
+              <a:gdLst>
+                <a:gd name="connsiteX0" fmla="*/ 1085707 w 1085707"/>
+                <a:gd name="connsiteY0" fmla="*/ 1522 h 703382"/>
+                <a:gd name="connsiteX1" fmla="*/ 1085707 w 1085707"/>
+                <a:gd name="connsiteY1" fmla="*/ 233559 h 703382"/>
+                <a:gd name="connsiteX2" fmla="*/ 1084733 w 1085707"/>
+                <a:gd name="connsiteY2" fmla="*/ 233559 h 703382"/>
+                <a:gd name="connsiteX3" fmla="*/ 1084429 w 1085707"/>
+                <a:gd name="connsiteY3" fmla="*/ 350240 h 703382"/>
+                <a:gd name="connsiteX4" fmla="*/ 916260 w 1085707"/>
+                <a:gd name="connsiteY4" fmla="*/ 349802 h 703382"/>
+                <a:gd name="connsiteX5" fmla="*/ 916259 w 1085707"/>
+                <a:gd name="connsiteY5" fmla="*/ 456025 h 703382"/>
+                <a:gd name="connsiteX6" fmla="*/ 868184 w 1085707"/>
+                <a:gd name="connsiteY6" fmla="*/ 456025 h 703382"/>
+                <a:gd name="connsiteX7" fmla="*/ 868184 w 1085707"/>
+                <a:gd name="connsiteY7" fmla="*/ 511982 h 703382"/>
+                <a:gd name="connsiteX8" fmla="*/ 783655 w 1085707"/>
+                <a:gd name="connsiteY8" fmla="*/ 511982 h 703382"/>
+                <a:gd name="connsiteX9" fmla="*/ 783655 w 1085707"/>
+                <a:gd name="connsiteY9" fmla="*/ 568426 h 703382"/>
+                <a:gd name="connsiteX10" fmla="*/ 698055 w 1085707"/>
+                <a:gd name="connsiteY10" fmla="*/ 568426 h 703382"/>
+                <a:gd name="connsiteX11" fmla="*/ 698055 w 1085707"/>
+                <a:gd name="connsiteY11" fmla="*/ 602140 h 703382"/>
+                <a:gd name="connsiteX12" fmla="*/ 516288 w 1085707"/>
+                <a:gd name="connsiteY12" fmla="*/ 602140 h 703382"/>
+                <a:gd name="connsiteX13" fmla="*/ 516288 w 1085707"/>
+                <a:gd name="connsiteY13" fmla="*/ 658889 h 703382"/>
+                <a:gd name="connsiteX14" fmla="*/ 448191 w 1085707"/>
+                <a:gd name="connsiteY14" fmla="*/ 658889 h 703382"/>
+                <a:gd name="connsiteX15" fmla="*/ 448191 w 1085707"/>
+                <a:gd name="connsiteY15" fmla="*/ 703382 h 703382"/>
+                <a:gd name="connsiteX16" fmla="*/ 321212 w 1085707"/>
+                <a:gd name="connsiteY16" fmla="*/ 703382 h 703382"/>
+                <a:gd name="connsiteX17" fmla="*/ 321212 w 1085707"/>
+                <a:gd name="connsiteY17" fmla="*/ 623625 h 703382"/>
+                <a:gd name="connsiteX18" fmla="*/ 321281 w 1085707"/>
+                <a:gd name="connsiteY18" fmla="*/ 623625 h 703382"/>
+                <a:gd name="connsiteX19" fmla="*/ 321281 w 1085707"/>
+                <a:gd name="connsiteY19" fmla="*/ 579132 h 703382"/>
+                <a:gd name="connsiteX20" fmla="*/ 357890 w 1085707"/>
+                <a:gd name="connsiteY20" fmla="*/ 579132 h 703382"/>
+                <a:gd name="connsiteX21" fmla="*/ 357889 w 1085707"/>
+                <a:gd name="connsiteY21" fmla="*/ 522383 h 703382"/>
+                <a:gd name="connsiteX22" fmla="*/ 426575 w 1085707"/>
+                <a:gd name="connsiteY22" fmla="*/ 522383 h 703382"/>
+                <a:gd name="connsiteX23" fmla="*/ 426575 w 1085707"/>
+                <a:gd name="connsiteY23" fmla="*/ 488669 h 703382"/>
+                <a:gd name="connsiteX24" fmla="*/ 511104 w 1085707"/>
+                <a:gd name="connsiteY24" fmla="*/ 488669 h 703382"/>
+                <a:gd name="connsiteX25" fmla="*/ 511104 w 1085707"/>
+                <a:gd name="connsiteY25" fmla="*/ 432225 h 703382"/>
+                <a:gd name="connsiteX26" fmla="*/ 550677 w 1085707"/>
+                <a:gd name="connsiteY26" fmla="*/ 432225 h 703382"/>
+                <a:gd name="connsiteX27" fmla="*/ 550677 w 1085707"/>
+                <a:gd name="connsiteY27" fmla="*/ 338966 h 703382"/>
+                <a:gd name="connsiteX28" fmla="*/ 477099 w 1085707"/>
+                <a:gd name="connsiteY28" fmla="*/ 265002 h 703382"/>
+                <a:gd name="connsiteX29" fmla="*/ 477181 w 1085707"/>
+                <a:gd name="connsiteY29" fmla="*/ 233559 h 703382"/>
+                <a:gd name="connsiteX30" fmla="*/ 364498 w 1085707"/>
+                <a:gd name="connsiteY30" fmla="*/ 233559 h 703382"/>
+                <a:gd name="connsiteX31" fmla="*/ 211854 w 1085707"/>
+                <a:gd name="connsiteY31" fmla="*/ 421260 h 703382"/>
+                <a:gd name="connsiteX32" fmla="*/ 141047 w 1085707"/>
+                <a:gd name="connsiteY32" fmla="*/ 684756 h 703382"/>
+                <a:gd name="connsiteX33" fmla="*/ 0 w 1085707"/>
+                <a:gd name="connsiteY33" fmla="*/ 646854 h 703382"/>
+                <a:gd name="connsiteX34" fmla="*/ 73913 w 1085707"/>
+                <a:gd name="connsiteY34" fmla="*/ 371797 h 703382"/>
+                <a:gd name="connsiteX35" fmla="*/ 60860 w 1085707"/>
+                <a:gd name="connsiteY35" fmla="*/ 361181 h 703382"/>
+                <a:gd name="connsiteX36" fmla="*/ 344332 w 1085707"/>
+                <a:gd name="connsiteY36" fmla="*/ 12605 h 703382"/>
+                <a:gd name="connsiteX37" fmla="*/ 344332 w 1085707"/>
+                <a:gd name="connsiteY37" fmla="*/ 1522 h 703382"/>
+                <a:gd name="connsiteX38" fmla="*/ 353346 w 1085707"/>
+                <a:gd name="connsiteY38" fmla="*/ 1522 h 703382"/>
+                <a:gd name="connsiteX39" fmla="*/ 354584 w 1085707"/>
+                <a:gd name="connsiteY39" fmla="*/ 0 h 703382"/>
+                <a:gd name="connsiteX40" fmla="*/ 356456 w 1085707"/>
+                <a:gd name="connsiteY40" fmla="*/ 1522 h 703382"/>
+                <a:gd name="csX0" fmla="*/ 1085707 w 1085707"/>
+                <a:gd name="csY0" fmla="*/ 1522 h 703382"/>
+                <a:gd name="csX1" fmla="*/ 1085707 w 1085707"/>
+                <a:gd name="csY1" fmla="*/ 233559 h 703382"/>
+                <a:gd name="csX2" fmla="*/ 1084733 w 1085707"/>
+                <a:gd name="csY2" fmla="*/ 233559 h 703382"/>
+                <a:gd name="csX3" fmla="*/ 1084429 w 1085707"/>
+                <a:gd name="csY3" fmla="*/ 350240 h 703382"/>
+                <a:gd name="csX4" fmla="*/ 916260 w 1085707"/>
+                <a:gd name="csY4" fmla="*/ 349802 h 703382"/>
+                <a:gd name="csX5" fmla="*/ 916259 w 1085707"/>
+                <a:gd name="csY5" fmla="*/ 456025 h 703382"/>
+                <a:gd name="csX6" fmla="*/ 868184 w 1085707"/>
+                <a:gd name="csY6" fmla="*/ 456025 h 703382"/>
+                <a:gd name="csX7" fmla="*/ 868184 w 1085707"/>
+                <a:gd name="csY7" fmla="*/ 511982 h 703382"/>
+                <a:gd name="csX8" fmla="*/ 783655 w 1085707"/>
+                <a:gd name="csY8" fmla="*/ 511982 h 703382"/>
+                <a:gd name="csX9" fmla="*/ 783655 w 1085707"/>
+                <a:gd name="csY9" fmla="*/ 568426 h 703382"/>
+                <a:gd name="csX10" fmla="*/ 698055 w 1085707"/>
+                <a:gd name="csY10" fmla="*/ 568426 h 703382"/>
+                <a:gd name="csX11" fmla="*/ 698055 w 1085707"/>
+                <a:gd name="csY11" fmla="*/ 602140 h 703382"/>
+                <a:gd name="csX12" fmla="*/ 516288 w 1085707"/>
+                <a:gd name="csY12" fmla="*/ 602140 h 703382"/>
+                <a:gd name="csX13" fmla="*/ 516288 w 1085707"/>
+                <a:gd name="csY13" fmla="*/ 658889 h 703382"/>
+                <a:gd name="csX14" fmla="*/ 448191 w 1085707"/>
+                <a:gd name="csY14" fmla="*/ 658889 h 703382"/>
+                <a:gd name="csX15" fmla="*/ 448191 w 1085707"/>
+                <a:gd name="csY15" fmla="*/ 703382 h 703382"/>
+                <a:gd name="csX16" fmla="*/ 321212 w 1085707"/>
+                <a:gd name="csY16" fmla="*/ 703382 h 703382"/>
+                <a:gd name="csX17" fmla="*/ 321212 w 1085707"/>
+                <a:gd name="csY17" fmla="*/ 623625 h 703382"/>
+                <a:gd name="csX18" fmla="*/ 321281 w 1085707"/>
+                <a:gd name="csY18" fmla="*/ 623625 h 703382"/>
+                <a:gd name="csX19" fmla="*/ 321281 w 1085707"/>
+                <a:gd name="csY19" fmla="*/ 579132 h 703382"/>
+                <a:gd name="csX20" fmla="*/ 357890 w 1085707"/>
+                <a:gd name="csY20" fmla="*/ 579132 h 703382"/>
+                <a:gd name="csX21" fmla="*/ 357889 w 1085707"/>
+                <a:gd name="csY21" fmla="*/ 522383 h 703382"/>
+                <a:gd name="csX22" fmla="*/ 426575 w 1085707"/>
+                <a:gd name="csY22" fmla="*/ 522383 h 703382"/>
+                <a:gd name="csX23" fmla="*/ 426575 w 1085707"/>
+                <a:gd name="csY23" fmla="*/ 488669 h 703382"/>
+                <a:gd name="csX24" fmla="*/ 511104 w 1085707"/>
+                <a:gd name="csY24" fmla="*/ 488669 h 703382"/>
+                <a:gd name="csX25" fmla="*/ 511104 w 1085707"/>
+                <a:gd name="csY25" fmla="*/ 432225 h 703382"/>
+                <a:gd name="csX26" fmla="*/ 550677 w 1085707"/>
+                <a:gd name="csY26" fmla="*/ 432225 h 703382"/>
+                <a:gd name="csX27" fmla="*/ 550677 w 1085707"/>
+                <a:gd name="csY27" fmla="*/ 338966 h 703382"/>
+                <a:gd name="csX28" fmla="*/ 477099 w 1085707"/>
+                <a:gd name="csY28" fmla="*/ 265002 h 703382"/>
+                <a:gd name="csX29" fmla="*/ 477181 w 1085707"/>
+                <a:gd name="csY29" fmla="*/ 233559 h 703382"/>
+                <a:gd name="csX30" fmla="*/ 364498 w 1085707"/>
+                <a:gd name="csY30" fmla="*/ 233559 h 703382"/>
+                <a:gd name="csX31" fmla="*/ 211854 w 1085707"/>
+                <a:gd name="csY31" fmla="*/ 421260 h 703382"/>
+                <a:gd name="csX32" fmla="*/ 243610 w 1085707"/>
+                <a:gd name="csY32" fmla="*/ 633860 h 703382"/>
+                <a:gd name="csX33" fmla="*/ 0 w 1085707"/>
+                <a:gd name="csY33" fmla="*/ 646854 h 703382"/>
+                <a:gd name="csX34" fmla="*/ 73913 w 1085707"/>
+                <a:gd name="csY34" fmla="*/ 371797 h 703382"/>
+                <a:gd name="csX35" fmla="*/ 60860 w 1085707"/>
+                <a:gd name="csY35" fmla="*/ 361181 h 703382"/>
+                <a:gd name="csX36" fmla="*/ 344332 w 1085707"/>
+                <a:gd name="csY36" fmla="*/ 12605 h 703382"/>
+                <a:gd name="csX37" fmla="*/ 344332 w 1085707"/>
+                <a:gd name="csY37" fmla="*/ 1522 h 703382"/>
+                <a:gd name="csX38" fmla="*/ 353346 w 1085707"/>
+                <a:gd name="csY38" fmla="*/ 1522 h 703382"/>
+                <a:gd name="csX39" fmla="*/ 354584 w 1085707"/>
+                <a:gd name="csY39" fmla="*/ 0 h 703382"/>
+                <a:gd name="csX40" fmla="*/ 356456 w 1085707"/>
+                <a:gd name="csY40" fmla="*/ 1522 h 703382"/>
+                <a:gd name="csX41" fmla="*/ 1085707 w 1085707"/>
+                <a:gd name="csY41" fmla="*/ 1522 h 703382"/>
+                <a:gd name="csX0" fmla="*/ 1085707 w 1085707"/>
+                <a:gd name="csY0" fmla="*/ 1522 h 703382"/>
+                <a:gd name="csX1" fmla="*/ 1085707 w 1085707"/>
+                <a:gd name="csY1" fmla="*/ 233559 h 703382"/>
+                <a:gd name="csX2" fmla="*/ 1084733 w 1085707"/>
+                <a:gd name="csY2" fmla="*/ 233559 h 703382"/>
+                <a:gd name="csX3" fmla="*/ 1084429 w 1085707"/>
+                <a:gd name="csY3" fmla="*/ 350240 h 703382"/>
+                <a:gd name="csX4" fmla="*/ 916260 w 1085707"/>
+                <a:gd name="csY4" fmla="*/ 349802 h 703382"/>
+                <a:gd name="csX5" fmla="*/ 916259 w 1085707"/>
+                <a:gd name="csY5" fmla="*/ 456025 h 703382"/>
+                <a:gd name="csX6" fmla="*/ 868184 w 1085707"/>
+                <a:gd name="csY6" fmla="*/ 456025 h 703382"/>
+                <a:gd name="csX7" fmla="*/ 868184 w 1085707"/>
+                <a:gd name="csY7" fmla="*/ 511982 h 703382"/>
+                <a:gd name="csX8" fmla="*/ 783655 w 1085707"/>
+                <a:gd name="csY8" fmla="*/ 511982 h 703382"/>
+                <a:gd name="csX9" fmla="*/ 783655 w 1085707"/>
+                <a:gd name="csY9" fmla="*/ 568426 h 703382"/>
+                <a:gd name="csX10" fmla="*/ 698055 w 1085707"/>
+                <a:gd name="csY10" fmla="*/ 568426 h 703382"/>
+                <a:gd name="csX11" fmla="*/ 698055 w 1085707"/>
+                <a:gd name="csY11" fmla="*/ 602140 h 703382"/>
+                <a:gd name="csX12" fmla="*/ 516288 w 1085707"/>
+                <a:gd name="csY12" fmla="*/ 602140 h 703382"/>
+                <a:gd name="csX13" fmla="*/ 516288 w 1085707"/>
+                <a:gd name="csY13" fmla="*/ 658889 h 703382"/>
+                <a:gd name="csX14" fmla="*/ 448191 w 1085707"/>
+                <a:gd name="csY14" fmla="*/ 658889 h 703382"/>
+                <a:gd name="csX15" fmla="*/ 448191 w 1085707"/>
+                <a:gd name="csY15" fmla="*/ 703382 h 703382"/>
+                <a:gd name="csX16" fmla="*/ 321212 w 1085707"/>
+                <a:gd name="csY16" fmla="*/ 703382 h 703382"/>
+                <a:gd name="csX17" fmla="*/ 321212 w 1085707"/>
+                <a:gd name="csY17" fmla="*/ 623625 h 703382"/>
+                <a:gd name="csX18" fmla="*/ 321281 w 1085707"/>
+                <a:gd name="csY18" fmla="*/ 623625 h 703382"/>
+                <a:gd name="csX19" fmla="*/ 321281 w 1085707"/>
+                <a:gd name="csY19" fmla="*/ 579132 h 703382"/>
+                <a:gd name="csX20" fmla="*/ 357890 w 1085707"/>
+                <a:gd name="csY20" fmla="*/ 579132 h 703382"/>
+                <a:gd name="csX21" fmla="*/ 357889 w 1085707"/>
+                <a:gd name="csY21" fmla="*/ 522383 h 703382"/>
+                <a:gd name="csX22" fmla="*/ 426575 w 1085707"/>
+                <a:gd name="csY22" fmla="*/ 522383 h 703382"/>
+                <a:gd name="csX23" fmla="*/ 426575 w 1085707"/>
+                <a:gd name="csY23" fmla="*/ 488669 h 703382"/>
+                <a:gd name="csX24" fmla="*/ 511104 w 1085707"/>
+                <a:gd name="csY24" fmla="*/ 488669 h 703382"/>
+                <a:gd name="csX25" fmla="*/ 511104 w 1085707"/>
+                <a:gd name="csY25" fmla="*/ 432225 h 703382"/>
+                <a:gd name="csX26" fmla="*/ 550677 w 1085707"/>
+                <a:gd name="csY26" fmla="*/ 432225 h 703382"/>
+                <a:gd name="csX27" fmla="*/ 550677 w 1085707"/>
+                <a:gd name="csY27" fmla="*/ 338966 h 703382"/>
+                <a:gd name="csX28" fmla="*/ 477099 w 1085707"/>
+                <a:gd name="csY28" fmla="*/ 265002 h 703382"/>
+                <a:gd name="csX29" fmla="*/ 477181 w 1085707"/>
+                <a:gd name="csY29" fmla="*/ 233559 h 703382"/>
+                <a:gd name="csX30" fmla="*/ 364498 w 1085707"/>
+                <a:gd name="csY30" fmla="*/ 233559 h 703382"/>
+                <a:gd name="csX31" fmla="*/ 253592 w 1085707"/>
+                <a:gd name="csY31" fmla="*/ 412824 h 703382"/>
+                <a:gd name="csX32" fmla="*/ 243610 w 1085707"/>
+                <a:gd name="csY32" fmla="*/ 633860 h 703382"/>
+                <a:gd name="csX33" fmla="*/ 0 w 1085707"/>
+                <a:gd name="csY33" fmla="*/ 646854 h 703382"/>
+                <a:gd name="csX34" fmla="*/ 73913 w 1085707"/>
+                <a:gd name="csY34" fmla="*/ 371797 h 703382"/>
+                <a:gd name="csX35" fmla="*/ 60860 w 1085707"/>
+                <a:gd name="csY35" fmla="*/ 361181 h 703382"/>
+                <a:gd name="csX36" fmla="*/ 344332 w 1085707"/>
+                <a:gd name="csY36" fmla="*/ 12605 h 703382"/>
+                <a:gd name="csX37" fmla="*/ 344332 w 1085707"/>
+                <a:gd name="csY37" fmla="*/ 1522 h 703382"/>
+                <a:gd name="csX38" fmla="*/ 353346 w 1085707"/>
+                <a:gd name="csY38" fmla="*/ 1522 h 703382"/>
+                <a:gd name="csX39" fmla="*/ 354584 w 1085707"/>
+                <a:gd name="csY39" fmla="*/ 0 h 703382"/>
+                <a:gd name="csX40" fmla="*/ 356456 w 1085707"/>
+                <a:gd name="csY40" fmla="*/ 1522 h 703382"/>
+                <a:gd name="csX41" fmla="*/ 1085707 w 1085707"/>
+                <a:gd name="csY41" fmla="*/ 1522 h 703382"/>
+                <a:gd name="csX0" fmla="*/ 1085707 w 1085707"/>
+                <a:gd name="csY0" fmla="*/ 1522 h 703382"/>
+                <a:gd name="csX1" fmla="*/ 1085707 w 1085707"/>
+                <a:gd name="csY1" fmla="*/ 233559 h 703382"/>
+                <a:gd name="csX2" fmla="*/ 1084733 w 1085707"/>
+                <a:gd name="csY2" fmla="*/ 233559 h 703382"/>
+                <a:gd name="csX3" fmla="*/ 1084429 w 1085707"/>
+                <a:gd name="csY3" fmla="*/ 350240 h 703382"/>
+                <a:gd name="csX4" fmla="*/ 916260 w 1085707"/>
+                <a:gd name="csY4" fmla="*/ 349802 h 703382"/>
+                <a:gd name="csX5" fmla="*/ 916259 w 1085707"/>
+                <a:gd name="csY5" fmla="*/ 456025 h 703382"/>
+                <a:gd name="csX6" fmla="*/ 868184 w 1085707"/>
+                <a:gd name="csY6" fmla="*/ 456025 h 703382"/>
+                <a:gd name="csX7" fmla="*/ 868184 w 1085707"/>
+                <a:gd name="csY7" fmla="*/ 511982 h 703382"/>
+                <a:gd name="csX8" fmla="*/ 783655 w 1085707"/>
+                <a:gd name="csY8" fmla="*/ 511982 h 703382"/>
+                <a:gd name="csX9" fmla="*/ 783655 w 1085707"/>
+                <a:gd name="csY9" fmla="*/ 568426 h 703382"/>
+                <a:gd name="csX10" fmla="*/ 698055 w 1085707"/>
+                <a:gd name="csY10" fmla="*/ 568426 h 703382"/>
+                <a:gd name="csX11" fmla="*/ 698055 w 1085707"/>
+                <a:gd name="csY11" fmla="*/ 602140 h 703382"/>
+                <a:gd name="csX12" fmla="*/ 516288 w 1085707"/>
+                <a:gd name="csY12" fmla="*/ 602140 h 703382"/>
+                <a:gd name="csX13" fmla="*/ 516288 w 1085707"/>
+                <a:gd name="csY13" fmla="*/ 658889 h 703382"/>
+                <a:gd name="csX14" fmla="*/ 448191 w 1085707"/>
+                <a:gd name="csY14" fmla="*/ 658889 h 703382"/>
+                <a:gd name="csX15" fmla="*/ 448191 w 1085707"/>
+                <a:gd name="csY15" fmla="*/ 703382 h 703382"/>
+                <a:gd name="csX16" fmla="*/ 321212 w 1085707"/>
+                <a:gd name="csY16" fmla="*/ 703382 h 703382"/>
+                <a:gd name="csX17" fmla="*/ 321212 w 1085707"/>
+                <a:gd name="csY17" fmla="*/ 623625 h 703382"/>
+                <a:gd name="csX18" fmla="*/ 321281 w 1085707"/>
+                <a:gd name="csY18" fmla="*/ 623625 h 703382"/>
+                <a:gd name="csX19" fmla="*/ 321281 w 1085707"/>
+                <a:gd name="csY19" fmla="*/ 579132 h 703382"/>
+                <a:gd name="csX20" fmla="*/ 357890 w 1085707"/>
+                <a:gd name="csY20" fmla="*/ 579132 h 703382"/>
+                <a:gd name="csX21" fmla="*/ 357889 w 1085707"/>
+                <a:gd name="csY21" fmla="*/ 522383 h 703382"/>
+                <a:gd name="csX22" fmla="*/ 426575 w 1085707"/>
+                <a:gd name="csY22" fmla="*/ 522383 h 703382"/>
+                <a:gd name="csX23" fmla="*/ 426575 w 1085707"/>
+                <a:gd name="csY23" fmla="*/ 488669 h 703382"/>
+                <a:gd name="csX24" fmla="*/ 511104 w 1085707"/>
+                <a:gd name="csY24" fmla="*/ 488669 h 703382"/>
+                <a:gd name="csX25" fmla="*/ 511104 w 1085707"/>
+                <a:gd name="csY25" fmla="*/ 432225 h 703382"/>
+                <a:gd name="csX26" fmla="*/ 550677 w 1085707"/>
+                <a:gd name="csY26" fmla="*/ 432225 h 703382"/>
+                <a:gd name="csX27" fmla="*/ 550677 w 1085707"/>
+                <a:gd name="csY27" fmla="*/ 338966 h 703382"/>
+                <a:gd name="csX28" fmla="*/ 477099 w 1085707"/>
+                <a:gd name="csY28" fmla="*/ 265002 h 703382"/>
+                <a:gd name="csX29" fmla="*/ 477181 w 1085707"/>
+                <a:gd name="csY29" fmla="*/ 233559 h 703382"/>
+                <a:gd name="csX30" fmla="*/ 364498 w 1085707"/>
+                <a:gd name="csY30" fmla="*/ 233559 h 703382"/>
+                <a:gd name="csX31" fmla="*/ 253592 w 1085707"/>
+                <a:gd name="csY31" fmla="*/ 412824 h 703382"/>
+                <a:gd name="csX32" fmla="*/ 243610 w 1085707"/>
+                <a:gd name="csY32" fmla="*/ 633860 h 703382"/>
+                <a:gd name="csX33" fmla="*/ 0 w 1085707"/>
+                <a:gd name="csY33" fmla="*/ 646854 h 703382"/>
+                <a:gd name="csX34" fmla="*/ 73913 w 1085707"/>
+                <a:gd name="csY34" fmla="*/ 371797 h 703382"/>
+                <a:gd name="csX35" fmla="*/ 116599 w 1085707"/>
+                <a:gd name="csY35" fmla="*/ 410248 h 703382"/>
+                <a:gd name="csX36" fmla="*/ 344332 w 1085707"/>
+                <a:gd name="csY36" fmla="*/ 12605 h 703382"/>
+                <a:gd name="csX37" fmla="*/ 344332 w 1085707"/>
+                <a:gd name="csY37" fmla="*/ 1522 h 703382"/>
+                <a:gd name="csX38" fmla="*/ 353346 w 1085707"/>
+                <a:gd name="csY38" fmla="*/ 1522 h 703382"/>
+                <a:gd name="csX39" fmla="*/ 354584 w 1085707"/>
+                <a:gd name="csY39" fmla="*/ 0 h 703382"/>
+                <a:gd name="csX40" fmla="*/ 356456 w 1085707"/>
+                <a:gd name="csY40" fmla="*/ 1522 h 703382"/>
+                <a:gd name="csX41" fmla="*/ 1085707 w 1085707"/>
+                <a:gd name="csY41" fmla="*/ 1522 h 703382"/>
+                <a:gd name="csX0" fmla="*/ 1085707 w 1085707"/>
+                <a:gd name="csY0" fmla="*/ 1522 h 703382"/>
+                <a:gd name="csX1" fmla="*/ 1085707 w 1085707"/>
+                <a:gd name="csY1" fmla="*/ 233559 h 703382"/>
+                <a:gd name="csX2" fmla="*/ 1084733 w 1085707"/>
+                <a:gd name="csY2" fmla="*/ 233559 h 703382"/>
+                <a:gd name="csX3" fmla="*/ 1084429 w 1085707"/>
+                <a:gd name="csY3" fmla="*/ 350240 h 703382"/>
+                <a:gd name="csX4" fmla="*/ 916260 w 1085707"/>
+                <a:gd name="csY4" fmla="*/ 349802 h 703382"/>
+                <a:gd name="csX5" fmla="*/ 916259 w 1085707"/>
+                <a:gd name="csY5" fmla="*/ 456025 h 703382"/>
+                <a:gd name="csX6" fmla="*/ 868184 w 1085707"/>
+                <a:gd name="csY6" fmla="*/ 456025 h 703382"/>
+                <a:gd name="csX7" fmla="*/ 868184 w 1085707"/>
+                <a:gd name="csY7" fmla="*/ 511982 h 703382"/>
+                <a:gd name="csX8" fmla="*/ 783655 w 1085707"/>
+                <a:gd name="csY8" fmla="*/ 511982 h 703382"/>
+                <a:gd name="csX9" fmla="*/ 783655 w 1085707"/>
+                <a:gd name="csY9" fmla="*/ 568426 h 703382"/>
+                <a:gd name="csX10" fmla="*/ 698055 w 1085707"/>
+                <a:gd name="csY10" fmla="*/ 568426 h 703382"/>
+                <a:gd name="csX11" fmla="*/ 698055 w 1085707"/>
+                <a:gd name="csY11" fmla="*/ 602140 h 703382"/>
+                <a:gd name="csX12" fmla="*/ 516288 w 1085707"/>
+                <a:gd name="csY12" fmla="*/ 602140 h 703382"/>
+                <a:gd name="csX13" fmla="*/ 516288 w 1085707"/>
+                <a:gd name="csY13" fmla="*/ 658889 h 703382"/>
+                <a:gd name="csX14" fmla="*/ 448191 w 1085707"/>
+                <a:gd name="csY14" fmla="*/ 658889 h 703382"/>
+                <a:gd name="csX15" fmla="*/ 448191 w 1085707"/>
+                <a:gd name="csY15" fmla="*/ 703382 h 703382"/>
+                <a:gd name="csX16" fmla="*/ 321212 w 1085707"/>
+                <a:gd name="csY16" fmla="*/ 703382 h 703382"/>
+                <a:gd name="csX17" fmla="*/ 321212 w 1085707"/>
+                <a:gd name="csY17" fmla="*/ 623625 h 703382"/>
+                <a:gd name="csX18" fmla="*/ 321281 w 1085707"/>
+                <a:gd name="csY18" fmla="*/ 623625 h 703382"/>
+                <a:gd name="csX19" fmla="*/ 321281 w 1085707"/>
+                <a:gd name="csY19" fmla="*/ 579132 h 703382"/>
+                <a:gd name="csX20" fmla="*/ 357890 w 1085707"/>
+                <a:gd name="csY20" fmla="*/ 579132 h 703382"/>
+                <a:gd name="csX21" fmla="*/ 357889 w 1085707"/>
+                <a:gd name="csY21" fmla="*/ 522383 h 703382"/>
+                <a:gd name="csX22" fmla="*/ 426575 w 1085707"/>
+                <a:gd name="csY22" fmla="*/ 522383 h 703382"/>
+                <a:gd name="csX23" fmla="*/ 426575 w 1085707"/>
+                <a:gd name="csY23" fmla="*/ 488669 h 703382"/>
+                <a:gd name="csX24" fmla="*/ 511104 w 1085707"/>
+                <a:gd name="csY24" fmla="*/ 488669 h 703382"/>
+                <a:gd name="csX25" fmla="*/ 511104 w 1085707"/>
+                <a:gd name="csY25" fmla="*/ 432225 h 703382"/>
+                <a:gd name="csX26" fmla="*/ 550677 w 1085707"/>
+                <a:gd name="csY26" fmla="*/ 432225 h 703382"/>
+                <a:gd name="csX27" fmla="*/ 550677 w 1085707"/>
+                <a:gd name="csY27" fmla="*/ 338966 h 703382"/>
+                <a:gd name="csX28" fmla="*/ 477099 w 1085707"/>
+                <a:gd name="csY28" fmla="*/ 265002 h 703382"/>
+                <a:gd name="csX29" fmla="*/ 477181 w 1085707"/>
+                <a:gd name="csY29" fmla="*/ 233559 h 703382"/>
+                <a:gd name="csX30" fmla="*/ 364498 w 1085707"/>
+                <a:gd name="csY30" fmla="*/ 233559 h 703382"/>
+                <a:gd name="csX31" fmla="*/ 253592 w 1085707"/>
+                <a:gd name="csY31" fmla="*/ 412824 h 703382"/>
+                <a:gd name="csX32" fmla="*/ 243610 w 1085707"/>
+                <a:gd name="csY32" fmla="*/ 633860 h 703382"/>
+                <a:gd name="csX33" fmla="*/ 0 w 1085707"/>
+                <a:gd name="csY33" fmla="*/ 646854 h 703382"/>
+                <a:gd name="csX34" fmla="*/ 73913 w 1085707"/>
+                <a:gd name="csY34" fmla="*/ 371797 h 703382"/>
+                <a:gd name="csX35" fmla="*/ 229131 w 1085707"/>
+                <a:gd name="csY35" fmla="*/ 122470 h 703382"/>
+                <a:gd name="csX36" fmla="*/ 344332 w 1085707"/>
+                <a:gd name="csY36" fmla="*/ 12605 h 703382"/>
+                <a:gd name="csX37" fmla="*/ 344332 w 1085707"/>
+                <a:gd name="csY37" fmla="*/ 1522 h 703382"/>
+                <a:gd name="csX38" fmla="*/ 353346 w 1085707"/>
+                <a:gd name="csY38" fmla="*/ 1522 h 703382"/>
+                <a:gd name="csX39" fmla="*/ 354584 w 1085707"/>
+                <a:gd name="csY39" fmla="*/ 0 h 703382"/>
+                <a:gd name="csX40" fmla="*/ 356456 w 1085707"/>
+                <a:gd name="csY40" fmla="*/ 1522 h 703382"/>
+                <a:gd name="csX41" fmla="*/ 1085707 w 1085707"/>
+                <a:gd name="csY41" fmla="*/ 1522 h 703382"/>
+                <a:gd name="csX0" fmla="*/ 1085707 w 1085707"/>
+                <a:gd name="csY0" fmla="*/ 1522 h 703382"/>
+                <a:gd name="csX1" fmla="*/ 1085707 w 1085707"/>
+                <a:gd name="csY1" fmla="*/ 233559 h 703382"/>
+                <a:gd name="csX2" fmla="*/ 1084733 w 1085707"/>
+                <a:gd name="csY2" fmla="*/ 233559 h 703382"/>
+                <a:gd name="csX3" fmla="*/ 1084429 w 1085707"/>
+                <a:gd name="csY3" fmla="*/ 350240 h 703382"/>
+                <a:gd name="csX4" fmla="*/ 916260 w 1085707"/>
+                <a:gd name="csY4" fmla="*/ 349802 h 703382"/>
+                <a:gd name="csX5" fmla="*/ 916259 w 1085707"/>
+                <a:gd name="csY5" fmla="*/ 456025 h 703382"/>
+                <a:gd name="csX6" fmla="*/ 868184 w 1085707"/>
+                <a:gd name="csY6" fmla="*/ 456025 h 703382"/>
+                <a:gd name="csX7" fmla="*/ 868184 w 1085707"/>
+                <a:gd name="csY7" fmla="*/ 511982 h 703382"/>
+                <a:gd name="csX8" fmla="*/ 783655 w 1085707"/>
+                <a:gd name="csY8" fmla="*/ 511982 h 703382"/>
+                <a:gd name="csX9" fmla="*/ 783655 w 1085707"/>
+                <a:gd name="csY9" fmla="*/ 568426 h 703382"/>
+                <a:gd name="csX10" fmla="*/ 698055 w 1085707"/>
+                <a:gd name="csY10" fmla="*/ 568426 h 703382"/>
+                <a:gd name="csX11" fmla="*/ 698055 w 1085707"/>
+                <a:gd name="csY11" fmla="*/ 602140 h 703382"/>
+                <a:gd name="csX12" fmla="*/ 516288 w 1085707"/>
+                <a:gd name="csY12" fmla="*/ 602140 h 703382"/>
+                <a:gd name="csX13" fmla="*/ 516288 w 1085707"/>
+                <a:gd name="csY13" fmla="*/ 658889 h 703382"/>
+                <a:gd name="csX14" fmla="*/ 448191 w 1085707"/>
+                <a:gd name="csY14" fmla="*/ 658889 h 703382"/>
+                <a:gd name="csX15" fmla="*/ 448191 w 1085707"/>
+                <a:gd name="csY15" fmla="*/ 703382 h 703382"/>
+                <a:gd name="csX16" fmla="*/ 321212 w 1085707"/>
+                <a:gd name="csY16" fmla="*/ 703382 h 703382"/>
+                <a:gd name="csX17" fmla="*/ 321212 w 1085707"/>
+                <a:gd name="csY17" fmla="*/ 623625 h 703382"/>
+                <a:gd name="csX18" fmla="*/ 321281 w 1085707"/>
+                <a:gd name="csY18" fmla="*/ 623625 h 703382"/>
+                <a:gd name="csX19" fmla="*/ 321281 w 1085707"/>
+                <a:gd name="csY19" fmla="*/ 579132 h 703382"/>
+                <a:gd name="csX20" fmla="*/ 357890 w 1085707"/>
+                <a:gd name="csY20" fmla="*/ 579132 h 703382"/>
+                <a:gd name="csX21" fmla="*/ 357889 w 1085707"/>
+                <a:gd name="csY21" fmla="*/ 522383 h 703382"/>
+                <a:gd name="csX22" fmla="*/ 426575 w 1085707"/>
+                <a:gd name="csY22" fmla="*/ 522383 h 703382"/>
+                <a:gd name="csX23" fmla="*/ 426575 w 1085707"/>
+                <a:gd name="csY23" fmla="*/ 488669 h 703382"/>
+                <a:gd name="csX24" fmla="*/ 511104 w 1085707"/>
+                <a:gd name="csY24" fmla="*/ 488669 h 703382"/>
+                <a:gd name="csX25" fmla="*/ 511104 w 1085707"/>
+                <a:gd name="csY25" fmla="*/ 432225 h 703382"/>
+                <a:gd name="csX26" fmla="*/ 550677 w 1085707"/>
+                <a:gd name="csY26" fmla="*/ 432225 h 703382"/>
+                <a:gd name="csX27" fmla="*/ 550677 w 1085707"/>
+                <a:gd name="csY27" fmla="*/ 338966 h 703382"/>
+                <a:gd name="csX28" fmla="*/ 477099 w 1085707"/>
+                <a:gd name="csY28" fmla="*/ 265002 h 703382"/>
+                <a:gd name="csX29" fmla="*/ 477181 w 1085707"/>
+                <a:gd name="csY29" fmla="*/ 233559 h 703382"/>
+                <a:gd name="csX30" fmla="*/ 364498 w 1085707"/>
+                <a:gd name="csY30" fmla="*/ 233559 h 703382"/>
+                <a:gd name="csX31" fmla="*/ 253592 w 1085707"/>
+                <a:gd name="csY31" fmla="*/ 412824 h 703382"/>
+                <a:gd name="csX32" fmla="*/ 243610 w 1085707"/>
+                <a:gd name="csY32" fmla="*/ 633860 h 703382"/>
+                <a:gd name="csX33" fmla="*/ 0 w 1085707"/>
+                <a:gd name="csY33" fmla="*/ 646854 h 703382"/>
+                <a:gd name="csX34" fmla="*/ 138649 w 1085707"/>
+                <a:gd name="csY34" fmla="*/ 369488 h 703382"/>
+                <a:gd name="csX35" fmla="*/ 229131 w 1085707"/>
+                <a:gd name="csY35" fmla="*/ 122470 h 703382"/>
+                <a:gd name="csX36" fmla="*/ 344332 w 1085707"/>
+                <a:gd name="csY36" fmla="*/ 12605 h 703382"/>
+                <a:gd name="csX37" fmla="*/ 344332 w 1085707"/>
+                <a:gd name="csY37" fmla="*/ 1522 h 703382"/>
+                <a:gd name="csX38" fmla="*/ 353346 w 1085707"/>
+                <a:gd name="csY38" fmla="*/ 1522 h 703382"/>
+                <a:gd name="csX39" fmla="*/ 354584 w 1085707"/>
+                <a:gd name="csY39" fmla="*/ 0 h 703382"/>
+                <a:gd name="csX40" fmla="*/ 356456 w 1085707"/>
+                <a:gd name="csY40" fmla="*/ 1522 h 703382"/>
+                <a:gd name="csX41" fmla="*/ 1085707 w 1085707"/>
+                <a:gd name="csY41" fmla="*/ 1522 h 703382"/>
+                <a:gd name="csX0" fmla="*/ 1085707 w 1085707"/>
+                <a:gd name="csY0" fmla="*/ 1522 h 703382"/>
+                <a:gd name="csX1" fmla="*/ 1085707 w 1085707"/>
+                <a:gd name="csY1" fmla="*/ 233559 h 703382"/>
+                <a:gd name="csX2" fmla="*/ 1084733 w 1085707"/>
+                <a:gd name="csY2" fmla="*/ 233559 h 703382"/>
+                <a:gd name="csX3" fmla="*/ 1084429 w 1085707"/>
+                <a:gd name="csY3" fmla="*/ 350240 h 703382"/>
+                <a:gd name="csX4" fmla="*/ 916260 w 1085707"/>
+                <a:gd name="csY4" fmla="*/ 349802 h 703382"/>
+                <a:gd name="csX5" fmla="*/ 916259 w 1085707"/>
+                <a:gd name="csY5" fmla="*/ 456025 h 703382"/>
+                <a:gd name="csX6" fmla="*/ 868184 w 1085707"/>
+                <a:gd name="csY6" fmla="*/ 456025 h 703382"/>
+                <a:gd name="csX7" fmla="*/ 868184 w 1085707"/>
+                <a:gd name="csY7" fmla="*/ 511982 h 703382"/>
+                <a:gd name="csX8" fmla="*/ 783655 w 1085707"/>
+                <a:gd name="csY8" fmla="*/ 511982 h 703382"/>
+                <a:gd name="csX9" fmla="*/ 783655 w 1085707"/>
+                <a:gd name="csY9" fmla="*/ 568426 h 703382"/>
+                <a:gd name="csX10" fmla="*/ 698055 w 1085707"/>
+                <a:gd name="csY10" fmla="*/ 568426 h 703382"/>
+                <a:gd name="csX11" fmla="*/ 698055 w 1085707"/>
+                <a:gd name="csY11" fmla="*/ 602140 h 703382"/>
+                <a:gd name="csX12" fmla="*/ 516288 w 1085707"/>
+                <a:gd name="csY12" fmla="*/ 602140 h 703382"/>
+                <a:gd name="csX13" fmla="*/ 516288 w 1085707"/>
+                <a:gd name="csY13" fmla="*/ 658889 h 703382"/>
+                <a:gd name="csX14" fmla="*/ 448191 w 1085707"/>
+                <a:gd name="csY14" fmla="*/ 658889 h 703382"/>
+                <a:gd name="csX15" fmla="*/ 448191 w 1085707"/>
+                <a:gd name="csY15" fmla="*/ 703382 h 703382"/>
+                <a:gd name="csX16" fmla="*/ 321212 w 1085707"/>
+                <a:gd name="csY16" fmla="*/ 703382 h 703382"/>
+                <a:gd name="csX17" fmla="*/ 321212 w 1085707"/>
+                <a:gd name="csY17" fmla="*/ 623625 h 703382"/>
+                <a:gd name="csX18" fmla="*/ 321281 w 1085707"/>
+                <a:gd name="csY18" fmla="*/ 623625 h 703382"/>
+                <a:gd name="csX19" fmla="*/ 321281 w 1085707"/>
+                <a:gd name="csY19" fmla="*/ 579132 h 703382"/>
+                <a:gd name="csX20" fmla="*/ 357890 w 1085707"/>
+                <a:gd name="csY20" fmla="*/ 579132 h 703382"/>
+                <a:gd name="csX21" fmla="*/ 357889 w 1085707"/>
+                <a:gd name="csY21" fmla="*/ 522383 h 703382"/>
+                <a:gd name="csX22" fmla="*/ 426575 w 1085707"/>
+                <a:gd name="csY22" fmla="*/ 522383 h 703382"/>
+                <a:gd name="csX23" fmla="*/ 426575 w 1085707"/>
+                <a:gd name="csY23" fmla="*/ 488669 h 703382"/>
+                <a:gd name="csX24" fmla="*/ 511104 w 1085707"/>
+                <a:gd name="csY24" fmla="*/ 488669 h 703382"/>
+                <a:gd name="csX25" fmla="*/ 511104 w 1085707"/>
+                <a:gd name="csY25" fmla="*/ 432225 h 703382"/>
+                <a:gd name="csX26" fmla="*/ 550677 w 1085707"/>
+                <a:gd name="csY26" fmla="*/ 432225 h 703382"/>
+                <a:gd name="csX27" fmla="*/ 550677 w 1085707"/>
+                <a:gd name="csY27" fmla="*/ 338966 h 703382"/>
+                <a:gd name="csX28" fmla="*/ 477099 w 1085707"/>
+                <a:gd name="csY28" fmla="*/ 265002 h 703382"/>
+                <a:gd name="csX29" fmla="*/ 477181 w 1085707"/>
+                <a:gd name="csY29" fmla="*/ 233559 h 703382"/>
+                <a:gd name="csX30" fmla="*/ 364498 w 1085707"/>
+                <a:gd name="csY30" fmla="*/ 233559 h 703382"/>
+                <a:gd name="csX31" fmla="*/ 253592 w 1085707"/>
+                <a:gd name="csY31" fmla="*/ 412824 h 703382"/>
+                <a:gd name="csX32" fmla="*/ 243610 w 1085707"/>
+                <a:gd name="csY32" fmla="*/ 633860 h 703382"/>
+                <a:gd name="csX33" fmla="*/ 0 w 1085707"/>
+                <a:gd name="csY33" fmla="*/ 646854 h 703382"/>
+                <a:gd name="csX34" fmla="*/ 109128 w 1085707"/>
+                <a:gd name="csY34" fmla="*/ 405620 h 703382"/>
+                <a:gd name="csX35" fmla="*/ 229131 w 1085707"/>
+                <a:gd name="csY35" fmla="*/ 122470 h 703382"/>
+                <a:gd name="csX36" fmla="*/ 344332 w 1085707"/>
+                <a:gd name="csY36" fmla="*/ 12605 h 703382"/>
+                <a:gd name="csX37" fmla="*/ 344332 w 1085707"/>
+                <a:gd name="csY37" fmla="*/ 1522 h 703382"/>
+                <a:gd name="csX38" fmla="*/ 353346 w 1085707"/>
+                <a:gd name="csY38" fmla="*/ 1522 h 703382"/>
+                <a:gd name="csX39" fmla="*/ 354584 w 1085707"/>
+                <a:gd name="csY39" fmla="*/ 0 h 703382"/>
+                <a:gd name="csX40" fmla="*/ 356456 w 1085707"/>
+                <a:gd name="csY40" fmla="*/ 1522 h 703382"/>
+                <a:gd name="csX41" fmla="*/ 1085707 w 1085707"/>
+                <a:gd name="csY41" fmla="*/ 1522 h 703382"/>
+                <a:gd name="csX0" fmla="*/ 976579 w 976579"/>
+                <a:gd name="csY0" fmla="*/ 1522 h 703382"/>
+                <a:gd name="csX1" fmla="*/ 976579 w 976579"/>
+                <a:gd name="csY1" fmla="*/ 233559 h 703382"/>
+                <a:gd name="csX2" fmla="*/ 975605 w 976579"/>
+                <a:gd name="csY2" fmla="*/ 233559 h 703382"/>
+                <a:gd name="csX3" fmla="*/ 975301 w 976579"/>
+                <a:gd name="csY3" fmla="*/ 350240 h 703382"/>
+                <a:gd name="csX4" fmla="*/ 807132 w 976579"/>
+                <a:gd name="csY4" fmla="*/ 349802 h 703382"/>
+                <a:gd name="csX5" fmla="*/ 807131 w 976579"/>
+                <a:gd name="csY5" fmla="*/ 456025 h 703382"/>
+                <a:gd name="csX6" fmla="*/ 759056 w 976579"/>
+                <a:gd name="csY6" fmla="*/ 456025 h 703382"/>
+                <a:gd name="csX7" fmla="*/ 759056 w 976579"/>
+                <a:gd name="csY7" fmla="*/ 511982 h 703382"/>
+                <a:gd name="csX8" fmla="*/ 674527 w 976579"/>
+                <a:gd name="csY8" fmla="*/ 511982 h 703382"/>
+                <a:gd name="csX9" fmla="*/ 674527 w 976579"/>
+                <a:gd name="csY9" fmla="*/ 568426 h 703382"/>
+                <a:gd name="csX10" fmla="*/ 588927 w 976579"/>
+                <a:gd name="csY10" fmla="*/ 568426 h 703382"/>
+                <a:gd name="csX11" fmla="*/ 588927 w 976579"/>
+                <a:gd name="csY11" fmla="*/ 602140 h 703382"/>
+                <a:gd name="csX12" fmla="*/ 407160 w 976579"/>
+                <a:gd name="csY12" fmla="*/ 602140 h 703382"/>
+                <a:gd name="csX13" fmla="*/ 407160 w 976579"/>
+                <a:gd name="csY13" fmla="*/ 658889 h 703382"/>
+                <a:gd name="csX14" fmla="*/ 339063 w 976579"/>
+                <a:gd name="csY14" fmla="*/ 658889 h 703382"/>
+                <a:gd name="csX15" fmla="*/ 339063 w 976579"/>
+                <a:gd name="csY15" fmla="*/ 703382 h 703382"/>
+                <a:gd name="csX16" fmla="*/ 212084 w 976579"/>
+                <a:gd name="csY16" fmla="*/ 703382 h 703382"/>
+                <a:gd name="csX17" fmla="*/ 212084 w 976579"/>
+                <a:gd name="csY17" fmla="*/ 623625 h 703382"/>
+                <a:gd name="csX18" fmla="*/ 212153 w 976579"/>
+                <a:gd name="csY18" fmla="*/ 623625 h 703382"/>
+                <a:gd name="csX19" fmla="*/ 212153 w 976579"/>
+                <a:gd name="csY19" fmla="*/ 579132 h 703382"/>
+                <a:gd name="csX20" fmla="*/ 248762 w 976579"/>
+                <a:gd name="csY20" fmla="*/ 579132 h 703382"/>
+                <a:gd name="csX21" fmla="*/ 248761 w 976579"/>
+                <a:gd name="csY21" fmla="*/ 522383 h 703382"/>
+                <a:gd name="csX22" fmla="*/ 317447 w 976579"/>
+                <a:gd name="csY22" fmla="*/ 522383 h 703382"/>
+                <a:gd name="csX23" fmla="*/ 317447 w 976579"/>
+                <a:gd name="csY23" fmla="*/ 488669 h 703382"/>
+                <a:gd name="csX24" fmla="*/ 401976 w 976579"/>
+                <a:gd name="csY24" fmla="*/ 488669 h 703382"/>
+                <a:gd name="csX25" fmla="*/ 401976 w 976579"/>
+                <a:gd name="csY25" fmla="*/ 432225 h 703382"/>
+                <a:gd name="csX26" fmla="*/ 441549 w 976579"/>
+                <a:gd name="csY26" fmla="*/ 432225 h 703382"/>
+                <a:gd name="csX27" fmla="*/ 441549 w 976579"/>
+                <a:gd name="csY27" fmla="*/ 338966 h 703382"/>
+                <a:gd name="csX28" fmla="*/ 367971 w 976579"/>
+                <a:gd name="csY28" fmla="*/ 265002 h 703382"/>
+                <a:gd name="csX29" fmla="*/ 368053 w 976579"/>
+                <a:gd name="csY29" fmla="*/ 233559 h 703382"/>
+                <a:gd name="csX30" fmla="*/ 255370 w 976579"/>
+                <a:gd name="csY30" fmla="*/ 233559 h 703382"/>
+                <a:gd name="csX31" fmla="*/ 144464 w 976579"/>
+                <a:gd name="csY31" fmla="*/ 412824 h 703382"/>
+                <a:gd name="csX32" fmla="*/ 134482 w 976579"/>
+                <a:gd name="csY32" fmla="*/ 633860 h 703382"/>
+                <a:gd name="csX33" fmla="*/ 21234 w 976579"/>
+                <a:gd name="csY33" fmla="*/ 657137 h 703382"/>
+                <a:gd name="csX34" fmla="*/ 0 w 976579"/>
+                <a:gd name="csY34" fmla="*/ 405620 h 703382"/>
+                <a:gd name="csX35" fmla="*/ 120003 w 976579"/>
+                <a:gd name="csY35" fmla="*/ 122470 h 703382"/>
+                <a:gd name="csX36" fmla="*/ 235204 w 976579"/>
+                <a:gd name="csY36" fmla="*/ 12605 h 703382"/>
+                <a:gd name="csX37" fmla="*/ 235204 w 976579"/>
+                <a:gd name="csY37" fmla="*/ 1522 h 703382"/>
+                <a:gd name="csX38" fmla="*/ 244218 w 976579"/>
+                <a:gd name="csY38" fmla="*/ 1522 h 703382"/>
+                <a:gd name="csX39" fmla="*/ 245456 w 976579"/>
+                <a:gd name="csY39" fmla="*/ 0 h 703382"/>
+                <a:gd name="csX40" fmla="*/ 247328 w 976579"/>
+                <a:gd name="csY40" fmla="*/ 1522 h 703382"/>
+                <a:gd name="csX41" fmla="*/ 976579 w 976579"/>
+                <a:gd name="csY41" fmla="*/ 1522 h 703382"/>
+                <a:gd name="csX0" fmla="*/ 982597 w 982597"/>
+                <a:gd name="csY0" fmla="*/ 1522 h 703382"/>
+                <a:gd name="csX1" fmla="*/ 982597 w 982597"/>
+                <a:gd name="csY1" fmla="*/ 233559 h 703382"/>
+                <a:gd name="csX2" fmla="*/ 981623 w 982597"/>
+                <a:gd name="csY2" fmla="*/ 233559 h 703382"/>
+                <a:gd name="csX3" fmla="*/ 981319 w 982597"/>
+                <a:gd name="csY3" fmla="*/ 350240 h 703382"/>
+                <a:gd name="csX4" fmla="*/ 813150 w 982597"/>
+                <a:gd name="csY4" fmla="*/ 349802 h 703382"/>
+                <a:gd name="csX5" fmla="*/ 813149 w 982597"/>
+                <a:gd name="csY5" fmla="*/ 456025 h 703382"/>
+                <a:gd name="csX6" fmla="*/ 765074 w 982597"/>
+                <a:gd name="csY6" fmla="*/ 456025 h 703382"/>
+                <a:gd name="csX7" fmla="*/ 765074 w 982597"/>
+                <a:gd name="csY7" fmla="*/ 511982 h 703382"/>
+                <a:gd name="csX8" fmla="*/ 680545 w 982597"/>
+                <a:gd name="csY8" fmla="*/ 511982 h 703382"/>
+                <a:gd name="csX9" fmla="*/ 680545 w 982597"/>
+                <a:gd name="csY9" fmla="*/ 568426 h 703382"/>
+                <a:gd name="csX10" fmla="*/ 594945 w 982597"/>
+                <a:gd name="csY10" fmla="*/ 568426 h 703382"/>
+                <a:gd name="csX11" fmla="*/ 594945 w 982597"/>
+                <a:gd name="csY11" fmla="*/ 602140 h 703382"/>
+                <a:gd name="csX12" fmla="*/ 413178 w 982597"/>
+                <a:gd name="csY12" fmla="*/ 602140 h 703382"/>
+                <a:gd name="csX13" fmla="*/ 413178 w 982597"/>
+                <a:gd name="csY13" fmla="*/ 658889 h 703382"/>
+                <a:gd name="csX14" fmla="*/ 345081 w 982597"/>
+                <a:gd name="csY14" fmla="*/ 658889 h 703382"/>
+                <a:gd name="csX15" fmla="*/ 345081 w 982597"/>
+                <a:gd name="csY15" fmla="*/ 703382 h 703382"/>
+                <a:gd name="csX16" fmla="*/ 218102 w 982597"/>
+                <a:gd name="csY16" fmla="*/ 703382 h 703382"/>
+                <a:gd name="csX17" fmla="*/ 218102 w 982597"/>
+                <a:gd name="csY17" fmla="*/ 623625 h 703382"/>
+                <a:gd name="csX18" fmla="*/ 218171 w 982597"/>
+                <a:gd name="csY18" fmla="*/ 623625 h 703382"/>
+                <a:gd name="csX19" fmla="*/ 218171 w 982597"/>
+                <a:gd name="csY19" fmla="*/ 579132 h 703382"/>
+                <a:gd name="csX20" fmla="*/ 254780 w 982597"/>
+                <a:gd name="csY20" fmla="*/ 579132 h 703382"/>
+                <a:gd name="csX21" fmla="*/ 254779 w 982597"/>
+                <a:gd name="csY21" fmla="*/ 522383 h 703382"/>
+                <a:gd name="csX22" fmla="*/ 323465 w 982597"/>
+                <a:gd name="csY22" fmla="*/ 522383 h 703382"/>
+                <a:gd name="csX23" fmla="*/ 323465 w 982597"/>
+                <a:gd name="csY23" fmla="*/ 488669 h 703382"/>
+                <a:gd name="csX24" fmla="*/ 407994 w 982597"/>
+                <a:gd name="csY24" fmla="*/ 488669 h 703382"/>
+                <a:gd name="csX25" fmla="*/ 407994 w 982597"/>
+                <a:gd name="csY25" fmla="*/ 432225 h 703382"/>
+                <a:gd name="csX26" fmla="*/ 447567 w 982597"/>
+                <a:gd name="csY26" fmla="*/ 432225 h 703382"/>
+                <a:gd name="csX27" fmla="*/ 447567 w 982597"/>
+                <a:gd name="csY27" fmla="*/ 338966 h 703382"/>
+                <a:gd name="csX28" fmla="*/ 373989 w 982597"/>
+                <a:gd name="csY28" fmla="*/ 265002 h 703382"/>
+                <a:gd name="csX29" fmla="*/ 374071 w 982597"/>
+                <a:gd name="csY29" fmla="*/ 233559 h 703382"/>
+                <a:gd name="csX30" fmla="*/ 261388 w 982597"/>
+                <a:gd name="csY30" fmla="*/ 233559 h 703382"/>
+                <a:gd name="csX31" fmla="*/ 150482 w 982597"/>
+                <a:gd name="csY31" fmla="*/ 412824 h 703382"/>
+                <a:gd name="csX32" fmla="*/ 140500 w 982597"/>
+                <a:gd name="csY32" fmla="*/ 633860 h 703382"/>
+                <a:gd name="csX33" fmla="*/ 0 w 982597"/>
+                <a:gd name="csY33" fmla="*/ 630324 h 703382"/>
+                <a:gd name="csX34" fmla="*/ 6018 w 982597"/>
+                <a:gd name="csY34" fmla="*/ 405620 h 703382"/>
+                <a:gd name="csX35" fmla="*/ 126021 w 982597"/>
+                <a:gd name="csY35" fmla="*/ 122470 h 703382"/>
+                <a:gd name="csX36" fmla="*/ 241222 w 982597"/>
+                <a:gd name="csY36" fmla="*/ 12605 h 703382"/>
+                <a:gd name="csX37" fmla="*/ 241222 w 982597"/>
+                <a:gd name="csY37" fmla="*/ 1522 h 703382"/>
+                <a:gd name="csX38" fmla="*/ 250236 w 982597"/>
+                <a:gd name="csY38" fmla="*/ 1522 h 703382"/>
+                <a:gd name="csX39" fmla="*/ 251474 w 982597"/>
+                <a:gd name="csY39" fmla="*/ 0 h 703382"/>
+                <a:gd name="csX40" fmla="*/ 253346 w 982597"/>
+                <a:gd name="csY40" fmla="*/ 1522 h 703382"/>
+                <a:gd name="csX41" fmla="*/ 982597 w 982597"/>
+                <a:gd name="csY41" fmla="*/ 1522 h 703382"/>
+                <a:gd name="csX0" fmla="*/ 982597 w 982597"/>
+                <a:gd name="csY0" fmla="*/ 1522 h 703382"/>
+                <a:gd name="csX1" fmla="*/ 982597 w 982597"/>
+                <a:gd name="csY1" fmla="*/ 233559 h 703382"/>
+                <a:gd name="csX2" fmla="*/ 981623 w 982597"/>
+                <a:gd name="csY2" fmla="*/ 233559 h 703382"/>
+                <a:gd name="csX3" fmla="*/ 981319 w 982597"/>
+                <a:gd name="csY3" fmla="*/ 350240 h 703382"/>
+                <a:gd name="csX4" fmla="*/ 813150 w 982597"/>
+                <a:gd name="csY4" fmla="*/ 349802 h 703382"/>
+                <a:gd name="csX5" fmla="*/ 813149 w 982597"/>
+                <a:gd name="csY5" fmla="*/ 456025 h 703382"/>
+                <a:gd name="csX6" fmla="*/ 765074 w 982597"/>
+                <a:gd name="csY6" fmla="*/ 456025 h 703382"/>
+                <a:gd name="csX7" fmla="*/ 765074 w 982597"/>
+                <a:gd name="csY7" fmla="*/ 511982 h 703382"/>
+                <a:gd name="csX8" fmla="*/ 680545 w 982597"/>
+                <a:gd name="csY8" fmla="*/ 511982 h 703382"/>
+                <a:gd name="csX9" fmla="*/ 680545 w 982597"/>
+                <a:gd name="csY9" fmla="*/ 568426 h 703382"/>
+                <a:gd name="csX10" fmla="*/ 594945 w 982597"/>
+                <a:gd name="csY10" fmla="*/ 568426 h 703382"/>
+                <a:gd name="csX11" fmla="*/ 594945 w 982597"/>
+                <a:gd name="csY11" fmla="*/ 602140 h 703382"/>
+                <a:gd name="csX12" fmla="*/ 413178 w 982597"/>
+                <a:gd name="csY12" fmla="*/ 602140 h 703382"/>
+                <a:gd name="csX13" fmla="*/ 413178 w 982597"/>
+                <a:gd name="csY13" fmla="*/ 658889 h 703382"/>
+                <a:gd name="csX14" fmla="*/ 345081 w 982597"/>
+                <a:gd name="csY14" fmla="*/ 658889 h 703382"/>
+                <a:gd name="csX15" fmla="*/ 345081 w 982597"/>
+                <a:gd name="csY15" fmla="*/ 703382 h 703382"/>
+                <a:gd name="csX16" fmla="*/ 218102 w 982597"/>
+                <a:gd name="csY16" fmla="*/ 703382 h 703382"/>
+                <a:gd name="csX17" fmla="*/ 218102 w 982597"/>
+                <a:gd name="csY17" fmla="*/ 623625 h 703382"/>
+                <a:gd name="csX18" fmla="*/ 218171 w 982597"/>
+                <a:gd name="csY18" fmla="*/ 623625 h 703382"/>
+                <a:gd name="csX19" fmla="*/ 218171 w 982597"/>
+                <a:gd name="csY19" fmla="*/ 579132 h 703382"/>
+                <a:gd name="csX20" fmla="*/ 254780 w 982597"/>
+                <a:gd name="csY20" fmla="*/ 579132 h 703382"/>
+                <a:gd name="csX21" fmla="*/ 254779 w 982597"/>
+                <a:gd name="csY21" fmla="*/ 522383 h 703382"/>
+                <a:gd name="csX22" fmla="*/ 323465 w 982597"/>
+                <a:gd name="csY22" fmla="*/ 522383 h 703382"/>
+                <a:gd name="csX23" fmla="*/ 323465 w 982597"/>
+                <a:gd name="csY23" fmla="*/ 488669 h 703382"/>
+                <a:gd name="csX24" fmla="*/ 407994 w 982597"/>
+                <a:gd name="csY24" fmla="*/ 488669 h 703382"/>
+                <a:gd name="csX25" fmla="*/ 407994 w 982597"/>
+                <a:gd name="csY25" fmla="*/ 432225 h 703382"/>
+                <a:gd name="csX26" fmla="*/ 447567 w 982597"/>
+                <a:gd name="csY26" fmla="*/ 432225 h 703382"/>
+                <a:gd name="csX27" fmla="*/ 447567 w 982597"/>
+                <a:gd name="csY27" fmla="*/ 338966 h 703382"/>
+                <a:gd name="csX28" fmla="*/ 373989 w 982597"/>
+                <a:gd name="csY28" fmla="*/ 265002 h 703382"/>
+                <a:gd name="csX29" fmla="*/ 374071 w 982597"/>
+                <a:gd name="csY29" fmla="*/ 233559 h 703382"/>
+                <a:gd name="csX30" fmla="*/ 261388 w 982597"/>
+                <a:gd name="csY30" fmla="*/ 233559 h 703382"/>
+                <a:gd name="csX31" fmla="*/ 150482 w 982597"/>
+                <a:gd name="csY31" fmla="*/ 412824 h 703382"/>
+                <a:gd name="csX32" fmla="*/ 140500 w 982597"/>
+                <a:gd name="csY32" fmla="*/ 633860 h 703382"/>
+                <a:gd name="csX33" fmla="*/ 0 w 982597"/>
+                <a:gd name="csY33" fmla="*/ 630324 h 703382"/>
+                <a:gd name="csX34" fmla="*/ 6018 w 982597"/>
+                <a:gd name="csY34" fmla="*/ 405620 h 703382"/>
+                <a:gd name="csX35" fmla="*/ 126021 w 982597"/>
+                <a:gd name="csY35" fmla="*/ 122470 h 703382"/>
+                <a:gd name="csX36" fmla="*/ 241222 w 982597"/>
+                <a:gd name="csY36" fmla="*/ 12605 h 703382"/>
+                <a:gd name="csX37" fmla="*/ 241222 w 982597"/>
+                <a:gd name="csY37" fmla="*/ 1522 h 703382"/>
+                <a:gd name="csX38" fmla="*/ 250236 w 982597"/>
+                <a:gd name="csY38" fmla="*/ 1522 h 703382"/>
+                <a:gd name="csX39" fmla="*/ 251474 w 982597"/>
+                <a:gd name="csY39" fmla="*/ 0 h 703382"/>
+                <a:gd name="csX40" fmla="*/ 253346 w 982597"/>
+                <a:gd name="csY40" fmla="*/ 1522 h 703382"/>
+                <a:gd name="csX41" fmla="*/ 982597 w 982597"/>
+                <a:gd name="csY41" fmla="*/ 1522 h 703382"/>
+                <a:gd name="csX0" fmla="*/ 982597 w 982597"/>
+                <a:gd name="csY0" fmla="*/ 1522 h 703382"/>
+                <a:gd name="csX1" fmla="*/ 982597 w 982597"/>
+                <a:gd name="csY1" fmla="*/ 233559 h 703382"/>
+                <a:gd name="csX2" fmla="*/ 981623 w 982597"/>
+                <a:gd name="csY2" fmla="*/ 233559 h 703382"/>
+                <a:gd name="csX3" fmla="*/ 981319 w 982597"/>
+                <a:gd name="csY3" fmla="*/ 350240 h 703382"/>
+                <a:gd name="csX4" fmla="*/ 813150 w 982597"/>
+                <a:gd name="csY4" fmla="*/ 349802 h 703382"/>
+                <a:gd name="csX5" fmla="*/ 792077 w 982597"/>
+                <a:gd name="csY5" fmla="*/ 406413 h 703382"/>
+                <a:gd name="csX6" fmla="*/ 765074 w 982597"/>
+                <a:gd name="csY6" fmla="*/ 456025 h 703382"/>
+                <a:gd name="csX7" fmla="*/ 765074 w 982597"/>
+                <a:gd name="csY7" fmla="*/ 511982 h 703382"/>
+                <a:gd name="csX8" fmla="*/ 680545 w 982597"/>
+                <a:gd name="csY8" fmla="*/ 511982 h 703382"/>
+                <a:gd name="csX9" fmla="*/ 680545 w 982597"/>
+                <a:gd name="csY9" fmla="*/ 568426 h 703382"/>
+                <a:gd name="csX10" fmla="*/ 594945 w 982597"/>
+                <a:gd name="csY10" fmla="*/ 568426 h 703382"/>
+                <a:gd name="csX11" fmla="*/ 594945 w 982597"/>
+                <a:gd name="csY11" fmla="*/ 602140 h 703382"/>
+                <a:gd name="csX12" fmla="*/ 413178 w 982597"/>
+                <a:gd name="csY12" fmla="*/ 602140 h 703382"/>
+                <a:gd name="csX13" fmla="*/ 413178 w 982597"/>
+                <a:gd name="csY13" fmla="*/ 658889 h 703382"/>
+                <a:gd name="csX14" fmla="*/ 345081 w 982597"/>
+                <a:gd name="csY14" fmla="*/ 658889 h 703382"/>
+                <a:gd name="csX15" fmla="*/ 345081 w 982597"/>
+                <a:gd name="csY15" fmla="*/ 703382 h 703382"/>
+                <a:gd name="csX16" fmla="*/ 218102 w 982597"/>
+                <a:gd name="csY16" fmla="*/ 703382 h 703382"/>
+                <a:gd name="csX17" fmla="*/ 218102 w 982597"/>
+                <a:gd name="csY17" fmla="*/ 623625 h 703382"/>
+                <a:gd name="csX18" fmla="*/ 218171 w 982597"/>
+                <a:gd name="csY18" fmla="*/ 623625 h 703382"/>
+                <a:gd name="csX19" fmla="*/ 218171 w 982597"/>
+                <a:gd name="csY19" fmla="*/ 579132 h 703382"/>
+                <a:gd name="csX20" fmla="*/ 254780 w 982597"/>
+                <a:gd name="csY20" fmla="*/ 579132 h 703382"/>
+                <a:gd name="csX21" fmla="*/ 254779 w 982597"/>
+                <a:gd name="csY21" fmla="*/ 522383 h 703382"/>
+                <a:gd name="csX22" fmla="*/ 323465 w 982597"/>
+                <a:gd name="csY22" fmla="*/ 522383 h 703382"/>
+                <a:gd name="csX23" fmla="*/ 323465 w 982597"/>
+                <a:gd name="csY23" fmla="*/ 488669 h 703382"/>
+                <a:gd name="csX24" fmla="*/ 407994 w 982597"/>
+                <a:gd name="csY24" fmla="*/ 488669 h 703382"/>
+                <a:gd name="csX25" fmla="*/ 407994 w 982597"/>
+                <a:gd name="csY25" fmla="*/ 432225 h 703382"/>
+                <a:gd name="csX26" fmla="*/ 447567 w 982597"/>
+                <a:gd name="csY26" fmla="*/ 432225 h 703382"/>
+                <a:gd name="csX27" fmla="*/ 447567 w 982597"/>
+                <a:gd name="csY27" fmla="*/ 338966 h 703382"/>
+                <a:gd name="csX28" fmla="*/ 373989 w 982597"/>
+                <a:gd name="csY28" fmla="*/ 265002 h 703382"/>
+                <a:gd name="csX29" fmla="*/ 374071 w 982597"/>
+                <a:gd name="csY29" fmla="*/ 233559 h 703382"/>
+                <a:gd name="csX30" fmla="*/ 261388 w 982597"/>
+                <a:gd name="csY30" fmla="*/ 233559 h 703382"/>
+                <a:gd name="csX31" fmla="*/ 150482 w 982597"/>
+                <a:gd name="csY31" fmla="*/ 412824 h 703382"/>
+                <a:gd name="csX32" fmla="*/ 140500 w 982597"/>
+                <a:gd name="csY32" fmla="*/ 633860 h 703382"/>
+                <a:gd name="csX33" fmla="*/ 0 w 982597"/>
+                <a:gd name="csY33" fmla="*/ 630324 h 703382"/>
+                <a:gd name="csX34" fmla="*/ 6018 w 982597"/>
+                <a:gd name="csY34" fmla="*/ 405620 h 703382"/>
+                <a:gd name="csX35" fmla="*/ 126021 w 982597"/>
+                <a:gd name="csY35" fmla="*/ 122470 h 703382"/>
+                <a:gd name="csX36" fmla="*/ 241222 w 982597"/>
+                <a:gd name="csY36" fmla="*/ 12605 h 703382"/>
+                <a:gd name="csX37" fmla="*/ 241222 w 982597"/>
+                <a:gd name="csY37" fmla="*/ 1522 h 703382"/>
+                <a:gd name="csX38" fmla="*/ 250236 w 982597"/>
+                <a:gd name="csY38" fmla="*/ 1522 h 703382"/>
+                <a:gd name="csX39" fmla="*/ 251474 w 982597"/>
+                <a:gd name="csY39" fmla="*/ 0 h 703382"/>
+                <a:gd name="csX40" fmla="*/ 253346 w 982597"/>
+                <a:gd name="csY40" fmla="*/ 1522 h 703382"/>
+                <a:gd name="csX41" fmla="*/ 982597 w 982597"/>
+                <a:gd name="csY41" fmla="*/ 1522 h 703382"/>
+                <a:gd name="csX0" fmla="*/ 982597 w 982597"/>
+                <a:gd name="csY0" fmla="*/ 1522 h 703382"/>
+                <a:gd name="csX1" fmla="*/ 982597 w 982597"/>
+                <a:gd name="csY1" fmla="*/ 233559 h 703382"/>
+                <a:gd name="csX2" fmla="*/ 981623 w 982597"/>
+                <a:gd name="csY2" fmla="*/ 233559 h 703382"/>
+                <a:gd name="csX3" fmla="*/ 981319 w 982597"/>
+                <a:gd name="csY3" fmla="*/ 350240 h 703382"/>
+                <a:gd name="csX4" fmla="*/ 813150 w 982597"/>
+                <a:gd name="csY4" fmla="*/ 349802 h 703382"/>
+                <a:gd name="csX5" fmla="*/ 792077 w 982597"/>
+                <a:gd name="csY5" fmla="*/ 406413 h 703382"/>
+                <a:gd name="csX6" fmla="*/ 765074 w 982597"/>
+                <a:gd name="csY6" fmla="*/ 456025 h 703382"/>
+                <a:gd name="csX7" fmla="*/ 733223 w 982597"/>
+                <a:gd name="csY7" fmla="*/ 483943 h 703382"/>
+                <a:gd name="csX8" fmla="*/ 680545 w 982597"/>
+                <a:gd name="csY8" fmla="*/ 511982 h 703382"/>
+                <a:gd name="csX9" fmla="*/ 680545 w 982597"/>
+                <a:gd name="csY9" fmla="*/ 568426 h 703382"/>
+                <a:gd name="csX10" fmla="*/ 594945 w 982597"/>
+                <a:gd name="csY10" fmla="*/ 568426 h 703382"/>
+                <a:gd name="csX11" fmla="*/ 594945 w 982597"/>
+                <a:gd name="csY11" fmla="*/ 602140 h 703382"/>
+                <a:gd name="csX12" fmla="*/ 413178 w 982597"/>
+                <a:gd name="csY12" fmla="*/ 602140 h 703382"/>
+                <a:gd name="csX13" fmla="*/ 413178 w 982597"/>
+                <a:gd name="csY13" fmla="*/ 658889 h 703382"/>
+                <a:gd name="csX14" fmla="*/ 345081 w 982597"/>
+                <a:gd name="csY14" fmla="*/ 658889 h 703382"/>
+                <a:gd name="csX15" fmla="*/ 345081 w 982597"/>
+                <a:gd name="csY15" fmla="*/ 703382 h 703382"/>
+                <a:gd name="csX16" fmla="*/ 218102 w 982597"/>
+                <a:gd name="csY16" fmla="*/ 703382 h 703382"/>
+                <a:gd name="csX17" fmla="*/ 218102 w 982597"/>
+                <a:gd name="csY17" fmla="*/ 623625 h 703382"/>
+                <a:gd name="csX18" fmla="*/ 218171 w 982597"/>
+                <a:gd name="csY18" fmla="*/ 623625 h 703382"/>
+                <a:gd name="csX19" fmla="*/ 218171 w 982597"/>
+                <a:gd name="csY19" fmla="*/ 579132 h 703382"/>
+                <a:gd name="csX20" fmla="*/ 254780 w 982597"/>
+                <a:gd name="csY20" fmla="*/ 579132 h 703382"/>
+                <a:gd name="csX21" fmla="*/ 254779 w 982597"/>
+                <a:gd name="csY21" fmla="*/ 522383 h 703382"/>
+                <a:gd name="csX22" fmla="*/ 323465 w 982597"/>
+                <a:gd name="csY22" fmla="*/ 522383 h 703382"/>
+                <a:gd name="csX23" fmla="*/ 323465 w 982597"/>
+                <a:gd name="csY23" fmla="*/ 488669 h 703382"/>
+                <a:gd name="csX24" fmla="*/ 407994 w 982597"/>
+                <a:gd name="csY24" fmla="*/ 488669 h 703382"/>
+                <a:gd name="csX25" fmla="*/ 407994 w 982597"/>
+                <a:gd name="csY25" fmla="*/ 432225 h 703382"/>
+                <a:gd name="csX26" fmla="*/ 447567 w 982597"/>
+                <a:gd name="csY26" fmla="*/ 432225 h 703382"/>
+                <a:gd name="csX27" fmla="*/ 447567 w 982597"/>
+                <a:gd name="csY27" fmla="*/ 338966 h 703382"/>
+                <a:gd name="csX28" fmla="*/ 373989 w 982597"/>
+                <a:gd name="csY28" fmla="*/ 265002 h 703382"/>
+                <a:gd name="csX29" fmla="*/ 374071 w 982597"/>
+                <a:gd name="csY29" fmla="*/ 233559 h 703382"/>
+                <a:gd name="csX30" fmla="*/ 261388 w 982597"/>
+                <a:gd name="csY30" fmla="*/ 233559 h 703382"/>
+                <a:gd name="csX31" fmla="*/ 150482 w 982597"/>
+                <a:gd name="csY31" fmla="*/ 412824 h 703382"/>
+                <a:gd name="csX32" fmla="*/ 140500 w 982597"/>
+                <a:gd name="csY32" fmla="*/ 633860 h 703382"/>
+                <a:gd name="csX33" fmla="*/ 0 w 982597"/>
+                <a:gd name="csY33" fmla="*/ 630324 h 703382"/>
+                <a:gd name="csX34" fmla="*/ 6018 w 982597"/>
+                <a:gd name="csY34" fmla="*/ 405620 h 703382"/>
+                <a:gd name="csX35" fmla="*/ 126021 w 982597"/>
+                <a:gd name="csY35" fmla="*/ 122470 h 703382"/>
+                <a:gd name="csX36" fmla="*/ 241222 w 982597"/>
+                <a:gd name="csY36" fmla="*/ 12605 h 703382"/>
+                <a:gd name="csX37" fmla="*/ 241222 w 982597"/>
+                <a:gd name="csY37" fmla="*/ 1522 h 703382"/>
+                <a:gd name="csX38" fmla="*/ 250236 w 982597"/>
+                <a:gd name="csY38" fmla="*/ 1522 h 703382"/>
+                <a:gd name="csX39" fmla="*/ 251474 w 982597"/>
+                <a:gd name="csY39" fmla="*/ 0 h 703382"/>
+                <a:gd name="csX40" fmla="*/ 253346 w 982597"/>
+                <a:gd name="csY40" fmla="*/ 1522 h 703382"/>
+                <a:gd name="csX41" fmla="*/ 982597 w 982597"/>
+                <a:gd name="csY41" fmla="*/ 1522 h 703382"/>
+                <a:gd name="csX0" fmla="*/ 982597 w 982597"/>
+                <a:gd name="csY0" fmla="*/ 1522 h 703382"/>
+                <a:gd name="csX1" fmla="*/ 982597 w 982597"/>
+                <a:gd name="csY1" fmla="*/ 233559 h 703382"/>
+                <a:gd name="csX2" fmla="*/ 981623 w 982597"/>
+                <a:gd name="csY2" fmla="*/ 233559 h 703382"/>
+                <a:gd name="csX3" fmla="*/ 981319 w 982597"/>
+                <a:gd name="csY3" fmla="*/ 350240 h 703382"/>
+                <a:gd name="csX4" fmla="*/ 813150 w 982597"/>
+                <a:gd name="csY4" fmla="*/ 349802 h 703382"/>
+                <a:gd name="csX5" fmla="*/ 792077 w 982597"/>
+                <a:gd name="csY5" fmla="*/ 406413 h 703382"/>
+                <a:gd name="csX6" fmla="*/ 765074 w 982597"/>
+                <a:gd name="csY6" fmla="*/ 456025 h 703382"/>
+                <a:gd name="csX7" fmla="*/ 733223 w 982597"/>
+                <a:gd name="csY7" fmla="*/ 483943 h 703382"/>
+                <a:gd name="csX8" fmla="*/ 680545 w 982597"/>
+                <a:gd name="csY8" fmla="*/ 511982 h 703382"/>
+                <a:gd name="csX9" fmla="*/ 634551 w 982597"/>
+                <a:gd name="csY9" fmla="*/ 556175 h 703382"/>
+                <a:gd name="csX10" fmla="*/ 594945 w 982597"/>
+                <a:gd name="csY10" fmla="*/ 568426 h 703382"/>
+                <a:gd name="csX11" fmla="*/ 594945 w 982597"/>
+                <a:gd name="csY11" fmla="*/ 602140 h 703382"/>
+                <a:gd name="csX12" fmla="*/ 413178 w 982597"/>
+                <a:gd name="csY12" fmla="*/ 602140 h 703382"/>
+                <a:gd name="csX13" fmla="*/ 413178 w 982597"/>
+                <a:gd name="csY13" fmla="*/ 658889 h 703382"/>
+                <a:gd name="csX14" fmla="*/ 345081 w 982597"/>
+                <a:gd name="csY14" fmla="*/ 658889 h 703382"/>
+                <a:gd name="csX15" fmla="*/ 345081 w 982597"/>
+                <a:gd name="csY15" fmla="*/ 703382 h 703382"/>
+                <a:gd name="csX16" fmla="*/ 218102 w 982597"/>
+                <a:gd name="csY16" fmla="*/ 703382 h 703382"/>
+                <a:gd name="csX17" fmla="*/ 218102 w 982597"/>
+                <a:gd name="csY17" fmla="*/ 623625 h 703382"/>
+                <a:gd name="csX18" fmla="*/ 218171 w 982597"/>
+                <a:gd name="csY18" fmla="*/ 623625 h 703382"/>
+                <a:gd name="csX19" fmla="*/ 218171 w 982597"/>
+                <a:gd name="csY19" fmla="*/ 579132 h 703382"/>
+                <a:gd name="csX20" fmla="*/ 254780 w 982597"/>
+                <a:gd name="csY20" fmla="*/ 579132 h 703382"/>
+                <a:gd name="csX21" fmla="*/ 254779 w 982597"/>
+                <a:gd name="csY21" fmla="*/ 522383 h 703382"/>
+                <a:gd name="csX22" fmla="*/ 323465 w 982597"/>
+                <a:gd name="csY22" fmla="*/ 522383 h 703382"/>
+                <a:gd name="csX23" fmla="*/ 323465 w 982597"/>
+                <a:gd name="csY23" fmla="*/ 488669 h 703382"/>
+                <a:gd name="csX24" fmla="*/ 407994 w 982597"/>
+                <a:gd name="csY24" fmla="*/ 488669 h 703382"/>
+                <a:gd name="csX25" fmla="*/ 407994 w 982597"/>
+                <a:gd name="csY25" fmla="*/ 432225 h 703382"/>
+                <a:gd name="csX26" fmla="*/ 447567 w 982597"/>
+                <a:gd name="csY26" fmla="*/ 432225 h 703382"/>
+                <a:gd name="csX27" fmla="*/ 447567 w 982597"/>
+                <a:gd name="csY27" fmla="*/ 338966 h 703382"/>
+                <a:gd name="csX28" fmla="*/ 373989 w 982597"/>
+                <a:gd name="csY28" fmla="*/ 265002 h 703382"/>
+                <a:gd name="csX29" fmla="*/ 374071 w 982597"/>
+                <a:gd name="csY29" fmla="*/ 233559 h 703382"/>
+                <a:gd name="csX30" fmla="*/ 261388 w 982597"/>
+                <a:gd name="csY30" fmla="*/ 233559 h 703382"/>
+                <a:gd name="csX31" fmla="*/ 150482 w 982597"/>
+                <a:gd name="csY31" fmla="*/ 412824 h 703382"/>
+                <a:gd name="csX32" fmla="*/ 140500 w 982597"/>
+                <a:gd name="csY32" fmla="*/ 633860 h 703382"/>
+                <a:gd name="csX33" fmla="*/ 0 w 982597"/>
+                <a:gd name="csY33" fmla="*/ 630324 h 703382"/>
+                <a:gd name="csX34" fmla="*/ 6018 w 982597"/>
+                <a:gd name="csY34" fmla="*/ 405620 h 703382"/>
+                <a:gd name="csX35" fmla="*/ 126021 w 982597"/>
+                <a:gd name="csY35" fmla="*/ 122470 h 703382"/>
+                <a:gd name="csX36" fmla="*/ 241222 w 982597"/>
+                <a:gd name="csY36" fmla="*/ 12605 h 703382"/>
+                <a:gd name="csX37" fmla="*/ 241222 w 982597"/>
+                <a:gd name="csY37" fmla="*/ 1522 h 703382"/>
+                <a:gd name="csX38" fmla="*/ 250236 w 982597"/>
+                <a:gd name="csY38" fmla="*/ 1522 h 703382"/>
+                <a:gd name="csX39" fmla="*/ 251474 w 982597"/>
+                <a:gd name="csY39" fmla="*/ 0 h 703382"/>
+                <a:gd name="csX40" fmla="*/ 253346 w 982597"/>
+                <a:gd name="csY40" fmla="*/ 1522 h 703382"/>
+                <a:gd name="csX41" fmla="*/ 982597 w 982597"/>
+                <a:gd name="csY41" fmla="*/ 1522 h 703382"/>
+                <a:gd name="csX0" fmla="*/ 982597 w 982597"/>
+                <a:gd name="csY0" fmla="*/ 1522 h 703382"/>
+                <a:gd name="csX1" fmla="*/ 982597 w 982597"/>
+                <a:gd name="csY1" fmla="*/ 233559 h 703382"/>
+                <a:gd name="csX2" fmla="*/ 981623 w 982597"/>
+                <a:gd name="csY2" fmla="*/ 233559 h 703382"/>
+                <a:gd name="csX3" fmla="*/ 981319 w 982597"/>
+                <a:gd name="csY3" fmla="*/ 350240 h 703382"/>
+                <a:gd name="csX4" fmla="*/ 813150 w 982597"/>
+                <a:gd name="csY4" fmla="*/ 349802 h 703382"/>
+                <a:gd name="csX5" fmla="*/ 792077 w 982597"/>
+                <a:gd name="csY5" fmla="*/ 406413 h 703382"/>
+                <a:gd name="csX6" fmla="*/ 765074 w 982597"/>
+                <a:gd name="csY6" fmla="*/ 456025 h 703382"/>
+                <a:gd name="csX7" fmla="*/ 733223 w 982597"/>
+                <a:gd name="csY7" fmla="*/ 483943 h 703382"/>
+                <a:gd name="csX8" fmla="*/ 680545 w 982597"/>
+                <a:gd name="csY8" fmla="*/ 511982 h 703382"/>
+                <a:gd name="csX9" fmla="*/ 634551 w 982597"/>
+                <a:gd name="csY9" fmla="*/ 556175 h 703382"/>
+                <a:gd name="csX10" fmla="*/ 594945 w 982597"/>
+                <a:gd name="csY10" fmla="*/ 568426 h 703382"/>
+                <a:gd name="csX11" fmla="*/ 534262 w 982597"/>
+                <a:gd name="csY11" fmla="*/ 571310 h 703382"/>
+                <a:gd name="csX12" fmla="*/ 413178 w 982597"/>
+                <a:gd name="csY12" fmla="*/ 602140 h 703382"/>
+                <a:gd name="csX13" fmla="*/ 413178 w 982597"/>
+                <a:gd name="csY13" fmla="*/ 658889 h 703382"/>
+                <a:gd name="csX14" fmla="*/ 345081 w 982597"/>
+                <a:gd name="csY14" fmla="*/ 658889 h 703382"/>
+                <a:gd name="csX15" fmla="*/ 345081 w 982597"/>
+                <a:gd name="csY15" fmla="*/ 703382 h 703382"/>
+                <a:gd name="csX16" fmla="*/ 218102 w 982597"/>
+                <a:gd name="csY16" fmla="*/ 703382 h 703382"/>
+                <a:gd name="csX17" fmla="*/ 218102 w 982597"/>
+                <a:gd name="csY17" fmla="*/ 623625 h 703382"/>
+                <a:gd name="csX18" fmla="*/ 218171 w 982597"/>
+                <a:gd name="csY18" fmla="*/ 623625 h 703382"/>
+                <a:gd name="csX19" fmla="*/ 218171 w 982597"/>
+                <a:gd name="csY19" fmla="*/ 579132 h 703382"/>
+                <a:gd name="csX20" fmla="*/ 254780 w 982597"/>
+                <a:gd name="csY20" fmla="*/ 579132 h 703382"/>
+                <a:gd name="csX21" fmla="*/ 254779 w 982597"/>
+                <a:gd name="csY21" fmla="*/ 522383 h 703382"/>
+                <a:gd name="csX22" fmla="*/ 323465 w 982597"/>
+                <a:gd name="csY22" fmla="*/ 522383 h 703382"/>
+                <a:gd name="csX23" fmla="*/ 323465 w 982597"/>
+                <a:gd name="csY23" fmla="*/ 488669 h 703382"/>
+                <a:gd name="csX24" fmla="*/ 407994 w 982597"/>
+                <a:gd name="csY24" fmla="*/ 488669 h 703382"/>
+                <a:gd name="csX25" fmla="*/ 407994 w 982597"/>
+                <a:gd name="csY25" fmla="*/ 432225 h 703382"/>
+                <a:gd name="csX26" fmla="*/ 447567 w 982597"/>
+                <a:gd name="csY26" fmla="*/ 432225 h 703382"/>
+                <a:gd name="csX27" fmla="*/ 447567 w 982597"/>
+                <a:gd name="csY27" fmla="*/ 338966 h 703382"/>
+                <a:gd name="csX28" fmla="*/ 373989 w 982597"/>
+                <a:gd name="csY28" fmla="*/ 265002 h 703382"/>
+                <a:gd name="csX29" fmla="*/ 374071 w 982597"/>
+                <a:gd name="csY29" fmla="*/ 233559 h 703382"/>
+                <a:gd name="csX30" fmla="*/ 261388 w 982597"/>
+                <a:gd name="csY30" fmla="*/ 233559 h 703382"/>
+                <a:gd name="csX31" fmla="*/ 150482 w 982597"/>
+                <a:gd name="csY31" fmla="*/ 412824 h 703382"/>
+                <a:gd name="csX32" fmla="*/ 140500 w 982597"/>
+                <a:gd name="csY32" fmla="*/ 633860 h 703382"/>
+                <a:gd name="csX33" fmla="*/ 0 w 982597"/>
+                <a:gd name="csY33" fmla="*/ 630324 h 703382"/>
+                <a:gd name="csX34" fmla="*/ 6018 w 982597"/>
+                <a:gd name="csY34" fmla="*/ 405620 h 703382"/>
+                <a:gd name="csX35" fmla="*/ 126021 w 982597"/>
+                <a:gd name="csY35" fmla="*/ 122470 h 703382"/>
+                <a:gd name="csX36" fmla="*/ 241222 w 982597"/>
+                <a:gd name="csY36" fmla="*/ 12605 h 703382"/>
+                <a:gd name="csX37" fmla="*/ 241222 w 982597"/>
+                <a:gd name="csY37" fmla="*/ 1522 h 703382"/>
+                <a:gd name="csX38" fmla="*/ 250236 w 982597"/>
+                <a:gd name="csY38" fmla="*/ 1522 h 703382"/>
+                <a:gd name="csX39" fmla="*/ 251474 w 982597"/>
+                <a:gd name="csY39" fmla="*/ 0 h 703382"/>
+                <a:gd name="csX40" fmla="*/ 253346 w 982597"/>
+                <a:gd name="csY40" fmla="*/ 1522 h 703382"/>
+                <a:gd name="csX41" fmla="*/ 982597 w 982597"/>
+                <a:gd name="csY41" fmla="*/ 1522 h 703382"/>
+              </a:gdLst>
+              <a:ahLst/>
+              <a:cxnLst>
+                <a:cxn ang="0">
+                  <a:pos x="csX0" y="csY0"/>
+                </a:cxn>
+                <a:cxn ang="0">
+                  <a:pos x="csX1" y="csY1"/>
+                </a:cxn>
+                <a:cxn ang="0">
+                  <a:pos x="csX2" y="csY2"/>
+                </a:cxn>
+                <a:cxn ang="0">
+                  <a:pos x="csX3" y="csY3"/>
+                </a:cxn>
+                <a:cxn ang="0">
+                  <a:pos x="csX4" y="csY4"/>
+                </a:cxn>
+                <a:cxn ang="0">
+                  <a:pos x="csX5" y="csY5"/>
+                </a:cxn>
+                <a:cxn ang="0">
+                  <a:pos x="csX6" y="csY6"/>
+                </a:cxn>
+                <a:cxn ang="0">
+                  <a:pos x="csX7" y="csY7"/>
+                </a:cxn>
+                <a:cxn ang="0">
+                  <a:pos x="csX8" y="csY8"/>
+                </a:cxn>
+                <a:cxn ang="0">
+                  <a:pos x="csX9" y="csY9"/>
+                </a:cxn>
+                <a:cxn ang="0">
+                  <a:pos x="csX10" y="csY10"/>
+                </a:cxn>
+                <a:cxn ang="0">
+                  <a:pos x="csX11" y="csY11"/>
+                </a:cxn>
+                <a:cxn ang="0">
+                  <a:pos x="csX12" y="csY12"/>
+                </a:cxn>
+                <a:cxn ang="0">
+                  <a:pos x="csX13" y="csY13"/>
+                </a:cxn>
+                <a:cxn ang="0">
+                  <a:pos x="csX14" y="csY14"/>
+                </a:cxn>
+                <a:cxn ang="0">
+                  <a:pos x="csX15" y="csY15"/>
+                </a:cxn>
+                <a:cxn ang="0">
+                  <a:pos x="csX16" y="csY16"/>
+                </a:cxn>
+                <a:cxn ang="0">
+                  <a:pos x="csX17" y="csY17"/>
+                </a:cxn>
+                <a:cxn ang="0">
+                  <a:pos x="csX18" y="csY18"/>
+                </a:cxn>
+                <a:cxn ang="0">
+                  <a:pos x="csX19" y="csY19"/>
+                </a:cxn>
+                <a:cxn ang="0">
+                  <a:pos x="csX20" y="csY20"/>
+                </a:cxn>
+                <a:cxn ang="0">
+                  <a:pos x="csX21" y="csY21"/>
+                </a:cxn>
+                <a:cxn ang="0">
+                  <a:pos x="csX22" y="csY22"/>
+                </a:cxn>
+                <a:cxn ang="0">
+                  <a:pos x="csX23" y="csY23"/>
+                </a:cxn>
+                <a:cxn ang="0">
+                  <a:pos x="csX24" y="csY24"/>
+                </a:cxn>
+                <a:cxn ang="0">
+                  <a:pos x="csX25" y="csY25"/>
+                </a:cxn>
+                <a:cxn ang="0">
+                  <a:pos x="csX26" y="csY26"/>
+                </a:cxn>
+                <a:cxn ang="0">
+                  <a:pos x="csX27" y="csY27"/>
+                </a:cxn>
+                <a:cxn ang="0">
+                  <a:pos x="csX28" y="csY28"/>
+                </a:cxn>
+                <a:cxn ang="0">
+                  <a:pos x="csX29" y="csY29"/>
+                </a:cxn>
+                <a:cxn ang="0">
+                  <a:pos x="csX30" y="csY30"/>
+                </a:cxn>
+                <a:cxn ang="0">
+                  <a:pos x="csX31" y="csY31"/>
+                </a:cxn>
+                <a:cxn ang="0">
+                  <a:pos x="csX32" y="csY32"/>
+                </a:cxn>
+                <a:cxn ang="0">
+                  <a:pos x="csX33" y="csY33"/>
+                </a:cxn>
+                <a:cxn ang="0">
+                  <a:pos x="csX34" y="csY34"/>
+                </a:cxn>
+                <a:cxn ang="0">
+                  <a:pos x="csX35" y="csY35"/>
+                </a:cxn>
+                <a:cxn ang="0">
+                  <a:pos x="csX36" y="csY36"/>
+                </a:cxn>
+                <a:cxn ang="0">
+                  <a:pos x="csX37" y="csY37"/>
+                </a:cxn>
+                <a:cxn ang="0">
+                  <a:pos x="csX38" y="csY38"/>
+                </a:cxn>
+                <a:cxn ang="0">
+                  <a:pos x="csX39" y="csY39"/>
+                </a:cxn>
+                <a:cxn ang="0">
+                  <a:pos x="csX40" y="csY40"/>
+                </a:cxn>
+                <a:cxn ang="0">
+                  <a:pos x="csX41" y="csY41"/>
+                </a:cxn>
+              </a:cxnLst>
+              <a:rect l="l" t="t" r="r" b="b"/>
+              <a:pathLst>
+                <a:path w="982597" h="703382">
+                  <a:moveTo>
+                    <a:pt x="982597" y="1522"/>
+                  </a:moveTo>
+                  <a:lnTo>
+                    <a:pt x="982597" y="233559"/>
+                  </a:lnTo>
+                  <a:lnTo>
+                    <a:pt x="981623" y="233559"/>
+                  </a:lnTo>
+                  <a:cubicBezTo>
+                    <a:pt x="981522" y="272453"/>
+                    <a:pt x="981420" y="311346"/>
+                    <a:pt x="981319" y="350240"/>
+                  </a:cubicBezTo>
+                  <a:lnTo>
+                    <a:pt x="813150" y="349802"/>
+                  </a:lnTo>
+                  <a:cubicBezTo>
+                    <a:pt x="813150" y="385210"/>
+                    <a:pt x="792077" y="371005"/>
+                    <a:pt x="792077" y="406413"/>
+                  </a:cubicBezTo>
+                  <a:lnTo>
+                    <a:pt x="765074" y="456025"/>
+                  </a:lnTo>
+                  <a:lnTo>
+                    <a:pt x="733223" y="483943"/>
+                  </a:lnTo>
+                  <a:lnTo>
+                    <a:pt x="680545" y="511982"/>
+                  </a:lnTo>
+                  <a:lnTo>
+                    <a:pt x="634551" y="556175"/>
+                  </a:lnTo>
+                  <a:lnTo>
+                    <a:pt x="594945" y="568426"/>
+                  </a:lnTo>
+                  <a:lnTo>
+                    <a:pt x="534262" y="571310"/>
+                  </a:lnTo>
+                  <a:lnTo>
+                    <a:pt x="413178" y="602140"/>
+                  </a:lnTo>
+                  <a:lnTo>
+                    <a:pt x="413178" y="658889"/>
+                  </a:lnTo>
+                  <a:lnTo>
+                    <a:pt x="345081" y="658889"/>
+                  </a:lnTo>
+                  <a:lnTo>
+                    <a:pt x="345081" y="703382"/>
+                  </a:lnTo>
+                  <a:lnTo>
+                    <a:pt x="218102" y="703382"/>
+                  </a:lnTo>
+                  <a:lnTo>
+                    <a:pt x="218102" y="623625"/>
+                  </a:lnTo>
+                  <a:lnTo>
+                    <a:pt x="218171" y="623625"/>
+                  </a:lnTo>
+                  <a:lnTo>
+                    <a:pt x="218171" y="579132"/>
+                  </a:lnTo>
+                  <a:lnTo>
+                    <a:pt x="254780" y="579132"/>
+                  </a:lnTo>
+                  <a:cubicBezTo>
+                    <a:pt x="254780" y="560216"/>
+                    <a:pt x="254779" y="541299"/>
+                    <a:pt x="254779" y="522383"/>
+                  </a:cubicBezTo>
+                  <a:lnTo>
+                    <a:pt x="323465" y="522383"/>
+                  </a:lnTo>
+                  <a:lnTo>
+                    <a:pt x="323465" y="488669"/>
+                  </a:lnTo>
+                  <a:lnTo>
+                    <a:pt x="407994" y="488669"/>
+                  </a:lnTo>
+                  <a:lnTo>
+                    <a:pt x="407994" y="432225"/>
+                  </a:lnTo>
+                  <a:lnTo>
+                    <a:pt x="447567" y="432225"/>
+                  </a:lnTo>
+                  <a:lnTo>
+                    <a:pt x="447567" y="338966"/>
+                  </a:lnTo>
+                  <a:lnTo>
+                    <a:pt x="373989" y="265002"/>
+                  </a:lnTo>
+                  <a:cubicBezTo>
+                    <a:pt x="374016" y="254521"/>
+                    <a:pt x="374044" y="244040"/>
+                    <a:pt x="374071" y="233559"/>
+                  </a:cubicBezTo>
+                  <a:lnTo>
+                    <a:pt x="261388" y="233559"/>
+                  </a:lnTo>
+                  <a:lnTo>
+                    <a:pt x="150482" y="412824"/>
+                  </a:lnTo>
+                  <a:lnTo>
+                    <a:pt x="140500" y="633860"/>
+                  </a:lnTo>
+                  <a:cubicBezTo>
+                    <a:pt x="93667" y="632681"/>
+                    <a:pt x="78684" y="659542"/>
+                    <a:pt x="0" y="630324"/>
+                  </a:cubicBezTo>
+                  <a:lnTo>
+                    <a:pt x="6018" y="405620"/>
+                  </a:lnTo>
+                  <a:lnTo>
+                    <a:pt x="126021" y="122470"/>
+                  </a:lnTo>
+                  <a:lnTo>
+                    <a:pt x="241222" y="12605"/>
+                  </a:lnTo>
+                  <a:lnTo>
+                    <a:pt x="241222" y="1522"/>
+                  </a:lnTo>
+                  <a:lnTo>
+                    <a:pt x="250236" y="1522"/>
+                  </a:lnTo>
+                  <a:lnTo>
+                    <a:pt x="251474" y="0"/>
+                  </a:lnTo>
+                  <a:lnTo>
+                    <a:pt x="253346" y="1522"/>
+                  </a:lnTo>
+                  <a:lnTo>
+                    <a:pt x="982597" y="1522"/>
+                  </a:lnTo>
+                  <a:close/>
+                </a:path>
+              </a:pathLst>
+            </a:custGeom>
+            <a:solidFill>
+              <a:schemeClr val="bg1"/>
+            </a:solidFill>
+            <a:ln>
+              <a:noFill/>
+            </a:ln>
+          </p:spPr>
+          <p:style>
+            <a:lnRef idx="2">
+              <a:schemeClr val="accent1">
+                <a:shade val="15000"/>
+              </a:schemeClr>
+            </a:lnRef>
+            <a:fillRef idx="1">
+              <a:schemeClr val="accent1"/>
+            </a:fillRef>
+            <a:effectRef idx="0">
+              <a:schemeClr val="accent1"/>
+            </a:effectRef>
+            <a:fontRef idx="minor">
+              <a:schemeClr val="lt1"/>
+            </a:fontRef>
+          </p:style>
+          <p:txBody>
+            <a:bodyPr wrap="square" rtlCol="0" anchor="ctr">
+              <a:noAutofit/>
+            </a:bodyPr>
+            <a:lstStyle/>
+            <a:p>
+              <a:pPr algn="ctr"/>
+              <a:endParaRPr lang="en-GB"/>
+            </a:p>
+          </p:txBody>
+        </p:sp>
+        <p:pic>
+          <p:nvPicPr>
+            <p:cNvPr id="87" name="Picture 86" descr="A black background with a black square&#10;&#10;AI-generated content may be incorrect.">
+              <a:extLst>
+                <a:ext uri="{FF2B5EF4-FFF2-40B4-BE49-F238E27FC236}">
+                  <a16:creationId xmlns:a16="http://schemas.microsoft.com/office/drawing/2014/main" id="{9C5AD3B9-9941-53B5-342D-AC1B1F1ECE22}"/>
+                </a:ext>
+              </a:extLst>
+            </p:cNvPr>
+            <p:cNvPicPr>
+              <a:picLocks noChangeAspect="1"/>
+            </p:cNvPicPr>
+            <p:nvPr/>
+          </p:nvPicPr>
+          <p:blipFill>
+            <a:blip r:embed="rId2">
+              <a:extLst>
+                <a:ext uri="{28A0092B-C50C-407E-A947-70E740481C1C}">
+                  <a14:useLocalDpi xmlns:a14="http://schemas.microsoft.com/office/drawing/2010/main" val="0"/>
+                </a:ext>
+              </a:extLst>
+            </a:blip>
+            <a:srcRect l="21551" t="28916"/>
+            <a:stretch>
+              <a:fillRect/>
+            </a:stretch>
+          </p:blipFill>
+          <p:spPr>
+            <a:xfrm rot="16200000" flipH="1">
+              <a:off x="4104308" y="3519801"/>
+              <a:ext cx="996173" cy="902661"/>
+            </a:xfrm>
+            <a:prstGeom prst="rect">
+              <a:avLst/>
+            </a:prstGeom>
+          </p:spPr>
+        </p:pic>
+        <p:pic>
+          <p:nvPicPr>
+            <p:cNvPr id="88" name="Picture 87" descr="A black background with a black square&#10;&#10;AI-generated content may be incorrect.">
+              <a:extLst>
+                <a:ext uri="{FF2B5EF4-FFF2-40B4-BE49-F238E27FC236}">
+                  <a16:creationId xmlns:a16="http://schemas.microsoft.com/office/drawing/2014/main" id="{4116CA8C-53DF-376E-E9E9-5C21C7BA62D0}"/>
+                </a:ext>
+              </a:extLst>
+            </p:cNvPr>
+            <p:cNvPicPr>
+              <a:picLocks noChangeAspect="1"/>
+            </p:cNvPicPr>
+            <p:nvPr/>
+          </p:nvPicPr>
+          <p:blipFill>
+            <a:blip r:embed="rId2">
+              <a:extLst>
+                <a:ext uri="{28A0092B-C50C-407E-A947-70E740481C1C}">
+                  <a14:useLocalDpi xmlns:a14="http://schemas.microsoft.com/office/drawing/2010/main" val="0"/>
+                </a:ext>
+              </a:extLst>
+            </a:blip>
+            <a:srcRect l="37467" t="623" r="37145" b="77021"/>
+            <a:stretch>
+              <a:fillRect/>
+            </a:stretch>
+          </p:blipFill>
+          <p:spPr>
+            <a:xfrm rot="15291856" flipH="1">
+              <a:off x="3802074" y="3776324"/>
+              <a:ext cx="303914" cy="270380"/>
+            </a:xfrm>
+            <a:prstGeom prst="rect">
+              <a:avLst/>
+            </a:prstGeom>
+          </p:spPr>
+        </p:pic>
+        <p:pic>
+          <p:nvPicPr>
+            <p:cNvPr id="92" name="Picture 91" descr="A black background with a black square&#10;&#10;AI-generated content may be incorrect.">
+              <a:extLst>
+                <a:ext uri="{FF2B5EF4-FFF2-40B4-BE49-F238E27FC236}">
+                  <a16:creationId xmlns:a16="http://schemas.microsoft.com/office/drawing/2014/main" id="{9AC39D46-A631-968F-01EC-A13D8CD15A06}"/>
+                </a:ext>
+              </a:extLst>
+            </p:cNvPr>
+            <p:cNvPicPr>
+              <a:picLocks noChangeAspect="1"/>
+            </p:cNvPicPr>
+            <p:nvPr/>
+          </p:nvPicPr>
+          <p:blipFill>
+            <a:blip r:embed="rId2">
+              <a:extLst>
+                <a:ext uri="{28A0092B-C50C-407E-A947-70E740481C1C}">
+                  <a14:useLocalDpi xmlns:a14="http://schemas.microsoft.com/office/drawing/2010/main" val="0"/>
+                </a:ext>
+              </a:extLst>
+            </a:blip>
+            <a:srcRect l="44927" t="23153" r="34824" b="66054"/>
+            <a:stretch>
+              <a:fillRect/>
+            </a:stretch>
+          </p:blipFill>
+          <p:spPr>
+            <a:xfrm rot="14636352" flipH="1">
+              <a:off x="4034742" y="3852722"/>
+              <a:ext cx="222988" cy="148903"/>
+            </a:xfrm>
+            <a:prstGeom prst="rect">
+              <a:avLst/>
+            </a:prstGeom>
+          </p:spPr>
+        </p:pic>
+        <p:pic>
+          <p:nvPicPr>
+            <p:cNvPr id="95" name="Picture 94" descr="A black background with a black square&#10;&#10;AI-generated content may be incorrect.">
+              <a:extLst>
+                <a:ext uri="{FF2B5EF4-FFF2-40B4-BE49-F238E27FC236}">
+                  <a16:creationId xmlns:a16="http://schemas.microsoft.com/office/drawing/2014/main" id="{F95C6041-CEAF-49DE-296D-9E7AB9CF935B}"/>
+                </a:ext>
+              </a:extLst>
+            </p:cNvPr>
+            <p:cNvPicPr>
+              <a:picLocks noChangeAspect="1"/>
+            </p:cNvPicPr>
+            <p:nvPr/>
+          </p:nvPicPr>
+          <p:blipFill>
+            <a:blip r:embed="rId2">
+              <a:extLst>
+                <a:ext uri="{28A0092B-C50C-407E-A947-70E740481C1C}">
+                  <a14:useLocalDpi xmlns:a14="http://schemas.microsoft.com/office/drawing/2010/main" val="0"/>
+                </a:ext>
+              </a:extLst>
+            </a:blip>
+            <a:srcRect l="26387" t="13347" r="57672" b="70348"/>
+            <a:stretch>
+              <a:fillRect/>
+            </a:stretch>
+          </p:blipFill>
+          <p:spPr>
+            <a:xfrm rot="15698569" flipH="1">
+              <a:off x="3928442" y="3562822"/>
+              <a:ext cx="210357" cy="193613"/>
+            </a:xfrm>
+            <a:prstGeom prst="rect">
+              <a:avLst/>
+            </a:prstGeom>
+          </p:spPr>
+        </p:pic>
+        <p:pic>
+          <p:nvPicPr>
+            <p:cNvPr id="89" name="Picture 88" descr="A black background with a black square&#10;&#10;AI-generated content may be incorrect.">
+              <a:extLst>
+                <a:ext uri="{FF2B5EF4-FFF2-40B4-BE49-F238E27FC236}">
+                  <a16:creationId xmlns:a16="http://schemas.microsoft.com/office/drawing/2014/main" id="{611B7F78-70DC-5246-E3BD-5C58D187E7F8}"/>
+                </a:ext>
+              </a:extLst>
+            </p:cNvPr>
+            <p:cNvPicPr>
+              <a:picLocks noChangeAspect="1"/>
+            </p:cNvPicPr>
+            <p:nvPr/>
+          </p:nvPicPr>
+          <p:blipFill>
+            <a:blip r:embed="rId2">
+              <a:extLst>
+                <a:ext uri="{28A0092B-C50C-407E-A947-70E740481C1C}">
+                  <a14:useLocalDpi xmlns:a14="http://schemas.microsoft.com/office/drawing/2010/main" val="0"/>
+                </a:ext>
+              </a:extLst>
+            </a:blip>
+            <a:srcRect l="68203" b="70596"/>
+            <a:stretch>
+              <a:fillRect/>
+            </a:stretch>
+          </p:blipFill>
+          <p:spPr>
+            <a:xfrm rot="15427643" flipH="1">
+              <a:off x="3882452" y="4041707"/>
+              <a:ext cx="403782" cy="379891"/>
+            </a:xfrm>
+            <a:prstGeom prst="rect">
+              <a:avLst/>
+            </a:prstGeom>
+          </p:spPr>
+        </p:pic>
+        <p:grpSp>
+          <p:nvGrpSpPr>
+            <p:cNvPr id="76" name="Group 75">
+              <a:extLst>
+                <a:ext uri="{FF2B5EF4-FFF2-40B4-BE49-F238E27FC236}">
+                  <a16:creationId xmlns:a16="http://schemas.microsoft.com/office/drawing/2014/main" id="{A71F2C31-CA17-4E32-DAD2-D950442E5642}"/>
+                </a:ext>
+              </a:extLst>
+            </p:cNvPr>
+            <p:cNvGrpSpPr>
+              <a:grpSpLocks/>
+            </p:cNvGrpSpPr>
+            <p:nvPr/>
+          </p:nvGrpSpPr>
+          <p:grpSpPr>
+            <a:xfrm>
+              <a:off x="4720361" y="3359753"/>
+              <a:ext cx="330658" cy="431994"/>
+              <a:chOff x="6340581" y="2572446"/>
+              <a:chExt cx="330658" cy="431994"/>
+            </a:xfrm>
+          </p:grpSpPr>
+          <p:pic>
+            <p:nvPicPr>
+              <p:cNvPr id="78" name="Picture 77" descr="A black background with a black square&#10;&#10;AI-generated content may be incorrect.">
+                <a:extLst>
+                  <a:ext uri="{FF2B5EF4-FFF2-40B4-BE49-F238E27FC236}">
+                    <a16:creationId xmlns:a16="http://schemas.microsoft.com/office/drawing/2014/main" id="{000E5B24-E55B-B21D-1842-8E9476138910}"/>
+                  </a:ext>
+                </a:extLst>
+              </p:cNvPr>
+              <p:cNvPicPr>
+                <a:picLocks noChangeAspect="1"/>
+              </p:cNvPicPr>
+              <p:nvPr/>
+            </p:nvPicPr>
+            <p:blipFill>
+              <a:blip r:embed="rId2">
+                <a:extLst>
+                  <a:ext uri="{28A0092B-C50C-407E-A947-70E740481C1C}">
+                    <a14:useLocalDpi xmlns:a14="http://schemas.microsoft.com/office/drawing/2010/main" val="0"/>
+                  </a:ext>
+                </a:extLst>
+              </a:blip>
+              <a:srcRect l="10182" t="73782" r="68815" b="9209"/>
+              <a:stretch/>
+            </p:blipFill>
+            <p:spPr>
+              <a:xfrm rot="10800000" flipV="1">
+                <a:off x="6340581" y="2788443"/>
+                <a:ext cx="266701" cy="215997"/>
+              </a:xfrm>
+              <a:prstGeom prst="rect">
+                <a:avLst/>
+              </a:prstGeom>
+            </p:spPr>
+          </p:pic>
+          <p:pic>
+            <p:nvPicPr>
+              <p:cNvPr id="79" name="Picture 78" descr="A black background with a black square&#10;&#10;AI-generated content may be incorrect.">
+                <a:extLst>
+                  <a:ext uri="{FF2B5EF4-FFF2-40B4-BE49-F238E27FC236}">
+                    <a16:creationId xmlns:a16="http://schemas.microsoft.com/office/drawing/2014/main" id="{3A9FEC80-AD17-BA8B-C280-2A2AD04AB098}"/>
+                  </a:ext>
+                </a:extLst>
+              </p:cNvPr>
+              <p:cNvPicPr>
+                <a:picLocks noChangeAspect="1"/>
+              </p:cNvPicPr>
+              <p:nvPr/>
+            </p:nvPicPr>
+            <p:blipFill>
+              <a:blip r:embed="rId2">
+                <a:extLst>
+                  <a:ext uri="{28A0092B-C50C-407E-A947-70E740481C1C}">
+                    <a14:useLocalDpi xmlns:a14="http://schemas.microsoft.com/office/drawing/2010/main" val="0"/>
+                  </a:ext>
+                </a:extLst>
+              </a:blip>
+              <a:srcRect l="10182" t="73782" r="68815" b="9209"/>
+              <a:stretch/>
+            </p:blipFill>
+            <p:spPr>
+              <a:xfrm rot="10800000" flipH="1">
+                <a:off x="6404538" y="2572446"/>
+                <a:ext cx="266701" cy="215997"/>
+              </a:xfrm>
+              <a:prstGeom prst="rect">
+                <a:avLst/>
+              </a:prstGeom>
+            </p:spPr>
+          </p:pic>
+        </p:grpSp>
+        <p:pic>
+          <p:nvPicPr>
+            <p:cNvPr id="77" name="Picture 76" descr="A black background with a black square&#10;&#10;AI-generated content may be incorrect.">
+              <a:extLst>
+                <a:ext uri="{FF2B5EF4-FFF2-40B4-BE49-F238E27FC236}">
+                  <a16:creationId xmlns:a16="http://schemas.microsoft.com/office/drawing/2014/main" id="{E1F66FEE-C8E8-0B51-54B7-2B2D297B27E8}"/>
+                </a:ext>
+              </a:extLst>
+            </p:cNvPr>
+            <p:cNvPicPr>
+              <a:picLocks noChangeAspect="1"/>
+            </p:cNvPicPr>
+            <p:nvPr/>
+          </p:nvPicPr>
+          <p:blipFill>
+            <a:blip r:embed="rId2">
+              <a:extLst>
+                <a:ext uri="{28A0092B-C50C-407E-A947-70E740481C1C}">
+                  <a14:useLocalDpi xmlns:a14="http://schemas.microsoft.com/office/drawing/2010/main" val="0"/>
+                </a:ext>
+              </a:extLst>
+            </a:blip>
+            <a:srcRect l="10200" t="49411" r="76847"/>
+            <a:stretch/>
+          </p:blipFill>
+          <p:spPr>
+            <a:xfrm rot="16200000" flipH="1">
+              <a:off x="4586789" y="3105598"/>
+              <a:ext cx="164481" cy="642408"/>
+            </a:xfrm>
+            <a:prstGeom prst="rect">
+              <a:avLst/>
+            </a:prstGeom>
+          </p:spPr>
+        </p:pic>
+        <p:pic>
+          <p:nvPicPr>
+            <p:cNvPr id="1048" name="Picture 1047" descr="A black background with a black square&#10;&#10;AI-generated content may be incorrect.">
+              <a:extLst>
+                <a:ext uri="{FF2B5EF4-FFF2-40B4-BE49-F238E27FC236}">
+                  <a16:creationId xmlns:a16="http://schemas.microsoft.com/office/drawing/2014/main" id="{DA4EEB58-A2C2-FE90-15D2-43E9F77C2F47}"/>
+                </a:ext>
+              </a:extLst>
+            </p:cNvPr>
+            <p:cNvPicPr>
+              <a:picLocks noChangeAspect="1"/>
+            </p:cNvPicPr>
+            <p:nvPr/>
+          </p:nvPicPr>
+          <p:blipFill>
+            <a:blip r:embed="rId2">
+              <a:extLst>
+                <a:ext uri="{28A0092B-C50C-407E-A947-70E740481C1C}">
+                  <a14:useLocalDpi xmlns:a14="http://schemas.microsoft.com/office/drawing/2010/main" val="0"/>
+                </a:ext>
+              </a:extLst>
+            </a:blip>
+            <a:srcRect l="10200" t="78821" r="76847" b="15154"/>
+            <a:stretch>
+              <a:fillRect/>
+            </a:stretch>
+          </p:blipFill>
+          <p:spPr>
+            <a:xfrm rot="16000379" flipV="1">
+              <a:off x="4041043" y="3555152"/>
+              <a:ext cx="177626" cy="74439"/>
+            </a:xfrm>
+            <a:prstGeom prst="rect">
+              <a:avLst/>
+            </a:prstGeom>
+          </p:spPr>
+        </p:pic>
+      </p:grpSp>
       <p:pic>
         <p:nvPicPr>
           <p:cNvPr id="38" name="Picture 4" descr="Windows Mouse Cursor: Over 3,504 Royalty-Free Licensable Stock  Illustrations &amp; Drawings | Shutterstock">
@@ -11021,7 +12895,7 @@
           <p:nvPr/>
         </p:nvPicPr>
         <p:blipFill rotWithShape="1">
-          <a:blip r:embed="rId2">
+          <a:blip r:embed="rId3">
             <a:clrChange>
               <a:clrFrom>
                 <a:srgbClr val="FFFFFF"/>
@@ -11035,7 +12909,7 @@
             <a:extLst>
               <a:ext uri="{BEBA8EAE-BF5A-486C-A8C5-ECC9F3942E4B}">
                 <a14:imgProps xmlns:a14="http://schemas.microsoft.com/office/drawing/2010/main">
-                  <a14:imgLayer r:embed="rId3">
+                  <a14:imgLayer r:embed="rId4">
                     <a14:imgEffect>
                       <a14:backgroundRemoval t="23929" b="69643" l="76788" r="88999">
                         <a14:foregroundMark x1="79428" y1="26429" x2="79428" y2="26429"/>
@@ -11079,7 +12953,7 @@
         </p:blipFill>
         <p:spPr bwMode="auto">
           <a:xfrm>
-            <a:off x="4630326" y="4892629"/>
+            <a:off x="4008009" y="551202"/>
             <a:ext cx="171937" cy="190500"/>
           </a:xfrm>
           <a:prstGeom prst="rect">
@@ -11424,7 +13298,7 @@
             <p:nvPr/>
           </p:nvPicPr>
           <p:blipFill>
-            <a:blip r:embed="rId4">
+            <a:blip r:embed="rId5">
               <a:extLst>
                 <a:ext uri="{28A0092B-C50C-407E-A947-70E740481C1C}">
                   <a14:useLocalDpi xmlns:a14="http://schemas.microsoft.com/office/drawing/2010/main" val="0"/>
@@ -11751,7 +13625,7 @@
               <p:nvPr/>
             </p:nvPicPr>
             <p:blipFill>
-              <a:blip r:embed="rId5">
+              <a:blip r:embed="rId6">
                 <a:extLst>
                   <a:ext uri="{28A0092B-C50C-407E-A947-70E740481C1C}">
                     <a14:useLocalDpi xmlns:a14="http://schemas.microsoft.com/office/drawing/2010/main" val="0"/>
@@ -12097,7 +13971,7 @@
             <p:nvPr/>
           </p:nvPicPr>
           <p:blipFill>
-            <a:blip r:embed="rId4">
+            <a:blip r:embed="rId5">
               <a:extLst>
                 <a:ext uri="{28A0092B-C50C-407E-A947-70E740481C1C}">
                   <a14:useLocalDpi xmlns:a14="http://schemas.microsoft.com/office/drawing/2010/main" val="0"/>
@@ -12421,7 +14295,7 @@
               <p:nvPr/>
             </p:nvPicPr>
             <p:blipFill>
-              <a:blip r:embed="rId5">
+              <a:blip r:embed="rId6">
                 <a:extLst>
                   <a:ext uri="{28A0092B-C50C-407E-A947-70E740481C1C}">
                     <a14:useLocalDpi xmlns:a14="http://schemas.microsoft.com/office/drawing/2010/main" val="0"/>
@@ -12458,7 +14332,7 @@
           <p:nvPr/>
         </p:nvPicPr>
         <p:blipFill>
-          <a:blip r:embed="rId4">
+          <a:blip r:embed="rId5">
             <a:extLst>
               <a:ext uri="{28A0092B-C50C-407E-A947-70E740481C1C}">
                 <a14:useLocalDpi xmlns:a14="http://schemas.microsoft.com/office/drawing/2010/main" val="0"/>
@@ -12568,7 +14442,7 @@
             <p:nvPr/>
           </p:nvPicPr>
           <p:blipFill>
-            <a:blip r:embed="rId5">
+            <a:blip r:embed="rId6">
               <a:extLst>
                 <a:ext uri="{28A0092B-C50C-407E-A947-70E740481C1C}">
                   <a14:useLocalDpi xmlns:a14="http://schemas.microsoft.com/office/drawing/2010/main" val="0"/>
@@ -12869,7 +14743,7 @@
           <p:nvPr/>
         </p:nvPicPr>
         <p:blipFill>
-          <a:blip r:embed="rId6">
+          <a:blip r:embed="rId7">
             <a:extLst>
               <a:ext uri="{28A0092B-C50C-407E-A947-70E740481C1C}">
                 <a14:useLocalDpi xmlns:a14="http://schemas.microsoft.com/office/drawing/2010/main" val="0"/>
@@ -13150,7 +15024,7 @@
             <p:nvPr/>
           </p:nvPicPr>
           <p:blipFill>
-            <a:blip r:embed="rId6">
+            <a:blip r:embed="rId7">
               <a:extLst>
                 <a:ext uri="{28A0092B-C50C-407E-A947-70E740481C1C}">
                   <a14:useLocalDpi xmlns:a14="http://schemas.microsoft.com/office/drawing/2010/main" val="0"/>
@@ -13435,7 +15309,7 @@
             <p:nvPr/>
           </p:nvPicPr>
           <p:blipFill rotWithShape="1">
-            <a:blip r:embed="rId6">
+            <a:blip r:embed="rId7">
               <a:extLst>
                 <a:ext uri="{28A0092B-C50C-407E-A947-70E740481C1C}">
                   <a14:useLocalDpi xmlns:a14="http://schemas.microsoft.com/office/drawing/2010/main" val="0"/>
@@ -13471,7 +15345,7 @@
           <p:nvPr/>
         </p:nvPicPr>
         <p:blipFill>
-          <a:blip r:embed="rId7">
+          <a:blip r:embed="rId2">
             <a:extLst>
               <a:ext uri="{28A0092B-C50C-407E-A947-70E740481C1C}">
                 <a14:useLocalDpi xmlns:a14="http://schemas.microsoft.com/office/drawing/2010/main" val="0"/>
@@ -13484,7 +15358,7 @@
         </p:blipFill>
         <p:spPr>
           <a:xfrm rot="16200000" flipH="1">
-            <a:off x="6826515" y="539854"/>
+            <a:off x="10296787" y="1808423"/>
             <a:ext cx="1269841" cy="1269841"/>
           </a:xfrm>
           <a:prstGeom prst="rect">
@@ -13506,7 +15380,7 @@
         </p:nvGrpSpPr>
         <p:grpSpPr>
           <a:xfrm>
-            <a:off x="6364435" y="2698620"/>
+            <a:off x="5473756" y="1832963"/>
             <a:ext cx="1269841" cy="1111256"/>
             <a:chOff x="6364435" y="2698620"/>
             <a:chExt cx="1269841" cy="1111256"/>
@@ -13943,7 +15817,7 @@
               <p:nvPr/>
             </p:nvPicPr>
             <p:blipFill>
-              <a:blip r:embed="rId7">
+              <a:blip r:embed="rId2">
                 <a:extLst>
                   <a:ext uri="{28A0092B-C50C-407E-A947-70E740481C1C}">
                     <a14:useLocalDpi xmlns:a14="http://schemas.microsoft.com/office/drawing/2010/main" val="0"/>
@@ -13998,7 +15872,7 @@
                 <p:nvPr/>
               </p:nvPicPr>
               <p:blipFill>
-                <a:blip r:embed="rId7">
+                <a:blip r:embed="rId2">
                   <a:extLst>
                     <a:ext uri="{28A0092B-C50C-407E-A947-70E740481C1C}">
                       <a14:useLocalDpi xmlns:a14="http://schemas.microsoft.com/office/drawing/2010/main" val="0"/>
@@ -14033,7 +15907,7 @@
                 <p:nvPr/>
               </p:nvPicPr>
               <p:blipFill>
-                <a:blip r:embed="rId7">
+                <a:blip r:embed="rId2">
                   <a:extLst>
                     <a:ext uri="{28A0092B-C50C-407E-A947-70E740481C1C}">
                       <a14:useLocalDpi xmlns:a14="http://schemas.microsoft.com/office/drawing/2010/main" val="0"/>
@@ -14069,7 +15943,7 @@
               <p:nvPr/>
             </p:nvPicPr>
             <p:blipFill>
-              <a:blip r:embed="rId7">
+              <a:blip r:embed="rId2">
                 <a:extLst>
                   <a:ext uri="{28A0092B-C50C-407E-A947-70E740481C1C}">
                     <a14:useLocalDpi xmlns:a14="http://schemas.microsoft.com/office/drawing/2010/main" val="0"/>
@@ -14107,7 +15981,7 @@
         </p:nvGrpSpPr>
         <p:grpSpPr>
           <a:xfrm>
-            <a:off x="5012916" y="2811015"/>
+            <a:off x="3822563" y="1829439"/>
             <a:ext cx="1269841" cy="1111992"/>
             <a:chOff x="6364435" y="2698620"/>
             <a:chExt cx="1269841" cy="1111992"/>
@@ -14545,7 +16419,7 @@
               <p:nvPr/>
             </p:nvPicPr>
             <p:blipFill>
-              <a:blip r:embed="rId7">
+              <a:blip r:embed="rId2">
                 <a:extLst>
                   <a:ext uri="{28A0092B-C50C-407E-A947-70E740481C1C}">
                     <a14:useLocalDpi xmlns:a14="http://schemas.microsoft.com/office/drawing/2010/main" val="0"/>
@@ -14602,7 +16476,7 @@
                 <p:nvPr/>
               </p:nvPicPr>
               <p:blipFill>
-                <a:blip r:embed="rId7">
+                <a:blip r:embed="rId2">
                   <a:extLst>
                     <a:ext uri="{28A0092B-C50C-407E-A947-70E740481C1C}">
                       <a14:useLocalDpi xmlns:a14="http://schemas.microsoft.com/office/drawing/2010/main" val="0"/>
@@ -14637,7 +16511,7 @@
                 <p:nvPr/>
               </p:nvPicPr>
               <p:blipFill>
-                <a:blip r:embed="rId7">
+                <a:blip r:embed="rId2">
                   <a:extLst>
                     <a:ext uri="{28A0092B-C50C-407E-A947-70E740481C1C}">
                       <a14:useLocalDpi xmlns:a14="http://schemas.microsoft.com/office/drawing/2010/main" val="0"/>
@@ -14673,7 +16547,7 @@
               <p:nvPr/>
             </p:nvPicPr>
             <p:blipFill>
-              <a:blip r:embed="rId7">
+              <a:blip r:embed="rId2">
                 <a:extLst>
                   <a:ext uri="{28A0092B-C50C-407E-A947-70E740481C1C}">
                     <a14:useLocalDpi xmlns:a14="http://schemas.microsoft.com/office/drawing/2010/main" val="0"/>
@@ -14734,7 +16608,7 @@
         </p:blipFill>
         <p:spPr bwMode="auto">
           <a:xfrm>
-            <a:off x="5115323" y="4892629"/>
+            <a:off x="4493006" y="551202"/>
             <a:ext cx="171938" cy="190500"/>
           </a:xfrm>
           <a:prstGeom prst="rect">
@@ -14768,7 +16642,7 @@
         </p:nvSpPr>
         <p:spPr>
           <a:xfrm>
-            <a:off x="6692148" y="4797379"/>
+            <a:off x="7902596" y="3652611"/>
             <a:ext cx="1146105" cy="1269840"/>
           </a:xfrm>
           <a:prstGeom prst="rect">
@@ -14824,7 +16698,7 @@
         </p:nvSpPr>
         <p:spPr>
           <a:xfrm>
-            <a:off x="8475880" y="3596560"/>
+            <a:off x="10020300" y="3718804"/>
             <a:ext cx="1189975" cy="1702359"/>
           </a:xfrm>
           <a:prstGeom prst="rect">
@@ -14862,6 +16736,2024 @@
           </a:p>
         </p:txBody>
       </p:sp>
+      <p:pic>
+        <p:nvPicPr>
+          <p:cNvPr id="1043" name="Picture 1042">
+            <a:extLst>
+              <a:ext uri="{FF2B5EF4-FFF2-40B4-BE49-F238E27FC236}">
+                <a16:creationId xmlns:a16="http://schemas.microsoft.com/office/drawing/2014/main" id="{71EA9D97-3170-736D-2F00-D03CB1DB8576}"/>
+              </a:ext>
+            </a:extLst>
+          </p:cNvPr>
+          <p:cNvPicPr>
+            <a:picLocks noChangeAspect="1"/>
+          </p:cNvPicPr>
+          <p:nvPr/>
+        </p:nvPicPr>
+        <p:blipFill>
+          <a:blip r:embed="rId9">
+            <a:extLst>
+              <a:ext uri="{28A0092B-C50C-407E-A947-70E740481C1C}">
+                <a14:useLocalDpi xmlns:a14="http://schemas.microsoft.com/office/drawing/2010/main" val="0"/>
+              </a:ext>
+            </a:extLst>
+          </a:blip>
+          <a:stretch>
+            <a:fillRect/>
+          </a:stretch>
+        </p:blipFill>
+        <p:spPr>
+          <a:xfrm>
+            <a:off x="4513777" y="5083586"/>
+            <a:ext cx="209550" cy="183471"/>
+          </a:xfrm>
+          <a:prstGeom prst="rect">
+            <a:avLst/>
+          </a:prstGeom>
+        </p:spPr>
+      </p:pic>
+      <p:pic>
+        <p:nvPicPr>
+          <p:cNvPr id="1045" name="Picture 1044">
+            <a:extLst>
+              <a:ext uri="{FF2B5EF4-FFF2-40B4-BE49-F238E27FC236}">
+                <a16:creationId xmlns:a16="http://schemas.microsoft.com/office/drawing/2014/main" id="{99E9E48B-1FFD-515D-C1B5-594BAE1754D5}"/>
+              </a:ext>
+            </a:extLst>
+          </p:cNvPr>
+          <p:cNvPicPr>
+            <a:picLocks noChangeAspect="1"/>
+          </p:cNvPicPr>
+          <p:nvPr/>
+        </p:nvPicPr>
+        <p:blipFill>
+          <a:blip r:embed="rId10">
+            <a:extLst>
+              <a:ext uri="{28A0092B-C50C-407E-A947-70E740481C1C}">
+                <a14:useLocalDpi xmlns:a14="http://schemas.microsoft.com/office/drawing/2010/main" val="0"/>
+              </a:ext>
+            </a:extLst>
+          </a:blip>
+          <a:stretch>
+            <a:fillRect/>
+          </a:stretch>
+        </p:blipFill>
+        <p:spPr>
+          <a:xfrm>
+            <a:off x="5851775" y="5050095"/>
+            <a:ext cx="209550" cy="183928"/>
+          </a:xfrm>
+          <a:prstGeom prst="rect">
+            <a:avLst/>
+          </a:prstGeom>
+        </p:spPr>
+      </p:pic>
+      <p:grpSp>
+        <p:nvGrpSpPr>
+          <p:cNvPr id="1079" name="Group 1078">
+            <a:extLst>
+              <a:ext uri="{FF2B5EF4-FFF2-40B4-BE49-F238E27FC236}">
+                <a16:creationId xmlns:a16="http://schemas.microsoft.com/office/drawing/2014/main" id="{B926B9C4-2696-2369-6095-9C41E4F09B89}"/>
+              </a:ext>
+            </a:extLst>
+          </p:cNvPr>
+          <p:cNvGrpSpPr/>
+          <p:nvPr/>
+        </p:nvGrpSpPr>
+        <p:grpSpPr>
+          <a:xfrm>
+            <a:off x="5307871" y="3281696"/>
+            <a:ext cx="1234884" cy="1124657"/>
+            <a:chOff x="5307871" y="3281696"/>
+            <a:chExt cx="1234884" cy="1124657"/>
+          </a:xfrm>
+        </p:grpSpPr>
+        <p:sp>
+          <p:nvSpPr>
+            <p:cNvPr id="1068" name="Freeform: Shape 1067">
+              <a:extLst>
+                <a:ext uri="{FF2B5EF4-FFF2-40B4-BE49-F238E27FC236}">
+                  <a16:creationId xmlns:a16="http://schemas.microsoft.com/office/drawing/2014/main" id="{14CBED7B-3A7C-2A17-5AE7-A4EFE147F03F}"/>
+                </a:ext>
+              </a:extLst>
+            </p:cNvPr>
+            <p:cNvSpPr>
+              <a:spLocks/>
+            </p:cNvSpPr>
+            <p:nvPr/>
+          </p:nvSpPr>
+          <p:spPr>
+            <a:xfrm rot="20697523">
+              <a:off x="5432678" y="3442233"/>
+              <a:ext cx="982597" cy="709560"/>
+            </a:xfrm>
+            <a:custGeom>
+              <a:avLst/>
+              <a:gdLst>
+                <a:gd name="connsiteX0" fmla="*/ 1085707 w 1085707"/>
+                <a:gd name="connsiteY0" fmla="*/ 1522 h 703382"/>
+                <a:gd name="connsiteX1" fmla="*/ 1085707 w 1085707"/>
+                <a:gd name="connsiteY1" fmla="*/ 233559 h 703382"/>
+                <a:gd name="connsiteX2" fmla="*/ 1084733 w 1085707"/>
+                <a:gd name="connsiteY2" fmla="*/ 233559 h 703382"/>
+                <a:gd name="connsiteX3" fmla="*/ 1084429 w 1085707"/>
+                <a:gd name="connsiteY3" fmla="*/ 350240 h 703382"/>
+                <a:gd name="connsiteX4" fmla="*/ 916260 w 1085707"/>
+                <a:gd name="connsiteY4" fmla="*/ 349802 h 703382"/>
+                <a:gd name="connsiteX5" fmla="*/ 916259 w 1085707"/>
+                <a:gd name="connsiteY5" fmla="*/ 456025 h 703382"/>
+                <a:gd name="connsiteX6" fmla="*/ 868184 w 1085707"/>
+                <a:gd name="connsiteY6" fmla="*/ 456025 h 703382"/>
+                <a:gd name="connsiteX7" fmla="*/ 868184 w 1085707"/>
+                <a:gd name="connsiteY7" fmla="*/ 511982 h 703382"/>
+                <a:gd name="connsiteX8" fmla="*/ 783655 w 1085707"/>
+                <a:gd name="connsiteY8" fmla="*/ 511982 h 703382"/>
+                <a:gd name="connsiteX9" fmla="*/ 783655 w 1085707"/>
+                <a:gd name="connsiteY9" fmla="*/ 568426 h 703382"/>
+                <a:gd name="connsiteX10" fmla="*/ 698055 w 1085707"/>
+                <a:gd name="connsiteY10" fmla="*/ 568426 h 703382"/>
+                <a:gd name="connsiteX11" fmla="*/ 698055 w 1085707"/>
+                <a:gd name="connsiteY11" fmla="*/ 602140 h 703382"/>
+                <a:gd name="connsiteX12" fmla="*/ 516288 w 1085707"/>
+                <a:gd name="connsiteY12" fmla="*/ 602140 h 703382"/>
+                <a:gd name="connsiteX13" fmla="*/ 516288 w 1085707"/>
+                <a:gd name="connsiteY13" fmla="*/ 658889 h 703382"/>
+                <a:gd name="connsiteX14" fmla="*/ 448191 w 1085707"/>
+                <a:gd name="connsiteY14" fmla="*/ 658889 h 703382"/>
+                <a:gd name="connsiteX15" fmla="*/ 448191 w 1085707"/>
+                <a:gd name="connsiteY15" fmla="*/ 703382 h 703382"/>
+                <a:gd name="connsiteX16" fmla="*/ 321212 w 1085707"/>
+                <a:gd name="connsiteY16" fmla="*/ 703382 h 703382"/>
+                <a:gd name="connsiteX17" fmla="*/ 321212 w 1085707"/>
+                <a:gd name="connsiteY17" fmla="*/ 623625 h 703382"/>
+                <a:gd name="connsiteX18" fmla="*/ 321281 w 1085707"/>
+                <a:gd name="connsiteY18" fmla="*/ 623625 h 703382"/>
+                <a:gd name="connsiteX19" fmla="*/ 321281 w 1085707"/>
+                <a:gd name="connsiteY19" fmla="*/ 579132 h 703382"/>
+                <a:gd name="connsiteX20" fmla="*/ 357890 w 1085707"/>
+                <a:gd name="connsiteY20" fmla="*/ 579132 h 703382"/>
+                <a:gd name="connsiteX21" fmla="*/ 357889 w 1085707"/>
+                <a:gd name="connsiteY21" fmla="*/ 522383 h 703382"/>
+                <a:gd name="connsiteX22" fmla="*/ 426575 w 1085707"/>
+                <a:gd name="connsiteY22" fmla="*/ 522383 h 703382"/>
+                <a:gd name="connsiteX23" fmla="*/ 426575 w 1085707"/>
+                <a:gd name="connsiteY23" fmla="*/ 488669 h 703382"/>
+                <a:gd name="connsiteX24" fmla="*/ 511104 w 1085707"/>
+                <a:gd name="connsiteY24" fmla="*/ 488669 h 703382"/>
+                <a:gd name="connsiteX25" fmla="*/ 511104 w 1085707"/>
+                <a:gd name="connsiteY25" fmla="*/ 432225 h 703382"/>
+                <a:gd name="connsiteX26" fmla="*/ 550677 w 1085707"/>
+                <a:gd name="connsiteY26" fmla="*/ 432225 h 703382"/>
+                <a:gd name="connsiteX27" fmla="*/ 550677 w 1085707"/>
+                <a:gd name="connsiteY27" fmla="*/ 338966 h 703382"/>
+                <a:gd name="connsiteX28" fmla="*/ 477099 w 1085707"/>
+                <a:gd name="connsiteY28" fmla="*/ 265002 h 703382"/>
+                <a:gd name="connsiteX29" fmla="*/ 477181 w 1085707"/>
+                <a:gd name="connsiteY29" fmla="*/ 233559 h 703382"/>
+                <a:gd name="connsiteX30" fmla="*/ 364498 w 1085707"/>
+                <a:gd name="connsiteY30" fmla="*/ 233559 h 703382"/>
+                <a:gd name="connsiteX31" fmla="*/ 211854 w 1085707"/>
+                <a:gd name="connsiteY31" fmla="*/ 421260 h 703382"/>
+                <a:gd name="connsiteX32" fmla="*/ 141047 w 1085707"/>
+                <a:gd name="connsiteY32" fmla="*/ 684756 h 703382"/>
+                <a:gd name="connsiteX33" fmla="*/ 0 w 1085707"/>
+                <a:gd name="connsiteY33" fmla="*/ 646854 h 703382"/>
+                <a:gd name="connsiteX34" fmla="*/ 73913 w 1085707"/>
+                <a:gd name="connsiteY34" fmla="*/ 371797 h 703382"/>
+                <a:gd name="connsiteX35" fmla="*/ 60860 w 1085707"/>
+                <a:gd name="connsiteY35" fmla="*/ 361181 h 703382"/>
+                <a:gd name="connsiteX36" fmla="*/ 344332 w 1085707"/>
+                <a:gd name="connsiteY36" fmla="*/ 12605 h 703382"/>
+                <a:gd name="connsiteX37" fmla="*/ 344332 w 1085707"/>
+                <a:gd name="connsiteY37" fmla="*/ 1522 h 703382"/>
+                <a:gd name="connsiteX38" fmla="*/ 353346 w 1085707"/>
+                <a:gd name="connsiteY38" fmla="*/ 1522 h 703382"/>
+                <a:gd name="connsiteX39" fmla="*/ 354584 w 1085707"/>
+                <a:gd name="connsiteY39" fmla="*/ 0 h 703382"/>
+                <a:gd name="connsiteX40" fmla="*/ 356456 w 1085707"/>
+                <a:gd name="connsiteY40" fmla="*/ 1522 h 703382"/>
+                <a:gd name="csX0" fmla="*/ 1085707 w 1085707"/>
+                <a:gd name="csY0" fmla="*/ 1522 h 703382"/>
+                <a:gd name="csX1" fmla="*/ 1085707 w 1085707"/>
+                <a:gd name="csY1" fmla="*/ 233559 h 703382"/>
+                <a:gd name="csX2" fmla="*/ 1084733 w 1085707"/>
+                <a:gd name="csY2" fmla="*/ 233559 h 703382"/>
+                <a:gd name="csX3" fmla="*/ 1084429 w 1085707"/>
+                <a:gd name="csY3" fmla="*/ 350240 h 703382"/>
+                <a:gd name="csX4" fmla="*/ 916260 w 1085707"/>
+                <a:gd name="csY4" fmla="*/ 349802 h 703382"/>
+                <a:gd name="csX5" fmla="*/ 916259 w 1085707"/>
+                <a:gd name="csY5" fmla="*/ 456025 h 703382"/>
+                <a:gd name="csX6" fmla="*/ 868184 w 1085707"/>
+                <a:gd name="csY6" fmla="*/ 456025 h 703382"/>
+                <a:gd name="csX7" fmla="*/ 868184 w 1085707"/>
+                <a:gd name="csY7" fmla="*/ 511982 h 703382"/>
+                <a:gd name="csX8" fmla="*/ 783655 w 1085707"/>
+                <a:gd name="csY8" fmla="*/ 511982 h 703382"/>
+                <a:gd name="csX9" fmla="*/ 783655 w 1085707"/>
+                <a:gd name="csY9" fmla="*/ 568426 h 703382"/>
+                <a:gd name="csX10" fmla="*/ 698055 w 1085707"/>
+                <a:gd name="csY10" fmla="*/ 568426 h 703382"/>
+                <a:gd name="csX11" fmla="*/ 698055 w 1085707"/>
+                <a:gd name="csY11" fmla="*/ 602140 h 703382"/>
+                <a:gd name="csX12" fmla="*/ 516288 w 1085707"/>
+                <a:gd name="csY12" fmla="*/ 602140 h 703382"/>
+                <a:gd name="csX13" fmla="*/ 516288 w 1085707"/>
+                <a:gd name="csY13" fmla="*/ 658889 h 703382"/>
+                <a:gd name="csX14" fmla="*/ 448191 w 1085707"/>
+                <a:gd name="csY14" fmla="*/ 658889 h 703382"/>
+                <a:gd name="csX15" fmla="*/ 448191 w 1085707"/>
+                <a:gd name="csY15" fmla="*/ 703382 h 703382"/>
+                <a:gd name="csX16" fmla="*/ 321212 w 1085707"/>
+                <a:gd name="csY16" fmla="*/ 703382 h 703382"/>
+                <a:gd name="csX17" fmla="*/ 321212 w 1085707"/>
+                <a:gd name="csY17" fmla="*/ 623625 h 703382"/>
+                <a:gd name="csX18" fmla="*/ 321281 w 1085707"/>
+                <a:gd name="csY18" fmla="*/ 623625 h 703382"/>
+                <a:gd name="csX19" fmla="*/ 321281 w 1085707"/>
+                <a:gd name="csY19" fmla="*/ 579132 h 703382"/>
+                <a:gd name="csX20" fmla="*/ 357890 w 1085707"/>
+                <a:gd name="csY20" fmla="*/ 579132 h 703382"/>
+                <a:gd name="csX21" fmla="*/ 357889 w 1085707"/>
+                <a:gd name="csY21" fmla="*/ 522383 h 703382"/>
+                <a:gd name="csX22" fmla="*/ 426575 w 1085707"/>
+                <a:gd name="csY22" fmla="*/ 522383 h 703382"/>
+                <a:gd name="csX23" fmla="*/ 426575 w 1085707"/>
+                <a:gd name="csY23" fmla="*/ 488669 h 703382"/>
+                <a:gd name="csX24" fmla="*/ 511104 w 1085707"/>
+                <a:gd name="csY24" fmla="*/ 488669 h 703382"/>
+                <a:gd name="csX25" fmla="*/ 511104 w 1085707"/>
+                <a:gd name="csY25" fmla="*/ 432225 h 703382"/>
+                <a:gd name="csX26" fmla="*/ 550677 w 1085707"/>
+                <a:gd name="csY26" fmla="*/ 432225 h 703382"/>
+                <a:gd name="csX27" fmla="*/ 550677 w 1085707"/>
+                <a:gd name="csY27" fmla="*/ 338966 h 703382"/>
+                <a:gd name="csX28" fmla="*/ 477099 w 1085707"/>
+                <a:gd name="csY28" fmla="*/ 265002 h 703382"/>
+                <a:gd name="csX29" fmla="*/ 477181 w 1085707"/>
+                <a:gd name="csY29" fmla="*/ 233559 h 703382"/>
+                <a:gd name="csX30" fmla="*/ 364498 w 1085707"/>
+                <a:gd name="csY30" fmla="*/ 233559 h 703382"/>
+                <a:gd name="csX31" fmla="*/ 211854 w 1085707"/>
+                <a:gd name="csY31" fmla="*/ 421260 h 703382"/>
+                <a:gd name="csX32" fmla="*/ 243610 w 1085707"/>
+                <a:gd name="csY32" fmla="*/ 633860 h 703382"/>
+                <a:gd name="csX33" fmla="*/ 0 w 1085707"/>
+                <a:gd name="csY33" fmla="*/ 646854 h 703382"/>
+                <a:gd name="csX34" fmla="*/ 73913 w 1085707"/>
+                <a:gd name="csY34" fmla="*/ 371797 h 703382"/>
+                <a:gd name="csX35" fmla="*/ 60860 w 1085707"/>
+                <a:gd name="csY35" fmla="*/ 361181 h 703382"/>
+                <a:gd name="csX36" fmla="*/ 344332 w 1085707"/>
+                <a:gd name="csY36" fmla="*/ 12605 h 703382"/>
+                <a:gd name="csX37" fmla="*/ 344332 w 1085707"/>
+                <a:gd name="csY37" fmla="*/ 1522 h 703382"/>
+                <a:gd name="csX38" fmla="*/ 353346 w 1085707"/>
+                <a:gd name="csY38" fmla="*/ 1522 h 703382"/>
+                <a:gd name="csX39" fmla="*/ 354584 w 1085707"/>
+                <a:gd name="csY39" fmla="*/ 0 h 703382"/>
+                <a:gd name="csX40" fmla="*/ 356456 w 1085707"/>
+                <a:gd name="csY40" fmla="*/ 1522 h 703382"/>
+                <a:gd name="csX41" fmla="*/ 1085707 w 1085707"/>
+                <a:gd name="csY41" fmla="*/ 1522 h 703382"/>
+                <a:gd name="csX0" fmla="*/ 1085707 w 1085707"/>
+                <a:gd name="csY0" fmla="*/ 1522 h 703382"/>
+                <a:gd name="csX1" fmla="*/ 1085707 w 1085707"/>
+                <a:gd name="csY1" fmla="*/ 233559 h 703382"/>
+                <a:gd name="csX2" fmla="*/ 1084733 w 1085707"/>
+                <a:gd name="csY2" fmla="*/ 233559 h 703382"/>
+                <a:gd name="csX3" fmla="*/ 1084429 w 1085707"/>
+                <a:gd name="csY3" fmla="*/ 350240 h 703382"/>
+                <a:gd name="csX4" fmla="*/ 916260 w 1085707"/>
+                <a:gd name="csY4" fmla="*/ 349802 h 703382"/>
+                <a:gd name="csX5" fmla="*/ 916259 w 1085707"/>
+                <a:gd name="csY5" fmla="*/ 456025 h 703382"/>
+                <a:gd name="csX6" fmla="*/ 868184 w 1085707"/>
+                <a:gd name="csY6" fmla="*/ 456025 h 703382"/>
+                <a:gd name="csX7" fmla="*/ 868184 w 1085707"/>
+                <a:gd name="csY7" fmla="*/ 511982 h 703382"/>
+                <a:gd name="csX8" fmla="*/ 783655 w 1085707"/>
+                <a:gd name="csY8" fmla="*/ 511982 h 703382"/>
+                <a:gd name="csX9" fmla="*/ 783655 w 1085707"/>
+                <a:gd name="csY9" fmla="*/ 568426 h 703382"/>
+                <a:gd name="csX10" fmla="*/ 698055 w 1085707"/>
+                <a:gd name="csY10" fmla="*/ 568426 h 703382"/>
+                <a:gd name="csX11" fmla="*/ 698055 w 1085707"/>
+                <a:gd name="csY11" fmla="*/ 602140 h 703382"/>
+                <a:gd name="csX12" fmla="*/ 516288 w 1085707"/>
+                <a:gd name="csY12" fmla="*/ 602140 h 703382"/>
+                <a:gd name="csX13" fmla="*/ 516288 w 1085707"/>
+                <a:gd name="csY13" fmla="*/ 658889 h 703382"/>
+                <a:gd name="csX14" fmla="*/ 448191 w 1085707"/>
+                <a:gd name="csY14" fmla="*/ 658889 h 703382"/>
+                <a:gd name="csX15" fmla="*/ 448191 w 1085707"/>
+                <a:gd name="csY15" fmla="*/ 703382 h 703382"/>
+                <a:gd name="csX16" fmla="*/ 321212 w 1085707"/>
+                <a:gd name="csY16" fmla="*/ 703382 h 703382"/>
+                <a:gd name="csX17" fmla="*/ 321212 w 1085707"/>
+                <a:gd name="csY17" fmla="*/ 623625 h 703382"/>
+                <a:gd name="csX18" fmla="*/ 321281 w 1085707"/>
+                <a:gd name="csY18" fmla="*/ 623625 h 703382"/>
+                <a:gd name="csX19" fmla="*/ 321281 w 1085707"/>
+                <a:gd name="csY19" fmla="*/ 579132 h 703382"/>
+                <a:gd name="csX20" fmla="*/ 357890 w 1085707"/>
+                <a:gd name="csY20" fmla="*/ 579132 h 703382"/>
+                <a:gd name="csX21" fmla="*/ 357889 w 1085707"/>
+                <a:gd name="csY21" fmla="*/ 522383 h 703382"/>
+                <a:gd name="csX22" fmla="*/ 426575 w 1085707"/>
+                <a:gd name="csY22" fmla="*/ 522383 h 703382"/>
+                <a:gd name="csX23" fmla="*/ 426575 w 1085707"/>
+                <a:gd name="csY23" fmla="*/ 488669 h 703382"/>
+                <a:gd name="csX24" fmla="*/ 511104 w 1085707"/>
+                <a:gd name="csY24" fmla="*/ 488669 h 703382"/>
+                <a:gd name="csX25" fmla="*/ 511104 w 1085707"/>
+                <a:gd name="csY25" fmla="*/ 432225 h 703382"/>
+                <a:gd name="csX26" fmla="*/ 550677 w 1085707"/>
+                <a:gd name="csY26" fmla="*/ 432225 h 703382"/>
+                <a:gd name="csX27" fmla="*/ 550677 w 1085707"/>
+                <a:gd name="csY27" fmla="*/ 338966 h 703382"/>
+                <a:gd name="csX28" fmla="*/ 477099 w 1085707"/>
+                <a:gd name="csY28" fmla="*/ 265002 h 703382"/>
+                <a:gd name="csX29" fmla="*/ 477181 w 1085707"/>
+                <a:gd name="csY29" fmla="*/ 233559 h 703382"/>
+                <a:gd name="csX30" fmla="*/ 364498 w 1085707"/>
+                <a:gd name="csY30" fmla="*/ 233559 h 703382"/>
+                <a:gd name="csX31" fmla="*/ 253592 w 1085707"/>
+                <a:gd name="csY31" fmla="*/ 412824 h 703382"/>
+                <a:gd name="csX32" fmla="*/ 243610 w 1085707"/>
+                <a:gd name="csY32" fmla="*/ 633860 h 703382"/>
+                <a:gd name="csX33" fmla="*/ 0 w 1085707"/>
+                <a:gd name="csY33" fmla="*/ 646854 h 703382"/>
+                <a:gd name="csX34" fmla="*/ 73913 w 1085707"/>
+                <a:gd name="csY34" fmla="*/ 371797 h 703382"/>
+                <a:gd name="csX35" fmla="*/ 60860 w 1085707"/>
+                <a:gd name="csY35" fmla="*/ 361181 h 703382"/>
+                <a:gd name="csX36" fmla="*/ 344332 w 1085707"/>
+                <a:gd name="csY36" fmla="*/ 12605 h 703382"/>
+                <a:gd name="csX37" fmla="*/ 344332 w 1085707"/>
+                <a:gd name="csY37" fmla="*/ 1522 h 703382"/>
+                <a:gd name="csX38" fmla="*/ 353346 w 1085707"/>
+                <a:gd name="csY38" fmla="*/ 1522 h 703382"/>
+                <a:gd name="csX39" fmla="*/ 354584 w 1085707"/>
+                <a:gd name="csY39" fmla="*/ 0 h 703382"/>
+                <a:gd name="csX40" fmla="*/ 356456 w 1085707"/>
+                <a:gd name="csY40" fmla="*/ 1522 h 703382"/>
+                <a:gd name="csX41" fmla="*/ 1085707 w 1085707"/>
+                <a:gd name="csY41" fmla="*/ 1522 h 703382"/>
+                <a:gd name="csX0" fmla="*/ 1085707 w 1085707"/>
+                <a:gd name="csY0" fmla="*/ 1522 h 703382"/>
+                <a:gd name="csX1" fmla="*/ 1085707 w 1085707"/>
+                <a:gd name="csY1" fmla="*/ 233559 h 703382"/>
+                <a:gd name="csX2" fmla="*/ 1084733 w 1085707"/>
+                <a:gd name="csY2" fmla="*/ 233559 h 703382"/>
+                <a:gd name="csX3" fmla="*/ 1084429 w 1085707"/>
+                <a:gd name="csY3" fmla="*/ 350240 h 703382"/>
+                <a:gd name="csX4" fmla="*/ 916260 w 1085707"/>
+                <a:gd name="csY4" fmla="*/ 349802 h 703382"/>
+                <a:gd name="csX5" fmla="*/ 916259 w 1085707"/>
+                <a:gd name="csY5" fmla="*/ 456025 h 703382"/>
+                <a:gd name="csX6" fmla="*/ 868184 w 1085707"/>
+                <a:gd name="csY6" fmla="*/ 456025 h 703382"/>
+                <a:gd name="csX7" fmla="*/ 868184 w 1085707"/>
+                <a:gd name="csY7" fmla="*/ 511982 h 703382"/>
+                <a:gd name="csX8" fmla="*/ 783655 w 1085707"/>
+                <a:gd name="csY8" fmla="*/ 511982 h 703382"/>
+                <a:gd name="csX9" fmla="*/ 783655 w 1085707"/>
+                <a:gd name="csY9" fmla="*/ 568426 h 703382"/>
+                <a:gd name="csX10" fmla="*/ 698055 w 1085707"/>
+                <a:gd name="csY10" fmla="*/ 568426 h 703382"/>
+                <a:gd name="csX11" fmla="*/ 698055 w 1085707"/>
+                <a:gd name="csY11" fmla="*/ 602140 h 703382"/>
+                <a:gd name="csX12" fmla="*/ 516288 w 1085707"/>
+                <a:gd name="csY12" fmla="*/ 602140 h 703382"/>
+                <a:gd name="csX13" fmla="*/ 516288 w 1085707"/>
+                <a:gd name="csY13" fmla="*/ 658889 h 703382"/>
+                <a:gd name="csX14" fmla="*/ 448191 w 1085707"/>
+                <a:gd name="csY14" fmla="*/ 658889 h 703382"/>
+                <a:gd name="csX15" fmla="*/ 448191 w 1085707"/>
+                <a:gd name="csY15" fmla="*/ 703382 h 703382"/>
+                <a:gd name="csX16" fmla="*/ 321212 w 1085707"/>
+                <a:gd name="csY16" fmla="*/ 703382 h 703382"/>
+                <a:gd name="csX17" fmla="*/ 321212 w 1085707"/>
+                <a:gd name="csY17" fmla="*/ 623625 h 703382"/>
+                <a:gd name="csX18" fmla="*/ 321281 w 1085707"/>
+                <a:gd name="csY18" fmla="*/ 623625 h 703382"/>
+                <a:gd name="csX19" fmla="*/ 321281 w 1085707"/>
+                <a:gd name="csY19" fmla="*/ 579132 h 703382"/>
+                <a:gd name="csX20" fmla="*/ 357890 w 1085707"/>
+                <a:gd name="csY20" fmla="*/ 579132 h 703382"/>
+                <a:gd name="csX21" fmla="*/ 357889 w 1085707"/>
+                <a:gd name="csY21" fmla="*/ 522383 h 703382"/>
+                <a:gd name="csX22" fmla="*/ 426575 w 1085707"/>
+                <a:gd name="csY22" fmla="*/ 522383 h 703382"/>
+                <a:gd name="csX23" fmla="*/ 426575 w 1085707"/>
+                <a:gd name="csY23" fmla="*/ 488669 h 703382"/>
+                <a:gd name="csX24" fmla="*/ 511104 w 1085707"/>
+                <a:gd name="csY24" fmla="*/ 488669 h 703382"/>
+                <a:gd name="csX25" fmla="*/ 511104 w 1085707"/>
+                <a:gd name="csY25" fmla="*/ 432225 h 703382"/>
+                <a:gd name="csX26" fmla="*/ 550677 w 1085707"/>
+                <a:gd name="csY26" fmla="*/ 432225 h 703382"/>
+                <a:gd name="csX27" fmla="*/ 550677 w 1085707"/>
+                <a:gd name="csY27" fmla="*/ 338966 h 703382"/>
+                <a:gd name="csX28" fmla="*/ 477099 w 1085707"/>
+                <a:gd name="csY28" fmla="*/ 265002 h 703382"/>
+                <a:gd name="csX29" fmla="*/ 477181 w 1085707"/>
+                <a:gd name="csY29" fmla="*/ 233559 h 703382"/>
+                <a:gd name="csX30" fmla="*/ 364498 w 1085707"/>
+                <a:gd name="csY30" fmla="*/ 233559 h 703382"/>
+                <a:gd name="csX31" fmla="*/ 253592 w 1085707"/>
+                <a:gd name="csY31" fmla="*/ 412824 h 703382"/>
+                <a:gd name="csX32" fmla="*/ 243610 w 1085707"/>
+                <a:gd name="csY32" fmla="*/ 633860 h 703382"/>
+                <a:gd name="csX33" fmla="*/ 0 w 1085707"/>
+                <a:gd name="csY33" fmla="*/ 646854 h 703382"/>
+                <a:gd name="csX34" fmla="*/ 73913 w 1085707"/>
+                <a:gd name="csY34" fmla="*/ 371797 h 703382"/>
+                <a:gd name="csX35" fmla="*/ 116599 w 1085707"/>
+                <a:gd name="csY35" fmla="*/ 410248 h 703382"/>
+                <a:gd name="csX36" fmla="*/ 344332 w 1085707"/>
+                <a:gd name="csY36" fmla="*/ 12605 h 703382"/>
+                <a:gd name="csX37" fmla="*/ 344332 w 1085707"/>
+                <a:gd name="csY37" fmla="*/ 1522 h 703382"/>
+                <a:gd name="csX38" fmla="*/ 353346 w 1085707"/>
+                <a:gd name="csY38" fmla="*/ 1522 h 703382"/>
+                <a:gd name="csX39" fmla="*/ 354584 w 1085707"/>
+                <a:gd name="csY39" fmla="*/ 0 h 703382"/>
+                <a:gd name="csX40" fmla="*/ 356456 w 1085707"/>
+                <a:gd name="csY40" fmla="*/ 1522 h 703382"/>
+                <a:gd name="csX41" fmla="*/ 1085707 w 1085707"/>
+                <a:gd name="csY41" fmla="*/ 1522 h 703382"/>
+                <a:gd name="csX0" fmla="*/ 1085707 w 1085707"/>
+                <a:gd name="csY0" fmla="*/ 1522 h 703382"/>
+                <a:gd name="csX1" fmla="*/ 1085707 w 1085707"/>
+                <a:gd name="csY1" fmla="*/ 233559 h 703382"/>
+                <a:gd name="csX2" fmla="*/ 1084733 w 1085707"/>
+                <a:gd name="csY2" fmla="*/ 233559 h 703382"/>
+                <a:gd name="csX3" fmla="*/ 1084429 w 1085707"/>
+                <a:gd name="csY3" fmla="*/ 350240 h 703382"/>
+                <a:gd name="csX4" fmla="*/ 916260 w 1085707"/>
+                <a:gd name="csY4" fmla="*/ 349802 h 703382"/>
+                <a:gd name="csX5" fmla="*/ 916259 w 1085707"/>
+                <a:gd name="csY5" fmla="*/ 456025 h 703382"/>
+                <a:gd name="csX6" fmla="*/ 868184 w 1085707"/>
+                <a:gd name="csY6" fmla="*/ 456025 h 703382"/>
+                <a:gd name="csX7" fmla="*/ 868184 w 1085707"/>
+                <a:gd name="csY7" fmla="*/ 511982 h 703382"/>
+                <a:gd name="csX8" fmla="*/ 783655 w 1085707"/>
+                <a:gd name="csY8" fmla="*/ 511982 h 703382"/>
+                <a:gd name="csX9" fmla="*/ 783655 w 1085707"/>
+                <a:gd name="csY9" fmla="*/ 568426 h 703382"/>
+                <a:gd name="csX10" fmla="*/ 698055 w 1085707"/>
+                <a:gd name="csY10" fmla="*/ 568426 h 703382"/>
+                <a:gd name="csX11" fmla="*/ 698055 w 1085707"/>
+                <a:gd name="csY11" fmla="*/ 602140 h 703382"/>
+                <a:gd name="csX12" fmla="*/ 516288 w 1085707"/>
+                <a:gd name="csY12" fmla="*/ 602140 h 703382"/>
+                <a:gd name="csX13" fmla="*/ 516288 w 1085707"/>
+                <a:gd name="csY13" fmla="*/ 658889 h 703382"/>
+                <a:gd name="csX14" fmla="*/ 448191 w 1085707"/>
+                <a:gd name="csY14" fmla="*/ 658889 h 703382"/>
+                <a:gd name="csX15" fmla="*/ 448191 w 1085707"/>
+                <a:gd name="csY15" fmla="*/ 703382 h 703382"/>
+                <a:gd name="csX16" fmla="*/ 321212 w 1085707"/>
+                <a:gd name="csY16" fmla="*/ 703382 h 703382"/>
+                <a:gd name="csX17" fmla="*/ 321212 w 1085707"/>
+                <a:gd name="csY17" fmla="*/ 623625 h 703382"/>
+                <a:gd name="csX18" fmla="*/ 321281 w 1085707"/>
+                <a:gd name="csY18" fmla="*/ 623625 h 703382"/>
+                <a:gd name="csX19" fmla="*/ 321281 w 1085707"/>
+                <a:gd name="csY19" fmla="*/ 579132 h 703382"/>
+                <a:gd name="csX20" fmla="*/ 357890 w 1085707"/>
+                <a:gd name="csY20" fmla="*/ 579132 h 703382"/>
+                <a:gd name="csX21" fmla="*/ 357889 w 1085707"/>
+                <a:gd name="csY21" fmla="*/ 522383 h 703382"/>
+                <a:gd name="csX22" fmla="*/ 426575 w 1085707"/>
+                <a:gd name="csY22" fmla="*/ 522383 h 703382"/>
+                <a:gd name="csX23" fmla="*/ 426575 w 1085707"/>
+                <a:gd name="csY23" fmla="*/ 488669 h 703382"/>
+                <a:gd name="csX24" fmla="*/ 511104 w 1085707"/>
+                <a:gd name="csY24" fmla="*/ 488669 h 703382"/>
+                <a:gd name="csX25" fmla="*/ 511104 w 1085707"/>
+                <a:gd name="csY25" fmla="*/ 432225 h 703382"/>
+                <a:gd name="csX26" fmla="*/ 550677 w 1085707"/>
+                <a:gd name="csY26" fmla="*/ 432225 h 703382"/>
+                <a:gd name="csX27" fmla="*/ 550677 w 1085707"/>
+                <a:gd name="csY27" fmla="*/ 338966 h 703382"/>
+                <a:gd name="csX28" fmla="*/ 477099 w 1085707"/>
+                <a:gd name="csY28" fmla="*/ 265002 h 703382"/>
+                <a:gd name="csX29" fmla="*/ 477181 w 1085707"/>
+                <a:gd name="csY29" fmla="*/ 233559 h 703382"/>
+                <a:gd name="csX30" fmla="*/ 364498 w 1085707"/>
+                <a:gd name="csY30" fmla="*/ 233559 h 703382"/>
+                <a:gd name="csX31" fmla="*/ 253592 w 1085707"/>
+                <a:gd name="csY31" fmla="*/ 412824 h 703382"/>
+                <a:gd name="csX32" fmla="*/ 243610 w 1085707"/>
+                <a:gd name="csY32" fmla="*/ 633860 h 703382"/>
+                <a:gd name="csX33" fmla="*/ 0 w 1085707"/>
+                <a:gd name="csY33" fmla="*/ 646854 h 703382"/>
+                <a:gd name="csX34" fmla="*/ 73913 w 1085707"/>
+                <a:gd name="csY34" fmla="*/ 371797 h 703382"/>
+                <a:gd name="csX35" fmla="*/ 229131 w 1085707"/>
+                <a:gd name="csY35" fmla="*/ 122470 h 703382"/>
+                <a:gd name="csX36" fmla="*/ 344332 w 1085707"/>
+                <a:gd name="csY36" fmla="*/ 12605 h 703382"/>
+                <a:gd name="csX37" fmla="*/ 344332 w 1085707"/>
+                <a:gd name="csY37" fmla="*/ 1522 h 703382"/>
+                <a:gd name="csX38" fmla="*/ 353346 w 1085707"/>
+                <a:gd name="csY38" fmla="*/ 1522 h 703382"/>
+                <a:gd name="csX39" fmla="*/ 354584 w 1085707"/>
+                <a:gd name="csY39" fmla="*/ 0 h 703382"/>
+                <a:gd name="csX40" fmla="*/ 356456 w 1085707"/>
+                <a:gd name="csY40" fmla="*/ 1522 h 703382"/>
+                <a:gd name="csX41" fmla="*/ 1085707 w 1085707"/>
+                <a:gd name="csY41" fmla="*/ 1522 h 703382"/>
+                <a:gd name="csX0" fmla="*/ 1085707 w 1085707"/>
+                <a:gd name="csY0" fmla="*/ 1522 h 703382"/>
+                <a:gd name="csX1" fmla="*/ 1085707 w 1085707"/>
+                <a:gd name="csY1" fmla="*/ 233559 h 703382"/>
+                <a:gd name="csX2" fmla="*/ 1084733 w 1085707"/>
+                <a:gd name="csY2" fmla="*/ 233559 h 703382"/>
+                <a:gd name="csX3" fmla="*/ 1084429 w 1085707"/>
+                <a:gd name="csY3" fmla="*/ 350240 h 703382"/>
+                <a:gd name="csX4" fmla="*/ 916260 w 1085707"/>
+                <a:gd name="csY4" fmla="*/ 349802 h 703382"/>
+                <a:gd name="csX5" fmla="*/ 916259 w 1085707"/>
+                <a:gd name="csY5" fmla="*/ 456025 h 703382"/>
+                <a:gd name="csX6" fmla="*/ 868184 w 1085707"/>
+                <a:gd name="csY6" fmla="*/ 456025 h 703382"/>
+                <a:gd name="csX7" fmla="*/ 868184 w 1085707"/>
+                <a:gd name="csY7" fmla="*/ 511982 h 703382"/>
+                <a:gd name="csX8" fmla="*/ 783655 w 1085707"/>
+                <a:gd name="csY8" fmla="*/ 511982 h 703382"/>
+                <a:gd name="csX9" fmla="*/ 783655 w 1085707"/>
+                <a:gd name="csY9" fmla="*/ 568426 h 703382"/>
+                <a:gd name="csX10" fmla="*/ 698055 w 1085707"/>
+                <a:gd name="csY10" fmla="*/ 568426 h 703382"/>
+                <a:gd name="csX11" fmla="*/ 698055 w 1085707"/>
+                <a:gd name="csY11" fmla="*/ 602140 h 703382"/>
+                <a:gd name="csX12" fmla="*/ 516288 w 1085707"/>
+                <a:gd name="csY12" fmla="*/ 602140 h 703382"/>
+                <a:gd name="csX13" fmla="*/ 516288 w 1085707"/>
+                <a:gd name="csY13" fmla="*/ 658889 h 703382"/>
+                <a:gd name="csX14" fmla="*/ 448191 w 1085707"/>
+                <a:gd name="csY14" fmla="*/ 658889 h 703382"/>
+                <a:gd name="csX15" fmla="*/ 448191 w 1085707"/>
+                <a:gd name="csY15" fmla="*/ 703382 h 703382"/>
+                <a:gd name="csX16" fmla="*/ 321212 w 1085707"/>
+                <a:gd name="csY16" fmla="*/ 703382 h 703382"/>
+                <a:gd name="csX17" fmla="*/ 321212 w 1085707"/>
+                <a:gd name="csY17" fmla="*/ 623625 h 703382"/>
+                <a:gd name="csX18" fmla="*/ 321281 w 1085707"/>
+                <a:gd name="csY18" fmla="*/ 623625 h 703382"/>
+                <a:gd name="csX19" fmla="*/ 321281 w 1085707"/>
+                <a:gd name="csY19" fmla="*/ 579132 h 703382"/>
+                <a:gd name="csX20" fmla="*/ 357890 w 1085707"/>
+                <a:gd name="csY20" fmla="*/ 579132 h 703382"/>
+                <a:gd name="csX21" fmla="*/ 357889 w 1085707"/>
+                <a:gd name="csY21" fmla="*/ 522383 h 703382"/>
+                <a:gd name="csX22" fmla="*/ 426575 w 1085707"/>
+                <a:gd name="csY22" fmla="*/ 522383 h 703382"/>
+                <a:gd name="csX23" fmla="*/ 426575 w 1085707"/>
+                <a:gd name="csY23" fmla="*/ 488669 h 703382"/>
+                <a:gd name="csX24" fmla="*/ 511104 w 1085707"/>
+                <a:gd name="csY24" fmla="*/ 488669 h 703382"/>
+                <a:gd name="csX25" fmla="*/ 511104 w 1085707"/>
+                <a:gd name="csY25" fmla="*/ 432225 h 703382"/>
+                <a:gd name="csX26" fmla="*/ 550677 w 1085707"/>
+                <a:gd name="csY26" fmla="*/ 432225 h 703382"/>
+                <a:gd name="csX27" fmla="*/ 550677 w 1085707"/>
+                <a:gd name="csY27" fmla="*/ 338966 h 703382"/>
+                <a:gd name="csX28" fmla="*/ 477099 w 1085707"/>
+                <a:gd name="csY28" fmla="*/ 265002 h 703382"/>
+                <a:gd name="csX29" fmla="*/ 477181 w 1085707"/>
+                <a:gd name="csY29" fmla="*/ 233559 h 703382"/>
+                <a:gd name="csX30" fmla="*/ 364498 w 1085707"/>
+                <a:gd name="csY30" fmla="*/ 233559 h 703382"/>
+                <a:gd name="csX31" fmla="*/ 253592 w 1085707"/>
+                <a:gd name="csY31" fmla="*/ 412824 h 703382"/>
+                <a:gd name="csX32" fmla="*/ 243610 w 1085707"/>
+                <a:gd name="csY32" fmla="*/ 633860 h 703382"/>
+                <a:gd name="csX33" fmla="*/ 0 w 1085707"/>
+                <a:gd name="csY33" fmla="*/ 646854 h 703382"/>
+                <a:gd name="csX34" fmla="*/ 138649 w 1085707"/>
+                <a:gd name="csY34" fmla="*/ 369488 h 703382"/>
+                <a:gd name="csX35" fmla="*/ 229131 w 1085707"/>
+                <a:gd name="csY35" fmla="*/ 122470 h 703382"/>
+                <a:gd name="csX36" fmla="*/ 344332 w 1085707"/>
+                <a:gd name="csY36" fmla="*/ 12605 h 703382"/>
+                <a:gd name="csX37" fmla="*/ 344332 w 1085707"/>
+                <a:gd name="csY37" fmla="*/ 1522 h 703382"/>
+                <a:gd name="csX38" fmla="*/ 353346 w 1085707"/>
+                <a:gd name="csY38" fmla="*/ 1522 h 703382"/>
+                <a:gd name="csX39" fmla="*/ 354584 w 1085707"/>
+                <a:gd name="csY39" fmla="*/ 0 h 703382"/>
+                <a:gd name="csX40" fmla="*/ 356456 w 1085707"/>
+                <a:gd name="csY40" fmla="*/ 1522 h 703382"/>
+                <a:gd name="csX41" fmla="*/ 1085707 w 1085707"/>
+                <a:gd name="csY41" fmla="*/ 1522 h 703382"/>
+                <a:gd name="csX0" fmla="*/ 1085707 w 1085707"/>
+                <a:gd name="csY0" fmla="*/ 1522 h 703382"/>
+                <a:gd name="csX1" fmla="*/ 1085707 w 1085707"/>
+                <a:gd name="csY1" fmla="*/ 233559 h 703382"/>
+                <a:gd name="csX2" fmla="*/ 1084733 w 1085707"/>
+                <a:gd name="csY2" fmla="*/ 233559 h 703382"/>
+                <a:gd name="csX3" fmla="*/ 1084429 w 1085707"/>
+                <a:gd name="csY3" fmla="*/ 350240 h 703382"/>
+                <a:gd name="csX4" fmla="*/ 916260 w 1085707"/>
+                <a:gd name="csY4" fmla="*/ 349802 h 703382"/>
+                <a:gd name="csX5" fmla="*/ 916259 w 1085707"/>
+                <a:gd name="csY5" fmla="*/ 456025 h 703382"/>
+                <a:gd name="csX6" fmla="*/ 868184 w 1085707"/>
+                <a:gd name="csY6" fmla="*/ 456025 h 703382"/>
+                <a:gd name="csX7" fmla="*/ 868184 w 1085707"/>
+                <a:gd name="csY7" fmla="*/ 511982 h 703382"/>
+                <a:gd name="csX8" fmla="*/ 783655 w 1085707"/>
+                <a:gd name="csY8" fmla="*/ 511982 h 703382"/>
+                <a:gd name="csX9" fmla="*/ 783655 w 1085707"/>
+                <a:gd name="csY9" fmla="*/ 568426 h 703382"/>
+                <a:gd name="csX10" fmla="*/ 698055 w 1085707"/>
+                <a:gd name="csY10" fmla="*/ 568426 h 703382"/>
+                <a:gd name="csX11" fmla="*/ 698055 w 1085707"/>
+                <a:gd name="csY11" fmla="*/ 602140 h 703382"/>
+                <a:gd name="csX12" fmla="*/ 516288 w 1085707"/>
+                <a:gd name="csY12" fmla="*/ 602140 h 703382"/>
+                <a:gd name="csX13" fmla="*/ 516288 w 1085707"/>
+                <a:gd name="csY13" fmla="*/ 658889 h 703382"/>
+                <a:gd name="csX14" fmla="*/ 448191 w 1085707"/>
+                <a:gd name="csY14" fmla="*/ 658889 h 703382"/>
+                <a:gd name="csX15" fmla="*/ 448191 w 1085707"/>
+                <a:gd name="csY15" fmla="*/ 703382 h 703382"/>
+                <a:gd name="csX16" fmla="*/ 321212 w 1085707"/>
+                <a:gd name="csY16" fmla="*/ 703382 h 703382"/>
+                <a:gd name="csX17" fmla="*/ 321212 w 1085707"/>
+                <a:gd name="csY17" fmla="*/ 623625 h 703382"/>
+                <a:gd name="csX18" fmla="*/ 321281 w 1085707"/>
+                <a:gd name="csY18" fmla="*/ 623625 h 703382"/>
+                <a:gd name="csX19" fmla="*/ 321281 w 1085707"/>
+                <a:gd name="csY19" fmla="*/ 579132 h 703382"/>
+                <a:gd name="csX20" fmla="*/ 357890 w 1085707"/>
+                <a:gd name="csY20" fmla="*/ 579132 h 703382"/>
+                <a:gd name="csX21" fmla="*/ 357889 w 1085707"/>
+                <a:gd name="csY21" fmla="*/ 522383 h 703382"/>
+                <a:gd name="csX22" fmla="*/ 426575 w 1085707"/>
+                <a:gd name="csY22" fmla="*/ 522383 h 703382"/>
+                <a:gd name="csX23" fmla="*/ 426575 w 1085707"/>
+                <a:gd name="csY23" fmla="*/ 488669 h 703382"/>
+                <a:gd name="csX24" fmla="*/ 511104 w 1085707"/>
+                <a:gd name="csY24" fmla="*/ 488669 h 703382"/>
+                <a:gd name="csX25" fmla="*/ 511104 w 1085707"/>
+                <a:gd name="csY25" fmla="*/ 432225 h 703382"/>
+                <a:gd name="csX26" fmla="*/ 550677 w 1085707"/>
+                <a:gd name="csY26" fmla="*/ 432225 h 703382"/>
+                <a:gd name="csX27" fmla="*/ 550677 w 1085707"/>
+                <a:gd name="csY27" fmla="*/ 338966 h 703382"/>
+                <a:gd name="csX28" fmla="*/ 477099 w 1085707"/>
+                <a:gd name="csY28" fmla="*/ 265002 h 703382"/>
+                <a:gd name="csX29" fmla="*/ 477181 w 1085707"/>
+                <a:gd name="csY29" fmla="*/ 233559 h 703382"/>
+                <a:gd name="csX30" fmla="*/ 364498 w 1085707"/>
+                <a:gd name="csY30" fmla="*/ 233559 h 703382"/>
+                <a:gd name="csX31" fmla="*/ 253592 w 1085707"/>
+                <a:gd name="csY31" fmla="*/ 412824 h 703382"/>
+                <a:gd name="csX32" fmla="*/ 243610 w 1085707"/>
+                <a:gd name="csY32" fmla="*/ 633860 h 703382"/>
+                <a:gd name="csX33" fmla="*/ 0 w 1085707"/>
+                <a:gd name="csY33" fmla="*/ 646854 h 703382"/>
+                <a:gd name="csX34" fmla="*/ 109128 w 1085707"/>
+                <a:gd name="csY34" fmla="*/ 405620 h 703382"/>
+                <a:gd name="csX35" fmla="*/ 229131 w 1085707"/>
+                <a:gd name="csY35" fmla="*/ 122470 h 703382"/>
+                <a:gd name="csX36" fmla="*/ 344332 w 1085707"/>
+                <a:gd name="csY36" fmla="*/ 12605 h 703382"/>
+                <a:gd name="csX37" fmla="*/ 344332 w 1085707"/>
+                <a:gd name="csY37" fmla="*/ 1522 h 703382"/>
+                <a:gd name="csX38" fmla="*/ 353346 w 1085707"/>
+                <a:gd name="csY38" fmla="*/ 1522 h 703382"/>
+                <a:gd name="csX39" fmla="*/ 354584 w 1085707"/>
+                <a:gd name="csY39" fmla="*/ 0 h 703382"/>
+                <a:gd name="csX40" fmla="*/ 356456 w 1085707"/>
+                <a:gd name="csY40" fmla="*/ 1522 h 703382"/>
+                <a:gd name="csX41" fmla="*/ 1085707 w 1085707"/>
+                <a:gd name="csY41" fmla="*/ 1522 h 703382"/>
+                <a:gd name="csX0" fmla="*/ 976579 w 976579"/>
+                <a:gd name="csY0" fmla="*/ 1522 h 703382"/>
+                <a:gd name="csX1" fmla="*/ 976579 w 976579"/>
+                <a:gd name="csY1" fmla="*/ 233559 h 703382"/>
+                <a:gd name="csX2" fmla="*/ 975605 w 976579"/>
+                <a:gd name="csY2" fmla="*/ 233559 h 703382"/>
+                <a:gd name="csX3" fmla="*/ 975301 w 976579"/>
+                <a:gd name="csY3" fmla="*/ 350240 h 703382"/>
+                <a:gd name="csX4" fmla="*/ 807132 w 976579"/>
+                <a:gd name="csY4" fmla="*/ 349802 h 703382"/>
+                <a:gd name="csX5" fmla="*/ 807131 w 976579"/>
+                <a:gd name="csY5" fmla="*/ 456025 h 703382"/>
+                <a:gd name="csX6" fmla="*/ 759056 w 976579"/>
+                <a:gd name="csY6" fmla="*/ 456025 h 703382"/>
+                <a:gd name="csX7" fmla="*/ 759056 w 976579"/>
+                <a:gd name="csY7" fmla="*/ 511982 h 703382"/>
+                <a:gd name="csX8" fmla="*/ 674527 w 976579"/>
+                <a:gd name="csY8" fmla="*/ 511982 h 703382"/>
+                <a:gd name="csX9" fmla="*/ 674527 w 976579"/>
+                <a:gd name="csY9" fmla="*/ 568426 h 703382"/>
+                <a:gd name="csX10" fmla="*/ 588927 w 976579"/>
+                <a:gd name="csY10" fmla="*/ 568426 h 703382"/>
+                <a:gd name="csX11" fmla="*/ 588927 w 976579"/>
+                <a:gd name="csY11" fmla="*/ 602140 h 703382"/>
+                <a:gd name="csX12" fmla="*/ 407160 w 976579"/>
+                <a:gd name="csY12" fmla="*/ 602140 h 703382"/>
+                <a:gd name="csX13" fmla="*/ 407160 w 976579"/>
+                <a:gd name="csY13" fmla="*/ 658889 h 703382"/>
+                <a:gd name="csX14" fmla="*/ 339063 w 976579"/>
+                <a:gd name="csY14" fmla="*/ 658889 h 703382"/>
+                <a:gd name="csX15" fmla="*/ 339063 w 976579"/>
+                <a:gd name="csY15" fmla="*/ 703382 h 703382"/>
+                <a:gd name="csX16" fmla="*/ 212084 w 976579"/>
+                <a:gd name="csY16" fmla="*/ 703382 h 703382"/>
+                <a:gd name="csX17" fmla="*/ 212084 w 976579"/>
+                <a:gd name="csY17" fmla="*/ 623625 h 703382"/>
+                <a:gd name="csX18" fmla="*/ 212153 w 976579"/>
+                <a:gd name="csY18" fmla="*/ 623625 h 703382"/>
+                <a:gd name="csX19" fmla="*/ 212153 w 976579"/>
+                <a:gd name="csY19" fmla="*/ 579132 h 703382"/>
+                <a:gd name="csX20" fmla="*/ 248762 w 976579"/>
+                <a:gd name="csY20" fmla="*/ 579132 h 703382"/>
+                <a:gd name="csX21" fmla="*/ 248761 w 976579"/>
+                <a:gd name="csY21" fmla="*/ 522383 h 703382"/>
+                <a:gd name="csX22" fmla="*/ 317447 w 976579"/>
+                <a:gd name="csY22" fmla="*/ 522383 h 703382"/>
+                <a:gd name="csX23" fmla="*/ 317447 w 976579"/>
+                <a:gd name="csY23" fmla="*/ 488669 h 703382"/>
+                <a:gd name="csX24" fmla="*/ 401976 w 976579"/>
+                <a:gd name="csY24" fmla="*/ 488669 h 703382"/>
+                <a:gd name="csX25" fmla="*/ 401976 w 976579"/>
+                <a:gd name="csY25" fmla="*/ 432225 h 703382"/>
+                <a:gd name="csX26" fmla="*/ 441549 w 976579"/>
+                <a:gd name="csY26" fmla="*/ 432225 h 703382"/>
+                <a:gd name="csX27" fmla="*/ 441549 w 976579"/>
+                <a:gd name="csY27" fmla="*/ 338966 h 703382"/>
+                <a:gd name="csX28" fmla="*/ 367971 w 976579"/>
+                <a:gd name="csY28" fmla="*/ 265002 h 703382"/>
+                <a:gd name="csX29" fmla="*/ 368053 w 976579"/>
+                <a:gd name="csY29" fmla="*/ 233559 h 703382"/>
+                <a:gd name="csX30" fmla="*/ 255370 w 976579"/>
+                <a:gd name="csY30" fmla="*/ 233559 h 703382"/>
+                <a:gd name="csX31" fmla="*/ 144464 w 976579"/>
+                <a:gd name="csY31" fmla="*/ 412824 h 703382"/>
+                <a:gd name="csX32" fmla="*/ 134482 w 976579"/>
+                <a:gd name="csY32" fmla="*/ 633860 h 703382"/>
+                <a:gd name="csX33" fmla="*/ 21234 w 976579"/>
+                <a:gd name="csY33" fmla="*/ 657137 h 703382"/>
+                <a:gd name="csX34" fmla="*/ 0 w 976579"/>
+                <a:gd name="csY34" fmla="*/ 405620 h 703382"/>
+                <a:gd name="csX35" fmla="*/ 120003 w 976579"/>
+                <a:gd name="csY35" fmla="*/ 122470 h 703382"/>
+                <a:gd name="csX36" fmla="*/ 235204 w 976579"/>
+                <a:gd name="csY36" fmla="*/ 12605 h 703382"/>
+                <a:gd name="csX37" fmla="*/ 235204 w 976579"/>
+                <a:gd name="csY37" fmla="*/ 1522 h 703382"/>
+                <a:gd name="csX38" fmla="*/ 244218 w 976579"/>
+                <a:gd name="csY38" fmla="*/ 1522 h 703382"/>
+                <a:gd name="csX39" fmla="*/ 245456 w 976579"/>
+                <a:gd name="csY39" fmla="*/ 0 h 703382"/>
+                <a:gd name="csX40" fmla="*/ 247328 w 976579"/>
+                <a:gd name="csY40" fmla="*/ 1522 h 703382"/>
+                <a:gd name="csX41" fmla="*/ 976579 w 976579"/>
+                <a:gd name="csY41" fmla="*/ 1522 h 703382"/>
+                <a:gd name="csX0" fmla="*/ 982597 w 982597"/>
+                <a:gd name="csY0" fmla="*/ 1522 h 703382"/>
+                <a:gd name="csX1" fmla="*/ 982597 w 982597"/>
+                <a:gd name="csY1" fmla="*/ 233559 h 703382"/>
+                <a:gd name="csX2" fmla="*/ 981623 w 982597"/>
+                <a:gd name="csY2" fmla="*/ 233559 h 703382"/>
+                <a:gd name="csX3" fmla="*/ 981319 w 982597"/>
+                <a:gd name="csY3" fmla="*/ 350240 h 703382"/>
+                <a:gd name="csX4" fmla="*/ 813150 w 982597"/>
+                <a:gd name="csY4" fmla="*/ 349802 h 703382"/>
+                <a:gd name="csX5" fmla="*/ 813149 w 982597"/>
+                <a:gd name="csY5" fmla="*/ 456025 h 703382"/>
+                <a:gd name="csX6" fmla="*/ 765074 w 982597"/>
+                <a:gd name="csY6" fmla="*/ 456025 h 703382"/>
+                <a:gd name="csX7" fmla="*/ 765074 w 982597"/>
+                <a:gd name="csY7" fmla="*/ 511982 h 703382"/>
+                <a:gd name="csX8" fmla="*/ 680545 w 982597"/>
+                <a:gd name="csY8" fmla="*/ 511982 h 703382"/>
+                <a:gd name="csX9" fmla="*/ 680545 w 982597"/>
+                <a:gd name="csY9" fmla="*/ 568426 h 703382"/>
+                <a:gd name="csX10" fmla="*/ 594945 w 982597"/>
+                <a:gd name="csY10" fmla="*/ 568426 h 703382"/>
+                <a:gd name="csX11" fmla="*/ 594945 w 982597"/>
+                <a:gd name="csY11" fmla="*/ 602140 h 703382"/>
+                <a:gd name="csX12" fmla="*/ 413178 w 982597"/>
+                <a:gd name="csY12" fmla="*/ 602140 h 703382"/>
+                <a:gd name="csX13" fmla="*/ 413178 w 982597"/>
+                <a:gd name="csY13" fmla="*/ 658889 h 703382"/>
+                <a:gd name="csX14" fmla="*/ 345081 w 982597"/>
+                <a:gd name="csY14" fmla="*/ 658889 h 703382"/>
+                <a:gd name="csX15" fmla="*/ 345081 w 982597"/>
+                <a:gd name="csY15" fmla="*/ 703382 h 703382"/>
+                <a:gd name="csX16" fmla="*/ 218102 w 982597"/>
+                <a:gd name="csY16" fmla="*/ 703382 h 703382"/>
+                <a:gd name="csX17" fmla="*/ 218102 w 982597"/>
+                <a:gd name="csY17" fmla="*/ 623625 h 703382"/>
+                <a:gd name="csX18" fmla="*/ 218171 w 982597"/>
+                <a:gd name="csY18" fmla="*/ 623625 h 703382"/>
+                <a:gd name="csX19" fmla="*/ 218171 w 982597"/>
+                <a:gd name="csY19" fmla="*/ 579132 h 703382"/>
+                <a:gd name="csX20" fmla="*/ 254780 w 982597"/>
+                <a:gd name="csY20" fmla="*/ 579132 h 703382"/>
+                <a:gd name="csX21" fmla="*/ 254779 w 982597"/>
+                <a:gd name="csY21" fmla="*/ 522383 h 703382"/>
+                <a:gd name="csX22" fmla="*/ 323465 w 982597"/>
+                <a:gd name="csY22" fmla="*/ 522383 h 703382"/>
+                <a:gd name="csX23" fmla="*/ 323465 w 982597"/>
+                <a:gd name="csY23" fmla="*/ 488669 h 703382"/>
+                <a:gd name="csX24" fmla="*/ 407994 w 982597"/>
+                <a:gd name="csY24" fmla="*/ 488669 h 703382"/>
+                <a:gd name="csX25" fmla="*/ 407994 w 982597"/>
+                <a:gd name="csY25" fmla="*/ 432225 h 703382"/>
+                <a:gd name="csX26" fmla="*/ 447567 w 982597"/>
+                <a:gd name="csY26" fmla="*/ 432225 h 703382"/>
+                <a:gd name="csX27" fmla="*/ 447567 w 982597"/>
+                <a:gd name="csY27" fmla="*/ 338966 h 703382"/>
+                <a:gd name="csX28" fmla="*/ 373989 w 982597"/>
+                <a:gd name="csY28" fmla="*/ 265002 h 703382"/>
+                <a:gd name="csX29" fmla="*/ 374071 w 982597"/>
+                <a:gd name="csY29" fmla="*/ 233559 h 703382"/>
+                <a:gd name="csX30" fmla="*/ 261388 w 982597"/>
+                <a:gd name="csY30" fmla="*/ 233559 h 703382"/>
+                <a:gd name="csX31" fmla="*/ 150482 w 982597"/>
+                <a:gd name="csY31" fmla="*/ 412824 h 703382"/>
+                <a:gd name="csX32" fmla="*/ 140500 w 982597"/>
+                <a:gd name="csY32" fmla="*/ 633860 h 703382"/>
+                <a:gd name="csX33" fmla="*/ 0 w 982597"/>
+                <a:gd name="csY33" fmla="*/ 630324 h 703382"/>
+                <a:gd name="csX34" fmla="*/ 6018 w 982597"/>
+                <a:gd name="csY34" fmla="*/ 405620 h 703382"/>
+                <a:gd name="csX35" fmla="*/ 126021 w 982597"/>
+                <a:gd name="csY35" fmla="*/ 122470 h 703382"/>
+                <a:gd name="csX36" fmla="*/ 241222 w 982597"/>
+                <a:gd name="csY36" fmla="*/ 12605 h 703382"/>
+                <a:gd name="csX37" fmla="*/ 241222 w 982597"/>
+                <a:gd name="csY37" fmla="*/ 1522 h 703382"/>
+                <a:gd name="csX38" fmla="*/ 250236 w 982597"/>
+                <a:gd name="csY38" fmla="*/ 1522 h 703382"/>
+                <a:gd name="csX39" fmla="*/ 251474 w 982597"/>
+                <a:gd name="csY39" fmla="*/ 0 h 703382"/>
+                <a:gd name="csX40" fmla="*/ 253346 w 982597"/>
+                <a:gd name="csY40" fmla="*/ 1522 h 703382"/>
+                <a:gd name="csX41" fmla="*/ 982597 w 982597"/>
+                <a:gd name="csY41" fmla="*/ 1522 h 703382"/>
+                <a:gd name="csX0" fmla="*/ 982597 w 982597"/>
+                <a:gd name="csY0" fmla="*/ 1522 h 703382"/>
+                <a:gd name="csX1" fmla="*/ 982597 w 982597"/>
+                <a:gd name="csY1" fmla="*/ 233559 h 703382"/>
+                <a:gd name="csX2" fmla="*/ 981623 w 982597"/>
+                <a:gd name="csY2" fmla="*/ 233559 h 703382"/>
+                <a:gd name="csX3" fmla="*/ 981319 w 982597"/>
+                <a:gd name="csY3" fmla="*/ 350240 h 703382"/>
+                <a:gd name="csX4" fmla="*/ 813150 w 982597"/>
+                <a:gd name="csY4" fmla="*/ 349802 h 703382"/>
+                <a:gd name="csX5" fmla="*/ 813149 w 982597"/>
+                <a:gd name="csY5" fmla="*/ 456025 h 703382"/>
+                <a:gd name="csX6" fmla="*/ 765074 w 982597"/>
+                <a:gd name="csY6" fmla="*/ 456025 h 703382"/>
+                <a:gd name="csX7" fmla="*/ 765074 w 982597"/>
+                <a:gd name="csY7" fmla="*/ 511982 h 703382"/>
+                <a:gd name="csX8" fmla="*/ 680545 w 982597"/>
+                <a:gd name="csY8" fmla="*/ 511982 h 703382"/>
+                <a:gd name="csX9" fmla="*/ 680545 w 982597"/>
+                <a:gd name="csY9" fmla="*/ 568426 h 703382"/>
+                <a:gd name="csX10" fmla="*/ 594945 w 982597"/>
+                <a:gd name="csY10" fmla="*/ 568426 h 703382"/>
+                <a:gd name="csX11" fmla="*/ 594945 w 982597"/>
+                <a:gd name="csY11" fmla="*/ 602140 h 703382"/>
+                <a:gd name="csX12" fmla="*/ 413178 w 982597"/>
+                <a:gd name="csY12" fmla="*/ 602140 h 703382"/>
+                <a:gd name="csX13" fmla="*/ 413178 w 982597"/>
+                <a:gd name="csY13" fmla="*/ 658889 h 703382"/>
+                <a:gd name="csX14" fmla="*/ 345081 w 982597"/>
+                <a:gd name="csY14" fmla="*/ 658889 h 703382"/>
+                <a:gd name="csX15" fmla="*/ 345081 w 982597"/>
+                <a:gd name="csY15" fmla="*/ 703382 h 703382"/>
+                <a:gd name="csX16" fmla="*/ 218102 w 982597"/>
+                <a:gd name="csY16" fmla="*/ 703382 h 703382"/>
+                <a:gd name="csX17" fmla="*/ 218102 w 982597"/>
+                <a:gd name="csY17" fmla="*/ 623625 h 703382"/>
+                <a:gd name="csX18" fmla="*/ 218171 w 982597"/>
+                <a:gd name="csY18" fmla="*/ 623625 h 703382"/>
+                <a:gd name="csX19" fmla="*/ 218171 w 982597"/>
+                <a:gd name="csY19" fmla="*/ 579132 h 703382"/>
+                <a:gd name="csX20" fmla="*/ 254780 w 982597"/>
+                <a:gd name="csY20" fmla="*/ 579132 h 703382"/>
+                <a:gd name="csX21" fmla="*/ 254779 w 982597"/>
+                <a:gd name="csY21" fmla="*/ 522383 h 703382"/>
+                <a:gd name="csX22" fmla="*/ 323465 w 982597"/>
+                <a:gd name="csY22" fmla="*/ 522383 h 703382"/>
+                <a:gd name="csX23" fmla="*/ 323465 w 982597"/>
+                <a:gd name="csY23" fmla="*/ 488669 h 703382"/>
+                <a:gd name="csX24" fmla="*/ 407994 w 982597"/>
+                <a:gd name="csY24" fmla="*/ 488669 h 703382"/>
+                <a:gd name="csX25" fmla="*/ 407994 w 982597"/>
+                <a:gd name="csY25" fmla="*/ 432225 h 703382"/>
+                <a:gd name="csX26" fmla="*/ 447567 w 982597"/>
+                <a:gd name="csY26" fmla="*/ 432225 h 703382"/>
+                <a:gd name="csX27" fmla="*/ 447567 w 982597"/>
+                <a:gd name="csY27" fmla="*/ 338966 h 703382"/>
+                <a:gd name="csX28" fmla="*/ 373989 w 982597"/>
+                <a:gd name="csY28" fmla="*/ 265002 h 703382"/>
+                <a:gd name="csX29" fmla="*/ 374071 w 982597"/>
+                <a:gd name="csY29" fmla="*/ 233559 h 703382"/>
+                <a:gd name="csX30" fmla="*/ 261388 w 982597"/>
+                <a:gd name="csY30" fmla="*/ 233559 h 703382"/>
+                <a:gd name="csX31" fmla="*/ 150482 w 982597"/>
+                <a:gd name="csY31" fmla="*/ 412824 h 703382"/>
+                <a:gd name="csX32" fmla="*/ 140500 w 982597"/>
+                <a:gd name="csY32" fmla="*/ 633860 h 703382"/>
+                <a:gd name="csX33" fmla="*/ 0 w 982597"/>
+                <a:gd name="csY33" fmla="*/ 630324 h 703382"/>
+                <a:gd name="csX34" fmla="*/ 6018 w 982597"/>
+                <a:gd name="csY34" fmla="*/ 405620 h 703382"/>
+                <a:gd name="csX35" fmla="*/ 126021 w 982597"/>
+                <a:gd name="csY35" fmla="*/ 122470 h 703382"/>
+                <a:gd name="csX36" fmla="*/ 241222 w 982597"/>
+                <a:gd name="csY36" fmla="*/ 12605 h 703382"/>
+                <a:gd name="csX37" fmla="*/ 241222 w 982597"/>
+                <a:gd name="csY37" fmla="*/ 1522 h 703382"/>
+                <a:gd name="csX38" fmla="*/ 250236 w 982597"/>
+                <a:gd name="csY38" fmla="*/ 1522 h 703382"/>
+                <a:gd name="csX39" fmla="*/ 251474 w 982597"/>
+                <a:gd name="csY39" fmla="*/ 0 h 703382"/>
+                <a:gd name="csX40" fmla="*/ 253346 w 982597"/>
+                <a:gd name="csY40" fmla="*/ 1522 h 703382"/>
+                <a:gd name="csX41" fmla="*/ 982597 w 982597"/>
+                <a:gd name="csY41" fmla="*/ 1522 h 703382"/>
+                <a:gd name="csX0" fmla="*/ 982597 w 982597"/>
+                <a:gd name="csY0" fmla="*/ 1522 h 703382"/>
+                <a:gd name="csX1" fmla="*/ 982597 w 982597"/>
+                <a:gd name="csY1" fmla="*/ 233559 h 703382"/>
+                <a:gd name="csX2" fmla="*/ 981623 w 982597"/>
+                <a:gd name="csY2" fmla="*/ 233559 h 703382"/>
+                <a:gd name="csX3" fmla="*/ 981319 w 982597"/>
+                <a:gd name="csY3" fmla="*/ 350240 h 703382"/>
+                <a:gd name="csX4" fmla="*/ 813150 w 982597"/>
+                <a:gd name="csY4" fmla="*/ 349802 h 703382"/>
+                <a:gd name="csX5" fmla="*/ 792077 w 982597"/>
+                <a:gd name="csY5" fmla="*/ 406413 h 703382"/>
+                <a:gd name="csX6" fmla="*/ 765074 w 982597"/>
+                <a:gd name="csY6" fmla="*/ 456025 h 703382"/>
+                <a:gd name="csX7" fmla="*/ 765074 w 982597"/>
+                <a:gd name="csY7" fmla="*/ 511982 h 703382"/>
+                <a:gd name="csX8" fmla="*/ 680545 w 982597"/>
+                <a:gd name="csY8" fmla="*/ 511982 h 703382"/>
+                <a:gd name="csX9" fmla="*/ 680545 w 982597"/>
+                <a:gd name="csY9" fmla="*/ 568426 h 703382"/>
+                <a:gd name="csX10" fmla="*/ 594945 w 982597"/>
+                <a:gd name="csY10" fmla="*/ 568426 h 703382"/>
+                <a:gd name="csX11" fmla="*/ 594945 w 982597"/>
+                <a:gd name="csY11" fmla="*/ 602140 h 703382"/>
+                <a:gd name="csX12" fmla="*/ 413178 w 982597"/>
+                <a:gd name="csY12" fmla="*/ 602140 h 703382"/>
+                <a:gd name="csX13" fmla="*/ 413178 w 982597"/>
+                <a:gd name="csY13" fmla="*/ 658889 h 703382"/>
+                <a:gd name="csX14" fmla="*/ 345081 w 982597"/>
+                <a:gd name="csY14" fmla="*/ 658889 h 703382"/>
+                <a:gd name="csX15" fmla="*/ 345081 w 982597"/>
+                <a:gd name="csY15" fmla="*/ 703382 h 703382"/>
+                <a:gd name="csX16" fmla="*/ 218102 w 982597"/>
+                <a:gd name="csY16" fmla="*/ 703382 h 703382"/>
+                <a:gd name="csX17" fmla="*/ 218102 w 982597"/>
+                <a:gd name="csY17" fmla="*/ 623625 h 703382"/>
+                <a:gd name="csX18" fmla="*/ 218171 w 982597"/>
+                <a:gd name="csY18" fmla="*/ 623625 h 703382"/>
+                <a:gd name="csX19" fmla="*/ 218171 w 982597"/>
+                <a:gd name="csY19" fmla="*/ 579132 h 703382"/>
+                <a:gd name="csX20" fmla="*/ 254780 w 982597"/>
+                <a:gd name="csY20" fmla="*/ 579132 h 703382"/>
+                <a:gd name="csX21" fmla="*/ 254779 w 982597"/>
+                <a:gd name="csY21" fmla="*/ 522383 h 703382"/>
+                <a:gd name="csX22" fmla="*/ 323465 w 982597"/>
+                <a:gd name="csY22" fmla="*/ 522383 h 703382"/>
+                <a:gd name="csX23" fmla="*/ 323465 w 982597"/>
+                <a:gd name="csY23" fmla="*/ 488669 h 703382"/>
+                <a:gd name="csX24" fmla="*/ 407994 w 982597"/>
+                <a:gd name="csY24" fmla="*/ 488669 h 703382"/>
+                <a:gd name="csX25" fmla="*/ 407994 w 982597"/>
+                <a:gd name="csY25" fmla="*/ 432225 h 703382"/>
+                <a:gd name="csX26" fmla="*/ 447567 w 982597"/>
+                <a:gd name="csY26" fmla="*/ 432225 h 703382"/>
+                <a:gd name="csX27" fmla="*/ 447567 w 982597"/>
+                <a:gd name="csY27" fmla="*/ 338966 h 703382"/>
+                <a:gd name="csX28" fmla="*/ 373989 w 982597"/>
+                <a:gd name="csY28" fmla="*/ 265002 h 703382"/>
+                <a:gd name="csX29" fmla="*/ 374071 w 982597"/>
+                <a:gd name="csY29" fmla="*/ 233559 h 703382"/>
+                <a:gd name="csX30" fmla="*/ 261388 w 982597"/>
+                <a:gd name="csY30" fmla="*/ 233559 h 703382"/>
+                <a:gd name="csX31" fmla="*/ 150482 w 982597"/>
+                <a:gd name="csY31" fmla="*/ 412824 h 703382"/>
+                <a:gd name="csX32" fmla="*/ 140500 w 982597"/>
+                <a:gd name="csY32" fmla="*/ 633860 h 703382"/>
+                <a:gd name="csX33" fmla="*/ 0 w 982597"/>
+                <a:gd name="csY33" fmla="*/ 630324 h 703382"/>
+                <a:gd name="csX34" fmla="*/ 6018 w 982597"/>
+                <a:gd name="csY34" fmla="*/ 405620 h 703382"/>
+                <a:gd name="csX35" fmla="*/ 126021 w 982597"/>
+                <a:gd name="csY35" fmla="*/ 122470 h 703382"/>
+                <a:gd name="csX36" fmla="*/ 241222 w 982597"/>
+                <a:gd name="csY36" fmla="*/ 12605 h 703382"/>
+                <a:gd name="csX37" fmla="*/ 241222 w 982597"/>
+                <a:gd name="csY37" fmla="*/ 1522 h 703382"/>
+                <a:gd name="csX38" fmla="*/ 250236 w 982597"/>
+                <a:gd name="csY38" fmla="*/ 1522 h 703382"/>
+                <a:gd name="csX39" fmla="*/ 251474 w 982597"/>
+                <a:gd name="csY39" fmla="*/ 0 h 703382"/>
+                <a:gd name="csX40" fmla="*/ 253346 w 982597"/>
+                <a:gd name="csY40" fmla="*/ 1522 h 703382"/>
+                <a:gd name="csX41" fmla="*/ 982597 w 982597"/>
+                <a:gd name="csY41" fmla="*/ 1522 h 703382"/>
+                <a:gd name="csX0" fmla="*/ 982597 w 982597"/>
+                <a:gd name="csY0" fmla="*/ 1522 h 703382"/>
+                <a:gd name="csX1" fmla="*/ 982597 w 982597"/>
+                <a:gd name="csY1" fmla="*/ 233559 h 703382"/>
+                <a:gd name="csX2" fmla="*/ 981623 w 982597"/>
+                <a:gd name="csY2" fmla="*/ 233559 h 703382"/>
+                <a:gd name="csX3" fmla="*/ 981319 w 982597"/>
+                <a:gd name="csY3" fmla="*/ 350240 h 703382"/>
+                <a:gd name="csX4" fmla="*/ 813150 w 982597"/>
+                <a:gd name="csY4" fmla="*/ 349802 h 703382"/>
+                <a:gd name="csX5" fmla="*/ 792077 w 982597"/>
+                <a:gd name="csY5" fmla="*/ 406413 h 703382"/>
+                <a:gd name="csX6" fmla="*/ 765074 w 982597"/>
+                <a:gd name="csY6" fmla="*/ 456025 h 703382"/>
+                <a:gd name="csX7" fmla="*/ 733223 w 982597"/>
+                <a:gd name="csY7" fmla="*/ 483943 h 703382"/>
+                <a:gd name="csX8" fmla="*/ 680545 w 982597"/>
+                <a:gd name="csY8" fmla="*/ 511982 h 703382"/>
+                <a:gd name="csX9" fmla="*/ 680545 w 982597"/>
+                <a:gd name="csY9" fmla="*/ 568426 h 703382"/>
+                <a:gd name="csX10" fmla="*/ 594945 w 982597"/>
+                <a:gd name="csY10" fmla="*/ 568426 h 703382"/>
+                <a:gd name="csX11" fmla="*/ 594945 w 982597"/>
+                <a:gd name="csY11" fmla="*/ 602140 h 703382"/>
+                <a:gd name="csX12" fmla="*/ 413178 w 982597"/>
+                <a:gd name="csY12" fmla="*/ 602140 h 703382"/>
+                <a:gd name="csX13" fmla="*/ 413178 w 982597"/>
+                <a:gd name="csY13" fmla="*/ 658889 h 703382"/>
+                <a:gd name="csX14" fmla="*/ 345081 w 982597"/>
+                <a:gd name="csY14" fmla="*/ 658889 h 703382"/>
+                <a:gd name="csX15" fmla="*/ 345081 w 982597"/>
+                <a:gd name="csY15" fmla="*/ 703382 h 703382"/>
+                <a:gd name="csX16" fmla="*/ 218102 w 982597"/>
+                <a:gd name="csY16" fmla="*/ 703382 h 703382"/>
+                <a:gd name="csX17" fmla="*/ 218102 w 982597"/>
+                <a:gd name="csY17" fmla="*/ 623625 h 703382"/>
+                <a:gd name="csX18" fmla="*/ 218171 w 982597"/>
+                <a:gd name="csY18" fmla="*/ 623625 h 703382"/>
+                <a:gd name="csX19" fmla="*/ 218171 w 982597"/>
+                <a:gd name="csY19" fmla="*/ 579132 h 703382"/>
+                <a:gd name="csX20" fmla="*/ 254780 w 982597"/>
+                <a:gd name="csY20" fmla="*/ 579132 h 703382"/>
+                <a:gd name="csX21" fmla="*/ 254779 w 982597"/>
+                <a:gd name="csY21" fmla="*/ 522383 h 703382"/>
+                <a:gd name="csX22" fmla="*/ 323465 w 982597"/>
+                <a:gd name="csY22" fmla="*/ 522383 h 703382"/>
+                <a:gd name="csX23" fmla="*/ 323465 w 982597"/>
+                <a:gd name="csY23" fmla="*/ 488669 h 703382"/>
+                <a:gd name="csX24" fmla="*/ 407994 w 982597"/>
+                <a:gd name="csY24" fmla="*/ 488669 h 703382"/>
+                <a:gd name="csX25" fmla="*/ 407994 w 982597"/>
+                <a:gd name="csY25" fmla="*/ 432225 h 703382"/>
+                <a:gd name="csX26" fmla="*/ 447567 w 982597"/>
+                <a:gd name="csY26" fmla="*/ 432225 h 703382"/>
+                <a:gd name="csX27" fmla="*/ 447567 w 982597"/>
+                <a:gd name="csY27" fmla="*/ 338966 h 703382"/>
+                <a:gd name="csX28" fmla="*/ 373989 w 982597"/>
+                <a:gd name="csY28" fmla="*/ 265002 h 703382"/>
+                <a:gd name="csX29" fmla="*/ 374071 w 982597"/>
+                <a:gd name="csY29" fmla="*/ 233559 h 703382"/>
+                <a:gd name="csX30" fmla="*/ 261388 w 982597"/>
+                <a:gd name="csY30" fmla="*/ 233559 h 703382"/>
+                <a:gd name="csX31" fmla="*/ 150482 w 982597"/>
+                <a:gd name="csY31" fmla="*/ 412824 h 703382"/>
+                <a:gd name="csX32" fmla="*/ 140500 w 982597"/>
+                <a:gd name="csY32" fmla="*/ 633860 h 703382"/>
+                <a:gd name="csX33" fmla="*/ 0 w 982597"/>
+                <a:gd name="csY33" fmla="*/ 630324 h 703382"/>
+                <a:gd name="csX34" fmla="*/ 6018 w 982597"/>
+                <a:gd name="csY34" fmla="*/ 405620 h 703382"/>
+                <a:gd name="csX35" fmla="*/ 126021 w 982597"/>
+                <a:gd name="csY35" fmla="*/ 122470 h 703382"/>
+                <a:gd name="csX36" fmla="*/ 241222 w 982597"/>
+                <a:gd name="csY36" fmla="*/ 12605 h 703382"/>
+                <a:gd name="csX37" fmla="*/ 241222 w 982597"/>
+                <a:gd name="csY37" fmla="*/ 1522 h 703382"/>
+                <a:gd name="csX38" fmla="*/ 250236 w 982597"/>
+                <a:gd name="csY38" fmla="*/ 1522 h 703382"/>
+                <a:gd name="csX39" fmla="*/ 251474 w 982597"/>
+                <a:gd name="csY39" fmla="*/ 0 h 703382"/>
+                <a:gd name="csX40" fmla="*/ 253346 w 982597"/>
+                <a:gd name="csY40" fmla="*/ 1522 h 703382"/>
+                <a:gd name="csX41" fmla="*/ 982597 w 982597"/>
+                <a:gd name="csY41" fmla="*/ 1522 h 703382"/>
+                <a:gd name="csX0" fmla="*/ 982597 w 982597"/>
+                <a:gd name="csY0" fmla="*/ 1522 h 703382"/>
+                <a:gd name="csX1" fmla="*/ 982597 w 982597"/>
+                <a:gd name="csY1" fmla="*/ 233559 h 703382"/>
+                <a:gd name="csX2" fmla="*/ 981623 w 982597"/>
+                <a:gd name="csY2" fmla="*/ 233559 h 703382"/>
+                <a:gd name="csX3" fmla="*/ 981319 w 982597"/>
+                <a:gd name="csY3" fmla="*/ 350240 h 703382"/>
+                <a:gd name="csX4" fmla="*/ 813150 w 982597"/>
+                <a:gd name="csY4" fmla="*/ 349802 h 703382"/>
+                <a:gd name="csX5" fmla="*/ 792077 w 982597"/>
+                <a:gd name="csY5" fmla="*/ 406413 h 703382"/>
+                <a:gd name="csX6" fmla="*/ 765074 w 982597"/>
+                <a:gd name="csY6" fmla="*/ 456025 h 703382"/>
+                <a:gd name="csX7" fmla="*/ 733223 w 982597"/>
+                <a:gd name="csY7" fmla="*/ 483943 h 703382"/>
+                <a:gd name="csX8" fmla="*/ 680545 w 982597"/>
+                <a:gd name="csY8" fmla="*/ 511982 h 703382"/>
+                <a:gd name="csX9" fmla="*/ 634551 w 982597"/>
+                <a:gd name="csY9" fmla="*/ 556175 h 703382"/>
+                <a:gd name="csX10" fmla="*/ 594945 w 982597"/>
+                <a:gd name="csY10" fmla="*/ 568426 h 703382"/>
+                <a:gd name="csX11" fmla="*/ 594945 w 982597"/>
+                <a:gd name="csY11" fmla="*/ 602140 h 703382"/>
+                <a:gd name="csX12" fmla="*/ 413178 w 982597"/>
+                <a:gd name="csY12" fmla="*/ 602140 h 703382"/>
+                <a:gd name="csX13" fmla="*/ 413178 w 982597"/>
+                <a:gd name="csY13" fmla="*/ 658889 h 703382"/>
+                <a:gd name="csX14" fmla="*/ 345081 w 982597"/>
+                <a:gd name="csY14" fmla="*/ 658889 h 703382"/>
+                <a:gd name="csX15" fmla="*/ 345081 w 982597"/>
+                <a:gd name="csY15" fmla="*/ 703382 h 703382"/>
+                <a:gd name="csX16" fmla="*/ 218102 w 982597"/>
+                <a:gd name="csY16" fmla="*/ 703382 h 703382"/>
+                <a:gd name="csX17" fmla="*/ 218102 w 982597"/>
+                <a:gd name="csY17" fmla="*/ 623625 h 703382"/>
+                <a:gd name="csX18" fmla="*/ 218171 w 982597"/>
+                <a:gd name="csY18" fmla="*/ 623625 h 703382"/>
+                <a:gd name="csX19" fmla="*/ 218171 w 982597"/>
+                <a:gd name="csY19" fmla="*/ 579132 h 703382"/>
+                <a:gd name="csX20" fmla="*/ 254780 w 982597"/>
+                <a:gd name="csY20" fmla="*/ 579132 h 703382"/>
+                <a:gd name="csX21" fmla="*/ 254779 w 982597"/>
+                <a:gd name="csY21" fmla="*/ 522383 h 703382"/>
+                <a:gd name="csX22" fmla="*/ 323465 w 982597"/>
+                <a:gd name="csY22" fmla="*/ 522383 h 703382"/>
+                <a:gd name="csX23" fmla="*/ 323465 w 982597"/>
+                <a:gd name="csY23" fmla="*/ 488669 h 703382"/>
+                <a:gd name="csX24" fmla="*/ 407994 w 982597"/>
+                <a:gd name="csY24" fmla="*/ 488669 h 703382"/>
+                <a:gd name="csX25" fmla="*/ 407994 w 982597"/>
+                <a:gd name="csY25" fmla="*/ 432225 h 703382"/>
+                <a:gd name="csX26" fmla="*/ 447567 w 982597"/>
+                <a:gd name="csY26" fmla="*/ 432225 h 703382"/>
+                <a:gd name="csX27" fmla="*/ 447567 w 982597"/>
+                <a:gd name="csY27" fmla="*/ 338966 h 703382"/>
+                <a:gd name="csX28" fmla="*/ 373989 w 982597"/>
+                <a:gd name="csY28" fmla="*/ 265002 h 703382"/>
+                <a:gd name="csX29" fmla="*/ 374071 w 982597"/>
+                <a:gd name="csY29" fmla="*/ 233559 h 703382"/>
+                <a:gd name="csX30" fmla="*/ 261388 w 982597"/>
+                <a:gd name="csY30" fmla="*/ 233559 h 703382"/>
+                <a:gd name="csX31" fmla="*/ 150482 w 982597"/>
+                <a:gd name="csY31" fmla="*/ 412824 h 703382"/>
+                <a:gd name="csX32" fmla="*/ 140500 w 982597"/>
+                <a:gd name="csY32" fmla="*/ 633860 h 703382"/>
+                <a:gd name="csX33" fmla="*/ 0 w 982597"/>
+                <a:gd name="csY33" fmla="*/ 630324 h 703382"/>
+                <a:gd name="csX34" fmla="*/ 6018 w 982597"/>
+                <a:gd name="csY34" fmla="*/ 405620 h 703382"/>
+                <a:gd name="csX35" fmla="*/ 126021 w 982597"/>
+                <a:gd name="csY35" fmla="*/ 122470 h 703382"/>
+                <a:gd name="csX36" fmla="*/ 241222 w 982597"/>
+                <a:gd name="csY36" fmla="*/ 12605 h 703382"/>
+                <a:gd name="csX37" fmla="*/ 241222 w 982597"/>
+                <a:gd name="csY37" fmla="*/ 1522 h 703382"/>
+                <a:gd name="csX38" fmla="*/ 250236 w 982597"/>
+                <a:gd name="csY38" fmla="*/ 1522 h 703382"/>
+                <a:gd name="csX39" fmla="*/ 251474 w 982597"/>
+                <a:gd name="csY39" fmla="*/ 0 h 703382"/>
+                <a:gd name="csX40" fmla="*/ 253346 w 982597"/>
+                <a:gd name="csY40" fmla="*/ 1522 h 703382"/>
+                <a:gd name="csX41" fmla="*/ 982597 w 982597"/>
+                <a:gd name="csY41" fmla="*/ 1522 h 703382"/>
+                <a:gd name="csX0" fmla="*/ 982597 w 982597"/>
+                <a:gd name="csY0" fmla="*/ 1522 h 703382"/>
+                <a:gd name="csX1" fmla="*/ 982597 w 982597"/>
+                <a:gd name="csY1" fmla="*/ 233559 h 703382"/>
+                <a:gd name="csX2" fmla="*/ 981623 w 982597"/>
+                <a:gd name="csY2" fmla="*/ 233559 h 703382"/>
+                <a:gd name="csX3" fmla="*/ 981319 w 982597"/>
+                <a:gd name="csY3" fmla="*/ 350240 h 703382"/>
+                <a:gd name="csX4" fmla="*/ 813150 w 982597"/>
+                <a:gd name="csY4" fmla="*/ 349802 h 703382"/>
+                <a:gd name="csX5" fmla="*/ 792077 w 982597"/>
+                <a:gd name="csY5" fmla="*/ 406413 h 703382"/>
+                <a:gd name="csX6" fmla="*/ 765074 w 982597"/>
+                <a:gd name="csY6" fmla="*/ 456025 h 703382"/>
+                <a:gd name="csX7" fmla="*/ 733223 w 982597"/>
+                <a:gd name="csY7" fmla="*/ 483943 h 703382"/>
+                <a:gd name="csX8" fmla="*/ 680545 w 982597"/>
+                <a:gd name="csY8" fmla="*/ 511982 h 703382"/>
+                <a:gd name="csX9" fmla="*/ 634551 w 982597"/>
+                <a:gd name="csY9" fmla="*/ 556175 h 703382"/>
+                <a:gd name="csX10" fmla="*/ 594945 w 982597"/>
+                <a:gd name="csY10" fmla="*/ 568426 h 703382"/>
+                <a:gd name="csX11" fmla="*/ 534262 w 982597"/>
+                <a:gd name="csY11" fmla="*/ 571310 h 703382"/>
+                <a:gd name="csX12" fmla="*/ 413178 w 982597"/>
+                <a:gd name="csY12" fmla="*/ 602140 h 703382"/>
+                <a:gd name="csX13" fmla="*/ 413178 w 982597"/>
+                <a:gd name="csY13" fmla="*/ 658889 h 703382"/>
+                <a:gd name="csX14" fmla="*/ 345081 w 982597"/>
+                <a:gd name="csY14" fmla="*/ 658889 h 703382"/>
+                <a:gd name="csX15" fmla="*/ 345081 w 982597"/>
+                <a:gd name="csY15" fmla="*/ 703382 h 703382"/>
+                <a:gd name="csX16" fmla="*/ 218102 w 982597"/>
+                <a:gd name="csY16" fmla="*/ 703382 h 703382"/>
+                <a:gd name="csX17" fmla="*/ 218102 w 982597"/>
+                <a:gd name="csY17" fmla="*/ 623625 h 703382"/>
+                <a:gd name="csX18" fmla="*/ 218171 w 982597"/>
+                <a:gd name="csY18" fmla="*/ 623625 h 703382"/>
+                <a:gd name="csX19" fmla="*/ 218171 w 982597"/>
+                <a:gd name="csY19" fmla="*/ 579132 h 703382"/>
+                <a:gd name="csX20" fmla="*/ 254780 w 982597"/>
+                <a:gd name="csY20" fmla="*/ 579132 h 703382"/>
+                <a:gd name="csX21" fmla="*/ 254779 w 982597"/>
+                <a:gd name="csY21" fmla="*/ 522383 h 703382"/>
+                <a:gd name="csX22" fmla="*/ 323465 w 982597"/>
+                <a:gd name="csY22" fmla="*/ 522383 h 703382"/>
+                <a:gd name="csX23" fmla="*/ 323465 w 982597"/>
+                <a:gd name="csY23" fmla="*/ 488669 h 703382"/>
+                <a:gd name="csX24" fmla="*/ 407994 w 982597"/>
+                <a:gd name="csY24" fmla="*/ 488669 h 703382"/>
+                <a:gd name="csX25" fmla="*/ 407994 w 982597"/>
+                <a:gd name="csY25" fmla="*/ 432225 h 703382"/>
+                <a:gd name="csX26" fmla="*/ 447567 w 982597"/>
+                <a:gd name="csY26" fmla="*/ 432225 h 703382"/>
+                <a:gd name="csX27" fmla="*/ 447567 w 982597"/>
+                <a:gd name="csY27" fmla="*/ 338966 h 703382"/>
+                <a:gd name="csX28" fmla="*/ 373989 w 982597"/>
+                <a:gd name="csY28" fmla="*/ 265002 h 703382"/>
+                <a:gd name="csX29" fmla="*/ 374071 w 982597"/>
+                <a:gd name="csY29" fmla="*/ 233559 h 703382"/>
+                <a:gd name="csX30" fmla="*/ 261388 w 982597"/>
+                <a:gd name="csY30" fmla="*/ 233559 h 703382"/>
+                <a:gd name="csX31" fmla="*/ 150482 w 982597"/>
+                <a:gd name="csY31" fmla="*/ 412824 h 703382"/>
+                <a:gd name="csX32" fmla="*/ 140500 w 982597"/>
+                <a:gd name="csY32" fmla="*/ 633860 h 703382"/>
+                <a:gd name="csX33" fmla="*/ 0 w 982597"/>
+                <a:gd name="csY33" fmla="*/ 630324 h 703382"/>
+                <a:gd name="csX34" fmla="*/ 6018 w 982597"/>
+                <a:gd name="csY34" fmla="*/ 405620 h 703382"/>
+                <a:gd name="csX35" fmla="*/ 126021 w 982597"/>
+                <a:gd name="csY35" fmla="*/ 122470 h 703382"/>
+                <a:gd name="csX36" fmla="*/ 241222 w 982597"/>
+                <a:gd name="csY36" fmla="*/ 12605 h 703382"/>
+                <a:gd name="csX37" fmla="*/ 241222 w 982597"/>
+                <a:gd name="csY37" fmla="*/ 1522 h 703382"/>
+                <a:gd name="csX38" fmla="*/ 250236 w 982597"/>
+                <a:gd name="csY38" fmla="*/ 1522 h 703382"/>
+                <a:gd name="csX39" fmla="*/ 251474 w 982597"/>
+                <a:gd name="csY39" fmla="*/ 0 h 703382"/>
+                <a:gd name="csX40" fmla="*/ 253346 w 982597"/>
+                <a:gd name="csY40" fmla="*/ 1522 h 703382"/>
+                <a:gd name="csX41" fmla="*/ 982597 w 982597"/>
+                <a:gd name="csY41" fmla="*/ 1522 h 703382"/>
+              </a:gdLst>
+              <a:ahLst/>
+              <a:cxnLst>
+                <a:cxn ang="0">
+                  <a:pos x="csX0" y="csY0"/>
+                </a:cxn>
+                <a:cxn ang="0">
+                  <a:pos x="csX1" y="csY1"/>
+                </a:cxn>
+                <a:cxn ang="0">
+                  <a:pos x="csX2" y="csY2"/>
+                </a:cxn>
+                <a:cxn ang="0">
+                  <a:pos x="csX3" y="csY3"/>
+                </a:cxn>
+                <a:cxn ang="0">
+                  <a:pos x="csX4" y="csY4"/>
+                </a:cxn>
+                <a:cxn ang="0">
+                  <a:pos x="csX5" y="csY5"/>
+                </a:cxn>
+                <a:cxn ang="0">
+                  <a:pos x="csX6" y="csY6"/>
+                </a:cxn>
+                <a:cxn ang="0">
+                  <a:pos x="csX7" y="csY7"/>
+                </a:cxn>
+                <a:cxn ang="0">
+                  <a:pos x="csX8" y="csY8"/>
+                </a:cxn>
+                <a:cxn ang="0">
+                  <a:pos x="csX9" y="csY9"/>
+                </a:cxn>
+                <a:cxn ang="0">
+                  <a:pos x="csX10" y="csY10"/>
+                </a:cxn>
+                <a:cxn ang="0">
+                  <a:pos x="csX11" y="csY11"/>
+                </a:cxn>
+                <a:cxn ang="0">
+                  <a:pos x="csX12" y="csY12"/>
+                </a:cxn>
+                <a:cxn ang="0">
+                  <a:pos x="csX13" y="csY13"/>
+                </a:cxn>
+                <a:cxn ang="0">
+                  <a:pos x="csX14" y="csY14"/>
+                </a:cxn>
+                <a:cxn ang="0">
+                  <a:pos x="csX15" y="csY15"/>
+                </a:cxn>
+                <a:cxn ang="0">
+                  <a:pos x="csX16" y="csY16"/>
+                </a:cxn>
+                <a:cxn ang="0">
+                  <a:pos x="csX17" y="csY17"/>
+                </a:cxn>
+                <a:cxn ang="0">
+                  <a:pos x="csX18" y="csY18"/>
+                </a:cxn>
+                <a:cxn ang="0">
+                  <a:pos x="csX19" y="csY19"/>
+                </a:cxn>
+                <a:cxn ang="0">
+                  <a:pos x="csX20" y="csY20"/>
+                </a:cxn>
+                <a:cxn ang="0">
+                  <a:pos x="csX21" y="csY21"/>
+                </a:cxn>
+                <a:cxn ang="0">
+                  <a:pos x="csX22" y="csY22"/>
+                </a:cxn>
+                <a:cxn ang="0">
+                  <a:pos x="csX23" y="csY23"/>
+                </a:cxn>
+                <a:cxn ang="0">
+                  <a:pos x="csX24" y="csY24"/>
+                </a:cxn>
+                <a:cxn ang="0">
+                  <a:pos x="csX25" y="csY25"/>
+                </a:cxn>
+                <a:cxn ang="0">
+                  <a:pos x="csX26" y="csY26"/>
+                </a:cxn>
+                <a:cxn ang="0">
+                  <a:pos x="csX27" y="csY27"/>
+                </a:cxn>
+                <a:cxn ang="0">
+                  <a:pos x="csX28" y="csY28"/>
+                </a:cxn>
+                <a:cxn ang="0">
+                  <a:pos x="csX29" y="csY29"/>
+                </a:cxn>
+                <a:cxn ang="0">
+                  <a:pos x="csX30" y="csY30"/>
+                </a:cxn>
+                <a:cxn ang="0">
+                  <a:pos x="csX31" y="csY31"/>
+                </a:cxn>
+                <a:cxn ang="0">
+                  <a:pos x="csX32" y="csY32"/>
+                </a:cxn>
+                <a:cxn ang="0">
+                  <a:pos x="csX33" y="csY33"/>
+                </a:cxn>
+                <a:cxn ang="0">
+                  <a:pos x="csX34" y="csY34"/>
+                </a:cxn>
+                <a:cxn ang="0">
+                  <a:pos x="csX35" y="csY35"/>
+                </a:cxn>
+                <a:cxn ang="0">
+                  <a:pos x="csX36" y="csY36"/>
+                </a:cxn>
+                <a:cxn ang="0">
+                  <a:pos x="csX37" y="csY37"/>
+                </a:cxn>
+                <a:cxn ang="0">
+                  <a:pos x="csX38" y="csY38"/>
+                </a:cxn>
+                <a:cxn ang="0">
+                  <a:pos x="csX39" y="csY39"/>
+                </a:cxn>
+                <a:cxn ang="0">
+                  <a:pos x="csX40" y="csY40"/>
+                </a:cxn>
+                <a:cxn ang="0">
+                  <a:pos x="csX41" y="csY41"/>
+                </a:cxn>
+              </a:cxnLst>
+              <a:rect l="l" t="t" r="r" b="b"/>
+              <a:pathLst>
+                <a:path w="982597" h="703382">
+                  <a:moveTo>
+                    <a:pt x="982597" y="1522"/>
+                  </a:moveTo>
+                  <a:lnTo>
+                    <a:pt x="982597" y="233559"/>
+                  </a:lnTo>
+                  <a:lnTo>
+                    <a:pt x="981623" y="233559"/>
+                  </a:lnTo>
+                  <a:cubicBezTo>
+                    <a:pt x="981522" y="272453"/>
+                    <a:pt x="981420" y="311346"/>
+                    <a:pt x="981319" y="350240"/>
+                  </a:cubicBezTo>
+                  <a:lnTo>
+                    <a:pt x="813150" y="349802"/>
+                  </a:lnTo>
+                  <a:cubicBezTo>
+                    <a:pt x="813150" y="385210"/>
+                    <a:pt x="792077" y="371005"/>
+                    <a:pt x="792077" y="406413"/>
+                  </a:cubicBezTo>
+                  <a:lnTo>
+                    <a:pt x="765074" y="456025"/>
+                  </a:lnTo>
+                  <a:lnTo>
+                    <a:pt x="733223" y="483943"/>
+                  </a:lnTo>
+                  <a:lnTo>
+                    <a:pt x="680545" y="511982"/>
+                  </a:lnTo>
+                  <a:lnTo>
+                    <a:pt x="634551" y="556175"/>
+                  </a:lnTo>
+                  <a:lnTo>
+                    <a:pt x="594945" y="568426"/>
+                  </a:lnTo>
+                  <a:lnTo>
+                    <a:pt x="534262" y="571310"/>
+                  </a:lnTo>
+                  <a:lnTo>
+                    <a:pt x="413178" y="602140"/>
+                  </a:lnTo>
+                  <a:lnTo>
+                    <a:pt x="413178" y="658889"/>
+                  </a:lnTo>
+                  <a:lnTo>
+                    <a:pt x="345081" y="658889"/>
+                  </a:lnTo>
+                  <a:lnTo>
+                    <a:pt x="345081" y="703382"/>
+                  </a:lnTo>
+                  <a:lnTo>
+                    <a:pt x="218102" y="703382"/>
+                  </a:lnTo>
+                  <a:lnTo>
+                    <a:pt x="218102" y="623625"/>
+                  </a:lnTo>
+                  <a:lnTo>
+                    <a:pt x="218171" y="623625"/>
+                  </a:lnTo>
+                  <a:lnTo>
+                    <a:pt x="218171" y="579132"/>
+                  </a:lnTo>
+                  <a:lnTo>
+                    <a:pt x="254780" y="579132"/>
+                  </a:lnTo>
+                  <a:cubicBezTo>
+                    <a:pt x="254780" y="560216"/>
+                    <a:pt x="254779" y="541299"/>
+                    <a:pt x="254779" y="522383"/>
+                  </a:cubicBezTo>
+                  <a:lnTo>
+                    <a:pt x="323465" y="522383"/>
+                  </a:lnTo>
+                  <a:lnTo>
+                    <a:pt x="323465" y="488669"/>
+                  </a:lnTo>
+                  <a:lnTo>
+                    <a:pt x="407994" y="488669"/>
+                  </a:lnTo>
+                  <a:lnTo>
+                    <a:pt x="407994" y="432225"/>
+                  </a:lnTo>
+                  <a:lnTo>
+                    <a:pt x="447567" y="432225"/>
+                  </a:lnTo>
+                  <a:lnTo>
+                    <a:pt x="447567" y="338966"/>
+                  </a:lnTo>
+                  <a:lnTo>
+                    <a:pt x="373989" y="265002"/>
+                  </a:lnTo>
+                  <a:cubicBezTo>
+                    <a:pt x="374016" y="254521"/>
+                    <a:pt x="374044" y="244040"/>
+                    <a:pt x="374071" y="233559"/>
+                  </a:cubicBezTo>
+                  <a:lnTo>
+                    <a:pt x="261388" y="233559"/>
+                  </a:lnTo>
+                  <a:lnTo>
+                    <a:pt x="150482" y="412824"/>
+                  </a:lnTo>
+                  <a:lnTo>
+                    <a:pt x="140500" y="633860"/>
+                  </a:lnTo>
+                  <a:cubicBezTo>
+                    <a:pt x="93667" y="632681"/>
+                    <a:pt x="78684" y="659542"/>
+                    <a:pt x="0" y="630324"/>
+                  </a:cubicBezTo>
+                  <a:lnTo>
+                    <a:pt x="6018" y="405620"/>
+                  </a:lnTo>
+                  <a:lnTo>
+                    <a:pt x="126021" y="122470"/>
+                  </a:lnTo>
+                  <a:lnTo>
+                    <a:pt x="241222" y="12605"/>
+                  </a:lnTo>
+                  <a:lnTo>
+                    <a:pt x="241222" y="1522"/>
+                  </a:lnTo>
+                  <a:lnTo>
+                    <a:pt x="250236" y="1522"/>
+                  </a:lnTo>
+                  <a:lnTo>
+                    <a:pt x="251474" y="0"/>
+                  </a:lnTo>
+                  <a:lnTo>
+                    <a:pt x="253346" y="1522"/>
+                  </a:lnTo>
+                  <a:lnTo>
+                    <a:pt x="982597" y="1522"/>
+                  </a:lnTo>
+                  <a:close/>
+                </a:path>
+              </a:pathLst>
+            </a:custGeom>
+            <a:solidFill>
+              <a:srgbClr val="7F7F7F"/>
+            </a:solidFill>
+            <a:ln>
+              <a:noFill/>
+            </a:ln>
+          </p:spPr>
+          <p:style>
+            <a:lnRef idx="2">
+              <a:schemeClr val="accent1">
+                <a:shade val="15000"/>
+              </a:schemeClr>
+            </a:lnRef>
+            <a:fillRef idx="1">
+              <a:schemeClr val="accent1"/>
+            </a:fillRef>
+            <a:effectRef idx="0">
+              <a:schemeClr val="accent1"/>
+            </a:effectRef>
+            <a:fontRef idx="minor">
+              <a:schemeClr val="lt1"/>
+            </a:fontRef>
+          </p:style>
+          <p:txBody>
+            <a:bodyPr wrap="square" rtlCol="0" anchor="ctr">
+              <a:noAutofit/>
+            </a:bodyPr>
+            <a:lstStyle/>
+            <a:p>
+              <a:pPr algn="ctr"/>
+              <a:endParaRPr lang="en-GB"/>
+            </a:p>
+          </p:txBody>
+        </p:sp>
+        <p:pic>
+          <p:nvPicPr>
+            <p:cNvPr id="1069" name="Picture 1068" descr="A black background with a black square&#10;&#10;AI-generated content may be incorrect.">
+              <a:extLst>
+                <a:ext uri="{FF2B5EF4-FFF2-40B4-BE49-F238E27FC236}">
+                  <a16:creationId xmlns:a16="http://schemas.microsoft.com/office/drawing/2014/main" id="{FDD6F425-19E6-0288-7485-32D4D646946F}"/>
+                </a:ext>
+              </a:extLst>
+            </p:cNvPr>
+            <p:cNvPicPr>
+              <a:picLocks noChangeAspect="1"/>
+            </p:cNvPicPr>
+            <p:nvPr/>
+          </p:nvPicPr>
+          <p:blipFill>
+            <a:blip r:embed="rId2">
+              <a:extLst>
+                <a:ext uri="{28A0092B-C50C-407E-A947-70E740481C1C}">
+                  <a14:useLocalDpi xmlns:a14="http://schemas.microsoft.com/office/drawing/2010/main" val="0"/>
+                </a:ext>
+              </a:extLst>
+            </a:blip>
+            <a:srcRect l="21551" t="28916"/>
+            <a:stretch>
+              <a:fillRect/>
+            </a:stretch>
+          </p:blipFill>
+          <p:spPr>
+            <a:xfrm rot="16200000" flipH="1">
+              <a:off x="5593338" y="3456936"/>
+              <a:ext cx="996173" cy="902661"/>
+            </a:xfrm>
+            <a:prstGeom prst="rect">
+              <a:avLst/>
+            </a:prstGeom>
+          </p:spPr>
+        </p:pic>
+        <p:pic>
+          <p:nvPicPr>
+            <p:cNvPr id="1070" name="Picture 1069" descr="A black background with a black square&#10;&#10;AI-generated content may be incorrect.">
+              <a:extLst>
+                <a:ext uri="{FF2B5EF4-FFF2-40B4-BE49-F238E27FC236}">
+                  <a16:creationId xmlns:a16="http://schemas.microsoft.com/office/drawing/2014/main" id="{B1F44E3A-7A70-B1D6-C983-45BF54E1C03E}"/>
+                </a:ext>
+              </a:extLst>
+            </p:cNvPr>
+            <p:cNvPicPr>
+              <a:picLocks noChangeAspect="1"/>
+            </p:cNvPicPr>
+            <p:nvPr/>
+          </p:nvPicPr>
+          <p:blipFill>
+            <a:blip r:embed="rId2">
+              <a:extLst>
+                <a:ext uri="{28A0092B-C50C-407E-A947-70E740481C1C}">
+                  <a14:useLocalDpi xmlns:a14="http://schemas.microsoft.com/office/drawing/2010/main" val="0"/>
+                </a:ext>
+              </a:extLst>
+            </a:blip>
+            <a:srcRect l="37467" t="623" r="37145" b="77021"/>
+            <a:stretch>
+              <a:fillRect/>
+            </a:stretch>
+          </p:blipFill>
+          <p:spPr>
+            <a:xfrm rot="15291856" flipH="1">
+              <a:off x="5291104" y="3713459"/>
+              <a:ext cx="303914" cy="270380"/>
+            </a:xfrm>
+            <a:prstGeom prst="rect">
+              <a:avLst/>
+            </a:prstGeom>
+          </p:spPr>
+        </p:pic>
+        <p:pic>
+          <p:nvPicPr>
+            <p:cNvPr id="1071" name="Picture 1070" descr="A black background with a black square&#10;&#10;AI-generated content may be incorrect.">
+              <a:extLst>
+                <a:ext uri="{FF2B5EF4-FFF2-40B4-BE49-F238E27FC236}">
+                  <a16:creationId xmlns:a16="http://schemas.microsoft.com/office/drawing/2014/main" id="{C64B21D4-5A63-97CB-07B2-78D958D3B6DC}"/>
+                </a:ext>
+              </a:extLst>
+            </p:cNvPr>
+            <p:cNvPicPr>
+              <a:picLocks noChangeAspect="1"/>
+            </p:cNvPicPr>
+            <p:nvPr/>
+          </p:nvPicPr>
+          <p:blipFill>
+            <a:blip r:embed="rId2">
+              <a:extLst>
+                <a:ext uri="{28A0092B-C50C-407E-A947-70E740481C1C}">
+                  <a14:useLocalDpi xmlns:a14="http://schemas.microsoft.com/office/drawing/2010/main" val="0"/>
+                </a:ext>
+              </a:extLst>
+            </a:blip>
+            <a:srcRect l="44927" t="23153" r="34824" b="66054"/>
+            <a:stretch>
+              <a:fillRect/>
+            </a:stretch>
+          </p:blipFill>
+          <p:spPr>
+            <a:xfrm rot="14636352" flipH="1">
+              <a:off x="5523772" y="3789857"/>
+              <a:ext cx="222988" cy="148903"/>
+            </a:xfrm>
+            <a:prstGeom prst="rect">
+              <a:avLst/>
+            </a:prstGeom>
+          </p:spPr>
+        </p:pic>
+        <p:pic>
+          <p:nvPicPr>
+            <p:cNvPr id="1072" name="Picture 1071" descr="A black background with a black square&#10;&#10;AI-generated content may be incorrect.">
+              <a:extLst>
+                <a:ext uri="{FF2B5EF4-FFF2-40B4-BE49-F238E27FC236}">
+                  <a16:creationId xmlns:a16="http://schemas.microsoft.com/office/drawing/2014/main" id="{2342CEA1-87B4-E5D7-2D5E-EA771D21B02A}"/>
+                </a:ext>
+              </a:extLst>
+            </p:cNvPr>
+            <p:cNvPicPr>
+              <a:picLocks noChangeAspect="1"/>
+            </p:cNvPicPr>
+            <p:nvPr/>
+          </p:nvPicPr>
+          <p:blipFill>
+            <a:blip r:embed="rId2">
+              <a:extLst>
+                <a:ext uri="{28A0092B-C50C-407E-A947-70E740481C1C}">
+                  <a14:useLocalDpi xmlns:a14="http://schemas.microsoft.com/office/drawing/2010/main" val="0"/>
+                </a:ext>
+              </a:extLst>
+            </a:blip>
+            <a:srcRect l="26387" t="13347" r="57672" b="70348"/>
+            <a:stretch>
+              <a:fillRect/>
+            </a:stretch>
+          </p:blipFill>
+          <p:spPr>
+            <a:xfrm rot="15698569" flipH="1">
+              <a:off x="5417472" y="3499957"/>
+              <a:ext cx="210357" cy="193613"/>
+            </a:xfrm>
+            <a:prstGeom prst="rect">
+              <a:avLst/>
+            </a:prstGeom>
+          </p:spPr>
+        </p:pic>
+        <p:pic>
+          <p:nvPicPr>
+            <p:cNvPr id="1073" name="Picture 1072" descr="A black background with a black square&#10;&#10;AI-generated content may be incorrect.">
+              <a:extLst>
+                <a:ext uri="{FF2B5EF4-FFF2-40B4-BE49-F238E27FC236}">
+                  <a16:creationId xmlns:a16="http://schemas.microsoft.com/office/drawing/2014/main" id="{228DAB39-E97C-0C3A-FC70-1C140ED65066}"/>
+                </a:ext>
+              </a:extLst>
+            </p:cNvPr>
+            <p:cNvPicPr>
+              <a:picLocks noChangeAspect="1"/>
+            </p:cNvPicPr>
+            <p:nvPr/>
+          </p:nvPicPr>
+          <p:blipFill>
+            <a:blip r:embed="rId2">
+              <a:extLst>
+                <a:ext uri="{28A0092B-C50C-407E-A947-70E740481C1C}">
+                  <a14:useLocalDpi xmlns:a14="http://schemas.microsoft.com/office/drawing/2010/main" val="0"/>
+                </a:ext>
+              </a:extLst>
+            </a:blip>
+            <a:srcRect l="68203" b="70596"/>
+            <a:stretch>
+              <a:fillRect/>
+            </a:stretch>
+          </p:blipFill>
+          <p:spPr>
+            <a:xfrm rot="15427643" flipH="1">
+              <a:off x="5371482" y="3978842"/>
+              <a:ext cx="403782" cy="379891"/>
+            </a:xfrm>
+            <a:prstGeom prst="rect">
+              <a:avLst/>
+            </a:prstGeom>
+          </p:spPr>
+        </p:pic>
+        <p:grpSp>
+          <p:nvGrpSpPr>
+            <p:cNvPr id="1074" name="Group 1073">
+              <a:extLst>
+                <a:ext uri="{FF2B5EF4-FFF2-40B4-BE49-F238E27FC236}">
+                  <a16:creationId xmlns:a16="http://schemas.microsoft.com/office/drawing/2014/main" id="{B5874123-345C-409B-6540-C1C1A65DCD57}"/>
+                </a:ext>
+              </a:extLst>
+            </p:cNvPr>
+            <p:cNvGrpSpPr>
+              <a:grpSpLocks/>
+            </p:cNvGrpSpPr>
+            <p:nvPr/>
+          </p:nvGrpSpPr>
+          <p:grpSpPr>
+            <a:xfrm>
+              <a:off x="6209391" y="3296888"/>
+              <a:ext cx="330658" cy="431994"/>
+              <a:chOff x="6340581" y="2572446"/>
+              <a:chExt cx="330658" cy="431994"/>
+            </a:xfrm>
+          </p:grpSpPr>
+          <p:pic>
+            <p:nvPicPr>
+              <p:cNvPr id="1077" name="Picture 1076" descr="A black background with a black square&#10;&#10;AI-generated content may be incorrect.">
+                <a:extLst>
+                  <a:ext uri="{FF2B5EF4-FFF2-40B4-BE49-F238E27FC236}">
+                    <a16:creationId xmlns:a16="http://schemas.microsoft.com/office/drawing/2014/main" id="{EB7D2519-E076-C7F7-CBC4-3730D29A7CB8}"/>
+                  </a:ext>
+                </a:extLst>
+              </p:cNvPr>
+              <p:cNvPicPr>
+                <a:picLocks noChangeAspect="1"/>
+              </p:cNvPicPr>
+              <p:nvPr/>
+            </p:nvPicPr>
+            <p:blipFill>
+              <a:blip r:embed="rId2">
+                <a:extLst>
+                  <a:ext uri="{28A0092B-C50C-407E-A947-70E740481C1C}">
+                    <a14:useLocalDpi xmlns:a14="http://schemas.microsoft.com/office/drawing/2010/main" val="0"/>
+                  </a:ext>
+                </a:extLst>
+              </a:blip>
+              <a:srcRect l="10182" t="73782" r="68815" b="9209"/>
+              <a:stretch/>
+            </p:blipFill>
+            <p:spPr>
+              <a:xfrm rot="10800000" flipV="1">
+                <a:off x="6340581" y="2788443"/>
+                <a:ext cx="266701" cy="215997"/>
+              </a:xfrm>
+              <a:prstGeom prst="rect">
+                <a:avLst/>
+              </a:prstGeom>
+            </p:spPr>
+          </p:pic>
+          <p:pic>
+            <p:nvPicPr>
+              <p:cNvPr id="1078" name="Picture 1077" descr="A black background with a black square&#10;&#10;AI-generated content may be incorrect.">
+                <a:extLst>
+                  <a:ext uri="{FF2B5EF4-FFF2-40B4-BE49-F238E27FC236}">
+                    <a16:creationId xmlns:a16="http://schemas.microsoft.com/office/drawing/2014/main" id="{539B8433-F91E-EEAA-4CDB-3F0C9F76AA81}"/>
+                  </a:ext>
+                </a:extLst>
+              </p:cNvPr>
+              <p:cNvPicPr>
+                <a:picLocks noChangeAspect="1"/>
+              </p:cNvPicPr>
+              <p:nvPr/>
+            </p:nvPicPr>
+            <p:blipFill>
+              <a:blip r:embed="rId2">
+                <a:extLst>
+                  <a:ext uri="{28A0092B-C50C-407E-A947-70E740481C1C}">
+                    <a14:useLocalDpi xmlns:a14="http://schemas.microsoft.com/office/drawing/2010/main" val="0"/>
+                  </a:ext>
+                </a:extLst>
+              </a:blip>
+              <a:srcRect l="10182" t="73782" r="68815" b="9209"/>
+              <a:stretch/>
+            </p:blipFill>
+            <p:spPr>
+              <a:xfrm rot="10800000" flipH="1">
+                <a:off x="6404538" y="2572446"/>
+                <a:ext cx="266701" cy="215997"/>
+              </a:xfrm>
+              <a:prstGeom prst="rect">
+                <a:avLst/>
+              </a:prstGeom>
+            </p:spPr>
+          </p:pic>
+        </p:grpSp>
+        <p:pic>
+          <p:nvPicPr>
+            <p:cNvPr id="1075" name="Picture 1074" descr="A black background with a black square&#10;&#10;AI-generated content may be incorrect.">
+              <a:extLst>
+                <a:ext uri="{FF2B5EF4-FFF2-40B4-BE49-F238E27FC236}">
+                  <a16:creationId xmlns:a16="http://schemas.microsoft.com/office/drawing/2014/main" id="{B7089731-983B-B9CC-2338-D96DE46D5E27}"/>
+                </a:ext>
+              </a:extLst>
+            </p:cNvPr>
+            <p:cNvPicPr>
+              <a:picLocks noChangeAspect="1"/>
+            </p:cNvPicPr>
+            <p:nvPr/>
+          </p:nvPicPr>
+          <p:blipFill>
+            <a:blip r:embed="rId2">
+              <a:extLst>
+                <a:ext uri="{28A0092B-C50C-407E-A947-70E740481C1C}">
+                  <a14:useLocalDpi xmlns:a14="http://schemas.microsoft.com/office/drawing/2010/main" val="0"/>
+                </a:ext>
+              </a:extLst>
+            </a:blip>
+            <a:srcRect l="10200" t="49411" r="76847"/>
+            <a:stretch/>
+          </p:blipFill>
+          <p:spPr>
+            <a:xfrm rot="16200000" flipH="1">
+              <a:off x="6075819" y="3042733"/>
+              <a:ext cx="164481" cy="642408"/>
+            </a:xfrm>
+            <a:prstGeom prst="rect">
+              <a:avLst/>
+            </a:prstGeom>
+          </p:spPr>
+        </p:pic>
+        <p:pic>
+          <p:nvPicPr>
+            <p:cNvPr id="1076" name="Picture 1075" descr="A black background with a black square&#10;&#10;AI-generated content may be incorrect.">
+              <a:extLst>
+                <a:ext uri="{FF2B5EF4-FFF2-40B4-BE49-F238E27FC236}">
+                  <a16:creationId xmlns:a16="http://schemas.microsoft.com/office/drawing/2014/main" id="{5BF2909A-CD6C-4B93-ADEF-BF1FB8DC24A4}"/>
+                </a:ext>
+              </a:extLst>
+            </p:cNvPr>
+            <p:cNvPicPr>
+              <a:picLocks noChangeAspect="1"/>
+            </p:cNvPicPr>
+            <p:nvPr/>
+          </p:nvPicPr>
+          <p:blipFill>
+            <a:blip r:embed="rId2">
+              <a:extLst>
+                <a:ext uri="{28A0092B-C50C-407E-A947-70E740481C1C}">
+                  <a14:useLocalDpi xmlns:a14="http://schemas.microsoft.com/office/drawing/2010/main" val="0"/>
+                </a:ext>
+              </a:extLst>
+            </a:blip>
+            <a:srcRect l="10200" t="78821" r="76847" b="15154"/>
+            <a:stretch>
+              <a:fillRect/>
+            </a:stretch>
+          </p:blipFill>
+          <p:spPr>
+            <a:xfrm rot="16000379" flipV="1">
+              <a:off x="5530073" y="3492287"/>
+              <a:ext cx="177626" cy="74439"/>
+            </a:xfrm>
+            <a:prstGeom prst="rect">
+              <a:avLst/>
+            </a:prstGeom>
+          </p:spPr>
+        </p:pic>
+      </p:grpSp>
+      <p:pic>
+        <p:nvPicPr>
+          <p:cNvPr id="1081" name="Picture 1080">
+            <a:extLst>
+              <a:ext uri="{FF2B5EF4-FFF2-40B4-BE49-F238E27FC236}">
+                <a16:creationId xmlns:a16="http://schemas.microsoft.com/office/drawing/2014/main" id="{4A8F27B4-CE9A-747D-CD51-4D2C1C942199}"/>
+              </a:ext>
+            </a:extLst>
+          </p:cNvPr>
+          <p:cNvPicPr preferRelativeResize="0">
+            <a:picLocks/>
+          </p:cNvPicPr>
+          <p:nvPr/>
+        </p:nvPicPr>
+        <p:blipFill>
+          <a:blip r:embed="rId11">
+            <a:extLst>
+              <a:ext uri="{28A0092B-C50C-407E-A947-70E740481C1C}">
+                <a14:useLocalDpi xmlns:a14="http://schemas.microsoft.com/office/drawing/2010/main" val="0"/>
+              </a:ext>
+            </a:extLst>
+          </a:blip>
+          <a:stretch>
+            <a:fillRect/>
+          </a:stretch>
+        </p:blipFill>
+        <p:spPr>
+          <a:xfrm>
+            <a:off x="4510811" y="5411886"/>
+            <a:ext cx="209550" cy="183600"/>
+          </a:xfrm>
+          <a:prstGeom prst="rect">
+            <a:avLst/>
+          </a:prstGeom>
+        </p:spPr>
+      </p:pic>
+      <p:pic>
+        <p:nvPicPr>
+          <p:cNvPr id="1083" name="Picture 1082">
+            <a:extLst>
+              <a:ext uri="{FF2B5EF4-FFF2-40B4-BE49-F238E27FC236}">
+                <a16:creationId xmlns:a16="http://schemas.microsoft.com/office/drawing/2014/main" id="{ECFBFF66-BE60-5020-17C8-01ADEE29102E}"/>
+              </a:ext>
+            </a:extLst>
+          </p:cNvPr>
+          <p:cNvPicPr preferRelativeResize="0">
+            <a:picLocks/>
+          </p:cNvPicPr>
+          <p:nvPr/>
+        </p:nvPicPr>
+        <p:blipFill>
+          <a:blip r:embed="rId12">
+            <a:extLst>
+              <a:ext uri="{28A0092B-C50C-407E-A947-70E740481C1C}">
+                <a14:useLocalDpi xmlns:a14="http://schemas.microsoft.com/office/drawing/2010/main" val="0"/>
+              </a:ext>
+            </a:extLst>
+          </a:blip>
+          <a:stretch>
+            <a:fillRect/>
+          </a:stretch>
+        </p:blipFill>
+        <p:spPr>
+          <a:xfrm>
+            <a:off x="5851775" y="5411886"/>
+            <a:ext cx="207058" cy="183600"/>
+          </a:xfrm>
+          <a:prstGeom prst="rect">
+            <a:avLst/>
+          </a:prstGeom>
+        </p:spPr>
+      </p:pic>
     </p:spTree>
     <p:extLst>
       <p:ext uri="{BB962C8B-B14F-4D97-AF65-F5344CB8AC3E}">

--- a/media/workshop.pptx
+++ b/media/workshop.pptx
@@ -11006,12 +11006,103 @@
           <a:chExt cx="0" cy="0"/>
         </a:xfrm>
       </p:grpSpPr>
+      <p:pic>
+        <p:nvPicPr>
+          <p:cNvPr id="38" name="Picture 4" descr="Windows Mouse Cursor: Over 3,504 Royalty-Free Licensable Stock  Illustrations &amp; Drawings | Shutterstock">
+            <a:extLst>
+              <a:ext uri="{FF2B5EF4-FFF2-40B4-BE49-F238E27FC236}">
+                <a16:creationId xmlns:a16="http://schemas.microsoft.com/office/drawing/2014/main" id="{5F9BE82A-D869-E0B3-2E96-CE28CE983186}"/>
+              </a:ext>
+            </a:extLst>
+          </p:cNvPr>
+          <p:cNvPicPr>
+            <a:picLocks noChangeAspect="1" noChangeArrowheads="1"/>
+          </p:cNvPicPr>
+          <p:nvPr/>
+        </p:nvPicPr>
+        <p:blipFill rotWithShape="1">
+          <a:blip r:embed="rId2">
+            <a:clrChange>
+              <a:clrFrom>
+                <a:srgbClr val="FFFFFF"/>
+              </a:clrFrom>
+              <a:clrTo>
+                <a:srgbClr val="FFFFFF">
+                  <a:alpha val="0"/>
+                </a:srgbClr>
+              </a:clrTo>
+            </a:clrChange>
+            <a:extLst>
+              <a:ext uri="{BEBA8EAE-BF5A-486C-A8C5-ECC9F3942E4B}">
+                <a14:imgProps xmlns:a14="http://schemas.microsoft.com/office/drawing/2010/main">
+                  <a14:imgLayer r:embed="rId3">
+                    <a14:imgEffect>
+                      <a14:backgroundRemoval t="23929" b="69643" l="76788" r="88999">
+                        <a14:foregroundMark x1="79428" y1="26429" x2="79428" y2="26429"/>
+                        <a14:foregroundMark x1="79428" y1="23929" x2="79428" y2="23929"/>
+                        <a14:foregroundMark x1="79648" y1="67857" x2="79648" y2="67857"/>
+                        <a14:foregroundMark x1="79318" y1="69643" x2="79318" y2="69643"/>
+                        <a14:foregroundMark x1="81738" y1="43214" x2="81738" y2="43214"/>
+                        <a14:foregroundMark x1="81408" y1="45714" x2="84598" y2="50714"/>
+                        <a14:foregroundMark x1="88229" y1="56071" x2="88229" y2="56071"/>
+                        <a14:foregroundMark x1="88999" y1="54286" x2="88999" y2="54286"/>
+                        <a14:foregroundMark x1="82838" y1="55714" x2="82618" y2="58571"/>
+                        <a14:foregroundMark x1="82508" y1="57857" x2="83168" y2="57857"/>
+                        <a14:foregroundMark x1="82948" y1="57143" x2="82398" y2="57857"/>
+                        <a14:foregroundMark x1="82508" y1="58214" x2="82838" y2="58214"/>
+                        <a14:foregroundMark x1="86579" y1="52143" x2="86799" y2="48571"/>
+                        <a14:foregroundMark x1="87239" y1="51071" x2="86359" y2="46786"/>
+                        <a14:foregroundMark x1="86799" y1="47857" x2="86799" y2="47857"/>
+                        <a14:foregroundMark x1="86799" y1="47857" x2="86799" y2="47857"/>
+                        <a14:foregroundMark x1="86579" y1="47857" x2="86579" y2="47857"/>
+                        <a14:foregroundMark x1="86689" y1="47857" x2="86689" y2="47857"/>
+                        <a14:foregroundMark x1="86689" y1="47857" x2="86689" y2="47857"/>
+                        <a14:foregroundMark x1="86799" y1="47857" x2="86469" y2="47857"/>
+                        <a14:foregroundMark x1="86359" y1="47143" x2="86359" y2="47143"/>
+                        <a14:foregroundMark x1="86579" y1="48571" x2="86799" y2="48571"/>
+                        <a14:foregroundMark x1="86799" y1="48571" x2="86689" y2="47857"/>
+                        <a14:foregroundMark x1="86579" y1="47500" x2="86579" y2="47500"/>
+                      </a14:backgroundRemoval>
+                    </a14:imgEffect>
+                  </a14:imgLayer>
+                </a14:imgProps>
+              </a:ext>
+              <a:ext uri="{28A0092B-C50C-407E-A947-70E740481C1C}">
+                <a14:useLocalDpi xmlns:a14="http://schemas.microsoft.com/office/drawing/2010/main" val="0"/>
+              </a:ext>
+            </a:extLst>
+          </a:blip>
+          <a:srcRect l="75460" t="21315" r="10245" b="27265"/>
+          <a:stretch>
+            <a:fillRect/>
+          </a:stretch>
+        </p:blipFill>
+        <p:spPr bwMode="auto">
+          <a:xfrm>
+            <a:off x="4008009" y="551202"/>
+            <a:ext cx="171937" cy="190500"/>
+          </a:xfrm>
+          <a:prstGeom prst="rect">
+            <a:avLst/>
+          </a:prstGeom>
+          <a:noFill/>
+          <a:extLst>
+            <a:ext uri="{909E8E84-426E-40DD-AFC4-6F175D3DCCD1}">
+              <a14:hiddenFill xmlns:a14="http://schemas.microsoft.com/office/drawing/2010/main">
+                <a:solidFill>
+                  <a:srgbClr val="FFFFFF"/>
+                </a:solidFill>
+              </a14:hiddenFill>
+            </a:ext>
+          </a:extLst>
+        </p:spPr>
+      </p:pic>
       <p:grpSp>
         <p:nvGrpSpPr>
-          <p:cNvPr id="1066" name="Group 1065">
+          <p:cNvPr id="29" name="Group 28">
             <a:extLst>
               <a:ext uri="{FF2B5EF4-FFF2-40B4-BE49-F238E27FC236}">
-                <a16:creationId xmlns:a16="http://schemas.microsoft.com/office/drawing/2014/main" id="{C78862DE-1A46-4B2C-2337-93A7038B9346}"/>
+                <a16:creationId xmlns:a16="http://schemas.microsoft.com/office/drawing/2014/main" id="{AA4186F8-F973-D6FC-13A6-052EB3150E64}"/>
               </a:ext>
             </a:extLst>
           </p:cNvPr>
@@ -11020,18 +11111,3014 @@
         </p:nvGrpSpPr>
         <p:grpSpPr>
           <a:xfrm>
-            <a:off x="3818841" y="3344561"/>
-            <a:ext cx="1234884" cy="1124657"/>
-            <a:chOff x="3818841" y="3344561"/>
-            <a:chExt cx="1234884" cy="1124657"/>
+            <a:off x="2089692" y="1685505"/>
+            <a:ext cx="1269841" cy="1269841"/>
+            <a:chOff x="2089692" y="1685505"/>
+            <a:chExt cx="1269841" cy="1269841"/>
           </a:xfrm>
         </p:grpSpPr>
         <p:sp>
           <p:nvSpPr>
-            <p:cNvPr id="73" name="Freeform: Shape 72">
+            <p:cNvPr id="8" name="Freeform: Shape 7">
               <a:extLst>
                 <a:ext uri="{FF2B5EF4-FFF2-40B4-BE49-F238E27FC236}">
-                  <a16:creationId xmlns:a16="http://schemas.microsoft.com/office/drawing/2014/main" id="{17775036-6CDC-54C1-BB59-04E371AA915A}"/>
+                  <a16:creationId xmlns:a16="http://schemas.microsoft.com/office/drawing/2014/main" id="{FF6D0802-1886-ECAF-1988-7CA6691DAD14}"/>
+                </a:ext>
+              </a:extLst>
+            </p:cNvPr>
+            <p:cNvSpPr/>
+            <p:nvPr/>
+          </p:nvSpPr>
+          <p:spPr>
+            <a:xfrm rot="10800000">
+              <a:off x="2233855" y="1838903"/>
+              <a:ext cx="938114" cy="950620"/>
+            </a:xfrm>
+            <a:custGeom>
+              <a:avLst/>
+              <a:gdLst>
+                <a:gd name="connsiteX0" fmla="*/ 472281 w 938114"/>
+                <a:gd name="connsiteY0" fmla="*/ 950620 h 950620"/>
+                <a:gd name="connsiteX1" fmla="*/ 318955 w 938114"/>
+                <a:gd name="connsiteY1" fmla="*/ 950620 h 950620"/>
+                <a:gd name="connsiteX2" fmla="*/ 318955 w 938114"/>
+                <a:gd name="connsiteY2" fmla="*/ 914394 h 950620"/>
+                <a:gd name="connsiteX3" fmla="*/ 167481 w 938114"/>
+                <a:gd name="connsiteY3" fmla="*/ 914394 h 950620"/>
+                <a:gd name="connsiteX4" fmla="*/ 167481 w 938114"/>
+                <a:gd name="connsiteY4" fmla="*/ 800791 h 950620"/>
+                <a:gd name="connsiteX5" fmla="*/ 0 w 938114"/>
+                <a:gd name="connsiteY5" fmla="*/ 800791 h 950620"/>
+                <a:gd name="connsiteX6" fmla="*/ 0 w 938114"/>
+                <a:gd name="connsiteY6" fmla="*/ 179544 h 950620"/>
+                <a:gd name="connsiteX7" fmla="*/ 21430 w 938114"/>
+                <a:gd name="connsiteY7" fmla="*/ 179544 h 950620"/>
+                <a:gd name="connsiteX8" fmla="*/ 21430 w 938114"/>
+                <a:gd name="connsiteY8" fmla="*/ 104957 h 950620"/>
+                <a:gd name="connsiteX9" fmla="*/ 126387 w 938114"/>
+                <a:gd name="connsiteY9" fmla="*/ 0 h 950620"/>
+                <a:gd name="connsiteX10" fmla="*/ 657836 w 938114"/>
+                <a:gd name="connsiteY10" fmla="*/ 0 h 950620"/>
+                <a:gd name="connsiteX11" fmla="*/ 762792 w 938114"/>
+                <a:gd name="connsiteY11" fmla="*/ 104957 h 950620"/>
+                <a:gd name="connsiteX12" fmla="*/ 762792 w 938114"/>
+                <a:gd name="connsiteY12" fmla="*/ 179546 h 950620"/>
+                <a:gd name="connsiteX13" fmla="*/ 828913 w 938114"/>
+                <a:gd name="connsiteY13" fmla="*/ 179546 h 950620"/>
+                <a:gd name="connsiteX14" fmla="*/ 828913 w 938114"/>
+                <a:gd name="connsiteY14" fmla="*/ 209907 h 950620"/>
+                <a:gd name="connsiteX15" fmla="*/ 865469 w 938114"/>
+                <a:gd name="connsiteY15" fmla="*/ 209907 h 950620"/>
+                <a:gd name="connsiteX16" fmla="*/ 865469 w 938114"/>
+                <a:gd name="connsiteY16" fmla="*/ 242648 h 950620"/>
+                <a:gd name="connsiteX17" fmla="*/ 902026 w 938114"/>
+                <a:gd name="connsiteY17" fmla="*/ 242648 h 950620"/>
+                <a:gd name="connsiteX18" fmla="*/ 902026 w 938114"/>
+                <a:gd name="connsiteY18" fmla="*/ 279557 h 950620"/>
+                <a:gd name="connsiteX19" fmla="*/ 938114 w 938114"/>
+                <a:gd name="connsiteY19" fmla="*/ 279557 h 950620"/>
+                <a:gd name="connsiteX20" fmla="*/ 938114 w 938114"/>
+                <a:gd name="connsiteY20" fmla="*/ 379569 h 950620"/>
+                <a:gd name="connsiteX21" fmla="*/ 741363 w 938114"/>
+                <a:gd name="connsiteY21" fmla="*/ 379569 h 950620"/>
+                <a:gd name="connsiteX22" fmla="*/ 741363 w 938114"/>
+                <a:gd name="connsiteY22" fmla="*/ 316467 h 950620"/>
+                <a:gd name="connsiteX23" fmla="*/ 641349 w 938114"/>
+                <a:gd name="connsiteY23" fmla="*/ 316467 h 950620"/>
+                <a:gd name="connsiteX24" fmla="*/ 641349 w 938114"/>
+                <a:gd name="connsiteY24" fmla="*/ 800791 h 950620"/>
+                <a:gd name="connsiteX25" fmla="*/ 636571 w 938114"/>
+                <a:gd name="connsiteY25" fmla="*/ 800791 h 950620"/>
+                <a:gd name="connsiteX26" fmla="*/ 636571 w 938114"/>
+                <a:gd name="connsiteY26" fmla="*/ 914394 h 950620"/>
+                <a:gd name="connsiteX27" fmla="*/ 472281 w 938114"/>
+                <a:gd name="connsiteY27" fmla="*/ 914394 h 950620"/>
+              </a:gdLst>
+              <a:ahLst/>
+              <a:cxnLst>
+                <a:cxn ang="0">
+                  <a:pos x="connsiteX0" y="connsiteY0"/>
+                </a:cxn>
+                <a:cxn ang="0">
+                  <a:pos x="connsiteX1" y="connsiteY1"/>
+                </a:cxn>
+                <a:cxn ang="0">
+                  <a:pos x="connsiteX2" y="connsiteY2"/>
+                </a:cxn>
+                <a:cxn ang="0">
+                  <a:pos x="connsiteX3" y="connsiteY3"/>
+                </a:cxn>
+                <a:cxn ang="0">
+                  <a:pos x="connsiteX4" y="connsiteY4"/>
+                </a:cxn>
+                <a:cxn ang="0">
+                  <a:pos x="connsiteX5" y="connsiteY5"/>
+                </a:cxn>
+                <a:cxn ang="0">
+                  <a:pos x="connsiteX6" y="connsiteY6"/>
+                </a:cxn>
+                <a:cxn ang="0">
+                  <a:pos x="connsiteX7" y="connsiteY7"/>
+                </a:cxn>
+                <a:cxn ang="0">
+                  <a:pos x="connsiteX8" y="connsiteY8"/>
+                </a:cxn>
+                <a:cxn ang="0">
+                  <a:pos x="connsiteX9" y="connsiteY9"/>
+                </a:cxn>
+                <a:cxn ang="0">
+                  <a:pos x="connsiteX10" y="connsiteY10"/>
+                </a:cxn>
+                <a:cxn ang="0">
+                  <a:pos x="connsiteX11" y="connsiteY11"/>
+                </a:cxn>
+                <a:cxn ang="0">
+                  <a:pos x="connsiteX12" y="connsiteY12"/>
+                </a:cxn>
+                <a:cxn ang="0">
+                  <a:pos x="connsiteX13" y="connsiteY13"/>
+                </a:cxn>
+                <a:cxn ang="0">
+                  <a:pos x="connsiteX14" y="connsiteY14"/>
+                </a:cxn>
+                <a:cxn ang="0">
+                  <a:pos x="connsiteX15" y="connsiteY15"/>
+                </a:cxn>
+                <a:cxn ang="0">
+                  <a:pos x="connsiteX16" y="connsiteY16"/>
+                </a:cxn>
+                <a:cxn ang="0">
+                  <a:pos x="connsiteX17" y="connsiteY17"/>
+                </a:cxn>
+                <a:cxn ang="0">
+                  <a:pos x="connsiteX18" y="connsiteY18"/>
+                </a:cxn>
+                <a:cxn ang="0">
+                  <a:pos x="connsiteX19" y="connsiteY19"/>
+                </a:cxn>
+                <a:cxn ang="0">
+                  <a:pos x="connsiteX20" y="connsiteY20"/>
+                </a:cxn>
+                <a:cxn ang="0">
+                  <a:pos x="connsiteX21" y="connsiteY21"/>
+                </a:cxn>
+                <a:cxn ang="0">
+                  <a:pos x="connsiteX22" y="connsiteY22"/>
+                </a:cxn>
+                <a:cxn ang="0">
+                  <a:pos x="connsiteX23" y="connsiteY23"/>
+                </a:cxn>
+                <a:cxn ang="0">
+                  <a:pos x="connsiteX24" y="connsiteY24"/>
+                </a:cxn>
+                <a:cxn ang="0">
+                  <a:pos x="connsiteX25" y="connsiteY25"/>
+                </a:cxn>
+                <a:cxn ang="0">
+                  <a:pos x="connsiteX26" y="connsiteY26"/>
+                </a:cxn>
+                <a:cxn ang="0">
+                  <a:pos x="connsiteX27" y="connsiteY27"/>
+                </a:cxn>
+              </a:cxnLst>
+              <a:rect l="l" t="t" r="r" b="b"/>
+              <a:pathLst>
+                <a:path w="938114" h="950620">
+                  <a:moveTo>
+                    <a:pt x="472281" y="950620"/>
+                  </a:moveTo>
+                  <a:lnTo>
+                    <a:pt x="318955" y="950620"/>
+                  </a:lnTo>
+                  <a:lnTo>
+                    <a:pt x="318955" y="914394"/>
+                  </a:lnTo>
+                  <a:lnTo>
+                    <a:pt x="167481" y="914394"/>
+                  </a:lnTo>
+                  <a:lnTo>
+                    <a:pt x="167481" y="800791"/>
+                  </a:lnTo>
+                  <a:lnTo>
+                    <a:pt x="0" y="800791"/>
+                  </a:lnTo>
+                  <a:lnTo>
+                    <a:pt x="0" y="179544"/>
+                  </a:lnTo>
+                  <a:lnTo>
+                    <a:pt x="21430" y="179544"/>
+                  </a:lnTo>
+                  <a:lnTo>
+                    <a:pt x="21430" y="104957"/>
+                  </a:lnTo>
+                  <a:lnTo>
+                    <a:pt x="126387" y="0"/>
+                  </a:lnTo>
+                  <a:lnTo>
+                    <a:pt x="657836" y="0"/>
+                  </a:lnTo>
+                  <a:lnTo>
+                    <a:pt x="762792" y="104957"/>
+                  </a:lnTo>
+                  <a:lnTo>
+                    <a:pt x="762792" y="179546"/>
+                  </a:lnTo>
+                  <a:lnTo>
+                    <a:pt x="828913" y="179546"/>
+                  </a:lnTo>
+                  <a:lnTo>
+                    <a:pt x="828913" y="209907"/>
+                  </a:lnTo>
+                  <a:lnTo>
+                    <a:pt x="865469" y="209907"/>
+                  </a:lnTo>
+                  <a:lnTo>
+                    <a:pt x="865469" y="242648"/>
+                  </a:lnTo>
+                  <a:lnTo>
+                    <a:pt x="902026" y="242648"/>
+                  </a:lnTo>
+                  <a:lnTo>
+                    <a:pt x="902026" y="279557"/>
+                  </a:lnTo>
+                  <a:lnTo>
+                    <a:pt x="938114" y="279557"/>
+                  </a:lnTo>
+                  <a:lnTo>
+                    <a:pt x="938114" y="379569"/>
+                  </a:lnTo>
+                  <a:lnTo>
+                    <a:pt x="741363" y="379569"/>
+                  </a:lnTo>
+                  <a:lnTo>
+                    <a:pt x="741363" y="316467"/>
+                  </a:lnTo>
+                  <a:lnTo>
+                    <a:pt x="641349" y="316467"/>
+                  </a:lnTo>
+                  <a:lnTo>
+                    <a:pt x="641349" y="800791"/>
+                  </a:lnTo>
+                  <a:lnTo>
+                    <a:pt x="636571" y="800791"/>
+                  </a:lnTo>
+                  <a:lnTo>
+                    <a:pt x="636571" y="914394"/>
+                  </a:lnTo>
+                  <a:lnTo>
+                    <a:pt x="472281" y="914394"/>
+                  </a:lnTo>
+                  <a:close/>
+                </a:path>
+              </a:pathLst>
+            </a:custGeom>
+            <a:solidFill>
+              <a:schemeClr val="tx1">
+                <a:lumMod val="50000"/>
+                <a:lumOff val="50000"/>
+              </a:schemeClr>
+            </a:solidFill>
+            <a:ln>
+              <a:noFill/>
+            </a:ln>
+          </p:spPr>
+          <p:style>
+            <a:lnRef idx="2">
+              <a:schemeClr val="accent1">
+                <a:shade val="15000"/>
+              </a:schemeClr>
+            </a:lnRef>
+            <a:fillRef idx="1">
+              <a:schemeClr val="accent1"/>
+            </a:fillRef>
+            <a:effectRef idx="0">
+              <a:schemeClr val="accent1"/>
+            </a:effectRef>
+            <a:fontRef idx="minor">
+              <a:schemeClr val="lt1"/>
+            </a:fontRef>
+          </p:style>
+          <p:txBody>
+            <a:bodyPr wrap="square" rtlCol="0" anchor="ctr">
+              <a:noAutofit/>
+            </a:bodyPr>
+            <a:lstStyle/>
+            <a:p>
+              <a:pPr algn="ctr"/>
+              <a:endParaRPr lang="en-GB"/>
+            </a:p>
+          </p:txBody>
+        </p:sp>
+        <p:pic>
+          <p:nvPicPr>
+            <p:cNvPr id="9" name="Picture 8" descr="A black background with a black square&#10;&#10;AI-generated content may be incorrect.">
+              <a:extLst>
+                <a:ext uri="{FF2B5EF4-FFF2-40B4-BE49-F238E27FC236}">
+                  <a16:creationId xmlns:a16="http://schemas.microsoft.com/office/drawing/2014/main" id="{65970544-AB0D-C61C-81DE-48B04584B1EE}"/>
+                </a:ext>
+              </a:extLst>
+            </p:cNvPr>
+            <p:cNvPicPr>
+              <a:picLocks noChangeAspect="1"/>
+            </p:cNvPicPr>
+            <p:nvPr/>
+          </p:nvPicPr>
+          <p:blipFill>
+            <a:blip r:embed="rId4">
+              <a:extLst>
+                <a:ext uri="{28A0092B-C50C-407E-A947-70E740481C1C}">
+                  <a14:useLocalDpi xmlns:a14="http://schemas.microsoft.com/office/drawing/2010/main" val="0"/>
+                </a:ext>
+              </a:extLst>
+            </a:blip>
+            <a:stretch>
+              <a:fillRect/>
+            </a:stretch>
+          </p:blipFill>
+          <p:spPr>
+            <a:xfrm>
+              <a:off x="2089692" y="1685505"/>
+              <a:ext cx="1269841" cy="1269841"/>
+            </a:xfrm>
+            <a:prstGeom prst="rect">
+              <a:avLst/>
+            </a:prstGeom>
+          </p:spPr>
+        </p:pic>
+      </p:grpSp>
+      <p:grpSp>
+        <p:nvGrpSpPr>
+          <p:cNvPr id="10" name="Group 9">
+            <a:extLst>
+              <a:ext uri="{FF2B5EF4-FFF2-40B4-BE49-F238E27FC236}">
+                <a16:creationId xmlns:a16="http://schemas.microsoft.com/office/drawing/2014/main" id="{F8D99A20-C40D-E6CF-B150-8077BE45F228}"/>
+              </a:ext>
+            </a:extLst>
+          </p:cNvPr>
+          <p:cNvGrpSpPr/>
+          <p:nvPr/>
+        </p:nvGrpSpPr>
+        <p:grpSpPr>
+          <a:xfrm>
+            <a:off x="2089693" y="-57991"/>
+            <a:ext cx="1269840" cy="1269840"/>
+            <a:chOff x="6258250" y="808049"/>
+            <a:chExt cx="1269840" cy="1269840"/>
+          </a:xfrm>
+        </p:grpSpPr>
+        <p:sp>
+          <p:nvSpPr>
+            <p:cNvPr id="16" name="Freeform: Shape 15">
+              <a:extLst>
+                <a:ext uri="{FF2B5EF4-FFF2-40B4-BE49-F238E27FC236}">
+                  <a16:creationId xmlns:a16="http://schemas.microsoft.com/office/drawing/2014/main" id="{796486B7-92D7-9F25-AEA0-01F9B30A134B}"/>
+                </a:ext>
+              </a:extLst>
+            </p:cNvPr>
+            <p:cNvSpPr/>
+            <p:nvPr/>
+          </p:nvSpPr>
+          <p:spPr>
+            <a:xfrm rot="10800000">
+              <a:off x="6536621" y="1301154"/>
+              <a:ext cx="712816" cy="610912"/>
+            </a:xfrm>
+            <a:custGeom>
+              <a:avLst/>
+              <a:gdLst>
+                <a:gd name="connsiteX0" fmla="*/ 599034 w 712816"/>
+                <a:gd name="connsiteY0" fmla="*/ 610912 h 610912"/>
+                <a:gd name="connsiteX1" fmla="*/ 153225 w 712816"/>
+                <a:gd name="connsiteY1" fmla="*/ 610912 h 610912"/>
+                <a:gd name="connsiteX2" fmla="*/ 153225 w 712816"/>
+                <a:gd name="connsiteY2" fmla="*/ 572450 h 610912"/>
+                <a:gd name="connsiteX3" fmla="*/ 0 w 712816"/>
+                <a:gd name="connsiteY3" fmla="*/ 572450 h 610912"/>
+                <a:gd name="connsiteX4" fmla="*/ 0 w 712816"/>
+                <a:gd name="connsiteY4" fmla="*/ 81912 h 610912"/>
+                <a:gd name="connsiteX5" fmla="*/ 56894 w 712816"/>
+                <a:gd name="connsiteY5" fmla="*/ 81912 h 610912"/>
+                <a:gd name="connsiteX6" fmla="*/ 138806 w 712816"/>
+                <a:gd name="connsiteY6" fmla="*/ 0 h 610912"/>
+                <a:gd name="connsiteX7" fmla="*/ 543684 w 712816"/>
+                <a:gd name="connsiteY7" fmla="*/ 0 h 610912"/>
+                <a:gd name="connsiteX8" fmla="*/ 625596 w 712816"/>
+                <a:gd name="connsiteY8" fmla="*/ 81913 h 610912"/>
+                <a:gd name="connsiteX9" fmla="*/ 639226 w 712816"/>
+                <a:gd name="connsiteY9" fmla="*/ 81913 h 610912"/>
+                <a:gd name="connsiteX10" fmla="*/ 712816 w 712816"/>
+                <a:gd name="connsiteY10" fmla="*/ 155503 h 610912"/>
+                <a:gd name="connsiteX11" fmla="*/ 712816 w 712816"/>
+                <a:gd name="connsiteY11" fmla="*/ 303598 h 610912"/>
+                <a:gd name="connsiteX12" fmla="*/ 639226 w 712816"/>
+                <a:gd name="connsiteY12" fmla="*/ 377188 h 610912"/>
+                <a:gd name="connsiteX13" fmla="*/ 599034 w 712816"/>
+                <a:gd name="connsiteY13" fmla="*/ 377188 h 610912"/>
+                <a:gd name="connsiteX14" fmla="*/ 599034 w 712816"/>
+                <a:gd name="connsiteY14" fmla="*/ 543875 h 610912"/>
+                <a:gd name="connsiteX15" fmla="*/ 599034 w 712816"/>
+                <a:gd name="connsiteY15" fmla="*/ 572450 h 610912"/>
+              </a:gdLst>
+              <a:ahLst/>
+              <a:cxnLst>
+                <a:cxn ang="0">
+                  <a:pos x="connsiteX0" y="connsiteY0"/>
+                </a:cxn>
+                <a:cxn ang="0">
+                  <a:pos x="connsiteX1" y="connsiteY1"/>
+                </a:cxn>
+                <a:cxn ang="0">
+                  <a:pos x="connsiteX2" y="connsiteY2"/>
+                </a:cxn>
+                <a:cxn ang="0">
+                  <a:pos x="connsiteX3" y="connsiteY3"/>
+                </a:cxn>
+                <a:cxn ang="0">
+                  <a:pos x="connsiteX4" y="connsiteY4"/>
+                </a:cxn>
+                <a:cxn ang="0">
+                  <a:pos x="connsiteX5" y="connsiteY5"/>
+                </a:cxn>
+                <a:cxn ang="0">
+                  <a:pos x="connsiteX6" y="connsiteY6"/>
+                </a:cxn>
+                <a:cxn ang="0">
+                  <a:pos x="connsiteX7" y="connsiteY7"/>
+                </a:cxn>
+                <a:cxn ang="0">
+                  <a:pos x="connsiteX8" y="connsiteY8"/>
+                </a:cxn>
+                <a:cxn ang="0">
+                  <a:pos x="connsiteX9" y="connsiteY9"/>
+                </a:cxn>
+                <a:cxn ang="0">
+                  <a:pos x="connsiteX10" y="connsiteY10"/>
+                </a:cxn>
+                <a:cxn ang="0">
+                  <a:pos x="connsiteX11" y="connsiteY11"/>
+                </a:cxn>
+                <a:cxn ang="0">
+                  <a:pos x="connsiteX12" y="connsiteY12"/>
+                </a:cxn>
+                <a:cxn ang="0">
+                  <a:pos x="connsiteX13" y="connsiteY13"/>
+                </a:cxn>
+                <a:cxn ang="0">
+                  <a:pos x="connsiteX14" y="connsiteY14"/>
+                </a:cxn>
+                <a:cxn ang="0">
+                  <a:pos x="connsiteX15" y="connsiteY15"/>
+                </a:cxn>
+              </a:cxnLst>
+              <a:rect l="l" t="t" r="r" b="b"/>
+              <a:pathLst>
+                <a:path w="712816" h="610912">
+                  <a:moveTo>
+                    <a:pt x="599034" y="610912"/>
+                  </a:moveTo>
+                  <a:lnTo>
+                    <a:pt x="153225" y="610912"/>
+                  </a:lnTo>
+                  <a:lnTo>
+                    <a:pt x="153225" y="572450"/>
+                  </a:lnTo>
+                  <a:lnTo>
+                    <a:pt x="0" y="572450"/>
+                  </a:lnTo>
+                  <a:lnTo>
+                    <a:pt x="0" y="81912"/>
+                  </a:lnTo>
+                  <a:lnTo>
+                    <a:pt x="56894" y="81912"/>
+                  </a:lnTo>
+                  <a:lnTo>
+                    <a:pt x="138806" y="0"/>
+                  </a:lnTo>
+                  <a:lnTo>
+                    <a:pt x="543684" y="0"/>
+                  </a:lnTo>
+                  <a:lnTo>
+                    <a:pt x="625596" y="81913"/>
+                  </a:lnTo>
+                  <a:lnTo>
+                    <a:pt x="639226" y="81913"/>
+                  </a:lnTo>
+                  <a:lnTo>
+                    <a:pt x="712816" y="155503"/>
+                  </a:lnTo>
+                  <a:lnTo>
+                    <a:pt x="712816" y="303598"/>
+                  </a:lnTo>
+                  <a:lnTo>
+                    <a:pt x="639226" y="377188"/>
+                  </a:lnTo>
+                  <a:lnTo>
+                    <a:pt x="599034" y="377188"/>
+                  </a:lnTo>
+                  <a:lnTo>
+                    <a:pt x="599034" y="543875"/>
+                  </a:lnTo>
+                  <a:lnTo>
+                    <a:pt x="599034" y="572450"/>
+                  </a:lnTo>
+                  <a:close/>
+                </a:path>
+              </a:pathLst>
+            </a:custGeom>
+            <a:solidFill>
+              <a:schemeClr val="tx1">
+                <a:lumMod val="50000"/>
+                <a:lumOff val="50000"/>
+              </a:schemeClr>
+            </a:solidFill>
+            <a:ln>
+              <a:noFill/>
+            </a:ln>
+          </p:spPr>
+          <p:style>
+            <a:lnRef idx="2">
+              <a:schemeClr val="accent1">
+                <a:shade val="15000"/>
+              </a:schemeClr>
+            </a:lnRef>
+            <a:fillRef idx="1">
+              <a:schemeClr val="accent1"/>
+            </a:fillRef>
+            <a:effectRef idx="0">
+              <a:schemeClr val="accent1"/>
+            </a:effectRef>
+            <a:fontRef idx="minor">
+              <a:schemeClr val="lt1"/>
+            </a:fontRef>
+          </p:style>
+          <p:txBody>
+            <a:bodyPr wrap="square" rtlCol="0" anchor="ctr">
+              <a:noAutofit/>
+            </a:bodyPr>
+            <a:lstStyle/>
+            <a:p>
+              <a:pPr algn="ctr"/>
+              <a:endParaRPr lang="en-GB"/>
+            </a:p>
+          </p:txBody>
+        </p:sp>
+        <p:grpSp>
+          <p:nvGrpSpPr>
+            <p:cNvPr id="17" name="Group 16">
+              <a:extLst>
+                <a:ext uri="{FF2B5EF4-FFF2-40B4-BE49-F238E27FC236}">
+                  <a16:creationId xmlns:a16="http://schemas.microsoft.com/office/drawing/2014/main" id="{07520284-AC60-C384-E2FE-EAE7FE4E4858}"/>
+                </a:ext>
+              </a:extLst>
+            </p:cNvPr>
+            <p:cNvGrpSpPr/>
+            <p:nvPr/>
+          </p:nvGrpSpPr>
+          <p:grpSpPr>
+            <a:xfrm>
+              <a:off x="6258250" y="808049"/>
+              <a:ext cx="1269840" cy="1269840"/>
+              <a:chOff x="1841035" y="4423814"/>
+              <a:chExt cx="1269840" cy="1269840"/>
+            </a:xfrm>
+          </p:grpSpPr>
+          <p:sp>
+            <p:nvSpPr>
+              <p:cNvPr id="18" name="Rectangle 17">
+                <a:extLst>
+                  <a:ext uri="{FF2B5EF4-FFF2-40B4-BE49-F238E27FC236}">
+                    <a16:creationId xmlns:a16="http://schemas.microsoft.com/office/drawing/2014/main" id="{249FE62A-B275-A60C-4FEA-A7F5F39FE8B5}"/>
+                  </a:ext>
+                </a:extLst>
+              </p:cNvPr>
+              <p:cNvSpPr/>
+              <p:nvPr/>
+            </p:nvSpPr>
+            <p:spPr>
+              <a:xfrm>
+                <a:off x="1841035" y="4423814"/>
+                <a:ext cx="1269840" cy="1269840"/>
+              </a:xfrm>
+              <a:prstGeom prst="rect">
+                <a:avLst/>
+              </a:prstGeom>
+              <a:solidFill>
+                <a:srgbClr val="4472C4">
+                  <a:alpha val="0"/>
+                </a:srgbClr>
+              </a:solidFill>
+              <a:ln>
+                <a:noFill/>
+              </a:ln>
+            </p:spPr>
+            <p:style>
+              <a:lnRef idx="2">
+                <a:schemeClr val="accent1">
+                  <a:shade val="15000"/>
+                </a:schemeClr>
+              </a:lnRef>
+              <a:fillRef idx="1">
+                <a:schemeClr val="accent1"/>
+              </a:fillRef>
+              <a:effectRef idx="0">
+                <a:schemeClr val="accent1"/>
+              </a:effectRef>
+              <a:fontRef idx="minor">
+                <a:schemeClr val="lt1"/>
+              </a:fontRef>
+            </p:style>
+            <p:txBody>
+              <a:bodyPr rtlCol="0" anchor="ctr"/>
+              <a:lstStyle/>
+              <a:p>
+                <a:pPr algn="ctr"/>
+                <a:endParaRPr lang="en-GB" dirty="0"/>
+              </a:p>
+            </p:txBody>
+          </p:sp>
+          <p:pic>
+            <p:nvPicPr>
+              <p:cNvPr id="19" name="Picture 18" descr="A black background with a black square&#10;&#10;AI-generated content may be incorrect.">
+                <a:extLst>
+                  <a:ext uri="{FF2B5EF4-FFF2-40B4-BE49-F238E27FC236}">
+                    <a16:creationId xmlns:a16="http://schemas.microsoft.com/office/drawing/2014/main" id="{9DA13E59-F500-B8E7-9BBC-9424416F2F9E}"/>
+                  </a:ext>
+                </a:extLst>
+              </p:cNvPr>
+              <p:cNvPicPr>
+                <a:picLocks noChangeAspect="1"/>
+              </p:cNvPicPr>
+              <p:nvPr/>
+            </p:nvPicPr>
+            <p:blipFill>
+              <a:blip r:embed="rId5">
+                <a:extLst>
+                  <a:ext uri="{28A0092B-C50C-407E-A947-70E740481C1C}">
+                    <a14:useLocalDpi xmlns:a14="http://schemas.microsoft.com/office/drawing/2010/main" val="0"/>
+                  </a:ext>
+                </a:extLst>
+              </a:blip>
+              <a:srcRect t="-1" b="1605"/>
+              <a:stretch/>
+            </p:blipFill>
+            <p:spPr>
+              <a:xfrm>
+                <a:off x="1882763" y="4672011"/>
+                <a:ext cx="1186384" cy="1021643"/>
+              </a:xfrm>
+              <a:prstGeom prst="rect">
+                <a:avLst/>
+              </a:prstGeom>
+            </p:spPr>
+          </p:pic>
+        </p:grpSp>
+      </p:grpSp>
+      <p:grpSp>
+        <p:nvGrpSpPr>
+          <p:cNvPr id="4" name="Group 3">
+            <a:extLst>
+              <a:ext uri="{FF2B5EF4-FFF2-40B4-BE49-F238E27FC236}">
+                <a16:creationId xmlns:a16="http://schemas.microsoft.com/office/drawing/2014/main" id="{7C330340-48E3-F8D7-244F-78F8FFB0F59F}"/>
+              </a:ext>
+            </a:extLst>
+          </p:cNvPr>
+          <p:cNvGrpSpPr/>
+          <p:nvPr/>
+        </p:nvGrpSpPr>
+        <p:grpSpPr>
+          <a:xfrm>
+            <a:off x="776861" y="1685504"/>
+            <a:ext cx="1269841" cy="1269841"/>
+            <a:chOff x="527479" y="4423813"/>
+            <a:chExt cx="1269841" cy="1269841"/>
+          </a:xfrm>
+        </p:grpSpPr>
+        <p:sp>
+          <p:nvSpPr>
+            <p:cNvPr id="5" name="Freeform: Shape 4">
+              <a:extLst>
+                <a:ext uri="{FF2B5EF4-FFF2-40B4-BE49-F238E27FC236}">
+                  <a16:creationId xmlns:a16="http://schemas.microsoft.com/office/drawing/2014/main" id="{99C608FE-2CE8-0A33-92A5-DC2172EEBE8D}"/>
+                </a:ext>
+              </a:extLst>
+            </p:cNvPr>
+            <p:cNvSpPr/>
+            <p:nvPr/>
+          </p:nvSpPr>
+          <p:spPr>
+            <a:xfrm rot="10800000">
+              <a:off x="671642" y="4577211"/>
+              <a:ext cx="938114" cy="950620"/>
+            </a:xfrm>
+            <a:custGeom>
+              <a:avLst/>
+              <a:gdLst>
+                <a:gd name="connsiteX0" fmla="*/ 472281 w 938114"/>
+                <a:gd name="connsiteY0" fmla="*/ 950620 h 950620"/>
+                <a:gd name="connsiteX1" fmla="*/ 318955 w 938114"/>
+                <a:gd name="connsiteY1" fmla="*/ 950620 h 950620"/>
+                <a:gd name="connsiteX2" fmla="*/ 318955 w 938114"/>
+                <a:gd name="connsiteY2" fmla="*/ 914394 h 950620"/>
+                <a:gd name="connsiteX3" fmla="*/ 167481 w 938114"/>
+                <a:gd name="connsiteY3" fmla="*/ 914394 h 950620"/>
+                <a:gd name="connsiteX4" fmla="*/ 167481 w 938114"/>
+                <a:gd name="connsiteY4" fmla="*/ 800791 h 950620"/>
+                <a:gd name="connsiteX5" fmla="*/ 0 w 938114"/>
+                <a:gd name="connsiteY5" fmla="*/ 800791 h 950620"/>
+                <a:gd name="connsiteX6" fmla="*/ 0 w 938114"/>
+                <a:gd name="connsiteY6" fmla="*/ 179544 h 950620"/>
+                <a:gd name="connsiteX7" fmla="*/ 21430 w 938114"/>
+                <a:gd name="connsiteY7" fmla="*/ 179544 h 950620"/>
+                <a:gd name="connsiteX8" fmla="*/ 21430 w 938114"/>
+                <a:gd name="connsiteY8" fmla="*/ 104957 h 950620"/>
+                <a:gd name="connsiteX9" fmla="*/ 126387 w 938114"/>
+                <a:gd name="connsiteY9" fmla="*/ 0 h 950620"/>
+                <a:gd name="connsiteX10" fmla="*/ 657836 w 938114"/>
+                <a:gd name="connsiteY10" fmla="*/ 0 h 950620"/>
+                <a:gd name="connsiteX11" fmla="*/ 762792 w 938114"/>
+                <a:gd name="connsiteY11" fmla="*/ 104957 h 950620"/>
+                <a:gd name="connsiteX12" fmla="*/ 762792 w 938114"/>
+                <a:gd name="connsiteY12" fmla="*/ 179546 h 950620"/>
+                <a:gd name="connsiteX13" fmla="*/ 828913 w 938114"/>
+                <a:gd name="connsiteY13" fmla="*/ 179546 h 950620"/>
+                <a:gd name="connsiteX14" fmla="*/ 828913 w 938114"/>
+                <a:gd name="connsiteY14" fmla="*/ 209907 h 950620"/>
+                <a:gd name="connsiteX15" fmla="*/ 865469 w 938114"/>
+                <a:gd name="connsiteY15" fmla="*/ 209907 h 950620"/>
+                <a:gd name="connsiteX16" fmla="*/ 865469 w 938114"/>
+                <a:gd name="connsiteY16" fmla="*/ 242648 h 950620"/>
+                <a:gd name="connsiteX17" fmla="*/ 902026 w 938114"/>
+                <a:gd name="connsiteY17" fmla="*/ 242648 h 950620"/>
+                <a:gd name="connsiteX18" fmla="*/ 902026 w 938114"/>
+                <a:gd name="connsiteY18" fmla="*/ 279557 h 950620"/>
+                <a:gd name="connsiteX19" fmla="*/ 938114 w 938114"/>
+                <a:gd name="connsiteY19" fmla="*/ 279557 h 950620"/>
+                <a:gd name="connsiteX20" fmla="*/ 938114 w 938114"/>
+                <a:gd name="connsiteY20" fmla="*/ 379569 h 950620"/>
+                <a:gd name="connsiteX21" fmla="*/ 741363 w 938114"/>
+                <a:gd name="connsiteY21" fmla="*/ 379569 h 950620"/>
+                <a:gd name="connsiteX22" fmla="*/ 741363 w 938114"/>
+                <a:gd name="connsiteY22" fmla="*/ 316467 h 950620"/>
+                <a:gd name="connsiteX23" fmla="*/ 641349 w 938114"/>
+                <a:gd name="connsiteY23" fmla="*/ 316467 h 950620"/>
+                <a:gd name="connsiteX24" fmla="*/ 641349 w 938114"/>
+                <a:gd name="connsiteY24" fmla="*/ 800791 h 950620"/>
+                <a:gd name="connsiteX25" fmla="*/ 636571 w 938114"/>
+                <a:gd name="connsiteY25" fmla="*/ 800791 h 950620"/>
+                <a:gd name="connsiteX26" fmla="*/ 636571 w 938114"/>
+                <a:gd name="connsiteY26" fmla="*/ 914394 h 950620"/>
+                <a:gd name="connsiteX27" fmla="*/ 472281 w 938114"/>
+                <a:gd name="connsiteY27" fmla="*/ 914394 h 950620"/>
+              </a:gdLst>
+              <a:ahLst/>
+              <a:cxnLst>
+                <a:cxn ang="0">
+                  <a:pos x="connsiteX0" y="connsiteY0"/>
+                </a:cxn>
+                <a:cxn ang="0">
+                  <a:pos x="connsiteX1" y="connsiteY1"/>
+                </a:cxn>
+                <a:cxn ang="0">
+                  <a:pos x="connsiteX2" y="connsiteY2"/>
+                </a:cxn>
+                <a:cxn ang="0">
+                  <a:pos x="connsiteX3" y="connsiteY3"/>
+                </a:cxn>
+                <a:cxn ang="0">
+                  <a:pos x="connsiteX4" y="connsiteY4"/>
+                </a:cxn>
+                <a:cxn ang="0">
+                  <a:pos x="connsiteX5" y="connsiteY5"/>
+                </a:cxn>
+                <a:cxn ang="0">
+                  <a:pos x="connsiteX6" y="connsiteY6"/>
+                </a:cxn>
+                <a:cxn ang="0">
+                  <a:pos x="connsiteX7" y="connsiteY7"/>
+                </a:cxn>
+                <a:cxn ang="0">
+                  <a:pos x="connsiteX8" y="connsiteY8"/>
+                </a:cxn>
+                <a:cxn ang="0">
+                  <a:pos x="connsiteX9" y="connsiteY9"/>
+                </a:cxn>
+                <a:cxn ang="0">
+                  <a:pos x="connsiteX10" y="connsiteY10"/>
+                </a:cxn>
+                <a:cxn ang="0">
+                  <a:pos x="connsiteX11" y="connsiteY11"/>
+                </a:cxn>
+                <a:cxn ang="0">
+                  <a:pos x="connsiteX12" y="connsiteY12"/>
+                </a:cxn>
+                <a:cxn ang="0">
+                  <a:pos x="connsiteX13" y="connsiteY13"/>
+                </a:cxn>
+                <a:cxn ang="0">
+                  <a:pos x="connsiteX14" y="connsiteY14"/>
+                </a:cxn>
+                <a:cxn ang="0">
+                  <a:pos x="connsiteX15" y="connsiteY15"/>
+                </a:cxn>
+                <a:cxn ang="0">
+                  <a:pos x="connsiteX16" y="connsiteY16"/>
+                </a:cxn>
+                <a:cxn ang="0">
+                  <a:pos x="connsiteX17" y="connsiteY17"/>
+                </a:cxn>
+                <a:cxn ang="0">
+                  <a:pos x="connsiteX18" y="connsiteY18"/>
+                </a:cxn>
+                <a:cxn ang="0">
+                  <a:pos x="connsiteX19" y="connsiteY19"/>
+                </a:cxn>
+                <a:cxn ang="0">
+                  <a:pos x="connsiteX20" y="connsiteY20"/>
+                </a:cxn>
+                <a:cxn ang="0">
+                  <a:pos x="connsiteX21" y="connsiteY21"/>
+                </a:cxn>
+                <a:cxn ang="0">
+                  <a:pos x="connsiteX22" y="connsiteY22"/>
+                </a:cxn>
+                <a:cxn ang="0">
+                  <a:pos x="connsiteX23" y="connsiteY23"/>
+                </a:cxn>
+                <a:cxn ang="0">
+                  <a:pos x="connsiteX24" y="connsiteY24"/>
+                </a:cxn>
+                <a:cxn ang="0">
+                  <a:pos x="connsiteX25" y="connsiteY25"/>
+                </a:cxn>
+                <a:cxn ang="0">
+                  <a:pos x="connsiteX26" y="connsiteY26"/>
+                </a:cxn>
+                <a:cxn ang="0">
+                  <a:pos x="connsiteX27" y="connsiteY27"/>
+                </a:cxn>
+              </a:cxnLst>
+              <a:rect l="l" t="t" r="r" b="b"/>
+              <a:pathLst>
+                <a:path w="938114" h="950620">
+                  <a:moveTo>
+                    <a:pt x="472281" y="950620"/>
+                  </a:moveTo>
+                  <a:lnTo>
+                    <a:pt x="318955" y="950620"/>
+                  </a:lnTo>
+                  <a:lnTo>
+                    <a:pt x="318955" y="914394"/>
+                  </a:lnTo>
+                  <a:lnTo>
+                    <a:pt x="167481" y="914394"/>
+                  </a:lnTo>
+                  <a:lnTo>
+                    <a:pt x="167481" y="800791"/>
+                  </a:lnTo>
+                  <a:lnTo>
+                    <a:pt x="0" y="800791"/>
+                  </a:lnTo>
+                  <a:lnTo>
+                    <a:pt x="0" y="179544"/>
+                  </a:lnTo>
+                  <a:lnTo>
+                    <a:pt x="21430" y="179544"/>
+                  </a:lnTo>
+                  <a:lnTo>
+                    <a:pt x="21430" y="104957"/>
+                  </a:lnTo>
+                  <a:lnTo>
+                    <a:pt x="126387" y="0"/>
+                  </a:lnTo>
+                  <a:lnTo>
+                    <a:pt x="657836" y="0"/>
+                  </a:lnTo>
+                  <a:lnTo>
+                    <a:pt x="762792" y="104957"/>
+                  </a:lnTo>
+                  <a:lnTo>
+                    <a:pt x="762792" y="179546"/>
+                  </a:lnTo>
+                  <a:lnTo>
+                    <a:pt x="828913" y="179546"/>
+                  </a:lnTo>
+                  <a:lnTo>
+                    <a:pt x="828913" y="209907"/>
+                  </a:lnTo>
+                  <a:lnTo>
+                    <a:pt x="865469" y="209907"/>
+                  </a:lnTo>
+                  <a:lnTo>
+                    <a:pt x="865469" y="242648"/>
+                  </a:lnTo>
+                  <a:lnTo>
+                    <a:pt x="902026" y="242648"/>
+                  </a:lnTo>
+                  <a:lnTo>
+                    <a:pt x="902026" y="279557"/>
+                  </a:lnTo>
+                  <a:lnTo>
+                    <a:pt x="938114" y="279557"/>
+                  </a:lnTo>
+                  <a:lnTo>
+                    <a:pt x="938114" y="379569"/>
+                  </a:lnTo>
+                  <a:lnTo>
+                    <a:pt x="741363" y="379569"/>
+                  </a:lnTo>
+                  <a:lnTo>
+                    <a:pt x="741363" y="316467"/>
+                  </a:lnTo>
+                  <a:lnTo>
+                    <a:pt x="641349" y="316467"/>
+                  </a:lnTo>
+                  <a:lnTo>
+                    <a:pt x="641349" y="800791"/>
+                  </a:lnTo>
+                  <a:lnTo>
+                    <a:pt x="636571" y="800791"/>
+                  </a:lnTo>
+                  <a:lnTo>
+                    <a:pt x="636571" y="914394"/>
+                  </a:lnTo>
+                  <a:lnTo>
+                    <a:pt x="472281" y="914394"/>
+                  </a:lnTo>
+                  <a:close/>
+                </a:path>
+              </a:pathLst>
+            </a:custGeom>
+            <a:solidFill>
+              <a:schemeClr val="bg1"/>
+            </a:solidFill>
+            <a:ln>
+              <a:noFill/>
+            </a:ln>
+          </p:spPr>
+          <p:style>
+            <a:lnRef idx="2">
+              <a:schemeClr val="accent1">
+                <a:shade val="15000"/>
+              </a:schemeClr>
+            </a:lnRef>
+            <a:fillRef idx="1">
+              <a:schemeClr val="accent1"/>
+            </a:fillRef>
+            <a:effectRef idx="0">
+              <a:schemeClr val="accent1"/>
+            </a:effectRef>
+            <a:fontRef idx="minor">
+              <a:schemeClr val="lt1"/>
+            </a:fontRef>
+          </p:style>
+          <p:txBody>
+            <a:bodyPr wrap="square" rtlCol="0" anchor="ctr">
+              <a:noAutofit/>
+            </a:bodyPr>
+            <a:lstStyle/>
+            <a:p>
+              <a:pPr algn="ctr"/>
+              <a:endParaRPr lang="en-GB"/>
+            </a:p>
+          </p:txBody>
+        </p:sp>
+        <p:pic>
+          <p:nvPicPr>
+            <p:cNvPr id="6" name="Picture 5" descr="A black background with a black square&#10;&#10;AI-generated content may be incorrect.">
+              <a:extLst>
+                <a:ext uri="{FF2B5EF4-FFF2-40B4-BE49-F238E27FC236}">
+                  <a16:creationId xmlns:a16="http://schemas.microsoft.com/office/drawing/2014/main" id="{33E4B12A-369A-CA98-5623-E34593CCD336}"/>
+                </a:ext>
+              </a:extLst>
+            </p:cNvPr>
+            <p:cNvPicPr>
+              <a:picLocks noChangeAspect="1"/>
+            </p:cNvPicPr>
+            <p:nvPr/>
+          </p:nvPicPr>
+          <p:blipFill>
+            <a:blip r:embed="rId4">
+              <a:extLst>
+                <a:ext uri="{28A0092B-C50C-407E-A947-70E740481C1C}">
+                  <a14:useLocalDpi xmlns:a14="http://schemas.microsoft.com/office/drawing/2010/main" val="0"/>
+                </a:ext>
+              </a:extLst>
+            </a:blip>
+            <a:stretch>
+              <a:fillRect/>
+            </a:stretch>
+          </p:blipFill>
+          <p:spPr>
+            <a:xfrm>
+              <a:off x="527479" y="4423813"/>
+              <a:ext cx="1269841" cy="1269841"/>
+            </a:xfrm>
+            <a:prstGeom prst="rect">
+              <a:avLst/>
+            </a:prstGeom>
+          </p:spPr>
+        </p:pic>
+      </p:grpSp>
+      <p:grpSp>
+        <p:nvGrpSpPr>
+          <p:cNvPr id="24" name="Group 23">
+            <a:extLst>
+              <a:ext uri="{FF2B5EF4-FFF2-40B4-BE49-F238E27FC236}">
+                <a16:creationId xmlns:a16="http://schemas.microsoft.com/office/drawing/2014/main" id="{ADC8901B-43B1-03CB-EAB5-93B21677A359}"/>
+              </a:ext>
+            </a:extLst>
+          </p:cNvPr>
+          <p:cNvGrpSpPr/>
+          <p:nvPr/>
+        </p:nvGrpSpPr>
+        <p:grpSpPr>
+          <a:xfrm>
+            <a:off x="776862" y="-57991"/>
+            <a:ext cx="1269840" cy="1269840"/>
+            <a:chOff x="3110151" y="4423814"/>
+            <a:chExt cx="1269840" cy="1269840"/>
+          </a:xfrm>
+        </p:grpSpPr>
+        <p:sp>
+          <p:nvSpPr>
+            <p:cNvPr id="11" name="Freeform: Shape 10">
+              <a:extLst>
+                <a:ext uri="{FF2B5EF4-FFF2-40B4-BE49-F238E27FC236}">
+                  <a16:creationId xmlns:a16="http://schemas.microsoft.com/office/drawing/2014/main" id="{01DA2821-1570-DA7D-B253-B3871A275D6A}"/>
+                </a:ext>
+              </a:extLst>
+            </p:cNvPr>
+            <p:cNvSpPr/>
+            <p:nvPr/>
+          </p:nvSpPr>
+          <p:spPr>
+            <a:xfrm rot="10800000">
+              <a:off x="3388522" y="4916919"/>
+              <a:ext cx="712816" cy="610912"/>
+            </a:xfrm>
+            <a:custGeom>
+              <a:avLst/>
+              <a:gdLst>
+                <a:gd name="connsiteX0" fmla="*/ 599034 w 712816"/>
+                <a:gd name="connsiteY0" fmla="*/ 610912 h 610912"/>
+                <a:gd name="connsiteX1" fmla="*/ 153225 w 712816"/>
+                <a:gd name="connsiteY1" fmla="*/ 610912 h 610912"/>
+                <a:gd name="connsiteX2" fmla="*/ 153225 w 712816"/>
+                <a:gd name="connsiteY2" fmla="*/ 572450 h 610912"/>
+                <a:gd name="connsiteX3" fmla="*/ 0 w 712816"/>
+                <a:gd name="connsiteY3" fmla="*/ 572450 h 610912"/>
+                <a:gd name="connsiteX4" fmla="*/ 0 w 712816"/>
+                <a:gd name="connsiteY4" fmla="*/ 81912 h 610912"/>
+                <a:gd name="connsiteX5" fmla="*/ 56894 w 712816"/>
+                <a:gd name="connsiteY5" fmla="*/ 81912 h 610912"/>
+                <a:gd name="connsiteX6" fmla="*/ 138806 w 712816"/>
+                <a:gd name="connsiteY6" fmla="*/ 0 h 610912"/>
+                <a:gd name="connsiteX7" fmla="*/ 543684 w 712816"/>
+                <a:gd name="connsiteY7" fmla="*/ 0 h 610912"/>
+                <a:gd name="connsiteX8" fmla="*/ 625596 w 712816"/>
+                <a:gd name="connsiteY8" fmla="*/ 81913 h 610912"/>
+                <a:gd name="connsiteX9" fmla="*/ 639226 w 712816"/>
+                <a:gd name="connsiteY9" fmla="*/ 81913 h 610912"/>
+                <a:gd name="connsiteX10" fmla="*/ 712816 w 712816"/>
+                <a:gd name="connsiteY10" fmla="*/ 155503 h 610912"/>
+                <a:gd name="connsiteX11" fmla="*/ 712816 w 712816"/>
+                <a:gd name="connsiteY11" fmla="*/ 303598 h 610912"/>
+                <a:gd name="connsiteX12" fmla="*/ 639226 w 712816"/>
+                <a:gd name="connsiteY12" fmla="*/ 377188 h 610912"/>
+                <a:gd name="connsiteX13" fmla="*/ 599034 w 712816"/>
+                <a:gd name="connsiteY13" fmla="*/ 377188 h 610912"/>
+                <a:gd name="connsiteX14" fmla="*/ 599034 w 712816"/>
+                <a:gd name="connsiteY14" fmla="*/ 543875 h 610912"/>
+                <a:gd name="connsiteX15" fmla="*/ 599034 w 712816"/>
+                <a:gd name="connsiteY15" fmla="*/ 572450 h 610912"/>
+              </a:gdLst>
+              <a:ahLst/>
+              <a:cxnLst>
+                <a:cxn ang="0">
+                  <a:pos x="connsiteX0" y="connsiteY0"/>
+                </a:cxn>
+                <a:cxn ang="0">
+                  <a:pos x="connsiteX1" y="connsiteY1"/>
+                </a:cxn>
+                <a:cxn ang="0">
+                  <a:pos x="connsiteX2" y="connsiteY2"/>
+                </a:cxn>
+                <a:cxn ang="0">
+                  <a:pos x="connsiteX3" y="connsiteY3"/>
+                </a:cxn>
+                <a:cxn ang="0">
+                  <a:pos x="connsiteX4" y="connsiteY4"/>
+                </a:cxn>
+                <a:cxn ang="0">
+                  <a:pos x="connsiteX5" y="connsiteY5"/>
+                </a:cxn>
+                <a:cxn ang="0">
+                  <a:pos x="connsiteX6" y="connsiteY6"/>
+                </a:cxn>
+                <a:cxn ang="0">
+                  <a:pos x="connsiteX7" y="connsiteY7"/>
+                </a:cxn>
+                <a:cxn ang="0">
+                  <a:pos x="connsiteX8" y="connsiteY8"/>
+                </a:cxn>
+                <a:cxn ang="0">
+                  <a:pos x="connsiteX9" y="connsiteY9"/>
+                </a:cxn>
+                <a:cxn ang="0">
+                  <a:pos x="connsiteX10" y="connsiteY10"/>
+                </a:cxn>
+                <a:cxn ang="0">
+                  <a:pos x="connsiteX11" y="connsiteY11"/>
+                </a:cxn>
+                <a:cxn ang="0">
+                  <a:pos x="connsiteX12" y="connsiteY12"/>
+                </a:cxn>
+                <a:cxn ang="0">
+                  <a:pos x="connsiteX13" y="connsiteY13"/>
+                </a:cxn>
+                <a:cxn ang="0">
+                  <a:pos x="connsiteX14" y="connsiteY14"/>
+                </a:cxn>
+                <a:cxn ang="0">
+                  <a:pos x="connsiteX15" y="connsiteY15"/>
+                </a:cxn>
+              </a:cxnLst>
+              <a:rect l="l" t="t" r="r" b="b"/>
+              <a:pathLst>
+                <a:path w="712816" h="610912">
+                  <a:moveTo>
+                    <a:pt x="599034" y="610912"/>
+                  </a:moveTo>
+                  <a:lnTo>
+                    <a:pt x="153225" y="610912"/>
+                  </a:lnTo>
+                  <a:lnTo>
+                    <a:pt x="153225" y="572450"/>
+                  </a:lnTo>
+                  <a:lnTo>
+                    <a:pt x="0" y="572450"/>
+                  </a:lnTo>
+                  <a:lnTo>
+                    <a:pt x="0" y="81912"/>
+                  </a:lnTo>
+                  <a:lnTo>
+                    <a:pt x="56894" y="81912"/>
+                  </a:lnTo>
+                  <a:lnTo>
+                    <a:pt x="138806" y="0"/>
+                  </a:lnTo>
+                  <a:lnTo>
+                    <a:pt x="543684" y="0"/>
+                  </a:lnTo>
+                  <a:lnTo>
+                    <a:pt x="625596" y="81913"/>
+                  </a:lnTo>
+                  <a:lnTo>
+                    <a:pt x="639226" y="81913"/>
+                  </a:lnTo>
+                  <a:lnTo>
+                    <a:pt x="712816" y="155503"/>
+                  </a:lnTo>
+                  <a:lnTo>
+                    <a:pt x="712816" y="303598"/>
+                  </a:lnTo>
+                  <a:lnTo>
+                    <a:pt x="639226" y="377188"/>
+                  </a:lnTo>
+                  <a:lnTo>
+                    <a:pt x="599034" y="377188"/>
+                  </a:lnTo>
+                  <a:lnTo>
+                    <a:pt x="599034" y="543875"/>
+                  </a:lnTo>
+                  <a:lnTo>
+                    <a:pt x="599034" y="572450"/>
+                  </a:lnTo>
+                  <a:close/>
+                </a:path>
+              </a:pathLst>
+            </a:custGeom>
+            <a:solidFill>
+              <a:schemeClr val="bg1"/>
+            </a:solidFill>
+            <a:ln>
+              <a:noFill/>
+            </a:ln>
+          </p:spPr>
+          <p:style>
+            <a:lnRef idx="2">
+              <a:schemeClr val="accent1">
+                <a:shade val="15000"/>
+              </a:schemeClr>
+            </a:lnRef>
+            <a:fillRef idx="1">
+              <a:schemeClr val="accent1"/>
+            </a:fillRef>
+            <a:effectRef idx="0">
+              <a:schemeClr val="accent1"/>
+            </a:effectRef>
+            <a:fontRef idx="minor">
+              <a:schemeClr val="lt1"/>
+            </a:fontRef>
+          </p:style>
+          <p:txBody>
+            <a:bodyPr wrap="square" rtlCol="0" anchor="ctr">
+              <a:noAutofit/>
+            </a:bodyPr>
+            <a:lstStyle/>
+            <a:p>
+              <a:pPr algn="ctr"/>
+              <a:endParaRPr lang="en-GB"/>
+            </a:p>
+          </p:txBody>
+        </p:sp>
+        <p:grpSp>
+          <p:nvGrpSpPr>
+            <p:cNvPr id="12" name="Group 11">
+              <a:extLst>
+                <a:ext uri="{FF2B5EF4-FFF2-40B4-BE49-F238E27FC236}">
+                  <a16:creationId xmlns:a16="http://schemas.microsoft.com/office/drawing/2014/main" id="{BFE1CFB1-33CE-A30B-2933-B49305C892DB}"/>
+                </a:ext>
+              </a:extLst>
+            </p:cNvPr>
+            <p:cNvGrpSpPr/>
+            <p:nvPr/>
+          </p:nvGrpSpPr>
+          <p:grpSpPr>
+            <a:xfrm>
+              <a:off x="3110151" y="4423814"/>
+              <a:ext cx="1269840" cy="1269840"/>
+              <a:chOff x="1841035" y="4423814"/>
+              <a:chExt cx="1269840" cy="1269840"/>
+            </a:xfrm>
+          </p:grpSpPr>
+          <p:sp>
+            <p:nvSpPr>
+              <p:cNvPr id="13" name="Rectangle 12">
+                <a:extLst>
+                  <a:ext uri="{FF2B5EF4-FFF2-40B4-BE49-F238E27FC236}">
+                    <a16:creationId xmlns:a16="http://schemas.microsoft.com/office/drawing/2014/main" id="{782E3C27-9005-682F-95FE-095869341C3F}"/>
+                  </a:ext>
+                </a:extLst>
+              </p:cNvPr>
+              <p:cNvSpPr/>
+              <p:nvPr/>
+            </p:nvSpPr>
+            <p:spPr>
+              <a:xfrm>
+                <a:off x="1841035" y="4423814"/>
+                <a:ext cx="1269840" cy="1269840"/>
+              </a:xfrm>
+              <a:prstGeom prst="rect">
+                <a:avLst/>
+              </a:prstGeom>
+              <a:solidFill>
+                <a:srgbClr val="4472C4">
+                  <a:alpha val="0"/>
+                </a:srgbClr>
+              </a:solidFill>
+              <a:ln>
+                <a:noFill/>
+              </a:ln>
+            </p:spPr>
+            <p:style>
+              <a:lnRef idx="2">
+                <a:schemeClr val="accent1">
+                  <a:shade val="15000"/>
+                </a:schemeClr>
+              </a:lnRef>
+              <a:fillRef idx="1">
+                <a:schemeClr val="accent1"/>
+              </a:fillRef>
+              <a:effectRef idx="0">
+                <a:schemeClr val="accent1"/>
+              </a:effectRef>
+              <a:fontRef idx="minor">
+                <a:schemeClr val="lt1"/>
+              </a:fontRef>
+            </p:style>
+            <p:txBody>
+              <a:bodyPr rtlCol="0" anchor="ctr"/>
+              <a:lstStyle/>
+              <a:p>
+                <a:pPr algn="ctr"/>
+                <a:endParaRPr lang="en-GB"/>
+              </a:p>
+            </p:txBody>
+          </p:sp>
+          <p:pic>
+            <p:nvPicPr>
+              <p:cNvPr id="14" name="Picture 13" descr="A black background with a black square&#10;&#10;AI-generated content may be incorrect.">
+                <a:extLst>
+                  <a:ext uri="{FF2B5EF4-FFF2-40B4-BE49-F238E27FC236}">
+                    <a16:creationId xmlns:a16="http://schemas.microsoft.com/office/drawing/2014/main" id="{3BFB24EC-1DE5-1EAE-6090-E87167CBB45A}"/>
+                  </a:ext>
+                </a:extLst>
+              </p:cNvPr>
+              <p:cNvPicPr>
+                <a:picLocks noChangeAspect="1"/>
+              </p:cNvPicPr>
+              <p:nvPr/>
+            </p:nvPicPr>
+            <p:blipFill>
+              <a:blip r:embed="rId5">
+                <a:extLst>
+                  <a:ext uri="{28A0092B-C50C-407E-A947-70E740481C1C}">
+                    <a14:useLocalDpi xmlns:a14="http://schemas.microsoft.com/office/drawing/2010/main" val="0"/>
+                  </a:ext>
+                </a:extLst>
+              </a:blip>
+              <a:srcRect t="-1" b="1605"/>
+              <a:stretch/>
+            </p:blipFill>
+            <p:spPr>
+              <a:xfrm>
+                <a:off x="1882763" y="4672011"/>
+                <a:ext cx="1186384" cy="1021643"/>
+              </a:xfrm>
+              <a:prstGeom prst="rect">
+                <a:avLst/>
+              </a:prstGeom>
+            </p:spPr>
+          </p:pic>
+        </p:grpSp>
+      </p:grpSp>
+      <p:pic>
+        <p:nvPicPr>
+          <p:cNvPr id="20" name="Picture 19" descr="A black background with a black square&#10;&#10;AI-generated content may be incorrect.">
+            <a:extLst>
+              <a:ext uri="{FF2B5EF4-FFF2-40B4-BE49-F238E27FC236}">
+                <a16:creationId xmlns:a16="http://schemas.microsoft.com/office/drawing/2014/main" id="{F0174C09-2CB7-E4E3-2D8F-D923D8AE6D17}"/>
+              </a:ext>
+            </a:extLst>
+          </p:cNvPr>
+          <p:cNvPicPr>
+            <a:picLocks noChangeAspect="1"/>
+          </p:cNvPicPr>
+          <p:nvPr/>
+        </p:nvPicPr>
+        <p:blipFill>
+          <a:blip r:embed="rId4">
+            <a:extLst>
+              <a:ext uri="{28A0092B-C50C-407E-A947-70E740481C1C}">
+                <a14:useLocalDpi xmlns:a14="http://schemas.microsoft.com/office/drawing/2010/main" val="0"/>
+              </a:ext>
+            </a:extLst>
+          </a:blip>
+          <a:stretch>
+            <a:fillRect/>
+          </a:stretch>
+        </p:blipFill>
+        <p:spPr>
+          <a:xfrm>
+            <a:off x="9250650" y="415663"/>
+            <a:ext cx="1269841" cy="1269841"/>
+          </a:xfrm>
+          <a:prstGeom prst="rect">
+            <a:avLst/>
+          </a:prstGeom>
+        </p:spPr>
+      </p:pic>
+      <p:grpSp>
+        <p:nvGrpSpPr>
+          <p:cNvPr id="21" name="Group 20">
+            <a:extLst>
+              <a:ext uri="{FF2B5EF4-FFF2-40B4-BE49-F238E27FC236}">
+                <a16:creationId xmlns:a16="http://schemas.microsoft.com/office/drawing/2014/main" id="{28F69553-EDAC-7AE6-2E74-A9947ACEEBB3}"/>
+              </a:ext>
+            </a:extLst>
+          </p:cNvPr>
+          <p:cNvGrpSpPr/>
+          <p:nvPr/>
+        </p:nvGrpSpPr>
+        <p:grpSpPr>
+          <a:xfrm>
+            <a:off x="10423418" y="415757"/>
+            <a:ext cx="1269840" cy="1269840"/>
+            <a:chOff x="5187258" y="5013720"/>
+            <a:chExt cx="1269840" cy="1269840"/>
+          </a:xfrm>
+        </p:grpSpPr>
+        <p:sp>
+          <p:nvSpPr>
+            <p:cNvPr id="22" name="Rectangle 21">
+              <a:extLst>
+                <a:ext uri="{FF2B5EF4-FFF2-40B4-BE49-F238E27FC236}">
+                  <a16:creationId xmlns:a16="http://schemas.microsoft.com/office/drawing/2014/main" id="{5A2280F2-8488-46E6-04BD-9D5B6948F586}"/>
+                </a:ext>
+              </a:extLst>
+            </p:cNvPr>
+            <p:cNvSpPr/>
+            <p:nvPr/>
+          </p:nvSpPr>
+          <p:spPr>
+            <a:xfrm>
+              <a:off x="5187258" y="5013720"/>
+              <a:ext cx="1269840" cy="1269840"/>
+            </a:xfrm>
+            <a:prstGeom prst="rect">
+              <a:avLst/>
+            </a:prstGeom>
+            <a:solidFill>
+              <a:srgbClr val="4472C4">
+                <a:alpha val="0"/>
+              </a:srgbClr>
+            </a:solidFill>
+            <a:ln>
+              <a:noFill/>
+            </a:ln>
+          </p:spPr>
+          <p:style>
+            <a:lnRef idx="2">
+              <a:schemeClr val="accent1">
+                <a:shade val="15000"/>
+              </a:schemeClr>
+            </a:lnRef>
+            <a:fillRef idx="1">
+              <a:schemeClr val="accent1"/>
+            </a:fillRef>
+            <a:effectRef idx="0">
+              <a:schemeClr val="accent1"/>
+            </a:effectRef>
+            <a:fontRef idx="minor">
+              <a:schemeClr val="lt1"/>
+            </a:fontRef>
+          </p:style>
+          <p:txBody>
+            <a:bodyPr rtlCol="0" anchor="ctr"/>
+            <a:lstStyle/>
+            <a:p>
+              <a:pPr algn="ctr"/>
+              <a:endParaRPr lang="en-GB"/>
+            </a:p>
+          </p:txBody>
+        </p:sp>
+        <p:pic>
+          <p:nvPicPr>
+            <p:cNvPr id="23" name="Picture 22" descr="A black background with a black square&#10;&#10;AI-generated content may be incorrect.">
+              <a:extLst>
+                <a:ext uri="{FF2B5EF4-FFF2-40B4-BE49-F238E27FC236}">
+                  <a16:creationId xmlns:a16="http://schemas.microsoft.com/office/drawing/2014/main" id="{997D7011-8916-4BE6-4439-DA734A65DC8E}"/>
+                </a:ext>
+              </a:extLst>
+            </p:cNvPr>
+            <p:cNvPicPr>
+              <a:picLocks noChangeAspect="1"/>
+            </p:cNvPicPr>
+            <p:nvPr/>
+          </p:nvPicPr>
+          <p:blipFill>
+            <a:blip r:embed="rId5">
+              <a:extLst>
+                <a:ext uri="{28A0092B-C50C-407E-A947-70E740481C1C}">
+                  <a14:useLocalDpi xmlns:a14="http://schemas.microsoft.com/office/drawing/2010/main" val="0"/>
+                </a:ext>
+              </a:extLst>
+            </a:blip>
+            <a:srcRect t="-1" b="1605"/>
+            <a:stretch/>
+          </p:blipFill>
+          <p:spPr>
+            <a:xfrm>
+              <a:off x="5228986" y="5261917"/>
+              <a:ext cx="1186384" cy="1021643"/>
+            </a:xfrm>
+            <a:prstGeom prst="rect">
+              <a:avLst/>
+            </a:prstGeom>
+          </p:spPr>
+        </p:pic>
+      </p:grpSp>
+      <p:grpSp>
+        <p:nvGrpSpPr>
+          <p:cNvPr id="25" name="Group 24">
+            <a:extLst>
+              <a:ext uri="{FF2B5EF4-FFF2-40B4-BE49-F238E27FC236}">
+                <a16:creationId xmlns:a16="http://schemas.microsoft.com/office/drawing/2014/main" id="{43AD0820-F486-07D3-FBD1-DBBA1232EEEC}"/>
+              </a:ext>
+            </a:extLst>
+          </p:cNvPr>
+          <p:cNvGrpSpPr/>
+          <p:nvPr/>
+        </p:nvGrpSpPr>
+        <p:grpSpPr>
+          <a:xfrm>
+            <a:off x="944738" y="4797379"/>
+            <a:ext cx="914400" cy="914400"/>
+            <a:chOff x="3628545" y="4572001"/>
+            <a:chExt cx="914400" cy="914400"/>
+          </a:xfrm>
+        </p:grpSpPr>
+        <p:sp>
+          <p:nvSpPr>
+            <p:cNvPr id="3" name="Oval 2">
+              <a:extLst>
+                <a:ext uri="{FF2B5EF4-FFF2-40B4-BE49-F238E27FC236}">
+                  <a16:creationId xmlns:a16="http://schemas.microsoft.com/office/drawing/2014/main" id="{7CDB07D1-4EA2-B406-11F1-7285675B5F84}"/>
+                </a:ext>
+              </a:extLst>
+            </p:cNvPr>
+            <p:cNvSpPr/>
+            <p:nvPr/>
+          </p:nvSpPr>
+          <p:spPr>
+            <a:xfrm>
+              <a:off x="3628545" y="4572001"/>
+              <a:ext cx="914400" cy="914400"/>
+            </a:xfrm>
+            <a:prstGeom prst="ellipse">
+              <a:avLst/>
+            </a:prstGeom>
+            <a:solidFill>
+              <a:schemeClr val="tx1">
+                <a:lumMod val="65000"/>
+                <a:lumOff val="35000"/>
+              </a:schemeClr>
+            </a:solidFill>
+            <a:ln>
+              <a:noFill/>
+            </a:ln>
+          </p:spPr>
+          <p:style>
+            <a:lnRef idx="2">
+              <a:schemeClr val="accent1">
+                <a:shade val="15000"/>
+              </a:schemeClr>
+            </a:lnRef>
+            <a:fillRef idx="1">
+              <a:schemeClr val="accent1"/>
+            </a:fillRef>
+            <a:effectRef idx="0">
+              <a:schemeClr val="accent1"/>
+            </a:effectRef>
+            <a:fontRef idx="minor">
+              <a:schemeClr val="lt1"/>
+            </a:fontRef>
+          </p:style>
+          <p:txBody>
+            <a:bodyPr rtlCol="0" anchor="ctr"/>
+            <a:lstStyle/>
+            <a:p>
+              <a:pPr algn="ctr"/>
+              <a:endParaRPr lang="en-GB"/>
+            </a:p>
+          </p:txBody>
+        </p:sp>
+        <p:sp>
+          <p:nvSpPr>
+            <p:cNvPr id="2" name="&quot;Not Allowed&quot; Symbol 1">
+              <a:extLst>
+                <a:ext uri="{FF2B5EF4-FFF2-40B4-BE49-F238E27FC236}">
+                  <a16:creationId xmlns:a16="http://schemas.microsoft.com/office/drawing/2014/main" id="{C1288A3D-FFC6-3BEB-F0FE-E02B0F6E062B}"/>
+                </a:ext>
+              </a:extLst>
+            </p:cNvPr>
+            <p:cNvSpPr/>
+            <p:nvPr/>
+          </p:nvSpPr>
+          <p:spPr>
+            <a:xfrm>
+              <a:off x="3628545" y="4572001"/>
+              <a:ext cx="914400" cy="914400"/>
+            </a:xfrm>
+            <a:prstGeom prst="noSmoking">
+              <a:avLst>
+                <a:gd name="adj" fmla="val 14350"/>
+              </a:avLst>
+            </a:prstGeom>
+            <a:solidFill>
+              <a:srgbClr val="920000"/>
+            </a:solidFill>
+            <a:ln>
+              <a:noFill/>
+            </a:ln>
+          </p:spPr>
+          <p:style>
+            <a:lnRef idx="2">
+              <a:schemeClr val="accent1">
+                <a:shade val="15000"/>
+              </a:schemeClr>
+            </a:lnRef>
+            <a:fillRef idx="1">
+              <a:schemeClr val="accent1"/>
+            </a:fillRef>
+            <a:effectRef idx="0">
+              <a:schemeClr val="accent1"/>
+            </a:effectRef>
+            <a:fontRef idx="minor">
+              <a:schemeClr val="lt1"/>
+            </a:fontRef>
+          </p:style>
+          <p:txBody>
+            <a:bodyPr rtlCol="0" anchor="ctr"/>
+            <a:lstStyle/>
+            <a:p>
+              <a:pPr algn="ctr"/>
+              <a:endParaRPr lang="en-GB">
+                <a:solidFill>
+                  <a:schemeClr val="tx1"/>
+                </a:solidFill>
+              </a:endParaRPr>
+            </a:p>
+          </p:txBody>
+        </p:sp>
+      </p:grpSp>
+      <p:grpSp>
+        <p:nvGrpSpPr>
+          <p:cNvPr id="26" name="Group 25">
+            <a:extLst>
+              <a:ext uri="{FF2B5EF4-FFF2-40B4-BE49-F238E27FC236}">
+                <a16:creationId xmlns:a16="http://schemas.microsoft.com/office/drawing/2014/main" id="{B3C02320-9C55-95BC-989B-ECF900346C38}"/>
+              </a:ext>
+            </a:extLst>
+          </p:cNvPr>
+          <p:cNvGrpSpPr/>
+          <p:nvPr/>
+        </p:nvGrpSpPr>
+        <p:grpSpPr>
+          <a:xfrm>
+            <a:off x="2208372" y="4825544"/>
+            <a:ext cx="914400" cy="914400"/>
+            <a:chOff x="3628545" y="4572001"/>
+            <a:chExt cx="914400" cy="914400"/>
+          </a:xfrm>
+        </p:grpSpPr>
+        <p:sp>
+          <p:nvSpPr>
+            <p:cNvPr id="27" name="Oval 26">
+              <a:extLst>
+                <a:ext uri="{FF2B5EF4-FFF2-40B4-BE49-F238E27FC236}">
+                  <a16:creationId xmlns:a16="http://schemas.microsoft.com/office/drawing/2014/main" id="{AB514A35-CC58-FADD-380F-09577B645FEA}"/>
+                </a:ext>
+              </a:extLst>
+            </p:cNvPr>
+            <p:cNvSpPr/>
+            <p:nvPr/>
+          </p:nvSpPr>
+          <p:spPr>
+            <a:xfrm>
+              <a:off x="3628545" y="4572001"/>
+              <a:ext cx="914400" cy="914400"/>
+            </a:xfrm>
+            <a:prstGeom prst="ellipse">
+              <a:avLst/>
+            </a:prstGeom>
+            <a:solidFill>
+              <a:schemeClr val="bg1"/>
+            </a:solidFill>
+            <a:ln>
+              <a:noFill/>
+            </a:ln>
+          </p:spPr>
+          <p:style>
+            <a:lnRef idx="2">
+              <a:schemeClr val="accent1">
+                <a:shade val="15000"/>
+              </a:schemeClr>
+            </a:lnRef>
+            <a:fillRef idx="1">
+              <a:schemeClr val="accent1"/>
+            </a:fillRef>
+            <a:effectRef idx="0">
+              <a:schemeClr val="accent1"/>
+            </a:effectRef>
+            <a:fontRef idx="minor">
+              <a:schemeClr val="lt1"/>
+            </a:fontRef>
+          </p:style>
+          <p:txBody>
+            <a:bodyPr rtlCol="0" anchor="ctr"/>
+            <a:lstStyle/>
+            <a:p>
+              <a:pPr algn="ctr"/>
+              <a:endParaRPr lang="en-GB"/>
+            </a:p>
+          </p:txBody>
+        </p:sp>
+        <p:sp>
+          <p:nvSpPr>
+            <p:cNvPr id="28" name="&quot;Not Allowed&quot; Symbol 27">
+              <a:extLst>
+                <a:ext uri="{FF2B5EF4-FFF2-40B4-BE49-F238E27FC236}">
+                  <a16:creationId xmlns:a16="http://schemas.microsoft.com/office/drawing/2014/main" id="{EA19846F-62F6-6C29-5852-5A95EDD13815}"/>
+                </a:ext>
+              </a:extLst>
+            </p:cNvPr>
+            <p:cNvSpPr/>
+            <p:nvPr/>
+          </p:nvSpPr>
+          <p:spPr>
+            <a:xfrm>
+              <a:off x="3628545" y="4572001"/>
+              <a:ext cx="914400" cy="914400"/>
+            </a:xfrm>
+            <a:prstGeom prst="noSmoking">
+              <a:avLst>
+                <a:gd name="adj" fmla="val 14350"/>
+              </a:avLst>
+            </a:prstGeom>
+            <a:solidFill>
+              <a:srgbClr val="920000"/>
+            </a:solidFill>
+            <a:ln>
+              <a:noFill/>
+            </a:ln>
+          </p:spPr>
+          <p:style>
+            <a:lnRef idx="2">
+              <a:schemeClr val="accent1">
+                <a:shade val="15000"/>
+              </a:schemeClr>
+            </a:lnRef>
+            <a:fillRef idx="1">
+              <a:schemeClr val="accent1"/>
+            </a:fillRef>
+            <a:effectRef idx="0">
+              <a:schemeClr val="accent1"/>
+            </a:effectRef>
+            <a:fontRef idx="minor">
+              <a:schemeClr val="lt1"/>
+            </a:fontRef>
+          </p:style>
+          <p:txBody>
+            <a:bodyPr rtlCol="0" anchor="ctr"/>
+            <a:lstStyle/>
+            <a:p>
+              <a:pPr algn="ctr"/>
+              <a:endParaRPr lang="en-GB">
+                <a:solidFill>
+                  <a:schemeClr val="tx1"/>
+                </a:solidFill>
+              </a:endParaRPr>
+            </a:p>
+          </p:txBody>
+        </p:sp>
+      </p:grpSp>
+      <p:pic>
+        <p:nvPicPr>
+          <p:cNvPr id="31" name="Picture 30" descr="A black background with a black square&#10;&#10;AI-generated content may be incorrect.">
+            <a:extLst>
+              <a:ext uri="{FF2B5EF4-FFF2-40B4-BE49-F238E27FC236}">
+                <a16:creationId xmlns:a16="http://schemas.microsoft.com/office/drawing/2014/main" id="{F1817755-8A96-69C7-4E22-3F78158B4518}"/>
+              </a:ext>
+            </a:extLst>
+          </p:cNvPr>
+          <p:cNvPicPr>
+            <a:picLocks noChangeAspect="1"/>
+          </p:cNvPicPr>
+          <p:nvPr/>
+        </p:nvPicPr>
+        <p:blipFill>
+          <a:blip r:embed="rId6">
+            <a:extLst>
+              <a:ext uri="{28A0092B-C50C-407E-A947-70E740481C1C}">
+                <a14:useLocalDpi xmlns:a14="http://schemas.microsoft.com/office/drawing/2010/main" val="0"/>
+              </a:ext>
+            </a:extLst>
+          </a:blip>
+          <a:stretch>
+            <a:fillRect/>
+          </a:stretch>
+        </p:blipFill>
+        <p:spPr>
+          <a:xfrm>
+            <a:off x="8022538" y="415663"/>
+            <a:ext cx="1269841" cy="1269841"/>
+          </a:xfrm>
+          <a:prstGeom prst="rect">
+            <a:avLst/>
+          </a:prstGeom>
+        </p:spPr>
+      </p:pic>
+      <p:grpSp>
+        <p:nvGrpSpPr>
+          <p:cNvPr id="46" name="Group 45">
+            <a:extLst>
+              <a:ext uri="{FF2B5EF4-FFF2-40B4-BE49-F238E27FC236}">
+                <a16:creationId xmlns:a16="http://schemas.microsoft.com/office/drawing/2014/main" id="{67BEABAE-8891-4791-988B-C822FD4FD8BF}"/>
+              </a:ext>
+            </a:extLst>
+          </p:cNvPr>
+          <p:cNvGrpSpPr/>
+          <p:nvPr/>
+        </p:nvGrpSpPr>
+        <p:grpSpPr>
+          <a:xfrm>
+            <a:off x="755159" y="3255524"/>
+            <a:ext cx="1269841" cy="1269841"/>
+            <a:chOff x="755159" y="3255524"/>
+            <a:chExt cx="1269841" cy="1269841"/>
+          </a:xfrm>
+        </p:grpSpPr>
+        <p:sp>
+          <p:nvSpPr>
+            <p:cNvPr id="45" name="Freeform: Shape 44">
+              <a:extLst>
+                <a:ext uri="{FF2B5EF4-FFF2-40B4-BE49-F238E27FC236}">
+                  <a16:creationId xmlns:a16="http://schemas.microsoft.com/office/drawing/2014/main" id="{3CF27AEB-9BA2-B4BE-9650-0CE2D1B61FDC}"/>
+                </a:ext>
+              </a:extLst>
+            </p:cNvPr>
+            <p:cNvSpPr/>
+            <p:nvPr/>
+          </p:nvSpPr>
+          <p:spPr>
+            <a:xfrm>
+              <a:off x="937823" y="3388992"/>
+              <a:ext cx="892144" cy="978221"/>
+            </a:xfrm>
+            <a:custGeom>
+              <a:avLst/>
+              <a:gdLst>
+                <a:gd name="connsiteX0" fmla="*/ 309951 w 892144"/>
+                <a:gd name="connsiteY0" fmla="*/ 0 h 978221"/>
+                <a:gd name="connsiteX1" fmla="*/ 457589 w 892144"/>
+                <a:gd name="connsiteY1" fmla="*/ 0 h 978221"/>
+                <a:gd name="connsiteX2" fmla="*/ 457589 w 892144"/>
+                <a:gd name="connsiteY2" fmla="*/ 340047 h 978221"/>
+                <a:gd name="connsiteX3" fmla="*/ 619515 w 892144"/>
+                <a:gd name="connsiteY3" fmla="*/ 340047 h 978221"/>
+                <a:gd name="connsiteX4" fmla="*/ 619515 w 892144"/>
+                <a:gd name="connsiteY4" fmla="*/ 352572 h 978221"/>
+                <a:gd name="connsiteX5" fmla="*/ 749968 w 892144"/>
+                <a:gd name="connsiteY5" fmla="*/ 352572 h 978221"/>
+                <a:gd name="connsiteX6" fmla="*/ 892144 w 892144"/>
+                <a:gd name="connsiteY6" fmla="*/ 494748 h 978221"/>
+                <a:gd name="connsiteX7" fmla="*/ 892144 w 892144"/>
+                <a:gd name="connsiteY7" fmla="*/ 831284 h 978221"/>
+                <a:gd name="connsiteX8" fmla="*/ 749968 w 892144"/>
+                <a:gd name="connsiteY8" fmla="*/ 973460 h 978221"/>
+                <a:gd name="connsiteX9" fmla="*/ 619515 w 892144"/>
+                <a:gd name="connsiteY9" fmla="*/ 973460 h 978221"/>
+                <a:gd name="connsiteX10" fmla="*/ 619515 w 892144"/>
+                <a:gd name="connsiteY10" fmla="*/ 978221 h 978221"/>
+                <a:gd name="connsiteX11" fmla="*/ 335163 w 892144"/>
+                <a:gd name="connsiteY11" fmla="*/ 978221 h 978221"/>
+                <a:gd name="connsiteX12" fmla="*/ 335163 w 892144"/>
+                <a:gd name="connsiteY12" fmla="*/ 961267 h 978221"/>
+                <a:gd name="connsiteX13" fmla="*/ 0 w 892144"/>
+                <a:gd name="connsiteY13" fmla="*/ 644663 h 978221"/>
+                <a:gd name="connsiteX14" fmla="*/ 98180 w 892144"/>
+                <a:gd name="connsiteY14" fmla="*/ 540727 h 978221"/>
+                <a:gd name="connsiteX15" fmla="*/ 217102 w 892144"/>
+                <a:gd name="connsiteY15" fmla="*/ 653063 h 978221"/>
+                <a:gd name="connsiteX16" fmla="*/ 217102 w 892144"/>
+                <a:gd name="connsiteY16" fmla="*/ 640922 h 978221"/>
+                <a:gd name="connsiteX17" fmla="*/ 335163 w 892144"/>
+                <a:gd name="connsiteY17" fmla="*/ 640922 h 978221"/>
+                <a:gd name="connsiteX18" fmla="*/ 335163 w 892144"/>
+                <a:gd name="connsiteY18" fmla="*/ 382907 h 978221"/>
+                <a:gd name="connsiteX19" fmla="*/ 309951 w 892144"/>
+                <a:gd name="connsiteY19" fmla="*/ 382907 h 978221"/>
+              </a:gdLst>
+              <a:ahLst/>
+              <a:cxnLst>
+                <a:cxn ang="0">
+                  <a:pos x="connsiteX0" y="connsiteY0"/>
+                </a:cxn>
+                <a:cxn ang="0">
+                  <a:pos x="connsiteX1" y="connsiteY1"/>
+                </a:cxn>
+                <a:cxn ang="0">
+                  <a:pos x="connsiteX2" y="connsiteY2"/>
+                </a:cxn>
+                <a:cxn ang="0">
+                  <a:pos x="connsiteX3" y="connsiteY3"/>
+                </a:cxn>
+                <a:cxn ang="0">
+                  <a:pos x="connsiteX4" y="connsiteY4"/>
+                </a:cxn>
+                <a:cxn ang="0">
+                  <a:pos x="connsiteX5" y="connsiteY5"/>
+                </a:cxn>
+                <a:cxn ang="0">
+                  <a:pos x="connsiteX6" y="connsiteY6"/>
+                </a:cxn>
+                <a:cxn ang="0">
+                  <a:pos x="connsiteX7" y="connsiteY7"/>
+                </a:cxn>
+                <a:cxn ang="0">
+                  <a:pos x="connsiteX8" y="connsiteY8"/>
+                </a:cxn>
+                <a:cxn ang="0">
+                  <a:pos x="connsiteX9" y="connsiteY9"/>
+                </a:cxn>
+                <a:cxn ang="0">
+                  <a:pos x="connsiteX10" y="connsiteY10"/>
+                </a:cxn>
+                <a:cxn ang="0">
+                  <a:pos x="connsiteX11" y="connsiteY11"/>
+                </a:cxn>
+                <a:cxn ang="0">
+                  <a:pos x="connsiteX12" y="connsiteY12"/>
+                </a:cxn>
+                <a:cxn ang="0">
+                  <a:pos x="connsiteX13" y="connsiteY13"/>
+                </a:cxn>
+                <a:cxn ang="0">
+                  <a:pos x="connsiteX14" y="connsiteY14"/>
+                </a:cxn>
+                <a:cxn ang="0">
+                  <a:pos x="connsiteX15" y="connsiteY15"/>
+                </a:cxn>
+                <a:cxn ang="0">
+                  <a:pos x="connsiteX16" y="connsiteY16"/>
+                </a:cxn>
+                <a:cxn ang="0">
+                  <a:pos x="connsiteX17" y="connsiteY17"/>
+                </a:cxn>
+                <a:cxn ang="0">
+                  <a:pos x="connsiteX18" y="connsiteY18"/>
+                </a:cxn>
+                <a:cxn ang="0">
+                  <a:pos x="connsiteX19" y="connsiteY19"/>
+                </a:cxn>
+              </a:cxnLst>
+              <a:rect l="l" t="t" r="r" b="b"/>
+              <a:pathLst>
+                <a:path w="892144" h="978221">
+                  <a:moveTo>
+                    <a:pt x="309951" y="0"/>
+                  </a:moveTo>
+                  <a:lnTo>
+                    <a:pt x="457589" y="0"/>
+                  </a:lnTo>
+                  <a:lnTo>
+                    <a:pt x="457589" y="340047"/>
+                  </a:lnTo>
+                  <a:lnTo>
+                    <a:pt x="619515" y="340047"/>
+                  </a:lnTo>
+                  <a:lnTo>
+                    <a:pt x="619515" y="352572"/>
+                  </a:lnTo>
+                  <a:lnTo>
+                    <a:pt x="749968" y="352572"/>
+                  </a:lnTo>
+                  <a:lnTo>
+                    <a:pt x="892144" y="494748"/>
+                  </a:lnTo>
+                  <a:lnTo>
+                    <a:pt x="892144" y="831284"/>
+                  </a:lnTo>
+                  <a:lnTo>
+                    <a:pt x="749968" y="973460"/>
+                  </a:lnTo>
+                  <a:lnTo>
+                    <a:pt x="619515" y="973460"/>
+                  </a:lnTo>
+                  <a:lnTo>
+                    <a:pt x="619515" y="978221"/>
+                  </a:lnTo>
+                  <a:lnTo>
+                    <a:pt x="335163" y="978221"/>
+                  </a:lnTo>
+                  <a:lnTo>
+                    <a:pt x="335163" y="961267"/>
+                  </a:lnTo>
+                  <a:lnTo>
+                    <a:pt x="0" y="644663"/>
+                  </a:lnTo>
+                  <a:lnTo>
+                    <a:pt x="98180" y="540727"/>
+                  </a:lnTo>
+                  <a:lnTo>
+                    <a:pt x="217102" y="653063"/>
+                  </a:lnTo>
+                  <a:lnTo>
+                    <a:pt x="217102" y="640922"/>
+                  </a:lnTo>
+                  <a:lnTo>
+                    <a:pt x="335163" y="640922"/>
+                  </a:lnTo>
+                  <a:lnTo>
+                    <a:pt x="335163" y="382907"/>
+                  </a:lnTo>
+                  <a:lnTo>
+                    <a:pt x="309951" y="382907"/>
+                  </a:lnTo>
+                  <a:close/>
+                </a:path>
+              </a:pathLst>
+            </a:custGeom>
+            <a:solidFill>
+              <a:schemeClr val="bg1"/>
+            </a:solidFill>
+            <a:ln>
+              <a:noFill/>
+            </a:ln>
+          </p:spPr>
+          <p:style>
+            <a:lnRef idx="2">
+              <a:schemeClr val="accent1">
+                <a:shade val="15000"/>
+              </a:schemeClr>
+            </a:lnRef>
+            <a:fillRef idx="1">
+              <a:schemeClr val="accent1"/>
+            </a:fillRef>
+            <a:effectRef idx="0">
+              <a:schemeClr val="accent1"/>
+            </a:effectRef>
+            <a:fontRef idx="minor">
+              <a:schemeClr val="lt1"/>
+            </a:fontRef>
+          </p:style>
+          <p:txBody>
+            <a:bodyPr wrap="square" rtlCol="0" anchor="ctr">
+              <a:noAutofit/>
+            </a:bodyPr>
+            <a:lstStyle/>
+            <a:p>
+              <a:pPr algn="ctr"/>
+              <a:endParaRPr lang="en-GB"/>
+            </a:p>
+          </p:txBody>
+        </p:sp>
+        <p:pic>
+          <p:nvPicPr>
+            <p:cNvPr id="33" name="Picture 32" descr="A black background with a black square&#10;&#10;AI-generated content may be incorrect.">
+              <a:extLst>
+                <a:ext uri="{FF2B5EF4-FFF2-40B4-BE49-F238E27FC236}">
+                  <a16:creationId xmlns:a16="http://schemas.microsoft.com/office/drawing/2014/main" id="{2EB8B8BC-0960-FAA8-79EF-587C7E6308BE}"/>
+                </a:ext>
+              </a:extLst>
+            </p:cNvPr>
+            <p:cNvPicPr>
+              <a:picLocks noChangeAspect="1"/>
+            </p:cNvPicPr>
+            <p:nvPr/>
+          </p:nvPicPr>
+          <p:blipFill>
+            <a:blip r:embed="rId6">
+              <a:extLst>
+                <a:ext uri="{28A0092B-C50C-407E-A947-70E740481C1C}">
+                  <a14:useLocalDpi xmlns:a14="http://schemas.microsoft.com/office/drawing/2010/main" val="0"/>
+                </a:ext>
+              </a:extLst>
+            </a:blip>
+            <a:stretch>
+              <a:fillRect/>
+            </a:stretch>
+          </p:blipFill>
+          <p:spPr>
+            <a:xfrm>
+              <a:off x="755159" y="3255524"/>
+              <a:ext cx="1269841" cy="1269841"/>
+            </a:xfrm>
+            <a:prstGeom prst="rect">
+              <a:avLst/>
+            </a:prstGeom>
+          </p:spPr>
+        </p:pic>
+      </p:grpSp>
+      <p:grpSp>
+        <p:nvGrpSpPr>
+          <p:cNvPr id="37" name="Group 36">
+            <a:extLst>
+              <a:ext uri="{FF2B5EF4-FFF2-40B4-BE49-F238E27FC236}">
+                <a16:creationId xmlns:a16="http://schemas.microsoft.com/office/drawing/2014/main" id="{19B52AD3-5663-83C4-9793-A02CBB32CD90}"/>
+              </a:ext>
+            </a:extLst>
+          </p:cNvPr>
+          <p:cNvGrpSpPr/>
+          <p:nvPr/>
+        </p:nvGrpSpPr>
+        <p:grpSpPr>
+          <a:xfrm>
+            <a:off x="2171700" y="3243181"/>
+            <a:ext cx="1146105" cy="1269841"/>
+            <a:chOff x="2171700" y="3243181"/>
+            <a:chExt cx="1146105" cy="1269841"/>
+          </a:xfrm>
+        </p:grpSpPr>
+        <p:sp>
+          <p:nvSpPr>
+            <p:cNvPr id="49" name="Freeform: Shape 48">
+              <a:extLst>
+                <a:ext uri="{FF2B5EF4-FFF2-40B4-BE49-F238E27FC236}">
+                  <a16:creationId xmlns:a16="http://schemas.microsoft.com/office/drawing/2014/main" id="{7C76E480-4FEF-34E1-0E13-A1D1B799BE44}"/>
+                </a:ext>
+              </a:extLst>
+            </p:cNvPr>
+            <p:cNvSpPr/>
+            <p:nvPr/>
+          </p:nvSpPr>
+          <p:spPr>
+            <a:xfrm>
+              <a:off x="2230628" y="3376649"/>
+              <a:ext cx="892144" cy="978221"/>
+            </a:xfrm>
+            <a:custGeom>
+              <a:avLst/>
+              <a:gdLst>
+                <a:gd name="connsiteX0" fmla="*/ 309951 w 892144"/>
+                <a:gd name="connsiteY0" fmla="*/ 0 h 978221"/>
+                <a:gd name="connsiteX1" fmla="*/ 457589 w 892144"/>
+                <a:gd name="connsiteY1" fmla="*/ 0 h 978221"/>
+                <a:gd name="connsiteX2" fmla="*/ 457589 w 892144"/>
+                <a:gd name="connsiteY2" fmla="*/ 340047 h 978221"/>
+                <a:gd name="connsiteX3" fmla="*/ 619515 w 892144"/>
+                <a:gd name="connsiteY3" fmla="*/ 340047 h 978221"/>
+                <a:gd name="connsiteX4" fmla="*/ 619515 w 892144"/>
+                <a:gd name="connsiteY4" fmla="*/ 352572 h 978221"/>
+                <a:gd name="connsiteX5" fmla="*/ 749968 w 892144"/>
+                <a:gd name="connsiteY5" fmla="*/ 352572 h 978221"/>
+                <a:gd name="connsiteX6" fmla="*/ 892144 w 892144"/>
+                <a:gd name="connsiteY6" fmla="*/ 494748 h 978221"/>
+                <a:gd name="connsiteX7" fmla="*/ 892144 w 892144"/>
+                <a:gd name="connsiteY7" fmla="*/ 831284 h 978221"/>
+                <a:gd name="connsiteX8" fmla="*/ 749968 w 892144"/>
+                <a:gd name="connsiteY8" fmla="*/ 973460 h 978221"/>
+                <a:gd name="connsiteX9" fmla="*/ 619515 w 892144"/>
+                <a:gd name="connsiteY9" fmla="*/ 973460 h 978221"/>
+                <a:gd name="connsiteX10" fmla="*/ 619515 w 892144"/>
+                <a:gd name="connsiteY10" fmla="*/ 978221 h 978221"/>
+                <a:gd name="connsiteX11" fmla="*/ 335163 w 892144"/>
+                <a:gd name="connsiteY11" fmla="*/ 978221 h 978221"/>
+                <a:gd name="connsiteX12" fmla="*/ 335163 w 892144"/>
+                <a:gd name="connsiteY12" fmla="*/ 961267 h 978221"/>
+                <a:gd name="connsiteX13" fmla="*/ 0 w 892144"/>
+                <a:gd name="connsiteY13" fmla="*/ 644663 h 978221"/>
+                <a:gd name="connsiteX14" fmla="*/ 98180 w 892144"/>
+                <a:gd name="connsiteY14" fmla="*/ 540727 h 978221"/>
+                <a:gd name="connsiteX15" fmla="*/ 217102 w 892144"/>
+                <a:gd name="connsiteY15" fmla="*/ 653063 h 978221"/>
+                <a:gd name="connsiteX16" fmla="*/ 217102 w 892144"/>
+                <a:gd name="connsiteY16" fmla="*/ 640922 h 978221"/>
+                <a:gd name="connsiteX17" fmla="*/ 335163 w 892144"/>
+                <a:gd name="connsiteY17" fmla="*/ 640922 h 978221"/>
+                <a:gd name="connsiteX18" fmla="*/ 335163 w 892144"/>
+                <a:gd name="connsiteY18" fmla="*/ 382907 h 978221"/>
+                <a:gd name="connsiteX19" fmla="*/ 309951 w 892144"/>
+                <a:gd name="connsiteY19" fmla="*/ 382907 h 978221"/>
+              </a:gdLst>
+              <a:ahLst/>
+              <a:cxnLst>
+                <a:cxn ang="0">
+                  <a:pos x="connsiteX0" y="connsiteY0"/>
+                </a:cxn>
+                <a:cxn ang="0">
+                  <a:pos x="connsiteX1" y="connsiteY1"/>
+                </a:cxn>
+                <a:cxn ang="0">
+                  <a:pos x="connsiteX2" y="connsiteY2"/>
+                </a:cxn>
+                <a:cxn ang="0">
+                  <a:pos x="connsiteX3" y="connsiteY3"/>
+                </a:cxn>
+                <a:cxn ang="0">
+                  <a:pos x="connsiteX4" y="connsiteY4"/>
+                </a:cxn>
+                <a:cxn ang="0">
+                  <a:pos x="connsiteX5" y="connsiteY5"/>
+                </a:cxn>
+                <a:cxn ang="0">
+                  <a:pos x="connsiteX6" y="connsiteY6"/>
+                </a:cxn>
+                <a:cxn ang="0">
+                  <a:pos x="connsiteX7" y="connsiteY7"/>
+                </a:cxn>
+                <a:cxn ang="0">
+                  <a:pos x="connsiteX8" y="connsiteY8"/>
+                </a:cxn>
+                <a:cxn ang="0">
+                  <a:pos x="connsiteX9" y="connsiteY9"/>
+                </a:cxn>
+                <a:cxn ang="0">
+                  <a:pos x="connsiteX10" y="connsiteY10"/>
+                </a:cxn>
+                <a:cxn ang="0">
+                  <a:pos x="connsiteX11" y="connsiteY11"/>
+                </a:cxn>
+                <a:cxn ang="0">
+                  <a:pos x="connsiteX12" y="connsiteY12"/>
+                </a:cxn>
+                <a:cxn ang="0">
+                  <a:pos x="connsiteX13" y="connsiteY13"/>
+                </a:cxn>
+                <a:cxn ang="0">
+                  <a:pos x="connsiteX14" y="connsiteY14"/>
+                </a:cxn>
+                <a:cxn ang="0">
+                  <a:pos x="connsiteX15" y="connsiteY15"/>
+                </a:cxn>
+                <a:cxn ang="0">
+                  <a:pos x="connsiteX16" y="connsiteY16"/>
+                </a:cxn>
+                <a:cxn ang="0">
+                  <a:pos x="connsiteX17" y="connsiteY17"/>
+                </a:cxn>
+                <a:cxn ang="0">
+                  <a:pos x="connsiteX18" y="connsiteY18"/>
+                </a:cxn>
+                <a:cxn ang="0">
+                  <a:pos x="connsiteX19" y="connsiteY19"/>
+                </a:cxn>
+              </a:cxnLst>
+              <a:rect l="l" t="t" r="r" b="b"/>
+              <a:pathLst>
+                <a:path w="892144" h="978221">
+                  <a:moveTo>
+                    <a:pt x="309951" y="0"/>
+                  </a:moveTo>
+                  <a:lnTo>
+                    <a:pt x="457589" y="0"/>
+                  </a:lnTo>
+                  <a:lnTo>
+                    <a:pt x="457589" y="340047"/>
+                  </a:lnTo>
+                  <a:lnTo>
+                    <a:pt x="619515" y="340047"/>
+                  </a:lnTo>
+                  <a:lnTo>
+                    <a:pt x="619515" y="352572"/>
+                  </a:lnTo>
+                  <a:lnTo>
+                    <a:pt x="749968" y="352572"/>
+                  </a:lnTo>
+                  <a:lnTo>
+                    <a:pt x="892144" y="494748"/>
+                  </a:lnTo>
+                  <a:lnTo>
+                    <a:pt x="892144" y="831284"/>
+                  </a:lnTo>
+                  <a:lnTo>
+                    <a:pt x="749968" y="973460"/>
+                  </a:lnTo>
+                  <a:lnTo>
+                    <a:pt x="619515" y="973460"/>
+                  </a:lnTo>
+                  <a:lnTo>
+                    <a:pt x="619515" y="978221"/>
+                  </a:lnTo>
+                  <a:lnTo>
+                    <a:pt x="335163" y="978221"/>
+                  </a:lnTo>
+                  <a:lnTo>
+                    <a:pt x="335163" y="961267"/>
+                  </a:lnTo>
+                  <a:lnTo>
+                    <a:pt x="0" y="644663"/>
+                  </a:lnTo>
+                  <a:lnTo>
+                    <a:pt x="98180" y="540727"/>
+                  </a:lnTo>
+                  <a:lnTo>
+                    <a:pt x="217102" y="653063"/>
+                  </a:lnTo>
+                  <a:lnTo>
+                    <a:pt x="217102" y="640922"/>
+                  </a:lnTo>
+                  <a:lnTo>
+                    <a:pt x="335163" y="640922"/>
+                  </a:lnTo>
+                  <a:lnTo>
+                    <a:pt x="335163" y="382907"/>
+                  </a:lnTo>
+                  <a:lnTo>
+                    <a:pt x="309951" y="382907"/>
+                  </a:lnTo>
+                  <a:close/>
+                </a:path>
+              </a:pathLst>
+            </a:custGeom>
+            <a:solidFill>
+              <a:schemeClr val="tx1">
+                <a:lumMod val="50000"/>
+                <a:lumOff val="50000"/>
+              </a:schemeClr>
+            </a:solidFill>
+            <a:ln>
+              <a:noFill/>
+            </a:ln>
+          </p:spPr>
+          <p:style>
+            <a:lnRef idx="2">
+              <a:schemeClr val="accent1">
+                <a:shade val="15000"/>
+              </a:schemeClr>
+            </a:lnRef>
+            <a:fillRef idx="1">
+              <a:schemeClr val="accent1"/>
+            </a:fillRef>
+            <a:effectRef idx="0">
+              <a:schemeClr val="accent1"/>
+            </a:effectRef>
+            <a:fontRef idx="minor">
+              <a:schemeClr val="lt1"/>
+            </a:fontRef>
+          </p:style>
+          <p:txBody>
+            <a:bodyPr wrap="square" rtlCol="0" anchor="ctr">
+              <a:noAutofit/>
+            </a:bodyPr>
+            <a:lstStyle/>
+            <a:p>
+              <a:pPr algn="ctr"/>
+              <a:endParaRPr lang="en-GB" dirty="0"/>
+            </a:p>
+          </p:txBody>
+        </p:sp>
+        <p:pic>
+          <p:nvPicPr>
+            <p:cNvPr id="48" name="Picture 47" descr="A black background with a black square&#10;&#10;AI-generated content may be incorrect.">
+              <a:extLst>
+                <a:ext uri="{FF2B5EF4-FFF2-40B4-BE49-F238E27FC236}">
+                  <a16:creationId xmlns:a16="http://schemas.microsoft.com/office/drawing/2014/main" id="{89486995-0043-E60A-A70E-D8F1A02A522E}"/>
+                </a:ext>
+              </a:extLst>
+            </p:cNvPr>
+            <p:cNvPicPr>
+              <a:picLocks noChangeAspect="1"/>
+            </p:cNvPicPr>
+            <p:nvPr/>
+          </p:nvPicPr>
+          <p:blipFill rotWithShape="1">
+            <a:blip r:embed="rId6">
+              <a:extLst>
+                <a:ext uri="{28A0092B-C50C-407E-A947-70E740481C1C}">
+                  <a14:useLocalDpi xmlns:a14="http://schemas.microsoft.com/office/drawing/2010/main" val="0"/>
+                </a:ext>
+              </a:extLst>
+            </a:blip>
+            <a:srcRect l="9744"/>
+            <a:stretch/>
+          </p:blipFill>
+          <p:spPr>
+            <a:xfrm>
+              <a:off x="2171700" y="3243181"/>
+              <a:ext cx="1146105" cy="1269841"/>
+            </a:xfrm>
+            <a:prstGeom prst="rect">
+              <a:avLst/>
+            </a:prstGeom>
+          </p:spPr>
+        </p:pic>
+      </p:grpSp>
+      <p:pic>
+        <p:nvPicPr>
+          <p:cNvPr id="51" name="Picture 50" descr="A black background with a black square&#10;&#10;AI-generated content may be incorrect.">
+            <a:extLst>
+              <a:ext uri="{FF2B5EF4-FFF2-40B4-BE49-F238E27FC236}">
+                <a16:creationId xmlns:a16="http://schemas.microsoft.com/office/drawing/2014/main" id="{D2D6BED3-809A-7910-198B-5A1B716E67D2}"/>
+              </a:ext>
+            </a:extLst>
+          </p:cNvPr>
+          <p:cNvPicPr>
+            <a:picLocks noChangeAspect="1"/>
+          </p:cNvPicPr>
+          <p:nvPr/>
+        </p:nvPicPr>
+        <p:blipFill>
+          <a:blip r:embed="rId7">
+            <a:extLst>
+              <a:ext uri="{28A0092B-C50C-407E-A947-70E740481C1C}">
+                <a14:useLocalDpi xmlns:a14="http://schemas.microsoft.com/office/drawing/2010/main" val="0"/>
+              </a:ext>
+            </a:extLst>
+          </a:blip>
+          <a:stretch>
+            <a:fillRect/>
+          </a:stretch>
+        </p:blipFill>
+        <p:spPr>
+          <a:xfrm rot="16200000" flipH="1">
+            <a:off x="10296787" y="1808423"/>
+            <a:ext cx="1269841" cy="1269841"/>
+          </a:xfrm>
+          <a:prstGeom prst="rect">
+            <a:avLst/>
+          </a:prstGeom>
+        </p:spPr>
+      </p:pic>
+      <p:grpSp>
+        <p:nvGrpSpPr>
+          <p:cNvPr id="106" name="Group 105">
+            <a:extLst>
+              <a:ext uri="{FF2B5EF4-FFF2-40B4-BE49-F238E27FC236}">
+                <a16:creationId xmlns:a16="http://schemas.microsoft.com/office/drawing/2014/main" id="{0C55754D-A0BA-DFBC-4BB9-9FD1222A4157}"/>
+              </a:ext>
+            </a:extLst>
+          </p:cNvPr>
+          <p:cNvGrpSpPr/>
+          <p:nvPr/>
+        </p:nvGrpSpPr>
+        <p:grpSpPr>
+          <a:xfrm>
+            <a:off x="5473756" y="1832963"/>
+            <a:ext cx="1269841" cy="1111256"/>
+            <a:chOff x="6364435" y="2698620"/>
+            <a:chExt cx="1269841" cy="1111256"/>
+          </a:xfrm>
+        </p:grpSpPr>
+        <p:sp>
+          <p:nvSpPr>
+            <p:cNvPr id="90" name="Freeform: Shape 89">
+              <a:extLst>
+                <a:ext uri="{FF2B5EF4-FFF2-40B4-BE49-F238E27FC236}">
+                  <a16:creationId xmlns:a16="http://schemas.microsoft.com/office/drawing/2014/main" id="{EC4822E8-BCCA-8988-0576-2EF3B20229A9}"/>
+                </a:ext>
+              </a:extLst>
+            </p:cNvPr>
+            <p:cNvSpPr/>
+            <p:nvPr/>
+          </p:nvSpPr>
+          <p:spPr>
+            <a:xfrm rot="20697523">
+              <a:off x="6415663" y="2868068"/>
+              <a:ext cx="1085707" cy="709560"/>
+            </a:xfrm>
+            <a:custGeom>
+              <a:avLst/>
+              <a:gdLst>
+                <a:gd name="connsiteX0" fmla="*/ 1085707 w 1085707"/>
+                <a:gd name="connsiteY0" fmla="*/ 1522 h 703382"/>
+                <a:gd name="connsiteX1" fmla="*/ 1085707 w 1085707"/>
+                <a:gd name="connsiteY1" fmla="*/ 233559 h 703382"/>
+                <a:gd name="connsiteX2" fmla="*/ 1084733 w 1085707"/>
+                <a:gd name="connsiteY2" fmla="*/ 233559 h 703382"/>
+                <a:gd name="connsiteX3" fmla="*/ 1084429 w 1085707"/>
+                <a:gd name="connsiteY3" fmla="*/ 350240 h 703382"/>
+                <a:gd name="connsiteX4" fmla="*/ 916260 w 1085707"/>
+                <a:gd name="connsiteY4" fmla="*/ 349802 h 703382"/>
+                <a:gd name="connsiteX5" fmla="*/ 916259 w 1085707"/>
+                <a:gd name="connsiteY5" fmla="*/ 456025 h 703382"/>
+                <a:gd name="connsiteX6" fmla="*/ 868184 w 1085707"/>
+                <a:gd name="connsiteY6" fmla="*/ 456025 h 703382"/>
+                <a:gd name="connsiteX7" fmla="*/ 868184 w 1085707"/>
+                <a:gd name="connsiteY7" fmla="*/ 511982 h 703382"/>
+                <a:gd name="connsiteX8" fmla="*/ 783655 w 1085707"/>
+                <a:gd name="connsiteY8" fmla="*/ 511982 h 703382"/>
+                <a:gd name="connsiteX9" fmla="*/ 783655 w 1085707"/>
+                <a:gd name="connsiteY9" fmla="*/ 568426 h 703382"/>
+                <a:gd name="connsiteX10" fmla="*/ 698055 w 1085707"/>
+                <a:gd name="connsiteY10" fmla="*/ 568426 h 703382"/>
+                <a:gd name="connsiteX11" fmla="*/ 698055 w 1085707"/>
+                <a:gd name="connsiteY11" fmla="*/ 602140 h 703382"/>
+                <a:gd name="connsiteX12" fmla="*/ 516288 w 1085707"/>
+                <a:gd name="connsiteY12" fmla="*/ 602140 h 703382"/>
+                <a:gd name="connsiteX13" fmla="*/ 516288 w 1085707"/>
+                <a:gd name="connsiteY13" fmla="*/ 658889 h 703382"/>
+                <a:gd name="connsiteX14" fmla="*/ 448191 w 1085707"/>
+                <a:gd name="connsiteY14" fmla="*/ 658889 h 703382"/>
+                <a:gd name="connsiteX15" fmla="*/ 448191 w 1085707"/>
+                <a:gd name="connsiteY15" fmla="*/ 703382 h 703382"/>
+                <a:gd name="connsiteX16" fmla="*/ 321212 w 1085707"/>
+                <a:gd name="connsiteY16" fmla="*/ 703382 h 703382"/>
+                <a:gd name="connsiteX17" fmla="*/ 321212 w 1085707"/>
+                <a:gd name="connsiteY17" fmla="*/ 623625 h 703382"/>
+                <a:gd name="connsiteX18" fmla="*/ 321281 w 1085707"/>
+                <a:gd name="connsiteY18" fmla="*/ 623625 h 703382"/>
+                <a:gd name="connsiteX19" fmla="*/ 321281 w 1085707"/>
+                <a:gd name="connsiteY19" fmla="*/ 579132 h 703382"/>
+                <a:gd name="connsiteX20" fmla="*/ 357890 w 1085707"/>
+                <a:gd name="connsiteY20" fmla="*/ 579132 h 703382"/>
+                <a:gd name="connsiteX21" fmla="*/ 357889 w 1085707"/>
+                <a:gd name="connsiteY21" fmla="*/ 522383 h 703382"/>
+                <a:gd name="connsiteX22" fmla="*/ 426575 w 1085707"/>
+                <a:gd name="connsiteY22" fmla="*/ 522383 h 703382"/>
+                <a:gd name="connsiteX23" fmla="*/ 426575 w 1085707"/>
+                <a:gd name="connsiteY23" fmla="*/ 488669 h 703382"/>
+                <a:gd name="connsiteX24" fmla="*/ 511104 w 1085707"/>
+                <a:gd name="connsiteY24" fmla="*/ 488669 h 703382"/>
+                <a:gd name="connsiteX25" fmla="*/ 511104 w 1085707"/>
+                <a:gd name="connsiteY25" fmla="*/ 432225 h 703382"/>
+                <a:gd name="connsiteX26" fmla="*/ 550677 w 1085707"/>
+                <a:gd name="connsiteY26" fmla="*/ 432225 h 703382"/>
+                <a:gd name="connsiteX27" fmla="*/ 550677 w 1085707"/>
+                <a:gd name="connsiteY27" fmla="*/ 338966 h 703382"/>
+                <a:gd name="connsiteX28" fmla="*/ 477099 w 1085707"/>
+                <a:gd name="connsiteY28" fmla="*/ 265002 h 703382"/>
+                <a:gd name="connsiteX29" fmla="*/ 477181 w 1085707"/>
+                <a:gd name="connsiteY29" fmla="*/ 233559 h 703382"/>
+                <a:gd name="connsiteX30" fmla="*/ 364498 w 1085707"/>
+                <a:gd name="connsiteY30" fmla="*/ 233559 h 703382"/>
+                <a:gd name="connsiteX31" fmla="*/ 211854 w 1085707"/>
+                <a:gd name="connsiteY31" fmla="*/ 421260 h 703382"/>
+                <a:gd name="connsiteX32" fmla="*/ 141047 w 1085707"/>
+                <a:gd name="connsiteY32" fmla="*/ 684756 h 703382"/>
+                <a:gd name="connsiteX33" fmla="*/ 0 w 1085707"/>
+                <a:gd name="connsiteY33" fmla="*/ 646854 h 703382"/>
+                <a:gd name="connsiteX34" fmla="*/ 73913 w 1085707"/>
+                <a:gd name="connsiteY34" fmla="*/ 371797 h 703382"/>
+                <a:gd name="connsiteX35" fmla="*/ 60860 w 1085707"/>
+                <a:gd name="connsiteY35" fmla="*/ 361181 h 703382"/>
+                <a:gd name="connsiteX36" fmla="*/ 344332 w 1085707"/>
+                <a:gd name="connsiteY36" fmla="*/ 12605 h 703382"/>
+                <a:gd name="connsiteX37" fmla="*/ 344332 w 1085707"/>
+                <a:gd name="connsiteY37" fmla="*/ 1522 h 703382"/>
+                <a:gd name="connsiteX38" fmla="*/ 353346 w 1085707"/>
+                <a:gd name="connsiteY38" fmla="*/ 1522 h 703382"/>
+                <a:gd name="connsiteX39" fmla="*/ 354584 w 1085707"/>
+                <a:gd name="connsiteY39" fmla="*/ 0 h 703382"/>
+                <a:gd name="connsiteX40" fmla="*/ 356456 w 1085707"/>
+                <a:gd name="connsiteY40" fmla="*/ 1522 h 703382"/>
+              </a:gdLst>
+              <a:ahLst/>
+              <a:cxnLst>
+                <a:cxn ang="0">
+                  <a:pos x="connsiteX0" y="connsiteY0"/>
+                </a:cxn>
+                <a:cxn ang="0">
+                  <a:pos x="connsiteX1" y="connsiteY1"/>
+                </a:cxn>
+                <a:cxn ang="0">
+                  <a:pos x="connsiteX2" y="connsiteY2"/>
+                </a:cxn>
+                <a:cxn ang="0">
+                  <a:pos x="connsiteX3" y="connsiteY3"/>
+                </a:cxn>
+                <a:cxn ang="0">
+                  <a:pos x="connsiteX4" y="connsiteY4"/>
+                </a:cxn>
+                <a:cxn ang="0">
+                  <a:pos x="connsiteX5" y="connsiteY5"/>
+                </a:cxn>
+                <a:cxn ang="0">
+                  <a:pos x="connsiteX6" y="connsiteY6"/>
+                </a:cxn>
+                <a:cxn ang="0">
+                  <a:pos x="connsiteX7" y="connsiteY7"/>
+                </a:cxn>
+                <a:cxn ang="0">
+                  <a:pos x="connsiteX8" y="connsiteY8"/>
+                </a:cxn>
+                <a:cxn ang="0">
+                  <a:pos x="connsiteX9" y="connsiteY9"/>
+                </a:cxn>
+                <a:cxn ang="0">
+                  <a:pos x="connsiteX10" y="connsiteY10"/>
+                </a:cxn>
+                <a:cxn ang="0">
+                  <a:pos x="connsiteX11" y="connsiteY11"/>
+                </a:cxn>
+                <a:cxn ang="0">
+                  <a:pos x="connsiteX12" y="connsiteY12"/>
+                </a:cxn>
+                <a:cxn ang="0">
+                  <a:pos x="connsiteX13" y="connsiteY13"/>
+                </a:cxn>
+                <a:cxn ang="0">
+                  <a:pos x="connsiteX14" y="connsiteY14"/>
+                </a:cxn>
+                <a:cxn ang="0">
+                  <a:pos x="connsiteX15" y="connsiteY15"/>
+                </a:cxn>
+                <a:cxn ang="0">
+                  <a:pos x="connsiteX16" y="connsiteY16"/>
+                </a:cxn>
+                <a:cxn ang="0">
+                  <a:pos x="connsiteX17" y="connsiteY17"/>
+                </a:cxn>
+                <a:cxn ang="0">
+                  <a:pos x="connsiteX18" y="connsiteY18"/>
+                </a:cxn>
+                <a:cxn ang="0">
+                  <a:pos x="connsiteX19" y="connsiteY19"/>
+                </a:cxn>
+                <a:cxn ang="0">
+                  <a:pos x="connsiteX20" y="connsiteY20"/>
+                </a:cxn>
+                <a:cxn ang="0">
+                  <a:pos x="connsiteX21" y="connsiteY21"/>
+                </a:cxn>
+                <a:cxn ang="0">
+                  <a:pos x="connsiteX22" y="connsiteY22"/>
+                </a:cxn>
+                <a:cxn ang="0">
+                  <a:pos x="connsiteX23" y="connsiteY23"/>
+                </a:cxn>
+                <a:cxn ang="0">
+                  <a:pos x="connsiteX24" y="connsiteY24"/>
+                </a:cxn>
+                <a:cxn ang="0">
+                  <a:pos x="connsiteX25" y="connsiteY25"/>
+                </a:cxn>
+                <a:cxn ang="0">
+                  <a:pos x="connsiteX26" y="connsiteY26"/>
+                </a:cxn>
+                <a:cxn ang="0">
+                  <a:pos x="connsiteX27" y="connsiteY27"/>
+                </a:cxn>
+                <a:cxn ang="0">
+                  <a:pos x="connsiteX28" y="connsiteY28"/>
+                </a:cxn>
+                <a:cxn ang="0">
+                  <a:pos x="connsiteX29" y="connsiteY29"/>
+                </a:cxn>
+                <a:cxn ang="0">
+                  <a:pos x="connsiteX30" y="connsiteY30"/>
+                </a:cxn>
+                <a:cxn ang="0">
+                  <a:pos x="connsiteX31" y="connsiteY31"/>
+                </a:cxn>
+                <a:cxn ang="0">
+                  <a:pos x="connsiteX32" y="connsiteY32"/>
+                </a:cxn>
+                <a:cxn ang="0">
+                  <a:pos x="connsiteX33" y="connsiteY33"/>
+                </a:cxn>
+                <a:cxn ang="0">
+                  <a:pos x="connsiteX34" y="connsiteY34"/>
+                </a:cxn>
+                <a:cxn ang="0">
+                  <a:pos x="connsiteX35" y="connsiteY35"/>
+                </a:cxn>
+                <a:cxn ang="0">
+                  <a:pos x="connsiteX36" y="connsiteY36"/>
+                </a:cxn>
+                <a:cxn ang="0">
+                  <a:pos x="connsiteX37" y="connsiteY37"/>
+                </a:cxn>
+                <a:cxn ang="0">
+                  <a:pos x="connsiteX38" y="connsiteY38"/>
+                </a:cxn>
+                <a:cxn ang="0">
+                  <a:pos x="connsiteX39" y="connsiteY39"/>
+                </a:cxn>
+                <a:cxn ang="0">
+                  <a:pos x="connsiteX40" y="connsiteY40"/>
+                </a:cxn>
+              </a:cxnLst>
+              <a:rect l="l" t="t" r="r" b="b"/>
+              <a:pathLst>
+                <a:path w="1085707" h="703382">
+                  <a:moveTo>
+                    <a:pt x="1085707" y="1522"/>
+                  </a:moveTo>
+                  <a:lnTo>
+                    <a:pt x="1085707" y="233559"/>
+                  </a:lnTo>
+                  <a:lnTo>
+                    <a:pt x="1084733" y="233559"/>
+                  </a:lnTo>
+                  <a:lnTo>
+                    <a:pt x="1084429" y="350240"/>
+                  </a:lnTo>
+                  <a:lnTo>
+                    <a:pt x="916260" y="349802"/>
+                  </a:lnTo>
+                  <a:lnTo>
+                    <a:pt x="916259" y="456025"/>
+                  </a:lnTo>
+                  <a:lnTo>
+                    <a:pt x="868184" y="456025"/>
+                  </a:lnTo>
+                  <a:lnTo>
+                    <a:pt x="868184" y="511982"/>
+                  </a:lnTo>
+                  <a:lnTo>
+                    <a:pt x="783655" y="511982"/>
+                  </a:lnTo>
+                  <a:lnTo>
+                    <a:pt x="783655" y="568426"/>
+                  </a:lnTo>
+                  <a:lnTo>
+                    <a:pt x="698055" y="568426"/>
+                  </a:lnTo>
+                  <a:lnTo>
+                    <a:pt x="698055" y="602140"/>
+                  </a:lnTo>
+                  <a:lnTo>
+                    <a:pt x="516288" y="602140"/>
+                  </a:lnTo>
+                  <a:lnTo>
+                    <a:pt x="516288" y="658889"/>
+                  </a:lnTo>
+                  <a:lnTo>
+                    <a:pt x="448191" y="658889"/>
+                  </a:lnTo>
+                  <a:lnTo>
+                    <a:pt x="448191" y="703382"/>
+                  </a:lnTo>
+                  <a:lnTo>
+                    <a:pt x="321212" y="703382"/>
+                  </a:lnTo>
+                  <a:lnTo>
+                    <a:pt x="321212" y="623625"/>
+                  </a:lnTo>
+                  <a:lnTo>
+                    <a:pt x="321281" y="623625"/>
+                  </a:lnTo>
+                  <a:lnTo>
+                    <a:pt x="321281" y="579132"/>
+                  </a:lnTo>
+                  <a:lnTo>
+                    <a:pt x="357890" y="579132"/>
+                  </a:lnTo>
+                  <a:lnTo>
+                    <a:pt x="357889" y="522383"/>
+                  </a:lnTo>
+                  <a:lnTo>
+                    <a:pt x="426575" y="522383"/>
+                  </a:lnTo>
+                  <a:lnTo>
+                    <a:pt x="426575" y="488669"/>
+                  </a:lnTo>
+                  <a:lnTo>
+                    <a:pt x="511104" y="488669"/>
+                  </a:lnTo>
+                  <a:lnTo>
+                    <a:pt x="511104" y="432225"/>
+                  </a:lnTo>
+                  <a:lnTo>
+                    <a:pt x="550677" y="432225"/>
+                  </a:lnTo>
+                  <a:lnTo>
+                    <a:pt x="550677" y="338966"/>
+                  </a:lnTo>
+                  <a:lnTo>
+                    <a:pt x="477099" y="265002"/>
+                  </a:lnTo>
+                  <a:lnTo>
+                    <a:pt x="477181" y="233559"/>
+                  </a:lnTo>
+                  <a:lnTo>
+                    <a:pt x="364498" y="233559"/>
+                  </a:lnTo>
+                  <a:lnTo>
+                    <a:pt x="211854" y="421260"/>
+                  </a:lnTo>
+                  <a:lnTo>
+                    <a:pt x="141047" y="684756"/>
+                  </a:lnTo>
+                  <a:lnTo>
+                    <a:pt x="0" y="646854"/>
+                  </a:lnTo>
+                  <a:lnTo>
+                    <a:pt x="73913" y="371797"/>
+                  </a:lnTo>
+                  <a:lnTo>
+                    <a:pt x="60860" y="361181"/>
+                  </a:lnTo>
+                  <a:lnTo>
+                    <a:pt x="344332" y="12605"/>
+                  </a:lnTo>
+                  <a:lnTo>
+                    <a:pt x="344332" y="1522"/>
+                  </a:lnTo>
+                  <a:lnTo>
+                    <a:pt x="353346" y="1522"/>
+                  </a:lnTo>
+                  <a:lnTo>
+                    <a:pt x="354584" y="0"/>
+                  </a:lnTo>
+                  <a:lnTo>
+                    <a:pt x="356456" y="1522"/>
+                  </a:lnTo>
+                  <a:close/>
+                </a:path>
+              </a:pathLst>
+            </a:custGeom>
+            <a:solidFill>
+              <a:schemeClr val="tx1">
+                <a:lumMod val="50000"/>
+                <a:lumOff val="50000"/>
+              </a:schemeClr>
+            </a:solidFill>
+            <a:ln>
+              <a:noFill/>
+            </a:ln>
+          </p:spPr>
+          <p:style>
+            <a:lnRef idx="2">
+              <a:schemeClr val="accent1">
+                <a:shade val="15000"/>
+              </a:schemeClr>
+            </a:lnRef>
+            <a:fillRef idx="1">
+              <a:schemeClr val="accent1"/>
+            </a:fillRef>
+            <a:effectRef idx="0">
+              <a:schemeClr val="accent1"/>
+            </a:effectRef>
+            <a:fontRef idx="minor">
+              <a:schemeClr val="lt1"/>
+            </a:fontRef>
+          </p:style>
+          <p:txBody>
+            <a:bodyPr wrap="square" rtlCol="0" anchor="ctr">
+              <a:noAutofit/>
+            </a:bodyPr>
+            <a:lstStyle/>
+            <a:p>
+              <a:pPr algn="ctr"/>
+              <a:endParaRPr lang="en-GB"/>
+            </a:p>
+          </p:txBody>
+        </p:sp>
+        <p:grpSp>
+          <p:nvGrpSpPr>
+            <p:cNvPr id="99" name="Group 98">
+              <a:extLst>
+                <a:ext uri="{FF2B5EF4-FFF2-40B4-BE49-F238E27FC236}">
+                  <a16:creationId xmlns:a16="http://schemas.microsoft.com/office/drawing/2014/main" id="{0AC09807-7D0A-4BE2-7D01-40D86731C67C}"/>
+                </a:ext>
+              </a:extLst>
+            </p:cNvPr>
+            <p:cNvGrpSpPr/>
+            <p:nvPr/>
+          </p:nvGrpSpPr>
+          <p:grpSpPr>
+            <a:xfrm>
+              <a:off x="6364435" y="2698620"/>
+              <a:ext cx="1269841" cy="1111256"/>
+              <a:chOff x="6364435" y="2698620"/>
+              <a:chExt cx="1269841" cy="1111256"/>
+            </a:xfrm>
+          </p:grpSpPr>
+          <p:pic>
+            <p:nvPicPr>
+              <p:cNvPr id="93" name="Picture 92" descr="A black background with a black square&#10;&#10;AI-generated content may be incorrect.">
+                <a:extLst>
+                  <a:ext uri="{FF2B5EF4-FFF2-40B4-BE49-F238E27FC236}">
+                    <a16:creationId xmlns:a16="http://schemas.microsoft.com/office/drawing/2014/main" id="{FACF28CC-4D6C-50B3-9746-643D9B96B1C8}"/>
+                  </a:ext>
+                </a:extLst>
+              </p:cNvPr>
+              <p:cNvPicPr>
+                <a:picLocks noChangeAspect="1"/>
+              </p:cNvPicPr>
+              <p:nvPr/>
+            </p:nvPicPr>
+            <p:blipFill>
+              <a:blip r:embed="rId7">
+                <a:extLst>
+                  <a:ext uri="{28A0092B-C50C-407E-A947-70E740481C1C}">
+                    <a14:useLocalDpi xmlns:a14="http://schemas.microsoft.com/office/drawing/2010/main" val="0"/>
+                  </a:ext>
+                </a:extLst>
+              </a:blip>
+              <a:srcRect l="21551"/>
+              <a:stretch/>
+            </p:blipFill>
+            <p:spPr>
+              <a:xfrm rot="16200000" flipH="1">
+                <a:off x="6501269" y="2676869"/>
+                <a:ext cx="996173" cy="1269841"/>
+              </a:xfrm>
+              <a:prstGeom prst="rect">
+                <a:avLst/>
+              </a:prstGeom>
+            </p:spPr>
+          </p:pic>
+          <p:grpSp>
+            <p:nvGrpSpPr>
+              <p:cNvPr id="96" name="Group 95">
+                <a:extLst>
+                  <a:ext uri="{FF2B5EF4-FFF2-40B4-BE49-F238E27FC236}">
+                    <a16:creationId xmlns:a16="http://schemas.microsoft.com/office/drawing/2014/main" id="{C146B09B-7235-FC19-DC84-31D866A904D5}"/>
+                  </a:ext>
+                </a:extLst>
+              </p:cNvPr>
+              <p:cNvGrpSpPr/>
+              <p:nvPr/>
+            </p:nvGrpSpPr>
+            <p:grpSpPr>
+              <a:xfrm>
+                <a:off x="7265201" y="2703017"/>
+                <a:ext cx="330658" cy="431994"/>
+                <a:chOff x="6340581" y="2572446"/>
+                <a:chExt cx="330658" cy="431994"/>
+              </a:xfrm>
+            </p:grpSpPr>
+            <p:pic>
+              <p:nvPicPr>
+                <p:cNvPr id="97" name="Picture 96" descr="A black background with a black square&#10;&#10;AI-generated content may be incorrect.">
+                  <a:extLst>
+                    <a:ext uri="{FF2B5EF4-FFF2-40B4-BE49-F238E27FC236}">
+                      <a16:creationId xmlns:a16="http://schemas.microsoft.com/office/drawing/2014/main" id="{00D5D805-6328-3241-1850-EC6683EA38C0}"/>
+                    </a:ext>
+                  </a:extLst>
+                </p:cNvPr>
+                <p:cNvPicPr>
+                  <a:picLocks noChangeAspect="1"/>
+                </p:cNvPicPr>
+                <p:nvPr/>
+              </p:nvPicPr>
+              <p:blipFill>
+                <a:blip r:embed="rId7">
+                  <a:extLst>
+                    <a:ext uri="{28A0092B-C50C-407E-A947-70E740481C1C}">
+                      <a14:useLocalDpi xmlns:a14="http://schemas.microsoft.com/office/drawing/2010/main" val="0"/>
+                    </a:ext>
+                  </a:extLst>
+                </a:blip>
+                <a:srcRect l="10182" t="73782" r="68815" b="9209"/>
+                <a:stretch/>
+              </p:blipFill>
+              <p:spPr>
+                <a:xfrm rot="10800000" flipV="1">
+                  <a:off x="6340581" y="2788443"/>
+                  <a:ext cx="266701" cy="215997"/>
+                </a:xfrm>
+                <a:prstGeom prst="rect">
+                  <a:avLst/>
+                </a:prstGeom>
+              </p:spPr>
+            </p:pic>
+            <p:pic>
+              <p:nvPicPr>
+                <p:cNvPr id="98" name="Picture 97" descr="A black background with a black square&#10;&#10;AI-generated content may be incorrect.">
+                  <a:extLst>
+                    <a:ext uri="{FF2B5EF4-FFF2-40B4-BE49-F238E27FC236}">
+                      <a16:creationId xmlns:a16="http://schemas.microsoft.com/office/drawing/2014/main" id="{C97F7222-1B0B-2754-F4B2-F7FD72A45FEC}"/>
+                    </a:ext>
+                  </a:extLst>
+                </p:cNvPr>
+                <p:cNvPicPr>
+                  <a:picLocks noChangeAspect="1"/>
+                </p:cNvPicPr>
+                <p:nvPr/>
+              </p:nvPicPr>
+              <p:blipFill>
+                <a:blip r:embed="rId7">
+                  <a:extLst>
+                    <a:ext uri="{28A0092B-C50C-407E-A947-70E740481C1C}">
+                      <a14:useLocalDpi xmlns:a14="http://schemas.microsoft.com/office/drawing/2010/main" val="0"/>
+                    </a:ext>
+                  </a:extLst>
+                </a:blip>
+                <a:srcRect l="10182" t="73782" r="68815" b="9209"/>
+                <a:stretch/>
+              </p:blipFill>
+              <p:spPr>
+                <a:xfrm rot="10800000" flipH="1">
+                  <a:off x="6404538" y="2572446"/>
+                  <a:ext cx="266701" cy="215997"/>
+                </a:xfrm>
+                <a:prstGeom prst="rect">
+                  <a:avLst/>
+                </a:prstGeom>
+              </p:spPr>
+            </p:pic>
+          </p:grpSp>
+          <p:pic>
+            <p:nvPicPr>
+              <p:cNvPr id="94" name="Picture 93" descr="A black background with a black square&#10;&#10;AI-generated content may be incorrect.">
+                <a:extLst>
+                  <a:ext uri="{FF2B5EF4-FFF2-40B4-BE49-F238E27FC236}">
+                    <a16:creationId xmlns:a16="http://schemas.microsoft.com/office/drawing/2014/main" id="{065CFBD8-D547-B525-52F9-7474A80D467F}"/>
+                  </a:ext>
+                </a:extLst>
+              </p:cNvPr>
+              <p:cNvPicPr>
+                <a:picLocks noChangeAspect="1"/>
+              </p:cNvPicPr>
+              <p:nvPr/>
+            </p:nvPicPr>
+            <p:blipFill>
+              <a:blip r:embed="rId7">
+                <a:extLst>
+                  <a:ext uri="{28A0092B-C50C-407E-A947-70E740481C1C}">
+                    <a14:useLocalDpi xmlns:a14="http://schemas.microsoft.com/office/drawing/2010/main" val="0"/>
+                  </a:ext>
+                </a:extLst>
+              </a:blip>
+              <a:srcRect l="10200" t="49411" r="76847"/>
+              <a:stretch/>
+            </p:blipFill>
+            <p:spPr>
+              <a:xfrm rot="16200000" flipH="1">
+                <a:off x="7134804" y="2459657"/>
+                <a:ext cx="164481" cy="642408"/>
+              </a:xfrm>
+              <a:prstGeom prst="rect">
+                <a:avLst/>
+              </a:prstGeom>
+            </p:spPr>
+          </p:pic>
+        </p:grpSp>
+      </p:grpSp>
+      <p:grpSp>
+        <p:nvGrpSpPr>
+          <p:cNvPr id="107" name="Group 106">
+            <a:extLst>
+              <a:ext uri="{FF2B5EF4-FFF2-40B4-BE49-F238E27FC236}">
+                <a16:creationId xmlns:a16="http://schemas.microsoft.com/office/drawing/2014/main" id="{03EA1908-AEE7-E2A5-0110-B5032228B154}"/>
+              </a:ext>
+            </a:extLst>
+          </p:cNvPr>
+          <p:cNvGrpSpPr>
+            <a:grpSpLocks/>
+          </p:cNvGrpSpPr>
+          <p:nvPr/>
+        </p:nvGrpSpPr>
+        <p:grpSpPr>
+          <a:xfrm>
+            <a:off x="3822563" y="1829439"/>
+            <a:ext cx="1269841" cy="1111992"/>
+            <a:chOff x="6364435" y="2698620"/>
+            <a:chExt cx="1269841" cy="1111992"/>
+          </a:xfrm>
+        </p:grpSpPr>
+        <p:sp>
+          <p:nvSpPr>
+            <p:cNvPr id="108" name="Freeform: Shape 107">
+              <a:extLst>
+                <a:ext uri="{FF2B5EF4-FFF2-40B4-BE49-F238E27FC236}">
+                  <a16:creationId xmlns:a16="http://schemas.microsoft.com/office/drawing/2014/main" id="{5EA310D7-FB59-856A-D1CD-D15D2810928C}"/>
                 </a:ext>
               </a:extLst>
             </p:cNvPr>
@@ -11042,7 +14129,848 @@
           </p:nvSpPr>
           <p:spPr>
             <a:xfrm rot="20697523">
-              <a:off x="3943648" y="3505098"/>
+              <a:off x="6415663" y="2868068"/>
+              <a:ext cx="1085707" cy="709560"/>
+            </a:xfrm>
+            <a:custGeom>
+              <a:avLst/>
+              <a:gdLst>
+                <a:gd name="connsiteX0" fmla="*/ 1085707 w 1085707"/>
+                <a:gd name="connsiteY0" fmla="*/ 1522 h 703382"/>
+                <a:gd name="connsiteX1" fmla="*/ 1085707 w 1085707"/>
+                <a:gd name="connsiteY1" fmla="*/ 233559 h 703382"/>
+                <a:gd name="connsiteX2" fmla="*/ 1084733 w 1085707"/>
+                <a:gd name="connsiteY2" fmla="*/ 233559 h 703382"/>
+                <a:gd name="connsiteX3" fmla="*/ 1084429 w 1085707"/>
+                <a:gd name="connsiteY3" fmla="*/ 350240 h 703382"/>
+                <a:gd name="connsiteX4" fmla="*/ 916260 w 1085707"/>
+                <a:gd name="connsiteY4" fmla="*/ 349802 h 703382"/>
+                <a:gd name="connsiteX5" fmla="*/ 916259 w 1085707"/>
+                <a:gd name="connsiteY5" fmla="*/ 456025 h 703382"/>
+                <a:gd name="connsiteX6" fmla="*/ 868184 w 1085707"/>
+                <a:gd name="connsiteY6" fmla="*/ 456025 h 703382"/>
+                <a:gd name="connsiteX7" fmla="*/ 868184 w 1085707"/>
+                <a:gd name="connsiteY7" fmla="*/ 511982 h 703382"/>
+                <a:gd name="connsiteX8" fmla="*/ 783655 w 1085707"/>
+                <a:gd name="connsiteY8" fmla="*/ 511982 h 703382"/>
+                <a:gd name="connsiteX9" fmla="*/ 783655 w 1085707"/>
+                <a:gd name="connsiteY9" fmla="*/ 568426 h 703382"/>
+                <a:gd name="connsiteX10" fmla="*/ 698055 w 1085707"/>
+                <a:gd name="connsiteY10" fmla="*/ 568426 h 703382"/>
+                <a:gd name="connsiteX11" fmla="*/ 698055 w 1085707"/>
+                <a:gd name="connsiteY11" fmla="*/ 602140 h 703382"/>
+                <a:gd name="connsiteX12" fmla="*/ 516288 w 1085707"/>
+                <a:gd name="connsiteY12" fmla="*/ 602140 h 703382"/>
+                <a:gd name="connsiteX13" fmla="*/ 516288 w 1085707"/>
+                <a:gd name="connsiteY13" fmla="*/ 658889 h 703382"/>
+                <a:gd name="connsiteX14" fmla="*/ 448191 w 1085707"/>
+                <a:gd name="connsiteY14" fmla="*/ 658889 h 703382"/>
+                <a:gd name="connsiteX15" fmla="*/ 448191 w 1085707"/>
+                <a:gd name="connsiteY15" fmla="*/ 703382 h 703382"/>
+                <a:gd name="connsiteX16" fmla="*/ 321212 w 1085707"/>
+                <a:gd name="connsiteY16" fmla="*/ 703382 h 703382"/>
+                <a:gd name="connsiteX17" fmla="*/ 321212 w 1085707"/>
+                <a:gd name="connsiteY17" fmla="*/ 623625 h 703382"/>
+                <a:gd name="connsiteX18" fmla="*/ 321281 w 1085707"/>
+                <a:gd name="connsiteY18" fmla="*/ 623625 h 703382"/>
+                <a:gd name="connsiteX19" fmla="*/ 321281 w 1085707"/>
+                <a:gd name="connsiteY19" fmla="*/ 579132 h 703382"/>
+                <a:gd name="connsiteX20" fmla="*/ 357890 w 1085707"/>
+                <a:gd name="connsiteY20" fmla="*/ 579132 h 703382"/>
+                <a:gd name="connsiteX21" fmla="*/ 357889 w 1085707"/>
+                <a:gd name="connsiteY21" fmla="*/ 522383 h 703382"/>
+                <a:gd name="connsiteX22" fmla="*/ 426575 w 1085707"/>
+                <a:gd name="connsiteY22" fmla="*/ 522383 h 703382"/>
+                <a:gd name="connsiteX23" fmla="*/ 426575 w 1085707"/>
+                <a:gd name="connsiteY23" fmla="*/ 488669 h 703382"/>
+                <a:gd name="connsiteX24" fmla="*/ 511104 w 1085707"/>
+                <a:gd name="connsiteY24" fmla="*/ 488669 h 703382"/>
+                <a:gd name="connsiteX25" fmla="*/ 511104 w 1085707"/>
+                <a:gd name="connsiteY25" fmla="*/ 432225 h 703382"/>
+                <a:gd name="connsiteX26" fmla="*/ 550677 w 1085707"/>
+                <a:gd name="connsiteY26" fmla="*/ 432225 h 703382"/>
+                <a:gd name="connsiteX27" fmla="*/ 550677 w 1085707"/>
+                <a:gd name="connsiteY27" fmla="*/ 338966 h 703382"/>
+                <a:gd name="connsiteX28" fmla="*/ 477099 w 1085707"/>
+                <a:gd name="connsiteY28" fmla="*/ 265002 h 703382"/>
+                <a:gd name="connsiteX29" fmla="*/ 477181 w 1085707"/>
+                <a:gd name="connsiteY29" fmla="*/ 233559 h 703382"/>
+                <a:gd name="connsiteX30" fmla="*/ 364498 w 1085707"/>
+                <a:gd name="connsiteY30" fmla="*/ 233559 h 703382"/>
+                <a:gd name="connsiteX31" fmla="*/ 211854 w 1085707"/>
+                <a:gd name="connsiteY31" fmla="*/ 421260 h 703382"/>
+                <a:gd name="connsiteX32" fmla="*/ 141047 w 1085707"/>
+                <a:gd name="connsiteY32" fmla="*/ 684756 h 703382"/>
+                <a:gd name="connsiteX33" fmla="*/ 0 w 1085707"/>
+                <a:gd name="connsiteY33" fmla="*/ 646854 h 703382"/>
+                <a:gd name="connsiteX34" fmla="*/ 73913 w 1085707"/>
+                <a:gd name="connsiteY34" fmla="*/ 371797 h 703382"/>
+                <a:gd name="connsiteX35" fmla="*/ 60860 w 1085707"/>
+                <a:gd name="connsiteY35" fmla="*/ 361181 h 703382"/>
+                <a:gd name="connsiteX36" fmla="*/ 344332 w 1085707"/>
+                <a:gd name="connsiteY36" fmla="*/ 12605 h 703382"/>
+                <a:gd name="connsiteX37" fmla="*/ 344332 w 1085707"/>
+                <a:gd name="connsiteY37" fmla="*/ 1522 h 703382"/>
+                <a:gd name="connsiteX38" fmla="*/ 353346 w 1085707"/>
+                <a:gd name="connsiteY38" fmla="*/ 1522 h 703382"/>
+                <a:gd name="connsiteX39" fmla="*/ 354584 w 1085707"/>
+                <a:gd name="connsiteY39" fmla="*/ 0 h 703382"/>
+                <a:gd name="connsiteX40" fmla="*/ 356456 w 1085707"/>
+                <a:gd name="connsiteY40" fmla="*/ 1522 h 703382"/>
+              </a:gdLst>
+              <a:ahLst/>
+              <a:cxnLst>
+                <a:cxn ang="0">
+                  <a:pos x="connsiteX0" y="connsiteY0"/>
+                </a:cxn>
+                <a:cxn ang="0">
+                  <a:pos x="connsiteX1" y="connsiteY1"/>
+                </a:cxn>
+                <a:cxn ang="0">
+                  <a:pos x="connsiteX2" y="connsiteY2"/>
+                </a:cxn>
+                <a:cxn ang="0">
+                  <a:pos x="connsiteX3" y="connsiteY3"/>
+                </a:cxn>
+                <a:cxn ang="0">
+                  <a:pos x="connsiteX4" y="connsiteY4"/>
+                </a:cxn>
+                <a:cxn ang="0">
+                  <a:pos x="connsiteX5" y="connsiteY5"/>
+                </a:cxn>
+                <a:cxn ang="0">
+                  <a:pos x="connsiteX6" y="connsiteY6"/>
+                </a:cxn>
+                <a:cxn ang="0">
+                  <a:pos x="connsiteX7" y="connsiteY7"/>
+                </a:cxn>
+                <a:cxn ang="0">
+                  <a:pos x="connsiteX8" y="connsiteY8"/>
+                </a:cxn>
+                <a:cxn ang="0">
+                  <a:pos x="connsiteX9" y="connsiteY9"/>
+                </a:cxn>
+                <a:cxn ang="0">
+                  <a:pos x="connsiteX10" y="connsiteY10"/>
+                </a:cxn>
+                <a:cxn ang="0">
+                  <a:pos x="connsiteX11" y="connsiteY11"/>
+                </a:cxn>
+                <a:cxn ang="0">
+                  <a:pos x="connsiteX12" y="connsiteY12"/>
+                </a:cxn>
+                <a:cxn ang="0">
+                  <a:pos x="connsiteX13" y="connsiteY13"/>
+                </a:cxn>
+                <a:cxn ang="0">
+                  <a:pos x="connsiteX14" y="connsiteY14"/>
+                </a:cxn>
+                <a:cxn ang="0">
+                  <a:pos x="connsiteX15" y="connsiteY15"/>
+                </a:cxn>
+                <a:cxn ang="0">
+                  <a:pos x="connsiteX16" y="connsiteY16"/>
+                </a:cxn>
+                <a:cxn ang="0">
+                  <a:pos x="connsiteX17" y="connsiteY17"/>
+                </a:cxn>
+                <a:cxn ang="0">
+                  <a:pos x="connsiteX18" y="connsiteY18"/>
+                </a:cxn>
+                <a:cxn ang="0">
+                  <a:pos x="connsiteX19" y="connsiteY19"/>
+                </a:cxn>
+                <a:cxn ang="0">
+                  <a:pos x="connsiteX20" y="connsiteY20"/>
+                </a:cxn>
+                <a:cxn ang="0">
+                  <a:pos x="connsiteX21" y="connsiteY21"/>
+                </a:cxn>
+                <a:cxn ang="0">
+                  <a:pos x="connsiteX22" y="connsiteY22"/>
+                </a:cxn>
+                <a:cxn ang="0">
+                  <a:pos x="connsiteX23" y="connsiteY23"/>
+                </a:cxn>
+                <a:cxn ang="0">
+                  <a:pos x="connsiteX24" y="connsiteY24"/>
+                </a:cxn>
+                <a:cxn ang="0">
+                  <a:pos x="connsiteX25" y="connsiteY25"/>
+                </a:cxn>
+                <a:cxn ang="0">
+                  <a:pos x="connsiteX26" y="connsiteY26"/>
+                </a:cxn>
+                <a:cxn ang="0">
+                  <a:pos x="connsiteX27" y="connsiteY27"/>
+                </a:cxn>
+                <a:cxn ang="0">
+                  <a:pos x="connsiteX28" y="connsiteY28"/>
+                </a:cxn>
+                <a:cxn ang="0">
+                  <a:pos x="connsiteX29" y="connsiteY29"/>
+                </a:cxn>
+                <a:cxn ang="0">
+                  <a:pos x="connsiteX30" y="connsiteY30"/>
+                </a:cxn>
+                <a:cxn ang="0">
+                  <a:pos x="connsiteX31" y="connsiteY31"/>
+                </a:cxn>
+                <a:cxn ang="0">
+                  <a:pos x="connsiteX32" y="connsiteY32"/>
+                </a:cxn>
+                <a:cxn ang="0">
+                  <a:pos x="connsiteX33" y="connsiteY33"/>
+                </a:cxn>
+                <a:cxn ang="0">
+                  <a:pos x="connsiteX34" y="connsiteY34"/>
+                </a:cxn>
+                <a:cxn ang="0">
+                  <a:pos x="connsiteX35" y="connsiteY35"/>
+                </a:cxn>
+                <a:cxn ang="0">
+                  <a:pos x="connsiteX36" y="connsiteY36"/>
+                </a:cxn>
+                <a:cxn ang="0">
+                  <a:pos x="connsiteX37" y="connsiteY37"/>
+                </a:cxn>
+                <a:cxn ang="0">
+                  <a:pos x="connsiteX38" y="connsiteY38"/>
+                </a:cxn>
+                <a:cxn ang="0">
+                  <a:pos x="connsiteX39" y="connsiteY39"/>
+                </a:cxn>
+                <a:cxn ang="0">
+                  <a:pos x="connsiteX40" y="connsiteY40"/>
+                </a:cxn>
+              </a:cxnLst>
+              <a:rect l="l" t="t" r="r" b="b"/>
+              <a:pathLst>
+                <a:path w="1085707" h="703382">
+                  <a:moveTo>
+                    <a:pt x="1085707" y="1522"/>
+                  </a:moveTo>
+                  <a:lnTo>
+                    <a:pt x="1085707" y="233559"/>
+                  </a:lnTo>
+                  <a:lnTo>
+                    <a:pt x="1084733" y="233559"/>
+                  </a:lnTo>
+                  <a:lnTo>
+                    <a:pt x="1084429" y="350240"/>
+                  </a:lnTo>
+                  <a:lnTo>
+                    <a:pt x="916260" y="349802"/>
+                  </a:lnTo>
+                  <a:lnTo>
+                    <a:pt x="916259" y="456025"/>
+                  </a:lnTo>
+                  <a:lnTo>
+                    <a:pt x="868184" y="456025"/>
+                  </a:lnTo>
+                  <a:lnTo>
+                    <a:pt x="868184" y="511982"/>
+                  </a:lnTo>
+                  <a:lnTo>
+                    <a:pt x="783655" y="511982"/>
+                  </a:lnTo>
+                  <a:lnTo>
+                    <a:pt x="783655" y="568426"/>
+                  </a:lnTo>
+                  <a:lnTo>
+                    <a:pt x="698055" y="568426"/>
+                  </a:lnTo>
+                  <a:lnTo>
+                    <a:pt x="698055" y="602140"/>
+                  </a:lnTo>
+                  <a:lnTo>
+                    <a:pt x="516288" y="602140"/>
+                  </a:lnTo>
+                  <a:lnTo>
+                    <a:pt x="516288" y="658889"/>
+                  </a:lnTo>
+                  <a:lnTo>
+                    <a:pt x="448191" y="658889"/>
+                  </a:lnTo>
+                  <a:lnTo>
+                    <a:pt x="448191" y="703382"/>
+                  </a:lnTo>
+                  <a:lnTo>
+                    <a:pt x="321212" y="703382"/>
+                  </a:lnTo>
+                  <a:lnTo>
+                    <a:pt x="321212" y="623625"/>
+                  </a:lnTo>
+                  <a:lnTo>
+                    <a:pt x="321281" y="623625"/>
+                  </a:lnTo>
+                  <a:lnTo>
+                    <a:pt x="321281" y="579132"/>
+                  </a:lnTo>
+                  <a:lnTo>
+                    <a:pt x="357890" y="579132"/>
+                  </a:lnTo>
+                  <a:lnTo>
+                    <a:pt x="357889" y="522383"/>
+                  </a:lnTo>
+                  <a:lnTo>
+                    <a:pt x="426575" y="522383"/>
+                  </a:lnTo>
+                  <a:lnTo>
+                    <a:pt x="426575" y="488669"/>
+                  </a:lnTo>
+                  <a:lnTo>
+                    <a:pt x="511104" y="488669"/>
+                  </a:lnTo>
+                  <a:lnTo>
+                    <a:pt x="511104" y="432225"/>
+                  </a:lnTo>
+                  <a:lnTo>
+                    <a:pt x="550677" y="432225"/>
+                  </a:lnTo>
+                  <a:lnTo>
+                    <a:pt x="550677" y="338966"/>
+                  </a:lnTo>
+                  <a:lnTo>
+                    <a:pt x="477099" y="265002"/>
+                  </a:lnTo>
+                  <a:lnTo>
+                    <a:pt x="477181" y="233559"/>
+                  </a:lnTo>
+                  <a:lnTo>
+                    <a:pt x="364498" y="233559"/>
+                  </a:lnTo>
+                  <a:lnTo>
+                    <a:pt x="211854" y="421260"/>
+                  </a:lnTo>
+                  <a:lnTo>
+                    <a:pt x="141047" y="684756"/>
+                  </a:lnTo>
+                  <a:lnTo>
+                    <a:pt x="0" y="646854"/>
+                  </a:lnTo>
+                  <a:lnTo>
+                    <a:pt x="73913" y="371797"/>
+                  </a:lnTo>
+                  <a:lnTo>
+                    <a:pt x="60860" y="361181"/>
+                  </a:lnTo>
+                  <a:lnTo>
+                    <a:pt x="344332" y="12605"/>
+                  </a:lnTo>
+                  <a:lnTo>
+                    <a:pt x="344332" y="1522"/>
+                  </a:lnTo>
+                  <a:lnTo>
+                    <a:pt x="353346" y="1522"/>
+                  </a:lnTo>
+                  <a:lnTo>
+                    <a:pt x="354584" y="0"/>
+                  </a:lnTo>
+                  <a:lnTo>
+                    <a:pt x="356456" y="1522"/>
+                  </a:lnTo>
+                  <a:close/>
+                </a:path>
+              </a:pathLst>
+            </a:custGeom>
+            <a:solidFill>
+              <a:schemeClr val="bg1"/>
+            </a:solidFill>
+            <a:ln>
+              <a:noFill/>
+            </a:ln>
+          </p:spPr>
+          <p:style>
+            <a:lnRef idx="2">
+              <a:schemeClr val="accent1">
+                <a:shade val="15000"/>
+              </a:schemeClr>
+            </a:lnRef>
+            <a:fillRef idx="1">
+              <a:schemeClr val="accent1"/>
+            </a:fillRef>
+            <a:effectRef idx="0">
+              <a:schemeClr val="accent1"/>
+            </a:effectRef>
+            <a:fontRef idx="minor">
+              <a:schemeClr val="lt1"/>
+            </a:fontRef>
+          </p:style>
+          <p:txBody>
+            <a:bodyPr wrap="square" rtlCol="0" anchor="ctr">
+              <a:noAutofit/>
+            </a:bodyPr>
+            <a:lstStyle/>
+            <a:p>
+              <a:pPr algn="ctr"/>
+              <a:endParaRPr lang="en-GB"/>
+            </a:p>
+          </p:txBody>
+        </p:sp>
+        <p:grpSp>
+          <p:nvGrpSpPr>
+            <p:cNvPr id="109" name="Group 108">
+              <a:extLst>
+                <a:ext uri="{FF2B5EF4-FFF2-40B4-BE49-F238E27FC236}">
+                  <a16:creationId xmlns:a16="http://schemas.microsoft.com/office/drawing/2014/main" id="{0636BE5E-3484-2E71-0041-3FD2108E815A}"/>
+                </a:ext>
+              </a:extLst>
+            </p:cNvPr>
+            <p:cNvGrpSpPr>
+              <a:grpSpLocks/>
+            </p:cNvGrpSpPr>
+            <p:nvPr/>
+          </p:nvGrpSpPr>
+          <p:grpSpPr>
+            <a:xfrm>
+              <a:off x="6364435" y="2698620"/>
+              <a:ext cx="1269841" cy="1111992"/>
+              <a:chOff x="6364435" y="2698620"/>
+              <a:chExt cx="1269841" cy="1111992"/>
+            </a:xfrm>
+          </p:grpSpPr>
+          <p:pic>
+            <p:nvPicPr>
+              <p:cNvPr id="110" name="Picture 109" descr="A black background with a black square&#10;&#10;AI-generated content may be incorrect.">
+                <a:extLst>
+                  <a:ext uri="{FF2B5EF4-FFF2-40B4-BE49-F238E27FC236}">
+                    <a16:creationId xmlns:a16="http://schemas.microsoft.com/office/drawing/2014/main" id="{90402DAD-92BB-BB3D-CE7C-8323DBFB6C62}"/>
+                  </a:ext>
+                </a:extLst>
+              </p:cNvPr>
+              <p:cNvPicPr>
+                <a:picLocks noChangeAspect="1"/>
+              </p:cNvPicPr>
+              <p:nvPr/>
+            </p:nvPicPr>
+            <p:blipFill>
+              <a:blip r:embed="rId7">
+                <a:extLst>
+                  <a:ext uri="{28A0092B-C50C-407E-A947-70E740481C1C}">
+                    <a14:useLocalDpi xmlns:a14="http://schemas.microsoft.com/office/drawing/2010/main" val="0"/>
+                  </a:ext>
+                </a:extLst>
+              </a:blip>
+              <a:srcRect l="21551"/>
+              <a:stretch/>
+            </p:blipFill>
+            <p:spPr>
+              <a:xfrm rot="16200000" flipH="1">
+                <a:off x="6501269" y="2677605"/>
+                <a:ext cx="996173" cy="1269841"/>
+              </a:xfrm>
+              <a:prstGeom prst="rect">
+                <a:avLst/>
+              </a:prstGeom>
+            </p:spPr>
+          </p:pic>
+          <p:grpSp>
+            <p:nvGrpSpPr>
+              <p:cNvPr id="111" name="Group 110">
+                <a:extLst>
+                  <a:ext uri="{FF2B5EF4-FFF2-40B4-BE49-F238E27FC236}">
+                    <a16:creationId xmlns:a16="http://schemas.microsoft.com/office/drawing/2014/main" id="{5ECCAE78-31B4-6B41-369E-A37E0B25F534}"/>
+                  </a:ext>
+                </a:extLst>
+              </p:cNvPr>
+              <p:cNvGrpSpPr>
+                <a:grpSpLocks/>
+              </p:cNvGrpSpPr>
+              <p:nvPr/>
+            </p:nvGrpSpPr>
+            <p:grpSpPr>
+              <a:xfrm>
+                <a:off x="7265201" y="2703017"/>
+                <a:ext cx="330658" cy="431994"/>
+                <a:chOff x="6340581" y="2572446"/>
+                <a:chExt cx="330658" cy="431994"/>
+              </a:xfrm>
+            </p:grpSpPr>
+            <p:pic>
+              <p:nvPicPr>
+                <p:cNvPr id="113" name="Picture 112" descr="A black background with a black square&#10;&#10;AI-generated content may be incorrect.">
+                  <a:extLst>
+                    <a:ext uri="{FF2B5EF4-FFF2-40B4-BE49-F238E27FC236}">
+                      <a16:creationId xmlns:a16="http://schemas.microsoft.com/office/drawing/2014/main" id="{F757AAD2-48A9-4CC3-A98F-63B9A20C01A1}"/>
+                    </a:ext>
+                  </a:extLst>
+                </p:cNvPr>
+                <p:cNvPicPr>
+                  <a:picLocks noChangeAspect="1"/>
+                </p:cNvPicPr>
+                <p:nvPr/>
+              </p:nvPicPr>
+              <p:blipFill>
+                <a:blip r:embed="rId7">
+                  <a:extLst>
+                    <a:ext uri="{28A0092B-C50C-407E-A947-70E740481C1C}">
+                      <a14:useLocalDpi xmlns:a14="http://schemas.microsoft.com/office/drawing/2010/main" val="0"/>
+                    </a:ext>
+                  </a:extLst>
+                </a:blip>
+                <a:srcRect l="10182" t="73782" r="68815" b="9209"/>
+                <a:stretch/>
+              </p:blipFill>
+              <p:spPr>
+                <a:xfrm rot="10800000" flipV="1">
+                  <a:off x="6340581" y="2788443"/>
+                  <a:ext cx="266701" cy="215997"/>
+                </a:xfrm>
+                <a:prstGeom prst="rect">
+                  <a:avLst/>
+                </a:prstGeom>
+              </p:spPr>
+            </p:pic>
+            <p:pic>
+              <p:nvPicPr>
+                <p:cNvPr id="114" name="Picture 113" descr="A black background with a black square&#10;&#10;AI-generated content may be incorrect.">
+                  <a:extLst>
+                    <a:ext uri="{FF2B5EF4-FFF2-40B4-BE49-F238E27FC236}">
+                      <a16:creationId xmlns:a16="http://schemas.microsoft.com/office/drawing/2014/main" id="{3DC5B88B-52B9-A435-F0FE-BAB56AD1302D}"/>
+                    </a:ext>
+                  </a:extLst>
+                </p:cNvPr>
+                <p:cNvPicPr>
+                  <a:picLocks noChangeAspect="1"/>
+                </p:cNvPicPr>
+                <p:nvPr/>
+              </p:nvPicPr>
+              <p:blipFill>
+                <a:blip r:embed="rId7">
+                  <a:extLst>
+                    <a:ext uri="{28A0092B-C50C-407E-A947-70E740481C1C}">
+                      <a14:useLocalDpi xmlns:a14="http://schemas.microsoft.com/office/drawing/2010/main" val="0"/>
+                    </a:ext>
+                  </a:extLst>
+                </a:blip>
+                <a:srcRect l="10182" t="73782" r="68815" b="9209"/>
+                <a:stretch/>
+              </p:blipFill>
+              <p:spPr>
+                <a:xfrm rot="10800000" flipH="1">
+                  <a:off x="6404538" y="2572446"/>
+                  <a:ext cx="266701" cy="215997"/>
+                </a:xfrm>
+                <a:prstGeom prst="rect">
+                  <a:avLst/>
+                </a:prstGeom>
+              </p:spPr>
+            </p:pic>
+          </p:grpSp>
+          <p:pic>
+            <p:nvPicPr>
+              <p:cNvPr id="112" name="Picture 111" descr="A black background with a black square&#10;&#10;AI-generated content may be incorrect.">
+                <a:extLst>
+                  <a:ext uri="{FF2B5EF4-FFF2-40B4-BE49-F238E27FC236}">
+                    <a16:creationId xmlns:a16="http://schemas.microsoft.com/office/drawing/2014/main" id="{E830D50D-D3EA-6912-90BB-0FC1C2A6C627}"/>
+                  </a:ext>
+                </a:extLst>
+              </p:cNvPr>
+              <p:cNvPicPr>
+                <a:picLocks noChangeAspect="1"/>
+              </p:cNvPicPr>
+              <p:nvPr/>
+            </p:nvPicPr>
+            <p:blipFill>
+              <a:blip r:embed="rId7">
+                <a:extLst>
+                  <a:ext uri="{28A0092B-C50C-407E-A947-70E740481C1C}">
+                    <a14:useLocalDpi xmlns:a14="http://schemas.microsoft.com/office/drawing/2010/main" val="0"/>
+                  </a:ext>
+                </a:extLst>
+              </a:blip>
+              <a:srcRect l="10200" t="49411" r="76847"/>
+              <a:stretch/>
+            </p:blipFill>
+            <p:spPr>
+              <a:xfrm rot="16200000" flipH="1">
+                <a:off x="7134804" y="2459657"/>
+                <a:ext cx="164481" cy="642408"/>
+              </a:xfrm>
+              <a:prstGeom prst="rect">
+                <a:avLst/>
+              </a:prstGeom>
+            </p:spPr>
+          </p:pic>
+        </p:grpSp>
+      </p:grpSp>
+      <p:pic>
+        <p:nvPicPr>
+          <p:cNvPr id="1028" name="Picture 4" descr="Windows Mouse Cursor: Over 3,504 Royalty-Free Licensable Stock  Illustrations &amp; Drawings | Shutterstock">
+            <a:extLst>
+              <a:ext uri="{FF2B5EF4-FFF2-40B4-BE49-F238E27FC236}">
+                <a16:creationId xmlns:a16="http://schemas.microsoft.com/office/drawing/2014/main" id="{9EDAEB63-1A67-6B7A-FCF8-DD8016B02ABE}"/>
+              </a:ext>
+            </a:extLst>
+          </p:cNvPr>
+          <p:cNvPicPr>
+            <a:picLocks noChangeAspect="1" noChangeArrowheads="1"/>
+          </p:cNvPicPr>
+          <p:nvPr/>
+        </p:nvPicPr>
+        <p:blipFill rotWithShape="1">
+          <a:blip r:embed="rId8">
+            <a:clrChange>
+              <a:clrFrom>
+                <a:srgbClr val="FFFFFF"/>
+              </a:clrFrom>
+              <a:clrTo>
+                <a:srgbClr val="FFFFFF">
+                  <a:alpha val="0"/>
+                </a:srgbClr>
+              </a:clrTo>
+            </a:clrChange>
+            <a:extLst>
+              <a:ext uri="{28A0092B-C50C-407E-A947-70E740481C1C}">
+                <a14:useLocalDpi xmlns:a14="http://schemas.microsoft.com/office/drawing/2010/main" val="0"/>
+              </a:ext>
+            </a:extLst>
+          </a:blip>
+          <a:srcRect l="54242" t="20520" r="31463" b="28060"/>
+          <a:stretch>
+            <a:fillRect/>
+          </a:stretch>
+        </p:blipFill>
+        <p:spPr bwMode="auto">
+          <a:xfrm>
+            <a:off x="4493006" y="551202"/>
+            <a:ext cx="171938" cy="190500"/>
+          </a:xfrm>
+          <a:prstGeom prst="rect">
+            <a:avLst/>
+          </a:prstGeom>
+          <a:noFill/>
+          <a:extLst>
+            <a:ext uri="{909E8E84-426E-40DD-AFC4-6F175D3DCCD1}">
+              <a14:hiddenFill xmlns:a14="http://schemas.microsoft.com/office/drawing/2010/main">
+                <a:solidFill>
+                  <a:srgbClr val="FFFFFF"/>
+                </a:solidFill>
+              </a14:hiddenFill>
+            </a:ext>
+          </a:extLst>
+        </p:spPr>
+      </p:pic>
+      <p:sp>
+        <p:nvSpPr>
+          <p:cNvPr id="7" name="Rectangle 6">
+            <a:extLst>
+              <a:ext uri="{FF2B5EF4-FFF2-40B4-BE49-F238E27FC236}">
+                <a16:creationId xmlns:a16="http://schemas.microsoft.com/office/drawing/2014/main" id="{55685CC3-ED4A-2F3D-5730-49C67145A6C8}"/>
+              </a:ext>
+            </a:extLst>
+          </p:cNvPr>
+          <p:cNvSpPr>
+            <a:spLocks noChangeAspect="1"/>
+          </p:cNvSpPr>
+          <p:nvPr/>
+        </p:nvSpPr>
+        <p:spPr>
+          <a:xfrm>
+            <a:off x="7902596" y="3652611"/>
+            <a:ext cx="1146105" cy="1269840"/>
+          </a:xfrm>
+          <a:prstGeom prst="rect">
+            <a:avLst/>
+          </a:prstGeom>
+          <a:solidFill>
+            <a:srgbClr val="000000">
+              <a:alpha val="47059"/>
+            </a:srgbClr>
+          </a:solidFill>
+          <a:ln>
+            <a:noFill/>
+          </a:ln>
+        </p:spPr>
+        <p:style>
+          <a:lnRef idx="2">
+            <a:schemeClr val="accent1">
+              <a:shade val="15000"/>
+            </a:schemeClr>
+          </a:lnRef>
+          <a:fillRef idx="1">
+            <a:schemeClr val="accent1"/>
+          </a:fillRef>
+          <a:effectRef idx="0">
+            <a:schemeClr val="accent1"/>
+          </a:effectRef>
+          <a:fontRef idx="minor">
+            <a:schemeClr val="lt1"/>
+          </a:fontRef>
+        </p:style>
+        <p:txBody>
+          <a:bodyPr rtlCol="0" anchor="ctr"/>
+          <a:lstStyle/>
+          <a:p>
+            <a:pPr algn="ctr"/>
+            <a:endParaRPr lang="en-GB" dirty="0"/>
+          </a:p>
+        </p:txBody>
+      </p:sp>
+      <p:sp>
+        <p:nvSpPr>
+          <p:cNvPr id="34" name="Rectangle 33">
+            <a:extLst>
+              <a:ext uri="{FF2B5EF4-FFF2-40B4-BE49-F238E27FC236}">
+                <a16:creationId xmlns:a16="http://schemas.microsoft.com/office/drawing/2014/main" id="{C928D708-7623-DB31-4AF6-8F920479F94C}"/>
+              </a:ext>
+            </a:extLst>
+          </p:cNvPr>
+          <p:cNvSpPr>
+            <a:spLocks noChangeAspect="1"/>
+          </p:cNvSpPr>
+          <p:nvPr/>
+        </p:nvSpPr>
+        <p:spPr>
+          <a:xfrm>
+            <a:off x="10020300" y="3718804"/>
+            <a:ext cx="1189975" cy="1702359"/>
+          </a:xfrm>
+          <a:prstGeom prst="rect">
+            <a:avLst/>
+          </a:prstGeom>
+          <a:solidFill>
+            <a:schemeClr val="tx1"/>
+          </a:solidFill>
+          <a:ln>
+            <a:noFill/>
+          </a:ln>
+        </p:spPr>
+        <p:style>
+          <a:lnRef idx="2">
+            <a:schemeClr val="accent1">
+              <a:shade val="15000"/>
+            </a:schemeClr>
+          </a:lnRef>
+          <a:fillRef idx="1">
+            <a:schemeClr val="accent1"/>
+          </a:fillRef>
+          <a:effectRef idx="0">
+            <a:schemeClr val="accent1"/>
+          </a:effectRef>
+          <a:fontRef idx="minor">
+            <a:schemeClr val="lt1"/>
+          </a:fontRef>
+        </p:style>
+        <p:txBody>
+          <a:bodyPr rtlCol="0" anchor="ctr"/>
+          <a:lstStyle/>
+          <a:p>
+            <a:pPr algn="ctr"/>
+            <a:endParaRPr lang="en-GB" dirty="0"/>
+          </a:p>
+        </p:txBody>
+      </p:sp>
+      <p:pic>
+        <p:nvPicPr>
+          <p:cNvPr id="1043" name="Picture 1042">
+            <a:extLst>
+              <a:ext uri="{FF2B5EF4-FFF2-40B4-BE49-F238E27FC236}">
+                <a16:creationId xmlns:a16="http://schemas.microsoft.com/office/drawing/2014/main" id="{71EA9D97-3170-736D-2F00-D03CB1DB8576}"/>
+              </a:ext>
+            </a:extLst>
+          </p:cNvPr>
+          <p:cNvPicPr>
+            <a:picLocks noChangeAspect="1"/>
+          </p:cNvPicPr>
+          <p:nvPr/>
+        </p:nvPicPr>
+        <p:blipFill>
+          <a:blip r:embed="rId9">
+            <a:extLst>
+              <a:ext uri="{28A0092B-C50C-407E-A947-70E740481C1C}">
+                <a14:useLocalDpi xmlns:a14="http://schemas.microsoft.com/office/drawing/2010/main" val="0"/>
+              </a:ext>
+            </a:extLst>
+          </a:blip>
+          <a:stretch>
+            <a:fillRect/>
+          </a:stretch>
+        </p:blipFill>
+        <p:spPr>
+          <a:xfrm>
+            <a:off x="4513777" y="5083586"/>
+            <a:ext cx="209550" cy="183471"/>
+          </a:xfrm>
+          <a:prstGeom prst="rect">
+            <a:avLst/>
+          </a:prstGeom>
+        </p:spPr>
+      </p:pic>
+      <p:pic>
+        <p:nvPicPr>
+          <p:cNvPr id="1045" name="Picture 1044">
+            <a:extLst>
+              <a:ext uri="{FF2B5EF4-FFF2-40B4-BE49-F238E27FC236}">
+                <a16:creationId xmlns:a16="http://schemas.microsoft.com/office/drawing/2014/main" id="{99E9E48B-1FFD-515D-C1B5-594BAE1754D5}"/>
+              </a:ext>
+            </a:extLst>
+          </p:cNvPr>
+          <p:cNvPicPr>
+            <a:picLocks noChangeAspect="1"/>
+          </p:cNvPicPr>
+          <p:nvPr/>
+        </p:nvPicPr>
+        <p:blipFill>
+          <a:blip r:embed="rId10">
+            <a:extLst>
+              <a:ext uri="{28A0092B-C50C-407E-A947-70E740481C1C}">
+                <a14:useLocalDpi xmlns:a14="http://schemas.microsoft.com/office/drawing/2010/main" val="0"/>
+              </a:ext>
+            </a:extLst>
+          </a:blip>
+          <a:stretch>
+            <a:fillRect/>
+          </a:stretch>
+        </p:blipFill>
+        <p:spPr>
+          <a:xfrm>
+            <a:off x="5851775" y="5050095"/>
+            <a:ext cx="209550" cy="183928"/>
+          </a:xfrm>
+          <a:prstGeom prst="rect">
+            <a:avLst/>
+          </a:prstGeom>
+        </p:spPr>
+      </p:pic>
+      <p:grpSp>
+        <p:nvGrpSpPr>
+          <p:cNvPr id="1096" name="Group 1095">
+            <a:extLst>
+              <a:ext uri="{FF2B5EF4-FFF2-40B4-BE49-F238E27FC236}">
+                <a16:creationId xmlns:a16="http://schemas.microsoft.com/office/drawing/2014/main" id="{254F94E9-B901-5986-5FD1-160ED849A5EE}"/>
+              </a:ext>
+            </a:extLst>
+          </p:cNvPr>
+          <p:cNvGrpSpPr/>
+          <p:nvPr/>
+        </p:nvGrpSpPr>
+        <p:grpSpPr>
+          <a:xfrm>
+            <a:off x="5374907" y="3315772"/>
+            <a:ext cx="1234884" cy="1124657"/>
+            <a:chOff x="5623623" y="3269971"/>
+            <a:chExt cx="1234884" cy="1124657"/>
+          </a:xfrm>
+        </p:grpSpPr>
+        <p:sp>
+          <p:nvSpPr>
+            <p:cNvPr id="1068" name="Freeform: Shape 1067">
+              <a:extLst>
+                <a:ext uri="{FF2B5EF4-FFF2-40B4-BE49-F238E27FC236}">
+                  <a16:creationId xmlns:a16="http://schemas.microsoft.com/office/drawing/2014/main" id="{14CBED7B-3A7C-2A17-5AE7-A4EFE147F03F}"/>
+                </a:ext>
+              </a:extLst>
+            </p:cNvPr>
+            <p:cNvSpPr>
+              <a:spLocks/>
+            </p:cNvSpPr>
+            <p:nvPr/>
+          </p:nvSpPr>
+          <p:spPr>
+            <a:xfrm rot="20697523">
+              <a:off x="5740810" y="3445748"/>
               <a:ext cx="982597" cy="709560"/>
             </a:xfrm>
             <a:custGeom>
@@ -12496,7 +16424,7 @@
               </a:pathLst>
             </a:custGeom>
             <a:solidFill>
-              <a:schemeClr val="bg1"/>
+              <a:srgbClr val="7F7F7F"/>
             </a:solidFill>
             <a:ln>
               <a:noFill/>
@@ -12531,2490 +16459,10 @@
         </p:sp>
         <p:pic>
           <p:nvPicPr>
-            <p:cNvPr id="87" name="Picture 86" descr="A black background with a black square&#10;&#10;AI-generated content may be incorrect.">
+            <p:cNvPr id="1069" name="Picture 1068" descr="A black background with a black square&#10;&#10;AI-generated content may be incorrect.">
               <a:extLst>
                 <a:ext uri="{FF2B5EF4-FFF2-40B4-BE49-F238E27FC236}">
-                  <a16:creationId xmlns:a16="http://schemas.microsoft.com/office/drawing/2014/main" id="{9C5AD3B9-9941-53B5-342D-AC1B1F1ECE22}"/>
-                </a:ext>
-              </a:extLst>
-            </p:cNvPr>
-            <p:cNvPicPr>
-              <a:picLocks noChangeAspect="1"/>
-            </p:cNvPicPr>
-            <p:nvPr/>
-          </p:nvPicPr>
-          <p:blipFill>
-            <a:blip r:embed="rId2">
-              <a:extLst>
-                <a:ext uri="{28A0092B-C50C-407E-A947-70E740481C1C}">
-                  <a14:useLocalDpi xmlns:a14="http://schemas.microsoft.com/office/drawing/2010/main" val="0"/>
-                </a:ext>
-              </a:extLst>
-            </a:blip>
-            <a:srcRect l="21551" t="28916"/>
-            <a:stretch>
-              <a:fillRect/>
-            </a:stretch>
-          </p:blipFill>
-          <p:spPr>
-            <a:xfrm rot="16200000" flipH="1">
-              <a:off x="4104308" y="3519801"/>
-              <a:ext cx="996173" cy="902661"/>
-            </a:xfrm>
-            <a:prstGeom prst="rect">
-              <a:avLst/>
-            </a:prstGeom>
-          </p:spPr>
-        </p:pic>
-        <p:pic>
-          <p:nvPicPr>
-            <p:cNvPr id="88" name="Picture 87" descr="A black background with a black square&#10;&#10;AI-generated content may be incorrect.">
-              <a:extLst>
-                <a:ext uri="{FF2B5EF4-FFF2-40B4-BE49-F238E27FC236}">
-                  <a16:creationId xmlns:a16="http://schemas.microsoft.com/office/drawing/2014/main" id="{4116CA8C-53DF-376E-E9E9-5C21C7BA62D0}"/>
-                </a:ext>
-              </a:extLst>
-            </p:cNvPr>
-            <p:cNvPicPr>
-              <a:picLocks noChangeAspect="1"/>
-            </p:cNvPicPr>
-            <p:nvPr/>
-          </p:nvPicPr>
-          <p:blipFill>
-            <a:blip r:embed="rId2">
-              <a:extLst>
-                <a:ext uri="{28A0092B-C50C-407E-A947-70E740481C1C}">
-                  <a14:useLocalDpi xmlns:a14="http://schemas.microsoft.com/office/drawing/2010/main" val="0"/>
-                </a:ext>
-              </a:extLst>
-            </a:blip>
-            <a:srcRect l="37467" t="623" r="37145" b="77021"/>
-            <a:stretch>
-              <a:fillRect/>
-            </a:stretch>
-          </p:blipFill>
-          <p:spPr>
-            <a:xfrm rot="15291856" flipH="1">
-              <a:off x="3802074" y="3776324"/>
-              <a:ext cx="303914" cy="270380"/>
-            </a:xfrm>
-            <a:prstGeom prst="rect">
-              <a:avLst/>
-            </a:prstGeom>
-          </p:spPr>
-        </p:pic>
-        <p:pic>
-          <p:nvPicPr>
-            <p:cNvPr id="92" name="Picture 91" descr="A black background with a black square&#10;&#10;AI-generated content may be incorrect.">
-              <a:extLst>
-                <a:ext uri="{FF2B5EF4-FFF2-40B4-BE49-F238E27FC236}">
-                  <a16:creationId xmlns:a16="http://schemas.microsoft.com/office/drawing/2014/main" id="{9AC39D46-A631-968F-01EC-A13D8CD15A06}"/>
-                </a:ext>
-              </a:extLst>
-            </p:cNvPr>
-            <p:cNvPicPr>
-              <a:picLocks noChangeAspect="1"/>
-            </p:cNvPicPr>
-            <p:nvPr/>
-          </p:nvPicPr>
-          <p:blipFill>
-            <a:blip r:embed="rId2">
-              <a:extLst>
-                <a:ext uri="{28A0092B-C50C-407E-A947-70E740481C1C}">
-                  <a14:useLocalDpi xmlns:a14="http://schemas.microsoft.com/office/drawing/2010/main" val="0"/>
-                </a:ext>
-              </a:extLst>
-            </a:blip>
-            <a:srcRect l="44927" t="23153" r="34824" b="66054"/>
-            <a:stretch>
-              <a:fillRect/>
-            </a:stretch>
-          </p:blipFill>
-          <p:spPr>
-            <a:xfrm rot="14636352" flipH="1">
-              <a:off x="4034742" y="3852722"/>
-              <a:ext cx="222988" cy="148903"/>
-            </a:xfrm>
-            <a:prstGeom prst="rect">
-              <a:avLst/>
-            </a:prstGeom>
-          </p:spPr>
-        </p:pic>
-        <p:pic>
-          <p:nvPicPr>
-            <p:cNvPr id="95" name="Picture 94" descr="A black background with a black square&#10;&#10;AI-generated content may be incorrect.">
-              <a:extLst>
-                <a:ext uri="{FF2B5EF4-FFF2-40B4-BE49-F238E27FC236}">
-                  <a16:creationId xmlns:a16="http://schemas.microsoft.com/office/drawing/2014/main" id="{F95C6041-CEAF-49DE-296D-9E7AB9CF935B}"/>
-                </a:ext>
-              </a:extLst>
-            </p:cNvPr>
-            <p:cNvPicPr>
-              <a:picLocks noChangeAspect="1"/>
-            </p:cNvPicPr>
-            <p:nvPr/>
-          </p:nvPicPr>
-          <p:blipFill>
-            <a:blip r:embed="rId2">
-              <a:extLst>
-                <a:ext uri="{28A0092B-C50C-407E-A947-70E740481C1C}">
-                  <a14:useLocalDpi xmlns:a14="http://schemas.microsoft.com/office/drawing/2010/main" val="0"/>
-                </a:ext>
-              </a:extLst>
-            </a:blip>
-            <a:srcRect l="26387" t="13347" r="57672" b="70348"/>
-            <a:stretch>
-              <a:fillRect/>
-            </a:stretch>
-          </p:blipFill>
-          <p:spPr>
-            <a:xfrm rot="15698569" flipH="1">
-              <a:off x="3928442" y="3562822"/>
-              <a:ext cx="210357" cy="193613"/>
-            </a:xfrm>
-            <a:prstGeom prst="rect">
-              <a:avLst/>
-            </a:prstGeom>
-          </p:spPr>
-        </p:pic>
-        <p:pic>
-          <p:nvPicPr>
-            <p:cNvPr id="89" name="Picture 88" descr="A black background with a black square&#10;&#10;AI-generated content may be incorrect.">
-              <a:extLst>
-                <a:ext uri="{FF2B5EF4-FFF2-40B4-BE49-F238E27FC236}">
-                  <a16:creationId xmlns:a16="http://schemas.microsoft.com/office/drawing/2014/main" id="{611B7F78-70DC-5246-E3BD-5C58D187E7F8}"/>
-                </a:ext>
-              </a:extLst>
-            </p:cNvPr>
-            <p:cNvPicPr>
-              <a:picLocks noChangeAspect="1"/>
-            </p:cNvPicPr>
-            <p:nvPr/>
-          </p:nvPicPr>
-          <p:blipFill>
-            <a:blip r:embed="rId2">
-              <a:extLst>
-                <a:ext uri="{28A0092B-C50C-407E-A947-70E740481C1C}">
-                  <a14:useLocalDpi xmlns:a14="http://schemas.microsoft.com/office/drawing/2010/main" val="0"/>
-                </a:ext>
-              </a:extLst>
-            </a:blip>
-            <a:srcRect l="68203" b="70596"/>
-            <a:stretch>
-              <a:fillRect/>
-            </a:stretch>
-          </p:blipFill>
-          <p:spPr>
-            <a:xfrm rot="15427643" flipH="1">
-              <a:off x="3882452" y="4041707"/>
-              <a:ext cx="403782" cy="379891"/>
-            </a:xfrm>
-            <a:prstGeom prst="rect">
-              <a:avLst/>
-            </a:prstGeom>
-          </p:spPr>
-        </p:pic>
-        <p:grpSp>
-          <p:nvGrpSpPr>
-            <p:cNvPr id="76" name="Group 75">
-              <a:extLst>
-                <a:ext uri="{FF2B5EF4-FFF2-40B4-BE49-F238E27FC236}">
-                  <a16:creationId xmlns:a16="http://schemas.microsoft.com/office/drawing/2014/main" id="{A71F2C31-CA17-4E32-DAD2-D950442E5642}"/>
-                </a:ext>
-              </a:extLst>
-            </p:cNvPr>
-            <p:cNvGrpSpPr>
-              <a:grpSpLocks/>
-            </p:cNvGrpSpPr>
-            <p:nvPr/>
-          </p:nvGrpSpPr>
-          <p:grpSpPr>
-            <a:xfrm>
-              <a:off x="4720361" y="3359753"/>
-              <a:ext cx="330658" cy="431994"/>
-              <a:chOff x="6340581" y="2572446"/>
-              <a:chExt cx="330658" cy="431994"/>
-            </a:xfrm>
-          </p:grpSpPr>
-          <p:pic>
-            <p:nvPicPr>
-              <p:cNvPr id="78" name="Picture 77" descr="A black background with a black square&#10;&#10;AI-generated content may be incorrect.">
-                <a:extLst>
-                  <a:ext uri="{FF2B5EF4-FFF2-40B4-BE49-F238E27FC236}">
-                    <a16:creationId xmlns:a16="http://schemas.microsoft.com/office/drawing/2014/main" id="{000E5B24-E55B-B21D-1842-8E9476138910}"/>
-                  </a:ext>
-                </a:extLst>
-              </p:cNvPr>
-              <p:cNvPicPr>
-                <a:picLocks noChangeAspect="1"/>
-              </p:cNvPicPr>
-              <p:nvPr/>
-            </p:nvPicPr>
-            <p:blipFill>
-              <a:blip r:embed="rId2">
-                <a:extLst>
-                  <a:ext uri="{28A0092B-C50C-407E-A947-70E740481C1C}">
-                    <a14:useLocalDpi xmlns:a14="http://schemas.microsoft.com/office/drawing/2010/main" val="0"/>
-                  </a:ext>
-                </a:extLst>
-              </a:blip>
-              <a:srcRect l="10182" t="73782" r="68815" b="9209"/>
-              <a:stretch/>
-            </p:blipFill>
-            <p:spPr>
-              <a:xfrm rot="10800000" flipV="1">
-                <a:off x="6340581" y="2788443"/>
-                <a:ext cx="266701" cy="215997"/>
-              </a:xfrm>
-              <a:prstGeom prst="rect">
-                <a:avLst/>
-              </a:prstGeom>
-            </p:spPr>
-          </p:pic>
-          <p:pic>
-            <p:nvPicPr>
-              <p:cNvPr id="79" name="Picture 78" descr="A black background with a black square&#10;&#10;AI-generated content may be incorrect.">
-                <a:extLst>
-                  <a:ext uri="{FF2B5EF4-FFF2-40B4-BE49-F238E27FC236}">
-                    <a16:creationId xmlns:a16="http://schemas.microsoft.com/office/drawing/2014/main" id="{3A9FEC80-AD17-BA8B-C280-2A2AD04AB098}"/>
-                  </a:ext>
-                </a:extLst>
-              </p:cNvPr>
-              <p:cNvPicPr>
-                <a:picLocks noChangeAspect="1"/>
-              </p:cNvPicPr>
-              <p:nvPr/>
-            </p:nvPicPr>
-            <p:blipFill>
-              <a:blip r:embed="rId2">
-                <a:extLst>
-                  <a:ext uri="{28A0092B-C50C-407E-A947-70E740481C1C}">
-                    <a14:useLocalDpi xmlns:a14="http://schemas.microsoft.com/office/drawing/2010/main" val="0"/>
-                  </a:ext>
-                </a:extLst>
-              </a:blip>
-              <a:srcRect l="10182" t="73782" r="68815" b="9209"/>
-              <a:stretch/>
-            </p:blipFill>
-            <p:spPr>
-              <a:xfrm rot="10800000" flipH="1">
-                <a:off x="6404538" y="2572446"/>
-                <a:ext cx="266701" cy="215997"/>
-              </a:xfrm>
-              <a:prstGeom prst="rect">
-                <a:avLst/>
-              </a:prstGeom>
-            </p:spPr>
-          </p:pic>
-        </p:grpSp>
-        <p:pic>
-          <p:nvPicPr>
-            <p:cNvPr id="77" name="Picture 76" descr="A black background with a black square&#10;&#10;AI-generated content may be incorrect.">
-              <a:extLst>
-                <a:ext uri="{FF2B5EF4-FFF2-40B4-BE49-F238E27FC236}">
-                  <a16:creationId xmlns:a16="http://schemas.microsoft.com/office/drawing/2014/main" id="{E1F66FEE-C8E8-0B51-54B7-2B2D297B27E8}"/>
-                </a:ext>
-              </a:extLst>
-            </p:cNvPr>
-            <p:cNvPicPr>
-              <a:picLocks noChangeAspect="1"/>
-            </p:cNvPicPr>
-            <p:nvPr/>
-          </p:nvPicPr>
-          <p:blipFill>
-            <a:blip r:embed="rId2">
-              <a:extLst>
-                <a:ext uri="{28A0092B-C50C-407E-A947-70E740481C1C}">
-                  <a14:useLocalDpi xmlns:a14="http://schemas.microsoft.com/office/drawing/2010/main" val="0"/>
-                </a:ext>
-              </a:extLst>
-            </a:blip>
-            <a:srcRect l="10200" t="49411" r="76847"/>
-            <a:stretch/>
-          </p:blipFill>
-          <p:spPr>
-            <a:xfrm rot="16200000" flipH="1">
-              <a:off x="4586789" y="3105598"/>
-              <a:ext cx="164481" cy="642408"/>
-            </a:xfrm>
-            <a:prstGeom prst="rect">
-              <a:avLst/>
-            </a:prstGeom>
-          </p:spPr>
-        </p:pic>
-        <p:pic>
-          <p:nvPicPr>
-            <p:cNvPr id="1048" name="Picture 1047" descr="A black background with a black square&#10;&#10;AI-generated content may be incorrect.">
-              <a:extLst>
-                <a:ext uri="{FF2B5EF4-FFF2-40B4-BE49-F238E27FC236}">
-                  <a16:creationId xmlns:a16="http://schemas.microsoft.com/office/drawing/2014/main" id="{DA4EEB58-A2C2-FE90-15D2-43E9F77C2F47}"/>
-                </a:ext>
-              </a:extLst>
-            </p:cNvPr>
-            <p:cNvPicPr>
-              <a:picLocks noChangeAspect="1"/>
-            </p:cNvPicPr>
-            <p:nvPr/>
-          </p:nvPicPr>
-          <p:blipFill>
-            <a:blip r:embed="rId2">
-              <a:extLst>
-                <a:ext uri="{28A0092B-C50C-407E-A947-70E740481C1C}">
-                  <a14:useLocalDpi xmlns:a14="http://schemas.microsoft.com/office/drawing/2010/main" val="0"/>
-                </a:ext>
-              </a:extLst>
-            </a:blip>
-            <a:srcRect l="10200" t="78821" r="76847" b="15154"/>
-            <a:stretch>
-              <a:fillRect/>
-            </a:stretch>
-          </p:blipFill>
-          <p:spPr>
-            <a:xfrm rot="16000379" flipV="1">
-              <a:off x="4041043" y="3555152"/>
-              <a:ext cx="177626" cy="74439"/>
-            </a:xfrm>
-            <a:prstGeom prst="rect">
-              <a:avLst/>
-            </a:prstGeom>
-          </p:spPr>
-        </p:pic>
-      </p:grpSp>
-      <p:pic>
-        <p:nvPicPr>
-          <p:cNvPr id="38" name="Picture 4" descr="Windows Mouse Cursor: Over 3,504 Royalty-Free Licensable Stock  Illustrations &amp; Drawings | Shutterstock">
-            <a:extLst>
-              <a:ext uri="{FF2B5EF4-FFF2-40B4-BE49-F238E27FC236}">
-                <a16:creationId xmlns:a16="http://schemas.microsoft.com/office/drawing/2014/main" id="{5F9BE82A-D869-E0B3-2E96-CE28CE983186}"/>
-              </a:ext>
-            </a:extLst>
-          </p:cNvPr>
-          <p:cNvPicPr>
-            <a:picLocks noChangeAspect="1" noChangeArrowheads="1"/>
-          </p:cNvPicPr>
-          <p:nvPr/>
-        </p:nvPicPr>
-        <p:blipFill rotWithShape="1">
-          <a:blip r:embed="rId3">
-            <a:clrChange>
-              <a:clrFrom>
-                <a:srgbClr val="FFFFFF"/>
-              </a:clrFrom>
-              <a:clrTo>
-                <a:srgbClr val="FFFFFF">
-                  <a:alpha val="0"/>
-                </a:srgbClr>
-              </a:clrTo>
-            </a:clrChange>
-            <a:extLst>
-              <a:ext uri="{BEBA8EAE-BF5A-486C-A8C5-ECC9F3942E4B}">
-                <a14:imgProps xmlns:a14="http://schemas.microsoft.com/office/drawing/2010/main">
-                  <a14:imgLayer r:embed="rId4">
-                    <a14:imgEffect>
-                      <a14:backgroundRemoval t="23929" b="69643" l="76788" r="88999">
-                        <a14:foregroundMark x1="79428" y1="26429" x2="79428" y2="26429"/>
-                        <a14:foregroundMark x1="79428" y1="23929" x2="79428" y2="23929"/>
-                        <a14:foregroundMark x1="79648" y1="67857" x2="79648" y2="67857"/>
-                        <a14:foregroundMark x1="79318" y1="69643" x2="79318" y2="69643"/>
-                        <a14:foregroundMark x1="81738" y1="43214" x2="81738" y2="43214"/>
-                        <a14:foregroundMark x1="81408" y1="45714" x2="84598" y2="50714"/>
-                        <a14:foregroundMark x1="88229" y1="56071" x2="88229" y2="56071"/>
-                        <a14:foregroundMark x1="88999" y1="54286" x2="88999" y2="54286"/>
-                        <a14:foregroundMark x1="82838" y1="55714" x2="82618" y2="58571"/>
-                        <a14:foregroundMark x1="82508" y1="57857" x2="83168" y2="57857"/>
-                        <a14:foregroundMark x1="82948" y1="57143" x2="82398" y2="57857"/>
-                        <a14:foregroundMark x1="82508" y1="58214" x2="82838" y2="58214"/>
-                        <a14:foregroundMark x1="86579" y1="52143" x2="86799" y2="48571"/>
-                        <a14:foregroundMark x1="87239" y1="51071" x2="86359" y2="46786"/>
-                        <a14:foregroundMark x1="86799" y1="47857" x2="86799" y2="47857"/>
-                        <a14:foregroundMark x1="86799" y1="47857" x2="86799" y2="47857"/>
-                        <a14:foregroundMark x1="86579" y1="47857" x2="86579" y2="47857"/>
-                        <a14:foregroundMark x1="86689" y1="47857" x2="86689" y2="47857"/>
-                        <a14:foregroundMark x1="86689" y1="47857" x2="86689" y2="47857"/>
-                        <a14:foregroundMark x1="86799" y1="47857" x2="86469" y2="47857"/>
-                        <a14:foregroundMark x1="86359" y1="47143" x2="86359" y2="47143"/>
-                        <a14:foregroundMark x1="86579" y1="48571" x2="86799" y2="48571"/>
-                        <a14:foregroundMark x1="86799" y1="48571" x2="86689" y2="47857"/>
-                        <a14:foregroundMark x1="86579" y1="47500" x2="86579" y2="47500"/>
-                      </a14:backgroundRemoval>
-                    </a14:imgEffect>
-                  </a14:imgLayer>
-                </a14:imgProps>
-              </a:ext>
-              <a:ext uri="{28A0092B-C50C-407E-A947-70E740481C1C}">
-                <a14:useLocalDpi xmlns:a14="http://schemas.microsoft.com/office/drawing/2010/main" val="0"/>
-              </a:ext>
-            </a:extLst>
-          </a:blip>
-          <a:srcRect l="75460" t="21315" r="10245" b="27265"/>
-          <a:stretch>
-            <a:fillRect/>
-          </a:stretch>
-        </p:blipFill>
-        <p:spPr bwMode="auto">
-          <a:xfrm>
-            <a:off x="4008009" y="551202"/>
-            <a:ext cx="171937" cy="190500"/>
-          </a:xfrm>
-          <a:prstGeom prst="rect">
-            <a:avLst/>
-          </a:prstGeom>
-          <a:noFill/>
-          <a:extLst>
-            <a:ext uri="{909E8E84-426E-40DD-AFC4-6F175D3DCCD1}">
-              <a14:hiddenFill xmlns:a14="http://schemas.microsoft.com/office/drawing/2010/main">
-                <a:solidFill>
-                  <a:srgbClr val="FFFFFF"/>
-                </a:solidFill>
-              </a14:hiddenFill>
-            </a:ext>
-          </a:extLst>
-        </p:spPr>
-      </p:pic>
-      <p:grpSp>
-        <p:nvGrpSpPr>
-          <p:cNvPr id="29" name="Group 28">
-            <a:extLst>
-              <a:ext uri="{FF2B5EF4-FFF2-40B4-BE49-F238E27FC236}">
-                <a16:creationId xmlns:a16="http://schemas.microsoft.com/office/drawing/2014/main" id="{AA4186F8-F973-D6FC-13A6-052EB3150E64}"/>
-              </a:ext>
-            </a:extLst>
-          </p:cNvPr>
-          <p:cNvGrpSpPr/>
-          <p:nvPr/>
-        </p:nvGrpSpPr>
-        <p:grpSpPr>
-          <a:xfrm>
-            <a:off x="2089692" y="1685505"/>
-            <a:ext cx="1269841" cy="1269841"/>
-            <a:chOff x="2089692" y="1685505"/>
-            <a:chExt cx="1269841" cy="1269841"/>
-          </a:xfrm>
-        </p:grpSpPr>
-        <p:sp>
-          <p:nvSpPr>
-            <p:cNvPr id="8" name="Freeform: Shape 7">
-              <a:extLst>
-                <a:ext uri="{FF2B5EF4-FFF2-40B4-BE49-F238E27FC236}">
-                  <a16:creationId xmlns:a16="http://schemas.microsoft.com/office/drawing/2014/main" id="{FF6D0802-1886-ECAF-1988-7CA6691DAD14}"/>
-                </a:ext>
-              </a:extLst>
-            </p:cNvPr>
-            <p:cNvSpPr/>
-            <p:nvPr/>
-          </p:nvSpPr>
-          <p:spPr>
-            <a:xfrm rot="10800000">
-              <a:off x="2233855" y="1838903"/>
-              <a:ext cx="938114" cy="950620"/>
-            </a:xfrm>
-            <a:custGeom>
-              <a:avLst/>
-              <a:gdLst>
-                <a:gd name="connsiteX0" fmla="*/ 472281 w 938114"/>
-                <a:gd name="connsiteY0" fmla="*/ 950620 h 950620"/>
-                <a:gd name="connsiteX1" fmla="*/ 318955 w 938114"/>
-                <a:gd name="connsiteY1" fmla="*/ 950620 h 950620"/>
-                <a:gd name="connsiteX2" fmla="*/ 318955 w 938114"/>
-                <a:gd name="connsiteY2" fmla="*/ 914394 h 950620"/>
-                <a:gd name="connsiteX3" fmla="*/ 167481 w 938114"/>
-                <a:gd name="connsiteY3" fmla="*/ 914394 h 950620"/>
-                <a:gd name="connsiteX4" fmla="*/ 167481 w 938114"/>
-                <a:gd name="connsiteY4" fmla="*/ 800791 h 950620"/>
-                <a:gd name="connsiteX5" fmla="*/ 0 w 938114"/>
-                <a:gd name="connsiteY5" fmla="*/ 800791 h 950620"/>
-                <a:gd name="connsiteX6" fmla="*/ 0 w 938114"/>
-                <a:gd name="connsiteY6" fmla="*/ 179544 h 950620"/>
-                <a:gd name="connsiteX7" fmla="*/ 21430 w 938114"/>
-                <a:gd name="connsiteY7" fmla="*/ 179544 h 950620"/>
-                <a:gd name="connsiteX8" fmla="*/ 21430 w 938114"/>
-                <a:gd name="connsiteY8" fmla="*/ 104957 h 950620"/>
-                <a:gd name="connsiteX9" fmla="*/ 126387 w 938114"/>
-                <a:gd name="connsiteY9" fmla="*/ 0 h 950620"/>
-                <a:gd name="connsiteX10" fmla="*/ 657836 w 938114"/>
-                <a:gd name="connsiteY10" fmla="*/ 0 h 950620"/>
-                <a:gd name="connsiteX11" fmla="*/ 762792 w 938114"/>
-                <a:gd name="connsiteY11" fmla="*/ 104957 h 950620"/>
-                <a:gd name="connsiteX12" fmla="*/ 762792 w 938114"/>
-                <a:gd name="connsiteY12" fmla="*/ 179546 h 950620"/>
-                <a:gd name="connsiteX13" fmla="*/ 828913 w 938114"/>
-                <a:gd name="connsiteY13" fmla="*/ 179546 h 950620"/>
-                <a:gd name="connsiteX14" fmla="*/ 828913 w 938114"/>
-                <a:gd name="connsiteY14" fmla="*/ 209907 h 950620"/>
-                <a:gd name="connsiteX15" fmla="*/ 865469 w 938114"/>
-                <a:gd name="connsiteY15" fmla="*/ 209907 h 950620"/>
-                <a:gd name="connsiteX16" fmla="*/ 865469 w 938114"/>
-                <a:gd name="connsiteY16" fmla="*/ 242648 h 950620"/>
-                <a:gd name="connsiteX17" fmla="*/ 902026 w 938114"/>
-                <a:gd name="connsiteY17" fmla="*/ 242648 h 950620"/>
-                <a:gd name="connsiteX18" fmla="*/ 902026 w 938114"/>
-                <a:gd name="connsiteY18" fmla="*/ 279557 h 950620"/>
-                <a:gd name="connsiteX19" fmla="*/ 938114 w 938114"/>
-                <a:gd name="connsiteY19" fmla="*/ 279557 h 950620"/>
-                <a:gd name="connsiteX20" fmla="*/ 938114 w 938114"/>
-                <a:gd name="connsiteY20" fmla="*/ 379569 h 950620"/>
-                <a:gd name="connsiteX21" fmla="*/ 741363 w 938114"/>
-                <a:gd name="connsiteY21" fmla="*/ 379569 h 950620"/>
-                <a:gd name="connsiteX22" fmla="*/ 741363 w 938114"/>
-                <a:gd name="connsiteY22" fmla="*/ 316467 h 950620"/>
-                <a:gd name="connsiteX23" fmla="*/ 641349 w 938114"/>
-                <a:gd name="connsiteY23" fmla="*/ 316467 h 950620"/>
-                <a:gd name="connsiteX24" fmla="*/ 641349 w 938114"/>
-                <a:gd name="connsiteY24" fmla="*/ 800791 h 950620"/>
-                <a:gd name="connsiteX25" fmla="*/ 636571 w 938114"/>
-                <a:gd name="connsiteY25" fmla="*/ 800791 h 950620"/>
-                <a:gd name="connsiteX26" fmla="*/ 636571 w 938114"/>
-                <a:gd name="connsiteY26" fmla="*/ 914394 h 950620"/>
-                <a:gd name="connsiteX27" fmla="*/ 472281 w 938114"/>
-                <a:gd name="connsiteY27" fmla="*/ 914394 h 950620"/>
-              </a:gdLst>
-              <a:ahLst/>
-              <a:cxnLst>
-                <a:cxn ang="0">
-                  <a:pos x="connsiteX0" y="connsiteY0"/>
-                </a:cxn>
-                <a:cxn ang="0">
-                  <a:pos x="connsiteX1" y="connsiteY1"/>
-                </a:cxn>
-                <a:cxn ang="0">
-                  <a:pos x="connsiteX2" y="connsiteY2"/>
-                </a:cxn>
-                <a:cxn ang="0">
-                  <a:pos x="connsiteX3" y="connsiteY3"/>
-                </a:cxn>
-                <a:cxn ang="0">
-                  <a:pos x="connsiteX4" y="connsiteY4"/>
-                </a:cxn>
-                <a:cxn ang="0">
-                  <a:pos x="connsiteX5" y="connsiteY5"/>
-                </a:cxn>
-                <a:cxn ang="0">
-                  <a:pos x="connsiteX6" y="connsiteY6"/>
-                </a:cxn>
-                <a:cxn ang="0">
-                  <a:pos x="connsiteX7" y="connsiteY7"/>
-                </a:cxn>
-                <a:cxn ang="0">
-                  <a:pos x="connsiteX8" y="connsiteY8"/>
-                </a:cxn>
-                <a:cxn ang="0">
-                  <a:pos x="connsiteX9" y="connsiteY9"/>
-                </a:cxn>
-                <a:cxn ang="0">
-                  <a:pos x="connsiteX10" y="connsiteY10"/>
-                </a:cxn>
-                <a:cxn ang="0">
-                  <a:pos x="connsiteX11" y="connsiteY11"/>
-                </a:cxn>
-                <a:cxn ang="0">
-                  <a:pos x="connsiteX12" y="connsiteY12"/>
-                </a:cxn>
-                <a:cxn ang="0">
-                  <a:pos x="connsiteX13" y="connsiteY13"/>
-                </a:cxn>
-                <a:cxn ang="0">
-                  <a:pos x="connsiteX14" y="connsiteY14"/>
-                </a:cxn>
-                <a:cxn ang="0">
-                  <a:pos x="connsiteX15" y="connsiteY15"/>
-                </a:cxn>
-                <a:cxn ang="0">
-                  <a:pos x="connsiteX16" y="connsiteY16"/>
-                </a:cxn>
-                <a:cxn ang="0">
-                  <a:pos x="connsiteX17" y="connsiteY17"/>
-                </a:cxn>
-                <a:cxn ang="0">
-                  <a:pos x="connsiteX18" y="connsiteY18"/>
-                </a:cxn>
-                <a:cxn ang="0">
-                  <a:pos x="connsiteX19" y="connsiteY19"/>
-                </a:cxn>
-                <a:cxn ang="0">
-                  <a:pos x="connsiteX20" y="connsiteY20"/>
-                </a:cxn>
-                <a:cxn ang="0">
-                  <a:pos x="connsiteX21" y="connsiteY21"/>
-                </a:cxn>
-                <a:cxn ang="0">
-                  <a:pos x="connsiteX22" y="connsiteY22"/>
-                </a:cxn>
-                <a:cxn ang="0">
-                  <a:pos x="connsiteX23" y="connsiteY23"/>
-                </a:cxn>
-                <a:cxn ang="0">
-                  <a:pos x="connsiteX24" y="connsiteY24"/>
-                </a:cxn>
-                <a:cxn ang="0">
-                  <a:pos x="connsiteX25" y="connsiteY25"/>
-                </a:cxn>
-                <a:cxn ang="0">
-                  <a:pos x="connsiteX26" y="connsiteY26"/>
-                </a:cxn>
-                <a:cxn ang="0">
-                  <a:pos x="connsiteX27" y="connsiteY27"/>
-                </a:cxn>
-              </a:cxnLst>
-              <a:rect l="l" t="t" r="r" b="b"/>
-              <a:pathLst>
-                <a:path w="938114" h="950620">
-                  <a:moveTo>
-                    <a:pt x="472281" y="950620"/>
-                  </a:moveTo>
-                  <a:lnTo>
-                    <a:pt x="318955" y="950620"/>
-                  </a:lnTo>
-                  <a:lnTo>
-                    <a:pt x="318955" y="914394"/>
-                  </a:lnTo>
-                  <a:lnTo>
-                    <a:pt x="167481" y="914394"/>
-                  </a:lnTo>
-                  <a:lnTo>
-                    <a:pt x="167481" y="800791"/>
-                  </a:lnTo>
-                  <a:lnTo>
-                    <a:pt x="0" y="800791"/>
-                  </a:lnTo>
-                  <a:lnTo>
-                    <a:pt x="0" y="179544"/>
-                  </a:lnTo>
-                  <a:lnTo>
-                    <a:pt x="21430" y="179544"/>
-                  </a:lnTo>
-                  <a:lnTo>
-                    <a:pt x="21430" y="104957"/>
-                  </a:lnTo>
-                  <a:lnTo>
-                    <a:pt x="126387" y="0"/>
-                  </a:lnTo>
-                  <a:lnTo>
-                    <a:pt x="657836" y="0"/>
-                  </a:lnTo>
-                  <a:lnTo>
-                    <a:pt x="762792" y="104957"/>
-                  </a:lnTo>
-                  <a:lnTo>
-                    <a:pt x="762792" y="179546"/>
-                  </a:lnTo>
-                  <a:lnTo>
-                    <a:pt x="828913" y="179546"/>
-                  </a:lnTo>
-                  <a:lnTo>
-                    <a:pt x="828913" y="209907"/>
-                  </a:lnTo>
-                  <a:lnTo>
-                    <a:pt x="865469" y="209907"/>
-                  </a:lnTo>
-                  <a:lnTo>
-                    <a:pt x="865469" y="242648"/>
-                  </a:lnTo>
-                  <a:lnTo>
-                    <a:pt x="902026" y="242648"/>
-                  </a:lnTo>
-                  <a:lnTo>
-                    <a:pt x="902026" y="279557"/>
-                  </a:lnTo>
-                  <a:lnTo>
-                    <a:pt x="938114" y="279557"/>
-                  </a:lnTo>
-                  <a:lnTo>
-                    <a:pt x="938114" y="379569"/>
-                  </a:lnTo>
-                  <a:lnTo>
-                    <a:pt x="741363" y="379569"/>
-                  </a:lnTo>
-                  <a:lnTo>
-                    <a:pt x="741363" y="316467"/>
-                  </a:lnTo>
-                  <a:lnTo>
-                    <a:pt x="641349" y="316467"/>
-                  </a:lnTo>
-                  <a:lnTo>
-                    <a:pt x="641349" y="800791"/>
-                  </a:lnTo>
-                  <a:lnTo>
-                    <a:pt x="636571" y="800791"/>
-                  </a:lnTo>
-                  <a:lnTo>
-                    <a:pt x="636571" y="914394"/>
-                  </a:lnTo>
-                  <a:lnTo>
-                    <a:pt x="472281" y="914394"/>
-                  </a:lnTo>
-                  <a:close/>
-                </a:path>
-              </a:pathLst>
-            </a:custGeom>
-            <a:solidFill>
-              <a:schemeClr val="tx1">
-                <a:lumMod val="50000"/>
-                <a:lumOff val="50000"/>
-              </a:schemeClr>
-            </a:solidFill>
-            <a:ln>
-              <a:noFill/>
-            </a:ln>
-          </p:spPr>
-          <p:style>
-            <a:lnRef idx="2">
-              <a:schemeClr val="accent1">
-                <a:shade val="15000"/>
-              </a:schemeClr>
-            </a:lnRef>
-            <a:fillRef idx="1">
-              <a:schemeClr val="accent1"/>
-            </a:fillRef>
-            <a:effectRef idx="0">
-              <a:schemeClr val="accent1"/>
-            </a:effectRef>
-            <a:fontRef idx="minor">
-              <a:schemeClr val="lt1"/>
-            </a:fontRef>
-          </p:style>
-          <p:txBody>
-            <a:bodyPr wrap="square" rtlCol="0" anchor="ctr">
-              <a:noAutofit/>
-            </a:bodyPr>
-            <a:lstStyle/>
-            <a:p>
-              <a:pPr algn="ctr"/>
-              <a:endParaRPr lang="en-GB"/>
-            </a:p>
-          </p:txBody>
-        </p:sp>
-        <p:pic>
-          <p:nvPicPr>
-            <p:cNvPr id="9" name="Picture 8" descr="A black background with a black square&#10;&#10;AI-generated content may be incorrect.">
-              <a:extLst>
-                <a:ext uri="{FF2B5EF4-FFF2-40B4-BE49-F238E27FC236}">
-                  <a16:creationId xmlns:a16="http://schemas.microsoft.com/office/drawing/2014/main" id="{65970544-AB0D-C61C-81DE-48B04584B1EE}"/>
-                </a:ext>
-              </a:extLst>
-            </p:cNvPr>
-            <p:cNvPicPr>
-              <a:picLocks noChangeAspect="1"/>
-            </p:cNvPicPr>
-            <p:nvPr/>
-          </p:nvPicPr>
-          <p:blipFill>
-            <a:blip r:embed="rId5">
-              <a:extLst>
-                <a:ext uri="{28A0092B-C50C-407E-A947-70E740481C1C}">
-                  <a14:useLocalDpi xmlns:a14="http://schemas.microsoft.com/office/drawing/2010/main" val="0"/>
-                </a:ext>
-              </a:extLst>
-            </a:blip>
-            <a:stretch>
-              <a:fillRect/>
-            </a:stretch>
-          </p:blipFill>
-          <p:spPr>
-            <a:xfrm>
-              <a:off x="2089692" y="1685505"/>
-              <a:ext cx="1269841" cy="1269841"/>
-            </a:xfrm>
-            <a:prstGeom prst="rect">
-              <a:avLst/>
-            </a:prstGeom>
-          </p:spPr>
-        </p:pic>
-      </p:grpSp>
-      <p:grpSp>
-        <p:nvGrpSpPr>
-          <p:cNvPr id="10" name="Group 9">
-            <a:extLst>
-              <a:ext uri="{FF2B5EF4-FFF2-40B4-BE49-F238E27FC236}">
-                <a16:creationId xmlns:a16="http://schemas.microsoft.com/office/drawing/2014/main" id="{F8D99A20-C40D-E6CF-B150-8077BE45F228}"/>
-              </a:ext>
-            </a:extLst>
-          </p:cNvPr>
-          <p:cNvGrpSpPr/>
-          <p:nvPr/>
-        </p:nvGrpSpPr>
-        <p:grpSpPr>
-          <a:xfrm>
-            <a:off x="2089693" y="-57991"/>
-            <a:ext cx="1269840" cy="1269840"/>
-            <a:chOff x="6258250" y="808049"/>
-            <a:chExt cx="1269840" cy="1269840"/>
-          </a:xfrm>
-        </p:grpSpPr>
-        <p:sp>
-          <p:nvSpPr>
-            <p:cNvPr id="16" name="Freeform: Shape 15">
-              <a:extLst>
-                <a:ext uri="{FF2B5EF4-FFF2-40B4-BE49-F238E27FC236}">
-                  <a16:creationId xmlns:a16="http://schemas.microsoft.com/office/drawing/2014/main" id="{796486B7-92D7-9F25-AEA0-01F9B30A134B}"/>
-                </a:ext>
-              </a:extLst>
-            </p:cNvPr>
-            <p:cNvSpPr/>
-            <p:nvPr/>
-          </p:nvSpPr>
-          <p:spPr>
-            <a:xfrm rot="10800000">
-              <a:off x="6536621" y="1301154"/>
-              <a:ext cx="712816" cy="610912"/>
-            </a:xfrm>
-            <a:custGeom>
-              <a:avLst/>
-              <a:gdLst>
-                <a:gd name="connsiteX0" fmla="*/ 599034 w 712816"/>
-                <a:gd name="connsiteY0" fmla="*/ 610912 h 610912"/>
-                <a:gd name="connsiteX1" fmla="*/ 153225 w 712816"/>
-                <a:gd name="connsiteY1" fmla="*/ 610912 h 610912"/>
-                <a:gd name="connsiteX2" fmla="*/ 153225 w 712816"/>
-                <a:gd name="connsiteY2" fmla="*/ 572450 h 610912"/>
-                <a:gd name="connsiteX3" fmla="*/ 0 w 712816"/>
-                <a:gd name="connsiteY3" fmla="*/ 572450 h 610912"/>
-                <a:gd name="connsiteX4" fmla="*/ 0 w 712816"/>
-                <a:gd name="connsiteY4" fmla="*/ 81912 h 610912"/>
-                <a:gd name="connsiteX5" fmla="*/ 56894 w 712816"/>
-                <a:gd name="connsiteY5" fmla="*/ 81912 h 610912"/>
-                <a:gd name="connsiteX6" fmla="*/ 138806 w 712816"/>
-                <a:gd name="connsiteY6" fmla="*/ 0 h 610912"/>
-                <a:gd name="connsiteX7" fmla="*/ 543684 w 712816"/>
-                <a:gd name="connsiteY7" fmla="*/ 0 h 610912"/>
-                <a:gd name="connsiteX8" fmla="*/ 625596 w 712816"/>
-                <a:gd name="connsiteY8" fmla="*/ 81913 h 610912"/>
-                <a:gd name="connsiteX9" fmla="*/ 639226 w 712816"/>
-                <a:gd name="connsiteY9" fmla="*/ 81913 h 610912"/>
-                <a:gd name="connsiteX10" fmla="*/ 712816 w 712816"/>
-                <a:gd name="connsiteY10" fmla="*/ 155503 h 610912"/>
-                <a:gd name="connsiteX11" fmla="*/ 712816 w 712816"/>
-                <a:gd name="connsiteY11" fmla="*/ 303598 h 610912"/>
-                <a:gd name="connsiteX12" fmla="*/ 639226 w 712816"/>
-                <a:gd name="connsiteY12" fmla="*/ 377188 h 610912"/>
-                <a:gd name="connsiteX13" fmla="*/ 599034 w 712816"/>
-                <a:gd name="connsiteY13" fmla="*/ 377188 h 610912"/>
-                <a:gd name="connsiteX14" fmla="*/ 599034 w 712816"/>
-                <a:gd name="connsiteY14" fmla="*/ 543875 h 610912"/>
-                <a:gd name="connsiteX15" fmla="*/ 599034 w 712816"/>
-                <a:gd name="connsiteY15" fmla="*/ 572450 h 610912"/>
-              </a:gdLst>
-              <a:ahLst/>
-              <a:cxnLst>
-                <a:cxn ang="0">
-                  <a:pos x="connsiteX0" y="connsiteY0"/>
-                </a:cxn>
-                <a:cxn ang="0">
-                  <a:pos x="connsiteX1" y="connsiteY1"/>
-                </a:cxn>
-                <a:cxn ang="0">
-                  <a:pos x="connsiteX2" y="connsiteY2"/>
-                </a:cxn>
-                <a:cxn ang="0">
-                  <a:pos x="connsiteX3" y="connsiteY3"/>
-                </a:cxn>
-                <a:cxn ang="0">
-                  <a:pos x="connsiteX4" y="connsiteY4"/>
-                </a:cxn>
-                <a:cxn ang="0">
-                  <a:pos x="connsiteX5" y="connsiteY5"/>
-                </a:cxn>
-                <a:cxn ang="0">
-                  <a:pos x="connsiteX6" y="connsiteY6"/>
-                </a:cxn>
-                <a:cxn ang="0">
-                  <a:pos x="connsiteX7" y="connsiteY7"/>
-                </a:cxn>
-                <a:cxn ang="0">
-                  <a:pos x="connsiteX8" y="connsiteY8"/>
-                </a:cxn>
-                <a:cxn ang="0">
-                  <a:pos x="connsiteX9" y="connsiteY9"/>
-                </a:cxn>
-                <a:cxn ang="0">
-                  <a:pos x="connsiteX10" y="connsiteY10"/>
-                </a:cxn>
-                <a:cxn ang="0">
-                  <a:pos x="connsiteX11" y="connsiteY11"/>
-                </a:cxn>
-                <a:cxn ang="0">
-                  <a:pos x="connsiteX12" y="connsiteY12"/>
-                </a:cxn>
-                <a:cxn ang="0">
-                  <a:pos x="connsiteX13" y="connsiteY13"/>
-                </a:cxn>
-                <a:cxn ang="0">
-                  <a:pos x="connsiteX14" y="connsiteY14"/>
-                </a:cxn>
-                <a:cxn ang="0">
-                  <a:pos x="connsiteX15" y="connsiteY15"/>
-                </a:cxn>
-              </a:cxnLst>
-              <a:rect l="l" t="t" r="r" b="b"/>
-              <a:pathLst>
-                <a:path w="712816" h="610912">
-                  <a:moveTo>
-                    <a:pt x="599034" y="610912"/>
-                  </a:moveTo>
-                  <a:lnTo>
-                    <a:pt x="153225" y="610912"/>
-                  </a:lnTo>
-                  <a:lnTo>
-                    <a:pt x="153225" y="572450"/>
-                  </a:lnTo>
-                  <a:lnTo>
-                    <a:pt x="0" y="572450"/>
-                  </a:lnTo>
-                  <a:lnTo>
-                    <a:pt x="0" y="81912"/>
-                  </a:lnTo>
-                  <a:lnTo>
-                    <a:pt x="56894" y="81912"/>
-                  </a:lnTo>
-                  <a:lnTo>
-                    <a:pt x="138806" y="0"/>
-                  </a:lnTo>
-                  <a:lnTo>
-                    <a:pt x="543684" y="0"/>
-                  </a:lnTo>
-                  <a:lnTo>
-                    <a:pt x="625596" y="81913"/>
-                  </a:lnTo>
-                  <a:lnTo>
-                    <a:pt x="639226" y="81913"/>
-                  </a:lnTo>
-                  <a:lnTo>
-                    <a:pt x="712816" y="155503"/>
-                  </a:lnTo>
-                  <a:lnTo>
-                    <a:pt x="712816" y="303598"/>
-                  </a:lnTo>
-                  <a:lnTo>
-                    <a:pt x="639226" y="377188"/>
-                  </a:lnTo>
-                  <a:lnTo>
-                    <a:pt x="599034" y="377188"/>
-                  </a:lnTo>
-                  <a:lnTo>
-                    <a:pt x="599034" y="543875"/>
-                  </a:lnTo>
-                  <a:lnTo>
-                    <a:pt x="599034" y="572450"/>
-                  </a:lnTo>
-                  <a:close/>
-                </a:path>
-              </a:pathLst>
-            </a:custGeom>
-            <a:solidFill>
-              <a:schemeClr val="tx1">
-                <a:lumMod val="50000"/>
-                <a:lumOff val="50000"/>
-              </a:schemeClr>
-            </a:solidFill>
-            <a:ln>
-              <a:noFill/>
-            </a:ln>
-          </p:spPr>
-          <p:style>
-            <a:lnRef idx="2">
-              <a:schemeClr val="accent1">
-                <a:shade val="15000"/>
-              </a:schemeClr>
-            </a:lnRef>
-            <a:fillRef idx="1">
-              <a:schemeClr val="accent1"/>
-            </a:fillRef>
-            <a:effectRef idx="0">
-              <a:schemeClr val="accent1"/>
-            </a:effectRef>
-            <a:fontRef idx="minor">
-              <a:schemeClr val="lt1"/>
-            </a:fontRef>
-          </p:style>
-          <p:txBody>
-            <a:bodyPr wrap="square" rtlCol="0" anchor="ctr">
-              <a:noAutofit/>
-            </a:bodyPr>
-            <a:lstStyle/>
-            <a:p>
-              <a:pPr algn="ctr"/>
-              <a:endParaRPr lang="en-GB"/>
-            </a:p>
-          </p:txBody>
-        </p:sp>
-        <p:grpSp>
-          <p:nvGrpSpPr>
-            <p:cNvPr id="17" name="Group 16">
-              <a:extLst>
-                <a:ext uri="{FF2B5EF4-FFF2-40B4-BE49-F238E27FC236}">
-                  <a16:creationId xmlns:a16="http://schemas.microsoft.com/office/drawing/2014/main" id="{07520284-AC60-C384-E2FE-EAE7FE4E4858}"/>
-                </a:ext>
-              </a:extLst>
-            </p:cNvPr>
-            <p:cNvGrpSpPr/>
-            <p:nvPr/>
-          </p:nvGrpSpPr>
-          <p:grpSpPr>
-            <a:xfrm>
-              <a:off x="6258250" y="808049"/>
-              <a:ext cx="1269840" cy="1269840"/>
-              <a:chOff x="1841035" y="4423814"/>
-              <a:chExt cx="1269840" cy="1269840"/>
-            </a:xfrm>
-          </p:grpSpPr>
-          <p:sp>
-            <p:nvSpPr>
-              <p:cNvPr id="18" name="Rectangle 17">
-                <a:extLst>
-                  <a:ext uri="{FF2B5EF4-FFF2-40B4-BE49-F238E27FC236}">
-                    <a16:creationId xmlns:a16="http://schemas.microsoft.com/office/drawing/2014/main" id="{249FE62A-B275-A60C-4FEA-A7F5F39FE8B5}"/>
-                  </a:ext>
-                </a:extLst>
-              </p:cNvPr>
-              <p:cNvSpPr/>
-              <p:nvPr/>
-            </p:nvSpPr>
-            <p:spPr>
-              <a:xfrm>
-                <a:off x="1841035" y="4423814"/>
-                <a:ext cx="1269840" cy="1269840"/>
-              </a:xfrm>
-              <a:prstGeom prst="rect">
-                <a:avLst/>
-              </a:prstGeom>
-              <a:solidFill>
-                <a:srgbClr val="4472C4">
-                  <a:alpha val="0"/>
-                </a:srgbClr>
-              </a:solidFill>
-              <a:ln>
-                <a:noFill/>
-              </a:ln>
-            </p:spPr>
-            <p:style>
-              <a:lnRef idx="2">
-                <a:schemeClr val="accent1">
-                  <a:shade val="15000"/>
-                </a:schemeClr>
-              </a:lnRef>
-              <a:fillRef idx="1">
-                <a:schemeClr val="accent1"/>
-              </a:fillRef>
-              <a:effectRef idx="0">
-                <a:schemeClr val="accent1"/>
-              </a:effectRef>
-              <a:fontRef idx="minor">
-                <a:schemeClr val="lt1"/>
-              </a:fontRef>
-            </p:style>
-            <p:txBody>
-              <a:bodyPr rtlCol="0" anchor="ctr"/>
-              <a:lstStyle/>
-              <a:p>
-                <a:pPr algn="ctr"/>
-                <a:endParaRPr lang="en-GB" dirty="0"/>
-              </a:p>
-            </p:txBody>
-          </p:sp>
-          <p:pic>
-            <p:nvPicPr>
-              <p:cNvPr id="19" name="Picture 18" descr="A black background with a black square&#10;&#10;AI-generated content may be incorrect.">
-                <a:extLst>
-                  <a:ext uri="{FF2B5EF4-FFF2-40B4-BE49-F238E27FC236}">
-                    <a16:creationId xmlns:a16="http://schemas.microsoft.com/office/drawing/2014/main" id="{9DA13E59-F500-B8E7-9BBC-9424416F2F9E}"/>
-                  </a:ext>
-                </a:extLst>
-              </p:cNvPr>
-              <p:cNvPicPr>
-                <a:picLocks noChangeAspect="1"/>
-              </p:cNvPicPr>
-              <p:nvPr/>
-            </p:nvPicPr>
-            <p:blipFill>
-              <a:blip r:embed="rId6">
-                <a:extLst>
-                  <a:ext uri="{28A0092B-C50C-407E-A947-70E740481C1C}">
-                    <a14:useLocalDpi xmlns:a14="http://schemas.microsoft.com/office/drawing/2010/main" val="0"/>
-                  </a:ext>
-                </a:extLst>
-              </a:blip>
-              <a:srcRect t="-1" b="1605"/>
-              <a:stretch/>
-            </p:blipFill>
-            <p:spPr>
-              <a:xfrm>
-                <a:off x="1882763" y="4672011"/>
-                <a:ext cx="1186384" cy="1021643"/>
-              </a:xfrm>
-              <a:prstGeom prst="rect">
-                <a:avLst/>
-              </a:prstGeom>
-            </p:spPr>
-          </p:pic>
-        </p:grpSp>
-      </p:grpSp>
-      <p:grpSp>
-        <p:nvGrpSpPr>
-          <p:cNvPr id="4" name="Group 3">
-            <a:extLst>
-              <a:ext uri="{FF2B5EF4-FFF2-40B4-BE49-F238E27FC236}">
-                <a16:creationId xmlns:a16="http://schemas.microsoft.com/office/drawing/2014/main" id="{7C330340-48E3-F8D7-244F-78F8FFB0F59F}"/>
-              </a:ext>
-            </a:extLst>
-          </p:cNvPr>
-          <p:cNvGrpSpPr/>
-          <p:nvPr/>
-        </p:nvGrpSpPr>
-        <p:grpSpPr>
-          <a:xfrm>
-            <a:off x="776861" y="1685504"/>
-            <a:ext cx="1269841" cy="1269841"/>
-            <a:chOff x="527479" y="4423813"/>
-            <a:chExt cx="1269841" cy="1269841"/>
-          </a:xfrm>
-        </p:grpSpPr>
-        <p:sp>
-          <p:nvSpPr>
-            <p:cNvPr id="5" name="Freeform: Shape 4">
-              <a:extLst>
-                <a:ext uri="{FF2B5EF4-FFF2-40B4-BE49-F238E27FC236}">
-                  <a16:creationId xmlns:a16="http://schemas.microsoft.com/office/drawing/2014/main" id="{99C608FE-2CE8-0A33-92A5-DC2172EEBE8D}"/>
-                </a:ext>
-              </a:extLst>
-            </p:cNvPr>
-            <p:cNvSpPr/>
-            <p:nvPr/>
-          </p:nvSpPr>
-          <p:spPr>
-            <a:xfrm rot="10800000">
-              <a:off x="671642" y="4577211"/>
-              <a:ext cx="938114" cy="950620"/>
-            </a:xfrm>
-            <a:custGeom>
-              <a:avLst/>
-              <a:gdLst>
-                <a:gd name="connsiteX0" fmla="*/ 472281 w 938114"/>
-                <a:gd name="connsiteY0" fmla="*/ 950620 h 950620"/>
-                <a:gd name="connsiteX1" fmla="*/ 318955 w 938114"/>
-                <a:gd name="connsiteY1" fmla="*/ 950620 h 950620"/>
-                <a:gd name="connsiteX2" fmla="*/ 318955 w 938114"/>
-                <a:gd name="connsiteY2" fmla="*/ 914394 h 950620"/>
-                <a:gd name="connsiteX3" fmla="*/ 167481 w 938114"/>
-                <a:gd name="connsiteY3" fmla="*/ 914394 h 950620"/>
-                <a:gd name="connsiteX4" fmla="*/ 167481 w 938114"/>
-                <a:gd name="connsiteY4" fmla="*/ 800791 h 950620"/>
-                <a:gd name="connsiteX5" fmla="*/ 0 w 938114"/>
-                <a:gd name="connsiteY5" fmla="*/ 800791 h 950620"/>
-                <a:gd name="connsiteX6" fmla="*/ 0 w 938114"/>
-                <a:gd name="connsiteY6" fmla="*/ 179544 h 950620"/>
-                <a:gd name="connsiteX7" fmla="*/ 21430 w 938114"/>
-                <a:gd name="connsiteY7" fmla="*/ 179544 h 950620"/>
-                <a:gd name="connsiteX8" fmla="*/ 21430 w 938114"/>
-                <a:gd name="connsiteY8" fmla="*/ 104957 h 950620"/>
-                <a:gd name="connsiteX9" fmla="*/ 126387 w 938114"/>
-                <a:gd name="connsiteY9" fmla="*/ 0 h 950620"/>
-                <a:gd name="connsiteX10" fmla="*/ 657836 w 938114"/>
-                <a:gd name="connsiteY10" fmla="*/ 0 h 950620"/>
-                <a:gd name="connsiteX11" fmla="*/ 762792 w 938114"/>
-                <a:gd name="connsiteY11" fmla="*/ 104957 h 950620"/>
-                <a:gd name="connsiteX12" fmla="*/ 762792 w 938114"/>
-                <a:gd name="connsiteY12" fmla="*/ 179546 h 950620"/>
-                <a:gd name="connsiteX13" fmla="*/ 828913 w 938114"/>
-                <a:gd name="connsiteY13" fmla="*/ 179546 h 950620"/>
-                <a:gd name="connsiteX14" fmla="*/ 828913 w 938114"/>
-                <a:gd name="connsiteY14" fmla="*/ 209907 h 950620"/>
-                <a:gd name="connsiteX15" fmla="*/ 865469 w 938114"/>
-                <a:gd name="connsiteY15" fmla="*/ 209907 h 950620"/>
-                <a:gd name="connsiteX16" fmla="*/ 865469 w 938114"/>
-                <a:gd name="connsiteY16" fmla="*/ 242648 h 950620"/>
-                <a:gd name="connsiteX17" fmla="*/ 902026 w 938114"/>
-                <a:gd name="connsiteY17" fmla="*/ 242648 h 950620"/>
-                <a:gd name="connsiteX18" fmla="*/ 902026 w 938114"/>
-                <a:gd name="connsiteY18" fmla="*/ 279557 h 950620"/>
-                <a:gd name="connsiteX19" fmla="*/ 938114 w 938114"/>
-                <a:gd name="connsiteY19" fmla="*/ 279557 h 950620"/>
-                <a:gd name="connsiteX20" fmla="*/ 938114 w 938114"/>
-                <a:gd name="connsiteY20" fmla="*/ 379569 h 950620"/>
-                <a:gd name="connsiteX21" fmla="*/ 741363 w 938114"/>
-                <a:gd name="connsiteY21" fmla="*/ 379569 h 950620"/>
-                <a:gd name="connsiteX22" fmla="*/ 741363 w 938114"/>
-                <a:gd name="connsiteY22" fmla="*/ 316467 h 950620"/>
-                <a:gd name="connsiteX23" fmla="*/ 641349 w 938114"/>
-                <a:gd name="connsiteY23" fmla="*/ 316467 h 950620"/>
-                <a:gd name="connsiteX24" fmla="*/ 641349 w 938114"/>
-                <a:gd name="connsiteY24" fmla="*/ 800791 h 950620"/>
-                <a:gd name="connsiteX25" fmla="*/ 636571 w 938114"/>
-                <a:gd name="connsiteY25" fmla="*/ 800791 h 950620"/>
-                <a:gd name="connsiteX26" fmla="*/ 636571 w 938114"/>
-                <a:gd name="connsiteY26" fmla="*/ 914394 h 950620"/>
-                <a:gd name="connsiteX27" fmla="*/ 472281 w 938114"/>
-                <a:gd name="connsiteY27" fmla="*/ 914394 h 950620"/>
-              </a:gdLst>
-              <a:ahLst/>
-              <a:cxnLst>
-                <a:cxn ang="0">
-                  <a:pos x="connsiteX0" y="connsiteY0"/>
-                </a:cxn>
-                <a:cxn ang="0">
-                  <a:pos x="connsiteX1" y="connsiteY1"/>
-                </a:cxn>
-                <a:cxn ang="0">
-                  <a:pos x="connsiteX2" y="connsiteY2"/>
-                </a:cxn>
-                <a:cxn ang="0">
-                  <a:pos x="connsiteX3" y="connsiteY3"/>
-                </a:cxn>
-                <a:cxn ang="0">
-                  <a:pos x="connsiteX4" y="connsiteY4"/>
-                </a:cxn>
-                <a:cxn ang="0">
-                  <a:pos x="connsiteX5" y="connsiteY5"/>
-                </a:cxn>
-                <a:cxn ang="0">
-                  <a:pos x="connsiteX6" y="connsiteY6"/>
-                </a:cxn>
-                <a:cxn ang="0">
-                  <a:pos x="connsiteX7" y="connsiteY7"/>
-                </a:cxn>
-                <a:cxn ang="0">
-                  <a:pos x="connsiteX8" y="connsiteY8"/>
-                </a:cxn>
-                <a:cxn ang="0">
-                  <a:pos x="connsiteX9" y="connsiteY9"/>
-                </a:cxn>
-                <a:cxn ang="0">
-                  <a:pos x="connsiteX10" y="connsiteY10"/>
-                </a:cxn>
-                <a:cxn ang="0">
-                  <a:pos x="connsiteX11" y="connsiteY11"/>
-                </a:cxn>
-                <a:cxn ang="0">
-                  <a:pos x="connsiteX12" y="connsiteY12"/>
-                </a:cxn>
-                <a:cxn ang="0">
-                  <a:pos x="connsiteX13" y="connsiteY13"/>
-                </a:cxn>
-                <a:cxn ang="0">
-                  <a:pos x="connsiteX14" y="connsiteY14"/>
-                </a:cxn>
-                <a:cxn ang="0">
-                  <a:pos x="connsiteX15" y="connsiteY15"/>
-                </a:cxn>
-                <a:cxn ang="0">
-                  <a:pos x="connsiteX16" y="connsiteY16"/>
-                </a:cxn>
-                <a:cxn ang="0">
-                  <a:pos x="connsiteX17" y="connsiteY17"/>
-                </a:cxn>
-                <a:cxn ang="0">
-                  <a:pos x="connsiteX18" y="connsiteY18"/>
-                </a:cxn>
-                <a:cxn ang="0">
-                  <a:pos x="connsiteX19" y="connsiteY19"/>
-                </a:cxn>
-                <a:cxn ang="0">
-                  <a:pos x="connsiteX20" y="connsiteY20"/>
-                </a:cxn>
-                <a:cxn ang="0">
-                  <a:pos x="connsiteX21" y="connsiteY21"/>
-                </a:cxn>
-                <a:cxn ang="0">
-                  <a:pos x="connsiteX22" y="connsiteY22"/>
-                </a:cxn>
-                <a:cxn ang="0">
-                  <a:pos x="connsiteX23" y="connsiteY23"/>
-                </a:cxn>
-                <a:cxn ang="0">
-                  <a:pos x="connsiteX24" y="connsiteY24"/>
-                </a:cxn>
-                <a:cxn ang="0">
-                  <a:pos x="connsiteX25" y="connsiteY25"/>
-                </a:cxn>
-                <a:cxn ang="0">
-                  <a:pos x="connsiteX26" y="connsiteY26"/>
-                </a:cxn>
-                <a:cxn ang="0">
-                  <a:pos x="connsiteX27" y="connsiteY27"/>
-                </a:cxn>
-              </a:cxnLst>
-              <a:rect l="l" t="t" r="r" b="b"/>
-              <a:pathLst>
-                <a:path w="938114" h="950620">
-                  <a:moveTo>
-                    <a:pt x="472281" y="950620"/>
-                  </a:moveTo>
-                  <a:lnTo>
-                    <a:pt x="318955" y="950620"/>
-                  </a:lnTo>
-                  <a:lnTo>
-                    <a:pt x="318955" y="914394"/>
-                  </a:lnTo>
-                  <a:lnTo>
-                    <a:pt x="167481" y="914394"/>
-                  </a:lnTo>
-                  <a:lnTo>
-                    <a:pt x="167481" y="800791"/>
-                  </a:lnTo>
-                  <a:lnTo>
-                    <a:pt x="0" y="800791"/>
-                  </a:lnTo>
-                  <a:lnTo>
-                    <a:pt x="0" y="179544"/>
-                  </a:lnTo>
-                  <a:lnTo>
-                    <a:pt x="21430" y="179544"/>
-                  </a:lnTo>
-                  <a:lnTo>
-                    <a:pt x="21430" y="104957"/>
-                  </a:lnTo>
-                  <a:lnTo>
-                    <a:pt x="126387" y="0"/>
-                  </a:lnTo>
-                  <a:lnTo>
-                    <a:pt x="657836" y="0"/>
-                  </a:lnTo>
-                  <a:lnTo>
-                    <a:pt x="762792" y="104957"/>
-                  </a:lnTo>
-                  <a:lnTo>
-                    <a:pt x="762792" y="179546"/>
-                  </a:lnTo>
-                  <a:lnTo>
-                    <a:pt x="828913" y="179546"/>
-                  </a:lnTo>
-                  <a:lnTo>
-                    <a:pt x="828913" y="209907"/>
-                  </a:lnTo>
-                  <a:lnTo>
-                    <a:pt x="865469" y="209907"/>
-                  </a:lnTo>
-                  <a:lnTo>
-                    <a:pt x="865469" y="242648"/>
-                  </a:lnTo>
-                  <a:lnTo>
-                    <a:pt x="902026" y="242648"/>
-                  </a:lnTo>
-                  <a:lnTo>
-                    <a:pt x="902026" y="279557"/>
-                  </a:lnTo>
-                  <a:lnTo>
-                    <a:pt x="938114" y="279557"/>
-                  </a:lnTo>
-                  <a:lnTo>
-                    <a:pt x="938114" y="379569"/>
-                  </a:lnTo>
-                  <a:lnTo>
-                    <a:pt x="741363" y="379569"/>
-                  </a:lnTo>
-                  <a:lnTo>
-                    <a:pt x="741363" y="316467"/>
-                  </a:lnTo>
-                  <a:lnTo>
-                    <a:pt x="641349" y="316467"/>
-                  </a:lnTo>
-                  <a:lnTo>
-                    <a:pt x="641349" y="800791"/>
-                  </a:lnTo>
-                  <a:lnTo>
-                    <a:pt x="636571" y="800791"/>
-                  </a:lnTo>
-                  <a:lnTo>
-                    <a:pt x="636571" y="914394"/>
-                  </a:lnTo>
-                  <a:lnTo>
-                    <a:pt x="472281" y="914394"/>
-                  </a:lnTo>
-                  <a:close/>
-                </a:path>
-              </a:pathLst>
-            </a:custGeom>
-            <a:solidFill>
-              <a:schemeClr val="bg1"/>
-            </a:solidFill>
-            <a:ln>
-              <a:noFill/>
-            </a:ln>
-          </p:spPr>
-          <p:style>
-            <a:lnRef idx="2">
-              <a:schemeClr val="accent1">
-                <a:shade val="15000"/>
-              </a:schemeClr>
-            </a:lnRef>
-            <a:fillRef idx="1">
-              <a:schemeClr val="accent1"/>
-            </a:fillRef>
-            <a:effectRef idx="0">
-              <a:schemeClr val="accent1"/>
-            </a:effectRef>
-            <a:fontRef idx="minor">
-              <a:schemeClr val="lt1"/>
-            </a:fontRef>
-          </p:style>
-          <p:txBody>
-            <a:bodyPr wrap="square" rtlCol="0" anchor="ctr">
-              <a:noAutofit/>
-            </a:bodyPr>
-            <a:lstStyle/>
-            <a:p>
-              <a:pPr algn="ctr"/>
-              <a:endParaRPr lang="en-GB"/>
-            </a:p>
-          </p:txBody>
-        </p:sp>
-        <p:pic>
-          <p:nvPicPr>
-            <p:cNvPr id="6" name="Picture 5" descr="A black background with a black square&#10;&#10;AI-generated content may be incorrect.">
-              <a:extLst>
-                <a:ext uri="{FF2B5EF4-FFF2-40B4-BE49-F238E27FC236}">
-                  <a16:creationId xmlns:a16="http://schemas.microsoft.com/office/drawing/2014/main" id="{33E4B12A-369A-CA98-5623-E34593CCD336}"/>
-                </a:ext>
-              </a:extLst>
-            </p:cNvPr>
-            <p:cNvPicPr>
-              <a:picLocks noChangeAspect="1"/>
-            </p:cNvPicPr>
-            <p:nvPr/>
-          </p:nvPicPr>
-          <p:blipFill>
-            <a:blip r:embed="rId5">
-              <a:extLst>
-                <a:ext uri="{28A0092B-C50C-407E-A947-70E740481C1C}">
-                  <a14:useLocalDpi xmlns:a14="http://schemas.microsoft.com/office/drawing/2010/main" val="0"/>
-                </a:ext>
-              </a:extLst>
-            </a:blip>
-            <a:stretch>
-              <a:fillRect/>
-            </a:stretch>
-          </p:blipFill>
-          <p:spPr>
-            <a:xfrm>
-              <a:off x="527479" y="4423813"/>
-              <a:ext cx="1269841" cy="1269841"/>
-            </a:xfrm>
-            <a:prstGeom prst="rect">
-              <a:avLst/>
-            </a:prstGeom>
-          </p:spPr>
-        </p:pic>
-      </p:grpSp>
-      <p:grpSp>
-        <p:nvGrpSpPr>
-          <p:cNvPr id="24" name="Group 23">
-            <a:extLst>
-              <a:ext uri="{FF2B5EF4-FFF2-40B4-BE49-F238E27FC236}">
-                <a16:creationId xmlns:a16="http://schemas.microsoft.com/office/drawing/2014/main" id="{ADC8901B-43B1-03CB-EAB5-93B21677A359}"/>
-              </a:ext>
-            </a:extLst>
-          </p:cNvPr>
-          <p:cNvGrpSpPr/>
-          <p:nvPr/>
-        </p:nvGrpSpPr>
-        <p:grpSpPr>
-          <a:xfrm>
-            <a:off x="776862" y="-57991"/>
-            <a:ext cx="1269840" cy="1269840"/>
-            <a:chOff x="3110151" y="4423814"/>
-            <a:chExt cx="1269840" cy="1269840"/>
-          </a:xfrm>
-        </p:grpSpPr>
-        <p:sp>
-          <p:nvSpPr>
-            <p:cNvPr id="11" name="Freeform: Shape 10">
-              <a:extLst>
-                <a:ext uri="{FF2B5EF4-FFF2-40B4-BE49-F238E27FC236}">
-                  <a16:creationId xmlns:a16="http://schemas.microsoft.com/office/drawing/2014/main" id="{01DA2821-1570-DA7D-B253-B3871A275D6A}"/>
-                </a:ext>
-              </a:extLst>
-            </p:cNvPr>
-            <p:cNvSpPr/>
-            <p:nvPr/>
-          </p:nvSpPr>
-          <p:spPr>
-            <a:xfrm rot="10800000">
-              <a:off x="3388522" y="4916919"/>
-              <a:ext cx="712816" cy="610912"/>
-            </a:xfrm>
-            <a:custGeom>
-              <a:avLst/>
-              <a:gdLst>
-                <a:gd name="connsiteX0" fmla="*/ 599034 w 712816"/>
-                <a:gd name="connsiteY0" fmla="*/ 610912 h 610912"/>
-                <a:gd name="connsiteX1" fmla="*/ 153225 w 712816"/>
-                <a:gd name="connsiteY1" fmla="*/ 610912 h 610912"/>
-                <a:gd name="connsiteX2" fmla="*/ 153225 w 712816"/>
-                <a:gd name="connsiteY2" fmla="*/ 572450 h 610912"/>
-                <a:gd name="connsiteX3" fmla="*/ 0 w 712816"/>
-                <a:gd name="connsiteY3" fmla="*/ 572450 h 610912"/>
-                <a:gd name="connsiteX4" fmla="*/ 0 w 712816"/>
-                <a:gd name="connsiteY4" fmla="*/ 81912 h 610912"/>
-                <a:gd name="connsiteX5" fmla="*/ 56894 w 712816"/>
-                <a:gd name="connsiteY5" fmla="*/ 81912 h 610912"/>
-                <a:gd name="connsiteX6" fmla="*/ 138806 w 712816"/>
-                <a:gd name="connsiteY6" fmla="*/ 0 h 610912"/>
-                <a:gd name="connsiteX7" fmla="*/ 543684 w 712816"/>
-                <a:gd name="connsiteY7" fmla="*/ 0 h 610912"/>
-                <a:gd name="connsiteX8" fmla="*/ 625596 w 712816"/>
-                <a:gd name="connsiteY8" fmla="*/ 81913 h 610912"/>
-                <a:gd name="connsiteX9" fmla="*/ 639226 w 712816"/>
-                <a:gd name="connsiteY9" fmla="*/ 81913 h 610912"/>
-                <a:gd name="connsiteX10" fmla="*/ 712816 w 712816"/>
-                <a:gd name="connsiteY10" fmla="*/ 155503 h 610912"/>
-                <a:gd name="connsiteX11" fmla="*/ 712816 w 712816"/>
-                <a:gd name="connsiteY11" fmla="*/ 303598 h 610912"/>
-                <a:gd name="connsiteX12" fmla="*/ 639226 w 712816"/>
-                <a:gd name="connsiteY12" fmla="*/ 377188 h 610912"/>
-                <a:gd name="connsiteX13" fmla="*/ 599034 w 712816"/>
-                <a:gd name="connsiteY13" fmla="*/ 377188 h 610912"/>
-                <a:gd name="connsiteX14" fmla="*/ 599034 w 712816"/>
-                <a:gd name="connsiteY14" fmla="*/ 543875 h 610912"/>
-                <a:gd name="connsiteX15" fmla="*/ 599034 w 712816"/>
-                <a:gd name="connsiteY15" fmla="*/ 572450 h 610912"/>
-              </a:gdLst>
-              <a:ahLst/>
-              <a:cxnLst>
-                <a:cxn ang="0">
-                  <a:pos x="connsiteX0" y="connsiteY0"/>
-                </a:cxn>
-                <a:cxn ang="0">
-                  <a:pos x="connsiteX1" y="connsiteY1"/>
-                </a:cxn>
-                <a:cxn ang="0">
-                  <a:pos x="connsiteX2" y="connsiteY2"/>
-                </a:cxn>
-                <a:cxn ang="0">
-                  <a:pos x="connsiteX3" y="connsiteY3"/>
-                </a:cxn>
-                <a:cxn ang="0">
-                  <a:pos x="connsiteX4" y="connsiteY4"/>
-                </a:cxn>
-                <a:cxn ang="0">
-                  <a:pos x="connsiteX5" y="connsiteY5"/>
-                </a:cxn>
-                <a:cxn ang="0">
-                  <a:pos x="connsiteX6" y="connsiteY6"/>
-                </a:cxn>
-                <a:cxn ang="0">
-                  <a:pos x="connsiteX7" y="connsiteY7"/>
-                </a:cxn>
-                <a:cxn ang="0">
-                  <a:pos x="connsiteX8" y="connsiteY8"/>
-                </a:cxn>
-                <a:cxn ang="0">
-                  <a:pos x="connsiteX9" y="connsiteY9"/>
-                </a:cxn>
-                <a:cxn ang="0">
-                  <a:pos x="connsiteX10" y="connsiteY10"/>
-                </a:cxn>
-                <a:cxn ang="0">
-                  <a:pos x="connsiteX11" y="connsiteY11"/>
-                </a:cxn>
-                <a:cxn ang="0">
-                  <a:pos x="connsiteX12" y="connsiteY12"/>
-                </a:cxn>
-                <a:cxn ang="0">
-                  <a:pos x="connsiteX13" y="connsiteY13"/>
-                </a:cxn>
-                <a:cxn ang="0">
-                  <a:pos x="connsiteX14" y="connsiteY14"/>
-                </a:cxn>
-                <a:cxn ang="0">
-                  <a:pos x="connsiteX15" y="connsiteY15"/>
-                </a:cxn>
-              </a:cxnLst>
-              <a:rect l="l" t="t" r="r" b="b"/>
-              <a:pathLst>
-                <a:path w="712816" h="610912">
-                  <a:moveTo>
-                    <a:pt x="599034" y="610912"/>
-                  </a:moveTo>
-                  <a:lnTo>
-                    <a:pt x="153225" y="610912"/>
-                  </a:lnTo>
-                  <a:lnTo>
-                    <a:pt x="153225" y="572450"/>
-                  </a:lnTo>
-                  <a:lnTo>
-                    <a:pt x="0" y="572450"/>
-                  </a:lnTo>
-                  <a:lnTo>
-                    <a:pt x="0" y="81912"/>
-                  </a:lnTo>
-                  <a:lnTo>
-                    <a:pt x="56894" y="81912"/>
-                  </a:lnTo>
-                  <a:lnTo>
-                    <a:pt x="138806" y="0"/>
-                  </a:lnTo>
-                  <a:lnTo>
-                    <a:pt x="543684" y="0"/>
-                  </a:lnTo>
-                  <a:lnTo>
-                    <a:pt x="625596" y="81913"/>
-                  </a:lnTo>
-                  <a:lnTo>
-                    <a:pt x="639226" y="81913"/>
-                  </a:lnTo>
-                  <a:lnTo>
-                    <a:pt x="712816" y="155503"/>
-                  </a:lnTo>
-                  <a:lnTo>
-                    <a:pt x="712816" y="303598"/>
-                  </a:lnTo>
-                  <a:lnTo>
-                    <a:pt x="639226" y="377188"/>
-                  </a:lnTo>
-                  <a:lnTo>
-                    <a:pt x="599034" y="377188"/>
-                  </a:lnTo>
-                  <a:lnTo>
-                    <a:pt x="599034" y="543875"/>
-                  </a:lnTo>
-                  <a:lnTo>
-                    <a:pt x="599034" y="572450"/>
-                  </a:lnTo>
-                  <a:close/>
-                </a:path>
-              </a:pathLst>
-            </a:custGeom>
-            <a:solidFill>
-              <a:schemeClr val="bg1"/>
-            </a:solidFill>
-            <a:ln>
-              <a:noFill/>
-            </a:ln>
-          </p:spPr>
-          <p:style>
-            <a:lnRef idx="2">
-              <a:schemeClr val="accent1">
-                <a:shade val="15000"/>
-              </a:schemeClr>
-            </a:lnRef>
-            <a:fillRef idx="1">
-              <a:schemeClr val="accent1"/>
-            </a:fillRef>
-            <a:effectRef idx="0">
-              <a:schemeClr val="accent1"/>
-            </a:effectRef>
-            <a:fontRef idx="minor">
-              <a:schemeClr val="lt1"/>
-            </a:fontRef>
-          </p:style>
-          <p:txBody>
-            <a:bodyPr wrap="square" rtlCol="0" anchor="ctr">
-              <a:noAutofit/>
-            </a:bodyPr>
-            <a:lstStyle/>
-            <a:p>
-              <a:pPr algn="ctr"/>
-              <a:endParaRPr lang="en-GB"/>
-            </a:p>
-          </p:txBody>
-        </p:sp>
-        <p:grpSp>
-          <p:nvGrpSpPr>
-            <p:cNvPr id="12" name="Group 11">
-              <a:extLst>
-                <a:ext uri="{FF2B5EF4-FFF2-40B4-BE49-F238E27FC236}">
-                  <a16:creationId xmlns:a16="http://schemas.microsoft.com/office/drawing/2014/main" id="{BFE1CFB1-33CE-A30B-2933-B49305C892DB}"/>
-                </a:ext>
-              </a:extLst>
-            </p:cNvPr>
-            <p:cNvGrpSpPr/>
-            <p:nvPr/>
-          </p:nvGrpSpPr>
-          <p:grpSpPr>
-            <a:xfrm>
-              <a:off x="3110151" y="4423814"/>
-              <a:ext cx="1269840" cy="1269840"/>
-              <a:chOff x="1841035" y="4423814"/>
-              <a:chExt cx="1269840" cy="1269840"/>
-            </a:xfrm>
-          </p:grpSpPr>
-          <p:sp>
-            <p:nvSpPr>
-              <p:cNvPr id="13" name="Rectangle 12">
-                <a:extLst>
-                  <a:ext uri="{FF2B5EF4-FFF2-40B4-BE49-F238E27FC236}">
-                    <a16:creationId xmlns:a16="http://schemas.microsoft.com/office/drawing/2014/main" id="{782E3C27-9005-682F-95FE-095869341C3F}"/>
-                  </a:ext>
-                </a:extLst>
-              </p:cNvPr>
-              <p:cNvSpPr/>
-              <p:nvPr/>
-            </p:nvSpPr>
-            <p:spPr>
-              <a:xfrm>
-                <a:off x="1841035" y="4423814"/>
-                <a:ext cx="1269840" cy="1269840"/>
-              </a:xfrm>
-              <a:prstGeom prst="rect">
-                <a:avLst/>
-              </a:prstGeom>
-              <a:solidFill>
-                <a:srgbClr val="4472C4">
-                  <a:alpha val="0"/>
-                </a:srgbClr>
-              </a:solidFill>
-              <a:ln>
-                <a:noFill/>
-              </a:ln>
-            </p:spPr>
-            <p:style>
-              <a:lnRef idx="2">
-                <a:schemeClr val="accent1">
-                  <a:shade val="15000"/>
-                </a:schemeClr>
-              </a:lnRef>
-              <a:fillRef idx="1">
-                <a:schemeClr val="accent1"/>
-              </a:fillRef>
-              <a:effectRef idx="0">
-                <a:schemeClr val="accent1"/>
-              </a:effectRef>
-              <a:fontRef idx="minor">
-                <a:schemeClr val="lt1"/>
-              </a:fontRef>
-            </p:style>
-            <p:txBody>
-              <a:bodyPr rtlCol="0" anchor="ctr"/>
-              <a:lstStyle/>
-              <a:p>
-                <a:pPr algn="ctr"/>
-                <a:endParaRPr lang="en-GB"/>
-              </a:p>
-            </p:txBody>
-          </p:sp>
-          <p:pic>
-            <p:nvPicPr>
-              <p:cNvPr id="14" name="Picture 13" descr="A black background with a black square&#10;&#10;AI-generated content may be incorrect.">
-                <a:extLst>
-                  <a:ext uri="{FF2B5EF4-FFF2-40B4-BE49-F238E27FC236}">
-                    <a16:creationId xmlns:a16="http://schemas.microsoft.com/office/drawing/2014/main" id="{3BFB24EC-1DE5-1EAE-6090-E87167CBB45A}"/>
-                  </a:ext>
-                </a:extLst>
-              </p:cNvPr>
-              <p:cNvPicPr>
-                <a:picLocks noChangeAspect="1"/>
-              </p:cNvPicPr>
-              <p:nvPr/>
-            </p:nvPicPr>
-            <p:blipFill>
-              <a:blip r:embed="rId6">
-                <a:extLst>
-                  <a:ext uri="{28A0092B-C50C-407E-A947-70E740481C1C}">
-                    <a14:useLocalDpi xmlns:a14="http://schemas.microsoft.com/office/drawing/2010/main" val="0"/>
-                  </a:ext>
-                </a:extLst>
-              </a:blip>
-              <a:srcRect t="-1" b="1605"/>
-              <a:stretch/>
-            </p:blipFill>
-            <p:spPr>
-              <a:xfrm>
-                <a:off x="1882763" y="4672011"/>
-                <a:ext cx="1186384" cy="1021643"/>
-              </a:xfrm>
-              <a:prstGeom prst="rect">
-                <a:avLst/>
-              </a:prstGeom>
-            </p:spPr>
-          </p:pic>
-        </p:grpSp>
-      </p:grpSp>
-      <p:pic>
-        <p:nvPicPr>
-          <p:cNvPr id="20" name="Picture 19" descr="A black background with a black square&#10;&#10;AI-generated content may be incorrect.">
-            <a:extLst>
-              <a:ext uri="{FF2B5EF4-FFF2-40B4-BE49-F238E27FC236}">
-                <a16:creationId xmlns:a16="http://schemas.microsoft.com/office/drawing/2014/main" id="{F0174C09-2CB7-E4E3-2D8F-D923D8AE6D17}"/>
-              </a:ext>
-            </a:extLst>
-          </p:cNvPr>
-          <p:cNvPicPr>
-            <a:picLocks noChangeAspect="1"/>
-          </p:cNvPicPr>
-          <p:nvPr/>
-        </p:nvPicPr>
-        <p:blipFill>
-          <a:blip r:embed="rId5">
-            <a:extLst>
-              <a:ext uri="{28A0092B-C50C-407E-A947-70E740481C1C}">
-                <a14:useLocalDpi xmlns:a14="http://schemas.microsoft.com/office/drawing/2010/main" val="0"/>
-              </a:ext>
-            </a:extLst>
-          </a:blip>
-          <a:stretch>
-            <a:fillRect/>
-          </a:stretch>
-        </p:blipFill>
-        <p:spPr>
-          <a:xfrm>
-            <a:off x="9250650" y="415663"/>
-            <a:ext cx="1269841" cy="1269841"/>
-          </a:xfrm>
-          <a:prstGeom prst="rect">
-            <a:avLst/>
-          </a:prstGeom>
-        </p:spPr>
-      </p:pic>
-      <p:grpSp>
-        <p:nvGrpSpPr>
-          <p:cNvPr id="21" name="Group 20">
-            <a:extLst>
-              <a:ext uri="{FF2B5EF4-FFF2-40B4-BE49-F238E27FC236}">
-                <a16:creationId xmlns:a16="http://schemas.microsoft.com/office/drawing/2014/main" id="{28F69553-EDAC-7AE6-2E74-A9947ACEEBB3}"/>
-              </a:ext>
-            </a:extLst>
-          </p:cNvPr>
-          <p:cNvGrpSpPr/>
-          <p:nvPr/>
-        </p:nvGrpSpPr>
-        <p:grpSpPr>
-          <a:xfrm>
-            <a:off x="10423418" y="415757"/>
-            <a:ext cx="1269840" cy="1269840"/>
-            <a:chOff x="5187258" y="5013720"/>
-            <a:chExt cx="1269840" cy="1269840"/>
-          </a:xfrm>
-        </p:grpSpPr>
-        <p:sp>
-          <p:nvSpPr>
-            <p:cNvPr id="22" name="Rectangle 21">
-              <a:extLst>
-                <a:ext uri="{FF2B5EF4-FFF2-40B4-BE49-F238E27FC236}">
-                  <a16:creationId xmlns:a16="http://schemas.microsoft.com/office/drawing/2014/main" id="{5A2280F2-8488-46E6-04BD-9D5B6948F586}"/>
-                </a:ext>
-              </a:extLst>
-            </p:cNvPr>
-            <p:cNvSpPr/>
-            <p:nvPr/>
-          </p:nvSpPr>
-          <p:spPr>
-            <a:xfrm>
-              <a:off x="5187258" y="5013720"/>
-              <a:ext cx="1269840" cy="1269840"/>
-            </a:xfrm>
-            <a:prstGeom prst="rect">
-              <a:avLst/>
-            </a:prstGeom>
-            <a:solidFill>
-              <a:srgbClr val="4472C4">
-                <a:alpha val="0"/>
-              </a:srgbClr>
-            </a:solidFill>
-            <a:ln>
-              <a:noFill/>
-            </a:ln>
-          </p:spPr>
-          <p:style>
-            <a:lnRef idx="2">
-              <a:schemeClr val="accent1">
-                <a:shade val="15000"/>
-              </a:schemeClr>
-            </a:lnRef>
-            <a:fillRef idx="1">
-              <a:schemeClr val="accent1"/>
-            </a:fillRef>
-            <a:effectRef idx="0">
-              <a:schemeClr val="accent1"/>
-            </a:effectRef>
-            <a:fontRef idx="minor">
-              <a:schemeClr val="lt1"/>
-            </a:fontRef>
-          </p:style>
-          <p:txBody>
-            <a:bodyPr rtlCol="0" anchor="ctr"/>
-            <a:lstStyle/>
-            <a:p>
-              <a:pPr algn="ctr"/>
-              <a:endParaRPr lang="en-GB"/>
-            </a:p>
-          </p:txBody>
-        </p:sp>
-        <p:pic>
-          <p:nvPicPr>
-            <p:cNvPr id="23" name="Picture 22" descr="A black background with a black square&#10;&#10;AI-generated content may be incorrect.">
-              <a:extLst>
-                <a:ext uri="{FF2B5EF4-FFF2-40B4-BE49-F238E27FC236}">
-                  <a16:creationId xmlns:a16="http://schemas.microsoft.com/office/drawing/2014/main" id="{997D7011-8916-4BE6-4439-DA734A65DC8E}"/>
-                </a:ext>
-              </a:extLst>
-            </p:cNvPr>
-            <p:cNvPicPr>
-              <a:picLocks noChangeAspect="1"/>
-            </p:cNvPicPr>
-            <p:nvPr/>
-          </p:nvPicPr>
-          <p:blipFill>
-            <a:blip r:embed="rId6">
-              <a:extLst>
-                <a:ext uri="{28A0092B-C50C-407E-A947-70E740481C1C}">
-                  <a14:useLocalDpi xmlns:a14="http://schemas.microsoft.com/office/drawing/2010/main" val="0"/>
-                </a:ext>
-              </a:extLst>
-            </a:blip>
-            <a:srcRect t="-1" b="1605"/>
-            <a:stretch/>
-          </p:blipFill>
-          <p:spPr>
-            <a:xfrm>
-              <a:off x="5228986" y="5261917"/>
-              <a:ext cx="1186384" cy="1021643"/>
-            </a:xfrm>
-            <a:prstGeom prst="rect">
-              <a:avLst/>
-            </a:prstGeom>
-          </p:spPr>
-        </p:pic>
-      </p:grpSp>
-      <p:grpSp>
-        <p:nvGrpSpPr>
-          <p:cNvPr id="25" name="Group 24">
-            <a:extLst>
-              <a:ext uri="{FF2B5EF4-FFF2-40B4-BE49-F238E27FC236}">
-                <a16:creationId xmlns:a16="http://schemas.microsoft.com/office/drawing/2014/main" id="{43AD0820-F486-07D3-FBD1-DBBA1232EEEC}"/>
-              </a:ext>
-            </a:extLst>
-          </p:cNvPr>
-          <p:cNvGrpSpPr/>
-          <p:nvPr/>
-        </p:nvGrpSpPr>
-        <p:grpSpPr>
-          <a:xfrm>
-            <a:off x="944738" y="4797379"/>
-            <a:ext cx="914400" cy="914400"/>
-            <a:chOff x="3628545" y="4572001"/>
-            <a:chExt cx="914400" cy="914400"/>
-          </a:xfrm>
-        </p:grpSpPr>
-        <p:sp>
-          <p:nvSpPr>
-            <p:cNvPr id="3" name="Oval 2">
-              <a:extLst>
-                <a:ext uri="{FF2B5EF4-FFF2-40B4-BE49-F238E27FC236}">
-                  <a16:creationId xmlns:a16="http://schemas.microsoft.com/office/drawing/2014/main" id="{7CDB07D1-4EA2-B406-11F1-7285675B5F84}"/>
-                </a:ext>
-              </a:extLst>
-            </p:cNvPr>
-            <p:cNvSpPr/>
-            <p:nvPr/>
-          </p:nvSpPr>
-          <p:spPr>
-            <a:xfrm>
-              <a:off x="3628545" y="4572001"/>
-              <a:ext cx="914400" cy="914400"/>
-            </a:xfrm>
-            <a:prstGeom prst="ellipse">
-              <a:avLst/>
-            </a:prstGeom>
-            <a:solidFill>
-              <a:schemeClr val="tx1">
-                <a:lumMod val="65000"/>
-                <a:lumOff val="35000"/>
-              </a:schemeClr>
-            </a:solidFill>
-            <a:ln>
-              <a:noFill/>
-            </a:ln>
-          </p:spPr>
-          <p:style>
-            <a:lnRef idx="2">
-              <a:schemeClr val="accent1">
-                <a:shade val="15000"/>
-              </a:schemeClr>
-            </a:lnRef>
-            <a:fillRef idx="1">
-              <a:schemeClr val="accent1"/>
-            </a:fillRef>
-            <a:effectRef idx="0">
-              <a:schemeClr val="accent1"/>
-            </a:effectRef>
-            <a:fontRef idx="minor">
-              <a:schemeClr val="lt1"/>
-            </a:fontRef>
-          </p:style>
-          <p:txBody>
-            <a:bodyPr rtlCol="0" anchor="ctr"/>
-            <a:lstStyle/>
-            <a:p>
-              <a:pPr algn="ctr"/>
-              <a:endParaRPr lang="en-GB"/>
-            </a:p>
-          </p:txBody>
-        </p:sp>
-        <p:sp>
-          <p:nvSpPr>
-            <p:cNvPr id="2" name="&quot;Not Allowed&quot; Symbol 1">
-              <a:extLst>
-                <a:ext uri="{FF2B5EF4-FFF2-40B4-BE49-F238E27FC236}">
-                  <a16:creationId xmlns:a16="http://schemas.microsoft.com/office/drawing/2014/main" id="{C1288A3D-FFC6-3BEB-F0FE-E02B0F6E062B}"/>
-                </a:ext>
-              </a:extLst>
-            </p:cNvPr>
-            <p:cNvSpPr/>
-            <p:nvPr/>
-          </p:nvSpPr>
-          <p:spPr>
-            <a:xfrm>
-              <a:off x="3628545" y="4572001"/>
-              <a:ext cx="914400" cy="914400"/>
-            </a:xfrm>
-            <a:prstGeom prst="noSmoking">
-              <a:avLst>
-                <a:gd name="adj" fmla="val 14350"/>
-              </a:avLst>
-            </a:prstGeom>
-            <a:solidFill>
-              <a:srgbClr val="920000"/>
-            </a:solidFill>
-            <a:ln>
-              <a:noFill/>
-            </a:ln>
-          </p:spPr>
-          <p:style>
-            <a:lnRef idx="2">
-              <a:schemeClr val="accent1">
-                <a:shade val="15000"/>
-              </a:schemeClr>
-            </a:lnRef>
-            <a:fillRef idx="1">
-              <a:schemeClr val="accent1"/>
-            </a:fillRef>
-            <a:effectRef idx="0">
-              <a:schemeClr val="accent1"/>
-            </a:effectRef>
-            <a:fontRef idx="minor">
-              <a:schemeClr val="lt1"/>
-            </a:fontRef>
-          </p:style>
-          <p:txBody>
-            <a:bodyPr rtlCol="0" anchor="ctr"/>
-            <a:lstStyle/>
-            <a:p>
-              <a:pPr algn="ctr"/>
-              <a:endParaRPr lang="en-GB">
-                <a:solidFill>
-                  <a:schemeClr val="tx1"/>
-                </a:solidFill>
-              </a:endParaRPr>
-            </a:p>
-          </p:txBody>
-        </p:sp>
-      </p:grpSp>
-      <p:grpSp>
-        <p:nvGrpSpPr>
-          <p:cNvPr id="26" name="Group 25">
-            <a:extLst>
-              <a:ext uri="{FF2B5EF4-FFF2-40B4-BE49-F238E27FC236}">
-                <a16:creationId xmlns:a16="http://schemas.microsoft.com/office/drawing/2014/main" id="{B3C02320-9C55-95BC-989B-ECF900346C38}"/>
-              </a:ext>
-            </a:extLst>
-          </p:cNvPr>
-          <p:cNvGrpSpPr/>
-          <p:nvPr/>
-        </p:nvGrpSpPr>
-        <p:grpSpPr>
-          <a:xfrm>
-            <a:off x="2208372" y="4825544"/>
-            <a:ext cx="914400" cy="914400"/>
-            <a:chOff x="3628545" y="4572001"/>
-            <a:chExt cx="914400" cy="914400"/>
-          </a:xfrm>
-        </p:grpSpPr>
-        <p:sp>
-          <p:nvSpPr>
-            <p:cNvPr id="27" name="Oval 26">
-              <a:extLst>
-                <a:ext uri="{FF2B5EF4-FFF2-40B4-BE49-F238E27FC236}">
-                  <a16:creationId xmlns:a16="http://schemas.microsoft.com/office/drawing/2014/main" id="{AB514A35-CC58-FADD-380F-09577B645FEA}"/>
-                </a:ext>
-              </a:extLst>
-            </p:cNvPr>
-            <p:cNvSpPr/>
-            <p:nvPr/>
-          </p:nvSpPr>
-          <p:spPr>
-            <a:xfrm>
-              <a:off x="3628545" y="4572001"/>
-              <a:ext cx="914400" cy="914400"/>
-            </a:xfrm>
-            <a:prstGeom prst="ellipse">
-              <a:avLst/>
-            </a:prstGeom>
-            <a:solidFill>
-              <a:schemeClr val="bg1"/>
-            </a:solidFill>
-            <a:ln>
-              <a:noFill/>
-            </a:ln>
-          </p:spPr>
-          <p:style>
-            <a:lnRef idx="2">
-              <a:schemeClr val="accent1">
-                <a:shade val="15000"/>
-              </a:schemeClr>
-            </a:lnRef>
-            <a:fillRef idx="1">
-              <a:schemeClr val="accent1"/>
-            </a:fillRef>
-            <a:effectRef idx="0">
-              <a:schemeClr val="accent1"/>
-            </a:effectRef>
-            <a:fontRef idx="minor">
-              <a:schemeClr val="lt1"/>
-            </a:fontRef>
-          </p:style>
-          <p:txBody>
-            <a:bodyPr rtlCol="0" anchor="ctr"/>
-            <a:lstStyle/>
-            <a:p>
-              <a:pPr algn="ctr"/>
-              <a:endParaRPr lang="en-GB"/>
-            </a:p>
-          </p:txBody>
-        </p:sp>
-        <p:sp>
-          <p:nvSpPr>
-            <p:cNvPr id="28" name="&quot;Not Allowed&quot; Symbol 27">
-              <a:extLst>
-                <a:ext uri="{FF2B5EF4-FFF2-40B4-BE49-F238E27FC236}">
-                  <a16:creationId xmlns:a16="http://schemas.microsoft.com/office/drawing/2014/main" id="{EA19846F-62F6-6C29-5852-5A95EDD13815}"/>
-                </a:ext>
-              </a:extLst>
-            </p:cNvPr>
-            <p:cNvSpPr/>
-            <p:nvPr/>
-          </p:nvSpPr>
-          <p:spPr>
-            <a:xfrm>
-              <a:off x="3628545" y="4572001"/>
-              <a:ext cx="914400" cy="914400"/>
-            </a:xfrm>
-            <a:prstGeom prst="noSmoking">
-              <a:avLst>
-                <a:gd name="adj" fmla="val 14350"/>
-              </a:avLst>
-            </a:prstGeom>
-            <a:solidFill>
-              <a:srgbClr val="920000"/>
-            </a:solidFill>
-            <a:ln>
-              <a:noFill/>
-            </a:ln>
-          </p:spPr>
-          <p:style>
-            <a:lnRef idx="2">
-              <a:schemeClr val="accent1">
-                <a:shade val="15000"/>
-              </a:schemeClr>
-            </a:lnRef>
-            <a:fillRef idx="1">
-              <a:schemeClr val="accent1"/>
-            </a:fillRef>
-            <a:effectRef idx="0">
-              <a:schemeClr val="accent1"/>
-            </a:effectRef>
-            <a:fontRef idx="minor">
-              <a:schemeClr val="lt1"/>
-            </a:fontRef>
-          </p:style>
-          <p:txBody>
-            <a:bodyPr rtlCol="0" anchor="ctr"/>
-            <a:lstStyle/>
-            <a:p>
-              <a:pPr algn="ctr"/>
-              <a:endParaRPr lang="en-GB">
-                <a:solidFill>
-                  <a:schemeClr val="tx1"/>
-                </a:solidFill>
-              </a:endParaRPr>
-            </a:p>
-          </p:txBody>
-        </p:sp>
-      </p:grpSp>
-      <p:pic>
-        <p:nvPicPr>
-          <p:cNvPr id="31" name="Picture 30" descr="A black background with a black square&#10;&#10;AI-generated content may be incorrect.">
-            <a:extLst>
-              <a:ext uri="{FF2B5EF4-FFF2-40B4-BE49-F238E27FC236}">
-                <a16:creationId xmlns:a16="http://schemas.microsoft.com/office/drawing/2014/main" id="{F1817755-8A96-69C7-4E22-3F78158B4518}"/>
-              </a:ext>
-            </a:extLst>
-          </p:cNvPr>
-          <p:cNvPicPr>
-            <a:picLocks noChangeAspect="1"/>
-          </p:cNvPicPr>
-          <p:nvPr/>
-        </p:nvPicPr>
-        <p:blipFill>
-          <a:blip r:embed="rId7">
-            <a:extLst>
-              <a:ext uri="{28A0092B-C50C-407E-A947-70E740481C1C}">
-                <a14:useLocalDpi xmlns:a14="http://schemas.microsoft.com/office/drawing/2010/main" val="0"/>
-              </a:ext>
-            </a:extLst>
-          </a:blip>
-          <a:stretch>
-            <a:fillRect/>
-          </a:stretch>
-        </p:blipFill>
-        <p:spPr>
-          <a:xfrm>
-            <a:off x="8022538" y="415663"/>
-            <a:ext cx="1269841" cy="1269841"/>
-          </a:xfrm>
-          <a:prstGeom prst="rect">
-            <a:avLst/>
-          </a:prstGeom>
-        </p:spPr>
-      </p:pic>
-      <p:grpSp>
-        <p:nvGrpSpPr>
-          <p:cNvPr id="46" name="Group 45">
-            <a:extLst>
-              <a:ext uri="{FF2B5EF4-FFF2-40B4-BE49-F238E27FC236}">
-                <a16:creationId xmlns:a16="http://schemas.microsoft.com/office/drawing/2014/main" id="{67BEABAE-8891-4791-988B-C822FD4FD8BF}"/>
-              </a:ext>
-            </a:extLst>
-          </p:cNvPr>
-          <p:cNvGrpSpPr/>
-          <p:nvPr/>
-        </p:nvGrpSpPr>
-        <p:grpSpPr>
-          <a:xfrm>
-            <a:off x="755159" y="3255524"/>
-            <a:ext cx="1269841" cy="1269841"/>
-            <a:chOff x="755159" y="3255524"/>
-            <a:chExt cx="1269841" cy="1269841"/>
-          </a:xfrm>
-        </p:grpSpPr>
-        <p:sp>
-          <p:nvSpPr>
-            <p:cNvPr id="45" name="Freeform: Shape 44">
-              <a:extLst>
-                <a:ext uri="{FF2B5EF4-FFF2-40B4-BE49-F238E27FC236}">
-                  <a16:creationId xmlns:a16="http://schemas.microsoft.com/office/drawing/2014/main" id="{3CF27AEB-9BA2-B4BE-9650-0CE2D1B61FDC}"/>
-                </a:ext>
-              </a:extLst>
-            </p:cNvPr>
-            <p:cNvSpPr/>
-            <p:nvPr/>
-          </p:nvSpPr>
-          <p:spPr>
-            <a:xfrm>
-              <a:off x="937823" y="3388992"/>
-              <a:ext cx="892144" cy="978221"/>
-            </a:xfrm>
-            <a:custGeom>
-              <a:avLst/>
-              <a:gdLst>
-                <a:gd name="connsiteX0" fmla="*/ 309951 w 892144"/>
-                <a:gd name="connsiteY0" fmla="*/ 0 h 978221"/>
-                <a:gd name="connsiteX1" fmla="*/ 457589 w 892144"/>
-                <a:gd name="connsiteY1" fmla="*/ 0 h 978221"/>
-                <a:gd name="connsiteX2" fmla="*/ 457589 w 892144"/>
-                <a:gd name="connsiteY2" fmla="*/ 340047 h 978221"/>
-                <a:gd name="connsiteX3" fmla="*/ 619515 w 892144"/>
-                <a:gd name="connsiteY3" fmla="*/ 340047 h 978221"/>
-                <a:gd name="connsiteX4" fmla="*/ 619515 w 892144"/>
-                <a:gd name="connsiteY4" fmla="*/ 352572 h 978221"/>
-                <a:gd name="connsiteX5" fmla="*/ 749968 w 892144"/>
-                <a:gd name="connsiteY5" fmla="*/ 352572 h 978221"/>
-                <a:gd name="connsiteX6" fmla="*/ 892144 w 892144"/>
-                <a:gd name="connsiteY6" fmla="*/ 494748 h 978221"/>
-                <a:gd name="connsiteX7" fmla="*/ 892144 w 892144"/>
-                <a:gd name="connsiteY7" fmla="*/ 831284 h 978221"/>
-                <a:gd name="connsiteX8" fmla="*/ 749968 w 892144"/>
-                <a:gd name="connsiteY8" fmla="*/ 973460 h 978221"/>
-                <a:gd name="connsiteX9" fmla="*/ 619515 w 892144"/>
-                <a:gd name="connsiteY9" fmla="*/ 973460 h 978221"/>
-                <a:gd name="connsiteX10" fmla="*/ 619515 w 892144"/>
-                <a:gd name="connsiteY10" fmla="*/ 978221 h 978221"/>
-                <a:gd name="connsiteX11" fmla="*/ 335163 w 892144"/>
-                <a:gd name="connsiteY11" fmla="*/ 978221 h 978221"/>
-                <a:gd name="connsiteX12" fmla="*/ 335163 w 892144"/>
-                <a:gd name="connsiteY12" fmla="*/ 961267 h 978221"/>
-                <a:gd name="connsiteX13" fmla="*/ 0 w 892144"/>
-                <a:gd name="connsiteY13" fmla="*/ 644663 h 978221"/>
-                <a:gd name="connsiteX14" fmla="*/ 98180 w 892144"/>
-                <a:gd name="connsiteY14" fmla="*/ 540727 h 978221"/>
-                <a:gd name="connsiteX15" fmla="*/ 217102 w 892144"/>
-                <a:gd name="connsiteY15" fmla="*/ 653063 h 978221"/>
-                <a:gd name="connsiteX16" fmla="*/ 217102 w 892144"/>
-                <a:gd name="connsiteY16" fmla="*/ 640922 h 978221"/>
-                <a:gd name="connsiteX17" fmla="*/ 335163 w 892144"/>
-                <a:gd name="connsiteY17" fmla="*/ 640922 h 978221"/>
-                <a:gd name="connsiteX18" fmla="*/ 335163 w 892144"/>
-                <a:gd name="connsiteY18" fmla="*/ 382907 h 978221"/>
-                <a:gd name="connsiteX19" fmla="*/ 309951 w 892144"/>
-                <a:gd name="connsiteY19" fmla="*/ 382907 h 978221"/>
-              </a:gdLst>
-              <a:ahLst/>
-              <a:cxnLst>
-                <a:cxn ang="0">
-                  <a:pos x="connsiteX0" y="connsiteY0"/>
-                </a:cxn>
-                <a:cxn ang="0">
-                  <a:pos x="connsiteX1" y="connsiteY1"/>
-                </a:cxn>
-                <a:cxn ang="0">
-                  <a:pos x="connsiteX2" y="connsiteY2"/>
-                </a:cxn>
-                <a:cxn ang="0">
-                  <a:pos x="connsiteX3" y="connsiteY3"/>
-                </a:cxn>
-                <a:cxn ang="0">
-                  <a:pos x="connsiteX4" y="connsiteY4"/>
-                </a:cxn>
-                <a:cxn ang="0">
-                  <a:pos x="connsiteX5" y="connsiteY5"/>
-                </a:cxn>
-                <a:cxn ang="0">
-                  <a:pos x="connsiteX6" y="connsiteY6"/>
-                </a:cxn>
-                <a:cxn ang="0">
-                  <a:pos x="connsiteX7" y="connsiteY7"/>
-                </a:cxn>
-                <a:cxn ang="0">
-                  <a:pos x="connsiteX8" y="connsiteY8"/>
-                </a:cxn>
-                <a:cxn ang="0">
-                  <a:pos x="connsiteX9" y="connsiteY9"/>
-                </a:cxn>
-                <a:cxn ang="0">
-                  <a:pos x="connsiteX10" y="connsiteY10"/>
-                </a:cxn>
-                <a:cxn ang="0">
-                  <a:pos x="connsiteX11" y="connsiteY11"/>
-                </a:cxn>
-                <a:cxn ang="0">
-                  <a:pos x="connsiteX12" y="connsiteY12"/>
-                </a:cxn>
-                <a:cxn ang="0">
-                  <a:pos x="connsiteX13" y="connsiteY13"/>
-                </a:cxn>
-                <a:cxn ang="0">
-                  <a:pos x="connsiteX14" y="connsiteY14"/>
-                </a:cxn>
-                <a:cxn ang="0">
-                  <a:pos x="connsiteX15" y="connsiteY15"/>
-                </a:cxn>
-                <a:cxn ang="0">
-                  <a:pos x="connsiteX16" y="connsiteY16"/>
-                </a:cxn>
-                <a:cxn ang="0">
-                  <a:pos x="connsiteX17" y="connsiteY17"/>
-                </a:cxn>
-                <a:cxn ang="0">
-                  <a:pos x="connsiteX18" y="connsiteY18"/>
-                </a:cxn>
-                <a:cxn ang="0">
-                  <a:pos x="connsiteX19" y="connsiteY19"/>
-                </a:cxn>
-              </a:cxnLst>
-              <a:rect l="l" t="t" r="r" b="b"/>
-              <a:pathLst>
-                <a:path w="892144" h="978221">
-                  <a:moveTo>
-                    <a:pt x="309951" y="0"/>
-                  </a:moveTo>
-                  <a:lnTo>
-                    <a:pt x="457589" y="0"/>
-                  </a:lnTo>
-                  <a:lnTo>
-                    <a:pt x="457589" y="340047"/>
-                  </a:lnTo>
-                  <a:lnTo>
-                    <a:pt x="619515" y="340047"/>
-                  </a:lnTo>
-                  <a:lnTo>
-                    <a:pt x="619515" y="352572"/>
-                  </a:lnTo>
-                  <a:lnTo>
-                    <a:pt x="749968" y="352572"/>
-                  </a:lnTo>
-                  <a:lnTo>
-                    <a:pt x="892144" y="494748"/>
-                  </a:lnTo>
-                  <a:lnTo>
-                    <a:pt x="892144" y="831284"/>
-                  </a:lnTo>
-                  <a:lnTo>
-                    <a:pt x="749968" y="973460"/>
-                  </a:lnTo>
-                  <a:lnTo>
-                    <a:pt x="619515" y="973460"/>
-                  </a:lnTo>
-                  <a:lnTo>
-                    <a:pt x="619515" y="978221"/>
-                  </a:lnTo>
-                  <a:lnTo>
-                    <a:pt x="335163" y="978221"/>
-                  </a:lnTo>
-                  <a:lnTo>
-                    <a:pt x="335163" y="961267"/>
-                  </a:lnTo>
-                  <a:lnTo>
-                    <a:pt x="0" y="644663"/>
-                  </a:lnTo>
-                  <a:lnTo>
-                    <a:pt x="98180" y="540727"/>
-                  </a:lnTo>
-                  <a:lnTo>
-                    <a:pt x="217102" y="653063"/>
-                  </a:lnTo>
-                  <a:lnTo>
-                    <a:pt x="217102" y="640922"/>
-                  </a:lnTo>
-                  <a:lnTo>
-                    <a:pt x="335163" y="640922"/>
-                  </a:lnTo>
-                  <a:lnTo>
-                    <a:pt x="335163" y="382907"/>
-                  </a:lnTo>
-                  <a:lnTo>
-                    <a:pt x="309951" y="382907"/>
-                  </a:lnTo>
-                  <a:close/>
-                </a:path>
-              </a:pathLst>
-            </a:custGeom>
-            <a:solidFill>
-              <a:schemeClr val="bg1"/>
-            </a:solidFill>
-            <a:ln>
-              <a:noFill/>
-            </a:ln>
-          </p:spPr>
-          <p:style>
-            <a:lnRef idx="2">
-              <a:schemeClr val="accent1">
-                <a:shade val="15000"/>
-              </a:schemeClr>
-            </a:lnRef>
-            <a:fillRef idx="1">
-              <a:schemeClr val="accent1"/>
-            </a:fillRef>
-            <a:effectRef idx="0">
-              <a:schemeClr val="accent1"/>
-            </a:effectRef>
-            <a:fontRef idx="minor">
-              <a:schemeClr val="lt1"/>
-            </a:fontRef>
-          </p:style>
-          <p:txBody>
-            <a:bodyPr wrap="square" rtlCol="0" anchor="ctr">
-              <a:noAutofit/>
-            </a:bodyPr>
-            <a:lstStyle/>
-            <a:p>
-              <a:pPr algn="ctr"/>
-              <a:endParaRPr lang="en-GB"/>
-            </a:p>
-          </p:txBody>
-        </p:sp>
-        <p:pic>
-          <p:nvPicPr>
-            <p:cNvPr id="33" name="Picture 32" descr="A black background with a black square&#10;&#10;AI-generated content may be incorrect.">
-              <a:extLst>
-                <a:ext uri="{FF2B5EF4-FFF2-40B4-BE49-F238E27FC236}">
-                  <a16:creationId xmlns:a16="http://schemas.microsoft.com/office/drawing/2014/main" id="{2EB8B8BC-0960-FAA8-79EF-587C7E6308BE}"/>
+                  <a16:creationId xmlns:a16="http://schemas.microsoft.com/office/drawing/2014/main" id="{FDD6F425-19E6-0288-7485-32D4D646946F}"/>
                 </a:ext>
               </a:extLst>
             </p:cNvPr>
@@ -15031,14 +16479,328 @@
                 </a:ext>
               </a:extLst>
             </a:blip>
+            <a:srcRect l="21551" t="28916"/>
             <a:stretch>
               <a:fillRect/>
             </a:stretch>
           </p:blipFill>
           <p:spPr>
+            <a:xfrm rot="16200000" flipH="1">
+              <a:off x="5909090" y="3445211"/>
+              <a:ext cx="996173" cy="902661"/>
+            </a:xfrm>
+            <a:prstGeom prst="rect">
+              <a:avLst/>
+            </a:prstGeom>
+          </p:spPr>
+        </p:pic>
+        <p:pic>
+          <p:nvPicPr>
+            <p:cNvPr id="1070" name="Picture 1069" descr="A black background with a black square&#10;&#10;AI-generated content may be incorrect.">
+              <a:extLst>
+                <a:ext uri="{FF2B5EF4-FFF2-40B4-BE49-F238E27FC236}">
+                  <a16:creationId xmlns:a16="http://schemas.microsoft.com/office/drawing/2014/main" id="{B1F44E3A-7A70-B1D6-C983-45BF54E1C03E}"/>
+                </a:ext>
+              </a:extLst>
+            </p:cNvPr>
+            <p:cNvPicPr>
+              <a:picLocks noChangeAspect="1"/>
+            </p:cNvPicPr>
+            <p:nvPr/>
+          </p:nvPicPr>
+          <p:blipFill>
+            <a:blip r:embed="rId7">
+              <a:extLst>
+                <a:ext uri="{28A0092B-C50C-407E-A947-70E740481C1C}">
+                  <a14:useLocalDpi xmlns:a14="http://schemas.microsoft.com/office/drawing/2010/main" val="0"/>
+                </a:ext>
+              </a:extLst>
+            </a:blip>
+            <a:srcRect l="37467" t="623" r="37145" b="77021"/>
+            <a:stretch>
+              <a:fillRect/>
+            </a:stretch>
+          </p:blipFill>
+          <p:spPr>
+            <a:xfrm rot="15291856" flipH="1">
+              <a:off x="5606856" y="3701734"/>
+              <a:ext cx="303914" cy="270380"/>
+            </a:xfrm>
+            <a:prstGeom prst="rect">
+              <a:avLst/>
+            </a:prstGeom>
+          </p:spPr>
+        </p:pic>
+        <p:pic>
+          <p:nvPicPr>
+            <p:cNvPr id="1071" name="Picture 1070" descr="A black background with a black square&#10;&#10;AI-generated content may be incorrect.">
+              <a:extLst>
+                <a:ext uri="{FF2B5EF4-FFF2-40B4-BE49-F238E27FC236}">
+                  <a16:creationId xmlns:a16="http://schemas.microsoft.com/office/drawing/2014/main" id="{C64B21D4-5A63-97CB-07B2-78D958D3B6DC}"/>
+                </a:ext>
+              </a:extLst>
+            </p:cNvPr>
+            <p:cNvPicPr>
+              <a:picLocks noChangeAspect="1"/>
+            </p:cNvPicPr>
+            <p:nvPr/>
+          </p:nvPicPr>
+          <p:blipFill>
+            <a:blip r:embed="rId7">
+              <a:extLst>
+                <a:ext uri="{28A0092B-C50C-407E-A947-70E740481C1C}">
+                  <a14:useLocalDpi xmlns:a14="http://schemas.microsoft.com/office/drawing/2010/main" val="0"/>
+                </a:ext>
+              </a:extLst>
+            </a:blip>
+            <a:srcRect l="44927" t="23153" r="34824" b="66054"/>
+            <a:stretch>
+              <a:fillRect/>
+            </a:stretch>
+          </p:blipFill>
+          <p:spPr>
+            <a:xfrm rot="14636352" flipH="1">
+              <a:off x="5839524" y="3778132"/>
+              <a:ext cx="222988" cy="148903"/>
+            </a:xfrm>
+            <a:prstGeom prst="rect">
+              <a:avLst/>
+            </a:prstGeom>
+          </p:spPr>
+        </p:pic>
+        <p:pic>
+          <p:nvPicPr>
+            <p:cNvPr id="1072" name="Picture 1071" descr="A black background with a black square&#10;&#10;AI-generated content may be incorrect.">
+              <a:extLst>
+                <a:ext uri="{FF2B5EF4-FFF2-40B4-BE49-F238E27FC236}">
+                  <a16:creationId xmlns:a16="http://schemas.microsoft.com/office/drawing/2014/main" id="{2342CEA1-87B4-E5D7-2D5E-EA771D21B02A}"/>
+                </a:ext>
+              </a:extLst>
+            </p:cNvPr>
+            <p:cNvPicPr>
+              <a:picLocks noChangeAspect="1"/>
+            </p:cNvPicPr>
+            <p:nvPr/>
+          </p:nvPicPr>
+          <p:blipFill>
+            <a:blip r:embed="rId7">
+              <a:extLst>
+                <a:ext uri="{28A0092B-C50C-407E-A947-70E740481C1C}">
+                  <a14:useLocalDpi xmlns:a14="http://schemas.microsoft.com/office/drawing/2010/main" val="0"/>
+                </a:ext>
+              </a:extLst>
+            </a:blip>
+            <a:srcRect l="26387" t="13347" r="57672" b="70348"/>
+            <a:stretch>
+              <a:fillRect/>
+            </a:stretch>
+          </p:blipFill>
+          <p:spPr>
+            <a:xfrm rot="15698569" flipH="1">
+              <a:off x="5733224" y="3488232"/>
+              <a:ext cx="210357" cy="193613"/>
+            </a:xfrm>
+            <a:prstGeom prst="rect">
+              <a:avLst/>
+            </a:prstGeom>
+          </p:spPr>
+        </p:pic>
+        <p:pic>
+          <p:nvPicPr>
+            <p:cNvPr id="1073" name="Picture 1072" descr="A black background with a black square&#10;&#10;AI-generated content may be incorrect.">
+              <a:extLst>
+                <a:ext uri="{FF2B5EF4-FFF2-40B4-BE49-F238E27FC236}">
+                  <a16:creationId xmlns:a16="http://schemas.microsoft.com/office/drawing/2014/main" id="{228DAB39-E97C-0C3A-FC70-1C140ED65066}"/>
+                </a:ext>
+              </a:extLst>
+            </p:cNvPr>
+            <p:cNvPicPr>
+              <a:picLocks noChangeAspect="1"/>
+            </p:cNvPicPr>
+            <p:nvPr/>
+          </p:nvPicPr>
+          <p:blipFill>
+            <a:blip r:embed="rId7">
+              <a:extLst>
+                <a:ext uri="{28A0092B-C50C-407E-A947-70E740481C1C}">
+                  <a14:useLocalDpi xmlns:a14="http://schemas.microsoft.com/office/drawing/2010/main" val="0"/>
+                </a:ext>
+              </a:extLst>
+            </a:blip>
+            <a:srcRect l="68203" b="70596"/>
+            <a:stretch>
+              <a:fillRect/>
+            </a:stretch>
+          </p:blipFill>
+          <p:spPr>
+            <a:xfrm rot="15427643" flipH="1">
+              <a:off x="5687234" y="3967117"/>
+              <a:ext cx="403782" cy="379891"/>
+            </a:xfrm>
+            <a:prstGeom prst="rect">
+              <a:avLst/>
+            </a:prstGeom>
+          </p:spPr>
+        </p:pic>
+        <p:grpSp>
+          <p:nvGrpSpPr>
+            <p:cNvPr id="1074" name="Group 1073">
+              <a:extLst>
+                <a:ext uri="{FF2B5EF4-FFF2-40B4-BE49-F238E27FC236}">
+                  <a16:creationId xmlns:a16="http://schemas.microsoft.com/office/drawing/2014/main" id="{B5874123-345C-409B-6540-C1C1A65DCD57}"/>
+                </a:ext>
+              </a:extLst>
+            </p:cNvPr>
+            <p:cNvGrpSpPr>
+              <a:grpSpLocks/>
+            </p:cNvGrpSpPr>
+            <p:nvPr/>
+          </p:nvGrpSpPr>
+          <p:grpSpPr>
             <a:xfrm>
-              <a:off x="755159" y="3255524"/>
-              <a:ext cx="1269841" cy="1269841"/>
+              <a:off x="6509903" y="3285163"/>
+              <a:ext cx="330658" cy="431994"/>
+              <a:chOff x="6325341" y="2572446"/>
+              <a:chExt cx="330658" cy="431994"/>
+            </a:xfrm>
+          </p:grpSpPr>
+          <p:pic>
+            <p:nvPicPr>
+              <p:cNvPr id="1077" name="Picture 1076" descr="A black background with a black square&#10;&#10;AI-generated content may be incorrect.">
+                <a:extLst>
+                  <a:ext uri="{FF2B5EF4-FFF2-40B4-BE49-F238E27FC236}">
+                    <a16:creationId xmlns:a16="http://schemas.microsoft.com/office/drawing/2014/main" id="{EB7D2519-E076-C7F7-CBC4-3730D29A7CB8}"/>
+                  </a:ext>
+                </a:extLst>
+              </p:cNvPr>
+              <p:cNvPicPr>
+                <a:picLocks noChangeAspect="1"/>
+              </p:cNvPicPr>
+              <p:nvPr/>
+            </p:nvPicPr>
+            <p:blipFill>
+              <a:blip r:embed="rId7">
+                <a:extLst>
+                  <a:ext uri="{28A0092B-C50C-407E-A947-70E740481C1C}">
+                    <a14:useLocalDpi xmlns:a14="http://schemas.microsoft.com/office/drawing/2010/main" val="0"/>
+                  </a:ext>
+                </a:extLst>
+              </a:blip>
+              <a:srcRect l="10182" t="73782" r="68815" b="9209"/>
+              <a:stretch/>
+            </p:blipFill>
+            <p:spPr>
+              <a:xfrm rot="10800000" flipV="1">
+                <a:off x="6325341" y="2788443"/>
+                <a:ext cx="266701" cy="215997"/>
+              </a:xfrm>
+              <a:prstGeom prst="rect">
+                <a:avLst/>
+              </a:prstGeom>
+            </p:spPr>
+          </p:pic>
+          <p:pic>
+            <p:nvPicPr>
+              <p:cNvPr id="1078" name="Picture 1077" descr="A black background with a black square&#10;&#10;AI-generated content may be incorrect.">
+                <a:extLst>
+                  <a:ext uri="{FF2B5EF4-FFF2-40B4-BE49-F238E27FC236}">
+                    <a16:creationId xmlns:a16="http://schemas.microsoft.com/office/drawing/2014/main" id="{539B8433-F91E-EEAA-4CDB-3F0C9F76AA81}"/>
+                  </a:ext>
+                </a:extLst>
+              </p:cNvPr>
+              <p:cNvPicPr>
+                <a:picLocks noChangeAspect="1"/>
+              </p:cNvPicPr>
+              <p:nvPr/>
+            </p:nvPicPr>
+            <p:blipFill>
+              <a:blip r:embed="rId7">
+                <a:extLst>
+                  <a:ext uri="{28A0092B-C50C-407E-A947-70E740481C1C}">
+                    <a14:useLocalDpi xmlns:a14="http://schemas.microsoft.com/office/drawing/2010/main" val="0"/>
+                  </a:ext>
+                </a:extLst>
+              </a:blip>
+              <a:srcRect l="10182" t="73782" r="68815" b="9209"/>
+              <a:stretch/>
+            </p:blipFill>
+            <p:spPr>
+              <a:xfrm rot="10800000" flipH="1">
+                <a:off x="6389298" y="2572446"/>
+                <a:ext cx="266701" cy="215997"/>
+              </a:xfrm>
+              <a:prstGeom prst="rect">
+                <a:avLst/>
+              </a:prstGeom>
+            </p:spPr>
+          </p:pic>
+        </p:grpSp>
+        <p:pic>
+          <p:nvPicPr>
+            <p:cNvPr id="1075" name="Picture 1074" descr="A black background with a black square&#10;&#10;AI-generated content may be incorrect.">
+              <a:extLst>
+                <a:ext uri="{FF2B5EF4-FFF2-40B4-BE49-F238E27FC236}">
+                  <a16:creationId xmlns:a16="http://schemas.microsoft.com/office/drawing/2014/main" id="{B7089731-983B-B9CC-2338-D96DE46D5E27}"/>
+                </a:ext>
+              </a:extLst>
+            </p:cNvPr>
+            <p:cNvPicPr>
+              <a:picLocks noChangeAspect="1"/>
+            </p:cNvPicPr>
+            <p:nvPr/>
+          </p:nvPicPr>
+          <p:blipFill>
+            <a:blip r:embed="rId7">
+              <a:extLst>
+                <a:ext uri="{28A0092B-C50C-407E-A947-70E740481C1C}">
+                  <a14:useLocalDpi xmlns:a14="http://schemas.microsoft.com/office/drawing/2010/main" val="0"/>
+                </a:ext>
+              </a:extLst>
+            </a:blip>
+            <a:srcRect l="10200" t="49411" r="76847"/>
+            <a:stretch/>
+          </p:blipFill>
+          <p:spPr>
+            <a:xfrm rot="16200000" flipH="1">
+              <a:off x="6383951" y="3031008"/>
+              <a:ext cx="164481" cy="642408"/>
+            </a:xfrm>
+            <a:prstGeom prst="rect">
+              <a:avLst/>
+            </a:prstGeom>
+          </p:spPr>
+        </p:pic>
+        <p:pic>
+          <p:nvPicPr>
+            <p:cNvPr id="1076" name="Picture 1075" descr="A black background with a black square&#10;&#10;AI-generated content may be incorrect.">
+              <a:extLst>
+                <a:ext uri="{FF2B5EF4-FFF2-40B4-BE49-F238E27FC236}">
+                  <a16:creationId xmlns:a16="http://schemas.microsoft.com/office/drawing/2014/main" id="{5BF2909A-CD6C-4B93-ADEF-BF1FB8DC24A4}"/>
+                </a:ext>
+              </a:extLst>
+            </p:cNvPr>
+            <p:cNvPicPr>
+              <a:picLocks noChangeAspect="1"/>
+            </p:cNvPicPr>
+            <p:nvPr/>
+          </p:nvPicPr>
+          <p:blipFill>
+            <a:blip r:embed="rId7">
+              <a:extLst>
+                <a:ext uri="{28A0092B-C50C-407E-A947-70E740481C1C}">
+                  <a14:useLocalDpi xmlns:a14="http://schemas.microsoft.com/office/drawing/2010/main" val="0"/>
+                </a:ext>
+              </a:extLst>
+            </a:blip>
+            <a:srcRect l="10200" t="78821" r="76847" b="15154"/>
+            <a:stretch>
+              <a:fillRect/>
+            </a:stretch>
+          </p:blipFill>
+          <p:spPr>
+            <a:xfrm rot="16000379" flipV="1">
+              <a:off x="5845825" y="3480562"/>
+              <a:ext cx="177626" cy="74439"/>
             </a:xfrm>
             <a:prstGeom prst="rect">
               <a:avLst/>
@@ -15048,10 +16810,10 @@
       </p:grpSp>
       <p:grpSp>
         <p:nvGrpSpPr>
-          <p:cNvPr id="37" name="Group 36">
+          <p:cNvPr id="1110" name="Group 1109">
             <a:extLst>
               <a:ext uri="{FF2B5EF4-FFF2-40B4-BE49-F238E27FC236}">
-                <a16:creationId xmlns:a16="http://schemas.microsoft.com/office/drawing/2014/main" id="{19B52AD3-5663-83C4-9793-A02CBB32CD90}"/>
+                <a16:creationId xmlns:a16="http://schemas.microsoft.com/office/drawing/2014/main" id="{12406F4A-09A6-68FB-CE8D-26DFC647799A}"/>
               </a:ext>
             </a:extLst>
           </p:cNvPr>
@@ -15060,939 +16822,18 @@
         </p:nvGrpSpPr>
         <p:grpSpPr>
           <a:xfrm>
-            <a:off x="2171700" y="3243181"/>
-            <a:ext cx="1146105" cy="1269841"/>
-            <a:chOff x="2171700" y="3243181"/>
-            <a:chExt cx="1146105" cy="1269841"/>
+            <a:off x="3691002" y="3573747"/>
+            <a:ext cx="1234884" cy="1124657"/>
+            <a:chOff x="3699205" y="3336055"/>
+            <a:chExt cx="1234884" cy="1124657"/>
           </a:xfrm>
         </p:grpSpPr>
         <p:sp>
           <p:nvSpPr>
-            <p:cNvPr id="49" name="Freeform: Shape 48">
+            <p:cNvPr id="1098" name="Freeform: Shape 1097">
               <a:extLst>
                 <a:ext uri="{FF2B5EF4-FFF2-40B4-BE49-F238E27FC236}">
-                  <a16:creationId xmlns:a16="http://schemas.microsoft.com/office/drawing/2014/main" id="{7C76E480-4FEF-34E1-0E13-A1D1B799BE44}"/>
-                </a:ext>
-              </a:extLst>
-            </p:cNvPr>
-            <p:cNvSpPr/>
-            <p:nvPr/>
-          </p:nvSpPr>
-          <p:spPr>
-            <a:xfrm>
-              <a:off x="2230628" y="3376649"/>
-              <a:ext cx="892144" cy="978221"/>
-            </a:xfrm>
-            <a:custGeom>
-              <a:avLst/>
-              <a:gdLst>
-                <a:gd name="connsiteX0" fmla="*/ 309951 w 892144"/>
-                <a:gd name="connsiteY0" fmla="*/ 0 h 978221"/>
-                <a:gd name="connsiteX1" fmla="*/ 457589 w 892144"/>
-                <a:gd name="connsiteY1" fmla="*/ 0 h 978221"/>
-                <a:gd name="connsiteX2" fmla="*/ 457589 w 892144"/>
-                <a:gd name="connsiteY2" fmla="*/ 340047 h 978221"/>
-                <a:gd name="connsiteX3" fmla="*/ 619515 w 892144"/>
-                <a:gd name="connsiteY3" fmla="*/ 340047 h 978221"/>
-                <a:gd name="connsiteX4" fmla="*/ 619515 w 892144"/>
-                <a:gd name="connsiteY4" fmla="*/ 352572 h 978221"/>
-                <a:gd name="connsiteX5" fmla="*/ 749968 w 892144"/>
-                <a:gd name="connsiteY5" fmla="*/ 352572 h 978221"/>
-                <a:gd name="connsiteX6" fmla="*/ 892144 w 892144"/>
-                <a:gd name="connsiteY6" fmla="*/ 494748 h 978221"/>
-                <a:gd name="connsiteX7" fmla="*/ 892144 w 892144"/>
-                <a:gd name="connsiteY7" fmla="*/ 831284 h 978221"/>
-                <a:gd name="connsiteX8" fmla="*/ 749968 w 892144"/>
-                <a:gd name="connsiteY8" fmla="*/ 973460 h 978221"/>
-                <a:gd name="connsiteX9" fmla="*/ 619515 w 892144"/>
-                <a:gd name="connsiteY9" fmla="*/ 973460 h 978221"/>
-                <a:gd name="connsiteX10" fmla="*/ 619515 w 892144"/>
-                <a:gd name="connsiteY10" fmla="*/ 978221 h 978221"/>
-                <a:gd name="connsiteX11" fmla="*/ 335163 w 892144"/>
-                <a:gd name="connsiteY11" fmla="*/ 978221 h 978221"/>
-                <a:gd name="connsiteX12" fmla="*/ 335163 w 892144"/>
-                <a:gd name="connsiteY12" fmla="*/ 961267 h 978221"/>
-                <a:gd name="connsiteX13" fmla="*/ 0 w 892144"/>
-                <a:gd name="connsiteY13" fmla="*/ 644663 h 978221"/>
-                <a:gd name="connsiteX14" fmla="*/ 98180 w 892144"/>
-                <a:gd name="connsiteY14" fmla="*/ 540727 h 978221"/>
-                <a:gd name="connsiteX15" fmla="*/ 217102 w 892144"/>
-                <a:gd name="connsiteY15" fmla="*/ 653063 h 978221"/>
-                <a:gd name="connsiteX16" fmla="*/ 217102 w 892144"/>
-                <a:gd name="connsiteY16" fmla="*/ 640922 h 978221"/>
-                <a:gd name="connsiteX17" fmla="*/ 335163 w 892144"/>
-                <a:gd name="connsiteY17" fmla="*/ 640922 h 978221"/>
-                <a:gd name="connsiteX18" fmla="*/ 335163 w 892144"/>
-                <a:gd name="connsiteY18" fmla="*/ 382907 h 978221"/>
-                <a:gd name="connsiteX19" fmla="*/ 309951 w 892144"/>
-                <a:gd name="connsiteY19" fmla="*/ 382907 h 978221"/>
-              </a:gdLst>
-              <a:ahLst/>
-              <a:cxnLst>
-                <a:cxn ang="0">
-                  <a:pos x="connsiteX0" y="connsiteY0"/>
-                </a:cxn>
-                <a:cxn ang="0">
-                  <a:pos x="connsiteX1" y="connsiteY1"/>
-                </a:cxn>
-                <a:cxn ang="0">
-                  <a:pos x="connsiteX2" y="connsiteY2"/>
-                </a:cxn>
-                <a:cxn ang="0">
-                  <a:pos x="connsiteX3" y="connsiteY3"/>
-                </a:cxn>
-                <a:cxn ang="0">
-                  <a:pos x="connsiteX4" y="connsiteY4"/>
-                </a:cxn>
-                <a:cxn ang="0">
-                  <a:pos x="connsiteX5" y="connsiteY5"/>
-                </a:cxn>
-                <a:cxn ang="0">
-                  <a:pos x="connsiteX6" y="connsiteY6"/>
-                </a:cxn>
-                <a:cxn ang="0">
-                  <a:pos x="connsiteX7" y="connsiteY7"/>
-                </a:cxn>
-                <a:cxn ang="0">
-                  <a:pos x="connsiteX8" y="connsiteY8"/>
-                </a:cxn>
-                <a:cxn ang="0">
-                  <a:pos x="connsiteX9" y="connsiteY9"/>
-                </a:cxn>
-                <a:cxn ang="0">
-                  <a:pos x="connsiteX10" y="connsiteY10"/>
-                </a:cxn>
-                <a:cxn ang="0">
-                  <a:pos x="connsiteX11" y="connsiteY11"/>
-                </a:cxn>
-                <a:cxn ang="0">
-                  <a:pos x="connsiteX12" y="connsiteY12"/>
-                </a:cxn>
-                <a:cxn ang="0">
-                  <a:pos x="connsiteX13" y="connsiteY13"/>
-                </a:cxn>
-                <a:cxn ang="0">
-                  <a:pos x="connsiteX14" y="connsiteY14"/>
-                </a:cxn>
-                <a:cxn ang="0">
-                  <a:pos x="connsiteX15" y="connsiteY15"/>
-                </a:cxn>
-                <a:cxn ang="0">
-                  <a:pos x="connsiteX16" y="connsiteY16"/>
-                </a:cxn>
-                <a:cxn ang="0">
-                  <a:pos x="connsiteX17" y="connsiteY17"/>
-                </a:cxn>
-                <a:cxn ang="0">
-                  <a:pos x="connsiteX18" y="connsiteY18"/>
-                </a:cxn>
-                <a:cxn ang="0">
-                  <a:pos x="connsiteX19" y="connsiteY19"/>
-                </a:cxn>
-              </a:cxnLst>
-              <a:rect l="l" t="t" r="r" b="b"/>
-              <a:pathLst>
-                <a:path w="892144" h="978221">
-                  <a:moveTo>
-                    <a:pt x="309951" y="0"/>
-                  </a:moveTo>
-                  <a:lnTo>
-                    <a:pt x="457589" y="0"/>
-                  </a:lnTo>
-                  <a:lnTo>
-                    <a:pt x="457589" y="340047"/>
-                  </a:lnTo>
-                  <a:lnTo>
-                    <a:pt x="619515" y="340047"/>
-                  </a:lnTo>
-                  <a:lnTo>
-                    <a:pt x="619515" y="352572"/>
-                  </a:lnTo>
-                  <a:lnTo>
-                    <a:pt x="749968" y="352572"/>
-                  </a:lnTo>
-                  <a:lnTo>
-                    <a:pt x="892144" y="494748"/>
-                  </a:lnTo>
-                  <a:lnTo>
-                    <a:pt x="892144" y="831284"/>
-                  </a:lnTo>
-                  <a:lnTo>
-                    <a:pt x="749968" y="973460"/>
-                  </a:lnTo>
-                  <a:lnTo>
-                    <a:pt x="619515" y="973460"/>
-                  </a:lnTo>
-                  <a:lnTo>
-                    <a:pt x="619515" y="978221"/>
-                  </a:lnTo>
-                  <a:lnTo>
-                    <a:pt x="335163" y="978221"/>
-                  </a:lnTo>
-                  <a:lnTo>
-                    <a:pt x="335163" y="961267"/>
-                  </a:lnTo>
-                  <a:lnTo>
-                    <a:pt x="0" y="644663"/>
-                  </a:lnTo>
-                  <a:lnTo>
-                    <a:pt x="98180" y="540727"/>
-                  </a:lnTo>
-                  <a:lnTo>
-                    <a:pt x="217102" y="653063"/>
-                  </a:lnTo>
-                  <a:lnTo>
-                    <a:pt x="217102" y="640922"/>
-                  </a:lnTo>
-                  <a:lnTo>
-                    <a:pt x="335163" y="640922"/>
-                  </a:lnTo>
-                  <a:lnTo>
-                    <a:pt x="335163" y="382907"/>
-                  </a:lnTo>
-                  <a:lnTo>
-                    <a:pt x="309951" y="382907"/>
-                  </a:lnTo>
-                  <a:close/>
-                </a:path>
-              </a:pathLst>
-            </a:custGeom>
-            <a:solidFill>
-              <a:schemeClr val="tx1">
-                <a:lumMod val="50000"/>
-                <a:lumOff val="50000"/>
-              </a:schemeClr>
-            </a:solidFill>
-            <a:ln>
-              <a:noFill/>
-            </a:ln>
-          </p:spPr>
-          <p:style>
-            <a:lnRef idx="2">
-              <a:schemeClr val="accent1">
-                <a:shade val="15000"/>
-              </a:schemeClr>
-            </a:lnRef>
-            <a:fillRef idx="1">
-              <a:schemeClr val="accent1"/>
-            </a:fillRef>
-            <a:effectRef idx="0">
-              <a:schemeClr val="accent1"/>
-            </a:effectRef>
-            <a:fontRef idx="minor">
-              <a:schemeClr val="lt1"/>
-            </a:fontRef>
-          </p:style>
-          <p:txBody>
-            <a:bodyPr wrap="square" rtlCol="0" anchor="ctr">
-              <a:noAutofit/>
-            </a:bodyPr>
-            <a:lstStyle/>
-            <a:p>
-              <a:pPr algn="ctr"/>
-              <a:endParaRPr lang="en-GB" dirty="0"/>
-            </a:p>
-          </p:txBody>
-        </p:sp>
-        <p:pic>
-          <p:nvPicPr>
-            <p:cNvPr id="48" name="Picture 47" descr="A black background with a black square&#10;&#10;AI-generated content may be incorrect.">
-              <a:extLst>
-                <a:ext uri="{FF2B5EF4-FFF2-40B4-BE49-F238E27FC236}">
-                  <a16:creationId xmlns:a16="http://schemas.microsoft.com/office/drawing/2014/main" id="{89486995-0043-E60A-A70E-D8F1A02A522E}"/>
-                </a:ext>
-              </a:extLst>
-            </p:cNvPr>
-            <p:cNvPicPr>
-              <a:picLocks noChangeAspect="1"/>
-            </p:cNvPicPr>
-            <p:nvPr/>
-          </p:nvPicPr>
-          <p:blipFill rotWithShape="1">
-            <a:blip r:embed="rId7">
-              <a:extLst>
-                <a:ext uri="{28A0092B-C50C-407E-A947-70E740481C1C}">
-                  <a14:useLocalDpi xmlns:a14="http://schemas.microsoft.com/office/drawing/2010/main" val="0"/>
-                </a:ext>
-              </a:extLst>
-            </a:blip>
-            <a:srcRect l="9744"/>
-            <a:stretch/>
-          </p:blipFill>
-          <p:spPr>
-            <a:xfrm>
-              <a:off x="2171700" y="3243181"/>
-              <a:ext cx="1146105" cy="1269841"/>
-            </a:xfrm>
-            <a:prstGeom prst="rect">
-              <a:avLst/>
-            </a:prstGeom>
-          </p:spPr>
-        </p:pic>
-      </p:grpSp>
-      <p:pic>
-        <p:nvPicPr>
-          <p:cNvPr id="51" name="Picture 50" descr="A black background with a black square&#10;&#10;AI-generated content may be incorrect.">
-            <a:extLst>
-              <a:ext uri="{FF2B5EF4-FFF2-40B4-BE49-F238E27FC236}">
-                <a16:creationId xmlns:a16="http://schemas.microsoft.com/office/drawing/2014/main" id="{D2D6BED3-809A-7910-198B-5A1B716E67D2}"/>
-              </a:ext>
-            </a:extLst>
-          </p:cNvPr>
-          <p:cNvPicPr>
-            <a:picLocks noChangeAspect="1"/>
-          </p:cNvPicPr>
-          <p:nvPr/>
-        </p:nvPicPr>
-        <p:blipFill>
-          <a:blip r:embed="rId2">
-            <a:extLst>
-              <a:ext uri="{28A0092B-C50C-407E-A947-70E740481C1C}">
-                <a14:useLocalDpi xmlns:a14="http://schemas.microsoft.com/office/drawing/2010/main" val="0"/>
-              </a:ext>
-            </a:extLst>
-          </a:blip>
-          <a:stretch>
-            <a:fillRect/>
-          </a:stretch>
-        </p:blipFill>
-        <p:spPr>
-          <a:xfrm rot="16200000" flipH="1">
-            <a:off x="10296787" y="1808423"/>
-            <a:ext cx="1269841" cy="1269841"/>
-          </a:xfrm>
-          <a:prstGeom prst="rect">
-            <a:avLst/>
-          </a:prstGeom>
-        </p:spPr>
-      </p:pic>
-      <p:grpSp>
-        <p:nvGrpSpPr>
-          <p:cNvPr id="106" name="Group 105">
-            <a:extLst>
-              <a:ext uri="{FF2B5EF4-FFF2-40B4-BE49-F238E27FC236}">
-                <a16:creationId xmlns:a16="http://schemas.microsoft.com/office/drawing/2014/main" id="{0C55754D-A0BA-DFBC-4BB9-9FD1222A4157}"/>
-              </a:ext>
-            </a:extLst>
-          </p:cNvPr>
-          <p:cNvGrpSpPr/>
-          <p:nvPr/>
-        </p:nvGrpSpPr>
-        <p:grpSpPr>
-          <a:xfrm>
-            <a:off x="5473756" y="1832963"/>
-            <a:ext cx="1269841" cy="1111256"/>
-            <a:chOff x="6364435" y="2698620"/>
-            <a:chExt cx="1269841" cy="1111256"/>
-          </a:xfrm>
-        </p:grpSpPr>
-        <p:sp>
-          <p:nvSpPr>
-            <p:cNvPr id="90" name="Freeform: Shape 89">
-              <a:extLst>
-                <a:ext uri="{FF2B5EF4-FFF2-40B4-BE49-F238E27FC236}">
-                  <a16:creationId xmlns:a16="http://schemas.microsoft.com/office/drawing/2014/main" id="{EC4822E8-BCCA-8988-0576-2EF3B20229A9}"/>
-                </a:ext>
-              </a:extLst>
-            </p:cNvPr>
-            <p:cNvSpPr/>
-            <p:nvPr/>
-          </p:nvSpPr>
-          <p:spPr>
-            <a:xfrm rot="20697523">
-              <a:off x="6415663" y="2868068"/>
-              <a:ext cx="1085707" cy="709560"/>
-            </a:xfrm>
-            <a:custGeom>
-              <a:avLst/>
-              <a:gdLst>
-                <a:gd name="connsiteX0" fmla="*/ 1085707 w 1085707"/>
-                <a:gd name="connsiteY0" fmla="*/ 1522 h 703382"/>
-                <a:gd name="connsiteX1" fmla="*/ 1085707 w 1085707"/>
-                <a:gd name="connsiteY1" fmla="*/ 233559 h 703382"/>
-                <a:gd name="connsiteX2" fmla="*/ 1084733 w 1085707"/>
-                <a:gd name="connsiteY2" fmla="*/ 233559 h 703382"/>
-                <a:gd name="connsiteX3" fmla="*/ 1084429 w 1085707"/>
-                <a:gd name="connsiteY3" fmla="*/ 350240 h 703382"/>
-                <a:gd name="connsiteX4" fmla="*/ 916260 w 1085707"/>
-                <a:gd name="connsiteY4" fmla="*/ 349802 h 703382"/>
-                <a:gd name="connsiteX5" fmla="*/ 916259 w 1085707"/>
-                <a:gd name="connsiteY5" fmla="*/ 456025 h 703382"/>
-                <a:gd name="connsiteX6" fmla="*/ 868184 w 1085707"/>
-                <a:gd name="connsiteY6" fmla="*/ 456025 h 703382"/>
-                <a:gd name="connsiteX7" fmla="*/ 868184 w 1085707"/>
-                <a:gd name="connsiteY7" fmla="*/ 511982 h 703382"/>
-                <a:gd name="connsiteX8" fmla="*/ 783655 w 1085707"/>
-                <a:gd name="connsiteY8" fmla="*/ 511982 h 703382"/>
-                <a:gd name="connsiteX9" fmla="*/ 783655 w 1085707"/>
-                <a:gd name="connsiteY9" fmla="*/ 568426 h 703382"/>
-                <a:gd name="connsiteX10" fmla="*/ 698055 w 1085707"/>
-                <a:gd name="connsiteY10" fmla="*/ 568426 h 703382"/>
-                <a:gd name="connsiteX11" fmla="*/ 698055 w 1085707"/>
-                <a:gd name="connsiteY11" fmla="*/ 602140 h 703382"/>
-                <a:gd name="connsiteX12" fmla="*/ 516288 w 1085707"/>
-                <a:gd name="connsiteY12" fmla="*/ 602140 h 703382"/>
-                <a:gd name="connsiteX13" fmla="*/ 516288 w 1085707"/>
-                <a:gd name="connsiteY13" fmla="*/ 658889 h 703382"/>
-                <a:gd name="connsiteX14" fmla="*/ 448191 w 1085707"/>
-                <a:gd name="connsiteY14" fmla="*/ 658889 h 703382"/>
-                <a:gd name="connsiteX15" fmla="*/ 448191 w 1085707"/>
-                <a:gd name="connsiteY15" fmla="*/ 703382 h 703382"/>
-                <a:gd name="connsiteX16" fmla="*/ 321212 w 1085707"/>
-                <a:gd name="connsiteY16" fmla="*/ 703382 h 703382"/>
-                <a:gd name="connsiteX17" fmla="*/ 321212 w 1085707"/>
-                <a:gd name="connsiteY17" fmla="*/ 623625 h 703382"/>
-                <a:gd name="connsiteX18" fmla="*/ 321281 w 1085707"/>
-                <a:gd name="connsiteY18" fmla="*/ 623625 h 703382"/>
-                <a:gd name="connsiteX19" fmla="*/ 321281 w 1085707"/>
-                <a:gd name="connsiteY19" fmla="*/ 579132 h 703382"/>
-                <a:gd name="connsiteX20" fmla="*/ 357890 w 1085707"/>
-                <a:gd name="connsiteY20" fmla="*/ 579132 h 703382"/>
-                <a:gd name="connsiteX21" fmla="*/ 357889 w 1085707"/>
-                <a:gd name="connsiteY21" fmla="*/ 522383 h 703382"/>
-                <a:gd name="connsiteX22" fmla="*/ 426575 w 1085707"/>
-                <a:gd name="connsiteY22" fmla="*/ 522383 h 703382"/>
-                <a:gd name="connsiteX23" fmla="*/ 426575 w 1085707"/>
-                <a:gd name="connsiteY23" fmla="*/ 488669 h 703382"/>
-                <a:gd name="connsiteX24" fmla="*/ 511104 w 1085707"/>
-                <a:gd name="connsiteY24" fmla="*/ 488669 h 703382"/>
-                <a:gd name="connsiteX25" fmla="*/ 511104 w 1085707"/>
-                <a:gd name="connsiteY25" fmla="*/ 432225 h 703382"/>
-                <a:gd name="connsiteX26" fmla="*/ 550677 w 1085707"/>
-                <a:gd name="connsiteY26" fmla="*/ 432225 h 703382"/>
-                <a:gd name="connsiteX27" fmla="*/ 550677 w 1085707"/>
-                <a:gd name="connsiteY27" fmla="*/ 338966 h 703382"/>
-                <a:gd name="connsiteX28" fmla="*/ 477099 w 1085707"/>
-                <a:gd name="connsiteY28" fmla="*/ 265002 h 703382"/>
-                <a:gd name="connsiteX29" fmla="*/ 477181 w 1085707"/>
-                <a:gd name="connsiteY29" fmla="*/ 233559 h 703382"/>
-                <a:gd name="connsiteX30" fmla="*/ 364498 w 1085707"/>
-                <a:gd name="connsiteY30" fmla="*/ 233559 h 703382"/>
-                <a:gd name="connsiteX31" fmla="*/ 211854 w 1085707"/>
-                <a:gd name="connsiteY31" fmla="*/ 421260 h 703382"/>
-                <a:gd name="connsiteX32" fmla="*/ 141047 w 1085707"/>
-                <a:gd name="connsiteY32" fmla="*/ 684756 h 703382"/>
-                <a:gd name="connsiteX33" fmla="*/ 0 w 1085707"/>
-                <a:gd name="connsiteY33" fmla="*/ 646854 h 703382"/>
-                <a:gd name="connsiteX34" fmla="*/ 73913 w 1085707"/>
-                <a:gd name="connsiteY34" fmla="*/ 371797 h 703382"/>
-                <a:gd name="connsiteX35" fmla="*/ 60860 w 1085707"/>
-                <a:gd name="connsiteY35" fmla="*/ 361181 h 703382"/>
-                <a:gd name="connsiteX36" fmla="*/ 344332 w 1085707"/>
-                <a:gd name="connsiteY36" fmla="*/ 12605 h 703382"/>
-                <a:gd name="connsiteX37" fmla="*/ 344332 w 1085707"/>
-                <a:gd name="connsiteY37" fmla="*/ 1522 h 703382"/>
-                <a:gd name="connsiteX38" fmla="*/ 353346 w 1085707"/>
-                <a:gd name="connsiteY38" fmla="*/ 1522 h 703382"/>
-                <a:gd name="connsiteX39" fmla="*/ 354584 w 1085707"/>
-                <a:gd name="connsiteY39" fmla="*/ 0 h 703382"/>
-                <a:gd name="connsiteX40" fmla="*/ 356456 w 1085707"/>
-                <a:gd name="connsiteY40" fmla="*/ 1522 h 703382"/>
-              </a:gdLst>
-              <a:ahLst/>
-              <a:cxnLst>
-                <a:cxn ang="0">
-                  <a:pos x="connsiteX0" y="connsiteY0"/>
-                </a:cxn>
-                <a:cxn ang="0">
-                  <a:pos x="connsiteX1" y="connsiteY1"/>
-                </a:cxn>
-                <a:cxn ang="0">
-                  <a:pos x="connsiteX2" y="connsiteY2"/>
-                </a:cxn>
-                <a:cxn ang="0">
-                  <a:pos x="connsiteX3" y="connsiteY3"/>
-                </a:cxn>
-                <a:cxn ang="0">
-                  <a:pos x="connsiteX4" y="connsiteY4"/>
-                </a:cxn>
-                <a:cxn ang="0">
-                  <a:pos x="connsiteX5" y="connsiteY5"/>
-                </a:cxn>
-                <a:cxn ang="0">
-                  <a:pos x="connsiteX6" y="connsiteY6"/>
-                </a:cxn>
-                <a:cxn ang="0">
-                  <a:pos x="connsiteX7" y="connsiteY7"/>
-                </a:cxn>
-                <a:cxn ang="0">
-                  <a:pos x="connsiteX8" y="connsiteY8"/>
-                </a:cxn>
-                <a:cxn ang="0">
-                  <a:pos x="connsiteX9" y="connsiteY9"/>
-                </a:cxn>
-                <a:cxn ang="0">
-                  <a:pos x="connsiteX10" y="connsiteY10"/>
-                </a:cxn>
-                <a:cxn ang="0">
-                  <a:pos x="connsiteX11" y="connsiteY11"/>
-                </a:cxn>
-                <a:cxn ang="0">
-                  <a:pos x="connsiteX12" y="connsiteY12"/>
-                </a:cxn>
-                <a:cxn ang="0">
-                  <a:pos x="connsiteX13" y="connsiteY13"/>
-                </a:cxn>
-                <a:cxn ang="0">
-                  <a:pos x="connsiteX14" y="connsiteY14"/>
-                </a:cxn>
-                <a:cxn ang="0">
-                  <a:pos x="connsiteX15" y="connsiteY15"/>
-                </a:cxn>
-                <a:cxn ang="0">
-                  <a:pos x="connsiteX16" y="connsiteY16"/>
-                </a:cxn>
-                <a:cxn ang="0">
-                  <a:pos x="connsiteX17" y="connsiteY17"/>
-                </a:cxn>
-                <a:cxn ang="0">
-                  <a:pos x="connsiteX18" y="connsiteY18"/>
-                </a:cxn>
-                <a:cxn ang="0">
-                  <a:pos x="connsiteX19" y="connsiteY19"/>
-                </a:cxn>
-                <a:cxn ang="0">
-                  <a:pos x="connsiteX20" y="connsiteY20"/>
-                </a:cxn>
-                <a:cxn ang="0">
-                  <a:pos x="connsiteX21" y="connsiteY21"/>
-                </a:cxn>
-                <a:cxn ang="0">
-                  <a:pos x="connsiteX22" y="connsiteY22"/>
-                </a:cxn>
-                <a:cxn ang="0">
-                  <a:pos x="connsiteX23" y="connsiteY23"/>
-                </a:cxn>
-                <a:cxn ang="0">
-                  <a:pos x="connsiteX24" y="connsiteY24"/>
-                </a:cxn>
-                <a:cxn ang="0">
-                  <a:pos x="connsiteX25" y="connsiteY25"/>
-                </a:cxn>
-                <a:cxn ang="0">
-                  <a:pos x="connsiteX26" y="connsiteY26"/>
-                </a:cxn>
-                <a:cxn ang="0">
-                  <a:pos x="connsiteX27" y="connsiteY27"/>
-                </a:cxn>
-                <a:cxn ang="0">
-                  <a:pos x="connsiteX28" y="connsiteY28"/>
-                </a:cxn>
-                <a:cxn ang="0">
-                  <a:pos x="connsiteX29" y="connsiteY29"/>
-                </a:cxn>
-                <a:cxn ang="0">
-                  <a:pos x="connsiteX30" y="connsiteY30"/>
-                </a:cxn>
-                <a:cxn ang="0">
-                  <a:pos x="connsiteX31" y="connsiteY31"/>
-                </a:cxn>
-                <a:cxn ang="0">
-                  <a:pos x="connsiteX32" y="connsiteY32"/>
-                </a:cxn>
-                <a:cxn ang="0">
-                  <a:pos x="connsiteX33" y="connsiteY33"/>
-                </a:cxn>
-                <a:cxn ang="0">
-                  <a:pos x="connsiteX34" y="connsiteY34"/>
-                </a:cxn>
-                <a:cxn ang="0">
-                  <a:pos x="connsiteX35" y="connsiteY35"/>
-                </a:cxn>
-                <a:cxn ang="0">
-                  <a:pos x="connsiteX36" y="connsiteY36"/>
-                </a:cxn>
-                <a:cxn ang="0">
-                  <a:pos x="connsiteX37" y="connsiteY37"/>
-                </a:cxn>
-                <a:cxn ang="0">
-                  <a:pos x="connsiteX38" y="connsiteY38"/>
-                </a:cxn>
-                <a:cxn ang="0">
-                  <a:pos x="connsiteX39" y="connsiteY39"/>
-                </a:cxn>
-                <a:cxn ang="0">
-                  <a:pos x="connsiteX40" y="connsiteY40"/>
-                </a:cxn>
-              </a:cxnLst>
-              <a:rect l="l" t="t" r="r" b="b"/>
-              <a:pathLst>
-                <a:path w="1085707" h="703382">
-                  <a:moveTo>
-                    <a:pt x="1085707" y="1522"/>
-                  </a:moveTo>
-                  <a:lnTo>
-                    <a:pt x="1085707" y="233559"/>
-                  </a:lnTo>
-                  <a:lnTo>
-                    <a:pt x="1084733" y="233559"/>
-                  </a:lnTo>
-                  <a:lnTo>
-                    <a:pt x="1084429" y="350240"/>
-                  </a:lnTo>
-                  <a:lnTo>
-                    <a:pt x="916260" y="349802"/>
-                  </a:lnTo>
-                  <a:lnTo>
-                    <a:pt x="916259" y="456025"/>
-                  </a:lnTo>
-                  <a:lnTo>
-                    <a:pt x="868184" y="456025"/>
-                  </a:lnTo>
-                  <a:lnTo>
-                    <a:pt x="868184" y="511982"/>
-                  </a:lnTo>
-                  <a:lnTo>
-                    <a:pt x="783655" y="511982"/>
-                  </a:lnTo>
-                  <a:lnTo>
-                    <a:pt x="783655" y="568426"/>
-                  </a:lnTo>
-                  <a:lnTo>
-                    <a:pt x="698055" y="568426"/>
-                  </a:lnTo>
-                  <a:lnTo>
-                    <a:pt x="698055" y="602140"/>
-                  </a:lnTo>
-                  <a:lnTo>
-                    <a:pt x="516288" y="602140"/>
-                  </a:lnTo>
-                  <a:lnTo>
-                    <a:pt x="516288" y="658889"/>
-                  </a:lnTo>
-                  <a:lnTo>
-                    <a:pt x="448191" y="658889"/>
-                  </a:lnTo>
-                  <a:lnTo>
-                    <a:pt x="448191" y="703382"/>
-                  </a:lnTo>
-                  <a:lnTo>
-                    <a:pt x="321212" y="703382"/>
-                  </a:lnTo>
-                  <a:lnTo>
-                    <a:pt x="321212" y="623625"/>
-                  </a:lnTo>
-                  <a:lnTo>
-                    <a:pt x="321281" y="623625"/>
-                  </a:lnTo>
-                  <a:lnTo>
-                    <a:pt x="321281" y="579132"/>
-                  </a:lnTo>
-                  <a:lnTo>
-                    <a:pt x="357890" y="579132"/>
-                  </a:lnTo>
-                  <a:lnTo>
-                    <a:pt x="357889" y="522383"/>
-                  </a:lnTo>
-                  <a:lnTo>
-                    <a:pt x="426575" y="522383"/>
-                  </a:lnTo>
-                  <a:lnTo>
-                    <a:pt x="426575" y="488669"/>
-                  </a:lnTo>
-                  <a:lnTo>
-                    <a:pt x="511104" y="488669"/>
-                  </a:lnTo>
-                  <a:lnTo>
-                    <a:pt x="511104" y="432225"/>
-                  </a:lnTo>
-                  <a:lnTo>
-                    <a:pt x="550677" y="432225"/>
-                  </a:lnTo>
-                  <a:lnTo>
-                    <a:pt x="550677" y="338966"/>
-                  </a:lnTo>
-                  <a:lnTo>
-                    <a:pt x="477099" y="265002"/>
-                  </a:lnTo>
-                  <a:lnTo>
-                    <a:pt x="477181" y="233559"/>
-                  </a:lnTo>
-                  <a:lnTo>
-                    <a:pt x="364498" y="233559"/>
-                  </a:lnTo>
-                  <a:lnTo>
-                    <a:pt x="211854" y="421260"/>
-                  </a:lnTo>
-                  <a:lnTo>
-                    <a:pt x="141047" y="684756"/>
-                  </a:lnTo>
-                  <a:lnTo>
-                    <a:pt x="0" y="646854"/>
-                  </a:lnTo>
-                  <a:lnTo>
-                    <a:pt x="73913" y="371797"/>
-                  </a:lnTo>
-                  <a:lnTo>
-                    <a:pt x="60860" y="361181"/>
-                  </a:lnTo>
-                  <a:lnTo>
-                    <a:pt x="344332" y="12605"/>
-                  </a:lnTo>
-                  <a:lnTo>
-                    <a:pt x="344332" y="1522"/>
-                  </a:lnTo>
-                  <a:lnTo>
-                    <a:pt x="353346" y="1522"/>
-                  </a:lnTo>
-                  <a:lnTo>
-                    <a:pt x="354584" y="0"/>
-                  </a:lnTo>
-                  <a:lnTo>
-                    <a:pt x="356456" y="1522"/>
-                  </a:lnTo>
-                  <a:close/>
-                </a:path>
-              </a:pathLst>
-            </a:custGeom>
-            <a:solidFill>
-              <a:schemeClr val="tx1">
-                <a:lumMod val="50000"/>
-                <a:lumOff val="50000"/>
-              </a:schemeClr>
-            </a:solidFill>
-            <a:ln>
-              <a:noFill/>
-            </a:ln>
-          </p:spPr>
-          <p:style>
-            <a:lnRef idx="2">
-              <a:schemeClr val="accent1">
-                <a:shade val="15000"/>
-              </a:schemeClr>
-            </a:lnRef>
-            <a:fillRef idx="1">
-              <a:schemeClr val="accent1"/>
-            </a:fillRef>
-            <a:effectRef idx="0">
-              <a:schemeClr val="accent1"/>
-            </a:effectRef>
-            <a:fontRef idx="minor">
-              <a:schemeClr val="lt1"/>
-            </a:fontRef>
-          </p:style>
-          <p:txBody>
-            <a:bodyPr wrap="square" rtlCol="0" anchor="ctr">
-              <a:noAutofit/>
-            </a:bodyPr>
-            <a:lstStyle/>
-            <a:p>
-              <a:pPr algn="ctr"/>
-              <a:endParaRPr lang="en-GB"/>
-            </a:p>
-          </p:txBody>
-        </p:sp>
-        <p:grpSp>
-          <p:nvGrpSpPr>
-            <p:cNvPr id="99" name="Group 98">
-              <a:extLst>
-                <a:ext uri="{FF2B5EF4-FFF2-40B4-BE49-F238E27FC236}">
-                  <a16:creationId xmlns:a16="http://schemas.microsoft.com/office/drawing/2014/main" id="{0AC09807-7D0A-4BE2-7D01-40D86731C67C}"/>
-                </a:ext>
-              </a:extLst>
-            </p:cNvPr>
-            <p:cNvGrpSpPr/>
-            <p:nvPr/>
-          </p:nvGrpSpPr>
-          <p:grpSpPr>
-            <a:xfrm>
-              <a:off x="6364435" y="2698620"/>
-              <a:ext cx="1269841" cy="1111256"/>
-              <a:chOff x="6364435" y="2698620"/>
-              <a:chExt cx="1269841" cy="1111256"/>
-            </a:xfrm>
-          </p:grpSpPr>
-          <p:pic>
-            <p:nvPicPr>
-              <p:cNvPr id="93" name="Picture 92" descr="A black background with a black square&#10;&#10;AI-generated content may be incorrect.">
-                <a:extLst>
-                  <a:ext uri="{FF2B5EF4-FFF2-40B4-BE49-F238E27FC236}">
-                    <a16:creationId xmlns:a16="http://schemas.microsoft.com/office/drawing/2014/main" id="{FACF28CC-4D6C-50B3-9746-643D9B96B1C8}"/>
-                  </a:ext>
-                </a:extLst>
-              </p:cNvPr>
-              <p:cNvPicPr>
-                <a:picLocks noChangeAspect="1"/>
-              </p:cNvPicPr>
-              <p:nvPr/>
-            </p:nvPicPr>
-            <p:blipFill>
-              <a:blip r:embed="rId2">
-                <a:extLst>
-                  <a:ext uri="{28A0092B-C50C-407E-A947-70E740481C1C}">
-                    <a14:useLocalDpi xmlns:a14="http://schemas.microsoft.com/office/drawing/2010/main" val="0"/>
-                  </a:ext>
-                </a:extLst>
-              </a:blip>
-              <a:srcRect l="21551"/>
-              <a:stretch/>
-            </p:blipFill>
-            <p:spPr>
-              <a:xfrm rot="16200000" flipH="1">
-                <a:off x="6501269" y="2676869"/>
-                <a:ext cx="996173" cy="1269841"/>
-              </a:xfrm>
-              <a:prstGeom prst="rect">
-                <a:avLst/>
-              </a:prstGeom>
-            </p:spPr>
-          </p:pic>
-          <p:grpSp>
-            <p:nvGrpSpPr>
-              <p:cNvPr id="96" name="Group 95">
-                <a:extLst>
-                  <a:ext uri="{FF2B5EF4-FFF2-40B4-BE49-F238E27FC236}">
-                    <a16:creationId xmlns:a16="http://schemas.microsoft.com/office/drawing/2014/main" id="{C146B09B-7235-FC19-DC84-31D866A904D5}"/>
-                  </a:ext>
-                </a:extLst>
-              </p:cNvPr>
-              <p:cNvGrpSpPr/>
-              <p:nvPr/>
-            </p:nvGrpSpPr>
-            <p:grpSpPr>
-              <a:xfrm>
-                <a:off x="7265201" y="2703017"/>
-                <a:ext cx="330658" cy="431994"/>
-                <a:chOff x="6340581" y="2572446"/>
-                <a:chExt cx="330658" cy="431994"/>
-              </a:xfrm>
-            </p:grpSpPr>
-            <p:pic>
-              <p:nvPicPr>
-                <p:cNvPr id="97" name="Picture 96" descr="A black background with a black square&#10;&#10;AI-generated content may be incorrect.">
-                  <a:extLst>
-                    <a:ext uri="{FF2B5EF4-FFF2-40B4-BE49-F238E27FC236}">
-                      <a16:creationId xmlns:a16="http://schemas.microsoft.com/office/drawing/2014/main" id="{00D5D805-6328-3241-1850-EC6683EA38C0}"/>
-                    </a:ext>
-                  </a:extLst>
-                </p:cNvPr>
-                <p:cNvPicPr>
-                  <a:picLocks noChangeAspect="1"/>
-                </p:cNvPicPr>
-                <p:nvPr/>
-              </p:nvPicPr>
-              <p:blipFill>
-                <a:blip r:embed="rId2">
-                  <a:extLst>
-                    <a:ext uri="{28A0092B-C50C-407E-A947-70E740481C1C}">
-                      <a14:useLocalDpi xmlns:a14="http://schemas.microsoft.com/office/drawing/2010/main" val="0"/>
-                    </a:ext>
-                  </a:extLst>
-                </a:blip>
-                <a:srcRect l="10182" t="73782" r="68815" b="9209"/>
-                <a:stretch/>
-              </p:blipFill>
-              <p:spPr>
-                <a:xfrm rot="10800000" flipV="1">
-                  <a:off x="6340581" y="2788443"/>
-                  <a:ext cx="266701" cy="215997"/>
-                </a:xfrm>
-                <a:prstGeom prst="rect">
-                  <a:avLst/>
-                </a:prstGeom>
-              </p:spPr>
-            </p:pic>
-            <p:pic>
-              <p:nvPicPr>
-                <p:cNvPr id="98" name="Picture 97" descr="A black background with a black square&#10;&#10;AI-generated content may be incorrect.">
-                  <a:extLst>
-                    <a:ext uri="{FF2B5EF4-FFF2-40B4-BE49-F238E27FC236}">
-                      <a16:creationId xmlns:a16="http://schemas.microsoft.com/office/drawing/2014/main" id="{C97F7222-1B0B-2754-F4B2-F7FD72A45FEC}"/>
-                    </a:ext>
-                  </a:extLst>
-                </p:cNvPr>
-                <p:cNvPicPr>
-                  <a:picLocks noChangeAspect="1"/>
-                </p:cNvPicPr>
-                <p:nvPr/>
-              </p:nvPicPr>
-              <p:blipFill>
-                <a:blip r:embed="rId2">
-                  <a:extLst>
-                    <a:ext uri="{28A0092B-C50C-407E-A947-70E740481C1C}">
-                      <a14:useLocalDpi xmlns:a14="http://schemas.microsoft.com/office/drawing/2010/main" val="0"/>
-                    </a:ext>
-                  </a:extLst>
-                </a:blip>
-                <a:srcRect l="10182" t="73782" r="68815" b="9209"/>
-                <a:stretch/>
-              </p:blipFill>
-              <p:spPr>
-                <a:xfrm rot="10800000" flipH="1">
-                  <a:off x="6404538" y="2572446"/>
-                  <a:ext cx="266701" cy="215997"/>
-                </a:xfrm>
-                <a:prstGeom prst="rect">
-                  <a:avLst/>
-                </a:prstGeom>
-              </p:spPr>
-            </p:pic>
-          </p:grpSp>
-          <p:pic>
-            <p:nvPicPr>
-              <p:cNvPr id="94" name="Picture 93" descr="A black background with a black square&#10;&#10;AI-generated content may be incorrect.">
-                <a:extLst>
-                  <a:ext uri="{FF2B5EF4-FFF2-40B4-BE49-F238E27FC236}">
-                    <a16:creationId xmlns:a16="http://schemas.microsoft.com/office/drawing/2014/main" id="{065CFBD8-D547-B525-52F9-7474A80D467F}"/>
-                  </a:ext>
-                </a:extLst>
-              </p:cNvPr>
-              <p:cNvPicPr>
-                <a:picLocks noChangeAspect="1"/>
-              </p:cNvPicPr>
-              <p:nvPr/>
-            </p:nvPicPr>
-            <p:blipFill>
-              <a:blip r:embed="rId2">
-                <a:extLst>
-                  <a:ext uri="{28A0092B-C50C-407E-A947-70E740481C1C}">
-                    <a14:useLocalDpi xmlns:a14="http://schemas.microsoft.com/office/drawing/2010/main" val="0"/>
-                  </a:ext>
-                </a:extLst>
-              </a:blip>
-              <a:srcRect l="10200" t="49411" r="76847"/>
-              <a:stretch/>
-            </p:blipFill>
-            <p:spPr>
-              <a:xfrm rot="16200000" flipH="1">
-                <a:off x="7134804" y="2459657"/>
-                <a:ext cx="164481" cy="642408"/>
-              </a:xfrm>
-              <a:prstGeom prst="rect">
-                <a:avLst/>
-              </a:prstGeom>
-            </p:spPr>
-          </p:pic>
-        </p:grpSp>
-      </p:grpSp>
-      <p:grpSp>
-        <p:nvGrpSpPr>
-          <p:cNvPr id="107" name="Group 106">
-            <a:extLst>
-              <a:ext uri="{FF2B5EF4-FFF2-40B4-BE49-F238E27FC236}">
-                <a16:creationId xmlns:a16="http://schemas.microsoft.com/office/drawing/2014/main" id="{03EA1908-AEE7-E2A5-0110-B5032228B154}"/>
-              </a:ext>
-            </a:extLst>
-          </p:cNvPr>
-          <p:cNvGrpSpPr>
-            <a:grpSpLocks/>
-          </p:cNvGrpSpPr>
-          <p:nvPr/>
-        </p:nvGrpSpPr>
-        <p:grpSpPr>
-          <a:xfrm>
-            <a:off x="3822563" y="1829439"/>
-            <a:ext cx="1269841" cy="1111992"/>
-            <a:chOff x="6364435" y="2698620"/>
-            <a:chExt cx="1269841" cy="1111992"/>
-          </a:xfrm>
-        </p:grpSpPr>
-        <p:sp>
-          <p:nvSpPr>
-            <p:cNvPr id="108" name="Freeform: Shape 107">
-              <a:extLst>
-                <a:ext uri="{FF2B5EF4-FFF2-40B4-BE49-F238E27FC236}">
-                  <a16:creationId xmlns:a16="http://schemas.microsoft.com/office/drawing/2014/main" id="{5EA310D7-FB59-856A-D1CD-D15D2810928C}"/>
+                  <a16:creationId xmlns:a16="http://schemas.microsoft.com/office/drawing/2014/main" id="{CBC6FE87-4164-D0B1-081C-33CB3C41A704}"/>
                 </a:ext>
               </a:extLst>
             </p:cNvPr>
@@ -16003,848 +16844,7 @@
           </p:nvSpPr>
           <p:spPr>
             <a:xfrm rot="20697523">
-              <a:off x="6415663" y="2868068"/>
-              <a:ext cx="1085707" cy="709560"/>
-            </a:xfrm>
-            <a:custGeom>
-              <a:avLst/>
-              <a:gdLst>
-                <a:gd name="connsiteX0" fmla="*/ 1085707 w 1085707"/>
-                <a:gd name="connsiteY0" fmla="*/ 1522 h 703382"/>
-                <a:gd name="connsiteX1" fmla="*/ 1085707 w 1085707"/>
-                <a:gd name="connsiteY1" fmla="*/ 233559 h 703382"/>
-                <a:gd name="connsiteX2" fmla="*/ 1084733 w 1085707"/>
-                <a:gd name="connsiteY2" fmla="*/ 233559 h 703382"/>
-                <a:gd name="connsiteX3" fmla="*/ 1084429 w 1085707"/>
-                <a:gd name="connsiteY3" fmla="*/ 350240 h 703382"/>
-                <a:gd name="connsiteX4" fmla="*/ 916260 w 1085707"/>
-                <a:gd name="connsiteY4" fmla="*/ 349802 h 703382"/>
-                <a:gd name="connsiteX5" fmla="*/ 916259 w 1085707"/>
-                <a:gd name="connsiteY5" fmla="*/ 456025 h 703382"/>
-                <a:gd name="connsiteX6" fmla="*/ 868184 w 1085707"/>
-                <a:gd name="connsiteY6" fmla="*/ 456025 h 703382"/>
-                <a:gd name="connsiteX7" fmla="*/ 868184 w 1085707"/>
-                <a:gd name="connsiteY7" fmla="*/ 511982 h 703382"/>
-                <a:gd name="connsiteX8" fmla="*/ 783655 w 1085707"/>
-                <a:gd name="connsiteY8" fmla="*/ 511982 h 703382"/>
-                <a:gd name="connsiteX9" fmla="*/ 783655 w 1085707"/>
-                <a:gd name="connsiteY9" fmla="*/ 568426 h 703382"/>
-                <a:gd name="connsiteX10" fmla="*/ 698055 w 1085707"/>
-                <a:gd name="connsiteY10" fmla="*/ 568426 h 703382"/>
-                <a:gd name="connsiteX11" fmla="*/ 698055 w 1085707"/>
-                <a:gd name="connsiteY11" fmla="*/ 602140 h 703382"/>
-                <a:gd name="connsiteX12" fmla="*/ 516288 w 1085707"/>
-                <a:gd name="connsiteY12" fmla="*/ 602140 h 703382"/>
-                <a:gd name="connsiteX13" fmla="*/ 516288 w 1085707"/>
-                <a:gd name="connsiteY13" fmla="*/ 658889 h 703382"/>
-                <a:gd name="connsiteX14" fmla="*/ 448191 w 1085707"/>
-                <a:gd name="connsiteY14" fmla="*/ 658889 h 703382"/>
-                <a:gd name="connsiteX15" fmla="*/ 448191 w 1085707"/>
-                <a:gd name="connsiteY15" fmla="*/ 703382 h 703382"/>
-                <a:gd name="connsiteX16" fmla="*/ 321212 w 1085707"/>
-                <a:gd name="connsiteY16" fmla="*/ 703382 h 703382"/>
-                <a:gd name="connsiteX17" fmla="*/ 321212 w 1085707"/>
-                <a:gd name="connsiteY17" fmla="*/ 623625 h 703382"/>
-                <a:gd name="connsiteX18" fmla="*/ 321281 w 1085707"/>
-                <a:gd name="connsiteY18" fmla="*/ 623625 h 703382"/>
-                <a:gd name="connsiteX19" fmla="*/ 321281 w 1085707"/>
-                <a:gd name="connsiteY19" fmla="*/ 579132 h 703382"/>
-                <a:gd name="connsiteX20" fmla="*/ 357890 w 1085707"/>
-                <a:gd name="connsiteY20" fmla="*/ 579132 h 703382"/>
-                <a:gd name="connsiteX21" fmla="*/ 357889 w 1085707"/>
-                <a:gd name="connsiteY21" fmla="*/ 522383 h 703382"/>
-                <a:gd name="connsiteX22" fmla="*/ 426575 w 1085707"/>
-                <a:gd name="connsiteY22" fmla="*/ 522383 h 703382"/>
-                <a:gd name="connsiteX23" fmla="*/ 426575 w 1085707"/>
-                <a:gd name="connsiteY23" fmla="*/ 488669 h 703382"/>
-                <a:gd name="connsiteX24" fmla="*/ 511104 w 1085707"/>
-                <a:gd name="connsiteY24" fmla="*/ 488669 h 703382"/>
-                <a:gd name="connsiteX25" fmla="*/ 511104 w 1085707"/>
-                <a:gd name="connsiteY25" fmla="*/ 432225 h 703382"/>
-                <a:gd name="connsiteX26" fmla="*/ 550677 w 1085707"/>
-                <a:gd name="connsiteY26" fmla="*/ 432225 h 703382"/>
-                <a:gd name="connsiteX27" fmla="*/ 550677 w 1085707"/>
-                <a:gd name="connsiteY27" fmla="*/ 338966 h 703382"/>
-                <a:gd name="connsiteX28" fmla="*/ 477099 w 1085707"/>
-                <a:gd name="connsiteY28" fmla="*/ 265002 h 703382"/>
-                <a:gd name="connsiteX29" fmla="*/ 477181 w 1085707"/>
-                <a:gd name="connsiteY29" fmla="*/ 233559 h 703382"/>
-                <a:gd name="connsiteX30" fmla="*/ 364498 w 1085707"/>
-                <a:gd name="connsiteY30" fmla="*/ 233559 h 703382"/>
-                <a:gd name="connsiteX31" fmla="*/ 211854 w 1085707"/>
-                <a:gd name="connsiteY31" fmla="*/ 421260 h 703382"/>
-                <a:gd name="connsiteX32" fmla="*/ 141047 w 1085707"/>
-                <a:gd name="connsiteY32" fmla="*/ 684756 h 703382"/>
-                <a:gd name="connsiteX33" fmla="*/ 0 w 1085707"/>
-                <a:gd name="connsiteY33" fmla="*/ 646854 h 703382"/>
-                <a:gd name="connsiteX34" fmla="*/ 73913 w 1085707"/>
-                <a:gd name="connsiteY34" fmla="*/ 371797 h 703382"/>
-                <a:gd name="connsiteX35" fmla="*/ 60860 w 1085707"/>
-                <a:gd name="connsiteY35" fmla="*/ 361181 h 703382"/>
-                <a:gd name="connsiteX36" fmla="*/ 344332 w 1085707"/>
-                <a:gd name="connsiteY36" fmla="*/ 12605 h 703382"/>
-                <a:gd name="connsiteX37" fmla="*/ 344332 w 1085707"/>
-                <a:gd name="connsiteY37" fmla="*/ 1522 h 703382"/>
-                <a:gd name="connsiteX38" fmla="*/ 353346 w 1085707"/>
-                <a:gd name="connsiteY38" fmla="*/ 1522 h 703382"/>
-                <a:gd name="connsiteX39" fmla="*/ 354584 w 1085707"/>
-                <a:gd name="connsiteY39" fmla="*/ 0 h 703382"/>
-                <a:gd name="connsiteX40" fmla="*/ 356456 w 1085707"/>
-                <a:gd name="connsiteY40" fmla="*/ 1522 h 703382"/>
-              </a:gdLst>
-              <a:ahLst/>
-              <a:cxnLst>
-                <a:cxn ang="0">
-                  <a:pos x="connsiteX0" y="connsiteY0"/>
-                </a:cxn>
-                <a:cxn ang="0">
-                  <a:pos x="connsiteX1" y="connsiteY1"/>
-                </a:cxn>
-                <a:cxn ang="0">
-                  <a:pos x="connsiteX2" y="connsiteY2"/>
-                </a:cxn>
-                <a:cxn ang="0">
-                  <a:pos x="connsiteX3" y="connsiteY3"/>
-                </a:cxn>
-                <a:cxn ang="0">
-                  <a:pos x="connsiteX4" y="connsiteY4"/>
-                </a:cxn>
-                <a:cxn ang="0">
-                  <a:pos x="connsiteX5" y="connsiteY5"/>
-                </a:cxn>
-                <a:cxn ang="0">
-                  <a:pos x="connsiteX6" y="connsiteY6"/>
-                </a:cxn>
-                <a:cxn ang="0">
-                  <a:pos x="connsiteX7" y="connsiteY7"/>
-                </a:cxn>
-                <a:cxn ang="0">
-                  <a:pos x="connsiteX8" y="connsiteY8"/>
-                </a:cxn>
-                <a:cxn ang="0">
-                  <a:pos x="connsiteX9" y="connsiteY9"/>
-                </a:cxn>
-                <a:cxn ang="0">
-                  <a:pos x="connsiteX10" y="connsiteY10"/>
-                </a:cxn>
-                <a:cxn ang="0">
-                  <a:pos x="connsiteX11" y="connsiteY11"/>
-                </a:cxn>
-                <a:cxn ang="0">
-                  <a:pos x="connsiteX12" y="connsiteY12"/>
-                </a:cxn>
-                <a:cxn ang="0">
-                  <a:pos x="connsiteX13" y="connsiteY13"/>
-                </a:cxn>
-                <a:cxn ang="0">
-                  <a:pos x="connsiteX14" y="connsiteY14"/>
-                </a:cxn>
-                <a:cxn ang="0">
-                  <a:pos x="connsiteX15" y="connsiteY15"/>
-                </a:cxn>
-                <a:cxn ang="0">
-                  <a:pos x="connsiteX16" y="connsiteY16"/>
-                </a:cxn>
-                <a:cxn ang="0">
-                  <a:pos x="connsiteX17" y="connsiteY17"/>
-                </a:cxn>
-                <a:cxn ang="0">
-                  <a:pos x="connsiteX18" y="connsiteY18"/>
-                </a:cxn>
-                <a:cxn ang="0">
-                  <a:pos x="connsiteX19" y="connsiteY19"/>
-                </a:cxn>
-                <a:cxn ang="0">
-                  <a:pos x="connsiteX20" y="connsiteY20"/>
-                </a:cxn>
-                <a:cxn ang="0">
-                  <a:pos x="connsiteX21" y="connsiteY21"/>
-                </a:cxn>
-                <a:cxn ang="0">
-                  <a:pos x="connsiteX22" y="connsiteY22"/>
-                </a:cxn>
-                <a:cxn ang="0">
-                  <a:pos x="connsiteX23" y="connsiteY23"/>
-                </a:cxn>
-                <a:cxn ang="0">
-                  <a:pos x="connsiteX24" y="connsiteY24"/>
-                </a:cxn>
-                <a:cxn ang="0">
-                  <a:pos x="connsiteX25" y="connsiteY25"/>
-                </a:cxn>
-                <a:cxn ang="0">
-                  <a:pos x="connsiteX26" y="connsiteY26"/>
-                </a:cxn>
-                <a:cxn ang="0">
-                  <a:pos x="connsiteX27" y="connsiteY27"/>
-                </a:cxn>
-                <a:cxn ang="0">
-                  <a:pos x="connsiteX28" y="connsiteY28"/>
-                </a:cxn>
-                <a:cxn ang="0">
-                  <a:pos x="connsiteX29" y="connsiteY29"/>
-                </a:cxn>
-                <a:cxn ang="0">
-                  <a:pos x="connsiteX30" y="connsiteY30"/>
-                </a:cxn>
-                <a:cxn ang="0">
-                  <a:pos x="connsiteX31" y="connsiteY31"/>
-                </a:cxn>
-                <a:cxn ang="0">
-                  <a:pos x="connsiteX32" y="connsiteY32"/>
-                </a:cxn>
-                <a:cxn ang="0">
-                  <a:pos x="connsiteX33" y="connsiteY33"/>
-                </a:cxn>
-                <a:cxn ang="0">
-                  <a:pos x="connsiteX34" y="connsiteY34"/>
-                </a:cxn>
-                <a:cxn ang="0">
-                  <a:pos x="connsiteX35" y="connsiteY35"/>
-                </a:cxn>
-                <a:cxn ang="0">
-                  <a:pos x="connsiteX36" y="connsiteY36"/>
-                </a:cxn>
-                <a:cxn ang="0">
-                  <a:pos x="connsiteX37" y="connsiteY37"/>
-                </a:cxn>
-                <a:cxn ang="0">
-                  <a:pos x="connsiteX38" y="connsiteY38"/>
-                </a:cxn>
-                <a:cxn ang="0">
-                  <a:pos x="connsiteX39" y="connsiteY39"/>
-                </a:cxn>
-                <a:cxn ang="0">
-                  <a:pos x="connsiteX40" y="connsiteY40"/>
-                </a:cxn>
-              </a:cxnLst>
-              <a:rect l="l" t="t" r="r" b="b"/>
-              <a:pathLst>
-                <a:path w="1085707" h="703382">
-                  <a:moveTo>
-                    <a:pt x="1085707" y="1522"/>
-                  </a:moveTo>
-                  <a:lnTo>
-                    <a:pt x="1085707" y="233559"/>
-                  </a:lnTo>
-                  <a:lnTo>
-                    <a:pt x="1084733" y="233559"/>
-                  </a:lnTo>
-                  <a:lnTo>
-                    <a:pt x="1084429" y="350240"/>
-                  </a:lnTo>
-                  <a:lnTo>
-                    <a:pt x="916260" y="349802"/>
-                  </a:lnTo>
-                  <a:lnTo>
-                    <a:pt x="916259" y="456025"/>
-                  </a:lnTo>
-                  <a:lnTo>
-                    <a:pt x="868184" y="456025"/>
-                  </a:lnTo>
-                  <a:lnTo>
-                    <a:pt x="868184" y="511982"/>
-                  </a:lnTo>
-                  <a:lnTo>
-                    <a:pt x="783655" y="511982"/>
-                  </a:lnTo>
-                  <a:lnTo>
-                    <a:pt x="783655" y="568426"/>
-                  </a:lnTo>
-                  <a:lnTo>
-                    <a:pt x="698055" y="568426"/>
-                  </a:lnTo>
-                  <a:lnTo>
-                    <a:pt x="698055" y="602140"/>
-                  </a:lnTo>
-                  <a:lnTo>
-                    <a:pt x="516288" y="602140"/>
-                  </a:lnTo>
-                  <a:lnTo>
-                    <a:pt x="516288" y="658889"/>
-                  </a:lnTo>
-                  <a:lnTo>
-                    <a:pt x="448191" y="658889"/>
-                  </a:lnTo>
-                  <a:lnTo>
-                    <a:pt x="448191" y="703382"/>
-                  </a:lnTo>
-                  <a:lnTo>
-                    <a:pt x="321212" y="703382"/>
-                  </a:lnTo>
-                  <a:lnTo>
-                    <a:pt x="321212" y="623625"/>
-                  </a:lnTo>
-                  <a:lnTo>
-                    <a:pt x="321281" y="623625"/>
-                  </a:lnTo>
-                  <a:lnTo>
-                    <a:pt x="321281" y="579132"/>
-                  </a:lnTo>
-                  <a:lnTo>
-                    <a:pt x="357890" y="579132"/>
-                  </a:lnTo>
-                  <a:lnTo>
-                    <a:pt x="357889" y="522383"/>
-                  </a:lnTo>
-                  <a:lnTo>
-                    <a:pt x="426575" y="522383"/>
-                  </a:lnTo>
-                  <a:lnTo>
-                    <a:pt x="426575" y="488669"/>
-                  </a:lnTo>
-                  <a:lnTo>
-                    <a:pt x="511104" y="488669"/>
-                  </a:lnTo>
-                  <a:lnTo>
-                    <a:pt x="511104" y="432225"/>
-                  </a:lnTo>
-                  <a:lnTo>
-                    <a:pt x="550677" y="432225"/>
-                  </a:lnTo>
-                  <a:lnTo>
-                    <a:pt x="550677" y="338966"/>
-                  </a:lnTo>
-                  <a:lnTo>
-                    <a:pt x="477099" y="265002"/>
-                  </a:lnTo>
-                  <a:lnTo>
-                    <a:pt x="477181" y="233559"/>
-                  </a:lnTo>
-                  <a:lnTo>
-                    <a:pt x="364498" y="233559"/>
-                  </a:lnTo>
-                  <a:lnTo>
-                    <a:pt x="211854" y="421260"/>
-                  </a:lnTo>
-                  <a:lnTo>
-                    <a:pt x="141047" y="684756"/>
-                  </a:lnTo>
-                  <a:lnTo>
-                    <a:pt x="0" y="646854"/>
-                  </a:lnTo>
-                  <a:lnTo>
-                    <a:pt x="73913" y="371797"/>
-                  </a:lnTo>
-                  <a:lnTo>
-                    <a:pt x="60860" y="361181"/>
-                  </a:lnTo>
-                  <a:lnTo>
-                    <a:pt x="344332" y="12605"/>
-                  </a:lnTo>
-                  <a:lnTo>
-                    <a:pt x="344332" y="1522"/>
-                  </a:lnTo>
-                  <a:lnTo>
-                    <a:pt x="353346" y="1522"/>
-                  </a:lnTo>
-                  <a:lnTo>
-                    <a:pt x="354584" y="0"/>
-                  </a:lnTo>
-                  <a:lnTo>
-                    <a:pt x="356456" y="1522"/>
-                  </a:lnTo>
-                  <a:close/>
-                </a:path>
-              </a:pathLst>
-            </a:custGeom>
-            <a:solidFill>
-              <a:schemeClr val="bg1"/>
-            </a:solidFill>
-            <a:ln>
-              <a:noFill/>
-            </a:ln>
-          </p:spPr>
-          <p:style>
-            <a:lnRef idx="2">
-              <a:schemeClr val="accent1">
-                <a:shade val="15000"/>
-              </a:schemeClr>
-            </a:lnRef>
-            <a:fillRef idx="1">
-              <a:schemeClr val="accent1"/>
-            </a:fillRef>
-            <a:effectRef idx="0">
-              <a:schemeClr val="accent1"/>
-            </a:effectRef>
-            <a:fontRef idx="minor">
-              <a:schemeClr val="lt1"/>
-            </a:fontRef>
-          </p:style>
-          <p:txBody>
-            <a:bodyPr wrap="square" rtlCol="0" anchor="ctr">
-              <a:noAutofit/>
-            </a:bodyPr>
-            <a:lstStyle/>
-            <a:p>
-              <a:pPr algn="ctr"/>
-              <a:endParaRPr lang="en-GB"/>
-            </a:p>
-          </p:txBody>
-        </p:sp>
-        <p:grpSp>
-          <p:nvGrpSpPr>
-            <p:cNvPr id="109" name="Group 108">
-              <a:extLst>
-                <a:ext uri="{FF2B5EF4-FFF2-40B4-BE49-F238E27FC236}">
-                  <a16:creationId xmlns:a16="http://schemas.microsoft.com/office/drawing/2014/main" id="{0636BE5E-3484-2E71-0041-3FD2108E815A}"/>
-                </a:ext>
-              </a:extLst>
-            </p:cNvPr>
-            <p:cNvGrpSpPr>
-              <a:grpSpLocks/>
-            </p:cNvGrpSpPr>
-            <p:nvPr/>
-          </p:nvGrpSpPr>
-          <p:grpSpPr>
-            <a:xfrm>
-              <a:off x="6364435" y="2698620"/>
-              <a:ext cx="1269841" cy="1111992"/>
-              <a:chOff x="6364435" y="2698620"/>
-              <a:chExt cx="1269841" cy="1111992"/>
-            </a:xfrm>
-          </p:grpSpPr>
-          <p:pic>
-            <p:nvPicPr>
-              <p:cNvPr id="110" name="Picture 109" descr="A black background with a black square&#10;&#10;AI-generated content may be incorrect.">
-                <a:extLst>
-                  <a:ext uri="{FF2B5EF4-FFF2-40B4-BE49-F238E27FC236}">
-                    <a16:creationId xmlns:a16="http://schemas.microsoft.com/office/drawing/2014/main" id="{90402DAD-92BB-BB3D-CE7C-8323DBFB6C62}"/>
-                  </a:ext>
-                </a:extLst>
-              </p:cNvPr>
-              <p:cNvPicPr>
-                <a:picLocks noChangeAspect="1"/>
-              </p:cNvPicPr>
-              <p:nvPr/>
-            </p:nvPicPr>
-            <p:blipFill>
-              <a:blip r:embed="rId2">
-                <a:extLst>
-                  <a:ext uri="{28A0092B-C50C-407E-A947-70E740481C1C}">
-                    <a14:useLocalDpi xmlns:a14="http://schemas.microsoft.com/office/drawing/2010/main" val="0"/>
-                  </a:ext>
-                </a:extLst>
-              </a:blip>
-              <a:srcRect l="21551"/>
-              <a:stretch/>
-            </p:blipFill>
-            <p:spPr>
-              <a:xfrm rot="16200000" flipH="1">
-                <a:off x="6501269" y="2677605"/>
-                <a:ext cx="996173" cy="1269841"/>
-              </a:xfrm>
-              <a:prstGeom prst="rect">
-                <a:avLst/>
-              </a:prstGeom>
-            </p:spPr>
-          </p:pic>
-          <p:grpSp>
-            <p:nvGrpSpPr>
-              <p:cNvPr id="111" name="Group 110">
-                <a:extLst>
-                  <a:ext uri="{FF2B5EF4-FFF2-40B4-BE49-F238E27FC236}">
-                    <a16:creationId xmlns:a16="http://schemas.microsoft.com/office/drawing/2014/main" id="{5ECCAE78-31B4-6B41-369E-A37E0B25F534}"/>
-                  </a:ext>
-                </a:extLst>
-              </p:cNvPr>
-              <p:cNvGrpSpPr>
-                <a:grpSpLocks/>
-              </p:cNvGrpSpPr>
-              <p:nvPr/>
-            </p:nvGrpSpPr>
-            <p:grpSpPr>
-              <a:xfrm>
-                <a:off x="7265201" y="2703017"/>
-                <a:ext cx="330658" cy="431994"/>
-                <a:chOff x="6340581" y="2572446"/>
-                <a:chExt cx="330658" cy="431994"/>
-              </a:xfrm>
-            </p:grpSpPr>
-            <p:pic>
-              <p:nvPicPr>
-                <p:cNvPr id="113" name="Picture 112" descr="A black background with a black square&#10;&#10;AI-generated content may be incorrect.">
-                  <a:extLst>
-                    <a:ext uri="{FF2B5EF4-FFF2-40B4-BE49-F238E27FC236}">
-                      <a16:creationId xmlns:a16="http://schemas.microsoft.com/office/drawing/2014/main" id="{F757AAD2-48A9-4CC3-A98F-63B9A20C01A1}"/>
-                    </a:ext>
-                  </a:extLst>
-                </p:cNvPr>
-                <p:cNvPicPr>
-                  <a:picLocks noChangeAspect="1"/>
-                </p:cNvPicPr>
-                <p:nvPr/>
-              </p:nvPicPr>
-              <p:blipFill>
-                <a:blip r:embed="rId2">
-                  <a:extLst>
-                    <a:ext uri="{28A0092B-C50C-407E-A947-70E740481C1C}">
-                      <a14:useLocalDpi xmlns:a14="http://schemas.microsoft.com/office/drawing/2010/main" val="0"/>
-                    </a:ext>
-                  </a:extLst>
-                </a:blip>
-                <a:srcRect l="10182" t="73782" r="68815" b="9209"/>
-                <a:stretch/>
-              </p:blipFill>
-              <p:spPr>
-                <a:xfrm rot="10800000" flipV="1">
-                  <a:off x="6340581" y="2788443"/>
-                  <a:ext cx="266701" cy="215997"/>
-                </a:xfrm>
-                <a:prstGeom prst="rect">
-                  <a:avLst/>
-                </a:prstGeom>
-              </p:spPr>
-            </p:pic>
-            <p:pic>
-              <p:nvPicPr>
-                <p:cNvPr id="114" name="Picture 113" descr="A black background with a black square&#10;&#10;AI-generated content may be incorrect.">
-                  <a:extLst>
-                    <a:ext uri="{FF2B5EF4-FFF2-40B4-BE49-F238E27FC236}">
-                      <a16:creationId xmlns:a16="http://schemas.microsoft.com/office/drawing/2014/main" id="{3DC5B88B-52B9-A435-F0FE-BAB56AD1302D}"/>
-                    </a:ext>
-                  </a:extLst>
-                </p:cNvPr>
-                <p:cNvPicPr>
-                  <a:picLocks noChangeAspect="1"/>
-                </p:cNvPicPr>
-                <p:nvPr/>
-              </p:nvPicPr>
-              <p:blipFill>
-                <a:blip r:embed="rId2">
-                  <a:extLst>
-                    <a:ext uri="{28A0092B-C50C-407E-A947-70E740481C1C}">
-                      <a14:useLocalDpi xmlns:a14="http://schemas.microsoft.com/office/drawing/2010/main" val="0"/>
-                    </a:ext>
-                  </a:extLst>
-                </a:blip>
-                <a:srcRect l="10182" t="73782" r="68815" b="9209"/>
-                <a:stretch/>
-              </p:blipFill>
-              <p:spPr>
-                <a:xfrm rot="10800000" flipH="1">
-                  <a:off x="6404538" y="2572446"/>
-                  <a:ext cx="266701" cy="215997"/>
-                </a:xfrm>
-                <a:prstGeom prst="rect">
-                  <a:avLst/>
-                </a:prstGeom>
-              </p:spPr>
-            </p:pic>
-          </p:grpSp>
-          <p:pic>
-            <p:nvPicPr>
-              <p:cNvPr id="112" name="Picture 111" descr="A black background with a black square&#10;&#10;AI-generated content may be incorrect.">
-                <a:extLst>
-                  <a:ext uri="{FF2B5EF4-FFF2-40B4-BE49-F238E27FC236}">
-                    <a16:creationId xmlns:a16="http://schemas.microsoft.com/office/drawing/2014/main" id="{E830D50D-D3EA-6912-90BB-0FC1C2A6C627}"/>
-                  </a:ext>
-                </a:extLst>
-              </p:cNvPr>
-              <p:cNvPicPr>
-                <a:picLocks noChangeAspect="1"/>
-              </p:cNvPicPr>
-              <p:nvPr/>
-            </p:nvPicPr>
-            <p:blipFill>
-              <a:blip r:embed="rId2">
-                <a:extLst>
-                  <a:ext uri="{28A0092B-C50C-407E-A947-70E740481C1C}">
-                    <a14:useLocalDpi xmlns:a14="http://schemas.microsoft.com/office/drawing/2010/main" val="0"/>
-                  </a:ext>
-                </a:extLst>
-              </a:blip>
-              <a:srcRect l="10200" t="49411" r="76847"/>
-              <a:stretch/>
-            </p:blipFill>
-            <p:spPr>
-              <a:xfrm rot="16200000" flipH="1">
-                <a:off x="7134804" y="2459657"/>
-                <a:ext cx="164481" cy="642408"/>
-              </a:xfrm>
-              <a:prstGeom prst="rect">
-                <a:avLst/>
-              </a:prstGeom>
-            </p:spPr>
-          </p:pic>
-        </p:grpSp>
-      </p:grpSp>
-      <p:pic>
-        <p:nvPicPr>
-          <p:cNvPr id="1028" name="Picture 4" descr="Windows Mouse Cursor: Over 3,504 Royalty-Free Licensable Stock  Illustrations &amp; Drawings | Shutterstock">
-            <a:extLst>
-              <a:ext uri="{FF2B5EF4-FFF2-40B4-BE49-F238E27FC236}">
-                <a16:creationId xmlns:a16="http://schemas.microsoft.com/office/drawing/2014/main" id="{9EDAEB63-1A67-6B7A-FCF8-DD8016B02ABE}"/>
-              </a:ext>
-            </a:extLst>
-          </p:cNvPr>
-          <p:cNvPicPr>
-            <a:picLocks noChangeAspect="1" noChangeArrowheads="1"/>
-          </p:cNvPicPr>
-          <p:nvPr/>
-        </p:nvPicPr>
-        <p:blipFill rotWithShape="1">
-          <a:blip r:embed="rId8">
-            <a:clrChange>
-              <a:clrFrom>
-                <a:srgbClr val="FFFFFF"/>
-              </a:clrFrom>
-              <a:clrTo>
-                <a:srgbClr val="FFFFFF">
-                  <a:alpha val="0"/>
-                </a:srgbClr>
-              </a:clrTo>
-            </a:clrChange>
-            <a:extLst>
-              <a:ext uri="{28A0092B-C50C-407E-A947-70E740481C1C}">
-                <a14:useLocalDpi xmlns:a14="http://schemas.microsoft.com/office/drawing/2010/main" val="0"/>
-              </a:ext>
-            </a:extLst>
-          </a:blip>
-          <a:srcRect l="54242" t="20520" r="31463" b="28060"/>
-          <a:stretch>
-            <a:fillRect/>
-          </a:stretch>
-        </p:blipFill>
-        <p:spPr bwMode="auto">
-          <a:xfrm>
-            <a:off x="4493006" y="551202"/>
-            <a:ext cx="171938" cy="190500"/>
-          </a:xfrm>
-          <a:prstGeom prst="rect">
-            <a:avLst/>
-          </a:prstGeom>
-          <a:noFill/>
-          <a:extLst>
-            <a:ext uri="{909E8E84-426E-40DD-AFC4-6F175D3DCCD1}">
-              <a14:hiddenFill xmlns:a14="http://schemas.microsoft.com/office/drawing/2010/main">
-                <a:solidFill>
-                  <a:srgbClr val="FFFFFF"/>
-                </a:solidFill>
-              </a14:hiddenFill>
-            </a:ext>
-          </a:extLst>
-        </p:spPr>
-      </p:pic>
-      <p:sp>
-        <p:nvSpPr>
-          <p:cNvPr id="7" name="Rectangle 6">
-            <a:extLst>
-              <a:ext uri="{FF2B5EF4-FFF2-40B4-BE49-F238E27FC236}">
-                <a16:creationId xmlns:a16="http://schemas.microsoft.com/office/drawing/2014/main" id="{55685CC3-ED4A-2F3D-5730-49C67145A6C8}"/>
-              </a:ext>
-            </a:extLst>
-          </p:cNvPr>
-          <p:cNvSpPr>
-            <a:spLocks noChangeAspect="1"/>
-          </p:cNvSpPr>
-          <p:nvPr/>
-        </p:nvSpPr>
-        <p:spPr>
-          <a:xfrm>
-            <a:off x="7902596" y="3652611"/>
-            <a:ext cx="1146105" cy="1269840"/>
-          </a:xfrm>
-          <a:prstGeom prst="rect">
-            <a:avLst/>
-          </a:prstGeom>
-          <a:solidFill>
-            <a:srgbClr val="000000">
-              <a:alpha val="47059"/>
-            </a:srgbClr>
-          </a:solidFill>
-          <a:ln>
-            <a:noFill/>
-          </a:ln>
-        </p:spPr>
-        <p:style>
-          <a:lnRef idx="2">
-            <a:schemeClr val="accent1">
-              <a:shade val="15000"/>
-            </a:schemeClr>
-          </a:lnRef>
-          <a:fillRef idx="1">
-            <a:schemeClr val="accent1"/>
-          </a:fillRef>
-          <a:effectRef idx="0">
-            <a:schemeClr val="accent1"/>
-          </a:effectRef>
-          <a:fontRef idx="minor">
-            <a:schemeClr val="lt1"/>
-          </a:fontRef>
-        </p:style>
-        <p:txBody>
-          <a:bodyPr rtlCol="0" anchor="ctr"/>
-          <a:lstStyle/>
-          <a:p>
-            <a:pPr algn="ctr"/>
-            <a:endParaRPr lang="en-GB" dirty="0"/>
-          </a:p>
-        </p:txBody>
-      </p:sp>
-      <p:sp>
-        <p:nvSpPr>
-          <p:cNvPr id="34" name="Rectangle 33">
-            <a:extLst>
-              <a:ext uri="{FF2B5EF4-FFF2-40B4-BE49-F238E27FC236}">
-                <a16:creationId xmlns:a16="http://schemas.microsoft.com/office/drawing/2014/main" id="{C928D708-7623-DB31-4AF6-8F920479F94C}"/>
-              </a:ext>
-            </a:extLst>
-          </p:cNvPr>
-          <p:cNvSpPr>
-            <a:spLocks noChangeAspect="1"/>
-          </p:cNvSpPr>
-          <p:nvPr/>
-        </p:nvSpPr>
-        <p:spPr>
-          <a:xfrm>
-            <a:off x="10020300" y="3718804"/>
-            <a:ext cx="1189975" cy="1702359"/>
-          </a:xfrm>
-          <a:prstGeom prst="rect">
-            <a:avLst/>
-          </a:prstGeom>
-          <a:solidFill>
-            <a:schemeClr val="tx1"/>
-          </a:solidFill>
-          <a:ln>
-            <a:noFill/>
-          </a:ln>
-        </p:spPr>
-        <p:style>
-          <a:lnRef idx="2">
-            <a:schemeClr val="accent1">
-              <a:shade val="15000"/>
-            </a:schemeClr>
-          </a:lnRef>
-          <a:fillRef idx="1">
-            <a:schemeClr val="accent1"/>
-          </a:fillRef>
-          <a:effectRef idx="0">
-            <a:schemeClr val="accent1"/>
-          </a:effectRef>
-          <a:fontRef idx="minor">
-            <a:schemeClr val="lt1"/>
-          </a:fontRef>
-        </p:style>
-        <p:txBody>
-          <a:bodyPr rtlCol="0" anchor="ctr"/>
-          <a:lstStyle/>
-          <a:p>
-            <a:pPr algn="ctr"/>
-            <a:endParaRPr lang="en-GB" dirty="0"/>
-          </a:p>
-        </p:txBody>
-      </p:sp>
-      <p:pic>
-        <p:nvPicPr>
-          <p:cNvPr id="1043" name="Picture 1042">
-            <a:extLst>
-              <a:ext uri="{FF2B5EF4-FFF2-40B4-BE49-F238E27FC236}">
-                <a16:creationId xmlns:a16="http://schemas.microsoft.com/office/drawing/2014/main" id="{71EA9D97-3170-736D-2F00-D03CB1DB8576}"/>
-              </a:ext>
-            </a:extLst>
-          </p:cNvPr>
-          <p:cNvPicPr>
-            <a:picLocks noChangeAspect="1"/>
-          </p:cNvPicPr>
-          <p:nvPr/>
-        </p:nvPicPr>
-        <p:blipFill>
-          <a:blip r:embed="rId9">
-            <a:extLst>
-              <a:ext uri="{28A0092B-C50C-407E-A947-70E740481C1C}">
-                <a14:useLocalDpi xmlns:a14="http://schemas.microsoft.com/office/drawing/2010/main" val="0"/>
-              </a:ext>
-            </a:extLst>
-          </a:blip>
-          <a:stretch>
-            <a:fillRect/>
-          </a:stretch>
-        </p:blipFill>
-        <p:spPr>
-          <a:xfrm>
-            <a:off x="4513777" y="5083586"/>
-            <a:ext cx="209550" cy="183471"/>
-          </a:xfrm>
-          <a:prstGeom prst="rect">
-            <a:avLst/>
-          </a:prstGeom>
-        </p:spPr>
-      </p:pic>
-      <p:pic>
-        <p:nvPicPr>
-          <p:cNvPr id="1045" name="Picture 1044">
-            <a:extLst>
-              <a:ext uri="{FF2B5EF4-FFF2-40B4-BE49-F238E27FC236}">
-                <a16:creationId xmlns:a16="http://schemas.microsoft.com/office/drawing/2014/main" id="{99E9E48B-1FFD-515D-C1B5-594BAE1754D5}"/>
-              </a:ext>
-            </a:extLst>
-          </p:cNvPr>
-          <p:cNvPicPr>
-            <a:picLocks noChangeAspect="1"/>
-          </p:cNvPicPr>
-          <p:nvPr/>
-        </p:nvPicPr>
-        <p:blipFill>
-          <a:blip r:embed="rId10">
-            <a:extLst>
-              <a:ext uri="{28A0092B-C50C-407E-A947-70E740481C1C}">
-                <a14:useLocalDpi xmlns:a14="http://schemas.microsoft.com/office/drawing/2010/main" val="0"/>
-              </a:ext>
-            </a:extLst>
-          </a:blip>
-          <a:stretch>
-            <a:fillRect/>
-          </a:stretch>
-        </p:blipFill>
-        <p:spPr>
-          <a:xfrm>
-            <a:off x="5851775" y="5050095"/>
-            <a:ext cx="209550" cy="183928"/>
-          </a:xfrm>
-          <a:prstGeom prst="rect">
-            <a:avLst/>
-          </a:prstGeom>
-        </p:spPr>
-      </p:pic>
-      <p:grpSp>
-        <p:nvGrpSpPr>
-          <p:cNvPr id="1079" name="Group 1078">
-            <a:extLst>
-              <a:ext uri="{FF2B5EF4-FFF2-40B4-BE49-F238E27FC236}">
-                <a16:creationId xmlns:a16="http://schemas.microsoft.com/office/drawing/2014/main" id="{B926B9C4-2696-2369-6095-9C41E4F09B89}"/>
-              </a:ext>
-            </a:extLst>
-          </p:cNvPr>
-          <p:cNvGrpSpPr/>
-          <p:nvPr/>
-        </p:nvGrpSpPr>
-        <p:grpSpPr>
-          <a:xfrm>
-            <a:off x="5307871" y="3281696"/>
-            <a:ext cx="1234884" cy="1124657"/>
-            <a:chOff x="5307871" y="3281696"/>
-            <a:chExt cx="1234884" cy="1124657"/>
-          </a:xfrm>
-        </p:grpSpPr>
-        <p:sp>
-          <p:nvSpPr>
-            <p:cNvPr id="1068" name="Freeform: Shape 1067">
-              <a:extLst>
-                <a:ext uri="{FF2B5EF4-FFF2-40B4-BE49-F238E27FC236}">
-                  <a16:creationId xmlns:a16="http://schemas.microsoft.com/office/drawing/2014/main" id="{14CBED7B-3A7C-2A17-5AE7-A4EFE147F03F}"/>
-                </a:ext>
-              </a:extLst>
-            </p:cNvPr>
-            <p:cNvSpPr>
-              <a:spLocks/>
-            </p:cNvSpPr>
-            <p:nvPr/>
-          </p:nvSpPr>
-          <p:spPr>
-            <a:xfrm rot="20697523">
-              <a:off x="5432678" y="3442233"/>
+              <a:off x="3816392" y="3511832"/>
               <a:ext cx="982597" cy="709560"/>
             </a:xfrm>
             <a:custGeom>
@@ -18298,7 +18298,7 @@
               </a:pathLst>
             </a:custGeom>
             <a:solidFill>
-              <a:srgbClr val="7F7F7F"/>
+              <a:schemeClr val="bg1"/>
             </a:solidFill>
             <a:ln>
               <a:noFill/>
@@ -18333,10 +18333,10 @@
         </p:sp>
         <p:pic>
           <p:nvPicPr>
-            <p:cNvPr id="1069" name="Picture 1068" descr="A black background with a black square&#10;&#10;AI-generated content may be incorrect.">
+            <p:cNvPr id="1099" name="Picture 1098" descr="A black background with a black square&#10;&#10;AI-generated content may be incorrect.">
               <a:extLst>
                 <a:ext uri="{FF2B5EF4-FFF2-40B4-BE49-F238E27FC236}">
-                  <a16:creationId xmlns:a16="http://schemas.microsoft.com/office/drawing/2014/main" id="{FDD6F425-19E6-0288-7485-32D4D646946F}"/>
+                  <a16:creationId xmlns:a16="http://schemas.microsoft.com/office/drawing/2014/main" id="{F19D4940-5C84-FD55-FE31-8C8ADD5262FE}"/>
                 </a:ext>
               </a:extLst>
             </p:cNvPr>
@@ -18346,7 +18346,7 @@
             <p:nvPr/>
           </p:nvPicPr>
           <p:blipFill>
-            <a:blip r:embed="rId2">
+            <a:blip r:embed="rId7">
               <a:extLst>
                 <a:ext uri="{28A0092B-C50C-407E-A947-70E740481C1C}">
                   <a14:useLocalDpi xmlns:a14="http://schemas.microsoft.com/office/drawing/2010/main" val="0"/>
@@ -18360,7 +18360,7 @@
           </p:blipFill>
           <p:spPr>
             <a:xfrm rot="16200000" flipH="1">
-              <a:off x="5593338" y="3456936"/>
+              <a:off x="3984672" y="3511295"/>
               <a:ext cx="996173" cy="902661"/>
             </a:xfrm>
             <a:prstGeom prst="rect">
@@ -18370,10 +18370,10 @@
         </p:pic>
         <p:pic>
           <p:nvPicPr>
-            <p:cNvPr id="1070" name="Picture 1069" descr="A black background with a black square&#10;&#10;AI-generated content may be incorrect.">
+            <p:cNvPr id="1100" name="Picture 1099" descr="A black background with a black square&#10;&#10;AI-generated content may be incorrect.">
               <a:extLst>
                 <a:ext uri="{FF2B5EF4-FFF2-40B4-BE49-F238E27FC236}">
-                  <a16:creationId xmlns:a16="http://schemas.microsoft.com/office/drawing/2014/main" id="{B1F44E3A-7A70-B1D6-C983-45BF54E1C03E}"/>
+                  <a16:creationId xmlns:a16="http://schemas.microsoft.com/office/drawing/2014/main" id="{A9795692-E6A2-D56F-EFD4-F4AABAF79FFB}"/>
                 </a:ext>
               </a:extLst>
             </p:cNvPr>
@@ -18383,7 +18383,7 @@
             <p:nvPr/>
           </p:nvPicPr>
           <p:blipFill>
-            <a:blip r:embed="rId2">
+            <a:blip r:embed="rId7">
               <a:extLst>
                 <a:ext uri="{28A0092B-C50C-407E-A947-70E740481C1C}">
                   <a14:useLocalDpi xmlns:a14="http://schemas.microsoft.com/office/drawing/2010/main" val="0"/>
@@ -18397,7 +18397,7 @@
           </p:blipFill>
           <p:spPr>
             <a:xfrm rot="15291856" flipH="1">
-              <a:off x="5291104" y="3713459"/>
+              <a:off x="3682438" y="3767818"/>
               <a:ext cx="303914" cy="270380"/>
             </a:xfrm>
             <a:prstGeom prst="rect">
@@ -18407,10 +18407,10 @@
         </p:pic>
         <p:pic>
           <p:nvPicPr>
-            <p:cNvPr id="1071" name="Picture 1070" descr="A black background with a black square&#10;&#10;AI-generated content may be incorrect.">
+            <p:cNvPr id="1101" name="Picture 1100" descr="A black background with a black square&#10;&#10;AI-generated content may be incorrect.">
               <a:extLst>
                 <a:ext uri="{FF2B5EF4-FFF2-40B4-BE49-F238E27FC236}">
-                  <a16:creationId xmlns:a16="http://schemas.microsoft.com/office/drawing/2014/main" id="{C64B21D4-5A63-97CB-07B2-78D958D3B6DC}"/>
+                  <a16:creationId xmlns:a16="http://schemas.microsoft.com/office/drawing/2014/main" id="{31876C1F-883B-E4D3-A023-ACD12CF3F95C}"/>
                 </a:ext>
               </a:extLst>
             </p:cNvPr>
@@ -18420,7 +18420,7 @@
             <p:nvPr/>
           </p:nvPicPr>
           <p:blipFill>
-            <a:blip r:embed="rId2">
+            <a:blip r:embed="rId7">
               <a:extLst>
                 <a:ext uri="{28A0092B-C50C-407E-A947-70E740481C1C}">
                   <a14:useLocalDpi xmlns:a14="http://schemas.microsoft.com/office/drawing/2010/main" val="0"/>
@@ -18434,7 +18434,7 @@
           </p:blipFill>
           <p:spPr>
             <a:xfrm rot="14636352" flipH="1">
-              <a:off x="5523772" y="3789857"/>
+              <a:off x="3915106" y="3844216"/>
               <a:ext cx="222988" cy="148903"/>
             </a:xfrm>
             <a:prstGeom prst="rect">
@@ -18444,10 +18444,10 @@
         </p:pic>
         <p:pic>
           <p:nvPicPr>
-            <p:cNvPr id="1072" name="Picture 1071" descr="A black background with a black square&#10;&#10;AI-generated content may be incorrect.">
+            <p:cNvPr id="1102" name="Picture 1101" descr="A black background with a black square&#10;&#10;AI-generated content may be incorrect.">
               <a:extLst>
                 <a:ext uri="{FF2B5EF4-FFF2-40B4-BE49-F238E27FC236}">
-                  <a16:creationId xmlns:a16="http://schemas.microsoft.com/office/drawing/2014/main" id="{2342CEA1-87B4-E5D7-2D5E-EA771D21B02A}"/>
+                  <a16:creationId xmlns:a16="http://schemas.microsoft.com/office/drawing/2014/main" id="{B90038E3-ABFB-9D81-6ABC-7942913EADC6}"/>
                 </a:ext>
               </a:extLst>
             </p:cNvPr>
@@ -18457,7 +18457,7 @@
             <p:nvPr/>
           </p:nvPicPr>
           <p:blipFill>
-            <a:blip r:embed="rId2">
+            <a:blip r:embed="rId7">
               <a:extLst>
                 <a:ext uri="{28A0092B-C50C-407E-A947-70E740481C1C}">
                   <a14:useLocalDpi xmlns:a14="http://schemas.microsoft.com/office/drawing/2010/main" val="0"/>
@@ -18471,7 +18471,7 @@
           </p:blipFill>
           <p:spPr>
             <a:xfrm rot="15698569" flipH="1">
-              <a:off x="5417472" y="3499957"/>
+              <a:off x="3808806" y="3554316"/>
               <a:ext cx="210357" cy="193613"/>
             </a:xfrm>
             <a:prstGeom prst="rect">
@@ -18481,10 +18481,10 @@
         </p:pic>
         <p:pic>
           <p:nvPicPr>
-            <p:cNvPr id="1073" name="Picture 1072" descr="A black background with a black square&#10;&#10;AI-generated content may be incorrect.">
+            <p:cNvPr id="1103" name="Picture 1102" descr="A black background with a black square&#10;&#10;AI-generated content may be incorrect.">
               <a:extLst>
                 <a:ext uri="{FF2B5EF4-FFF2-40B4-BE49-F238E27FC236}">
-                  <a16:creationId xmlns:a16="http://schemas.microsoft.com/office/drawing/2014/main" id="{228DAB39-E97C-0C3A-FC70-1C140ED65066}"/>
+                  <a16:creationId xmlns:a16="http://schemas.microsoft.com/office/drawing/2014/main" id="{81DB6FD4-F671-02A4-B98B-2447FFF0CECD}"/>
                 </a:ext>
               </a:extLst>
             </p:cNvPr>
@@ -18494,7 +18494,7 @@
             <p:nvPr/>
           </p:nvPicPr>
           <p:blipFill>
-            <a:blip r:embed="rId2">
+            <a:blip r:embed="rId7">
               <a:extLst>
                 <a:ext uri="{28A0092B-C50C-407E-A947-70E740481C1C}">
                   <a14:useLocalDpi xmlns:a14="http://schemas.microsoft.com/office/drawing/2010/main" val="0"/>
@@ -18508,7 +18508,7 @@
           </p:blipFill>
           <p:spPr>
             <a:xfrm rot="15427643" flipH="1">
-              <a:off x="5371482" y="3978842"/>
+              <a:off x="3762816" y="4033201"/>
               <a:ext cx="403782" cy="379891"/>
             </a:xfrm>
             <a:prstGeom prst="rect">
@@ -18518,10 +18518,10 @@
         </p:pic>
         <p:grpSp>
           <p:nvGrpSpPr>
-            <p:cNvPr id="1074" name="Group 1073">
+            <p:cNvPr id="1104" name="Group 1103">
               <a:extLst>
                 <a:ext uri="{FF2B5EF4-FFF2-40B4-BE49-F238E27FC236}">
-                  <a16:creationId xmlns:a16="http://schemas.microsoft.com/office/drawing/2014/main" id="{B5874123-345C-409B-6540-C1C1A65DCD57}"/>
+                  <a16:creationId xmlns:a16="http://schemas.microsoft.com/office/drawing/2014/main" id="{4AF182B9-B023-C035-2D6E-861209888C92}"/>
                 </a:ext>
               </a:extLst>
             </p:cNvPr>
@@ -18532,18 +18532,18 @@
           </p:nvGrpSpPr>
           <p:grpSpPr>
             <a:xfrm>
-              <a:off x="6209391" y="3296888"/>
+              <a:off x="4585485" y="3351247"/>
               <a:ext cx="330658" cy="431994"/>
-              <a:chOff x="6340581" y="2572446"/>
+              <a:chOff x="6325341" y="2572446"/>
               <a:chExt cx="330658" cy="431994"/>
             </a:xfrm>
           </p:grpSpPr>
           <p:pic>
             <p:nvPicPr>
-              <p:cNvPr id="1077" name="Picture 1076" descr="A black background with a black square&#10;&#10;AI-generated content may be incorrect.">
+              <p:cNvPr id="1107" name="Picture 1106" descr="A black background with a black square&#10;&#10;AI-generated content may be incorrect.">
                 <a:extLst>
                   <a:ext uri="{FF2B5EF4-FFF2-40B4-BE49-F238E27FC236}">
-                    <a16:creationId xmlns:a16="http://schemas.microsoft.com/office/drawing/2014/main" id="{EB7D2519-E076-C7F7-CBC4-3730D29A7CB8}"/>
+                    <a16:creationId xmlns:a16="http://schemas.microsoft.com/office/drawing/2014/main" id="{7572D2C7-C3E4-70B2-8A9F-65C094DD5870}"/>
                   </a:ext>
                 </a:extLst>
               </p:cNvPr>
@@ -18553,7 +18553,7 @@
               <p:nvPr/>
             </p:nvPicPr>
             <p:blipFill>
-              <a:blip r:embed="rId2">
+              <a:blip r:embed="rId7">
                 <a:extLst>
                   <a:ext uri="{28A0092B-C50C-407E-A947-70E740481C1C}">
                     <a14:useLocalDpi xmlns:a14="http://schemas.microsoft.com/office/drawing/2010/main" val="0"/>
@@ -18565,7 +18565,7 @@
             </p:blipFill>
             <p:spPr>
               <a:xfrm rot="10800000" flipV="1">
-                <a:off x="6340581" y="2788443"/>
+                <a:off x="6325341" y="2788443"/>
                 <a:ext cx="266701" cy="215997"/>
               </a:xfrm>
               <a:prstGeom prst="rect">
@@ -18575,10 +18575,10 @@
           </p:pic>
           <p:pic>
             <p:nvPicPr>
-              <p:cNvPr id="1078" name="Picture 1077" descr="A black background with a black square&#10;&#10;AI-generated content may be incorrect.">
+              <p:cNvPr id="1108" name="Picture 1107" descr="A black background with a black square&#10;&#10;AI-generated content may be incorrect.">
                 <a:extLst>
                   <a:ext uri="{FF2B5EF4-FFF2-40B4-BE49-F238E27FC236}">
-                    <a16:creationId xmlns:a16="http://schemas.microsoft.com/office/drawing/2014/main" id="{539B8433-F91E-EEAA-4CDB-3F0C9F76AA81}"/>
+                    <a16:creationId xmlns:a16="http://schemas.microsoft.com/office/drawing/2014/main" id="{9CD47F9C-0E34-4DCB-6FB9-04C96B6E6650}"/>
                   </a:ext>
                 </a:extLst>
               </p:cNvPr>
@@ -18588,7 +18588,7 @@
               <p:nvPr/>
             </p:nvPicPr>
             <p:blipFill>
-              <a:blip r:embed="rId2">
+              <a:blip r:embed="rId7">
                 <a:extLst>
                   <a:ext uri="{28A0092B-C50C-407E-A947-70E740481C1C}">
                     <a14:useLocalDpi xmlns:a14="http://schemas.microsoft.com/office/drawing/2010/main" val="0"/>
@@ -18600,7 +18600,7 @@
             </p:blipFill>
             <p:spPr>
               <a:xfrm rot="10800000" flipH="1">
-                <a:off x="6404538" y="2572446"/>
+                <a:off x="6389298" y="2572446"/>
                 <a:ext cx="266701" cy="215997"/>
               </a:xfrm>
               <a:prstGeom prst="rect">
@@ -18611,10 +18611,10 @@
         </p:grpSp>
         <p:pic>
           <p:nvPicPr>
-            <p:cNvPr id="1075" name="Picture 1074" descr="A black background with a black square&#10;&#10;AI-generated content may be incorrect.">
+            <p:cNvPr id="1105" name="Picture 1104" descr="A black background with a black square&#10;&#10;AI-generated content may be incorrect.">
               <a:extLst>
                 <a:ext uri="{FF2B5EF4-FFF2-40B4-BE49-F238E27FC236}">
-                  <a16:creationId xmlns:a16="http://schemas.microsoft.com/office/drawing/2014/main" id="{B7089731-983B-B9CC-2338-D96DE46D5E27}"/>
+                  <a16:creationId xmlns:a16="http://schemas.microsoft.com/office/drawing/2014/main" id="{843C5C39-EB5F-6FBF-EBBD-DF13D1D1AFD8}"/>
                 </a:ext>
               </a:extLst>
             </p:cNvPr>
@@ -18624,7 +18624,7 @@
             <p:nvPr/>
           </p:nvPicPr>
           <p:blipFill>
-            <a:blip r:embed="rId2">
+            <a:blip r:embed="rId7">
               <a:extLst>
                 <a:ext uri="{28A0092B-C50C-407E-A947-70E740481C1C}">
                   <a14:useLocalDpi xmlns:a14="http://schemas.microsoft.com/office/drawing/2010/main" val="0"/>
@@ -18636,7 +18636,7 @@
           </p:blipFill>
           <p:spPr>
             <a:xfrm rot="16200000" flipH="1">
-              <a:off x="6075819" y="3042733"/>
+              <a:off x="4459533" y="3097092"/>
               <a:ext cx="164481" cy="642408"/>
             </a:xfrm>
             <a:prstGeom prst="rect">
@@ -18646,10 +18646,10 @@
         </p:pic>
         <p:pic>
           <p:nvPicPr>
-            <p:cNvPr id="1076" name="Picture 1075" descr="A black background with a black square&#10;&#10;AI-generated content may be incorrect.">
+            <p:cNvPr id="1106" name="Picture 1105" descr="A black background with a black square&#10;&#10;AI-generated content may be incorrect.">
               <a:extLst>
                 <a:ext uri="{FF2B5EF4-FFF2-40B4-BE49-F238E27FC236}">
-                  <a16:creationId xmlns:a16="http://schemas.microsoft.com/office/drawing/2014/main" id="{5BF2909A-CD6C-4B93-ADEF-BF1FB8DC24A4}"/>
+                  <a16:creationId xmlns:a16="http://schemas.microsoft.com/office/drawing/2014/main" id="{94E81C04-3A6E-F55C-806C-32BE44F613EA}"/>
                 </a:ext>
               </a:extLst>
             </p:cNvPr>
@@ -18659,7 +18659,7 @@
             <p:nvPr/>
           </p:nvPicPr>
           <p:blipFill>
-            <a:blip r:embed="rId2">
+            <a:blip r:embed="rId7">
               <a:extLst>
                 <a:ext uri="{28A0092B-C50C-407E-A947-70E740481C1C}">
                   <a14:useLocalDpi xmlns:a14="http://schemas.microsoft.com/office/drawing/2010/main" val="0"/>
@@ -18673,7 +18673,7 @@
           </p:blipFill>
           <p:spPr>
             <a:xfrm rot="16000379" flipV="1">
-              <a:off x="5530073" y="3492287"/>
+              <a:off x="3921407" y="3546646"/>
               <a:ext cx="177626" cy="74439"/>
             </a:xfrm>
             <a:prstGeom prst="rect">
@@ -18684,15 +18684,15 @@
       </p:grpSp>
       <p:pic>
         <p:nvPicPr>
-          <p:cNvPr id="1081" name="Picture 1080">
+          <p:cNvPr id="1112" name="Picture 1111">
             <a:extLst>
               <a:ext uri="{FF2B5EF4-FFF2-40B4-BE49-F238E27FC236}">
-                <a16:creationId xmlns:a16="http://schemas.microsoft.com/office/drawing/2014/main" id="{4A8F27B4-CE9A-747D-CD51-4D2C1C942199}"/>
+                <a16:creationId xmlns:a16="http://schemas.microsoft.com/office/drawing/2014/main" id="{D992CA8C-8983-69F9-4B2D-2220C59879B5}"/>
               </a:ext>
             </a:extLst>
           </p:cNvPr>
-          <p:cNvPicPr preferRelativeResize="0">
-            <a:picLocks/>
+          <p:cNvPicPr>
+            <a:picLocks noChangeAspect="1"/>
           </p:cNvPicPr>
           <p:nvPr/>
         </p:nvPicPr>
@@ -18710,8 +18710,8 @@
         </p:blipFill>
         <p:spPr>
           <a:xfrm>
-            <a:off x="4510811" y="5411886"/>
-            <a:ext cx="209550" cy="183600"/>
+            <a:off x="4501082" y="5559131"/>
+            <a:ext cx="209550" cy="186216"/>
           </a:xfrm>
           <a:prstGeom prst="rect">
             <a:avLst/>
@@ -18720,20 +18720,21 @@
       </p:pic>
       <p:pic>
         <p:nvPicPr>
-          <p:cNvPr id="1083" name="Picture 1082">
+          <p:cNvPr id="1114" name="Picture 1113">
             <a:extLst>
               <a:ext uri="{FF2B5EF4-FFF2-40B4-BE49-F238E27FC236}">
-                <a16:creationId xmlns:a16="http://schemas.microsoft.com/office/drawing/2014/main" id="{ECFBFF66-BE60-5020-17C8-01ADEE29102E}"/>
+                <a16:creationId xmlns:a16="http://schemas.microsoft.com/office/drawing/2014/main" id="{87742A16-C090-A75B-5D12-CC2DFF14B3E4}"/>
               </a:ext>
             </a:extLst>
           </p:cNvPr>
-          <p:cNvPicPr preferRelativeResize="0">
-            <a:picLocks/>
+          <p:cNvPicPr>
+            <a:picLocks noChangeAspect="1"/>
           </p:cNvPicPr>
           <p:nvPr/>
         </p:nvPicPr>
         <p:blipFill>
           <a:blip r:embed="rId12">
+            <a:alphaModFix/>
             <a:extLst>
               <a:ext uri="{28A0092B-C50C-407E-A947-70E740481C1C}">
                 <a14:useLocalDpi xmlns:a14="http://schemas.microsoft.com/office/drawing/2010/main" val="0"/>
@@ -18746,8 +18747,8 @@
         </p:blipFill>
         <p:spPr>
           <a:xfrm>
-            <a:off x="5851775" y="5411886"/>
-            <a:ext cx="207058" cy="183600"/>
+            <a:off x="5818165" y="5584031"/>
+            <a:ext cx="209550" cy="185810"/>
           </a:xfrm>
           <a:prstGeom prst="rect">
             <a:avLst/>
